--- a/2022-10-15 Authorization-In-Distributed-Systems/Authorization-In-Distributed-Systems.pptx
+++ b/2022-10-15 Authorization-In-Distributed-Systems/Authorization-In-Distributed-Systems.pptx
@@ -6,8 +6,8 @@
   </p:sldMasterIdLst>
   <p:sldIdLst>
     <p:sldId id="256" r:id="rId2"/>
-    <p:sldId id="265" r:id="rId3"/>
-    <p:sldId id="266" r:id="rId4"/>
+    <p:sldId id="266" r:id="rId3"/>
+    <p:sldId id="265" r:id="rId4"/>
     <p:sldId id="267" r:id="rId5"/>
     <p:sldId id="268" r:id="rId6"/>
     <p:sldId id="269" r:id="rId7"/>
@@ -124,6 +124,3001 @@
 </p:presentation>
 </file>
 
+<file path=ppt/diagrams/colors1.xml><?xml version="1.0" encoding="utf-8"?>
+<dgm:colorsDef xmlns:dgm="http://schemas.openxmlformats.org/drawingml/2006/diagram" xmlns:a="http://schemas.openxmlformats.org/drawingml/2006/main" uniqueId="urn:microsoft.com/office/officeart/2005/8/colors/accent1_2">
+  <dgm:title val=""/>
+  <dgm:desc val=""/>
+  <dgm:catLst>
+    <dgm:cat type="accent1" pri="11200"/>
+  </dgm:catLst>
+  <dgm:styleLbl name="node0">
+    <dgm:fillClrLst meth="repeat">
+      <a:schemeClr val="accent1"/>
+    </dgm:fillClrLst>
+    <dgm:linClrLst meth="repeat">
+      <a:schemeClr val="lt1"/>
+    </dgm:linClrLst>
+    <dgm:effectClrLst/>
+    <dgm:txLinClrLst/>
+    <dgm:txFillClrLst/>
+    <dgm:txEffectClrLst/>
+  </dgm:styleLbl>
+  <dgm:styleLbl name="alignNode1">
+    <dgm:fillClrLst meth="repeat">
+      <a:schemeClr val="accent1"/>
+    </dgm:fillClrLst>
+    <dgm:linClrLst meth="repeat">
+      <a:schemeClr val="accent1"/>
+    </dgm:linClrLst>
+    <dgm:effectClrLst/>
+    <dgm:txLinClrLst/>
+    <dgm:txFillClrLst/>
+    <dgm:txEffectClrLst/>
+  </dgm:styleLbl>
+  <dgm:styleLbl name="node1">
+    <dgm:fillClrLst meth="repeat">
+      <a:schemeClr val="accent1"/>
+    </dgm:fillClrLst>
+    <dgm:linClrLst meth="repeat">
+      <a:schemeClr val="lt1"/>
+    </dgm:linClrLst>
+    <dgm:effectClrLst/>
+    <dgm:txLinClrLst/>
+    <dgm:txFillClrLst/>
+    <dgm:txEffectClrLst/>
+  </dgm:styleLbl>
+  <dgm:styleLbl name="lnNode1">
+    <dgm:fillClrLst meth="repeat">
+      <a:schemeClr val="accent1"/>
+    </dgm:fillClrLst>
+    <dgm:linClrLst meth="repeat">
+      <a:schemeClr val="lt1"/>
+    </dgm:linClrLst>
+    <dgm:effectClrLst/>
+    <dgm:txLinClrLst/>
+    <dgm:txFillClrLst/>
+    <dgm:txEffectClrLst/>
+  </dgm:styleLbl>
+  <dgm:styleLbl name="vennNode1">
+    <dgm:fillClrLst meth="repeat">
+      <a:schemeClr val="accent1">
+        <a:alpha val="50000"/>
+      </a:schemeClr>
+    </dgm:fillClrLst>
+    <dgm:linClrLst meth="repeat">
+      <a:schemeClr val="lt1"/>
+    </dgm:linClrLst>
+    <dgm:effectClrLst/>
+    <dgm:txLinClrLst/>
+    <dgm:txFillClrLst/>
+    <dgm:txEffectClrLst/>
+  </dgm:styleLbl>
+  <dgm:styleLbl name="node2">
+    <dgm:fillClrLst meth="repeat">
+      <a:schemeClr val="accent1"/>
+    </dgm:fillClrLst>
+    <dgm:linClrLst meth="repeat">
+      <a:schemeClr val="lt1"/>
+    </dgm:linClrLst>
+    <dgm:effectClrLst/>
+    <dgm:txLinClrLst/>
+    <dgm:txFillClrLst/>
+    <dgm:txEffectClrLst/>
+  </dgm:styleLbl>
+  <dgm:styleLbl name="node3">
+    <dgm:fillClrLst meth="repeat">
+      <a:schemeClr val="accent1"/>
+    </dgm:fillClrLst>
+    <dgm:linClrLst meth="repeat">
+      <a:schemeClr val="lt1"/>
+    </dgm:linClrLst>
+    <dgm:effectClrLst/>
+    <dgm:txLinClrLst/>
+    <dgm:txFillClrLst/>
+    <dgm:txEffectClrLst/>
+  </dgm:styleLbl>
+  <dgm:styleLbl name="node4">
+    <dgm:fillClrLst meth="repeat">
+      <a:schemeClr val="accent1"/>
+    </dgm:fillClrLst>
+    <dgm:linClrLst meth="repeat">
+      <a:schemeClr val="lt1"/>
+    </dgm:linClrLst>
+    <dgm:effectClrLst/>
+    <dgm:txLinClrLst/>
+    <dgm:txFillClrLst/>
+    <dgm:txEffectClrLst/>
+  </dgm:styleLbl>
+  <dgm:styleLbl name="fgImgPlace1">
+    <dgm:fillClrLst meth="repeat">
+      <a:schemeClr val="accent1">
+        <a:tint val="50000"/>
+      </a:schemeClr>
+    </dgm:fillClrLst>
+    <dgm:linClrLst meth="repeat">
+      <a:schemeClr val="lt1"/>
+    </dgm:linClrLst>
+    <dgm:effectClrLst/>
+    <dgm:txLinClrLst/>
+    <dgm:txFillClrLst meth="repeat">
+      <a:schemeClr val="lt1"/>
+    </dgm:txFillClrLst>
+    <dgm:txEffectClrLst/>
+  </dgm:styleLbl>
+  <dgm:styleLbl name="alignImgPlace1">
+    <dgm:fillClrLst meth="repeat">
+      <a:schemeClr val="accent1">
+        <a:tint val="50000"/>
+      </a:schemeClr>
+    </dgm:fillClrLst>
+    <dgm:linClrLst meth="repeat">
+      <a:schemeClr val="lt1"/>
+    </dgm:linClrLst>
+    <dgm:effectClrLst/>
+    <dgm:txLinClrLst/>
+    <dgm:txFillClrLst meth="repeat">
+      <a:schemeClr val="lt1"/>
+    </dgm:txFillClrLst>
+    <dgm:txEffectClrLst/>
+  </dgm:styleLbl>
+  <dgm:styleLbl name="bgImgPlace1">
+    <dgm:fillClrLst meth="repeat">
+      <a:schemeClr val="accent1">
+        <a:tint val="50000"/>
+      </a:schemeClr>
+    </dgm:fillClrLst>
+    <dgm:linClrLst meth="repeat">
+      <a:schemeClr val="lt1"/>
+    </dgm:linClrLst>
+    <dgm:effectClrLst/>
+    <dgm:txLinClrLst/>
+    <dgm:txFillClrLst meth="repeat">
+      <a:schemeClr val="lt1"/>
+    </dgm:txFillClrLst>
+    <dgm:txEffectClrLst/>
+  </dgm:styleLbl>
+  <dgm:styleLbl name="sibTrans2D1">
+    <dgm:fillClrLst meth="repeat">
+      <a:schemeClr val="accent1">
+        <a:tint val="60000"/>
+      </a:schemeClr>
+    </dgm:fillClrLst>
+    <dgm:linClrLst meth="repeat">
+      <a:schemeClr val="accent1">
+        <a:tint val="60000"/>
+      </a:schemeClr>
+    </dgm:linClrLst>
+    <dgm:effectClrLst/>
+    <dgm:txLinClrLst/>
+    <dgm:txFillClrLst/>
+    <dgm:txEffectClrLst/>
+  </dgm:styleLbl>
+  <dgm:styleLbl name="fgSibTrans2D1">
+    <dgm:fillClrLst meth="repeat">
+      <a:schemeClr val="accent1">
+        <a:tint val="60000"/>
+      </a:schemeClr>
+    </dgm:fillClrLst>
+    <dgm:linClrLst meth="repeat">
+      <a:schemeClr val="accent1">
+        <a:tint val="60000"/>
+      </a:schemeClr>
+    </dgm:linClrLst>
+    <dgm:effectClrLst/>
+    <dgm:txLinClrLst/>
+    <dgm:txFillClrLst/>
+    <dgm:txEffectClrLst/>
+  </dgm:styleLbl>
+  <dgm:styleLbl name="bgSibTrans2D1">
+    <dgm:fillClrLst meth="repeat">
+      <a:schemeClr val="accent1">
+        <a:tint val="60000"/>
+      </a:schemeClr>
+    </dgm:fillClrLst>
+    <dgm:linClrLst meth="repeat">
+      <a:schemeClr val="accent1">
+        <a:tint val="60000"/>
+      </a:schemeClr>
+    </dgm:linClrLst>
+    <dgm:effectClrLst/>
+    <dgm:txLinClrLst/>
+    <dgm:txFillClrLst/>
+    <dgm:txEffectClrLst/>
+  </dgm:styleLbl>
+  <dgm:styleLbl name="sibTrans1D1">
+    <dgm:fillClrLst meth="repeat">
+      <a:schemeClr val="accent1"/>
+    </dgm:fillClrLst>
+    <dgm:linClrLst meth="repeat">
+      <a:schemeClr val="accent1"/>
+    </dgm:linClrLst>
+    <dgm:effectClrLst/>
+    <dgm:txLinClrLst/>
+    <dgm:txFillClrLst meth="repeat">
+      <a:schemeClr val="tx1"/>
+    </dgm:txFillClrLst>
+    <dgm:txEffectClrLst/>
+  </dgm:styleLbl>
+  <dgm:styleLbl name="callout">
+    <dgm:fillClrLst meth="repeat">
+      <a:schemeClr val="accent1"/>
+    </dgm:fillClrLst>
+    <dgm:linClrLst meth="repeat">
+      <a:schemeClr val="accent1">
+        <a:tint val="50000"/>
+      </a:schemeClr>
+    </dgm:linClrLst>
+    <dgm:effectClrLst/>
+    <dgm:txLinClrLst/>
+    <dgm:txFillClrLst meth="repeat">
+      <a:schemeClr val="tx1"/>
+    </dgm:txFillClrLst>
+    <dgm:txEffectClrLst/>
+  </dgm:styleLbl>
+  <dgm:styleLbl name="asst0">
+    <dgm:fillClrLst meth="repeat">
+      <a:schemeClr val="accent1"/>
+    </dgm:fillClrLst>
+    <dgm:linClrLst meth="repeat">
+      <a:schemeClr val="lt1"/>
+    </dgm:linClrLst>
+    <dgm:effectClrLst/>
+    <dgm:txLinClrLst/>
+    <dgm:txFillClrLst/>
+    <dgm:txEffectClrLst/>
+  </dgm:styleLbl>
+  <dgm:styleLbl name="asst1">
+    <dgm:fillClrLst meth="repeat">
+      <a:schemeClr val="accent1"/>
+    </dgm:fillClrLst>
+    <dgm:linClrLst meth="repeat">
+      <a:schemeClr val="lt1"/>
+    </dgm:linClrLst>
+    <dgm:effectClrLst/>
+    <dgm:txLinClrLst/>
+    <dgm:txFillClrLst/>
+    <dgm:txEffectClrLst/>
+  </dgm:styleLbl>
+  <dgm:styleLbl name="asst2">
+    <dgm:fillClrLst meth="repeat">
+      <a:schemeClr val="accent1"/>
+    </dgm:fillClrLst>
+    <dgm:linClrLst meth="repeat">
+      <a:schemeClr val="lt1"/>
+    </dgm:linClrLst>
+    <dgm:effectClrLst/>
+    <dgm:txLinClrLst/>
+    <dgm:txFillClrLst/>
+    <dgm:txEffectClrLst/>
+  </dgm:styleLbl>
+  <dgm:styleLbl name="asst3">
+    <dgm:fillClrLst meth="repeat">
+      <a:schemeClr val="accent1"/>
+    </dgm:fillClrLst>
+    <dgm:linClrLst meth="repeat">
+      <a:schemeClr val="lt1"/>
+    </dgm:linClrLst>
+    <dgm:effectClrLst/>
+    <dgm:txLinClrLst/>
+    <dgm:txFillClrLst/>
+    <dgm:txEffectClrLst/>
+  </dgm:styleLbl>
+  <dgm:styleLbl name="asst4">
+    <dgm:fillClrLst meth="repeat">
+      <a:schemeClr val="accent1"/>
+    </dgm:fillClrLst>
+    <dgm:linClrLst meth="repeat">
+      <a:schemeClr val="lt1"/>
+    </dgm:linClrLst>
+    <dgm:effectClrLst/>
+    <dgm:txLinClrLst/>
+    <dgm:txFillClrLst/>
+    <dgm:txEffectClrLst/>
+  </dgm:styleLbl>
+  <dgm:styleLbl name="parChTrans2D1">
+    <dgm:fillClrLst meth="repeat">
+      <a:schemeClr val="accent1">
+        <a:tint val="60000"/>
+      </a:schemeClr>
+    </dgm:fillClrLst>
+    <dgm:linClrLst meth="repeat">
+      <a:schemeClr val="accent1">
+        <a:tint val="60000"/>
+      </a:schemeClr>
+    </dgm:linClrLst>
+    <dgm:effectClrLst/>
+    <dgm:txLinClrLst/>
+    <dgm:txFillClrLst meth="repeat">
+      <a:schemeClr val="lt1"/>
+    </dgm:txFillClrLst>
+    <dgm:txEffectClrLst/>
+  </dgm:styleLbl>
+  <dgm:styleLbl name="parChTrans2D2">
+    <dgm:fillClrLst meth="repeat">
+      <a:schemeClr val="accent1"/>
+    </dgm:fillClrLst>
+    <dgm:linClrLst meth="repeat">
+      <a:schemeClr val="accent1"/>
+    </dgm:linClrLst>
+    <dgm:effectClrLst/>
+    <dgm:txLinClrLst/>
+    <dgm:txFillClrLst meth="repeat">
+      <a:schemeClr val="lt1"/>
+    </dgm:txFillClrLst>
+    <dgm:txEffectClrLst/>
+  </dgm:styleLbl>
+  <dgm:styleLbl name="parChTrans2D3">
+    <dgm:fillClrLst meth="repeat">
+      <a:schemeClr val="accent1"/>
+    </dgm:fillClrLst>
+    <dgm:linClrLst meth="repeat">
+      <a:schemeClr val="accent1"/>
+    </dgm:linClrLst>
+    <dgm:effectClrLst/>
+    <dgm:txLinClrLst/>
+    <dgm:txFillClrLst meth="repeat">
+      <a:schemeClr val="lt1"/>
+    </dgm:txFillClrLst>
+    <dgm:txEffectClrLst/>
+  </dgm:styleLbl>
+  <dgm:styleLbl name="parChTrans2D4">
+    <dgm:fillClrLst meth="repeat">
+      <a:schemeClr val="accent1"/>
+    </dgm:fillClrLst>
+    <dgm:linClrLst meth="repeat">
+      <a:schemeClr val="accent1"/>
+    </dgm:linClrLst>
+    <dgm:effectClrLst/>
+    <dgm:txLinClrLst/>
+    <dgm:txFillClrLst meth="repeat">
+      <a:schemeClr val="lt1"/>
+    </dgm:txFillClrLst>
+    <dgm:txEffectClrLst/>
+  </dgm:styleLbl>
+  <dgm:styleLbl name="parChTrans1D1">
+    <dgm:fillClrLst meth="repeat">
+      <a:schemeClr val="accent1"/>
+    </dgm:fillClrLst>
+    <dgm:linClrLst meth="repeat">
+      <a:schemeClr val="accent1">
+        <a:shade val="60000"/>
+      </a:schemeClr>
+    </dgm:linClrLst>
+    <dgm:effectClrLst/>
+    <dgm:txLinClrLst/>
+    <dgm:txFillClrLst meth="repeat">
+      <a:schemeClr val="tx1"/>
+    </dgm:txFillClrLst>
+    <dgm:txEffectClrLst/>
+  </dgm:styleLbl>
+  <dgm:styleLbl name="parChTrans1D2">
+    <dgm:fillClrLst meth="repeat">
+      <a:schemeClr val="accent1"/>
+    </dgm:fillClrLst>
+    <dgm:linClrLst meth="repeat">
+      <a:schemeClr val="accent1">
+        <a:shade val="60000"/>
+      </a:schemeClr>
+    </dgm:linClrLst>
+    <dgm:effectClrLst/>
+    <dgm:txLinClrLst/>
+    <dgm:txFillClrLst meth="repeat">
+      <a:schemeClr val="tx1"/>
+    </dgm:txFillClrLst>
+    <dgm:txEffectClrLst/>
+  </dgm:styleLbl>
+  <dgm:styleLbl name="parChTrans1D3">
+    <dgm:fillClrLst meth="repeat">
+      <a:schemeClr val="accent1"/>
+    </dgm:fillClrLst>
+    <dgm:linClrLst meth="repeat">
+      <a:schemeClr val="accent1">
+        <a:shade val="80000"/>
+      </a:schemeClr>
+    </dgm:linClrLst>
+    <dgm:effectClrLst/>
+    <dgm:txLinClrLst/>
+    <dgm:txFillClrLst meth="repeat">
+      <a:schemeClr val="tx1"/>
+    </dgm:txFillClrLst>
+    <dgm:txEffectClrLst/>
+  </dgm:styleLbl>
+  <dgm:styleLbl name="parChTrans1D4">
+    <dgm:fillClrLst meth="repeat">
+      <a:schemeClr val="accent1"/>
+    </dgm:fillClrLst>
+    <dgm:linClrLst meth="repeat">
+      <a:schemeClr val="accent1">
+        <a:shade val="80000"/>
+      </a:schemeClr>
+    </dgm:linClrLst>
+    <dgm:effectClrLst/>
+    <dgm:txLinClrLst/>
+    <dgm:txFillClrLst meth="repeat">
+      <a:schemeClr val="tx1"/>
+    </dgm:txFillClrLst>
+    <dgm:txEffectClrLst/>
+  </dgm:styleLbl>
+  <dgm:styleLbl name="fgAcc1">
+    <dgm:fillClrLst meth="repeat">
+      <a:schemeClr val="lt1">
+        <a:alpha val="90000"/>
+      </a:schemeClr>
+    </dgm:fillClrLst>
+    <dgm:linClrLst meth="repeat">
+      <a:schemeClr val="accent1"/>
+    </dgm:linClrLst>
+    <dgm:effectClrLst/>
+    <dgm:txLinClrLst/>
+    <dgm:txFillClrLst meth="repeat">
+      <a:schemeClr val="dk1"/>
+    </dgm:txFillClrLst>
+    <dgm:txEffectClrLst/>
+  </dgm:styleLbl>
+  <dgm:styleLbl name="conFgAcc1">
+    <dgm:fillClrLst meth="repeat">
+      <a:schemeClr val="lt1">
+        <a:alpha val="90000"/>
+      </a:schemeClr>
+    </dgm:fillClrLst>
+    <dgm:linClrLst meth="repeat">
+      <a:schemeClr val="accent1"/>
+    </dgm:linClrLst>
+    <dgm:effectClrLst/>
+    <dgm:txLinClrLst/>
+    <dgm:txFillClrLst meth="repeat">
+      <a:schemeClr val="dk1"/>
+    </dgm:txFillClrLst>
+    <dgm:txEffectClrLst/>
+  </dgm:styleLbl>
+  <dgm:styleLbl name="alignAcc1">
+    <dgm:fillClrLst meth="repeat">
+      <a:schemeClr val="lt1">
+        <a:alpha val="90000"/>
+      </a:schemeClr>
+    </dgm:fillClrLst>
+    <dgm:linClrLst meth="repeat">
+      <a:schemeClr val="accent1"/>
+    </dgm:linClrLst>
+    <dgm:effectClrLst/>
+    <dgm:txLinClrLst/>
+    <dgm:txFillClrLst meth="repeat">
+      <a:schemeClr val="dk1"/>
+    </dgm:txFillClrLst>
+    <dgm:txEffectClrLst/>
+  </dgm:styleLbl>
+  <dgm:styleLbl name="trAlignAcc1">
+    <dgm:fillClrLst meth="repeat">
+      <a:schemeClr val="lt1">
+        <a:alpha val="40000"/>
+      </a:schemeClr>
+    </dgm:fillClrLst>
+    <dgm:linClrLst meth="repeat">
+      <a:schemeClr val="accent1"/>
+    </dgm:linClrLst>
+    <dgm:effectClrLst/>
+    <dgm:txLinClrLst/>
+    <dgm:txFillClrLst meth="repeat">
+      <a:schemeClr val="dk1"/>
+    </dgm:txFillClrLst>
+    <dgm:txEffectClrLst/>
+  </dgm:styleLbl>
+  <dgm:styleLbl name="bgAcc1">
+    <dgm:fillClrLst meth="repeat">
+      <a:schemeClr val="lt1">
+        <a:alpha val="90000"/>
+      </a:schemeClr>
+    </dgm:fillClrLst>
+    <dgm:linClrLst meth="repeat">
+      <a:schemeClr val="accent1"/>
+    </dgm:linClrLst>
+    <dgm:effectClrLst/>
+    <dgm:txLinClrLst/>
+    <dgm:txFillClrLst meth="repeat">
+      <a:schemeClr val="dk1"/>
+    </dgm:txFillClrLst>
+    <dgm:txEffectClrLst/>
+  </dgm:styleLbl>
+  <dgm:styleLbl name="solidFgAcc1">
+    <dgm:fillClrLst meth="repeat">
+      <a:schemeClr val="lt1"/>
+    </dgm:fillClrLst>
+    <dgm:linClrLst meth="repeat">
+      <a:schemeClr val="accent1"/>
+    </dgm:linClrLst>
+    <dgm:effectClrLst/>
+    <dgm:txLinClrLst/>
+    <dgm:txFillClrLst meth="repeat">
+      <a:schemeClr val="dk1"/>
+    </dgm:txFillClrLst>
+    <dgm:txEffectClrLst/>
+  </dgm:styleLbl>
+  <dgm:styleLbl name="solidAlignAcc1">
+    <dgm:fillClrLst meth="repeat">
+      <a:schemeClr val="lt1"/>
+    </dgm:fillClrLst>
+    <dgm:linClrLst meth="repeat">
+      <a:schemeClr val="accent1"/>
+    </dgm:linClrLst>
+    <dgm:effectClrLst/>
+    <dgm:txLinClrLst/>
+    <dgm:txFillClrLst meth="repeat">
+      <a:schemeClr val="dk1"/>
+    </dgm:txFillClrLst>
+    <dgm:txEffectClrLst/>
+  </dgm:styleLbl>
+  <dgm:styleLbl name="solidBgAcc1">
+    <dgm:fillClrLst meth="repeat">
+      <a:schemeClr val="lt1"/>
+    </dgm:fillClrLst>
+    <dgm:linClrLst meth="repeat">
+      <a:schemeClr val="accent1"/>
+    </dgm:linClrLst>
+    <dgm:effectClrLst/>
+    <dgm:txLinClrLst/>
+    <dgm:txFillClrLst meth="repeat">
+      <a:schemeClr val="dk1"/>
+    </dgm:txFillClrLst>
+    <dgm:txEffectClrLst/>
+  </dgm:styleLbl>
+  <dgm:styleLbl name="fgAccFollowNode1">
+    <dgm:fillClrLst meth="repeat">
+      <a:schemeClr val="accent1">
+        <a:alpha val="90000"/>
+        <a:tint val="40000"/>
+      </a:schemeClr>
+    </dgm:fillClrLst>
+    <dgm:linClrLst meth="repeat">
+      <a:schemeClr val="accent1">
+        <a:alpha val="90000"/>
+        <a:tint val="40000"/>
+      </a:schemeClr>
+    </dgm:linClrLst>
+    <dgm:effectClrLst/>
+    <dgm:txLinClrLst/>
+    <dgm:txFillClrLst meth="repeat">
+      <a:schemeClr val="dk1"/>
+    </dgm:txFillClrLst>
+    <dgm:txEffectClrLst/>
+  </dgm:styleLbl>
+  <dgm:styleLbl name="alignAccFollowNode1">
+    <dgm:fillClrLst meth="repeat">
+      <a:schemeClr val="accent1">
+        <a:alpha val="90000"/>
+        <a:tint val="40000"/>
+      </a:schemeClr>
+    </dgm:fillClrLst>
+    <dgm:linClrLst meth="repeat">
+      <a:schemeClr val="accent1">
+        <a:alpha val="90000"/>
+        <a:tint val="40000"/>
+      </a:schemeClr>
+    </dgm:linClrLst>
+    <dgm:effectClrLst/>
+    <dgm:txLinClrLst/>
+    <dgm:txFillClrLst meth="repeat">
+      <a:schemeClr val="dk1"/>
+    </dgm:txFillClrLst>
+    <dgm:txEffectClrLst/>
+  </dgm:styleLbl>
+  <dgm:styleLbl name="bgAccFollowNode1">
+    <dgm:fillClrLst meth="repeat">
+      <a:schemeClr val="accent1">
+        <a:alpha val="90000"/>
+        <a:tint val="40000"/>
+      </a:schemeClr>
+    </dgm:fillClrLst>
+    <dgm:linClrLst meth="repeat">
+      <a:schemeClr val="accent1">
+        <a:alpha val="90000"/>
+        <a:tint val="40000"/>
+      </a:schemeClr>
+    </dgm:linClrLst>
+    <dgm:effectClrLst/>
+    <dgm:txLinClrLst/>
+    <dgm:txFillClrLst meth="repeat">
+      <a:schemeClr val="dk1"/>
+    </dgm:txFillClrLst>
+    <dgm:txEffectClrLst/>
+  </dgm:styleLbl>
+  <dgm:styleLbl name="fgAcc0">
+    <dgm:fillClrLst meth="repeat">
+      <a:schemeClr val="lt1">
+        <a:alpha val="90000"/>
+      </a:schemeClr>
+    </dgm:fillClrLst>
+    <dgm:linClrLst meth="repeat">
+      <a:schemeClr val="accent1"/>
+    </dgm:linClrLst>
+    <dgm:effectClrLst/>
+    <dgm:txLinClrLst/>
+    <dgm:txFillClrLst meth="repeat">
+      <a:schemeClr val="dk1"/>
+    </dgm:txFillClrLst>
+    <dgm:txEffectClrLst/>
+  </dgm:styleLbl>
+  <dgm:styleLbl name="fgAcc2">
+    <dgm:fillClrLst meth="repeat">
+      <a:schemeClr val="lt1">
+        <a:alpha val="90000"/>
+      </a:schemeClr>
+    </dgm:fillClrLst>
+    <dgm:linClrLst meth="repeat">
+      <a:schemeClr val="accent1"/>
+    </dgm:linClrLst>
+    <dgm:effectClrLst/>
+    <dgm:txLinClrLst/>
+    <dgm:txFillClrLst meth="repeat">
+      <a:schemeClr val="dk1"/>
+    </dgm:txFillClrLst>
+    <dgm:txEffectClrLst/>
+  </dgm:styleLbl>
+  <dgm:styleLbl name="fgAcc3">
+    <dgm:fillClrLst meth="repeat">
+      <a:schemeClr val="lt1">
+        <a:alpha val="90000"/>
+      </a:schemeClr>
+    </dgm:fillClrLst>
+    <dgm:linClrLst meth="repeat">
+      <a:schemeClr val="accent1"/>
+    </dgm:linClrLst>
+    <dgm:effectClrLst/>
+    <dgm:txLinClrLst/>
+    <dgm:txFillClrLst meth="repeat">
+      <a:schemeClr val="dk1"/>
+    </dgm:txFillClrLst>
+    <dgm:txEffectClrLst/>
+  </dgm:styleLbl>
+  <dgm:styleLbl name="fgAcc4">
+    <dgm:fillClrLst meth="repeat">
+      <a:schemeClr val="lt1">
+        <a:alpha val="90000"/>
+      </a:schemeClr>
+    </dgm:fillClrLst>
+    <dgm:linClrLst meth="repeat">
+      <a:schemeClr val="accent1"/>
+    </dgm:linClrLst>
+    <dgm:effectClrLst/>
+    <dgm:txLinClrLst/>
+    <dgm:txFillClrLst meth="repeat">
+      <a:schemeClr val="dk1"/>
+    </dgm:txFillClrLst>
+    <dgm:txEffectClrLst/>
+  </dgm:styleLbl>
+  <dgm:styleLbl name="bgShp">
+    <dgm:fillClrLst meth="repeat">
+      <a:schemeClr val="accent1">
+        <a:tint val="40000"/>
+      </a:schemeClr>
+    </dgm:fillClrLst>
+    <dgm:linClrLst meth="repeat">
+      <a:schemeClr val="accent1"/>
+    </dgm:linClrLst>
+    <dgm:effectClrLst/>
+    <dgm:txLinClrLst/>
+    <dgm:txFillClrLst meth="repeat">
+      <a:schemeClr val="dk1"/>
+    </dgm:txFillClrLst>
+    <dgm:txEffectClrLst/>
+  </dgm:styleLbl>
+  <dgm:styleLbl name="dkBgShp">
+    <dgm:fillClrLst meth="repeat">
+      <a:schemeClr val="accent1">
+        <a:shade val="80000"/>
+      </a:schemeClr>
+    </dgm:fillClrLst>
+    <dgm:linClrLst meth="repeat">
+      <a:schemeClr val="accent1"/>
+    </dgm:linClrLst>
+    <dgm:effectClrLst/>
+    <dgm:txLinClrLst/>
+    <dgm:txFillClrLst meth="repeat">
+      <a:schemeClr val="lt1"/>
+    </dgm:txFillClrLst>
+    <dgm:txEffectClrLst/>
+  </dgm:styleLbl>
+  <dgm:styleLbl name="trBgShp">
+    <dgm:fillClrLst meth="repeat">
+      <a:schemeClr val="accent1">
+        <a:tint val="50000"/>
+        <a:alpha val="40000"/>
+      </a:schemeClr>
+    </dgm:fillClrLst>
+    <dgm:linClrLst meth="repeat">
+      <a:schemeClr val="accent1"/>
+    </dgm:linClrLst>
+    <dgm:effectClrLst/>
+    <dgm:txLinClrLst/>
+    <dgm:txFillClrLst meth="repeat">
+      <a:schemeClr val="lt1"/>
+    </dgm:txFillClrLst>
+    <dgm:txEffectClrLst/>
+  </dgm:styleLbl>
+  <dgm:styleLbl name="fgShp">
+    <dgm:fillClrLst meth="repeat">
+      <a:schemeClr val="accent1">
+        <a:tint val="60000"/>
+      </a:schemeClr>
+    </dgm:fillClrLst>
+    <dgm:linClrLst meth="repeat">
+      <a:schemeClr val="lt1"/>
+    </dgm:linClrLst>
+    <dgm:effectClrLst/>
+    <dgm:txLinClrLst/>
+    <dgm:txFillClrLst meth="repeat">
+      <a:schemeClr val="dk1"/>
+    </dgm:txFillClrLst>
+    <dgm:txEffectClrLst/>
+  </dgm:styleLbl>
+  <dgm:styleLbl name="revTx">
+    <dgm:fillClrLst meth="repeat">
+      <a:schemeClr val="lt1">
+        <a:alpha val="0"/>
+      </a:schemeClr>
+    </dgm:fillClrLst>
+    <dgm:linClrLst meth="repeat">
+      <a:schemeClr val="dk1">
+        <a:alpha val="0"/>
+      </a:schemeClr>
+    </dgm:linClrLst>
+    <dgm:effectClrLst/>
+    <dgm:txLinClrLst/>
+    <dgm:txFillClrLst meth="repeat">
+      <a:schemeClr val="tx1"/>
+    </dgm:txFillClrLst>
+    <dgm:txEffectClrLst/>
+  </dgm:styleLbl>
+</dgm:colorsDef>
+</file>
+
+<file path=ppt/diagrams/data1.xml><?xml version="1.0" encoding="utf-8"?>
+<dgm:dataModel xmlns:dgm="http://schemas.openxmlformats.org/drawingml/2006/diagram" xmlns:a="http://schemas.openxmlformats.org/drawingml/2006/main">
+  <dgm:ptLst>
+    <dgm:pt modelId="{41DA409F-DAC2-4DB4-BA00-70AD7DCBE0FE}" type="doc">
+      <dgm:prSet loTypeId="urn:microsoft.com/office/officeart/2008/layout/AlternatingHexagons" loCatId="list" qsTypeId="urn:microsoft.com/office/officeart/2005/8/quickstyle/simple1" qsCatId="simple" csTypeId="urn:microsoft.com/office/officeart/2005/8/colors/accent1_2" csCatId="accent1" phldr="1"/>
+      <dgm:spPr/>
+      <dgm:t>
+        <a:bodyPr/>
+        <a:lstStyle/>
+        <a:p>
+          <a:endParaRPr lang="en-US"/>
+        </a:p>
+      </dgm:t>
+    </dgm:pt>
+    <dgm:pt modelId="{14010A8A-8749-479E-B860-BEC224C93FF1}">
+      <dgm:prSet phldrT="[Text]"/>
+      <dgm:spPr/>
+      <dgm:t>
+        <a:bodyPr/>
+        <a:lstStyle/>
+        <a:p>
+          <a:endParaRPr lang="en-US" dirty="0"/>
+        </a:p>
+      </dgm:t>
+    </dgm:pt>
+    <dgm:pt modelId="{90A253E6-2550-4537-A3C4-5B58E81DD7A3}" type="parTrans" cxnId="{CE210C19-CFCE-4E3D-99A3-7EDF66BD83E1}">
+      <dgm:prSet/>
+      <dgm:spPr/>
+      <dgm:t>
+        <a:bodyPr/>
+        <a:lstStyle/>
+        <a:p>
+          <a:endParaRPr lang="en-US"/>
+        </a:p>
+      </dgm:t>
+    </dgm:pt>
+    <dgm:pt modelId="{434101AB-E890-4CD0-9B3F-A65580F504D3}" type="sibTrans" cxnId="{CE210C19-CFCE-4E3D-99A3-7EDF66BD83E1}">
+      <dgm:prSet/>
+      <dgm:spPr/>
+      <dgm:t>
+        <a:bodyPr/>
+        <a:lstStyle/>
+        <a:p>
+          <a:endParaRPr lang="en-US"/>
+        </a:p>
+      </dgm:t>
+    </dgm:pt>
+    <dgm:pt modelId="{CDC49E65-7445-4644-9915-8C9589898C68}">
+      <dgm:prSet phldrT="[Text]"/>
+      <dgm:spPr/>
+      <dgm:t>
+        <a:bodyPr/>
+        <a:lstStyle/>
+        <a:p>
+          <a:endParaRPr lang="en-US" dirty="0"/>
+        </a:p>
+      </dgm:t>
+    </dgm:pt>
+    <dgm:pt modelId="{DB83481E-398A-42AE-A795-8734127F4BE5}" type="sibTrans" cxnId="{D7E4D15F-EE41-40A1-909B-E522AF508E1D}">
+      <dgm:prSet/>
+      <dgm:spPr/>
+      <dgm:t>
+        <a:bodyPr/>
+        <a:lstStyle/>
+        <a:p>
+          <a:endParaRPr lang="en-US"/>
+        </a:p>
+      </dgm:t>
+    </dgm:pt>
+    <dgm:pt modelId="{DA96A32F-E1CA-4326-9765-F5EB99A2861E}" type="parTrans" cxnId="{D7E4D15F-EE41-40A1-909B-E522AF508E1D}">
+      <dgm:prSet/>
+      <dgm:spPr/>
+      <dgm:t>
+        <a:bodyPr/>
+        <a:lstStyle/>
+        <a:p>
+          <a:endParaRPr lang="en-US"/>
+        </a:p>
+      </dgm:t>
+    </dgm:pt>
+    <dgm:pt modelId="{5D9D4BA4-4E10-4DAA-BDBE-A6521E5D4ADF}">
+      <dgm:prSet phldrT="[Text]"/>
+      <dgm:spPr/>
+      <dgm:t>
+        <a:bodyPr/>
+        <a:lstStyle/>
+        <a:p>
+          <a:endParaRPr lang="en-US" dirty="0"/>
+        </a:p>
+      </dgm:t>
+    </dgm:pt>
+    <dgm:pt modelId="{1A4211A1-9FB3-4752-9CE6-F31D8BCD4145}" type="sibTrans" cxnId="{A4681341-2409-4FEB-A13F-DD4BFD9592D3}">
+      <dgm:prSet/>
+      <dgm:spPr/>
+      <dgm:t>
+        <a:bodyPr/>
+        <a:lstStyle/>
+        <a:p>
+          <a:endParaRPr lang="en-US"/>
+        </a:p>
+      </dgm:t>
+    </dgm:pt>
+    <dgm:pt modelId="{9059C8B1-45E8-4654-BBE2-EF94180D1C5A}" type="parTrans" cxnId="{A4681341-2409-4FEB-A13F-DD4BFD9592D3}">
+      <dgm:prSet/>
+      <dgm:spPr/>
+      <dgm:t>
+        <a:bodyPr/>
+        <a:lstStyle/>
+        <a:p>
+          <a:endParaRPr lang="en-US"/>
+        </a:p>
+      </dgm:t>
+    </dgm:pt>
+    <dgm:pt modelId="{F56FE71F-E31C-4679-8819-82D2D8FEEB5E}" type="pres">
+      <dgm:prSet presAssocID="{41DA409F-DAC2-4DB4-BA00-70AD7DCBE0FE}" presName="Name0" presStyleCnt="0">
+        <dgm:presLayoutVars>
+          <dgm:chMax/>
+          <dgm:chPref/>
+          <dgm:dir/>
+          <dgm:animLvl val="lvl"/>
+        </dgm:presLayoutVars>
+      </dgm:prSet>
+      <dgm:spPr/>
+    </dgm:pt>
+    <dgm:pt modelId="{DD47FC55-3452-43D5-BE6B-BA98D6F241E8}" type="pres">
+      <dgm:prSet presAssocID="{CDC49E65-7445-4644-9915-8C9589898C68}" presName="composite" presStyleCnt="0"/>
+      <dgm:spPr/>
+    </dgm:pt>
+    <dgm:pt modelId="{E407FC91-243F-46D5-9ADF-F8E6892CEC2C}" type="pres">
+      <dgm:prSet presAssocID="{CDC49E65-7445-4644-9915-8C9589898C68}" presName="Parent1" presStyleLbl="node1" presStyleIdx="0" presStyleCnt="6">
+        <dgm:presLayoutVars>
+          <dgm:chMax val="1"/>
+          <dgm:chPref val="1"/>
+          <dgm:bulletEnabled val="1"/>
+        </dgm:presLayoutVars>
+      </dgm:prSet>
+      <dgm:spPr/>
+    </dgm:pt>
+    <dgm:pt modelId="{30DE1480-F3C1-47D2-8624-A177B4A21687}" type="pres">
+      <dgm:prSet presAssocID="{CDC49E65-7445-4644-9915-8C9589898C68}" presName="Childtext1" presStyleLbl="revTx" presStyleIdx="0" presStyleCnt="3">
+        <dgm:presLayoutVars>
+          <dgm:chMax val="0"/>
+          <dgm:chPref val="0"/>
+          <dgm:bulletEnabled val="1"/>
+        </dgm:presLayoutVars>
+      </dgm:prSet>
+      <dgm:spPr/>
+    </dgm:pt>
+    <dgm:pt modelId="{97B7C35B-F3A1-4DE5-BBFE-A89796B2A25B}" type="pres">
+      <dgm:prSet presAssocID="{CDC49E65-7445-4644-9915-8C9589898C68}" presName="BalanceSpacing" presStyleCnt="0"/>
+      <dgm:spPr/>
+    </dgm:pt>
+    <dgm:pt modelId="{B8729ED9-CE66-4FED-A238-EC5E4F5FB2B7}" type="pres">
+      <dgm:prSet presAssocID="{CDC49E65-7445-4644-9915-8C9589898C68}" presName="BalanceSpacing1" presStyleCnt="0"/>
+      <dgm:spPr/>
+    </dgm:pt>
+    <dgm:pt modelId="{F3429088-2F31-4F70-88DE-9C2A6439EB03}" type="pres">
+      <dgm:prSet presAssocID="{DB83481E-398A-42AE-A795-8734127F4BE5}" presName="Accent1Text" presStyleLbl="node1" presStyleIdx="1" presStyleCnt="6"/>
+      <dgm:spPr/>
+    </dgm:pt>
+    <dgm:pt modelId="{F48B606A-CD93-45CE-A114-98846111A080}" type="pres">
+      <dgm:prSet presAssocID="{DB83481E-398A-42AE-A795-8734127F4BE5}" presName="spaceBetweenRectangles" presStyleCnt="0"/>
+      <dgm:spPr/>
+    </dgm:pt>
+    <dgm:pt modelId="{4CFA1B06-C9FB-41F3-A4B2-58ABBDD0182B}" type="pres">
+      <dgm:prSet presAssocID="{5D9D4BA4-4E10-4DAA-BDBE-A6521E5D4ADF}" presName="composite" presStyleCnt="0"/>
+      <dgm:spPr/>
+    </dgm:pt>
+    <dgm:pt modelId="{C85833EC-93C3-4E31-8D38-C2493BA8C6A8}" type="pres">
+      <dgm:prSet presAssocID="{5D9D4BA4-4E10-4DAA-BDBE-A6521E5D4ADF}" presName="Parent1" presStyleLbl="node1" presStyleIdx="2" presStyleCnt="6">
+        <dgm:presLayoutVars>
+          <dgm:chMax val="1"/>
+          <dgm:chPref val="1"/>
+          <dgm:bulletEnabled val="1"/>
+        </dgm:presLayoutVars>
+      </dgm:prSet>
+      <dgm:spPr/>
+    </dgm:pt>
+    <dgm:pt modelId="{F3876AB2-505B-48AD-81BD-0F3509AA51D8}" type="pres">
+      <dgm:prSet presAssocID="{5D9D4BA4-4E10-4DAA-BDBE-A6521E5D4ADF}" presName="Childtext1" presStyleLbl="revTx" presStyleIdx="1" presStyleCnt="3">
+        <dgm:presLayoutVars>
+          <dgm:chMax val="0"/>
+          <dgm:chPref val="0"/>
+          <dgm:bulletEnabled val="1"/>
+        </dgm:presLayoutVars>
+      </dgm:prSet>
+      <dgm:spPr/>
+    </dgm:pt>
+    <dgm:pt modelId="{BBA3B24A-9503-43F6-9913-290D368EF031}" type="pres">
+      <dgm:prSet presAssocID="{5D9D4BA4-4E10-4DAA-BDBE-A6521E5D4ADF}" presName="BalanceSpacing" presStyleCnt="0"/>
+      <dgm:spPr/>
+    </dgm:pt>
+    <dgm:pt modelId="{AA063CCB-7672-4FAE-BD7E-63F6775E8E25}" type="pres">
+      <dgm:prSet presAssocID="{5D9D4BA4-4E10-4DAA-BDBE-A6521E5D4ADF}" presName="BalanceSpacing1" presStyleCnt="0"/>
+      <dgm:spPr/>
+    </dgm:pt>
+    <dgm:pt modelId="{371D463D-9035-4385-A3A7-6091B06AF3BB}" type="pres">
+      <dgm:prSet presAssocID="{1A4211A1-9FB3-4752-9CE6-F31D8BCD4145}" presName="Accent1Text" presStyleLbl="node1" presStyleIdx="3" presStyleCnt="6"/>
+      <dgm:spPr/>
+    </dgm:pt>
+    <dgm:pt modelId="{36C1B942-01D3-4F8A-A8CE-7E3BFA146DC6}" type="pres">
+      <dgm:prSet presAssocID="{1A4211A1-9FB3-4752-9CE6-F31D8BCD4145}" presName="spaceBetweenRectangles" presStyleCnt="0"/>
+      <dgm:spPr/>
+    </dgm:pt>
+    <dgm:pt modelId="{343A7097-FC54-4C31-80B8-0CE3C44B4801}" type="pres">
+      <dgm:prSet presAssocID="{14010A8A-8749-479E-B860-BEC224C93FF1}" presName="composite" presStyleCnt="0"/>
+      <dgm:spPr/>
+    </dgm:pt>
+    <dgm:pt modelId="{B78B3BAA-BA56-4309-AFCA-868EE621E8E9}" type="pres">
+      <dgm:prSet presAssocID="{14010A8A-8749-479E-B860-BEC224C93FF1}" presName="Parent1" presStyleLbl="node1" presStyleIdx="4" presStyleCnt="6">
+        <dgm:presLayoutVars>
+          <dgm:chMax val="1"/>
+          <dgm:chPref val="1"/>
+          <dgm:bulletEnabled val="1"/>
+        </dgm:presLayoutVars>
+      </dgm:prSet>
+      <dgm:spPr/>
+    </dgm:pt>
+    <dgm:pt modelId="{7D909A90-2D01-4F1E-BFF1-1460AF4600E8}" type="pres">
+      <dgm:prSet presAssocID="{14010A8A-8749-479E-B860-BEC224C93FF1}" presName="Childtext1" presStyleLbl="revTx" presStyleIdx="2" presStyleCnt="3">
+        <dgm:presLayoutVars>
+          <dgm:chMax val="0"/>
+          <dgm:chPref val="0"/>
+          <dgm:bulletEnabled val="1"/>
+        </dgm:presLayoutVars>
+      </dgm:prSet>
+      <dgm:spPr/>
+    </dgm:pt>
+    <dgm:pt modelId="{7CF63DAE-2C4B-4F4A-A03B-1C0A15C66C31}" type="pres">
+      <dgm:prSet presAssocID="{14010A8A-8749-479E-B860-BEC224C93FF1}" presName="BalanceSpacing" presStyleCnt="0"/>
+      <dgm:spPr/>
+    </dgm:pt>
+    <dgm:pt modelId="{E6870C77-37AD-40E3-A3D4-99D33DF67497}" type="pres">
+      <dgm:prSet presAssocID="{14010A8A-8749-479E-B860-BEC224C93FF1}" presName="BalanceSpacing1" presStyleCnt="0"/>
+      <dgm:spPr/>
+    </dgm:pt>
+    <dgm:pt modelId="{A50B05DD-D6B3-4B45-9097-7027E363BD5C}" type="pres">
+      <dgm:prSet presAssocID="{434101AB-E890-4CD0-9B3F-A65580F504D3}" presName="Accent1Text" presStyleLbl="node1" presStyleIdx="5" presStyleCnt="6"/>
+      <dgm:spPr/>
+    </dgm:pt>
+  </dgm:ptLst>
+  <dgm:cxnLst>
+    <dgm:cxn modelId="{C286C304-8925-4E62-AF71-FF709E418EBD}" type="presOf" srcId="{434101AB-E890-4CD0-9B3F-A65580F504D3}" destId="{A50B05DD-D6B3-4B45-9097-7027E363BD5C}" srcOrd="0" destOrd="0" presId="urn:microsoft.com/office/officeart/2008/layout/AlternatingHexagons"/>
+    <dgm:cxn modelId="{CE210C19-CFCE-4E3D-99A3-7EDF66BD83E1}" srcId="{41DA409F-DAC2-4DB4-BA00-70AD7DCBE0FE}" destId="{14010A8A-8749-479E-B860-BEC224C93FF1}" srcOrd="2" destOrd="0" parTransId="{90A253E6-2550-4537-A3C4-5B58E81DD7A3}" sibTransId="{434101AB-E890-4CD0-9B3F-A65580F504D3}"/>
+    <dgm:cxn modelId="{91C07521-C00A-49EE-BE24-9684ECF35ECD}" type="presOf" srcId="{CDC49E65-7445-4644-9915-8C9589898C68}" destId="{E407FC91-243F-46D5-9ADF-F8E6892CEC2C}" srcOrd="0" destOrd="0" presId="urn:microsoft.com/office/officeart/2008/layout/AlternatingHexagons"/>
+    <dgm:cxn modelId="{6043613B-E63B-4379-AA8A-B9DD2C03BBCA}" type="presOf" srcId="{41DA409F-DAC2-4DB4-BA00-70AD7DCBE0FE}" destId="{F56FE71F-E31C-4679-8819-82D2D8FEEB5E}" srcOrd="0" destOrd="0" presId="urn:microsoft.com/office/officeart/2008/layout/AlternatingHexagons"/>
+    <dgm:cxn modelId="{D7E4D15F-EE41-40A1-909B-E522AF508E1D}" srcId="{41DA409F-DAC2-4DB4-BA00-70AD7DCBE0FE}" destId="{CDC49E65-7445-4644-9915-8C9589898C68}" srcOrd="0" destOrd="0" parTransId="{DA96A32F-E1CA-4326-9765-F5EB99A2861E}" sibTransId="{DB83481E-398A-42AE-A795-8734127F4BE5}"/>
+    <dgm:cxn modelId="{A4681341-2409-4FEB-A13F-DD4BFD9592D3}" srcId="{41DA409F-DAC2-4DB4-BA00-70AD7DCBE0FE}" destId="{5D9D4BA4-4E10-4DAA-BDBE-A6521E5D4ADF}" srcOrd="1" destOrd="0" parTransId="{9059C8B1-45E8-4654-BBE2-EF94180D1C5A}" sibTransId="{1A4211A1-9FB3-4752-9CE6-F31D8BCD4145}"/>
+    <dgm:cxn modelId="{26851758-7CB5-4B12-9C0F-B1915DB775DF}" type="presOf" srcId="{DB83481E-398A-42AE-A795-8734127F4BE5}" destId="{F3429088-2F31-4F70-88DE-9C2A6439EB03}" srcOrd="0" destOrd="0" presId="urn:microsoft.com/office/officeart/2008/layout/AlternatingHexagons"/>
+    <dgm:cxn modelId="{61F18AC5-1390-40BA-AD09-9290806FCC12}" type="presOf" srcId="{14010A8A-8749-479E-B860-BEC224C93FF1}" destId="{B78B3BAA-BA56-4309-AFCA-868EE621E8E9}" srcOrd="0" destOrd="0" presId="urn:microsoft.com/office/officeart/2008/layout/AlternatingHexagons"/>
+    <dgm:cxn modelId="{329BA1D0-74CC-464A-94E7-EA3403FE803C}" type="presOf" srcId="{5D9D4BA4-4E10-4DAA-BDBE-A6521E5D4ADF}" destId="{C85833EC-93C3-4E31-8D38-C2493BA8C6A8}" srcOrd="0" destOrd="0" presId="urn:microsoft.com/office/officeart/2008/layout/AlternatingHexagons"/>
+    <dgm:cxn modelId="{C50D86FB-62F0-4E3B-A149-3AD83F0DD331}" type="presOf" srcId="{1A4211A1-9FB3-4752-9CE6-F31D8BCD4145}" destId="{371D463D-9035-4385-A3A7-6091B06AF3BB}" srcOrd="0" destOrd="0" presId="urn:microsoft.com/office/officeart/2008/layout/AlternatingHexagons"/>
+    <dgm:cxn modelId="{F53C083E-B2B3-4847-89C9-EA1B617E54A7}" type="presParOf" srcId="{F56FE71F-E31C-4679-8819-82D2D8FEEB5E}" destId="{DD47FC55-3452-43D5-BE6B-BA98D6F241E8}" srcOrd="0" destOrd="0" presId="urn:microsoft.com/office/officeart/2008/layout/AlternatingHexagons"/>
+    <dgm:cxn modelId="{A39C4482-4AE6-4483-B2C5-0C6101D6D4AA}" type="presParOf" srcId="{DD47FC55-3452-43D5-BE6B-BA98D6F241E8}" destId="{E407FC91-243F-46D5-9ADF-F8E6892CEC2C}" srcOrd="0" destOrd="0" presId="urn:microsoft.com/office/officeart/2008/layout/AlternatingHexagons"/>
+    <dgm:cxn modelId="{337E2136-AB6E-4C5B-8BC2-8C2C79455A68}" type="presParOf" srcId="{DD47FC55-3452-43D5-BE6B-BA98D6F241E8}" destId="{30DE1480-F3C1-47D2-8624-A177B4A21687}" srcOrd="1" destOrd="0" presId="urn:microsoft.com/office/officeart/2008/layout/AlternatingHexagons"/>
+    <dgm:cxn modelId="{805EC34F-5630-45E2-AA90-8DCEF77F1040}" type="presParOf" srcId="{DD47FC55-3452-43D5-BE6B-BA98D6F241E8}" destId="{97B7C35B-F3A1-4DE5-BBFE-A89796B2A25B}" srcOrd="2" destOrd="0" presId="urn:microsoft.com/office/officeart/2008/layout/AlternatingHexagons"/>
+    <dgm:cxn modelId="{913A62C3-0616-4562-9D8E-8A1E4859D37A}" type="presParOf" srcId="{DD47FC55-3452-43D5-BE6B-BA98D6F241E8}" destId="{B8729ED9-CE66-4FED-A238-EC5E4F5FB2B7}" srcOrd="3" destOrd="0" presId="urn:microsoft.com/office/officeart/2008/layout/AlternatingHexagons"/>
+    <dgm:cxn modelId="{84ABA60A-081A-437C-A221-34B7DB6D9BFE}" type="presParOf" srcId="{DD47FC55-3452-43D5-BE6B-BA98D6F241E8}" destId="{F3429088-2F31-4F70-88DE-9C2A6439EB03}" srcOrd="4" destOrd="0" presId="urn:microsoft.com/office/officeart/2008/layout/AlternatingHexagons"/>
+    <dgm:cxn modelId="{67A7C3AE-BD62-4F0A-AE7F-2FF13C36A7E7}" type="presParOf" srcId="{F56FE71F-E31C-4679-8819-82D2D8FEEB5E}" destId="{F48B606A-CD93-45CE-A114-98846111A080}" srcOrd="1" destOrd="0" presId="urn:microsoft.com/office/officeart/2008/layout/AlternatingHexagons"/>
+    <dgm:cxn modelId="{BF58AB14-CF74-4DE4-943F-BAF93628C2BA}" type="presParOf" srcId="{F56FE71F-E31C-4679-8819-82D2D8FEEB5E}" destId="{4CFA1B06-C9FB-41F3-A4B2-58ABBDD0182B}" srcOrd="2" destOrd="0" presId="urn:microsoft.com/office/officeart/2008/layout/AlternatingHexagons"/>
+    <dgm:cxn modelId="{A8C2B283-02E8-471E-AA4F-DB05666AC4D9}" type="presParOf" srcId="{4CFA1B06-C9FB-41F3-A4B2-58ABBDD0182B}" destId="{C85833EC-93C3-4E31-8D38-C2493BA8C6A8}" srcOrd="0" destOrd="0" presId="urn:microsoft.com/office/officeart/2008/layout/AlternatingHexagons"/>
+    <dgm:cxn modelId="{2A5D69F9-069F-48FA-986A-7A4FC9617E71}" type="presParOf" srcId="{4CFA1B06-C9FB-41F3-A4B2-58ABBDD0182B}" destId="{F3876AB2-505B-48AD-81BD-0F3509AA51D8}" srcOrd="1" destOrd="0" presId="urn:microsoft.com/office/officeart/2008/layout/AlternatingHexagons"/>
+    <dgm:cxn modelId="{D8D103DA-F255-468D-BCC7-DA917DB1A24E}" type="presParOf" srcId="{4CFA1B06-C9FB-41F3-A4B2-58ABBDD0182B}" destId="{BBA3B24A-9503-43F6-9913-290D368EF031}" srcOrd="2" destOrd="0" presId="urn:microsoft.com/office/officeart/2008/layout/AlternatingHexagons"/>
+    <dgm:cxn modelId="{8B40C65F-10CD-40BF-A0D3-EFBCAC678530}" type="presParOf" srcId="{4CFA1B06-C9FB-41F3-A4B2-58ABBDD0182B}" destId="{AA063CCB-7672-4FAE-BD7E-63F6775E8E25}" srcOrd="3" destOrd="0" presId="urn:microsoft.com/office/officeart/2008/layout/AlternatingHexagons"/>
+    <dgm:cxn modelId="{DB79FA70-2B5A-484A-BC97-EAFCA9FDA7E1}" type="presParOf" srcId="{4CFA1B06-C9FB-41F3-A4B2-58ABBDD0182B}" destId="{371D463D-9035-4385-A3A7-6091B06AF3BB}" srcOrd="4" destOrd="0" presId="urn:microsoft.com/office/officeart/2008/layout/AlternatingHexagons"/>
+    <dgm:cxn modelId="{967A4918-DF58-436E-81E4-75E14E35590F}" type="presParOf" srcId="{F56FE71F-E31C-4679-8819-82D2D8FEEB5E}" destId="{36C1B942-01D3-4F8A-A8CE-7E3BFA146DC6}" srcOrd="3" destOrd="0" presId="urn:microsoft.com/office/officeart/2008/layout/AlternatingHexagons"/>
+    <dgm:cxn modelId="{780620D0-8349-4902-B28F-60D11C90C316}" type="presParOf" srcId="{F56FE71F-E31C-4679-8819-82D2D8FEEB5E}" destId="{343A7097-FC54-4C31-80B8-0CE3C44B4801}" srcOrd="4" destOrd="0" presId="urn:microsoft.com/office/officeart/2008/layout/AlternatingHexagons"/>
+    <dgm:cxn modelId="{D90102EB-BAEA-4D5D-8D6C-40C14287DD73}" type="presParOf" srcId="{343A7097-FC54-4C31-80B8-0CE3C44B4801}" destId="{B78B3BAA-BA56-4309-AFCA-868EE621E8E9}" srcOrd="0" destOrd="0" presId="urn:microsoft.com/office/officeart/2008/layout/AlternatingHexagons"/>
+    <dgm:cxn modelId="{535FA17A-FC23-4975-AB62-6B3C54AAC413}" type="presParOf" srcId="{343A7097-FC54-4C31-80B8-0CE3C44B4801}" destId="{7D909A90-2D01-4F1E-BFF1-1460AF4600E8}" srcOrd="1" destOrd="0" presId="urn:microsoft.com/office/officeart/2008/layout/AlternatingHexagons"/>
+    <dgm:cxn modelId="{8E7821AD-7407-45F7-806F-B1E0F5C757BF}" type="presParOf" srcId="{343A7097-FC54-4C31-80B8-0CE3C44B4801}" destId="{7CF63DAE-2C4B-4F4A-A03B-1C0A15C66C31}" srcOrd="2" destOrd="0" presId="urn:microsoft.com/office/officeart/2008/layout/AlternatingHexagons"/>
+    <dgm:cxn modelId="{958DEEE5-955F-4523-9012-6FB2A2490FE3}" type="presParOf" srcId="{343A7097-FC54-4C31-80B8-0CE3C44B4801}" destId="{E6870C77-37AD-40E3-A3D4-99D33DF67497}" srcOrd="3" destOrd="0" presId="urn:microsoft.com/office/officeart/2008/layout/AlternatingHexagons"/>
+    <dgm:cxn modelId="{9D1BDE4A-30F5-41FE-AD92-B21BD751566C}" type="presParOf" srcId="{343A7097-FC54-4C31-80B8-0CE3C44B4801}" destId="{A50B05DD-D6B3-4B45-9097-7027E363BD5C}" srcOrd="4" destOrd="0" presId="urn:microsoft.com/office/officeart/2008/layout/AlternatingHexagons"/>
+  </dgm:cxnLst>
+  <dgm:bg/>
+  <dgm:whole/>
+  <dgm:extLst>
+    <a:ext uri="http://schemas.microsoft.com/office/drawing/2008/diagram">
+      <dsp:dataModelExt xmlns:dsp="http://schemas.microsoft.com/office/drawing/2008/diagram" relId="rId8" minVer="http://schemas.openxmlformats.org/drawingml/2006/diagram"/>
+    </a:ext>
+  </dgm:extLst>
+</dgm:dataModel>
+</file>
+
+<file path=ppt/diagrams/drawing1.xml><?xml version="1.0" encoding="utf-8"?>
+<dsp:drawing xmlns:dgm="http://schemas.openxmlformats.org/drawingml/2006/diagram" xmlns:dsp="http://schemas.microsoft.com/office/drawing/2008/diagram" xmlns:a="http://schemas.openxmlformats.org/drawingml/2006/main">
+  <dsp:spTree>
+    <dsp:nvGrpSpPr>
+      <dsp:cNvPr id="0" name=""/>
+      <dsp:cNvGrpSpPr/>
+    </dsp:nvGrpSpPr>
+    <dsp:grpSpPr/>
+    <dsp:sp modelId="{E407FC91-243F-46D5-9ADF-F8E6892CEC2C}">
+      <dsp:nvSpPr>
+        <dsp:cNvPr id="0" name=""/>
+        <dsp:cNvSpPr/>
+      </dsp:nvSpPr>
+      <dsp:spPr>
+        <a:xfrm rot="5400000">
+          <a:off x="617288" y="265629"/>
+          <a:ext cx="405417" cy="352713"/>
+        </a:xfrm>
+        <a:prstGeom prst="hexagon">
+          <a:avLst>
+            <a:gd name="adj" fmla="val 25000"/>
+            <a:gd name="vf" fmla="val 115470"/>
+          </a:avLst>
+        </a:prstGeom>
+        <a:solidFill>
+          <a:schemeClr val="accent1">
+            <a:hueOff val="0"/>
+            <a:satOff val="0"/>
+            <a:lumOff val="0"/>
+            <a:alphaOff val="0"/>
+          </a:schemeClr>
+        </a:solidFill>
+        <a:ln w="12700" cap="flat" cmpd="sng" algn="ctr">
+          <a:solidFill>
+            <a:schemeClr val="lt1">
+              <a:hueOff val="0"/>
+              <a:satOff val="0"/>
+              <a:lumOff val="0"/>
+              <a:alphaOff val="0"/>
+            </a:schemeClr>
+          </a:solidFill>
+          <a:prstDash val="solid"/>
+          <a:miter lim="800000"/>
+        </a:ln>
+        <a:effectLst/>
+      </dsp:spPr>
+      <dsp:style>
+        <a:lnRef idx="2">
+          <a:scrgbClr r="0" g="0" b="0"/>
+        </a:lnRef>
+        <a:fillRef idx="1">
+          <a:scrgbClr r="0" g="0" b="0"/>
+        </a:fillRef>
+        <a:effectRef idx="0">
+          <a:scrgbClr r="0" g="0" b="0"/>
+        </a:effectRef>
+        <a:fontRef idx="minor">
+          <a:schemeClr val="lt1"/>
+        </a:fontRef>
+      </dsp:style>
+      <dsp:txBody>
+        <a:bodyPr spcFirstLastPara="0" vert="horz" wrap="square" lIns="45720" tIns="45720" rIns="45720" bIns="45720" numCol="1" spcCol="1270" anchor="ctr" anchorCtr="0">
+          <a:noAutofit/>
+        </a:bodyPr>
+        <a:lstStyle/>
+        <a:p>
+          <a:pPr marL="0" lvl="0" indent="0" algn="ctr" defTabSz="533400">
+            <a:lnSpc>
+              <a:spcPct val="90000"/>
+            </a:lnSpc>
+            <a:spcBef>
+              <a:spcPct val="0"/>
+            </a:spcBef>
+            <a:spcAft>
+              <a:spcPct val="35000"/>
+            </a:spcAft>
+            <a:buNone/>
+          </a:pPr>
+          <a:endParaRPr lang="en-US" sz="1200" kern="1200" dirty="0"/>
+        </a:p>
+      </dsp:txBody>
+      <dsp:txXfrm rot="-5400000">
+        <a:off x="698604" y="302456"/>
+        <a:ext cx="242785" cy="279062"/>
+      </dsp:txXfrm>
+    </dsp:sp>
+    <dsp:sp modelId="{30DE1480-F3C1-47D2-8624-A177B4A21687}">
+      <dsp:nvSpPr>
+        <dsp:cNvPr id="0" name=""/>
+        <dsp:cNvSpPr/>
+      </dsp:nvSpPr>
+      <dsp:spPr>
+        <a:xfrm>
+          <a:off x="1007057" y="320360"/>
+          <a:ext cx="452445" cy="243250"/>
+        </a:xfrm>
+        <a:prstGeom prst="rect">
+          <a:avLst/>
+        </a:prstGeom>
+        <a:noFill/>
+        <a:ln>
+          <a:noFill/>
+        </a:ln>
+        <a:effectLst/>
+      </dsp:spPr>
+      <dsp:style>
+        <a:lnRef idx="0">
+          <a:scrgbClr r="0" g="0" b="0"/>
+        </a:lnRef>
+        <a:fillRef idx="0">
+          <a:scrgbClr r="0" g="0" b="0"/>
+        </a:fillRef>
+        <a:effectRef idx="0">
+          <a:scrgbClr r="0" g="0" b="0"/>
+        </a:effectRef>
+        <a:fontRef idx="minor"/>
+      </dsp:style>
+    </dsp:sp>
+    <dsp:sp modelId="{F3429088-2F31-4F70-88DE-9C2A6439EB03}">
+      <dsp:nvSpPr>
+        <dsp:cNvPr id="0" name=""/>
+        <dsp:cNvSpPr/>
+      </dsp:nvSpPr>
+      <dsp:spPr>
+        <a:xfrm rot="5400000">
+          <a:off x="236358" y="265629"/>
+          <a:ext cx="405417" cy="352713"/>
+        </a:xfrm>
+        <a:prstGeom prst="hexagon">
+          <a:avLst>
+            <a:gd name="adj" fmla="val 25000"/>
+            <a:gd name="vf" fmla="val 115470"/>
+          </a:avLst>
+        </a:prstGeom>
+        <a:solidFill>
+          <a:schemeClr val="accent1">
+            <a:hueOff val="0"/>
+            <a:satOff val="0"/>
+            <a:lumOff val="0"/>
+            <a:alphaOff val="0"/>
+          </a:schemeClr>
+        </a:solidFill>
+        <a:ln w="12700" cap="flat" cmpd="sng" algn="ctr">
+          <a:solidFill>
+            <a:schemeClr val="lt1">
+              <a:hueOff val="0"/>
+              <a:satOff val="0"/>
+              <a:lumOff val="0"/>
+              <a:alphaOff val="0"/>
+            </a:schemeClr>
+          </a:solidFill>
+          <a:prstDash val="solid"/>
+          <a:miter lim="800000"/>
+        </a:ln>
+        <a:effectLst/>
+      </dsp:spPr>
+      <dsp:style>
+        <a:lnRef idx="2">
+          <a:scrgbClr r="0" g="0" b="0"/>
+        </a:lnRef>
+        <a:fillRef idx="1">
+          <a:scrgbClr r="0" g="0" b="0"/>
+        </a:fillRef>
+        <a:effectRef idx="0">
+          <a:scrgbClr r="0" g="0" b="0"/>
+        </a:effectRef>
+        <a:fontRef idx="minor">
+          <a:schemeClr val="lt1"/>
+        </a:fontRef>
+      </dsp:style>
+      <dsp:txBody>
+        <a:bodyPr spcFirstLastPara="0" vert="horz" wrap="square" lIns="0" tIns="0" rIns="0" bIns="0" numCol="1" spcCol="1270" anchor="ctr" anchorCtr="0">
+          <a:noAutofit/>
+        </a:bodyPr>
+        <a:lstStyle/>
+        <a:p>
+          <a:pPr marL="0" lvl="0" indent="0" algn="ctr" defTabSz="844550">
+            <a:lnSpc>
+              <a:spcPct val="90000"/>
+            </a:lnSpc>
+            <a:spcBef>
+              <a:spcPct val="0"/>
+            </a:spcBef>
+            <a:spcAft>
+              <a:spcPct val="35000"/>
+            </a:spcAft>
+            <a:buNone/>
+          </a:pPr>
+          <a:endParaRPr lang="en-US" sz="1900" kern="1200"/>
+        </a:p>
+      </dsp:txBody>
+      <dsp:txXfrm rot="-5400000">
+        <a:off x="317674" y="302456"/>
+        <a:ext cx="242785" cy="279062"/>
+      </dsp:txXfrm>
+    </dsp:sp>
+    <dsp:sp modelId="{C85833EC-93C3-4E31-8D38-C2493BA8C6A8}">
+      <dsp:nvSpPr>
+        <dsp:cNvPr id="0" name=""/>
+        <dsp:cNvSpPr/>
+      </dsp:nvSpPr>
+      <dsp:spPr>
+        <a:xfrm rot="5400000">
+          <a:off x="426093" y="609747"/>
+          <a:ext cx="405417" cy="352713"/>
+        </a:xfrm>
+        <a:prstGeom prst="hexagon">
+          <a:avLst>
+            <a:gd name="adj" fmla="val 25000"/>
+            <a:gd name="vf" fmla="val 115470"/>
+          </a:avLst>
+        </a:prstGeom>
+        <a:solidFill>
+          <a:schemeClr val="accent1">
+            <a:hueOff val="0"/>
+            <a:satOff val="0"/>
+            <a:lumOff val="0"/>
+            <a:alphaOff val="0"/>
+          </a:schemeClr>
+        </a:solidFill>
+        <a:ln w="12700" cap="flat" cmpd="sng" algn="ctr">
+          <a:solidFill>
+            <a:schemeClr val="lt1">
+              <a:hueOff val="0"/>
+              <a:satOff val="0"/>
+              <a:lumOff val="0"/>
+              <a:alphaOff val="0"/>
+            </a:schemeClr>
+          </a:solidFill>
+          <a:prstDash val="solid"/>
+          <a:miter lim="800000"/>
+        </a:ln>
+        <a:effectLst/>
+      </dsp:spPr>
+      <dsp:style>
+        <a:lnRef idx="2">
+          <a:scrgbClr r="0" g="0" b="0"/>
+        </a:lnRef>
+        <a:fillRef idx="1">
+          <a:scrgbClr r="0" g="0" b="0"/>
+        </a:fillRef>
+        <a:effectRef idx="0">
+          <a:scrgbClr r="0" g="0" b="0"/>
+        </a:effectRef>
+        <a:fontRef idx="minor">
+          <a:schemeClr val="lt1"/>
+        </a:fontRef>
+      </dsp:style>
+      <dsp:txBody>
+        <a:bodyPr spcFirstLastPara="0" vert="horz" wrap="square" lIns="45720" tIns="45720" rIns="45720" bIns="45720" numCol="1" spcCol="1270" anchor="ctr" anchorCtr="0">
+          <a:noAutofit/>
+        </a:bodyPr>
+        <a:lstStyle/>
+        <a:p>
+          <a:pPr marL="0" lvl="0" indent="0" algn="ctr" defTabSz="533400">
+            <a:lnSpc>
+              <a:spcPct val="90000"/>
+            </a:lnSpc>
+            <a:spcBef>
+              <a:spcPct val="0"/>
+            </a:spcBef>
+            <a:spcAft>
+              <a:spcPct val="35000"/>
+            </a:spcAft>
+            <a:buNone/>
+          </a:pPr>
+          <a:endParaRPr lang="en-US" sz="1200" kern="1200" dirty="0"/>
+        </a:p>
+      </dsp:txBody>
+      <dsp:txXfrm rot="-5400000">
+        <a:off x="507409" y="646574"/>
+        <a:ext cx="242785" cy="279062"/>
+      </dsp:txXfrm>
+    </dsp:sp>
+    <dsp:sp modelId="{F3876AB2-505B-48AD-81BD-0F3509AA51D8}">
+      <dsp:nvSpPr>
+        <dsp:cNvPr id="0" name=""/>
+        <dsp:cNvSpPr/>
+      </dsp:nvSpPr>
+      <dsp:spPr>
+        <a:xfrm>
+          <a:off x="0" y="664478"/>
+          <a:ext cx="437850" cy="243250"/>
+        </a:xfrm>
+        <a:prstGeom prst="rect">
+          <a:avLst/>
+        </a:prstGeom>
+        <a:noFill/>
+        <a:ln>
+          <a:noFill/>
+        </a:ln>
+        <a:effectLst/>
+      </dsp:spPr>
+      <dsp:style>
+        <a:lnRef idx="0">
+          <a:scrgbClr r="0" g="0" b="0"/>
+        </a:lnRef>
+        <a:fillRef idx="0">
+          <a:scrgbClr r="0" g="0" b="0"/>
+        </a:fillRef>
+        <a:effectRef idx="0">
+          <a:scrgbClr r="0" g="0" b="0"/>
+        </a:effectRef>
+        <a:fontRef idx="minor"/>
+      </dsp:style>
+    </dsp:sp>
+    <dsp:sp modelId="{371D463D-9035-4385-A3A7-6091B06AF3BB}">
+      <dsp:nvSpPr>
+        <dsp:cNvPr id="0" name=""/>
+        <dsp:cNvSpPr/>
+      </dsp:nvSpPr>
+      <dsp:spPr>
+        <a:xfrm rot="5400000">
+          <a:off x="807024" y="609747"/>
+          <a:ext cx="405417" cy="352713"/>
+        </a:xfrm>
+        <a:prstGeom prst="hexagon">
+          <a:avLst>
+            <a:gd name="adj" fmla="val 25000"/>
+            <a:gd name="vf" fmla="val 115470"/>
+          </a:avLst>
+        </a:prstGeom>
+        <a:solidFill>
+          <a:schemeClr val="accent1">
+            <a:hueOff val="0"/>
+            <a:satOff val="0"/>
+            <a:lumOff val="0"/>
+            <a:alphaOff val="0"/>
+          </a:schemeClr>
+        </a:solidFill>
+        <a:ln w="12700" cap="flat" cmpd="sng" algn="ctr">
+          <a:solidFill>
+            <a:schemeClr val="lt1">
+              <a:hueOff val="0"/>
+              <a:satOff val="0"/>
+              <a:lumOff val="0"/>
+              <a:alphaOff val="0"/>
+            </a:schemeClr>
+          </a:solidFill>
+          <a:prstDash val="solid"/>
+          <a:miter lim="800000"/>
+        </a:ln>
+        <a:effectLst/>
+      </dsp:spPr>
+      <dsp:style>
+        <a:lnRef idx="2">
+          <a:scrgbClr r="0" g="0" b="0"/>
+        </a:lnRef>
+        <a:fillRef idx="1">
+          <a:scrgbClr r="0" g="0" b="0"/>
+        </a:fillRef>
+        <a:effectRef idx="0">
+          <a:scrgbClr r="0" g="0" b="0"/>
+        </a:effectRef>
+        <a:fontRef idx="minor">
+          <a:schemeClr val="lt1"/>
+        </a:fontRef>
+      </dsp:style>
+      <dsp:txBody>
+        <a:bodyPr spcFirstLastPara="0" vert="horz" wrap="square" lIns="0" tIns="0" rIns="0" bIns="0" numCol="1" spcCol="1270" anchor="ctr" anchorCtr="0">
+          <a:noAutofit/>
+        </a:bodyPr>
+        <a:lstStyle/>
+        <a:p>
+          <a:pPr marL="0" lvl="0" indent="0" algn="ctr" defTabSz="844550">
+            <a:lnSpc>
+              <a:spcPct val="90000"/>
+            </a:lnSpc>
+            <a:spcBef>
+              <a:spcPct val="0"/>
+            </a:spcBef>
+            <a:spcAft>
+              <a:spcPct val="35000"/>
+            </a:spcAft>
+            <a:buNone/>
+          </a:pPr>
+          <a:endParaRPr lang="en-US" sz="1900" kern="1200"/>
+        </a:p>
+      </dsp:txBody>
+      <dsp:txXfrm rot="-5400000">
+        <a:off x="888340" y="646574"/>
+        <a:ext cx="242785" cy="279062"/>
+      </dsp:txXfrm>
+    </dsp:sp>
+    <dsp:sp modelId="{B78B3BAA-BA56-4309-AFCA-868EE621E8E9}">
+      <dsp:nvSpPr>
+        <dsp:cNvPr id="0" name=""/>
+        <dsp:cNvSpPr/>
+      </dsp:nvSpPr>
+      <dsp:spPr>
+        <a:xfrm rot="5400000">
+          <a:off x="617288" y="953865"/>
+          <a:ext cx="405417" cy="352713"/>
+        </a:xfrm>
+        <a:prstGeom prst="hexagon">
+          <a:avLst>
+            <a:gd name="adj" fmla="val 25000"/>
+            <a:gd name="vf" fmla="val 115470"/>
+          </a:avLst>
+        </a:prstGeom>
+        <a:solidFill>
+          <a:schemeClr val="accent1">
+            <a:hueOff val="0"/>
+            <a:satOff val="0"/>
+            <a:lumOff val="0"/>
+            <a:alphaOff val="0"/>
+          </a:schemeClr>
+        </a:solidFill>
+        <a:ln w="12700" cap="flat" cmpd="sng" algn="ctr">
+          <a:solidFill>
+            <a:schemeClr val="lt1">
+              <a:hueOff val="0"/>
+              <a:satOff val="0"/>
+              <a:lumOff val="0"/>
+              <a:alphaOff val="0"/>
+            </a:schemeClr>
+          </a:solidFill>
+          <a:prstDash val="solid"/>
+          <a:miter lim="800000"/>
+        </a:ln>
+        <a:effectLst/>
+      </dsp:spPr>
+      <dsp:style>
+        <a:lnRef idx="2">
+          <a:scrgbClr r="0" g="0" b="0"/>
+        </a:lnRef>
+        <a:fillRef idx="1">
+          <a:scrgbClr r="0" g="0" b="0"/>
+        </a:fillRef>
+        <a:effectRef idx="0">
+          <a:scrgbClr r="0" g="0" b="0"/>
+        </a:effectRef>
+        <a:fontRef idx="minor">
+          <a:schemeClr val="lt1"/>
+        </a:fontRef>
+      </dsp:style>
+      <dsp:txBody>
+        <a:bodyPr spcFirstLastPara="0" vert="horz" wrap="square" lIns="45720" tIns="45720" rIns="45720" bIns="45720" numCol="1" spcCol="1270" anchor="ctr" anchorCtr="0">
+          <a:noAutofit/>
+        </a:bodyPr>
+        <a:lstStyle/>
+        <a:p>
+          <a:pPr marL="0" lvl="0" indent="0" algn="ctr" defTabSz="533400">
+            <a:lnSpc>
+              <a:spcPct val="90000"/>
+            </a:lnSpc>
+            <a:spcBef>
+              <a:spcPct val="0"/>
+            </a:spcBef>
+            <a:spcAft>
+              <a:spcPct val="35000"/>
+            </a:spcAft>
+            <a:buNone/>
+          </a:pPr>
+          <a:endParaRPr lang="en-US" sz="1200" kern="1200" dirty="0"/>
+        </a:p>
+      </dsp:txBody>
+      <dsp:txXfrm rot="-5400000">
+        <a:off x="698604" y="990692"/>
+        <a:ext cx="242785" cy="279062"/>
+      </dsp:txXfrm>
+    </dsp:sp>
+    <dsp:sp modelId="{7D909A90-2D01-4F1E-BFF1-1460AF4600E8}">
+      <dsp:nvSpPr>
+        <dsp:cNvPr id="0" name=""/>
+        <dsp:cNvSpPr/>
+      </dsp:nvSpPr>
+      <dsp:spPr>
+        <a:xfrm>
+          <a:off x="1007057" y="1008597"/>
+          <a:ext cx="452445" cy="243250"/>
+        </a:xfrm>
+        <a:prstGeom prst="rect">
+          <a:avLst/>
+        </a:prstGeom>
+        <a:noFill/>
+        <a:ln>
+          <a:noFill/>
+        </a:ln>
+        <a:effectLst/>
+      </dsp:spPr>
+      <dsp:style>
+        <a:lnRef idx="0">
+          <a:scrgbClr r="0" g="0" b="0"/>
+        </a:lnRef>
+        <a:fillRef idx="0">
+          <a:scrgbClr r="0" g="0" b="0"/>
+        </a:fillRef>
+        <a:effectRef idx="0">
+          <a:scrgbClr r="0" g="0" b="0"/>
+        </a:effectRef>
+        <a:fontRef idx="minor"/>
+      </dsp:style>
+    </dsp:sp>
+    <dsp:sp modelId="{A50B05DD-D6B3-4B45-9097-7027E363BD5C}">
+      <dsp:nvSpPr>
+        <dsp:cNvPr id="0" name=""/>
+        <dsp:cNvSpPr/>
+      </dsp:nvSpPr>
+      <dsp:spPr>
+        <a:xfrm rot="5400000">
+          <a:off x="236358" y="953865"/>
+          <a:ext cx="405417" cy="352713"/>
+        </a:xfrm>
+        <a:prstGeom prst="hexagon">
+          <a:avLst>
+            <a:gd name="adj" fmla="val 25000"/>
+            <a:gd name="vf" fmla="val 115470"/>
+          </a:avLst>
+        </a:prstGeom>
+        <a:solidFill>
+          <a:schemeClr val="accent1">
+            <a:hueOff val="0"/>
+            <a:satOff val="0"/>
+            <a:lumOff val="0"/>
+            <a:alphaOff val="0"/>
+          </a:schemeClr>
+        </a:solidFill>
+        <a:ln w="12700" cap="flat" cmpd="sng" algn="ctr">
+          <a:solidFill>
+            <a:schemeClr val="lt1">
+              <a:hueOff val="0"/>
+              <a:satOff val="0"/>
+              <a:lumOff val="0"/>
+              <a:alphaOff val="0"/>
+            </a:schemeClr>
+          </a:solidFill>
+          <a:prstDash val="solid"/>
+          <a:miter lim="800000"/>
+        </a:ln>
+        <a:effectLst/>
+      </dsp:spPr>
+      <dsp:style>
+        <a:lnRef idx="2">
+          <a:scrgbClr r="0" g="0" b="0"/>
+        </a:lnRef>
+        <a:fillRef idx="1">
+          <a:scrgbClr r="0" g="0" b="0"/>
+        </a:fillRef>
+        <a:effectRef idx="0">
+          <a:scrgbClr r="0" g="0" b="0"/>
+        </a:effectRef>
+        <a:fontRef idx="minor">
+          <a:schemeClr val="lt1"/>
+        </a:fontRef>
+      </dsp:style>
+      <dsp:txBody>
+        <a:bodyPr spcFirstLastPara="0" vert="horz" wrap="square" lIns="0" tIns="0" rIns="0" bIns="0" numCol="1" spcCol="1270" anchor="ctr" anchorCtr="0">
+          <a:noAutofit/>
+        </a:bodyPr>
+        <a:lstStyle/>
+        <a:p>
+          <a:pPr marL="0" lvl="0" indent="0" algn="ctr" defTabSz="844550">
+            <a:lnSpc>
+              <a:spcPct val="90000"/>
+            </a:lnSpc>
+            <a:spcBef>
+              <a:spcPct val="0"/>
+            </a:spcBef>
+            <a:spcAft>
+              <a:spcPct val="35000"/>
+            </a:spcAft>
+            <a:buNone/>
+          </a:pPr>
+          <a:endParaRPr lang="en-US" sz="1900" kern="1200"/>
+        </a:p>
+      </dsp:txBody>
+      <dsp:txXfrm rot="-5400000">
+        <a:off x="317674" y="990692"/>
+        <a:ext cx="242785" cy="279062"/>
+      </dsp:txXfrm>
+    </dsp:sp>
+  </dsp:spTree>
+</dsp:drawing>
+</file>
+
+<file path=ppt/diagrams/layout1.xml><?xml version="1.0" encoding="utf-8"?>
+<dgm:layoutDef xmlns:dgm="http://schemas.openxmlformats.org/drawingml/2006/diagram" xmlns:a="http://schemas.openxmlformats.org/drawingml/2006/main" uniqueId="urn:microsoft.com/office/officeart/2008/layout/AlternatingHexagons">
+  <dgm:title val=""/>
+  <dgm:desc val=""/>
+  <dgm:catLst>
+    <dgm:cat type="list" pri="1500"/>
+  </dgm:catLst>
+  <dgm:sampData>
+    <dgm:dataModel>
+      <dgm:ptLst>
+        <dgm:pt modelId="0" type="doc"/>
+        <dgm:pt modelId="10">
+          <dgm:prSet phldr="1"/>
+        </dgm:pt>
+        <dgm:pt modelId="11">
+          <dgm:prSet phldr="1"/>
+        </dgm:pt>
+        <dgm:pt modelId="20">
+          <dgm:prSet phldr="1"/>
+        </dgm:pt>
+        <dgm:pt modelId="21">
+          <dgm:prSet phldr="1"/>
+        </dgm:pt>
+        <dgm:pt modelId="30">
+          <dgm:prSet phldr="1"/>
+        </dgm:pt>
+        <dgm:pt modelId="31">
+          <dgm:prSet phldr="1"/>
+        </dgm:pt>
+      </dgm:ptLst>
+      <dgm:cxnLst>
+        <dgm:cxn modelId="40" srcId="0" destId="10" srcOrd="0" destOrd="0"/>
+        <dgm:cxn modelId="12" srcId="10" destId="11" srcOrd="0" destOrd="0"/>
+        <dgm:cxn modelId="50" srcId="0" destId="20" srcOrd="1" destOrd="0"/>
+        <dgm:cxn modelId="22" srcId="20" destId="21" srcOrd="0" destOrd="0"/>
+        <dgm:cxn modelId="60" srcId="0" destId="30" srcOrd="1" destOrd="0"/>
+        <dgm:cxn modelId="32" srcId="30" destId="31" srcOrd="0" destOrd="0"/>
+      </dgm:cxnLst>
+      <dgm:bg/>
+      <dgm:whole/>
+    </dgm:dataModel>
+  </dgm:sampData>
+  <dgm:styleData>
+    <dgm:dataModel>
+      <dgm:ptLst>
+        <dgm:pt modelId="0" type="doc"/>
+        <dgm:pt modelId="10">
+          <dgm:prSet phldr="1"/>
+        </dgm:pt>
+        <dgm:pt modelId="20">
+          <dgm:prSet phldr="1"/>
+        </dgm:pt>
+      </dgm:ptLst>
+      <dgm:cxnLst>
+        <dgm:cxn modelId="60" srcId="0" destId="10" srcOrd="0" destOrd="0"/>
+        <dgm:cxn modelId="70" srcId="0" destId="20" srcOrd="1" destOrd="0"/>
+      </dgm:cxnLst>
+      <dgm:bg/>
+      <dgm:whole/>
+    </dgm:dataModel>
+  </dgm:styleData>
+  <dgm:clrData>
+    <dgm:dataModel>
+      <dgm:ptLst>
+        <dgm:pt modelId="0" type="doc"/>
+        <dgm:pt modelId="10">
+          <dgm:prSet phldr="1"/>
+        </dgm:pt>
+        <dgm:pt modelId="20">
+          <dgm:prSet phldr="1"/>
+        </dgm:pt>
+        <dgm:pt modelId="30">
+          <dgm:prSet phldr="1"/>
+        </dgm:pt>
+        <dgm:pt modelId="40">
+          <dgm:prSet phldr="1"/>
+        </dgm:pt>
+      </dgm:ptLst>
+      <dgm:cxnLst>
+        <dgm:cxn modelId="60" srcId="0" destId="10" srcOrd="0" destOrd="0"/>
+        <dgm:cxn modelId="70" srcId="0" destId="20" srcOrd="1" destOrd="0"/>
+        <dgm:cxn modelId="80" srcId="0" destId="30" srcOrd="2" destOrd="0"/>
+        <dgm:cxn modelId="90" srcId="0" destId="40" srcOrd="3" destOrd="0"/>
+      </dgm:cxnLst>
+      <dgm:bg/>
+      <dgm:whole/>
+    </dgm:dataModel>
+  </dgm:clrData>
+  <dgm:layoutNode name="Name0">
+    <dgm:varLst>
+      <dgm:chMax/>
+      <dgm:chPref/>
+      <dgm:dir/>
+      <dgm:animLvl val="lvl"/>
+    </dgm:varLst>
+    <dgm:alg type="lin">
+      <dgm:param type="linDir" val="fromT"/>
+    </dgm:alg>
+    <dgm:shape xmlns:r="http://schemas.openxmlformats.org/officeDocument/2006/relationships" r:blip="">
+      <dgm:adjLst/>
+    </dgm:shape>
+    <dgm:constrLst>
+      <dgm:constr type="primFontSz" for="des" forName="Parent1" val="65"/>
+      <dgm:constr type="primFontSz" for="des" forName="Childtext1" refType="primFontSz" refFor="des" refForName="Parent1" op="lte"/>
+      <dgm:constr type="w" for="ch" forName="composite" refType="w"/>
+      <dgm:constr type="h" for="ch" forName="composite" refType="h"/>
+      <dgm:constr type="h" for="ch" forName="spaceBetweenRectangles" refType="w" refFor="ch" refForName="composite" fact="-0.042"/>
+      <dgm:constr type="sp" refType="h" refFor="ch" refForName="composite" op="equ" fact="0.1"/>
+    </dgm:constrLst>
+    <dgm:forEach name="nodesForEach" axis="ch" ptType="node">
+      <dgm:layoutNode name="composite">
+        <dgm:alg type="composite">
+          <dgm:param type="ar" val="3.6"/>
+        </dgm:alg>
+        <dgm:shape xmlns:r="http://schemas.openxmlformats.org/officeDocument/2006/relationships" r:blip="">
+          <dgm:adjLst/>
+        </dgm:shape>
+        <dgm:choose name="Name1">
+          <dgm:if name="Name2" func="var" arg="dir" op="equ" val="norm">
+            <dgm:choose name="Name3">
+              <dgm:if name="Name4" axis="self" ptType="node" func="posOdd" op="equ" val="1">
+                <dgm:constrLst>
+                  <dgm:constr type="l" for="ch" forName="Accent1" refType="w" fact="0.18"/>
+                  <dgm:constr type="t" for="ch" forName="Accent1" refType="h" fact="0"/>
+                  <dgm:constr type="h" for="ch" forName="Accent1" refType="h"/>
+                  <dgm:constr type="w" for="ch" forName="Accent1" refType="h" fact="0.87"/>
+                  <dgm:constr type="l" for="ch" forName="Accent1Text" refType="w" fact="0.18"/>
+                  <dgm:constr type="t" for="ch" forName="Accent1Text" refType="h" fact="0"/>
+                  <dgm:constr type="h" for="ch" forName="Accent1Text" refType="h"/>
+                  <dgm:constr type="w" for="ch" forName="Accent1Text" refType="h" fact="0.87"/>
+                  <dgm:constr type="l" for="ch" forName="Parent1" refType="w" fact="0.441"/>
+                  <dgm:constr type="t" for="ch" forName="Parent1" refType="h" fact="0"/>
+                  <dgm:constr type="h" for="ch" forName="Parent1" refType="h"/>
+                  <dgm:constr type="w" for="ch" forName="Parent1" refType="h" fact="0.87"/>
+                  <dgm:constr type="l" for="ch" forName="Childtext1" refType="w" fact="0.69"/>
+                  <dgm:constr type="t" for="ch" forName="Childtext1" refType="h" fact="0.2"/>
+                  <dgm:constr type="w" for="ch" forName="Childtext1" refType="w" fact="0.31"/>
+                  <dgm:constr type="h" for="ch" forName="Childtext1" refType="h" fact="0.6"/>
+                  <dgm:constr type="l" for="ch" forName="BalanceSpacing" refType="w" fact="0"/>
+                  <dgm:constr type="t" for="ch" forName="BalanceSpacing" refType="h" fact="0"/>
+                  <dgm:constr type="w" for="ch" forName="BalanceSpacing" refType="w"/>
+                  <dgm:constr type="h" for="ch" forName="BalanceSpacing" refType="h" fact="0.1"/>
+                  <dgm:constr type="l" for="ch" forName="BalanceSpacing1" refType="w" fact="0.69"/>
+                  <dgm:constr type="t" for="ch" forName="BalanceSpacing1" refType="h" fact="0.2"/>
+                  <dgm:constr type="w" for="ch" forName="BalanceSpacing1" refType="w" fact="0.31"/>
+                  <dgm:constr type="h" for="ch" forName="BalanceSpacing1" refType="h" fact="0.6"/>
+                </dgm:constrLst>
+              </dgm:if>
+              <dgm:else name="Name5">
+                <dgm:constrLst>
+                  <dgm:constr type="l" for="ch" forName="Accent1" refType="w" fact="0.571"/>
+                  <dgm:constr type="t" for="ch" forName="Accent1" refType="h" fact="0"/>
+                  <dgm:constr type="h" for="ch" forName="Accent1" refType="h"/>
+                  <dgm:constr type="w" for="ch" forName="Accent1" refType="h" fact="0.87"/>
+                  <dgm:constr type="l" for="ch" forName="Accent1Text" refType="w" fact="0.571"/>
+                  <dgm:constr type="t" for="ch" forName="Accent1Text" refType="h" fact="0"/>
+                  <dgm:constr type="h" for="ch" forName="Accent1Text" refType="h"/>
+                  <dgm:constr type="w" for="ch" forName="Accent1Text" refType="h" fact="0.87"/>
+                  <dgm:constr type="l" for="ch" forName="Parent1" refType="w" fact="0.31"/>
+                  <dgm:constr type="t" for="ch" forName="Parent1" refType="h" fact="0"/>
+                  <dgm:constr type="h" for="ch" forName="Parent1" refType="h"/>
+                  <dgm:constr type="w" for="ch" forName="Parent1" refType="h" fact="0.87"/>
+                  <dgm:constr type="l" for="ch" forName="Childtext1" refType="w" fact="0"/>
+                  <dgm:constr type="t" for="ch" forName="Childtext1" refType="h" fact="0.2"/>
+                  <dgm:constr type="w" for="ch" forName="Childtext1" refType="w" fact="0.3"/>
+                  <dgm:constr type="h" for="ch" forName="Childtext1" refType="h" fact="0.6"/>
+                  <dgm:constr type="l" for="ch" forName="BalanceSpacing" refType="w" fact="0.82"/>
+                  <dgm:constr type="t" for="ch" forName="BalanceSpacing" refType="h" fact="0"/>
+                  <dgm:constr type="w" for="ch" forName="BalanceSpacing" refType="w" fact="0.18"/>
+                  <dgm:constr type="h" for="ch" forName="BalanceSpacing" refType="h"/>
+                  <dgm:constr type="l" for="ch" forName="BalanceSpacing1" refType="w" fact="0"/>
+                  <dgm:constr type="t" for="ch" forName="BalanceSpacing1" refType="h" fact="0.2"/>
+                  <dgm:constr type="w" for="ch" forName="BalanceSpacing1" refType="w" fact="0.3"/>
+                  <dgm:constr type="h" for="ch" forName="BalanceSpacing1" refType="h" fact="0.6"/>
+                </dgm:constrLst>
+              </dgm:else>
+            </dgm:choose>
+          </dgm:if>
+          <dgm:else name="Name6">
+            <dgm:choose name="Name7">
+              <dgm:if name="Name8" axis="self" ptType="node" func="posOdd" op="equ" val="1">
+                <dgm:constrLst>
+                  <dgm:constr type="l" for="ch" forName="Accent1" refType="w" fact="0.571"/>
+                  <dgm:constr type="t" for="ch" forName="Accent1" refType="h" fact="0"/>
+                  <dgm:constr type="h" for="ch" forName="Accent1" refType="h"/>
+                  <dgm:constr type="w" for="ch" forName="Accent1" refType="h" fact="0.87"/>
+                  <dgm:constr type="l" for="ch" forName="Accent1Text" refType="w" fact="0.571"/>
+                  <dgm:constr type="t" for="ch" forName="Accent1Text" refType="h" fact="0"/>
+                  <dgm:constr type="h" for="ch" forName="Accent1Text" refType="h"/>
+                  <dgm:constr type="w" for="ch" forName="Accent1Text" refType="h" fact="0.87"/>
+                  <dgm:constr type="l" for="ch" forName="Parent1" refType="w" fact="0.31"/>
+                  <dgm:constr type="t" for="ch" forName="Parent1" refType="h" fact="0"/>
+                  <dgm:constr type="h" for="ch" forName="Parent1" refType="h"/>
+                  <dgm:constr type="w" for="ch" forName="Parent1" refType="h" fact="0.87"/>
+                  <dgm:constr type="l" for="ch" forName="Childtext1" refType="w" fact="0"/>
+                  <dgm:constr type="t" for="ch" forName="Childtext1" refType="h" fact="0.2"/>
+                  <dgm:constr type="w" for="ch" forName="Childtext1" refType="w" fact="0.3"/>
+                  <dgm:constr type="h" for="ch" forName="Childtext1" refType="h" fact="0.6"/>
+                  <dgm:constr type="l" for="ch" forName="BalanceSpacing" refType="w" fact="0.82"/>
+                  <dgm:constr type="t" for="ch" forName="BalanceSpacing" refType="h" fact="0"/>
+                  <dgm:constr type="w" for="ch" forName="BalanceSpacing" refType="w" fact="0.18"/>
+                  <dgm:constr type="h" for="ch" forName="BalanceSpacing" refType="h"/>
+                </dgm:constrLst>
+              </dgm:if>
+              <dgm:else name="Name9">
+                <dgm:constrLst>
+                  <dgm:constr type="l" for="ch" forName="Accent1" refType="w" fact="0.18"/>
+                  <dgm:constr type="t" for="ch" forName="Accent1" refType="h" fact="0"/>
+                  <dgm:constr type="h" for="ch" forName="Accent1" refType="h"/>
+                  <dgm:constr type="w" for="ch" forName="Accent1" refType="h" fact="0.87"/>
+                  <dgm:constr type="l" for="ch" forName="Accent1Text" refType="w" fact="0.18"/>
+                  <dgm:constr type="t" for="ch" forName="Accent1Text" refType="h" fact="0"/>
+                  <dgm:constr type="h" for="ch" forName="Accent1Text" refType="h"/>
+                  <dgm:constr type="w" for="ch" forName="Accent1Text" refType="h" fact="0.87"/>
+                  <dgm:constr type="l" for="ch" forName="Parent1" refType="w" fact="0.441"/>
+                  <dgm:constr type="t" for="ch" forName="Parent1" refType="h" fact="0"/>
+                  <dgm:constr type="h" for="ch" forName="Parent1" refType="h"/>
+                  <dgm:constr type="w" for="ch" forName="Parent1" refType="h" fact="0.87"/>
+                  <dgm:constr type="l" for="ch" forName="Childtext1" refType="w" fact="0.69"/>
+                  <dgm:constr type="t" for="ch" forName="Childtext1" refType="h" fact="0.2"/>
+                  <dgm:constr type="w" for="ch" forName="Childtext1" refType="w" fact="0.31"/>
+                  <dgm:constr type="h" for="ch" forName="Childtext1" refType="h" fact="0.6"/>
+                  <dgm:constr type="l" for="ch" forName="BalanceSpacing" refType="w" fact="0"/>
+                  <dgm:constr type="t" for="ch" forName="BalanceSpacing" refType="h" fact="0"/>
+                  <dgm:constr type="w" for="ch" forName="BalanceSpacing" refType="w" fact="0.18"/>
+                  <dgm:constr type="h" for="ch" forName="BalanceSpacing" refType="h"/>
+                </dgm:constrLst>
+              </dgm:else>
+            </dgm:choose>
+          </dgm:else>
+        </dgm:choose>
+        <dgm:layoutNode name="Parent1" styleLbl="node1">
+          <dgm:varLst>
+            <dgm:chMax val="1"/>
+            <dgm:chPref val="1"/>
+            <dgm:bulletEnabled val="1"/>
+          </dgm:varLst>
+          <dgm:alg type="tx"/>
+          <dgm:shape xmlns:r="http://schemas.openxmlformats.org/officeDocument/2006/relationships" rot="90" type="hexagon" r:blip="">
+            <dgm:adjLst>
+              <dgm:adj idx="1" val="0.25"/>
+              <dgm:adj idx="2" val="1.1547"/>
+            </dgm:adjLst>
+          </dgm:shape>
+          <dgm:presOf axis="self" ptType="node"/>
+          <dgm:constrLst>
+            <dgm:constr type="lMarg" refType="primFontSz" fact="0.3"/>
+            <dgm:constr type="rMarg" refType="primFontSz" fact="0.3"/>
+            <dgm:constr type="tMarg" refType="primFontSz" fact="0.3"/>
+            <dgm:constr type="bMarg" refType="primFontSz" fact="0.3"/>
+          </dgm:constrLst>
+          <dgm:ruleLst>
+            <dgm:rule type="primFontSz" val="5" fact="NaN" max="NaN"/>
+          </dgm:ruleLst>
+        </dgm:layoutNode>
+        <dgm:layoutNode name="Childtext1" styleLbl="revTx">
+          <dgm:varLst>
+            <dgm:chMax val="0"/>
+            <dgm:chPref val="0"/>
+            <dgm:bulletEnabled val="1"/>
+          </dgm:varLst>
+          <dgm:choose name="Name10">
+            <dgm:if name="Name11" func="var" arg="dir" op="equ" val="norm">
+              <dgm:choose name="Name12">
+                <dgm:if name="Name13" axis="self" ptType="node" func="posOdd" op="equ" val="1">
+                  <dgm:alg type="tx">
+                    <dgm:param type="parTxLTRAlign" val="l"/>
+                  </dgm:alg>
+                </dgm:if>
+                <dgm:else name="Name14">
+                  <dgm:alg type="tx">
+                    <dgm:param type="parTxLTRAlign" val="r"/>
+                  </dgm:alg>
+                </dgm:else>
+              </dgm:choose>
+            </dgm:if>
+            <dgm:else name="Name15">
+              <dgm:choose name="Name16">
+                <dgm:if name="Name17" axis="self" ptType="node" func="posOdd" op="equ" val="1">
+                  <dgm:alg type="tx">
+                    <dgm:param type="parTxLTRAlign" val="r"/>
+                  </dgm:alg>
+                </dgm:if>
+                <dgm:else name="Name18">
+                  <dgm:alg type="tx">
+                    <dgm:param type="parTxLTRAlign" val="l"/>
+                  </dgm:alg>
+                </dgm:else>
+              </dgm:choose>
+            </dgm:else>
+          </dgm:choose>
+          <dgm:shape xmlns:r="http://schemas.openxmlformats.org/officeDocument/2006/relationships" type="rect" r:blip="">
+            <dgm:adjLst/>
+          </dgm:shape>
+          <dgm:presOf axis="des" ptType="node"/>
+          <dgm:constrLst>
+            <dgm:constr type="lMarg" refType="primFontSz" fact="0.3"/>
+            <dgm:constr type="rMarg" refType="primFontSz" fact="0.3"/>
+            <dgm:constr type="tMarg" refType="primFontSz" fact="0.3"/>
+            <dgm:constr type="bMarg" refType="primFontSz" fact="0.3"/>
+          </dgm:constrLst>
+          <dgm:ruleLst>
+            <dgm:rule type="primFontSz" val="5" fact="NaN" max="NaN"/>
+          </dgm:ruleLst>
+        </dgm:layoutNode>
+        <dgm:layoutNode name="BalanceSpacing">
+          <dgm:alg type="sp"/>
+          <dgm:shape xmlns:r="http://schemas.openxmlformats.org/officeDocument/2006/relationships" r:blip="">
+            <dgm:adjLst/>
+          </dgm:shape>
+        </dgm:layoutNode>
+        <dgm:layoutNode name="BalanceSpacing1">
+          <dgm:alg type="sp"/>
+          <dgm:shape xmlns:r="http://schemas.openxmlformats.org/officeDocument/2006/relationships" r:blip="">
+            <dgm:adjLst/>
+          </dgm:shape>
+        </dgm:layoutNode>
+        <dgm:forEach name="Name19" axis="followSib" ptType="sibTrans" hideLastTrans="0" cnt="1">
+          <dgm:layoutNode name="Accent1Text" styleLbl="node1">
+            <dgm:alg type="tx"/>
+            <dgm:shape xmlns:r="http://schemas.openxmlformats.org/officeDocument/2006/relationships" rot="90" type="hexagon" r:blip="">
+              <dgm:adjLst>
+                <dgm:adj idx="1" val="0.25"/>
+                <dgm:adj idx="2" val="1.1547"/>
+              </dgm:adjLst>
+            </dgm:shape>
+            <dgm:presOf axis="self" ptType="sibTrans"/>
+            <dgm:constrLst>
+              <dgm:constr type="lMarg"/>
+              <dgm:constr type="rMarg"/>
+              <dgm:constr type="tMarg"/>
+              <dgm:constr type="bMarg"/>
+            </dgm:constrLst>
+            <dgm:ruleLst>
+              <dgm:rule type="primFontSz" val="5" fact="NaN" max="NaN"/>
+            </dgm:ruleLst>
+          </dgm:layoutNode>
+        </dgm:forEach>
+      </dgm:layoutNode>
+      <dgm:forEach name="Name20" axis="followSib" ptType="sibTrans" cnt="1">
+        <dgm:layoutNode name="spaceBetweenRectangles">
+          <dgm:alg type="sp"/>
+          <dgm:shape xmlns:r="http://schemas.openxmlformats.org/officeDocument/2006/relationships" r:blip="">
+            <dgm:adjLst/>
+          </dgm:shape>
+          <dgm:presOf/>
+          <dgm:constrLst/>
+          <dgm:ruleLst/>
+        </dgm:layoutNode>
+      </dgm:forEach>
+    </dgm:forEach>
+  </dgm:layoutNode>
+</dgm:layoutDef>
+</file>
+
+<file path=ppt/diagrams/quickStyle1.xml><?xml version="1.0" encoding="utf-8"?>
+<dgm:styleDef xmlns:dgm="http://schemas.openxmlformats.org/drawingml/2006/diagram" xmlns:a="http://schemas.openxmlformats.org/drawingml/2006/main" uniqueId="urn:microsoft.com/office/officeart/2005/8/quickstyle/simple1">
+  <dgm:title val=""/>
+  <dgm:desc val=""/>
+  <dgm:catLst>
+    <dgm:cat type="simple" pri="10100"/>
+  </dgm:catLst>
+  <dgm:scene3d>
+    <a:camera prst="orthographicFront"/>
+    <a:lightRig rig="threePt" dir="t"/>
+  </dgm:scene3d>
+  <dgm:styleLbl name="node0">
+    <dgm:scene3d>
+      <a:camera prst="orthographicFront"/>
+      <a:lightRig rig="threePt" dir="t"/>
+    </dgm:scene3d>
+    <dgm:sp3d/>
+    <dgm:txPr/>
+    <dgm:style>
+      <a:lnRef idx="2">
+        <a:scrgbClr r="0" g="0" b="0"/>
+      </a:lnRef>
+      <a:fillRef idx="1">
+        <a:scrgbClr r="0" g="0" b="0"/>
+      </a:fillRef>
+      <a:effectRef idx="0">
+        <a:scrgbClr r="0" g="0" b="0"/>
+      </a:effectRef>
+      <a:fontRef idx="minor">
+        <a:schemeClr val="lt1"/>
+      </a:fontRef>
+    </dgm:style>
+  </dgm:styleLbl>
+  <dgm:styleLbl name="lnNode1">
+    <dgm:scene3d>
+      <a:camera prst="orthographicFront"/>
+      <a:lightRig rig="threePt" dir="t"/>
+    </dgm:scene3d>
+    <dgm:sp3d/>
+    <dgm:txPr/>
+    <dgm:style>
+      <a:lnRef idx="2">
+        <a:scrgbClr r="0" g="0" b="0"/>
+      </a:lnRef>
+      <a:fillRef idx="1">
+        <a:scrgbClr r="0" g="0" b="0"/>
+      </a:fillRef>
+      <a:effectRef idx="0">
+        <a:scrgbClr r="0" g="0" b="0"/>
+      </a:effectRef>
+      <a:fontRef idx="minor">
+        <a:schemeClr val="lt1"/>
+      </a:fontRef>
+    </dgm:style>
+  </dgm:styleLbl>
+  <dgm:styleLbl name="vennNode1">
+    <dgm:scene3d>
+      <a:camera prst="orthographicFront"/>
+      <a:lightRig rig="threePt" dir="t"/>
+    </dgm:scene3d>
+    <dgm:sp3d/>
+    <dgm:txPr/>
+    <dgm:style>
+      <a:lnRef idx="2">
+        <a:scrgbClr r="0" g="0" b="0"/>
+      </a:lnRef>
+      <a:fillRef idx="1">
+        <a:scrgbClr r="0" g="0" b="0"/>
+      </a:fillRef>
+      <a:effectRef idx="0">
+        <a:scrgbClr r="0" g="0" b="0"/>
+      </a:effectRef>
+      <a:fontRef idx="minor">
+        <a:schemeClr val="tx1"/>
+      </a:fontRef>
+    </dgm:style>
+  </dgm:styleLbl>
+  <dgm:styleLbl name="alignNode1">
+    <dgm:scene3d>
+      <a:camera prst="orthographicFront"/>
+      <a:lightRig rig="threePt" dir="t"/>
+    </dgm:scene3d>
+    <dgm:sp3d/>
+    <dgm:txPr/>
+    <dgm:style>
+      <a:lnRef idx="2">
+        <a:scrgbClr r="0" g="0" b="0"/>
+      </a:lnRef>
+      <a:fillRef idx="1">
+        <a:scrgbClr r="0" g="0" b="0"/>
+      </a:fillRef>
+      <a:effectRef idx="0">
+        <a:scrgbClr r="0" g="0" b="0"/>
+      </a:effectRef>
+      <a:fontRef idx="minor">
+        <a:schemeClr val="lt1"/>
+      </a:fontRef>
+    </dgm:style>
+  </dgm:styleLbl>
+  <dgm:styleLbl name="node1">
+    <dgm:scene3d>
+      <a:camera prst="orthographicFront"/>
+      <a:lightRig rig="threePt" dir="t"/>
+    </dgm:scene3d>
+    <dgm:sp3d/>
+    <dgm:txPr/>
+    <dgm:style>
+      <a:lnRef idx="2">
+        <a:scrgbClr r="0" g="0" b="0"/>
+      </a:lnRef>
+      <a:fillRef idx="1">
+        <a:scrgbClr r="0" g="0" b="0"/>
+      </a:fillRef>
+      <a:effectRef idx="0">
+        <a:scrgbClr r="0" g="0" b="0"/>
+      </a:effectRef>
+      <a:fontRef idx="minor">
+        <a:schemeClr val="lt1"/>
+      </a:fontRef>
+    </dgm:style>
+  </dgm:styleLbl>
+  <dgm:styleLbl name="node2">
+    <dgm:scene3d>
+      <a:camera prst="orthographicFront"/>
+      <a:lightRig rig="threePt" dir="t"/>
+    </dgm:scene3d>
+    <dgm:sp3d/>
+    <dgm:txPr/>
+    <dgm:style>
+      <a:lnRef idx="2">
+        <a:scrgbClr r="0" g="0" b="0"/>
+      </a:lnRef>
+      <a:fillRef idx="1">
+        <a:scrgbClr r="0" g="0" b="0"/>
+      </a:fillRef>
+      <a:effectRef idx="0">
+        <a:scrgbClr r="0" g="0" b="0"/>
+      </a:effectRef>
+      <a:fontRef idx="minor">
+        <a:schemeClr val="lt1"/>
+      </a:fontRef>
+    </dgm:style>
+  </dgm:styleLbl>
+  <dgm:styleLbl name="node3">
+    <dgm:scene3d>
+      <a:camera prst="orthographicFront"/>
+      <a:lightRig rig="threePt" dir="t"/>
+    </dgm:scene3d>
+    <dgm:sp3d/>
+    <dgm:txPr/>
+    <dgm:style>
+      <a:lnRef idx="2">
+        <a:scrgbClr r="0" g="0" b="0"/>
+      </a:lnRef>
+      <a:fillRef idx="1">
+        <a:scrgbClr r="0" g="0" b="0"/>
+      </a:fillRef>
+      <a:effectRef idx="0">
+        <a:scrgbClr r="0" g="0" b="0"/>
+      </a:effectRef>
+      <a:fontRef idx="minor">
+        <a:schemeClr val="lt1"/>
+      </a:fontRef>
+    </dgm:style>
+  </dgm:styleLbl>
+  <dgm:styleLbl name="node4">
+    <dgm:scene3d>
+      <a:camera prst="orthographicFront"/>
+      <a:lightRig rig="threePt" dir="t"/>
+    </dgm:scene3d>
+    <dgm:sp3d/>
+    <dgm:txPr/>
+    <dgm:style>
+      <a:lnRef idx="2">
+        <a:scrgbClr r="0" g="0" b="0"/>
+      </a:lnRef>
+      <a:fillRef idx="1">
+        <a:scrgbClr r="0" g="0" b="0"/>
+      </a:fillRef>
+      <a:effectRef idx="0">
+        <a:scrgbClr r="0" g="0" b="0"/>
+      </a:effectRef>
+      <a:fontRef idx="minor">
+        <a:schemeClr val="lt1"/>
+      </a:fontRef>
+    </dgm:style>
+  </dgm:styleLbl>
+  <dgm:styleLbl name="fgImgPlace1">
+    <dgm:scene3d>
+      <a:camera prst="orthographicFront"/>
+      <a:lightRig rig="threePt" dir="t"/>
+    </dgm:scene3d>
+    <dgm:sp3d/>
+    <dgm:txPr/>
+    <dgm:style>
+      <a:lnRef idx="2">
+        <a:scrgbClr r="0" g="0" b="0"/>
+      </a:lnRef>
+      <a:fillRef idx="1">
+        <a:scrgbClr r="0" g="0" b="0"/>
+      </a:fillRef>
+      <a:effectRef idx="0">
+        <a:scrgbClr r="0" g="0" b="0"/>
+      </a:effectRef>
+      <a:fontRef idx="minor"/>
+    </dgm:style>
+  </dgm:styleLbl>
+  <dgm:styleLbl name="alignImgPlace1">
+    <dgm:scene3d>
+      <a:camera prst="orthographicFront"/>
+      <a:lightRig rig="threePt" dir="t"/>
+    </dgm:scene3d>
+    <dgm:sp3d/>
+    <dgm:txPr/>
+    <dgm:style>
+      <a:lnRef idx="2">
+        <a:scrgbClr r="0" g="0" b="0"/>
+      </a:lnRef>
+      <a:fillRef idx="1">
+        <a:scrgbClr r="0" g="0" b="0"/>
+      </a:fillRef>
+      <a:effectRef idx="0">
+        <a:scrgbClr r="0" g="0" b="0"/>
+      </a:effectRef>
+      <a:fontRef idx="minor"/>
+    </dgm:style>
+  </dgm:styleLbl>
+  <dgm:styleLbl name="bgImgPlace1">
+    <dgm:scene3d>
+      <a:camera prst="orthographicFront"/>
+      <a:lightRig rig="threePt" dir="t"/>
+    </dgm:scene3d>
+    <dgm:sp3d/>
+    <dgm:txPr/>
+    <dgm:style>
+      <a:lnRef idx="2">
+        <a:scrgbClr r="0" g="0" b="0"/>
+      </a:lnRef>
+      <a:fillRef idx="1">
+        <a:scrgbClr r="0" g="0" b="0"/>
+      </a:fillRef>
+      <a:effectRef idx="0">
+        <a:scrgbClr r="0" g="0" b="0"/>
+      </a:effectRef>
+      <a:fontRef idx="minor"/>
+    </dgm:style>
+  </dgm:styleLbl>
+  <dgm:styleLbl name="sibTrans2D1">
+    <dgm:scene3d>
+      <a:camera prst="orthographicFront"/>
+      <a:lightRig rig="threePt" dir="t"/>
+    </dgm:scene3d>
+    <dgm:sp3d/>
+    <dgm:txPr/>
+    <dgm:style>
+      <a:lnRef idx="0">
+        <a:scrgbClr r="0" g="0" b="0"/>
+      </a:lnRef>
+      <a:fillRef idx="1">
+        <a:scrgbClr r="0" g="0" b="0"/>
+      </a:fillRef>
+      <a:effectRef idx="0">
+        <a:scrgbClr r="0" g="0" b="0"/>
+      </a:effectRef>
+      <a:fontRef idx="minor">
+        <a:schemeClr val="lt1"/>
+      </a:fontRef>
+    </dgm:style>
+  </dgm:styleLbl>
+  <dgm:styleLbl name="fgSibTrans2D1">
+    <dgm:scene3d>
+      <a:camera prst="orthographicFront"/>
+      <a:lightRig rig="threePt" dir="t"/>
+    </dgm:scene3d>
+    <dgm:sp3d/>
+    <dgm:txPr/>
+    <dgm:style>
+      <a:lnRef idx="0">
+        <a:scrgbClr r="0" g="0" b="0"/>
+      </a:lnRef>
+      <a:fillRef idx="1">
+        <a:scrgbClr r="0" g="0" b="0"/>
+      </a:fillRef>
+      <a:effectRef idx="0">
+        <a:scrgbClr r="0" g="0" b="0"/>
+      </a:effectRef>
+      <a:fontRef idx="minor">
+        <a:schemeClr val="lt1"/>
+      </a:fontRef>
+    </dgm:style>
+  </dgm:styleLbl>
+  <dgm:styleLbl name="bgSibTrans2D1">
+    <dgm:scene3d>
+      <a:camera prst="orthographicFront"/>
+      <a:lightRig rig="threePt" dir="t"/>
+    </dgm:scene3d>
+    <dgm:sp3d/>
+    <dgm:txPr/>
+    <dgm:style>
+      <a:lnRef idx="0">
+        <a:scrgbClr r="0" g="0" b="0"/>
+      </a:lnRef>
+      <a:fillRef idx="1">
+        <a:scrgbClr r="0" g="0" b="0"/>
+      </a:fillRef>
+      <a:effectRef idx="0">
+        <a:scrgbClr r="0" g="0" b="0"/>
+      </a:effectRef>
+      <a:fontRef idx="minor">
+        <a:schemeClr val="lt1"/>
+      </a:fontRef>
+    </dgm:style>
+  </dgm:styleLbl>
+  <dgm:styleLbl name="sibTrans1D1">
+    <dgm:scene3d>
+      <a:camera prst="orthographicFront"/>
+      <a:lightRig rig="threePt" dir="t"/>
+    </dgm:scene3d>
+    <dgm:sp3d/>
+    <dgm:txPr/>
+    <dgm:style>
+      <a:lnRef idx="1">
+        <a:scrgbClr r="0" g="0" b="0"/>
+      </a:lnRef>
+      <a:fillRef idx="0">
+        <a:scrgbClr r="0" g="0" b="0"/>
+      </a:fillRef>
+      <a:effectRef idx="0">
+        <a:scrgbClr r="0" g="0" b="0"/>
+      </a:effectRef>
+      <a:fontRef idx="minor"/>
+    </dgm:style>
+  </dgm:styleLbl>
+  <dgm:styleLbl name="callout">
+    <dgm:scene3d>
+      <a:camera prst="orthographicFront"/>
+      <a:lightRig rig="threePt" dir="t"/>
+    </dgm:scene3d>
+    <dgm:sp3d/>
+    <dgm:txPr/>
+    <dgm:style>
+      <a:lnRef idx="2">
+        <a:scrgbClr r="0" g="0" b="0"/>
+      </a:lnRef>
+      <a:fillRef idx="1">
+        <a:scrgbClr r="0" g="0" b="0"/>
+      </a:fillRef>
+      <a:effectRef idx="0">
+        <a:scrgbClr r="0" g="0" b="0"/>
+      </a:effectRef>
+      <a:fontRef idx="minor"/>
+    </dgm:style>
+  </dgm:styleLbl>
+  <dgm:styleLbl name="asst0">
+    <dgm:scene3d>
+      <a:camera prst="orthographicFront"/>
+      <a:lightRig rig="threePt" dir="t"/>
+    </dgm:scene3d>
+    <dgm:sp3d/>
+    <dgm:txPr/>
+    <dgm:style>
+      <a:lnRef idx="2">
+        <a:scrgbClr r="0" g="0" b="0"/>
+      </a:lnRef>
+      <a:fillRef idx="1">
+        <a:scrgbClr r="0" g="0" b="0"/>
+      </a:fillRef>
+      <a:effectRef idx="0">
+        <a:scrgbClr r="0" g="0" b="0"/>
+      </a:effectRef>
+      <a:fontRef idx="minor">
+        <a:schemeClr val="lt1"/>
+      </a:fontRef>
+    </dgm:style>
+  </dgm:styleLbl>
+  <dgm:styleLbl name="asst1">
+    <dgm:scene3d>
+      <a:camera prst="orthographicFront"/>
+      <a:lightRig rig="threePt" dir="t"/>
+    </dgm:scene3d>
+    <dgm:sp3d/>
+    <dgm:txPr/>
+    <dgm:style>
+      <a:lnRef idx="2">
+        <a:scrgbClr r="0" g="0" b="0"/>
+      </a:lnRef>
+      <a:fillRef idx="1">
+        <a:scrgbClr r="0" g="0" b="0"/>
+      </a:fillRef>
+      <a:effectRef idx="0">
+        <a:scrgbClr r="0" g="0" b="0"/>
+      </a:effectRef>
+      <a:fontRef idx="minor">
+        <a:schemeClr val="lt1"/>
+      </a:fontRef>
+    </dgm:style>
+  </dgm:styleLbl>
+  <dgm:styleLbl name="asst2">
+    <dgm:scene3d>
+      <a:camera prst="orthographicFront"/>
+      <a:lightRig rig="threePt" dir="t"/>
+    </dgm:scene3d>
+    <dgm:sp3d/>
+    <dgm:txPr/>
+    <dgm:style>
+      <a:lnRef idx="2">
+        <a:scrgbClr r="0" g="0" b="0"/>
+      </a:lnRef>
+      <a:fillRef idx="1">
+        <a:scrgbClr r="0" g="0" b="0"/>
+      </a:fillRef>
+      <a:effectRef idx="0">
+        <a:scrgbClr r="0" g="0" b="0"/>
+      </a:effectRef>
+      <a:fontRef idx="minor">
+        <a:schemeClr val="lt1"/>
+      </a:fontRef>
+    </dgm:style>
+  </dgm:styleLbl>
+  <dgm:styleLbl name="asst3">
+    <dgm:scene3d>
+      <a:camera prst="orthographicFront"/>
+      <a:lightRig rig="threePt" dir="t"/>
+    </dgm:scene3d>
+    <dgm:sp3d/>
+    <dgm:txPr/>
+    <dgm:style>
+      <a:lnRef idx="2">
+        <a:scrgbClr r="0" g="0" b="0"/>
+      </a:lnRef>
+      <a:fillRef idx="1">
+        <a:scrgbClr r="0" g="0" b="0"/>
+      </a:fillRef>
+      <a:effectRef idx="0">
+        <a:scrgbClr r="0" g="0" b="0"/>
+      </a:effectRef>
+      <a:fontRef idx="minor">
+        <a:schemeClr val="lt1"/>
+      </a:fontRef>
+    </dgm:style>
+  </dgm:styleLbl>
+  <dgm:styleLbl name="asst4">
+    <dgm:scene3d>
+      <a:camera prst="orthographicFront"/>
+      <a:lightRig rig="threePt" dir="t"/>
+    </dgm:scene3d>
+    <dgm:sp3d/>
+    <dgm:txPr/>
+    <dgm:style>
+      <a:lnRef idx="2">
+        <a:scrgbClr r="0" g="0" b="0"/>
+      </a:lnRef>
+      <a:fillRef idx="1">
+        <a:scrgbClr r="0" g="0" b="0"/>
+      </a:fillRef>
+      <a:effectRef idx="0">
+        <a:scrgbClr r="0" g="0" b="0"/>
+      </a:effectRef>
+      <a:fontRef idx="minor">
+        <a:schemeClr val="lt1"/>
+      </a:fontRef>
+    </dgm:style>
+  </dgm:styleLbl>
+  <dgm:styleLbl name="parChTrans2D1">
+    <dgm:scene3d>
+      <a:camera prst="orthographicFront"/>
+      <a:lightRig rig="threePt" dir="t"/>
+    </dgm:scene3d>
+    <dgm:sp3d/>
+    <dgm:txPr/>
+    <dgm:style>
+      <a:lnRef idx="2">
+        <a:scrgbClr r="0" g="0" b="0"/>
+      </a:lnRef>
+      <a:fillRef idx="1">
+        <a:scrgbClr r="0" g="0" b="0"/>
+      </a:fillRef>
+      <a:effectRef idx="0">
+        <a:scrgbClr r="0" g="0" b="0"/>
+      </a:effectRef>
+      <a:fontRef idx="minor">
+        <a:schemeClr val="lt1"/>
+      </a:fontRef>
+    </dgm:style>
+  </dgm:styleLbl>
+  <dgm:styleLbl name="parChTrans2D2">
+    <dgm:scene3d>
+      <a:camera prst="orthographicFront"/>
+      <a:lightRig rig="threePt" dir="t"/>
+    </dgm:scene3d>
+    <dgm:sp3d/>
+    <dgm:txPr/>
+    <dgm:style>
+      <a:lnRef idx="2">
+        <a:scrgbClr r="0" g="0" b="0"/>
+      </a:lnRef>
+      <a:fillRef idx="1">
+        <a:scrgbClr r="0" g="0" b="0"/>
+      </a:fillRef>
+      <a:effectRef idx="0">
+        <a:scrgbClr r="0" g="0" b="0"/>
+      </a:effectRef>
+      <a:fontRef idx="minor">
+        <a:schemeClr val="lt1"/>
+      </a:fontRef>
+    </dgm:style>
+  </dgm:styleLbl>
+  <dgm:styleLbl name="parChTrans2D3">
+    <dgm:scene3d>
+      <a:camera prst="orthographicFront"/>
+      <a:lightRig rig="threePt" dir="t"/>
+    </dgm:scene3d>
+    <dgm:sp3d/>
+    <dgm:txPr/>
+    <dgm:style>
+      <a:lnRef idx="2">
+        <a:scrgbClr r="0" g="0" b="0"/>
+      </a:lnRef>
+      <a:fillRef idx="1">
+        <a:scrgbClr r="0" g="0" b="0"/>
+      </a:fillRef>
+      <a:effectRef idx="0">
+        <a:scrgbClr r="0" g="0" b="0"/>
+      </a:effectRef>
+      <a:fontRef idx="minor">
+        <a:schemeClr val="lt1"/>
+      </a:fontRef>
+    </dgm:style>
+  </dgm:styleLbl>
+  <dgm:styleLbl name="parChTrans2D4">
+    <dgm:scene3d>
+      <a:camera prst="orthographicFront"/>
+      <a:lightRig rig="threePt" dir="t"/>
+    </dgm:scene3d>
+    <dgm:sp3d/>
+    <dgm:txPr/>
+    <dgm:style>
+      <a:lnRef idx="2">
+        <a:scrgbClr r="0" g="0" b="0"/>
+      </a:lnRef>
+      <a:fillRef idx="1">
+        <a:scrgbClr r="0" g="0" b="0"/>
+      </a:fillRef>
+      <a:effectRef idx="0">
+        <a:scrgbClr r="0" g="0" b="0"/>
+      </a:effectRef>
+      <a:fontRef idx="minor">
+        <a:schemeClr val="lt1"/>
+      </a:fontRef>
+    </dgm:style>
+  </dgm:styleLbl>
+  <dgm:styleLbl name="parChTrans1D1">
+    <dgm:scene3d>
+      <a:camera prst="orthographicFront"/>
+      <a:lightRig rig="threePt" dir="t"/>
+    </dgm:scene3d>
+    <dgm:sp3d/>
+    <dgm:txPr/>
+    <dgm:style>
+      <a:lnRef idx="2">
+        <a:scrgbClr r="0" g="0" b="0"/>
+      </a:lnRef>
+      <a:fillRef idx="0">
+        <a:scrgbClr r="0" g="0" b="0"/>
+      </a:fillRef>
+      <a:effectRef idx="0">
+        <a:scrgbClr r="0" g="0" b="0"/>
+      </a:effectRef>
+      <a:fontRef idx="minor"/>
+    </dgm:style>
+  </dgm:styleLbl>
+  <dgm:styleLbl name="parChTrans1D2">
+    <dgm:scene3d>
+      <a:camera prst="orthographicFront"/>
+      <a:lightRig rig="threePt" dir="t"/>
+    </dgm:scene3d>
+    <dgm:sp3d/>
+    <dgm:txPr/>
+    <dgm:style>
+      <a:lnRef idx="2">
+        <a:scrgbClr r="0" g="0" b="0"/>
+      </a:lnRef>
+      <a:fillRef idx="0">
+        <a:scrgbClr r="0" g="0" b="0"/>
+      </a:fillRef>
+      <a:effectRef idx="0">
+        <a:scrgbClr r="0" g="0" b="0"/>
+      </a:effectRef>
+      <a:fontRef idx="minor"/>
+    </dgm:style>
+  </dgm:styleLbl>
+  <dgm:styleLbl name="parChTrans1D3">
+    <dgm:scene3d>
+      <a:camera prst="orthographicFront"/>
+      <a:lightRig rig="threePt" dir="t"/>
+    </dgm:scene3d>
+    <dgm:sp3d/>
+    <dgm:txPr/>
+    <dgm:style>
+      <a:lnRef idx="2">
+        <a:scrgbClr r="0" g="0" b="0"/>
+      </a:lnRef>
+      <a:fillRef idx="0">
+        <a:scrgbClr r="0" g="0" b="0"/>
+      </a:fillRef>
+      <a:effectRef idx="0">
+        <a:scrgbClr r="0" g="0" b="0"/>
+      </a:effectRef>
+      <a:fontRef idx="minor"/>
+    </dgm:style>
+  </dgm:styleLbl>
+  <dgm:styleLbl name="parChTrans1D4">
+    <dgm:scene3d>
+      <a:camera prst="orthographicFront"/>
+      <a:lightRig rig="threePt" dir="t"/>
+    </dgm:scene3d>
+    <dgm:sp3d/>
+    <dgm:txPr/>
+    <dgm:style>
+      <a:lnRef idx="2">
+        <a:scrgbClr r="0" g="0" b="0"/>
+      </a:lnRef>
+      <a:fillRef idx="0">
+        <a:scrgbClr r="0" g="0" b="0"/>
+      </a:fillRef>
+      <a:effectRef idx="0">
+        <a:scrgbClr r="0" g="0" b="0"/>
+      </a:effectRef>
+      <a:fontRef idx="minor"/>
+    </dgm:style>
+  </dgm:styleLbl>
+  <dgm:styleLbl name="fgAcc1">
+    <dgm:scene3d>
+      <a:camera prst="orthographicFront"/>
+      <a:lightRig rig="threePt" dir="t"/>
+    </dgm:scene3d>
+    <dgm:sp3d/>
+    <dgm:txPr/>
+    <dgm:style>
+      <a:lnRef idx="2">
+        <a:scrgbClr r="0" g="0" b="0"/>
+      </a:lnRef>
+      <a:fillRef idx="1">
+        <a:scrgbClr r="0" g="0" b="0"/>
+      </a:fillRef>
+      <a:effectRef idx="0">
+        <a:scrgbClr r="0" g="0" b="0"/>
+      </a:effectRef>
+      <a:fontRef idx="minor"/>
+    </dgm:style>
+  </dgm:styleLbl>
+  <dgm:styleLbl name="conFgAcc1">
+    <dgm:scene3d>
+      <a:camera prst="orthographicFront"/>
+      <a:lightRig rig="threePt" dir="t"/>
+    </dgm:scene3d>
+    <dgm:sp3d/>
+    <dgm:txPr/>
+    <dgm:style>
+      <a:lnRef idx="2">
+        <a:scrgbClr r="0" g="0" b="0"/>
+      </a:lnRef>
+      <a:fillRef idx="1">
+        <a:scrgbClr r="0" g="0" b="0"/>
+      </a:fillRef>
+      <a:effectRef idx="0">
+        <a:scrgbClr r="0" g="0" b="0"/>
+      </a:effectRef>
+      <a:fontRef idx="minor"/>
+    </dgm:style>
+  </dgm:styleLbl>
+  <dgm:styleLbl name="alignAcc1">
+    <dgm:scene3d>
+      <a:camera prst="orthographicFront"/>
+      <a:lightRig rig="threePt" dir="t"/>
+    </dgm:scene3d>
+    <dgm:sp3d/>
+    <dgm:txPr/>
+    <dgm:style>
+      <a:lnRef idx="2">
+        <a:scrgbClr r="0" g="0" b="0"/>
+      </a:lnRef>
+      <a:fillRef idx="1">
+        <a:scrgbClr r="0" g="0" b="0"/>
+      </a:fillRef>
+      <a:effectRef idx="0">
+        <a:scrgbClr r="0" g="0" b="0"/>
+      </a:effectRef>
+      <a:fontRef idx="minor"/>
+    </dgm:style>
+  </dgm:styleLbl>
+  <dgm:styleLbl name="trAlignAcc1">
+    <dgm:scene3d>
+      <a:camera prst="orthographicFront"/>
+      <a:lightRig rig="threePt" dir="t"/>
+    </dgm:scene3d>
+    <dgm:sp3d/>
+    <dgm:txPr/>
+    <dgm:style>
+      <a:lnRef idx="1">
+        <a:scrgbClr r="0" g="0" b="0"/>
+      </a:lnRef>
+      <a:fillRef idx="1">
+        <a:scrgbClr r="0" g="0" b="0"/>
+      </a:fillRef>
+      <a:effectRef idx="0">
+        <a:scrgbClr r="0" g="0" b="0"/>
+      </a:effectRef>
+      <a:fontRef idx="minor"/>
+    </dgm:style>
+  </dgm:styleLbl>
+  <dgm:styleLbl name="bgAcc1">
+    <dgm:scene3d>
+      <a:camera prst="orthographicFront"/>
+      <a:lightRig rig="threePt" dir="t"/>
+    </dgm:scene3d>
+    <dgm:sp3d/>
+    <dgm:txPr/>
+    <dgm:style>
+      <a:lnRef idx="2">
+        <a:scrgbClr r="0" g="0" b="0"/>
+      </a:lnRef>
+      <a:fillRef idx="1">
+        <a:scrgbClr r="0" g="0" b="0"/>
+      </a:fillRef>
+      <a:effectRef idx="0">
+        <a:scrgbClr r="0" g="0" b="0"/>
+      </a:effectRef>
+      <a:fontRef idx="minor"/>
+    </dgm:style>
+  </dgm:styleLbl>
+  <dgm:styleLbl name="solidFgAcc1">
+    <dgm:scene3d>
+      <a:camera prst="orthographicFront"/>
+      <a:lightRig rig="threePt" dir="t"/>
+    </dgm:scene3d>
+    <dgm:sp3d/>
+    <dgm:txPr/>
+    <dgm:style>
+      <a:lnRef idx="2">
+        <a:scrgbClr r="0" g="0" b="0"/>
+      </a:lnRef>
+      <a:fillRef idx="1">
+        <a:scrgbClr r="0" g="0" b="0"/>
+      </a:fillRef>
+      <a:effectRef idx="0">
+        <a:scrgbClr r="0" g="0" b="0"/>
+      </a:effectRef>
+      <a:fontRef idx="minor"/>
+    </dgm:style>
+  </dgm:styleLbl>
+  <dgm:styleLbl name="solidAlignAcc1">
+    <dgm:scene3d>
+      <a:camera prst="orthographicFront"/>
+      <a:lightRig rig="threePt" dir="t"/>
+    </dgm:scene3d>
+    <dgm:sp3d/>
+    <dgm:txPr/>
+    <dgm:style>
+      <a:lnRef idx="2">
+        <a:scrgbClr r="0" g="0" b="0"/>
+      </a:lnRef>
+      <a:fillRef idx="1">
+        <a:scrgbClr r="0" g="0" b="0"/>
+      </a:fillRef>
+      <a:effectRef idx="0">
+        <a:scrgbClr r="0" g="0" b="0"/>
+      </a:effectRef>
+      <a:fontRef idx="minor"/>
+    </dgm:style>
+  </dgm:styleLbl>
+  <dgm:styleLbl name="solidBgAcc1">
+    <dgm:scene3d>
+      <a:camera prst="orthographicFront"/>
+      <a:lightRig rig="threePt" dir="t"/>
+    </dgm:scene3d>
+    <dgm:sp3d/>
+    <dgm:txPr/>
+    <dgm:style>
+      <a:lnRef idx="2">
+        <a:scrgbClr r="0" g="0" b="0"/>
+      </a:lnRef>
+      <a:fillRef idx="1">
+        <a:scrgbClr r="0" g="0" b="0"/>
+      </a:fillRef>
+      <a:effectRef idx="0">
+        <a:scrgbClr r="0" g="0" b="0"/>
+      </a:effectRef>
+      <a:fontRef idx="minor"/>
+    </dgm:style>
+  </dgm:styleLbl>
+  <dgm:styleLbl name="fgAccFollowNode1">
+    <dgm:scene3d>
+      <a:camera prst="orthographicFront"/>
+      <a:lightRig rig="threePt" dir="t"/>
+    </dgm:scene3d>
+    <dgm:sp3d/>
+    <dgm:txPr/>
+    <dgm:style>
+      <a:lnRef idx="2">
+        <a:scrgbClr r="0" g="0" b="0"/>
+      </a:lnRef>
+      <a:fillRef idx="1">
+        <a:scrgbClr r="0" g="0" b="0"/>
+      </a:fillRef>
+      <a:effectRef idx="0">
+        <a:scrgbClr r="0" g="0" b="0"/>
+      </a:effectRef>
+      <a:fontRef idx="minor"/>
+    </dgm:style>
+  </dgm:styleLbl>
+  <dgm:styleLbl name="alignAccFollowNode1">
+    <dgm:scene3d>
+      <a:camera prst="orthographicFront"/>
+      <a:lightRig rig="threePt" dir="t"/>
+    </dgm:scene3d>
+    <dgm:sp3d/>
+    <dgm:txPr/>
+    <dgm:style>
+      <a:lnRef idx="2">
+        <a:scrgbClr r="0" g="0" b="0"/>
+      </a:lnRef>
+      <a:fillRef idx="1">
+        <a:scrgbClr r="0" g="0" b="0"/>
+      </a:fillRef>
+      <a:effectRef idx="0">
+        <a:scrgbClr r="0" g="0" b="0"/>
+      </a:effectRef>
+      <a:fontRef idx="minor"/>
+    </dgm:style>
+  </dgm:styleLbl>
+  <dgm:styleLbl name="bgAccFollowNode1">
+    <dgm:scene3d>
+      <a:camera prst="orthographicFront"/>
+      <a:lightRig rig="threePt" dir="t"/>
+    </dgm:scene3d>
+    <dgm:sp3d/>
+    <dgm:txPr/>
+    <dgm:style>
+      <a:lnRef idx="2">
+        <a:scrgbClr r="0" g="0" b="0"/>
+      </a:lnRef>
+      <a:fillRef idx="1">
+        <a:scrgbClr r="0" g="0" b="0"/>
+      </a:fillRef>
+      <a:effectRef idx="0">
+        <a:scrgbClr r="0" g="0" b="0"/>
+      </a:effectRef>
+      <a:fontRef idx="minor"/>
+    </dgm:style>
+  </dgm:styleLbl>
+  <dgm:styleLbl name="fgAcc0">
+    <dgm:scene3d>
+      <a:camera prst="orthographicFront"/>
+      <a:lightRig rig="threePt" dir="t"/>
+    </dgm:scene3d>
+    <dgm:sp3d/>
+    <dgm:txPr/>
+    <dgm:style>
+      <a:lnRef idx="2">
+        <a:scrgbClr r="0" g="0" b="0"/>
+      </a:lnRef>
+      <a:fillRef idx="1">
+        <a:scrgbClr r="0" g="0" b="0"/>
+      </a:fillRef>
+      <a:effectRef idx="0">
+        <a:scrgbClr r="0" g="0" b="0"/>
+      </a:effectRef>
+      <a:fontRef idx="minor"/>
+    </dgm:style>
+  </dgm:styleLbl>
+  <dgm:styleLbl name="fgAcc2">
+    <dgm:scene3d>
+      <a:camera prst="orthographicFront"/>
+      <a:lightRig rig="threePt" dir="t"/>
+    </dgm:scene3d>
+    <dgm:sp3d/>
+    <dgm:txPr/>
+    <dgm:style>
+      <a:lnRef idx="2">
+        <a:scrgbClr r="0" g="0" b="0"/>
+      </a:lnRef>
+      <a:fillRef idx="1">
+        <a:scrgbClr r="0" g="0" b="0"/>
+      </a:fillRef>
+      <a:effectRef idx="0">
+        <a:scrgbClr r="0" g="0" b="0"/>
+      </a:effectRef>
+      <a:fontRef idx="minor"/>
+    </dgm:style>
+  </dgm:styleLbl>
+  <dgm:styleLbl name="fgAcc3">
+    <dgm:scene3d>
+      <a:camera prst="orthographicFront"/>
+      <a:lightRig rig="threePt" dir="t"/>
+    </dgm:scene3d>
+    <dgm:sp3d/>
+    <dgm:txPr/>
+    <dgm:style>
+      <a:lnRef idx="2">
+        <a:scrgbClr r="0" g="0" b="0"/>
+      </a:lnRef>
+      <a:fillRef idx="1">
+        <a:scrgbClr r="0" g="0" b="0"/>
+      </a:fillRef>
+      <a:effectRef idx="0">
+        <a:scrgbClr r="0" g="0" b="0"/>
+      </a:effectRef>
+      <a:fontRef idx="minor"/>
+    </dgm:style>
+  </dgm:styleLbl>
+  <dgm:styleLbl name="fgAcc4">
+    <dgm:scene3d>
+      <a:camera prst="orthographicFront"/>
+      <a:lightRig rig="threePt" dir="t"/>
+    </dgm:scene3d>
+    <dgm:sp3d/>
+    <dgm:txPr/>
+    <dgm:style>
+      <a:lnRef idx="2">
+        <a:scrgbClr r="0" g="0" b="0"/>
+      </a:lnRef>
+      <a:fillRef idx="1">
+        <a:scrgbClr r="0" g="0" b="0"/>
+      </a:fillRef>
+      <a:effectRef idx="0">
+        <a:scrgbClr r="0" g="0" b="0"/>
+      </a:effectRef>
+      <a:fontRef idx="minor"/>
+    </dgm:style>
+  </dgm:styleLbl>
+  <dgm:styleLbl name="bgShp">
+    <dgm:scene3d>
+      <a:camera prst="orthographicFront"/>
+      <a:lightRig rig="threePt" dir="t"/>
+    </dgm:scene3d>
+    <dgm:sp3d/>
+    <dgm:txPr/>
+    <dgm:style>
+      <a:lnRef idx="0">
+        <a:scrgbClr r="0" g="0" b="0"/>
+      </a:lnRef>
+      <a:fillRef idx="1">
+        <a:scrgbClr r="0" g="0" b="0"/>
+      </a:fillRef>
+      <a:effectRef idx="0">
+        <a:scrgbClr r="0" g="0" b="0"/>
+      </a:effectRef>
+      <a:fontRef idx="minor"/>
+    </dgm:style>
+  </dgm:styleLbl>
+  <dgm:styleLbl name="dkBgShp">
+    <dgm:scene3d>
+      <a:camera prst="orthographicFront"/>
+      <a:lightRig rig="threePt" dir="t"/>
+    </dgm:scene3d>
+    <dgm:sp3d/>
+    <dgm:txPr/>
+    <dgm:style>
+      <a:lnRef idx="0">
+        <a:scrgbClr r="0" g="0" b="0"/>
+      </a:lnRef>
+      <a:fillRef idx="1">
+        <a:scrgbClr r="0" g="0" b="0"/>
+      </a:fillRef>
+      <a:effectRef idx="0">
+        <a:scrgbClr r="0" g="0" b="0"/>
+      </a:effectRef>
+      <a:fontRef idx="minor"/>
+    </dgm:style>
+  </dgm:styleLbl>
+  <dgm:styleLbl name="trBgShp">
+    <dgm:scene3d>
+      <a:camera prst="orthographicFront"/>
+      <a:lightRig rig="threePt" dir="t"/>
+    </dgm:scene3d>
+    <dgm:sp3d/>
+    <dgm:txPr/>
+    <dgm:style>
+      <a:lnRef idx="0">
+        <a:scrgbClr r="0" g="0" b="0"/>
+      </a:lnRef>
+      <a:fillRef idx="1">
+        <a:scrgbClr r="0" g="0" b="0"/>
+      </a:fillRef>
+      <a:effectRef idx="0">
+        <a:scrgbClr r="0" g="0" b="0"/>
+      </a:effectRef>
+      <a:fontRef idx="minor"/>
+    </dgm:style>
+  </dgm:styleLbl>
+  <dgm:styleLbl name="fgShp">
+    <dgm:scene3d>
+      <a:camera prst="orthographicFront"/>
+      <a:lightRig rig="threePt" dir="t"/>
+    </dgm:scene3d>
+    <dgm:sp3d/>
+    <dgm:txPr/>
+    <dgm:style>
+      <a:lnRef idx="2">
+        <a:scrgbClr r="0" g="0" b="0"/>
+      </a:lnRef>
+      <a:fillRef idx="1">
+        <a:scrgbClr r="0" g="0" b="0"/>
+      </a:fillRef>
+      <a:effectRef idx="0">
+        <a:scrgbClr r="0" g="0" b="0"/>
+      </a:effectRef>
+      <a:fontRef idx="minor"/>
+    </dgm:style>
+  </dgm:styleLbl>
+  <dgm:styleLbl name="revTx">
+    <dgm:scene3d>
+      <a:camera prst="orthographicFront"/>
+      <a:lightRig rig="threePt" dir="t"/>
+    </dgm:scene3d>
+    <dgm:sp3d/>
+    <dgm:txPr/>
+    <dgm:style>
+      <a:lnRef idx="0">
+        <a:scrgbClr r="0" g="0" b="0"/>
+      </a:lnRef>
+      <a:fillRef idx="0">
+        <a:scrgbClr r="0" g="0" b="0"/>
+      </a:fillRef>
+      <a:effectRef idx="0">
+        <a:scrgbClr r="0" g="0" b="0"/>
+      </a:effectRef>
+      <a:fontRef idx="minor"/>
+    </dgm:style>
+  </dgm:styleLbl>
+</dgm:styleDef>
+</file>
+
 <file path=ppt/slideLayouts/slideLayout1.xml><?xml version="1.0" encoding="utf-8"?>
 <p:sldLayout xmlns:a="http://schemas.openxmlformats.org/drawingml/2006/main" xmlns:r="http://schemas.openxmlformats.org/officeDocument/2006/relationships" xmlns:p="http://schemas.openxmlformats.org/presentationml/2006/main" type="title" preserve="1">
   <p:cSld name="Title Slide">
@@ -271,7 +3266,7 @@
           <a:p>
             <a:fld id="{2A14C9FE-EBC3-45D3-899C-58AAF4F8AF71}" type="datetimeFigureOut">
               <a:rPr lang="en-US" smtClean="0"/>
-              <a:t>24-Sep-22</a:t>
+              <a:t>25-Sep-22</a:t>
             </a:fld>
             <a:endParaRPr lang="en-US"/>
           </a:p>
@@ -469,7 +3464,7 @@
           <a:p>
             <a:fld id="{2A14C9FE-EBC3-45D3-899C-58AAF4F8AF71}" type="datetimeFigureOut">
               <a:rPr lang="en-US" smtClean="0"/>
-              <a:t>24-Sep-22</a:t>
+              <a:t>25-Sep-22</a:t>
             </a:fld>
             <a:endParaRPr lang="en-US"/>
           </a:p>
@@ -677,7 +3672,7 @@
           <a:p>
             <a:fld id="{2A14C9FE-EBC3-45D3-899C-58AAF4F8AF71}" type="datetimeFigureOut">
               <a:rPr lang="en-US" smtClean="0"/>
-              <a:t>24-Sep-22</a:t>
+              <a:t>25-Sep-22</a:t>
             </a:fld>
             <a:endParaRPr lang="en-US"/>
           </a:p>
@@ -875,7 +3870,7 @@
           <a:p>
             <a:fld id="{2A14C9FE-EBC3-45D3-899C-58AAF4F8AF71}" type="datetimeFigureOut">
               <a:rPr lang="en-US" smtClean="0"/>
-              <a:t>24-Sep-22</a:t>
+              <a:t>25-Sep-22</a:t>
             </a:fld>
             <a:endParaRPr lang="en-US"/>
           </a:p>
@@ -1150,7 +4145,7 @@
           <a:p>
             <a:fld id="{2A14C9FE-EBC3-45D3-899C-58AAF4F8AF71}" type="datetimeFigureOut">
               <a:rPr lang="en-US" smtClean="0"/>
-              <a:t>24-Sep-22</a:t>
+              <a:t>25-Sep-22</a:t>
             </a:fld>
             <a:endParaRPr lang="en-US"/>
           </a:p>
@@ -1415,7 +4410,7 @@
           <a:p>
             <a:fld id="{2A14C9FE-EBC3-45D3-899C-58AAF4F8AF71}" type="datetimeFigureOut">
               <a:rPr lang="en-US" smtClean="0"/>
-              <a:t>24-Sep-22</a:t>
+              <a:t>25-Sep-22</a:t>
             </a:fld>
             <a:endParaRPr lang="en-US"/>
           </a:p>
@@ -1827,7 +4822,7 @@
           <a:p>
             <a:fld id="{2A14C9FE-EBC3-45D3-899C-58AAF4F8AF71}" type="datetimeFigureOut">
               <a:rPr lang="en-US" smtClean="0"/>
-              <a:t>24-Sep-22</a:t>
+              <a:t>25-Sep-22</a:t>
             </a:fld>
             <a:endParaRPr lang="en-US"/>
           </a:p>
@@ -1968,7 +4963,7 @@
           <a:p>
             <a:fld id="{2A14C9FE-EBC3-45D3-899C-58AAF4F8AF71}" type="datetimeFigureOut">
               <a:rPr lang="en-US" smtClean="0"/>
-              <a:t>24-Sep-22</a:t>
+              <a:t>25-Sep-22</a:t>
             </a:fld>
             <a:endParaRPr lang="en-US"/>
           </a:p>
@@ -2081,7 +5076,7 @@
           <a:p>
             <a:fld id="{2A14C9FE-EBC3-45D3-899C-58AAF4F8AF71}" type="datetimeFigureOut">
               <a:rPr lang="en-US" smtClean="0"/>
-              <a:t>24-Sep-22</a:t>
+              <a:t>25-Sep-22</a:t>
             </a:fld>
             <a:endParaRPr lang="en-US"/>
           </a:p>
@@ -2392,7 +5387,7 @@
           <a:p>
             <a:fld id="{2A14C9FE-EBC3-45D3-899C-58AAF4F8AF71}" type="datetimeFigureOut">
               <a:rPr lang="en-US" smtClean="0"/>
-              <a:t>24-Sep-22</a:t>
+              <a:t>25-Sep-22</a:t>
             </a:fld>
             <a:endParaRPr lang="en-US"/>
           </a:p>
@@ -2680,7 +5675,7 @@
           <a:p>
             <a:fld id="{2A14C9FE-EBC3-45D3-899C-58AAF4F8AF71}" type="datetimeFigureOut">
               <a:rPr lang="en-US" smtClean="0"/>
-              <a:t>24-Sep-22</a:t>
+              <a:t>25-Sep-22</a:t>
             </a:fld>
             <a:endParaRPr lang="en-US"/>
           </a:p>
@@ -2921,7 +5916,7 @@
           <a:p>
             <a:fld id="{2A14C9FE-EBC3-45D3-899C-58AAF4F8AF71}" type="datetimeFigureOut">
               <a:rPr lang="en-US" smtClean="0"/>
-              <a:t>24-Sep-22</a:t>
+              <a:t>25-Sep-22</a:t>
             </a:fld>
             <a:endParaRPr lang="en-US"/>
           </a:p>
@@ -3930,38 +6925,90 @@
                 <a:latin typeface="Euclid Circular B" panose="020B0504000000000000" pitchFamily="34" charset="0"/>
                 <a:ea typeface="Euclid Circular B" panose="020B0504000000000000" pitchFamily="34" charset="0"/>
               </a:rPr>
-              <a:t>Topic title</a:t>
+              <a:t>Authentication vs Authorization</a:t>
             </a:r>
           </a:p>
         </p:txBody>
       </p:sp>
+      <p:pic>
+        <p:nvPicPr>
+          <p:cNvPr id="1026" name="Picture 2" descr="Authentication vs. Authorization | Okta">
+            <a:extLst>
+              <a:ext uri="{FF2B5EF4-FFF2-40B4-BE49-F238E27FC236}">
+                <a16:creationId xmlns:a16="http://schemas.microsoft.com/office/drawing/2014/main" id="{69B4318D-83DB-79A0-144A-12A3B6C15E55}"/>
+              </a:ext>
+            </a:extLst>
+          </p:cNvPr>
+          <p:cNvPicPr>
+            <a:picLocks noChangeAspect="1" noChangeArrowheads="1"/>
+          </p:cNvPicPr>
+          <p:nvPr/>
+        </p:nvPicPr>
+        <p:blipFill>
+          <a:blip r:embed="rId3">
+            <a:extLst>
+              <a:ext uri="{28A0092B-C50C-407E-A947-70E740481C1C}">
+                <a14:useLocalDpi xmlns:a14="http://schemas.microsoft.com/office/drawing/2010/main" val="0"/>
+              </a:ext>
+            </a:extLst>
+          </a:blip>
+          <a:srcRect/>
+          <a:stretch>
+            <a:fillRect/>
+          </a:stretch>
+        </p:blipFill>
+        <p:spPr bwMode="auto">
+          <a:xfrm>
+            <a:off x="2152153" y="1404441"/>
+            <a:ext cx="7150873" cy="4469296"/>
+          </a:xfrm>
+          <a:prstGeom prst="rect">
+            <a:avLst/>
+          </a:prstGeom>
+          <a:noFill/>
+          <a:extLst>
+            <a:ext uri="{909E8E84-426E-40DD-AFC4-6F175D3DCCD1}">
+              <a14:hiddenFill xmlns:a14="http://schemas.microsoft.com/office/drawing/2010/main">
+                <a:solidFill>
+                  <a:srgbClr val="FFFFFF"/>
+                </a:solidFill>
+              </a14:hiddenFill>
+            </a:ext>
+          </a:extLst>
+        </p:spPr>
+      </p:pic>
       <p:sp>
         <p:nvSpPr>
-          <p:cNvPr id="3" name="Content Placeholder 2">
-            <a:extLst>
-              <a:ext uri="{FF2B5EF4-FFF2-40B4-BE49-F238E27FC236}">
-                <a16:creationId xmlns:a16="http://schemas.microsoft.com/office/drawing/2014/main" id="{891C7693-D3DF-4635-96F4-97F3B4136FDF}"/>
-              </a:ext>
-            </a:extLst>
-          </p:cNvPr>
-          <p:cNvSpPr>
-            <a:spLocks noGrp="1"/>
-          </p:cNvSpPr>
-          <p:nvPr>
-            <p:ph idx="1"/>
-          </p:nvPr>
+          <p:cNvPr id="7" name="TextBox 6">
+            <a:extLst>
+              <a:ext uri="{FF2B5EF4-FFF2-40B4-BE49-F238E27FC236}">
+                <a16:creationId xmlns:a16="http://schemas.microsoft.com/office/drawing/2014/main" id="{95CC8211-E4F0-1ADE-0A30-05AA3D0608CC}"/>
+              </a:ext>
+            </a:extLst>
+          </p:cNvPr>
+          <p:cNvSpPr txBox="1"/>
+          <p:nvPr/>
         </p:nvSpPr>
-        <p:spPr/>
+        <p:spPr>
+          <a:xfrm>
+            <a:off x="2454301" y="5873737"/>
+            <a:ext cx="7150874" cy="307777"/>
+          </a:xfrm>
+          <a:prstGeom prst="rect">
+            <a:avLst/>
+          </a:prstGeom>
+          <a:noFill/>
+        </p:spPr>
         <p:txBody>
-          <a:bodyPr/>
+          <a:bodyPr wrap="square">
+            <a:spAutoFit/>
+          </a:bodyPr>
           <a:lstStyle/>
           <a:p>
-            <a:r>
-              <a:rPr lang="en-US" dirty="0">
-                <a:latin typeface="Euclid Circular B" panose="020B0504000000000000" pitchFamily="34" charset="0"/>
-                <a:ea typeface="Euclid Circular B" panose="020B0504000000000000" pitchFamily="34" charset="0"/>
-              </a:rPr>
-              <a:t>Content</a:t>
+            <a:pPr algn="ctr"/>
+            <a:r>
+              <a:rPr lang="en-US" sz="1400" dirty="0"/>
+              <a:t>Image source: https://www.okta.com/identity-101/authentication-vs-authorization/</a:t>
             </a:r>
           </a:p>
         </p:txBody>
@@ -3969,7 +7016,7 @@
     </p:spTree>
     <p:extLst>
       <p:ext uri="{BB962C8B-B14F-4D97-AF65-F5344CB8AC3E}">
-        <p14:creationId xmlns:p14="http://schemas.microsoft.com/office/powerpoint/2010/main" val="3010888066"/>
+        <p14:creationId xmlns:p14="http://schemas.microsoft.com/office/powerpoint/2010/main" val="777033671"/>
       </p:ext>
     </p:extLst>
   </p:cSld>
@@ -4039,38 +7086,1139 @@
                 <a:latin typeface="Euclid Circular B" panose="020B0504000000000000" pitchFamily="34" charset="0"/>
                 <a:ea typeface="Euclid Circular B" panose="020B0504000000000000" pitchFamily="34" charset="0"/>
               </a:rPr>
-              <a:t>Topic title</a:t>
+              <a:t>Authentication</a:t>
+            </a:r>
+            <a:br>
+              <a:rPr lang="en-US" b="1" dirty="0">
+                <a:solidFill>
+                  <a:srgbClr val="292D33"/>
+                </a:solidFill>
+                <a:latin typeface="Euclid Circular B" panose="020B0504000000000000" pitchFamily="34" charset="0"/>
+                <a:ea typeface="Euclid Circular B" panose="020B0504000000000000" pitchFamily="34" charset="0"/>
+              </a:rPr>
+            </a:br>
+            <a:r>
+              <a:rPr lang="en-US" sz="2800" b="1" dirty="0">
+                <a:solidFill>
+                  <a:srgbClr val="292D33"/>
+                </a:solidFill>
+                <a:latin typeface="Euclid Circular B" panose="020B0504000000000000" pitchFamily="34" charset="0"/>
+                <a:ea typeface="Euclid Circular B" panose="020B0504000000000000" pitchFamily="34" charset="0"/>
+              </a:rPr>
+              <a:t>The Authorization Code Flow</a:t>
             </a:r>
           </a:p>
         </p:txBody>
       </p:sp>
       <p:sp>
         <p:nvSpPr>
-          <p:cNvPr id="3" name="Content Placeholder 2">
-            <a:extLst>
-              <a:ext uri="{FF2B5EF4-FFF2-40B4-BE49-F238E27FC236}">
-                <a16:creationId xmlns:a16="http://schemas.microsoft.com/office/drawing/2014/main" id="{891C7693-D3DF-4635-96F4-97F3B4136FDF}"/>
-              </a:ext>
-            </a:extLst>
-          </p:cNvPr>
-          <p:cNvSpPr>
-            <a:spLocks noGrp="1"/>
-          </p:cNvSpPr>
+          <p:cNvPr id="32" name="TextBox 31">
+            <a:extLst>
+              <a:ext uri="{FF2B5EF4-FFF2-40B4-BE49-F238E27FC236}">
+                <a16:creationId xmlns:a16="http://schemas.microsoft.com/office/drawing/2014/main" id="{3D8D61C3-67F7-A14F-D076-3FBE6136D21E}"/>
+              </a:ext>
+            </a:extLst>
+          </p:cNvPr>
+          <p:cNvSpPr txBox="1"/>
+          <p:nvPr/>
+        </p:nvSpPr>
+        <p:spPr>
+          <a:xfrm>
+            <a:off x="8684930" y="3880899"/>
+            <a:ext cx="1124539" cy="307777"/>
+          </a:xfrm>
+          <a:prstGeom prst="rect">
+            <a:avLst/>
+          </a:prstGeom>
+          <a:noFill/>
+        </p:spPr>
+        <p:txBody>
+          <a:bodyPr wrap="none" rtlCol="0">
+            <a:spAutoFit/>
+          </a:bodyPr>
+          <a:lstStyle/>
+          <a:p>
+            <a:r>
+              <a:rPr lang="en-US" sz="1400" dirty="0">
+                <a:solidFill>
+                  <a:srgbClr val="C00000"/>
+                </a:solidFill>
+              </a:rPr>
+              <a:t>Access token</a:t>
+            </a:r>
+          </a:p>
+        </p:txBody>
+      </p:sp>
+      <p:sp>
+        <p:nvSpPr>
+          <p:cNvPr id="33" name="TextBox 32">
+            <a:extLst>
+              <a:ext uri="{FF2B5EF4-FFF2-40B4-BE49-F238E27FC236}">
+                <a16:creationId xmlns:a16="http://schemas.microsoft.com/office/drawing/2014/main" id="{4F17F67F-8418-BEDB-7067-0C2A0B3837EE}"/>
+              </a:ext>
+            </a:extLst>
+          </p:cNvPr>
+          <p:cNvSpPr txBox="1"/>
+          <p:nvPr/>
+        </p:nvSpPr>
+        <p:spPr>
+          <a:xfrm rot="3004515">
+            <a:off x="1858450" y="4479372"/>
+            <a:ext cx="1770998" cy="338554"/>
+          </a:xfrm>
+          <a:prstGeom prst="rect">
+            <a:avLst/>
+          </a:prstGeom>
+          <a:noFill/>
+        </p:spPr>
+        <p:txBody>
+          <a:bodyPr wrap="none" rtlCol="0">
+            <a:spAutoFit/>
+          </a:bodyPr>
+          <a:lstStyle/>
+          <a:p>
+            <a:r>
+              <a:rPr lang="en-US" sz="1600" dirty="0">
+                <a:solidFill>
+                  <a:srgbClr val="0070C0"/>
+                </a:solidFill>
+              </a:rPr>
+              <a:t>Authorization code</a:t>
+            </a:r>
+          </a:p>
+        </p:txBody>
+      </p:sp>
+      <p:sp>
+        <p:nvSpPr>
+          <p:cNvPr id="34" name="TextBox 33">
+            <a:extLst>
+              <a:ext uri="{FF2B5EF4-FFF2-40B4-BE49-F238E27FC236}">
+                <a16:creationId xmlns:a16="http://schemas.microsoft.com/office/drawing/2014/main" id="{EFC33BCE-F763-12CF-D0C3-FF28DCB09DDD}"/>
+              </a:ext>
+            </a:extLst>
+          </p:cNvPr>
+          <p:cNvSpPr txBox="1"/>
+          <p:nvPr/>
+        </p:nvSpPr>
+        <p:spPr>
+          <a:xfrm rot="18551945">
+            <a:off x="1785116" y="2958009"/>
+            <a:ext cx="1770998" cy="338554"/>
+          </a:xfrm>
+          <a:prstGeom prst="rect">
+            <a:avLst/>
+          </a:prstGeom>
+          <a:noFill/>
+        </p:spPr>
+        <p:txBody>
+          <a:bodyPr wrap="none" rtlCol="0">
+            <a:spAutoFit/>
+          </a:bodyPr>
+          <a:lstStyle/>
+          <a:p>
+            <a:r>
+              <a:rPr lang="en-US" sz="1600" dirty="0">
+                <a:solidFill>
+                  <a:srgbClr val="0070C0"/>
+                </a:solidFill>
+              </a:rPr>
+              <a:t>Authorization code</a:t>
+            </a:r>
+          </a:p>
+        </p:txBody>
+      </p:sp>
+      <p:sp>
+        <p:nvSpPr>
+          <p:cNvPr id="35" name="TextBox 34">
+            <a:extLst>
+              <a:ext uri="{FF2B5EF4-FFF2-40B4-BE49-F238E27FC236}">
+                <a16:creationId xmlns:a16="http://schemas.microsoft.com/office/drawing/2014/main" id="{235883F2-86E5-8366-50B8-125F00D5AEF0}"/>
+              </a:ext>
+            </a:extLst>
+          </p:cNvPr>
+          <p:cNvSpPr txBox="1"/>
+          <p:nvPr/>
+        </p:nvSpPr>
+        <p:spPr>
+          <a:xfrm rot="18551945">
+            <a:off x="1254845" y="2781945"/>
+            <a:ext cx="1974451" cy="338554"/>
+          </a:xfrm>
+          <a:prstGeom prst="rect">
+            <a:avLst/>
+          </a:prstGeom>
+          <a:noFill/>
+        </p:spPr>
+        <p:txBody>
+          <a:bodyPr wrap="none" rtlCol="0">
+            <a:spAutoFit/>
+          </a:bodyPr>
+          <a:lstStyle/>
+          <a:p>
+            <a:r>
+              <a:rPr lang="en-US" sz="1600" dirty="0"/>
+              <a:t>Needs authentication</a:t>
+            </a:r>
+          </a:p>
+        </p:txBody>
+      </p:sp>
+      <p:sp>
+        <p:nvSpPr>
+          <p:cNvPr id="36" name="Rectangle 35">
+            <a:extLst>
+              <a:ext uri="{FF2B5EF4-FFF2-40B4-BE49-F238E27FC236}">
+                <a16:creationId xmlns:a16="http://schemas.microsoft.com/office/drawing/2014/main" id="{D636FF1B-9A96-0ED0-FB7E-A897FFF84308}"/>
+              </a:ext>
+            </a:extLst>
+          </p:cNvPr>
+          <p:cNvSpPr/>
+          <p:nvPr/>
+        </p:nvSpPr>
+        <p:spPr>
+          <a:xfrm>
+            <a:off x="2861331" y="1861297"/>
+            <a:ext cx="3358716" cy="553673"/>
+          </a:xfrm>
+          <a:prstGeom prst="rect">
+            <a:avLst/>
+          </a:prstGeom>
+        </p:spPr>
+        <p:style>
+          <a:lnRef idx="2">
+            <a:schemeClr val="accent2">
+              <a:shade val="50000"/>
+            </a:schemeClr>
+          </a:lnRef>
+          <a:fillRef idx="1">
+            <a:schemeClr val="accent2"/>
+          </a:fillRef>
+          <a:effectRef idx="0">
+            <a:schemeClr val="accent2"/>
+          </a:effectRef>
+          <a:fontRef idx="minor">
+            <a:schemeClr val="lt1"/>
+          </a:fontRef>
+        </p:style>
+        <p:txBody>
+          <a:bodyPr rtlCol="0" anchor="ctr"/>
+          <a:lstStyle/>
+          <a:p>
+            <a:pPr algn="ctr"/>
+            <a:r>
+              <a:rPr lang="en-US" sz="1600" dirty="0"/>
+              <a:t>Web Application</a:t>
+            </a:r>
+          </a:p>
+        </p:txBody>
+      </p:sp>
+      <p:sp>
+        <p:nvSpPr>
+          <p:cNvPr id="37" name="Rectangle 36">
+            <a:extLst>
+              <a:ext uri="{FF2B5EF4-FFF2-40B4-BE49-F238E27FC236}">
+                <a16:creationId xmlns:a16="http://schemas.microsoft.com/office/drawing/2014/main" id="{81C8C30A-4AD7-2244-5436-1C9B945C111B}"/>
+              </a:ext>
+            </a:extLst>
+          </p:cNvPr>
+          <p:cNvSpPr/>
+          <p:nvPr/>
+        </p:nvSpPr>
+        <p:spPr>
+          <a:xfrm>
+            <a:off x="2861330" y="5312103"/>
+            <a:ext cx="3358716" cy="553673"/>
+          </a:xfrm>
+          <a:prstGeom prst="rect">
+            <a:avLst/>
+          </a:prstGeom>
+          <a:solidFill>
+            <a:schemeClr val="accent1">
+              <a:lumMod val="40000"/>
+              <a:lumOff val="60000"/>
+            </a:schemeClr>
+          </a:solidFill>
+        </p:spPr>
+        <p:style>
+          <a:lnRef idx="2">
+            <a:schemeClr val="accent1">
+              <a:shade val="50000"/>
+            </a:schemeClr>
+          </a:lnRef>
+          <a:fillRef idx="1">
+            <a:schemeClr val="accent1"/>
+          </a:fillRef>
+          <a:effectRef idx="0">
+            <a:schemeClr val="accent1"/>
+          </a:effectRef>
+          <a:fontRef idx="minor">
+            <a:schemeClr val="lt1"/>
+          </a:fontRef>
+        </p:style>
+        <p:txBody>
+          <a:bodyPr rtlCol="0" anchor="ctr"/>
+          <a:lstStyle/>
+          <a:p>
+            <a:pPr algn="ctr"/>
+            <a:r>
+              <a:rPr lang="en-US" dirty="0">
+                <a:solidFill>
+                  <a:schemeClr val="tx1"/>
+                </a:solidFill>
+              </a:rPr>
+              <a:t>Authentication Server</a:t>
+            </a:r>
+            <a:br>
+              <a:rPr lang="en-US" dirty="0">
+                <a:solidFill>
+                  <a:schemeClr val="tx1"/>
+                </a:solidFill>
+              </a:rPr>
+            </a:br>
+            <a:r>
+              <a:rPr lang="en-US" sz="1400" dirty="0">
+                <a:solidFill>
+                  <a:schemeClr val="tx1"/>
+                </a:solidFill>
+              </a:rPr>
+              <a:t>(The Authority)</a:t>
+            </a:r>
+            <a:endParaRPr lang="en-US" dirty="0">
+              <a:solidFill>
+                <a:schemeClr val="tx1"/>
+              </a:solidFill>
+            </a:endParaRPr>
+          </a:p>
+        </p:txBody>
+      </p:sp>
+      <p:pic>
+        <p:nvPicPr>
+          <p:cNvPr id="39" name="Picture 2" descr="Image result for browser">
+            <a:extLst>
+              <a:ext uri="{FF2B5EF4-FFF2-40B4-BE49-F238E27FC236}">
+                <a16:creationId xmlns:a16="http://schemas.microsoft.com/office/drawing/2014/main" id="{0601C2C0-07A4-B084-C4E3-945CE525E767}"/>
+              </a:ext>
+            </a:extLst>
+          </p:cNvPr>
+          <p:cNvPicPr>
+            <a:picLocks noChangeAspect="1" noChangeArrowheads="1"/>
+          </p:cNvPicPr>
+          <p:nvPr/>
+        </p:nvPicPr>
+        <p:blipFill>
+          <a:blip r:embed="rId3">
+            <a:extLst>
+              <a:ext uri="{28A0092B-C50C-407E-A947-70E740481C1C}">
+                <a14:useLocalDpi xmlns:a14="http://schemas.microsoft.com/office/drawing/2010/main" val="0"/>
+              </a:ext>
+            </a:extLst>
+          </a:blip>
+          <a:srcRect/>
+          <a:stretch>
+            <a:fillRect/>
+          </a:stretch>
+        </p:blipFill>
+        <p:spPr bwMode="auto">
+          <a:xfrm>
+            <a:off x="1634129" y="3648408"/>
+            <a:ext cx="515091" cy="515091"/>
+          </a:xfrm>
+          <a:prstGeom prst="rect">
+            <a:avLst/>
+          </a:prstGeom>
+          <a:noFill/>
+          <a:extLst>
+            <a:ext uri="{909E8E84-426E-40DD-AFC4-6F175D3DCCD1}">
+              <a14:hiddenFill xmlns:a14="http://schemas.microsoft.com/office/drawing/2010/main">
+                <a:solidFill>
+                  <a:srgbClr val="FFFFFF"/>
+                </a:solidFill>
+              </a14:hiddenFill>
+            </a:ext>
+          </a:extLst>
+        </p:spPr>
+      </p:pic>
+      <p:sp>
+        <p:nvSpPr>
+          <p:cNvPr id="40" name="TextBox 39">
+            <a:extLst>
+              <a:ext uri="{FF2B5EF4-FFF2-40B4-BE49-F238E27FC236}">
+                <a16:creationId xmlns:a16="http://schemas.microsoft.com/office/drawing/2014/main" id="{EA1FB4B0-ED80-BA91-BC0C-05CAC6806697}"/>
+              </a:ext>
+            </a:extLst>
+          </p:cNvPr>
+          <p:cNvSpPr txBox="1"/>
+          <p:nvPr/>
+        </p:nvSpPr>
+        <p:spPr>
+          <a:xfrm>
+            <a:off x="808231" y="3752064"/>
+            <a:ext cx="882549" cy="307777"/>
+          </a:xfrm>
+          <a:prstGeom prst="rect">
+            <a:avLst/>
+          </a:prstGeom>
+          <a:noFill/>
+        </p:spPr>
+        <p:txBody>
+          <a:bodyPr wrap="square" rtlCol="0">
+            <a:spAutoFit/>
+          </a:bodyPr>
+          <a:lstStyle/>
+          <a:p>
+            <a:pPr algn="ctr"/>
+            <a:r>
+              <a:rPr lang="en-US" sz="1400" dirty="0"/>
+              <a:t>browser</a:t>
+            </a:r>
+            <a:endParaRPr lang="en-US" sz="1100" dirty="0"/>
+          </a:p>
+        </p:txBody>
+      </p:sp>
+      <p:cxnSp>
+        <p:nvCxnSpPr>
+          <p:cNvPr id="41" name="Straight Arrow Connector 40">
+            <a:extLst>
+              <a:ext uri="{FF2B5EF4-FFF2-40B4-BE49-F238E27FC236}">
+                <a16:creationId xmlns:a16="http://schemas.microsoft.com/office/drawing/2014/main" id="{3E57CAC0-D5FC-0384-8CCF-52D462EC21D7}"/>
+              </a:ext>
+            </a:extLst>
+          </p:cNvPr>
+          <p:cNvCxnSpPr>
+            <a:cxnSpLocks/>
+            <a:stCxn id="39" idx="0"/>
+          </p:cNvCxnSpPr>
+          <p:nvPr/>
+        </p:nvCxnSpPr>
+        <p:spPr>
+          <a:xfrm flipV="1">
+            <a:off x="1891675" y="2414972"/>
+            <a:ext cx="969654" cy="1233436"/>
+          </a:xfrm>
+          <a:prstGeom prst="straightConnector1">
+            <a:avLst/>
+          </a:prstGeom>
+          <a:ln w="19050">
+            <a:solidFill>
+              <a:schemeClr val="tx1"/>
+            </a:solidFill>
+            <a:headEnd type="triangle"/>
+            <a:tailEnd type="triangle"/>
+          </a:ln>
+        </p:spPr>
+        <p:style>
+          <a:lnRef idx="1">
+            <a:schemeClr val="accent1"/>
+          </a:lnRef>
+          <a:fillRef idx="0">
+            <a:schemeClr val="accent1"/>
+          </a:fillRef>
+          <a:effectRef idx="0">
+            <a:schemeClr val="accent1"/>
+          </a:effectRef>
+          <a:fontRef idx="minor">
+            <a:schemeClr val="tx1"/>
+          </a:fontRef>
+        </p:style>
+      </p:cxnSp>
+      <p:cxnSp>
+        <p:nvCxnSpPr>
+          <p:cNvPr id="42" name="Straight Arrow Connector 41">
+            <a:extLst>
+              <a:ext uri="{FF2B5EF4-FFF2-40B4-BE49-F238E27FC236}">
+                <a16:creationId xmlns:a16="http://schemas.microsoft.com/office/drawing/2014/main" id="{5C00B73F-37CE-D6D3-9A0A-BECC1FD4AD2D}"/>
+              </a:ext>
+            </a:extLst>
+          </p:cNvPr>
+          <p:cNvCxnSpPr>
+            <a:cxnSpLocks/>
+            <a:stCxn id="39" idx="2"/>
+          </p:cNvCxnSpPr>
+          <p:nvPr/>
+        </p:nvCxnSpPr>
+        <p:spPr>
+          <a:xfrm>
+            <a:off x="1891675" y="4163499"/>
+            <a:ext cx="969654" cy="1148604"/>
+          </a:xfrm>
+          <a:prstGeom prst="straightConnector1">
+            <a:avLst/>
+          </a:prstGeom>
+          <a:ln w="19050">
+            <a:solidFill>
+              <a:schemeClr val="tx1"/>
+            </a:solidFill>
+            <a:tailEnd type="triangle"/>
+          </a:ln>
+        </p:spPr>
+        <p:style>
+          <a:lnRef idx="1">
+            <a:schemeClr val="accent1"/>
+          </a:lnRef>
+          <a:fillRef idx="0">
+            <a:schemeClr val="accent1"/>
+          </a:fillRef>
+          <a:effectRef idx="0">
+            <a:schemeClr val="accent1"/>
+          </a:effectRef>
+          <a:fontRef idx="minor">
+            <a:schemeClr val="tx1"/>
+          </a:fontRef>
+        </p:style>
+      </p:cxnSp>
+      <p:cxnSp>
+        <p:nvCxnSpPr>
+          <p:cNvPr id="43" name="Straight Arrow Connector 42">
+            <a:extLst>
+              <a:ext uri="{FF2B5EF4-FFF2-40B4-BE49-F238E27FC236}">
+                <a16:creationId xmlns:a16="http://schemas.microsoft.com/office/drawing/2014/main" id="{3CD99C08-A0AA-6DFA-A531-A0CD6E9C7A18}"/>
+              </a:ext>
+            </a:extLst>
+          </p:cNvPr>
+          <p:cNvCxnSpPr>
+            <a:cxnSpLocks/>
+          </p:cNvCxnSpPr>
+          <p:nvPr/>
+        </p:nvCxnSpPr>
+        <p:spPr>
+          <a:xfrm>
+            <a:off x="2066192" y="4123592"/>
+            <a:ext cx="1043357" cy="1187258"/>
+          </a:xfrm>
+          <a:prstGeom prst="straightConnector1">
+            <a:avLst/>
+          </a:prstGeom>
+          <a:ln w="19050">
+            <a:solidFill>
+              <a:srgbClr val="0070C0"/>
+            </a:solidFill>
+            <a:headEnd type="triangle"/>
+            <a:tailEnd type="none"/>
+          </a:ln>
+        </p:spPr>
+        <p:style>
+          <a:lnRef idx="1">
+            <a:schemeClr val="accent1"/>
+          </a:lnRef>
+          <a:fillRef idx="0">
+            <a:schemeClr val="accent1"/>
+          </a:fillRef>
+          <a:effectRef idx="0">
+            <a:schemeClr val="accent1"/>
+          </a:effectRef>
+          <a:fontRef idx="minor">
+            <a:schemeClr val="tx1"/>
+          </a:fontRef>
+        </p:style>
+      </p:cxnSp>
+      <p:cxnSp>
+        <p:nvCxnSpPr>
+          <p:cNvPr id="44" name="Straight Arrow Connector 43">
+            <a:extLst>
+              <a:ext uri="{FF2B5EF4-FFF2-40B4-BE49-F238E27FC236}">
+                <a16:creationId xmlns:a16="http://schemas.microsoft.com/office/drawing/2014/main" id="{1190D894-07AA-3883-14C6-D38FE3796892}"/>
+              </a:ext>
+            </a:extLst>
+          </p:cNvPr>
+          <p:cNvCxnSpPr>
+            <a:cxnSpLocks/>
+          </p:cNvCxnSpPr>
+          <p:nvPr/>
+        </p:nvCxnSpPr>
+        <p:spPr>
+          <a:xfrm flipV="1">
+            <a:off x="2052084" y="2414972"/>
+            <a:ext cx="1038299" cy="1263893"/>
+          </a:xfrm>
+          <a:prstGeom prst="straightConnector1">
+            <a:avLst/>
+          </a:prstGeom>
+          <a:ln w="19050">
+            <a:solidFill>
+              <a:srgbClr val="0070C0"/>
+            </a:solidFill>
+            <a:tailEnd type="triangle"/>
+          </a:ln>
+        </p:spPr>
+        <p:style>
+          <a:lnRef idx="1">
+            <a:schemeClr val="accent1"/>
+          </a:lnRef>
+          <a:fillRef idx="0">
+            <a:schemeClr val="accent1"/>
+          </a:fillRef>
+          <a:effectRef idx="0">
+            <a:schemeClr val="accent1"/>
+          </a:effectRef>
+          <a:fontRef idx="minor">
+            <a:schemeClr val="tx1"/>
+          </a:fontRef>
+        </p:style>
+      </p:cxnSp>
+      <p:sp>
+        <p:nvSpPr>
+          <p:cNvPr id="45" name="TextBox 44">
+            <a:extLst>
+              <a:ext uri="{FF2B5EF4-FFF2-40B4-BE49-F238E27FC236}">
+                <a16:creationId xmlns:a16="http://schemas.microsoft.com/office/drawing/2014/main" id="{616115FB-0BE8-4592-29FF-EA36A4A8193E}"/>
+              </a:ext>
+            </a:extLst>
+          </p:cNvPr>
+          <p:cNvSpPr txBox="1"/>
+          <p:nvPr/>
+        </p:nvSpPr>
+        <p:spPr>
+          <a:xfrm rot="3004515">
+            <a:off x="1775818" y="4656763"/>
+            <a:ext cx="957442" cy="338554"/>
+          </a:xfrm>
+          <a:prstGeom prst="rect">
+            <a:avLst/>
+          </a:prstGeom>
+          <a:noFill/>
+        </p:spPr>
+        <p:txBody>
+          <a:bodyPr wrap="none" rtlCol="0">
+            <a:spAutoFit/>
+          </a:bodyPr>
+          <a:lstStyle/>
+          <a:p>
+            <a:r>
+              <a:rPr lang="en-US" sz="1600" dirty="0"/>
+              <a:t>Redirects</a:t>
+            </a:r>
+          </a:p>
+        </p:txBody>
+      </p:sp>
+      <p:cxnSp>
+        <p:nvCxnSpPr>
+          <p:cNvPr id="46" name="Straight Arrow Connector 45">
+            <a:extLst>
+              <a:ext uri="{FF2B5EF4-FFF2-40B4-BE49-F238E27FC236}">
+                <a16:creationId xmlns:a16="http://schemas.microsoft.com/office/drawing/2014/main" id="{DA81AA31-95F9-6E58-63FB-FA96D97E2772}"/>
+              </a:ext>
+            </a:extLst>
+          </p:cNvPr>
+          <p:cNvCxnSpPr/>
+          <p:nvPr/>
+        </p:nvCxnSpPr>
+        <p:spPr>
+          <a:xfrm>
+            <a:off x="3551275" y="2414970"/>
+            <a:ext cx="0" cy="2895880"/>
+          </a:xfrm>
+          <a:prstGeom prst="straightConnector1">
+            <a:avLst/>
+          </a:prstGeom>
+          <a:ln w="19050">
+            <a:solidFill>
+              <a:srgbClr val="00B050"/>
+            </a:solidFill>
+            <a:tailEnd type="triangle"/>
+          </a:ln>
+        </p:spPr>
+        <p:style>
+          <a:lnRef idx="1">
+            <a:schemeClr val="accent1"/>
+          </a:lnRef>
+          <a:fillRef idx="0">
+            <a:schemeClr val="accent1"/>
+          </a:fillRef>
+          <a:effectRef idx="0">
+            <a:schemeClr val="accent1"/>
+          </a:effectRef>
+          <a:fontRef idx="minor">
+            <a:schemeClr val="tx1"/>
+          </a:fontRef>
+        </p:style>
+      </p:cxnSp>
+      <p:sp>
+        <p:nvSpPr>
+          <p:cNvPr id="47" name="TextBox 46">
+            <a:extLst>
+              <a:ext uri="{FF2B5EF4-FFF2-40B4-BE49-F238E27FC236}">
+                <a16:creationId xmlns:a16="http://schemas.microsoft.com/office/drawing/2014/main" id="{E30A00B3-8D99-A3DE-7502-562689CFB497}"/>
+              </a:ext>
+            </a:extLst>
+          </p:cNvPr>
+          <p:cNvSpPr txBox="1"/>
+          <p:nvPr/>
+        </p:nvSpPr>
+        <p:spPr>
+          <a:xfrm>
+            <a:off x="3561702" y="3429000"/>
+            <a:ext cx="820866" cy="584775"/>
+          </a:xfrm>
+          <a:prstGeom prst="rect">
+            <a:avLst/>
+          </a:prstGeom>
+          <a:noFill/>
+        </p:spPr>
+        <p:txBody>
+          <a:bodyPr wrap="none" rtlCol="0">
+            <a:spAutoFit/>
+          </a:bodyPr>
+          <a:lstStyle/>
+          <a:p>
+            <a:r>
+              <a:rPr lang="en-US" sz="1600" dirty="0">
+                <a:solidFill>
+                  <a:srgbClr val="00B050"/>
+                </a:solidFill>
+              </a:rPr>
+              <a:t>Token</a:t>
+            </a:r>
+          </a:p>
+          <a:p>
+            <a:r>
+              <a:rPr lang="en-US" sz="1600" dirty="0">
+                <a:solidFill>
+                  <a:srgbClr val="00B050"/>
+                </a:solidFill>
+              </a:rPr>
+              <a:t>request</a:t>
+            </a:r>
+          </a:p>
+        </p:txBody>
+      </p:sp>
+      <p:cxnSp>
+        <p:nvCxnSpPr>
+          <p:cNvPr id="48" name="Straight Arrow Connector 47">
+            <a:extLst>
+              <a:ext uri="{FF2B5EF4-FFF2-40B4-BE49-F238E27FC236}">
+                <a16:creationId xmlns:a16="http://schemas.microsoft.com/office/drawing/2014/main" id="{0FDFA72A-B37D-2125-85E6-143622CFF72F}"/>
+              </a:ext>
+            </a:extLst>
+          </p:cNvPr>
+          <p:cNvCxnSpPr/>
+          <p:nvPr/>
+        </p:nvCxnSpPr>
+        <p:spPr>
+          <a:xfrm flipV="1">
+            <a:off x="4499528" y="2414970"/>
+            <a:ext cx="0" cy="2895880"/>
+          </a:xfrm>
+          <a:prstGeom prst="straightConnector1">
+            <a:avLst/>
+          </a:prstGeom>
+          <a:ln w="19050">
+            <a:solidFill>
+              <a:srgbClr val="00B050"/>
+            </a:solidFill>
+            <a:tailEnd type="triangle"/>
+          </a:ln>
+        </p:spPr>
+        <p:style>
+          <a:lnRef idx="1">
+            <a:schemeClr val="accent1"/>
+          </a:lnRef>
+          <a:fillRef idx="0">
+            <a:schemeClr val="accent1"/>
+          </a:fillRef>
+          <a:effectRef idx="0">
+            <a:schemeClr val="accent1"/>
+          </a:effectRef>
+          <a:fontRef idx="minor">
+            <a:schemeClr val="tx1"/>
+          </a:fontRef>
+        </p:style>
+      </p:cxnSp>
+      <p:sp>
+        <p:nvSpPr>
+          <p:cNvPr id="49" name="TextBox 48">
+            <a:extLst>
+              <a:ext uri="{FF2B5EF4-FFF2-40B4-BE49-F238E27FC236}">
+                <a16:creationId xmlns:a16="http://schemas.microsoft.com/office/drawing/2014/main" id="{425030A8-6252-4F9B-2C44-9767DFDD65AE}"/>
+              </a:ext>
+            </a:extLst>
+          </p:cNvPr>
+          <p:cNvSpPr txBox="1"/>
+          <p:nvPr/>
+        </p:nvSpPr>
+        <p:spPr>
+          <a:xfrm>
+            <a:off x="4510161" y="3433916"/>
+            <a:ext cx="1272336" cy="584775"/>
+          </a:xfrm>
+          <a:prstGeom prst="rect">
+            <a:avLst/>
+          </a:prstGeom>
+          <a:noFill/>
+        </p:spPr>
+        <p:txBody>
+          <a:bodyPr wrap="none" rtlCol="0">
+            <a:spAutoFit/>
+          </a:bodyPr>
+          <a:lstStyle/>
+          <a:p>
+            <a:r>
+              <a:rPr lang="en-US" sz="1600" dirty="0">
+                <a:solidFill>
+                  <a:srgbClr val="00B050"/>
+                </a:solidFill>
+              </a:rPr>
+              <a:t>Id Token</a:t>
+            </a:r>
+          </a:p>
+          <a:p>
+            <a:r>
+              <a:rPr lang="en-US" sz="1600" dirty="0">
+                <a:solidFill>
+                  <a:srgbClr val="00B050"/>
+                </a:solidFill>
+              </a:rPr>
+              <a:t>Access Token</a:t>
+            </a:r>
+          </a:p>
+        </p:txBody>
+      </p:sp>
+      <p:sp>
+        <p:nvSpPr>
+          <p:cNvPr id="50" name="TextBox 49">
+            <a:extLst>
+              <a:ext uri="{FF2B5EF4-FFF2-40B4-BE49-F238E27FC236}">
+                <a16:creationId xmlns:a16="http://schemas.microsoft.com/office/drawing/2014/main" id="{2DC68239-11F1-4F56-5627-AD5C8D8351A8}"/>
+              </a:ext>
+            </a:extLst>
+          </p:cNvPr>
+          <p:cNvSpPr txBox="1"/>
+          <p:nvPr/>
+        </p:nvSpPr>
+        <p:spPr>
+          <a:xfrm>
+            <a:off x="3590908" y="5864523"/>
+            <a:ext cx="1899559" cy="338554"/>
+          </a:xfrm>
+          <a:prstGeom prst="rect">
+            <a:avLst/>
+          </a:prstGeom>
+          <a:noFill/>
+        </p:spPr>
+        <p:txBody>
+          <a:bodyPr wrap="none" rtlCol="0">
+            <a:spAutoFit/>
+          </a:bodyPr>
+          <a:lstStyle/>
+          <a:p>
+            <a:r>
+              <a:rPr lang="en-US" sz="1600" dirty="0"/>
+              <a:t>(Login &amp; Consent UI)</a:t>
+            </a:r>
+          </a:p>
+        </p:txBody>
+      </p:sp>
+      <p:sp>
+        <p:nvSpPr>
+          <p:cNvPr id="51" name="Rectangle 50">
+            <a:extLst>
+              <a:ext uri="{FF2B5EF4-FFF2-40B4-BE49-F238E27FC236}">
+                <a16:creationId xmlns:a16="http://schemas.microsoft.com/office/drawing/2014/main" id="{345B7AF5-ED53-D251-3EDB-199C0765E782}"/>
+              </a:ext>
+            </a:extLst>
+          </p:cNvPr>
+          <p:cNvSpPr/>
+          <p:nvPr/>
+        </p:nvSpPr>
+        <p:spPr>
+          <a:xfrm>
+            <a:off x="7085339" y="3609826"/>
+            <a:ext cx="1459503" cy="553673"/>
+          </a:xfrm>
+          <a:prstGeom prst="rect">
+            <a:avLst/>
+          </a:prstGeom>
+        </p:spPr>
+        <p:style>
+          <a:lnRef idx="2">
+            <a:schemeClr val="dk1">
+              <a:shade val="50000"/>
+            </a:schemeClr>
+          </a:lnRef>
+          <a:fillRef idx="1">
+            <a:schemeClr val="dk1"/>
+          </a:fillRef>
+          <a:effectRef idx="0">
+            <a:schemeClr val="dk1"/>
+          </a:effectRef>
+          <a:fontRef idx="minor">
+            <a:schemeClr val="lt1"/>
+          </a:fontRef>
+        </p:style>
+        <p:txBody>
+          <a:bodyPr rtlCol="0" anchor="ctr"/>
+          <a:lstStyle/>
+          <a:p>
+            <a:pPr algn="ctr"/>
+            <a:r>
+              <a:rPr lang="en-US" sz="1600" dirty="0"/>
+              <a:t>API Gateway</a:t>
+            </a:r>
+          </a:p>
+        </p:txBody>
+      </p:sp>
+      <p:graphicFrame>
+        <p:nvGraphicFramePr>
+          <p:cNvPr id="53" name="Diagram 52">
+            <a:extLst>
+              <a:ext uri="{FF2B5EF4-FFF2-40B4-BE49-F238E27FC236}">
+                <a16:creationId xmlns:a16="http://schemas.microsoft.com/office/drawing/2014/main" id="{8BA43ED6-B035-90E7-12E4-8B3DBDD4889F}"/>
+              </a:ext>
+            </a:extLst>
+          </p:cNvPr>
+          <p:cNvGraphicFramePr/>
           <p:nvPr>
-            <p:ph idx="1"/>
+            <p:extLst>
+              <p:ext uri="{D42A27DB-BD31-4B8C-83A1-F6EECF244321}">
+                <p14:modId xmlns:p14="http://schemas.microsoft.com/office/powerpoint/2010/main" val="459478872"/>
+              </p:ext>
+            </p:extLst>
           </p:nvPr>
+        </p:nvGraphicFramePr>
+        <p:xfrm>
+          <a:off x="9663265" y="3100108"/>
+          <a:ext cx="1459503" cy="1572208"/>
+        </p:xfrm>
+        <a:graphic>
+          <a:graphicData uri="http://schemas.openxmlformats.org/drawingml/2006/diagram">
+            <dgm:relIds xmlns:dgm="http://schemas.openxmlformats.org/drawingml/2006/diagram" xmlns:r="http://schemas.openxmlformats.org/officeDocument/2006/relationships" r:dm="rId4" r:lo="rId5" r:qs="rId6" r:cs="rId7"/>
+          </a:graphicData>
+        </a:graphic>
+      </p:graphicFrame>
+      <p:sp>
+        <p:nvSpPr>
+          <p:cNvPr id="54" name="TextBox 53">
+            <a:extLst>
+              <a:ext uri="{FF2B5EF4-FFF2-40B4-BE49-F238E27FC236}">
+                <a16:creationId xmlns:a16="http://schemas.microsoft.com/office/drawing/2014/main" id="{0BF9D7FC-DCFC-A4FB-D691-DF0CA55F854E}"/>
+              </a:ext>
+            </a:extLst>
+          </p:cNvPr>
+          <p:cNvSpPr txBox="1"/>
+          <p:nvPr/>
         </p:nvSpPr>
-        <p:spPr/>
+        <p:spPr>
+          <a:xfrm>
+            <a:off x="9663265" y="4518853"/>
+            <a:ext cx="1478290" cy="369332"/>
+          </a:xfrm>
+          <a:prstGeom prst="rect">
+            <a:avLst/>
+          </a:prstGeom>
+          <a:noFill/>
+        </p:spPr>
         <p:txBody>
-          <a:bodyPr/>
+          <a:bodyPr wrap="none" rtlCol="0">
+            <a:spAutoFit/>
+          </a:bodyPr>
           <a:lstStyle/>
           <a:p>
             <a:r>
-              <a:rPr lang="en-US" dirty="0">
-                <a:latin typeface="Euclid Circular B" panose="020B0504000000000000" pitchFamily="34" charset="0"/>
-                <a:ea typeface="Euclid Circular B" panose="020B0504000000000000" pitchFamily="34" charset="0"/>
+              <a:rPr lang="en-US" dirty="0"/>
+              <a:t>Microservices</a:t>
+            </a:r>
+          </a:p>
+        </p:txBody>
+      </p:sp>
+      <p:cxnSp>
+        <p:nvCxnSpPr>
+          <p:cNvPr id="55" name="Straight Arrow Connector 54">
+            <a:extLst>
+              <a:ext uri="{FF2B5EF4-FFF2-40B4-BE49-F238E27FC236}">
+                <a16:creationId xmlns:a16="http://schemas.microsoft.com/office/drawing/2014/main" id="{8740B3A3-12DD-7213-54EE-F23216186FF3}"/>
+              </a:ext>
+            </a:extLst>
+          </p:cNvPr>
+          <p:cNvCxnSpPr>
+            <a:cxnSpLocks/>
+          </p:cNvCxnSpPr>
+          <p:nvPr/>
+        </p:nvCxnSpPr>
+        <p:spPr>
+          <a:xfrm>
+            <a:off x="6220046" y="2414970"/>
+            <a:ext cx="1019653" cy="1192296"/>
+          </a:xfrm>
+          <a:prstGeom prst="straightConnector1">
+            <a:avLst/>
+          </a:prstGeom>
+          <a:ln w="19050">
+            <a:solidFill>
+              <a:srgbClr val="C00000"/>
+            </a:solidFill>
+            <a:tailEnd type="triangle"/>
+          </a:ln>
+        </p:spPr>
+        <p:style>
+          <a:lnRef idx="1">
+            <a:schemeClr val="accent1"/>
+          </a:lnRef>
+          <a:fillRef idx="0">
+            <a:schemeClr val="accent1"/>
+          </a:fillRef>
+          <a:effectRef idx="0">
+            <a:schemeClr val="accent1"/>
+          </a:effectRef>
+          <a:fontRef idx="minor">
+            <a:schemeClr val="tx1"/>
+          </a:fontRef>
+        </p:style>
+      </p:cxnSp>
+      <p:cxnSp>
+        <p:nvCxnSpPr>
+          <p:cNvPr id="56" name="Straight Arrow Connector 55">
+            <a:extLst>
+              <a:ext uri="{FF2B5EF4-FFF2-40B4-BE49-F238E27FC236}">
+                <a16:creationId xmlns:a16="http://schemas.microsoft.com/office/drawing/2014/main" id="{4CA4B4BA-F63E-3E41-FA96-B85DE82DA694}"/>
+              </a:ext>
+            </a:extLst>
+          </p:cNvPr>
+          <p:cNvCxnSpPr/>
+          <p:nvPr/>
+        </p:nvCxnSpPr>
+        <p:spPr>
+          <a:xfrm flipH="1">
+            <a:off x="6230473" y="4163499"/>
+            <a:ext cx="1044392" cy="1147351"/>
+          </a:xfrm>
+          <a:prstGeom prst="straightConnector1">
+            <a:avLst/>
+          </a:prstGeom>
+          <a:ln w="19050">
+            <a:solidFill>
+              <a:schemeClr val="tx1"/>
+            </a:solidFill>
+            <a:tailEnd type="triangle"/>
+          </a:ln>
+        </p:spPr>
+        <p:style>
+          <a:lnRef idx="1">
+            <a:schemeClr val="accent1"/>
+          </a:lnRef>
+          <a:fillRef idx="0">
+            <a:schemeClr val="accent1"/>
+          </a:fillRef>
+          <a:effectRef idx="0">
+            <a:schemeClr val="accent1"/>
+          </a:effectRef>
+          <a:fontRef idx="minor">
+            <a:schemeClr val="tx1"/>
+          </a:fontRef>
+        </p:style>
+      </p:cxnSp>
+      <p:cxnSp>
+        <p:nvCxnSpPr>
+          <p:cNvPr id="57" name="Straight Arrow Connector 56">
+            <a:extLst>
+              <a:ext uri="{FF2B5EF4-FFF2-40B4-BE49-F238E27FC236}">
+                <a16:creationId xmlns:a16="http://schemas.microsoft.com/office/drawing/2014/main" id="{ACD269A1-461F-9E6B-4D90-B559CBE45A96}"/>
+              </a:ext>
+            </a:extLst>
+          </p:cNvPr>
+          <p:cNvCxnSpPr>
+            <a:cxnSpLocks/>
+            <a:stCxn id="51" idx="3"/>
+          </p:cNvCxnSpPr>
+          <p:nvPr/>
+        </p:nvCxnSpPr>
+        <p:spPr>
+          <a:xfrm>
+            <a:off x="8544842" y="3886663"/>
+            <a:ext cx="1383896" cy="0"/>
+          </a:xfrm>
+          <a:prstGeom prst="straightConnector1">
+            <a:avLst/>
+          </a:prstGeom>
+          <a:ln w="19050">
+            <a:solidFill>
+              <a:srgbClr val="C00000"/>
+            </a:solidFill>
+            <a:tailEnd type="triangle"/>
+          </a:ln>
+        </p:spPr>
+        <p:style>
+          <a:lnRef idx="1">
+            <a:schemeClr val="accent1"/>
+          </a:lnRef>
+          <a:fillRef idx="0">
+            <a:schemeClr val="accent1"/>
+          </a:fillRef>
+          <a:effectRef idx="0">
+            <a:schemeClr val="accent1"/>
+          </a:effectRef>
+          <a:fontRef idx="minor">
+            <a:schemeClr val="tx1"/>
+          </a:fontRef>
+        </p:style>
+      </p:cxnSp>
+      <p:sp>
+        <p:nvSpPr>
+          <p:cNvPr id="58" name="TextBox 57">
+            <a:extLst>
+              <a:ext uri="{FF2B5EF4-FFF2-40B4-BE49-F238E27FC236}">
+                <a16:creationId xmlns:a16="http://schemas.microsoft.com/office/drawing/2014/main" id="{E43FB670-8361-945C-B4A0-91BBD827DBA0}"/>
+              </a:ext>
+            </a:extLst>
+          </p:cNvPr>
+          <p:cNvSpPr txBox="1"/>
+          <p:nvPr/>
+        </p:nvSpPr>
+        <p:spPr>
+          <a:xfrm rot="2959306">
+            <a:off x="6282040" y="2811824"/>
+            <a:ext cx="1258101" cy="338554"/>
+          </a:xfrm>
+          <a:prstGeom prst="rect">
+            <a:avLst/>
+          </a:prstGeom>
+          <a:noFill/>
+        </p:spPr>
+        <p:txBody>
+          <a:bodyPr wrap="none" rtlCol="0">
+            <a:spAutoFit/>
+          </a:bodyPr>
+          <a:lstStyle/>
+          <a:p>
+            <a:r>
+              <a:rPr lang="en-US" sz="1600" dirty="0">
+                <a:solidFill>
+                  <a:srgbClr val="C00000"/>
+                </a:solidFill>
               </a:rPr>
-              <a:t>Content</a:t>
+              <a:t>Access token</a:t>
+            </a:r>
+          </a:p>
+        </p:txBody>
+      </p:sp>
+      <p:sp>
+        <p:nvSpPr>
+          <p:cNvPr id="59" name="TextBox 58">
+            <a:extLst>
+              <a:ext uri="{FF2B5EF4-FFF2-40B4-BE49-F238E27FC236}">
+                <a16:creationId xmlns:a16="http://schemas.microsoft.com/office/drawing/2014/main" id="{82FD58C5-47DE-6F84-B3B4-98ACDE20CDB6}"/>
+              </a:ext>
+            </a:extLst>
+          </p:cNvPr>
+          <p:cNvSpPr txBox="1"/>
+          <p:nvPr/>
+        </p:nvSpPr>
+        <p:spPr>
+          <a:xfrm rot="18713382">
+            <a:off x="6142184" y="4485488"/>
+            <a:ext cx="1000467" cy="338554"/>
+          </a:xfrm>
+          <a:prstGeom prst="rect">
+            <a:avLst/>
+          </a:prstGeom>
+          <a:noFill/>
+        </p:spPr>
+        <p:txBody>
+          <a:bodyPr wrap="none" rtlCol="0">
+            <a:spAutoFit/>
+          </a:bodyPr>
+          <a:lstStyle/>
+          <a:p>
+            <a:r>
+              <a:rPr lang="en-US" sz="1600" dirty="0"/>
+              <a:t>validation</a:t>
             </a:r>
           </a:p>
         </p:txBody>
@@ -4078,13 +8226,1045 @@
     </p:spTree>
     <p:extLst>
       <p:ext uri="{BB962C8B-B14F-4D97-AF65-F5344CB8AC3E}">
-        <p14:creationId xmlns:p14="http://schemas.microsoft.com/office/powerpoint/2010/main" val="777033671"/>
+        <p14:creationId xmlns:p14="http://schemas.microsoft.com/office/powerpoint/2010/main" val="3010888066"/>
       </p:ext>
     </p:extLst>
   </p:cSld>
   <p:clrMapOvr>
     <a:masterClrMapping/>
   </p:clrMapOvr>
+  <p:timing>
+    <p:tnLst>
+      <p:par>
+        <p:cTn id="1" dur="indefinite" restart="never" nodeType="tmRoot">
+          <p:childTnLst>
+            <p:seq concurrent="1" nextAc="seek">
+              <p:cTn id="2" dur="indefinite" nodeType="mainSeq">
+                <p:childTnLst>
+                  <p:par>
+                    <p:cTn id="3" fill="hold">
+                      <p:stCondLst>
+                        <p:cond delay="indefinite"/>
+                      </p:stCondLst>
+                      <p:childTnLst>
+                        <p:par>
+                          <p:cTn id="4" fill="hold">
+                            <p:stCondLst>
+                              <p:cond delay="0"/>
+                            </p:stCondLst>
+                            <p:childTnLst>
+                              <p:par>
+                                <p:cTn id="5" presetID="10" presetClass="entr" presetSubtype="0" fill="hold" grpId="0" nodeType="clickEffect">
+                                  <p:stCondLst>
+                                    <p:cond delay="0"/>
+                                  </p:stCondLst>
+                                  <p:childTnLst>
+                                    <p:set>
+                                      <p:cBhvr>
+                                        <p:cTn id="6" dur="1" fill="hold">
+                                          <p:stCondLst>
+                                            <p:cond delay="0"/>
+                                          </p:stCondLst>
+                                        </p:cTn>
+                                        <p:tgtEl>
+                                          <p:spTgt spid="36"/>
+                                        </p:tgtEl>
+                                        <p:attrNameLst>
+                                          <p:attrName>style.visibility</p:attrName>
+                                        </p:attrNameLst>
+                                      </p:cBhvr>
+                                      <p:to>
+                                        <p:strVal val="visible"/>
+                                      </p:to>
+                                    </p:set>
+                                    <p:animEffect transition="in" filter="fade">
+                                      <p:cBhvr>
+                                        <p:cTn id="7" dur="500"/>
+                                        <p:tgtEl>
+                                          <p:spTgt spid="36"/>
+                                        </p:tgtEl>
+                                      </p:cBhvr>
+                                    </p:animEffect>
+                                  </p:childTnLst>
+                                </p:cTn>
+                              </p:par>
+                              <p:par>
+                                <p:cTn id="8" presetID="10" presetClass="entr" presetSubtype="0" fill="hold" nodeType="withEffect">
+                                  <p:stCondLst>
+                                    <p:cond delay="0"/>
+                                  </p:stCondLst>
+                                  <p:childTnLst>
+                                    <p:set>
+                                      <p:cBhvr>
+                                        <p:cTn id="9" dur="1" fill="hold">
+                                          <p:stCondLst>
+                                            <p:cond delay="0"/>
+                                          </p:stCondLst>
+                                        </p:cTn>
+                                        <p:tgtEl>
+                                          <p:spTgt spid="39"/>
+                                        </p:tgtEl>
+                                        <p:attrNameLst>
+                                          <p:attrName>style.visibility</p:attrName>
+                                        </p:attrNameLst>
+                                      </p:cBhvr>
+                                      <p:to>
+                                        <p:strVal val="visible"/>
+                                      </p:to>
+                                    </p:set>
+                                    <p:animEffect transition="in" filter="fade">
+                                      <p:cBhvr>
+                                        <p:cTn id="10" dur="500"/>
+                                        <p:tgtEl>
+                                          <p:spTgt spid="39"/>
+                                        </p:tgtEl>
+                                      </p:cBhvr>
+                                    </p:animEffect>
+                                  </p:childTnLst>
+                                </p:cTn>
+                              </p:par>
+                              <p:par>
+                                <p:cTn id="11" presetID="10" presetClass="entr" presetSubtype="0" fill="hold" grpId="0" nodeType="withEffect">
+                                  <p:stCondLst>
+                                    <p:cond delay="0"/>
+                                  </p:stCondLst>
+                                  <p:childTnLst>
+                                    <p:set>
+                                      <p:cBhvr>
+                                        <p:cTn id="12" dur="1" fill="hold">
+                                          <p:stCondLst>
+                                            <p:cond delay="0"/>
+                                          </p:stCondLst>
+                                        </p:cTn>
+                                        <p:tgtEl>
+                                          <p:spTgt spid="40"/>
+                                        </p:tgtEl>
+                                        <p:attrNameLst>
+                                          <p:attrName>style.visibility</p:attrName>
+                                        </p:attrNameLst>
+                                      </p:cBhvr>
+                                      <p:to>
+                                        <p:strVal val="visible"/>
+                                      </p:to>
+                                    </p:set>
+                                    <p:animEffect transition="in" filter="fade">
+                                      <p:cBhvr>
+                                        <p:cTn id="13" dur="500"/>
+                                        <p:tgtEl>
+                                          <p:spTgt spid="40"/>
+                                        </p:tgtEl>
+                                      </p:cBhvr>
+                                    </p:animEffect>
+                                  </p:childTnLst>
+                                </p:cTn>
+                              </p:par>
+                              <p:par>
+                                <p:cTn id="14" presetID="10" presetClass="entr" presetSubtype="0" fill="hold" nodeType="withEffect">
+                                  <p:stCondLst>
+                                    <p:cond delay="0"/>
+                                  </p:stCondLst>
+                                  <p:childTnLst>
+                                    <p:set>
+                                      <p:cBhvr>
+                                        <p:cTn id="15" dur="1" fill="hold">
+                                          <p:stCondLst>
+                                            <p:cond delay="0"/>
+                                          </p:stCondLst>
+                                        </p:cTn>
+                                        <p:tgtEl>
+                                          <p:spTgt spid="41"/>
+                                        </p:tgtEl>
+                                        <p:attrNameLst>
+                                          <p:attrName>style.visibility</p:attrName>
+                                        </p:attrNameLst>
+                                      </p:cBhvr>
+                                      <p:to>
+                                        <p:strVal val="visible"/>
+                                      </p:to>
+                                    </p:set>
+                                    <p:animEffect transition="in" filter="fade">
+                                      <p:cBhvr>
+                                        <p:cTn id="16" dur="500"/>
+                                        <p:tgtEl>
+                                          <p:spTgt spid="41"/>
+                                        </p:tgtEl>
+                                      </p:cBhvr>
+                                    </p:animEffect>
+                                  </p:childTnLst>
+                                </p:cTn>
+                              </p:par>
+                              <p:par>
+                                <p:cTn id="17" presetID="10" presetClass="entr" presetSubtype="0" fill="hold" grpId="0" nodeType="withEffect">
+                                  <p:stCondLst>
+                                    <p:cond delay="0"/>
+                                  </p:stCondLst>
+                                  <p:childTnLst>
+                                    <p:set>
+                                      <p:cBhvr>
+                                        <p:cTn id="18" dur="1" fill="hold">
+                                          <p:stCondLst>
+                                            <p:cond delay="0"/>
+                                          </p:stCondLst>
+                                        </p:cTn>
+                                        <p:tgtEl>
+                                          <p:spTgt spid="35"/>
+                                        </p:tgtEl>
+                                        <p:attrNameLst>
+                                          <p:attrName>style.visibility</p:attrName>
+                                        </p:attrNameLst>
+                                      </p:cBhvr>
+                                      <p:to>
+                                        <p:strVal val="visible"/>
+                                      </p:to>
+                                    </p:set>
+                                    <p:animEffect transition="in" filter="fade">
+                                      <p:cBhvr>
+                                        <p:cTn id="19" dur="500"/>
+                                        <p:tgtEl>
+                                          <p:spTgt spid="35"/>
+                                        </p:tgtEl>
+                                      </p:cBhvr>
+                                    </p:animEffect>
+                                  </p:childTnLst>
+                                </p:cTn>
+                              </p:par>
+                              <p:par>
+                                <p:cTn id="20" presetID="10" presetClass="entr" presetSubtype="0" fill="hold" grpId="0" nodeType="withEffect">
+                                  <p:stCondLst>
+                                    <p:cond delay="0"/>
+                                  </p:stCondLst>
+                                  <p:childTnLst>
+                                    <p:set>
+                                      <p:cBhvr>
+                                        <p:cTn id="21" dur="1" fill="hold">
+                                          <p:stCondLst>
+                                            <p:cond delay="0"/>
+                                          </p:stCondLst>
+                                        </p:cTn>
+                                        <p:tgtEl>
+                                          <p:spTgt spid="45"/>
+                                        </p:tgtEl>
+                                        <p:attrNameLst>
+                                          <p:attrName>style.visibility</p:attrName>
+                                        </p:attrNameLst>
+                                      </p:cBhvr>
+                                      <p:to>
+                                        <p:strVal val="visible"/>
+                                      </p:to>
+                                    </p:set>
+                                    <p:animEffect transition="in" filter="fade">
+                                      <p:cBhvr>
+                                        <p:cTn id="22" dur="500"/>
+                                        <p:tgtEl>
+                                          <p:spTgt spid="45"/>
+                                        </p:tgtEl>
+                                      </p:cBhvr>
+                                    </p:animEffect>
+                                  </p:childTnLst>
+                                </p:cTn>
+                              </p:par>
+                              <p:par>
+                                <p:cTn id="23" presetID="10" presetClass="entr" presetSubtype="0" fill="hold" nodeType="withEffect">
+                                  <p:stCondLst>
+                                    <p:cond delay="0"/>
+                                  </p:stCondLst>
+                                  <p:childTnLst>
+                                    <p:set>
+                                      <p:cBhvr>
+                                        <p:cTn id="24" dur="1" fill="hold">
+                                          <p:stCondLst>
+                                            <p:cond delay="0"/>
+                                          </p:stCondLst>
+                                        </p:cTn>
+                                        <p:tgtEl>
+                                          <p:spTgt spid="42"/>
+                                        </p:tgtEl>
+                                        <p:attrNameLst>
+                                          <p:attrName>style.visibility</p:attrName>
+                                        </p:attrNameLst>
+                                      </p:cBhvr>
+                                      <p:to>
+                                        <p:strVal val="visible"/>
+                                      </p:to>
+                                    </p:set>
+                                    <p:animEffect transition="in" filter="fade">
+                                      <p:cBhvr>
+                                        <p:cTn id="25" dur="500"/>
+                                        <p:tgtEl>
+                                          <p:spTgt spid="42"/>
+                                        </p:tgtEl>
+                                      </p:cBhvr>
+                                    </p:animEffect>
+                                  </p:childTnLst>
+                                </p:cTn>
+                              </p:par>
+                              <p:par>
+                                <p:cTn id="26" presetID="10" presetClass="entr" presetSubtype="0" fill="hold" grpId="0" nodeType="withEffect">
+                                  <p:stCondLst>
+                                    <p:cond delay="0"/>
+                                  </p:stCondLst>
+                                  <p:childTnLst>
+                                    <p:set>
+                                      <p:cBhvr>
+                                        <p:cTn id="27" dur="1" fill="hold">
+                                          <p:stCondLst>
+                                            <p:cond delay="0"/>
+                                          </p:stCondLst>
+                                        </p:cTn>
+                                        <p:tgtEl>
+                                          <p:spTgt spid="37"/>
+                                        </p:tgtEl>
+                                        <p:attrNameLst>
+                                          <p:attrName>style.visibility</p:attrName>
+                                        </p:attrNameLst>
+                                      </p:cBhvr>
+                                      <p:to>
+                                        <p:strVal val="visible"/>
+                                      </p:to>
+                                    </p:set>
+                                    <p:animEffect transition="in" filter="fade">
+                                      <p:cBhvr>
+                                        <p:cTn id="28" dur="500"/>
+                                        <p:tgtEl>
+                                          <p:spTgt spid="37"/>
+                                        </p:tgtEl>
+                                      </p:cBhvr>
+                                    </p:animEffect>
+                                  </p:childTnLst>
+                                </p:cTn>
+                              </p:par>
+                              <p:par>
+                                <p:cTn id="29" presetID="10" presetClass="entr" presetSubtype="0" fill="hold" grpId="0" nodeType="withEffect">
+                                  <p:stCondLst>
+                                    <p:cond delay="0"/>
+                                  </p:stCondLst>
+                                  <p:childTnLst>
+                                    <p:set>
+                                      <p:cBhvr>
+                                        <p:cTn id="30" dur="1" fill="hold">
+                                          <p:stCondLst>
+                                            <p:cond delay="0"/>
+                                          </p:stCondLst>
+                                        </p:cTn>
+                                        <p:tgtEl>
+                                          <p:spTgt spid="50"/>
+                                        </p:tgtEl>
+                                        <p:attrNameLst>
+                                          <p:attrName>style.visibility</p:attrName>
+                                        </p:attrNameLst>
+                                      </p:cBhvr>
+                                      <p:to>
+                                        <p:strVal val="visible"/>
+                                      </p:to>
+                                    </p:set>
+                                    <p:animEffect transition="in" filter="fade">
+                                      <p:cBhvr>
+                                        <p:cTn id="31" dur="500"/>
+                                        <p:tgtEl>
+                                          <p:spTgt spid="50"/>
+                                        </p:tgtEl>
+                                      </p:cBhvr>
+                                    </p:animEffect>
+                                  </p:childTnLst>
+                                </p:cTn>
+                              </p:par>
+                            </p:childTnLst>
+                          </p:cTn>
+                        </p:par>
+                      </p:childTnLst>
+                    </p:cTn>
+                  </p:par>
+                  <p:par>
+                    <p:cTn id="32" fill="hold">
+                      <p:stCondLst>
+                        <p:cond delay="indefinite"/>
+                      </p:stCondLst>
+                      <p:childTnLst>
+                        <p:par>
+                          <p:cTn id="33" fill="hold">
+                            <p:stCondLst>
+                              <p:cond delay="0"/>
+                            </p:stCondLst>
+                            <p:childTnLst>
+                              <p:par>
+                                <p:cTn id="34" presetID="10" presetClass="entr" presetSubtype="0" fill="hold" nodeType="clickEffect">
+                                  <p:stCondLst>
+                                    <p:cond delay="0"/>
+                                  </p:stCondLst>
+                                  <p:childTnLst>
+                                    <p:set>
+                                      <p:cBhvr>
+                                        <p:cTn id="35" dur="1" fill="hold">
+                                          <p:stCondLst>
+                                            <p:cond delay="0"/>
+                                          </p:stCondLst>
+                                        </p:cTn>
+                                        <p:tgtEl>
+                                          <p:spTgt spid="43"/>
+                                        </p:tgtEl>
+                                        <p:attrNameLst>
+                                          <p:attrName>style.visibility</p:attrName>
+                                        </p:attrNameLst>
+                                      </p:cBhvr>
+                                      <p:to>
+                                        <p:strVal val="visible"/>
+                                      </p:to>
+                                    </p:set>
+                                    <p:animEffect transition="in" filter="fade">
+                                      <p:cBhvr>
+                                        <p:cTn id="36" dur="500"/>
+                                        <p:tgtEl>
+                                          <p:spTgt spid="43"/>
+                                        </p:tgtEl>
+                                      </p:cBhvr>
+                                    </p:animEffect>
+                                  </p:childTnLst>
+                                </p:cTn>
+                              </p:par>
+                              <p:par>
+                                <p:cTn id="37" presetID="10" presetClass="entr" presetSubtype="0" fill="hold" grpId="0" nodeType="withEffect">
+                                  <p:stCondLst>
+                                    <p:cond delay="0"/>
+                                  </p:stCondLst>
+                                  <p:childTnLst>
+                                    <p:set>
+                                      <p:cBhvr>
+                                        <p:cTn id="38" dur="1" fill="hold">
+                                          <p:stCondLst>
+                                            <p:cond delay="0"/>
+                                          </p:stCondLst>
+                                        </p:cTn>
+                                        <p:tgtEl>
+                                          <p:spTgt spid="33"/>
+                                        </p:tgtEl>
+                                        <p:attrNameLst>
+                                          <p:attrName>style.visibility</p:attrName>
+                                        </p:attrNameLst>
+                                      </p:cBhvr>
+                                      <p:to>
+                                        <p:strVal val="visible"/>
+                                      </p:to>
+                                    </p:set>
+                                    <p:animEffect transition="in" filter="fade">
+                                      <p:cBhvr>
+                                        <p:cTn id="39" dur="500"/>
+                                        <p:tgtEl>
+                                          <p:spTgt spid="33"/>
+                                        </p:tgtEl>
+                                      </p:cBhvr>
+                                    </p:animEffect>
+                                  </p:childTnLst>
+                                </p:cTn>
+                              </p:par>
+                              <p:par>
+                                <p:cTn id="40" presetID="10" presetClass="entr" presetSubtype="0" fill="hold" nodeType="withEffect">
+                                  <p:stCondLst>
+                                    <p:cond delay="0"/>
+                                  </p:stCondLst>
+                                  <p:childTnLst>
+                                    <p:set>
+                                      <p:cBhvr>
+                                        <p:cTn id="41" dur="1" fill="hold">
+                                          <p:stCondLst>
+                                            <p:cond delay="0"/>
+                                          </p:stCondLst>
+                                        </p:cTn>
+                                        <p:tgtEl>
+                                          <p:spTgt spid="44"/>
+                                        </p:tgtEl>
+                                        <p:attrNameLst>
+                                          <p:attrName>style.visibility</p:attrName>
+                                        </p:attrNameLst>
+                                      </p:cBhvr>
+                                      <p:to>
+                                        <p:strVal val="visible"/>
+                                      </p:to>
+                                    </p:set>
+                                    <p:animEffect transition="in" filter="fade">
+                                      <p:cBhvr>
+                                        <p:cTn id="42" dur="500"/>
+                                        <p:tgtEl>
+                                          <p:spTgt spid="44"/>
+                                        </p:tgtEl>
+                                      </p:cBhvr>
+                                    </p:animEffect>
+                                  </p:childTnLst>
+                                </p:cTn>
+                              </p:par>
+                              <p:par>
+                                <p:cTn id="43" presetID="10" presetClass="entr" presetSubtype="0" fill="hold" grpId="0" nodeType="withEffect">
+                                  <p:stCondLst>
+                                    <p:cond delay="0"/>
+                                  </p:stCondLst>
+                                  <p:childTnLst>
+                                    <p:set>
+                                      <p:cBhvr>
+                                        <p:cTn id="44" dur="1" fill="hold">
+                                          <p:stCondLst>
+                                            <p:cond delay="0"/>
+                                          </p:stCondLst>
+                                        </p:cTn>
+                                        <p:tgtEl>
+                                          <p:spTgt spid="34"/>
+                                        </p:tgtEl>
+                                        <p:attrNameLst>
+                                          <p:attrName>style.visibility</p:attrName>
+                                        </p:attrNameLst>
+                                      </p:cBhvr>
+                                      <p:to>
+                                        <p:strVal val="visible"/>
+                                      </p:to>
+                                    </p:set>
+                                    <p:animEffect transition="in" filter="fade">
+                                      <p:cBhvr>
+                                        <p:cTn id="45" dur="500"/>
+                                        <p:tgtEl>
+                                          <p:spTgt spid="34"/>
+                                        </p:tgtEl>
+                                      </p:cBhvr>
+                                    </p:animEffect>
+                                  </p:childTnLst>
+                                </p:cTn>
+                              </p:par>
+                            </p:childTnLst>
+                          </p:cTn>
+                        </p:par>
+                      </p:childTnLst>
+                    </p:cTn>
+                  </p:par>
+                  <p:par>
+                    <p:cTn id="46" fill="hold">
+                      <p:stCondLst>
+                        <p:cond delay="indefinite"/>
+                      </p:stCondLst>
+                      <p:childTnLst>
+                        <p:par>
+                          <p:cTn id="47" fill="hold">
+                            <p:stCondLst>
+                              <p:cond delay="0"/>
+                            </p:stCondLst>
+                            <p:childTnLst>
+                              <p:par>
+                                <p:cTn id="48" presetID="10" presetClass="entr" presetSubtype="0" fill="hold" grpId="0" nodeType="clickEffect">
+                                  <p:stCondLst>
+                                    <p:cond delay="0"/>
+                                  </p:stCondLst>
+                                  <p:childTnLst>
+                                    <p:set>
+                                      <p:cBhvr>
+                                        <p:cTn id="49" dur="1" fill="hold">
+                                          <p:stCondLst>
+                                            <p:cond delay="0"/>
+                                          </p:stCondLst>
+                                        </p:cTn>
+                                        <p:tgtEl>
+                                          <p:spTgt spid="47"/>
+                                        </p:tgtEl>
+                                        <p:attrNameLst>
+                                          <p:attrName>style.visibility</p:attrName>
+                                        </p:attrNameLst>
+                                      </p:cBhvr>
+                                      <p:to>
+                                        <p:strVal val="visible"/>
+                                      </p:to>
+                                    </p:set>
+                                    <p:animEffect transition="in" filter="fade">
+                                      <p:cBhvr>
+                                        <p:cTn id="50" dur="500"/>
+                                        <p:tgtEl>
+                                          <p:spTgt spid="47"/>
+                                        </p:tgtEl>
+                                      </p:cBhvr>
+                                    </p:animEffect>
+                                  </p:childTnLst>
+                                </p:cTn>
+                              </p:par>
+                              <p:par>
+                                <p:cTn id="51" presetID="10" presetClass="entr" presetSubtype="0" fill="hold" nodeType="withEffect">
+                                  <p:stCondLst>
+                                    <p:cond delay="0"/>
+                                  </p:stCondLst>
+                                  <p:childTnLst>
+                                    <p:set>
+                                      <p:cBhvr>
+                                        <p:cTn id="52" dur="1" fill="hold">
+                                          <p:stCondLst>
+                                            <p:cond delay="0"/>
+                                          </p:stCondLst>
+                                        </p:cTn>
+                                        <p:tgtEl>
+                                          <p:spTgt spid="46"/>
+                                        </p:tgtEl>
+                                        <p:attrNameLst>
+                                          <p:attrName>style.visibility</p:attrName>
+                                        </p:attrNameLst>
+                                      </p:cBhvr>
+                                      <p:to>
+                                        <p:strVal val="visible"/>
+                                      </p:to>
+                                    </p:set>
+                                    <p:animEffect transition="in" filter="fade">
+                                      <p:cBhvr>
+                                        <p:cTn id="53" dur="500"/>
+                                        <p:tgtEl>
+                                          <p:spTgt spid="46"/>
+                                        </p:tgtEl>
+                                      </p:cBhvr>
+                                    </p:animEffect>
+                                  </p:childTnLst>
+                                </p:cTn>
+                              </p:par>
+                              <p:par>
+                                <p:cTn id="54" presetID="10" presetClass="entr" presetSubtype="0" fill="hold" nodeType="withEffect">
+                                  <p:stCondLst>
+                                    <p:cond delay="0"/>
+                                  </p:stCondLst>
+                                  <p:childTnLst>
+                                    <p:set>
+                                      <p:cBhvr>
+                                        <p:cTn id="55" dur="1" fill="hold">
+                                          <p:stCondLst>
+                                            <p:cond delay="0"/>
+                                          </p:stCondLst>
+                                        </p:cTn>
+                                        <p:tgtEl>
+                                          <p:spTgt spid="48"/>
+                                        </p:tgtEl>
+                                        <p:attrNameLst>
+                                          <p:attrName>style.visibility</p:attrName>
+                                        </p:attrNameLst>
+                                      </p:cBhvr>
+                                      <p:to>
+                                        <p:strVal val="visible"/>
+                                      </p:to>
+                                    </p:set>
+                                    <p:animEffect transition="in" filter="fade">
+                                      <p:cBhvr>
+                                        <p:cTn id="56" dur="500"/>
+                                        <p:tgtEl>
+                                          <p:spTgt spid="48"/>
+                                        </p:tgtEl>
+                                      </p:cBhvr>
+                                    </p:animEffect>
+                                  </p:childTnLst>
+                                </p:cTn>
+                              </p:par>
+                              <p:par>
+                                <p:cTn id="57" presetID="10" presetClass="entr" presetSubtype="0" fill="hold" grpId="0" nodeType="withEffect">
+                                  <p:stCondLst>
+                                    <p:cond delay="0"/>
+                                  </p:stCondLst>
+                                  <p:childTnLst>
+                                    <p:set>
+                                      <p:cBhvr>
+                                        <p:cTn id="58" dur="1" fill="hold">
+                                          <p:stCondLst>
+                                            <p:cond delay="0"/>
+                                          </p:stCondLst>
+                                        </p:cTn>
+                                        <p:tgtEl>
+                                          <p:spTgt spid="49"/>
+                                        </p:tgtEl>
+                                        <p:attrNameLst>
+                                          <p:attrName>style.visibility</p:attrName>
+                                        </p:attrNameLst>
+                                      </p:cBhvr>
+                                      <p:to>
+                                        <p:strVal val="visible"/>
+                                      </p:to>
+                                    </p:set>
+                                    <p:animEffect transition="in" filter="fade">
+                                      <p:cBhvr>
+                                        <p:cTn id="59" dur="500"/>
+                                        <p:tgtEl>
+                                          <p:spTgt spid="49"/>
+                                        </p:tgtEl>
+                                      </p:cBhvr>
+                                    </p:animEffect>
+                                  </p:childTnLst>
+                                </p:cTn>
+                              </p:par>
+                            </p:childTnLst>
+                          </p:cTn>
+                        </p:par>
+                      </p:childTnLst>
+                    </p:cTn>
+                  </p:par>
+                  <p:par>
+                    <p:cTn id="60" fill="hold">
+                      <p:stCondLst>
+                        <p:cond delay="indefinite"/>
+                      </p:stCondLst>
+                      <p:childTnLst>
+                        <p:par>
+                          <p:cTn id="61" fill="hold">
+                            <p:stCondLst>
+                              <p:cond delay="0"/>
+                            </p:stCondLst>
+                            <p:childTnLst>
+                              <p:par>
+                                <p:cTn id="62" presetID="10" presetClass="entr" presetSubtype="0" fill="hold" grpId="0" nodeType="clickEffect">
+                                  <p:stCondLst>
+                                    <p:cond delay="0"/>
+                                  </p:stCondLst>
+                                  <p:childTnLst>
+                                    <p:set>
+                                      <p:cBhvr>
+                                        <p:cTn id="63" dur="1" fill="hold">
+                                          <p:stCondLst>
+                                            <p:cond delay="0"/>
+                                          </p:stCondLst>
+                                        </p:cTn>
+                                        <p:tgtEl>
+                                          <p:spTgt spid="58"/>
+                                        </p:tgtEl>
+                                        <p:attrNameLst>
+                                          <p:attrName>style.visibility</p:attrName>
+                                        </p:attrNameLst>
+                                      </p:cBhvr>
+                                      <p:to>
+                                        <p:strVal val="visible"/>
+                                      </p:to>
+                                    </p:set>
+                                    <p:animEffect transition="in" filter="fade">
+                                      <p:cBhvr>
+                                        <p:cTn id="64" dur="500"/>
+                                        <p:tgtEl>
+                                          <p:spTgt spid="58"/>
+                                        </p:tgtEl>
+                                      </p:cBhvr>
+                                    </p:animEffect>
+                                  </p:childTnLst>
+                                </p:cTn>
+                              </p:par>
+                              <p:par>
+                                <p:cTn id="65" presetID="10" presetClass="entr" presetSubtype="0" fill="hold" nodeType="withEffect">
+                                  <p:stCondLst>
+                                    <p:cond delay="0"/>
+                                  </p:stCondLst>
+                                  <p:childTnLst>
+                                    <p:set>
+                                      <p:cBhvr>
+                                        <p:cTn id="66" dur="1" fill="hold">
+                                          <p:stCondLst>
+                                            <p:cond delay="0"/>
+                                          </p:stCondLst>
+                                        </p:cTn>
+                                        <p:tgtEl>
+                                          <p:spTgt spid="55"/>
+                                        </p:tgtEl>
+                                        <p:attrNameLst>
+                                          <p:attrName>style.visibility</p:attrName>
+                                        </p:attrNameLst>
+                                      </p:cBhvr>
+                                      <p:to>
+                                        <p:strVal val="visible"/>
+                                      </p:to>
+                                    </p:set>
+                                    <p:animEffect transition="in" filter="fade">
+                                      <p:cBhvr>
+                                        <p:cTn id="67" dur="500"/>
+                                        <p:tgtEl>
+                                          <p:spTgt spid="55"/>
+                                        </p:tgtEl>
+                                      </p:cBhvr>
+                                    </p:animEffect>
+                                  </p:childTnLst>
+                                </p:cTn>
+                              </p:par>
+                              <p:par>
+                                <p:cTn id="68" presetID="10" presetClass="entr" presetSubtype="0" fill="hold" grpId="0" nodeType="withEffect">
+                                  <p:stCondLst>
+                                    <p:cond delay="0"/>
+                                  </p:stCondLst>
+                                  <p:childTnLst>
+                                    <p:set>
+                                      <p:cBhvr>
+                                        <p:cTn id="69" dur="1" fill="hold">
+                                          <p:stCondLst>
+                                            <p:cond delay="0"/>
+                                          </p:stCondLst>
+                                        </p:cTn>
+                                        <p:tgtEl>
+                                          <p:spTgt spid="59"/>
+                                        </p:tgtEl>
+                                        <p:attrNameLst>
+                                          <p:attrName>style.visibility</p:attrName>
+                                        </p:attrNameLst>
+                                      </p:cBhvr>
+                                      <p:to>
+                                        <p:strVal val="visible"/>
+                                      </p:to>
+                                    </p:set>
+                                    <p:animEffect transition="in" filter="fade">
+                                      <p:cBhvr>
+                                        <p:cTn id="70" dur="500"/>
+                                        <p:tgtEl>
+                                          <p:spTgt spid="59"/>
+                                        </p:tgtEl>
+                                      </p:cBhvr>
+                                    </p:animEffect>
+                                  </p:childTnLst>
+                                </p:cTn>
+                              </p:par>
+                              <p:par>
+                                <p:cTn id="71" presetID="10" presetClass="entr" presetSubtype="0" fill="hold" nodeType="withEffect">
+                                  <p:stCondLst>
+                                    <p:cond delay="0"/>
+                                  </p:stCondLst>
+                                  <p:childTnLst>
+                                    <p:set>
+                                      <p:cBhvr>
+                                        <p:cTn id="72" dur="1" fill="hold">
+                                          <p:stCondLst>
+                                            <p:cond delay="0"/>
+                                          </p:stCondLst>
+                                        </p:cTn>
+                                        <p:tgtEl>
+                                          <p:spTgt spid="56"/>
+                                        </p:tgtEl>
+                                        <p:attrNameLst>
+                                          <p:attrName>style.visibility</p:attrName>
+                                        </p:attrNameLst>
+                                      </p:cBhvr>
+                                      <p:to>
+                                        <p:strVal val="visible"/>
+                                      </p:to>
+                                    </p:set>
+                                    <p:animEffect transition="in" filter="fade">
+                                      <p:cBhvr>
+                                        <p:cTn id="73" dur="500"/>
+                                        <p:tgtEl>
+                                          <p:spTgt spid="56"/>
+                                        </p:tgtEl>
+                                      </p:cBhvr>
+                                    </p:animEffect>
+                                  </p:childTnLst>
+                                </p:cTn>
+                              </p:par>
+                              <p:par>
+                                <p:cTn id="74" presetID="10" presetClass="entr" presetSubtype="0" fill="hold" grpId="0" nodeType="withEffect">
+                                  <p:stCondLst>
+                                    <p:cond delay="0"/>
+                                  </p:stCondLst>
+                                  <p:childTnLst>
+                                    <p:set>
+                                      <p:cBhvr>
+                                        <p:cTn id="75" dur="1" fill="hold">
+                                          <p:stCondLst>
+                                            <p:cond delay="0"/>
+                                          </p:stCondLst>
+                                        </p:cTn>
+                                        <p:tgtEl>
+                                          <p:spTgt spid="51"/>
+                                        </p:tgtEl>
+                                        <p:attrNameLst>
+                                          <p:attrName>style.visibility</p:attrName>
+                                        </p:attrNameLst>
+                                      </p:cBhvr>
+                                      <p:to>
+                                        <p:strVal val="visible"/>
+                                      </p:to>
+                                    </p:set>
+                                    <p:animEffect transition="in" filter="fade">
+                                      <p:cBhvr>
+                                        <p:cTn id="76" dur="500"/>
+                                        <p:tgtEl>
+                                          <p:spTgt spid="51"/>
+                                        </p:tgtEl>
+                                      </p:cBhvr>
+                                    </p:animEffect>
+                                  </p:childTnLst>
+                                </p:cTn>
+                              </p:par>
+                              <p:par>
+                                <p:cTn id="77" presetID="10" presetClass="entr" presetSubtype="0" fill="hold" grpId="0" nodeType="withEffect">
+                                  <p:stCondLst>
+                                    <p:cond delay="0"/>
+                                  </p:stCondLst>
+                                  <p:childTnLst>
+                                    <p:set>
+                                      <p:cBhvr>
+                                        <p:cTn id="78" dur="1" fill="hold">
+                                          <p:stCondLst>
+                                            <p:cond delay="0"/>
+                                          </p:stCondLst>
+                                        </p:cTn>
+                                        <p:tgtEl>
+                                          <p:spTgt spid="53"/>
+                                        </p:tgtEl>
+                                        <p:attrNameLst>
+                                          <p:attrName>style.visibility</p:attrName>
+                                        </p:attrNameLst>
+                                      </p:cBhvr>
+                                      <p:to>
+                                        <p:strVal val="visible"/>
+                                      </p:to>
+                                    </p:set>
+                                    <p:animEffect transition="in" filter="fade">
+                                      <p:cBhvr>
+                                        <p:cTn id="79" dur="500"/>
+                                        <p:tgtEl>
+                                          <p:spTgt spid="53"/>
+                                        </p:tgtEl>
+                                      </p:cBhvr>
+                                    </p:animEffect>
+                                  </p:childTnLst>
+                                </p:cTn>
+                              </p:par>
+                              <p:par>
+                                <p:cTn id="80" presetID="10" presetClass="entr" presetSubtype="0" fill="hold" grpId="0" nodeType="withEffect">
+                                  <p:stCondLst>
+                                    <p:cond delay="0"/>
+                                  </p:stCondLst>
+                                  <p:childTnLst>
+                                    <p:set>
+                                      <p:cBhvr>
+                                        <p:cTn id="81" dur="1" fill="hold">
+                                          <p:stCondLst>
+                                            <p:cond delay="0"/>
+                                          </p:stCondLst>
+                                        </p:cTn>
+                                        <p:tgtEl>
+                                          <p:spTgt spid="54"/>
+                                        </p:tgtEl>
+                                        <p:attrNameLst>
+                                          <p:attrName>style.visibility</p:attrName>
+                                        </p:attrNameLst>
+                                      </p:cBhvr>
+                                      <p:to>
+                                        <p:strVal val="visible"/>
+                                      </p:to>
+                                    </p:set>
+                                    <p:animEffect transition="in" filter="fade">
+                                      <p:cBhvr>
+                                        <p:cTn id="82" dur="500"/>
+                                        <p:tgtEl>
+                                          <p:spTgt spid="54"/>
+                                        </p:tgtEl>
+                                      </p:cBhvr>
+                                    </p:animEffect>
+                                  </p:childTnLst>
+                                </p:cTn>
+                              </p:par>
+                              <p:par>
+                                <p:cTn id="83" presetID="10" presetClass="entr" presetSubtype="0" fill="hold" nodeType="withEffect">
+                                  <p:stCondLst>
+                                    <p:cond delay="0"/>
+                                  </p:stCondLst>
+                                  <p:childTnLst>
+                                    <p:set>
+                                      <p:cBhvr>
+                                        <p:cTn id="84" dur="1" fill="hold">
+                                          <p:stCondLst>
+                                            <p:cond delay="0"/>
+                                          </p:stCondLst>
+                                        </p:cTn>
+                                        <p:tgtEl>
+                                          <p:spTgt spid="57"/>
+                                        </p:tgtEl>
+                                        <p:attrNameLst>
+                                          <p:attrName>style.visibility</p:attrName>
+                                        </p:attrNameLst>
+                                      </p:cBhvr>
+                                      <p:to>
+                                        <p:strVal val="visible"/>
+                                      </p:to>
+                                    </p:set>
+                                    <p:animEffect transition="in" filter="fade">
+                                      <p:cBhvr>
+                                        <p:cTn id="85" dur="500"/>
+                                        <p:tgtEl>
+                                          <p:spTgt spid="57"/>
+                                        </p:tgtEl>
+                                      </p:cBhvr>
+                                    </p:animEffect>
+                                  </p:childTnLst>
+                                </p:cTn>
+                              </p:par>
+                              <p:par>
+                                <p:cTn id="86" presetID="10" presetClass="entr" presetSubtype="0" fill="hold" grpId="0" nodeType="withEffect">
+                                  <p:stCondLst>
+                                    <p:cond delay="0"/>
+                                  </p:stCondLst>
+                                  <p:childTnLst>
+                                    <p:set>
+                                      <p:cBhvr>
+                                        <p:cTn id="87" dur="1" fill="hold">
+                                          <p:stCondLst>
+                                            <p:cond delay="0"/>
+                                          </p:stCondLst>
+                                        </p:cTn>
+                                        <p:tgtEl>
+                                          <p:spTgt spid="32"/>
+                                        </p:tgtEl>
+                                        <p:attrNameLst>
+                                          <p:attrName>style.visibility</p:attrName>
+                                        </p:attrNameLst>
+                                      </p:cBhvr>
+                                      <p:to>
+                                        <p:strVal val="visible"/>
+                                      </p:to>
+                                    </p:set>
+                                    <p:animEffect transition="in" filter="fade">
+                                      <p:cBhvr>
+                                        <p:cTn id="88" dur="500"/>
+                                        <p:tgtEl>
+                                          <p:spTgt spid="32"/>
+                                        </p:tgtEl>
+                                      </p:cBhvr>
+                                    </p:animEffect>
+                                  </p:childTnLst>
+                                </p:cTn>
+                              </p:par>
+                            </p:childTnLst>
+                          </p:cTn>
+                        </p:par>
+                      </p:childTnLst>
+                    </p:cTn>
+                  </p:par>
+                </p:childTnLst>
+              </p:cTn>
+              <p:prevCondLst>
+                <p:cond evt="onPrev" delay="0">
+                  <p:tgtEl>
+                    <p:sldTgt/>
+                  </p:tgtEl>
+                </p:cond>
+              </p:prevCondLst>
+              <p:nextCondLst>
+                <p:cond evt="onNext" delay="0">
+                  <p:tgtEl>
+                    <p:sldTgt/>
+                  </p:tgtEl>
+                </p:cond>
+              </p:nextCondLst>
+            </p:seq>
+          </p:childTnLst>
+        </p:cTn>
+      </p:par>
+    </p:tnLst>
+    <p:bldLst>
+      <p:bldP spid="32" grpId="0"/>
+      <p:bldP spid="33" grpId="0"/>
+      <p:bldP spid="34" grpId="0"/>
+      <p:bldP spid="35" grpId="0"/>
+      <p:bldP spid="36" grpId="0" animBg="1"/>
+      <p:bldP spid="37" grpId="0" animBg="1"/>
+      <p:bldP spid="40" grpId="0"/>
+      <p:bldP spid="45" grpId="0"/>
+      <p:bldP spid="47" grpId="0"/>
+      <p:bldP spid="49" grpId="0"/>
+      <p:bldP spid="50" grpId="0"/>
+      <p:bldP spid="51" grpId="0" animBg="1"/>
+      <p:bldGraphic spid="53" grpId="0">
+        <p:bldAsOne/>
+      </p:bldGraphic>
+      <p:bldP spid="54" grpId="0"/>
+      <p:bldP spid="58" grpId="0"/>
+      <p:bldP spid="59" grpId="0"/>
+    </p:bldLst>
+  </p:timing>
 </p:sld>
 </file>
 
@@ -4148,42 +9328,41 @@
                 <a:latin typeface="Euclid Circular B" panose="020B0504000000000000" pitchFamily="34" charset="0"/>
                 <a:ea typeface="Euclid Circular B" panose="020B0504000000000000" pitchFamily="34" charset="0"/>
               </a:rPr>
-              <a:t>Topic title</a:t>
+              <a:t>Storing the Access Token</a:t>
             </a:r>
           </a:p>
         </p:txBody>
       </p:sp>
-      <p:sp>
-        <p:nvSpPr>
-          <p:cNvPr id="3" name="Content Placeholder 2">
-            <a:extLst>
-              <a:ext uri="{FF2B5EF4-FFF2-40B4-BE49-F238E27FC236}">
-                <a16:creationId xmlns:a16="http://schemas.microsoft.com/office/drawing/2014/main" id="{891C7693-D3DF-4635-96F4-97F3B4136FDF}"/>
-              </a:ext>
-            </a:extLst>
-          </p:cNvPr>
-          <p:cNvSpPr>
-            <a:spLocks noGrp="1"/>
-          </p:cNvSpPr>
-          <p:nvPr>
-            <p:ph idx="1"/>
-          </p:nvPr>
-        </p:nvSpPr>
-        <p:spPr/>
-        <p:txBody>
-          <a:bodyPr/>
-          <a:lstStyle/>
-          <a:p>
-            <a:r>
-              <a:rPr lang="en-US" dirty="0">
-                <a:latin typeface="Euclid Circular B" panose="020B0504000000000000" pitchFamily="34" charset="0"/>
-                <a:ea typeface="Euclid Circular B" panose="020B0504000000000000" pitchFamily="34" charset="0"/>
-              </a:rPr>
-              <a:t>Content</a:t>
-            </a:r>
-          </a:p>
-        </p:txBody>
-      </p:sp>
+      <p:pic>
+        <p:nvPicPr>
+          <p:cNvPr id="11" name="Picture 10">
+            <a:extLst>
+              <a:ext uri="{FF2B5EF4-FFF2-40B4-BE49-F238E27FC236}">
+                <a16:creationId xmlns:a16="http://schemas.microsoft.com/office/drawing/2014/main" id="{FFDD0938-ABF7-24B2-5AC1-909F4281BE60}"/>
+              </a:ext>
+            </a:extLst>
+          </p:cNvPr>
+          <p:cNvPicPr>
+            <a:picLocks noChangeAspect="1"/>
+          </p:cNvPicPr>
+          <p:nvPr/>
+        </p:nvPicPr>
+        <p:blipFill>
+          <a:blip r:embed="rId3"/>
+          <a:stretch>
+            <a:fillRect/>
+          </a:stretch>
+        </p:blipFill>
+        <p:spPr>
+          <a:xfrm>
+            <a:off x="838200" y="1495025"/>
+            <a:ext cx="9164541" cy="5289301"/>
+          </a:xfrm>
+          <a:prstGeom prst="rect">
+            <a:avLst/>
+          </a:prstGeom>
+        </p:spPr>
+      </p:pic>
     </p:spTree>
     <p:extLst>
       <p:ext uri="{BB962C8B-B14F-4D97-AF65-F5344CB8AC3E}">
@@ -4257,17 +9436,47 @@
                 <a:latin typeface="Euclid Circular B" panose="020B0504000000000000" pitchFamily="34" charset="0"/>
                 <a:ea typeface="Euclid Circular B" panose="020B0504000000000000" pitchFamily="34" charset="0"/>
               </a:rPr>
-              <a:t>Topic title</a:t>
+              <a:t>The Access Token</a:t>
             </a:r>
           </a:p>
         </p:txBody>
       </p:sp>
+      <p:pic>
+        <p:nvPicPr>
+          <p:cNvPr id="7" name="Picture 6">
+            <a:extLst>
+              <a:ext uri="{FF2B5EF4-FFF2-40B4-BE49-F238E27FC236}">
+                <a16:creationId xmlns:a16="http://schemas.microsoft.com/office/drawing/2014/main" id="{C6CC06A5-F310-22BA-3908-2EC5F485C091}"/>
+              </a:ext>
+            </a:extLst>
+          </p:cNvPr>
+          <p:cNvPicPr>
+            <a:picLocks noChangeAspect="1"/>
+          </p:cNvPicPr>
+          <p:nvPr/>
+        </p:nvPicPr>
+        <p:blipFill>
+          <a:blip r:embed="rId3"/>
+          <a:stretch>
+            <a:fillRect/>
+          </a:stretch>
+        </p:blipFill>
+        <p:spPr>
+          <a:xfrm>
+            <a:off x="838201" y="1566370"/>
+            <a:ext cx="5697772" cy="5053090"/>
+          </a:xfrm>
+          <a:prstGeom prst="rect">
+            <a:avLst/>
+          </a:prstGeom>
+        </p:spPr>
+      </p:pic>
       <p:sp>
         <p:nvSpPr>
-          <p:cNvPr id="3" name="Content Placeholder 2">
-            <a:extLst>
-              <a:ext uri="{FF2B5EF4-FFF2-40B4-BE49-F238E27FC236}">
-                <a16:creationId xmlns:a16="http://schemas.microsoft.com/office/drawing/2014/main" id="{891C7693-D3DF-4635-96F4-97F3B4136FDF}"/>
+          <p:cNvPr id="8" name="Content Placeholder 2">
+            <a:extLst>
+              <a:ext uri="{FF2B5EF4-FFF2-40B4-BE49-F238E27FC236}">
+                <a16:creationId xmlns:a16="http://schemas.microsoft.com/office/drawing/2014/main" id="{EEFE9612-7D2A-5AA3-8199-1B365016F923}"/>
               </a:ext>
             </a:extLst>
           </p:cNvPr>
@@ -4278,7 +9487,12 @@
             <p:ph idx="1"/>
           </p:nvPr>
         </p:nvSpPr>
-        <p:spPr/>
+        <p:spPr>
+          <a:xfrm>
+            <a:off x="6854024" y="1825625"/>
+            <a:ext cx="4499776" cy="4351338"/>
+          </a:xfrm>
+        </p:spPr>
         <p:txBody>
           <a:bodyPr/>
           <a:lstStyle/>
@@ -4288,7 +9502,67 @@
                 <a:latin typeface="Euclid Circular B" panose="020B0504000000000000" pitchFamily="34" charset="0"/>
                 <a:ea typeface="Euclid Circular B" panose="020B0504000000000000" pitchFamily="34" charset="0"/>
               </a:rPr>
-              <a:t>Content</a:t>
+              <a:t>Standard claims</a:t>
+            </a:r>
+          </a:p>
+          <a:p>
+            <a:pPr lvl="1"/>
+            <a:r>
+              <a:rPr lang="en-US" b="1" dirty="0">
+                <a:latin typeface="Euclid Circular B" panose="020B0504000000000000" pitchFamily="34" charset="0"/>
+                <a:ea typeface="Euclid Circular B" panose="020B0504000000000000" pitchFamily="34" charset="0"/>
+              </a:rPr>
+              <a:t>Sub</a:t>
+            </a:r>
+            <a:r>
+              <a:rPr lang="en-US" dirty="0">
+                <a:latin typeface="Euclid Circular B" panose="020B0504000000000000" pitchFamily="34" charset="0"/>
+                <a:ea typeface="Euclid Circular B" panose="020B0504000000000000" pitchFamily="34" charset="0"/>
+              </a:rPr>
+              <a:t>: User Id</a:t>
+            </a:r>
+          </a:p>
+          <a:p>
+            <a:pPr lvl="1"/>
+            <a:r>
+              <a:rPr lang="en-US" b="1" dirty="0">
+                <a:latin typeface="Euclid Circular B" panose="020B0504000000000000" pitchFamily="34" charset="0"/>
+                <a:ea typeface="Euclid Circular B" panose="020B0504000000000000" pitchFamily="34" charset="0"/>
+              </a:rPr>
+              <a:t>Role</a:t>
+            </a:r>
+            <a:r>
+              <a:rPr lang="en-US" dirty="0">
+                <a:latin typeface="Euclid Circular B" panose="020B0504000000000000" pitchFamily="34" charset="0"/>
+                <a:ea typeface="Euclid Circular B" panose="020B0504000000000000" pitchFamily="34" charset="0"/>
+              </a:rPr>
+              <a:t>: Roles of the user</a:t>
+            </a:r>
+          </a:p>
+          <a:p>
+            <a:pPr lvl="1"/>
+            <a:r>
+              <a:rPr lang="en-US" b="1" dirty="0">
+                <a:latin typeface="Euclid Circular B" panose="020B0504000000000000" pitchFamily="34" charset="0"/>
+                <a:ea typeface="Euclid Circular B" panose="020B0504000000000000" pitchFamily="34" charset="0"/>
+              </a:rPr>
+              <a:t>Scope</a:t>
+            </a:r>
+            <a:r>
+              <a:rPr lang="en-US" dirty="0">
+                <a:latin typeface="Euclid Circular B" panose="020B0504000000000000" pitchFamily="34" charset="0"/>
+                <a:ea typeface="Euclid Circular B" panose="020B0504000000000000" pitchFamily="34" charset="0"/>
+              </a:rPr>
+              <a:t>: Allowed scopes</a:t>
+            </a:r>
+          </a:p>
+          <a:p>
+            <a:r>
+              <a:rPr lang="en-US" dirty="0">
+                <a:latin typeface="Euclid Circular B" panose="020B0504000000000000" pitchFamily="34" charset="0"/>
+                <a:ea typeface="Euclid Circular B" panose="020B0504000000000000" pitchFamily="34" charset="0"/>
+              </a:rPr>
+              <a:t>And your custom claims</a:t>
             </a:r>
           </a:p>
         </p:txBody>

--- a/2022-10-15 Authorization-In-Distributed-Systems/Authorization-In-Distributed-Systems.pptx
+++ b/2022-10-15 Authorization-In-Distributed-Systems/Authorization-In-Distributed-Systems.pptx
@@ -10,14 +10,17 @@
     <p:sldId id="265" r:id="rId4"/>
     <p:sldId id="267" r:id="rId5"/>
     <p:sldId id="268" r:id="rId6"/>
-    <p:sldId id="269" r:id="rId7"/>
-    <p:sldId id="270" r:id="rId8"/>
-    <p:sldId id="271" r:id="rId9"/>
-    <p:sldId id="272" r:id="rId10"/>
-    <p:sldId id="273" r:id="rId11"/>
-    <p:sldId id="274" r:id="rId12"/>
-    <p:sldId id="275" r:id="rId13"/>
-    <p:sldId id="276" r:id="rId14"/>
+    <p:sldId id="271" r:id="rId7"/>
+    <p:sldId id="269" r:id="rId8"/>
+    <p:sldId id="270" r:id="rId9"/>
+    <p:sldId id="273" r:id="rId10"/>
+    <p:sldId id="274" r:id="rId11"/>
+    <p:sldId id="275" r:id="rId12"/>
+    <p:sldId id="276" r:id="rId13"/>
+    <p:sldId id="277" r:id="rId14"/>
+    <p:sldId id="278" r:id="rId15"/>
+    <p:sldId id="279" r:id="rId16"/>
+    <p:sldId id="280" r:id="rId17"/>
   </p:sldIdLst>
   <p:sldSz cx="12192000" cy="6858000"/>
   <p:notesSz cx="6858000" cy="9144000"/>
@@ -6528,7 +6531,7 @@
     </p:spTree>
     <p:extLst>
       <p:ext uri="{BB962C8B-B14F-4D97-AF65-F5344CB8AC3E}">
-        <p14:creationId xmlns:p14="http://schemas.microsoft.com/office/powerpoint/2010/main" val="2135019387"/>
+        <p14:creationId xmlns:p14="http://schemas.microsoft.com/office/powerpoint/2010/main" val="1041851902"/>
       </p:ext>
     </p:extLst>
   </p:cSld>
@@ -6637,7 +6640,7 @@
     </p:spTree>
     <p:extLst>
       <p:ext uri="{BB962C8B-B14F-4D97-AF65-F5344CB8AC3E}">
-        <p14:creationId xmlns:p14="http://schemas.microsoft.com/office/powerpoint/2010/main" val="1041851902"/>
+        <p14:creationId xmlns:p14="http://schemas.microsoft.com/office/powerpoint/2010/main" val="1054227591"/>
       </p:ext>
     </p:extLst>
   </p:cSld>
@@ -6746,7 +6749,7 @@
     </p:spTree>
     <p:extLst>
       <p:ext uri="{BB962C8B-B14F-4D97-AF65-F5344CB8AC3E}">
-        <p14:creationId xmlns:p14="http://schemas.microsoft.com/office/powerpoint/2010/main" val="1054227591"/>
+        <p14:creationId xmlns:p14="http://schemas.microsoft.com/office/powerpoint/2010/main" val="3029708724"/>
       </p:ext>
     </p:extLst>
   </p:cSld>
@@ -6855,7 +6858,334 @@
     </p:spTree>
     <p:extLst>
       <p:ext uri="{BB962C8B-B14F-4D97-AF65-F5344CB8AC3E}">
-        <p14:creationId xmlns:p14="http://schemas.microsoft.com/office/powerpoint/2010/main" val="3029708724"/>
+        <p14:creationId xmlns:p14="http://schemas.microsoft.com/office/powerpoint/2010/main" val="2675068991"/>
+      </p:ext>
+    </p:extLst>
+  </p:cSld>
+  <p:clrMapOvr>
+    <a:masterClrMapping/>
+  </p:clrMapOvr>
+</p:sld>
+</file>
+
+<file path=ppt/slides/slide14.xml><?xml version="1.0" encoding="utf-8"?>
+<p:sld xmlns:a="http://schemas.openxmlformats.org/drawingml/2006/main" xmlns:r="http://schemas.openxmlformats.org/officeDocument/2006/relationships" xmlns:p="http://schemas.openxmlformats.org/presentationml/2006/main">
+  <p:cSld>
+    <p:bg>
+      <p:bgPr>
+        <a:blipFill dpi="0" rotWithShape="1">
+          <a:blip r:embed="rId2">
+            <a:lum/>
+          </a:blip>
+          <a:srcRect/>
+          <a:stretch>
+            <a:fillRect/>
+          </a:stretch>
+        </a:blipFill>
+        <a:effectLst/>
+      </p:bgPr>
+    </p:bg>
+    <p:spTree>
+      <p:nvGrpSpPr>
+        <p:cNvPr id="1" name=""/>
+        <p:cNvGrpSpPr/>
+        <p:nvPr/>
+      </p:nvGrpSpPr>
+      <p:grpSpPr>
+        <a:xfrm>
+          <a:off x="0" y="0"/>
+          <a:ext cx="0" cy="0"/>
+          <a:chOff x="0" y="0"/>
+          <a:chExt cx="0" cy="0"/>
+        </a:xfrm>
+      </p:grpSpPr>
+      <p:sp>
+        <p:nvSpPr>
+          <p:cNvPr id="2" name="Title 1">
+            <a:extLst>
+              <a:ext uri="{FF2B5EF4-FFF2-40B4-BE49-F238E27FC236}">
+                <a16:creationId xmlns:a16="http://schemas.microsoft.com/office/drawing/2014/main" id="{55E11F08-6CA0-48F1-AD67-97430DDA07F0}"/>
+              </a:ext>
+            </a:extLst>
+          </p:cNvPr>
+          <p:cNvSpPr>
+            <a:spLocks noGrp="1"/>
+          </p:cNvSpPr>
+          <p:nvPr>
+            <p:ph type="title"/>
+          </p:nvPr>
+        </p:nvSpPr>
+        <p:spPr/>
+        <p:txBody>
+          <a:bodyPr/>
+          <a:lstStyle/>
+          <a:p>
+            <a:r>
+              <a:rPr lang="en-US" b="1" dirty="0">
+                <a:solidFill>
+                  <a:srgbClr val="292D33"/>
+                </a:solidFill>
+                <a:latin typeface="Euclid Circular B" panose="020B0504000000000000" pitchFamily="34" charset="0"/>
+                <a:ea typeface="Euclid Circular B" panose="020B0504000000000000" pitchFamily="34" charset="0"/>
+              </a:rPr>
+              <a:t>Topic title</a:t>
+            </a:r>
+          </a:p>
+        </p:txBody>
+      </p:sp>
+      <p:sp>
+        <p:nvSpPr>
+          <p:cNvPr id="3" name="Content Placeholder 2">
+            <a:extLst>
+              <a:ext uri="{FF2B5EF4-FFF2-40B4-BE49-F238E27FC236}">
+                <a16:creationId xmlns:a16="http://schemas.microsoft.com/office/drawing/2014/main" id="{891C7693-D3DF-4635-96F4-97F3B4136FDF}"/>
+              </a:ext>
+            </a:extLst>
+          </p:cNvPr>
+          <p:cNvSpPr>
+            <a:spLocks noGrp="1"/>
+          </p:cNvSpPr>
+          <p:nvPr>
+            <p:ph idx="1"/>
+          </p:nvPr>
+        </p:nvSpPr>
+        <p:spPr/>
+        <p:txBody>
+          <a:bodyPr/>
+          <a:lstStyle/>
+          <a:p>
+            <a:r>
+              <a:rPr lang="en-US" dirty="0">
+                <a:latin typeface="Euclid Circular B" panose="020B0504000000000000" pitchFamily="34" charset="0"/>
+                <a:ea typeface="Euclid Circular B" panose="020B0504000000000000" pitchFamily="34" charset="0"/>
+              </a:rPr>
+              <a:t>Content</a:t>
+            </a:r>
+          </a:p>
+        </p:txBody>
+      </p:sp>
+    </p:spTree>
+    <p:extLst>
+      <p:ext uri="{BB962C8B-B14F-4D97-AF65-F5344CB8AC3E}">
+        <p14:creationId xmlns:p14="http://schemas.microsoft.com/office/powerpoint/2010/main" val="142816348"/>
+      </p:ext>
+    </p:extLst>
+  </p:cSld>
+  <p:clrMapOvr>
+    <a:masterClrMapping/>
+  </p:clrMapOvr>
+</p:sld>
+</file>
+
+<file path=ppt/slides/slide15.xml><?xml version="1.0" encoding="utf-8"?>
+<p:sld xmlns:a="http://schemas.openxmlformats.org/drawingml/2006/main" xmlns:r="http://schemas.openxmlformats.org/officeDocument/2006/relationships" xmlns:p="http://schemas.openxmlformats.org/presentationml/2006/main">
+  <p:cSld>
+    <p:bg>
+      <p:bgPr>
+        <a:blipFill dpi="0" rotWithShape="1">
+          <a:blip r:embed="rId2">
+            <a:lum/>
+          </a:blip>
+          <a:srcRect/>
+          <a:stretch>
+            <a:fillRect/>
+          </a:stretch>
+        </a:blipFill>
+        <a:effectLst/>
+      </p:bgPr>
+    </p:bg>
+    <p:spTree>
+      <p:nvGrpSpPr>
+        <p:cNvPr id="1" name=""/>
+        <p:cNvGrpSpPr/>
+        <p:nvPr/>
+      </p:nvGrpSpPr>
+      <p:grpSpPr>
+        <a:xfrm>
+          <a:off x="0" y="0"/>
+          <a:ext cx="0" cy="0"/>
+          <a:chOff x="0" y="0"/>
+          <a:chExt cx="0" cy="0"/>
+        </a:xfrm>
+      </p:grpSpPr>
+      <p:sp>
+        <p:nvSpPr>
+          <p:cNvPr id="2" name="Title 1">
+            <a:extLst>
+              <a:ext uri="{FF2B5EF4-FFF2-40B4-BE49-F238E27FC236}">
+                <a16:creationId xmlns:a16="http://schemas.microsoft.com/office/drawing/2014/main" id="{55E11F08-6CA0-48F1-AD67-97430DDA07F0}"/>
+              </a:ext>
+            </a:extLst>
+          </p:cNvPr>
+          <p:cNvSpPr>
+            <a:spLocks noGrp="1"/>
+          </p:cNvSpPr>
+          <p:nvPr>
+            <p:ph type="title"/>
+          </p:nvPr>
+        </p:nvSpPr>
+        <p:spPr/>
+        <p:txBody>
+          <a:bodyPr/>
+          <a:lstStyle/>
+          <a:p>
+            <a:r>
+              <a:rPr lang="en-US" b="1" dirty="0">
+                <a:solidFill>
+                  <a:srgbClr val="292D33"/>
+                </a:solidFill>
+                <a:latin typeface="Euclid Circular B" panose="020B0504000000000000" pitchFamily="34" charset="0"/>
+                <a:ea typeface="Euclid Circular B" panose="020B0504000000000000" pitchFamily="34" charset="0"/>
+              </a:rPr>
+              <a:t>Topic title</a:t>
+            </a:r>
+          </a:p>
+        </p:txBody>
+      </p:sp>
+      <p:sp>
+        <p:nvSpPr>
+          <p:cNvPr id="3" name="Content Placeholder 2">
+            <a:extLst>
+              <a:ext uri="{FF2B5EF4-FFF2-40B4-BE49-F238E27FC236}">
+                <a16:creationId xmlns:a16="http://schemas.microsoft.com/office/drawing/2014/main" id="{891C7693-D3DF-4635-96F4-97F3B4136FDF}"/>
+              </a:ext>
+            </a:extLst>
+          </p:cNvPr>
+          <p:cNvSpPr>
+            <a:spLocks noGrp="1"/>
+          </p:cNvSpPr>
+          <p:nvPr>
+            <p:ph idx="1"/>
+          </p:nvPr>
+        </p:nvSpPr>
+        <p:spPr/>
+        <p:txBody>
+          <a:bodyPr/>
+          <a:lstStyle/>
+          <a:p>
+            <a:r>
+              <a:rPr lang="en-US" dirty="0">
+                <a:latin typeface="Euclid Circular B" panose="020B0504000000000000" pitchFamily="34" charset="0"/>
+                <a:ea typeface="Euclid Circular B" panose="020B0504000000000000" pitchFamily="34" charset="0"/>
+              </a:rPr>
+              <a:t>Content</a:t>
+            </a:r>
+          </a:p>
+        </p:txBody>
+      </p:sp>
+    </p:spTree>
+    <p:extLst>
+      <p:ext uri="{BB962C8B-B14F-4D97-AF65-F5344CB8AC3E}">
+        <p14:creationId xmlns:p14="http://schemas.microsoft.com/office/powerpoint/2010/main" val="2729794055"/>
+      </p:ext>
+    </p:extLst>
+  </p:cSld>
+  <p:clrMapOvr>
+    <a:masterClrMapping/>
+  </p:clrMapOvr>
+</p:sld>
+</file>
+
+<file path=ppt/slides/slide16.xml><?xml version="1.0" encoding="utf-8"?>
+<p:sld xmlns:a="http://schemas.openxmlformats.org/drawingml/2006/main" xmlns:r="http://schemas.openxmlformats.org/officeDocument/2006/relationships" xmlns:p="http://schemas.openxmlformats.org/presentationml/2006/main">
+  <p:cSld>
+    <p:bg>
+      <p:bgPr>
+        <a:blipFill dpi="0" rotWithShape="1">
+          <a:blip r:embed="rId2">
+            <a:lum/>
+          </a:blip>
+          <a:srcRect/>
+          <a:stretch>
+            <a:fillRect/>
+          </a:stretch>
+        </a:blipFill>
+        <a:effectLst/>
+      </p:bgPr>
+    </p:bg>
+    <p:spTree>
+      <p:nvGrpSpPr>
+        <p:cNvPr id="1" name=""/>
+        <p:cNvGrpSpPr/>
+        <p:nvPr/>
+      </p:nvGrpSpPr>
+      <p:grpSpPr>
+        <a:xfrm>
+          <a:off x="0" y="0"/>
+          <a:ext cx="0" cy="0"/>
+          <a:chOff x="0" y="0"/>
+          <a:chExt cx="0" cy="0"/>
+        </a:xfrm>
+      </p:grpSpPr>
+      <p:sp>
+        <p:nvSpPr>
+          <p:cNvPr id="2" name="Title 1">
+            <a:extLst>
+              <a:ext uri="{FF2B5EF4-FFF2-40B4-BE49-F238E27FC236}">
+                <a16:creationId xmlns:a16="http://schemas.microsoft.com/office/drawing/2014/main" id="{55E11F08-6CA0-48F1-AD67-97430DDA07F0}"/>
+              </a:ext>
+            </a:extLst>
+          </p:cNvPr>
+          <p:cNvSpPr>
+            <a:spLocks noGrp="1"/>
+          </p:cNvSpPr>
+          <p:nvPr>
+            <p:ph type="title"/>
+          </p:nvPr>
+        </p:nvSpPr>
+        <p:spPr/>
+        <p:txBody>
+          <a:bodyPr/>
+          <a:lstStyle/>
+          <a:p>
+            <a:r>
+              <a:rPr lang="en-US" b="1" dirty="0">
+                <a:solidFill>
+                  <a:srgbClr val="292D33"/>
+                </a:solidFill>
+                <a:latin typeface="Euclid Circular B" panose="020B0504000000000000" pitchFamily="34" charset="0"/>
+                <a:ea typeface="Euclid Circular B" panose="020B0504000000000000" pitchFamily="34" charset="0"/>
+              </a:rPr>
+              <a:t>Topic title</a:t>
+            </a:r>
+          </a:p>
+        </p:txBody>
+      </p:sp>
+      <p:sp>
+        <p:nvSpPr>
+          <p:cNvPr id="3" name="Content Placeholder 2">
+            <a:extLst>
+              <a:ext uri="{FF2B5EF4-FFF2-40B4-BE49-F238E27FC236}">
+                <a16:creationId xmlns:a16="http://schemas.microsoft.com/office/drawing/2014/main" id="{891C7693-D3DF-4635-96F4-97F3B4136FDF}"/>
+              </a:ext>
+            </a:extLst>
+          </p:cNvPr>
+          <p:cNvSpPr>
+            <a:spLocks noGrp="1"/>
+          </p:cNvSpPr>
+          <p:nvPr>
+            <p:ph idx="1"/>
+          </p:nvPr>
+        </p:nvSpPr>
+        <p:spPr/>
+        <p:txBody>
+          <a:bodyPr/>
+          <a:lstStyle/>
+          <a:p>
+            <a:r>
+              <a:rPr lang="en-US" dirty="0">
+                <a:latin typeface="Euclid Circular B" panose="020B0504000000000000" pitchFamily="34" charset="0"/>
+                <a:ea typeface="Euclid Circular B" panose="020B0504000000000000" pitchFamily="34" charset="0"/>
+              </a:rPr>
+              <a:t>Content</a:t>
+            </a:r>
+          </a:p>
+        </p:txBody>
+      </p:sp>
+    </p:spTree>
+    <p:extLst>
+      <p:ext uri="{BB962C8B-B14F-4D97-AF65-F5344CB8AC3E}">
+        <p14:creationId xmlns:p14="http://schemas.microsoft.com/office/powerpoint/2010/main" val="2947418974"/>
       </p:ext>
     </p:extLst>
   </p:cSld>
@@ -9328,6 +9658,25 @@
                 <a:latin typeface="Euclid Circular B" panose="020B0504000000000000" pitchFamily="34" charset="0"/>
                 <a:ea typeface="Euclid Circular B" panose="020B0504000000000000" pitchFamily="34" charset="0"/>
               </a:rPr>
+              <a:t>Authentication</a:t>
+            </a:r>
+            <a:br>
+              <a:rPr lang="en-US" b="1" dirty="0">
+                <a:solidFill>
+                  <a:srgbClr val="292D33"/>
+                </a:solidFill>
+                <a:latin typeface="Euclid Circular B" panose="020B0504000000000000" pitchFamily="34" charset="0"/>
+                <a:ea typeface="Euclid Circular B" panose="020B0504000000000000" pitchFamily="34" charset="0"/>
+              </a:rPr>
+            </a:br>
+            <a:r>
+              <a:rPr lang="en-US" sz="2800" b="1" dirty="0">
+                <a:solidFill>
+                  <a:srgbClr val="292D33"/>
+                </a:solidFill>
+                <a:latin typeface="Euclid Circular B" panose="020B0504000000000000" pitchFamily="34" charset="0"/>
+                <a:ea typeface="Euclid Circular B" panose="020B0504000000000000" pitchFamily="34" charset="0"/>
+              </a:rPr>
               <a:t>Storing the Access Token</a:t>
             </a:r>
           </a:p>
@@ -9355,8 +9704,8 @@
         </p:blipFill>
         <p:spPr>
           <a:xfrm>
-            <a:off x="838200" y="1495025"/>
-            <a:ext cx="9164541" cy="5289301"/>
+            <a:off x="838200" y="1684891"/>
+            <a:ext cx="8786567" cy="5071154"/>
           </a:xfrm>
           <a:prstGeom prst="rect">
             <a:avLst/>
@@ -9436,6 +9785,25 @@
                 <a:latin typeface="Euclid Circular B" panose="020B0504000000000000" pitchFamily="34" charset="0"/>
                 <a:ea typeface="Euclid Circular B" panose="020B0504000000000000" pitchFamily="34" charset="0"/>
               </a:rPr>
+              <a:t>Authentication</a:t>
+            </a:r>
+            <a:br>
+              <a:rPr lang="en-US" b="1" dirty="0">
+                <a:solidFill>
+                  <a:srgbClr val="292D33"/>
+                </a:solidFill>
+                <a:latin typeface="Euclid Circular B" panose="020B0504000000000000" pitchFamily="34" charset="0"/>
+                <a:ea typeface="Euclid Circular B" panose="020B0504000000000000" pitchFamily="34" charset="0"/>
+              </a:rPr>
+            </a:br>
+            <a:r>
+              <a:rPr lang="en-US" sz="2800" b="1" dirty="0">
+                <a:solidFill>
+                  <a:srgbClr val="292D33"/>
+                </a:solidFill>
+                <a:latin typeface="Euclid Circular B" panose="020B0504000000000000" pitchFamily="34" charset="0"/>
+                <a:ea typeface="Euclid Circular B" panose="020B0504000000000000" pitchFamily="34" charset="0"/>
+              </a:rPr>
               <a:t>The Access Token</a:t>
             </a:r>
           </a:p>
@@ -9463,7 +9831,7 @@
         </p:blipFill>
         <p:spPr>
           <a:xfrm>
-            <a:off x="838201" y="1566370"/>
+            <a:off x="838201" y="1660640"/>
             <a:ext cx="5697772" cy="5053090"/>
           </a:xfrm>
           <a:prstGeom prst="rect">
@@ -9640,7 +10008,7 @@
                 <a:latin typeface="Euclid Circular B" panose="020B0504000000000000" pitchFamily="34" charset="0"/>
                 <a:ea typeface="Euclid Circular B" panose="020B0504000000000000" pitchFamily="34" charset="0"/>
               </a:rPr>
-              <a:t>Topic title</a:t>
+              <a:t>Authorization: Examples</a:t>
             </a:r>
           </a:p>
         </p:txBody>
@@ -9671,7 +10039,134 @@
                 <a:latin typeface="Euclid Circular B" panose="020B0504000000000000" pitchFamily="34" charset="0"/>
                 <a:ea typeface="Euclid Circular B" panose="020B0504000000000000" pitchFamily="34" charset="0"/>
               </a:rPr>
-              <a:t>Content</a:t>
+              <a:t>Can </a:t>
+            </a:r>
+            <a:r>
+              <a:rPr lang="en-US" b="1" dirty="0">
+                <a:latin typeface="Euclid Circular B" panose="020B0504000000000000" pitchFamily="34" charset="0"/>
+                <a:ea typeface="Euclid Circular B" panose="020B0504000000000000" pitchFamily="34" charset="0"/>
+              </a:rPr>
+              <a:t>edit a product </a:t>
+            </a:r>
+            <a:r>
+              <a:rPr lang="en-US" dirty="0">
+                <a:latin typeface="Euclid Circular B" panose="020B0504000000000000" pitchFamily="34" charset="0"/>
+                <a:ea typeface="Euclid Circular B" panose="020B0504000000000000" pitchFamily="34" charset="0"/>
+              </a:rPr>
+              <a:t>information?</a:t>
+            </a:r>
+          </a:p>
+          <a:p>
+            <a:pPr lvl="1"/>
+            <a:r>
+              <a:rPr lang="en-US" dirty="0">
+                <a:latin typeface="Euclid Circular B" panose="020B0504000000000000" pitchFamily="34" charset="0"/>
+                <a:ea typeface="Euclid Circular B" panose="020B0504000000000000" pitchFamily="34" charset="0"/>
+              </a:rPr>
+              <a:t>Do not allow if </a:t>
+            </a:r>
+            <a:r>
+              <a:rPr lang="en-US" b="1" dirty="0">
+                <a:latin typeface="Euclid Circular B" panose="020B0504000000000000" pitchFamily="34" charset="0"/>
+                <a:ea typeface="Euclid Circular B" panose="020B0504000000000000" pitchFamily="34" charset="0"/>
+              </a:rPr>
+              <a:t>product is locked</a:t>
+            </a:r>
+          </a:p>
+          <a:p>
+            <a:pPr lvl="1"/>
+            <a:r>
+              <a:rPr lang="en-US" dirty="0">
+                <a:latin typeface="Euclid Circular B" panose="020B0504000000000000" pitchFamily="34" charset="0"/>
+                <a:ea typeface="Euclid Circular B" panose="020B0504000000000000" pitchFamily="34" charset="0"/>
+              </a:rPr>
+              <a:t>Allow if the product was </a:t>
+            </a:r>
+            <a:r>
+              <a:rPr lang="en-US" b="1" dirty="0">
+                <a:latin typeface="Euclid Circular B" panose="020B0504000000000000" pitchFamily="34" charset="0"/>
+                <a:ea typeface="Euclid Circular B" panose="020B0504000000000000" pitchFamily="34" charset="0"/>
+              </a:rPr>
+              <a:t>created by the user</a:t>
+            </a:r>
+          </a:p>
+          <a:p>
+            <a:pPr lvl="1"/>
+            <a:r>
+              <a:rPr lang="en-US" dirty="0">
+                <a:latin typeface="Euclid Circular B" panose="020B0504000000000000" pitchFamily="34" charset="0"/>
+                <a:ea typeface="Euclid Circular B" panose="020B0504000000000000" pitchFamily="34" charset="0"/>
+              </a:rPr>
+              <a:t>Allow if the </a:t>
+            </a:r>
+            <a:r>
+              <a:rPr lang="en-US" b="1" dirty="0">
+                <a:latin typeface="Euclid Circular B" panose="020B0504000000000000" pitchFamily="34" charset="0"/>
+                <a:ea typeface="Euclid Circular B" panose="020B0504000000000000" pitchFamily="34" charset="0"/>
+              </a:rPr>
+              <a:t>user has permission </a:t>
+            </a:r>
+            <a:r>
+              <a:rPr lang="en-US" dirty="0">
+                <a:latin typeface="Euclid Circular B" panose="020B0504000000000000" pitchFamily="34" charset="0"/>
+                <a:ea typeface="Euclid Circular B" panose="020B0504000000000000" pitchFamily="34" charset="0"/>
+              </a:rPr>
+              <a:t>to edit products</a:t>
+            </a:r>
+          </a:p>
+          <a:p>
+            <a:pPr lvl="1"/>
+            <a:r>
+              <a:rPr lang="en-US" dirty="0">
+                <a:latin typeface="Euclid Circular B" panose="020B0504000000000000" pitchFamily="34" charset="0"/>
+                <a:ea typeface="Euclid Circular B" panose="020B0504000000000000" pitchFamily="34" charset="0"/>
+              </a:rPr>
+              <a:t>Allow if any of user’s </a:t>
+            </a:r>
+            <a:r>
+              <a:rPr lang="en-US" b="1" dirty="0">
+                <a:latin typeface="Euclid Circular B" panose="020B0504000000000000" pitchFamily="34" charset="0"/>
+                <a:ea typeface="Euclid Circular B" panose="020B0504000000000000" pitchFamily="34" charset="0"/>
+              </a:rPr>
+              <a:t>roles </a:t>
+            </a:r>
+            <a:r>
+              <a:rPr lang="en-US" dirty="0">
+                <a:latin typeface="Euclid Circular B" panose="020B0504000000000000" pitchFamily="34" charset="0"/>
+                <a:ea typeface="Euclid Circular B" panose="020B0504000000000000" pitchFamily="34" charset="0"/>
+              </a:rPr>
+              <a:t>has permission to edit products</a:t>
+            </a:r>
+          </a:p>
+          <a:p>
+            <a:pPr lvl="1"/>
+            <a:r>
+              <a:rPr lang="en-US" b="1" dirty="0">
+                <a:latin typeface="Euclid Circular B" panose="020B0504000000000000" pitchFamily="34" charset="0"/>
+                <a:ea typeface="Euclid Circular B" panose="020B0504000000000000" pitchFamily="34" charset="0"/>
+              </a:rPr>
+              <a:t>Only </a:t>
+            </a:r>
+            <a:r>
+              <a:rPr lang="en-US" dirty="0">
+                <a:latin typeface="Euclid Circular B" panose="020B0504000000000000" pitchFamily="34" charset="0"/>
+                <a:ea typeface="Euclid Circular B" panose="020B0504000000000000" pitchFamily="34" charset="0"/>
+              </a:rPr>
+              <a:t>allow if user working in the </a:t>
+            </a:r>
+            <a:r>
+              <a:rPr lang="en-US" b="1" dirty="0">
+                <a:latin typeface="Euclid Circular B" panose="020B0504000000000000" pitchFamily="34" charset="0"/>
+                <a:ea typeface="Euclid Circular B" panose="020B0504000000000000" pitchFamily="34" charset="0"/>
+              </a:rPr>
+              <a:t>department </a:t>
+            </a:r>
+            <a:r>
+              <a:rPr lang="en-US" dirty="0">
+                <a:latin typeface="Euclid Circular B" panose="020B0504000000000000" pitchFamily="34" charset="0"/>
+                <a:ea typeface="Euclid Circular B" panose="020B0504000000000000" pitchFamily="34" charset="0"/>
+              </a:rPr>
+              <a:t>the product belongs to</a:t>
             </a:r>
           </a:p>
         </p:txBody>
@@ -9679,7 +10174,7 @@
     </p:spTree>
     <p:extLst>
       <p:ext uri="{BB962C8B-B14F-4D97-AF65-F5344CB8AC3E}">
-        <p14:creationId xmlns:p14="http://schemas.microsoft.com/office/powerpoint/2010/main" val="3122496217"/>
+        <p14:creationId xmlns:p14="http://schemas.microsoft.com/office/powerpoint/2010/main" val="1762000987"/>
       </p:ext>
     </p:extLst>
   </p:cSld>
@@ -9749,52 +10244,918 @@
                 <a:latin typeface="Euclid Circular B" panose="020B0504000000000000" pitchFamily="34" charset="0"/>
                 <a:ea typeface="Euclid Circular B" panose="020B0504000000000000" pitchFamily="34" charset="0"/>
               </a:rPr>
-              <a:t>Topic title</a:t>
+              <a:t>Authorization</a:t>
             </a:r>
           </a:p>
         </p:txBody>
       </p:sp>
       <p:sp>
         <p:nvSpPr>
-          <p:cNvPr id="3" name="Content Placeholder 2">
-            <a:extLst>
-              <a:ext uri="{FF2B5EF4-FFF2-40B4-BE49-F238E27FC236}">
-                <a16:creationId xmlns:a16="http://schemas.microsoft.com/office/drawing/2014/main" id="{891C7693-D3DF-4635-96F4-97F3B4136FDF}"/>
-              </a:ext>
-            </a:extLst>
-          </p:cNvPr>
-          <p:cNvSpPr>
-            <a:spLocks noGrp="1"/>
-          </p:cNvSpPr>
-          <p:nvPr>
-            <p:ph idx="1"/>
-          </p:nvPr>
+          <p:cNvPr id="6" name="TextBox 5">
+            <a:extLst>
+              <a:ext uri="{FF2B5EF4-FFF2-40B4-BE49-F238E27FC236}">
+                <a16:creationId xmlns:a16="http://schemas.microsoft.com/office/drawing/2014/main" id="{3C34435A-892E-457D-FD49-098C0BECB96F}"/>
+              </a:ext>
+            </a:extLst>
+          </p:cNvPr>
+          <p:cNvSpPr txBox="1"/>
+          <p:nvPr/>
         </p:nvSpPr>
-        <p:spPr/>
+        <p:spPr>
+          <a:xfrm>
+            <a:off x="1234126" y="2832132"/>
+            <a:ext cx="1838901" cy="369332"/>
+          </a:xfrm>
+          <a:prstGeom prst="rect">
+            <a:avLst/>
+          </a:prstGeom>
+          <a:noFill/>
+        </p:spPr>
         <p:txBody>
-          <a:bodyPr/>
+          <a:bodyPr wrap="none" rtlCol="0">
+            <a:spAutoFit/>
+          </a:bodyPr>
           <a:lstStyle/>
           <a:p>
             <a:r>
               <a:rPr lang="en-US" dirty="0">
-                <a:latin typeface="Euclid Circular B" panose="020B0504000000000000" pitchFamily="34" charset="0"/>
-                <a:ea typeface="Euclid Circular B" panose="020B0504000000000000" pitchFamily="34" charset="0"/>
+                <a:solidFill>
+                  <a:srgbClr val="C00000"/>
+                </a:solidFill>
               </a:rPr>
-              <a:t>Content</a:t>
+              <a:t>with access token</a:t>
             </a:r>
           </a:p>
         </p:txBody>
       </p:sp>
+      <p:cxnSp>
+        <p:nvCxnSpPr>
+          <p:cNvPr id="7" name="Straight Arrow Connector 6">
+            <a:extLst>
+              <a:ext uri="{FF2B5EF4-FFF2-40B4-BE49-F238E27FC236}">
+                <a16:creationId xmlns:a16="http://schemas.microsoft.com/office/drawing/2014/main" id="{BC60CA88-012D-ADF8-0546-63CD399D7EDD}"/>
+              </a:ext>
+            </a:extLst>
+          </p:cNvPr>
+          <p:cNvCxnSpPr>
+            <a:cxnSpLocks/>
+            <a:stCxn id="11" idx="2"/>
+            <a:endCxn id="9" idx="0"/>
+          </p:cNvCxnSpPr>
+          <p:nvPr/>
+        </p:nvCxnSpPr>
+        <p:spPr>
+          <a:xfrm>
+            <a:off x="3039392" y="2388053"/>
+            <a:ext cx="0" cy="896086"/>
+          </a:xfrm>
+          <a:prstGeom prst="straightConnector1">
+            <a:avLst/>
+          </a:prstGeom>
+          <a:ln w="19050">
+            <a:solidFill>
+              <a:srgbClr val="C00000"/>
+            </a:solidFill>
+            <a:tailEnd type="triangle"/>
+          </a:ln>
+        </p:spPr>
+        <p:style>
+          <a:lnRef idx="1">
+            <a:schemeClr val="accent1"/>
+          </a:lnRef>
+          <a:fillRef idx="0">
+            <a:schemeClr val="accent1"/>
+          </a:fillRef>
+          <a:effectRef idx="0">
+            <a:schemeClr val="accent1"/>
+          </a:effectRef>
+          <a:fontRef idx="minor">
+            <a:schemeClr val="tx1"/>
+          </a:fontRef>
+        </p:style>
+      </p:cxnSp>
+      <p:sp>
+        <p:nvSpPr>
+          <p:cNvPr id="9" name="Rectangle 8">
+            <a:extLst>
+              <a:ext uri="{FF2B5EF4-FFF2-40B4-BE49-F238E27FC236}">
+                <a16:creationId xmlns:a16="http://schemas.microsoft.com/office/drawing/2014/main" id="{690B5441-FD4A-5AD3-497F-C71368E54510}"/>
+              </a:ext>
+            </a:extLst>
+          </p:cNvPr>
+          <p:cNvSpPr/>
+          <p:nvPr/>
+        </p:nvSpPr>
+        <p:spPr>
+          <a:xfrm>
+            <a:off x="1313389" y="3284139"/>
+            <a:ext cx="3452005" cy="553673"/>
+          </a:xfrm>
+          <a:prstGeom prst="rect">
+            <a:avLst/>
+          </a:prstGeom>
+        </p:spPr>
+        <p:style>
+          <a:lnRef idx="2">
+            <a:schemeClr val="accent6">
+              <a:shade val="50000"/>
+            </a:schemeClr>
+          </a:lnRef>
+          <a:fillRef idx="1">
+            <a:schemeClr val="accent6"/>
+          </a:fillRef>
+          <a:effectRef idx="0">
+            <a:schemeClr val="accent6"/>
+          </a:effectRef>
+          <a:fontRef idx="minor">
+            <a:schemeClr val="lt1"/>
+          </a:fontRef>
+        </p:style>
+        <p:txBody>
+          <a:bodyPr rtlCol="0" anchor="ctr"/>
+          <a:lstStyle/>
+          <a:p>
+            <a:pPr algn="ctr"/>
+            <a:r>
+              <a:rPr lang="en-US" dirty="0">
+                <a:solidFill>
+                  <a:schemeClr val="bg1"/>
+                </a:solidFill>
+              </a:rPr>
+              <a:t>Your HTTP API / Microservice</a:t>
+            </a:r>
+          </a:p>
+        </p:txBody>
+      </p:sp>
+      <p:sp>
+        <p:nvSpPr>
+          <p:cNvPr id="10" name="TextBox 9">
+            <a:extLst>
+              <a:ext uri="{FF2B5EF4-FFF2-40B4-BE49-F238E27FC236}">
+                <a16:creationId xmlns:a16="http://schemas.microsoft.com/office/drawing/2014/main" id="{B0A731EF-3B26-65EB-B27F-05BAD4D20E7C}"/>
+              </a:ext>
+            </a:extLst>
+          </p:cNvPr>
+          <p:cNvSpPr txBox="1"/>
+          <p:nvPr/>
+        </p:nvSpPr>
+        <p:spPr>
+          <a:xfrm>
+            <a:off x="1321588" y="2429635"/>
+            <a:ext cx="1634743" cy="400110"/>
+          </a:xfrm>
+          <a:prstGeom prst="rect">
+            <a:avLst/>
+          </a:prstGeom>
+          <a:noFill/>
+        </p:spPr>
+        <p:txBody>
+          <a:bodyPr wrap="none" rtlCol="0">
+            <a:spAutoFit/>
+          </a:bodyPr>
+          <a:lstStyle/>
+          <a:p>
+            <a:r>
+              <a:rPr lang="en-US" sz="2000" dirty="0">
+                <a:solidFill>
+                  <a:srgbClr val="C00000"/>
+                </a:solidFill>
+              </a:rPr>
+              <a:t>HTTP Request</a:t>
+            </a:r>
+          </a:p>
+        </p:txBody>
+      </p:sp>
+      <p:sp>
+        <p:nvSpPr>
+          <p:cNvPr id="11" name="Rectangle 10">
+            <a:extLst>
+              <a:ext uri="{FF2B5EF4-FFF2-40B4-BE49-F238E27FC236}">
+                <a16:creationId xmlns:a16="http://schemas.microsoft.com/office/drawing/2014/main" id="{F77AE6DE-A91A-B7F6-527F-C5E860DF8B42}"/>
+              </a:ext>
+            </a:extLst>
+          </p:cNvPr>
+          <p:cNvSpPr/>
+          <p:nvPr/>
+        </p:nvSpPr>
+        <p:spPr>
+          <a:xfrm>
+            <a:off x="1952633" y="1834380"/>
+            <a:ext cx="2173517" cy="553673"/>
+          </a:xfrm>
+          <a:prstGeom prst="rect">
+            <a:avLst/>
+          </a:prstGeom>
+        </p:spPr>
+        <p:style>
+          <a:lnRef idx="2">
+            <a:schemeClr val="accent2">
+              <a:shade val="50000"/>
+            </a:schemeClr>
+          </a:lnRef>
+          <a:fillRef idx="1">
+            <a:schemeClr val="accent2"/>
+          </a:fillRef>
+          <a:effectRef idx="0">
+            <a:schemeClr val="accent2"/>
+          </a:effectRef>
+          <a:fontRef idx="minor">
+            <a:schemeClr val="lt1"/>
+          </a:fontRef>
+        </p:style>
+        <p:txBody>
+          <a:bodyPr rtlCol="0" anchor="ctr"/>
+          <a:lstStyle/>
+          <a:p>
+            <a:pPr algn="ctr"/>
+            <a:r>
+              <a:rPr lang="en-US" dirty="0">
+                <a:solidFill>
+                  <a:schemeClr val="bg1"/>
+                </a:solidFill>
+              </a:rPr>
+              <a:t>Client Application</a:t>
+            </a:r>
+          </a:p>
+        </p:txBody>
+      </p:sp>
+      <p:sp>
+        <p:nvSpPr>
+          <p:cNvPr id="14" name="Oval 13">
+            <a:extLst>
+              <a:ext uri="{FF2B5EF4-FFF2-40B4-BE49-F238E27FC236}">
+                <a16:creationId xmlns:a16="http://schemas.microsoft.com/office/drawing/2014/main" id="{F504905F-5569-E70A-317B-79B394860869}"/>
+              </a:ext>
+            </a:extLst>
+          </p:cNvPr>
+          <p:cNvSpPr/>
+          <p:nvPr/>
+        </p:nvSpPr>
+        <p:spPr>
+          <a:xfrm>
+            <a:off x="1313389" y="4870363"/>
+            <a:ext cx="1680376" cy="779228"/>
+          </a:xfrm>
+          <a:prstGeom prst="ellipse">
+            <a:avLst/>
+          </a:prstGeom>
+        </p:spPr>
+        <p:style>
+          <a:lnRef idx="2">
+            <a:schemeClr val="accent1">
+              <a:shade val="50000"/>
+            </a:schemeClr>
+          </a:lnRef>
+          <a:fillRef idx="1">
+            <a:schemeClr val="accent1"/>
+          </a:fillRef>
+          <a:effectRef idx="0">
+            <a:schemeClr val="accent1"/>
+          </a:effectRef>
+          <a:fontRef idx="minor">
+            <a:schemeClr val="lt1"/>
+          </a:fontRef>
+        </p:style>
+        <p:txBody>
+          <a:bodyPr rtlCol="0" anchor="ctr"/>
+          <a:lstStyle/>
+          <a:p>
+            <a:pPr algn="ctr"/>
+            <a:r>
+              <a:rPr lang="en-US" dirty="0"/>
+              <a:t>Database</a:t>
+            </a:r>
+          </a:p>
+        </p:txBody>
+      </p:sp>
+      <p:sp>
+        <p:nvSpPr>
+          <p:cNvPr id="15" name="Oval 14">
+            <a:extLst>
+              <a:ext uri="{FF2B5EF4-FFF2-40B4-BE49-F238E27FC236}">
+                <a16:creationId xmlns:a16="http://schemas.microsoft.com/office/drawing/2014/main" id="{0964699B-C451-D3EC-13CB-B2F0AD4F399F}"/>
+              </a:ext>
+            </a:extLst>
+          </p:cNvPr>
+          <p:cNvSpPr/>
+          <p:nvPr/>
+        </p:nvSpPr>
+        <p:spPr>
+          <a:xfrm>
+            <a:off x="3085018" y="4870363"/>
+            <a:ext cx="1680376" cy="779228"/>
+          </a:xfrm>
+          <a:prstGeom prst="ellipse">
+            <a:avLst/>
+          </a:prstGeom>
+        </p:spPr>
+        <p:style>
+          <a:lnRef idx="2">
+            <a:schemeClr val="accent5">
+              <a:shade val="50000"/>
+            </a:schemeClr>
+          </a:lnRef>
+          <a:fillRef idx="1">
+            <a:schemeClr val="accent5"/>
+          </a:fillRef>
+          <a:effectRef idx="0">
+            <a:schemeClr val="accent5"/>
+          </a:effectRef>
+          <a:fontRef idx="minor">
+            <a:schemeClr val="lt1"/>
+          </a:fontRef>
+        </p:style>
+        <p:txBody>
+          <a:bodyPr rtlCol="0" anchor="ctr"/>
+          <a:lstStyle/>
+          <a:p>
+            <a:pPr algn="ctr"/>
+            <a:r>
+              <a:rPr lang="en-US" dirty="0"/>
+              <a:t>Other Resources</a:t>
+            </a:r>
+          </a:p>
+        </p:txBody>
+      </p:sp>
+      <p:cxnSp>
+        <p:nvCxnSpPr>
+          <p:cNvPr id="17" name="Straight Arrow Connector 16">
+            <a:extLst>
+              <a:ext uri="{FF2B5EF4-FFF2-40B4-BE49-F238E27FC236}">
+                <a16:creationId xmlns:a16="http://schemas.microsoft.com/office/drawing/2014/main" id="{39CE64C4-A4F6-A5AE-2DDC-F194EC47EFEB}"/>
+              </a:ext>
+            </a:extLst>
+          </p:cNvPr>
+          <p:cNvCxnSpPr>
+            <a:cxnSpLocks/>
+            <a:endCxn id="14" idx="0"/>
+          </p:cNvCxnSpPr>
+          <p:nvPr/>
+        </p:nvCxnSpPr>
+        <p:spPr>
+          <a:xfrm>
+            <a:off x="2153577" y="3837812"/>
+            <a:ext cx="0" cy="1032551"/>
+          </a:xfrm>
+          <a:prstGeom prst="straightConnector1">
+            <a:avLst/>
+          </a:prstGeom>
+          <a:ln w="25400">
+            <a:solidFill>
+              <a:schemeClr val="tx1">
+                <a:lumMod val="95000"/>
+                <a:lumOff val="5000"/>
+              </a:schemeClr>
+            </a:solidFill>
+            <a:tailEnd type="triangle"/>
+          </a:ln>
+        </p:spPr>
+        <p:style>
+          <a:lnRef idx="1">
+            <a:schemeClr val="accent1"/>
+          </a:lnRef>
+          <a:fillRef idx="0">
+            <a:schemeClr val="accent1"/>
+          </a:fillRef>
+          <a:effectRef idx="0">
+            <a:schemeClr val="accent1"/>
+          </a:effectRef>
+          <a:fontRef idx="minor">
+            <a:schemeClr val="tx1"/>
+          </a:fontRef>
+        </p:style>
+      </p:cxnSp>
+      <p:cxnSp>
+        <p:nvCxnSpPr>
+          <p:cNvPr id="20" name="Straight Arrow Connector 19">
+            <a:extLst>
+              <a:ext uri="{FF2B5EF4-FFF2-40B4-BE49-F238E27FC236}">
+                <a16:creationId xmlns:a16="http://schemas.microsoft.com/office/drawing/2014/main" id="{1CB1650F-45EE-967B-8B48-A3AE3E05A974}"/>
+              </a:ext>
+            </a:extLst>
+          </p:cNvPr>
+          <p:cNvCxnSpPr>
+            <a:cxnSpLocks/>
+          </p:cNvCxnSpPr>
+          <p:nvPr/>
+        </p:nvCxnSpPr>
+        <p:spPr>
+          <a:xfrm>
+            <a:off x="3931266" y="3837812"/>
+            <a:ext cx="0" cy="1032551"/>
+          </a:xfrm>
+          <a:prstGeom prst="straightConnector1">
+            <a:avLst/>
+          </a:prstGeom>
+          <a:ln w="25400">
+            <a:solidFill>
+              <a:schemeClr val="tx1">
+                <a:lumMod val="95000"/>
+                <a:lumOff val="5000"/>
+              </a:schemeClr>
+            </a:solidFill>
+            <a:tailEnd type="triangle"/>
+          </a:ln>
+        </p:spPr>
+        <p:style>
+          <a:lnRef idx="1">
+            <a:schemeClr val="accent1"/>
+          </a:lnRef>
+          <a:fillRef idx="0">
+            <a:schemeClr val="accent1"/>
+          </a:fillRef>
+          <a:effectRef idx="0">
+            <a:schemeClr val="accent1"/>
+          </a:effectRef>
+          <a:fontRef idx="minor">
+            <a:schemeClr val="tx1"/>
+          </a:fontRef>
+        </p:style>
+      </p:cxnSp>
+      <p:sp>
+        <p:nvSpPr>
+          <p:cNvPr id="22" name="Hexagon 21">
+            <a:extLst>
+              <a:ext uri="{FF2B5EF4-FFF2-40B4-BE49-F238E27FC236}">
+                <a16:creationId xmlns:a16="http://schemas.microsoft.com/office/drawing/2014/main" id="{ADBE2187-B36F-8990-A9B4-E3CEB541E4A3}"/>
+              </a:ext>
+            </a:extLst>
+          </p:cNvPr>
+          <p:cNvSpPr/>
+          <p:nvPr/>
+        </p:nvSpPr>
+        <p:spPr>
+          <a:xfrm>
+            <a:off x="5485065" y="2943020"/>
+            <a:ext cx="2116034" cy="1235910"/>
+          </a:xfrm>
+          <a:prstGeom prst="hexagon">
+            <a:avLst/>
+          </a:prstGeom>
+        </p:spPr>
+        <p:style>
+          <a:lnRef idx="2">
+            <a:schemeClr val="dk1">
+              <a:shade val="50000"/>
+            </a:schemeClr>
+          </a:lnRef>
+          <a:fillRef idx="1">
+            <a:schemeClr val="dk1"/>
+          </a:fillRef>
+          <a:effectRef idx="0">
+            <a:schemeClr val="dk1"/>
+          </a:effectRef>
+          <a:fontRef idx="minor">
+            <a:schemeClr val="lt1"/>
+          </a:fontRef>
+        </p:style>
+        <p:txBody>
+          <a:bodyPr rtlCol="0" anchor="ctr"/>
+          <a:lstStyle/>
+          <a:p>
+            <a:pPr algn="ctr"/>
+            <a:r>
+              <a:rPr lang="en-US" dirty="0"/>
+              <a:t>Permissions / Authorization Data &amp; Logic</a:t>
+            </a:r>
+          </a:p>
+        </p:txBody>
+      </p:sp>
+      <p:cxnSp>
+        <p:nvCxnSpPr>
+          <p:cNvPr id="24" name="Straight Arrow Connector 23">
+            <a:extLst>
+              <a:ext uri="{FF2B5EF4-FFF2-40B4-BE49-F238E27FC236}">
+                <a16:creationId xmlns:a16="http://schemas.microsoft.com/office/drawing/2014/main" id="{B30291D1-EF73-4FFD-F2CA-65E09F145AC3}"/>
+              </a:ext>
+            </a:extLst>
+          </p:cNvPr>
+          <p:cNvCxnSpPr>
+            <a:stCxn id="9" idx="3"/>
+            <a:endCxn id="22" idx="3"/>
+          </p:cNvCxnSpPr>
+          <p:nvPr/>
+        </p:nvCxnSpPr>
+        <p:spPr>
+          <a:xfrm flipV="1">
+            <a:off x="4765394" y="3560975"/>
+            <a:ext cx="719671" cy="1"/>
+          </a:xfrm>
+          <a:prstGeom prst="straightConnector1">
+            <a:avLst/>
+          </a:prstGeom>
+          <a:ln w="25400">
+            <a:solidFill>
+              <a:schemeClr val="tx1">
+                <a:lumMod val="95000"/>
+                <a:lumOff val="5000"/>
+              </a:schemeClr>
+            </a:solidFill>
+            <a:headEnd type="triangle"/>
+            <a:tailEnd type="triangle"/>
+          </a:ln>
+        </p:spPr>
+        <p:style>
+          <a:lnRef idx="1">
+            <a:schemeClr val="accent1"/>
+          </a:lnRef>
+          <a:fillRef idx="0">
+            <a:schemeClr val="accent1"/>
+          </a:fillRef>
+          <a:effectRef idx="0">
+            <a:schemeClr val="accent1"/>
+          </a:effectRef>
+          <a:fontRef idx="minor">
+            <a:schemeClr val="tx1"/>
+          </a:fontRef>
+        </p:style>
+      </p:cxnSp>
+      <p:sp>
+        <p:nvSpPr>
+          <p:cNvPr id="29" name="Rectangle 28">
+            <a:extLst>
+              <a:ext uri="{FF2B5EF4-FFF2-40B4-BE49-F238E27FC236}">
+                <a16:creationId xmlns:a16="http://schemas.microsoft.com/office/drawing/2014/main" id="{E34C2FBB-9DAC-5CAE-5D7A-F5E8958022D5}"/>
+              </a:ext>
+            </a:extLst>
+          </p:cNvPr>
+          <p:cNvSpPr/>
+          <p:nvPr/>
+        </p:nvSpPr>
+        <p:spPr>
+          <a:xfrm>
+            <a:off x="8320770" y="2943020"/>
+            <a:ext cx="1879908" cy="1235910"/>
+          </a:xfrm>
+          <a:prstGeom prst="rect">
+            <a:avLst/>
+          </a:prstGeom>
+          <a:solidFill>
+            <a:schemeClr val="accent4">
+              <a:lumMod val="75000"/>
+            </a:schemeClr>
+          </a:solidFill>
+        </p:spPr>
+        <p:style>
+          <a:lnRef idx="2">
+            <a:schemeClr val="accent3">
+              <a:shade val="50000"/>
+            </a:schemeClr>
+          </a:lnRef>
+          <a:fillRef idx="1">
+            <a:schemeClr val="accent3"/>
+          </a:fillRef>
+          <a:effectRef idx="0">
+            <a:schemeClr val="accent3"/>
+          </a:effectRef>
+          <a:fontRef idx="minor">
+            <a:schemeClr val="lt1"/>
+          </a:fontRef>
+        </p:style>
+        <p:txBody>
+          <a:bodyPr rtlCol="0" anchor="ctr"/>
+          <a:lstStyle/>
+          <a:p>
+            <a:pPr algn="ctr"/>
+            <a:r>
+              <a:rPr lang="en-US" dirty="0">
+                <a:solidFill>
+                  <a:schemeClr val="bg1"/>
+                </a:solidFill>
+              </a:rPr>
+              <a:t>Administration Application</a:t>
+            </a:r>
+          </a:p>
+        </p:txBody>
+      </p:sp>
+      <p:cxnSp>
+        <p:nvCxnSpPr>
+          <p:cNvPr id="30" name="Straight Arrow Connector 29">
+            <a:extLst>
+              <a:ext uri="{FF2B5EF4-FFF2-40B4-BE49-F238E27FC236}">
+                <a16:creationId xmlns:a16="http://schemas.microsoft.com/office/drawing/2014/main" id="{FD027D38-D620-6FC8-0C9C-4B633F7CB8FE}"/>
+              </a:ext>
+            </a:extLst>
+          </p:cNvPr>
+          <p:cNvCxnSpPr>
+            <a:cxnSpLocks/>
+            <a:stCxn id="22" idx="0"/>
+            <a:endCxn id="29" idx="1"/>
+          </p:cNvCxnSpPr>
+          <p:nvPr/>
+        </p:nvCxnSpPr>
+        <p:spPr>
+          <a:xfrm>
+            <a:off x="7601099" y="3560975"/>
+            <a:ext cx="719671" cy="0"/>
+          </a:xfrm>
+          <a:prstGeom prst="straightConnector1">
+            <a:avLst/>
+          </a:prstGeom>
+          <a:ln w="25400">
+            <a:solidFill>
+              <a:schemeClr val="tx1">
+                <a:lumMod val="95000"/>
+                <a:lumOff val="5000"/>
+              </a:schemeClr>
+            </a:solidFill>
+            <a:headEnd type="triangle"/>
+            <a:tailEnd type="none"/>
+          </a:ln>
+        </p:spPr>
+        <p:style>
+          <a:lnRef idx="1">
+            <a:schemeClr val="accent1"/>
+          </a:lnRef>
+          <a:fillRef idx="0">
+            <a:schemeClr val="accent1"/>
+          </a:fillRef>
+          <a:effectRef idx="0">
+            <a:schemeClr val="accent1"/>
+          </a:effectRef>
+          <a:fontRef idx="minor">
+            <a:schemeClr val="tx1"/>
+          </a:fontRef>
+        </p:style>
+      </p:cxnSp>
     </p:spTree>
     <p:extLst>
       <p:ext uri="{BB962C8B-B14F-4D97-AF65-F5344CB8AC3E}">
-        <p14:creationId xmlns:p14="http://schemas.microsoft.com/office/powerpoint/2010/main" val="3843666090"/>
+        <p14:creationId xmlns:p14="http://schemas.microsoft.com/office/powerpoint/2010/main" val="3122496217"/>
       </p:ext>
     </p:extLst>
   </p:cSld>
   <p:clrMapOvr>
     <a:masterClrMapping/>
   </p:clrMapOvr>
+  <p:timing>
+    <p:tnLst>
+      <p:par>
+        <p:cTn id="1" dur="indefinite" restart="never" nodeType="tmRoot">
+          <p:childTnLst>
+            <p:seq concurrent="1" nextAc="seek">
+              <p:cTn id="2" dur="indefinite" nodeType="mainSeq">
+                <p:childTnLst>
+                  <p:par>
+                    <p:cTn id="3" fill="hold">
+                      <p:stCondLst>
+                        <p:cond delay="indefinite"/>
+                        <p:cond evt="onBegin" delay="0">
+                          <p:tn val="2"/>
+                        </p:cond>
+                      </p:stCondLst>
+                      <p:childTnLst>
+                        <p:par>
+                          <p:cTn id="4" fill="hold">
+                            <p:stCondLst>
+                              <p:cond delay="0"/>
+                            </p:stCondLst>
+                            <p:childTnLst>
+                              <p:par>
+                                <p:cTn id="5" presetID="10" presetClass="entr" presetSubtype="0" fill="hold" nodeType="withEffect">
+                                  <p:stCondLst>
+                                    <p:cond delay="0"/>
+                                  </p:stCondLst>
+                                  <p:childTnLst>
+                                    <p:set>
+                                      <p:cBhvr>
+                                        <p:cTn id="6" dur="1" fill="hold">
+                                          <p:stCondLst>
+                                            <p:cond delay="0"/>
+                                          </p:stCondLst>
+                                        </p:cTn>
+                                        <p:tgtEl>
+                                          <p:spTgt spid="7"/>
+                                        </p:tgtEl>
+                                        <p:attrNameLst>
+                                          <p:attrName>style.visibility</p:attrName>
+                                        </p:attrNameLst>
+                                      </p:cBhvr>
+                                      <p:to>
+                                        <p:strVal val="visible"/>
+                                      </p:to>
+                                    </p:set>
+                                    <p:animEffect transition="in" filter="fade">
+                                      <p:cBhvr>
+                                        <p:cTn id="7" dur="500"/>
+                                        <p:tgtEl>
+                                          <p:spTgt spid="7"/>
+                                        </p:tgtEl>
+                                      </p:cBhvr>
+                                    </p:animEffect>
+                                  </p:childTnLst>
+                                </p:cTn>
+                              </p:par>
+                              <p:par>
+                                <p:cTn id="8" presetID="10" presetClass="entr" presetSubtype="0" fill="hold" grpId="0" nodeType="withEffect">
+                                  <p:stCondLst>
+                                    <p:cond delay="0"/>
+                                  </p:stCondLst>
+                                  <p:childTnLst>
+                                    <p:set>
+                                      <p:cBhvr>
+                                        <p:cTn id="9" dur="1" fill="hold">
+                                          <p:stCondLst>
+                                            <p:cond delay="0"/>
+                                          </p:stCondLst>
+                                        </p:cTn>
+                                        <p:tgtEl>
+                                          <p:spTgt spid="6"/>
+                                        </p:tgtEl>
+                                        <p:attrNameLst>
+                                          <p:attrName>style.visibility</p:attrName>
+                                        </p:attrNameLst>
+                                      </p:cBhvr>
+                                      <p:to>
+                                        <p:strVal val="visible"/>
+                                      </p:to>
+                                    </p:set>
+                                    <p:animEffect transition="in" filter="fade">
+                                      <p:cBhvr>
+                                        <p:cTn id="10" dur="500"/>
+                                        <p:tgtEl>
+                                          <p:spTgt spid="6"/>
+                                        </p:tgtEl>
+                                      </p:cBhvr>
+                                    </p:animEffect>
+                                  </p:childTnLst>
+                                </p:cTn>
+                              </p:par>
+                              <p:par>
+                                <p:cTn id="11" presetID="10" presetClass="entr" presetSubtype="0" fill="hold" grpId="0" nodeType="withEffect">
+                                  <p:stCondLst>
+                                    <p:cond delay="0"/>
+                                  </p:stCondLst>
+                                  <p:childTnLst>
+                                    <p:set>
+                                      <p:cBhvr>
+                                        <p:cTn id="12" dur="1" fill="hold">
+                                          <p:stCondLst>
+                                            <p:cond delay="0"/>
+                                          </p:stCondLst>
+                                        </p:cTn>
+                                        <p:tgtEl>
+                                          <p:spTgt spid="9"/>
+                                        </p:tgtEl>
+                                        <p:attrNameLst>
+                                          <p:attrName>style.visibility</p:attrName>
+                                        </p:attrNameLst>
+                                      </p:cBhvr>
+                                      <p:to>
+                                        <p:strVal val="visible"/>
+                                      </p:to>
+                                    </p:set>
+                                    <p:animEffect transition="in" filter="fade">
+                                      <p:cBhvr>
+                                        <p:cTn id="13" dur="500"/>
+                                        <p:tgtEl>
+                                          <p:spTgt spid="9"/>
+                                        </p:tgtEl>
+                                      </p:cBhvr>
+                                    </p:animEffect>
+                                  </p:childTnLst>
+                                </p:cTn>
+                              </p:par>
+                              <p:par>
+                                <p:cTn id="14" presetID="10" presetClass="entr" presetSubtype="0" fill="hold" grpId="0" nodeType="withEffect">
+                                  <p:stCondLst>
+                                    <p:cond delay="0"/>
+                                  </p:stCondLst>
+                                  <p:childTnLst>
+                                    <p:set>
+                                      <p:cBhvr>
+                                        <p:cTn id="15" dur="1" fill="hold">
+                                          <p:stCondLst>
+                                            <p:cond delay="0"/>
+                                          </p:stCondLst>
+                                        </p:cTn>
+                                        <p:tgtEl>
+                                          <p:spTgt spid="10"/>
+                                        </p:tgtEl>
+                                        <p:attrNameLst>
+                                          <p:attrName>style.visibility</p:attrName>
+                                        </p:attrNameLst>
+                                      </p:cBhvr>
+                                      <p:to>
+                                        <p:strVal val="visible"/>
+                                      </p:to>
+                                    </p:set>
+                                    <p:animEffect transition="in" filter="fade">
+                                      <p:cBhvr>
+                                        <p:cTn id="16" dur="500"/>
+                                        <p:tgtEl>
+                                          <p:spTgt spid="10"/>
+                                        </p:tgtEl>
+                                      </p:cBhvr>
+                                    </p:animEffect>
+                                  </p:childTnLst>
+                                </p:cTn>
+                              </p:par>
+                              <p:par>
+                                <p:cTn id="17" presetID="10" presetClass="entr" presetSubtype="0" fill="hold" grpId="0" nodeType="withEffect">
+                                  <p:stCondLst>
+                                    <p:cond delay="0"/>
+                                  </p:stCondLst>
+                                  <p:childTnLst>
+                                    <p:set>
+                                      <p:cBhvr>
+                                        <p:cTn id="18" dur="1" fill="hold">
+                                          <p:stCondLst>
+                                            <p:cond delay="0"/>
+                                          </p:stCondLst>
+                                        </p:cTn>
+                                        <p:tgtEl>
+                                          <p:spTgt spid="11"/>
+                                        </p:tgtEl>
+                                        <p:attrNameLst>
+                                          <p:attrName>style.visibility</p:attrName>
+                                        </p:attrNameLst>
+                                      </p:cBhvr>
+                                      <p:to>
+                                        <p:strVal val="visible"/>
+                                      </p:to>
+                                    </p:set>
+                                    <p:animEffect transition="in" filter="fade">
+                                      <p:cBhvr>
+                                        <p:cTn id="19" dur="500"/>
+                                        <p:tgtEl>
+                                          <p:spTgt spid="11"/>
+                                        </p:tgtEl>
+                                      </p:cBhvr>
+                                    </p:animEffect>
+                                  </p:childTnLst>
+                                </p:cTn>
+                              </p:par>
+                              <p:par>
+                                <p:cTn id="20" presetID="10" presetClass="entr" presetSubtype="0" fill="hold" grpId="0" nodeType="withEffect">
+                                  <p:stCondLst>
+                                    <p:cond delay="0"/>
+                                  </p:stCondLst>
+                                  <p:childTnLst>
+                                    <p:set>
+                                      <p:cBhvr>
+                                        <p:cTn id="21" dur="1" fill="hold">
+                                          <p:stCondLst>
+                                            <p:cond delay="0"/>
+                                          </p:stCondLst>
+                                        </p:cTn>
+                                        <p:tgtEl>
+                                          <p:spTgt spid="29"/>
+                                        </p:tgtEl>
+                                        <p:attrNameLst>
+                                          <p:attrName>style.visibility</p:attrName>
+                                        </p:attrNameLst>
+                                      </p:cBhvr>
+                                      <p:to>
+                                        <p:strVal val="visible"/>
+                                      </p:to>
+                                    </p:set>
+                                    <p:animEffect transition="in" filter="fade">
+                                      <p:cBhvr>
+                                        <p:cTn id="22" dur="500"/>
+                                        <p:tgtEl>
+                                          <p:spTgt spid="29"/>
+                                        </p:tgtEl>
+                                      </p:cBhvr>
+                                    </p:animEffect>
+                                  </p:childTnLst>
+                                </p:cTn>
+                              </p:par>
+                            </p:childTnLst>
+                          </p:cTn>
+                        </p:par>
+                      </p:childTnLst>
+                    </p:cTn>
+                  </p:par>
+                </p:childTnLst>
+              </p:cTn>
+              <p:prevCondLst>
+                <p:cond evt="onPrev" delay="0">
+                  <p:tgtEl>
+                    <p:sldTgt/>
+                  </p:tgtEl>
+                </p:cond>
+              </p:prevCondLst>
+              <p:nextCondLst>
+                <p:cond evt="onNext" delay="0">
+                  <p:tgtEl>
+                    <p:sldTgt/>
+                  </p:tgtEl>
+                </p:cond>
+              </p:nextCondLst>
+            </p:seq>
+          </p:childTnLst>
+        </p:cTn>
+      </p:par>
+    </p:tnLst>
+    <p:bldLst>
+      <p:bldP spid="6" grpId="0"/>
+      <p:bldP spid="9" grpId="0" animBg="1"/>
+      <p:bldP spid="10" grpId="0"/>
+      <p:bldP spid="11" grpId="0" animBg="1"/>
+      <p:bldP spid="29" grpId="0" animBg="1"/>
+    </p:bldLst>
+  </p:timing>
 </p:sld>
 </file>
 
@@ -9831,73 +11192,100 @@
       </p:grpSpPr>
       <p:sp>
         <p:nvSpPr>
-          <p:cNvPr id="2" name="Title 1">
-            <a:extLst>
-              <a:ext uri="{FF2B5EF4-FFF2-40B4-BE49-F238E27FC236}">
-                <a16:creationId xmlns:a16="http://schemas.microsoft.com/office/drawing/2014/main" id="{55E11F08-6CA0-48F1-AD67-97430DDA07F0}"/>
-              </a:ext>
-            </a:extLst>
-          </p:cNvPr>
-          <p:cNvSpPr>
-            <a:spLocks noGrp="1"/>
-          </p:cNvSpPr>
-          <p:nvPr>
-            <p:ph type="title"/>
-          </p:nvPr>
+          <p:cNvPr id="7" name="TextBox 6">
+            <a:extLst>
+              <a:ext uri="{FF2B5EF4-FFF2-40B4-BE49-F238E27FC236}">
+                <a16:creationId xmlns:a16="http://schemas.microsoft.com/office/drawing/2014/main" id="{5677B458-ABFA-5D96-E109-6A527F54D9A2}"/>
+              </a:ext>
+            </a:extLst>
+          </p:cNvPr>
+          <p:cNvSpPr txBox="1"/>
+          <p:nvPr/>
         </p:nvSpPr>
-        <p:spPr/>
+        <p:spPr>
+          <a:xfrm>
+            <a:off x="1291472" y="6481738"/>
+            <a:ext cx="10369484" cy="338554"/>
+          </a:xfrm>
+          <a:prstGeom prst="rect">
+            <a:avLst/>
+          </a:prstGeom>
+          <a:noFill/>
+        </p:spPr>
         <p:txBody>
-          <a:bodyPr/>
+          <a:bodyPr wrap="square">
+            <a:spAutoFit/>
+          </a:bodyPr>
           <a:lstStyle/>
           <a:p>
             <a:r>
-              <a:rPr lang="en-US" b="1" dirty="0">
-                <a:solidFill>
-                  <a:srgbClr val="292D33"/>
-                </a:solidFill>
-                <a:latin typeface="Euclid Circular B" panose="020B0504000000000000" pitchFamily="34" charset="0"/>
-                <a:ea typeface="Euclid Circular B" panose="020B0504000000000000" pitchFamily="34" charset="0"/>
+              <a:rPr lang="en-US" sz="1600" dirty="0"/>
+              <a:t>Image source: </a:t>
+            </a:r>
+            <a:r>
+              <a:rPr lang="en-US" sz="1600" dirty="0">
+                <a:hlinkClick r:id="rId3"/>
               </a:rPr>
-              <a:t>Topic title</a:t>
+              <a:t>https://www.alexanderlolis.com/authorization-in-a-microservices-world#authorization-flow-overview</a:t>
+            </a:r>
+            <a:r>
+              <a:rPr lang="en-US" sz="1600" dirty="0"/>
+              <a:t> </a:t>
             </a:r>
           </a:p>
         </p:txBody>
       </p:sp>
-      <p:sp>
-        <p:nvSpPr>
-          <p:cNvPr id="3" name="Content Placeholder 2">
-            <a:extLst>
-              <a:ext uri="{FF2B5EF4-FFF2-40B4-BE49-F238E27FC236}">
-                <a16:creationId xmlns:a16="http://schemas.microsoft.com/office/drawing/2014/main" id="{891C7693-D3DF-4635-96F4-97F3B4136FDF}"/>
-              </a:ext>
-            </a:extLst>
-          </p:cNvPr>
-          <p:cNvSpPr>
-            <a:spLocks noGrp="1"/>
-          </p:cNvSpPr>
-          <p:nvPr>
-            <p:ph idx="1"/>
-          </p:nvPr>
-        </p:nvSpPr>
-        <p:spPr/>
-        <p:txBody>
-          <a:bodyPr/>
-          <a:lstStyle/>
-          <a:p>
-            <a:r>
-              <a:rPr lang="en-US" dirty="0">
-                <a:latin typeface="Euclid Circular B" panose="020B0504000000000000" pitchFamily="34" charset="0"/>
-                <a:ea typeface="Euclid Circular B" panose="020B0504000000000000" pitchFamily="34" charset="0"/>
-              </a:rPr>
-              <a:t>Content</a:t>
-            </a:r>
-          </a:p>
-        </p:txBody>
-      </p:sp>
+      <p:pic>
+        <p:nvPicPr>
+          <p:cNvPr id="1028" name="Picture 4" descr="Authorization Overview">
+            <a:extLst>
+              <a:ext uri="{FF2B5EF4-FFF2-40B4-BE49-F238E27FC236}">
+                <a16:creationId xmlns:a16="http://schemas.microsoft.com/office/drawing/2014/main" id="{EBFA4825-32EE-C395-62FF-88BD295FE867}"/>
+              </a:ext>
+            </a:extLst>
+          </p:cNvPr>
+          <p:cNvPicPr>
+            <a:picLocks noChangeAspect="1" noChangeArrowheads="1"/>
+          </p:cNvPicPr>
+          <p:nvPr/>
+        </p:nvPicPr>
+        <p:blipFill>
+          <a:blip r:embed="rId4">
+            <a:extLst>
+              <a:ext uri="{28A0092B-C50C-407E-A947-70E740481C1C}">
+                <a14:useLocalDpi xmlns:a14="http://schemas.microsoft.com/office/drawing/2010/main" val="0"/>
+              </a:ext>
+            </a:extLst>
+          </a:blip>
+          <a:srcRect/>
+          <a:stretch>
+            <a:fillRect/>
+          </a:stretch>
+        </p:blipFill>
+        <p:spPr bwMode="auto">
+          <a:xfrm>
+            <a:off x="1943100" y="47135"/>
+            <a:ext cx="8305800" cy="6400800"/>
+          </a:xfrm>
+          <a:prstGeom prst="rect">
+            <a:avLst/>
+          </a:prstGeom>
+          <a:noFill/>
+          <a:extLst>
+            <a:ext uri="{909E8E84-426E-40DD-AFC4-6F175D3DCCD1}">
+              <a14:hiddenFill xmlns:a14="http://schemas.microsoft.com/office/drawing/2010/main">
+                <a:solidFill>
+                  <a:srgbClr val="FFFFFF"/>
+                </a:solidFill>
+              </a14:hiddenFill>
+            </a:ext>
+          </a:extLst>
+        </p:spPr>
+      </p:pic>
     </p:spTree>
     <p:extLst>
       <p:ext uri="{BB962C8B-B14F-4D97-AF65-F5344CB8AC3E}">
-        <p14:creationId xmlns:p14="http://schemas.microsoft.com/office/powerpoint/2010/main" val="1762000987"/>
+        <p14:creationId xmlns:p14="http://schemas.microsoft.com/office/powerpoint/2010/main" val="3843666090"/>
       </p:ext>
     </p:extLst>
   </p:cSld>
@@ -10006,7 +11394,7 @@
     </p:spTree>
     <p:extLst>
       <p:ext uri="{BB962C8B-B14F-4D97-AF65-F5344CB8AC3E}">
-        <p14:creationId xmlns:p14="http://schemas.microsoft.com/office/powerpoint/2010/main" val="1017143094"/>
+        <p14:creationId xmlns:p14="http://schemas.microsoft.com/office/powerpoint/2010/main" val="2135019387"/>
       </p:ext>
     </p:extLst>
   </p:cSld>

--- a/2022-10-15 Authorization-In-Distributed-Systems/Authorization-In-Distributed-Systems.pptx
+++ b/2022-10-15 Authorization-In-Distributed-Systems/Authorization-In-Distributed-Systems.pptx
@@ -10,11 +10,11 @@
     <p:sldId id="265" r:id="rId4"/>
     <p:sldId id="267" r:id="rId5"/>
     <p:sldId id="268" r:id="rId6"/>
-    <p:sldId id="271" r:id="rId7"/>
-    <p:sldId id="269" r:id="rId8"/>
-    <p:sldId id="270" r:id="rId9"/>
-    <p:sldId id="273" r:id="rId10"/>
-    <p:sldId id="274" r:id="rId11"/>
+    <p:sldId id="273" r:id="rId7"/>
+    <p:sldId id="271" r:id="rId8"/>
+    <p:sldId id="274" r:id="rId9"/>
+    <p:sldId id="269" r:id="rId10"/>
+    <p:sldId id="270" r:id="rId11"/>
     <p:sldId id="275" r:id="rId12"/>
     <p:sldId id="276" r:id="rId13"/>
     <p:sldId id="277" r:id="rId14"/>
@@ -6465,73 +6465,100 @@
       </p:grpSpPr>
       <p:sp>
         <p:nvSpPr>
-          <p:cNvPr id="2" name="Title 1">
-            <a:extLst>
-              <a:ext uri="{FF2B5EF4-FFF2-40B4-BE49-F238E27FC236}">
-                <a16:creationId xmlns:a16="http://schemas.microsoft.com/office/drawing/2014/main" id="{55E11F08-6CA0-48F1-AD67-97430DDA07F0}"/>
-              </a:ext>
-            </a:extLst>
-          </p:cNvPr>
-          <p:cNvSpPr>
-            <a:spLocks noGrp="1"/>
-          </p:cNvSpPr>
-          <p:nvPr>
-            <p:ph type="title"/>
-          </p:nvPr>
+          <p:cNvPr id="7" name="TextBox 6">
+            <a:extLst>
+              <a:ext uri="{FF2B5EF4-FFF2-40B4-BE49-F238E27FC236}">
+                <a16:creationId xmlns:a16="http://schemas.microsoft.com/office/drawing/2014/main" id="{5677B458-ABFA-5D96-E109-6A527F54D9A2}"/>
+              </a:ext>
+            </a:extLst>
+          </p:cNvPr>
+          <p:cNvSpPr txBox="1"/>
+          <p:nvPr/>
         </p:nvSpPr>
-        <p:spPr/>
+        <p:spPr>
+          <a:xfrm>
+            <a:off x="1291472" y="6481738"/>
+            <a:ext cx="10369484" cy="338554"/>
+          </a:xfrm>
+          <a:prstGeom prst="rect">
+            <a:avLst/>
+          </a:prstGeom>
+          <a:noFill/>
+        </p:spPr>
         <p:txBody>
-          <a:bodyPr/>
+          <a:bodyPr wrap="square">
+            <a:spAutoFit/>
+          </a:bodyPr>
           <a:lstStyle/>
           <a:p>
             <a:r>
-              <a:rPr lang="en-US" b="1" dirty="0">
-                <a:solidFill>
-                  <a:srgbClr val="292D33"/>
-                </a:solidFill>
-                <a:latin typeface="Euclid Circular B" panose="020B0504000000000000" pitchFamily="34" charset="0"/>
-                <a:ea typeface="Euclid Circular B" panose="020B0504000000000000" pitchFamily="34" charset="0"/>
-              </a:rPr>
-              <a:t>Topic title</a:t>
+              <a:rPr lang="en-US" sz="1600" dirty="0"/>
+              <a:t>Image source: </a:t>
+            </a:r>
+            <a:r>
+              <a:rPr lang="en-US" sz="1600" dirty="0">
+                <a:hlinkClick r:id="rId3"/>
+              </a:rPr>
+              <a:t>https://www.alexanderlolis.com/authorization-in-a-microservices-world#authorization-flow-overview</a:t>
+            </a:r>
+            <a:r>
+              <a:rPr lang="en-US" sz="1600" dirty="0"/>
+              <a:t> </a:t>
             </a:r>
           </a:p>
         </p:txBody>
       </p:sp>
-      <p:sp>
-        <p:nvSpPr>
-          <p:cNvPr id="3" name="Content Placeholder 2">
-            <a:extLst>
-              <a:ext uri="{FF2B5EF4-FFF2-40B4-BE49-F238E27FC236}">
-                <a16:creationId xmlns:a16="http://schemas.microsoft.com/office/drawing/2014/main" id="{891C7693-D3DF-4635-96F4-97F3B4136FDF}"/>
-              </a:ext>
-            </a:extLst>
-          </p:cNvPr>
-          <p:cNvSpPr>
-            <a:spLocks noGrp="1"/>
-          </p:cNvSpPr>
-          <p:nvPr>
-            <p:ph idx="1"/>
-          </p:nvPr>
-        </p:nvSpPr>
-        <p:spPr/>
-        <p:txBody>
-          <a:bodyPr/>
-          <a:lstStyle/>
-          <a:p>
-            <a:r>
-              <a:rPr lang="en-US" dirty="0">
-                <a:latin typeface="Euclid Circular B" panose="020B0504000000000000" pitchFamily="34" charset="0"/>
-                <a:ea typeface="Euclid Circular B" panose="020B0504000000000000" pitchFamily="34" charset="0"/>
-              </a:rPr>
-              <a:t>Content</a:t>
-            </a:r>
-          </a:p>
-        </p:txBody>
-      </p:sp>
+      <p:pic>
+        <p:nvPicPr>
+          <p:cNvPr id="1028" name="Picture 4" descr="Authorization Overview">
+            <a:extLst>
+              <a:ext uri="{FF2B5EF4-FFF2-40B4-BE49-F238E27FC236}">
+                <a16:creationId xmlns:a16="http://schemas.microsoft.com/office/drawing/2014/main" id="{EBFA4825-32EE-C395-62FF-88BD295FE867}"/>
+              </a:ext>
+            </a:extLst>
+          </p:cNvPr>
+          <p:cNvPicPr>
+            <a:picLocks noChangeAspect="1" noChangeArrowheads="1"/>
+          </p:cNvPicPr>
+          <p:nvPr/>
+        </p:nvPicPr>
+        <p:blipFill>
+          <a:blip r:embed="rId4">
+            <a:extLst>
+              <a:ext uri="{28A0092B-C50C-407E-A947-70E740481C1C}">
+                <a14:useLocalDpi xmlns:a14="http://schemas.microsoft.com/office/drawing/2010/main" val="0"/>
+              </a:ext>
+            </a:extLst>
+          </a:blip>
+          <a:srcRect/>
+          <a:stretch>
+            <a:fillRect/>
+          </a:stretch>
+        </p:blipFill>
+        <p:spPr bwMode="auto">
+          <a:xfrm>
+            <a:off x="1943100" y="47135"/>
+            <a:ext cx="8305800" cy="6400800"/>
+          </a:xfrm>
+          <a:prstGeom prst="rect">
+            <a:avLst/>
+          </a:prstGeom>
+          <a:noFill/>
+          <a:extLst>
+            <a:ext uri="{909E8E84-426E-40DD-AFC4-6F175D3DCCD1}">
+              <a14:hiddenFill xmlns:a14="http://schemas.microsoft.com/office/drawing/2010/main">
+                <a:solidFill>
+                  <a:srgbClr val="FFFFFF"/>
+                </a:solidFill>
+              </a14:hiddenFill>
+            </a:ext>
+          </a:extLst>
+        </p:spPr>
+      </p:pic>
     </p:spTree>
     <p:extLst>
       <p:ext uri="{BB962C8B-B14F-4D97-AF65-F5344CB8AC3E}">
-        <p14:creationId xmlns:p14="http://schemas.microsoft.com/office/powerpoint/2010/main" val="1041851902"/>
+        <p14:creationId xmlns:p14="http://schemas.microsoft.com/office/powerpoint/2010/main" val="3843666090"/>
       </p:ext>
     </p:extLst>
   </p:cSld>
@@ -10008,7 +10035,7 @@
                 <a:latin typeface="Euclid Circular B" panose="020B0504000000000000" pitchFamily="34" charset="0"/>
                 <a:ea typeface="Euclid Circular B" panose="020B0504000000000000" pitchFamily="34" charset="0"/>
               </a:rPr>
-              <a:t>Authorization: Examples</a:t>
+              <a:t>Authorization Types</a:t>
             </a:r>
           </a:p>
         </p:txBody>
@@ -10039,120 +10066,412 @@
                 <a:latin typeface="Euclid Circular B" panose="020B0504000000000000" pitchFamily="34" charset="0"/>
                 <a:ea typeface="Euclid Circular B" panose="020B0504000000000000" pitchFamily="34" charset="0"/>
               </a:rPr>
-              <a:t>Can </a:t>
+              <a:t>Claims based</a:t>
+            </a:r>
+          </a:p>
+          <a:p>
+            <a:r>
+              <a:rPr lang="en-US" dirty="0">
+                <a:latin typeface="Euclid Circular B" panose="020B0504000000000000" pitchFamily="34" charset="0"/>
+                <a:ea typeface="Euclid Circular B" panose="020B0504000000000000" pitchFamily="34" charset="0"/>
+              </a:rPr>
+              <a:t>On/off style permissions (typically user and role based)</a:t>
+            </a:r>
+          </a:p>
+          <a:p>
+            <a:pPr lvl="1"/>
+            <a:r>
+              <a:rPr lang="en-US" dirty="0">
+                <a:latin typeface="Euclid Circular B" panose="020B0504000000000000" pitchFamily="34" charset="0"/>
+                <a:ea typeface="Euclid Circular B" panose="020B0504000000000000" pitchFamily="34" charset="0"/>
+              </a:rPr>
+              <a:t>Check a permission database</a:t>
+            </a:r>
+          </a:p>
+          <a:p>
+            <a:r>
+              <a:rPr lang="en-US" dirty="0">
+                <a:latin typeface="Euclid Circular B" panose="020B0504000000000000" pitchFamily="34" charset="0"/>
+                <a:ea typeface="Euclid Circular B" panose="020B0504000000000000" pitchFamily="34" charset="0"/>
+              </a:rPr>
+              <a:t>Custom policies</a:t>
+            </a:r>
+          </a:p>
+          <a:p>
+            <a:pPr lvl="1"/>
+            <a:r>
+              <a:rPr lang="en-US" dirty="0">
+                <a:latin typeface="Euclid Circular B" panose="020B0504000000000000" pitchFamily="34" charset="0"/>
+                <a:ea typeface="Euclid Circular B" panose="020B0504000000000000" pitchFamily="34" charset="0"/>
+              </a:rPr>
+              <a:t>Check permission database &amp; apply custom logic</a:t>
+            </a:r>
+          </a:p>
+          <a:p>
+            <a:r>
+              <a:rPr lang="en-US" dirty="0">
+                <a:latin typeface="Euclid Circular B" panose="020B0504000000000000" pitchFamily="34" charset="0"/>
+                <a:ea typeface="Euclid Circular B" panose="020B0504000000000000" pitchFamily="34" charset="0"/>
+              </a:rPr>
+              <a:t>Resource based</a:t>
+            </a:r>
+          </a:p>
+          <a:p>
+            <a:pPr lvl="1"/>
+            <a:r>
+              <a:rPr lang="en-US" dirty="0">
+                <a:latin typeface="Euclid Circular B" panose="020B0504000000000000" pitchFamily="34" charset="0"/>
+                <a:ea typeface="Euclid Circular B" panose="020B0504000000000000" pitchFamily="34" charset="0"/>
+              </a:rPr>
+              <a:t>Check permission database &amp; apply custom logic based on the requested resource</a:t>
+            </a:r>
+          </a:p>
+        </p:txBody>
+      </p:sp>
+    </p:spTree>
+    <p:extLst>
+      <p:ext uri="{BB962C8B-B14F-4D97-AF65-F5344CB8AC3E}">
+        <p14:creationId xmlns:p14="http://schemas.microsoft.com/office/powerpoint/2010/main" val="2135019387"/>
+      </p:ext>
+    </p:extLst>
+  </p:cSld>
+  <p:clrMapOvr>
+    <a:masterClrMapping/>
+  </p:clrMapOvr>
+</p:sld>
+</file>
+
+<file path=ppt/slides/slide7.xml><?xml version="1.0" encoding="utf-8"?>
+<p:sld xmlns:a="http://schemas.openxmlformats.org/drawingml/2006/main" xmlns:r="http://schemas.openxmlformats.org/officeDocument/2006/relationships" xmlns:p="http://schemas.openxmlformats.org/presentationml/2006/main">
+  <p:cSld>
+    <p:bg>
+      <p:bgPr>
+        <a:blipFill dpi="0" rotWithShape="1">
+          <a:blip r:embed="rId2">
+            <a:lum/>
+          </a:blip>
+          <a:srcRect/>
+          <a:stretch>
+            <a:fillRect/>
+          </a:stretch>
+        </a:blipFill>
+        <a:effectLst/>
+      </p:bgPr>
+    </p:bg>
+    <p:spTree>
+      <p:nvGrpSpPr>
+        <p:cNvPr id="1" name=""/>
+        <p:cNvGrpSpPr/>
+        <p:nvPr/>
+      </p:nvGrpSpPr>
+      <p:grpSpPr>
+        <a:xfrm>
+          <a:off x="0" y="0"/>
+          <a:ext cx="0" cy="0"/>
+          <a:chOff x="0" y="0"/>
+          <a:chExt cx="0" cy="0"/>
+        </a:xfrm>
+      </p:grpSpPr>
+      <p:sp>
+        <p:nvSpPr>
+          <p:cNvPr id="2" name="Title 1">
+            <a:extLst>
+              <a:ext uri="{FF2B5EF4-FFF2-40B4-BE49-F238E27FC236}">
+                <a16:creationId xmlns:a16="http://schemas.microsoft.com/office/drawing/2014/main" id="{55E11F08-6CA0-48F1-AD67-97430DDA07F0}"/>
+              </a:ext>
+            </a:extLst>
+          </p:cNvPr>
+          <p:cNvSpPr>
+            <a:spLocks noGrp="1"/>
+          </p:cNvSpPr>
+          <p:nvPr>
+            <p:ph type="title"/>
+          </p:nvPr>
+        </p:nvSpPr>
+        <p:spPr/>
+        <p:txBody>
+          <a:bodyPr/>
+          <a:lstStyle/>
+          <a:p>
+            <a:r>
+              <a:rPr lang="en-US" b="1" dirty="0">
+                <a:solidFill>
+                  <a:srgbClr val="292D33"/>
+                </a:solidFill>
+                <a:latin typeface="Euclid Circular B" panose="020B0504000000000000" pitchFamily="34" charset="0"/>
+                <a:ea typeface="Euclid Circular B" panose="020B0504000000000000" pitchFamily="34" charset="0"/>
+              </a:rPr>
+              <a:t>Authorization</a:t>
+            </a:r>
+            <a:br>
+              <a:rPr lang="en-US" b="1" dirty="0">
+                <a:solidFill>
+                  <a:srgbClr val="292D33"/>
+                </a:solidFill>
+                <a:latin typeface="Euclid Circular B" panose="020B0504000000000000" pitchFamily="34" charset="0"/>
+                <a:ea typeface="Euclid Circular B" panose="020B0504000000000000" pitchFamily="34" charset="0"/>
+              </a:rPr>
+            </a:br>
+            <a:r>
+              <a:rPr lang="en-US" sz="2800" b="1" dirty="0">
+                <a:solidFill>
+                  <a:srgbClr val="292D33"/>
+                </a:solidFill>
+                <a:latin typeface="Euclid Circular B" panose="020B0504000000000000" pitchFamily="34" charset="0"/>
+                <a:ea typeface="Euclid Circular B" panose="020B0504000000000000" pitchFamily="34" charset="0"/>
+              </a:rPr>
+              <a:t>Resource based policy</a:t>
+            </a:r>
+          </a:p>
+        </p:txBody>
+      </p:sp>
+      <p:sp>
+        <p:nvSpPr>
+          <p:cNvPr id="3" name="Content Placeholder 2">
+            <a:extLst>
+              <a:ext uri="{FF2B5EF4-FFF2-40B4-BE49-F238E27FC236}">
+                <a16:creationId xmlns:a16="http://schemas.microsoft.com/office/drawing/2014/main" id="{891C7693-D3DF-4635-96F4-97F3B4136FDF}"/>
+              </a:ext>
+            </a:extLst>
+          </p:cNvPr>
+          <p:cNvSpPr>
+            <a:spLocks noGrp="1"/>
+          </p:cNvSpPr>
+          <p:nvPr>
+            <p:ph idx="1"/>
+          </p:nvPr>
+        </p:nvSpPr>
+        <p:spPr/>
+        <p:txBody>
+          <a:bodyPr/>
+          <a:lstStyle/>
+          <a:p>
+            <a:r>
+              <a:rPr lang="en-US" dirty="0">
+                <a:latin typeface="Euclid Circular B" panose="020B0504000000000000" pitchFamily="34" charset="0"/>
+                <a:ea typeface="Euclid Circular B" panose="020B0504000000000000" pitchFamily="34" charset="0"/>
+              </a:rPr>
+              <a:t>Can a </a:t>
             </a:r>
             <a:r>
               <a:rPr lang="en-US" b="1" dirty="0">
                 <a:latin typeface="Euclid Circular B" panose="020B0504000000000000" pitchFamily="34" charset="0"/>
                 <a:ea typeface="Euclid Circular B" panose="020B0504000000000000" pitchFamily="34" charset="0"/>
               </a:rPr>
-              <a:t>edit a product </a:t>
+              <a:t>user or client </a:t>
             </a:r>
             <a:r>
               <a:rPr lang="en-US" dirty="0">
                 <a:latin typeface="Euclid Circular B" panose="020B0504000000000000" pitchFamily="34" charset="0"/>
                 <a:ea typeface="Euclid Circular B" panose="020B0504000000000000" pitchFamily="34" charset="0"/>
               </a:rPr>
-              <a:t>information?</a:t>
-            </a:r>
-          </a:p>
-          <a:p>
-            <a:pPr lvl="1"/>
+              <a:t>X do an </a:t>
+            </a:r>
+            <a:r>
+              <a:rPr lang="en-US" b="1" dirty="0">
+                <a:latin typeface="Euclid Circular B" panose="020B0504000000000000" pitchFamily="34" charset="0"/>
+                <a:ea typeface="Euclid Circular B" panose="020B0504000000000000" pitchFamily="34" charset="0"/>
+              </a:rPr>
+              <a:t>operation </a:t>
+            </a:r>
             <a:r>
               <a:rPr lang="en-US" dirty="0">
                 <a:latin typeface="Euclid Circular B" panose="020B0504000000000000" pitchFamily="34" charset="0"/>
                 <a:ea typeface="Euclid Circular B" panose="020B0504000000000000" pitchFamily="34" charset="0"/>
               </a:rPr>
-              <a:t>Do not allow if </a:t>
+              <a:t>Y on a </a:t>
             </a:r>
             <a:r>
               <a:rPr lang="en-US" b="1" dirty="0">
                 <a:latin typeface="Euclid Circular B" panose="020B0504000000000000" pitchFamily="34" charset="0"/>
                 <a:ea typeface="Euclid Circular B" panose="020B0504000000000000" pitchFamily="34" charset="0"/>
               </a:rPr>
-              <a:t>product is locked</a:t>
-            </a:r>
-          </a:p>
-          <a:p>
-            <a:pPr lvl="1"/>
+              <a:t>resource</a:t>
+            </a:r>
             <a:r>
               <a:rPr lang="en-US" dirty="0">
                 <a:latin typeface="Euclid Circular B" panose="020B0504000000000000" pitchFamily="34" charset="0"/>
                 <a:ea typeface="Euclid Circular B" panose="020B0504000000000000" pitchFamily="34" charset="0"/>
               </a:rPr>
-              <a:t>Allow if the product was </a:t>
+              <a:t> Z?</a:t>
+            </a:r>
+          </a:p>
+          <a:p>
+            <a:r>
+              <a:rPr lang="en-US" dirty="0">
+                <a:latin typeface="Euclid Circular B" panose="020B0504000000000000" pitchFamily="34" charset="0"/>
+                <a:ea typeface="Euclid Circular B" panose="020B0504000000000000" pitchFamily="34" charset="0"/>
+              </a:rPr>
+              <a:t>Can </a:t>
             </a:r>
             <a:r>
               <a:rPr lang="en-US" b="1" dirty="0">
                 <a:latin typeface="Euclid Circular B" panose="020B0504000000000000" pitchFamily="34" charset="0"/>
                 <a:ea typeface="Euclid Circular B" panose="020B0504000000000000" pitchFamily="34" charset="0"/>
               </a:rPr>
-              <a:t>created by the user</a:t>
-            </a:r>
-          </a:p>
-          <a:p>
-            <a:pPr lvl="1"/>
+              <a:t>current user</a:t>
+            </a:r>
             <a:r>
               <a:rPr lang="en-US" dirty="0">
                 <a:latin typeface="Euclid Circular B" panose="020B0504000000000000" pitchFamily="34" charset="0"/>
                 <a:ea typeface="Euclid Circular B" panose="020B0504000000000000" pitchFamily="34" charset="0"/>
               </a:rPr>
-              <a:t>Allow if the </a:t>
+              <a:t> (X) </a:t>
             </a:r>
             <a:r>
               <a:rPr lang="en-US" b="1" dirty="0">
                 <a:latin typeface="Euclid Circular B" panose="020B0504000000000000" pitchFamily="34" charset="0"/>
                 <a:ea typeface="Euclid Circular B" panose="020B0504000000000000" pitchFamily="34" charset="0"/>
               </a:rPr>
-              <a:t>user has permission </a:t>
+              <a:t>edit</a:t>
             </a:r>
             <a:r>
               <a:rPr lang="en-US" dirty="0">
                 <a:latin typeface="Euclid Circular B" panose="020B0504000000000000" pitchFamily="34" charset="0"/>
                 <a:ea typeface="Euclid Circular B" panose="020B0504000000000000" pitchFamily="34" charset="0"/>
               </a:rPr>
-              <a:t>to edit products</a:t>
-            </a:r>
-          </a:p>
-          <a:p>
-            <a:pPr lvl="1"/>
+              <a:t> (Y)</a:t>
+            </a:r>
+            <a:r>
+              <a:rPr lang="en-US" b="1" dirty="0">
+                <a:latin typeface="Euclid Circular B" panose="020B0504000000000000" pitchFamily="34" charset="0"/>
+                <a:ea typeface="Euclid Circular B" panose="020B0504000000000000" pitchFamily="34" charset="0"/>
+              </a:rPr>
+              <a:t> </a:t>
+            </a:r>
             <a:r>
               <a:rPr lang="en-US" dirty="0">
                 <a:latin typeface="Euclid Circular B" panose="020B0504000000000000" pitchFamily="34" charset="0"/>
                 <a:ea typeface="Euclid Circular B" panose="020B0504000000000000" pitchFamily="34" charset="0"/>
               </a:rPr>
-              <a:t>Allow if any of user’s </a:t>
+              <a:t>a </a:t>
             </a:r>
             <a:r>
               <a:rPr lang="en-US" b="1" dirty="0">
                 <a:latin typeface="Euclid Circular B" panose="020B0504000000000000" pitchFamily="34" charset="0"/>
                 <a:ea typeface="Euclid Circular B" panose="020B0504000000000000" pitchFamily="34" charset="0"/>
               </a:rPr>
-              <a:t>roles </a:t>
+              <a:t>product</a:t>
             </a:r>
             <a:r>
               <a:rPr lang="en-US" dirty="0">
                 <a:latin typeface="Euclid Circular B" panose="020B0504000000000000" pitchFamily="34" charset="0"/>
                 <a:ea typeface="Euclid Circular B" panose="020B0504000000000000" pitchFamily="34" charset="0"/>
               </a:rPr>
-              <a:t>has permission to edit products</a:t>
-            </a:r>
-          </a:p>
-          <a:p>
-            <a:pPr lvl="1"/>
+              <a:t> (Z)</a:t>
+            </a:r>
             <a:r>
               <a:rPr lang="en-US" b="1" dirty="0">
                 <a:latin typeface="Euclid Circular B" panose="020B0504000000000000" pitchFamily="34" charset="0"/>
                 <a:ea typeface="Euclid Circular B" panose="020B0504000000000000" pitchFamily="34" charset="0"/>
               </a:rPr>
-              <a:t>Only </a:t>
+              <a:t> </a:t>
             </a:r>
             <a:r>
               <a:rPr lang="en-US" dirty="0">
                 <a:latin typeface="Euclid Circular B" panose="020B0504000000000000" pitchFamily="34" charset="0"/>
                 <a:ea typeface="Euclid Circular B" panose="020B0504000000000000" pitchFamily="34" charset="0"/>
               </a:rPr>
-              <a:t>allow if user working in the </a:t>
+              <a:t>information?</a:t>
+            </a:r>
+          </a:p>
+          <a:p>
+            <a:pPr lvl="1"/>
+            <a:r>
+              <a:rPr lang="en-US" dirty="0">
+                <a:latin typeface="Euclid Circular B" panose="020B0504000000000000" pitchFamily="34" charset="0"/>
+                <a:ea typeface="Euclid Circular B" panose="020B0504000000000000" pitchFamily="34" charset="0"/>
+              </a:rPr>
+              <a:t>Do not allow if </a:t>
+            </a:r>
+            <a:r>
+              <a:rPr lang="en-US" b="1" dirty="0">
+                <a:latin typeface="Euclid Circular B" panose="020B0504000000000000" pitchFamily="34" charset="0"/>
+                <a:ea typeface="Euclid Circular B" panose="020B0504000000000000" pitchFamily="34" charset="0"/>
+              </a:rPr>
+              <a:t>product is locked</a:t>
+            </a:r>
+          </a:p>
+          <a:p>
+            <a:pPr lvl="1"/>
+            <a:r>
+              <a:rPr lang="en-US" dirty="0">
+                <a:latin typeface="Euclid Circular B" panose="020B0504000000000000" pitchFamily="34" charset="0"/>
+                <a:ea typeface="Euclid Circular B" panose="020B0504000000000000" pitchFamily="34" charset="0"/>
+              </a:rPr>
+              <a:t>Allow if the product was </a:t>
+            </a:r>
+            <a:r>
+              <a:rPr lang="en-US" b="1" dirty="0">
+                <a:latin typeface="Euclid Circular B" panose="020B0504000000000000" pitchFamily="34" charset="0"/>
+                <a:ea typeface="Euclid Circular B" panose="020B0504000000000000" pitchFamily="34" charset="0"/>
+              </a:rPr>
+              <a:t>created by the user</a:t>
+            </a:r>
+          </a:p>
+          <a:p>
+            <a:pPr lvl="1"/>
+            <a:r>
+              <a:rPr lang="en-US" dirty="0">
+                <a:latin typeface="Euclid Circular B" panose="020B0504000000000000" pitchFamily="34" charset="0"/>
+                <a:ea typeface="Euclid Circular B" panose="020B0504000000000000" pitchFamily="34" charset="0"/>
+              </a:rPr>
+              <a:t>Allow if the </a:t>
+            </a:r>
+            <a:r>
+              <a:rPr lang="en-US" b="1" dirty="0">
+                <a:latin typeface="Euclid Circular B" panose="020B0504000000000000" pitchFamily="34" charset="0"/>
+                <a:ea typeface="Euclid Circular B" panose="020B0504000000000000" pitchFamily="34" charset="0"/>
+              </a:rPr>
+              <a:t>user has permission </a:t>
+            </a:r>
+            <a:r>
+              <a:rPr lang="en-US" dirty="0">
+                <a:latin typeface="Euclid Circular B" panose="020B0504000000000000" pitchFamily="34" charset="0"/>
+                <a:ea typeface="Euclid Circular B" panose="020B0504000000000000" pitchFamily="34" charset="0"/>
+              </a:rPr>
+              <a:t>to edit products (permissions are managed by admin users)</a:t>
+            </a:r>
+          </a:p>
+          <a:p>
+            <a:pPr lvl="1"/>
+            <a:r>
+              <a:rPr lang="en-US" dirty="0">
+                <a:latin typeface="Euclid Circular B" panose="020B0504000000000000" pitchFamily="34" charset="0"/>
+                <a:ea typeface="Euclid Circular B" panose="020B0504000000000000" pitchFamily="34" charset="0"/>
+              </a:rPr>
+              <a:t>Allow if any of user’s </a:t>
+            </a:r>
+            <a:r>
+              <a:rPr lang="en-US" b="1" dirty="0">
+                <a:latin typeface="Euclid Circular B" panose="020B0504000000000000" pitchFamily="34" charset="0"/>
+                <a:ea typeface="Euclid Circular B" panose="020B0504000000000000" pitchFamily="34" charset="0"/>
+              </a:rPr>
+              <a:t>roles </a:t>
+            </a:r>
+            <a:r>
+              <a:rPr lang="en-US" dirty="0">
+                <a:latin typeface="Euclid Circular B" panose="020B0504000000000000" pitchFamily="34" charset="0"/>
+                <a:ea typeface="Euclid Circular B" panose="020B0504000000000000" pitchFamily="34" charset="0"/>
+              </a:rPr>
+              <a:t>has permission to edit products</a:t>
+            </a:r>
+          </a:p>
+          <a:p>
+            <a:pPr lvl="1"/>
+            <a:r>
+              <a:rPr lang="en-US" b="1" dirty="0">
+                <a:latin typeface="Euclid Circular B" panose="020B0504000000000000" pitchFamily="34" charset="0"/>
+                <a:ea typeface="Euclid Circular B" panose="020B0504000000000000" pitchFamily="34" charset="0"/>
+              </a:rPr>
+              <a:t>Only </a:t>
+            </a:r>
+            <a:r>
+              <a:rPr lang="en-US" dirty="0">
+                <a:latin typeface="Euclid Circular B" panose="020B0504000000000000" pitchFamily="34" charset="0"/>
+                <a:ea typeface="Euclid Circular B" panose="020B0504000000000000" pitchFamily="34" charset="0"/>
+              </a:rPr>
+              <a:t>allow if the user is working in the </a:t>
             </a:r>
             <a:r>
               <a:rPr lang="en-US" b="1" dirty="0">
@@ -10184,7 +10503,384 @@
 </p:sld>
 </file>
 
-<file path=ppt/slides/slide7.xml><?xml version="1.0" encoding="utf-8"?>
+<file path=ppt/slides/slide8.xml><?xml version="1.0" encoding="utf-8"?>
+<p:sld xmlns:a="http://schemas.openxmlformats.org/drawingml/2006/main" xmlns:r="http://schemas.openxmlformats.org/officeDocument/2006/relationships" xmlns:p="http://schemas.openxmlformats.org/presentationml/2006/main">
+  <p:cSld>
+    <p:bg>
+      <p:bgPr>
+        <a:blipFill dpi="0" rotWithShape="1">
+          <a:blip r:embed="rId2">
+            <a:lum/>
+          </a:blip>
+          <a:srcRect/>
+          <a:stretch>
+            <a:fillRect/>
+          </a:stretch>
+        </a:blipFill>
+        <a:effectLst/>
+      </p:bgPr>
+    </p:bg>
+    <p:spTree>
+      <p:nvGrpSpPr>
+        <p:cNvPr id="1" name=""/>
+        <p:cNvGrpSpPr/>
+        <p:nvPr/>
+      </p:nvGrpSpPr>
+      <p:grpSpPr>
+        <a:xfrm>
+          <a:off x="0" y="0"/>
+          <a:ext cx="0" cy="0"/>
+          <a:chOff x="0" y="0"/>
+          <a:chExt cx="0" cy="0"/>
+        </a:xfrm>
+      </p:grpSpPr>
+      <p:sp>
+        <p:nvSpPr>
+          <p:cNvPr id="2" name="Title 1">
+            <a:extLst>
+              <a:ext uri="{FF2B5EF4-FFF2-40B4-BE49-F238E27FC236}">
+                <a16:creationId xmlns:a16="http://schemas.microsoft.com/office/drawing/2014/main" id="{55E11F08-6CA0-48F1-AD67-97430DDA07F0}"/>
+              </a:ext>
+            </a:extLst>
+          </p:cNvPr>
+          <p:cNvSpPr>
+            <a:spLocks noGrp="1"/>
+          </p:cNvSpPr>
+          <p:nvPr>
+            <p:ph type="title"/>
+          </p:nvPr>
+        </p:nvSpPr>
+        <p:spPr/>
+        <p:txBody>
+          <a:bodyPr/>
+          <a:lstStyle/>
+          <a:p>
+            <a:r>
+              <a:rPr lang="en-US" b="1" dirty="0">
+                <a:solidFill>
+                  <a:srgbClr val="292D33"/>
+                </a:solidFill>
+                <a:latin typeface="Euclid Circular B" panose="020B0504000000000000" pitchFamily="34" charset="0"/>
+                <a:ea typeface="Euclid Circular B" panose="020B0504000000000000" pitchFamily="34" charset="0"/>
+              </a:rPr>
+              <a:t>Authorization</a:t>
+            </a:r>
+            <a:br>
+              <a:rPr lang="en-US" b="1" dirty="0">
+                <a:solidFill>
+                  <a:srgbClr val="292D33"/>
+                </a:solidFill>
+                <a:latin typeface="Euclid Circular B" panose="020B0504000000000000" pitchFamily="34" charset="0"/>
+                <a:ea typeface="Euclid Circular B" panose="020B0504000000000000" pitchFamily="34" charset="0"/>
+              </a:rPr>
+            </a:br>
+            <a:r>
+              <a:rPr lang="en-US" sz="2800" b="1" dirty="0">
+                <a:solidFill>
+                  <a:srgbClr val="292D33"/>
+                </a:solidFill>
+                <a:latin typeface="Euclid Circular B" panose="020B0504000000000000" pitchFamily="34" charset="0"/>
+                <a:ea typeface="Euclid Circular B" panose="020B0504000000000000" pitchFamily="34" charset="0"/>
+              </a:rPr>
+              <a:t>Questions?</a:t>
+            </a:r>
+          </a:p>
+        </p:txBody>
+      </p:sp>
+      <p:sp>
+        <p:nvSpPr>
+          <p:cNvPr id="3" name="Content Placeholder 2">
+            <a:extLst>
+              <a:ext uri="{FF2B5EF4-FFF2-40B4-BE49-F238E27FC236}">
+                <a16:creationId xmlns:a16="http://schemas.microsoft.com/office/drawing/2014/main" id="{891C7693-D3DF-4635-96F4-97F3B4136FDF}"/>
+              </a:ext>
+            </a:extLst>
+          </p:cNvPr>
+          <p:cNvSpPr>
+            <a:spLocks noGrp="1"/>
+          </p:cNvSpPr>
+          <p:nvPr>
+            <p:ph idx="1"/>
+          </p:nvPr>
+        </p:nvSpPr>
+        <p:spPr/>
+        <p:txBody>
+          <a:bodyPr>
+            <a:normAutofit fontScale="85000" lnSpcReduction="20000"/>
+          </a:bodyPr>
+          <a:lstStyle/>
+          <a:p>
+            <a:r>
+              <a:rPr lang="en-US" b="1" dirty="0">
+                <a:latin typeface="Euclid Circular B" panose="020B0504000000000000" pitchFamily="34" charset="0"/>
+                <a:ea typeface="Euclid Circular B" panose="020B0504000000000000" pitchFamily="34" charset="0"/>
+              </a:rPr>
+              <a:t>Where </a:t>
+            </a:r>
+            <a:r>
+              <a:rPr lang="en-US" dirty="0">
+                <a:latin typeface="Euclid Circular B" panose="020B0504000000000000" pitchFamily="34" charset="0"/>
+                <a:ea typeface="Euclid Circular B" panose="020B0504000000000000" pitchFamily="34" charset="0"/>
+              </a:rPr>
+              <a:t>to force authorization?</a:t>
+            </a:r>
+            <a:br>
+              <a:rPr lang="en-US" dirty="0">
+                <a:latin typeface="Euclid Circular B" panose="020B0504000000000000" pitchFamily="34" charset="0"/>
+                <a:ea typeface="Euclid Circular B" panose="020B0504000000000000" pitchFamily="34" charset="0"/>
+              </a:rPr>
+            </a:br>
+            <a:r>
+              <a:rPr lang="en-US" b="1" i="1" dirty="0">
+                <a:latin typeface="Euclid Circular B" panose="020B0504000000000000" pitchFamily="34" charset="0"/>
+                <a:ea typeface="Euclid Circular B" panose="020B0504000000000000" pitchFamily="34" charset="0"/>
+              </a:rPr>
+              <a:t>PEP</a:t>
+            </a:r>
+            <a:r>
+              <a:rPr lang="en-US" i="1" dirty="0">
+                <a:latin typeface="Euclid Circular B" panose="020B0504000000000000" pitchFamily="34" charset="0"/>
+                <a:ea typeface="Euclid Circular B" panose="020B0504000000000000" pitchFamily="34" charset="0"/>
+              </a:rPr>
+              <a:t>: Policy Enforcement Point</a:t>
+            </a:r>
+          </a:p>
+          <a:p>
+            <a:pPr lvl="1"/>
+            <a:r>
+              <a:rPr lang="en-US" dirty="0">
+                <a:latin typeface="Euclid Circular B" panose="020B0504000000000000" pitchFamily="34" charset="0"/>
+                <a:ea typeface="Euclid Circular B" panose="020B0504000000000000" pitchFamily="34" charset="0"/>
+              </a:rPr>
+              <a:t>In the API Gateway? In the current service?</a:t>
+            </a:r>
+            <a:br>
+              <a:rPr lang="en-US" i="1" dirty="0">
+                <a:latin typeface="Euclid Circular B" panose="020B0504000000000000" pitchFamily="34" charset="0"/>
+                <a:ea typeface="Euclid Circular B" panose="020B0504000000000000" pitchFamily="34" charset="0"/>
+              </a:rPr>
+            </a:br>
+            <a:endParaRPr lang="en-US" i="1" dirty="0">
+              <a:latin typeface="Euclid Circular B" panose="020B0504000000000000" pitchFamily="34" charset="0"/>
+              <a:ea typeface="Euclid Circular B" panose="020B0504000000000000" pitchFamily="34" charset="0"/>
+            </a:endParaRPr>
+          </a:p>
+          <a:p>
+            <a:r>
+              <a:rPr lang="en-US" b="1" dirty="0">
+                <a:latin typeface="Euclid Circular B" panose="020B0504000000000000" pitchFamily="34" charset="0"/>
+                <a:ea typeface="Euclid Circular B" panose="020B0504000000000000" pitchFamily="34" charset="0"/>
+              </a:rPr>
+              <a:t>Where </a:t>
+            </a:r>
+            <a:r>
+              <a:rPr lang="en-US" dirty="0">
+                <a:latin typeface="Euclid Circular B" panose="020B0504000000000000" pitchFamily="34" charset="0"/>
+                <a:ea typeface="Euclid Circular B" panose="020B0504000000000000" pitchFamily="34" charset="0"/>
+              </a:rPr>
+              <a:t>to perform the authorization logic?</a:t>
+            </a:r>
+            <a:br>
+              <a:rPr lang="en-US" dirty="0">
+                <a:latin typeface="Euclid Circular B" panose="020B0504000000000000" pitchFamily="34" charset="0"/>
+                <a:ea typeface="Euclid Circular B" panose="020B0504000000000000" pitchFamily="34" charset="0"/>
+              </a:rPr>
+            </a:br>
+            <a:r>
+              <a:rPr lang="en-US" b="1" i="1" dirty="0">
+                <a:latin typeface="Euclid Circular B" panose="020B0504000000000000" pitchFamily="34" charset="0"/>
+                <a:ea typeface="Euclid Circular B" panose="020B0504000000000000" pitchFamily="34" charset="0"/>
+              </a:rPr>
+              <a:t>PDP</a:t>
+            </a:r>
+            <a:r>
+              <a:rPr lang="en-US" i="1" dirty="0">
+                <a:latin typeface="Euclid Circular B" panose="020B0504000000000000" pitchFamily="34" charset="0"/>
+                <a:ea typeface="Euclid Circular B" panose="020B0504000000000000" pitchFamily="34" charset="0"/>
+              </a:rPr>
+              <a:t>: Policy Decision Point</a:t>
+            </a:r>
+          </a:p>
+          <a:p>
+            <a:pPr lvl="1"/>
+            <a:r>
+              <a:rPr lang="en-US" dirty="0">
+                <a:latin typeface="Euclid Circular B" panose="020B0504000000000000" pitchFamily="34" charset="0"/>
+                <a:ea typeface="Euclid Circular B" panose="020B0504000000000000" pitchFamily="34" charset="0"/>
+              </a:rPr>
+              <a:t>In the current process? In a dedicated service?</a:t>
+            </a:r>
+            <a:br>
+              <a:rPr lang="en-US" dirty="0">
+                <a:latin typeface="Euclid Circular B" panose="020B0504000000000000" pitchFamily="34" charset="0"/>
+                <a:ea typeface="Euclid Circular B" panose="020B0504000000000000" pitchFamily="34" charset="0"/>
+              </a:rPr>
+            </a:br>
+            <a:endParaRPr lang="en-US" dirty="0">
+              <a:latin typeface="Euclid Circular B" panose="020B0504000000000000" pitchFamily="34" charset="0"/>
+              <a:ea typeface="Euclid Circular B" panose="020B0504000000000000" pitchFamily="34" charset="0"/>
+            </a:endParaRPr>
+          </a:p>
+          <a:p>
+            <a:r>
+              <a:rPr lang="en-US" b="1" dirty="0">
+                <a:latin typeface="Euclid Circular B" panose="020B0504000000000000" pitchFamily="34" charset="0"/>
+                <a:ea typeface="Euclid Circular B" panose="020B0504000000000000" pitchFamily="34" charset="0"/>
+              </a:rPr>
+              <a:t>Where </a:t>
+            </a:r>
+            <a:r>
+              <a:rPr lang="en-US" dirty="0">
+                <a:latin typeface="Euclid Circular B" panose="020B0504000000000000" pitchFamily="34" charset="0"/>
+                <a:ea typeface="Euclid Circular B" panose="020B0504000000000000" pitchFamily="34" charset="0"/>
+              </a:rPr>
+              <a:t>and </a:t>
+            </a:r>
+            <a:r>
+              <a:rPr lang="en-US" b="1" dirty="0">
+                <a:latin typeface="Euclid Circular B" panose="020B0504000000000000" pitchFamily="34" charset="0"/>
+                <a:ea typeface="Euclid Circular B" panose="020B0504000000000000" pitchFamily="34" charset="0"/>
+              </a:rPr>
+              <a:t>how </a:t>
+            </a:r>
+            <a:r>
+              <a:rPr lang="en-US" dirty="0">
+                <a:latin typeface="Euclid Circular B" panose="020B0504000000000000" pitchFamily="34" charset="0"/>
+                <a:ea typeface="Euclid Circular B" panose="020B0504000000000000" pitchFamily="34" charset="0"/>
+              </a:rPr>
+              <a:t>to </a:t>
+            </a:r>
+            <a:r>
+              <a:rPr lang="en-US" b="1" dirty="0">
+                <a:latin typeface="Euclid Circular B" panose="020B0504000000000000" pitchFamily="34" charset="0"/>
+                <a:ea typeface="Euclid Circular B" panose="020B0504000000000000" pitchFamily="34" charset="0"/>
+              </a:rPr>
+              <a:t>obtain the data </a:t>
+            </a:r>
+            <a:r>
+              <a:rPr lang="en-US" dirty="0">
+                <a:latin typeface="Euclid Circular B" panose="020B0504000000000000" pitchFamily="34" charset="0"/>
+                <a:ea typeface="Euclid Circular B" panose="020B0504000000000000" pitchFamily="34" charset="0"/>
+              </a:rPr>
+              <a:t>to perform the authorization logic?</a:t>
+            </a:r>
+            <a:br>
+              <a:rPr lang="en-US" dirty="0">
+                <a:latin typeface="Euclid Circular B" panose="020B0504000000000000" pitchFamily="34" charset="0"/>
+                <a:ea typeface="Euclid Circular B" panose="020B0504000000000000" pitchFamily="34" charset="0"/>
+              </a:rPr>
+            </a:br>
+            <a:r>
+              <a:rPr lang="en-US" b="1" i="1" dirty="0">
+                <a:latin typeface="Euclid Circular B" panose="020B0504000000000000" pitchFamily="34" charset="0"/>
+                <a:ea typeface="Euclid Circular B" panose="020B0504000000000000" pitchFamily="34" charset="0"/>
+              </a:rPr>
+              <a:t>PIP</a:t>
+            </a:r>
+            <a:r>
+              <a:rPr lang="en-US" i="1" dirty="0">
+                <a:latin typeface="Euclid Circular B" panose="020B0504000000000000" pitchFamily="34" charset="0"/>
+                <a:ea typeface="Euclid Circular B" panose="020B0504000000000000" pitchFamily="34" charset="0"/>
+              </a:rPr>
+              <a:t>: Policy Information Point</a:t>
+            </a:r>
+          </a:p>
+          <a:p>
+            <a:pPr lvl="1"/>
+            <a:r>
+              <a:rPr lang="en-US" dirty="0">
+                <a:latin typeface="Euclid Circular B" panose="020B0504000000000000" pitchFamily="34" charset="0"/>
+                <a:ea typeface="Euclid Circular B" panose="020B0504000000000000" pitchFamily="34" charset="0"/>
+              </a:rPr>
+              <a:t>Direct database access? Collect on-demand? Pre-duplicate?</a:t>
+            </a:r>
+            <a:br>
+              <a:rPr lang="en-US" dirty="0">
+                <a:latin typeface="Euclid Circular B" panose="020B0504000000000000" pitchFamily="34" charset="0"/>
+                <a:ea typeface="Euclid Circular B" panose="020B0504000000000000" pitchFamily="34" charset="0"/>
+              </a:rPr>
+            </a:br>
+            <a:endParaRPr lang="en-US" dirty="0">
+              <a:latin typeface="Euclid Circular B" panose="020B0504000000000000" pitchFamily="34" charset="0"/>
+              <a:ea typeface="Euclid Circular B" panose="020B0504000000000000" pitchFamily="34" charset="0"/>
+            </a:endParaRPr>
+          </a:p>
+          <a:p>
+            <a:r>
+              <a:rPr lang="en-US" b="1" dirty="0">
+                <a:latin typeface="Euclid Circular B" panose="020B0504000000000000" pitchFamily="34" charset="0"/>
+                <a:ea typeface="Euclid Circular B" panose="020B0504000000000000" pitchFamily="34" charset="0"/>
+              </a:rPr>
+              <a:t>Where </a:t>
+            </a:r>
+            <a:r>
+              <a:rPr lang="en-US" dirty="0">
+                <a:latin typeface="Euclid Circular B" panose="020B0504000000000000" pitchFamily="34" charset="0"/>
+                <a:ea typeface="Euclid Circular B" panose="020B0504000000000000" pitchFamily="34" charset="0"/>
+              </a:rPr>
+              <a:t>and </a:t>
+            </a:r>
+            <a:r>
+              <a:rPr lang="en-US" b="1" dirty="0">
+                <a:latin typeface="Euclid Circular B" panose="020B0504000000000000" pitchFamily="34" charset="0"/>
+                <a:ea typeface="Euclid Circular B" panose="020B0504000000000000" pitchFamily="34" charset="0"/>
+              </a:rPr>
+              <a:t>how </a:t>
+            </a:r>
+            <a:r>
+              <a:rPr lang="en-US" dirty="0">
+                <a:latin typeface="Euclid Circular B" panose="020B0504000000000000" pitchFamily="34" charset="0"/>
+                <a:ea typeface="Euclid Circular B" panose="020B0504000000000000" pitchFamily="34" charset="0"/>
+              </a:rPr>
+              <a:t>to manage policies and permissions?</a:t>
+            </a:r>
+            <a:br>
+              <a:rPr lang="en-US" dirty="0">
+                <a:latin typeface="Euclid Circular B" panose="020B0504000000000000" pitchFamily="34" charset="0"/>
+                <a:ea typeface="Euclid Circular B" panose="020B0504000000000000" pitchFamily="34" charset="0"/>
+              </a:rPr>
+            </a:br>
+            <a:r>
+              <a:rPr lang="en-US" b="1" i="1" dirty="0">
+                <a:latin typeface="Euclid Circular B" panose="020B0504000000000000" pitchFamily="34" charset="0"/>
+                <a:ea typeface="Euclid Circular B" panose="020B0504000000000000" pitchFamily="34" charset="0"/>
+              </a:rPr>
+              <a:t>PAP</a:t>
+            </a:r>
+            <a:r>
+              <a:rPr lang="en-US" i="1" dirty="0">
+                <a:latin typeface="Euclid Circular B" panose="020B0504000000000000" pitchFamily="34" charset="0"/>
+                <a:ea typeface="Euclid Circular B" panose="020B0504000000000000" pitchFamily="34" charset="0"/>
+              </a:rPr>
+              <a:t>: Policy Administration Point</a:t>
+            </a:r>
+          </a:p>
+          <a:p>
+            <a:pPr lvl="1"/>
+            <a:r>
+              <a:rPr lang="en-US" dirty="0">
+                <a:latin typeface="Euclid Circular B" panose="020B0504000000000000" pitchFamily="34" charset="0"/>
+                <a:ea typeface="Euclid Circular B" panose="020B0504000000000000" pitchFamily="34" charset="0"/>
+              </a:rPr>
+              <a:t>Typically, on a user interface</a:t>
+            </a:r>
+          </a:p>
+        </p:txBody>
+      </p:sp>
+    </p:spTree>
+    <p:extLst>
+      <p:ext uri="{BB962C8B-B14F-4D97-AF65-F5344CB8AC3E}">
+        <p14:creationId xmlns:p14="http://schemas.microsoft.com/office/powerpoint/2010/main" val="1041851902"/>
+      </p:ext>
+    </p:extLst>
+  </p:cSld>
+  <p:clrMapOvr>
+    <a:masterClrMapping/>
+  </p:clrMapOvr>
+</p:sld>
+</file>
+
+<file path=ppt/slides/slide9.xml><?xml version="1.0" encoding="utf-8"?>
 <p:sld xmlns:a="http://schemas.openxmlformats.org/drawingml/2006/main" xmlns:r="http://schemas.openxmlformats.org/officeDocument/2006/relationships" xmlns:p="http://schemas.openxmlformats.org/presentationml/2006/main">
   <p:cSld>
     <p:bg>
@@ -11159,251 +11855,6 @@
 </p:sld>
 </file>
 
-<file path=ppt/slides/slide8.xml><?xml version="1.0" encoding="utf-8"?>
-<p:sld xmlns:a="http://schemas.openxmlformats.org/drawingml/2006/main" xmlns:r="http://schemas.openxmlformats.org/officeDocument/2006/relationships" xmlns:p="http://schemas.openxmlformats.org/presentationml/2006/main">
-  <p:cSld>
-    <p:bg>
-      <p:bgPr>
-        <a:blipFill dpi="0" rotWithShape="1">
-          <a:blip r:embed="rId2">
-            <a:lum/>
-          </a:blip>
-          <a:srcRect/>
-          <a:stretch>
-            <a:fillRect/>
-          </a:stretch>
-        </a:blipFill>
-        <a:effectLst/>
-      </p:bgPr>
-    </p:bg>
-    <p:spTree>
-      <p:nvGrpSpPr>
-        <p:cNvPr id="1" name=""/>
-        <p:cNvGrpSpPr/>
-        <p:nvPr/>
-      </p:nvGrpSpPr>
-      <p:grpSpPr>
-        <a:xfrm>
-          <a:off x="0" y="0"/>
-          <a:ext cx="0" cy="0"/>
-          <a:chOff x="0" y="0"/>
-          <a:chExt cx="0" cy="0"/>
-        </a:xfrm>
-      </p:grpSpPr>
-      <p:sp>
-        <p:nvSpPr>
-          <p:cNvPr id="7" name="TextBox 6">
-            <a:extLst>
-              <a:ext uri="{FF2B5EF4-FFF2-40B4-BE49-F238E27FC236}">
-                <a16:creationId xmlns:a16="http://schemas.microsoft.com/office/drawing/2014/main" id="{5677B458-ABFA-5D96-E109-6A527F54D9A2}"/>
-              </a:ext>
-            </a:extLst>
-          </p:cNvPr>
-          <p:cNvSpPr txBox="1"/>
-          <p:nvPr/>
-        </p:nvSpPr>
-        <p:spPr>
-          <a:xfrm>
-            <a:off x="1291472" y="6481738"/>
-            <a:ext cx="10369484" cy="338554"/>
-          </a:xfrm>
-          <a:prstGeom prst="rect">
-            <a:avLst/>
-          </a:prstGeom>
-          <a:noFill/>
-        </p:spPr>
-        <p:txBody>
-          <a:bodyPr wrap="square">
-            <a:spAutoFit/>
-          </a:bodyPr>
-          <a:lstStyle/>
-          <a:p>
-            <a:r>
-              <a:rPr lang="en-US" sz="1600" dirty="0"/>
-              <a:t>Image source: </a:t>
-            </a:r>
-            <a:r>
-              <a:rPr lang="en-US" sz="1600" dirty="0">
-                <a:hlinkClick r:id="rId3"/>
-              </a:rPr>
-              <a:t>https://www.alexanderlolis.com/authorization-in-a-microservices-world#authorization-flow-overview</a:t>
-            </a:r>
-            <a:r>
-              <a:rPr lang="en-US" sz="1600" dirty="0"/>
-              <a:t> </a:t>
-            </a:r>
-          </a:p>
-        </p:txBody>
-      </p:sp>
-      <p:pic>
-        <p:nvPicPr>
-          <p:cNvPr id="1028" name="Picture 4" descr="Authorization Overview">
-            <a:extLst>
-              <a:ext uri="{FF2B5EF4-FFF2-40B4-BE49-F238E27FC236}">
-                <a16:creationId xmlns:a16="http://schemas.microsoft.com/office/drawing/2014/main" id="{EBFA4825-32EE-C395-62FF-88BD295FE867}"/>
-              </a:ext>
-            </a:extLst>
-          </p:cNvPr>
-          <p:cNvPicPr>
-            <a:picLocks noChangeAspect="1" noChangeArrowheads="1"/>
-          </p:cNvPicPr>
-          <p:nvPr/>
-        </p:nvPicPr>
-        <p:blipFill>
-          <a:blip r:embed="rId4">
-            <a:extLst>
-              <a:ext uri="{28A0092B-C50C-407E-A947-70E740481C1C}">
-                <a14:useLocalDpi xmlns:a14="http://schemas.microsoft.com/office/drawing/2010/main" val="0"/>
-              </a:ext>
-            </a:extLst>
-          </a:blip>
-          <a:srcRect/>
-          <a:stretch>
-            <a:fillRect/>
-          </a:stretch>
-        </p:blipFill>
-        <p:spPr bwMode="auto">
-          <a:xfrm>
-            <a:off x="1943100" y="47135"/>
-            <a:ext cx="8305800" cy="6400800"/>
-          </a:xfrm>
-          <a:prstGeom prst="rect">
-            <a:avLst/>
-          </a:prstGeom>
-          <a:noFill/>
-          <a:extLst>
-            <a:ext uri="{909E8E84-426E-40DD-AFC4-6F175D3DCCD1}">
-              <a14:hiddenFill xmlns:a14="http://schemas.microsoft.com/office/drawing/2010/main">
-                <a:solidFill>
-                  <a:srgbClr val="FFFFFF"/>
-                </a:solidFill>
-              </a14:hiddenFill>
-            </a:ext>
-          </a:extLst>
-        </p:spPr>
-      </p:pic>
-    </p:spTree>
-    <p:extLst>
-      <p:ext uri="{BB962C8B-B14F-4D97-AF65-F5344CB8AC3E}">
-        <p14:creationId xmlns:p14="http://schemas.microsoft.com/office/powerpoint/2010/main" val="3843666090"/>
-      </p:ext>
-    </p:extLst>
-  </p:cSld>
-  <p:clrMapOvr>
-    <a:masterClrMapping/>
-  </p:clrMapOvr>
-</p:sld>
-</file>
-
-<file path=ppt/slides/slide9.xml><?xml version="1.0" encoding="utf-8"?>
-<p:sld xmlns:a="http://schemas.openxmlformats.org/drawingml/2006/main" xmlns:r="http://schemas.openxmlformats.org/officeDocument/2006/relationships" xmlns:p="http://schemas.openxmlformats.org/presentationml/2006/main">
-  <p:cSld>
-    <p:bg>
-      <p:bgPr>
-        <a:blipFill dpi="0" rotWithShape="1">
-          <a:blip r:embed="rId2">
-            <a:lum/>
-          </a:blip>
-          <a:srcRect/>
-          <a:stretch>
-            <a:fillRect/>
-          </a:stretch>
-        </a:blipFill>
-        <a:effectLst/>
-      </p:bgPr>
-    </p:bg>
-    <p:spTree>
-      <p:nvGrpSpPr>
-        <p:cNvPr id="1" name=""/>
-        <p:cNvGrpSpPr/>
-        <p:nvPr/>
-      </p:nvGrpSpPr>
-      <p:grpSpPr>
-        <a:xfrm>
-          <a:off x="0" y="0"/>
-          <a:ext cx="0" cy="0"/>
-          <a:chOff x="0" y="0"/>
-          <a:chExt cx="0" cy="0"/>
-        </a:xfrm>
-      </p:grpSpPr>
-      <p:sp>
-        <p:nvSpPr>
-          <p:cNvPr id="2" name="Title 1">
-            <a:extLst>
-              <a:ext uri="{FF2B5EF4-FFF2-40B4-BE49-F238E27FC236}">
-                <a16:creationId xmlns:a16="http://schemas.microsoft.com/office/drawing/2014/main" id="{55E11F08-6CA0-48F1-AD67-97430DDA07F0}"/>
-              </a:ext>
-            </a:extLst>
-          </p:cNvPr>
-          <p:cNvSpPr>
-            <a:spLocks noGrp="1"/>
-          </p:cNvSpPr>
-          <p:nvPr>
-            <p:ph type="title"/>
-          </p:nvPr>
-        </p:nvSpPr>
-        <p:spPr/>
-        <p:txBody>
-          <a:bodyPr/>
-          <a:lstStyle/>
-          <a:p>
-            <a:r>
-              <a:rPr lang="en-US" b="1" dirty="0">
-                <a:solidFill>
-                  <a:srgbClr val="292D33"/>
-                </a:solidFill>
-                <a:latin typeface="Euclid Circular B" panose="020B0504000000000000" pitchFamily="34" charset="0"/>
-                <a:ea typeface="Euclid Circular B" panose="020B0504000000000000" pitchFamily="34" charset="0"/>
-              </a:rPr>
-              <a:t>Topic title</a:t>
-            </a:r>
-          </a:p>
-        </p:txBody>
-      </p:sp>
-      <p:sp>
-        <p:nvSpPr>
-          <p:cNvPr id="3" name="Content Placeholder 2">
-            <a:extLst>
-              <a:ext uri="{FF2B5EF4-FFF2-40B4-BE49-F238E27FC236}">
-                <a16:creationId xmlns:a16="http://schemas.microsoft.com/office/drawing/2014/main" id="{891C7693-D3DF-4635-96F4-97F3B4136FDF}"/>
-              </a:ext>
-            </a:extLst>
-          </p:cNvPr>
-          <p:cNvSpPr>
-            <a:spLocks noGrp="1"/>
-          </p:cNvSpPr>
-          <p:nvPr>
-            <p:ph idx="1"/>
-          </p:nvPr>
-        </p:nvSpPr>
-        <p:spPr/>
-        <p:txBody>
-          <a:bodyPr/>
-          <a:lstStyle/>
-          <a:p>
-            <a:r>
-              <a:rPr lang="en-US" dirty="0">
-                <a:latin typeface="Euclid Circular B" panose="020B0504000000000000" pitchFamily="34" charset="0"/>
-                <a:ea typeface="Euclid Circular B" panose="020B0504000000000000" pitchFamily="34" charset="0"/>
-              </a:rPr>
-              <a:t>Content</a:t>
-            </a:r>
-          </a:p>
-        </p:txBody>
-      </p:sp>
-    </p:spTree>
-    <p:extLst>
-      <p:ext uri="{BB962C8B-B14F-4D97-AF65-F5344CB8AC3E}">
-        <p14:creationId xmlns:p14="http://schemas.microsoft.com/office/powerpoint/2010/main" val="2135019387"/>
-      </p:ext>
-    </p:extLst>
-  </p:cSld>
-  <p:clrMapOvr>
-    <a:masterClrMapping/>
-  </p:clrMapOvr>
-</p:sld>
-</file>
-
 <file path=ppt/theme/theme1.xml><?xml version="1.0" encoding="utf-8"?>
 <a:theme xmlns:a="http://schemas.openxmlformats.org/drawingml/2006/main" name="Office Theme">
   <a:themeElements>

--- a/2022-10-15 Authorization-In-Distributed-Systems/Authorization-In-Distributed-Systems.pptx
+++ b/2022-10-15 Authorization-In-Distributed-Systems/Authorization-In-Distributed-Systems.pptx
@@ -6635,35 +6635,807 @@
       </p:sp>
       <p:sp>
         <p:nvSpPr>
-          <p:cNvPr id="3" name="Content Placeholder 2">
-            <a:extLst>
-              <a:ext uri="{FF2B5EF4-FFF2-40B4-BE49-F238E27FC236}">
-                <a16:creationId xmlns:a16="http://schemas.microsoft.com/office/drawing/2014/main" id="{891C7693-D3DF-4635-96F4-97F3B4136FDF}"/>
-              </a:ext>
-            </a:extLst>
-          </p:cNvPr>
-          <p:cNvSpPr>
-            <a:spLocks noGrp="1"/>
-          </p:cNvSpPr>
-          <p:nvPr>
-            <p:ph idx="1"/>
-          </p:nvPr>
+          <p:cNvPr id="6" name="Rectangle 5">
+            <a:extLst>
+              <a:ext uri="{FF2B5EF4-FFF2-40B4-BE49-F238E27FC236}">
+                <a16:creationId xmlns:a16="http://schemas.microsoft.com/office/drawing/2014/main" id="{28D5B0C7-01CF-3252-5F00-731D97EA8873}"/>
+              </a:ext>
+            </a:extLst>
+          </p:cNvPr>
+          <p:cNvSpPr/>
+          <p:nvPr/>
         </p:nvSpPr>
-        <p:spPr/>
+        <p:spPr>
+          <a:xfrm>
+            <a:off x="5614603" y="1788804"/>
+            <a:ext cx="3501118" cy="933242"/>
+          </a:xfrm>
+          <a:prstGeom prst="rect">
+            <a:avLst/>
+          </a:prstGeom>
+        </p:spPr>
+        <p:style>
+          <a:lnRef idx="2">
+            <a:schemeClr val="accent5">
+              <a:shade val="50000"/>
+            </a:schemeClr>
+          </a:lnRef>
+          <a:fillRef idx="1">
+            <a:schemeClr val="accent5"/>
+          </a:fillRef>
+          <a:effectRef idx="0">
+            <a:schemeClr val="accent5"/>
+          </a:effectRef>
+          <a:fontRef idx="minor">
+            <a:schemeClr val="lt1"/>
+          </a:fontRef>
+        </p:style>
         <p:txBody>
-          <a:bodyPr/>
+          <a:bodyPr rtlCol="0" anchor="ctr"/>
           <a:lstStyle/>
           <a:p>
             <a:r>
-              <a:rPr lang="en-US" dirty="0">
-                <a:latin typeface="Euclid Circular B" panose="020B0504000000000000" pitchFamily="34" charset="0"/>
-                <a:ea typeface="Euclid Circular B" panose="020B0504000000000000" pitchFamily="34" charset="0"/>
-              </a:rPr>
-              <a:t>Content</a:t>
+              <a:rPr lang="en-US" dirty="0"/>
+              <a:t>Microservice 1</a:t>
+            </a:r>
+            <a:br>
+              <a:rPr lang="en-US" dirty="0"/>
+            </a:br>
+            <a:endParaRPr lang="en-US" dirty="0"/>
+          </a:p>
+          <a:p>
+            <a:r>
+              <a:rPr lang="en-US" sz="1600" dirty="0">
+                <a:solidFill>
+                  <a:srgbClr val="FFFF00"/>
+                </a:solidFill>
+              </a:rPr>
+              <a:t>Permission A, B</a:t>
             </a:r>
           </a:p>
         </p:txBody>
       </p:sp>
+      <p:sp>
+        <p:nvSpPr>
+          <p:cNvPr id="7" name="Rectangle 6">
+            <a:extLst>
+              <a:ext uri="{FF2B5EF4-FFF2-40B4-BE49-F238E27FC236}">
+                <a16:creationId xmlns:a16="http://schemas.microsoft.com/office/drawing/2014/main" id="{D2AF7747-5344-3F34-486C-7D8723F5C77B}"/>
+              </a:ext>
+            </a:extLst>
+          </p:cNvPr>
+          <p:cNvSpPr/>
+          <p:nvPr/>
+        </p:nvSpPr>
+        <p:spPr>
+          <a:xfrm>
+            <a:off x="5614602" y="3060495"/>
+            <a:ext cx="3501118" cy="933242"/>
+          </a:xfrm>
+          <a:prstGeom prst="rect">
+            <a:avLst/>
+          </a:prstGeom>
+        </p:spPr>
+        <p:style>
+          <a:lnRef idx="2">
+            <a:schemeClr val="accent5">
+              <a:shade val="50000"/>
+            </a:schemeClr>
+          </a:lnRef>
+          <a:fillRef idx="1">
+            <a:schemeClr val="accent5"/>
+          </a:fillRef>
+          <a:effectRef idx="0">
+            <a:schemeClr val="accent5"/>
+          </a:effectRef>
+          <a:fontRef idx="minor">
+            <a:schemeClr val="lt1"/>
+          </a:fontRef>
+        </p:style>
+        <p:txBody>
+          <a:bodyPr rtlCol="0" anchor="ctr"/>
+          <a:lstStyle/>
+          <a:p>
+            <a:r>
+              <a:rPr lang="en-US" dirty="0"/>
+              <a:t>Microservice 2</a:t>
+            </a:r>
+            <a:br>
+              <a:rPr lang="en-US" dirty="0"/>
+            </a:br>
+            <a:endParaRPr lang="en-US" dirty="0"/>
+          </a:p>
+          <a:p>
+            <a:r>
+              <a:rPr lang="en-US" sz="1600" dirty="0">
+                <a:solidFill>
+                  <a:srgbClr val="FFFF00"/>
+                </a:solidFill>
+              </a:rPr>
+              <a:t>Permission C, D, E</a:t>
+            </a:r>
+          </a:p>
+        </p:txBody>
+      </p:sp>
+      <p:sp>
+        <p:nvSpPr>
+          <p:cNvPr id="8" name="Oval 7">
+            <a:extLst>
+              <a:ext uri="{FF2B5EF4-FFF2-40B4-BE49-F238E27FC236}">
+                <a16:creationId xmlns:a16="http://schemas.microsoft.com/office/drawing/2014/main" id="{C66973AB-D3FB-7E81-F4A9-2AA6707C1F78}"/>
+              </a:ext>
+            </a:extLst>
+          </p:cNvPr>
+          <p:cNvSpPr/>
+          <p:nvPr/>
+        </p:nvSpPr>
+        <p:spPr>
+          <a:xfrm>
+            <a:off x="9477292" y="2773018"/>
+            <a:ext cx="1876508" cy="1510748"/>
+          </a:xfrm>
+          <a:prstGeom prst="ellipse">
+            <a:avLst/>
+          </a:prstGeom>
+        </p:spPr>
+        <p:style>
+          <a:lnRef idx="2">
+            <a:schemeClr val="accent6">
+              <a:shade val="50000"/>
+            </a:schemeClr>
+          </a:lnRef>
+          <a:fillRef idx="1">
+            <a:schemeClr val="accent6"/>
+          </a:fillRef>
+          <a:effectRef idx="0">
+            <a:schemeClr val="accent6"/>
+          </a:effectRef>
+          <a:fontRef idx="minor">
+            <a:schemeClr val="lt1"/>
+          </a:fontRef>
+        </p:style>
+        <p:txBody>
+          <a:bodyPr rtlCol="0" anchor="ctr"/>
+          <a:lstStyle/>
+          <a:p>
+            <a:pPr algn="ctr"/>
+            <a:r>
+              <a:rPr lang="en-US" sz="1600" dirty="0"/>
+              <a:t>Permission</a:t>
+            </a:r>
+            <a:br>
+              <a:rPr lang="en-US" sz="1600" dirty="0"/>
+            </a:br>
+            <a:r>
+              <a:rPr lang="en-US" sz="1600" dirty="0"/>
+              <a:t>Management</a:t>
+            </a:r>
+            <a:br>
+              <a:rPr lang="en-US" sz="1600" dirty="0"/>
+            </a:br>
+            <a:r>
+              <a:rPr lang="en-US" sz="1600" dirty="0"/>
+              <a:t>Database</a:t>
+            </a:r>
+          </a:p>
+        </p:txBody>
+      </p:sp>
+      <p:sp>
+        <p:nvSpPr>
+          <p:cNvPr id="9" name="Rectangle 8">
+            <a:extLst>
+              <a:ext uri="{FF2B5EF4-FFF2-40B4-BE49-F238E27FC236}">
+                <a16:creationId xmlns:a16="http://schemas.microsoft.com/office/drawing/2014/main" id="{289B95AC-03DF-9B78-3745-8439751FF83F}"/>
+              </a:ext>
+            </a:extLst>
+          </p:cNvPr>
+          <p:cNvSpPr/>
+          <p:nvPr/>
+        </p:nvSpPr>
+        <p:spPr>
+          <a:xfrm>
+            <a:off x="5614601" y="4332186"/>
+            <a:ext cx="3501118" cy="933242"/>
+          </a:xfrm>
+          <a:prstGeom prst="rect">
+            <a:avLst/>
+          </a:prstGeom>
+        </p:spPr>
+        <p:style>
+          <a:lnRef idx="2">
+            <a:schemeClr val="accent1">
+              <a:shade val="50000"/>
+            </a:schemeClr>
+          </a:lnRef>
+          <a:fillRef idx="1">
+            <a:schemeClr val="accent1"/>
+          </a:fillRef>
+          <a:effectRef idx="0">
+            <a:schemeClr val="accent1"/>
+          </a:effectRef>
+          <a:fontRef idx="minor">
+            <a:schemeClr val="lt1"/>
+          </a:fontRef>
+        </p:style>
+        <p:txBody>
+          <a:bodyPr rtlCol="0" anchor="ctr"/>
+          <a:lstStyle/>
+          <a:p>
+            <a:r>
+              <a:rPr lang="en-US" dirty="0"/>
+              <a:t>Permission</a:t>
+            </a:r>
+            <a:br>
+              <a:rPr lang="en-US" dirty="0"/>
+            </a:br>
+            <a:r>
+              <a:rPr lang="en-US" dirty="0"/>
+              <a:t>Management</a:t>
+            </a:r>
+            <a:br>
+              <a:rPr lang="en-US" dirty="0"/>
+            </a:br>
+            <a:r>
+              <a:rPr lang="en-US" dirty="0"/>
+              <a:t>Microservice</a:t>
+            </a:r>
+            <a:endParaRPr lang="en-US" sz="1600" dirty="0">
+              <a:solidFill>
+                <a:srgbClr val="FFFF00"/>
+              </a:solidFill>
+            </a:endParaRPr>
+          </a:p>
+        </p:txBody>
+      </p:sp>
+      <p:cxnSp>
+        <p:nvCxnSpPr>
+          <p:cNvPr id="11" name="Straight Arrow Connector 10">
+            <a:extLst>
+              <a:ext uri="{FF2B5EF4-FFF2-40B4-BE49-F238E27FC236}">
+                <a16:creationId xmlns:a16="http://schemas.microsoft.com/office/drawing/2014/main" id="{88C23E75-EF66-3F26-10E9-C5352A8F0869}"/>
+              </a:ext>
+            </a:extLst>
+          </p:cNvPr>
+          <p:cNvCxnSpPr>
+            <a:cxnSpLocks/>
+            <a:stCxn id="6" idx="3"/>
+            <a:endCxn id="8" idx="1"/>
+          </p:cNvCxnSpPr>
+          <p:nvPr/>
+        </p:nvCxnSpPr>
+        <p:spPr>
+          <a:xfrm>
+            <a:off x="9115721" y="2255425"/>
+            <a:ext cx="636379" cy="738837"/>
+          </a:xfrm>
+          <a:prstGeom prst="straightConnector1">
+            <a:avLst/>
+          </a:prstGeom>
+          <a:ln w="25400">
+            <a:solidFill>
+              <a:schemeClr val="tx1">
+                <a:lumMod val="95000"/>
+                <a:lumOff val="5000"/>
+              </a:schemeClr>
+            </a:solidFill>
+            <a:tailEnd type="triangle"/>
+          </a:ln>
+        </p:spPr>
+        <p:style>
+          <a:lnRef idx="1">
+            <a:schemeClr val="accent1"/>
+          </a:lnRef>
+          <a:fillRef idx="0">
+            <a:schemeClr val="accent1"/>
+          </a:fillRef>
+          <a:effectRef idx="0">
+            <a:schemeClr val="accent1"/>
+          </a:effectRef>
+          <a:fontRef idx="minor">
+            <a:schemeClr val="tx1"/>
+          </a:fontRef>
+        </p:style>
+      </p:cxnSp>
+      <p:cxnSp>
+        <p:nvCxnSpPr>
+          <p:cNvPr id="12" name="Straight Arrow Connector 11">
+            <a:extLst>
+              <a:ext uri="{FF2B5EF4-FFF2-40B4-BE49-F238E27FC236}">
+                <a16:creationId xmlns:a16="http://schemas.microsoft.com/office/drawing/2014/main" id="{FCDF3434-3380-A45C-9E3D-74B45BCACC6E}"/>
+              </a:ext>
+            </a:extLst>
+          </p:cNvPr>
+          <p:cNvCxnSpPr>
+            <a:cxnSpLocks/>
+            <a:stCxn id="7" idx="3"/>
+            <a:endCxn id="8" idx="2"/>
+          </p:cNvCxnSpPr>
+          <p:nvPr/>
+        </p:nvCxnSpPr>
+        <p:spPr>
+          <a:xfrm>
+            <a:off x="9115720" y="3527116"/>
+            <a:ext cx="361572" cy="1276"/>
+          </a:xfrm>
+          <a:prstGeom prst="straightConnector1">
+            <a:avLst/>
+          </a:prstGeom>
+          <a:ln w="25400">
+            <a:solidFill>
+              <a:schemeClr val="tx1">
+                <a:lumMod val="95000"/>
+                <a:lumOff val="5000"/>
+              </a:schemeClr>
+            </a:solidFill>
+            <a:tailEnd type="triangle"/>
+          </a:ln>
+        </p:spPr>
+        <p:style>
+          <a:lnRef idx="1">
+            <a:schemeClr val="accent1"/>
+          </a:lnRef>
+          <a:fillRef idx="0">
+            <a:schemeClr val="accent1"/>
+          </a:fillRef>
+          <a:effectRef idx="0">
+            <a:schemeClr val="accent1"/>
+          </a:effectRef>
+          <a:fontRef idx="minor">
+            <a:schemeClr val="tx1"/>
+          </a:fontRef>
+        </p:style>
+      </p:cxnSp>
+      <p:cxnSp>
+        <p:nvCxnSpPr>
+          <p:cNvPr id="13" name="Straight Arrow Connector 12">
+            <a:extLst>
+              <a:ext uri="{FF2B5EF4-FFF2-40B4-BE49-F238E27FC236}">
+                <a16:creationId xmlns:a16="http://schemas.microsoft.com/office/drawing/2014/main" id="{86CDB441-3CF9-3E73-5E5F-992B9F321813}"/>
+              </a:ext>
+            </a:extLst>
+          </p:cNvPr>
+          <p:cNvCxnSpPr>
+            <a:cxnSpLocks/>
+            <a:stCxn id="9" idx="3"/>
+            <a:endCxn id="8" idx="3"/>
+          </p:cNvCxnSpPr>
+          <p:nvPr/>
+        </p:nvCxnSpPr>
+        <p:spPr>
+          <a:xfrm flipV="1">
+            <a:off x="9115719" y="4062522"/>
+            <a:ext cx="636381" cy="736285"/>
+          </a:xfrm>
+          <a:prstGeom prst="straightConnector1">
+            <a:avLst/>
+          </a:prstGeom>
+          <a:ln w="25400">
+            <a:solidFill>
+              <a:schemeClr val="tx1">
+                <a:lumMod val="95000"/>
+                <a:lumOff val="5000"/>
+              </a:schemeClr>
+            </a:solidFill>
+            <a:tailEnd type="triangle"/>
+          </a:ln>
+        </p:spPr>
+        <p:style>
+          <a:lnRef idx="1">
+            <a:schemeClr val="accent1"/>
+          </a:lnRef>
+          <a:fillRef idx="0">
+            <a:schemeClr val="accent1"/>
+          </a:fillRef>
+          <a:effectRef idx="0">
+            <a:schemeClr val="accent1"/>
+          </a:effectRef>
+          <a:fontRef idx="minor">
+            <a:schemeClr val="tx1"/>
+          </a:fontRef>
+        </p:style>
+      </p:cxnSp>
+      <p:cxnSp>
+        <p:nvCxnSpPr>
+          <p:cNvPr id="14" name="Straight Arrow Connector 13">
+            <a:extLst>
+              <a:ext uri="{FF2B5EF4-FFF2-40B4-BE49-F238E27FC236}">
+                <a16:creationId xmlns:a16="http://schemas.microsoft.com/office/drawing/2014/main" id="{072D0D05-F87B-C5BF-6D4D-F980AD05F4FB}"/>
+              </a:ext>
+            </a:extLst>
+          </p:cNvPr>
+          <p:cNvCxnSpPr>
+            <a:cxnSpLocks/>
+            <a:stCxn id="31" idx="3"/>
+            <a:endCxn id="9" idx="1"/>
+          </p:cNvCxnSpPr>
+          <p:nvPr/>
+        </p:nvCxnSpPr>
+        <p:spPr>
+          <a:xfrm>
+            <a:off x="5114478" y="4798807"/>
+            <a:ext cx="500123" cy="0"/>
+          </a:xfrm>
+          <a:prstGeom prst="straightConnector1">
+            <a:avLst/>
+          </a:prstGeom>
+          <a:ln w="25400">
+            <a:solidFill>
+              <a:schemeClr val="tx1">
+                <a:lumMod val="95000"/>
+                <a:lumOff val="5000"/>
+              </a:schemeClr>
+            </a:solidFill>
+            <a:tailEnd type="triangle"/>
+          </a:ln>
+        </p:spPr>
+        <p:style>
+          <a:lnRef idx="1">
+            <a:schemeClr val="accent1"/>
+          </a:lnRef>
+          <a:fillRef idx="0">
+            <a:schemeClr val="accent1"/>
+          </a:fillRef>
+          <a:effectRef idx="0">
+            <a:schemeClr val="accent1"/>
+          </a:effectRef>
+          <a:fontRef idx="minor">
+            <a:schemeClr val="tx1"/>
+          </a:fontRef>
+        </p:style>
+      </p:cxnSp>
+      <p:sp>
+        <p:nvSpPr>
+          <p:cNvPr id="15" name="TextBox 14">
+            <a:extLst>
+              <a:ext uri="{FF2B5EF4-FFF2-40B4-BE49-F238E27FC236}">
+                <a16:creationId xmlns:a16="http://schemas.microsoft.com/office/drawing/2014/main" id="{933AFD31-F5CF-B5EB-8AB9-50E7F9B7C359}"/>
+              </a:ext>
+            </a:extLst>
+          </p:cNvPr>
+          <p:cNvSpPr txBox="1"/>
+          <p:nvPr/>
+        </p:nvSpPr>
+        <p:spPr>
+          <a:xfrm>
+            <a:off x="572091" y="2891224"/>
+            <a:ext cx="4241482" cy="461665"/>
+          </a:xfrm>
+          <a:prstGeom prst="rect">
+            <a:avLst/>
+          </a:prstGeom>
+          <a:noFill/>
+        </p:spPr>
+        <p:txBody>
+          <a:bodyPr wrap="none" rtlCol="0">
+            <a:spAutoFit/>
+          </a:bodyPr>
+          <a:lstStyle/>
+          <a:p>
+            <a:r>
+              <a:rPr lang="en-US" sz="2400" dirty="0"/>
+              <a:t>The Permission Management  UI</a:t>
+            </a:r>
+          </a:p>
+        </p:txBody>
+      </p:sp>
+      <p:sp>
+        <p:nvSpPr>
+          <p:cNvPr id="16" name="TextBox 15">
+            <a:extLst>
+              <a:ext uri="{FF2B5EF4-FFF2-40B4-BE49-F238E27FC236}">
+                <a16:creationId xmlns:a16="http://schemas.microsoft.com/office/drawing/2014/main" id="{B00A8EE4-C941-DEDE-C9A9-B36ECBF74E00}"/>
+              </a:ext>
+            </a:extLst>
+          </p:cNvPr>
+          <p:cNvSpPr txBox="1"/>
+          <p:nvPr/>
+        </p:nvSpPr>
+        <p:spPr>
+          <a:xfrm>
+            <a:off x="9543054" y="4430664"/>
+            <a:ext cx="2202591" cy="646331"/>
+          </a:xfrm>
+          <a:prstGeom prst="rect">
+            <a:avLst/>
+          </a:prstGeom>
+          <a:noFill/>
+        </p:spPr>
+        <p:txBody>
+          <a:bodyPr wrap="none" rtlCol="0">
+            <a:spAutoFit/>
+          </a:bodyPr>
+          <a:lstStyle/>
+          <a:p>
+            <a:r>
+              <a:rPr lang="en-US" b="1" u="sng" dirty="0">
+                <a:solidFill>
+                  <a:schemeClr val="bg1">
+                    <a:lumMod val="50000"/>
+                  </a:schemeClr>
+                </a:solidFill>
+              </a:rPr>
+              <a:t>Database Tables</a:t>
+            </a:r>
+            <a:br>
+              <a:rPr lang="en-US" dirty="0">
+                <a:solidFill>
+                  <a:schemeClr val="bg1">
+                    <a:lumMod val="50000"/>
+                  </a:schemeClr>
+                </a:solidFill>
+              </a:rPr>
+            </a:br>
+            <a:r>
+              <a:rPr lang="en-US" dirty="0" err="1"/>
+              <a:t>AbpPermissionGrants</a:t>
+            </a:r>
+            <a:endParaRPr lang="en-US" dirty="0"/>
+          </a:p>
+        </p:txBody>
+      </p:sp>
+      <p:sp>
+        <p:nvSpPr>
+          <p:cNvPr id="17" name="TextBox 16">
+            <a:extLst>
+              <a:ext uri="{FF2B5EF4-FFF2-40B4-BE49-F238E27FC236}">
+                <a16:creationId xmlns:a16="http://schemas.microsoft.com/office/drawing/2014/main" id="{206E39D4-59BA-8965-FB9B-6DA187FB8079}"/>
+              </a:ext>
+            </a:extLst>
+          </p:cNvPr>
+          <p:cNvSpPr txBox="1"/>
+          <p:nvPr/>
+        </p:nvSpPr>
+        <p:spPr>
+          <a:xfrm>
+            <a:off x="9543054" y="4981725"/>
+            <a:ext cx="2304157" cy="646331"/>
+          </a:xfrm>
+          <a:prstGeom prst="rect">
+            <a:avLst/>
+          </a:prstGeom>
+          <a:noFill/>
+        </p:spPr>
+        <p:txBody>
+          <a:bodyPr wrap="none" rtlCol="0">
+            <a:spAutoFit/>
+          </a:bodyPr>
+          <a:lstStyle/>
+          <a:p>
+            <a:r>
+              <a:rPr lang="en-US" b="1" dirty="0" err="1">
+                <a:solidFill>
+                  <a:srgbClr val="0070C0"/>
+                </a:solidFill>
+              </a:rPr>
+              <a:t>AbpPermissionGroups</a:t>
+            </a:r>
+            <a:br>
+              <a:rPr lang="en-US" b="1" dirty="0">
+                <a:solidFill>
+                  <a:srgbClr val="0070C0"/>
+                </a:solidFill>
+              </a:rPr>
+            </a:br>
+            <a:r>
+              <a:rPr lang="en-US" b="1" dirty="0" err="1">
+                <a:solidFill>
+                  <a:srgbClr val="0070C0"/>
+                </a:solidFill>
+              </a:rPr>
+              <a:t>AbpPermissions</a:t>
+            </a:r>
+            <a:endParaRPr lang="en-US" b="1" dirty="0">
+              <a:solidFill>
+                <a:srgbClr val="0070C0"/>
+              </a:solidFill>
+            </a:endParaRPr>
+          </a:p>
+        </p:txBody>
+      </p:sp>
+      <p:sp>
+        <p:nvSpPr>
+          <p:cNvPr id="27" name="Rectangle 26">
+            <a:extLst>
+              <a:ext uri="{FF2B5EF4-FFF2-40B4-BE49-F238E27FC236}">
+                <a16:creationId xmlns:a16="http://schemas.microsoft.com/office/drawing/2014/main" id="{E41DD886-47C6-9146-CAA4-B46D62F26DB9}"/>
+              </a:ext>
+            </a:extLst>
+          </p:cNvPr>
+          <p:cNvSpPr/>
+          <p:nvPr/>
+        </p:nvSpPr>
+        <p:spPr>
+          <a:xfrm>
+            <a:off x="7607430" y="1879268"/>
+            <a:ext cx="1428089" cy="761694"/>
+          </a:xfrm>
+          <a:prstGeom prst="rect">
+            <a:avLst/>
+          </a:prstGeom>
+        </p:spPr>
+        <p:style>
+          <a:lnRef idx="2">
+            <a:schemeClr val="accent4">
+              <a:shade val="50000"/>
+            </a:schemeClr>
+          </a:lnRef>
+          <a:fillRef idx="1">
+            <a:schemeClr val="accent4"/>
+          </a:fillRef>
+          <a:effectRef idx="0">
+            <a:schemeClr val="accent4"/>
+          </a:effectRef>
+          <a:fontRef idx="minor">
+            <a:schemeClr val="lt1"/>
+          </a:fontRef>
+        </p:style>
+        <p:txBody>
+          <a:bodyPr rtlCol="0" anchor="ctr"/>
+          <a:lstStyle/>
+          <a:p>
+            <a:pPr algn="ctr"/>
+            <a:r>
+              <a:rPr lang="en-US" sz="1600" dirty="0">
+                <a:solidFill>
+                  <a:schemeClr val="tx1"/>
+                </a:solidFill>
+              </a:rPr>
+              <a:t>ABP Authorization Library</a:t>
+            </a:r>
+          </a:p>
+        </p:txBody>
+      </p:sp>
+      <p:sp>
+        <p:nvSpPr>
+          <p:cNvPr id="28" name="Rectangle 27">
+            <a:extLst>
+              <a:ext uri="{FF2B5EF4-FFF2-40B4-BE49-F238E27FC236}">
+                <a16:creationId xmlns:a16="http://schemas.microsoft.com/office/drawing/2014/main" id="{8207E715-0BEB-20F0-7FBE-19F8C3920D85}"/>
+              </a:ext>
+            </a:extLst>
+          </p:cNvPr>
+          <p:cNvSpPr/>
+          <p:nvPr/>
+        </p:nvSpPr>
+        <p:spPr>
+          <a:xfrm>
+            <a:off x="7607430" y="3146269"/>
+            <a:ext cx="1428089" cy="761694"/>
+          </a:xfrm>
+          <a:prstGeom prst="rect">
+            <a:avLst/>
+          </a:prstGeom>
+        </p:spPr>
+        <p:style>
+          <a:lnRef idx="2">
+            <a:schemeClr val="accent4">
+              <a:shade val="50000"/>
+            </a:schemeClr>
+          </a:lnRef>
+          <a:fillRef idx="1">
+            <a:schemeClr val="accent4"/>
+          </a:fillRef>
+          <a:effectRef idx="0">
+            <a:schemeClr val="accent4"/>
+          </a:effectRef>
+          <a:fontRef idx="minor">
+            <a:schemeClr val="lt1"/>
+          </a:fontRef>
+        </p:style>
+        <p:txBody>
+          <a:bodyPr rtlCol="0" anchor="ctr"/>
+          <a:lstStyle/>
+          <a:p>
+            <a:pPr algn="ctr"/>
+            <a:r>
+              <a:rPr lang="en-US" sz="1600" dirty="0">
+                <a:solidFill>
+                  <a:schemeClr val="tx1"/>
+                </a:solidFill>
+              </a:rPr>
+              <a:t>ABP Authorization Library</a:t>
+            </a:r>
+          </a:p>
+        </p:txBody>
+      </p:sp>
+      <p:sp>
+        <p:nvSpPr>
+          <p:cNvPr id="29" name="Rectangle 28">
+            <a:extLst>
+              <a:ext uri="{FF2B5EF4-FFF2-40B4-BE49-F238E27FC236}">
+                <a16:creationId xmlns:a16="http://schemas.microsoft.com/office/drawing/2014/main" id="{8F11D3AC-A040-7256-DA16-B0B30BFE8577}"/>
+              </a:ext>
+            </a:extLst>
+          </p:cNvPr>
+          <p:cNvSpPr/>
+          <p:nvPr/>
+        </p:nvSpPr>
+        <p:spPr>
+          <a:xfrm>
+            <a:off x="7607430" y="4422785"/>
+            <a:ext cx="1428089" cy="761694"/>
+          </a:xfrm>
+          <a:prstGeom prst="rect">
+            <a:avLst/>
+          </a:prstGeom>
+        </p:spPr>
+        <p:style>
+          <a:lnRef idx="2">
+            <a:schemeClr val="accent4">
+              <a:shade val="50000"/>
+            </a:schemeClr>
+          </a:lnRef>
+          <a:fillRef idx="1">
+            <a:schemeClr val="accent4"/>
+          </a:fillRef>
+          <a:effectRef idx="0">
+            <a:schemeClr val="accent4"/>
+          </a:effectRef>
+          <a:fontRef idx="minor">
+            <a:schemeClr val="lt1"/>
+          </a:fontRef>
+        </p:style>
+        <p:txBody>
+          <a:bodyPr rtlCol="0" anchor="ctr"/>
+          <a:lstStyle/>
+          <a:p>
+            <a:pPr algn="ctr"/>
+            <a:r>
+              <a:rPr lang="en-US" sz="1600" dirty="0">
+                <a:solidFill>
+                  <a:schemeClr val="tx1"/>
+                </a:solidFill>
+              </a:rPr>
+              <a:t>ABP Permissions Module</a:t>
+            </a:r>
+          </a:p>
+        </p:txBody>
+      </p:sp>
+      <p:pic>
+        <p:nvPicPr>
+          <p:cNvPr id="31" name="Picture 30">
+            <a:extLst>
+              <a:ext uri="{FF2B5EF4-FFF2-40B4-BE49-F238E27FC236}">
+                <a16:creationId xmlns:a16="http://schemas.microsoft.com/office/drawing/2014/main" id="{88778800-AC4B-9B0F-5DF3-E756B8907DDF}"/>
+              </a:ext>
+            </a:extLst>
+          </p:cNvPr>
+          <p:cNvPicPr>
+            <a:picLocks noChangeAspect="1"/>
+          </p:cNvPicPr>
+          <p:nvPr/>
+        </p:nvPicPr>
+        <p:blipFill>
+          <a:blip r:embed="rId3"/>
+          <a:stretch>
+            <a:fillRect/>
+          </a:stretch>
+        </p:blipFill>
+        <p:spPr>
+          <a:xfrm>
+            <a:off x="490146" y="3352889"/>
+            <a:ext cx="4624332" cy="2891836"/>
+          </a:xfrm>
+          <a:prstGeom prst="rect">
+            <a:avLst/>
+          </a:prstGeom>
+          <a:ln w="12700">
+            <a:solidFill>
+              <a:schemeClr val="tx1">
+                <a:lumMod val="65000"/>
+                <a:lumOff val="35000"/>
+              </a:schemeClr>
+            </a:solidFill>
+          </a:ln>
+          <a:effectLst>
+            <a:outerShdw blurRad="50800" dist="38100" dir="2700000" algn="tl" rotWithShape="0">
+              <a:prstClr val="black">
+                <a:alpha val="40000"/>
+              </a:prstClr>
+            </a:outerShdw>
+          </a:effectLst>
+        </p:spPr>
+      </p:pic>
     </p:spTree>
     <p:extLst>
       <p:ext uri="{BB962C8B-B14F-4D97-AF65-F5344CB8AC3E}">

--- a/2022-10-15 Authorization-In-Distributed-Systems/Authorization-In-Distributed-Systems.pptx
+++ b/2022-10-15 Authorization-In-Distributed-Systems/Authorization-In-Distributed-Systems.pptx
@@ -13,14 +13,26 @@
     <p:sldId id="273" r:id="rId7"/>
     <p:sldId id="271" r:id="rId8"/>
     <p:sldId id="274" r:id="rId9"/>
-    <p:sldId id="269" r:id="rId10"/>
-    <p:sldId id="270" r:id="rId11"/>
-    <p:sldId id="275" r:id="rId12"/>
-    <p:sldId id="276" r:id="rId13"/>
-    <p:sldId id="277" r:id="rId14"/>
-    <p:sldId id="278" r:id="rId15"/>
-    <p:sldId id="279" r:id="rId16"/>
-    <p:sldId id="280" r:id="rId17"/>
+    <p:sldId id="270" r:id="rId10"/>
+    <p:sldId id="269" r:id="rId11"/>
+    <p:sldId id="276" r:id="rId12"/>
+    <p:sldId id="277" r:id="rId13"/>
+    <p:sldId id="290" r:id="rId14"/>
+    <p:sldId id="291" r:id="rId15"/>
+    <p:sldId id="292" r:id="rId16"/>
+    <p:sldId id="275" r:id="rId17"/>
+    <p:sldId id="278" r:id="rId18"/>
+    <p:sldId id="279" r:id="rId19"/>
+    <p:sldId id="280" r:id="rId20"/>
+    <p:sldId id="281" r:id="rId21"/>
+    <p:sldId id="282" r:id="rId22"/>
+    <p:sldId id="283" r:id="rId23"/>
+    <p:sldId id="284" r:id="rId24"/>
+    <p:sldId id="285" r:id="rId25"/>
+    <p:sldId id="286" r:id="rId26"/>
+    <p:sldId id="287" r:id="rId27"/>
+    <p:sldId id="288" r:id="rId28"/>
+    <p:sldId id="289" r:id="rId29"/>
   </p:sldIdLst>
   <p:sldSz cx="12192000" cy="6858000"/>
   <p:notesSz cx="6858000" cy="9144000"/>
@@ -3269,7 +3281,7 @@
           <a:p>
             <a:fld id="{2A14C9FE-EBC3-45D3-899C-58AAF4F8AF71}" type="datetimeFigureOut">
               <a:rPr lang="en-US" smtClean="0"/>
-              <a:t>25-Sep-22</a:t>
+              <a:t>28-Sep-22</a:t>
             </a:fld>
             <a:endParaRPr lang="en-US"/>
           </a:p>
@@ -3467,7 +3479,7 @@
           <a:p>
             <a:fld id="{2A14C9FE-EBC3-45D3-899C-58AAF4F8AF71}" type="datetimeFigureOut">
               <a:rPr lang="en-US" smtClean="0"/>
-              <a:t>25-Sep-22</a:t>
+              <a:t>28-Sep-22</a:t>
             </a:fld>
             <a:endParaRPr lang="en-US"/>
           </a:p>
@@ -3675,7 +3687,7 @@
           <a:p>
             <a:fld id="{2A14C9FE-EBC3-45D3-899C-58AAF4F8AF71}" type="datetimeFigureOut">
               <a:rPr lang="en-US" smtClean="0"/>
-              <a:t>25-Sep-22</a:t>
+              <a:t>28-Sep-22</a:t>
             </a:fld>
             <a:endParaRPr lang="en-US"/>
           </a:p>
@@ -3873,7 +3885,7 @@
           <a:p>
             <a:fld id="{2A14C9FE-EBC3-45D3-899C-58AAF4F8AF71}" type="datetimeFigureOut">
               <a:rPr lang="en-US" smtClean="0"/>
-              <a:t>25-Sep-22</a:t>
+              <a:t>28-Sep-22</a:t>
             </a:fld>
             <a:endParaRPr lang="en-US"/>
           </a:p>
@@ -4148,7 +4160,7 @@
           <a:p>
             <a:fld id="{2A14C9FE-EBC3-45D3-899C-58AAF4F8AF71}" type="datetimeFigureOut">
               <a:rPr lang="en-US" smtClean="0"/>
-              <a:t>25-Sep-22</a:t>
+              <a:t>28-Sep-22</a:t>
             </a:fld>
             <a:endParaRPr lang="en-US"/>
           </a:p>
@@ -4413,7 +4425,7 @@
           <a:p>
             <a:fld id="{2A14C9FE-EBC3-45D3-899C-58AAF4F8AF71}" type="datetimeFigureOut">
               <a:rPr lang="en-US" smtClean="0"/>
-              <a:t>25-Sep-22</a:t>
+              <a:t>28-Sep-22</a:t>
             </a:fld>
             <a:endParaRPr lang="en-US"/>
           </a:p>
@@ -4825,7 +4837,7 @@
           <a:p>
             <a:fld id="{2A14C9FE-EBC3-45D3-899C-58AAF4F8AF71}" type="datetimeFigureOut">
               <a:rPr lang="en-US" smtClean="0"/>
-              <a:t>25-Sep-22</a:t>
+              <a:t>28-Sep-22</a:t>
             </a:fld>
             <a:endParaRPr lang="en-US"/>
           </a:p>
@@ -4966,7 +4978,7 @@
           <a:p>
             <a:fld id="{2A14C9FE-EBC3-45D3-899C-58AAF4F8AF71}" type="datetimeFigureOut">
               <a:rPr lang="en-US" smtClean="0"/>
-              <a:t>25-Sep-22</a:t>
+              <a:t>28-Sep-22</a:t>
             </a:fld>
             <a:endParaRPr lang="en-US"/>
           </a:p>
@@ -5079,7 +5091,7 @@
           <a:p>
             <a:fld id="{2A14C9FE-EBC3-45D3-899C-58AAF4F8AF71}" type="datetimeFigureOut">
               <a:rPr lang="en-US" smtClean="0"/>
-              <a:t>25-Sep-22</a:t>
+              <a:t>28-Sep-22</a:t>
             </a:fld>
             <a:endParaRPr lang="en-US"/>
           </a:p>
@@ -5390,7 +5402,7 @@
           <a:p>
             <a:fld id="{2A14C9FE-EBC3-45D3-899C-58AAF4F8AF71}" type="datetimeFigureOut">
               <a:rPr lang="en-US" smtClean="0"/>
-              <a:t>25-Sep-22</a:t>
+              <a:t>28-Sep-22</a:t>
             </a:fld>
             <a:endParaRPr lang="en-US"/>
           </a:p>
@@ -5678,7 +5690,7 @@
           <a:p>
             <a:fld id="{2A14C9FE-EBC3-45D3-899C-58AAF4F8AF71}" type="datetimeFigureOut">
               <a:rPr lang="en-US" smtClean="0"/>
-              <a:t>25-Sep-22</a:t>
+              <a:t>28-Sep-22</a:t>
             </a:fld>
             <a:endParaRPr lang="en-US"/>
           </a:p>
@@ -5919,7 +5931,7 @@
           <a:p>
             <a:fld id="{2A14C9FE-EBC3-45D3-899C-58AAF4F8AF71}" type="datetimeFigureOut">
               <a:rPr lang="en-US" smtClean="0"/>
-              <a:t>25-Sep-22</a:t>
+              <a:t>28-Sep-22</a:t>
             </a:fld>
             <a:endParaRPr lang="en-US"/>
           </a:p>
@@ -6465,10 +6477,44 @@
       </p:grpSpPr>
       <p:sp>
         <p:nvSpPr>
-          <p:cNvPr id="7" name="TextBox 6">
-            <a:extLst>
-              <a:ext uri="{FF2B5EF4-FFF2-40B4-BE49-F238E27FC236}">
-                <a16:creationId xmlns:a16="http://schemas.microsoft.com/office/drawing/2014/main" id="{5677B458-ABFA-5D96-E109-6A527F54D9A2}"/>
+          <p:cNvPr id="2" name="Title 1">
+            <a:extLst>
+              <a:ext uri="{FF2B5EF4-FFF2-40B4-BE49-F238E27FC236}">
+                <a16:creationId xmlns:a16="http://schemas.microsoft.com/office/drawing/2014/main" id="{55E11F08-6CA0-48F1-AD67-97430DDA07F0}"/>
+              </a:ext>
+            </a:extLst>
+          </p:cNvPr>
+          <p:cNvSpPr>
+            <a:spLocks noGrp="1"/>
+          </p:cNvSpPr>
+          <p:nvPr>
+            <p:ph type="title"/>
+          </p:nvPr>
+        </p:nvSpPr>
+        <p:spPr/>
+        <p:txBody>
+          <a:bodyPr/>
+          <a:lstStyle/>
+          <a:p>
+            <a:r>
+              <a:rPr lang="en-US" b="1" dirty="0">
+                <a:solidFill>
+                  <a:srgbClr val="292D33"/>
+                </a:solidFill>
+                <a:latin typeface="Euclid Circular B" panose="020B0504000000000000" pitchFamily="34" charset="0"/>
+                <a:ea typeface="Euclid Circular B" panose="020B0504000000000000" pitchFamily="34" charset="0"/>
+              </a:rPr>
+              <a:t>Authorization</a:t>
+            </a:r>
+          </a:p>
+        </p:txBody>
+      </p:sp>
+      <p:sp>
+        <p:nvSpPr>
+          <p:cNvPr id="6" name="TextBox 5">
+            <a:extLst>
+              <a:ext uri="{FF2B5EF4-FFF2-40B4-BE49-F238E27FC236}">
+                <a16:creationId xmlns:a16="http://schemas.microsoft.com/office/drawing/2014/main" id="{3C34435A-892E-457D-FD49-098C0BECB96F}"/>
               </a:ext>
             </a:extLst>
           </p:cNvPr>
@@ -6477,8 +6523,8 @@
         </p:nvSpPr>
         <p:spPr>
           <a:xfrm>
-            <a:off x="1291472" y="6481738"/>
-            <a:ext cx="10369484" cy="338554"/>
+            <a:off x="1234126" y="2832132"/>
+            <a:ext cx="1838901" cy="369332"/>
           </a:xfrm>
           <a:prstGeom prst="rect">
             <a:avLst/>
@@ -6486,34 +6532,698 @@
           <a:noFill/>
         </p:spPr>
         <p:txBody>
-          <a:bodyPr wrap="square">
+          <a:bodyPr wrap="none" rtlCol="0">
             <a:spAutoFit/>
           </a:bodyPr>
           <a:lstStyle/>
           <a:p>
             <a:r>
-              <a:rPr lang="en-US" sz="1600" dirty="0"/>
-              <a:t>Image source: </a:t>
-            </a:r>
-            <a:r>
-              <a:rPr lang="en-US" sz="1600" dirty="0">
-                <a:hlinkClick r:id="rId3"/>
-              </a:rPr>
-              <a:t>https://www.alexanderlolis.com/authorization-in-a-microservices-world#authorization-flow-overview</a:t>
-            </a:r>
-            <a:r>
-              <a:rPr lang="en-US" sz="1600" dirty="0"/>
-              <a:t> </a:t>
+              <a:rPr lang="en-US" dirty="0">
+                <a:solidFill>
+                  <a:srgbClr val="C00000"/>
+                </a:solidFill>
+              </a:rPr>
+              <a:t>with access token</a:t>
+            </a:r>
+          </a:p>
+        </p:txBody>
+      </p:sp>
+      <p:cxnSp>
+        <p:nvCxnSpPr>
+          <p:cNvPr id="7" name="Straight Arrow Connector 6">
+            <a:extLst>
+              <a:ext uri="{FF2B5EF4-FFF2-40B4-BE49-F238E27FC236}">
+                <a16:creationId xmlns:a16="http://schemas.microsoft.com/office/drawing/2014/main" id="{BC60CA88-012D-ADF8-0546-63CD399D7EDD}"/>
+              </a:ext>
+            </a:extLst>
+          </p:cNvPr>
+          <p:cNvCxnSpPr>
+            <a:cxnSpLocks/>
+            <a:stCxn id="11" idx="2"/>
+            <a:endCxn id="9" idx="0"/>
+          </p:cNvCxnSpPr>
+          <p:nvPr/>
+        </p:nvCxnSpPr>
+        <p:spPr>
+          <a:xfrm>
+            <a:off x="3039392" y="2388053"/>
+            <a:ext cx="0" cy="896086"/>
+          </a:xfrm>
+          <a:prstGeom prst="straightConnector1">
+            <a:avLst/>
+          </a:prstGeom>
+          <a:ln w="19050">
+            <a:solidFill>
+              <a:srgbClr val="C00000"/>
+            </a:solidFill>
+            <a:tailEnd type="triangle"/>
+          </a:ln>
+        </p:spPr>
+        <p:style>
+          <a:lnRef idx="1">
+            <a:schemeClr val="accent1"/>
+          </a:lnRef>
+          <a:fillRef idx="0">
+            <a:schemeClr val="accent1"/>
+          </a:fillRef>
+          <a:effectRef idx="0">
+            <a:schemeClr val="accent1"/>
+          </a:effectRef>
+          <a:fontRef idx="minor">
+            <a:schemeClr val="tx1"/>
+          </a:fontRef>
+        </p:style>
+      </p:cxnSp>
+      <p:sp>
+        <p:nvSpPr>
+          <p:cNvPr id="9" name="Rectangle 8">
+            <a:extLst>
+              <a:ext uri="{FF2B5EF4-FFF2-40B4-BE49-F238E27FC236}">
+                <a16:creationId xmlns:a16="http://schemas.microsoft.com/office/drawing/2014/main" id="{690B5441-FD4A-5AD3-497F-C71368E54510}"/>
+              </a:ext>
+            </a:extLst>
+          </p:cNvPr>
+          <p:cNvSpPr/>
+          <p:nvPr/>
+        </p:nvSpPr>
+        <p:spPr>
+          <a:xfrm>
+            <a:off x="1313389" y="3284139"/>
+            <a:ext cx="3452005" cy="553673"/>
+          </a:xfrm>
+          <a:prstGeom prst="rect">
+            <a:avLst/>
+          </a:prstGeom>
+        </p:spPr>
+        <p:style>
+          <a:lnRef idx="2">
+            <a:schemeClr val="accent6">
+              <a:shade val="50000"/>
+            </a:schemeClr>
+          </a:lnRef>
+          <a:fillRef idx="1">
+            <a:schemeClr val="accent6"/>
+          </a:fillRef>
+          <a:effectRef idx="0">
+            <a:schemeClr val="accent6"/>
+          </a:effectRef>
+          <a:fontRef idx="minor">
+            <a:schemeClr val="lt1"/>
+          </a:fontRef>
+        </p:style>
+        <p:txBody>
+          <a:bodyPr rtlCol="0" anchor="ctr"/>
+          <a:lstStyle/>
+          <a:p>
+            <a:pPr algn="ctr"/>
+            <a:r>
+              <a:rPr lang="en-US" dirty="0">
+                <a:solidFill>
+                  <a:schemeClr val="bg1"/>
+                </a:solidFill>
+              </a:rPr>
+              <a:t>Your HTTP API / Microservice</a:t>
+            </a:r>
+          </a:p>
+        </p:txBody>
+      </p:sp>
+      <p:sp>
+        <p:nvSpPr>
+          <p:cNvPr id="10" name="TextBox 9">
+            <a:extLst>
+              <a:ext uri="{FF2B5EF4-FFF2-40B4-BE49-F238E27FC236}">
+                <a16:creationId xmlns:a16="http://schemas.microsoft.com/office/drawing/2014/main" id="{B0A731EF-3B26-65EB-B27F-05BAD4D20E7C}"/>
+              </a:ext>
+            </a:extLst>
+          </p:cNvPr>
+          <p:cNvSpPr txBox="1"/>
+          <p:nvPr/>
+        </p:nvSpPr>
+        <p:spPr>
+          <a:xfrm>
+            <a:off x="1321588" y="2429635"/>
+            <a:ext cx="1634743" cy="400110"/>
+          </a:xfrm>
+          <a:prstGeom prst="rect">
+            <a:avLst/>
+          </a:prstGeom>
+          <a:noFill/>
+        </p:spPr>
+        <p:txBody>
+          <a:bodyPr wrap="none" rtlCol="0">
+            <a:spAutoFit/>
+          </a:bodyPr>
+          <a:lstStyle/>
+          <a:p>
+            <a:r>
+              <a:rPr lang="en-US" sz="2000" dirty="0">
+                <a:solidFill>
+                  <a:srgbClr val="C00000"/>
+                </a:solidFill>
+              </a:rPr>
+              <a:t>HTTP Request</a:t>
+            </a:r>
+          </a:p>
+        </p:txBody>
+      </p:sp>
+      <p:sp>
+        <p:nvSpPr>
+          <p:cNvPr id="11" name="Rectangle 10">
+            <a:extLst>
+              <a:ext uri="{FF2B5EF4-FFF2-40B4-BE49-F238E27FC236}">
+                <a16:creationId xmlns:a16="http://schemas.microsoft.com/office/drawing/2014/main" id="{F77AE6DE-A91A-B7F6-527F-C5E860DF8B42}"/>
+              </a:ext>
+            </a:extLst>
+          </p:cNvPr>
+          <p:cNvSpPr/>
+          <p:nvPr/>
+        </p:nvSpPr>
+        <p:spPr>
+          <a:xfrm>
+            <a:off x="1952633" y="1834380"/>
+            <a:ext cx="2173517" cy="553673"/>
+          </a:xfrm>
+          <a:prstGeom prst="rect">
+            <a:avLst/>
+          </a:prstGeom>
+        </p:spPr>
+        <p:style>
+          <a:lnRef idx="2">
+            <a:schemeClr val="accent2">
+              <a:shade val="50000"/>
+            </a:schemeClr>
+          </a:lnRef>
+          <a:fillRef idx="1">
+            <a:schemeClr val="accent2"/>
+          </a:fillRef>
+          <a:effectRef idx="0">
+            <a:schemeClr val="accent2"/>
+          </a:effectRef>
+          <a:fontRef idx="minor">
+            <a:schemeClr val="lt1"/>
+          </a:fontRef>
+        </p:style>
+        <p:txBody>
+          <a:bodyPr rtlCol="0" anchor="ctr"/>
+          <a:lstStyle/>
+          <a:p>
+            <a:pPr algn="ctr"/>
+            <a:r>
+              <a:rPr lang="en-US" dirty="0">
+                <a:solidFill>
+                  <a:schemeClr val="bg1"/>
+                </a:solidFill>
+              </a:rPr>
+              <a:t>Client Application</a:t>
+            </a:r>
+          </a:p>
+        </p:txBody>
+      </p:sp>
+      <p:sp>
+        <p:nvSpPr>
+          <p:cNvPr id="14" name="Oval 13">
+            <a:extLst>
+              <a:ext uri="{FF2B5EF4-FFF2-40B4-BE49-F238E27FC236}">
+                <a16:creationId xmlns:a16="http://schemas.microsoft.com/office/drawing/2014/main" id="{F504905F-5569-E70A-317B-79B394860869}"/>
+              </a:ext>
+            </a:extLst>
+          </p:cNvPr>
+          <p:cNvSpPr/>
+          <p:nvPr/>
+        </p:nvSpPr>
+        <p:spPr>
+          <a:xfrm>
+            <a:off x="1313389" y="4870363"/>
+            <a:ext cx="1680376" cy="779228"/>
+          </a:xfrm>
+          <a:prstGeom prst="ellipse">
+            <a:avLst/>
+          </a:prstGeom>
+        </p:spPr>
+        <p:style>
+          <a:lnRef idx="2">
+            <a:schemeClr val="accent1">
+              <a:shade val="50000"/>
+            </a:schemeClr>
+          </a:lnRef>
+          <a:fillRef idx="1">
+            <a:schemeClr val="accent1"/>
+          </a:fillRef>
+          <a:effectRef idx="0">
+            <a:schemeClr val="accent1"/>
+          </a:effectRef>
+          <a:fontRef idx="minor">
+            <a:schemeClr val="lt1"/>
+          </a:fontRef>
+        </p:style>
+        <p:txBody>
+          <a:bodyPr rtlCol="0" anchor="ctr"/>
+          <a:lstStyle/>
+          <a:p>
+            <a:pPr algn="ctr"/>
+            <a:r>
+              <a:rPr lang="en-US" dirty="0"/>
+              <a:t>Database</a:t>
+            </a:r>
+          </a:p>
+        </p:txBody>
+      </p:sp>
+      <p:sp>
+        <p:nvSpPr>
+          <p:cNvPr id="15" name="Oval 14">
+            <a:extLst>
+              <a:ext uri="{FF2B5EF4-FFF2-40B4-BE49-F238E27FC236}">
+                <a16:creationId xmlns:a16="http://schemas.microsoft.com/office/drawing/2014/main" id="{0964699B-C451-D3EC-13CB-B2F0AD4F399F}"/>
+              </a:ext>
+            </a:extLst>
+          </p:cNvPr>
+          <p:cNvSpPr/>
+          <p:nvPr/>
+        </p:nvSpPr>
+        <p:spPr>
+          <a:xfrm>
+            <a:off x="3085018" y="4870363"/>
+            <a:ext cx="1680376" cy="779228"/>
+          </a:xfrm>
+          <a:prstGeom prst="ellipse">
+            <a:avLst/>
+          </a:prstGeom>
+        </p:spPr>
+        <p:style>
+          <a:lnRef idx="2">
+            <a:schemeClr val="accent5">
+              <a:shade val="50000"/>
+            </a:schemeClr>
+          </a:lnRef>
+          <a:fillRef idx="1">
+            <a:schemeClr val="accent5"/>
+          </a:fillRef>
+          <a:effectRef idx="0">
+            <a:schemeClr val="accent5"/>
+          </a:effectRef>
+          <a:fontRef idx="minor">
+            <a:schemeClr val="lt1"/>
+          </a:fontRef>
+        </p:style>
+        <p:txBody>
+          <a:bodyPr rtlCol="0" anchor="ctr"/>
+          <a:lstStyle/>
+          <a:p>
+            <a:pPr algn="ctr"/>
+            <a:r>
+              <a:rPr lang="en-US" dirty="0"/>
+              <a:t>Other Resources</a:t>
+            </a:r>
+          </a:p>
+        </p:txBody>
+      </p:sp>
+      <p:cxnSp>
+        <p:nvCxnSpPr>
+          <p:cNvPr id="17" name="Straight Arrow Connector 16">
+            <a:extLst>
+              <a:ext uri="{FF2B5EF4-FFF2-40B4-BE49-F238E27FC236}">
+                <a16:creationId xmlns:a16="http://schemas.microsoft.com/office/drawing/2014/main" id="{39CE64C4-A4F6-A5AE-2DDC-F194EC47EFEB}"/>
+              </a:ext>
+            </a:extLst>
+          </p:cNvPr>
+          <p:cNvCxnSpPr>
+            <a:cxnSpLocks/>
+            <a:endCxn id="14" idx="0"/>
+          </p:cNvCxnSpPr>
+          <p:nvPr/>
+        </p:nvCxnSpPr>
+        <p:spPr>
+          <a:xfrm>
+            <a:off x="2153577" y="3837812"/>
+            <a:ext cx="0" cy="1032551"/>
+          </a:xfrm>
+          <a:prstGeom prst="straightConnector1">
+            <a:avLst/>
+          </a:prstGeom>
+          <a:ln w="25400">
+            <a:solidFill>
+              <a:schemeClr val="tx1">
+                <a:lumMod val="95000"/>
+                <a:lumOff val="5000"/>
+              </a:schemeClr>
+            </a:solidFill>
+            <a:tailEnd type="triangle"/>
+          </a:ln>
+        </p:spPr>
+        <p:style>
+          <a:lnRef idx="1">
+            <a:schemeClr val="accent1"/>
+          </a:lnRef>
+          <a:fillRef idx="0">
+            <a:schemeClr val="accent1"/>
+          </a:fillRef>
+          <a:effectRef idx="0">
+            <a:schemeClr val="accent1"/>
+          </a:effectRef>
+          <a:fontRef idx="minor">
+            <a:schemeClr val="tx1"/>
+          </a:fontRef>
+        </p:style>
+      </p:cxnSp>
+      <p:cxnSp>
+        <p:nvCxnSpPr>
+          <p:cNvPr id="20" name="Straight Arrow Connector 19">
+            <a:extLst>
+              <a:ext uri="{FF2B5EF4-FFF2-40B4-BE49-F238E27FC236}">
+                <a16:creationId xmlns:a16="http://schemas.microsoft.com/office/drawing/2014/main" id="{1CB1650F-45EE-967B-8B48-A3AE3E05A974}"/>
+              </a:ext>
+            </a:extLst>
+          </p:cNvPr>
+          <p:cNvCxnSpPr>
+            <a:cxnSpLocks/>
+          </p:cNvCxnSpPr>
+          <p:nvPr/>
+        </p:nvCxnSpPr>
+        <p:spPr>
+          <a:xfrm>
+            <a:off x="3931266" y="3837812"/>
+            <a:ext cx="0" cy="1032551"/>
+          </a:xfrm>
+          <a:prstGeom prst="straightConnector1">
+            <a:avLst/>
+          </a:prstGeom>
+          <a:ln w="25400">
+            <a:solidFill>
+              <a:schemeClr val="tx1">
+                <a:lumMod val="95000"/>
+                <a:lumOff val="5000"/>
+              </a:schemeClr>
+            </a:solidFill>
+            <a:tailEnd type="triangle"/>
+          </a:ln>
+        </p:spPr>
+        <p:style>
+          <a:lnRef idx="1">
+            <a:schemeClr val="accent1"/>
+          </a:lnRef>
+          <a:fillRef idx="0">
+            <a:schemeClr val="accent1"/>
+          </a:fillRef>
+          <a:effectRef idx="0">
+            <a:schemeClr val="accent1"/>
+          </a:effectRef>
+          <a:fontRef idx="minor">
+            <a:schemeClr val="tx1"/>
+          </a:fontRef>
+        </p:style>
+      </p:cxnSp>
+      <p:sp>
+        <p:nvSpPr>
+          <p:cNvPr id="22" name="Hexagon 21">
+            <a:extLst>
+              <a:ext uri="{FF2B5EF4-FFF2-40B4-BE49-F238E27FC236}">
+                <a16:creationId xmlns:a16="http://schemas.microsoft.com/office/drawing/2014/main" id="{ADBE2187-B36F-8990-A9B4-E3CEB541E4A3}"/>
+              </a:ext>
+            </a:extLst>
+          </p:cNvPr>
+          <p:cNvSpPr/>
+          <p:nvPr/>
+        </p:nvSpPr>
+        <p:spPr>
+          <a:xfrm>
+            <a:off x="5485065" y="2943020"/>
+            <a:ext cx="2116034" cy="1235910"/>
+          </a:xfrm>
+          <a:prstGeom prst="hexagon">
+            <a:avLst/>
+          </a:prstGeom>
+        </p:spPr>
+        <p:style>
+          <a:lnRef idx="2">
+            <a:schemeClr val="dk1">
+              <a:shade val="50000"/>
+            </a:schemeClr>
+          </a:lnRef>
+          <a:fillRef idx="1">
+            <a:schemeClr val="dk1"/>
+          </a:fillRef>
+          <a:effectRef idx="0">
+            <a:schemeClr val="dk1"/>
+          </a:effectRef>
+          <a:fontRef idx="minor">
+            <a:schemeClr val="lt1"/>
+          </a:fontRef>
+        </p:style>
+        <p:txBody>
+          <a:bodyPr rtlCol="0" anchor="ctr"/>
+          <a:lstStyle/>
+          <a:p>
+            <a:pPr algn="ctr"/>
+            <a:r>
+              <a:rPr lang="en-US" dirty="0"/>
+              <a:t>Permissions / Authorization Data &amp; Logic</a:t>
+            </a:r>
+          </a:p>
+        </p:txBody>
+      </p:sp>
+      <p:cxnSp>
+        <p:nvCxnSpPr>
+          <p:cNvPr id="24" name="Straight Arrow Connector 23">
+            <a:extLst>
+              <a:ext uri="{FF2B5EF4-FFF2-40B4-BE49-F238E27FC236}">
+                <a16:creationId xmlns:a16="http://schemas.microsoft.com/office/drawing/2014/main" id="{B30291D1-EF73-4FFD-F2CA-65E09F145AC3}"/>
+              </a:ext>
+            </a:extLst>
+          </p:cNvPr>
+          <p:cNvCxnSpPr>
+            <a:stCxn id="9" idx="3"/>
+            <a:endCxn id="22" idx="3"/>
+          </p:cNvCxnSpPr>
+          <p:nvPr/>
+        </p:nvCxnSpPr>
+        <p:spPr>
+          <a:xfrm flipV="1">
+            <a:off x="4765394" y="3560975"/>
+            <a:ext cx="719671" cy="1"/>
+          </a:xfrm>
+          <a:prstGeom prst="straightConnector1">
+            <a:avLst/>
+          </a:prstGeom>
+          <a:ln w="25400">
+            <a:solidFill>
+              <a:schemeClr val="tx1">
+                <a:lumMod val="95000"/>
+                <a:lumOff val="5000"/>
+              </a:schemeClr>
+            </a:solidFill>
+            <a:headEnd type="triangle"/>
+            <a:tailEnd type="triangle"/>
+          </a:ln>
+        </p:spPr>
+        <p:style>
+          <a:lnRef idx="1">
+            <a:schemeClr val="accent1"/>
+          </a:lnRef>
+          <a:fillRef idx="0">
+            <a:schemeClr val="accent1"/>
+          </a:fillRef>
+          <a:effectRef idx="0">
+            <a:schemeClr val="accent1"/>
+          </a:effectRef>
+          <a:fontRef idx="minor">
+            <a:schemeClr val="tx1"/>
+          </a:fontRef>
+        </p:style>
+      </p:cxnSp>
+      <p:sp>
+        <p:nvSpPr>
+          <p:cNvPr id="29" name="Rectangle 28">
+            <a:extLst>
+              <a:ext uri="{FF2B5EF4-FFF2-40B4-BE49-F238E27FC236}">
+                <a16:creationId xmlns:a16="http://schemas.microsoft.com/office/drawing/2014/main" id="{E34C2FBB-9DAC-5CAE-5D7A-F5E8958022D5}"/>
+              </a:ext>
+            </a:extLst>
+          </p:cNvPr>
+          <p:cNvSpPr/>
+          <p:nvPr/>
+        </p:nvSpPr>
+        <p:spPr>
+          <a:xfrm>
+            <a:off x="8320770" y="2943020"/>
+            <a:ext cx="1879908" cy="1235910"/>
+          </a:xfrm>
+          <a:prstGeom prst="rect">
+            <a:avLst/>
+          </a:prstGeom>
+          <a:solidFill>
+            <a:schemeClr val="accent4">
+              <a:lumMod val="75000"/>
+            </a:schemeClr>
+          </a:solidFill>
+        </p:spPr>
+        <p:style>
+          <a:lnRef idx="2">
+            <a:schemeClr val="accent3">
+              <a:shade val="50000"/>
+            </a:schemeClr>
+          </a:lnRef>
+          <a:fillRef idx="1">
+            <a:schemeClr val="accent3"/>
+          </a:fillRef>
+          <a:effectRef idx="0">
+            <a:schemeClr val="accent3"/>
+          </a:effectRef>
+          <a:fontRef idx="minor">
+            <a:schemeClr val="lt1"/>
+          </a:fontRef>
+        </p:style>
+        <p:txBody>
+          <a:bodyPr rtlCol="0" anchor="ctr"/>
+          <a:lstStyle/>
+          <a:p>
+            <a:pPr algn="ctr"/>
+            <a:r>
+              <a:rPr lang="en-US" dirty="0">
+                <a:solidFill>
+                  <a:schemeClr val="bg1"/>
+                </a:solidFill>
+              </a:rPr>
+              <a:t>Administration Application</a:t>
+            </a:r>
+          </a:p>
+        </p:txBody>
+      </p:sp>
+      <p:cxnSp>
+        <p:nvCxnSpPr>
+          <p:cNvPr id="30" name="Straight Arrow Connector 29">
+            <a:extLst>
+              <a:ext uri="{FF2B5EF4-FFF2-40B4-BE49-F238E27FC236}">
+                <a16:creationId xmlns:a16="http://schemas.microsoft.com/office/drawing/2014/main" id="{FD027D38-D620-6FC8-0C9C-4B633F7CB8FE}"/>
+              </a:ext>
+            </a:extLst>
+          </p:cNvPr>
+          <p:cNvCxnSpPr>
+            <a:cxnSpLocks/>
+            <a:stCxn id="22" idx="0"/>
+            <a:endCxn id="29" idx="1"/>
+          </p:cNvCxnSpPr>
+          <p:nvPr/>
+        </p:nvCxnSpPr>
+        <p:spPr>
+          <a:xfrm>
+            <a:off x="7601099" y="3560975"/>
+            <a:ext cx="719671" cy="0"/>
+          </a:xfrm>
+          <a:prstGeom prst="straightConnector1">
+            <a:avLst/>
+          </a:prstGeom>
+          <a:ln w="25400">
+            <a:solidFill>
+              <a:schemeClr val="tx1">
+                <a:lumMod val="95000"/>
+                <a:lumOff val="5000"/>
+              </a:schemeClr>
+            </a:solidFill>
+            <a:headEnd type="triangle"/>
+            <a:tailEnd type="none"/>
+          </a:ln>
+        </p:spPr>
+        <p:style>
+          <a:lnRef idx="1">
+            <a:schemeClr val="accent1"/>
+          </a:lnRef>
+          <a:fillRef idx="0">
+            <a:schemeClr val="accent1"/>
+          </a:fillRef>
+          <a:effectRef idx="0">
+            <a:schemeClr val="accent1"/>
+          </a:effectRef>
+          <a:fontRef idx="minor">
+            <a:schemeClr val="tx1"/>
+          </a:fontRef>
+        </p:style>
+      </p:cxnSp>
+    </p:spTree>
+    <p:extLst>
+      <p:ext uri="{BB962C8B-B14F-4D97-AF65-F5344CB8AC3E}">
+        <p14:creationId xmlns:p14="http://schemas.microsoft.com/office/powerpoint/2010/main" val="3122496217"/>
+      </p:ext>
+    </p:extLst>
+  </p:cSld>
+  <p:clrMapOvr>
+    <a:masterClrMapping/>
+  </p:clrMapOvr>
+</p:sld>
+</file>
+
+<file path=ppt/slides/slide11.xml><?xml version="1.0" encoding="utf-8"?>
+<p:sld xmlns:a="http://schemas.openxmlformats.org/drawingml/2006/main" xmlns:r="http://schemas.openxmlformats.org/officeDocument/2006/relationships" xmlns:p="http://schemas.openxmlformats.org/presentationml/2006/main">
+  <p:cSld>
+    <p:bg>
+      <p:bgPr>
+        <a:blipFill dpi="0" rotWithShape="1">
+          <a:blip r:embed="rId2">
+            <a:lum/>
+          </a:blip>
+          <a:srcRect/>
+          <a:stretch>
+            <a:fillRect/>
+          </a:stretch>
+        </a:blipFill>
+        <a:effectLst/>
+      </p:bgPr>
+    </p:bg>
+    <p:spTree>
+      <p:nvGrpSpPr>
+        <p:cNvPr id="1" name=""/>
+        <p:cNvGrpSpPr/>
+        <p:nvPr/>
+      </p:nvGrpSpPr>
+      <p:grpSpPr>
+        <a:xfrm>
+          <a:off x="0" y="0"/>
+          <a:ext cx="0" cy="0"/>
+          <a:chOff x="0" y="0"/>
+          <a:chExt cx="0" cy="0"/>
+        </a:xfrm>
+      </p:grpSpPr>
+      <p:sp>
+        <p:nvSpPr>
+          <p:cNvPr id="2" name="Title 1">
+            <a:extLst>
+              <a:ext uri="{FF2B5EF4-FFF2-40B4-BE49-F238E27FC236}">
+                <a16:creationId xmlns:a16="http://schemas.microsoft.com/office/drawing/2014/main" id="{55E11F08-6CA0-48F1-AD67-97430DDA07F0}"/>
+              </a:ext>
+            </a:extLst>
+          </p:cNvPr>
+          <p:cNvSpPr>
+            <a:spLocks noGrp="1"/>
+          </p:cNvSpPr>
+          <p:nvPr>
+            <p:ph type="title"/>
+          </p:nvPr>
+        </p:nvSpPr>
+        <p:spPr/>
+        <p:txBody>
+          <a:bodyPr>
+            <a:normAutofit/>
+          </a:bodyPr>
+          <a:lstStyle/>
+          <a:p>
+            <a:r>
+              <a:rPr lang="en-US" sz="4000" b="1" dirty="0">
+                <a:solidFill>
+                  <a:srgbClr val="292D33"/>
+                </a:solidFill>
+                <a:latin typeface="Euclid Circular B" panose="020B0504000000000000" pitchFamily="34" charset="0"/>
+                <a:ea typeface="Euclid Circular B" panose="020B0504000000000000" pitchFamily="34" charset="0"/>
+              </a:rPr>
+              <a:t>Discussion: External Authorization Service</a:t>
             </a:r>
           </a:p>
         </p:txBody>
       </p:sp>
       <p:pic>
         <p:nvPicPr>
-          <p:cNvPr id="1028" name="Picture 4" descr="Authorization Overview">
-            <a:extLst>
-              <a:ext uri="{FF2B5EF4-FFF2-40B4-BE49-F238E27FC236}">
-                <a16:creationId xmlns:a16="http://schemas.microsoft.com/office/drawing/2014/main" id="{EBFA4825-32EE-C395-62FF-88BD295FE867}"/>
+          <p:cNvPr id="1026" name="Picture 2" descr="Overview">
+            <a:extLst>
+              <a:ext uri="{FF2B5EF4-FFF2-40B4-BE49-F238E27FC236}">
+                <a16:creationId xmlns:a16="http://schemas.microsoft.com/office/drawing/2014/main" id="{4A1E5833-F101-5CD9-E383-08F7B0B9DEFB}"/>
               </a:ext>
             </a:extLst>
           </p:cNvPr>
@@ -6523,7 +7233,7 @@
           <p:nvPr/>
         </p:nvPicPr>
         <p:blipFill>
-          <a:blip r:embed="rId4">
+          <a:blip r:embed="rId3">
             <a:extLst>
               <a:ext uri="{28A0092B-C50C-407E-A947-70E740481C1C}">
                 <a14:useLocalDpi xmlns:a14="http://schemas.microsoft.com/office/drawing/2010/main" val="0"/>
@@ -6537,8 +7247,8 @@
         </p:blipFill>
         <p:spPr bwMode="auto">
           <a:xfrm>
-            <a:off x="1943100" y="47135"/>
-            <a:ext cx="8305800" cy="6400800"/>
+            <a:off x="6313915" y="1690688"/>
+            <a:ext cx="5543550" cy="4314825"/>
           </a:xfrm>
           <a:prstGeom prst="rect">
             <a:avLst/>
@@ -6555,10 +7265,117 @@
           </a:extLst>
         </p:spPr>
       </p:pic>
+      <p:sp>
+        <p:nvSpPr>
+          <p:cNvPr id="6" name="Content Placeholder 2">
+            <a:extLst>
+              <a:ext uri="{FF2B5EF4-FFF2-40B4-BE49-F238E27FC236}">
+                <a16:creationId xmlns:a16="http://schemas.microsoft.com/office/drawing/2014/main" id="{6C3F6BD9-A5E1-6F79-E4DA-BDFBCDD6A131}"/>
+              </a:ext>
+            </a:extLst>
+          </p:cNvPr>
+          <p:cNvSpPr>
+            <a:spLocks noGrp="1"/>
+          </p:cNvSpPr>
+          <p:nvPr>
+            <p:ph idx="1"/>
+          </p:nvPr>
+        </p:nvSpPr>
+        <p:spPr>
+          <a:xfrm>
+            <a:off x="838200" y="1825625"/>
+            <a:ext cx="5257800" cy="4351338"/>
+          </a:xfrm>
+        </p:spPr>
+        <p:txBody>
+          <a:bodyPr>
+            <a:normAutofit/>
+          </a:bodyPr>
+          <a:lstStyle/>
+          <a:p>
+            <a:pPr marL="0" indent="0">
+              <a:buNone/>
+            </a:pPr>
+            <a:r>
+              <a:rPr lang="en-US" sz="2000" b="1" dirty="0">
+                <a:latin typeface="Euclid Circular B" panose="020B0504000000000000" pitchFamily="34" charset="0"/>
+                <a:ea typeface="Euclid Circular B" panose="020B0504000000000000" pitchFamily="34" charset="0"/>
+              </a:rPr>
+              <a:t>How to obtain the application data?</a:t>
+            </a:r>
+          </a:p>
+          <a:p>
+            <a:r>
+              <a:rPr lang="en-US" sz="2000" dirty="0">
+                <a:latin typeface="Euclid Circular B" panose="020B0504000000000000" pitchFamily="34" charset="0"/>
+                <a:ea typeface="Euclid Circular B" panose="020B0504000000000000" pitchFamily="34" charset="0"/>
+              </a:rPr>
+              <a:t>Directly read from service’s database?</a:t>
+            </a:r>
+          </a:p>
+          <a:p>
+            <a:r>
+              <a:rPr lang="en-US" sz="2000" dirty="0">
+                <a:latin typeface="Euclid Circular B" panose="020B0504000000000000" pitchFamily="34" charset="0"/>
+                <a:ea typeface="Euclid Circular B" panose="020B0504000000000000" pitchFamily="34" charset="0"/>
+              </a:rPr>
+              <a:t>Send data on the authorization service call?</a:t>
+            </a:r>
+          </a:p>
+          <a:p>
+            <a:r>
+              <a:rPr lang="en-US" sz="2000" dirty="0">
+                <a:latin typeface="Euclid Circular B" panose="020B0504000000000000" pitchFamily="34" charset="0"/>
+                <a:ea typeface="Euclid Circular B" panose="020B0504000000000000" pitchFamily="34" charset="0"/>
+              </a:rPr>
+              <a:t>Pre-duplicate the data into authorization service’s database?</a:t>
+            </a:r>
+          </a:p>
+          <a:p>
+            <a:pPr marL="0" indent="0">
+              <a:buNone/>
+            </a:pPr>
+            <a:r>
+              <a:rPr lang="en-US" sz="2000" b="1" dirty="0">
+                <a:latin typeface="Euclid Circular B" panose="020B0504000000000000" pitchFamily="34" charset="0"/>
+                <a:ea typeface="Euclid Circular B" panose="020B0504000000000000" pitchFamily="34" charset="0"/>
+              </a:rPr>
+              <a:t>Other problems:</a:t>
+            </a:r>
+          </a:p>
+          <a:p>
+            <a:r>
+              <a:rPr lang="en-US" sz="2000" dirty="0">
+                <a:latin typeface="Euclid Circular B" panose="020B0504000000000000" pitchFamily="34" charset="0"/>
+                <a:ea typeface="Euclid Circular B" panose="020B0504000000000000" pitchFamily="34" charset="0"/>
+              </a:rPr>
+              <a:t>Network delays / problems on authorization service call.</a:t>
+            </a:r>
+          </a:p>
+          <a:p>
+            <a:r>
+              <a:rPr lang="en-US" sz="2000" dirty="0">
+                <a:latin typeface="Euclid Circular B" panose="020B0504000000000000" pitchFamily="34" charset="0"/>
+                <a:ea typeface="Euclid Circular B" panose="020B0504000000000000" pitchFamily="34" charset="0"/>
+              </a:rPr>
+              <a:t>Authorization service become a bottleneck.</a:t>
+            </a:r>
+          </a:p>
+          <a:p>
+            <a:pPr marL="0" indent="0">
+              <a:buNone/>
+            </a:pPr>
+            <a:endParaRPr lang="en-US" sz="2000" dirty="0">
+              <a:latin typeface="Euclid Circular B" panose="020B0504000000000000" pitchFamily="34" charset="0"/>
+              <a:ea typeface="Euclid Circular B" panose="020B0504000000000000" pitchFamily="34" charset="0"/>
+            </a:endParaRPr>
+          </a:p>
+        </p:txBody>
+      </p:sp>
     </p:spTree>
     <p:extLst>
       <p:ext uri="{BB962C8B-B14F-4D97-AF65-F5344CB8AC3E}">
-        <p14:creationId xmlns:p14="http://schemas.microsoft.com/office/powerpoint/2010/main" val="3843666090"/>
+        <p14:creationId xmlns:p14="http://schemas.microsoft.com/office/powerpoint/2010/main" val="3029708724"/>
       </p:ext>
     </p:extLst>
   </p:cSld>
@@ -6568,7 +7385,443 @@
 </p:sld>
 </file>
 
-<file path=ppt/slides/slide11.xml><?xml version="1.0" encoding="utf-8"?>
+<file path=ppt/slides/slide12.xml><?xml version="1.0" encoding="utf-8"?>
+<p:sld xmlns:a="http://schemas.openxmlformats.org/drawingml/2006/main" xmlns:r="http://schemas.openxmlformats.org/officeDocument/2006/relationships" xmlns:p="http://schemas.openxmlformats.org/presentationml/2006/main">
+  <p:cSld>
+    <p:bg>
+      <p:bgPr>
+        <a:blipFill dpi="0" rotWithShape="1">
+          <a:blip r:embed="rId2">
+            <a:lum/>
+          </a:blip>
+          <a:srcRect/>
+          <a:stretch>
+            <a:fillRect/>
+          </a:stretch>
+        </a:blipFill>
+        <a:effectLst/>
+      </p:bgPr>
+    </p:bg>
+    <p:spTree>
+      <p:nvGrpSpPr>
+        <p:cNvPr id="1" name=""/>
+        <p:cNvGrpSpPr/>
+        <p:nvPr/>
+      </p:nvGrpSpPr>
+      <p:grpSpPr>
+        <a:xfrm>
+          <a:off x="0" y="0"/>
+          <a:ext cx="0" cy="0"/>
+          <a:chOff x="0" y="0"/>
+          <a:chExt cx="0" cy="0"/>
+        </a:xfrm>
+      </p:grpSpPr>
+      <p:sp>
+        <p:nvSpPr>
+          <p:cNvPr id="2" name="Title 1">
+            <a:extLst>
+              <a:ext uri="{FF2B5EF4-FFF2-40B4-BE49-F238E27FC236}">
+                <a16:creationId xmlns:a16="http://schemas.microsoft.com/office/drawing/2014/main" id="{55E11F08-6CA0-48F1-AD67-97430DDA07F0}"/>
+              </a:ext>
+            </a:extLst>
+          </p:cNvPr>
+          <p:cNvSpPr>
+            <a:spLocks noGrp="1"/>
+          </p:cNvSpPr>
+          <p:nvPr>
+            <p:ph type="title"/>
+          </p:nvPr>
+        </p:nvSpPr>
+        <p:spPr/>
+        <p:txBody>
+          <a:bodyPr/>
+          <a:lstStyle/>
+          <a:p>
+            <a:r>
+              <a:rPr lang="en-US" b="1" dirty="0">
+                <a:solidFill>
+                  <a:srgbClr val="292D33"/>
+                </a:solidFill>
+                <a:latin typeface="Euclid Circular B" panose="020B0504000000000000" pitchFamily="34" charset="0"/>
+                <a:ea typeface="Euclid Circular B" panose="020B0504000000000000" pitchFamily="34" charset="0"/>
+              </a:rPr>
+              <a:t>Discussion: Check on the API Gateway</a:t>
+            </a:r>
+          </a:p>
+        </p:txBody>
+      </p:sp>
+      <p:sp>
+        <p:nvSpPr>
+          <p:cNvPr id="3" name="Content Placeholder 2">
+            <a:extLst>
+              <a:ext uri="{FF2B5EF4-FFF2-40B4-BE49-F238E27FC236}">
+                <a16:creationId xmlns:a16="http://schemas.microsoft.com/office/drawing/2014/main" id="{891C7693-D3DF-4635-96F4-97F3B4136FDF}"/>
+              </a:ext>
+            </a:extLst>
+          </p:cNvPr>
+          <p:cNvSpPr>
+            <a:spLocks noGrp="1"/>
+          </p:cNvSpPr>
+          <p:nvPr>
+            <p:ph idx="1"/>
+          </p:nvPr>
+        </p:nvSpPr>
+        <p:spPr/>
+        <p:txBody>
+          <a:bodyPr/>
+          <a:lstStyle/>
+          <a:p>
+            <a:r>
+              <a:rPr lang="en-US" dirty="0">
+                <a:latin typeface="Euclid Circular B" panose="020B0504000000000000" pitchFamily="34" charset="0"/>
+                <a:ea typeface="Euclid Circular B" panose="020B0504000000000000" pitchFamily="34" charset="0"/>
+              </a:rPr>
+              <a:t>Content</a:t>
+            </a:r>
+          </a:p>
+        </p:txBody>
+      </p:sp>
+    </p:spTree>
+    <p:extLst>
+      <p:ext uri="{BB962C8B-B14F-4D97-AF65-F5344CB8AC3E}">
+        <p14:creationId xmlns:p14="http://schemas.microsoft.com/office/powerpoint/2010/main" val="2675068991"/>
+      </p:ext>
+    </p:extLst>
+  </p:cSld>
+  <p:clrMapOvr>
+    <a:masterClrMapping/>
+  </p:clrMapOvr>
+</p:sld>
+</file>
+
+<file path=ppt/slides/slide13.xml><?xml version="1.0" encoding="utf-8"?>
+<p:sld xmlns:a="http://schemas.openxmlformats.org/drawingml/2006/main" xmlns:r="http://schemas.openxmlformats.org/officeDocument/2006/relationships" xmlns:p="http://schemas.openxmlformats.org/presentationml/2006/main">
+  <p:cSld>
+    <p:bg>
+      <p:bgPr>
+        <a:blipFill dpi="0" rotWithShape="1">
+          <a:blip r:embed="rId2">
+            <a:lum/>
+          </a:blip>
+          <a:srcRect/>
+          <a:stretch>
+            <a:fillRect/>
+          </a:stretch>
+        </a:blipFill>
+        <a:effectLst/>
+      </p:bgPr>
+    </p:bg>
+    <p:spTree>
+      <p:nvGrpSpPr>
+        <p:cNvPr id="1" name=""/>
+        <p:cNvGrpSpPr/>
+        <p:nvPr/>
+      </p:nvGrpSpPr>
+      <p:grpSpPr>
+        <a:xfrm>
+          <a:off x="0" y="0"/>
+          <a:ext cx="0" cy="0"/>
+          <a:chOff x="0" y="0"/>
+          <a:chExt cx="0" cy="0"/>
+        </a:xfrm>
+      </p:grpSpPr>
+      <p:sp>
+        <p:nvSpPr>
+          <p:cNvPr id="2" name="Title 1">
+            <a:extLst>
+              <a:ext uri="{FF2B5EF4-FFF2-40B4-BE49-F238E27FC236}">
+                <a16:creationId xmlns:a16="http://schemas.microsoft.com/office/drawing/2014/main" id="{55E11F08-6CA0-48F1-AD67-97430DDA07F0}"/>
+              </a:ext>
+            </a:extLst>
+          </p:cNvPr>
+          <p:cNvSpPr>
+            <a:spLocks noGrp="1"/>
+          </p:cNvSpPr>
+          <p:nvPr>
+            <p:ph type="title"/>
+          </p:nvPr>
+        </p:nvSpPr>
+        <p:spPr/>
+        <p:txBody>
+          <a:bodyPr/>
+          <a:lstStyle/>
+          <a:p>
+            <a:r>
+              <a:rPr lang="en-US" b="1" dirty="0">
+                <a:solidFill>
+                  <a:srgbClr val="292D33"/>
+                </a:solidFill>
+                <a:latin typeface="Euclid Circular B" panose="020B0504000000000000" pitchFamily="34" charset="0"/>
+                <a:ea typeface="Euclid Circular B" panose="020B0504000000000000" pitchFamily="34" charset="0"/>
+              </a:rPr>
+              <a:t>Topic title</a:t>
+            </a:r>
+          </a:p>
+        </p:txBody>
+      </p:sp>
+      <p:sp>
+        <p:nvSpPr>
+          <p:cNvPr id="3" name="Content Placeholder 2">
+            <a:extLst>
+              <a:ext uri="{FF2B5EF4-FFF2-40B4-BE49-F238E27FC236}">
+                <a16:creationId xmlns:a16="http://schemas.microsoft.com/office/drawing/2014/main" id="{891C7693-D3DF-4635-96F4-97F3B4136FDF}"/>
+              </a:ext>
+            </a:extLst>
+          </p:cNvPr>
+          <p:cNvSpPr>
+            <a:spLocks noGrp="1"/>
+          </p:cNvSpPr>
+          <p:nvPr>
+            <p:ph idx="1"/>
+          </p:nvPr>
+        </p:nvSpPr>
+        <p:spPr/>
+        <p:txBody>
+          <a:bodyPr/>
+          <a:lstStyle/>
+          <a:p>
+            <a:r>
+              <a:rPr lang="en-US" dirty="0">
+                <a:latin typeface="Euclid Circular B" panose="020B0504000000000000" pitchFamily="34" charset="0"/>
+                <a:ea typeface="Euclid Circular B" panose="020B0504000000000000" pitchFamily="34" charset="0"/>
+              </a:rPr>
+              <a:t>Content</a:t>
+            </a:r>
+          </a:p>
+        </p:txBody>
+      </p:sp>
+    </p:spTree>
+    <p:extLst>
+      <p:ext uri="{BB962C8B-B14F-4D97-AF65-F5344CB8AC3E}">
+        <p14:creationId xmlns:p14="http://schemas.microsoft.com/office/powerpoint/2010/main" val="553463565"/>
+      </p:ext>
+    </p:extLst>
+  </p:cSld>
+  <p:clrMapOvr>
+    <a:masterClrMapping/>
+  </p:clrMapOvr>
+</p:sld>
+</file>
+
+<file path=ppt/slides/slide14.xml><?xml version="1.0" encoding="utf-8"?>
+<p:sld xmlns:a="http://schemas.openxmlformats.org/drawingml/2006/main" xmlns:r="http://schemas.openxmlformats.org/officeDocument/2006/relationships" xmlns:p="http://schemas.openxmlformats.org/presentationml/2006/main">
+  <p:cSld>
+    <p:bg>
+      <p:bgPr>
+        <a:blipFill dpi="0" rotWithShape="1">
+          <a:blip r:embed="rId2">
+            <a:lum/>
+          </a:blip>
+          <a:srcRect/>
+          <a:stretch>
+            <a:fillRect/>
+          </a:stretch>
+        </a:blipFill>
+        <a:effectLst/>
+      </p:bgPr>
+    </p:bg>
+    <p:spTree>
+      <p:nvGrpSpPr>
+        <p:cNvPr id="1" name=""/>
+        <p:cNvGrpSpPr/>
+        <p:nvPr/>
+      </p:nvGrpSpPr>
+      <p:grpSpPr>
+        <a:xfrm>
+          <a:off x="0" y="0"/>
+          <a:ext cx="0" cy="0"/>
+          <a:chOff x="0" y="0"/>
+          <a:chExt cx="0" cy="0"/>
+        </a:xfrm>
+      </p:grpSpPr>
+      <p:sp>
+        <p:nvSpPr>
+          <p:cNvPr id="2" name="Title 1">
+            <a:extLst>
+              <a:ext uri="{FF2B5EF4-FFF2-40B4-BE49-F238E27FC236}">
+                <a16:creationId xmlns:a16="http://schemas.microsoft.com/office/drawing/2014/main" id="{55E11F08-6CA0-48F1-AD67-97430DDA07F0}"/>
+              </a:ext>
+            </a:extLst>
+          </p:cNvPr>
+          <p:cNvSpPr>
+            <a:spLocks noGrp="1"/>
+          </p:cNvSpPr>
+          <p:nvPr>
+            <p:ph type="title"/>
+          </p:nvPr>
+        </p:nvSpPr>
+        <p:spPr/>
+        <p:txBody>
+          <a:bodyPr/>
+          <a:lstStyle/>
+          <a:p>
+            <a:r>
+              <a:rPr lang="en-US" b="1" dirty="0">
+                <a:solidFill>
+                  <a:srgbClr val="292D33"/>
+                </a:solidFill>
+                <a:latin typeface="Euclid Circular B" panose="020B0504000000000000" pitchFamily="34" charset="0"/>
+                <a:ea typeface="Euclid Circular B" panose="020B0504000000000000" pitchFamily="34" charset="0"/>
+              </a:rPr>
+              <a:t>Topic title</a:t>
+            </a:r>
+          </a:p>
+        </p:txBody>
+      </p:sp>
+      <p:sp>
+        <p:nvSpPr>
+          <p:cNvPr id="3" name="Content Placeholder 2">
+            <a:extLst>
+              <a:ext uri="{FF2B5EF4-FFF2-40B4-BE49-F238E27FC236}">
+                <a16:creationId xmlns:a16="http://schemas.microsoft.com/office/drawing/2014/main" id="{891C7693-D3DF-4635-96F4-97F3B4136FDF}"/>
+              </a:ext>
+            </a:extLst>
+          </p:cNvPr>
+          <p:cNvSpPr>
+            <a:spLocks noGrp="1"/>
+          </p:cNvSpPr>
+          <p:nvPr>
+            <p:ph idx="1"/>
+          </p:nvPr>
+        </p:nvSpPr>
+        <p:spPr/>
+        <p:txBody>
+          <a:bodyPr/>
+          <a:lstStyle/>
+          <a:p>
+            <a:r>
+              <a:rPr lang="en-US" dirty="0">
+                <a:latin typeface="Euclid Circular B" panose="020B0504000000000000" pitchFamily="34" charset="0"/>
+                <a:ea typeface="Euclid Circular B" panose="020B0504000000000000" pitchFamily="34" charset="0"/>
+              </a:rPr>
+              <a:t>Content</a:t>
+            </a:r>
+          </a:p>
+        </p:txBody>
+      </p:sp>
+    </p:spTree>
+    <p:extLst>
+      <p:ext uri="{BB962C8B-B14F-4D97-AF65-F5344CB8AC3E}">
+        <p14:creationId xmlns:p14="http://schemas.microsoft.com/office/powerpoint/2010/main" val="3507535533"/>
+      </p:ext>
+    </p:extLst>
+  </p:cSld>
+  <p:clrMapOvr>
+    <a:masterClrMapping/>
+  </p:clrMapOvr>
+</p:sld>
+</file>
+
+<file path=ppt/slides/slide15.xml><?xml version="1.0" encoding="utf-8"?>
+<p:sld xmlns:a="http://schemas.openxmlformats.org/drawingml/2006/main" xmlns:r="http://schemas.openxmlformats.org/officeDocument/2006/relationships" xmlns:p="http://schemas.openxmlformats.org/presentationml/2006/main">
+  <p:cSld>
+    <p:bg>
+      <p:bgPr>
+        <a:blipFill dpi="0" rotWithShape="1">
+          <a:blip r:embed="rId2">
+            <a:lum/>
+          </a:blip>
+          <a:srcRect/>
+          <a:stretch>
+            <a:fillRect/>
+          </a:stretch>
+        </a:blipFill>
+        <a:effectLst/>
+      </p:bgPr>
+    </p:bg>
+    <p:spTree>
+      <p:nvGrpSpPr>
+        <p:cNvPr id="1" name=""/>
+        <p:cNvGrpSpPr/>
+        <p:nvPr/>
+      </p:nvGrpSpPr>
+      <p:grpSpPr>
+        <a:xfrm>
+          <a:off x="0" y="0"/>
+          <a:ext cx="0" cy="0"/>
+          <a:chOff x="0" y="0"/>
+          <a:chExt cx="0" cy="0"/>
+        </a:xfrm>
+      </p:grpSpPr>
+      <p:sp>
+        <p:nvSpPr>
+          <p:cNvPr id="2" name="Title 1">
+            <a:extLst>
+              <a:ext uri="{FF2B5EF4-FFF2-40B4-BE49-F238E27FC236}">
+                <a16:creationId xmlns:a16="http://schemas.microsoft.com/office/drawing/2014/main" id="{55E11F08-6CA0-48F1-AD67-97430DDA07F0}"/>
+              </a:ext>
+            </a:extLst>
+          </p:cNvPr>
+          <p:cNvSpPr>
+            <a:spLocks noGrp="1"/>
+          </p:cNvSpPr>
+          <p:nvPr>
+            <p:ph type="title"/>
+          </p:nvPr>
+        </p:nvSpPr>
+        <p:spPr/>
+        <p:txBody>
+          <a:bodyPr/>
+          <a:lstStyle/>
+          <a:p>
+            <a:r>
+              <a:rPr lang="en-US" b="1" dirty="0">
+                <a:solidFill>
+                  <a:srgbClr val="292D33"/>
+                </a:solidFill>
+                <a:latin typeface="Euclid Circular B" panose="020B0504000000000000" pitchFamily="34" charset="0"/>
+                <a:ea typeface="Euclid Circular B" panose="020B0504000000000000" pitchFamily="34" charset="0"/>
+              </a:rPr>
+              <a:t>Topic title</a:t>
+            </a:r>
+          </a:p>
+        </p:txBody>
+      </p:sp>
+      <p:sp>
+        <p:nvSpPr>
+          <p:cNvPr id="3" name="Content Placeholder 2">
+            <a:extLst>
+              <a:ext uri="{FF2B5EF4-FFF2-40B4-BE49-F238E27FC236}">
+                <a16:creationId xmlns:a16="http://schemas.microsoft.com/office/drawing/2014/main" id="{891C7693-D3DF-4635-96F4-97F3B4136FDF}"/>
+              </a:ext>
+            </a:extLst>
+          </p:cNvPr>
+          <p:cNvSpPr>
+            <a:spLocks noGrp="1"/>
+          </p:cNvSpPr>
+          <p:nvPr>
+            <p:ph idx="1"/>
+          </p:nvPr>
+        </p:nvSpPr>
+        <p:spPr/>
+        <p:txBody>
+          <a:bodyPr/>
+          <a:lstStyle/>
+          <a:p>
+            <a:r>
+              <a:rPr lang="en-US" dirty="0">
+                <a:latin typeface="Euclid Circular B" panose="020B0504000000000000" pitchFamily="34" charset="0"/>
+                <a:ea typeface="Euclid Circular B" panose="020B0504000000000000" pitchFamily="34" charset="0"/>
+              </a:rPr>
+              <a:t>Content</a:t>
+            </a:r>
+          </a:p>
+        </p:txBody>
+      </p:sp>
+    </p:spTree>
+    <p:extLst>
+      <p:ext uri="{BB962C8B-B14F-4D97-AF65-F5344CB8AC3E}">
+        <p14:creationId xmlns:p14="http://schemas.microsoft.com/office/powerpoint/2010/main" val="2191652206"/>
+      </p:ext>
+    </p:extLst>
+  </p:cSld>
+  <p:clrMapOvr>
+    <a:masterClrMapping/>
+  </p:clrMapOvr>
+</p:sld>
+</file>
+
+<file path=ppt/slides/slide16.xml><?xml version="1.0" encoding="utf-8"?>
 <p:sld xmlns:a="http://schemas.openxmlformats.org/drawingml/2006/main" xmlns:r="http://schemas.openxmlformats.org/officeDocument/2006/relationships" xmlns:p="http://schemas.openxmlformats.org/presentationml/2006/main">
   <p:cSld>
     <p:bg>
@@ -7449,7 +8702,7 @@
 </p:sld>
 </file>
 
-<file path=ppt/slides/slide12.xml><?xml version="1.0" encoding="utf-8"?>
+<file path=ppt/slides/slide17.xml><?xml version="1.0" encoding="utf-8"?>
 <p:sld xmlns:a="http://schemas.openxmlformats.org/drawingml/2006/main" xmlns:r="http://schemas.openxmlformats.org/officeDocument/2006/relationships" xmlns:p="http://schemas.openxmlformats.org/presentationml/2006/main">
   <p:cSld>
     <p:bg>
@@ -7548,7 +8801,7 @@
     </p:spTree>
     <p:extLst>
       <p:ext uri="{BB962C8B-B14F-4D97-AF65-F5344CB8AC3E}">
-        <p14:creationId xmlns:p14="http://schemas.microsoft.com/office/powerpoint/2010/main" val="3029708724"/>
+        <p14:creationId xmlns:p14="http://schemas.microsoft.com/office/powerpoint/2010/main" val="142816348"/>
       </p:ext>
     </p:extLst>
   </p:cSld>
@@ -7558,7 +8811,7 @@
 </p:sld>
 </file>
 
-<file path=ppt/slides/slide13.xml><?xml version="1.0" encoding="utf-8"?>
+<file path=ppt/slides/slide18.xml><?xml version="1.0" encoding="utf-8"?>
 <p:sld xmlns:a="http://schemas.openxmlformats.org/drawingml/2006/main" xmlns:r="http://schemas.openxmlformats.org/officeDocument/2006/relationships" xmlns:p="http://schemas.openxmlformats.org/presentationml/2006/main">
   <p:cSld>
     <p:bg>
@@ -7657,224 +8910,6 @@
     </p:spTree>
     <p:extLst>
       <p:ext uri="{BB962C8B-B14F-4D97-AF65-F5344CB8AC3E}">
-        <p14:creationId xmlns:p14="http://schemas.microsoft.com/office/powerpoint/2010/main" val="2675068991"/>
-      </p:ext>
-    </p:extLst>
-  </p:cSld>
-  <p:clrMapOvr>
-    <a:masterClrMapping/>
-  </p:clrMapOvr>
-</p:sld>
-</file>
-
-<file path=ppt/slides/slide14.xml><?xml version="1.0" encoding="utf-8"?>
-<p:sld xmlns:a="http://schemas.openxmlformats.org/drawingml/2006/main" xmlns:r="http://schemas.openxmlformats.org/officeDocument/2006/relationships" xmlns:p="http://schemas.openxmlformats.org/presentationml/2006/main">
-  <p:cSld>
-    <p:bg>
-      <p:bgPr>
-        <a:blipFill dpi="0" rotWithShape="1">
-          <a:blip r:embed="rId2">
-            <a:lum/>
-          </a:blip>
-          <a:srcRect/>
-          <a:stretch>
-            <a:fillRect/>
-          </a:stretch>
-        </a:blipFill>
-        <a:effectLst/>
-      </p:bgPr>
-    </p:bg>
-    <p:spTree>
-      <p:nvGrpSpPr>
-        <p:cNvPr id="1" name=""/>
-        <p:cNvGrpSpPr/>
-        <p:nvPr/>
-      </p:nvGrpSpPr>
-      <p:grpSpPr>
-        <a:xfrm>
-          <a:off x="0" y="0"/>
-          <a:ext cx="0" cy="0"/>
-          <a:chOff x="0" y="0"/>
-          <a:chExt cx="0" cy="0"/>
-        </a:xfrm>
-      </p:grpSpPr>
-      <p:sp>
-        <p:nvSpPr>
-          <p:cNvPr id="2" name="Title 1">
-            <a:extLst>
-              <a:ext uri="{FF2B5EF4-FFF2-40B4-BE49-F238E27FC236}">
-                <a16:creationId xmlns:a16="http://schemas.microsoft.com/office/drawing/2014/main" id="{55E11F08-6CA0-48F1-AD67-97430DDA07F0}"/>
-              </a:ext>
-            </a:extLst>
-          </p:cNvPr>
-          <p:cNvSpPr>
-            <a:spLocks noGrp="1"/>
-          </p:cNvSpPr>
-          <p:nvPr>
-            <p:ph type="title"/>
-          </p:nvPr>
-        </p:nvSpPr>
-        <p:spPr/>
-        <p:txBody>
-          <a:bodyPr/>
-          <a:lstStyle/>
-          <a:p>
-            <a:r>
-              <a:rPr lang="en-US" b="1" dirty="0">
-                <a:solidFill>
-                  <a:srgbClr val="292D33"/>
-                </a:solidFill>
-                <a:latin typeface="Euclid Circular B" panose="020B0504000000000000" pitchFamily="34" charset="0"/>
-                <a:ea typeface="Euclid Circular B" panose="020B0504000000000000" pitchFamily="34" charset="0"/>
-              </a:rPr>
-              <a:t>Topic title</a:t>
-            </a:r>
-          </a:p>
-        </p:txBody>
-      </p:sp>
-      <p:sp>
-        <p:nvSpPr>
-          <p:cNvPr id="3" name="Content Placeholder 2">
-            <a:extLst>
-              <a:ext uri="{FF2B5EF4-FFF2-40B4-BE49-F238E27FC236}">
-                <a16:creationId xmlns:a16="http://schemas.microsoft.com/office/drawing/2014/main" id="{891C7693-D3DF-4635-96F4-97F3B4136FDF}"/>
-              </a:ext>
-            </a:extLst>
-          </p:cNvPr>
-          <p:cNvSpPr>
-            <a:spLocks noGrp="1"/>
-          </p:cNvSpPr>
-          <p:nvPr>
-            <p:ph idx="1"/>
-          </p:nvPr>
-        </p:nvSpPr>
-        <p:spPr/>
-        <p:txBody>
-          <a:bodyPr/>
-          <a:lstStyle/>
-          <a:p>
-            <a:r>
-              <a:rPr lang="en-US" dirty="0">
-                <a:latin typeface="Euclid Circular B" panose="020B0504000000000000" pitchFamily="34" charset="0"/>
-                <a:ea typeface="Euclid Circular B" panose="020B0504000000000000" pitchFamily="34" charset="0"/>
-              </a:rPr>
-              <a:t>Content</a:t>
-            </a:r>
-          </a:p>
-        </p:txBody>
-      </p:sp>
-    </p:spTree>
-    <p:extLst>
-      <p:ext uri="{BB962C8B-B14F-4D97-AF65-F5344CB8AC3E}">
-        <p14:creationId xmlns:p14="http://schemas.microsoft.com/office/powerpoint/2010/main" val="142816348"/>
-      </p:ext>
-    </p:extLst>
-  </p:cSld>
-  <p:clrMapOvr>
-    <a:masterClrMapping/>
-  </p:clrMapOvr>
-</p:sld>
-</file>
-
-<file path=ppt/slides/slide15.xml><?xml version="1.0" encoding="utf-8"?>
-<p:sld xmlns:a="http://schemas.openxmlformats.org/drawingml/2006/main" xmlns:r="http://schemas.openxmlformats.org/officeDocument/2006/relationships" xmlns:p="http://schemas.openxmlformats.org/presentationml/2006/main">
-  <p:cSld>
-    <p:bg>
-      <p:bgPr>
-        <a:blipFill dpi="0" rotWithShape="1">
-          <a:blip r:embed="rId2">
-            <a:lum/>
-          </a:blip>
-          <a:srcRect/>
-          <a:stretch>
-            <a:fillRect/>
-          </a:stretch>
-        </a:blipFill>
-        <a:effectLst/>
-      </p:bgPr>
-    </p:bg>
-    <p:spTree>
-      <p:nvGrpSpPr>
-        <p:cNvPr id="1" name=""/>
-        <p:cNvGrpSpPr/>
-        <p:nvPr/>
-      </p:nvGrpSpPr>
-      <p:grpSpPr>
-        <a:xfrm>
-          <a:off x="0" y="0"/>
-          <a:ext cx="0" cy="0"/>
-          <a:chOff x="0" y="0"/>
-          <a:chExt cx="0" cy="0"/>
-        </a:xfrm>
-      </p:grpSpPr>
-      <p:sp>
-        <p:nvSpPr>
-          <p:cNvPr id="2" name="Title 1">
-            <a:extLst>
-              <a:ext uri="{FF2B5EF4-FFF2-40B4-BE49-F238E27FC236}">
-                <a16:creationId xmlns:a16="http://schemas.microsoft.com/office/drawing/2014/main" id="{55E11F08-6CA0-48F1-AD67-97430DDA07F0}"/>
-              </a:ext>
-            </a:extLst>
-          </p:cNvPr>
-          <p:cNvSpPr>
-            <a:spLocks noGrp="1"/>
-          </p:cNvSpPr>
-          <p:nvPr>
-            <p:ph type="title"/>
-          </p:nvPr>
-        </p:nvSpPr>
-        <p:spPr/>
-        <p:txBody>
-          <a:bodyPr/>
-          <a:lstStyle/>
-          <a:p>
-            <a:r>
-              <a:rPr lang="en-US" b="1" dirty="0">
-                <a:solidFill>
-                  <a:srgbClr val="292D33"/>
-                </a:solidFill>
-                <a:latin typeface="Euclid Circular B" panose="020B0504000000000000" pitchFamily="34" charset="0"/>
-                <a:ea typeface="Euclid Circular B" panose="020B0504000000000000" pitchFamily="34" charset="0"/>
-              </a:rPr>
-              <a:t>Topic title</a:t>
-            </a:r>
-          </a:p>
-        </p:txBody>
-      </p:sp>
-      <p:sp>
-        <p:nvSpPr>
-          <p:cNvPr id="3" name="Content Placeholder 2">
-            <a:extLst>
-              <a:ext uri="{FF2B5EF4-FFF2-40B4-BE49-F238E27FC236}">
-                <a16:creationId xmlns:a16="http://schemas.microsoft.com/office/drawing/2014/main" id="{891C7693-D3DF-4635-96F4-97F3B4136FDF}"/>
-              </a:ext>
-            </a:extLst>
-          </p:cNvPr>
-          <p:cNvSpPr>
-            <a:spLocks noGrp="1"/>
-          </p:cNvSpPr>
-          <p:nvPr>
-            <p:ph idx="1"/>
-          </p:nvPr>
-        </p:nvSpPr>
-        <p:spPr/>
-        <p:txBody>
-          <a:bodyPr/>
-          <a:lstStyle/>
-          <a:p>
-            <a:r>
-              <a:rPr lang="en-US" dirty="0">
-                <a:latin typeface="Euclid Circular B" panose="020B0504000000000000" pitchFamily="34" charset="0"/>
-                <a:ea typeface="Euclid Circular B" panose="020B0504000000000000" pitchFamily="34" charset="0"/>
-              </a:rPr>
-              <a:t>Content</a:t>
-            </a:r>
-          </a:p>
-        </p:txBody>
-      </p:sp>
-    </p:spTree>
-    <p:extLst>
-      <p:ext uri="{BB962C8B-B14F-4D97-AF65-F5344CB8AC3E}">
         <p14:creationId xmlns:p14="http://schemas.microsoft.com/office/powerpoint/2010/main" val="2729794055"/>
       </p:ext>
     </p:extLst>
@@ -7885,7 +8920,7 @@
 </p:sld>
 </file>
 
-<file path=ppt/slides/slide16.xml><?xml version="1.0" encoding="utf-8"?>
+<file path=ppt/slides/slide19.xml><?xml version="1.0" encoding="utf-8"?>
 <p:sld xmlns:a="http://schemas.openxmlformats.org/drawingml/2006/main" xmlns:r="http://schemas.openxmlformats.org/officeDocument/2006/relationships" xmlns:p="http://schemas.openxmlformats.org/presentationml/2006/main">
   <p:cSld>
     <p:bg>
@@ -8146,6 +9181,987 @@
     <p:extLst>
       <p:ext uri="{BB962C8B-B14F-4D97-AF65-F5344CB8AC3E}">
         <p14:creationId xmlns:p14="http://schemas.microsoft.com/office/powerpoint/2010/main" val="777033671"/>
+      </p:ext>
+    </p:extLst>
+  </p:cSld>
+  <p:clrMapOvr>
+    <a:masterClrMapping/>
+  </p:clrMapOvr>
+</p:sld>
+</file>
+
+<file path=ppt/slides/slide20.xml><?xml version="1.0" encoding="utf-8"?>
+<p:sld xmlns:a="http://schemas.openxmlformats.org/drawingml/2006/main" xmlns:r="http://schemas.openxmlformats.org/officeDocument/2006/relationships" xmlns:p="http://schemas.openxmlformats.org/presentationml/2006/main">
+  <p:cSld>
+    <p:bg>
+      <p:bgPr>
+        <a:blipFill dpi="0" rotWithShape="1">
+          <a:blip r:embed="rId2">
+            <a:lum/>
+          </a:blip>
+          <a:srcRect/>
+          <a:stretch>
+            <a:fillRect/>
+          </a:stretch>
+        </a:blipFill>
+        <a:effectLst/>
+      </p:bgPr>
+    </p:bg>
+    <p:spTree>
+      <p:nvGrpSpPr>
+        <p:cNvPr id="1" name=""/>
+        <p:cNvGrpSpPr/>
+        <p:nvPr/>
+      </p:nvGrpSpPr>
+      <p:grpSpPr>
+        <a:xfrm>
+          <a:off x="0" y="0"/>
+          <a:ext cx="0" cy="0"/>
+          <a:chOff x="0" y="0"/>
+          <a:chExt cx="0" cy="0"/>
+        </a:xfrm>
+      </p:grpSpPr>
+      <p:sp>
+        <p:nvSpPr>
+          <p:cNvPr id="2" name="Title 1">
+            <a:extLst>
+              <a:ext uri="{FF2B5EF4-FFF2-40B4-BE49-F238E27FC236}">
+                <a16:creationId xmlns:a16="http://schemas.microsoft.com/office/drawing/2014/main" id="{55E11F08-6CA0-48F1-AD67-97430DDA07F0}"/>
+              </a:ext>
+            </a:extLst>
+          </p:cNvPr>
+          <p:cNvSpPr>
+            <a:spLocks noGrp="1"/>
+          </p:cNvSpPr>
+          <p:nvPr>
+            <p:ph type="title"/>
+          </p:nvPr>
+        </p:nvSpPr>
+        <p:spPr/>
+        <p:txBody>
+          <a:bodyPr/>
+          <a:lstStyle/>
+          <a:p>
+            <a:r>
+              <a:rPr lang="en-US" b="1" dirty="0">
+                <a:solidFill>
+                  <a:srgbClr val="292D33"/>
+                </a:solidFill>
+                <a:latin typeface="Euclid Circular B" panose="020B0504000000000000" pitchFamily="34" charset="0"/>
+                <a:ea typeface="Euclid Circular B" panose="020B0504000000000000" pitchFamily="34" charset="0"/>
+              </a:rPr>
+              <a:t>Topic title</a:t>
+            </a:r>
+          </a:p>
+        </p:txBody>
+      </p:sp>
+      <p:sp>
+        <p:nvSpPr>
+          <p:cNvPr id="3" name="Content Placeholder 2">
+            <a:extLst>
+              <a:ext uri="{FF2B5EF4-FFF2-40B4-BE49-F238E27FC236}">
+                <a16:creationId xmlns:a16="http://schemas.microsoft.com/office/drawing/2014/main" id="{891C7693-D3DF-4635-96F4-97F3B4136FDF}"/>
+              </a:ext>
+            </a:extLst>
+          </p:cNvPr>
+          <p:cNvSpPr>
+            <a:spLocks noGrp="1"/>
+          </p:cNvSpPr>
+          <p:nvPr>
+            <p:ph idx="1"/>
+          </p:nvPr>
+        </p:nvSpPr>
+        <p:spPr/>
+        <p:txBody>
+          <a:bodyPr/>
+          <a:lstStyle/>
+          <a:p>
+            <a:r>
+              <a:rPr lang="en-US" dirty="0">
+                <a:latin typeface="Euclid Circular B" panose="020B0504000000000000" pitchFamily="34" charset="0"/>
+                <a:ea typeface="Euclid Circular B" panose="020B0504000000000000" pitchFamily="34" charset="0"/>
+              </a:rPr>
+              <a:t>Content</a:t>
+            </a:r>
+          </a:p>
+        </p:txBody>
+      </p:sp>
+    </p:spTree>
+    <p:extLst>
+      <p:ext uri="{BB962C8B-B14F-4D97-AF65-F5344CB8AC3E}">
+        <p14:creationId xmlns:p14="http://schemas.microsoft.com/office/powerpoint/2010/main" val="2716205615"/>
+      </p:ext>
+    </p:extLst>
+  </p:cSld>
+  <p:clrMapOvr>
+    <a:masterClrMapping/>
+  </p:clrMapOvr>
+</p:sld>
+</file>
+
+<file path=ppt/slides/slide21.xml><?xml version="1.0" encoding="utf-8"?>
+<p:sld xmlns:a="http://schemas.openxmlformats.org/drawingml/2006/main" xmlns:r="http://schemas.openxmlformats.org/officeDocument/2006/relationships" xmlns:p="http://schemas.openxmlformats.org/presentationml/2006/main">
+  <p:cSld>
+    <p:bg>
+      <p:bgPr>
+        <a:blipFill dpi="0" rotWithShape="1">
+          <a:blip r:embed="rId2">
+            <a:lum/>
+          </a:blip>
+          <a:srcRect/>
+          <a:stretch>
+            <a:fillRect/>
+          </a:stretch>
+        </a:blipFill>
+        <a:effectLst/>
+      </p:bgPr>
+    </p:bg>
+    <p:spTree>
+      <p:nvGrpSpPr>
+        <p:cNvPr id="1" name=""/>
+        <p:cNvGrpSpPr/>
+        <p:nvPr/>
+      </p:nvGrpSpPr>
+      <p:grpSpPr>
+        <a:xfrm>
+          <a:off x="0" y="0"/>
+          <a:ext cx="0" cy="0"/>
+          <a:chOff x="0" y="0"/>
+          <a:chExt cx="0" cy="0"/>
+        </a:xfrm>
+      </p:grpSpPr>
+      <p:sp>
+        <p:nvSpPr>
+          <p:cNvPr id="2" name="Title 1">
+            <a:extLst>
+              <a:ext uri="{FF2B5EF4-FFF2-40B4-BE49-F238E27FC236}">
+                <a16:creationId xmlns:a16="http://schemas.microsoft.com/office/drawing/2014/main" id="{55E11F08-6CA0-48F1-AD67-97430DDA07F0}"/>
+              </a:ext>
+            </a:extLst>
+          </p:cNvPr>
+          <p:cNvSpPr>
+            <a:spLocks noGrp="1"/>
+          </p:cNvSpPr>
+          <p:nvPr>
+            <p:ph type="title"/>
+          </p:nvPr>
+        </p:nvSpPr>
+        <p:spPr/>
+        <p:txBody>
+          <a:bodyPr/>
+          <a:lstStyle/>
+          <a:p>
+            <a:r>
+              <a:rPr lang="en-US" b="1" dirty="0">
+                <a:solidFill>
+                  <a:srgbClr val="292D33"/>
+                </a:solidFill>
+                <a:latin typeface="Euclid Circular B" panose="020B0504000000000000" pitchFamily="34" charset="0"/>
+                <a:ea typeface="Euclid Circular B" panose="020B0504000000000000" pitchFamily="34" charset="0"/>
+              </a:rPr>
+              <a:t>Topic title</a:t>
+            </a:r>
+          </a:p>
+        </p:txBody>
+      </p:sp>
+      <p:sp>
+        <p:nvSpPr>
+          <p:cNvPr id="3" name="Content Placeholder 2">
+            <a:extLst>
+              <a:ext uri="{FF2B5EF4-FFF2-40B4-BE49-F238E27FC236}">
+                <a16:creationId xmlns:a16="http://schemas.microsoft.com/office/drawing/2014/main" id="{891C7693-D3DF-4635-96F4-97F3B4136FDF}"/>
+              </a:ext>
+            </a:extLst>
+          </p:cNvPr>
+          <p:cNvSpPr>
+            <a:spLocks noGrp="1"/>
+          </p:cNvSpPr>
+          <p:nvPr>
+            <p:ph idx="1"/>
+          </p:nvPr>
+        </p:nvSpPr>
+        <p:spPr/>
+        <p:txBody>
+          <a:bodyPr/>
+          <a:lstStyle/>
+          <a:p>
+            <a:r>
+              <a:rPr lang="en-US" dirty="0">
+                <a:latin typeface="Euclid Circular B" panose="020B0504000000000000" pitchFamily="34" charset="0"/>
+                <a:ea typeface="Euclid Circular B" panose="020B0504000000000000" pitchFamily="34" charset="0"/>
+              </a:rPr>
+              <a:t>Content</a:t>
+            </a:r>
+          </a:p>
+        </p:txBody>
+      </p:sp>
+    </p:spTree>
+    <p:extLst>
+      <p:ext uri="{BB962C8B-B14F-4D97-AF65-F5344CB8AC3E}">
+        <p14:creationId xmlns:p14="http://schemas.microsoft.com/office/powerpoint/2010/main" val="3722975297"/>
+      </p:ext>
+    </p:extLst>
+  </p:cSld>
+  <p:clrMapOvr>
+    <a:masterClrMapping/>
+  </p:clrMapOvr>
+</p:sld>
+</file>
+
+<file path=ppt/slides/slide22.xml><?xml version="1.0" encoding="utf-8"?>
+<p:sld xmlns:a="http://schemas.openxmlformats.org/drawingml/2006/main" xmlns:r="http://schemas.openxmlformats.org/officeDocument/2006/relationships" xmlns:p="http://schemas.openxmlformats.org/presentationml/2006/main">
+  <p:cSld>
+    <p:bg>
+      <p:bgPr>
+        <a:blipFill dpi="0" rotWithShape="1">
+          <a:blip r:embed="rId2">
+            <a:lum/>
+          </a:blip>
+          <a:srcRect/>
+          <a:stretch>
+            <a:fillRect/>
+          </a:stretch>
+        </a:blipFill>
+        <a:effectLst/>
+      </p:bgPr>
+    </p:bg>
+    <p:spTree>
+      <p:nvGrpSpPr>
+        <p:cNvPr id="1" name=""/>
+        <p:cNvGrpSpPr/>
+        <p:nvPr/>
+      </p:nvGrpSpPr>
+      <p:grpSpPr>
+        <a:xfrm>
+          <a:off x="0" y="0"/>
+          <a:ext cx="0" cy="0"/>
+          <a:chOff x="0" y="0"/>
+          <a:chExt cx="0" cy="0"/>
+        </a:xfrm>
+      </p:grpSpPr>
+      <p:sp>
+        <p:nvSpPr>
+          <p:cNvPr id="2" name="Title 1">
+            <a:extLst>
+              <a:ext uri="{FF2B5EF4-FFF2-40B4-BE49-F238E27FC236}">
+                <a16:creationId xmlns:a16="http://schemas.microsoft.com/office/drawing/2014/main" id="{55E11F08-6CA0-48F1-AD67-97430DDA07F0}"/>
+              </a:ext>
+            </a:extLst>
+          </p:cNvPr>
+          <p:cNvSpPr>
+            <a:spLocks noGrp="1"/>
+          </p:cNvSpPr>
+          <p:nvPr>
+            <p:ph type="title"/>
+          </p:nvPr>
+        </p:nvSpPr>
+        <p:spPr/>
+        <p:txBody>
+          <a:bodyPr/>
+          <a:lstStyle/>
+          <a:p>
+            <a:r>
+              <a:rPr lang="en-US" b="1" dirty="0">
+                <a:solidFill>
+                  <a:srgbClr val="292D33"/>
+                </a:solidFill>
+                <a:latin typeface="Euclid Circular B" panose="020B0504000000000000" pitchFamily="34" charset="0"/>
+                <a:ea typeface="Euclid Circular B" panose="020B0504000000000000" pitchFamily="34" charset="0"/>
+              </a:rPr>
+              <a:t>Topic title</a:t>
+            </a:r>
+          </a:p>
+        </p:txBody>
+      </p:sp>
+      <p:sp>
+        <p:nvSpPr>
+          <p:cNvPr id="3" name="Content Placeholder 2">
+            <a:extLst>
+              <a:ext uri="{FF2B5EF4-FFF2-40B4-BE49-F238E27FC236}">
+                <a16:creationId xmlns:a16="http://schemas.microsoft.com/office/drawing/2014/main" id="{891C7693-D3DF-4635-96F4-97F3B4136FDF}"/>
+              </a:ext>
+            </a:extLst>
+          </p:cNvPr>
+          <p:cNvSpPr>
+            <a:spLocks noGrp="1"/>
+          </p:cNvSpPr>
+          <p:nvPr>
+            <p:ph idx="1"/>
+          </p:nvPr>
+        </p:nvSpPr>
+        <p:spPr/>
+        <p:txBody>
+          <a:bodyPr/>
+          <a:lstStyle/>
+          <a:p>
+            <a:r>
+              <a:rPr lang="en-US" dirty="0">
+                <a:latin typeface="Euclid Circular B" panose="020B0504000000000000" pitchFamily="34" charset="0"/>
+                <a:ea typeface="Euclid Circular B" panose="020B0504000000000000" pitchFamily="34" charset="0"/>
+              </a:rPr>
+              <a:t>Content</a:t>
+            </a:r>
+          </a:p>
+        </p:txBody>
+      </p:sp>
+    </p:spTree>
+    <p:extLst>
+      <p:ext uri="{BB962C8B-B14F-4D97-AF65-F5344CB8AC3E}">
+        <p14:creationId xmlns:p14="http://schemas.microsoft.com/office/powerpoint/2010/main" val="2361699085"/>
+      </p:ext>
+    </p:extLst>
+  </p:cSld>
+  <p:clrMapOvr>
+    <a:masterClrMapping/>
+  </p:clrMapOvr>
+</p:sld>
+</file>
+
+<file path=ppt/slides/slide23.xml><?xml version="1.0" encoding="utf-8"?>
+<p:sld xmlns:a="http://schemas.openxmlformats.org/drawingml/2006/main" xmlns:r="http://schemas.openxmlformats.org/officeDocument/2006/relationships" xmlns:p="http://schemas.openxmlformats.org/presentationml/2006/main">
+  <p:cSld>
+    <p:bg>
+      <p:bgPr>
+        <a:blipFill dpi="0" rotWithShape="1">
+          <a:blip r:embed="rId2">
+            <a:lum/>
+          </a:blip>
+          <a:srcRect/>
+          <a:stretch>
+            <a:fillRect/>
+          </a:stretch>
+        </a:blipFill>
+        <a:effectLst/>
+      </p:bgPr>
+    </p:bg>
+    <p:spTree>
+      <p:nvGrpSpPr>
+        <p:cNvPr id="1" name=""/>
+        <p:cNvGrpSpPr/>
+        <p:nvPr/>
+      </p:nvGrpSpPr>
+      <p:grpSpPr>
+        <a:xfrm>
+          <a:off x="0" y="0"/>
+          <a:ext cx="0" cy="0"/>
+          <a:chOff x="0" y="0"/>
+          <a:chExt cx="0" cy="0"/>
+        </a:xfrm>
+      </p:grpSpPr>
+      <p:sp>
+        <p:nvSpPr>
+          <p:cNvPr id="2" name="Title 1">
+            <a:extLst>
+              <a:ext uri="{FF2B5EF4-FFF2-40B4-BE49-F238E27FC236}">
+                <a16:creationId xmlns:a16="http://schemas.microsoft.com/office/drawing/2014/main" id="{55E11F08-6CA0-48F1-AD67-97430DDA07F0}"/>
+              </a:ext>
+            </a:extLst>
+          </p:cNvPr>
+          <p:cNvSpPr>
+            <a:spLocks noGrp="1"/>
+          </p:cNvSpPr>
+          <p:nvPr>
+            <p:ph type="title"/>
+          </p:nvPr>
+        </p:nvSpPr>
+        <p:spPr/>
+        <p:txBody>
+          <a:bodyPr/>
+          <a:lstStyle/>
+          <a:p>
+            <a:r>
+              <a:rPr lang="en-US" b="1" dirty="0">
+                <a:solidFill>
+                  <a:srgbClr val="292D33"/>
+                </a:solidFill>
+                <a:latin typeface="Euclid Circular B" panose="020B0504000000000000" pitchFamily="34" charset="0"/>
+                <a:ea typeface="Euclid Circular B" panose="020B0504000000000000" pitchFamily="34" charset="0"/>
+              </a:rPr>
+              <a:t>Topic title</a:t>
+            </a:r>
+          </a:p>
+        </p:txBody>
+      </p:sp>
+      <p:sp>
+        <p:nvSpPr>
+          <p:cNvPr id="3" name="Content Placeholder 2">
+            <a:extLst>
+              <a:ext uri="{FF2B5EF4-FFF2-40B4-BE49-F238E27FC236}">
+                <a16:creationId xmlns:a16="http://schemas.microsoft.com/office/drawing/2014/main" id="{891C7693-D3DF-4635-96F4-97F3B4136FDF}"/>
+              </a:ext>
+            </a:extLst>
+          </p:cNvPr>
+          <p:cNvSpPr>
+            <a:spLocks noGrp="1"/>
+          </p:cNvSpPr>
+          <p:nvPr>
+            <p:ph idx="1"/>
+          </p:nvPr>
+        </p:nvSpPr>
+        <p:spPr/>
+        <p:txBody>
+          <a:bodyPr/>
+          <a:lstStyle/>
+          <a:p>
+            <a:r>
+              <a:rPr lang="en-US" dirty="0">
+                <a:latin typeface="Euclid Circular B" panose="020B0504000000000000" pitchFamily="34" charset="0"/>
+                <a:ea typeface="Euclid Circular B" panose="020B0504000000000000" pitchFamily="34" charset="0"/>
+              </a:rPr>
+              <a:t>Content</a:t>
+            </a:r>
+          </a:p>
+        </p:txBody>
+      </p:sp>
+    </p:spTree>
+    <p:extLst>
+      <p:ext uri="{BB962C8B-B14F-4D97-AF65-F5344CB8AC3E}">
+        <p14:creationId xmlns:p14="http://schemas.microsoft.com/office/powerpoint/2010/main" val="3701367057"/>
+      </p:ext>
+    </p:extLst>
+  </p:cSld>
+  <p:clrMapOvr>
+    <a:masterClrMapping/>
+  </p:clrMapOvr>
+</p:sld>
+</file>
+
+<file path=ppt/slides/slide24.xml><?xml version="1.0" encoding="utf-8"?>
+<p:sld xmlns:a="http://schemas.openxmlformats.org/drawingml/2006/main" xmlns:r="http://schemas.openxmlformats.org/officeDocument/2006/relationships" xmlns:p="http://schemas.openxmlformats.org/presentationml/2006/main">
+  <p:cSld>
+    <p:bg>
+      <p:bgPr>
+        <a:blipFill dpi="0" rotWithShape="1">
+          <a:blip r:embed="rId2">
+            <a:lum/>
+          </a:blip>
+          <a:srcRect/>
+          <a:stretch>
+            <a:fillRect/>
+          </a:stretch>
+        </a:blipFill>
+        <a:effectLst/>
+      </p:bgPr>
+    </p:bg>
+    <p:spTree>
+      <p:nvGrpSpPr>
+        <p:cNvPr id="1" name=""/>
+        <p:cNvGrpSpPr/>
+        <p:nvPr/>
+      </p:nvGrpSpPr>
+      <p:grpSpPr>
+        <a:xfrm>
+          <a:off x="0" y="0"/>
+          <a:ext cx="0" cy="0"/>
+          <a:chOff x="0" y="0"/>
+          <a:chExt cx="0" cy="0"/>
+        </a:xfrm>
+      </p:grpSpPr>
+      <p:sp>
+        <p:nvSpPr>
+          <p:cNvPr id="2" name="Title 1">
+            <a:extLst>
+              <a:ext uri="{FF2B5EF4-FFF2-40B4-BE49-F238E27FC236}">
+                <a16:creationId xmlns:a16="http://schemas.microsoft.com/office/drawing/2014/main" id="{55E11F08-6CA0-48F1-AD67-97430DDA07F0}"/>
+              </a:ext>
+            </a:extLst>
+          </p:cNvPr>
+          <p:cNvSpPr>
+            <a:spLocks noGrp="1"/>
+          </p:cNvSpPr>
+          <p:nvPr>
+            <p:ph type="title"/>
+          </p:nvPr>
+        </p:nvSpPr>
+        <p:spPr/>
+        <p:txBody>
+          <a:bodyPr/>
+          <a:lstStyle/>
+          <a:p>
+            <a:r>
+              <a:rPr lang="en-US" b="1" dirty="0">
+                <a:solidFill>
+                  <a:srgbClr val="292D33"/>
+                </a:solidFill>
+                <a:latin typeface="Euclid Circular B" panose="020B0504000000000000" pitchFamily="34" charset="0"/>
+                <a:ea typeface="Euclid Circular B" panose="020B0504000000000000" pitchFamily="34" charset="0"/>
+              </a:rPr>
+              <a:t>Topic title</a:t>
+            </a:r>
+          </a:p>
+        </p:txBody>
+      </p:sp>
+      <p:sp>
+        <p:nvSpPr>
+          <p:cNvPr id="3" name="Content Placeholder 2">
+            <a:extLst>
+              <a:ext uri="{FF2B5EF4-FFF2-40B4-BE49-F238E27FC236}">
+                <a16:creationId xmlns:a16="http://schemas.microsoft.com/office/drawing/2014/main" id="{891C7693-D3DF-4635-96F4-97F3B4136FDF}"/>
+              </a:ext>
+            </a:extLst>
+          </p:cNvPr>
+          <p:cNvSpPr>
+            <a:spLocks noGrp="1"/>
+          </p:cNvSpPr>
+          <p:nvPr>
+            <p:ph idx="1"/>
+          </p:nvPr>
+        </p:nvSpPr>
+        <p:spPr/>
+        <p:txBody>
+          <a:bodyPr/>
+          <a:lstStyle/>
+          <a:p>
+            <a:r>
+              <a:rPr lang="en-US" dirty="0">
+                <a:latin typeface="Euclid Circular B" panose="020B0504000000000000" pitchFamily="34" charset="0"/>
+                <a:ea typeface="Euclid Circular B" panose="020B0504000000000000" pitchFamily="34" charset="0"/>
+              </a:rPr>
+              <a:t>Content</a:t>
+            </a:r>
+          </a:p>
+        </p:txBody>
+      </p:sp>
+    </p:spTree>
+    <p:extLst>
+      <p:ext uri="{BB962C8B-B14F-4D97-AF65-F5344CB8AC3E}">
+        <p14:creationId xmlns:p14="http://schemas.microsoft.com/office/powerpoint/2010/main" val="2483217375"/>
+      </p:ext>
+    </p:extLst>
+  </p:cSld>
+  <p:clrMapOvr>
+    <a:masterClrMapping/>
+  </p:clrMapOvr>
+</p:sld>
+</file>
+
+<file path=ppt/slides/slide25.xml><?xml version="1.0" encoding="utf-8"?>
+<p:sld xmlns:a="http://schemas.openxmlformats.org/drawingml/2006/main" xmlns:r="http://schemas.openxmlformats.org/officeDocument/2006/relationships" xmlns:p="http://schemas.openxmlformats.org/presentationml/2006/main">
+  <p:cSld>
+    <p:bg>
+      <p:bgPr>
+        <a:blipFill dpi="0" rotWithShape="1">
+          <a:blip r:embed="rId2">
+            <a:lum/>
+          </a:blip>
+          <a:srcRect/>
+          <a:stretch>
+            <a:fillRect/>
+          </a:stretch>
+        </a:blipFill>
+        <a:effectLst/>
+      </p:bgPr>
+    </p:bg>
+    <p:spTree>
+      <p:nvGrpSpPr>
+        <p:cNvPr id="1" name=""/>
+        <p:cNvGrpSpPr/>
+        <p:nvPr/>
+      </p:nvGrpSpPr>
+      <p:grpSpPr>
+        <a:xfrm>
+          <a:off x="0" y="0"/>
+          <a:ext cx="0" cy="0"/>
+          <a:chOff x="0" y="0"/>
+          <a:chExt cx="0" cy="0"/>
+        </a:xfrm>
+      </p:grpSpPr>
+      <p:sp>
+        <p:nvSpPr>
+          <p:cNvPr id="2" name="Title 1">
+            <a:extLst>
+              <a:ext uri="{FF2B5EF4-FFF2-40B4-BE49-F238E27FC236}">
+                <a16:creationId xmlns:a16="http://schemas.microsoft.com/office/drawing/2014/main" id="{55E11F08-6CA0-48F1-AD67-97430DDA07F0}"/>
+              </a:ext>
+            </a:extLst>
+          </p:cNvPr>
+          <p:cNvSpPr>
+            <a:spLocks noGrp="1"/>
+          </p:cNvSpPr>
+          <p:nvPr>
+            <p:ph type="title"/>
+          </p:nvPr>
+        </p:nvSpPr>
+        <p:spPr/>
+        <p:txBody>
+          <a:bodyPr/>
+          <a:lstStyle/>
+          <a:p>
+            <a:r>
+              <a:rPr lang="en-US" b="1" dirty="0">
+                <a:solidFill>
+                  <a:srgbClr val="292D33"/>
+                </a:solidFill>
+                <a:latin typeface="Euclid Circular B" panose="020B0504000000000000" pitchFamily="34" charset="0"/>
+                <a:ea typeface="Euclid Circular B" panose="020B0504000000000000" pitchFamily="34" charset="0"/>
+              </a:rPr>
+              <a:t>Topic title</a:t>
+            </a:r>
+          </a:p>
+        </p:txBody>
+      </p:sp>
+      <p:sp>
+        <p:nvSpPr>
+          <p:cNvPr id="3" name="Content Placeholder 2">
+            <a:extLst>
+              <a:ext uri="{FF2B5EF4-FFF2-40B4-BE49-F238E27FC236}">
+                <a16:creationId xmlns:a16="http://schemas.microsoft.com/office/drawing/2014/main" id="{891C7693-D3DF-4635-96F4-97F3B4136FDF}"/>
+              </a:ext>
+            </a:extLst>
+          </p:cNvPr>
+          <p:cNvSpPr>
+            <a:spLocks noGrp="1"/>
+          </p:cNvSpPr>
+          <p:nvPr>
+            <p:ph idx="1"/>
+          </p:nvPr>
+        </p:nvSpPr>
+        <p:spPr/>
+        <p:txBody>
+          <a:bodyPr/>
+          <a:lstStyle/>
+          <a:p>
+            <a:r>
+              <a:rPr lang="en-US" dirty="0">
+                <a:latin typeface="Euclid Circular B" panose="020B0504000000000000" pitchFamily="34" charset="0"/>
+                <a:ea typeface="Euclid Circular B" panose="020B0504000000000000" pitchFamily="34" charset="0"/>
+              </a:rPr>
+              <a:t>Content</a:t>
+            </a:r>
+          </a:p>
+        </p:txBody>
+      </p:sp>
+    </p:spTree>
+    <p:extLst>
+      <p:ext uri="{BB962C8B-B14F-4D97-AF65-F5344CB8AC3E}">
+        <p14:creationId xmlns:p14="http://schemas.microsoft.com/office/powerpoint/2010/main" val="759667148"/>
+      </p:ext>
+    </p:extLst>
+  </p:cSld>
+  <p:clrMapOvr>
+    <a:masterClrMapping/>
+  </p:clrMapOvr>
+</p:sld>
+</file>
+
+<file path=ppt/slides/slide26.xml><?xml version="1.0" encoding="utf-8"?>
+<p:sld xmlns:a="http://schemas.openxmlformats.org/drawingml/2006/main" xmlns:r="http://schemas.openxmlformats.org/officeDocument/2006/relationships" xmlns:p="http://schemas.openxmlformats.org/presentationml/2006/main">
+  <p:cSld>
+    <p:bg>
+      <p:bgPr>
+        <a:blipFill dpi="0" rotWithShape="1">
+          <a:blip r:embed="rId2">
+            <a:lum/>
+          </a:blip>
+          <a:srcRect/>
+          <a:stretch>
+            <a:fillRect/>
+          </a:stretch>
+        </a:blipFill>
+        <a:effectLst/>
+      </p:bgPr>
+    </p:bg>
+    <p:spTree>
+      <p:nvGrpSpPr>
+        <p:cNvPr id="1" name=""/>
+        <p:cNvGrpSpPr/>
+        <p:nvPr/>
+      </p:nvGrpSpPr>
+      <p:grpSpPr>
+        <a:xfrm>
+          <a:off x="0" y="0"/>
+          <a:ext cx="0" cy="0"/>
+          <a:chOff x="0" y="0"/>
+          <a:chExt cx="0" cy="0"/>
+        </a:xfrm>
+      </p:grpSpPr>
+      <p:sp>
+        <p:nvSpPr>
+          <p:cNvPr id="2" name="Title 1">
+            <a:extLst>
+              <a:ext uri="{FF2B5EF4-FFF2-40B4-BE49-F238E27FC236}">
+                <a16:creationId xmlns:a16="http://schemas.microsoft.com/office/drawing/2014/main" id="{55E11F08-6CA0-48F1-AD67-97430DDA07F0}"/>
+              </a:ext>
+            </a:extLst>
+          </p:cNvPr>
+          <p:cNvSpPr>
+            <a:spLocks noGrp="1"/>
+          </p:cNvSpPr>
+          <p:nvPr>
+            <p:ph type="title"/>
+          </p:nvPr>
+        </p:nvSpPr>
+        <p:spPr/>
+        <p:txBody>
+          <a:bodyPr/>
+          <a:lstStyle/>
+          <a:p>
+            <a:r>
+              <a:rPr lang="en-US" b="1" dirty="0">
+                <a:solidFill>
+                  <a:srgbClr val="292D33"/>
+                </a:solidFill>
+                <a:latin typeface="Euclid Circular B" panose="020B0504000000000000" pitchFamily="34" charset="0"/>
+                <a:ea typeface="Euclid Circular B" panose="020B0504000000000000" pitchFamily="34" charset="0"/>
+              </a:rPr>
+              <a:t>Topic title</a:t>
+            </a:r>
+          </a:p>
+        </p:txBody>
+      </p:sp>
+      <p:sp>
+        <p:nvSpPr>
+          <p:cNvPr id="3" name="Content Placeholder 2">
+            <a:extLst>
+              <a:ext uri="{FF2B5EF4-FFF2-40B4-BE49-F238E27FC236}">
+                <a16:creationId xmlns:a16="http://schemas.microsoft.com/office/drawing/2014/main" id="{891C7693-D3DF-4635-96F4-97F3B4136FDF}"/>
+              </a:ext>
+            </a:extLst>
+          </p:cNvPr>
+          <p:cNvSpPr>
+            <a:spLocks noGrp="1"/>
+          </p:cNvSpPr>
+          <p:nvPr>
+            <p:ph idx="1"/>
+          </p:nvPr>
+        </p:nvSpPr>
+        <p:spPr/>
+        <p:txBody>
+          <a:bodyPr/>
+          <a:lstStyle/>
+          <a:p>
+            <a:r>
+              <a:rPr lang="en-US" dirty="0">
+                <a:latin typeface="Euclid Circular B" panose="020B0504000000000000" pitchFamily="34" charset="0"/>
+                <a:ea typeface="Euclid Circular B" panose="020B0504000000000000" pitchFamily="34" charset="0"/>
+              </a:rPr>
+              <a:t>Content</a:t>
+            </a:r>
+          </a:p>
+        </p:txBody>
+      </p:sp>
+    </p:spTree>
+    <p:extLst>
+      <p:ext uri="{BB962C8B-B14F-4D97-AF65-F5344CB8AC3E}">
+        <p14:creationId xmlns:p14="http://schemas.microsoft.com/office/powerpoint/2010/main" val="3118168783"/>
+      </p:ext>
+    </p:extLst>
+  </p:cSld>
+  <p:clrMapOvr>
+    <a:masterClrMapping/>
+  </p:clrMapOvr>
+</p:sld>
+</file>
+
+<file path=ppt/slides/slide27.xml><?xml version="1.0" encoding="utf-8"?>
+<p:sld xmlns:a="http://schemas.openxmlformats.org/drawingml/2006/main" xmlns:r="http://schemas.openxmlformats.org/officeDocument/2006/relationships" xmlns:p="http://schemas.openxmlformats.org/presentationml/2006/main">
+  <p:cSld>
+    <p:bg>
+      <p:bgPr>
+        <a:blipFill dpi="0" rotWithShape="1">
+          <a:blip r:embed="rId2">
+            <a:lum/>
+          </a:blip>
+          <a:srcRect/>
+          <a:stretch>
+            <a:fillRect/>
+          </a:stretch>
+        </a:blipFill>
+        <a:effectLst/>
+      </p:bgPr>
+    </p:bg>
+    <p:spTree>
+      <p:nvGrpSpPr>
+        <p:cNvPr id="1" name=""/>
+        <p:cNvGrpSpPr/>
+        <p:nvPr/>
+      </p:nvGrpSpPr>
+      <p:grpSpPr>
+        <a:xfrm>
+          <a:off x="0" y="0"/>
+          <a:ext cx="0" cy="0"/>
+          <a:chOff x="0" y="0"/>
+          <a:chExt cx="0" cy="0"/>
+        </a:xfrm>
+      </p:grpSpPr>
+      <p:sp>
+        <p:nvSpPr>
+          <p:cNvPr id="2" name="Title 1">
+            <a:extLst>
+              <a:ext uri="{FF2B5EF4-FFF2-40B4-BE49-F238E27FC236}">
+                <a16:creationId xmlns:a16="http://schemas.microsoft.com/office/drawing/2014/main" id="{55E11F08-6CA0-48F1-AD67-97430DDA07F0}"/>
+              </a:ext>
+            </a:extLst>
+          </p:cNvPr>
+          <p:cNvSpPr>
+            <a:spLocks noGrp="1"/>
+          </p:cNvSpPr>
+          <p:nvPr>
+            <p:ph type="title"/>
+          </p:nvPr>
+        </p:nvSpPr>
+        <p:spPr/>
+        <p:txBody>
+          <a:bodyPr/>
+          <a:lstStyle/>
+          <a:p>
+            <a:r>
+              <a:rPr lang="en-US" b="1" dirty="0">
+                <a:solidFill>
+                  <a:srgbClr val="292D33"/>
+                </a:solidFill>
+                <a:latin typeface="Euclid Circular B" panose="020B0504000000000000" pitchFamily="34" charset="0"/>
+                <a:ea typeface="Euclid Circular B" panose="020B0504000000000000" pitchFamily="34" charset="0"/>
+              </a:rPr>
+              <a:t>Topic title</a:t>
+            </a:r>
+          </a:p>
+        </p:txBody>
+      </p:sp>
+      <p:sp>
+        <p:nvSpPr>
+          <p:cNvPr id="3" name="Content Placeholder 2">
+            <a:extLst>
+              <a:ext uri="{FF2B5EF4-FFF2-40B4-BE49-F238E27FC236}">
+                <a16:creationId xmlns:a16="http://schemas.microsoft.com/office/drawing/2014/main" id="{891C7693-D3DF-4635-96F4-97F3B4136FDF}"/>
+              </a:ext>
+            </a:extLst>
+          </p:cNvPr>
+          <p:cNvSpPr>
+            <a:spLocks noGrp="1"/>
+          </p:cNvSpPr>
+          <p:nvPr>
+            <p:ph idx="1"/>
+          </p:nvPr>
+        </p:nvSpPr>
+        <p:spPr/>
+        <p:txBody>
+          <a:bodyPr/>
+          <a:lstStyle/>
+          <a:p>
+            <a:r>
+              <a:rPr lang="en-US" dirty="0">
+                <a:latin typeface="Euclid Circular B" panose="020B0504000000000000" pitchFamily="34" charset="0"/>
+                <a:ea typeface="Euclid Circular B" panose="020B0504000000000000" pitchFamily="34" charset="0"/>
+              </a:rPr>
+              <a:t>Content</a:t>
+            </a:r>
+          </a:p>
+        </p:txBody>
+      </p:sp>
+    </p:spTree>
+    <p:extLst>
+      <p:ext uri="{BB962C8B-B14F-4D97-AF65-F5344CB8AC3E}">
+        <p14:creationId xmlns:p14="http://schemas.microsoft.com/office/powerpoint/2010/main" val="1785876477"/>
+      </p:ext>
+    </p:extLst>
+  </p:cSld>
+  <p:clrMapOvr>
+    <a:masterClrMapping/>
+  </p:clrMapOvr>
+</p:sld>
+</file>
+
+<file path=ppt/slides/slide28.xml><?xml version="1.0" encoding="utf-8"?>
+<p:sld xmlns:a="http://schemas.openxmlformats.org/drawingml/2006/main" xmlns:r="http://schemas.openxmlformats.org/officeDocument/2006/relationships" xmlns:p="http://schemas.openxmlformats.org/presentationml/2006/main">
+  <p:cSld>
+    <p:bg>
+      <p:bgPr>
+        <a:blipFill dpi="0" rotWithShape="1">
+          <a:blip r:embed="rId2">
+            <a:lum/>
+          </a:blip>
+          <a:srcRect/>
+          <a:stretch>
+            <a:fillRect/>
+          </a:stretch>
+        </a:blipFill>
+        <a:effectLst/>
+      </p:bgPr>
+    </p:bg>
+    <p:spTree>
+      <p:nvGrpSpPr>
+        <p:cNvPr id="1" name=""/>
+        <p:cNvGrpSpPr/>
+        <p:nvPr/>
+      </p:nvGrpSpPr>
+      <p:grpSpPr>
+        <a:xfrm>
+          <a:off x="0" y="0"/>
+          <a:ext cx="0" cy="0"/>
+          <a:chOff x="0" y="0"/>
+          <a:chExt cx="0" cy="0"/>
+        </a:xfrm>
+      </p:grpSpPr>
+      <p:sp>
+        <p:nvSpPr>
+          <p:cNvPr id="2" name="Title 1">
+            <a:extLst>
+              <a:ext uri="{FF2B5EF4-FFF2-40B4-BE49-F238E27FC236}">
+                <a16:creationId xmlns:a16="http://schemas.microsoft.com/office/drawing/2014/main" id="{55E11F08-6CA0-48F1-AD67-97430DDA07F0}"/>
+              </a:ext>
+            </a:extLst>
+          </p:cNvPr>
+          <p:cNvSpPr>
+            <a:spLocks noGrp="1"/>
+          </p:cNvSpPr>
+          <p:nvPr>
+            <p:ph type="title"/>
+          </p:nvPr>
+        </p:nvSpPr>
+        <p:spPr/>
+        <p:txBody>
+          <a:bodyPr/>
+          <a:lstStyle/>
+          <a:p>
+            <a:r>
+              <a:rPr lang="en-US" b="1" dirty="0">
+                <a:solidFill>
+                  <a:srgbClr val="292D33"/>
+                </a:solidFill>
+                <a:latin typeface="Euclid Circular B" panose="020B0504000000000000" pitchFamily="34" charset="0"/>
+                <a:ea typeface="Euclid Circular B" panose="020B0504000000000000" pitchFamily="34" charset="0"/>
+              </a:rPr>
+              <a:t>Topic title</a:t>
+            </a:r>
+          </a:p>
+        </p:txBody>
+      </p:sp>
+      <p:sp>
+        <p:nvSpPr>
+          <p:cNvPr id="3" name="Content Placeholder 2">
+            <a:extLst>
+              <a:ext uri="{FF2B5EF4-FFF2-40B4-BE49-F238E27FC236}">
+                <a16:creationId xmlns:a16="http://schemas.microsoft.com/office/drawing/2014/main" id="{891C7693-D3DF-4635-96F4-97F3B4136FDF}"/>
+              </a:ext>
+            </a:extLst>
+          </p:cNvPr>
+          <p:cNvSpPr>
+            <a:spLocks noGrp="1"/>
+          </p:cNvSpPr>
+          <p:nvPr>
+            <p:ph idx="1"/>
+          </p:nvPr>
+        </p:nvSpPr>
+        <p:spPr/>
+        <p:txBody>
+          <a:bodyPr/>
+          <a:lstStyle/>
+          <a:p>
+            <a:r>
+              <a:rPr lang="en-US" dirty="0">
+                <a:latin typeface="Euclid Circular B" panose="020B0504000000000000" pitchFamily="34" charset="0"/>
+                <a:ea typeface="Euclid Circular B" panose="020B0504000000000000" pitchFamily="34" charset="0"/>
+              </a:rPr>
+              <a:t>Content</a:t>
+            </a:r>
+          </a:p>
+        </p:txBody>
+      </p:sp>
+    </p:spTree>
+    <p:extLst>
+      <p:ext uri="{BB962C8B-B14F-4D97-AF65-F5344CB8AC3E}">
+        <p14:creationId xmlns:p14="http://schemas.microsoft.com/office/powerpoint/2010/main" val="1625585404"/>
       </p:ext>
     </p:extLst>
   </p:cSld>
@@ -10910,6 +12926,409 @@
   <p:clrMapOvr>
     <a:masterClrMapping/>
   </p:clrMapOvr>
+  <p:timing>
+    <p:tnLst>
+      <p:par>
+        <p:cTn id="1" dur="indefinite" restart="never" nodeType="tmRoot">
+          <p:childTnLst>
+            <p:seq concurrent="1" nextAc="seek">
+              <p:cTn id="2" dur="indefinite" nodeType="mainSeq">
+                <p:childTnLst>
+                  <p:par>
+                    <p:cTn id="3" fill="hold">
+                      <p:stCondLst>
+                        <p:cond delay="indefinite"/>
+                      </p:stCondLst>
+                      <p:childTnLst>
+                        <p:par>
+                          <p:cTn id="4" fill="hold">
+                            <p:stCondLst>
+                              <p:cond delay="0"/>
+                            </p:stCondLst>
+                            <p:childTnLst>
+                              <p:par>
+                                <p:cTn id="5" presetID="10" presetClass="entr" presetSubtype="0" fill="hold" nodeType="clickEffect">
+                                  <p:stCondLst>
+                                    <p:cond delay="0"/>
+                                  </p:stCondLst>
+                                  <p:childTnLst>
+                                    <p:set>
+                                      <p:cBhvr>
+                                        <p:cTn id="6" dur="1" fill="hold">
+                                          <p:stCondLst>
+                                            <p:cond delay="0"/>
+                                          </p:stCondLst>
+                                        </p:cTn>
+                                        <p:tgtEl>
+                                          <p:spTgt spid="3">
+                                            <p:txEl>
+                                              <p:pRg st="0" end="0"/>
+                                            </p:txEl>
+                                          </p:spTgt>
+                                        </p:tgtEl>
+                                        <p:attrNameLst>
+                                          <p:attrName>style.visibility</p:attrName>
+                                        </p:attrNameLst>
+                                      </p:cBhvr>
+                                      <p:to>
+                                        <p:strVal val="visible"/>
+                                      </p:to>
+                                    </p:set>
+                                    <p:animEffect transition="in" filter="fade">
+                                      <p:cBhvr>
+                                        <p:cTn id="7" dur="500"/>
+                                        <p:tgtEl>
+                                          <p:spTgt spid="3">
+                                            <p:txEl>
+                                              <p:pRg st="0" end="0"/>
+                                            </p:txEl>
+                                          </p:spTgt>
+                                        </p:tgtEl>
+                                      </p:cBhvr>
+                                    </p:animEffect>
+                                  </p:childTnLst>
+                                </p:cTn>
+                              </p:par>
+                            </p:childTnLst>
+                          </p:cTn>
+                        </p:par>
+                      </p:childTnLst>
+                    </p:cTn>
+                  </p:par>
+                  <p:par>
+                    <p:cTn id="8" fill="hold">
+                      <p:stCondLst>
+                        <p:cond delay="indefinite"/>
+                      </p:stCondLst>
+                      <p:childTnLst>
+                        <p:par>
+                          <p:cTn id="9" fill="hold">
+                            <p:stCondLst>
+                              <p:cond delay="0"/>
+                            </p:stCondLst>
+                            <p:childTnLst>
+                              <p:par>
+                                <p:cTn id="10" presetID="10" presetClass="entr" presetSubtype="0" fill="hold" nodeType="clickEffect">
+                                  <p:stCondLst>
+                                    <p:cond delay="0"/>
+                                  </p:stCondLst>
+                                  <p:childTnLst>
+                                    <p:set>
+                                      <p:cBhvr>
+                                        <p:cTn id="11" dur="1" fill="hold">
+                                          <p:stCondLst>
+                                            <p:cond delay="0"/>
+                                          </p:stCondLst>
+                                        </p:cTn>
+                                        <p:tgtEl>
+                                          <p:spTgt spid="3">
+                                            <p:txEl>
+                                              <p:pRg st="1" end="1"/>
+                                            </p:txEl>
+                                          </p:spTgt>
+                                        </p:tgtEl>
+                                        <p:attrNameLst>
+                                          <p:attrName>style.visibility</p:attrName>
+                                        </p:attrNameLst>
+                                      </p:cBhvr>
+                                      <p:to>
+                                        <p:strVal val="visible"/>
+                                      </p:to>
+                                    </p:set>
+                                    <p:animEffect transition="in" filter="fade">
+                                      <p:cBhvr>
+                                        <p:cTn id="12" dur="500"/>
+                                        <p:tgtEl>
+                                          <p:spTgt spid="3">
+                                            <p:txEl>
+                                              <p:pRg st="1" end="1"/>
+                                            </p:txEl>
+                                          </p:spTgt>
+                                        </p:tgtEl>
+                                      </p:cBhvr>
+                                    </p:animEffect>
+                                  </p:childTnLst>
+                                </p:cTn>
+                              </p:par>
+                              <p:par>
+                                <p:cTn id="13" presetID="10" presetClass="entr" presetSubtype="0" fill="hold" nodeType="withEffect">
+                                  <p:stCondLst>
+                                    <p:cond delay="0"/>
+                                  </p:stCondLst>
+                                  <p:childTnLst>
+                                    <p:set>
+                                      <p:cBhvr>
+                                        <p:cTn id="14" dur="1" fill="hold">
+                                          <p:stCondLst>
+                                            <p:cond delay="0"/>
+                                          </p:stCondLst>
+                                        </p:cTn>
+                                        <p:tgtEl>
+                                          <p:spTgt spid="3">
+                                            <p:txEl>
+                                              <p:pRg st="2" end="2"/>
+                                            </p:txEl>
+                                          </p:spTgt>
+                                        </p:tgtEl>
+                                        <p:attrNameLst>
+                                          <p:attrName>style.visibility</p:attrName>
+                                        </p:attrNameLst>
+                                      </p:cBhvr>
+                                      <p:to>
+                                        <p:strVal val="visible"/>
+                                      </p:to>
+                                    </p:set>
+                                    <p:animEffect transition="in" filter="fade">
+                                      <p:cBhvr>
+                                        <p:cTn id="15" dur="500"/>
+                                        <p:tgtEl>
+                                          <p:spTgt spid="3">
+                                            <p:txEl>
+                                              <p:pRg st="2" end="2"/>
+                                            </p:txEl>
+                                          </p:spTgt>
+                                        </p:tgtEl>
+                                      </p:cBhvr>
+                                    </p:animEffect>
+                                  </p:childTnLst>
+                                </p:cTn>
+                              </p:par>
+                            </p:childTnLst>
+                          </p:cTn>
+                        </p:par>
+                      </p:childTnLst>
+                    </p:cTn>
+                  </p:par>
+                  <p:par>
+                    <p:cTn id="16" fill="hold">
+                      <p:stCondLst>
+                        <p:cond delay="indefinite"/>
+                      </p:stCondLst>
+                      <p:childTnLst>
+                        <p:par>
+                          <p:cTn id="17" fill="hold">
+                            <p:stCondLst>
+                              <p:cond delay="0"/>
+                            </p:stCondLst>
+                            <p:childTnLst>
+                              <p:par>
+                                <p:cTn id="18" presetID="10" presetClass="entr" presetSubtype="0" fill="hold" nodeType="clickEffect">
+                                  <p:stCondLst>
+                                    <p:cond delay="0"/>
+                                  </p:stCondLst>
+                                  <p:childTnLst>
+                                    <p:set>
+                                      <p:cBhvr>
+                                        <p:cTn id="19" dur="1" fill="hold">
+                                          <p:stCondLst>
+                                            <p:cond delay="0"/>
+                                          </p:stCondLst>
+                                        </p:cTn>
+                                        <p:tgtEl>
+                                          <p:spTgt spid="3">
+                                            <p:txEl>
+                                              <p:pRg st="3" end="3"/>
+                                            </p:txEl>
+                                          </p:spTgt>
+                                        </p:tgtEl>
+                                        <p:attrNameLst>
+                                          <p:attrName>style.visibility</p:attrName>
+                                        </p:attrNameLst>
+                                      </p:cBhvr>
+                                      <p:to>
+                                        <p:strVal val="visible"/>
+                                      </p:to>
+                                    </p:set>
+                                    <p:animEffect transition="in" filter="fade">
+                                      <p:cBhvr>
+                                        <p:cTn id="20" dur="500"/>
+                                        <p:tgtEl>
+                                          <p:spTgt spid="3">
+                                            <p:txEl>
+                                              <p:pRg st="3" end="3"/>
+                                            </p:txEl>
+                                          </p:spTgt>
+                                        </p:tgtEl>
+                                      </p:cBhvr>
+                                    </p:animEffect>
+                                  </p:childTnLst>
+                                </p:cTn>
+                              </p:par>
+                              <p:par>
+                                <p:cTn id="21" presetID="10" presetClass="entr" presetSubtype="0" fill="hold" nodeType="withEffect">
+                                  <p:stCondLst>
+                                    <p:cond delay="0"/>
+                                  </p:stCondLst>
+                                  <p:childTnLst>
+                                    <p:set>
+                                      <p:cBhvr>
+                                        <p:cTn id="22" dur="1" fill="hold">
+                                          <p:stCondLst>
+                                            <p:cond delay="0"/>
+                                          </p:stCondLst>
+                                        </p:cTn>
+                                        <p:tgtEl>
+                                          <p:spTgt spid="3">
+                                            <p:txEl>
+                                              <p:pRg st="4" end="4"/>
+                                            </p:txEl>
+                                          </p:spTgt>
+                                        </p:tgtEl>
+                                        <p:attrNameLst>
+                                          <p:attrName>style.visibility</p:attrName>
+                                        </p:attrNameLst>
+                                      </p:cBhvr>
+                                      <p:to>
+                                        <p:strVal val="visible"/>
+                                      </p:to>
+                                    </p:set>
+                                    <p:animEffect transition="in" filter="fade">
+                                      <p:cBhvr>
+                                        <p:cTn id="23" dur="500"/>
+                                        <p:tgtEl>
+                                          <p:spTgt spid="3">
+                                            <p:txEl>
+                                              <p:pRg st="4" end="4"/>
+                                            </p:txEl>
+                                          </p:spTgt>
+                                        </p:tgtEl>
+                                      </p:cBhvr>
+                                    </p:animEffect>
+                                  </p:childTnLst>
+                                </p:cTn>
+                              </p:par>
+                            </p:childTnLst>
+                          </p:cTn>
+                        </p:par>
+                      </p:childTnLst>
+                    </p:cTn>
+                  </p:par>
+                  <p:par>
+                    <p:cTn id="24" fill="hold">
+                      <p:stCondLst>
+                        <p:cond delay="indefinite"/>
+                      </p:stCondLst>
+                      <p:childTnLst>
+                        <p:par>
+                          <p:cTn id="25" fill="hold">
+                            <p:stCondLst>
+                              <p:cond delay="0"/>
+                            </p:stCondLst>
+                            <p:childTnLst>
+                              <p:par>
+                                <p:cTn id="26" presetID="10" presetClass="entr" presetSubtype="0" fill="hold" nodeType="clickEffect">
+                                  <p:stCondLst>
+                                    <p:cond delay="0"/>
+                                  </p:stCondLst>
+                                  <p:childTnLst>
+                                    <p:set>
+                                      <p:cBhvr>
+                                        <p:cTn id="27" dur="1" fill="hold">
+                                          <p:stCondLst>
+                                            <p:cond delay="0"/>
+                                          </p:stCondLst>
+                                        </p:cTn>
+                                        <p:tgtEl>
+                                          <p:spTgt spid="3">
+                                            <p:txEl>
+                                              <p:pRg st="5" end="5"/>
+                                            </p:txEl>
+                                          </p:spTgt>
+                                        </p:tgtEl>
+                                        <p:attrNameLst>
+                                          <p:attrName>style.visibility</p:attrName>
+                                        </p:attrNameLst>
+                                      </p:cBhvr>
+                                      <p:to>
+                                        <p:strVal val="visible"/>
+                                      </p:to>
+                                    </p:set>
+                                    <p:animEffect transition="in" filter="fade">
+                                      <p:cBhvr>
+                                        <p:cTn id="28" dur="500"/>
+                                        <p:tgtEl>
+                                          <p:spTgt spid="3">
+                                            <p:txEl>
+                                              <p:pRg st="5" end="5"/>
+                                            </p:txEl>
+                                          </p:spTgt>
+                                        </p:tgtEl>
+                                      </p:cBhvr>
+                                    </p:animEffect>
+                                  </p:childTnLst>
+                                </p:cTn>
+                              </p:par>
+                              <p:par>
+                                <p:cTn id="29" presetID="10" presetClass="entr" presetSubtype="0" fill="hold" nodeType="withEffect">
+                                  <p:stCondLst>
+                                    <p:cond delay="0"/>
+                                  </p:stCondLst>
+                                  <p:childTnLst>
+                                    <p:set>
+                                      <p:cBhvr>
+                                        <p:cTn id="30" dur="1" fill="hold">
+                                          <p:stCondLst>
+                                            <p:cond delay="0"/>
+                                          </p:stCondLst>
+                                        </p:cTn>
+                                        <p:tgtEl>
+                                          <p:spTgt spid="3">
+                                            <p:txEl>
+                                              <p:pRg st="6" end="6"/>
+                                            </p:txEl>
+                                          </p:spTgt>
+                                        </p:tgtEl>
+                                        <p:attrNameLst>
+                                          <p:attrName>style.visibility</p:attrName>
+                                        </p:attrNameLst>
+                                      </p:cBhvr>
+                                      <p:to>
+                                        <p:strVal val="visible"/>
+                                      </p:to>
+                                    </p:set>
+                                    <p:animEffect transition="in" filter="fade">
+                                      <p:cBhvr>
+                                        <p:cTn id="31" dur="500"/>
+                                        <p:tgtEl>
+                                          <p:spTgt spid="3">
+                                            <p:txEl>
+                                              <p:pRg st="6" end="6"/>
+                                            </p:txEl>
+                                          </p:spTgt>
+                                        </p:tgtEl>
+                                      </p:cBhvr>
+                                    </p:animEffect>
+                                  </p:childTnLst>
+                                </p:cTn>
+                              </p:par>
+                            </p:childTnLst>
+                          </p:cTn>
+                        </p:par>
+                      </p:childTnLst>
+                    </p:cTn>
+                  </p:par>
+                </p:childTnLst>
+              </p:cTn>
+              <p:prevCondLst>
+                <p:cond evt="onPrev" delay="0">
+                  <p:tgtEl>
+                    <p:sldTgt/>
+                  </p:tgtEl>
+                </p:cond>
+              </p:prevCondLst>
+              <p:nextCondLst>
+                <p:cond evt="onNext" delay="0">
+                  <p:tgtEl>
+                    <p:sldTgt/>
+                  </p:tgtEl>
+                </p:cond>
+              </p:nextCondLst>
+            </p:seq>
+          </p:childTnLst>
+        </p:cTn>
+      </p:par>
+    </p:tnLst>
+  </p:timing>
 </p:sld>
 </file>
 
@@ -11272,6 +13691,463 @@
   <p:clrMapOvr>
     <a:masterClrMapping/>
   </p:clrMapOvr>
+  <p:timing>
+    <p:tnLst>
+      <p:par>
+        <p:cTn id="1" dur="indefinite" restart="never" nodeType="tmRoot">
+          <p:childTnLst>
+            <p:seq concurrent="1" nextAc="seek">
+              <p:cTn id="2" dur="indefinite" nodeType="mainSeq">
+                <p:childTnLst>
+                  <p:par>
+                    <p:cTn id="3" fill="hold">
+                      <p:stCondLst>
+                        <p:cond delay="indefinite"/>
+                      </p:stCondLst>
+                      <p:childTnLst>
+                        <p:par>
+                          <p:cTn id="4" fill="hold">
+                            <p:stCondLst>
+                              <p:cond delay="0"/>
+                            </p:stCondLst>
+                            <p:childTnLst>
+                              <p:par>
+                                <p:cTn id="5" presetID="10" presetClass="entr" presetSubtype="0" fill="hold" nodeType="clickEffect">
+                                  <p:stCondLst>
+                                    <p:cond delay="0"/>
+                                  </p:stCondLst>
+                                  <p:childTnLst>
+                                    <p:set>
+                                      <p:cBhvr>
+                                        <p:cTn id="6" dur="1" fill="hold">
+                                          <p:stCondLst>
+                                            <p:cond delay="0"/>
+                                          </p:stCondLst>
+                                        </p:cTn>
+                                        <p:tgtEl>
+                                          <p:spTgt spid="3">
+                                            <p:txEl>
+                                              <p:pRg st="0" end="0"/>
+                                            </p:txEl>
+                                          </p:spTgt>
+                                        </p:tgtEl>
+                                        <p:attrNameLst>
+                                          <p:attrName>style.visibility</p:attrName>
+                                        </p:attrNameLst>
+                                      </p:cBhvr>
+                                      <p:to>
+                                        <p:strVal val="visible"/>
+                                      </p:to>
+                                    </p:set>
+                                    <p:animEffect transition="in" filter="fade">
+                                      <p:cBhvr>
+                                        <p:cTn id="7" dur="500"/>
+                                        <p:tgtEl>
+                                          <p:spTgt spid="3">
+                                            <p:txEl>
+                                              <p:pRg st="0" end="0"/>
+                                            </p:txEl>
+                                          </p:spTgt>
+                                        </p:tgtEl>
+                                      </p:cBhvr>
+                                    </p:animEffect>
+                                  </p:childTnLst>
+                                </p:cTn>
+                              </p:par>
+                            </p:childTnLst>
+                          </p:cTn>
+                        </p:par>
+                      </p:childTnLst>
+                    </p:cTn>
+                  </p:par>
+                  <p:par>
+                    <p:cTn id="8" fill="hold">
+                      <p:stCondLst>
+                        <p:cond delay="indefinite"/>
+                      </p:stCondLst>
+                      <p:childTnLst>
+                        <p:par>
+                          <p:cTn id="9" fill="hold">
+                            <p:stCondLst>
+                              <p:cond delay="0"/>
+                            </p:stCondLst>
+                            <p:childTnLst>
+                              <p:par>
+                                <p:cTn id="10" presetID="10" presetClass="entr" presetSubtype="0" fill="hold" nodeType="clickEffect">
+                                  <p:stCondLst>
+                                    <p:cond delay="0"/>
+                                  </p:stCondLst>
+                                  <p:childTnLst>
+                                    <p:set>
+                                      <p:cBhvr>
+                                        <p:cTn id="11" dur="1" fill="hold">
+                                          <p:stCondLst>
+                                            <p:cond delay="0"/>
+                                          </p:stCondLst>
+                                        </p:cTn>
+                                        <p:tgtEl>
+                                          <p:spTgt spid="3">
+                                            <p:txEl>
+                                              <p:pRg st="1" end="1"/>
+                                            </p:txEl>
+                                          </p:spTgt>
+                                        </p:tgtEl>
+                                        <p:attrNameLst>
+                                          <p:attrName>style.visibility</p:attrName>
+                                        </p:attrNameLst>
+                                      </p:cBhvr>
+                                      <p:to>
+                                        <p:strVal val="visible"/>
+                                      </p:to>
+                                    </p:set>
+                                    <p:animEffect transition="in" filter="fade">
+                                      <p:cBhvr>
+                                        <p:cTn id="12" dur="500"/>
+                                        <p:tgtEl>
+                                          <p:spTgt spid="3">
+                                            <p:txEl>
+                                              <p:pRg st="1" end="1"/>
+                                            </p:txEl>
+                                          </p:spTgt>
+                                        </p:tgtEl>
+                                      </p:cBhvr>
+                                    </p:animEffect>
+                                  </p:childTnLst>
+                                </p:cTn>
+                              </p:par>
+                            </p:childTnLst>
+                          </p:cTn>
+                        </p:par>
+                      </p:childTnLst>
+                    </p:cTn>
+                  </p:par>
+                  <p:par>
+                    <p:cTn id="13" fill="hold">
+                      <p:stCondLst>
+                        <p:cond delay="indefinite"/>
+                      </p:stCondLst>
+                      <p:childTnLst>
+                        <p:par>
+                          <p:cTn id="14" fill="hold">
+                            <p:stCondLst>
+                              <p:cond delay="0"/>
+                            </p:stCondLst>
+                            <p:childTnLst>
+                              <p:par>
+                                <p:cTn id="15" presetID="10" presetClass="entr" presetSubtype="0" fill="hold" nodeType="clickEffect">
+                                  <p:stCondLst>
+                                    <p:cond delay="0"/>
+                                  </p:stCondLst>
+                                  <p:childTnLst>
+                                    <p:set>
+                                      <p:cBhvr>
+                                        <p:cTn id="16" dur="1" fill="hold">
+                                          <p:stCondLst>
+                                            <p:cond delay="0"/>
+                                          </p:stCondLst>
+                                        </p:cTn>
+                                        <p:tgtEl>
+                                          <p:spTgt spid="3">
+                                            <p:txEl>
+                                              <p:pRg st="2" end="2"/>
+                                            </p:txEl>
+                                          </p:spTgt>
+                                        </p:tgtEl>
+                                        <p:attrNameLst>
+                                          <p:attrName>style.visibility</p:attrName>
+                                        </p:attrNameLst>
+                                      </p:cBhvr>
+                                      <p:to>
+                                        <p:strVal val="visible"/>
+                                      </p:to>
+                                    </p:set>
+                                    <p:animEffect transition="in" filter="fade">
+                                      <p:cBhvr>
+                                        <p:cTn id="17" dur="500"/>
+                                        <p:tgtEl>
+                                          <p:spTgt spid="3">
+                                            <p:txEl>
+                                              <p:pRg st="2" end="2"/>
+                                            </p:txEl>
+                                          </p:spTgt>
+                                        </p:tgtEl>
+                                      </p:cBhvr>
+                                    </p:animEffect>
+                                  </p:childTnLst>
+                                </p:cTn>
+                              </p:par>
+                            </p:childTnLst>
+                          </p:cTn>
+                        </p:par>
+                      </p:childTnLst>
+                    </p:cTn>
+                  </p:par>
+                  <p:par>
+                    <p:cTn id="18" fill="hold">
+                      <p:stCondLst>
+                        <p:cond delay="indefinite"/>
+                      </p:stCondLst>
+                      <p:childTnLst>
+                        <p:par>
+                          <p:cTn id="19" fill="hold">
+                            <p:stCondLst>
+                              <p:cond delay="0"/>
+                            </p:stCondLst>
+                            <p:childTnLst>
+                              <p:par>
+                                <p:cTn id="20" presetID="10" presetClass="entr" presetSubtype="0" fill="hold" nodeType="clickEffect">
+                                  <p:stCondLst>
+                                    <p:cond delay="0"/>
+                                  </p:stCondLst>
+                                  <p:childTnLst>
+                                    <p:set>
+                                      <p:cBhvr>
+                                        <p:cTn id="21" dur="1" fill="hold">
+                                          <p:stCondLst>
+                                            <p:cond delay="0"/>
+                                          </p:stCondLst>
+                                        </p:cTn>
+                                        <p:tgtEl>
+                                          <p:spTgt spid="3">
+                                            <p:txEl>
+                                              <p:pRg st="3" end="3"/>
+                                            </p:txEl>
+                                          </p:spTgt>
+                                        </p:tgtEl>
+                                        <p:attrNameLst>
+                                          <p:attrName>style.visibility</p:attrName>
+                                        </p:attrNameLst>
+                                      </p:cBhvr>
+                                      <p:to>
+                                        <p:strVal val="visible"/>
+                                      </p:to>
+                                    </p:set>
+                                    <p:animEffect transition="in" filter="fade">
+                                      <p:cBhvr>
+                                        <p:cTn id="22" dur="500"/>
+                                        <p:tgtEl>
+                                          <p:spTgt spid="3">
+                                            <p:txEl>
+                                              <p:pRg st="3" end="3"/>
+                                            </p:txEl>
+                                          </p:spTgt>
+                                        </p:tgtEl>
+                                      </p:cBhvr>
+                                    </p:animEffect>
+                                  </p:childTnLst>
+                                </p:cTn>
+                              </p:par>
+                            </p:childTnLst>
+                          </p:cTn>
+                        </p:par>
+                      </p:childTnLst>
+                    </p:cTn>
+                  </p:par>
+                  <p:par>
+                    <p:cTn id="23" fill="hold">
+                      <p:stCondLst>
+                        <p:cond delay="indefinite"/>
+                      </p:stCondLst>
+                      <p:childTnLst>
+                        <p:par>
+                          <p:cTn id="24" fill="hold">
+                            <p:stCondLst>
+                              <p:cond delay="0"/>
+                            </p:stCondLst>
+                            <p:childTnLst>
+                              <p:par>
+                                <p:cTn id="25" presetID="10" presetClass="entr" presetSubtype="0" fill="hold" nodeType="clickEffect">
+                                  <p:stCondLst>
+                                    <p:cond delay="0"/>
+                                  </p:stCondLst>
+                                  <p:childTnLst>
+                                    <p:set>
+                                      <p:cBhvr>
+                                        <p:cTn id="26" dur="1" fill="hold">
+                                          <p:stCondLst>
+                                            <p:cond delay="0"/>
+                                          </p:stCondLst>
+                                        </p:cTn>
+                                        <p:tgtEl>
+                                          <p:spTgt spid="3">
+                                            <p:txEl>
+                                              <p:pRg st="4" end="4"/>
+                                            </p:txEl>
+                                          </p:spTgt>
+                                        </p:tgtEl>
+                                        <p:attrNameLst>
+                                          <p:attrName>style.visibility</p:attrName>
+                                        </p:attrNameLst>
+                                      </p:cBhvr>
+                                      <p:to>
+                                        <p:strVal val="visible"/>
+                                      </p:to>
+                                    </p:set>
+                                    <p:animEffect transition="in" filter="fade">
+                                      <p:cBhvr>
+                                        <p:cTn id="27" dur="500"/>
+                                        <p:tgtEl>
+                                          <p:spTgt spid="3">
+                                            <p:txEl>
+                                              <p:pRg st="4" end="4"/>
+                                            </p:txEl>
+                                          </p:spTgt>
+                                        </p:tgtEl>
+                                      </p:cBhvr>
+                                    </p:animEffect>
+                                  </p:childTnLst>
+                                </p:cTn>
+                              </p:par>
+                            </p:childTnLst>
+                          </p:cTn>
+                        </p:par>
+                      </p:childTnLst>
+                    </p:cTn>
+                  </p:par>
+                  <p:par>
+                    <p:cTn id="28" fill="hold">
+                      <p:stCondLst>
+                        <p:cond delay="indefinite"/>
+                      </p:stCondLst>
+                      <p:childTnLst>
+                        <p:par>
+                          <p:cTn id="29" fill="hold">
+                            <p:stCondLst>
+                              <p:cond delay="0"/>
+                            </p:stCondLst>
+                            <p:childTnLst>
+                              <p:par>
+                                <p:cTn id="30" presetID="10" presetClass="entr" presetSubtype="0" fill="hold" nodeType="clickEffect">
+                                  <p:stCondLst>
+                                    <p:cond delay="0"/>
+                                  </p:stCondLst>
+                                  <p:childTnLst>
+                                    <p:set>
+                                      <p:cBhvr>
+                                        <p:cTn id="31" dur="1" fill="hold">
+                                          <p:stCondLst>
+                                            <p:cond delay="0"/>
+                                          </p:stCondLst>
+                                        </p:cTn>
+                                        <p:tgtEl>
+                                          <p:spTgt spid="3">
+                                            <p:txEl>
+                                              <p:pRg st="5" end="5"/>
+                                            </p:txEl>
+                                          </p:spTgt>
+                                        </p:tgtEl>
+                                        <p:attrNameLst>
+                                          <p:attrName>style.visibility</p:attrName>
+                                        </p:attrNameLst>
+                                      </p:cBhvr>
+                                      <p:to>
+                                        <p:strVal val="visible"/>
+                                      </p:to>
+                                    </p:set>
+                                    <p:animEffect transition="in" filter="fade">
+                                      <p:cBhvr>
+                                        <p:cTn id="32" dur="500"/>
+                                        <p:tgtEl>
+                                          <p:spTgt spid="3">
+                                            <p:txEl>
+                                              <p:pRg st="5" end="5"/>
+                                            </p:txEl>
+                                          </p:spTgt>
+                                        </p:tgtEl>
+                                      </p:cBhvr>
+                                    </p:animEffect>
+                                  </p:childTnLst>
+                                </p:cTn>
+                              </p:par>
+                            </p:childTnLst>
+                          </p:cTn>
+                        </p:par>
+                      </p:childTnLst>
+                    </p:cTn>
+                  </p:par>
+                  <p:par>
+                    <p:cTn id="33" fill="hold">
+                      <p:stCondLst>
+                        <p:cond delay="indefinite"/>
+                      </p:stCondLst>
+                      <p:childTnLst>
+                        <p:par>
+                          <p:cTn id="34" fill="hold">
+                            <p:stCondLst>
+                              <p:cond delay="0"/>
+                            </p:stCondLst>
+                            <p:childTnLst>
+                              <p:par>
+                                <p:cTn id="35" presetID="10" presetClass="entr" presetSubtype="0" fill="hold" nodeType="clickEffect">
+                                  <p:stCondLst>
+                                    <p:cond delay="0"/>
+                                  </p:stCondLst>
+                                  <p:childTnLst>
+                                    <p:set>
+                                      <p:cBhvr>
+                                        <p:cTn id="36" dur="1" fill="hold">
+                                          <p:stCondLst>
+                                            <p:cond delay="0"/>
+                                          </p:stCondLst>
+                                        </p:cTn>
+                                        <p:tgtEl>
+                                          <p:spTgt spid="3">
+                                            <p:txEl>
+                                              <p:pRg st="6" end="6"/>
+                                            </p:txEl>
+                                          </p:spTgt>
+                                        </p:tgtEl>
+                                        <p:attrNameLst>
+                                          <p:attrName>style.visibility</p:attrName>
+                                        </p:attrNameLst>
+                                      </p:cBhvr>
+                                      <p:to>
+                                        <p:strVal val="visible"/>
+                                      </p:to>
+                                    </p:set>
+                                    <p:animEffect transition="in" filter="fade">
+                                      <p:cBhvr>
+                                        <p:cTn id="37" dur="500"/>
+                                        <p:tgtEl>
+                                          <p:spTgt spid="3">
+                                            <p:txEl>
+                                              <p:pRg st="6" end="6"/>
+                                            </p:txEl>
+                                          </p:spTgt>
+                                        </p:tgtEl>
+                                      </p:cBhvr>
+                                    </p:animEffect>
+                                  </p:childTnLst>
+                                </p:cTn>
+                              </p:par>
+                            </p:childTnLst>
+                          </p:cTn>
+                        </p:par>
+                      </p:childTnLst>
+                    </p:cTn>
+                  </p:par>
+                </p:childTnLst>
+              </p:cTn>
+              <p:prevCondLst>
+                <p:cond evt="onPrev" delay="0">
+                  <p:tgtEl>
+                    <p:sldTgt/>
+                  </p:tgtEl>
+                </p:cond>
+              </p:prevCondLst>
+              <p:nextCondLst>
+                <p:cond evt="onNext" delay="0">
+                  <p:tgtEl>
+                    <p:sldTgt/>
+                  </p:tgtEl>
+                </p:cond>
+              </p:nextCondLst>
+            </p:seq>
+          </p:childTnLst>
+        </p:cTn>
+      </p:par>
+    </p:tnLst>
+  </p:timing>
 </p:sld>
 </file>
 
@@ -11354,7 +14230,7 @@
                 <a:latin typeface="Euclid Circular B" panose="020B0504000000000000" pitchFamily="34" charset="0"/>
                 <a:ea typeface="Euclid Circular B" panose="020B0504000000000000" pitchFamily="34" charset="0"/>
               </a:rPr>
-              <a:t>Questions?</a:t>
+              <a:t>Components</a:t>
             </a:r>
           </a:p>
         </p:txBody>
@@ -11404,6 +14280,9 @@
             </a:br>
             <a:r>
               <a:rPr lang="en-US" b="1" i="1" dirty="0">
+                <a:solidFill>
+                  <a:srgbClr val="0070C0"/>
+                </a:solidFill>
                 <a:latin typeface="Euclid Circular B" panose="020B0504000000000000" pitchFamily="34" charset="0"/>
                 <a:ea typeface="Euclid Circular B" panose="020B0504000000000000" pitchFamily="34" charset="0"/>
               </a:rPr>
@@ -11460,6 +14339,9 @@
             </a:br>
             <a:r>
               <a:rPr lang="en-US" b="1" i="1" dirty="0">
+                <a:solidFill>
+                  <a:srgbClr val="0070C0"/>
+                </a:solidFill>
                 <a:latin typeface="Euclid Circular B" panose="020B0504000000000000" pitchFamily="34" charset="0"/>
                 <a:ea typeface="Euclid Circular B" panose="020B0504000000000000" pitchFamily="34" charset="0"/>
               </a:rPr>
@@ -11544,6 +14426,9 @@
             </a:br>
             <a:r>
               <a:rPr lang="en-US" b="1" i="1" dirty="0">
+                <a:solidFill>
+                  <a:srgbClr val="0070C0"/>
+                </a:solidFill>
                 <a:latin typeface="Euclid Circular B" panose="020B0504000000000000" pitchFamily="34" charset="0"/>
                 <a:ea typeface="Euclid Circular B" panose="020B0504000000000000" pitchFamily="34" charset="0"/>
               </a:rPr>
@@ -11614,6 +14499,9 @@
             </a:br>
             <a:r>
               <a:rPr lang="en-US" b="1" i="1" dirty="0">
+                <a:solidFill>
+                  <a:srgbClr val="0070C0"/>
+                </a:solidFill>
                 <a:latin typeface="Euclid Circular B" panose="020B0504000000000000" pitchFamily="34" charset="0"/>
                 <a:ea typeface="Euclid Circular B" panose="020B0504000000000000" pitchFamily="34" charset="0"/>
               </a:rPr>
@@ -11649,6 +14537,524 @@
   <p:clrMapOvr>
     <a:masterClrMapping/>
   </p:clrMapOvr>
+  <p:timing>
+    <p:tnLst>
+      <p:par>
+        <p:cTn id="1" dur="indefinite" restart="never" nodeType="tmRoot">
+          <p:childTnLst>
+            <p:seq concurrent="1" nextAc="seek">
+              <p:cTn id="2" dur="indefinite" nodeType="mainSeq">
+                <p:childTnLst>
+                  <p:par>
+                    <p:cTn id="3" fill="hold">
+                      <p:stCondLst>
+                        <p:cond delay="indefinite"/>
+                      </p:stCondLst>
+                      <p:childTnLst>
+                        <p:par>
+                          <p:cTn id="4" fill="hold">
+                            <p:stCondLst>
+                              <p:cond delay="0"/>
+                            </p:stCondLst>
+                            <p:childTnLst>
+                              <p:par>
+                                <p:cTn id="5" presetID="10" presetClass="entr" presetSubtype="0" fill="hold" nodeType="clickEffect">
+                                  <p:stCondLst>
+                                    <p:cond delay="0"/>
+                                  </p:stCondLst>
+                                  <p:childTnLst>
+                                    <p:set>
+                                      <p:cBhvr>
+                                        <p:cTn id="6" dur="1" fill="hold">
+                                          <p:stCondLst>
+                                            <p:cond delay="0"/>
+                                          </p:stCondLst>
+                                        </p:cTn>
+                                        <p:tgtEl>
+                                          <p:spTgt spid="3">
+                                            <p:txEl>
+                                              <p:pRg st="0" end="0"/>
+                                            </p:txEl>
+                                          </p:spTgt>
+                                        </p:tgtEl>
+                                        <p:attrNameLst>
+                                          <p:attrName>style.visibility</p:attrName>
+                                        </p:attrNameLst>
+                                      </p:cBhvr>
+                                      <p:to>
+                                        <p:strVal val="visible"/>
+                                      </p:to>
+                                    </p:set>
+                                    <p:animEffect transition="in" filter="fade">
+                                      <p:cBhvr>
+                                        <p:cTn id="7" dur="500"/>
+                                        <p:tgtEl>
+                                          <p:spTgt spid="3">
+                                            <p:txEl>
+                                              <p:pRg st="0" end="0"/>
+                                            </p:txEl>
+                                          </p:spTgt>
+                                        </p:tgtEl>
+                                      </p:cBhvr>
+                                    </p:animEffect>
+                                  </p:childTnLst>
+                                </p:cTn>
+                              </p:par>
+                            </p:childTnLst>
+                          </p:cTn>
+                        </p:par>
+                      </p:childTnLst>
+                    </p:cTn>
+                  </p:par>
+                  <p:par>
+                    <p:cTn id="8" fill="hold">
+                      <p:stCondLst>
+                        <p:cond delay="indefinite"/>
+                      </p:stCondLst>
+                      <p:childTnLst>
+                        <p:par>
+                          <p:cTn id="9" fill="hold">
+                            <p:stCondLst>
+                              <p:cond delay="0"/>
+                            </p:stCondLst>
+                            <p:childTnLst>
+                              <p:par>
+                                <p:cTn id="10" presetID="10" presetClass="entr" presetSubtype="0" fill="hold" nodeType="clickEffect">
+                                  <p:stCondLst>
+                                    <p:cond delay="0"/>
+                                  </p:stCondLst>
+                                  <p:childTnLst>
+                                    <p:set>
+                                      <p:cBhvr>
+                                        <p:cTn id="11" dur="1" fill="hold">
+                                          <p:stCondLst>
+                                            <p:cond delay="0"/>
+                                          </p:stCondLst>
+                                        </p:cTn>
+                                        <p:tgtEl>
+                                          <p:spTgt spid="3">
+                                            <p:txEl>
+                                              <p:pRg st="1" end="1"/>
+                                            </p:txEl>
+                                          </p:spTgt>
+                                        </p:tgtEl>
+                                        <p:attrNameLst>
+                                          <p:attrName>style.visibility</p:attrName>
+                                        </p:attrNameLst>
+                                      </p:cBhvr>
+                                      <p:to>
+                                        <p:strVal val="visible"/>
+                                      </p:to>
+                                    </p:set>
+                                    <p:animEffect transition="in" filter="fade">
+                                      <p:cBhvr>
+                                        <p:cTn id="12" dur="500"/>
+                                        <p:tgtEl>
+                                          <p:spTgt spid="3">
+                                            <p:txEl>
+                                              <p:pRg st="1" end="1"/>
+                                            </p:txEl>
+                                          </p:spTgt>
+                                        </p:tgtEl>
+                                      </p:cBhvr>
+                                    </p:animEffect>
+                                  </p:childTnLst>
+                                </p:cTn>
+                              </p:par>
+                            </p:childTnLst>
+                          </p:cTn>
+                        </p:par>
+                      </p:childTnLst>
+                    </p:cTn>
+                  </p:par>
+                  <p:par>
+                    <p:cTn id="13" fill="hold">
+                      <p:stCondLst>
+                        <p:cond delay="indefinite"/>
+                      </p:stCondLst>
+                      <p:childTnLst>
+                        <p:par>
+                          <p:cTn id="14" fill="hold">
+                            <p:stCondLst>
+                              <p:cond delay="0"/>
+                            </p:stCondLst>
+                            <p:childTnLst>
+                              <p:par>
+                                <p:cTn id="15" presetID="10" presetClass="entr" presetSubtype="0" fill="hold" nodeType="clickEffect">
+                                  <p:stCondLst>
+                                    <p:cond delay="0"/>
+                                  </p:stCondLst>
+                                  <p:childTnLst>
+                                    <p:set>
+                                      <p:cBhvr>
+                                        <p:cTn id="16" dur="1" fill="hold">
+                                          <p:stCondLst>
+                                            <p:cond delay="0"/>
+                                          </p:stCondLst>
+                                        </p:cTn>
+                                        <p:tgtEl>
+                                          <p:spTgt spid="3">
+                                            <p:txEl>
+                                              <p:pRg st="2" end="2"/>
+                                            </p:txEl>
+                                          </p:spTgt>
+                                        </p:tgtEl>
+                                        <p:attrNameLst>
+                                          <p:attrName>style.visibility</p:attrName>
+                                        </p:attrNameLst>
+                                      </p:cBhvr>
+                                      <p:to>
+                                        <p:strVal val="visible"/>
+                                      </p:to>
+                                    </p:set>
+                                    <p:animEffect transition="in" filter="fade">
+                                      <p:cBhvr>
+                                        <p:cTn id="17" dur="500"/>
+                                        <p:tgtEl>
+                                          <p:spTgt spid="3">
+                                            <p:txEl>
+                                              <p:pRg st="2" end="2"/>
+                                            </p:txEl>
+                                          </p:spTgt>
+                                        </p:tgtEl>
+                                      </p:cBhvr>
+                                    </p:animEffect>
+                                  </p:childTnLst>
+                                </p:cTn>
+                              </p:par>
+                            </p:childTnLst>
+                          </p:cTn>
+                        </p:par>
+                      </p:childTnLst>
+                    </p:cTn>
+                  </p:par>
+                  <p:par>
+                    <p:cTn id="18" fill="hold">
+                      <p:stCondLst>
+                        <p:cond delay="indefinite"/>
+                      </p:stCondLst>
+                      <p:childTnLst>
+                        <p:par>
+                          <p:cTn id="19" fill="hold">
+                            <p:stCondLst>
+                              <p:cond delay="0"/>
+                            </p:stCondLst>
+                            <p:childTnLst>
+                              <p:par>
+                                <p:cTn id="20" presetID="10" presetClass="entr" presetSubtype="0" fill="hold" nodeType="clickEffect">
+                                  <p:stCondLst>
+                                    <p:cond delay="0"/>
+                                  </p:stCondLst>
+                                  <p:childTnLst>
+                                    <p:set>
+                                      <p:cBhvr>
+                                        <p:cTn id="21" dur="1" fill="hold">
+                                          <p:stCondLst>
+                                            <p:cond delay="0"/>
+                                          </p:stCondLst>
+                                        </p:cTn>
+                                        <p:tgtEl>
+                                          <p:spTgt spid="3">
+                                            <p:txEl>
+                                              <p:pRg st="3" end="3"/>
+                                            </p:txEl>
+                                          </p:spTgt>
+                                        </p:tgtEl>
+                                        <p:attrNameLst>
+                                          <p:attrName>style.visibility</p:attrName>
+                                        </p:attrNameLst>
+                                      </p:cBhvr>
+                                      <p:to>
+                                        <p:strVal val="visible"/>
+                                      </p:to>
+                                    </p:set>
+                                    <p:animEffect transition="in" filter="fade">
+                                      <p:cBhvr>
+                                        <p:cTn id="22" dur="500"/>
+                                        <p:tgtEl>
+                                          <p:spTgt spid="3">
+                                            <p:txEl>
+                                              <p:pRg st="3" end="3"/>
+                                            </p:txEl>
+                                          </p:spTgt>
+                                        </p:tgtEl>
+                                      </p:cBhvr>
+                                    </p:animEffect>
+                                  </p:childTnLst>
+                                </p:cTn>
+                              </p:par>
+                            </p:childTnLst>
+                          </p:cTn>
+                        </p:par>
+                      </p:childTnLst>
+                    </p:cTn>
+                  </p:par>
+                  <p:par>
+                    <p:cTn id="23" fill="hold">
+                      <p:stCondLst>
+                        <p:cond delay="indefinite"/>
+                      </p:stCondLst>
+                      <p:childTnLst>
+                        <p:par>
+                          <p:cTn id="24" fill="hold">
+                            <p:stCondLst>
+                              <p:cond delay="0"/>
+                            </p:stCondLst>
+                            <p:childTnLst>
+                              <p:par>
+                                <p:cTn id="25" presetID="10" presetClass="entr" presetSubtype="0" fill="hold" nodeType="clickEffect">
+                                  <p:stCondLst>
+                                    <p:cond delay="0"/>
+                                  </p:stCondLst>
+                                  <p:childTnLst>
+                                    <p:set>
+                                      <p:cBhvr>
+                                        <p:cTn id="26" dur="1" fill="hold">
+                                          <p:stCondLst>
+                                            <p:cond delay="0"/>
+                                          </p:stCondLst>
+                                        </p:cTn>
+                                        <p:tgtEl>
+                                          <p:spTgt spid="3">
+                                            <p:txEl>
+                                              <p:pRg st="4" end="4"/>
+                                            </p:txEl>
+                                          </p:spTgt>
+                                        </p:tgtEl>
+                                        <p:attrNameLst>
+                                          <p:attrName>style.visibility</p:attrName>
+                                        </p:attrNameLst>
+                                      </p:cBhvr>
+                                      <p:to>
+                                        <p:strVal val="visible"/>
+                                      </p:to>
+                                    </p:set>
+                                    <p:animEffect transition="in" filter="fade">
+                                      <p:cBhvr>
+                                        <p:cTn id="27" dur="500"/>
+                                        <p:tgtEl>
+                                          <p:spTgt spid="3">
+                                            <p:txEl>
+                                              <p:pRg st="4" end="4"/>
+                                            </p:txEl>
+                                          </p:spTgt>
+                                        </p:tgtEl>
+                                      </p:cBhvr>
+                                    </p:animEffect>
+                                  </p:childTnLst>
+                                </p:cTn>
+                              </p:par>
+                            </p:childTnLst>
+                          </p:cTn>
+                        </p:par>
+                      </p:childTnLst>
+                    </p:cTn>
+                  </p:par>
+                  <p:par>
+                    <p:cTn id="28" fill="hold">
+                      <p:stCondLst>
+                        <p:cond delay="indefinite"/>
+                      </p:stCondLst>
+                      <p:childTnLst>
+                        <p:par>
+                          <p:cTn id="29" fill="hold">
+                            <p:stCondLst>
+                              <p:cond delay="0"/>
+                            </p:stCondLst>
+                            <p:childTnLst>
+                              <p:par>
+                                <p:cTn id="30" presetID="10" presetClass="entr" presetSubtype="0" fill="hold" nodeType="clickEffect">
+                                  <p:stCondLst>
+                                    <p:cond delay="0"/>
+                                  </p:stCondLst>
+                                  <p:childTnLst>
+                                    <p:set>
+                                      <p:cBhvr>
+                                        <p:cTn id="31" dur="1" fill="hold">
+                                          <p:stCondLst>
+                                            <p:cond delay="0"/>
+                                          </p:stCondLst>
+                                        </p:cTn>
+                                        <p:tgtEl>
+                                          <p:spTgt spid="3">
+                                            <p:txEl>
+                                              <p:pRg st="5" end="5"/>
+                                            </p:txEl>
+                                          </p:spTgt>
+                                        </p:tgtEl>
+                                        <p:attrNameLst>
+                                          <p:attrName>style.visibility</p:attrName>
+                                        </p:attrNameLst>
+                                      </p:cBhvr>
+                                      <p:to>
+                                        <p:strVal val="visible"/>
+                                      </p:to>
+                                    </p:set>
+                                    <p:animEffect transition="in" filter="fade">
+                                      <p:cBhvr>
+                                        <p:cTn id="32" dur="500"/>
+                                        <p:tgtEl>
+                                          <p:spTgt spid="3">
+                                            <p:txEl>
+                                              <p:pRg st="5" end="5"/>
+                                            </p:txEl>
+                                          </p:spTgt>
+                                        </p:tgtEl>
+                                      </p:cBhvr>
+                                    </p:animEffect>
+                                  </p:childTnLst>
+                                </p:cTn>
+                              </p:par>
+                            </p:childTnLst>
+                          </p:cTn>
+                        </p:par>
+                      </p:childTnLst>
+                    </p:cTn>
+                  </p:par>
+                  <p:par>
+                    <p:cTn id="33" fill="hold">
+                      <p:stCondLst>
+                        <p:cond delay="indefinite"/>
+                      </p:stCondLst>
+                      <p:childTnLst>
+                        <p:par>
+                          <p:cTn id="34" fill="hold">
+                            <p:stCondLst>
+                              <p:cond delay="0"/>
+                            </p:stCondLst>
+                            <p:childTnLst>
+                              <p:par>
+                                <p:cTn id="35" presetID="10" presetClass="entr" presetSubtype="0" fill="hold" nodeType="clickEffect">
+                                  <p:stCondLst>
+                                    <p:cond delay="0"/>
+                                  </p:stCondLst>
+                                  <p:childTnLst>
+                                    <p:set>
+                                      <p:cBhvr>
+                                        <p:cTn id="36" dur="1" fill="hold">
+                                          <p:stCondLst>
+                                            <p:cond delay="0"/>
+                                          </p:stCondLst>
+                                        </p:cTn>
+                                        <p:tgtEl>
+                                          <p:spTgt spid="3">
+                                            <p:txEl>
+                                              <p:pRg st="6" end="6"/>
+                                            </p:txEl>
+                                          </p:spTgt>
+                                        </p:tgtEl>
+                                        <p:attrNameLst>
+                                          <p:attrName>style.visibility</p:attrName>
+                                        </p:attrNameLst>
+                                      </p:cBhvr>
+                                      <p:to>
+                                        <p:strVal val="visible"/>
+                                      </p:to>
+                                    </p:set>
+                                    <p:animEffect transition="in" filter="fade">
+                                      <p:cBhvr>
+                                        <p:cTn id="37" dur="500"/>
+                                        <p:tgtEl>
+                                          <p:spTgt spid="3">
+                                            <p:txEl>
+                                              <p:pRg st="6" end="6"/>
+                                            </p:txEl>
+                                          </p:spTgt>
+                                        </p:tgtEl>
+                                      </p:cBhvr>
+                                    </p:animEffect>
+                                  </p:childTnLst>
+                                </p:cTn>
+                              </p:par>
+                            </p:childTnLst>
+                          </p:cTn>
+                        </p:par>
+                      </p:childTnLst>
+                    </p:cTn>
+                  </p:par>
+                  <p:par>
+                    <p:cTn id="38" fill="hold">
+                      <p:stCondLst>
+                        <p:cond delay="indefinite"/>
+                      </p:stCondLst>
+                      <p:childTnLst>
+                        <p:par>
+                          <p:cTn id="39" fill="hold">
+                            <p:stCondLst>
+                              <p:cond delay="0"/>
+                            </p:stCondLst>
+                            <p:childTnLst>
+                              <p:par>
+                                <p:cTn id="40" presetID="10" presetClass="entr" presetSubtype="0" fill="hold" nodeType="clickEffect">
+                                  <p:stCondLst>
+                                    <p:cond delay="0"/>
+                                  </p:stCondLst>
+                                  <p:childTnLst>
+                                    <p:set>
+                                      <p:cBhvr>
+                                        <p:cTn id="41" dur="1" fill="hold">
+                                          <p:stCondLst>
+                                            <p:cond delay="0"/>
+                                          </p:stCondLst>
+                                        </p:cTn>
+                                        <p:tgtEl>
+                                          <p:spTgt spid="3">
+                                            <p:txEl>
+                                              <p:pRg st="7" end="7"/>
+                                            </p:txEl>
+                                          </p:spTgt>
+                                        </p:tgtEl>
+                                        <p:attrNameLst>
+                                          <p:attrName>style.visibility</p:attrName>
+                                        </p:attrNameLst>
+                                      </p:cBhvr>
+                                      <p:to>
+                                        <p:strVal val="visible"/>
+                                      </p:to>
+                                    </p:set>
+                                    <p:animEffect transition="in" filter="fade">
+                                      <p:cBhvr>
+                                        <p:cTn id="42" dur="500"/>
+                                        <p:tgtEl>
+                                          <p:spTgt spid="3">
+                                            <p:txEl>
+                                              <p:pRg st="7" end="7"/>
+                                            </p:txEl>
+                                          </p:spTgt>
+                                        </p:tgtEl>
+                                      </p:cBhvr>
+                                    </p:animEffect>
+                                  </p:childTnLst>
+                                </p:cTn>
+                              </p:par>
+                            </p:childTnLst>
+                          </p:cTn>
+                        </p:par>
+                      </p:childTnLst>
+                    </p:cTn>
+                  </p:par>
+                </p:childTnLst>
+              </p:cTn>
+              <p:prevCondLst>
+                <p:cond evt="onPrev" delay="0">
+                  <p:tgtEl>
+                    <p:sldTgt/>
+                  </p:tgtEl>
+                </p:cond>
+              </p:prevCondLst>
+              <p:nextCondLst>
+                <p:cond evt="onNext" delay="0">
+                  <p:tgtEl>
+                    <p:sldTgt/>
+                  </p:tgtEl>
+                </p:cond>
+              </p:nextCondLst>
+            </p:seq>
+          </p:childTnLst>
+        </p:cTn>
+      </p:par>
+    </p:tnLst>
+  </p:timing>
 </p:sld>
 </file>
 
@@ -11685,44 +15091,10 @@
       </p:grpSpPr>
       <p:sp>
         <p:nvSpPr>
-          <p:cNvPr id="2" name="Title 1">
-            <a:extLst>
-              <a:ext uri="{FF2B5EF4-FFF2-40B4-BE49-F238E27FC236}">
-                <a16:creationId xmlns:a16="http://schemas.microsoft.com/office/drawing/2014/main" id="{55E11F08-6CA0-48F1-AD67-97430DDA07F0}"/>
-              </a:ext>
-            </a:extLst>
-          </p:cNvPr>
-          <p:cNvSpPr>
-            <a:spLocks noGrp="1"/>
-          </p:cNvSpPr>
-          <p:nvPr>
-            <p:ph type="title"/>
-          </p:nvPr>
-        </p:nvSpPr>
-        <p:spPr/>
-        <p:txBody>
-          <a:bodyPr/>
-          <a:lstStyle/>
-          <a:p>
-            <a:r>
-              <a:rPr lang="en-US" b="1" dirty="0">
-                <a:solidFill>
-                  <a:srgbClr val="292D33"/>
-                </a:solidFill>
-                <a:latin typeface="Euclid Circular B" panose="020B0504000000000000" pitchFamily="34" charset="0"/>
-                <a:ea typeface="Euclid Circular B" panose="020B0504000000000000" pitchFamily="34" charset="0"/>
-              </a:rPr>
-              <a:t>Authorization</a:t>
-            </a:r>
-          </a:p>
-        </p:txBody>
-      </p:sp>
-      <p:sp>
-        <p:nvSpPr>
-          <p:cNvPr id="6" name="TextBox 5">
-            <a:extLst>
-              <a:ext uri="{FF2B5EF4-FFF2-40B4-BE49-F238E27FC236}">
-                <a16:creationId xmlns:a16="http://schemas.microsoft.com/office/drawing/2014/main" id="{3C34435A-892E-457D-FD49-098C0BECB96F}"/>
+          <p:cNvPr id="7" name="TextBox 6">
+            <a:extLst>
+              <a:ext uri="{FF2B5EF4-FFF2-40B4-BE49-F238E27FC236}">
+                <a16:creationId xmlns:a16="http://schemas.microsoft.com/office/drawing/2014/main" id="{5677B458-ABFA-5D96-E109-6A527F54D9A2}"/>
               </a:ext>
             </a:extLst>
           </p:cNvPr>
@@ -11731,8 +15103,8 @@
         </p:nvSpPr>
         <p:spPr>
           <a:xfrm>
-            <a:off x="1234126" y="2832132"/>
-            <a:ext cx="1838901" cy="369332"/>
+            <a:off x="1291472" y="6481738"/>
+            <a:ext cx="10369484" cy="338554"/>
           </a:xfrm>
           <a:prstGeom prst="rect">
             <a:avLst/>
@@ -11740,890 +15112,85 @@
           <a:noFill/>
         </p:spPr>
         <p:txBody>
-          <a:bodyPr wrap="none" rtlCol="0">
+          <a:bodyPr wrap="square">
             <a:spAutoFit/>
           </a:bodyPr>
           <a:lstStyle/>
           <a:p>
             <a:r>
-              <a:rPr lang="en-US" dirty="0">
-                <a:solidFill>
-                  <a:srgbClr val="C00000"/>
-                </a:solidFill>
-              </a:rPr>
-              <a:t>with access token</a:t>
+              <a:rPr lang="en-US" sz="1600" dirty="0"/>
+              <a:t>Image source: </a:t>
+            </a:r>
+            <a:r>
+              <a:rPr lang="en-US" sz="1600" dirty="0">
+                <a:hlinkClick r:id="rId3"/>
+              </a:rPr>
+              <a:t>https://www.alexanderlolis.com/authorization-in-a-microservices-world#authorization-flow-overview</a:t>
+            </a:r>
+            <a:r>
+              <a:rPr lang="en-US" sz="1600" dirty="0"/>
+              <a:t> </a:t>
             </a:r>
           </a:p>
         </p:txBody>
       </p:sp>
-      <p:cxnSp>
-        <p:nvCxnSpPr>
-          <p:cNvPr id="7" name="Straight Arrow Connector 6">
-            <a:extLst>
-              <a:ext uri="{FF2B5EF4-FFF2-40B4-BE49-F238E27FC236}">
-                <a16:creationId xmlns:a16="http://schemas.microsoft.com/office/drawing/2014/main" id="{BC60CA88-012D-ADF8-0546-63CD399D7EDD}"/>
-              </a:ext>
-            </a:extLst>
-          </p:cNvPr>
-          <p:cNvCxnSpPr>
-            <a:cxnSpLocks/>
-            <a:stCxn id="11" idx="2"/>
-            <a:endCxn id="9" idx="0"/>
-          </p:cNvCxnSpPr>
+      <p:pic>
+        <p:nvPicPr>
+          <p:cNvPr id="1028" name="Picture 4" descr="Authorization Overview">
+            <a:extLst>
+              <a:ext uri="{FF2B5EF4-FFF2-40B4-BE49-F238E27FC236}">
+                <a16:creationId xmlns:a16="http://schemas.microsoft.com/office/drawing/2014/main" id="{EBFA4825-32EE-C395-62FF-88BD295FE867}"/>
+              </a:ext>
+            </a:extLst>
+          </p:cNvPr>
+          <p:cNvPicPr>
+            <a:picLocks noChangeAspect="1" noChangeArrowheads="1"/>
+          </p:cNvPicPr>
           <p:nvPr/>
-        </p:nvCxnSpPr>
-        <p:spPr>
+        </p:nvPicPr>
+        <p:blipFill>
+          <a:blip r:embed="rId4">
+            <a:extLst>
+              <a:ext uri="{28A0092B-C50C-407E-A947-70E740481C1C}">
+                <a14:useLocalDpi xmlns:a14="http://schemas.microsoft.com/office/drawing/2010/main" val="0"/>
+              </a:ext>
+            </a:extLst>
+          </a:blip>
+          <a:srcRect/>
+          <a:stretch>
+            <a:fillRect/>
+          </a:stretch>
+        </p:blipFill>
+        <p:spPr bwMode="auto">
           <a:xfrm>
-            <a:off x="3039392" y="2388053"/>
-            <a:ext cx="0" cy="896086"/>
-          </a:xfrm>
-          <a:prstGeom prst="straightConnector1">
-            <a:avLst/>
-          </a:prstGeom>
-          <a:ln w="19050">
-            <a:solidFill>
-              <a:srgbClr val="C00000"/>
-            </a:solidFill>
-            <a:tailEnd type="triangle"/>
-          </a:ln>
-        </p:spPr>
-        <p:style>
-          <a:lnRef idx="1">
-            <a:schemeClr val="accent1"/>
-          </a:lnRef>
-          <a:fillRef idx="0">
-            <a:schemeClr val="accent1"/>
-          </a:fillRef>
-          <a:effectRef idx="0">
-            <a:schemeClr val="accent1"/>
-          </a:effectRef>
-          <a:fontRef idx="minor">
-            <a:schemeClr val="tx1"/>
-          </a:fontRef>
-        </p:style>
-      </p:cxnSp>
-      <p:sp>
-        <p:nvSpPr>
-          <p:cNvPr id="9" name="Rectangle 8">
-            <a:extLst>
-              <a:ext uri="{FF2B5EF4-FFF2-40B4-BE49-F238E27FC236}">
-                <a16:creationId xmlns:a16="http://schemas.microsoft.com/office/drawing/2014/main" id="{690B5441-FD4A-5AD3-497F-C71368E54510}"/>
-              </a:ext>
-            </a:extLst>
-          </p:cNvPr>
-          <p:cNvSpPr/>
-          <p:nvPr/>
-        </p:nvSpPr>
-        <p:spPr>
-          <a:xfrm>
-            <a:off x="1313389" y="3284139"/>
-            <a:ext cx="3452005" cy="553673"/>
-          </a:xfrm>
-          <a:prstGeom prst="rect">
-            <a:avLst/>
-          </a:prstGeom>
-        </p:spPr>
-        <p:style>
-          <a:lnRef idx="2">
-            <a:schemeClr val="accent6">
-              <a:shade val="50000"/>
-            </a:schemeClr>
-          </a:lnRef>
-          <a:fillRef idx="1">
-            <a:schemeClr val="accent6"/>
-          </a:fillRef>
-          <a:effectRef idx="0">
-            <a:schemeClr val="accent6"/>
-          </a:effectRef>
-          <a:fontRef idx="minor">
-            <a:schemeClr val="lt1"/>
-          </a:fontRef>
-        </p:style>
-        <p:txBody>
-          <a:bodyPr rtlCol="0" anchor="ctr"/>
-          <a:lstStyle/>
-          <a:p>
-            <a:pPr algn="ctr"/>
-            <a:r>
-              <a:rPr lang="en-US" dirty="0">
-                <a:solidFill>
-                  <a:schemeClr val="bg1"/>
-                </a:solidFill>
-              </a:rPr>
-              <a:t>Your HTTP API / Microservice</a:t>
-            </a:r>
-          </a:p>
-        </p:txBody>
-      </p:sp>
-      <p:sp>
-        <p:nvSpPr>
-          <p:cNvPr id="10" name="TextBox 9">
-            <a:extLst>
-              <a:ext uri="{FF2B5EF4-FFF2-40B4-BE49-F238E27FC236}">
-                <a16:creationId xmlns:a16="http://schemas.microsoft.com/office/drawing/2014/main" id="{B0A731EF-3B26-65EB-B27F-05BAD4D20E7C}"/>
-              </a:ext>
-            </a:extLst>
-          </p:cNvPr>
-          <p:cNvSpPr txBox="1"/>
-          <p:nvPr/>
-        </p:nvSpPr>
-        <p:spPr>
-          <a:xfrm>
-            <a:off x="1321588" y="2429635"/>
-            <a:ext cx="1634743" cy="400110"/>
+            <a:off x="1943100" y="47135"/>
+            <a:ext cx="8305800" cy="6400800"/>
           </a:xfrm>
           <a:prstGeom prst="rect">
             <a:avLst/>
           </a:prstGeom>
           <a:noFill/>
+          <a:extLst>
+            <a:ext uri="{909E8E84-426E-40DD-AFC4-6F175D3DCCD1}">
+              <a14:hiddenFill xmlns:a14="http://schemas.microsoft.com/office/drawing/2010/main">
+                <a:solidFill>
+                  <a:srgbClr val="FFFFFF"/>
+                </a:solidFill>
+              </a14:hiddenFill>
+            </a:ext>
+          </a:extLst>
         </p:spPr>
-        <p:txBody>
-          <a:bodyPr wrap="none" rtlCol="0">
-            <a:spAutoFit/>
-          </a:bodyPr>
-          <a:lstStyle/>
-          <a:p>
-            <a:r>
-              <a:rPr lang="en-US" sz="2000" dirty="0">
-                <a:solidFill>
-                  <a:srgbClr val="C00000"/>
-                </a:solidFill>
-              </a:rPr>
-              <a:t>HTTP Request</a:t>
-            </a:r>
-          </a:p>
-        </p:txBody>
-      </p:sp>
-      <p:sp>
-        <p:nvSpPr>
-          <p:cNvPr id="11" name="Rectangle 10">
-            <a:extLst>
-              <a:ext uri="{FF2B5EF4-FFF2-40B4-BE49-F238E27FC236}">
-                <a16:creationId xmlns:a16="http://schemas.microsoft.com/office/drawing/2014/main" id="{F77AE6DE-A91A-B7F6-527F-C5E860DF8B42}"/>
-              </a:ext>
-            </a:extLst>
-          </p:cNvPr>
-          <p:cNvSpPr/>
-          <p:nvPr/>
-        </p:nvSpPr>
-        <p:spPr>
-          <a:xfrm>
-            <a:off x="1952633" y="1834380"/>
-            <a:ext cx="2173517" cy="553673"/>
-          </a:xfrm>
-          <a:prstGeom prst="rect">
-            <a:avLst/>
-          </a:prstGeom>
-        </p:spPr>
-        <p:style>
-          <a:lnRef idx="2">
-            <a:schemeClr val="accent2">
-              <a:shade val="50000"/>
-            </a:schemeClr>
-          </a:lnRef>
-          <a:fillRef idx="1">
-            <a:schemeClr val="accent2"/>
-          </a:fillRef>
-          <a:effectRef idx="0">
-            <a:schemeClr val="accent2"/>
-          </a:effectRef>
-          <a:fontRef idx="minor">
-            <a:schemeClr val="lt1"/>
-          </a:fontRef>
-        </p:style>
-        <p:txBody>
-          <a:bodyPr rtlCol="0" anchor="ctr"/>
-          <a:lstStyle/>
-          <a:p>
-            <a:pPr algn="ctr"/>
-            <a:r>
-              <a:rPr lang="en-US" dirty="0">
-                <a:solidFill>
-                  <a:schemeClr val="bg1"/>
-                </a:solidFill>
-              </a:rPr>
-              <a:t>Client Application</a:t>
-            </a:r>
-          </a:p>
-        </p:txBody>
-      </p:sp>
-      <p:sp>
-        <p:nvSpPr>
-          <p:cNvPr id="14" name="Oval 13">
-            <a:extLst>
-              <a:ext uri="{FF2B5EF4-FFF2-40B4-BE49-F238E27FC236}">
-                <a16:creationId xmlns:a16="http://schemas.microsoft.com/office/drawing/2014/main" id="{F504905F-5569-E70A-317B-79B394860869}"/>
-              </a:ext>
-            </a:extLst>
-          </p:cNvPr>
-          <p:cNvSpPr/>
-          <p:nvPr/>
-        </p:nvSpPr>
-        <p:spPr>
-          <a:xfrm>
-            <a:off x="1313389" y="4870363"/>
-            <a:ext cx="1680376" cy="779228"/>
-          </a:xfrm>
-          <a:prstGeom prst="ellipse">
-            <a:avLst/>
-          </a:prstGeom>
-        </p:spPr>
-        <p:style>
-          <a:lnRef idx="2">
-            <a:schemeClr val="accent1">
-              <a:shade val="50000"/>
-            </a:schemeClr>
-          </a:lnRef>
-          <a:fillRef idx="1">
-            <a:schemeClr val="accent1"/>
-          </a:fillRef>
-          <a:effectRef idx="0">
-            <a:schemeClr val="accent1"/>
-          </a:effectRef>
-          <a:fontRef idx="minor">
-            <a:schemeClr val="lt1"/>
-          </a:fontRef>
-        </p:style>
-        <p:txBody>
-          <a:bodyPr rtlCol="0" anchor="ctr"/>
-          <a:lstStyle/>
-          <a:p>
-            <a:pPr algn="ctr"/>
-            <a:r>
-              <a:rPr lang="en-US" dirty="0"/>
-              <a:t>Database</a:t>
-            </a:r>
-          </a:p>
-        </p:txBody>
-      </p:sp>
-      <p:sp>
-        <p:nvSpPr>
-          <p:cNvPr id="15" name="Oval 14">
-            <a:extLst>
-              <a:ext uri="{FF2B5EF4-FFF2-40B4-BE49-F238E27FC236}">
-                <a16:creationId xmlns:a16="http://schemas.microsoft.com/office/drawing/2014/main" id="{0964699B-C451-D3EC-13CB-B2F0AD4F399F}"/>
-              </a:ext>
-            </a:extLst>
-          </p:cNvPr>
-          <p:cNvSpPr/>
-          <p:nvPr/>
-        </p:nvSpPr>
-        <p:spPr>
-          <a:xfrm>
-            <a:off x="3085018" y="4870363"/>
-            <a:ext cx="1680376" cy="779228"/>
-          </a:xfrm>
-          <a:prstGeom prst="ellipse">
-            <a:avLst/>
-          </a:prstGeom>
-        </p:spPr>
-        <p:style>
-          <a:lnRef idx="2">
-            <a:schemeClr val="accent5">
-              <a:shade val="50000"/>
-            </a:schemeClr>
-          </a:lnRef>
-          <a:fillRef idx="1">
-            <a:schemeClr val="accent5"/>
-          </a:fillRef>
-          <a:effectRef idx="0">
-            <a:schemeClr val="accent5"/>
-          </a:effectRef>
-          <a:fontRef idx="minor">
-            <a:schemeClr val="lt1"/>
-          </a:fontRef>
-        </p:style>
-        <p:txBody>
-          <a:bodyPr rtlCol="0" anchor="ctr"/>
-          <a:lstStyle/>
-          <a:p>
-            <a:pPr algn="ctr"/>
-            <a:r>
-              <a:rPr lang="en-US" dirty="0"/>
-              <a:t>Other Resources</a:t>
-            </a:r>
-          </a:p>
-        </p:txBody>
-      </p:sp>
-      <p:cxnSp>
-        <p:nvCxnSpPr>
-          <p:cNvPr id="17" name="Straight Arrow Connector 16">
-            <a:extLst>
-              <a:ext uri="{FF2B5EF4-FFF2-40B4-BE49-F238E27FC236}">
-                <a16:creationId xmlns:a16="http://schemas.microsoft.com/office/drawing/2014/main" id="{39CE64C4-A4F6-A5AE-2DDC-F194EC47EFEB}"/>
-              </a:ext>
-            </a:extLst>
-          </p:cNvPr>
-          <p:cNvCxnSpPr>
-            <a:cxnSpLocks/>
-            <a:endCxn id="14" idx="0"/>
-          </p:cNvCxnSpPr>
-          <p:nvPr/>
-        </p:nvCxnSpPr>
-        <p:spPr>
-          <a:xfrm>
-            <a:off x="2153577" y="3837812"/>
-            <a:ext cx="0" cy="1032551"/>
-          </a:xfrm>
-          <a:prstGeom prst="straightConnector1">
-            <a:avLst/>
-          </a:prstGeom>
-          <a:ln w="25400">
-            <a:solidFill>
-              <a:schemeClr val="tx1">
-                <a:lumMod val="95000"/>
-                <a:lumOff val="5000"/>
-              </a:schemeClr>
-            </a:solidFill>
-            <a:tailEnd type="triangle"/>
-          </a:ln>
-        </p:spPr>
-        <p:style>
-          <a:lnRef idx="1">
-            <a:schemeClr val="accent1"/>
-          </a:lnRef>
-          <a:fillRef idx="0">
-            <a:schemeClr val="accent1"/>
-          </a:fillRef>
-          <a:effectRef idx="0">
-            <a:schemeClr val="accent1"/>
-          </a:effectRef>
-          <a:fontRef idx="minor">
-            <a:schemeClr val="tx1"/>
-          </a:fontRef>
-        </p:style>
-      </p:cxnSp>
-      <p:cxnSp>
-        <p:nvCxnSpPr>
-          <p:cNvPr id="20" name="Straight Arrow Connector 19">
-            <a:extLst>
-              <a:ext uri="{FF2B5EF4-FFF2-40B4-BE49-F238E27FC236}">
-                <a16:creationId xmlns:a16="http://schemas.microsoft.com/office/drawing/2014/main" id="{1CB1650F-45EE-967B-8B48-A3AE3E05A974}"/>
-              </a:ext>
-            </a:extLst>
-          </p:cNvPr>
-          <p:cNvCxnSpPr>
-            <a:cxnSpLocks/>
-          </p:cNvCxnSpPr>
-          <p:nvPr/>
-        </p:nvCxnSpPr>
-        <p:spPr>
-          <a:xfrm>
-            <a:off x="3931266" y="3837812"/>
-            <a:ext cx="0" cy="1032551"/>
-          </a:xfrm>
-          <a:prstGeom prst="straightConnector1">
-            <a:avLst/>
-          </a:prstGeom>
-          <a:ln w="25400">
-            <a:solidFill>
-              <a:schemeClr val="tx1">
-                <a:lumMod val="95000"/>
-                <a:lumOff val="5000"/>
-              </a:schemeClr>
-            </a:solidFill>
-            <a:tailEnd type="triangle"/>
-          </a:ln>
-        </p:spPr>
-        <p:style>
-          <a:lnRef idx="1">
-            <a:schemeClr val="accent1"/>
-          </a:lnRef>
-          <a:fillRef idx="0">
-            <a:schemeClr val="accent1"/>
-          </a:fillRef>
-          <a:effectRef idx="0">
-            <a:schemeClr val="accent1"/>
-          </a:effectRef>
-          <a:fontRef idx="minor">
-            <a:schemeClr val="tx1"/>
-          </a:fontRef>
-        </p:style>
-      </p:cxnSp>
-      <p:sp>
-        <p:nvSpPr>
-          <p:cNvPr id="22" name="Hexagon 21">
-            <a:extLst>
-              <a:ext uri="{FF2B5EF4-FFF2-40B4-BE49-F238E27FC236}">
-                <a16:creationId xmlns:a16="http://schemas.microsoft.com/office/drawing/2014/main" id="{ADBE2187-B36F-8990-A9B4-E3CEB541E4A3}"/>
-              </a:ext>
-            </a:extLst>
-          </p:cNvPr>
-          <p:cNvSpPr/>
-          <p:nvPr/>
-        </p:nvSpPr>
-        <p:spPr>
-          <a:xfrm>
-            <a:off x="5485065" y="2943020"/>
-            <a:ext cx="2116034" cy="1235910"/>
-          </a:xfrm>
-          <a:prstGeom prst="hexagon">
-            <a:avLst/>
-          </a:prstGeom>
-        </p:spPr>
-        <p:style>
-          <a:lnRef idx="2">
-            <a:schemeClr val="dk1">
-              <a:shade val="50000"/>
-            </a:schemeClr>
-          </a:lnRef>
-          <a:fillRef idx="1">
-            <a:schemeClr val="dk1"/>
-          </a:fillRef>
-          <a:effectRef idx="0">
-            <a:schemeClr val="dk1"/>
-          </a:effectRef>
-          <a:fontRef idx="minor">
-            <a:schemeClr val="lt1"/>
-          </a:fontRef>
-        </p:style>
-        <p:txBody>
-          <a:bodyPr rtlCol="0" anchor="ctr"/>
-          <a:lstStyle/>
-          <a:p>
-            <a:pPr algn="ctr"/>
-            <a:r>
-              <a:rPr lang="en-US" dirty="0"/>
-              <a:t>Permissions / Authorization Data &amp; Logic</a:t>
-            </a:r>
-          </a:p>
-        </p:txBody>
-      </p:sp>
-      <p:cxnSp>
-        <p:nvCxnSpPr>
-          <p:cNvPr id="24" name="Straight Arrow Connector 23">
-            <a:extLst>
-              <a:ext uri="{FF2B5EF4-FFF2-40B4-BE49-F238E27FC236}">
-                <a16:creationId xmlns:a16="http://schemas.microsoft.com/office/drawing/2014/main" id="{B30291D1-EF73-4FFD-F2CA-65E09F145AC3}"/>
-              </a:ext>
-            </a:extLst>
-          </p:cNvPr>
-          <p:cNvCxnSpPr>
-            <a:stCxn id="9" idx="3"/>
-            <a:endCxn id="22" idx="3"/>
-          </p:cNvCxnSpPr>
-          <p:nvPr/>
-        </p:nvCxnSpPr>
-        <p:spPr>
-          <a:xfrm flipV="1">
-            <a:off x="4765394" y="3560975"/>
-            <a:ext cx="719671" cy="1"/>
-          </a:xfrm>
-          <a:prstGeom prst="straightConnector1">
-            <a:avLst/>
-          </a:prstGeom>
-          <a:ln w="25400">
-            <a:solidFill>
-              <a:schemeClr val="tx1">
-                <a:lumMod val="95000"/>
-                <a:lumOff val="5000"/>
-              </a:schemeClr>
-            </a:solidFill>
-            <a:headEnd type="triangle"/>
-            <a:tailEnd type="triangle"/>
-          </a:ln>
-        </p:spPr>
-        <p:style>
-          <a:lnRef idx="1">
-            <a:schemeClr val="accent1"/>
-          </a:lnRef>
-          <a:fillRef idx="0">
-            <a:schemeClr val="accent1"/>
-          </a:fillRef>
-          <a:effectRef idx="0">
-            <a:schemeClr val="accent1"/>
-          </a:effectRef>
-          <a:fontRef idx="minor">
-            <a:schemeClr val="tx1"/>
-          </a:fontRef>
-        </p:style>
-      </p:cxnSp>
-      <p:sp>
-        <p:nvSpPr>
-          <p:cNvPr id="29" name="Rectangle 28">
-            <a:extLst>
-              <a:ext uri="{FF2B5EF4-FFF2-40B4-BE49-F238E27FC236}">
-                <a16:creationId xmlns:a16="http://schemas.microsoft.com/office/drawing/2014/main" id="{E34C2FBB-9DAC-5CAE-5D7A-F5E8958022D5}"/>
-              </a:ext>
-            </a:extLst>
-          </p:cNvPr>
-          <p:cNvSpPr/>
-          <p:nvPr/>
-        </p:nvSpPr>
-        <p:spPr>
-          <a:xfrm>
-            <a:off x="8320770" y="2943020"/>
-            <a:ext cx="1879908" cy="1235910"/>
-          </a:xfrm>
-          <a:prstGeom prst="rect">
-            <a:avLst/>
-          </a:prstGeom>
-          <a:solidFill>
-            <a:schemeClr val="accent4">
-              <a:lumMod val="75000"/>
-            </a:schemeClr>
-          </a:solidFill>
-        </p:spPr>
-        <p:style>
-          <a:lnRef idx="2">
-            <a:schemeClr val="accent3">
-              <a:shade val="50000"/>
-            </a:schemeClr>
-          </a:lnRef>
-          <a:fillRef idx="1">
-            <a:schemeClr val="accent3"/>
-          </a:fillRef>
-          <a:effectRef idx="0">
-            <a:schemeClr val="accent3"/>
-          </a:effectRef>
-          <a:fontRef idx="minor">
-            <a:schemeClr val="lt1"/>
-          </a:fontRef>
-        </p:style>
-        <p:txBody>
-          <a:bodyPr rtlCol="0" anchor="ctr"/>
-          <a:lstStyle/>
-          <a:p>
-            <a:pPr algn="ctr"/>
-            <a:r>
-              <a:rPr lang="en-US" dirty="0">
-                <a:solidFill>
-                  <a:schemeClr val="bg1"/>
-                </a:solidFill>
-              </a:rPr>
-              <a:t>Administration Application</a:t>
-            </a:r>
-          </a:p>
-        </p:txBody>
-      </p:sp>
-      <p:cxnSp>
-        <p:nvCxnSpPr>
-          <p:cNvPr id="30" name="Straight Arrow Connector 29">
-            <a:extLst>
-              <a:ext uri="{FF2B5EF4-FFF2-40B4-BE49-F238E27FC236}">
-                <a16:creationId xmlns:a16="http://schemas.microsoft.com/office/drawing/2014/main" id="{FD027D38-D620-6FC8-0C9C-4B633F7CB8FE}"/>
-              </a:ext>
-            </a:extLst>
-          </p:cNvPr>
-          <p:cNvCxnSpPr>
-            <a:cxnSpLocks/>
-            <a:stCxn id="22" idx="0"/>
-            <a:endCxn id="29" idx="1"/>
-          </p:cNvCxnSpPr>
-          <p:nvPr/>
-        </p:nvCxnSpPr>
-        <p:spPr>
-          <a:xfrm>
-            <a:off x="7601099" y="3560975"/>
-            <a:ext cx="719671" cy="0"/>
-          </a:xfrm>
-          <a:prstGeom prst="straightConnector1">
-            <a:avLst/>
-          </a:prstGeom>
-          <a:ln w="25400">
-            <a:solidFill>
-              <a:schemeClr val="tx1">
-                <a:lumMod val="95000"/>
-                <a:lumOff val="5000"/>
-              </a:schemeClr>
-            </a:solidFill>
-            <a:headEnd type="triangle"/>
-            <a:tailEnd type="none"/>
-          </a:ln>
-        </p:spPr>
-        <p:style>
-          <a:lnRef idx="1">
-            <a:schemeClr val="accent1"/>
-          </a:lnRef>
-          <a:fillRef idx="0">
-            <a:schemeClr val="accent1"/>
-          </a:fillRef>
-          <a:effectRef idx="0">
-            <a:schemeClr val="accent1"/>
-          </a:effectRef>
-          <a:fontRef idx="minor">
-            <a:schemeClr val="tx1"/>
-          </a:fontRef>
-        </p:style>
-      </p:cxnSp>
+      </p:pic>
     </p:spTree>
     <p:extLst>
       <p:ext uri="{BB962C8B-B14F-4D97-AF65-F5344CB8AC3E}">
-        <p14:creationId xmlns:p14="http://schemas.microsoft.com/office/powerpoint/2010/main" val="3122496217"/>
+        <p14:creationId xmlns:p14="http://schemas.microsoft.com/office/powerpoint/2010/main" val="3843666090"/>
       </p:ext>
     </p:extLst>
   </p:cSld>
   <p:clrMapOvr>
     <a:masterClrMapping/>
   </p:clrMapOvr>
-  <p:timing>
-    <p:tnLst>
-      <p:par>
-        <p:cTn id="1" dur="indefinite" restart="never" nodeType="tmRoot">
-          <p:childTnLst>
-            <p:seq concurrent="1" nextAc="seek">
-              <p:cTn id="2" dur="indefinite" nodeType="mainSeq">
-                <p:childTnLst>
-                  <p:par>
-                    <p:cTn id="3" fill="hold">
-                      <p:stCondLst>
-                        <p:cond delay="indefinite"/>
-                        <p:cond evt="onBegin" delay="0">
-                          <p:tn val="2"/>
-                        </p:cond>
-                      </p:stCondLst>
-                      <p:childTnLst>
-                        <p:par>
-                          <p:cTn id="4" fill="hold">
-                            <p:stCondLst>
-                              <p:cond delay="0"/>
-                            </p:stCondLst>
-                            <p:childTnLst>
-                              <p:par>
-                                <p:cTn id="5" presetID="10" presetClass="entr" presetSubtype="0" fill="hold" nodeType="withEffect">
-                                  <p:stCondLst>
-                                    <p:cond delay="0"/>
-                                  </p:stCondLst>
-                                  <p:childTnLst>
-                                    <p:set>
-                                      <p:cBhvr>
-                                        <p:cTn id="6" dur="1" fill="hold">
-                                          <p:stCondLst>
-                                            <p:cond delay="0"/>
-                                          </p:stCondLst>
-                                        </p:cTn>
-                                        <p:tgtEl>
-                                          <p:spTgt spid="7"/>
-                                        </p:tgtEl>
-                                        <p:attrNameLst>
-                                          <p:attrName>style.visibility</p:attrName>
-                                        </p:attrNameLst>
-                                      </p:cBhvr>
-                                      <p:to>
-                                        <p:strVal val="visible"/>
-                                      </p:to>
-                                    </p:set>
-                                    <p:animEffect transition="in" filter="fade">
-                                      <p:cBhvr>
-                                        <p:cTn id="7" dur="500"/>
-                                        <p:tgtEl>
-                                          <p:spTgt spid="7"/>
-                                        </p:tgtEl>
-                                      </p:cBhvr>
-                                    </p:animEffect>
-                                  </p:childTnLst>
-                                </p:cTn>
-                              </p:par>
-                              <p:par>
-                                <p:cTn id="8" presetID="10" presetClass="entr" presetSubtype="0" fill="hold" grpId="0" nodeType="withEffect">
-                                  <p:stCondLst>
-                                    <p:cond delay="0"/>
-                                  </p:stCondLst>
-                                  <p:childTnLst>
-                                    <p:set>
-                                      <p:cBhvr>
-                                        <p:cTn id="9" dur="1" fill="hold">
-                                          <p:stCondLst>
-                                            <p:cond delay="0"/>
-                                          </p:stCondLst>
-                                        </p:cTn>
-                                        <p:tgtEl>
-                                          <p:spTgt spid="6"/>
-                                        </p:tgtEl>
-                                        <p:attrNameLst>
-                                          <p:attrName>style.visibility</p:attrName>
-                                        </p:attrNameLst>
-                                      </p:cBhvr>
-                                      <p:to>
-                                        <p:strVal val="visible"/>
-                                      </p:to>
-                                    </p:set>
-                                    <p:animEffect transition="in" filter="fade">
-                                      <p:cBhvr>
-                                        <p:cTn id="10" dur="500"/>
-                                        <p:tgtEl>
-                                          <p:spTgt spid="6"/>
-                                        </p:tgtEl>
-                                      </p:cBhvr>
-                                    </p:animEffect>
-                                  </p:childTnLst>
-                                </p:cTn>
-                              </p:par>
-                              <p:par>
-                                <p:cTn id="11" presetID="10" presetClass="entr" presetSubtype="0" fill="hold" grpId="0" nodeType="withEffect">
-                                  <p:stCondLst>
-                                    <p:cond delay="0"/>
-                                  </p:stCondLst>
-                                  <p:childTnLst>
-                                    <p:set>
-                                      <p:cBhvr>
-                                        <p:cTn id="12" dur="1" fill="hold">
-                                          <p:stCondLst>
-                                            <p:cond delay="0"/>
-                                          </p:stCondLst>
-                                        </p:cTn>
-                                        <p:tgtEl>
-                                          <p:spTgt spid="9"/>
-                                        </p:tgtEl>
-                                        <p:attrNameLst>
-                                          <p:attrName>style.visibility</p:attrName>
-                                        </p:attrNameLst>
-                                      </p:cBhvr>
-                                      <p:to>
-                                        <p:strVal val="visible"/>
-                                      </p:to>
-                                    </p:set>
-                                    <p:animEffect transition="in" filter="fade">
-                                      <p:cBhvr>
-                                        <p:cTn id="13" dur="500"/>
-                                        <p:tgtEl>
-                                          <p:spTgt spid="9"/>
-                                        </p:tgtEl>
-                                      </p:cBhvr>
-                                    </p:animEffect>
-                                  </p:childTnLst>
-                                </p:cTn>
-                              </p:par>
-                              <p:par>
-                                <p:cTn id="14" presetID="10" presetClass="entr" presetSubtype="0" fill="hold" grpId="0" nodeType="withEffect">
-                                  <p:stCondLst>
-                                    <p:cond delay="0"/>
-                                  </p:stCondLst>
-                                  <p:childTnLst>
-                                    <p:set>
-                                      <p:cBhvr>
-                                        <p:cTn id="15" dur="1" fill="hold">
-                                          <p:stCondLst>
-                                            <p:cond delay="0"/>
-                                          </p:stCondLst>
-                                        </p:cTn>
-                                        <p:tgtEl>
-                                          <p:spTgt spid="10"/>
-                                        </p:tgtEl>
-                                        <p:attrNameLst>
-                                          <p:attrName>style.visibility</p:attrName>
-                                        </p:attrNameLst>
-                                      </p:cBhvr>
-                                      <p:to>
-                                        <p:strVal val="visible"/>
-                                      </p:to>
-                                    </p:set>
-                                    <p:animEffect transition="in" filter="fade">
-                                      <p:cBhvr>
-                                        <p:cTn id="16" dur="500"/>
-                                        <p:tgtEl>
-                                          <p:spTgt spid="10"/>
-                                        </p:tgtEl>
-                                      </p:cBhvr>
-                                    </p:animEffect>
-                                  </p:childTnLst>
-                                </p:cTn>
-                              </p:par>
-                              <p:par>
-                                <p:cTn id="17" presetID="10" presetClass="entr" presetSubtype="0" fill="hold" grpId="0" nodeType="withEffect">
-                                  <p:stCondLst>
-                                    <p:cond delay="0"/>
-                                  </p:stCondLst>
-                                  <p:childTnLst>
-                                    <p:set>
-                                      <p:cBhvr>
-                                        <p:cTn id="18" dur="1" fill="hold">
-                                          <p:stCondLst>
-                                            <p:cond delay="0"/>
-                                          </p:stCondLst>
-                                        </p:cTn>
-                                        <p:tgtEl>
-                                          <p:spTgt spid="11"/>
-                                        </p:tgtEl>
-                                        <p:attrNameLst>
-                                          <p:attrName>style.visibility</p:attrName>
-                                        </p:attrNameLst>
-                                      </p:cBhvr>
-                                      <p:to>
-                                        <p:strVal val="visible"/>
-                                      </p:to>
-                                    </p:set>
-                                    <p:animEffect transition="in" filter="fade">
-                                      <p:cBhvr>
-                                        <p:cTn id="19" dur="500"/>
-                                        <p:tgtEl>
-                                          <p:spTgt spid="11"/>
-                                        </p:tgtEl>
-                                      </p:cBhvr>
-                                    </p:animEffect>
-                                  </p:childTnLst>
-                                </p:cTn>
-                              </p:par>
-                              <p:par>
-                                <p:cTn id="20" presetID="10" presetClass="entr" presetSubtype="0" fill="hold" grpId="0" nodeType="withEffect">
-                                  <p:stCondLst>
-                                    <p:cond delay="0"/>
-                                  </p:stCondLst>
-                                  <p:childTnLst>
-                                    <p:set>
-                                      <p:cBhvr>
-                                        <p:cTn id="21" dur="1" fill="hold">
-                                          <p:stCondLst>
-                                            <p:cond delay="0"/>
-                                          </p:stCondLst>
-                                        </p:cTn>
-                                        <p:tgtEl>
-                                          <p:spTgt spid="29"/>
-                                        </p:tgtEl>
-                                        <p:attrNameLst>
-                                          <p:attrName>style.visibility</p:attrName>
-                                        </p:attrNameLst>
-                                      </p:cBhvr>
-                                      <p:to>
-                                        <p:strVal val="visible"/>
-                                      </p:to>
-                                    </p:set>
-                                    <p:animEffect transition="in" filter="fade">
-                                      <p:cBhvr>
-                                        <p:cTn id="22" dur="500"/>
-                                        <p:tgtEl>
-                                          <p:spTgt spid="29"/>
-                                        </p:tgtEl>
-                                      </p:cBhvr>
-                                    </p:animEffect>
-                                  </p:childTnLst>
-                                </p:cTn>
-                              </p:par>
-                            </p:childTnLst>
-                          </p:cTn>
-                        </p:par>
-                      </p:childTnLst>
-                    </p:cTn>
-                  </p:par>
-                </p:childTnLst>
-              </p:cTn>
-              <p:prevCondLst>
-                <p:cond evt="onPrev" delay="0">
-                  <p:tgtEl>
-                    <p:sldTgt/>
-                  </p:tgtEl>
-                </p:cond>
-              </p:prevCondLst>
-              <p:nextCondLst>
-                <p:cond evt="onNext" delay="0">
-                  <p:tgtEl>
-                    <p:sldTgt/>
-                  </p:tgtEl>
-                </p:cond>
-              </p:nextCondLst>
-            </p:seq>
-          </p:childTnLst>
-        </p:cTn>
-      </p:par>
-    </p:tnLst>
-    <p:bldLst>
-      <p:bldP spid="6" grpId="0"/>
-      <p:bldP spid="9" grpId="0" animBg="1"/>
-      <p:bldP spid="10" grpId="0"/>
-      <p:bldP spid="11" grpId="0" animBg="1"/>
-      <p:bldP spid="29" grpId="0" animBg="1"/>
-    </p:bldLst>
-  </p:timing>
 </p:sld>
 </file>
 

--- a/2022-10-15 Authorization-In-Distributed-Systems/Authorization-In-Distributed-Systems.pptx
+++ b/2022-10-15 Authorization-In-Distributed-Systems/Authorization-In-Distributed-Systems.pptx
@@ -15,24 +15,25 @@
     <p:sldId id="274" r:id="rId9"/>
     <p:sldId id="270" r:id="rId10"/>
     <p:sldId id="269" r:id="rId11"/>
-    <p:sldId id="276" r:id="rId12"/>
-    <p:sldId id="277" r:id="rId13"/>
-    <p:sldId id="290" r:id="rId14"/>
-    <p:sldId id="291" r:id="rId15"/>
-    <p:sldId id="292" r:id="rId16"/>
-    <p:sldId id="275" r:id="rId17"/>
-    <p:sldId id="278" r:id="rId18"/>
-    <p:sldId id="279" r:id="rId19"/>
-    <p:sldId id="280" r:id="rId20"/>
-    <p:sldId id="281" r:id="rId21"/>
-    <p:sldId id="282" r:id="rId22"/>
-    <p:sldId id="283" r:id="rId23"/>
-    <p:sldId id="284" r:id="rId24"/>
-    <p:sldId id="285" r:id="rId25"/>
-    <p:sldId id="286" r:id="rId26"/>
-    <p:sldId id="287" r:id="rId27"/>
-    <p:sldId id="288" r:id="rId28"/>
-    <p:sldId id="289" r:id="rId29"/>
+    <p:sldId id="277" r:id="rId12"/>
+    <p:sldId id="293" r:id="rId13"/>
+    <p:sldId id="294" r:id="rId14"/>
+    <p:sldId id="290" r:id="rId15"/>
+    <p:sldId id="291" r:id="rId16"/>
+    <p:sldId id="292" r:id="rId17"/>
+    <p:sldId id="275" r:id="rId18"/>
+    <p:sldId id="278" r:id="rId19"/>
+    <p:sldId id="279" r:id="rId20"/>
+    <p:sldId id="280" r:id="rId21"/>
+    <p:sldId id="281" r:id="rId22"/>
+    <p:sldId id="282" r:id="rId23"/>
+    <p:sldId id="283" r:id="rId24"/>
+    <p:sldId id="284" r:id="rId25"/>
+    <p:sldId id="285" r:id="rId26"/>
+    <p:sldId id="286" r:id="rId27"/>
+    <p:sldId id="287" r:id="rId28"/>
+    <p:sldId id="288" r:id="rId29"/>
+    <p:sldId id="289" r:id="rId30"/>
   </p:sldIdLst>
   <p:sldSz cx="12192000" cy="6858000"/>
   <p:notesSz cx="6858000" cy="9144000"/>
@@ -7218,59 +7219,659 @@
           </a:p>
         </p:txBody>
       </p:sp>
-      <p:pic>
-        <p:nvPicPr>
-          <p:cNvPr id="1026" name="Picture 2" descr="Overview">
-            <a:extLst>
-              <a:ext uri="{FF2B5EF4-FFF2-40B4-BE49-F238E27FC236}">
-                <a16:creationId xmlns:a16="http://schemas.microsoft.com/office/drawing/2014/main" id="{4A1E5833-F101-5CD9-E383-08F7B0B9DEFB}"/>
-              </a:ext>
-            </a:extLst>
-          </p:cNvPr>
-          <p:cNvPicPr>
-            <a:picLocks noChangeAspect="1" noChangeArrowheads="1"/>
-          </p:cNvPicPr>
+      <p:sp>
+        <p:nvSpPr>
+          <p:cNvPr id="6" name="Rectangle 5">
+            <a:extLst>
+              <a:ext uri="{FF2B5EF4-FFF2-40B4-BE49-F238E27FC236}">
+                <a16:creationId xmlns:a16="http://schemas.microsoft.com/office/drawing/2014/main" id="{BBA613C2-B04D-9FCD-62DF-39181BE6E402}"/>
+              </a:ext>
+            </a:extLst>
+          </p:cNvPr>
+          <p:cNvSpPr/>
           <p:nvPr/>
-        </p:nvPicPr>
-        <p:blipFill>
-          <a:blip r:embed="rId3">
-            <a:extLst>
-              <a:ext uri="{28A0092B-C50C-407E-A947-70E740481C1C}">
-                <a14:useLocalDpi xmlns:a14="http://schemas.microsoft.com/office/drawing/2010/main" val="0"/>
-              </a:ext>
-            </a:extLst>
-          </a:blip>
-          <a:srcRect/>
-          <a:stretch>
-            <a:fillRect/>
-          </a:stretch>
-        </p:blipFill>
-        <p:spPr bwMode="auto">
+        </p:nvSpPr>
+        <p:spPr>
           <a:xfrm>
-            <a:off x="6313915" y="1690688"/>
-            <a:ext cx="5543550" cy="4314825"/>
+            <a:off x="5959501" y="1913324"/>
+            <a:ext cx="1740009" cy="349858"/>
           </a:xfrm>
           <a:prstGeom prst="rect">
             <a:avLst/>
           </a:prstGeom>
-          <a:noFill/>
-          <a:extLst>
-            <a:ext uri="{909E8E84-426E-40DD-AFC4-6F175D3DCCD1}">
-              <a14:hiddenFill xmlns:a14="http://schemas.microsoft.com/office/drawing/2010/main">
-                <a:solidFill>
-                  <a:srgbClr val="FFFFFF"/>
-                </a:solidFill>
-              </a14:hiddenFill>
-            </a:ext>
-          </a:extLst>
         </p:spPr>
-      </p:pic>
+        <p:style>
+          <a:lnRef idx="2">
+            <a:schemeClr val="accent3">
+              <a:shade val="50000"/>
+            </a:schemeClr>
+          </a:lnRef>
+          <a:fillRef idx="1">
+            <a:schemeClr val="accent3"/>
+          </a:fillRef>
+          <a:effectRef idx="0">
+            <a:schemeClr val="accent3"/>
+          </a:effectRef>
+          <a:fontRef idx="minor">
+            <a:schemeClr val="lt1"/>
+          </a:fontRef>
+        </p:style>
+        <p:txBody>
+          <a:bodyPr rtlCol="0" anchor="ctr"/>
+          <a:lstStyle/>
+          <a:p>
+            <a:pPr algn="ctr"/>
+            <a:r>
+              <a:rPr lang="en-US" dirty="0"/>
+              <a:t>Client App</a:t>
+            </a:r>
+          </a:p>
+        </p:txBody>
+      </p:sp>
       <p:sp>
         <p:nvSpPr>
-          <p:cNvPr id="6" name="Content Placeholder 2">
-            <a:extLst>
-              <a:ext uri="{FF2B5EF4-FFF2-40B4-BE49-F238E27FC236}">
-                <a16:creationId xmlns:a16="http://schemas.microsoft.com/office/drawing/2014/main" id="{6C3F6BD9-A5E1-6F79-E4DA-BDFBCDD6A131}"/>
+          <p:cNvPr id="7" name="Rectangle 6">
+            <a:extLst>
+              <a:ext uri="{FF2B5EF4-FFF2-40B4-BE49-F238E27FC236}">
+                <a16:creationId xmlns:a16="http://schemas.microsoft.com/office/drawing/2014/main" id="{93ED277E-5C95-0F13-7353-1709A48B3EDE}"/>
+              </a:ext>
+            </a:extLst>
+          </p:cNvPr>
+          <p:cNvSpPr/>
+          <p:nvPr/>
+        </p:nvSpPr>
+        <p:spPr>
+          <a:xfrm>
+            <a:off x="5959502" y="2712718"/>
+            <a:ext cx="1740010" cy="1056200"/>
+          </a:xfrm>
+          <a:prstGeom prst="rect">
+            <a:avLst/>
+          </a:prstGeom>
+        </p:spPr>
+        <p:style>
+          <a:lnRef idx="2">
+            <a:schemeClr val="dk1">
+              <a:shade val="50000"/>
+            </a:schemeClr>
+          </a:lnRef>
+          <a:fillRef idx="1">
+            <a:schemeClr val="dk1"/>
+          </a:fillRef>
+          <a:effectRef idx="0">
+            <a:schemeClr val="dk1"/>
+          </a:effectRef>
+          <a:fontRef idx="minor">
+            <a:schemeClr val="lt1"/>
+          </a:fontRef>
+        </p:style>
+        <p:txBody>
+          <a:bodyPr rtlCol="0" anchor="ctr"/>
+          <a:lstStyle/>
+          <a:p>
+            <a:pPr algn="ctr"/>
+            <a:r>
+              <a:rPr lang="en-US" dirty="0"/>
+              <a:t>API Gateway</a:t>
+            </a:r>
+          </a:p>
+        </p:txBody>
+      </p:sp>
+      <p:sp>
+        <p:nvSpPr>
+          <p:cNvPr id="8" name="Rectangle 7">
+            <a:extLst>
+              <a:ext uri="{FF2B5EF4-FFF2-40B4-BE49-F238E27FC236}">
+                <a16:creationId xmlns:a16="http://schemas.microsoft.com/office/drawing/2014/main" id="{010C3137-DF48-4B11-86E8-FA7D3EF7844C}"/>
+              </a:ext>
+            </a:extLst>
+          </p:cNvPr>
+          <p:cNvSpPr/>
+          <p:nvPr/>
+        </p:nvSpPr>
+        <p:spPr>
+          <a:xfrm>
+            <a:off x="8128882" y="2712718"/>
+            <a:ext cx="1810246" cy="1056200"/>
+          </a:xfrm>
+          <a:prstGeom prst="rect">
+            <a:avLst/>
+          </a:prstGeom>
+        </p:spPr>
+        <p:style>
+          <a:lnRef idx="2">
+            <a:schemeClr val="accent6">
+              <a:shade val="50000"/>
+            </a:schemeClr>
+          </a:lnRef>
+          <a:fillRef idx="1">
+            <a:schemeClr val="accent6"/>
+          </a:fillRef>
+          <a:effectRef idx="0">
+            <a:schemeClr val="accent6"/>
+          </a:effectRef>
+          <a:fontRef idx="minor">
+            <a:schemeClr val="lt1"/>
+          </a:fontRef>
+        </p:style>
+        <p:txBody>
+          <a:bodyPr rtlCol="0" anchor="t"/>
+          <a:lstStyle/>
+          <a:p>
+            <a:pPr algn="ctr"/>
+            <a:r>
+              <a:rPr lang="en-US" dirty="0"/>
+              <a:t>Microservice</a:t>
+            </a:r>
+          </a:p>
+        </p:txBody>
+      </p:sp>
+      <p:sp>
+        <p:nvSpPr>
+          <p:cNvPr id="9" name="Oval 8">
+            <a:extLst>
+              <a:ext uri="{FF2B5EF4-FFF2-40B4-BE49-F238E27FC236}">
+                <a16:creationId xmlns:a16="http://schemas.microsoft.com/office/drawing/2014/main" id="{80915787-7918-2270-63BB-88062A8F7F6D}"/>
+              </a:ext>
+            </a:extLst>
+          </p:cNvPr>
+          <p:cNvSpPr/>
+          <p:nvPr/>
+        </p:nvSpPr>
+        <p:spPr>
+          <a:xfrm>
+            <a:off x="10344644" y="2964604"/>
+            <a:ext cx="1310541" cy="552427"/>
+          </a:xfrm>
+          <a:prstGeom prst="ellipse">
+            <a:avLst/>
+          </a:prstGeom>
+        </p:spPr>
+        <p:style>
+          <a:lnRef idx="2">
+            <a:schemeClr val="accent6">
+              <a:shade val="50000"/>
+            </a:schemeClr>
+          </a:lnRef>
+          <a:fillRef idx="1">
+            <a:schemeClr val="accent6"/>
+          </a:fillRef>
+          <a:effectRef idx="0">
+            <a:schemeClr val="accent6"/>
+          </a:effectRef>
+          <a:fontRef idx="minor">
+            <a:schemeClr val="lt1"/>
+          </a:fontRef>
+        </p:style>
+        <p:txBody>
+          <a:bodyPr rtlCol="0" anchor="ctr"/>
+          <a:lstStyle/>
+          <a:p>
+            <a:pPr algn="ctr"/>
+            <a:r>
+              <a:rPr lang="en-US" sz="1400" dirty="0"/>
+              <a:t>Service</a:t>
+            </a:r>
+          </a:p>
+          <a:p>
+            <a:pPr algn="ctr"/>
+            <a:r>
+              <a:rPr lang="en-US" sz="1400" dirty="0"/>
+              <a:t>Database</a:t>
+            </a:r>
+          </a:p>
+        </p:txBody>
+      </p:sp>
+      <p:sp>
+        <p:nvSpPr>
+          <p:cNvPr id="11" name="Rectangle 10">
+            <a:extLst>
+              <a:ext uri="{FF2B5EF4-FFF2-40B4-BE49-F238E27FC236}">
+                <a16:creationId xmlns:a16="http://schemas.microsoft.com/office/drawing/2014/main" id="{D0D415C8-6C42-CBCC-1AC1-712E76AAE99A}"/>
+              </a:ext>
+            </a:extLst>
+          </p:cNvPr>
+          <p:cNvSpPr/>
+          <p:nvPr/>
+        </p:nvSpPr>
+        <p:spPr>
+          <a:xfrm>
+            <a:off x="8128882" y="4238044"/>
+            <a:ext cx="1810246" cy="1112201"/>
+          </a:xfrm>
+          <a:prstGeom prst="rect">
+            <a:avLst/>
+          </a:prstGeom>
+        </p:spPr>
+        <p:style>
+          <a:lnRef idx="2">
+            <a:schemeClr val="accent1">
+              <a:shade val="50000"/>
+            </a:schemeClr>
+          </a:lnRef>
+          <a:fillRef idx="1">
+            <a:schemeClr val="accent1"/>
+          </a:fillRef>
+          <a:effectRef idx="0">
+            <a:schemeClr val="accent1"/>
+          </a:effectRef>
+          <a:fontRef idx="minor">
+            <a:schemeClr val="lt1"/>
+          </a:fontRef>
+        </p:style>
+        <p:txBody>
+          <a:bodyPr rtlCol="0" anchor="t"/>
+          <a:lstStyle/>
+          <a:p>
+            <a:pPr algn="ctr"/>
+            <a:r>
+              <a:rPr lang="en-US" dirty="0"/>
+              <a:t>Authorization Service</a:t>
+            </a:r>
+          </a:p>
+        </p:txBody>
+      </p:sp>
+      <p:sp>
+        <p:nvSpPr>
+          <p:cNvPr id="12" name="Hexagon 11">
+            <a:extLst>
+              <a:ext uri="{FF2B5EF4-FFF2-40B4-BE49-F238E27FC236}">
+                <a16:creationId xmlns:a16="http://schemas.microsoft.com/office/drawing/2014/main" id="{661DDBF8-6851-9324-55DE-8C2A9CEEEA75}"/>
+              </a:ext>
+            </a:extLst>
+          </p:cNvPr>
+          <p:cNvSpPr/>
+          <p:nvPr/>
+        </p:nvSpPr>
+        <p:spPr>
+          <a:xfrm>
+            <a:off x="8534398" y="3328656"/>
+            <a:ext cx="970059" cy="349857"/>
+          </a:xfrm>
+          <a:prstGeom prst="hexagon">
+            <a:avLst/>
+          </a:prstGeom>
+        </p:spPr>
+        <p:style>
+          <a:lnRef idx="2">
+            <a:schemeClr val="accent2">
+              <a:shade val="50000"/>
+            </a:schemeClr>
+          </a:lnRef>
+          <a:fillRef idx="1">
+            <a:schemeClr val="accent2"/>
+          </a:fillRef>
+          <a:effectRef idx="0">
+            <a:schemeClr val="accent2"/>
+          </a:effectRef>
+          <a:fontRef idx="minor">
+            <a:schemeClr val="lt1"/>
+          </a:fontRef>
+        </p:style>
+        <p:txBody>
+          <a:bodyPr rtlCol="0" anchor="ctr"/>
+          <a:lstStyle/>
+          <a:p>
+            <a:pPr algn="ctr"/>
+            <a:r>
+              <a:rPr lang="en-US" dirty="0"/>
+              <a:t>PEP</a:t>
+            </a:r>
+          </a:p>
+        </p:txBody>
+      </p:sp>
+      <p:sp>
+        <p:nvSpPr>
+          <p:cNvPr id="13" name="Hexagon 12">
+            <a:extLst>
+              <a:ext uri="{FF2B5EF4-FFF2-40B4-BE49-F238E27FC236}">
+                <a16:creationId xmlns:a16="http://schemas.microsoft.com/office/drawing/2014/main" id="{6C5320D1-8F65-7A1A-43A1-1601BEC88D06}"/>
+              </a:ext>
+            </a:extLst>
+          </p:cNvPr>
+          <p:cNvSpPr/>
+          <p:nvPr/>
+        </p:nvSpPr>
+        <p:spPr>
+          <a:xfrm>
+            <a:off x="8548975" y="4920242"/>
+            <a:ext cx="970059" cy="349857"/>
+          </a:xfrm>
+          <a:prstGeom prst="hexagon">
+            <a:avLst/>
+          </a:prstGeom>
+        </p:spPr>
+        <p:style>
+          <a:lnRef idx="2">
+            <a:schemeClr val="accent2">
+              <a:shade val="50000"/>
+            </a:schemeClr>
+          </a:lnRef>
+          <a:fillRef idx="1">
+            <a:schemeClr val="accent2"/>
+          </a:fillRef>
+          <a:effectRef idx="0">
+            <a:schemeClr val="accent2"/>
+          </a:effectRef>
+          <a:fontRef idx="minor">
+            <a:schemeClr val="lt1"/>
+          </a:fontRef>
+        </p:style>
+        <p:txBody>
+          <a:bodyPr rtlCol="0" anchor="ctr"/>
+          <a:lstStyle/>
+          <a:p>
+            <a:pPr algn="ctr"/>
+            <a:r>
+              <a:rPr lang="en-US" dirty="0"/>
+              <a:t>PDP</a:t>
+            </a:r>
+          </a:p>
+        </p:txBody>
+      </p:sp>
+      <p:sp>
+        <p:nvSpPr>
+          <p:cNvPr id="18" name="Oval 17">
+            <a:extLst>
+              <a:ext uri="{FF2B5EF4-FFF2-40B4-BE49-F238E27FC236}">
+                <a16:creationId xmlns:a16="http://schemas.microsoft.com/office/drawing/2014/main" id="{E69A84E1-BEE1-9791-0603-06C72B5E98D7}"/>
+              </a:ext>
+            </a:extLst>
+          </p:cNvPr>
+          <p:cNvSpPr/>
+          <p:nvPr/>
+        </p:nvSpPr>
+        <p:spPr>
+          <a:xfrm>
+            <a:off x="10344644" y="4517930"/>
+            <a:ext cx="1685678" cy="552427"/>
+          </a:xfrm>
+          <a:prstGeom prst="ellipse">
+            <a:avLst/>
+          </a:prstGeom>
+        </p:spPr>
+        <p:style>
+          <a:lnRef idx="2">
+            <a:schemeClr val="accent1">
+              <a:shade val="50000"/>
+            </a:schemeClr>
+          </a:lnRef>
+          <a:fillRef idx="1">
+            <a:schemeClr val="accent1"/>
+          </a:fillRef>
+          <a:effectRef idx="0">
+            <a:schemeClr val="accent1"/>
+          </a:effectRef>
+          <a:fontRef idx="minor">
+            <a:schemeClr val="lt1"/>
+          </a:fontRef>
+        </p:style>
+        <p:txBody>
+          <a:bodyPr rtlCol="0" anchor="ctr"/>
+          <a:lstStyle/>
+          <a:p>
+            <a:pPr algn="ctr"/>
+            <a:r>
+              <a:rPr lang="en-US" sz="1400" dirty="0"/>
+              <a:t>Permissions</a:t>
+            </a:r>
+          </a:p>
+          <a:p>
+            <a:pPr algn="ctr"/>
+            <a:r>
+              <a:rPr lang="en-US" sz="1400" dirty="0"/>
+              <a:t>Database</a:t>
+            </a:r>
+          </a:p>
+        </p:txBody>
+      </p:sp>
+      <p:cxnSp>
+        <p:nvCxnSpPr>
+          <p:cNvPr id="20" name="Straight Arrow Connector 19">
+            <a:extLst>
+              <a:ext uri="{FF2B5EF4-FFF2-40B4-BE49-F238E27FC236}">
+                <a16:creationId xmlns:a16="http://schemas.microsoft.com/office/drawing/2014/main" id="{5F7152AE-C0FD-1CAE-D9B8-0BF6B9D85E0B}"/>
+              </a:ext>
+            </a:extLst>
+          </p:cNvPr>
+          <p:cNvCxnSpPr>
+            <a:cxnSpLocks/>
+            <a:stCxn id="6" idx="2"/>
+            <a:endCxn id="7" idx="0"/>
+          </p:cNvCxnSpPr>
+          <p:nvPr/>
+        </p:nvCxnSpPr>
+        <p:spPr>
+          <a:xfrm>
+            <a:off x="6829506" y="2263182"/>
+            <a:ext cx="1" cy="449536"/>
+          </a:xfrm>
+          <a:prstGeom prst="straightConnector1">
+            <a:avLst/>
+          </a:prstGeom>
+          <a:ln w="25400">
+            <a:solidFill>
+              <a:schemeClr val="tx1">
+                <a:lumMod val="85000"/>
+                <a:lumOff val="15000"/>
+              </a:schemeClr>
+            </a:solidFill>
+            <a:tailEnd type="triangle"/>
+          </a:ln>
+        </p:spPr>
+        <p:style>
+          <a:lnRef idx="1">
+            <a:schemeClr val="accent1"/>
+          </a:lnRef>
+          <a:fillRef idx="0">
+            <a:schemeClr val="accent1"/>
+          </a:fillRef>
+          <a:effectRef idx="0">
+            <a:schemeClr val="accent1"/>
+          </a:effectRef>
+          <a:fontRef idx="minor">
+            <a:schemeClr val="tx1"/>
+          </a:fontRef>
+        </p:style>
+      </p:cxnSp>
+      <p:cxnSp>
+        <p:nvCxnSpPr>
+          <p:cNvPr id="22" name="Straight Arrow Connector 21">
+            <a:extLst>
+              <a:ext uri="{FF2B5EF4-FFF2-40B4-BE49-F238E27FC236}">
+                <a16:creationId xmlns:a16="http://schemas.microsoft.com/office/drawing/2014/main" id="{2C1CC211-DFBC-8B16-3415-80BAD75FEC19}"/>
+              </a:ext>
+            </a:extLst>
+          </p:cNvPr>
+          <p:cNvCxnSpPr>
+            <a:stCxn id="7" idx="3"/>
+            <a:endCxn id="8" idx="1"/>
+          </p:cNvCxnSpPr>
+          <p:nvPr/>
+        </p:nvCxnSpPr>
+        <p:spPr>
+          <a:xfrm>
+            <a:off x="7699512" y="3240818"/>
+            <a:ext cx="429370" cy="0"/>
+          </a:xfrm>
+          <a:prstGeom prst="straightConnector1">
+            <a:avLst/>
+          </a:prstGeom>
+          <a:ln w="25400">
+            <a:solidFill>
+              <a:schemeClr val="tx1">
+                <a:lumMod val="85000"/>
+                <a:lumOff val="15000"/>
+              </a:schemeClr>
+            </a:solidFill>
+            <a:tailEnd type="triangle"/>
+          </a:ln>
+        </p:spPr>
+        <p:style>
+          <a:lnRef idx="1">
+            <a:schemeClr val="accent1"/>
+          </a:lnRef>
+          <a:fillRef idx="0">
+            <a:schemeClr val="accent1"/>
+          </a:fillRef>
+          <a:effectRef idx="0">
+            <a:schemeClr val="accent1"/>
+          </a:effectRef>
+          <a:fontRef idx="minor">
+            <a:schemeClr val="tx1"/>
+          </a:fontRef>
+        </p:style>
+      </p:cxnSp>
+      <p:cxnSp>
+        <p:nvCxnSpPr>
+          <p:cNvPr id="24" name="Straight Arrow Connector 23">
+            <a:extLst>
+              <a:ext uri="{FF2B5EF4-FFF2-40B4-BE49-F238E27FC236}">
+                <a16:creationId xmlns:a16="http://schemas.microsoft.com/office/drawing/2014/main" id="{D7022393-3D8A-4BC1-F330-34821C998150}"/>
+              </a:ext>
+            </a:extLst>
+          </p:cNvPr>
+          <p:cNvCxnSpPr>
+            <a:stCxn id="8" idx="3"/>
+            <a:endCxn id="9" idx="2"/>
+          </p:cNvCxnSpPr>
+          <p:nvPr/>
+        </p:nvCxnSpPr>
+        <p:spPr>
+          <a:xfrm>
+            <a:off x="9939128" y="3240818"/>
+            <a:ext cx="405516" cy="0"/>
+          </a:xfrm>
+          <a:prstGeom prst="straightConnector1">
+            <a:avLst/>
+          </a:prstGeom>
+          <a:ln w="25400">
+            <a:solidFill>
+              <a:schemeClr val="tx1">
+                <a:lumMod val="85000"/>
+                <a:lumOff val="15000"/>
+              </a:schemeClr>
+            </a:solidFill>
+            <a:tailEnd type="triangle"/>
+          </a:ln>
+        </p:spPr>
+        <p:style>
+          <a:lnRef idx="1">
+            <a:schemeClr val="accent1"/>
+          </a:lnRef>
+          <a:fillRef idx="0">
+            <a:schemeClr val="accent1"/>
+          </a:fillRef>
+          <a:effectRef idx="0">
+            <a:schemeClr val="accent1"/>
+          </a:effectRef>
+          <a:fontRef idx="minor">
+            <a:schemeClr val="tx1"/>
+          </a:fontRef>
+        </p:style>
+      </p:cxnSp>
+      <p:cxnSp>
+        <p:nvCxnSpPr>
+          <p:cNvPr id="27" name="Straight Arrow Connector 26">
+            <a:extLst>
+              <a:ext uri="{FF2B5EF4-FFF2-40B4-BE49-F238E27FC236}">
+                <a16:creationId xmlns:a16="http://schemas.microsoft.com/office/drawing/2014/main" id="{F149092E-13BE-F449-DAFC-C63241971543}"/>
+              </a:ext>
+            </a:extLst>
+          </p:cNvPr>
+          <p:cNvCxnSpPr>
+            <a:stCxn id="8" idx="2"/>
+            <a:endCxn id="11" idx="0"/>
+          </p:cNvCxnSpPr>
+          <p:nvPr/>
+        </p:nvCxnSpPr>
+        <p:spPr>
+          <a:xfrm>
+            <a:off x="9034005" y="3768918"/>
+            <a:ext cx="0" cy="469126"/>
+          </a:xfrm>
+          <a:prstGeom prst="straightConnector1">
+            <a:avLst/>
+          </a:prstGeom>
+          <a:ln w="25400">
+            <a:solidFill>
+              <a:schemeClr val="tx1">
+                <a:lumMod val="85000"/>
+                <a:lumOff val="15000"/>
+              </a:schemeClr>
+            </a:solidFill>
+            <a:tailEnd type="triangle"/>
+          </a:ln>
+        </p:spPr>
+        <p:style>
+          <a:lnRef idx="1">
+            <a:schemeClr val="accent1"/>
+          </a:lnRef>
+          <a:fillRef idx="0">
+            <a:schemeClr val="accent1"/>
+          </a:fillRef>
+          <a:effectRef idx="0">
+            <a:schemeClr val="accent1"/>
+          </a:effectRef>
+          <a:fontRef idx="minor">
+            <a:schemeClr val="tx1"/>
+          </a:fontRef>
+        </p:style>
+      </p:cxnSp>
+      <p:cxnSp>
+        <p:nvCxnSpPr>
+          <p:cNvPr id="29" name="Straight Arrow Connector 28">
+            <a:extLst>
+              <a:ext uri="{FF2B5EF4-FFF2-40B4-BE49-F238E27FC236}">
+                <a16:creationId xmlns:a16="http://schemas.microsoft.com/office/drawing/2014/main" id="{DA836B28-74FF-3688-E04C-6BE53EC1879A}"/>
+              </a:ext>
+            </a:extLst>
+          </p:cNvPr>
+          <p:cNvCxnSpPr>
+            <a:stCxn id="11" idx="3"/>
+            <a:endCxn id="18" idx="2"/>
+          </p:cNvCxnSpPr>
+          <p:nvPr/>
+        </p:nvCxnSpPr>
+        <p:spPr>
+          <a:xfrm flipV="1">
+            <a:off x="9939128" y="4794144"/>
+            <a:ext cx="405516" cy="1"/>
+          </a:xfrm>
+          <a:prstGeom prst="straightConnector1">
+            <a:avLst/>
+          </a:prstGeom>
+          <a:ln w="25400">
+            <a:solidFill>
+              <a:schemeClr val="tx1">
+                <a:lumMod val="85000"/>
+                <a:lumOff val="15000"/>
+              </a:schemeClr>
+            </a:solidFill>
+            <a:tailEnd type="triangle"/>
+          </a:ln>
+        </p:spPr>
+        <p:style>
+          <a:lnRef idx="1">
+            <a:schemeClr val="accent1"/>
+          </a:lnRef>
+          <a:fillRef idx="0">
+            <a:schemeClr val="accent1"/>
+          </a:fillRef>
+          <a:effectRef idx="0">
+            <a:schemeClr val="accent1"/>
+          </a:effectRef>
+          <a:fontRef idx="minor">
+            <a:schemeClr val="tx1"/>
+          </a:fontRef>
+        </p:style>
+      </p:cxnSp>
+      <p:sp>
+        <p:nvSpPr>
+          <p:cNvPr id="34" name="Content Placeholder 2">
+            <a:extLst>
+              <a:ext uri="{FF2B5EF4-FFF2-40B4-BE49-F238E27FC236}">
+                <a16:creationId xmlns:a16="http://schemas.microsoft.com/office/drawing/2014/main" id="{97AEF3CF-6058-F01B-562C-496A058413C6}"/>
               </a:ext>
             </a:extLst>
           </p:cNvPr>
@@ -7284,7 +7885,7 @@
         <p:spPr>
           <a:xfrm>
             <a:off x="838200" y="1825625"/>
-            <a:ext cx="5257800" cy="4351338"/>
+            <a:ext cx="4715785" cy="4351338"/>
           </a:xfrm>
         </p:spPr>
         <p:txBody>
@@ -7372,10 +7973,110 @@
           </a:p>
         </p:txBody>
       </p:sp>
+      <p:sp>
+        <p:nvSpPr>
+          <p:cNvPr id="37" name="Hexagon 36">
+            <a:extLst>
+              <a:ext uri="{FF2B5EF4-FFF2-40B4-BE49-F238E27FC236}">
+                <a16:creationId xmlns:a16="http://schemas.microsoft.com/office/drawing/2014/main" id="{7BFB210B-9CCA-C9BE-B20E-8413B92AFC9A}"/>
+              </a:ext>
+            </a:extLst>
+          </p:cNvPr>
+          <p:cNvSpPr/>
+          <p:nvPr/>
+        </p:nvSpPr>
+        <p:spPr>
+          <a:xfrm>
+            <a:off x="8548975" y="5952297"/>
+            <a:ext cx="970059" cy="349857"/>
+          </a:xfrm>
+          <a:prstGeom prst="hexagon">
+            <a:avLst/>
+          </a:prstGeom>
+        </p:spPr>
+        <p:style>
+          <a:lnRef idx="2">
+            <a:schemeClr val="accent4">
+              <a:shade val="50000"/>
+            </a:schemeClr>
+          </a:lnRef>
+          <a:fillRef idx="1">
+            <a:schemeClr val="accent4"/>
+          </a:fillRef>
+          <a:effectRef idx="0">
+            <a:schemeClr val="accent4"/>
+          </a:effectRef>
+          <a:fontRef idx="minor">
+            <a:schemeClr val="lt1"/>
+          </a:fontRef>
+        </p:style>
+        <p:txBody>
+          <a:bodyPr rtlCol="0" anchor="ctr"/>
+          <a:lstStyle/>
+          <a:p>
+            <a:pPr algn="ctr"/>
+            <a:r>
+              <a:rPr lang="en-US" b="1" dirty="0">
+                <a:solidFill>
+                  <a:schemeClr val="tx1"/>
+                </a:solidFill>
+              </a:rPr>
+              <a:t>?PIP?</a:t>
+            </a:r>
+          </a:p>
+        </p:txBody>
+      </p:sp>
+      <p:cxnSp>
+        <p:nvCxnSpPr>
+          <p:cNvPr id="38" name="Straight Arrow Connector 37">
+            <a:extLst>
+              <a:ext uri="{FF2B5EF4-FFF2-40B4-BE49-F238E27FC236}">
+                <a16:creationId xmlns:a16="http://schemas.microsoft.com/office/drawing/2014/main" id="{6BD8CF89-8C6D-02C5-F2CD-DA619C110787}"/>
+              </a:ext>
+            </a:extLst>
+          </p:cNvPr>
+          <p:cNvCxnSpPr>
+            <a:cxnSpLocks/>
+          </p:cNvCxnSpPr>
+          <p:nvPr/>
+        </p:nvCxnSpPr>
+        <p:spPr>
+          <a:xfrm>
+            <a:off x="9048129" y="5270099"/>
+            <a:ext cx="0" cy="682198"/>
+          </a:xfrm>
+          <a:prstGeom prst="straightConnector1">
+            <a:avLst/>
+          </a:prstGeom>
+          <a:ln w="25400">
+            <a:solidFill>
+              <a:schemeClr val="tx1">
+                <a:lumMod val="85000"/>
+                <a:lumOff val="15000"/>
+              </a:schemeClr>
+            </a:solidFill>
+            <a:tailEnd type="triangle"/>
+          </a:ln>
+        </p:spPr>
+        <p:style>
+          <a:lnRef idx="1">
+            <a:schemeClr val="accent1"/>
+          </a:lnRef>
+          <a:fillRef idx="0">
+            <a:schemeClr val="accent1"/>
+          </a:fillRef>
+          <a:effectRef idx="0">
+            <a:schemeClr val="accent1"/>
+          </a:effectRef>
+          <a:fontRef idx="minor">
+            <a:schemeClr val="tx1"/>
+          </a:fontRef>
+        </p:style>
+      </p:cxnSp>
     </p:spTree>
     <p:extLst>
       <p:ext uri="{BB962C8B-B14F-4D97-AF65-F5344CB8AC3E}">
-        <p14:creationId xmlns:p14="http://schemas.microsoft.com/office/powerpoint/2010/main" val="3029708724"/>
+        <p14:creationId xmlns:p14="http://schemas.microsoft.com/office/powerpoint/2010/main" val="2675068991"/>
       </p:ext>
     </p:extLst>
   </p:cSld>
@@ -7434,28 +8135,629 @@
         </p:nvSpPr>
         <p:spPr/>
         <p:txBody>
-          <a:bodyPr/>
+          <a:bodyPr>
+            <a:normAutofit/>
+          </a:bodyPr>
           <a:lstStyle/>
           <a:p>
             <a:r>
-              <a:rPr lang="en-US" b="1" dirty="0">
+              <a:rPr lang="en-US" sz="4000" b="1" dirty="0">
                 <a:solidFill>
                   <a:srgbClr val="292D33"/>
                 </a:solidFill>
                 <a:latin typeface="Euclid Circular B" panose="020B0504000000000000" pitchFamily="34" charset="0"/>
                 <a:ea typeface="Euclid Circular B" panose="020B0504000000000000" pitchFamily="34" charset="0"/>
               </a:rPr>
-              <a:t>Discussion: Check on the API Gateway</a:t>
+              <a:t>Discussion: Check on API Gateway</a:t>
             </a:r>
           </a:p>
         </p:txBody>
       </p:sp>
       <p:sp>
         <p:nvSpPr>
-          <p:cNvPr id="3" name="Content Placeholder 2">
-            <a:extLst>
-              <a:ext uri="{FF2B5EF4-FFF2-40B4-BE49-F238E27FC236}">
-                <a16:creationId xmlns:a16="http://schemas.microsoft.com/office/drawing/2014/main" id="{891C7693-D3DF-4635-96F4-97F3B4136FDF}"/>
+          <p:cNvPr id="6" name="Rectangle 5">
+            <a:extLst>
+              <a:ext uri="{FF2B5EF4-FFF2-40B4-BE49-F238E27FC236}">
+                <a16:creationId xmlns:a16="http://schemas.microsoft.com/office/drawing/2014/main" id="{BBA613C2-B04D-9FCD-62DF-39181BE6E402}"/>
+              </a:ext>
+            </a:extLst>
+          </p:cNvPr>
+          <p:cNvSpPr/>
+          <p:nvPr/>
+        </p:nvSpPr>
+        <p:spPr>
+          <a:xfrm>
+            <a:off x="5959501" y="1913324"/>
+            <a:ext cx="1740009" cy="349858"/>
+          </a:xfrm>
+          <a:prstGeom prst="rect">
+            <a:avLst/>
+          </a:prstGeom>
+        </p:spPr>
+        <p:style>
+          <a:lnRef idx="2">
+            <a:schemeClr val="accent3">
+              <a:shade val="50000"/>
+            </a:schemeClr>
+          </a:lnRef>
+          <a:fillRef idx="1">
+            <a:schemeClr val="accent3"/>
+          </a:fillRef>
+          <a:effectRef idx="0">
+            <a:schemeClr val="accent3"/>
+          </a:effectRef>
+          <a:fontRef idx="minor">
+            <a:schemeClr val="lt1"/>
+          </a:fontRef>
+        </p:style>
+        <p:txBody>
+          <a:bodyPr rtlCol="0" anchor="ctr"/>
+          <a:lstStyle/>
+          <a:p>
+            <a:pPr algn="ctr"/>
+            <a:r>
+              <a:rPr lang="en-US" dirty="0"/>
+              <a:t>Client App</a:t>
+            </a:r>
+          </a:p>
+        </p:txBody>
+      </p:sp>
+      <p:sp>
+        <p:nvSpPr>
+          <p:cNvPr id="7" name="Rectangle 6">
+            <a:extLst>
+              <a:ext uri="{FF2B5EF4-FFF2-40B4-BE49-F238E27FC236}">
+                <a16:creationId xmlns:a16="http://schemas.microsoft.com/office/drawing/2014/main" id="{93ED277E-5C95-0F13-7353-1709A48B3EDE}"/>
+              </a:ext>
+            </a:extLst>
+          </p:cNvPr>
+          <p:cNvSpPr/>
+          <p:nvPr/>
+        </p:nvSpPr>
+        <p:spPr>
+          <a:xfrm>
+            <a:off x="5959502" y="2712718"/>
+            <a:ext cx="1740010" cy="1056200"/>
+          </a:xfrm>
+          <a:prstGeom prst="rect">
+            <a:avLst/>
+          </a:prstGeom>
+        </p:spPr>
+        <p:style>
+          <a:lnRef idx="2">
+            <a:schemeClr val="dk1">
+              <a:shade val="50000"/>
+            </a:schemeClr>
+          </a:lnRef>
+          <a:fillRef idx="1">
+            <a:schemeClr val="dk1"/>
+          </a:fillRef>
+          <a:effectRef idx="0">
+            <a:schemeClr val="dk1"/>
+          </a:effectRef>
+          <a:fontRef idx="minor">
+            <a:schemeClr val="lt1"/>
+          </a:fontRef>
+        </p:style>
+        <p:txBody>
+          <a:bodyPr rtlCol="0" anchor="t"/>
+          <a:lstStyle/>
+          <a:p>
+            <a:pPr algn="ctr"/>
+            <a:r>
+              <a:rPr lang="en-US" dirty="0"/>
+              <a:t>API Gateway</a:t>
+            </a:r>
+          </a:p>
+        </p:txBody>
+      </p:sp>
+      <p:sp>
+        <p:nvSpPr>
+          <p:cNvPr id="8" name="Rectangle 7">
+            <a:extLst>
+              <a:ext uri="{FF2B5EF4-FFF2-40B4-BE49-F238E27FC236}">
+                <a16:creationId xmlns:a16="http://schemas.microsoft.com/office/drawing/2014/main" id="{010C3137-DF48-4B11-86E8-FA7D3EF7844C}"/>
+              </a:ext>
+            </a:extLst>
+          </p:cNvPr>
+          <p:cNvSpPr/>
+          <p:nvPr/>
+        </p:nvSpPr>
+        <p:spPr>
+          <a:xfrm>
+            <a:off x="8128882" y="2712718"/>
+            <a:ext cx="1810246" cy="1056200"/>
+          </a:xfrm>
+          <a:prstGeom prst="rect">
+            <a:avLst/>
+          </a:prstGeom>
+        </p:spPr>
+        <p:style>
+          <a:lnRef idx="2">
+            <a:schemeClr val="accent6">
+              <a:shade val="50000"/>
+            </a:schemeClr>
+          </a:lnRef>
+          <a:fillRef idx="1">
+            <a:schemeClr val="accent6"/>
+          </a:fillRef>
+          <a:effectRef idx="0">
+            <a:schemeClr val="accent6"/>
+          </a:effectRef>
+          <a:fontRef idx="minor">
+            <a:schemeClr val="lt1"/>
+          </a:fontRef>
+        </p:style>
+        <p:txBody>
+          <a:bodyPr rtlCol="0" anchor="ctr"/>
+          <a:lstStyle/>
+          <a:p>
+            <a:pPr algn="ctr"/>
+            <a:r>
+              <a:rPr lang="en-US" dirty="0"/>
+              <a:t>Microservice</a:t>
+            </a:r>
+          </a:p>
+        </p:txBody>
+      </p:sp>
+      <p:sp>
+        <p:nvSpPr>
+          <p:cNvPr id="9" name="Oval 8">
+            <a:extLst>
+              <a:ext uri="{FF2B5EF4-FFF2-40B4-BE49-F238E27FC236}">
+                <a16:creationId xmlns:a16="http://schemas.microsoft.com/office/drawing/2014/main" id="{80915787-7918-2270-63BB-88062A8F7F6D}"/>
+              </a:ext>
+            </a:extLst>
+          </p:cNvPr>
+          <p:cNvSpPr/>
+          <p:nvPr/>
+        </p:nvSpPr>
+        <p:spPr>
+          <a:xfrm>
+            <a:off x="10344644" y="2964604"/>
+            <a:ext cx="1310541" cy="552427"/>
+          </a:xfrm>
+          <a:prstGeom prst="ellipse">
+            <a:avLst/>
+          </a:prstGeom>
+        </p:spPr>
+        <p:style>
+          <a:lnRef idx="2">
+            <a:schemeClr val="accent6">
+              <a:shade val="50000"/>
+            </a:schemeClr>
+          </a:lnRef>
+          <a:fillRef idx="1">
+            <a:schemeClr val="accent6"/>
+          </a:fillRef>
+          <a:effectRef idx="0">
+            <a:schemeClr val="accent6"/>
+          </a:effectRef>
+          <a:fontRef idx="minor">
+            <a:schemeClr val="lt1"/>
+          </a:fontRef>
+        </p:style>
+        <p:txBody>
+          <a:bodyPr rtlCol="0" anchor="ctr"/>
+          <a:lstStyle/>
+          <a:p>
+            <a:pPr algn="ctr"/>
+            <a:r>
+              <a:rPr lang="en-US" sz="1400" dirty="0"/>
+              <a:t>Service</a:t>
+            </a:r>
+          </a:p>
+          <a:p>
+            <a:pPr algn="ctr"/>
+            <a:r>
+              <a:rPr lang="en-US" sz="1400" dirty="0"/>
+              <a:t>Database</a:t>
+            </a:r>
+          </a:p>
+        </p:txBody>
+      </p:sp>
+      <p:sp>
+        <p:nvSpPr>
+          <p:cNvPr id="11" name="Rectangle 10">
+            <a:extLst>
+              <a:ext uri="{FF2B5EF4-FFF2-40B4-BE49-F238E27FC236}">
+                <a16:creationId xmlns:a16="http://schemas.microsoft.com/office/drawing/2014/main" id="{D0D415C8-6C42-CBCC-1AC1-712E76AAE99A}"/>
+              </a:ext>
+            </a:extLst>
+          </p:cNvPr>
+          <p:cNvSpPr/>
+          <p:nvPr/>
+        </p:nvSpPr>
+        <p:spPr>
+          <a:xfrm>
+            <a:off x="8128882" y="4238044"/>
+            <a:ext cx="1810246" cy="1112201"/>
+          </a:xfrm>
+          <a:prstGeom prst="rect">
+            <a:avLst/>
+          </a:prstGeom>
+        </p:spPr>
+        <p:style>
+          <a:lnRef idx="2">
+            <a:schemeClr val="accent1">
+              <a:shade val="50000"/>
+            </a:schemeClr>
+          </a:lnRef>
+          <a:fillRef idx="1">
+            <a:schemeClr val="accent1"/>
+          </a:fillRef>
+          <a:effectRef idx="0">
+            <a:schemeClr val="accent1"/>
+          </a:effectRef>
+          <a:fontRef idx="minor">
+            <a:schemeClr val="lt1"/>
+          </a:fontRef>
+        </p:style>
+        <p:txBody>
+          <a:bodyPr rtlCol="0" anchor="t"/>
+          <a:lstStyle/>
+          <a:p>
+            <a:pPr algn="ctr"/>
+            <a:r>
+              <a:rPr lang="en-US" dirty="0"/>
+              <a:t>Authorization Service</a:t>
+            </a:r>
+          </a:p>
+        </p:txBody>
+      </p:sp>
+      <p:sp>
+        <p:nvSpPr>
+          <p:cNvPr id="12" name="Hexagon 11">
+            <a:extLst>
+              <a:ext uri="{FF2B5EF4-FFF2-40B4-BE49-F238E27FC236}">
+                <a16:creationId xmlns:a16="http://schemas.microsoft.com/office/drawing/2014/main" id="{661DDBF8-6851-9324-55DE-8C2A9CEEEA75}"/>
+              </a:ext>
+            </a:extLst>
+          </p:cNvPr>
+          <p:cNvSpPr/>
+          <p:nvPr/>
+        </p:nvSpPr>
+        <p:spPr>
+          <a:xfrm>
+            <a:off x="6323935" y="3324967"/>
+            <a:ext cx="970059" cy="349857"/>
+          </a:xfrm>
+          <a:prstGeom prst="hexagon">
+            <a:avLst/>
+          </a:prstGeom>
+        </p:spPr>
+        <p:style>
+          <a:lnRef idx="2">
+            <a:schemeClr val="accent2">
+              <a:shade val="50000"/>
+            </a:schemeClr>
+          </a:lnRef>
+          <a:fillRef idx="1">
+            <a:schemeClr val="accent2"/>
+          </a:fillRef>
+          <a:effectRef idx="0">
+            <a:schemeClr val="accent2"/>
+          </a:effectRef>
+          <a:fontRef idx="minor">
+            <a:schemeClr val="lt1"/>
+          </a:fontRef>
+        </p:style>
+        <p:txBody>
+          <a:bodyPr rtlCol="0" anchor="ctr"/>
+          <a:lstStyle/>
+          <a:p>
+            <a:pPr algn="ctr"/>
+            <a:r>
+              <a:rPr lang="en-US" dirty="0"/>
+              <a:t>PEP</a:t>
+            </a:r>
+          </a:p>
+        </p:txBody>
+      </p:sp>
+      <p:sp>
+        <p:nvSpPr>
+          <p:cNvPr id="13" name="Hexagon 12">
+            <a:extLst>
+              <a:ext uri="{FF2B5EF4-FFF2-40B4-BE49-F238E27FC236}">
+                <a16:creationId xmlns:a16="http://schemas.microsoft.com/office/drawing/2014/main" id="{6C5320D1-8F65-7A1A-43A1-1601BEC88D06}"/>
+              </a:ext>
+            </a:extLst>
+          </p:cNvPr>
+          <p:cNvSpPr/>
+          <p:nvPr/>
+        </p:nvSpPr>
+        <p:spPr>
+          <a:xfrm>
+            <a:off x="8548975" y="4920242"/>
+            <a:ext cx="970059" cy="349857"/>
+          </a:xfrm>
+          <a:prstGeom prst="hexagon">
+            <a:avLst/>
+          </a:prstGeom>
+        </p:spPr>
+        <p:style>
+          <a:lnRef idx="2">
+            <a:schemeClr val="accent2">
+              <a:shade val="50000"/>
+            </a:schemeClr>
+          </a:lnRef>
+          <a:fillRef idx="1">
+            <a:schemeClr val="accent2"/>
+          </a:fillRef>
+          <a:effectRef idx="0">
+            <a:schemeClr val="accent2"/>
+          </a:effectRef>
+          <a:fontRef idx="minor">
+            <a:schemeClr val="lt1"/>
+          </a:fontRef>
+        </p:style>
+        <p:txBody>
+          <a:bodyPr rtlCol="0" anchor="ctr"/>
+          <a:lstStyle/>
+          <a:p>
+            <a:pPr algn="ctr"/>
+            <a:r>
+              <a:rPr lang="en-US" dirty="0"/>
+              <a:t>PDP</a:t>
+            </a:r>
+          </a:p>
+        </p:txBody>
+      </p:sp>
+      <p:sp>
+        <p:nvSpPr>
+          <p:cNvPr id="18" name="Oval 17">
+            <a:extLst>
+              <a:ext uri="{FF2B5EF4-FFF2-40B4-BE49-F238E27FC236}">
+                <a16:creationId xmlns:a16="http://schemas.microsoft.com/office/drawing/2014/main" id="{E69A84E1-BEE1-9791-0603-06C72B5E98D7}"/>
+              </a:ext>
+            </a:extLst>
+          </p:cNvPr>
+          <p:cNvSpPr/>
+          <p:nvPr/>
+        </p:nvSpPr>
+        <p:spPr>
+          <a:xfrm>
+            <a:off x="10344644" y="4517930"/>
+            <a:ext cx="1685678" cy="552427"/>
+          </a:xfrm>
+          <a:prstGeom prst="ellipse">
+            <a:avLst/>
+          </a:prstGeom>
+        </p:spPr>
+        <p:style>
+          <a:lnRef idx="2">
+            <a:schemeClr val="accent1">
+              <a:shade val="50000"/>
+            </a:schemeClr>
+          </a:lnRef>
+          <a:fillRef idx="1">
+            <a:schemeClr val="accent1"/>
+          </a:fillRef>
+          <a:effectRef idx="0">
+            <a:schemeClr val="accent1"/>
+          </a:effectRef>
+          <a:fontRef idx="minor">
+            <a:schemeClr val="lt1"/>
+          </a:fontRef>
+        </p:style>
+        <p:txBody>
+          <a:bodyPr rtlCol="0" anchor="ctr"/>
+          <a:lstStyle/>
+          <a:p>
+            <a:pPr algn="ctr"/>
+            <a:r>
+              <a:rPr lang="en-US" sz="1400" dirty="0"/>
+              <a:t>Permissions</a:t>
+            </a:r>
+          </a:p>
+          <a:p>
+            <a:pPr algn="ctr"/>
+            <a:r>
+              <a:rPr lang="en-US" sz="1400" dirty="0"/>
+              <a:t>Database</a:t>
+            </a:r>
+          </a:p>
+        </p:txBody>
+      </p:sp>
+      <p:cxnSp>
+        <p:nvCxnSpPr>
+          <p:cNvPr id="20" name="Straight Arrow Connector 19">
+            <a:extLst>
+              <a:ext uri="{FF2B5EF4-FFF2-40B4-BE49-F238E27FC236}">
+                <a16:creationId xmlns:a16="http://schemas.microsoft.com/office/drawing/2014/main" id="{5F7152AE-C0FD-1CAE-D9B8-0BF6B9D85E0B}"/>
+              </a:ext>
+            </a:extLst>
+          </p:cNvPr>
+          <p:cNvCxnSpPr>
+            <a:cxnSpLocks/>
+            <a:stCxn id="6" idx="2"/>
+            <a:endCxn id="7" idx="0"/>
+          </p:cNvCxnSpPr>
+          <p:nvPr/>
+        </p:nvCxnSpPr>
+        <p:spPr>
+          <a:xfrm>
+            <a:off x="6829506" y="2263182"/>
+            <a:ext cx="1" cy="449536"/>
+          </a:xfrm>
+          <a:prstGeom prst="straightConnector1">
+            <a:avLst/>
+          </a:prstGeom>
+          <a:ln w="25400">
+            <a:solidFill>
+              <a:schemeClr val="tx1">
+                <a:lumMod val="85000"/>
+                <a:lumOff val="15000"/>
+              </a:schemeClr>
+            </a:solidFill>
+            <a:tailEnd type="triangle"/>
+          </a:ln>
+        </p:spPr>
+        <p:style>
+          <a:lnRef idx="1">
+            <a:schemeClr val="accent1"/>
+          </a:lnRef>
+          <a:fillRef idx="0">
+            <a:schemeClr val="accent1"/>
+          </a:fillRef>
+          <a:effectRef idx="0">
+            <a:schemeClr val="accent1"/>
+          </a:effectRef>
+          <a:fontRef idx="minor">
+            <a:schemeClr val="tx1"/>
+          </a:fontRef>
+        </p:style>
+      </p:cxnSp>
+      <p:cxnSp>
+        <p:nvCxnSpPr>
+          <p:cNvPr id="22" name="Straight Arrow Connector 21">
+            <a:extLst>
+              <a:ext uri="{FF2B5EF4-FFF2-40B4-BE49-F238E27FC236}">
+                <a16:creationId xmlns:a16="http://schemas.microsoft.com/office/drawing/2014/main" id="{2C1CC211-DFBC-8B16-3415-80BAD75FEC19}"/>
+              </a:ext>
+            </a:extLst>
+          </p:cNvPr>
+          <p:cNvCxnSpPr>
+            <a:stCxn id="7" idx="3"/>
+            <a:endCxn id="8" idx="1"/>
+          </p:cNvCxnSpPr>
+          <p:nvPr/>
+        </p:nvCxnSpPr>
+        <p:spPr>
+          <a:xfrm>
+            <a:off x="7699512" y="3240818"/>
+            <a:ext cx="429370" cy="0"/>
+          </a:xfrm>
+          <a:prstGeom prst="straightConnector1">
+            <a:avLst/>
+          </a:prstGeom>
+          <a:ln w="25400">
+            <a:solidFill>
+              <a:schemeClr val="tx1">
+                <a:lumMod val="85000"/>
+                <a:lumOff val="15000"/>
+              </a:schemeClr>
+            </a:solidFill>
+            <a:tailEnd type="triangle"/>
+          </a:ln>
+        </p:spPr>
+        <p:style>
+          <a:lnRef idx="1">
+            <a:schemeClr val="accent1"/>
+          </a:lnRef>
+          <a:fillRef idx="0">
+            <a:schemeClr val="accent1"/>
+          </a:fillRef>
+          <a:effectRef idx="0">
+            <a:schemeClr val="accent1"/>
+          </a:effectRef>
+          <a:fontRef idx="minor">
+            <a:schemeClr val="tx1"/>
+          </a:fontRef>
+        </p:style>
+      </p:cxnSp>
+      <p:cxnSp>
+        <p:nvCxnSpPr>
+          <p:cNvPr id="24" name="Straight Arrow Connector 23">
+            <a:extLst>
+              <a:ext uri="{FF2B5EF4-FFF2-40B4-BE49-F238E27FC236}">
+                <a16:creationId xmlns:a16="http://schemas.microsoft.com/office/drawing/2014/main" id="{D7022393-3D8A-4BC1-F330-34821C998150}"/>
+              </a:ext>
+            </a:extLst>
+          </p:cNvPr>
+          <p:cNvCxnSpPr>
+            <a:stCxn id="8" idx="3"/>
+            <a:endCxn id="9" idx="2"/>
+          </p:cNvCxnSpPr>
+          <p:nvPr/>
+        </p:nvCxnSpPr>
+        <p:spPr>
+          <a:xfrm>
+            <a:off x="9939128" y="3240818"/>
+            <a:ext cx="405516" cy="0"/>
+          </a:xfrm>
+          <a:prstGeom prst="straightConnector1">
+            <a:avLst/>
+          </a:prstGeom>
+          <a:ln w="25400">
+            <a:solidFill>
+              <a:schemeClr val="tx1">
+                <a:lumMod val="85000"/>
+                <a:lumOff val="15000"/>
+              </a:schemeClr>
+            </a:solidFill>
+            <a:tailEnd type="triangle"/>
+          </a:ln>
+        </p:spPr>
+        <p:style>
+          <a:lnRef idx="1">
+            <a:schemeClr val="accent1"/>
+          </a:lnRef>
+          <a:fillRef idx="0">
+            <a:schemeClr val="accent1"/>
+          </a:fillRef>
+          <a:effectRef idx="0">
+            <a:schemeClr val="accent1"/>
+          </a:effectRef>
+          <a:fontRef idx="minor">
+            <a:schemeClr val="tx1"/>
+          </a:fontRef>
+        </p:style>
+      </p:cxnSp>
+      <p:cxnSp>
+        <p:nvCxnSpPr>
+          <p:cNvPr id="29" name="Straight Arrow Connector 28">
+            <a:extLst>
+              <a:ext uri="{FF2B5EF4-FFF2-40B4-BE49-F238E27FC236}">
+                <a16:creationId xmlns:a16="http://schemas.microsoft.com/office/drawing/2014/main" id="{DA836B28-74FF-3688-E04C-6BE53EC1879A}"/>
+              </a:ext>
+            </a:extLst>
+          </p:cNvPr>
+          <p:cNvCxnSpPr>
+            <a:stCxn id="11" idx="3"/>
+            <a:endCxn id="18" idx="2"/>
+          </p:cNvCxnSpPr>
+          <p:nvPr/>
+        </p:nvCxnSpPr>
+        <p:spPr>
+          <a:xfrm flipV="1">
+            <a:off x="9939128" y="4794144"/>
+            <a:ext cx="405516" cy="1"/>
+          </a:xfrm>
+          <a:prstGeom prst="straightConnector1">
+            <a:avLst/>
+          </a:prstGeom>
+          <a:ln w="25400">
+            <a:solidFill>
+              <a:schemeClr val="tx1">
+                <a:lumMod val="85000"/>
+                <a:lumOff val="15000"/>
+              </a:schemeClr>
+            </a:solidFill>
+            <a:tailEnd type="triangle"/>
+          </a:ln>
+        </p:spPr>
+        <p:style>
+          <a:lnRef idx="1">
+            <a:schemeClr val="accent1"/>
+          </a:lnRef>
+          <a:fillRef idx="0">
+            <a:schemeClr val="accent1"/>
+          </a:fillRef>
+          <a:effectRef idx="0">
+            <a:schemeClr val="accent1"/>
+          </a:effectRef>
+          <a:fontRef idx="minor">
+            <a:schemeClr val="tx1"/>
+          </a:fontRef>
+        </p:style>
+      </p:cxnSp>
+      <p:sp>
+        <p:nvSpPr>
+          <p:cNvPr id="34" name="Content Placeholder 2">
+            <a:extLst>
+              <a:ext uri="{FF2B5EF4-FFF2-40B4-BE49-F238E27FC236}">
+                <a16:creationId xmlns:a16="http://schemas.microsoft.com/office/drawing/2014/main" id="{97AEF3CF-6058-F01B-562C-496A058413C6}"/>
               </a:ext>
             </a:extLst>
           </p:cNvPr>
@@ -7466,17 +8768,232 @@
             <p:ph idx="1"/>
           </p:nvPr>
         </p:nvSpPr>
-        <p:spPr/>
+        <p:spPr>
+          <a:xfrm>
+            <a:off x="838200" y="1825625"/>
+            <a:ext cx="4715785" cy="4351338"/>
+          </a:xfrm>
+        </p:spPr>
         <p:txBody>
-          <a:bodyPr/>
+          <a:bodyPr>
+            <a:normAutofit/>
+          </a:bodyPr>
           <a:lstStyle/>
           <a:p>
-            <a:r>
-              <a:rPr lang="en-US" dirty="0">
+            <a:pPr marL="0" indent="0">
+              <a:buNone/>
+            </a:pPr>
+            <a:r>
+              <a:rPr lang="en-US" sz="2000" b="1" dirty="0">
                 <a:latin typeface="Euclid Circular B" panose="020B0504000000000000" pitchFamily="34" charset="0"/>
                 <a:ea typeface="Euclid Circular B" panose="020B0504000000000000" pitchFamily="34" charset="0"/>
               </a:rPr>
-              <a:t>Content</a:t>
+              <a:t>Advantages:</a:t>
+            </a:r>
+          </a:p>
+          <a:p>
+            <a:r>
+              <a:rPr lang="en-US" sz="2000" dirty="0">
+                <a:latin typeface="Euclid Circular B" panose="020B0504000000000000" pitchFamily="34" charset="0"/>
+                <a:ea typeface="Euclid Circular B" panose="020B0504000000000000" pitchFamily="34" charset="0"/>
+              </a:rPr>
+              <a:t>Decouple authorization logic from the microservice</a:t>
+            </a:r>
+          </a:p>
+          <a:p>
+            <a:r>
+              <a:rPr lang="en-US" sz="2000" dirty="0">
+                <a:latin typeface="Euclid Circular B" panose="020B0504000000000000" pitchFamily="34" charset="0"/>
+                <a:ea typeface="Euclid Circular B" panose="020B0504000000000000" pitchFamily="34" charset="0"/>
+              </a:rPr>
+              <a:t>Prevent microservice call for unauthorized requests</a:t>
+            </a:r>
+          </a:p>
+          <a:p>
+            <a:pPr marL="0" indent="0">
+              <a:buNone/>
+            </a:pPr>
+            <a:r>
+              <a:rPr lang="en-US" sz="2000" b="1" dirty="0">
+                <a:latin typeface="Euclid Circular B" panose="020B0504000000000000" pitchFamily="34" charset="0"/>
+                <a:ea typeface="Euclid Circular B" panose="020B0504000000000000" pitchFamily="34" charset="0"/>
+              </a:rPr>
+              <a:t>Disadvantages:</a:t>
+            </a:r>
+          </a:p>
+          <a:p>
+            <a:r>
+              <a:rPr lang="en-US" sz="2000" dirty="0">
+                <a:latin typeface="Euclid Circular B" panose="020B0504000000000000" pitchFamily="34" charset="0"/>
+                <a:ea typeface="Euclid Circular B" panose="020B0504000000000000" pitchFamily="34" charset="0"/>
+              </a:rPr>
+              <a:t>Requires custom logic in API Gateway – restricts gateway technology selection</a:t>
+            </a:r>
+          </a:p>
+          <a:p>
+            <a:r>
+              <a:rPr lang="en-US" sz="2000" dirty="0">
+                <a:latin typeface="Euclid Circular B" panose="020B0504000000000000" pitchFamily="34" charset="0"/>
+                <a:ea typeface="Euclid Circular B" panose="020B0504000000000000" pitchFamily="34" charset="0"/>
+              </a:rPr>
+              <a:t>Maps permissions with HTTP details</a:t>
+            </a:r>
+          </a:p>
+          <a:p>
+            <a:r>
+              <a:rPr lang="en-US" sz="2000" dirty="0">
+                <a:latin typeface="Euclid Circular B" panose="020B0504000000000000" pitchFamily="34" charset="0"/>
+                <a:ea typeface="Euclid Circular B" panose="020B0504000000000000" pitchFamily="34" charset="0"/>
+              </a:rPr>
+              <a:t>Can only know the HTTP request details (like route &amp; HTTP method)</a:t>
+            </a:r>
+          </a:p>
+        </p:txBody>
+      </p:sp>
+      <p:cxnSp>
+        <p:nvCxnSpPr>
+          <p:cNvPr id="4" name="Connector: Elbow 3">
+            <a:extLst>
+              <a:ext uri="{FF2B5EF4-FFF2-40B4-BE49-F238E27FC236}">
+                <a16:creationId xmlns:a16="http://schemas.microsoft.com/office/drawing/2014/main" id="{369C4957-B2FB-543B-60C3-0A26C2DA5D66}"/>
+              </a:ext>
+            </a:extLst>
+          </p:cNvPr>
+          <p:cNvCxnSpPr>
+            <a:stCxn id="7" idx="2"/>
+            <a:endCxn id="11" idx="1"/>
+          </p:cNvCxnSpPr>
+          <p:nvPr/>
+        </p:nvCxnSpPr>
+        <p:spPr>
+          <a:xfrm rot="16200000" flipH="1">
+            <a:off x="6966581" y="3631843"/>
+            <a:ext cx="1025227" cy="1299375"/>
+          </a:xfrm>
+          <a:prstGeom prst="bentConnector2">
+            <a:avLst/>
+          </a:prstGeom>
+          <a:ln w="25400">
+            <a:solidFill>
+              <a:schemeClr val="tx1">
+                <a:lumMod val="85000"/>
+                <a:lumOff val="15000"/>
+              </a:schemeClr>
+            </a:solidFill>
+            <a:tailEnd type="triangle"/>
+          </a:ln>
+        </p:spPr>
+        <p:style>
+          <a:lnRef idx="1">
+            <a:schemeClr val="accent1"/>
+          </a:lnRef>
+          <a:fillRef idx="0">
+            <a:schemeClr val="accent1"/>
+          </a:fillRef>
+          <a:effectRef idx="0">
+            <a:schemeClr val="accent1"/>
+          </a:effectRef>
+          <a:fontRef idx="minor">
+            <a:schemeClr val="tx1"/>
+          </a:fontRef>
+        </p:style>
+      </p:cxnSp>
+      <p:cxnSp>
+        <p:nvCxnSpPr>
+          <p:cNvPr id="10" name="Straight Arrow Connector 9">
+            <a:extLst>
+              <a:ext uri="{FF2B5EF4-FFF2-40B4-BE49-F238E27FC236}">
+                <a16:creationId xmlns:a16="http://schemas.microsoft.com/office/drawing/2014/main" id="{2354A038-C652-0E24-C420-F7B511214ADA}"/>
+              </a:ext>
+            </a:extLst>
+          </p:cNvPr>
+          <p:cNvCxnSpPr>
+            <a:cxnSpLocks/>
+          </p:cNvCxnSpPr>
+          <p:nvPr/>
+        </p:nvCxnSpPr>
+        <p:spPr>
+          <a:xfrm>
+            <a:off x="9048129" y="5270099"/>
+            <a:ext cx="0" cy="682198"/>
+          </a:xfrm>
+          <a:prstGeom prst="straightConnector1">
+            <a:avLst/>
+          </a:prstGeom>
+          <a:ln w="25400">
+            <a:solidFill>
+              <a:schemeClr val="tx1">
+                <a:lumMod val="85000"/>
+                <a:lumOff val="15000"/>
+              </a:schemeClr>
+            </a:solidFill>
+            <a:tailEnd type="triangle"/>
+          </a:ln>
+        </p:spPr>
+        <p:style>
+          <a:lnRef idx="1">
+            <a:schemeClr val="accent1"/>
+          </a:lnRef>
+          <a:fillRef idx="0">
+            <a:schemeClr val="accent1"/>
+          </a:fillRef>
+          <a:effectRef idx="0">
+            <a:schemeClr val="accent1"/>
+          </a:effectRef>
+          <a:fontRef idx="minor">
+            <a:schemeClr val="tx1"/>
+          </a:fontRef>
+        </p:style>
+      </p:cxnSp>
+      <p:sp>
+        <p:nvSpPr>
+          <p:cNvPr id="14" name="Hexagon 13">
+            <a:extLst>
+              <a:ext uri="{FF2B5EF4-FFF2-40B4-BE49-F238E27FC236}">
+                <a16:creationId xmlns:a16="http://schemas.microsoft.com/office/drawing/2014/main" id="{C49D3164-5DC8-8D69-1BA0-1180EAF7A661}"/>
+              </a:ext>
+            </a:extLst>
+          </p:cNvPr>
+          <p:cNvSpPr/>
+          <p:nvPr/>
+        </p:nvSpPr>
+        <p:spPr>
+          <a:xfrm>
+            <a:off x="8548975" y="5952297"/>
+            <a:ext cx="970059" cy="349857"/>
+          </a:xfrm>
+          <a:prstGeom prst="hexagon">
+            <a:avLst/>
+          </a:prstGeom>
+        </p:spPr>
+        <p:style>
+          <a:lnRef idx="2">
+            <a:schemeClr val="accent4">
+              <a:shade val="50000"/>
+            </a:schemeClr>
+          </a:lnRef>
+          <a:fillRef idx="1">
+            <a:schemeClr val="accent4"/>
+          </a:fillRef>
+          <a:effectRef idx="0">
+            <a:schemeClr val="accent4"/>
+          </a:effectRef>
+          <a:fontRef idx="minor">
+            <a:schemeClr val="lt1"/>
+          </a:fontRef>
+        </p:style>
+        <p:txBody>
+          <a:bodyPr rtlCol="0" anchor="ctr"/>
+          <a:lstStyle/>
+          <a:p>
+            <a:pPr algn="ctr"/>
+            <a:r>
+              <a:rPr lang="en-US" b="1" dirty="0">
+                <a:solidFill>
+                  <a:schemeClr val="tx1"/>
+                </a:solidFill>
+              </a:rPr>
+              <a:t>?PIP?</a:t>
             </a:r>
           </a:p>
         </p:txBody>
@@ -7484,7 +9001,7 @@
     </p:spTree>
     <p:extLst>
       <p:ext uri="{BB962C8B-B14F-4D97-AF65-F5344CB8AC3E}">
-        <p14:creationId xmlns:p14="http://schemas.microsoft.com/office/powerpoint/2010/main" val="2675068991"/>
+        <p14:creationId xmlns:p14="http://schemas.microsoft.com/office/powerpoint/2010/main" val="1151391192"/>
       </p:ext>
     </p:extLst>
   </p:cSld>
@@ -7543,28 +9060,433 @@
         </p:nvSpPr>
         <p:spPr/>
         <p:txBody>
-          <a:bodyPr/>
+          <a:bodyPr>
+            <a:normAutofit/>
+          </a:bodyPr>
           <a:lstStyle/>
           <a:p>
             <a:r>
-              <a:rPr lang="en-US" b="1" dirty="0">
+              <a:rPr lang="en-US" sz="4000" b="1" dirty="0">
                 <a:solidFill>
                   <a:srgbClr val="292D33"/>
                 </a:solidFill>
                 <a:latin typeface="Euclid Circular B" panose="020B0504000000000000" pitchFamily="34" charset="0"/>
                 <a:ea typeface="Euclid Circular B" panose="020B0504000000000000" pitchFamily="34" charset="0"/>
               </a:rPr>
-              <a:t>Topic title</a:t>
+              <a:t>Discussion: Authorization Library</a:t>
             </a:r>
           </a:p>
         </p:txBody>
       </p:sp>
       <p:sp>
         <p:nvSpPr>
-          <p:cNvPr id="3" name="Content Placeholder 2">
-            <a:extLst>
-              <a:ext uri="{FF2B5EF4-FFF2-40B4-BE49-F238E27FC236}">
-                <a16:creationId xmlns:a16="http://schemas.microsoft.com/office/drawing/2014/main" id="{891C7693-D3DF-4635-96F4-97F3B4136FDF}"/>
+          <p:cNvPr id="6" name="Rectangle 5">
+            <a:extLst>
+              <a:ext uri="{FF2B5EF4-FFF2-40B4-BE49-F238E27FC236}">
+                <a16:creationId xmlns:a16="http://schemas.microsoft.com/office/drawing/2014/main" id="{BBA613C2-B04D-9FCD-62DF-39181BE6E402}"/>
+              </a:ext>
+            </a:extLst>
+          </p:cNvPr>
+          <p:cNvSpPr/>
+          <p:nvPr/>
+        </p:nvSpPr>
+        <p:spPr>
+          <a:xfrm>
+            <a:off x="6223455" y="1875619"/>
+            <a:ext cx="1740009" cy="349858"/>
+          </a:xfrm>
+          <a:prstGeom prst="rect">
+            <a:avLst/>
+          </a:prstGeom>
+        </p:spPr>
+        <p:style>
+          <a:lnRef idx="2">
+            <a:schemeClr val="accent3">
+              <a:shade val="50000"/>
+            </a:schemeClr>
+          </a:lnRef>
+          <a:fillRef idx="1">
+            <a:schemeClr val="accent3"/>
+          </a:fillRef>
+          <a:effectRef idx="0">
+            <a:schemeClr val="accent3"/>
+          </a:effectRef>
+          <a:fontRef idx="minor">
+            <a:schemeClr val="lt1"/>
+          </a:fontRef>
+        </p:style>
+        <p:txBody>
+          <a:bodyPr rtlCol="0" anchor="ctr"/>
+          <a:lstStyle/>
+          <a:p>
+            <a:pPr algn="ctr"/>
+            <a:r>
+              <a:rPr lang="en-US" dirty="0"/>
+              <a:t>Client App</a:t>
+            </a:r>
+          </a:p>
+        </p:txBody>
+      </p:sp>
+      <p:sp>
+        <p:nvSpPr>
+          <p:cNvPr id="7" name="Rectangle 6">
+            <a:extLst>
+              <a:ext uri="{FF2B5EF4-FFF2-40B4-BE49-F238E27FC236}">
+                <a16:creationId xmlns:a16="http://schemas.microsoft.com/office/drawing/2014/main" id="{93ED277E-5C95-0F13-7353-1709A48B3EDE}"/>
+              </a:ext>
+            </a:extLst>
+          </p:cNvPr>
+          <p:cNvSpPr/>
+          <p:nvPr/>
+        </p:nvSpPr>
+        <p:spPr>
+          <a:xfrm>
+            <a:off x="6223456" y="2675013"/>
+            <a:ext cx="1740010" cy="1056200"/>
+          </a:xfrm>
+          <a:prstGeom prst="rect">
+            <a:avLst/>
+          </a:prstGeom>
+        </p:spPr>
+        <p:style>
+          <a:lnRef idx="2">
+            <a:schemeClr val="dk1">
+              <a:shade val="50000"/>
+            </a:schemeClr>
+          </a:lnRef>
+          <a:fillRef idx="1">
+            <a:schemeClr val="dk1"/>
+          </a:fillRef>
+          <a:effectRef idx="0">
+            <a:schemeClr val="dk1"/>
+          </a:effectRef>
+          <a:fontRef idx="minor">
+            <a:schemeClr val="lt1"/>
+          </a:fontRef>
+        </p:style>
+        <p:txBody>
+          <a:bodyPr rtlCol="0" anchor="ctr"/>
+          <a:lstStyle/>
+          <a:p>
+            <a:pPr algn="ctr"/>
+            <a:r>
+              <a:rPr lang="en-US" dirty="0"/>
+              <a:t>API Gateway</a:t>
+            </a:r>
+          </a:p>
+        </p:txBody>
+      </p:sp>
+      <p:sp>
+        <p:nvSpPr>
+          <p:cNvPr id="8" name="Rectangle 7">
+            <a:extLst>
+              <a:ext uri="{FF2B5EF4-FFF2-40B4-BE49-F238E27FC236}">
+                <a16:creationId xmlns:a16="http://schemas.microsoft.com/office/drawing/2014/main" id="{010C3137-DF48-4B11-86E8-FA7D3EF7844C}"/>
+              </a:ext>
+            </a:extLst>
+          </p:cNvPr>
+          <p:cNvSpPr/>
+          <p:nvPr/>
+        </p:nvSpPr>
+        <p:spPr>
+          <a:xfrm>
+            <a:off x="8392836" y="1875932"/>
+            <a:ext cx="1810246" cy="2049997"/>
+          </a:xfrm>
+          <a:prstGeom prst="rect">
+            <a:avLst/>
+          </a:prstGeom>
+        </p:spPr>
+        <p:style>
+          <a:lnRef idx="2">
+            <a:schemeClr val="accent6">
+              <a:shade val="50000"/>
+            </a:schemeClr>
+          </a:lnRef>
+          <a:fillRef idx="1">
+            <a:schemeClr val="accent6"/>
+          </a:fillRef>
+          <a:effectRef idx="0">
+            <a:schemeClr val="accent6"/>
+          </a:effectRef>
+          <a:fontRef idx="minor">
+            <a:schemeClr val="lt1"/>
+          </a:fontRef>
+        </p:style>
+        <p:txBody>
+          <a:bodyPr rtlCol="0" anchor="t"/>
+          <a:lstStyle/>
+          <a:p>
+            <a:pPr algn="ctr"/>
+            <a:r>
+              <a:rPr lang="en-US" dirty="0"/>
+              <a:t>Microservice</a:t>
+            </a:r>
+          </a:p>
+        </p:txBody>
+      </p:sp>
+      <p:sp>
+        <p:nvSpPr>
+          <p:cNvPr id="9" name="Oval 8">
+            <a:extLst>
+              <a:ext uri="{FF2B5EF4-FFF2-40B4-BE49-F238E27FC236}">
+                <a16:creationId xmlns:a16="http://schemas.microsoft.com/office/drawing/2014/main" id="{80915787-7918-2270-63BB-88062A8F7F6D}"/>
+              </a:ext>
+            </a:extLst>
+          </p:cNvPr>
+          <p:cNvSpPr/>
+          <p:nvPr/>
+        </p:nvSpPr>
+        <p:spPr>
+          <a:xfrm>
+            <a:off x="10608598" y="2625239"/>
+            <a:ext cx="1310541" cy="552427"/>
+          </a:xfrm>
+          <a:prstGeom prst="ellipse">
+            <a:avLst/>
+          </a:prstGeom>
+        </p:spPr>
+        <p:style>
+          <a:lnRef idx="2">
+            <a:schemeClr val="accent6">
+              <a:shade val="50000"/>
+            </a:schemeClr>
+          </a:lnRef>
+          <a:fillRef idx="1">
+            <a:schemeClr val="accent6"/>
+          </a:fillRef>
+          <a:effectRef idx="0">
+            <a:schemeClr val="accent6"/>
+          </a:effectRef>
+          <a:fontRef idx="minor">
+            <a:schemeClr val="lt1"/>
+          </a:fontRef>
+        </p:style>
+        <p:txBody>
+          <a:bodyPr rtlCol="0" anchor="ctr"/>
+          <a:lstStyle/>
+          <a:p>
+            <a:pPr algn="ctr"/>
+            <a:r>
+              <a:rPr lang="en-US" sz="1400" dirty="0"/>
+              <a:t>Service</a:t>
+            </a:r>
+          </a:p>
+          <a:p>
+            <a:pPr algn="ctr"/>
+            <a:r>
+              <a:rPr lang="en-US" sz="1400" dirty="0"/>
+              <a:t>Database</a:t>
+            </a:r>
+          </a:p>
+        </p:txBody>
+      </p:sp>
+      <p:sp>
+        <p:nvSpPr>
+          <p:cNvPr id="18" name="Oval 17">
+            <a:extLst>
+              <a:ext uri="{FF2B5EF4-FFF2-40B4-BE49-F238E27FC236}">
+                <a16:creationId xmlns:a16="http://schemas.microsoft.com/office/drawing/2014/main" id="{E69A84E1-BEE1-9791-0603-06C72B5E98D7}"/>
+              </a:ext>
+            </a:extLst>
+          </p:cNvPr>
+          <p:cNvSpPr/>
+          <p:nvPr/>
+        </p:nvSpPr>
+        <p:spPr>
+          <a:xfrm>
+            <a:off x="8451507" y="4327452"/>
+            <a:ext cx="1685678" cy="552427"/>
+          </a:xfrm>
+          <a:prstGeom prst="ellipse">
+            <a:avLst/>
+          </a:prstGeom>
+        </p:spPr>
+        <p:style>
+          <a:lnRef idx="2">
+            <a:schemeClr val="accent1">
+              <a:shade val="50000"/>
+            </a:schemeClr>
+          </a:lnRef>
+          <a:fillRef idx="1">
+            <a:schemeClr val="accent1"/>
+          </a:fillRef>
+          <a:effectRef idx="0">
+            <a:schemeClr val="accent1"/>
+          </a:effectRef>
+          <a:fontRef idx="minor">
+            <a:schemeClr val="lt1"/>
+          </a:fontRef>
+        </p:style>
+        <p:txBody>
+          <a:bodyPr rtlCol="0" anchor="ctr"/>
+          <a:lstStyle/>
+          <a:p>
+            <a:pPr algn="ctr"/>
+            <a:r>
+              <a:rPr lang="en-US" sz="1400" dirty="0"/>
+              <a:t>Permissions</a:t>
+            </a:r>
+          </a:p>
+          <a:p>
+            <a:pPr algn="ctr"/>
+            <a:r>
+              <a:rPr lang="en-US" sz="1400" dirty="0"/>
+              <a:t>Database</a:t>
+            </a:r>
+          </a:p>
+        </p:txBody>
+      </p:sp>
+      <p:cxnSp>
+        <p:nvCxnSpPr>
+          <p:cNvPr id="20" name="Straight Arrow Connector 19">
+            <a:extLst>
+              <a:ext uri="{FF2B5EF4-FFF2-40B4-BE49-F238E27FC236}">
+                <a16:creationId xmlns:a16="http://schemas.microsoft.com/office/drawing/2014/main" id="{5F7152AE-C0FD-1CAE-D9B8-0BF6B9D85E0B}"/>
+              </a:ext>
+            </a:extLst>
+          </p:cNvPr>
+          <p:cNvCxnSpPr>
+            <a:cxnSpLocks/>
+            <a:stCxn id="6" idx="2"/>
+            <a:endCxn id="7" idx="0"/>
+          </p:cNvCxnSpPr>
+          <p:nvPr/>
+        </p:nvCxnSpPr>
+        <p:spPr>
+          <a:xfrm>
+            <a:off x="7093460" y="2225477"/>
+            <a:ext cx="1" cy="449536"/>
+          </a:xfrm>
+          <a:prstGeom prst="straightConnector1">
+            <a:avLst/>
+          </a:prstGeom>
+          <a:ln w="25400">
+            <a:solidFill>
+              <a:schemeClr val="tx1">
+                <a:lumMod val="85000"/>
+                <a:lumOff val="15000"/>
+              </a:schemeClr>
+            </a:solidFill>
+            <a:tailEnd type="triangle"/>
+          </a:ln>
+        </p:spPr>
+        <p:style>
+          <a:lnRef idx="1">
+            <a:schemeClr val="accent1"/>
+          </a:lnRef>
+          <a:fillRef idx="0">
+            <a:schemeClr val="accent1"/>
+          </a:fillRef>
+          <a:effectRef idx="0">
+            <a:schemeClr val="accent1"/>
+          </a:effectRef>
+          <a:fontRef idx="minor">
+            <a:schemeClr val="tx1"/>
+          </a:fontRef>
+        </p:style>
+      </p:cxnSp>
+      <p:cxnSp>
+        <p:nvCxnSpPr>
+          <p:cNvPr id="22" name="Straight Arrow Connector 21">
+            <a:extLst>
+              <a:ext uri="{FF2B5EF4-FFF2-40B4-BE49-F238E27FC236}">
+                <a16:creationId xmlns:a16="http://schemas.microsoft.com/office/drawing/2014/main" id="{2C1CC211-DFBC-8B16-3415-80BAD75FEC19}"/>
+              </a:ext>
+            </a:extLst>
+          </p:cNvPr>
+          <p:cNvCxnSpPr>
+            <a:cxnSpLocks/>
+            <a:stCxn id="7" idx="3"/>
+          </p:cNvCxnSpPr>
+          <p:nvPr/>
+        </p:nvCxnSpPr>
+        <p:spPr>
+          <a:xfrm flipV="1">
+            <a:off x="7963466" y="3202591"/>
+            <a:ext cx="429370" cy="522"/>
+          </a:xfrm>
+          <a:prstGeom prst="straightConnector1">
+            <a:avLst/>
+          </a:prstGeom>
+          <a:ln w="25400">
+            <a:solidFill>
+              <a:schemeClr val="tx1">
+                <a:lumMod val="85000"/>
+                <a:lumOff val="15000"/>
+              </a:schemeClr>
+            </a:solidFill>
+            <a:tailEnd type="triangle"/>
+          </a:ln>
+        </p:spPr>
+        <p:style>
+          <a:lnRef idx="1">
+            <a:schemeClr val="accent1"/>
+          </a:lnRef>
+          <a:fillRef idx="0">
+            <a:schemeClr val="accent1"/>
+          </a:fillRef>
+          <a:effectRef idx="0">
+            <a:schemeClr val="accent1"/>
+          </a:effectRef>
+          <a:fontRef idx="minor">
+            <a:schemeClr val="tx1"/>
+          </a:fontRef>
+        </p:style>
+      </p:cxnSp>
+      <p:cxnSp>
+        <p:nvCxnSpPr>
+          <p:cNvPr id="24" name="Straight Arrow Connector 23">
+            <a:extLst>
+              <a:ext uri="{FF2B5EF4-FFF2-40B4-BE49-F238E27FC236}">
+                <a16:creationId xmlns:a16="http://schemas.microsoft.com/office/drawing/2014/main" id="{D7022393-3D8A-4BC1-F330-34821C998150}"/>
+              </a:ext>
+            </a:extLst>
+          </p:cNvPr>
+          <p:cNvCxnSpPr>
+            <a:cxnSpLocks/>
+          </p:cNvCxnSpPr>
+          <p:nvPr/>
+        </p:nvCxnSpPr>
+        <p:spPr>
+          <a:xfrm>
+            <a:off x="10203082" y="2889501"/>
+            <a:ext cx="412742" cy="0"/>
+          </a:xfrm>
+          <a:prstGeom prst="straightConnector1">
+            <a:avLst/>
+          </a:prstGeom>
+          <a:ln w="25400">
+            <a:solidFill>
+              <a:schemeClr val="tx1">
+                <a:lumMod val="85000"/>
+                <a:lumOff val="15000"/>
+              </a:schemeClr>
+            </a:solidFill>
+            <a:tailEnd type="triangle"/>
+          </a:ln>
+        </p:spPr>
+        <p:style>
+          <a:lnRef idx="1">
+            <a:schemeClr val="accent1"/>
+          </a:lnRef>
+          <a:fillRef idx="0">
+            <a:schemeClr val="accent1"/>
+          </a:fillRef>
+          <a:effectRef idx="0">
+            <a:schemeClr val="accent1"/>
+          </a:effectRef>
+          <a:fontRef idx="minor">
+            <a:schemeClr val="tx1"/>
+          </a:fontRef>
+        </p:style>
+      </p:cxnSp>
+      <p:sp>
+        <p:nvSpPr>
+          <p:cNvPr id="34" name="Content Placeholder 2">
+            <a:extLst>
+              <a:ext uri="{FF2B5EF4-FFF2-40B4-BE49-F238E27FC236}">
+                <a16:creationId xmlns:a16="http://schemas.microsoft.com/office/drawing/2014/main" id="{97AEF3CF-6058-F01B-562C-496A058413C6}"/>
               </a:ext>
             </a:extLst>
           </p:cNvPr>
@@ -7575,25 +9497,237 @@
             <p:ph idx="1"/>
           </p:nvPr>
         </p:nvSpPr>
-        <p:spPr/>
+        <p:spPr>
+          <a:xfrm>
+            <a:off x="838200" y="1825625"/>
+            <a:ext cx="4715785" cy="4351338"/>
+          </a:xfrm>
+        </p:spPr>
         <p:txBody>
-          <a:bodyPr/>
+          <a:bodyPr>
+            <a:normAutofit/>
+          </a:bodyPr>
           <a:lstStyle/>
           <a:p>
-            <a:r>
-              <a:rPr lang="en-US" dirty="0">
+            <a:pPr marL="0" indent="0">
+              <a:buNone/>
+            </a:pPr>
+            <a:r>
+              <a:rPr lang="en-US" sz="2000" b="1" dirty="0">
                 <a:latin typeface="Euclid Circular B" panose="020B0504000000000000" pitchFamily="34" charset="0"/>
                 <a:ea typeface="Euclid Circular B" panose="020B0504000000000000" pitchFamily="34" charset="0"/>
               </a:rPr>
-              <a:t>Content</a:t>
+              <a:t>Advantages:</a:t>
+            </a:r>
+          </a:p>
+          <a:p>
+            <a:r>
+              <a:rPr lang="en-US" sz="2000" dirty="0">
+                <a:latin typeface="Euclid Circular B" panose="020B0504000000000000" pitchFamily="34" charset="0"/>
+                <a:ea typeface="Euclid Circular B" panose="020B0504000000000000" pitchFamily="34" charset="0"/>
+              </a:rPr>
+              <a:t>Decouple authorization logic from the microservice logic</a:t>
+            </a:r>
+          </a:p>
+          <a:p>
+            <a:r>
+              <a:rPr lang="en-US" sz="2000" dirty="0">
+                <a:latin typeface="Euclid Circular B" panose="020B0504000000000000" pitchFamily="34" charset="0"/>
+                <a:ea typeface="Euclid Circular B" panose="020B0504000000000000" pitchFamily="34" charset="0"/>
+              </a:rPr>
+              <a:t>Application data is available</a:t>
+            </a:r>
+          </a:p>
+          <a:p>
+            <a:r>
+              <a:rPr lang="en-US" sz="2000" dirty="0">
+                <a:latin typeface="Euclid Circular B" panose="020B0504000000000000" pitchFamily="34" charset="0"/>
+                <a:ea typeface="Euclid Circular B" panose="020B0504000000000000" pitchFamily="34" charset="0"/>
+              </a:rPr>
+              <a:t>Custom authorization logic is possible</a:t>
+            </a:r>
+          </a:p>
+          <a:p>
+            <a:pPr marL="0" indent="0">
+              <a:buNone/>
+            </a:pPr>
+            <a:r>
+              <a:rPr lang="en-US" sz="2000" b="1" dirty="0">
+                <a:latin typeface="Euclid Circular B" panose="020B0504000000000000" pitchFamily="34" charset="0"/>
+                <a:ea typeface="Euclid Circular B" panose="020B0504000000000000" pitchFamily="34" charset="0"/>
+              </a:rPr>
+              <a:t>Disadvantages:</a:t>
+            </a:r>
+          </a:p>
+          <a:p>
+            <a:r>
+              <a:rPr lang="en-US" sz="2000" dirty="0">
+                <a:latin typeface="Euclid Circular B" panose="020B0504000000000000" pitchFamily="34" charset="0"/>
+                <a:ea typeface="Euclid Circular B" panose="020B0504000000000000" pitchFamily="34" charset="0"/>
+              </a:rPr>
+              <a:t>Can be a problem if you have microservices developed with different platforms (.NET, Java, Phyton…)</a:t>
             </a:r>
           </a:p>
         </p:txBody>
       </p:sp>
+      <p:sp>
+        <p:nvSpPr>
+          <p:cNvPr id="25" name="Rectangle: Rounded Corners 24">
+            <a:extLst>
+              <a:ext uri="{FF2B5EF4-FFF2-40B4-BE49-F238E27FC236}">
+                <a16:creationId xmlns:a16="http://schemas.microsoft.com/office/drawing/2014/main" id="{FE60C1D5-CEA0-AC16-FA5A-5D4C0AB89C6F}"/>
+              </a:ext>
+            </a:extLst>
+          </p:cNvPr>
+          <p:cNvSpPr/>
+          <p:nvPr/>
+        </p:nvSpPr>
+        <p:spPr>
+          <a:xfrm>
+            <a:off x="8474700" y="2507530"/>
+            <a:ext cx="1639292" cy="1338606"/>
+          </a:xfrm>
+          <a:prstGeom prst="roundRect">
+            <a:avLst/>
+          </a:prstGeom>
+        </p:spPr>
+        <p:style>
+          <a:lnRef idx="2">
+            <a:schemeClr val="accent5">
+              <a:shade val="50000"/>
+            </a:schemeClr>
+          </a:lnRef>
+          <a:fillRef idx="1">
+            <a:schemeClr val="accent5"/>
+          </a:fillRef>
+          <a:effectRef idx="0">
+            <a:schemeClr val="accent5"/>
+          </a:effectRef>
+          <a:fontRef idx="minor">
+            <a:schemeClr val="lt1"/>
+          </a:fontRef>
+        </p:style>
+        <p:txBody>
+          <a:bodyPr rtlCol="0" anchor="t"/>
+          <a:lstStyle/>
+          <a:p>
+            <a:pPr algn="ctr"/>
+            <a:r>
+              <a:rPr lang="en-US" sz="1400" dirty="0"/>
+              <a:t>Authorization</a:t>
+            </a:r>
+          </a:p>
+          <a:p>
+            <a:pPr algn="ctr"/>
+            <a:r>
+              <a:rPr lang="en-US" sz="1400" dirty="0"/>
+              <a:t>Library</a:t>
+            </a:r>
+          </a:p>
+        </p:txBody>
+      </p:sp>
+      <p:sp>
+        <p:nvSpPr>
+          <p:cNvPr id="26" name="Hexagon 25">
+            <a:extLst>
+              <a:ext uri="{FF2B5EF4-FFF2-40B4-BE49-F238E27FC236}">
+                <a16:creationId xmlns:a16="http://schemas.microsoft.com/office/drawing/2014/main" id="{3392DC84-8938-9C8D-99D3-4F2F80C3BB53}"/>
+              </a:ext>
+            </a:extLst>
+          </p:cNvPr>
+          <p:cNvSpPr/>
+          <p:nvPr/>
+        </p:nvSpPr>
+        <p:spPr>
+          <a:xfrm>
+            <a:off x="8606676" y="3091991"/>
+            <a:ext cx="1395167" cy="651000"/>
+          </a:xfrm>
+          <a:prstGeom prst="hexagon">
+            <a:avLst/>
+          </a:prstGeom>
+        </p:spPr>
+        <p:style>
+          <a:lnRef idx="2">
+            <a:schemeClr val="accent2">
+              <a:shade val="50000"/>
+            </a:schemeClr>
+          </a:lnRef>
+          <a:fillRef idx="1">
+            <a:schemeClr val="accent2"/>
+          </a:fillRef>
+          <a:effectRef idx="0">
+            <a:schemeClr val="accent2"/>
+          </a:effectRef>
+          <a:fontRef idx="minor">
+            <a:schemeClr val="lt1"/>
+          </a:fontRef>
+        </p:style>
+        <p:txBody>
+          <a:bodyPr rtlCol="0" anchor="ctr"/>
+          <a:lstStyle/>
+          <a:p>
+            <a:pPr algn="ctr"/>
+            <a:r>
+              <a:rPr lang="en-US" sz="1400" dirty="0"/>
+              <a:t>PEP + PDP + PIP</a:t>
+            </a:r>
+          </a:p>
+        </p:txBody>
+      </p:sp>
+      <p:cxnSp>
+        <p:nvCxnSpPr>
+          <p:cNvPr id="32" name="Straight Arrow Connector 31">
+            <a:extLst>
+              <a:ext uri="{FF2B5EF4-FFF2-40B4-BE49-F238E27FC236}">
+                <a16:creationId xmlns:a16="http://schemas.microsoft.com/office/drawing/2014/main" id="{A302803C-A29A-53A2-0BF7-C69AE5D40B0A}"/>
+              </a:ext>
+            </a:extLst>
+          </p:cNvPr>
+          <p:cNvCxnSpPr>
+            <a:cxnSpLocks/>
+            <a:stCxn id="25" idx="2"/>
+            <a:endCxn id="18" idx="0"/>
+          </p:cNvCxnSpPr>
+          <p:nvPr/>
+        </p:nvCxnSpPr>
+        <p:spPr>
+          <a:xfrm>
+            <a:off x="9294346" y="3846136"/>
+            <a:ext cx="0" cy="481316"/>
+          </a:xfrm>
+          <a:prstGeom prst="straightConnector1">
+            <a:avLst/>
+          </a:prstGeom>
+          <a:ln w="25400">
+            <a:solidFill>
+              <a:schemeClr val="tx1">
+                <a:lumMod val="85000"/>
+                <a:lumOff val="15000"/>
+              </a:schemeClr>
+            </a:solidFill>
+            <a:tailEnd type="triangle"/>
+          </a:ln>
+        </p:spPr>
+        <p:style>
+          <a:lnRef idx="1">
+            <a:schemeClr val="accent1"/>
+          </a:lnRef>
+          <a:fillRef idx="0">
+            <a:schemeClr val="accent1"/>
+          </a:fillRef>
+          <a:effectRef idx="0">
+            <a:schemeClr val="accent1"/>
+          </a:effectRef>
+          <a:fontRef idx="minor">
+            <a:schemeClr val="tx1"/>
+          </a:fontRef>
+        </p:style>
+      </p:cxnSp>
     </p:spTree>
     <p:extLst>
       <p:ext uri="{BB962C8B-B14F-4D97-AF65-F5344CB8AC3E}">
-        <p14:creationId xmlns:p14="http://schemas.microsoft.com/office/powerpoint/2010/main" val="553463565"/>
+        <p14:creationId xmlns:p14="http://schemas.microsoft.com/office/powerpoint/2010/main" val="3025693978"/>
       </p:ext>
     </p:extLst>
   </p:cSld>
@@ -7702,7 +9836,7 @@
     </p:spTree>
     <p:extLst>
       <p:ext uri="{BB962C8B-B14F-4D97-AF65-F5344CB8AC3E}">
-        <p14:creationId xmlns:p14="http://schemas.microsoft.com/office/powerpoint/2010/main" val="3507535533"/>
+        <p14:creationId xmlns:p14="http://schemas.microsoft.com/office/powerpoint/2010/main" val="553463565"/>
       </p:ext>
     </p:extLst>
   </p:cSld>
@@ -7811,6 +9945,115 @@
     </p:spTree>
     <p:extLst>
       <p:ext uri="{BB962C8B-B14F-4D97-AF65-F5344CB8AC3E}">
+        <p14:creationId xmlns:p14="http://schemas.microsoft.com/office/powerpoint/2010/main" val="3507535533"/>
+      </p:ext>
+    </p:extLst>
+  </p:cSld>
+  <p:clrMapOvr>
+    <a:masterClrMapping/>
+  </p:clrMapOvr>
+</p:sld>
+</file>
+
+<file path=ppt/slides/slide16.xml><?xml version="1.0" encoding="utf-8"?>
+<p:sld xmlns:a="http://schemas.openxmlformats.org/drawingml/2006/main" xmlns:r="http://schemas.openxmlformats.org/officeDocument/2006/relationships" xmlns:p="http://schemas.openxmlformats.org/presentationml/2006/main">
+  <p:cSld>
+    <p:bg>
+      <p:bgPr>
+        <a:blipFill dpi="0" rotWithShape="1">
+          <a:blip r:embed="rId2">
+            <a:lum/>
+          </a:blip>
+          <a:srcRect/>
+          <a:stretch>
+            <a:fillRect/>
+          </a:stretch>
+        </a:blipFill>
+        <a:effectLst/>
+      </p:bgPr>
+    </p:bg>
+    <p:spTree>
+      <p:nvGrpSpPr>
+        <p:cNvPr id="1" name=""/>
+        <p:cNvGrpSpPr/>
+        <p:nvPr/>
+      </p:nvGrpSpPr>
+      <p:grpSpPr>
+        <a:xfrm>
+          <a:off x="0" y="0"/>
+          <a:ext cx="0" cy="0"/>
+          <a:chOff x="0" y="0"/>
+          <a:chExt cx="0" cy="0"/>
+        </a:xfrm>
+      </p:grpSpPr>
+      <p:sp>
+        <p:nvSpPr>
+          <p:cNvPr id="2" name="Title 1">
+            <a:extLst>
+              <a:ext uri="{FF2B5EF4-FFF2-40B4-BE49-F238E27FC236}">
+                <a16:creationId xmlns:a16="http://schemas.microsoft.com/office/drawing/2014/main" id="{55E11F08-6CA0-48F1-AD67-97430DDA07F0}"/>
+              </a:ext>
+            </a:extLst>
+          </p:cNvPr>
+          <p:cNvSpPr>
+            <a:spLocks noGrp="1"/>
+          </p:cNvSpPr>
+          <p:nvPr>
+            <p:ph type="title"/>
+          </p:nvPr>
+        </p:nvSpPr>
+        <p:spPr/>
+        <p:txBody>
+          <a:bodyPr/>
+          <a:lstStyle/>
+          <a:p>
+            <a:r>
+              <a:rPr lang="en-US" b="1" dirty="0">
+                <a:solidFill>
+                  <a:srgbClr val="292D33"/>
+                </a:solidFill>
+                <a:latin typeface="Euclid Circular B" panose="020B0504000000000000" pitchFamily="34" charset="0"/>
+                <a:ea typeface="Euclid Circular B" panose="020B0504000000000000" pitchFamily="34" charset="0"/>
+              </a:rPr>
+              <a:t>Topic title</a:t>
+            </a:r>
+          </a:p>
+        </p:txBody>
+      </p:sp>
+      <p:sp>
+        <p:nvSpPr>
+          <p:cNvPr id="3" name="Content Placeholder 2">
+            <a:extLst>
+              <a:ext uri="{FF2B5EF4-FFF2-40B4-BE49-F238E27FC236}">
+                <a16:creationId xmlns:a16="http://schemas.microsoft.com/office/drawing/2014/main" id="{891C7693-D3DF-4635-96F4-97F3B4136FDF}"/>
+              </a:ext>
+            </a:extLst>
+          </p:cNvPr>
+          <p:cNvSpPr>
+            <a:spLocks noGrp="1"/>
+          </p:cNvSpPr>
+          <p:nvPr>
+            <p:ph idx="1"/>
+          </p:nvPr>
+        </p:nvSpPr>
+        <p:spPr/>
+        <p:txBody>
+          <a:bodyPr/>
+          <a:lstStyle/>
+          <a:p>
+            <a:r>
+              <a:rPr lang="en-US" dirty="0">
+                <a:latin typeface="Euclid Circular B" panose="020B0504000000000000" pitchFamily="34" charset="0"/>
+                <a:ea typeface="Euclid Circular B" panose="020B0504000000000000" pitchFamily="34" charset="0"/>
+              </a:rPr>
+              <a:t>Content</a:t>
+            </a:r>
+          </a:p>
+        </p:txBody>
+      </p:sp>
+    </p:spTree>
+    <p:extLst>
+      <p:ext uri="{BB962C8B-B14F-4D97-AF65-F5344CB8AC3E}">
         <p14:creationId xmlns:p14="http://schemas.microsoft.com/office/powerpoint/2010/main" val="2191652206"/>
       </p:ext>
     </p:extLst>
@@ -7821,7 +10064,7 @@
 </p:sld>
 </file>
 
-<file path=ppt/slides/slide16.xml><?xml version="1.0" encoding="utf-8"?>
+<file path=ppt/slides/slide17.xml><?xml version="1.0" encoding="utf-8"?>
 <p:sld xmlns:a="http://schemas.openxmlformats.org/drawingml/2006/main" xmlns:r="http://schemas.openxmlformats.org/officeDocument/2006/relationships" xmlns:p="http://schemas.openxmlformats.org/presentationml/2006/main">
   <p:cSld>
     <p:bg>
@@ -8702,115 +10945,6 @@
 </p:sld>
 </file>
 
-<file path=ppt/slides/slide17.xml><?xml version="1.0" encoding="utf-8"?>
-<p:sld xmlns:a="http://schemas.openxmlformats.org/drawingml/2006/main" xmlns:r="http://schemas.openxmlformats.org/officeDocument/2006/relationships" xmlns:p="http://schemas.openxmlformats.org/presentationml/2006/main">
-  <p:cSld>
-    <p:bg>
-      <p:bgPr>
-        <a:blipFill dpi="0" rotWithShape="1">
-          <a:blip r:embed="rId2">
-            <a:lum/>
-          </a:blip>
-          <a:srcRect/>
-          <a:stretch>
-            <a:fillRect/>
-          </a:stretch>
-        </a:blipFill>
-        <a:effectLst/>
-      </p:bgPr>
-    </p:bg>
-    <p:spTree>
-      <p:nvGrpSpPr>
-        <p:cNvPr id="1" name=""/>
-        <p:cNvGrpSpPr/>
-        <p:nvPr/>
-      </p:nvGrpSpPr>
-      <p:grpSpPr>
-        <a:xfrm>
-          <a:off x="0" y="0"/>
-          <a:ext cx="0" cy="0"/>
-          <a:chOff x="0" y="0"/>
-          <a:chExt cx="0" cy="0"/>
-        </a:xfrm>
-      </p:grpSpPr>
-      <p:sp>
-        <p:nvSpPr>
-          <p:cNvPr id="2" name="Title 1">
-            <a:extLst>
-              <a:ext uri="{FF2B5EF4-FFF2-40B4-BE49-F238E27FC236}">
-                <a16:creationId xmlns:a16="http://schemas.microsoft.com/office/drawing/2014/main" id="{55E11F08-6CA0-48F1-AD67-97430DDA07F0}"/>
-              </a:ext>
-            </a:extLst>
-          </p:cNvPr>
-          <p:cNvSpPr>
-            <a:spLocks noGrp="1"/>
-          </p:cNvSpPr>
-          <p:nvPr>
-            <p:ph type="title"/>
-          </p:nvPr>
-        </p:nvSpPr>
-        <p:spPr/>
-        <p:txBody>
-          <a:bodyPr/>
-          <a:lstStyle/>
-          <a:p>
-            <a:r>
-              <a:rPr lang="en-US" b="1" dirty="0">
-                <a:solidFill>
-                  <a:srgbClr val="292D33"/>
-                </a:solidFill>
-                <a:latin typeface="Euclid Circular B" panose="020B0504000000000000" pitchFamily="34" charset="0"/>
-                <a:ea typeface="Euclid Circular B" panose="020B0504000000000000" pitchFamily="34" charset="0"/>
-              </a:rPr>
-              <a:t>Topic title</a:t>
-            </a:r>
-          </a:p>
-        </p:txBody>
-      </p:sp>
-      <p:sp>
-        <p:nvSpPr>
-          <p:cNvPr id="3" name="Content Placeholder 2">
-            <a:extLst>
-              <a:ext uri="{FF2B5EF4-FFF2-40B4-BE49-F238E27FC236}">
-                <a16:creationId xmlns:a16="http://schemas.microsoft.com/office/drawing/2014/main" id="{891C7693-D3DF-4635-96F4-97F3B4136FDF}"/>
-              </a:ext>
-            </a:extLst>
-          </p:cNvPr>
-          <p:cNvSpPr>
-            <a:spLocks noGrp="1"/>
-          </p:cNvSpPr>
-          <p:nvPr>
-            <p:ph idx="1"/>
-          </p:nvPr>
-        </p:nvSpPr>
-        <p:spPr/>
-        <p:txBody>
-          <a:bodyPr/>
-          <a:lstStyle/>
-          <a:p>
-            <a:r>
-              <a:rPr lang="en-US" dirty="0">
-                <a:latin typeface="Euclid Circular B" panose="020B0504000000000000" pitchFamily="34" charset="0"/>
-                <a:ea typeface="Euclid Circular B" panose="020B0504000000000000" pitchFamily="34" charset="0"/>
-              </a:rPr>
-              <a:t>Content</a:t>
-            </a:r>
-          </a:p>
-        </p:txBody>
-      </p:sp>
-    </p:spTree>
-    <p:extLst>
-      <p:ext uri="{BB962C8B-B14F-4D97-AF65-F5344CB8AC3E}">
-        <p14:creationId xmlns:p14="http://schemas.microsoft.com/office/powerpoint/2010/main" val="142816348"/>
-      </p:ext>
-    </p:extLst>
-  </p:cSld>
-  <p:clrMapOvr>
-    <a:masterClrMapping/>
-  </p:clrMapOvr>
-</p:sld>
-</file>
-
 <file path=ppt/slides/slide18.xml><?xml version="1.0" encoding="utf-8"?>
 <p:sld xmlns:a="http://schemas.openxmlformats.org/drawingml/2006/main" xmlns:r="http://schemas.openxmlformats.org/officeDocument/2006/relationships" xmlns:p="http://schemas.openxmlformats.org/presentationml/2006/main">
   <p:cSld>
@@ -8910,7 +11044,7 @@
     </p:spTree>
     <p:extLst>
       <p:ext uri="{BB962C8B-B14F-4D97-AF65-F5344CB8AC3E}">
-        <p14:creationId xmlns:p14="http://schemas.microsoft.com/office/powerpoint/2010/main" val="2729794055"/>
+        <p14:creationId xmlns:p14="http://schemas.microsoft.com/office/powerpoint/2010/main" val="142816348"/>
       </p:ext>
     </p:extLst>
   </p:cSld>
@@ -9019,7 +11153,7 @@
     </p:spTree>
     <p:extLst>
       <p:ext uri="{BB962C8B-B14F-4D97-AF65-F5344CB8AC3E}">
-        <p14:creationId xmlns:p14="http://schemas.microsoft.com/office/powerpoint/2010/main" val="2947418974"/>
+        <p14:creationId xmlns:p14="http://schemas.microsoft.com/office/powerpoint/2010/main" val="2729794055"/>
       </p:ext>
     </p:extLst>
   </p:cSld>
@@ -9289,7 +11423,7 @@
     </p:spTree>
     <p:extLst>
       <p:ext uri="{BB962C8B-B14F-4D97-AF65-F5344CB8AC3E}">
-        <p14:creationId xmlns:p14="http://schemas.microsoft.com/office/powerpoint/2010/main" val="2716205615"/>
+        <p14:creationId xmlns:p14="http://schemas.microsoft.com/office/powerpoint/2010/main" val="2947418974"/>
       </p:ext>
     </p:extLst>
   </p:cSld>
@@ -9398,7 +11532,7 @@
     </p:spTree>
     <p:extLst>
       <p:ext uri="{BB962C8B-B14F-4D97-AF65-F5344CB8AC3E}">
-        <p14:creationId xmlns:p14="http://schemas.microsoft.com/office/powerpoint/2010/main" val="3722975297"/>
+        <p14:creationId xmlns:p14="http://schemas.microsoft.com/office/powerpoint/2010/main" val="2716205615"/>
       </p:ext>
     </p:extLst>
   </p:cSld>
@@ -9507,7 +11641,7 @@
     </p:spTree>
     <p:extLst>
       <p:ext uri="{BB962C8B-B14F-4D97-AF65-F5344CB8AC3E}">
-        <p14:creationId xmlns:p14="http://schemas.microsoft.com/office/powerpoint/2010/main" val="2361699085"/>
+        <p14:creationId xmlns:p14="http://schemas.microsoft.com/office/powerpoint/2010/main" val="3722975297"/>
       </p:ext>
     </p:extLst>
   </p:cSld>
@@ -9616,7 +11750,7 @@
     </p:spTree>
     <p:extLst>
       <p:ext uri="{BB962C8B-B14F-4D97-AF65-F5344CB8AC3E}">
-        <p14:creationId xmlns:p14="http://schemas.microsoft.com/office/powerpoint/2010/main" val="3701367057"/>
+        <p14:creationId xmlns:p14="http://schemas.microsoft.com/office/powerpoint/2010/main" val="2361699085"/>
       </p:ext>
     </p:extLst>
   </p:cSld>
@@ -9725,7 +11859,7 @@
     </p:spTree>
     <p:extLst>
       <p:ext uri="{BB962C8B-B14F-4D97-AF65-F5344CB8AC3E}">
-        <p14:creationId xmlns:p14="http://schemas.microsoft.com/office/powerpoint/2010/main" val="2483217375"/>
+        <p14:creationId xmlns:p14="http://schemas.microsoft.com/office/powerpoint/2010/main" val="3701367057"/>
       </p:ext>
     </p:extLst>
   </p:cSld>
@@ -9834,7 +11968,7 @@
     </p:spTree>
     <p:extLst>
       <p:ext uri="{BB962C8B-B14F-4D97-AF65-F5344CB8AC3E}">
-        <p14:creationId xmlns:p14="http://schemas.microsoft.com/office/powerpoint/2010/main" val="759667148"/>
+        <p14:creationId xmlns:p14="http://schemas.microsoft.com/office/powerpoint/2010/main" val="2483217375"/>
       </p:ext>
     </p:extLst>
   </p:cSld>
@@ -9943,7 +12077,7 @@
     </p:spTree>
     <p:extLst>
       <p:ext uri="{BB962C8B-B14F-4D97-AF65-F5344CB8AC3E}">
-        <p14:creationId xmlns:p14="http://schemas.microsoft.com/office/powerpoint/2010/main" val="3118168783"/>
+        <p14:creationId xmlns:p14="http://schemas.microsoft.com/office/powerpoint/2010/main" val="759667148"/>
       </p:ext>
     </p:extLst>
   </p:cSld>
@@ -10052,6 +12186,115 @@
     </p:spTree>
     <p:extLst>
       <p:ext uri="{BB962C8B-B14F-4D97-AF65-F5344CB8AC3E}">
+        <p14:creationId xmlns:p14="http://schemas.microsoft.com/office/powerpoint/2010/main" val="3118168783"/>
+      </p:ext>
+    </p:extLst>
+  </p:cSld>
+  <p:clrMapOvr>
+    <a:masterClrMapping/>
+  </p:clrMapOvr>
+</p:sld>
+</file>
+
+<file path=ppt/slides/slide28.xml><?xml version="1.0" encoding="utf-8"?>
+<p:sld xmlns:a="http://schemas.openxmlformats.org/drawingml/2006/main" xmlns:r="http://schemas.openxmlformats.org/officeDocument/2006/relationships" xmlns:p="http://schemas.openxmlformats.org/presentationml/2006/main">
+  <p:cSld>
+    <p:bg>
+      <p:bgPr>
+        <a:blipFill dpi="0" rotWithShape="1">
+          <a:blip r:embed="rId2">
+            <a:lum/>
+          </a:blip>
+          <a:srcRect/>
+          <a:stretch>
+            <a:fillRect/>
+          </a:stretch>
+        </a:blipFill>
+        <a:effectLst/>
+      </p:bgPr>
+    </p:bg>
+    <p:spTree>
+      <p:nvGrpSpPr>
+        <p:cNvPr id="1" name=""/>
+        <p:cNvGrpSpPr/>
+        <p:nvPr/>
+      </p:nvGrpSpPr>
+      <p:grpSpPr>
+        <a:xfrm>
+          <a:off x="0" y="0"/>
+          <a:ext cx="0" cy="0"/>
+          <a:chOff x="0" y="0"/>
+          <a:chExt cx="0" cy="0"/>
+        </a:xfrm>
+      </p:grpSpPr>
+      <p:sp>
+        <p:nvSpPr>
+          <p:cNvPr id="2" name="Title 1">
+            <a:extLst>
+              <a:ext uri="{FF2B5EF4-FFF2-40B4-BE49-F238E27FC236}">
+                <a16:creationId xmlns:a16="http://schemas.microsoft.com/office/drawing/2014/main" id="{55E11F08-6CA0-48F1-AD67-97430DDA07F0}"/>
+              </a:ext>
+            </a:extLst>
+          </p:cNvPr>
+          <p:cNvSpPr>
+            <a:spLocks noGrp="1"/>
+          </p:cNvSpPr>
+          <p:nvPr>
+            <p:ph type="title"/>
+          </p:nvPr>
+        </p:nvSpPr>
+        <p:spPr/>
+        <p:txBody>
+          <a:bodyPr/>
+          <a:lstStyle/>
+          <a:p>
+            <a:r>
+              <a:rPr lang="en-US" b="1" dirty="0">
+                <a:solidFill>
+                  <a:srgbClr val="292D33"/>
+                </a:solidFill>
+                <a:latin typeface="Euclid Circular B" panose="020B0504000000000000" pitchFamily="34" charset="0"/>
+                <a:ea typeface="Euclid Circular B" panose="020B0504000000000000" pitchFamily="34" charset="0"/>
+              </a:rPr>
+              <a:t>Topic title</a:t>
+            </a:r>
+          </a:p>
+        </p:txBody>
+      </p:sp>
+      <p:sp>
+        <p:nvSpPr>
+          <p:cNvPr id="3" name="Content Placeholder 2">
+            <a:extLst>
+              <a:ext uri="{FF2B5EF4-FFF2-40B4-BE49-F238E27FC236}">
+                <a16:creationId xmlns:a16="http://schemas.microsoft.com/office/drawing/2014/main" id="{891C7693-D3DF-4635-96F4-97F3B4136FDF}"/>
+              </a:ext>
+            </a:extLst>
+          </p:cNvPr>
+          <p:cNvSpPr>
+            <a:spLocks noGrp="1"/>
+          </p:cNvSpPr>
+          <p:nvPr>
+            <p:ph idx="1"/>
+          </p:nvPr>
+        </p:nvSpPr>
+        <p:spPr/>
+        <p:txBody>
+          <a:bodyPr/>
+          <a:lstStyle/>
+          <a:p>
+            <a:r>
+              <a:rPr lang="en-US" dirty="0">
+                <a:latin typeface="Euclid Circular B" panose="020B0504000000000000" pitchFamily="34" charset="0"/>
+                <a:ea typeface="Euclid Circular B" panose="020B0504000000000000" pitchFamily="34" charset="0"/>
+              </a:rPr>
+              <a:t>Content</a:t>
+            </a:r>
+          </a:p>
+        </p:txBody>
+      </p:sp>
+    </p:spTree>
+    <p:extLst>
+      <p:ext uri="{BB962C8B-B14F-4D97-AF65-F5344CB8AC3E}">
         <p14:creationId xmlns:p14="http://schemas.microsoft.com/office/powerpoint/2010/main" val="1785876477"/>
       </p:ext>
     </p:extLst>
@@ -10062,7 +12305,7 @@
 </p:sld>
 </file>
 
-<file path=ppt/slides/slide28.xml><?xml version="1.0" encoding="utf-8"?>
+<file path=ppt/slides/slide29.xml><?xml version="1.0" encoding="utf-8"?>
 <p:sld xmlns:a="http://schemas.openxmlformats.org/drawingml/2006/main" xmlns:r="http://schemas.openxmlformats.org/officeDocument/2006/relationships" xmlns:p="http://schemas.openxmlformats.org/presentationml/2006/main">
   <p:cSld>
     <p:bg>

--- a/2022-10-15 Authorization-In-Distributed-Systems/Authorization-In-Distributed-Systems.pptx
+++ b/2022-10-15 Authorization-In-Distributed-Systems/Authorization-In-Distributed-Systems.pptx
@@ -18,14 +18,14 @@
     <p:sldId id="277" r:id="rId12"/>
     <p:sldId id="293" r:id="rId13"/>
     <p:sldId id="294" r:id="rId14"/>
-    <p:sldId id="290" r:id="rId15"/>
-    <p:sldId id="291" r:id="rId16"/>
-    <p:sldId id="292" r:id="rId17"/>
-    <p:sldId id="275" r:id="rId18"/>
-    <p:sldId id="278" r:id="rId19"/>
-    <p:sldId id="279" r:id="rId20"/>
-    <p:sldId id="280" r:id="rId21"/>
-    <p:sldId id="281" r:id="rId22"/>
+    <p:sldId id="291" r:id="rId15"/>
+    <p:sldId id="295" r:id="rId16"/>
+    <p:sldId id="278" r:id="rId17"/>
+    <p:sldId id="292" r:id="rId18"/>
+    <p:sldId id="279" r:id="rId19"/>
+    <p:sldId id="280" r:id="rId20"/>
+    <p:sldId id="281" r:id="rId21"/>
+    <p:sldId id="275" r:id="rId22"/>
     <p:sldId id="282" r:id="rId23"/>
     <p:sldId id="283" r:id="rId24"/>
     <p:sldId id="284" r:id="rId25"/>
@@ -9797,7 +9797,26 @@
                 <a:latin typeface="Euclid Circular B" panose="020B0504000000000000" pitchFamily="34" charset="0"/>
                 <a:ea typeface="Euclid Circular B" panose="020B0504000000000000" pitchFamily="34" charset="0"/>
               </a:rPr>
-              <a:t>Topic title</a:t>
+              <a:t>User Interface</a:t>
+            </a:r>
+            <a:br>
+              <a:rPr lang="en-US" b="1" dirty="0">
+                <a:solidFill>
+                  <a:srgbClr val="292D33"/>
+                </a:solidFill>
+                <a:latin typeface="Euclid Circular B" panose="020B0504000000000000" pitchFamily="34" charset="0"/>
+                <a:ea typeface="Euclid Circular B" panose="020B0504000000000000" pitchFamily="34" charset="0"/>
+              </a:rPr>
+            </a:br>
+            <a:r>
+              <a:rPr lang="en-US" sz="3200" b="1" dirty="0">
+                <a:solidFill>
+                  <a:srgbClr val="292D33"/>
+                </a:solidFill>
+                <a:latin typeface="Euclid Circular B" panose="020B0504000000000000" pitchFamily="34" charset="0"/>
+                <a:ea typeface="Euclid Circular B" panose="020B0504000000000000" pitchFamily="34" charset="0"/>
+              </a:rPr>
+              <a:t>Check All Permissions</a:t>
             </a:r>
           </a:p>
         </p:txBody>
@@ -9818,7 +9837,12 @@
             <p:ph idx="1"/>
           </p:nvPr>
         </p:nvSpPr>
-        <p:spPr/>
+        <p:spPr>
+          <a:xfrm>
+            <a:off x="838200" y="1825625"/>
+            <a:ext cx="5257800" cy="4351338"/>
+          </a:xfrm>
+        </p:spPr>
         <p:txBody>
           <a:bodyPr/>
           <a:lstStyle/>
@@ -9828,15 +9852,175 @@
                 <a:latin typeface="Euclid Circular B" panose="020B0504000000000000" pitchFamily="34" charset="0"/>
                 <a:ea typeface="Euclid Circular B" panose="020B0504000000000000" pitchFamily="34" charset="0"/>
               </a:rPr>
-              <a:t>Content</a:t>
+              <a:t>Get a list of </a:t>
+            </a:r>
+            <a:r>
+              <a:rPr lang="en-US" b="1" dirty="0">
+                <a:latin typeface="Euclid Circular B" panose="020B0504000000000000" pitchFamily="34" charset="0"/>
+                <a:ea typeface="Euclid Circular B" panose="020B0504000000000000" pitchFamily="34" charset="0"/>
+              </a:rPr>
+              <a:t>all granted permissions</a:t>
+            </a:r>
+            <a:r>
+              <a:rPr lang="en-US" dirty="0">
+                <a:latin typeface="Euclid Circular B" panose="020B0504000000000000" pitchFamily="34" charset="0"/>
+                <a:ea typeface="Euclid Circular B" panose="020B0504000000000000" pitchFamily="34" charset="0"/>
+              </a:rPr>
+              <a:t> of the </a:t>
+            </a:r>
+            <a:r>
+              <a:rPr lang="en-US" b="1" dirty="0">
+                <a:latin typeface="Euclid Circular B" panose="020B0504000000000000" pitchFamily="34" charset="0"/>
+                <a:ea typeface="Euclid Circular B" panose="020B0504000000000000" pitchFamily="34" charset="0"/>
+              </a:rPr>
+              <a:t>current user</a:t>
+            </a:r>
+            <a:r>
+              <a:rPr lang="en-US" dirty="0">
+                <a:latin typeface="Euclid Circular B" panose="020B0504000000000000" pitchFamily="34" charset="0"/>
+                <a:ea typeface="Euclid Circular B" panose="020B0504000000000000" pitchFamily="34" charset="0"/>
+              </a:rPr>
+              <a:t>!</a:t>
+            </a:r>
+          </a:p>
+          <a:p>
+            <a:r>
+              <a:rPr lang="en-US" dirty="0">
+                <a:latin typeface="Euclid Circular B" panose="020B0504000000000000" pitchFamily="34" charset="0"/>
+                <a:ea typeface="Euclid Circular B" panose="020B0504000000000000" pitchFamily="34" charset="0"/>
+              </a:rPr>
+              <a:t>Why we need it?</a:t>
+            </a:r>
+          </a:p>
+          <a:p>
+            <a:pPr lvl="1"/>
+            <a:r>
+              <a:rPr lang="en-US" dirty="0">
+                <a:latin typeface="Euclid Circular B" panose="020B0504000000000000" pitchFamily="34" charset="0"/>
+                <a:ea typeface="Euclid Circular B" panose="020B0504000000000000" pitchFamily="34" charset="0"/>
+              </a:rPr>
+              <a:t>Show / hide </a:t>
+            </a:r>
+            <a:r>
+              <a:rPr lang="en-US" b="1" dirty="0">
+                <a:latin typeface="Euclid Circular B" panose="020B0504000000000000" pitchFamily="34" charset="0"/>
+                <a:ea typeface="Euclid Circular B" panose="020B0504000000000000" pitchFamily="34" charset="0"/>
+              </a:rPr>
+              <a:t>menu items</a:t>
+            </a:r>
+            <a:r>
+              <a:rPr lang="en-US" dirty="0">
+                <a:latin typeface="Euclid Circular B" panose="020B0504000000000000" pitchFamily="34" charset="0"/>
+                <a:ea typeface="Euclid Circular B" panose="020B0504000000000000" pitchFamily="34" charset="0"/>
+              </a:rPr>
+              <a:t>, headers, toolbars, etc.</a:t>
+            </a:r>
+          </a:p>
+          <a:p>
+            <a:pPr lvl="1"/>
+            <a:r>
+              <a:rPr lang="en-US" dirty="0">
+                <a:latin typeface="Euclid Circular B" panose="020B0504000000000000" pitchFamily="34" charset="0"/>
+                <a:ea typeface="Euclid Circular B" panose="020B0504000000000000" pitchFamily="34" charset="0"/>
+              </a:rPr>
+              <a:t>Show / hide </a:t>
+            </a:r>
+            <a:r>
+              <a:rPr lang="en-US" b="1" dirty="0">
+                <a:latin typeface="Euclid Circular B" panose="020B0504000000000000" pitchFamily="34" charset="0"/>
+                <a:ea typeface="Euclid Circular B" panose="020B0504000000000000" pitchFamily="34" charset="0"/>
+              </a:rPr>
+              <a:t>UI parts</a:t>
+            </a:r>
+            <a:r>
+              <a:rPr lang="en-US" dirty="0">
+                <a:latin typeface="Euclid Circular B" panose="020B0504000000000000" pitchFamily="34" charset="0"/>
+                <a:ea typeface="Euclid Circular B" panose="020B0504000000000000" pitchFamily="34" charset="0"/>
+              </a:rPr>
+              <a:t>, buttons, etc.</a:t>
+            </a:r>
+          </a:p>
+          <a:p>
+            <a:pPr lvl="1"/>
+            <a:r>
+              <a:rPr lang="en-US" dirty="0">
+                <a:latin typeface="Euclid Circular B" panose="020B0504000000000000" pitchFamily="34" charset="0"/>
+                <a:ea typeface="Euclid Circular B" panose="020B0504000000000000" pitchFamily="34" charset="0"/>
+              </a:rPr>
+              <a:t>To </a:t>
+            </a:r>
+            <a:r>
+              <a:rPr lang="en-US" b="1" dirty="0">
+                <a:latin typeface="Euclid Circular B" panose="020B0504000000000000" pitchFamily="34" charset="0"/>
+                <a:ea typeface="Euclid Circular B" panose="020B0504000000000000" pitchFamily="34" charset="0"/>
+              </a:rPr>
+              <a:t>check the permissions </a:t>
+            </a:r>
+            <a:r>
+              <a:rPr lang="en-US" dirty="0">
+                <a:latin typeface="Euclid Circular B" panose="020B0504000000000000" pitchFamily="34" charset="0"/>
+                <a:ea typeface="Euclid Circular B" panose="020B0504000000000000" pitchFamily="34" charset="0"/>
+              </a:rPr>
+              <a:t>on the </a:t>
+            </a:r>
+            <a:r>
+              <a:rPr lang="en-US" b="1" dirty="0">
+                <a:latin typeface="Euclid Circular B" panose="020B0504000000000000" pitchFamily="34" charset="0"/>
+                <a:ea typeface="Euclid Circular B" panose="020B0504000000000000" pitchFamily="34" charset="0"/>
+              </a:rPr>
+              <a:t>client-side</a:t>
+            </a:r>
+            <a:r>
+              <a:rPr lang="en-US" dirty="0">
+                <a:latin typeface="Euclid Circular B" panose="020B0504000000000000" pitchFamily="34" charset="0"/>
+                <a:ea typeface="Euclid Circular B" panose="020B0504000000000000" pitchFamily="34" charset="0"/>
+              </a:rPr>
+              <a:t> for a SPA</a:t>
             </a:r>
           </a:p>
         </p:txBody>
       </p:sp>
+      <p:pic>
+        <p:nvPicPr>
+          <p:cNvPr id="9" name="Picture 8">
+            <a:extLst>
+              <a:ext uri="{FF2B5EF4-FFF2-40B4-BE49-F238E27FC236}">
+                <a16:creationId xmlns:a16="http://schemas.microsoft.com/office/drawing/2014/main" id="{05B6BAD5-352C-715C-4716-27BC76CD2504}"/>
+              </a:ext>
+            </a:extLst>
+          </p:cNvPr>
+          <p:cNvPicPr>
+            <a:picLocks noChangeAspect="1"/>
+          </p:cNvPicPr>
+          <p:nvPr/>
+        </p:nvPicPr>
+        <p:blipFill>
+          <a:blip r:embed="rId3"/>
+          <a:stretch>
+            <a:fillRect/>
+          </a:stretch>
+        </p:blipFill>
+        <p:spPr>
+          <a:xfrm>
+            <a:off x="6371819" y="1690688"/>
+            <a:ext cx="5611331" cy="4924467"/>
+          </a:xfrm>
+          <a:prstGeom prst="rect">
+            <a:avLst/>
+          </a:prstGeom>
+          <a:effectLst>
+            <a:outerShdw blurRad="50800" dist="38100" dir="2700000" algn="tl" rotWithShape="0">
+              <a:prstClr val="black">
+                <a:alpha val="40000"/>
+              </a:prstClr>
+            </a:outerShdw>
+          </a:effectLst>
+        </p:spPr>
+      </p:pic>
     </p:spTree>
     <p:extLst>
       <p:ext uri="{BB962C8B-B14F-4D97-AF65-F5344CB8AC3E}">
-        <p14:creationId xmlns:p14="http://schemas.microsoft.com/office/powerpoint/2010/main" val="553463565"/>
+        <p14:creationId xmlns:p14="http://schemas.microsoft.com/office/powerpoint/2010/main" val="3507535533"/>
       </p:ext>
     </p:extLst>
   </p:cSld>
@@ -9906,7 +10090,26 @@
                 <a:latin typeface="Euclid Circular B" panose="020B0504000000000000" pitchFamily="34" charset="0"/>
                 <a:ea typeface="Euclid Circular B" panose="020B0504000000000000" pitchFamily="34" charset="0"/>
               </a:rPr>
-              <a:t>Topic title</a:t>
+              <a:t>Administration</a:t>
+            </a:r>
+            <a:br>
+              <a:rPr lang="en-US" b="1" dirty="0">
+                <a:solidFill>
+                  <a:srgbClr val="292D33"/>
+                </a:solidFill>
+                <a:latin typeface="Euclid Circular B" panose="020B0504000000000000" pitchFamily="34" charset="0"/>
+                <a:ea typeface="Euclid Circular B" panose="020B0504000000000000" pitchFamily="34" charset="0"/>
+              </a:rPr>
+            </a:br>
+            <a:r>
+              <a:rPr lang="en-US" sz="3200" b="1" dirty="0">
+                <a:solidFill>
+                  <a:srgbClr val="292D33"/>
+                </a:solidFill>
+                <a:latin typeface="Euclid Circular B" panose="020B0504000000000000" pitchFamily="34" charset="0"/>
+                <a:ea typeface="Euclid Circular B" panose="020B0504000000000000" pitchFamily="34" charset="0"/>
+              </a:rPr>
+              <a:t>Manage All Permissions</a:t>
             </a:r>
           </a:p>
         </p:txBody>
@@ -9927,7 +10130,12 @@
             <p:ph idx="1"/>
           </p:nvPr>
         </p:nvSpPr>
-        <p:spPr/>
+        <p:spPr>
+          <a:xfrm>
+            <a:off x="838200" y="1825625"/>
+            <a:ext cx="5257800" cy="4351338"/>
+          </a:xfrm>
+        </p:spPr>
         <p:txBody>
           <a:bodyPr/>
           <a:lstStyle/>
@@ -9937,15 +10145,113 @@
                 <a:latin typeface="Euclid Circular B" panose="020B0504000000000000" pitchFamily="34" charset="0"/>
                 <a:ea typeface="Euclid Circular B" panose="020B0504000000000000" pitchFamily="34" charset="0"/>
               </a:rPr>
-              <a:t>Content</a:t>
+              <a:t>Show and manage </a:t>
+            </a:r>
+            <a:r>
+              <a:rPr lang="en-US" b="1" dirty="0">
+                <a:latin typeface="Euclid Circular B" panose="020B0504000000000000" pitchFamily="34" charset="0"/>
+                <a:ea typeface="Euclid Circular B" panose="020B0504000000000000" pitchFamily="34" charset="0"/>
+              </a:rPr>
+              <a:t>all the permissions </a:t>
+            </a:r>
+            <a:r>
+              <a:rPr lang="en-US" dirty="0">
+                <a:latin typeface="Euclid Circular B" panose="020B0504000000000000" pitchFamily="34" charset="0"/>
+                <a:ea typeface="Euclid Circular B" panose="020B0504000000000000" pitchFamily="34" charset="0"/>
+              </a:rPr>
+              <a:t>for a role or user.</a:t>
+            </a:r>
+          </a:p>
+          <a:p>
+            <a:r>
+              <a:rPr lang="en-US" dirty="0">
+                <a:latin typeface="Euclid Circular B" panose="020B0504000000000000" pitchFamily="34" charset="0"/>
+                <a:ea typeface="Euclid Circular B" panose="020B0504000000000000" pitchFamily="34" charset="0"/>
+              </a:rPr>
+              <a:t>Why we need it?</a:t>
+            </a:r>
+          </a:p>
+          <a:p>
+            <a:pPr lvl="1"/>
+            <a:r>
+              <a:rPr lang="en-US" dirty="0">
+                <a:latin typeface="Euclid Circular B" panose="020B0504000000000000" pitchFamily="34" charset="0"/>
+                <a:ea typeface="Euclid Circular B" panose="020B0504000000000000" pitchFamily="34" charset="0"/>
+              </a:rPr>
+              <a:t>To </a:t>
+            </a:r>
+            <a:r>
+              <a:rPr lang="en-US" b="1" dirty="0">
+                <a:latin typeface="Euclid Circular B" panose="020B0504000000000000" pitchFamily="34" charset="0"/>
+                <a:ea typeface="Euclid Circular B" panose="020B0504000000000000" pitchFamily="34" charset="0"/>
+              </a:rPr>
+              <a:t>manage permissions </a:t>
+            </a:r>
+            <a:r>
+              <a:rPr lang="en-US" dirty="0">
+                <a:latin typeface="Euclid Circular B" panose="020B0504000000000000" pitchFamily="34" charset="0"/>
+                <a:ea typeface="Euclid Circular B" panose="020B0504000000000000" pitchFamily="34" charset="0"/>
+              </a:rPr>
+              <a:t>in a </a:t>
+            </a:r>
+            <a:r>
+              <a:rPr lang="en-US" b="1" dirty="0">
+                <a:latin typeface="Euclid Circular B" panose="020B0504000000000000" pitchFamily="34" charset="0"/>
+                <a:ea typeface="Euclid Circular B" panose="020B0504000000000000" pitchFamily="34" charset="0"/>
+              </a:rPr>
+              <a:t>single place</a:t>
+            </a:r>
+            <a:r>
+              <a:rPr lang="en-US" dirty="0">
+                <a:latin typeface="Euclid Circular B" panose="020B0504000000000000" pitchFamily="34" charset="0"/>
+                <a:ea typeface="Euclid Circular B" panose="020B0504000000000000" pitchFamily="34" charset="0"/>
+              </a:rPr>
+              <a:t> in the application.</a:t>
             </a:r>
           </a:p>
         </p:txBody>
       </p:sp>
+      <p:pic>
+        <p:nvPicPr>
+          <p:cNvPr id="5" name="Picture 4">
+            <a:extLst>
+              <a:ext uri="{FF2B5EF4-FFF2-40B4-BE49-F238E27FC236}">
+                <a16:creationId xmlns:a16="http://schemas.microsoft.com/office/drawing/2014/main" id="{BA799219-AA1D-20A0-0E72-9FF66E3FD611}"/>
+              </a:ext>
+            </a:extLst>
+          </p:cNvPr>
+          <p:cNvPicPr>
+            <a:picLocks noChangeAspect="1"/>
+          </p:cNvPicPr>
+          <p:nvPr/>
+        </p:nvPicPr>
+        <p:blipFill>
+          <a:blip r:embed="rId3"/>
+          <a:stretch>
+            <a:fillRect/>
+          </a:stretch>
+        </p:blipFill>
+        <p:spPr>
+          <a:xfrm>
+            <a:off x="6519818" y="1709542"/>
+            <a:ext cx="5459535" cy="4908895"/>
+          </a:xfrm>
+          <a:prstGeom prst="rect">
+            <a:avLst/>
+          </a:prstGeom>
+          <a:effectLst>
+            <a:outerShdw blurRad="50800" dist="38100" dir="2700000" algn="tl" rotWithShape="0">
+              <a:prstClr val="black">
+                <a:alpha val="40000"/>
+              </a:prstClr>
+            </a:outerShdw>
+          </a:effectLst>
+        </p:spPr>
+      </p:pic>
     </p:spTree>
     <p:extLst>
       <p:ext uri="{BB962C8B-B14F-4D97-AF65-F5344CB8AC3E}">
-        <p14:creationId xmlns:p14="http://schemas.microsoft.com/office/powerpoint/2010/main" val="3507535533"/>
+        <p14:creationId xmlns:p14="http://schemas.microsoft.com/office/powerpoint/2010/main" val="387418394"/>
       </p:ext>
     </p:extLst>
   </p:cSld>
@@ -10015,7 +10321,7 @@
                 <a:latin typeface="Euclid Circular B" panose="020B0504000000000000" pitchFamily="34" charset="0"/>
                 <a:ea typeface="Euclid Circular B" panose="020B0504000000000000" pitchFamily="34" charset="0"/>
               </a:rPr>
-              <a:t>Topic title</a:t>
+              <a:t>Storing Permission Data</a:t>
             </a:r>
           </a:p>
         </p:txBody>
@@ -10046,7 +10352,91 @@
                 <a:latin typeface="Euclid Circular B" panose="020B0504000000000000" pitchFamily="34" charset="0"/>
                 <a:ea typeface="Euclid Circular B" panose="020B0504000000000000" pitchFamily="34" charset="0"/>
               </a:rPr>
-              <a:t>Content</a:t>
+              <a:t>Every microservice have their </a:t>
+            </a:r>
+            <a:r>
+              <a:rPr lang="en-US" b="1" dirty="0">
+                <a:latin typeface="Euclid Circular B" panose="020B0504000000000000" pitchFamily="34" charset="0"/>
+                <a:ea typeface="Euclid Circular B" panose="020B0504000000000000" pitchFamily="34" charset="0"/>
+              </a:rPr>
+              <a:t>own permission tables </a:t>
+            </a:r>
+            <a:r>
+              <a:rPr lang="en-US" dirty="0">
+                <a:latin typeface="Euclid Circular B" panose="020B0504000000000000" pitchFamily="34" charset="0"/>
+                <a:ea typeface="Euclid Circular B" panose="020B0504000000000000" pitchFamily="34" charset="0"/>
+              </a:rPr>
+              <a:t>in their own databases?</a:t>
+            </a:r>
+          </a:p>
+          <a:p>
+            <a:pPr lvl="1"/>
+            <a:r>
+              <a:rPr lang="en-US" dirty="0">
+                <a:latin typeface="Euclid Circular B" panose="020B0504000000000000" pitchFamily="34" charset="0"/>
+                <a:ea typeface="Euclid Circular B" panose="020B0504000000000000" pitchFamily="34" charset="0"/>
+              </a:rPr>
+              <a:t>Hard to manage (load and save) permissions.</a:t>
+            </a:r>
+          </a:p>
+          <a:p>
+            <a:pPr lvl="1"/>
+            <a:r>
+              <a:rPr lang="en-US" dirty="0">
+                <a:latin typeface="Euclid Circular B" panose="020B0504000000000000" pitchFamily="34" charset="0"/>
+                <a:ea typeface="Euclid Circular B" panose="020B0504000000000000" pitchFamily="34" charset="0"/>
+              </a:rPr>
+              <a:t>Hard to get all permissions</a:t>
+            </a:r>
+          </a:p>
+          <a:p>
+            <a:pPr lvl="1"/>
+            <a:r>
+              <a:rPr lang="en-US" dirty="0">
+                <a:latin typeface="Euclid Circular B" panose="020B0504000000000000" pitchFamily="34" charset="0"/>
+                <a:ea typeface="Euclid Circular B" panose="020B0504000000000000" pitchFamily="34" charset="0"/>
+              </a:rPr>
+              <a:t>Too much responsibility to the service.</a:t>
+            </a:r>
+          </a:p>
+          <a:p>
+            <a:pPr lvl="1"/>
+            <a:endParaRPr lang="en-US" dirty="0">
+              <a:latin typeface="Euclid Circular B" panose="020B0504000000000000" pitchFamily="34" charset="0"/>
+              <a:ea typeface="Euclid Circular B" panose="020B0504000000000000" pitchFamily="34" charset="0"/>
+            </a:endParaRPr>
+          </a:p>
+          <a:p>
+            <a:r>
+              <a:rPr lang="en-US" dirty="0">
+                <a:latin typeface="Euclid Circular B" panose="020B0504000000000000" pitchFamily="34" charset="0"/>
+                <a:ea typeface="Euclid Circular B" panose="020B0504000000000000" pitchFamily="34" charset="0"/>
+              </a:rPr>
+              <a:t>A </a:t>
+            </a:r>
+            <a:r>
+              <a:rPr lang="en-US" b="1" dirty="0">
+                <a:latin typeface="Euclid Circular B" panose="020B0504000000000000" pitchFamily="34" charset="0"/>
+                <a:ea typeface="Euclid Circular B" panose="020B0504000000000000" pitchFamily="34" charset="0"/>
+              </a:rPr>
+              <a:t>central permission database</a:t>
+            </a:r>
+            <a:r>
+              <a:rPr lang="en-US" dirty="0">
+                <a:latin typeface="Euclid Circular B" panose="020B0504000000000000" pitchFamily="34" charset="0"/>
+                <a:ea typeface="Euclid Circular B" panose="020B0504000000000000" pitchFamily="34" charset="0"/>
+              </a:rPr>
+              <a:t>?</a:t>
+            </a:r>
+          </a:p>
+          <a:p>
+            <a:pPr lvl="1"/>
+            <a:r>
+              <a:rPr lang="en-US" dirty="0">
+                <a:latin typeface="Euclid Circular B" panose="020B0504000000000000" pitchFamily="34" charset="0"/>
+                <a:ea typeface="Euclid Circular B" panose="020B0504000000000000" pitchFamily="34" charset="0"/>
+              </a:rPr>
+              <a:t>All services directly connects to that database over an authorization library.</a:t>
             </a:r>
           </a:p>
         </p:txBody>
@@ -10054,7 +10444,7 @@
     </p:spTree>
     <p:extLst>
       <p:ext uri="{BB962C8B-B14F-4D97-AF65-F5344CB8AC3E}">
-        <p14:creationId xmlns:p14="http://schemas.microsoft.com/office/powerpoint/2010/main" val="2191652206"/>
+        <p14:creationId xmlns:p14="http://schemas.microsoft.com/office/powerpoint/2010/main" val="142816348"/>
       </p:ext>
     </p:extLst>
   </p:cSld>
@@ -10124,818 +10514,187 @@
                 <a:latin typeface="Euclid Circular B" panose="020B0504000000000000" pitchFamily="34" charset="0"/>
                 <a:ea typeface="Euclid Circular B" panose="020B0504000000000000" pitchFamily="34" charset="0"/>
               </a:rPr>
-              <a:t>Topic title</a:t>
+              <a:t>Check/Manage All Permissions: How?</a:t>
             </a:r>
           </a:p>
         </p:txBody>
       </p:sp>
       <p:sp>
         <p:nvSpPr>
-          <p:cNvPr id="6" name="Rectangle 5">
-            <a:extLst>
-              <a:ext uri="{FF2B5EF4-FFF2-40B4-BE49-F238E27FC236}">
-                <a16:creationId xmlns:a16="http://schemas.microsoft.com/office/drawing/2014/main" id="{28D5B0C7-01CF-3252-5F00-731D97EA8873}"/>
-              </a:ext>
-            </a:extLst>
-          </p:cNvPr>
-          <p:cNvSpPr/>
-          <p:nvPr/>
+          <p:cNvPr id="3" name="Content Placeholder 2">
+            <a:extLst>
+              <a:ext uri="{FF2B5EF4-FFF2-40B4-BE49-F238E27FC236}">
+                <a16:creationId xmlns:a16="http://schemas.microsoft.com/office/drawing/2014/main" id="{891C7693-D3DF-4635-96F4-97F3B4136FDF}"/>
+              </a:ext>
+            </a:extLst>
+          </p:cNvPr>
+          <p:cNvSpPr>
+            <a:spLocks noGrp="1"/>
+          </p:cNvSpPr>
+          <p:nvPr>
+            <p:ph idx="1"/>
+          </p:nvPr>
         </p:nvSpPr>
-        <p:spPr>
-          <a:xfrm>
-            <a:off x="5614603" y="1788804"/>
-            <a:ext cx="3501118" cy="933242"/>
-          </a:xfrm>
-          <a:prstGeom prst="rect">
-            <a:avLst/>
-          </a:prstGeom>
-        </p:spPr>
-        <p:style>
-          <a:lnRef idx="2">
-            <a:schemeClr val="accent5">
-              <a:shade val="50000"/>
-            </a:schemeClr>
-          </a:lnRef>
-          <a:fillRef idx="1">
-            <a:schemeClr val="accent5"/>
-          </a:fillRef>
-          <a:effectRef idx="0">
-            <a:schemeClr val="accent5"/>
-          </a:effectRef>
-          <a:fontRef idx="minor">
-            <a:schemeClr val="lt1"/>
-          </a:fontRef>
-        </p:style>
+        <p:spPr/>
         <p:txBody>
-          <a:bodyPr rtlCol="0" anchor="ctr"/>
+          <a:bodyPr>
+            <a:normAutofit fontScale="92500" lnSpcReduction="20000"/>
+          </a:bodyPr>
           <a:lstStyle/>
           <a:p>
             <a:r>
-              <a:rPr lang="en-US" dirty="0"/>
-              <a:t>Microservice 1</a:t>
-            </a:r>
-            <a:br>
-              <a:rPr lang="en-US" dirty="0"/>
-            </a:br>
-            <a:endParaRPr lang="en-US" dirty="0"/>
-          </a:p>
-          <a:p>
-            <a:r>
-              <a:rPr lang="en-US" sz="1600" dirty="0">
-                <a:solidFill>
-                  <a:srgbClr val="FFFF00"/>
-                </a:solidFill>
-              </a:rPr>
-              <a:t>Permission A, B</a:t>
+              <a:rPr lang="en-US" dirty="0">
+                <a:latin typeface="Euclid Circular B" panose="020B0504000000000000" pitchFamily="34" charset="0"/>
+                <a:ea typeface="Euclid Circular B" panose="020B0504000000000000" pitchFamily="34" charset="0"/>
+              </a:rPr>
+              <a:t>Ask to all microservices </a:t>
+            </a:r>
+            <a:r>
+              <a:rPr lang="en-US" b="1" dirty="0">
+                <a:latin typeface="Euclid Circular B" panose="020B0504000000000000" pitchFamily="34" charset="0"/>
+                <a:ea typeface="Euclid Circular B" panose="020B0504000000000000" pitchFamily="34" charset="0"/>
+              </a:rPr>
+              <a:t>on demand</a:t>
+            </a:r>
+            <a:r>
+              <a:rPr lang="en-US" dirty="0">
+                <a:latin typeface="Euclid Circular B" panose="020B0504000000000000" pitchFamily="34" charset="0"/>
+                <a:ea typeface="Euclid Circular B" panose="020B0504000000000000" pitchFamily="34" charset="0"/>
+              </a:rPr>
+              <a:t>?</a:t>
+            </a:r>
+          </a:p>
+          <a:p>
+            <a:pPr lvl="1"/>
+            <a:r>
+              <a:rPr lang="en-US" b="1" dirty="0">
+                <a:latin typeface="Euclid Circular B" panose="020B0504000000000000" pitchFamily="34" charset="0"/>
+                <a:ea typeface="Euclid Circular B" panose="020B0504000000000000" pitchFamily="34" charset="0"/>
+              </a:rPr>
+              <a:t>Problems</a:t>
+            </a:r>
+            <a:r>
+              <a:rPr lang="en-US" dirty="0">
+                <a:latin typeface="Euclid Circular B" panose="020B0504000000000000" pitchFamily="34" charset="0"/>
+                <a:ea typeface="Euclid Circular B" panose="020B0504000000000000" pitchFamily="34" charset="0"/>
+              </a:rPr>
+              <a:t>: Service discovery, performance, too much load on the services, hard to manage (change) permissions</a:t>
+            </a:r>
+          </a:p>
+          <a:p>
+            <a:pPr lvl="1"/>
+            <a:endParaRPr lang="en-US" dirty="0">
+              <a:latin typeface="Euclid Circular B" panose="020B0504000000000000" pitchFamily="34" charset="0"/>
+              <a:ea typeface="Euclid Circular B" panose="020B0504000000000000" pitchFamily="34" charset="0"/>
+            </a:endParaRPr>
+          </a:p>
+          <a:p>
+            <a:r>
+              <a:rPr lang="en-US" dirty="0">
+                <a:latin typeface="Euclid Circular B" panose="020B0504000000000000" pitchFamily="34" charset="0"/>
+                <a:ea typeface="Euclid Circular B" panose="020B0504000000000000" pitchFamily="34" charset="0"/>
+              </a:rPr>
+              <a:t>Calculate all permissions in microservices and </a:t>
+            </a:r>
+            <a:r>
+              <a:rPr lang="en-US" b="1" dirty="0">
+                <a:latin typeface="Euclid Circular B" panose="020B0504000000000000" pitchFamily="34" charset="0"/>
+                <a:ea typeface="Euclid Circular B" panose="020B0504000000000000" pitchFamily="34" charset="0"/>
+              </a:rPr>
+              <a:t>pre-cache </a:t>
+            </a:r>
+            <a:r>
+              <a:rPr lang="en-US" dirty="0">
+                <a:latin typeface="Euclid Circular B" panose="020B0504000000000000" pitchFamily="34" charset="0"/>
+                <a:ea typeface="Euclid Circular B" panose="020B0504000000000000" pitchFamily="34" charset="0"/>
+              </a:rPr>
+              <a:t>in a central place?</a:t>
+            </a:r>
+          </a:p>
+          <a:p>
+            <a:pPr lvl="1"/>
+            <a:r>
+              <a:rPr lang="en-US" dirty="0">
+                <a:latin typeface="Euclid Circular B" panose="020B0504000000000000" pitchFamily="34" charset="0"/>
+                <a:ea typeface="Euclid Circular B" panose="020B0504000000000000" pitchFamily="34" charset="0"/>
+              </a:rPr>
+              <a:t>Very </a:t>
+            </a:r>
+            <a:r>
+              <a:rPr lang="en-US" b="1" dirty="0">
+                <a:latin typeface="Euclid Circular B" panose="020B0504000000000000" pitchFamily="34" charset="0"/>
+                <a:ea typeface="Euclid Circular B" panose="020B0504000000000000" pitchFamily="34" charset="0"/>
+              </a:rPr>
+              <a:t>hard to manage </a:t>
+            </a:r>
+            <a:r>
+              <a:rPr lang="en-US" dirty="0">
+                <a:latin typeface="Euclid Circular B" panose="020B0504000000000000" pitchFamily="34" charset="0"/>
+                <a:ea typeface="Euclid Circular B" panose="020B0504000000000000" pitchFamily="34" charset="0"/>
+              </a:rPr>
+              <a:t>and refresh such a cache (an arbitrary data change may affect many users’ permissions), the cache would be too big.</a:t>
+            </a:r>
+          </a:p>
+          <a:p>
+            <a:pPr lvl="1"/>
+            <a:endParaRPr lang="en-US" dirty="0">
+              <a:latin typeface="Euclid Circular B" panose="020B0504000000000000" pitchFamily="34" charset="0"/>
+              <a:ea typeface="Euclid Circular B" panose="020B0504000000000000" pitchFamily="34" charset="0"/>
+            </a:endParaRPr>
+          </a:p>
+          <a:p>
+            <a:r>
+              <a:rPr lang="en-US" dirty="0">
+                <a:latin typeface="Euclid Circular B" panose="020B0504000000000000" pitchFamily="34" charset="0"/>
+                <a:ea typeface="Euclid Circular B" panose="020B0504000000000000" pitchFamily="34" charset="0"/>
+              </a:rPr>
+              <a:t>Calculate permissions in a central place, in a </a:t>
+            </a:r>
+            <a:r>
+              <a:rPr lang="en-US" b="1" dirty="0">
+                <a:latin typeface="Euclid Circular B" panose="020B0504000000000000" pitchFamily="34" charset="0"/>
+                <a:ea typeface="Euclid Circular B" panose="020B0504000000000000" pitchFamily="34" charset="0"/>
+              </a:rPr>
+              <a:t>permission management service</a:t>
+            </a:r>
+            <a:r>
+              <a:rPr lang="en-US" dirty="0">
+                <a:latin typeface="Euclid Circular B" panose="020B0504000000000000" pitchFamily="34" charset="0"/>
+                <a:ea typeface="Euclid Circular B" panose="020B0504000000000000" pitchFamily="34" charset="0"/>
+              </a:rPr>
+              <a:t>?</a:t>
+            </a:r>
+          </a:p>
+          <a:p>
+            <a:pPr lvl="1"/>
+            <a:r>
+              <a:rPr lang="en-US" dirty="0">
+                <a:latin typeface="Euclid Circular B" panose="020B0504000000000000" pitchFamily="34" charset="0"/>
+                <a:ea typeface="Euclid Circular B" panose="020B0504000000000000" pitchFamily="34" charset="0"/>
+              </a:rPr>
+              <a:t>Ideal for </a:t>
+            </a:r>
+            <a:r>
+              <a:rPr lang="en-US" b="1" dirty="0">
+                <a:latin typeface="Euclid Circular B" panose="020B0504000000000000" pitchFamily="34" charset="0"/>
+                <a:ea typeface="Euclid Circular B" panose="020B0504000000000000" pitchFamily="34" charset="0"/>
+              </a:rPr>
+              <a:t>on/off style permissions </a:t>
+            </a:r>
+            <a:r>
+              <a:rPr lang="en-US" dirty="0">
+                <a:latin typeface="Euclid Circular B" panose="020B0504000000000000" pitchFamily="34" charset="0"/>
+                <a:ea typeface="Euclid Circular B" panose="020B0504000000000000" pitchFamily="34" charset="0"/>
+              </a:rPr>
+              <a:t>with minimal dependencies to microservice internals.</a:t>
             </a:r>
           </a:p>
         </p:txBody>
       </p:sp>
-      <p:sp>
-        <p:nvSpPr>
-          <p:cNvPr id="7" name="Rectangle 6">
-            <a:extLst>
-              <a:ext uri="{FF2B5EF4-FFF2-40B4-BE49-F238E27FC236}">
-                <a16:creationId xmlns:a16="http://schemas.microsoft.com/office/drawing/2014/main" id="{D2AF7747-5344-3F34-486C-7D8723F5C77B}"/>
-              </a:ext>
-            </a:extLst>
-          </p:cNvPr>
-          <p:cNvSpPr/>
-          <p:nvPr/>
-        </p:nvSpPr>
-        <p:spPr>
-          <a:xfrm>
-            <a:off x="5614602" y="3060495"/>
-            <a:ext cx="3501118" cy="933242"/>
-          </a:xfrm>
-          <a:prstGeom prst="rect">
-            <a:avLst/>
-          </a:prstGeom>
-        </p:spPr>
-        <p:style>
-          <a:lnRef idx="2">
-            <a:schemeClr val="accent5">
-              <a:shade val="50000"/>
-            </a:schemeClr>
-          </a:lnRef>
-          <a:fillRef idx="1">
-            <a:schemeClr val="accent5"/>
-          </a:fillRef>
-          <a:effectRef idx="0">
-            <a:schemeClr val="accent5"/>
-          </a:effectRef>
-          <a:fontRef idx="minor">
-            <a:schemeClr val="lt1"/>
-          </a:fontRef>
-        </p:style>
-        <p:txBody>
-          <a:bodyPr rtlCol="0" anchor="ctr"/>
-          <a:lstStyle/>
-          <a:p>
-            <a:r>
-              <a:rPr lang="en-US" dirty="0"/>
-              <a:t>Microservice 2</a:t>
-            </a:r>
-            <a:br>
-              <a:rPr lang="en-US" dirty="0"/>
-            </a:br>
-            <a:endParaRPr lang="en-US" dirty="0"/>
-          </a:p>
-          <a:p>
-            <a:r>
-              <a:rPr lang="en-US" sz="1600" dirty="0">
-                <a:solidFill>
-                  <a:srgbClr val="FFFF00"/>
-                </a:solidFill>
-              </a:rPr>
-              <a:t>Permission C, D, E</a:t>
-            </a:r>
-          </a:p>
-        </p:txBody>
-      </p:sp>
-      <p:sp>
-        <p:nvSpPr>
-          <p:cNvPr id="8" name="Oval 7">
-            <a:extLst>
-              <a:ext uri="{FF2B5EF4-FFF2-40B4-BE49-F238E27FC236}">
-                <a16:creationId xmlns:a16="http://schemas.microsoft.com/office/drawing/2014/main" id="{C66973AB-D3FB-7E81-F4A9-2AA6707C1F78}"/>
-              </a:ext>
-            </a:extLst>
-          </p:cNvPr>
-          <p:cNvSpPr/>
-          <p:nvPr/>
-        </p:nvSpPr>
-        <p:spPr>
-          <a:xfrm>
-            <a:off x="9477292" y="2773018"/>
-            <a:ext cx="1876508" cy="1510748"/>
-          </a:xfrm>
-          <a:prstGeom prst="ellipse">
-            <a:avLst/>
-          </a:prstGeom>
-        </p:spPr>
-        <p:style>
-          <a:lnRef idx="2">
-            <a:schemeClr val="accent6">
-              <a:shade val="50000"/>
-            </a:schemeClr>
-          </a:lnRef>
-          <a:fillRef idx="1">
-            <a:schemeClr val="accent6"/>
-          </a:fillRef>
-          <a:effectRef idx="0">
-            <a:schemeClr val="accent6"/>
-          </a:effectRef>
-          <a:fontRef idx="minor">
-            <a:schemeClr val="lt1"/>
-          </a:fontRef>
-        </p:style>
-        <p:txBody>
-          <a:bodyPr rtlCol="0" anchor="ctr"/>
-          <a:lstStyle/>
-          <a:p>
-            <a:pPr algn="ctr"/>
-            <a:r>
-              <a:rPr lang="en-US" sz="1600" dirty="0"/>
-              <a:t>Permission</a:t>
-            </a:r>
-            <a:br>
-              <a:rPr lang="en-US" sz="1600" dirty="0"/>
-            </a:br>
-            <a:r>
-              <a:rPr lang="en-US" sz="1600" dirty="0"/>
-              <a:t>Management</a:t>
-            </a:r>
-            <a:br>
-              <a:rPr lang="en-US" sz="1600" dirty="0"/>
-            </a:br>
-            <a:r>
-              <a:rPr lang="en-US" sz="1600" dirty="0"/>
-              <a:t>Database</a:t>
-            </a:r>
-          </a:p>
-        </p:txBody>
-      </p:sp>
-      <p:sp>
-        <p:nvSpPr>
-          <p:cNvPr id="9" name="Rectangle 8">
-            <a:extLst>
-              <a:ext uri="{FF2B5EF4-FFF2-40B4-BE49-F238E27FC236}">
-                <a16:creationId xmlns:a16="http://schemas.microsoft.com/office/drawing/2014/main" id="{289B95AC-03DF-9B78-3745-8439751FF83F}"/>
-              </a:ext>
-            </a:extLst>
-          </p:cNvPr>
-          <p:cNvSpPr/>
-          <p:nvPr/>
-        </p:nvSpPr>
-        <p:spPr>
-          <a:xfrm>
-            <a:off x="5614601" y="4332186"/>
-            <a:ext cx="3501118" cy="933242"/>
-          </a:xfrm>
-          <a:prstGeom prst="rect">
-            <a:avLst/>
-          </a:prstGeom>
-        </p:spPr>
-        <p:style>
-          <a:lnRef idx="2">
-            <a:schemeClr val="accent1">
-              <a:shade val="50000"/>
-            </a:schemeClr>
-          </a:lnRef>
-          <a:fillRef idx="1">
-            <a:schemeClr val="accent1"/>
-          </a:fillRef>
-          <a:effectRef idx="0">
-            <a:schemeClr val="accent1"/>
-          </a:effectRef>
-          <a:fontRef idx="minor">
-            <a:schemeClr val="lt1"/>
-          </a:fontRef>
-        </p:style>
-        <p:txBody>
-          <a:bodyPr rtlCol="0" anchor="ctr"/>
-          <a:lstStyle/>
-          <a:p>
-            <a:r>
-              <a:rPr lang="en-US" dirty="0"/>
-              <a:t>Permission</a:t>
-            </a:r>
-            <a:br>
-              <a:rPr lang="en-US" dirty="0"/>
-            </a:br>
-            <a:r>
-              <a:rPr lang="en-US" dirty="0"/>
-              <a:t>Management</a:t>
-            </a:r>
-            <a:br>
-              <a:rPr lang="en-US" dirty="0"/>
-            </a:br>
-            <a:r>
-              <a:rPr lang="en-US" dirty="0"/>
-              <a:t>Microservice</a:t>
-            </a:r>
-            <a:endParaRPr lang="en-US" sz="1600" dirty="0">
-              <a:solidFill>
-                <a:srgbClr val="FFFF00"/>
-              </a:solidFill>
-            </a:endParaRPr>
-          </a:p>
-        </p:txBody>
-      </p:sp>
-      <p:cxnSp>
-        <p:nvCxnSpPr>
-          <p:cNvPr id="11" name="Straight Arrow Connector 10">
-            <a:extLst>
-              <a:ext uri="{FF2B5EF4-FFF2-40B4-BE49-F238E27FC236}">
-                <a16:creationId xmlns:a16="http://schemas.microsoft.com/office/drawing/2014/main" id="{88C23E75-EF66-3F26-10E9-C5352A8F0869}"/>
-              </a:ext>
-            </a:extLst>
-          </p:cNvPr>
-          <p:cNvCxnSpPr>
-            <a:cxnSpLocks/>
-            <a:stCxn id="6" idx="3"/>
-            <a:endCxn id="8" idx="1"/>
-          </p:cNvCxnSpPr>
-          <p:nvPr/>
-        </p:nvCxnSpPr>
-        <p:spPr>
-          <a:xfrm>
-            <a:off x="9115721" y="2255425"/>
-            <a:ext cx="636379" cy="738837"/>
-          </a:xfrm>
-          <a:prstGeom prst="straightConnector1">
-            <a:avLst/>
-          </a:prstGeom>
-          <a:ln w="25400">
-            <a:solidFill>
-              <a:schemeClr val="tx1">
-                <a:lumMod val="95000"/>
-                <a:lumOff val="5000"/>
-              </a:schemeClr>
-            </a:solidFill>
-            <a:tailEnd type="triangle"/>
-          </a:ln>
-        </p:spPr>
-        <p:style>
-          <a:lnRef idx="1">
-            <a:schemeClr val="accent1"/>
-          </a:lnRef>
-          <a:fillRef idx="0">
-            <a:schemeClr val="accent1"/>
-          </a:fillRef>
-          <a:effectRef idx="0">
-            <a:schemeClr val="accent1"/>
-          </a:effectRef>
-          <a:fontRef idx="minor">
-            <a:schemeClr val="tx1"/>
-          </a:fontRef>
-        </p:style>
-      </p:cxnSp>
-      <p:cxnSp>
-        <p:nvCxnSpPr>
-          <p:cNvPr id="12" name="Straight Arrow Connector 11">
-            <a:extLst>
-              <a:ext uri="{FF2B5EF4-FFF2-40B4-BE49-F238E27FC236}">
-                <a16:creationId xmlns:a16="http://schemas.microsoft.com/office/drawing/2014/main" id="{FCDF3434-3380-A45C-9E3D-74B45BCACC6E}"/>
-              </a:ext>
-            </a:extLst>
-          </p:cNvPr>
-          <p:cNvCxnSpPr>
-            <a:cxnSpLocks/>
-            <a:stCxn id="7" idx="3"/>
-            <a:endCxn id="8" idx="2"/>
-          </p:cNvCxnSpPr>
-          <p:nvPr/>
-        </p:nvCxnSpPr>
-        <p:spPr>
-          <a:xfrm>
-            <a:off x="9115720" y="3527116"/>
-            <a:ext cx="361572" cy="1276"/>
-          </a:xfrm>
-          <a:prstGeom prst="straightConnector1">
-            <a:avLst/>
-          </a:prstGeom>
-          <a:ln w="25400">
-            <a:solidFill>
-              <a:schemeClr val="tx1">
-                <a:lumMod val="95000"/>
-                <a:lumOff val="5000"/>
-              </a:schemeClr>
-            </a:solidFill>
-            <a:tailEnd type="triangle"/>
-          </a:ln>
-        </p:spPr>
-        <p:style>
-          <a:lnRef idx="1">
-            <a:schemeClr val="accent1"/>
-          </a:lnRef>
-          <a:fillRef idx="0">
-            <a:schemeClr val="accent1"/>
-          </a:fillRef>
-          <a:effectRef idx="0">
-            <a:schemeClr val="accent1"/>
-          </a:effectRef>
-          <a:fontRef idx="minor">
-            <a:schemeClr val="tx1"/>
-          </a:fontRef>
-        </p:style>
-      </p:cxnSp>
-      <p:cxnSp>
-        <p:nvCxnSpPr>
-          <p:cNvPr id="13" name="Straight Arrow Connector 12">
-            <a:extLst>
-              <a:ext uri="{FF2B5EF4-FFF2-40B4-BE49-F238E27FC236}">
-                <a16:creationId xmlns:a16="http://schemas.microsoft.com/office/drawing/2014/main" id="{86CDB441-3CF9-3E73-5E5F-992B9F321813}"/>
-              </a:ext>
-            </a:extLst>
-          </p:cNvPr>
-          <p:cNvCxnSpPr>
-            <a:cxnSpLocks/>
-            <a:stCxn id="9" idx="3"/>
-            <a:endCxn id="8" idx="3"/>
-          </p:cNvCxnSpPr>
-          <p:nvPr/>
-        </p:nvCxnSpPr>
-        <p:spPr>
-          <a:xfrm flipV="1">
-            <a:off x="9115719" y="4062522"/>
-            <a:ext cx="636381" cy="736285"/>
-          </a:xfrm>
-          <a:prstGeom prst="straightConnector1">
-            <a:avLst/>
-          </a:prstGeom>
-          <a:ln w="25400">
-            <a:solidFill>
-              <a:schemeClr val="tx1">
-                <a:lumMod val="95000"/>
-                <a:lumOff val="5000"/>
-              </a:schemeClr>
-            </a:solidFill>
-            <a:tailEnd type="triangle"/>
-          </a:ln>
-        </p:spPr>
-        <p:style>
-          <a:lnRef idx="1">
-            <a:schemeClr val="accent1"/>
-          </a:lnRef>
-          <a:fillRef idx="0">
-            <a:schemeClr val="accent1"/>
-          </a:fillRef>
-          <a:effectRef idx="0">
-            <a:schemeClr val="accent1"/>
-          </a:effectRef>
-          <a:fontRef idx="minor">
-            <a:schemeClr val="tx1"/>
-          </a:fontRef>
-        </p:style>
-      </p:cxnSp>
-      <p:cxnSp>
-        <p:nvCxnSpPr>
-          <p:cNvPr id="14" name="Straight Arrow Connector 13">
-            <a:extLst>
-              <a:ext uri="{FF2B5EF4-FFF2-40B4-BE49-F238E27FC236}">
-                <a16:creationId xmlns:a16="http://schemas.microsoft.com/office/drawing/2014/main" id="{072D0D05-F87B-C5BF-6D4D-F980AD05F4FB}"/>
-              </a:ext>
-            </a:extLst>
-          </p:cNvPr>
-          <p:cNvCxnSpPr>
-            <a:cxnSpLocks/>
-            <a:stCxn id="31" idx="3"/>
-            <a:endCxn id="9" idx="1"/>
-          </p:cNvCxnSpPr>
-          <p:nvPr/>
-        </p:nvCxnSpPr>
-        <p:spPr>
-          <a:xfrm>
-            <a:off x="5114478" y="4798807"/>
-            <a:ext cx="500123" cy="0"/>
-          </a:xfrm>
-          <a:prstGeom prst="straightConnector1">
-            <a:avLst/>
-          </a:prstGeom>
-          <a:ln w="25400">
-            <a:solidFill>
-              <a:schemeClr val="tx1">
-                <a:lumMod val="95000"/>
-                <a:lumOff val="5000"/>
-              </a:schemeClr>
-            </a:solidFill>
-            <a:tailEnd type="triangle"/>
-          </a:ln>
-        </p:spPr>
-        <p:style>
-          <a:lnRef idx="1">
-            <a:schemeClr val="accent1"/>
-          </a:lnRef>
-          <a:fillRef idx="0">
-            <a:schemeClr val="accent1"/>
-          </a:fillRef>
-          <a:effectRef idx="0">
-            <a:schemeClr val="accent1"/>
-          </a:effectRef>
-          <a:fontRef idx="minor">
-            <a:schemeClr val="tx1"/>
-          </a:fontRef>
-        </p:style>
-      </p:cxnSp>
-      <p:sp>
-        <p:nvSpPr>
-          <p:cNvPr id="15" name="TextBox 14">
-            <a:extLst>
-              <a:ext uri="{FF2B5EF4-FFF2-40B4-BE49-F238E27FC236}">
-                <a16:creationId xmlns:a16="http://schemas.microsoft.com/office/drawing/2014/main" id="{933AFD31-F5CF-B5EB-8AB9-50E7F9B7C359}"/>
-              </a:ext>
-            </a:extLst>
-          </p:cNvPr>
-          <p:cNvSpPr txBox="1"/>
-          <p:nvPr/>
-        </p:nvSpPr>
-        <p:spPr>
-          <a:xfrm>
-            <a:off x="572091" y="2891224"/>
-            <a:ext cx="4241482" cy="461665"/>
-          </a:xfrm>
-          <a:prstGeom prst="rect">
-            <a:avLst/>
-          </a:prstGeom>
-          <a:noFill/>
-        </p:spPr>
-        <p:txBody>
-          <a:bodyPr wrap="none" rtlCol="0">
-            <a:spAutoFit/>
-          </a:bodyPr>
-          <a:lstStyle/>
-          <a:p>
-            <a:r>
-              <a:rPr lang="en-US" sz="2400" dirty="0"/>
-              <a:t>The Permission Management  UI</a:t>
-            </a:r>
-          </a:p>
-        </p:txBody>
-      </p:sp>
-      <p:sp>
-        <p:nvSpPr>
-          <p:cNvPr id="16" name="TextBox 15">
-            <a:extLst>
-              <a:ext uri="{FF2B5EF4-FFF2-40B4-BE49-F238E27FC236}">
-                <a16:creationId xmlns:a16="http://schemas.microsoft.com/office/drawing/2014/main" id="{B00A8EE4-C941-DEDE-C9A9-B36ECBF74E00}"/>
-              </a:ext>
-            </a:extLst>
-          </p:cNvPr>
-          <p:cNvSpPr txBox="1"/>
-          <p:nvPr/>
-        </p:nvSpPr>
-        <p:spPr>
-          <a:xfrm>
-            <a:off x="9543054" y="4430664"/>
-            <a:ext cx="2202591" cy="646331"/>
-          </a:xfrm>
-          <a:prstGeom prst="rect">
-            <a:avLst/>
-          </a:prstGeom>
-          <a:noFill/>
-        </p:spPr>
-        <p:txBody>
-          <a:bodyPr wrap="none" rtlCol="0">
-            <a:spAutoFit/>
-          </a:bodyPr>
-          <a:lstStyle/>
-          <a:p>
-            <a:r>
-              <a:rPr lang="en-US" b="1" u="sng" dirty="0">
-                <a:solidFill>
-                  <a:schemeClr val="bg1">
-                    <a:lumMod val="50000"/>
-                  </a:schemeClr>
-                </a:solidFill>
-              </a:rPr>
-              <a:t>Database Tables</a:t>
-            </a:r>
-            <a:br>
-              <a:rPr lang="en-US" dirty="0">
-                <a:solidFill>
-                  <a:schemeClr val="bg1">
-                    <a:lumMod val="50000"/>
-                  </a:schemeClr>
-                </a:solidFill>
-              </a:rPr>
-            </a:br>
-            <a:r>
-              <a:rPr lang="en-US" dirty="0" err="1"/>
-              <a:t>AbpPermissionGrants</a:t>
-            </a:r>
-            <a:endParaRPr lang="en-US" dirty="0"/>
-          </a:p>
-        </p:txBody>
-      </p:sp>
-      <p:sp>
-        <p:nvSpPr>
-          <p:cNvPr id="17" name="TextBox 16">
-            <a:extLst>
-              <a:ext uri="{FF2B5EF4-FFF2-40B4-BE49-F238E27FC236}">
-                <a16:creationId xmlns:a16="http://schemas.microsoft.com/office/drawing/2014/main" id="{206E39D4-59BA-8965-FB9B-6DA187FB8079}"/>
-              </a:ext>
-            </a:extLst>
-          </p:cNvPr>
-          <p:cNvSpPr txBox="1"/>
-          <p:nvPr/>
-        </p:nvSpPr>
-        <p:spPr>
-          <a:xfrm>
-            <a:off x="9543054" y="4981725"/>
-            <a:ext cx="2304157" cy="646331"/>
-          </a:xfrm>
-          <a:prstGeom prst="rect">
-            <a:avLst/>
-          </a:prstGeom>
-          <a:noFill/>
-        </p:spPr>
-        <p:txBody>
-          <a:bodyPr wrap="none" rtlCol="0">
-            <a:spAutoFit/>
-          </a:bodyPr>
-          <a:lstStyle/>
-          <a:p>
-            <a:r>
-              <a:rPr lang="en-US" b="1" dirty="0" err="1">
-                <a:solidFill>
-                  <a:srgbClr val="0070C0"/>
-                </a:solidFill>
-              </a:rPr>
-              <a:t>AbpPermissionGroups</a:t>
-            </a:r>
-            <a:br>
-              <a:rPr lang="en-US" b="1" dirty="0">
-                <a:solidFill>
-                  <a:srgbClr val="0070C0"/>
-                </a:solidFill>
-              </a:rPr>
-            </a:br>
-            <a:r>
-              <a:rPr lang="en-US" b="1" dirty="0" err="1">
-                <a:solidFill>
-                  <a:srgbClr val="0070C0"/>
-                </a:solidFill>
-              </a:rPr>
-              <a:t>AbpPermissions</a:t>
-            </a:r>
-            <a:endParaRPr lang="en-US" b="1" dirty="0">
-              <a:solidFill>
-                <a:srgbClr val="0070C0"/>
-              </a:solidFill>
-            </a:endParaRPr>
-          </a:p>
-        </p:txBody>
-      </p:sp>
-      <p:sp>
-        <p:nvSpPr>
-          <p:cNvPr id="27" name="Rectangle 26">
-            <a:extLst>
-              <a:ext uri="{FF2B5EF4-FFF2-40B4-BE49-F238E27FC236}">
-                <a16:creationId xmlns:a16="http://schemas.microsoft.com/office/drawing/2014/main" id="{E41DD886-47C6-9146-CAA4-B46D62F26DB9}"/>
-              </a:ext>
-            </a:extLst>
-          </p:cNvPr>
-          <p:cNvSpPr/>
-          <p:nvPr/>
-        </p:nvSpPr>
-        <p:spPr>
-          <a:xfrm>
-            <a:off x="7607430" y="1879268"/>
-            <a:ext cx="1428089" cy="761694"/>
-          </a:xfrm>
-          <a:prstGeom prst="rect">
-            <a:avLst/>
-          </a:prstGeom>
-        </p:spPr>
-        <p:style>
-          <a:lnRef idx="2">
-            <a:schemeClr val="accent4">
-              <a:shade val="50000"/>
-            </a:schemeClr>
-          </a:lnRef>
-          <a:fillRef idx="1">
-            <a:schemeClr val="accent4"/>
-          </a:fillRef>
-          <a:effectRef idx="0">
-            <a:schemeClr val="accent4"/>
-          </a:effectRef>
-          <a:fontRef idx="minor">
-            <a:schemeClr val="lt1"/>
-          </a:fontRef>
-        </p:style>
-        <p:txBody>
-          <a:bodyPr rtlCol="0" anchor="ctr"/>
-          <a:lstStyle/>
-          <a:p>
-            <a:pPr algn="ctr"/>
-            <a:r>
-              <a:rPr lang="en-US" sz="1600" dirty="0">
-                <a:solidFill>
-                  <a:schemeClr val="tx1"/>
-                </a:solidFill>
-              </a:rPr>
-              <a:t>ABP Authorization Library</a:t>
-            </a:r>
-          </a:p>
-        </p:txBody>
-      </p:sp>
-      <p:sp>
-        <p:nvSpPr>
-          <p:cNvPr id="28" name="Rectangle 27">
-            <a:extLst>
-              <a:ext uri="{FF2B5EF4-FFF2-40B4-BE49-F238E27FC236}">
-                <a16:creationId xmlns:a16="http://schemas.microsoft.com/office/drawing/2014/main" id="{8207E715-0BEB-20F0-7FBE-19F8C3920D85}"/>
-              </a:ext>
-            </a:extLst>
-          </p:cNvPr>
-          <p:cNvSpPr/>
-          <p:nvPr/>
-        </p:nvSpPr>
-        <p:spPr>
-          <a:xfrm>
-            <a:off x="7607430" y="3146269"/>
-            <a:ext cx="1428089" cy="761694"/>
-          </a:xfrm>
-          <a:prstGeom prst="rect">
-            <a:avLst/>
-          </a:prstGeom>
-        </p:spPr>
-        <p:style>
-          <a:lnRef idx="2">
-            <a:schemeClr val="accent4">
-              <a:shade val="50000"/>
-            </a:schemeClr>
-          </a:lnRef>
-          <a:fillRef idx="1">
-            <a:schemeClr val="accent4"/>
-          </a:fillRef>
-          <a:effectRef idx="0">
-            <a:schemeClr val="accent4"/>
-          </a:effectRef>
-          <a:fontRef idx="minor">
-            <a:schemeClr val="lt1"/>
-          </a:fontRef>
-        </p:style>
-        <p:txBody>
-          <a:bodyPr rtlCol="0" anchor="ctr"/>
-          <a:lstStyle/>
-          <a:p>
-            <a:pPr algn="ctr"/>
-            <a:r>
-              <a:rPr lang="en-US" sz="1600" dirty="0">
-                <a:solidFill>
-                  <a:schemeClr val="tx1"/>
-                </a:solidFill>
-              </a:rPr>
-              <a:t>ABP Authorization Library</a:t>
-            </a:r>
-          </a:p>
-        </p:txBody>
-      </p:sp>
-      <p:sp>
-        <p:nvSpPr>
-          <p:cNvPr id="29" name="Rectangle 28">
-            <a:extLst>
-              <a:ext uri="{FF2B5EF4-FFF2-40B4-BE49-F238E27FC236}">
-                <a16:creationId xmlns:a16="http://schemas.microsoft.com/office/drawing/2014/main" id="{8F11D3AC-A040-7256-DA16-B0B30BFE8577}"/>
-              </a:ext>
-            </a:extLst>
-          </p:cNvPr>
-          <p:cNvSpPr/>
-          <p:nvPr/>
-        </p:nvSpPr>
-        <p:spPr>
-          <a:xfrm>
-            <a:off x="7607430" y="4422785"/>
-            <a:ext cx="1428089" cy="761694"/>
-          </a:xfrm>
-          <a:prstGeom prst="rect">
-            <a:avLst/>
-          </a:prstGeom>
-        </p:spPr>
-        <p:style>
-          <a:lnRef idx="2">
-            <a:schemeClr val="accent4">
-              <a:shade val="50000"/>
-            </a:schemeClr>
-          </a:lnRef>
-          <a:fillRef idx="1">
-            <a:schemeClr val="accent4"/>
-          </a:fillRef>
-          <a:effectRef idx="0">
-            <a:schemeClr val="accent4"/>
-          </a:effectRef>
-          <a:fontRef idx="minor">
-            <a:schemeClr val="lt1"/>
-          </a:fontRef>
-        </p:style>
-        <p:txBody>
-          <a:bodyPr rtlCol="0" anchor="ctr"/>
-          <a:lstStyle/>
-          <a:p>
-            <a:pPr algn="ctr"/>
-            <a:r>
-              <a:rPr lang="en-US" sz="1600" dirty="0">
-                <a:solidFill>
-                  <a:schemeClr val="tx1"/>
-                </a:solidFill>
-              </a:rPr>
-              <a:t>ABP Permissions Module</a:t>
-            </a:r>
-          </a:p>
-        </p:txBody>
-      </p:sp>
-      <p:pic>
-        <p:nvPicPr>
-          <p:cNvPr id="31" name="Picture 30">
-            <a:extLst>
-              <a:ext uri="{FF2B5EF4-FFF2-40B4-BE49-F238E27FC236}">
-                <a16:creationId xmlns:a16="http://schemas.microsoft.com/office/drawing/2014/main" id="{88778800-AC4B-9B0F-5DF3-E756B8907DDF}"/>
-              </a:ext>
-            </a:extLst>
-          </p:cNvPr>
-          <p:cNvPicPr>
-            <a:picLocks noChangeAspect="1"/>
-          </p:cNvPicPr>
-          <p:nvPr/>
-        </p:nvPicPr>
-        <p:blipFill>
-          <a:blip r:embed="rId3"/>
-          <a:stretch>
-            <a:fillRect/>
-          </a:stretch>
-        </p:blipFill>
-        <p:spPr>
-          <a:xfrm>
-            <a:off x="490146" y="3352889"/>
-            <a:ext cx="4624332" cy="2891836"/>
-          </a:xfrm>
-          <a:prstGeom prst="rect">
-            <a:avLst/>
-          </a:prstGeom>
-          <a:ln w="12700">
-            <a:solidFill>
-              <a:schemeClr val="tx1">
-                <a:lumMod val="65000"/>
-                <a:lumOff val="35000"/>
-              </a:schemeClr>
-            </a:solidFill>
-          </a:ln>
-          <a:effectLst>
-            <a:outerShdw blurRad="50800" dist="38100" dir="2700000" algn="tl" rotWithShape="0">
-              <a:prstClr val="black">
-                <a:alpha val="40000"/>
-              </a:prstClr>
-            </a:outerShdw>
-          </a:effectLst>
-        </p:spPr>
-      </p:pic>
     </p:spTree>
     <p:extLst>
       <p:ext uri="{BB962C8B-B14F-4D97-AF65-F5344CB8AC3E}">
-        <p14:creationId xmlns:p14="http://schemas.microsoft.com/office/powerpoint/2010/main" val="1054227591"/>
+        <p14:creationId xmlns:p14="http://schemas.microsoft.com/office/powerpoint/2010/main" val="2191652206"/>
       </p:ext>
     </p:extLst>
   </p:cSld>
@@ -11044,7 +10803,7 @@
     </p:spTree>
     <p:extLst>
       <p:ext uri="{BB962C8B-B14F-4D97-AF65-F5344CB8AC3E}">
-        <p14:creationId xmlns:p14="http://schemas.microsoft.com/office/powerpoint/2010/main" val="142816348"/>
+        <p14:creationId xmlns:p14="http://schemas.microsoft.com/office/powerpoint/2010/main" val="2729794055"/>
       </p:ext>
     </p:extLst>
   </p:cSld>
@@ -11153,7 +10912,7 @@
     </p:spTree>
     <p:extLst>
       <p:ext uri="{BB962C8B-B14F-4D97-AF65-F5344CB8AC3E}">
-        <p14:creationId xmlns:p14="http://schemas.microsoft.com/office/powerpoint/2010/main" val="2729794055"/>
+        <p14:creationId xmlns:p14="http://schemas.microsoft.com/office/powerpoint/2010/main" val="2947418974"/>
       </p:ext>
     </p:extLst>
   </p:cSld>
@@ -11423,7 +11182,7 @@
     </p:spTree>
     <p:extLst>
       <p:ext uri="{BB962C8B-B14F-4D97-AF65-F5344CB8AC3E}">
-        <p14:creationId xmlns:p14="http://schemas.microsoft.com/office/powerpoint/2010/main" val="2947418974"/>
+        <p14:creationId xmlns:p14="http://schemas.microsoft.com/office/powerpoint/2010/main" val="2716205615"/>
       </p:ext>
     </p:extLst>
   </p:cSld>
@@ -11500,39 +11259,811 @@
       </p:sp>
       <p:sp>
         <p:nvSpPr>
-          <p:cNvPr id="3" name="Content Placeholder 2">
-            <a:extLst>
-              <a:ext uri="{FF2B5EF4-FFF2-40B4-BE49-F238E27FC236}">
-                <a16:creationId xmlns:a16="http://schemas.microsoft.com/office/drawing/2014/main" id="{891C7693-D3DF-4635-96F4-97F3B4136FDF}"/>
-              </a:ext>
-            </a:extLst>
-          </p:cNvPr>
-          <p:cNvSpPr>
-            <a:spLocks noGrp="1"/>
-          </p:cNvSpPr>
-          <p:nvPr>
-            <p:ph idx="1"/>
-          </p:nvPr>
+          <p:cNvPr id="6" name="Rectangle 5">
+            <a:extLst>
+              <a:ext uri="{FF2B5EF4-FFF2-40B4-BE49-F238E27FC236}">
+                <a16:creationId xmlns:a16="http://schemas.microsoft.com/office/drawing/2014/main" id="{28D5B0C7-01CF-3252-5F00-731D97EA8873}"/>
+              </a:ext>
+            </a:extLst>
+          </p:cNvPr>
+          <p:cNvSpPr/>
+          <p:nvPr/>
         </p:nvSpPr>
-        <p:spPr/>
+        <p:spPr>
+          <a:xfrm>
+            <a:off x="5614603" y="1788804"/>
+            <a:ext cx="3501118" cy="933242"/>
+          </a:xfrm>
+          <a:prstGeom prst="rect">
+            <a:avLst/>
+          </a:prstGeom>
+        </p:spPr>
+        <p:style>
+          <a:lnRef idx="2">
+            <a:schemeClr val="accent5">
+              <a:shade val="50000"/>
+            </a:schemeClr>
+          </a:lnRef>
+          <a:fillRef idx="1">
+            <a:schemeClr val="accent5"/>
+          </a:fillRef>
+          <a:effectRef idx="0">
+            <a:schemeClr val="accent5"/>
+          </a:effectRef>
+          <a:fontRef idx="minor">
+            <a:schemeClr val="lt1"/>
+          </a:fontRef>
+        </p:style>
         <p:txBody>
-          <a:bodyPr/>
+          <a:bodyPr rtlCol="0" anchor="ctr"/>
           <a:lstStyle/>
           <a:p>
             <a:r>
-              <a:rPr lang="en-US" dirty="0">
-                <a:latin typeface="Euclid Circular B" panose="020B0504000000000000" pitchFamily="34" charset="0"/>
-                <a:ea typeface="Euclid Circular B" panose="020B0504000000000000" pitchFamily="34" charset="0"/>
-              </a:rPr>
-              <a:t>Content</a:t>
+              <a:rPr lang="en-US" dirty="0"/>
+              <a:t>Microservice 1</a:t>
+            </a:r>
+            <a:br>
+              <a:rPr lang="en-US" dirty="0"/>
+            </a:br>
+            <a:endParaRPr lang="en-US" dirty="0"/>
+          </a:p>
+          <a:p>
+            <a:r>
+              <a:rPr lang="en-US" sz="1600" dirty="0">
+                <a:solidFill>
+                  <a:srgbClr val="FFFF00"/>
+                </a:solidFill>
+              </a:rPr>
+              <a:t>Permission A, B</a:t>
             </a:r>
           </a:p>
         </p:txBody>
       </p:sp>
+      <p:sp>
+        <p:nvSpPr>
+          <p:cNvPr id="7" name="Rectangle 6">
+            <a:extLst>
+              <a:ext uri="{FF2B5EF4-FFF2-40B4-BE49-F238E27FC236}">
+                <a16:creationId xmlns:a16="http://schemas.microsoft.com/office/drawing/2014/main" id="{D2AF7747-5344-3F34-486C-7D8723F5C77B}"/>
+              </a:ext>
+            </a:extLst>
+          </p:cNvPr>
+          <p:cNvSpPr/>
+          <p:nvPr/>
+        </p:nvSpPr>
+        <p:spPr>
+          <a:xfrm>
+            <a:off x="5614602" y="3060495"/>
+            <a:ext cx="3501118" cy="933242"/>
+          </a:xfrm>
+          <a:prstGeom prst="rect">
+            <a:avLst/>
+          </a:prstGeom>
+        </p:spPr>
+        <p:style>
+          <a:lnRef idx="2">
+            <a:schemeClr val="accent5">
+              <a:shade val="50000"/>
+            </a:schemeClr>
+          </a:lnRef>
+          <a:fillRef idx="1">
+            <a:schemeClr val="accent5"/>
+          </a:fillRef>
+          <a:effectRef idx="0">
+            <a:schemeClr val="accent5"/>
+          </a:effectRef>
+          <a:fontRef idx="minor">
+            <a:schemeClr val="lt1"/>
+          </a:fontRef>
+        </p:style>
+        <p:txBody>
+          <a:bodyPr rtlCol="0" anchor="ctr"/>
+          <a:lstStyle/>
+          <a:p>
+            <a:r>
+              <a:rPr lang="en-US" dirty="0"/>
+              <a:t>Microservice 2</a:t>
+            </a:r>
+            <a:br>
+              <a:rPr lang="en-US" dirty="0"/>
+            </a:br>
+            <a:endParaRPr lang="en-US" dirty="0"/>
+          </a:p>
+          <a:p>
+            <a:r>
+              <a:rPr lang="en-US" sz="1600" dirty="0">
+                <a:solidFill>
+                  <a:srgbClr val="FFFF00"/>
+                </a:solidFill>
+              </a:rPr>
+              <a:t>Permission C, D, E</a:t>
+            </a:r>
+          </a:p>
+        </p:txBody>
+      </p:sp>
+      <p:sp>
+        <p:nvSpPr>
+          <p:cNvPr id="8" name="Oval 7">
+            <a:extLst>
+              <a:ext uri="{FF2B5EF4-FFF2-40B4-BE49-F238E27FC236}">
+                <a16:creationId xmlns:a16="http://schemas.microsoft.com/office/drawing/2014/main" id="{C66973AB-D3FB-7E81-F4A9-2AA6707C1F78}"/>
+              </a:ext>
+            </a:extLst>
+          </p:cNvPr>
+          <p:cNvSpPr/>
+          <p:nvPr/>
+        </p:nvSpPr>
+        <p:spPr>
+          <a:xfrm>
+            <a:off x="9477292" y="2773018"/>
+            <a:ext cx="1876508" cy="1510748"/>
+          </a:xfrm>
+          <a:prstGeom prst="ellipse">
+            <a:avLst/>
+          </a:prstGeom>
+        </p:spPr>
+        <p:style>
+          <a:lnRef idx="2">
+            <a:schemeClr val="accent6">
+              <a:shade val="50000"/>
+            </a:schemeClr>
+          </a:lnRef>
+          <a:fillRef idx="1">
+            <a:schemeClr val="accent6"/>
+          </a:fillRef>
+          <a:effectRef idx="0">
+            <a:schemeClr val="accent6"/>
+          </a:effectRef>
+          <a:fontRef idx="minor">
+            <a:schemeClr val="lt1"/>
+          </a:fontRef>
+        </p:style>
+        <p:txBody>
+          <a:bodyPr rtlCol="0" anchor="ctr"/>
+          <a:lstStyle/>
+          <a:p>
+            <a:pPr algn="ctr"/>
+            <a:r>
+              <a:rPr lang="en-US" sz="1600" dirty="0"/>
+              <a:t>Permission</a:t>
+            </a:r>
+            <a:br>
+              <a:rPr lang="en-US" sz="1600" dirty="0"/>
+            </a:br>
+            <a:r>
+              <a:rPr lang="en-US" sz="1600" dirty="0"/>
+              <a:t>Management</a:t>
+            </a:r>
+            <a:br>
+              <a:rPr lang="en-US" sz="1600" dirty="0"/>
+            </a:br>
+            <a:r>
+              <a:rPr lang="en-US" sz="1600" dirty="0"/>
+              <a:t>Database</a:t>
+            </a:r>
+          </a:p>
+        </p:txBody>
+      </p:sp>
+      <p:sp>
+        <p:nvSpPr>
+          <p:cNvPr id="9" name="Rectangle 8">
+            <a:extLst>
+              <a:ext uri="{FF2B5EF4-FFF2-40B4-BE49-F238E27FC236}">
+                <a16:creationId xmlns:a16="http://schemas.microsoft.com/office/drawing/2014/main" id="{289B95AC-03DF-9B78-3745-8439751FF83F}"/>
+              </a:ext>
+            </a:extLst>
+          </p:cNvPr>
+          <p:cNvSpPr/>
+          <p:nvPr/>
+        </p:nvSpPr>
+        <p:spPr>
+          <a:xfrm>
+            <a:off x="5614601" y="4332186"/>
+            <a:ext cx="3501118" cy="933242"/>
+          </a:xfrm>
+          <a:prstGeom prst="rect">
+            <a:avLst/>
+          </a:prstGeom>
+        </p:spPr>
+        <p:style>
+          <a:lnRef idx="2">
+            <a:schemeClr val="accent1">
+              <a:shade val="50000"/>
+            </a:schemeClr>
+          </a:lnRef>
+          <a:fillRef idx="1">
+            <a:schemeClr val="accent1"/>
+          </a:fillRef>
+          <a:effectRef idx="0">
+            <a:schemeClr val="accent1"/>
+          </a:effectRef>
+          <a:fontRef idx="minor">
+            <a:schemeClr val="lt1"/>
+          </a:fontRef>
+        </p:style>
+        <p:txBody>
+          <a:bodyPr rtlCol="0" anchor="ctr"/>
+          <a:lstStyle/>
+          <a:p>
+            <a:r>
+              <a:rPr lang="en-US" dirty="0"/>
+              <a:t>Permission</a:t>
+            </a:r>
+            <a:br>
+              <a:rPr lang="en-US" dirty="0"/>
+            </a:br>
+            <a:r>
+              <a:rPr lang="en-US" dirty="0"/>
+              <a:t>Management</a:t>
+            </a:r>
+            <a:br>
+              <a:rPr lang="en-US" dirty="0"/>
+            </a:br>
+            <a:r>
+              <a:rPr lang="en-US" dirty="0"/>
+              <a:t>Microservice</a:t>
+            </a:r>
+            <a:endParaRPr lang="en-US" sz="1600" dirty="0">
+              <a:solidFill>
+                <a:srgbClr val="FFFF00"/>
+              </a:solidFill>
+            </a:endParaRPr>
+          </a:p>
+        </p:txBody>
+      </p:sp>
+      <p:cxnSp>
+        <p:nvCxnSpPr>
+          <p:cNvPr id="11" name="Straight Arrow Connector 10">
+            <a:extLst>
+              <a:ext uri="{FF2B5EF4-FFF2-40B4-BE49-F238E27FC236}">
+                <a16:creationId xmlns:a16="http://schemas.microsoft.com/office/drawing/2014/main" id="{88C23E75-EF66-3F26-10E9-C5352A8F0869}"/>
+              </a:ext>
+            </a:extLst>
+          </p:cNvPr>
+          <p:cNvCxnSpPr>
+            <a:cxnSpLocks/>
+            <a:stCxn id="6" idx="3"/>
+            <a:endCxn id="8" idx="1"/>
+          </p:cNvCxnSpPr>
+          <p:nvPr/>
+        </p:nvCxnSpPr>
+        <p:spPr>
+          <a:xfrm>
+            <a:off x="9115721" y="2255425"/>
+            <a:ext cx="636379" cy="738837"/>
+          </a:xfrm>
+          <a:prstGeom prst="straightConnector1">
+            <a:avLst/>
+          </a:prstGeom>
+          <a:ln w="25400">
+            <a:solidFill>
+              <a:schemeClr val="tx1">
+                <a:lumMod val="95000"/>
+                <a:lumOff val="5000"/>
+              </a:schemeClr>
+            </a:solidFill>
+            <a:tailEnd type="triangle"/>
+          </a:ln>
+        </p:spPr>
+        <p:style>
+          <a:lnRef idx="1">
+            <a:schemeClr val="accent1"/>
+          </a:lnRef>
+          <a:fillRef idx="0">
+            <a:schemeClr val="accent1"/>
+          </a:fillRef>
+          <a:effectRef idx="0">
+            <a:schemeClr val="accent1"/>
+          </a:effectRef>
+          <a:fontRef idx="minor">
+            <a:schemeClr val="tx1"/>
+          </a:fontRef>
+        </p:style>
+      </p:cxnSp>
+      <p:cxnSp>
+        <p:nvCxnSpPr>
+          <p:cNvPr id="12" name="Straight Arrow Connector 11">
+            <a:extLst>
+              <a:ext uri="{FF2B5EF4-FFF2-40B4-BE49-F238E27FC236}">
+                <a16:creationId xmlns:a16="http://schemas.microsoft.com/office/drawing/2014/main" id="{FCDF3434-3380-A45C-9E3D-74B45BCACC6E}"/>
+              </a:ext>
+            </a:extLst>
+          </p:cNvPr>
+          <p:cNvCxnSpPr>
+            <a:cxnSpLocks/>
+            <a:stCxn id="7" idx="3"/>
+            <a:endCxn id="8" idx="2"/>
+          </p:cNvCxnSpPr>
+          <p:nvPr/>
+        </p:nvCxnSpPr>
+        <p:spPr>
+          <a:xfrm>
+            <a:off x="9115720" y="3527116"/>
+            <a:ext cx="361572" cy="1276"/>
+          </a:xfrm>
+          <a:prstGeom prst="straightConnector1">
+            <a:avLst/>
+          </a:prstGeom>
+          <a:ln w="25400">
+            <a:solidFill>
+              <a:schemeClr val="tx1">
+                <a:lumMod val="95000"/>
+                <a:lumOff val="5000"/>
+              </a:schemeClr>
+            </a:solidFill>
+            <a:tailEnd type="triangle"/>
+          </a:ln>
+        </p:spPr>
+        <p:style>
+          <a:lnRef idx="1">
+            <a:schemeClr val="accent1"/>
+          </a:lnRef>
+          <a:fillRef idx="0">
+            <a:schemeClr val="accent1"/>
+          </a:fillRef>
+          <a:effectRef idx="0">
+            <a:schemeClr val="accent1"/>
+          </a:effectRef>
+          <a:fontRef idx="minor">
+            <a:schemeClr val="tx1"/>
+          </a:fontRef>
+        </p:style>
+      </p:cxnSp>
+      <p:cxnSp>
+        <p:nvCxnSpPr>
+          <p:cNvPr id="13" name="Straight Arrow Connector 12">
+            <a:extLst>
+              <a:ext uri="{FF2B5EF4-FFF2-40B4-BE49-F238E27FC236}">
+                <a16:creationId xmlns:a16="http://schemas.microsoft.com/office/drawing/2014/main" id="{86CDB441-3CF9-3E73-5E5F-992B9F321813}"/>
+              </a:ext>
+            </a:extLst>
+          </p:cNvPr>
+          <p:cNvCxnSpPr>
+            <a:cxnSpLocks/>
+            <a:stCxn id="9" idx="3"/>
+            <a:endCxn id="8" idx="3"/>
+          </p:cNvCxnSpPr>
+          <p:nvPr/>
+        </p:nvCxnSpPr>
+        <p:spPr>
+          <a:xfrm flipV="1">
+            <a:off x="9115719" y="4062522"/>
+            <a:ext cx="636381" cy="736285"/>
+          </a:xfrm>
+          <a:prstGeom prst="straightConnector1">
+            <a:avLst/>
+          </a:prstGeom>
+          <a:ln w="25400">
+            <a:solidFill>
+              <a:schemeClr val="tx1">
+                <a:lumMod val="95000"/>
+                <a:lumOff val="5000"/>
+              </a:schemeClr>
+            </a:solidFill>
+            <a:tailEnd type="triangle"/>
+          </a:ln>
+        </p:spPr>
+        <p:style>
+          <a:lnRef idx="1">
+            <a:schemeClr val="accent1"/>
+          </a:lnRef>
+          <a:fillRef idx="0">
+            <a:schemeClr val="accent1"/>
+          </a:fillRef>
+          <a:effectRef idx="0">
+            <a:schemeClr val="accent1"/>
+          </a:effectRef>
+          <a:fontRef idx="minor">
+            <a:schemeClr val="tx1"/>
+          </a:fontRef>
+        </p:style>
+      </p:cxnSp>
+      <p:cxnSp>
+        <p:nvCxnSpPr>
+          <p:cNvPr id="14" name="Straight Arrow Connector 13">
+            <a:extLst>
+              <a:ext uri="{FF2B5EF4-FFF2-40B4-BE49-F238E27FC236}">
+                <a16:creationId xmlns:a16="http://schemas.microsoft.com/office/drawing/2014/main" id="{072D0D05-F87B-C5BF-6D4D-F980AD05F4FB}"/>
+              </a:ext>
+            </a:extLst>
+          </p:cNvPr>
+          <p:cNvCxnSpPr>
+            <a:cxnSpLocks/>
+            <a:stCxn id="31" idx="3"/>
+            <a:endCxn id="9" idx="1"/>
+          </p:cNvCxnSpPr>
+          <p:nvPr/>
+        </p:nvCxnSpPr>
+        <p:spPr>
+          <a:xfrm>
+            <a:off x="5114478" y="4798807"/>
+            <a:ext cx="500123" cy="0"/>
+          </a:xfrm>
+          <a:prstGeom prst="straightConnector1">
+            <a:avLst/>
+          </a:prstGeom>
+          <a:ln w="25400">
+            <a:solidFill>
+              <a:schemeClr val="tx1">
+                <a:lumMod val="95000"/>
+                <a:lumOff val="5000"/>
+              </a:schemeClr>
+            </a:solidFill>
+            <a:tailEnd type="triangle"/>
+          </a:ln>
+        </p:spPr>
+        <p:style>
+          <a:lnRef idx="1">
+            <a:schemeClr val="accent1"/>
+          </a:lnRef>
+          <a:fillRef idx="0">
+            <a:schemeClr val="accent1"/>
+          </a:fillRef>
+          <a:effectRef idx="0">
+            <a:schemeClr val="accent1"/>
+          </a:effectRef>
+          <a:fontRef idx="minor">
+            <a:schemeClr val="tx1"/>
+          </a:fontRef>
+        </p:style>
+      </p:cxnSp>
+      <p:sp>
+        <p:nvSpPr>
+          <p:cNvPr id="15" name="TextBox 14">
+            <a:extLst>
+              <a:ext uri="{FF2B5EF4-FFF2-40B4-BE49-F238E27FC236}">
+                <a16:creationId xmlns:a16="http://schemas.microsoft.com/office/drawing/2014/main" id="{933AFD31-F5CF-B5EB-8AB9-50E7F9B7C359}"/>
+              </a:ext>
+            </a:extLst>
+          </p:cNvPr>
+          <p:cNvSpPr txBox="1"/>
+          <p:nvPr/>
+        </p:nvSpPr>
+        <p:spPr>
+          <a:xfrm>
+            <a:off x="572091" y="2891224"/>
+            <a:ext cx="4241482" cy="461665"/>
+          </a:xfrm>
+          <a:prstGeom prst="rect">
+            <a:avLst/>
+          </a:prstGeom>
+          <a:noFill/>
+        </p:spPr>
+        <p:txBody>
+          <a:bodyPr wrap="none" rtlCol="0">
+            <a:spAutoFit/>
+          </a:bodyPr>
+          <a:lstStyle/>
+          <a:p>
+            <a:r>
+              <a:rPr lang="en-US" sz="2400" dirty="0"/>
+              <a:t>The Permission Management  UI</a:t>
+            </a:r>
+          </a:p>
+        </p:txBody>
+      </p:sp>
+      <p:sp>
+        <p:nvSpPr>
+          <p:cNvPr id="16" name="TextBox 15">
+            <a:extLst>
+              <a:ext uri="{FF2B5EF4-FFF2-40B4-BE49-F238E27FC236}">
+                <a16:creationId xmlns:a16="http://schemas.microsoft.com/office/drawing/2014/main" id="{B00A8EE4-C941-DEDE-C9A9-B36ECBF74E00}"/>
+              </a:ext>
+            </a:extLst>
+          </p:cNvPr>
+          <p:cNvSpPr txBox="1"/>
+          <p:nvPr/>
+        </p:nvSpPr>
+        <p:spPr>
+          <a:xfrm>
+            <a:off x="9543054" y="4430664"/>
+            <a:ext cx="2202591" cy="646331"/>
+          </a:xfrm>
+          <a:prstGeom prst="rect">
+            <a:avLst/>
+          </a:prstGeom>
+          <a:noFill/>
+        </p:spPr>
+        <p:txBody>
+          <a:bodyPr wrap="none" rtlCol="0">
+            <a:spAutoFit/>
+          </a:bodyPr>
+          <a:lstStyle/>
+          <a:p>
+            <a:r>
+              <a:rPr lang="en-US" b="1" u="sng" dirty="0">
+                <a:solidFill>
+                  <a:schemeClr val="bg1">
+                    <a:lumMod val="50000"/>
+                  </a:schemeClr>
+                </a:solidFill>
+              </a:rPr>
+              <a:t>Database Tables</a:t>
+            </a:r>
+            <a:br>
+              <a:rPr lang="en-US" dirty="0">
+                <a:solidFill>
+                  <a:schemeClr val="bg1">
+                    <a:lumMod val="50000"/>
+                  </a:schemeClr>
+                </a:solidFill>
+              </a:rPr>
+            </a:br>
+            <a:r>
+              <a:rPr lang="en-US" dirty="0" err="1"/>
+              <a:t>AbpPermissionGrants</a:t>
+            </a:r>
+            <a:endParaRPr lang="en-US" dirty="0"/>
+          </a:p>
+        </p:txBody>
+      </p:sp>
+      <p:sp>
+        <p:nvSpPr>
+          <p:cNvPr id="17" name="TextBox 16">
+            <a:extLst>
+              <a:ext uri="{FF2B5EF4-FFF2-40B4-BE49-F238E27FC236}">
+                <a16:creationId xmlns:a16="http://schemas.microsoft.com/office/drawing/2014/main" id="{206E39D4-59BA-8965-FB9B-6DA187FB8079}"/>
+              </a:ext>
+            </a:extLst>
+          </p:cNvPr>
+          <p:cNvSpPr txBox="1"/>
+          <p:nvPr/>
+        </p:nvSpPr>
+        <p:spPr>
+          <a:xfrm>
+            <a:off x="9543054" y="4981725"/>
+            <a:ext cx="2304157" cy="646331"/>
+          </a:xfrm>
+          <a:prstGeom prst="rect">
+            <a:avLst/>
+          </a:prstGeom>
+          <a:noFill/>
+        </p:spPr>
+        <p:txBody>
+          <a:bodyPr wrap="none" rtlCol="0">
+            <a:spAutoFit/>
+          </a:bodyPr>
+          <a:lstStyle/>
+          <a:p>
+            <a:r>
+              <a:rPr lang="en-US" b="1" dirty="0" err="1">
+                <a:solidFill>
+                  <a:srgbClr val="0070C0"/>
+                </a:solidFill>
+              </a:rPr>
+              <a:t>AbpPermissionGroups</a:t>
+            </a:r>
+            <a:br>
+              <a:rPr lang="en-US" b="1" dirty="0">
+                <a:solidFill>
+                  <a:srgbClr val="0070C0"/>
+                </a:solidFill>
+              </a:rPr>
+            </a:br>
+            <a:r>
+              <a:rPr lang="en-US" b="1" dirty="0" err="1">
+                <a:solidFill>
+                  <a:srgbClr val="0070C0"/>
+                </a:solidFill>
+              </a:rPr>
+              <a:t>AbpPermissions</a:t>
+            </a:r>
+            <a:endParaRPr lang="en-US" b="1" dirty="0">
+              <a:solidFill>
+                <a:srgbClr val="0070C0"/>
+              </a:solidFill>
+            </a:endParaRPr>
+          </a:p>
+        </p:txBody>
+      </p:sp>
+      <p:sp>
+        <p:nvSpPr>
+          <p:cNvPr id="27" name="Rectangle 26">
+            <a:extLst>
+              <a:ext uri="{FF2B5EF4-FFF2-40B4-BE49-F238E27FC236}">
+                <a16:creationId xmlns:a16="http://schemas.microsoft.com/office/drawing/2014/main" id="{E41DD886-47C6-9146-CAA4-B46D62F26DB9}"/>
+              </a:ext>
+            </a:extLst>
+          </p:cNvPr>
+          <p:cNvSpPr/>
+          <p:nvPr/>
+        </p:nvSpPr>
+        <p:spPr>
+          <a:xfrm>
+            <a:off x="7607430" y="1879268"/>
+            <a:ext cx="1428089" cy="761694"/>
+          </a:xfrm>
+          <a:prstGeom prst="rect">
+            <a:avLst/>
+          </a:prstGeom>
+        </p:spPr>
+        <p:style>
+          <a:lnRef idx="2">
+            <a:schemeClr val="accent4">
+              <a:shade val="50000"/>
+            </a:schemeClr>
+          </a:lnRef>
+          <a:fillRef idx="1">
+            <a:schemeClr val="accent4"/>
+          </a:fillRef>
+          <a:effectRef idx="0">
+            <a:schemeClr val="accent4"/>
+          </a:effectRef>
+          <a:fontRef idx="minor">
+            <a:schemeClr val="lt1"/>
+          </a:fontRef>
+        </p:style>
+        <p:txBody>
+          <a:bodyPr rtlCol="0" anchor="ctr"/>
+          <a:lstStyle/>
+          <a:p>
+            <a:pPr algn="ctr"/>
+            <a:r>
+              <a:rPr lang="en-US" sz="1600" dirty="0">
+                <a:solidFill>
+                  <a:schemeClr val="tx1"/>
+                </a:solidFill>
+              </a:rPr>
+              <a:t>ABP Authorization Library</a:t>
+            </a:r>
+          </a:p>
+        </p:txBody>
+      </p:sp>
+      <p:sp>
+        <p:nvSpPr>
+          <p:cNvPr id="28" name="Rectangle 27">
+            <a:extLst>
+              <a:ext uri="{FF2B5EF4-FFF2-40B4-BE49-F238E27FC236}">
+                <a16:creationId xmlns:a16="http://schemas.microsoft.com/office/drawing/2014/main" id="{8207E715-0BEB-20F0-7FBE-19F8C3920D85}"/>
+              </a:ext>
+            </a:extLst>
+          </p:cNvPr>
+          <p:cNvSpPr/>
+          <p:nvPr/>
+        </p:nvSpPr>
+        <p:spPr>
+          <a:xfrm>
+            <a:off x="7607430" y="3146269"/>
+            <a:ext cx="1428089" cy="761694"/>
+          </a:xfrm>
+          <a:prstGeom prst="rect">
+            <a:avLst/>
+          </a:prstGeom>
+        </p:spPr>
+        <p:style>
+          <a:lnRef idx="2">
+            <a:schemeClr val="accent4">
+              <a:shade val="50000"/>
+            </a:schemeClr>
+          </a:lnRef>
+          <a:fillRef idx="1">
+            <a:schemeClr val="accent4"/>
+          </a:fillRef>
+          <a:effectRef idx="0">
+            <a:schemeClr val="accent4"/>
+          </a:effectRef>
+          <a:fontRef idx="minor">
+            <a:schemeClr val="lt1"/>
+          </a:fontRef>
+        </p:style>
+        <p:txBody>
+          <a:bodyPr rtlCol="0" anchor="ctr"/>
+          <a:lstStyle/>
+          <a:p>
+            <a:pPr algn="ctr"/>
+            <a:r>
+              <a:rPr lang="en-US" sz="1600" dirty="0">
+                <a:solidFill>
+                  <a:schemeClr val="tx1"/>
+                </a:solidFill>
+              </a:rPr>
+              <a:t>ABP Authorization Library</a:t>
+            </a:r>
+          </a:p>
+        </p:txBody>
+      </p:sp>
+      <p:sp>
+        <p:nvSpPr>
+          <p:cNvPr id="29" name="Rectangle 28">
+            <a:extLst>
+              <a:ext uri="{FF2B5EF4-FFF2-40B4-BE49-F238E27FC236}">
+                <a16:creationId xmlns:a16="http://schemas.microsoft.com/office/drawing/2014/main" id="{8F11D3AC-A040-7256-DA16-B0B30BFE8577}"/>
+              </a:ext>
+            </a:extLst>
+          </p:cNvPr>
+          <p:cNvSpPr/>
+          <p:nvPr/>
+        </p:nvSpPr>
+        <p:spPr>
+          <a:xfrm>
+            <a:off x="7607430" y="4422785"/>
+            <a:ext cx="1428089" cy="761694"/>
+          </a:xfrm>
+          <a:prstGeom prst="rect">
+            <a:avLst/>
+          </a:prstGeom>
+        </p:spPr>
+        <p:style>
+          <a:lnRef idx="2">
+            <a:schemeClr val="accent4">
+              <a:shade val="50000"/>
+            </a:schemeClr>
+          </a:lnRef>
+          <a:fillRef idx="1">
+            <a:schemeClr val="accent4"/>
+          </a:fillRef>
+          <a:effectRef idx="0">
+            <a:schemeClr val="accent4"/>
+          </a:effectRef>
+          <a:fontRef idx="minor">
+            <a:schemeClr val="lt1"/>
+          </a:fontRef>
+        </p:style>
+        <p:txBody>
+          <a:bodyPr rtlCol="0" anchor="ctr"/>
+          <a:lstStyle/>
+          <a:p>
+            <a:pPr algn="ctr"/>
+            <a:r>
+              <a:rPr lang="en-US" sz="1600" dirty="0">
+                <a:solidFill>
+                  <a:schemeClr val="tx1"/>
+                </a:solidFill>
+              </a:rPr>
+              <a:t>ABP Permissions Module</a:t>
+            </a:r>
+          </a:p>
+        </p:txBody>
+      </p:sp>
+      <p:pic>
+        <p:nvPicPr>
+          <p:cNvPr id="31" name="Picture 30">
+            <a:extLst>
+              <a:ext uri="{FF2B5EF4-FFF2-40B4-BE49-F238E27FC236}">
+                <a16:creationId xmlns:a16="http://schemas.microsoft.com/office/drawing/2014/main" id="{88778800-AC4B-9B0F-5DF3-E756B8907DDF}"/>
+              </a:ext>
+            </a:extLst>
+          </p:cNvPr>
+          <p:cNvPicPr>
+            <a:picLocks noChangeAspect="1"/>
+          </p:cNvPicPr>
+          <p:nvPr/>
+        </p:nvPicPr>
+        <p:blipFill>
+          <a:blip r:embed="rId3"/>
+          <a:stretch>
+            <a:fillRect/>
+          </a:stretch>
+        </p:blipFill>
+        <p:spPr>
+          <a:xfrm>
+            <a:off x="490146" y="3352889"/>
+            <a:ext cx="4624332" cy="2891836"/>
+          </a:xfrm>
+          <a:prstGeom prst="rect">
+            <a:avLst/>
+          </a:prstGeom>
+          <a:ln w="12700">
+            <a:solidFill>
+              <a:schemeClr val="tx1">
+                <a:lumMod val="65000"/>
+                <a:lumOff val="35000"/>
+              </a:schemeClr>
+            </a:solidFill>
+          </a:ln>
+          <a:effectLst>
+            <a:outerShdw blurRad="50800" dist="38100" dir="2700000" algn="tl" rotWithShape="0">
+              <a:prstClr val="black">
+                <a:alpha val="40000"/>
+              </a:prstClr>
+            </a:outerShdw>
+          </a:effectLst>
+        </p:spPr>
+      </p:pic>
     </p:spTree>
     <p:extLst>
       <p:ext uri="{BB962C8B-B14F-4D97-AF65-F5344CB8AC3E}">
-        <p14:creationId xmlns:p14="http://schemas.microsoft.com/office/powerpoint/2010/main" val="2716205615"/>
+        <p14:creationId xmlns:p14="http://schemas.microsoft.com/office/powerpoint/2010/main" val="1054227591"/>
       </p:ext>
     </p:extLst>
   </p:cSld>

--- a/2022-10-15 Authorization-In-Distributed-Systems/Authorization-In-Distributed-Systems.pptx
+++ b/2022-10-15 Authorization-In-Distributed-Systems/Authorization-In-Distributed-Systems.pptx
@@ -23,17 +23,21 @@
     <p:sldId id="278" r:id="rId17"/>
     <p:sldId id="292" r:id="rId18"/>
     <p:sldId id="279" r:id="rId19"/>
-    <p:sldId id="280" r:id="rId20"/>
-    <p:sldId id="281" r:id="rId21"/>
+    <p:sldId id="281" r:id="rId20"/>
+    <p:sldId id="296" r:id="rId21"/>
     <p:sldId id="275" r:id="rId22"/>
-    <p:sldId id="282" r:id="rId23"/>
-    <p:sldId id="283" r:id="rId24"/>
-    <p:sldId id="284" r:id="rId25"/>
-    <p:sldId id="285" r:id="rId26"/>
-    <p:sldId id="286" r:id="rId27"/>
-    <p:sldId id="287" r:id="rId28"/>
-    <p:sldId id="288" r:id="rId29"/>
-    <p:sldId id="289" r:id="rId30"/>
+    <p:sldId id="297" r:id="rId23"/>
+    <p:sldId id="298" r:id="rId24"/>
+    <p:sldId id="299" r:id="rId25"/>
+    <p:sldId id="300" r:id="rId26"/>
+    <p:sldId id="282" r:id="rId27"/>
+    <p:sldId id="283" r:id="rId28"/>
+    <p:sldId id="284" r:id="rId29"/>
+    <p:sldId id="285" r:id="rId30"/>
+    <p:sldId id="286" r:id="rId31"/>
+    <p:sldId id="287" r:id="rId32"/>
+    <p:sldId id="288" r:id="rId33"/>
+    <p:sldId id="289" r:id="rId34"/>
   </p:sldIdLst>
   <p:sldSz cx="12192000" cy="6858000"/>
   <p:notesSz cx="6858000" cy="9144000"/>
@@ -10764,7 +10768,7 @@
                 <a:latin typeface="Euclid Circular B" panose="020B0504000000000000" pitchFamily="34" charset="0"/>
                 <a:ea typeface="Euclid Circular B" panose="020B0504000000000000" pitchFamily="34" charset="0"/>
               </a:rPr>
-              <a:t>Topic title</a:t>
+              <a:t>Inter-microservice authorization</a:t>
             </a:r>
           </a:p>
         </p:txBody>
@@ -10785,17 +10789,605 @@
             <p:ph idx="1"/>
           </p:nvPr>
         </p:nvSpPr>
-        <p:spPr/>
+        <p:spPr>
+          <a:xfrm>
+            <a:off x="838200" y="1825625"/>
+            <a:ext cx="6293590" cy="4667250"/>
+          </a:xfrm>
+        </p:spPr>
         <p:txBody>
-          <a:bodyPr/>
+          <a:bodyPr>
+            <a:normAutofit fontScale="92500"/>
+          </a:bodyPr>
           <a:lstStyle/>
           <a:p>
             <a:r>
+              <a:rPr lang="en-US" b="1" dirty="0">
+                <a:latin typeface="Euclid Circular B" panose="020B0504000000000000" pitchFamily="34" charset="0"/>
+                <a:ea typeface="Euclid Circular B" panose="020B0504000000000000" pitchFamily="34" charset="0"/>
+              </a:rPr>
+              <a:t>Option #1: No authorization</a:t>
+            </a:r>
+          </a:p>
+          <a:p>
+            <a:pPr lvl="1"/>
+            <a:r>
               <a:rPr lang="en-US" dirty="0">
                 <a:latin typeface="Euclid Circular B" panose="020B0504000000000000" pitchFamily="34" charset="0"/>
                 <a:ea typeface="Euclid Circular B" panose="020B0504000000000000" pitchFamily="34" charset="0"/>
               </a:rPr>
-              <a:t>Content</a:t>
+              <a:t>Define </a:t>
+            </a:r>
+            <a:r>
+              <a:rPr lang="en-US" b="1" dirty="0">
+                <a:latin typeface="Euclid Circular B" panose="020B0504000000000000" pitchFamily="34" charset="0"/>
+                <a:ea typeface="Euclid Circular B" panose="020B0504000000000000" pitchFamily="34" charset="0"/>
+              </a:rPr>
+              <a:t>different endpoints </a:t>
+            </a:r>
+            <a:r>
+              <a:rPr lang="en-US" dirty="0">
+                <a:latin typeface="Euclid Circular B" panose="020B0504000000000000" pitchFamily="34" charset="0"/>
+                <a:ea typeface="Euclid Circular B" panose="020B0504000000000000" pitchFamily="34" charset="0"/>
+              </a:rPr>
+              <a:t>for inter-microservice communication &amp; restrict access out of the API Gateway!</a:t>
+            </a:r>
+          </a:p>
+          <a:p>
+            <a:pPr lvl="1"/>
+            <a:r>
+              <a:rPr lang="en-US" dirty="0">
+                <a:latin typeface="Euclid Circular B" panose="020B0504000000000000" pitchFamily="34" charset="0"/>
+                <a:ea typeface="Euclid Circular B" panose="020B0504000000000000" pitchFamily="34" charset="0"/>
+              </a:rPr>
+              <a:t>Use the same endpoints, allow access based on a </a:t>
+            </a:r>
+            <a:r>
+              <a:rPr lang="en-US" b="1" dirty="0">
+                <a:latin typeface="Euclid Circular B" panose="020B0504000000000000" pitchFamily="34" charset="0"/>
+                <a:ea typeface="Euclid Circular B" panose="020B0504000000000000" pitchFamily="34" charset="0"/>
+              </a:rPr>
+              <a:t>custom HTTP header</a:t>
+            </a:r>
+            <a:r>
+              <a:rPr lang="en-US" dirty="0">
+                <a:latin typeface="Euclid Circular B" panose="020B0504000000000000" pitchFamily="34" charset="0"/>
+                <a:ea typeface="Euclid Circular B" panose="020B0504000000000000" pitchFamily="34" charset="0"/>
+              </a:rPr>
+              <a:t>.</a:t>
+            </a:r>
+          </a:p>
+          <a:p>
+            <a:pPr lvl="1"/>
+            <a:endParaRPr lang="en-US" dirty="0">
+              <a:latin typeface="Euclid Circular B" panose="020B0504000000000000" pitchFamily="34" charset="0"/>
+              <a:ea typeface="Euclid Circular B" panose="020B0504000000000000" pitchFamily="34" charset="0"/>
+            </a:endParaRPr>
+          </a:p>
+          <a:p>
+            <a:r>
+              <a:rPr lang="en-US" b="1" dirty="0">
+                <a:latin typeface="Euclid Circular B" panose="020B0504000000000000" pitchFamily="34" charset="0"/>
+                <a:ea typeface="Euclid Circular B" panose="020B0504000000000000" pitchFamily="34" charset="0"/>
+              </a:rPr>
+              <a:t>Options #2: Authorize</a:t>
+            </a:r>
+          </a:p>
+          <a:p>
+            <a:pPr lvl="1"/>
+            <a:r>
+              <a:rPr lang="en-US" b="1" dirty="0">
+                <a:latin typeface="Euclid Circular B" panose="020B0504000000000000" pitchFamily="34" charset="0"/>
+                <a:ea typeface="Euclid Circular B" panose="020B0504000000000000" pitchFamily="34" charset="0"/>
+              </a:rPr>
+              <a:t>Pass access token </a:t>
+            </a:r>
+            <a:r>
+              <a:rPr lang="en-US" dirty="0">
+                <a:latin typeface="Euclid Circular B" panose="020B0504000000000000" pitchFamily="34" charset="0"/>
+                <a:ea typeface="Euclid Circular B" panose="020B0504000000000000" pitchFamily="34" charset="0"/>
+              </a:rPr>
+              <a:t>in service calls</a:t>
+            </a:r>
+          </a:p>
+          <a:p>
+            <a:pPr lvl="1"/>
+            <a:r>
+              <a:rPr lang="en-US" b="1" dirty="0">
+                <a:latin typeface="Euclid Circular B" panose="020B0504000000000000" pitchFamily="34" charset="0"/>
+                <a:ea typeface="Euclid Circular B" panose="020B0504000000000000" pitchFamily="34" charset="0"/>
+              </a:rPr>
+              <a:t>Re-authenticate</a:t>
+            </a:r>
+            <a:r>
+              <a:rPr lang="en-US" dirty="0">
+                <a:latin typeface="Euclid Circular B" panose="020B0504000000000000" pitchFamily="34" charset="0"/>
+                <a:ea typeface="Euclid Circular B" panose="020B0504000000000000" pitchFamily="34" charset="0"/>
+              </a:rPr>
+              <a:t> via client credentials flow and manage client permissions</a:t>
+            </a:r>
+          </a:p>
+          <a:p>
+            <a:pPr lvl="1"/>
+            <a:r>
+              <a:rPr lang="en-US" b="1" dirty="0">
+                <a:latin typeface="Euclid Circular B" panose="020B0504000000000000" pitchFamily="34" charset="0"/>
+                <a:ea typeface="Euclid Circular B" panose="020B0504000000000000" pitchFamily="34" charset="0"/>
+              </a:rPr>
+              <a:t>User-context </a:t>
+            </a:r>
+            <a:r>
+              <a:rPr lang="en-US" dirty="0">
+                <a:latin typeface="Euclid Circular B" panose="020B0504000000000000" pitchFamily="34" charset="0"/>
+                <a:ea typeface="Euclid Circular B" panose="020B0504000000000000" pitchFamily="34" charset="0"/>
+              </a:rPr>
+              <a:t>available operations vs background tasks</a:t>
+            </a:r>
+          </a:p>
+        </p:txBody>
+      </p:sp>
+      <p:sp>
+        <p:nvSpPr>
+          <p:cNvPr id="4" name="Rectangle 3">
+            <a:extLst>
+              <a:ext uri="{FF2B5EF4-FFF2-40B4-BE49-F238E27FC236}">
+                <a16:creationId xmlns:a16="http://schemas.microsoft.com/office/drawing/2014/main" id="{AA5AD005-157F-6D89-B6C2-2767E59864EB}"/>
+              </a:ext>
+            </a:extLst>
+          </p:cNvPr>
+          <p:cNvSpPr/>
+          <p:nvPr/>
+        </p:nvSpPr>
+        <p:spPr>
+          <a:xfrm>
+            <a:off x="8252073" y="1845865"/>
+            <a:ext cx="2270097" cy="349858"/>
+          </a:xfrm>
+          <a:prstGeom prst="rect">
+            <a:avLst/>
+          </a:prstGeom>
+        </p:spPr>
+        <p:style>
+          <a:lnRef idx="2">
+            <a:schemeClr val="accent3">
+              <a:shade val="50000"/>
+            </a:schemeClr>
+          </a:lnRef>
+          <a:fillRef idx="1">
+            <a:schemeClr val="accent3"/>
+          </a:fillRef>
+          <a:effectRef idx="0">
+            <a:schemeClr val="accent3"/>
+          </a:effectRef>
+          <a:fontRef idx="minor">
+            <a:schemeClr val="lt1"/>
+          </a:fontRef>
+        </p:style>
+        <p:txBody>
+          <a:bodyPr rtlCol="0" anchor="ctr"/>
+          <a:lstStyle/>
+          <a:p>
+            <a:pPr algn="ctr"/>
+            <a:r>
+              <a:rPr lang="en-US" dirty="0"/>
+              <a:t>Client App</a:t>
+            </a:r>
+          </a:p>
+        </p:txBody>
+      </p:sp>
+      <p:sp>
+        <p:nvSpPr>
+          <p:cNvPr id="5" name="Rectangle 4">
+            <a:extLst>
+              <a:ext uri="{FF2B5EF4-FFF2-40B4-BE49-F238E27FC236}">
+                <a16:creationId xmlns:a16="http://schemas.microsoft.com/office/drawing/2014/main" id="{248D4E76-448C-27C2-C614-4950D9D7F002}"/>
+              </a:ext>
+            </a:extLst>
+          </p:cNvPr>
+          <p:cNvSpPr/>
+          <p:nvPr/>
+        </p:nvSpPr>
+        <p:spPr>
+          <a:xfrm>
+            <a:off x="8252073" y="2728001"/>
+            <a:ext cx="2270098" cy="443427"/>
+          </a:xfrm>
+          <a:prstGeom prst="rect">
+            <a:avLst/>
+          </a:prstGeom>
+        </p:spPr>
+        <p:style>
+          <a:lnRef idx="2">
+            <a:schemeClr val="dk1">
+              <a:shade val="50000"/>
+            </a:schemeClr>
+          </a:lnRef>
+          <a:fillRef idx="1">
+            <a:schemeClr val="dk1"/>
+          </a:fillRef>
+          <a:effectRef idx="0">
+            <a:schemeClr val="dk1"/>
+          </a:effectRef>
+          <a:fontRef idx="minor">
+            <a:schemeClr val="lt1"/>
+          </a:fontRef>
+        </p:style>
+        <p:txBody>
+          <a:bodyPr rtlCol="0" anchor="t"/>
+          <a:lstStyle/>
+          <a:p>
+            <a:pPr algn="ctr"/>
+            <a:r>
+              <a:rPr lang="en-US" dirty="0"/>
+              <a:t>API Gateway</a:t>
+            </a:r>
+          </a:p>
+        </p:txBody>
+      </p:sp>
+      <p:sp>
+        <p:nvSpPr>
+          <p:cNvPr id="6" name="Rectangle 5">
+            <a:extLst>
+              <a:ext uri="{FF2B5EF4-FFF2-40B4-BE49-F238E27FC236}">
+                <a16:creationId xmlns:a16="http://schemas.microsoft.com/office/drawing/2014/main" id="{F230D18B-E437-56B1-7FCC-F28F91905EBC}"/>
+              </a:ext>
+            </a:extLst>
+          </p:cNvPr>
+          <p:cNvSpPr/>
+          <p:nvPr/>
+        </p:nvSpPr>
+        <p:spPr>
+          <a:xfrm>
+            <a:off x="7267613" y="3993746"/>
+            <a:ext cx="1740010" cy="436202"/>
+          </a:xfrm>
+          <a:prstGeom prst="rect">
+            <a:avLst/>
+          </a:prstGeom>
+        </p:spPr>
+        <p:style>
+          <a:lnRef idx="2">
+            <a:schemeClr val="accent6">
+              <a:shade val="50000"/>
+            </a:schemeClr>
+          </a:lnRef>
+          <a:fillRef idx="1">
+            <a:schemeClr val="accent6"/>
+          </a:fillRef>
+          <a:effectRef idx="0">
+            <a:schemeClr val="accent6"/>
+          </a:effectRef>
+          <a:fontRef idx="minor">
+            <a:schemeClr val="lt1"/>
+          </a:fontRef>
+        </p:style>
+        <p:txBody>
+          <a:bodyPr rtlCol="0" anchor="ctr"/>
+          <a:lstStyle/>
+          <a:p>
+            <a:pPr algn="ctr"/>
+            <a:r>
+              <a:rPr lang="en-US" dirty="0"/>
+              <a:t>Microservice A</a:t>
+            </a:r>
+          </a:p>
+        </p:txBody>
+      </p:sp>
+      <p:cxnSp>
+        <p:nvCxnSpPr>
+          <p:cNvPr id="12" name="Straight Arrow Connector 11">
+            <a:extLst>
+              <a:ext uri="{FF2B5EF4-FFF2-40B4-BE49-F238E27FC236}">
+                <a16:creationId xmlns:a16="http://schemas.microsoft.com/office/drawing/2014/main" id="{646F32FF-43B3-0B95-8F01-A4339060C412}"/>
+              </a:ext>
+            </a:extLst>
+          </p:cNvPr>
+          <p:cNvCxnSpPr>
+            <a:cxnSpLocks/>
+            <a:stCxn id="4" idx="2"/>
+            <a:endCxn id="5" idx="0"/>
+          </p:cNvCxnSpPr>
+          <p:nvPr/>
+        </p:nvCxnSpPr>
+        <p:spPr>
+          <a:xfrm>
+            <a:off x="9387122" y="2195723"/>
+            <a:ext cx="0" cy="532278"/>
+          </a:xfrm>
+          <a:prstGeom prst="straightConnector1">
+            <a:avLst/>
+          </a:prstGeom>
+          <a:ln w="25400">
+            <a:solidFill>
+              <a:schemeClr val="tx1">
+                <a:lumMod val="85000"/>
+                <a:lumOff val="15000"/>
+              </a:schemeClr>
+            </a:solidFill>
+            <a:tailEnd type="triangle"/>
+          </a:ln>
+        </p:spPr>
+        <p:style>
+          <a:lnRef idx="1">
+            <a:schemeClr val="accent1"/>
+          </a:lnRef>
+          <a:fillRef idx="0">
+            <a:schemeClr val="accent1"/>
+          </a:fillRef>
+          <a:effectRef idx="0">
+            <a:schemeClr val="accent1"/>
+          </a:effectRef>
+          <a:fontRef idx="minor">
+            <a:schemeClr val="tx1"/>
+          </a:fontRef>
+        </p:style>
+      </p:cxnSp>
+      <p:sp>
+        <p:nvSpPr>
+          <p:cNvPr id="30" name="Rectangle 29">
+            <a:extLst>
+              <a:ext uri="{FF2B5EF4-FFF2-40B4-BE49-F238E27FC236}">
+                <a16:creationId xmlns:a16="http://schemas.microsoft.com/office/drawing/2014/main" id="{DAD9541D-4CC0-2DB3-60AE-B6038F1EB5A8}"/>
+              </a:ext>
+            </a:extLst>
+          </p:cNvPr>
+          <p:cNvSpPr/>
+          <p:nvPr/>
+        </p:nvSpPr>
+        <p:spPr>
+          <a:xfrm>
+            <a:off x="9387122" y="3993746"/>
+            <a:ext cx="1740010" cy="436202"/>
+          </a:xfrm>
+          <a:prstGeom prst="rect">
+            <a:avLst/>
+          </a:prstGeom>
+        </p:spPr>
+        <p:style>
+          <a:lnRef idx="2">
+            <a:schemeClr val="accent6">
+              <a:shade val="50000"/>
+            </a:schemeClr>
+          </a:lnRef>
+          <a:fillRef idx="1">
+            <a:schemeClr val="accent6"/>
+          </a:fillRef>
+          <a:effectRef idx="0">
+            <a:schemeClr val="accent6"/>
+          </a:effectRef>
+          <a:fontRef idx="minor">
+            <a:schemeClr val="lt1"/>
+          </a:fontRef>
+        </p:style>
+        <p:txBody>
+          <a:bodyPr rtlCol="0" anchor="ctr"/>
+          <a:lstStyle/>
+          <a:p>
+            <a:pPr algn="ctr"/>
+            <a:r>
+              <a:rPr lang="en-US" dirty="0"/>
+              <a:t>Microservice A</a:t>
+            </a:r>
+          </a:p>
+        </p:txBody>
+      </p:sp>
+      <p:cxnSp>
+        <p:nvCxnSpPr>
+          <p:cNvPr id="32" name="Straight Arrow Connector 31">
+            <a:extLst>
+              <a:ext uri="{FF2B5EF4-FFF2-40B4-BE49-F238E27FC236}">
+                <a16:creationId xmlns:a16="http://schemas.microsoft.com/office/drawing/2014/main" id="{33F03EA8-018D-93E9-0AD8-1FAB6B796F02}"/>
+              </a:ext>
+            </a:extLst>
+          </p:cNvPr>
+          <p:cNvCxnSpPr/>
+          <p:nvPr/>
+        </p:nvCxnSpPr>
+        <p:spPr>
+          <a:xfrm>
+            <a:off x="8517118" y="3171428"/>
+            <a:ext cx="0" cy="822318"/>
+          </a:xfrm>
+          <a:prstGeom prst="straightConnector1">
+            <a:avLst/>
+          </a:prstGeom>
+          <a:ln w="25400">
+            <a:solidFill>
+              <a:schemeClr val="tx1">
+                <a:lumMod val="85000"/>
+                <a:lumOff val="15000"/>
+              </a:schemeClr>
+            </a:solidFill>
+            <a:tailEnd type="triangle"/>
+          </a:ln>
+        </p:spPr>
+        <p:style>
+          <a:lnRef idx="1">
+            <a:schemeClr val="accent1"/>
+          </a:lnRef>
+          <a:fillRef idx="0">
+            <a:schemeClr val="accent1"/>
+          </a:fillRef>
+          <a:effectRef idx="0">
+            <a:schemeClr val="accent1"/>
+          </a:effectRef>
+          <a:fontRef idx="minor">
+            <a:schemeClr val="tx1"/>
+          </a:fontRef>
+        </p:style>
+      </p:cxnSp>
+      <p:cxnSp>
+        <p:nvCxnSpPr>
+          <p:cNvPr id="34" name="Straight Arrow Connector 33">
+            <a:extLst>
+              <a:ext uri="{FF2B5EF4-FFF2-40B4-BE49-F238E27FC236}">
+                <a16:creationId xmlns:a16="http://schemas.microsoft.com/office/drawing/2014/main" id="{A8EBF6FE-5F8D-4748-9837-5DB5A7E864B7}"/>
+              </a:ext>
+            </a:extLst>
+          </p:cNvPr>
+          <p:cNvCxnSpPr/>
+          <p:nvPr/>
+        </p:nvCxnSpPr>
+        <p:spPr>
+          <a:xfrm>
+            <a:off x="9853964" y="3171428"/>
+            <a:ext cx="0" cy="822318"/>
+          </a:xfrm>
+          <a:prstGeom prst="straightConnector1">
+            <a:avLst/>
+          </a:prstGeom>
+          <a:ln w="25400">
+            <a:solidFill>
+              <a:schemeClr val="tx1">
+                <a:lumMod val="85000"/>
+                <a:lumOff val="15000"/>
+              </a:schemeClr>
+            </a:solidFill>
+            <a:tailEnd type="triangle"/>
+          </a:ln>
+        </p:spPr>
+        <p:style>
+          <a:lnRef idx="1">
+            <a:schemeClr val="accent1"/>
+          </a:lnRef>
+          <a:fillRef idx="0">
+            <a:schemeClr val="accent1"/>
+          </a:fillRef>
+          <a:effectRef idx="0">
+            <a:schemeClr val="accent1"/>
+          </a:effectRef>
+          <a:fontRef idx="minor">
+            <a:schemeClr val="tx1"/>
+          </a:fontRef>
+        </p:style>
+      </p:cxnSp>
+      <p:sp>
+        <p:nvSpPr>
+          <p:cNvPr id="35" name="TextBox 34">
+            <a:extLst>
+              <a:ext uri="{FF2B5EF4-FFF2-40B4-BE49-F238E27FC236}">
+                <a16:creationId xmlns:a16="http://schemas.microsoft.com/office/drawing/2014/main" id="{991E4A28-973D-018E-990D-A680E37FE3A3}"/>
+              </a:ext>
+            </a:extLst>
+          </p:cNvPr>
+          <p:cNvSpPr txBox="1"/>
+          <p:nvPr/>
+        </p:nvSpPr>
+        <p:spPr>
+          <a:xfrm>
+            <a:off x="11275653" y="3269788"/>
+            <a:ext cx="893193" cy="1323439"/>
+          </a:xfrm>
+          <a:prstGeom prst="rect">
+            <a:avLst/>
+          </a:prstGeom>
+          <a:noFill/>
+        </p:spPr>
+        <p:txBody>
+          <a:bodyPr wrap="none" rtlCol="0">
+            <a:spAutoFit/>
+          </a:bodyPr>
+          <a:lstStyle/>
+          <a:p>
+            <a:r>
+              <a:rPr lang="en-US" sz="8000" dirty="0">
+                <a:solidFill>
+                  <a:schemeClr val="bg1">
+                    <a:lumMod val="50000"/>
+                  </a:schemeClr>
+                </a:solidFill>
+              </a:rPr>
+              <a:t>…</a:t>
+            </a:r>
+          </a:p>
+        </p:txBody>
+      </p:sp>
+      <p:cxnSp>
+        <p:nvCxnSpPr>
+          <p:cNvPr id="37" name="Connector: Elbow 36">
+            <a:extLst>
+              <a:ext uri="{FF2B5EF4-FFF2-40B4-BE49-F238E27FC236}">
+                <a16:creationId xmlns:a16="http://schemas.microsoft.com/office/drawing/2014/main" id="{250119C5-FF35-03FD-ECA9-DA1F8F62F4C0}"/>
+              </a:ext>
+            </a:extLst>
+          </p:cNvPr>
+          <p:cNvCxnSpPr>
+            <a:stCxn id="6" idx="2"/>
+            <a:endCxn id="30" idx="2"/>
+          </p:cNvCxnSpPr>
+          <p:nvPr/>
+        </p:nvCxnSpPr>
+        <p:spPr>
+          <a:xfrm rot="16200000" flipH="1">
+            <a:off x="9197372" y="3370193"/>
+            <a:ext cx="12700" cy="2119509"/>
+          </a:xfrm>
+          <a:prstGeom prst="bentConnector3">
+            <a:avLst>
+              <a:gd name="adj1" fmla="val 3427827"/>
+            </a:avLst>
+          </a:prstGeom>
+          <a:ln w="25400">
+            <a:solidFill>
+              <a:schemeClr val="tx1">
+                <a:lumMod val="85000"/>
+                <a:lumOff val="15000"/>
+              </a:schemeClr>
+            </a:solidFill>
+            <a:headEnd type="triangle"/>
+            <a:tailEnd type="triangle"/>
+          </a:ln>
+        </p:spPr>
+        <p:style>
+          <a:lnRef idx="1">
+            <a:schemeClr val="accent1"/>
+          </a:lnRef>
+          <a:fillRef idx="0">
+            <a:schemeClr val="accent1"/>
+          </a:fillRef>
+          <a:effectRef idx="0">
+            <a:schemeClr val="accent1"/>
+          </a:effectRef>
+          <a:fontRef idx="minor">
+            <a:schemeClr val="tx1"/>
+          </a:fontRef>
+        </p:style>
+      </p:cxnSp>
+      <p:sp>
+        <p:nvSpPr>
+          <p:cNvPr id="39" name="TextBox 38">
+            <a:extLst>
+              <a:ext uri="{FF2B5EF4-FFF2-40B4-BE49-F238E27FC236}">
+                <a16:creationId xmlns:a16="http://schemas.microsoft.com/office/drawing/2014/main" id="{C060185C-3D6A-D0F5-1139-296323527078}"/>
+              </a:ext>
+            </a:extLst>
+          </p:cNvPr>
+          <p:cNvSpPr txBox="1"/>
+          <p:nvPr/>
+        </p:nvSpPr>
+        <p:spPr>
+          <a:xfrm>
+            <a:off x="8211933" y="4914738"/>
+            <a:ext cx="2029723" cy="461665"/>
+          </a:xfrm>
+          <a:prstGeom prst="rect">
+            <a:avLst/>
+          </a:prstGeom>
+          <a:noFill/>
+        </p:spPr>
+        <p:txBody>
+          <a:bodyPr wrap="none" rtlCol="0">
+            <a:spAutoFit/>
+          </a:bodyPr>
+          <a:lstStyle/>
+          <a:p>
+            <a:r>
+              <a:rPr lang="en-US" sz="2400" dirty="0">
+                <a:solidFill>
+                  <a:srgbClr val="FF0000"/>
+                </a:solidFill>
+              </a:rPr>
+              <a:t>Authorization?</a:t>
             </a:r>
           </a:p>
         </p:txBody>
@@ -10846,10 +11438,10 @@
       </p:grpSpPr>
       <p:sp>
         <p:nvSpPr>
-          <p:cNvPr id="2" name="Title 1">
-            <a:extLst>
-              <a:ext uri="{FF2B5EF4-FFF2-40B4-BE49-F238E27FC236}">
-                <a16:creationId xmlns:a16="http://schemas.microsoft.com/office/drawing/2014/main" id="{55E11F08-6CA0-48F1-AD67-97430DDA07F0}"/>
+          <p:cNvPr id="8" name="Title 1">
+            <a:extLst>
+              <a:ext uri="{FF2B5EF4-FFF2-40B4-BE49-F238E27FC236}">
+                <a16:creationId xmlns:a16="http://schemas.microsoft.com/office/drawing/2014/main" id="{F001CCB5-6F41-6C7C-5471-BC8848D2213E}"/>
               </a:ext>
             </a:extLst>
           </p:cNvPr>
@@ -10860,7 +11452,12 @@
             <p:ph type="title"/>
           </p:nvPr>
         </p:nvSpPr>
-        <p:spPr/>
+        <p:spPr>
+          <a:xfrm>
+            <a:off x="838200" y="365125"/>
+            <a:ext cx="10515600" cy="1325563"/>
+          </a:xfrm>
+        </p:spPr>
         <p:txBody>
           <a:bodyPr/>
           <a:lstStyle/>
@@ -10873,38 +11470,219 @@
                 <a:latin typeface="Euclid Circular B" panose="020B0504000000000000" pitchFamily="34" charset="0"/>
                 <a:ea typeface="Euclid Circular B" panose="020B0504000000000000" pitchFamily="34" charset="0"/>
               </a:rPr>
-              <a:t>Topic title</a:t>
+              <a:t>ABP: Permission Management</a:t>
+            </a:r>
+          </a:p>
+        </p:txBody>
+      </p:sp>
+      <p:pic>
+        <p:nvPicPr>
+          <p:cNvPr id="9" name="Picture 8">
+            <a:extLst>
+              <a:ext uri="{FF2B5EF4-FFF2-40B4-BE49-F238E27FC236}">
+                <a16:creationId xmlns:a16="http://schemas.microsoft.com/office/drawing/2014/main" id="{46D821F1-BB7C-8010-DD38-887D3DE8911F}"/>
+              </a:ext>
+            </a:extLst>
+          </p:cNvPr>
+          <p:cNvPicPr>
+            <a:picLocks noChangeAspect="1"/>
+          </p:cNvPicPr>
+          <p:nvPr/>
+        </p:nvPicPr>
+        <p:blipFill>
+          <a:blip r:embed="rId3"/>
+          <a:stretch>
+            <a:fillRect/>
+          </a:stretch>
+        </p:blipFill>
+        <p:spPr>
+          <a:xfrm>
+            <a:off x="602797" y="1770200"/>
+            <a:ext cx="5586454" cy="1763745"/>
+          </a:xfrm>
+          <a:prstGeom prst="rect">
+            <a:avLst/>
+          </a:prstGeom>
+        </p:spPr>
+      </p:pic>
+      <p:pic>
+        <p:nvPicPr>
+          <p:cNvPr id="10" name="Picture 9">
+            <a:extLst>
+              <a:ext uri="{FF2B5EF4-FFF2-40B4-BE49-F238E27FC236}">
+                <a16:creationId xmlns:a16="http://schemas.microsoft.com/office/drawing/2014/main" id="{458C49AC-9769-91F0-0385-33ED029E6166}"/>
+              </a:ext>
+            </a:extLst>
+          </p:cNvPr>
+          <p:cNvPicPr>
+            <a:picLocks noChangeAspect="1"/>
+          </p:cNvPicPr>
+          <p:nvPr/>
+        </p:nvPicPr>
+        <p:blipFill>
+          <a:blip r:embed="rId4"/>
+          <a:stretch>
+            <a:fillRect/>
+          </a:stretch>
+        </p:blipFill>
+        <p:spPr>
+          <a:xfrm>
+            <a:off x="6411520" y="1770200"/>
+            <a:ext cx="5366538" cy="4225083"/>
+          </a:xfrm>
+          <a:prstGeom prst="rect">
+            <a:avLst/>
+          </a:prstGeom>
+        </p:spPr>
+      </p:pic>
+      <p:sp>
+        <p:nvSpPr>
+          <p:cNvPr id="11" name="TextBox 10">
+            <a:extLst>
+              <a:ext uri="{FF2B5EF4-FFF2-40B4-BE49-F238E27FC236}">
+                <a16:creationId xmlns:a16="http://schemas.microsoft.com/office/drawing/2014/main" id="{3F5337DE-D518-E12C-27A2-6F58214740A1}"/>
+              </a:ext>
+            </a:extLst>
+          </p:cNvPr>
+          <p:cNvSpPr txBox="1"/>
+          <p:nvPr/>
+        </p:nvSpPr>
+        <p:spPr>
+          <a:xfrm>
+            <a:off x="2257058" y="1400868"/>
+            <a:ext cx="2277931" cy="369332"/>
+          </a:xfrm>
+          <a:prstGeom prst="rect">
+            <a:avLst/>
+          </a:prstGeom>
+          <a:noFill/>
+        </p:spPr>
+        <p:txBody>
+          <a:bodyPr wrap="none" rtlCol="0">
+            <a:spAutoFit/>
+          </a:bodyPr>
+          <a:lstStyle/>
+          <a:p>
+            <a:r>
+              <a:rPr lang="en-US" dirty="0"/>
+              <a:t>(1) Define Permissions</a:t>
             </a:r>
           </a:p>
         </p:txBody>
       </p:sp>
       <p:sp>
         <p:nvSpPr>
-          <p:cNvPr id="3" name="Content Placeholder 2">
-            <a:extLst>
-              <a:ext uri="{FF2B5EF4-FFF2-40B4-BE49-F238E27FC236}">
-                <a16:creationId xmlns:a16="http://schemas.microsoft.com/office/drawing/2014/main" id="{891C7693-D3DF-4635-96F4-97F3B4136FDF}"/>
-              </a:ext>
-            </a:extLst>
-          </p:cNvPr>
-          <p:cNvSpPr>
-            <a:spLocks noGrp="1"/>
-          </p:cNvSpPr>
-          <p:nvPr>
-            <p:ph idx="1"/>
-          </p:nvPr>
+          <p:cNvPr id="12" name="TextBox 11">
+            <a:extLst>
+              <a:ext uri="{FF2B5EF4-FFF2-40B4-BE49-F238E27FC236}">
+                <a16:creationId xmlns:a16="http://schemas.microsoft.com/office/drawing/2014/main" id="{4F7BA705-AA0E-676D-E676-A9335474A6AB}"/>
+              </a:ext>
+            </a:extLst>
+          </p:cNvPr>
+          <p:cNvSpPr txBox="1"/>
+          <p:nvPr/>
         </p:nvSpPr>
-        <p:spPr/>
+        <p:spPr>
+          <a:xfrm>
+            <a:off x="7982849" y="1426510"/>
+            <a:ext cx="2223879" cy="369332"/>
+          </a:xfrm>
+          <a:prstGeom prst="rect">
+            <a:avLst/>
+          </a:prstGeom>
+          <a:noFill/>
+        </p:spPr>
         <p:txBody>
-          <a:bodyPr/>
+          <a:bodyPr wrap="none" rtlCol="0">
+            <a:spAutoFit/>
+          </a:bodyPr>
           <a:lstStyle/>
           <a:p>
             <a:r>
-              <a:rPr lang="en-US" dirty="0">
-                <a:latin typeface="Euclid Circular B" panose="020B0504000000000000" pitchFamily="34" charset="0"/>
-                <a:ea typeface="Euclid Circular B" panose="020B0504000000000000" pitchFamily="34" charset="0"/>
-              </a:rPr>
-              <a:t>Content</a:t>
+              <a:rPr lang="en-US" dirty="0"/>
+              <a:t>(2) Check Permissions</a:t>
+            </a:r>
+          </a:p>
+        </p:txBody>
+      </p:sp>
+      <p:pic>
+        <p:nvPicPr>
+          <p:cNvPr id="13" name="Picture 2" descr="authorization-new-permission-ui-localized">
+            <a:extLst>
+              <a:ext uri="{FF2B5EF4-FFF2-40B4-BE49-F238E27FC236}">
+                <a16:creationId xmlns:a16="http://schemas.microsoft.com/office/drawing/2014/main" id="{0E7864BE-D03C-4C56-BC6C-13A720B3B921}"/>
+              </a:ext>
+            </a:extLst>
+          </p:cNvPr>
+          <p:cNvPicPr>
+            <a:picLocks noChangeAspect="1" noChangeArrowheads="1"/>
+          </p:cNvPicPr>
+          <p:nvPr/>
+        </p:nvPicPr>
+        <p:blipFill>
+          <a:blip r:embed="rId5">
+            <a:extLst>
+              <a:ext uri="{28A0092B-C50C-407E-A947-70E740481C1C}">
+                <a14:useLocalDpi xmlns:a14="http://schemas.microsoft.com/office/drawing/2010/main" val="0"/>
+              </a:ext>
+            </a:extLst>
+          </a:blip>
+          <a:srcRect/>
+          <a:stretch>
+            <a:fillRect/>
+          </a:stretch>
+        </p:blipFill>
+        <p:spPr bwMode="auto">
+          <a:xfrm>
+            <a:off x="602797" y="4040687"/>
+            <a:ext cx="5586454" cy="2509540"/>
+          </a:xfrm>
+          <a:prstGeom prst="rect">
+            <a:avLst/>
+          </a:prstGeom>
+          <a:noFill/>
+          <a:extLst>
+            <a:ext uri="{909E8E84-426E-40DD-AFC4-6F175D3DCCD1}">
+              <a14:hiddenFill xmlns:a14="http://schemas.microsoft.com/office/drawing/2010/main">
+                <a:solidFill>
+                  <a:srgbClr val="FFFFFF"/>
+                </a:solidFill>
+              </a14:hiddenFill>
+            </a:ext>
+          </a:extLst>
+        </p:spPr>
+      </p:pic>
+      <p:sp>
+        <p:nvSpPr>
+          <p:cNvPr id="14" name="TextBox 13">
+            <a:extLst>
+              <a:ext uri="{FF2B5EF4-FFF2-40B4-BE49-F238E27FC236}">
+                <a16:creationId xmlns:a16="http://schemas.microsoft.com/office/drawing/2014/main" id="{0471F40B-ACA3-6F4B-04AA-9B2D96C31597}"/>
+              </a:ext>
+            </a:extLst>
+          </p:cNvPr>
+          <p:cNvSpPr txBox="1"/>
+          <p:nvPr/>
+        </p:nvSpPr>
+        <p:spPr>
+          <a:xfrm>
+            <a:off x="2257058" y="3692969"/>
+            <a:ext cx="2189767" cy="369332"/>
+          </a:xfrm>
+          <a:prstGeom prst="rect">
+            <a:avLst/>
+          </a:prstGeom>
+          <a:noFill/>
+        </p:spPr>
+        <p:txBody>
+          <a:bodyPr wrap="none" rtlCol="0">
+            <a:spAutoFit/>
+          </a:bodyPr>
+          <a:lstStyle/>
+          <a:p>
+            <a:r>
+              <a:rPr lang="en-US" dirty="0"/>
+              <a:t>(3) Grant Permissions</a:t>
             </a:r>
           </a:p>
         </p:txBody>
@@ -10912,13 +11690,312 @@
     </p:spTree>
     <p:extLst>
       <p:ext uri="{BB962C8B-B14F-4D97-AF65-F5344CB8AC3E}">
-        <p14:creationId xmlns:p14="http://schemas.microsoft.com/office/powerpoint/2010/main" val="2947418974"/>
+        <p14:creationId xmlns:p14="http://schemas.microsoft.com/office/powerpoint/2010/main" val="2716205615"/>
       </p:ext>
     </p:extLst>
   </p:cSld>
   <p:clrMapOvr>
     <a:masterClrMapping/>
   </p:clrMapOvr>
+  <p:timing>
+    <p:tnLst>
+      <p:par>
+        <p:cTn id="1" dur="indefinite" restart="never" nodeType="tmRoot">
+          <p:childTnLst>
+            <p:seq concurrent="1" nextAc="seek">
+              <p:cTn id="2" dur="indefinite" nodeType="mainSeq">
+                <p:childTnLst>
+                  <p:par>
+                    <p:cTn id="3" fill="hold">
+                      <p:stCondLst>
+                        <p:cond delay="indefinite"/>
+                      </p:stCondLst>
+                      <p:childTnLst>
+                        <p:par>
+                          <p:cTn id="4" fill="hold">
+                            <p:stCondLst>
+                              <p:cond delay="0"/>
+                            </p:stCondLst>
+                            <p:childTnLst>
+                              <p:par>
+                                <p:cTn id="5" presetID="10" presetClass="entr" presetSubtype="0" fill="hold" grpId="0" nodeType="clickEffect">
+                                  <p:stCondLst>
+                                    <p:cond delay="0"/>
+                                  </p:stCondLst>
+                                  <p:childTnLst>
+                                    <p:set>
+                                      <p:cBhvr>
+                                        <p:cTn id="6" dur="1" fill="hold">
+                                          <p:stCondLst>
+                                            <p:cond delay="0"/>
+                                          </p:stCondLst>
+                                        </p:cTn>
+                                        <p:tgtEl>
+                                          <p:spTgt spid="11"/>
+                                        </p:tgtEl>
+                                        <p:attrNameLst>
+                                          <p:attrName>style.visibility</p:attrName>
+                                        </p:attrNameLst>
+                                      </p:cBhvr>
+                                      <p:to>
+                                        <p:strVal val="visible"/>
+                                      </p:to>
+                                    </p:set>
+                                    <p:animEffect transition="in" filter="fade">
+                                      <p:cBhvr>
+                                        <p:cTn id="7" dur="500"/>
+                                        <p:tgtEl>
+                                          <p:spTgt spid="11"/>
+                                        </p:tgtEl>
+                                      </p:cBhvr>
+                                    </p:animEffect>
+                                  </p:childTnLst>
+                                </p:cTn>
+                              </p:par>
+                              <p:par>
+                                <p:cTn id="8" presetID="10" presetClass="entr" presetSubtype="0" fill="hold" nodeType="withEffect">
+                                  <p:stCondLst>
+                                    <p:cond delay="0"/>
+                                  </p:stCondLst>
+                                  <p:childTnLst>
+                                    <p:set>
+                                      <p:cBhvr>
+                                        <p:cTn id="9" dur="1" fill="hold">
+                                          <p:stCondLst>
+                                            <p:cond delay="0"/>
+                                          </p:stCondLst>
+                                        </p:cTn>
+                                        <p:tgtEl>
+                                          <p:spTgt spid="9"/>
+                                        </p:tgtEl>
+                                        <p:attrNameLst>
+                                          <p:attrName>style.visibility</p:attrName>
+                                        </p:attrNameLst>
+                                      </p:cBhvr>
+                                      <p:to>
+                                        <p:strVal val="visible"/>
+                                      </p:to>
+                                    </p:set>
+                                    <p:animEffect transition="in" filter="fade">
+                                      <p:cBhvr>
+                                        <p:cTn id="10" dur="500"/>
+                                        <p:tgtEl>
+                                          <p:spTgt spid="9"/>
+                                        </p:tgtEl>
+                                      </p:cBhvr>
+                                    </p:animEffect>
+                                  </p:childTnLst>
+                                </p:cTn>
+                              </p:par>
+                            </p:childTnLst>
+                          </p:cTn>
+                        </p:par>
+                      </p:childTnLst>
+                    </p:cTn>
+                  </p:par>
+                  <p:par>
+                    <p:cTn id="11" fill="hold">
+                      <p:stCondLst>
+                        <p:cond delay="indefinite"/>
+                      </p:stCondLst>
+                      <p:childTnLst>
+                        <p:par>
+                          <p:cTn id="12" fill="hold">
+                            <p:stCondLst>
+                              <p:cond delay="0"/>
+                            </p:stCondLst>
+                            <p:childTnLst>
+                              <p:par>
+                                <p:cTn id="13" presetID="10" presetClass="entr" presetSubtype="0" fill="hold" grpId="0" nodeType="clickEffect">
+                                  <p:stCondLst>
+                                    <p:cond delay="0"/>
+                                  </p:stCondLst>
+                                  <p:childTnLst>
+                                    <p:set>
+                                      <p:cBhvr>
+                                        <p:cTn id="14" dur="1" fill="hold">
+                                          <p:stCondLst>
+                                            <p:cond delay="0"/>
+                                          </p:stCondLst>
+                                        </p:cTn>
+                                        <p:tgtEl>
+                                          <p:spTgt spid="12"/>
+                                        </p:tgtEl>
+                                        <p:attrNameLst>
+                                          <p:attrName>style.visibility</p:attrName>
+                                        </p:attrNameLst>
+                                      </p:cBhvr>
+                                      <p:to>
+                                        <p:strVal val="visible"/>
+                                      </p:to>
+                                    </p:set>
+                                    <p:animEffect transition="in" filter="fade">
+                                      <p:cBhvr>
+                                        <p:cTn id="15" dur="500"/>
+                                        <p:tgtEl>
+                                          <p:spTgt spid="12"/>
+                                        </p:tgtEl>
+                                      </p:cBhvr>
+                                    </p:animEffect>
+                                  </p:childTnLst>
+                                </p:cTn>
+                              </p:par>
+                              <p:par>
+                                <p:cTn id="16" presetID="10" presetClass="entr" presetSubtype="0" fill="hold" nodeType="withEffect">
+                                  <p:stCondLst>
+                                    <p:cond delay="0"/>
+                                  </p:stCondLst>
+                                  <p:childTnLst>
+                                    <p:set>
+                                      <p:cBhvr>
+                                        <p:cTn id="17" dur="1" fill="hold">
+                                          <p:stCondLst>
+                                            <p:cond delay="0"/>
+                                          </p:stCondLst>
+                                        </p:cTn>
+                                        <p:tgtEl>
+                                          <p:spTgt spid="10"/>
+                                        </p:tgtEl>
+                                        <p:attrNameLst>
+                                          <p:attrName>style.visibility</p:attrName>
+                                        </p:attrNameLst>
+                                      </p:cBhvr>
+                                      <p:to>
+                                        <p:strVal val="visible"/>
+                                      </p:to>
+                                    </p:set>
+                                    <p:animEffect transition="in" filter="fade">
+                                      <p:cBhvr>
+                                        <p:cTn id="18" dur="500"/>
+                                        <p:tgtEl>
+                                          <p:spTgt spid="10"/>
+                                        </p:tgtEl>
+                                      </p:cBhvr>
+                                    </p:animEffect>
+                                  </p:childTnLst>
+                                </p:cTn>
+                              </p:par>
+                            </p:childTnLst>
+                          </p:cTn>
+                        </p:par>
+                      </p:childTnLst>
+                    </p:cTn>
+                  </p:par>
+                  <p:par>
+                    <p:cTn id="19" fill="hold">
+                      <p:stCondLst>
+                        <p:cond delay="indefinite"/>
+                      </p:stCondLst>
+                      <p:childTnLst>
+                        <p:par>
+                          <p:cTn id="20" fill="hold">
+                            <p:stCondLst>
+                              <p:cond delay="0"/>
+                            </p:stCondLst>
+                            <p:childTnLst>
+                              <p:par>
+                                <p:cTn id="21" presetID="10" presetClass="entr" presetSubtype="0" fill="hold" grpId="0" nodeType="clickEffect">
+                                  <p:stCondLst>
+                                    <p:cond delay="0"/>
+                                  </p:stCondLst>
+                                  <p:childTnLst>
+                                    <p:set>
+                                      <p:cBhvr>
+                                        <p:cTn id="22" dur="1" fill="hold">
+                                          <p:stCondLst>
+                                            <p:cond delay="0"/>
+                                          </p:stCondLst>
+                                        </p:cTn>
+                                        <p:tgtEl>
+                                          <p:spTgt spid="14"/>
+                                        </p:tgtEl>
+                                        <p:attrNameLst>
+                                          <p:attrName>style.visibility</p:attrName>
+                                        </p:attrNameLst>
+                                      </p:cBhvr>
+                                      <p:to>
+                                        <p:strVal val="visible"/>
+                                      </p:to>
+                                    </p:set>
+                                    <p:animEffect transition="in" filter="fade">
+                                      <p:cBhvr>
+                                        <p:cTn id="23" dur="500"/>
+                                        <p:tgtEl>
+                                          <p:spTgt spid="14"/>
+                                        </p:tgtEl>
+                                      </p:cBhvr>
+                                    </p:animEffect>
+                                  </p:childTnLst>
+                                </p:cTn>
+                              </p:par>
+                              <p:par>
+                                <p:cTn id="24" presetID="10" presetClass="entr" presetSubtype="0" fill="hold" nodeType="withEffect">
+                                  <p:stCondLst>
+                                    <p:cond delay="0"/>
+                                  </p:stCondLst>
+                                  <p:childTnLst>
+                                    <p:set>
+                                      <p:cBhvr>
+                                        <p:cTn id="25" dur="1" fill="hold">
+                                          <p:stCondLst>
+                                            <p:cond delay="0"/>
+                                          </p:stCondLst>
+                                        </p:cTn>
+                                        <p:tgtEl>
+                                          <p:spTgt spid="13"/>
+                                        </p:tgtEl>
+                                        <p:attrNameLst>
+                                          <p:attrName>style.visibility</p:attrName>
+                                        </p:attrNameLst>
+                                      </p:cBhvr>
+                                      <p:to>
+                                        <p:strVal val="visible"/>
+                                      </p:to>
+                                    </p:set>
+                                    <p:animEffect transition="in" filter="fade">
+                                      <p:cBhvr>
+                                        <p:cTn id="26" dur="500"/>
+                                        <p:tgtEl>
+                                          <p:spTgt spid="13"/>
+                                        </p:tgtEl>
+                                      </p:cBhvr>
+                                    </p:animEffect>
+                                  </p:childTnLst>
+                                </p:cTn>
+                              </p:par>
+                            </p:childTnLst>
+                          </p:cTn>
+                        </p:par>
+                      </p:childTnLst>
+                    </p:cTn>
+                  </p:par>
+                </p:childTnLst>
+              </p:cTn>
+              <p:prevCondLst>
+                <p:cond evt="onPrev" delay="0">
+                  <p:tgtEl>
+                    <p:sldTgt/>
+                  </p:tgtEl>
+                </p:cond>
+              </p:prevCondLst>
+              <p:nextCondLst>
+                <p:cond evt="onNext" delay="0">
+                  <p:tgtEl>
+                    <p:sldTgt/>
+                  </p:tgtEl>
+                </p:cond>
+              </p:nextCondLst>
+            </p:seq>
+          </p:childTnLst>
+        </p:cTn>
+      </p:par>
+    </p:tnLst>
+    <p:bldLst>
+      <p:bldP spid="11" grpId="0"/>
+      <p:bldP spid="12" grpId="0"/>
+      <p:bldP spid="14" grpId="0"/>
+    </p:bldLst>
+  </p:timing>
 </p:sld>
 </file>
 
@@ -11143,17 +12220,17 @@
                 <a:latin typeface="Euclid Circular B" panose="020B0504000000000000" pitchFamily="34" charset="0"/>
                 <a:ea typeface="Euclid Circular B" panose="020B0504000000000000" pitchFamily="34" charset="0"/>
               </a:rPr>
-              <a:t>Topic title</a:t>
+              <a:t>ABP: Permission Definition</a:t>
             </a:r>
           </a:p>
         </p:txBody>
       </p:sp>
       <p:sp>
         <p:nvSpPr>
-          <p:cNvPr id="3" name="Content Placeholder 2">
-            <a:extLst>
-              <a:ext uri="{FF2B5EF4-FFF2-40B4-BE49-F238E27FC236}">
-                <a16:creationId xmlns:a16="http://schemas.microsoft.com/office/drawing/2014/main" id="{891C7693-D3DF-4635-96F4-97F3B4136FDF}"/>
+          <p:cNvPr id="8" name="Content Placeholder 2">
+            <a:extLst>
+              <a:ext uri="{FF2B5EF4-FFF2-40B4-BE49-F238E27FC236}">
+                <a16:creationId xmlns:a16="http://schemas.microsoft.com/office/drawing/2014/main" id="{C27F48BF-761A-64B5-7170-61D8ECFDC9EE}"/>
               </a:ext>
             </a:extLst>
           </p:cNvPr>
@@ -11164,25 +12241,89 @@
             <p:ph idx="1"/>
           </p:nvPr>
         </p:nvSpPr>
-        <p:spPr/>
+        <p:spPr>
+          <a:xfrm>
+            <a:off x="838199" y="4235449"/>
+            <a:ext cx="10515599" cy="2257425"/>
+          </a:xfrm>
+        </p:spPr>
         <p:txBody>
-          <a:bodyPr/>
+          <a:bodyPr>
+            <a:normAutofit/>
+          </a:bodyPr>
           <a:lstStyle/>
           <a:p>
             <a:r>
-              <a:rPr lang="en-US" dirty="0">
-                <a:latin typeface="Euclid Circular B" panose="020B0504000000000000" pitchFamily="34" charset="0"/>
-                <a:ea typeface="Euclid Circular B" panose="020B0504000000000000" pitchFamily="34" charset="0"/>
-              </a:rPr>
-              <a:t>Content</a:t>
+              <a:rPr lang="en-US" sz="2400" dirty="0">
+                <a:latin typeface="Euclid Circular B" panose="020B0504000000000000" pitchFamily="34" charset="0"/>
+                <a:ea typeface="Euclid Circular B" panose="020B0504000000000000" pitchFamily="34" charset="0"/>
+              </a:rPr>
+              <a:t>Permission name</a:t>
+            </a:r>
+          </a:p>
+          <a:p>
+            <a:r>
+              <a:rPr lang="en-US" sz="2400" dirty="0">
+                <a:latin typeface="Euclid Circular B" panose="020B0504000000000000" pitchFamily="34" charset="0"/>
+                <a:ea typeface="Euclid Circular B" panose="020B0504000000000000" pitchFamily="34" charset="0"/>
+              </a:rPr>
+              <a:t>Localized permission display name</a:t>
+            </a:r>
+          </a:p>
+          <a:p>
+            <a:r>
+              <a:rPr lang="en-US" sz="2400" dirty="0">
+                <a:latin typeface="Euclid Circular B" panose="020B0504000000000000" pitchFamily="34" charset="0"/>
+                <a:ea typeface="Euclid Circular B" panose="020B0504000000000000" pitchFamily="34" charset="0"/>
+              </a:rPr>
+              <a:t>Other dependencies: features, global features</a:t>
+            </a:r>
+          </a:p>
+          <a:p>
+            <a:r>
+              <a:rPr lang="en-US" sz="2400" dirty="0">
+                <a:latin typeface="Euclid Circular B" panose="020B0504000000000000" pitchFamily="34" charset="0"/>
+                <a:ea typeface="Euclid Circular B" panose="020B0504000000000000" pitchFamily="34" charset="0"/>
+              </a:rPr>
+              <a:t>Custom data</a:t>
             </a:r>
           </a:p>
         </p:txBody>
       </p:sp>
+      <p:pic>
+        <p:nvPicPr>
+          <p:cNvPr id="10" name="Picture 9">
+            <a:extLst>
+              <a:ext uri="{FF2B5EF4-FFF2-40B4-BE49-F238E27FC236}">
+                <a16:creationId xmlns:a16="http://schemas.microsoft.com/office/drawing/2014/main" id="{06E5081E-4DA6-90A0-30D9-33A516BE68C5}"/>
+              </a:ext>
+            </a:extLst>
+          </p:cNvPr>
+          <p:cNvPicPr>
+            <a:picLocks noChangeAspect="1"/>
+          </p:cNvPicPr>
+          <p:nvPr/>
+        </p:nvPicPr>
+        <p:blipFill>
+          <a:blip r:embed="rId3"/>
+          <a:stretch>
+            <a:fillRect/>
+          </a:stretch>
+        </p:blipFill>
+        <p:spPr>
+          <a:xfrm>
+            <a:off x="838199" y="1690688"/>
+            <a:ext cx="8477250" cy="2257425"/>
+          </a:xfrm>
+          <a:prstGeom prst="rect">
+            <a:avLst/>
+          </a:prstGeom>
+        </p:spPr>
+      </p:pic>
     </p:spTree>
     <p:extLst>
       <p:ext uri="{BB962C8B-B14F-4D97-AF65-F5344CB8AC3E}">
-        <p14:creationId xmlns:p14="http://schemas.microsoft.com/office/powerpoint/2010/main" val="2716205615"/>
+        <p14:creationId xmlns:p14="http://schemas.microsoft.com/office/powerpoint/2010/main" val="4098382347"/>
       </p:ext>
     </p:extLst>
   </p:cSld>
@@ -11744,10 +12885,10 @@
       </p:sp>
       <p:sp>
         <p:nvSpPr>
-          <p:cNvPr id="16" name="TextBox 15">
-            <a:extLst>
-              <a:ext uri="{FF2B5EF4-FFF2-40B4-BE49-F238E27FC236}">
-                <a16:creationId xmlns:a16="http://schemas.microsoft.com/office/drawing/2014/main" id="{B00A8EE4-C941-DEDE-C9A9-B36ECBF74E00}"/>
+          <p:cNvPr id="17" name="TextBox 16">
+            <a:extLst>
+              <a:ext uri="{FF2B5EF4-FFF2-40B4-BE49-F238E27FC236}">
+                <a16:creationId xmlns:a16="http://schemas.microsoft.com/office/drawing/2014/main" id="{206E39D4-59BA-8965-FB9B-6DA187FB8079}"/>
               </a:ext>
             </a:extLst>
           </p:cNvPr>
@@ -11756,8 +12897,8 @@
         </p:nvSpPr>
         <p:spPr>
           <a:xfrm>
-            <a:off x="9543054" y="4430664"/>
-            <a:ext cx="2202591" cy="646331"/>
+            <a:off x="9738810" y="4332186"/>
+            <a:ext cx="2327304" cy="923330"/>
           </a:xfrm>
           <a:prstGeom prst="rect">
             <a:avLst/>
@@ -11771,88 +12912,22 @@
           <a:lstStyle/>
           <a:p>
             <a:r>
-              <a:rPr lang="en-US" b="1" u="sng" dirty="0">
-                <a:solidFill>
-                  <a:schemeClr val="bg1">
-                    <a:lumMod val="50000"/>
-                  </a:schemeClr>
-                </a:solidFill>
-              </a:rPr>
-              <a:t>Database Tables</a:t>
+              <a:rPr lang="en-US" dirty="0"/>
+              <a:t>Permission Groups</a:t>
             </a:r>
             <a:br>
-              <a:rPr lang="en-US" dirty="0">
-                <a:solidFill>
-                  <a:schemeClr val="bg1">
-                    <a:lumMod val="50000"/>
-                  </a:schemeClr>
-                </a:solidFill>
-              </a:rPr>
+              <a:rPr lang="en-US" dirty="0"/>
             </a:br>
             <a:r>
-              <a:rPr lang="en-US" dirty="0" err="1"/>
-              <a:t>AbpPermissionGrants</a:t>
-            </a:r>
-            <a:endParaRPr lang="en-US" dirty="0"/>
-          </a:p>
-        </p:txBody>
-      </p:sp>
-      <p:sp>
-        <p:nvSpPr>
-          <p:cNvPr id="17" name="TextBox 16">
-            <a:extLst>
-              <a:ext uri="{FF2B5EF4-FFF2-40B4-BE49-F238E27FC236}">
-                <a16:creationId xmlns:a16="http://schemas.microsoft.com/office/drawing/2014/main" id="{206E39D4-59BA-8965-FB9B-6DA187FB8079}"/>
-              </a:ext>
-            </a:extLst>
-          </p:cNvPr>
-          <p:cNvSpPr txBox="1"/>
-          <p:nvPr/>
-        </p:nvSpPr>
-        <p:spPr>
-          <a:xfrm>
-            <a:off x="9543054" y="4981725"/>
-            <a:ext cx="2304157" cy="646331"/>
-          </a:xfrm>
-          <a:prstGeom prst="rect">
-            <a:avLst/>
-          </a:prstGeom>
-          <a:noFill/>
-        </p:spPr>
-        <p:txBody>
-          <a:bodyPr wrap="none" rtlCol="0">
-            <a:spAutoFit/>
-          </a:bodyPr>
-          <a:lstStyle/>
-          <a:p>
-            <a:r>
-              <a:rPr lang="en-US" b="1" dirty="0" err="1">
-                <a:solidFill>
-                  <a:srgbClr val="0070C0"/>
-                </a:solidFill>
-              </a:rPr>
-              <a:t>AbpPermissionGroups</a:t>
-            </a:r>
-            <a:br>
-              <a:rPr lang="en-US" b="1" dirty="0">
-                <a:solidFill>
-                  <a:srgbClr val="0070C0"/>
-                </a:solidFill>
-              </a:rPr>
-            </a:br>
-            <a:r>
-              <a:rPr lang="en-US" b="1" dirty="0" err="1">
-                <a:solidFill>
-                  <a:srgbClr val="0070C0"/>
-                </a:solidFill>
-              </a:rPr>
-              <a:t>AbpPermissions</a:t>
-            </a:r>
-            <a:endParaRPr lang="en-US" b="1" dirty="0">
-              <a:solidFill>
-                <a:srgbClr val="0070C0"/>
-              </a:solidFill>
-            </a:endParaRPr>
+              <a:rPr lang="en-US" dirty="0"/>
+              <a:t>Permission Definitions</a:t>
+            </a:r>
+          </a:p>
+          <a:p>
+            <a:r>
+              <a:rPr lang="en-US" dirty="0"/>
+              <a:t>Permission Grants</a:t>
+            </a:r>
           </a:p>
         </p:txBody>
       </p:sp>
@@ -12010,7 +13085,7 @@
                   <a:schemeClr val="tx1"/>
                 </a:solidFill>
               </a:rPr>
-              <a:t>ABP Permissions Module</a:t>
+              <a:t>ABP Authorization Library</a:t>
             </a:r>
           </a:p>
         </p:txBody>
@@ -12172,7 +13247,7 @@
     </p:spTree>
     <p:extLst>
       <p:ext uri="{BB962C8B-B14F-4D97-AF65-F5344CB8AC3E}">
-        <p14:creationId xmlns:p14="http://schemas.microsoft.com/office/powerpoint/2010/main" val="3722975297"/>
+        <p14:creationId xmlns:p14="http://schemas.microsoft.com/office/powerpoint/2010/main" val="2127823828"/>
       </p:ext>
     </p:extLst>
   </p:cSld>
@@ -12281,7 +13356,7 @@
     </p:spTree>
     <p:extLst>
       <p:ext uri="{BB962C8B-B14F-4D97-AF65-F5344CB8AC3E}">
-        <p14:creationId xmlns:p14="http://schemas.microsoft.com/office/powerpoint/2010/main" val="2361699085"/>
+        <p14:creationId xmlns:p14="http://schemas.microsoft.com/office/powerpoint/2010/main" val="3633676666"/>
       </p:ext>
     </p:extLst>
   </p:cSld>
@@ -12390,7 +13465,7 @@
     </p:spTree>
     <p:extLst>
       <p:ext uri="{BB962C8B-B14F-4D97-AF65-F5344CB8AC3E}">
-        <p14:creationId xmlns:p14="http://schemas.microsoft.com/office/powerpoint/2010/main" val="3701367057"/>
+        <p14:creationId xmlns:p14="http://schemas.microsoft.com/office/powerpoint/2010/main" val="1614557755"/>
       </p:ext>
     </p:extLst>
   </p:cSld>
@@ -12499,7 +13574,7 @@
     </p:spTree>
     <p:extLst>
       <p:ext uri="{BB962C8B-B14F-4D97-AF65-F5344CB8AC3E}">
-        <p14:creationId xmlns:p14="http://schemas.microsoft.com/office/powerpoint/2010/main" val="2483217375"/>
+        <p14:creationId xmlns:p14="http://schemas.microsoft.com/office/powerpoint/2010/main" val="772471534"/>
       </p:ext>
     </p:extLst>
   </p:cSld>
@@ -12608,7 +13683,7 @@
     </p:spTree>
     <p:extLst>
       <p:ext uri="{BB962C8B-B14F-4D97-AF65-F5344CB8AC3E}">
-        <p14:creationId xmlns:p14="http://schemas.microsoft.com/office/powerpoint/2010/main" val="759667148"/>
+        <p14:creationId xmlns:p14="http://schemas.microsoft.com/office/powerpoint/2010/main" val="3722975297"/>
       </p:ext>
     </p:extLst>
   </p:cSld>
@@ -12717,7 +13792,7 @@
     </p:spTree>
     <p:extLst>
       <p:ext uri="{BB962C8B-B14F-4D97-AF65-F5344CB8AC3E}">
-        <p14:creationId xmlns:p14="http://schemas.microsoft.com/office/powerpoint/2010/main" val="3118168783"/>
+        <p14:creationId xmlns:p14="http://schemas.microsoft.com/office/powerpoint/2010/main" val="2361699085"/>
       </p:ext>
     </p:extLst>
   </p:cSld>
@@ -12826,7 +13901,7 @@
     </p:spTree>
     <p:extLst>
       <p:ext uri="{BB962C8B-B14F-4D97-AF65-F5344CB8AC3E}">
-        <p14:creationId xmlns:p14="http://schemas.microsoft.com/office/powerpoint/2010/main" val="1785876477"/>
+        <p14:creationId xmlns:p14="http://schemas.microsoft.com/office/powerpoint/2010/main" val="3701367057"/>
       </p:ext>
     </p:extLst>
   </p:cSld>
@@ -12935,7 +14010,7 @@
     </p:spTree>
     <p:extLst>
       <p:ext uri="{BB962C8B-B14F-4D97-AF65-F5344CB8AC3E}">
-        <p14:creationId xmlns:p14="http://schemas.microsoft.com/office/powerpoint/2010/main" val="1625585404"/>
+        <p14:creationId xmlns:p14="http://schemas.microsoft.com/office/powerpoint/2010/main" val="2483217375"/>
       </p:ext>
     </p:extLst>
   </p:cSld>
@@ -15187,6 +16262,442 @@
 </p:sld>
 </file>
 
+<file path=ppt/slides/slide30.xml><?xml version="1.0" encoding="utf-8"?>
+<p:sld xmlns:a="http://schemas.openxmlformats.org/drawingml/2006/main" xmlns:r="http://schemas.openxmlformats.org/officeDocument/2006/relationships" xmlns:p="http://schemas.openxmlformats.org/presentationml/2006/main">
+  <p:cSld>
+    <p:bg>
+      <p:bgPr>
+        <a:blipFill dpi="0" rotWithShape="1">
+          <a:blip r:embed="rId2">
+            <a:lum/>
+          </a:blip>
+          <a:srcRect/>
+          <a:stretch>
+            <a:fillRect/>
+          </a:stretch>
+        </a:blipFill>
+        <a:effectLst/>
+      </p:bgPr>
+    </p:bg>
+    <p:spTree>
+      <p:nvGrpSpPr>
+        <p:cNvPr id="1" name=""/>
+        <p:cNvGrpSpPr/>
+        <p:nvPr/>
+      </p:nvGrpSpPr>
+      <p:grpSpPr>
+        <a:xfrm>
+          <a:off x="0" y="0"/>
+          <a:ext cx="0" cy="0"/>
+          <a:chOff x="0" y="0"/>
+          <a:chExt cx="0" cy="0"/>
+        </a:xfrm>
+      </p:grpSpPr>
+      <p:sp>
+        <p:nvSpPr>
+          <p:cNvPr id="2" name="Title 1">
+            <a:extLst>
+              <a:ext uri="{FF2B5EF4-FFF2-40B4-BE49-F238E27FC236}">
+                <a16:creationId xmlns:a16="http://schemas.microsoft.com/office/drawing/2014/main" id="{55E11F08-6CA0-48F1-AD67-97430DDA07F0}"/>
+              </a:ext>
+            </a:extLst>
+          </p:cNvPr>
+          <p:cNvSpPr>
+            <a:spLocks noGrp="1"/>
+          </p:cNvSpPr>
+          <p:nvPr>
+            <p:ph type="title"/>
+          </p:nvPr>
+        </p:nvSpPr>
+        <p:spPr/>
+        <p:txBody>
+          <a:bodyPr/>
+          <a:lstStyle/>
+          <a:p>
+            <a:r>
+              <a:rPr lang="en-US" b="1" dirty="0">
+                <a:solidFill>
+                  <a:srgbClr val="292D33"/>
+                </a:solidFill>
+                <a:latin typeface="Euclid Circular B" panose="020B0504000000000000" pitchFamily="34" charset="0"/>
+                <a:ea typeface="Euclid Circular B" panose="020B0504000000000000" pitchFamily="34" charset="0"/>
+              </a:rPr>
+              <a:t>Topic title</a:t>
+            </a:r>
+          </a:p>
+        </p:txBody>
+      </p:sp>
+      <p:sp>
+        <p:nvSpPr>
+          <p:cNvPr id="3" name="Content Placeholder 2">
+            <a:extLst>
+              <a:ext uri="{FF2B5EF4-FFF2-40B4-BE49-F238E27FC236}">
+                <a16:creationId xmlns:a16="http://schemas.microsoft.com/office/drawing/2014/main" id="{891C7693-D3DF-4635-96F4-97F3B4136FDF}"/>
+              </a:ext>
+            </a:extLst>
+          </p:cNvPr>
+          <p:cNvSpPr>
+            <a:spLocks noGrp="1"/>
+          </p:cNvSpPr>
+          <p:nvPr>
+            <p:ph idx="1"/>
+          </p:nvPr>
+        </p:nvSpPr>
+        <p:spPr/>
+        <p:txBody>
+          <a:bodyPr/>
+          <a:lstStyle/>
+          <a:p>
+            <a:r>
+              <a:rPr lang="en-US" dirty="0">
+                <a:latin typeface="Euclid Circular B" panose="020B0504000000000000" pitchFamily="34" charset="0"/>
+                <a:ea typeface="Euclid Circular B" panose="020B0504000000000000" pitchFamily="34" charset="0"/>
+              </a:rPr>
+              <a:t>Content</a:t>
+            </a:r>
+          </a:p>
+        </p:txBody>
+      </p:sp>
+    </p:spTree>
+    <p:extLst>
+      <p:ext uri="{BB962C8B-B14F-4D97-AF65-F5344CB8AC3E}">
+        <p14:creationId xmlns:p14="http://schemas.microsoft.com/office/powerpoint/2010/main" val="759667148"/>
+      </p:ext>
+    </p:extLst>
+  </p:cSld>
+  <p:clrMapOvr>
+    <a:masterClrMapping/>
+  </p:clrMapOvr>
+</p:sld>
+</file>
+
+<file path=ppt/slides/slide31.xml><?xml version="1.0" encoding="utf-8"?>
+<p:sld xmlns:a="http://schemas.openxmlformats.org/drawingml/2006/main" xmlns:r="http://schemas.openxmlformats.org/officeDocument/2006/relationships" xmlns:p="http://schemas.openxmlformats.org/presentationml/2006/main">
+  <p:cSld>
+    <p:bg>
+      <p:bgPr>
+        <a:blipFill dpi="0" rotWithShape="1">
+          <a:blip r:embed="rId2">
+            <a:lum/>
+          </a:blip>
+          <a:srcRect/>
+          <a:stretch>
+            <a:fillRect/>
+          </a:stretch>
+        </a:blipFill>
+        <a:effectLst/>
+      </p:bgPr>
+    </p:bg>
+    <p:spTree>
+      <p:nvGrpSpPr>
+        <p:cNvPr id="1" name=""/>
+        <p:cNvGrpSpPr/>
+        <p:nvPr/>
+      </p:nvGrpSpPr>
+      <p:grpSpPr>
+        <a:xfrm>
+          <a:off x="0" y="0"/>
+          <a:ext cx="0" cy="0"/>
+          <a:chOff x="0" y="0"/>
+          <a:chExt cx="0" cy="0"/>
+        </a:xfrm>
+      </p:grpSpPr>
+      <p:sp>
+        <p:nvSpPr>
+          <p:cNvPr id="2" name="Title 1">
+            <a:extLst>
+              <a:ext uri="{FF2B5EF4-FFF2-40B4-BE49-F238E27FC236}">
+                <a16:creationId xmlns:a16="http://schemas.microsoft.com/office/drawing/2014/main" id="{55E11F08-6CA0-48F1-AD67-97430DDA07F0}"/>
+              </a:ext>
+            </a:extLst>
+          </p:cNvPr>
+          <p:cNvSpPr>
+            <a:spLocks noGrp="1"/>
+          </p:cNvSpPr>
+          <p:nvPr>
+            <p:ph type="title"/>
+          </p:nvPr>
+        </p:nvSpPr>
+        <p:spPr/>
+        <p:txBody>
+          <a:bodyPr/>
+          <a:lstStyle/>
+          <a:p>
+            <a:r>
+              <a:rPr lang="en-US" b="1" dirty="0">
+                <a:solidFill>
+                  <a:srgbClr val="292D33"/>
+                </a:solidFill>
+                <a:latin typeface="Euclid Circular B" panose="020B0504000000000000" pitchFamily="34" charset="0"/>
+                <a:ea typeface="Euclid Circular B" panose="020B0504000000000000" pitchFamily="34" charset="0"/>
+              </a:rPr>
+              <a:t>Topic title</a:t>
+            </a:r>
+          </a:p>
+        </p:txBody>
+      </p:sp>
+      <p:sp>
+        <p:nvSpPr>
+          <p:cNvPr id="3" name="Content Placeholder 2">
+            <a:extLst>
+              <a:ext uri="{FF2B5EF4-FFF2-40B4-BE49-F238E27FC236}">
+                <a16:creationId xmlns:a16="http://schemas.microsoft.com/office/drawing/2014/main" id="{891C7693-D3DF-4635-96F4-97F3B4136FDF}"/>
+              </a:ext>
+            </a:extLst>
+          </p:cNvPr>
+          <p:cNvSpPr>
+            <a:spLocks noGrp="1"/>
+          </p:cNvSpPr>
+          <p:nvPr>
+            <p:ph idx="1"/>
+          </p:nvPr>
+        </p:nvSpPr>
+        <p:spPr/>
+        <p:txBody>
+          <a:bodyPr/>
+          <a:lstStyle/>
+          <a:p>
+            <a:r>
+              <a:rPr lang="en-US" dirty="0">
+                <a:latin typeface="Euclid Circular B" panose="020B0504000000000000" pitchFamily="34" charset="0"/>
+                <a:ea typeface="Euclid Circular B" panose="020B0504000000000000" pitchFamily="34" charset="0"/>
+              </a:rPr>
+              <a:t>Content</a:t>
+            </a:r>
+          </a:p>
+        </p:txBody>
+      </p:sp>
+    </p:spTree>
+    <p:extLst>
+      <p:ext uri="{BB962C8B-B14F-4D97-AF65-F5344CB8AC3E}">
+        <p14:creationId xmlns:p14="http://schemas.microsoft.com/office/powerpoint/2010/main" val="3118168783"/>
+      </p:ext>
+    </p:extLst>
+  </p:cSld>
+  <p:clrMapOvr>
+    <a:masterClrMapping/>
+  </p:clrMapOvr>
+</p:sld>
+</file>
+
+<file path=ppt/slides/slide32.xml><?xml version="1.0" encoding="utf-8"?>
+<p:sld xmlns:a="http://schemas.openxmlformats.org/drawingml/2006/main" xmlns:r="http://schemas.openxmlformats.org/officeDocument/2006/relationships" xmlns:p="http://schemas.openxmlformats.org/presentationml/2006/main">
+  <p:cSld>
+    <p:bg>
+      <p:bgPr>
+        <a:blipFill dpi="0" rotWithShape="1">
+          <a:blip r:embed="rId2">
+            <a:lum/>
+          </a:blip>
+          <a:srcRect/>
+          <a:stretch>
+            <a:fillRect/>
+          </a:stretch>
+        </a:blipFill>
+        <a:effectLst/>
+      </p:bgPr>
+    </p:bg>
+    <p:spTree>
+      <p:nvGrpSpPr>
+        <p:cNvPr id="1" name=""/>
+        <p:cNvGrpSpPr/>
+        <p:nvPr/>
+      </p:nvGrpSpPr>
+      <p:grpSpPr>
+        <a:xfrm>
+          <a:off x="0" y="0"/>
+          <a:ext cx="0" cy="0"/>
+          <a:chOff x="0" y="0"/>
+          <a:chExt cx="0" cy="0"/>
+        </a:xfrm>
+      </p:grpSpPr>
+      <p:sp>
+        <p:nvSpPr>
+          <p:cNvPr id="2" name="Title 1">
+            <a:extLst>
+              <a:ext uri="{FF2B5EF4-FFF2-40B4-BE49-F238E27FC236}">
+                <a16:creationId xmlns:a16="http://schemas.microsoft.com/office/drawing/2014/main" id="{55E11F08-6CA0-48F1-AD67-97430DDA07F0}"/>
+              </a:ext>
+            </a:extLst>
+          </p:cNvPr>
+          <p:cNvSpPr>
+            <a:spLocks noGrp="1"/>
+          </p:cNvSpPr>
+          <p:nvPr>
+            <p:ph type="title"/>
+          </p:nvPr>
+        </p:nvSpPr>
+        <p:spPr/>
+        <p:txBody>
+          <a:bodyPr/>
+          <a:lstStyle/>
+          <a:p>
+            <a:r>
+              <a:rPr lang="en-US" b="1" dirty="0">
+                <a:solidFill>
+                  <a:srgbClr val="292D33"/>
+                </a:solidFill>
+                <a:latin typeface="Euclid Circular B" panose="020B0504000000000000" pitchFamily="34" charset="0"/>
+                <a:ea typeface="Euclid Circular B" panose="020B0504000000000000" pitchFamily="34" charset="0"/>
+              </a:rPr>
+              <a:t>Topic title</a:t>
+            </a:r>
+          </a:p>
+        </p:txBody>
+      </p:sp>
+      <p:sp>
+        <p:nvSpPr>
+          <p:cNvPr id="3" name="Content Placeholder 2">
+            <a:extLst>
+              <a:ext uri="{FF2B5EF4-FFF2-40B4-BE49-F238E27FC236}">
+                <a16:creationId xmlns:a16="http://schemas.microsoft.com/office/drawing/2014/main" id="{891C7693-D3DF-4635-96F4-97F3B4136FDF}"/>
+              </a:ext>
+            </a:extLst>
+          </p:cNvPr>
+          <p:cNvSpPr>
+            <a:spLocks noGrp="1"/>
+          </p:cNvSpPr>
+          <p:nvPr>
+            <p:ph idx="1"/>
+          </p:nvPr>
+        </p:nvSpPr>
+        <p:spPr/>
+        <p:txBody>
+          <a:bodyPr/>
+          <a:lstStyle/>
+          <a:p>
+            <a:r>
+              <a:rPr lang="en-US" dirty="0">
+                <a:latin typeface="Euclid Circular B" panose="020B0504000000000000" pitchFamily="34" charset="0"/>
+                <a:ea typeface="Euclid Circular B" panose="020B0504000000000000" pitchFamily="34" charset="0"/>
+              </a:rPr>
+              <a:t>Content</a:t>
+            </a:r>
+          </a:p>
+        </p:txBody>
+      </p:sp>
+    </p:spTree>
+    <p:extLst>
+      <p:ext uri="{BB962C8B-B14F-4D97-AF65-F5344CB8AC3E}">
+        <p14:creationId xmlns:p14="http://schemas.microsoft.com/office/powerpoint/2010/main" val="1785876477"/>
+      </p:ext>
+    </p:extLst>
+  </p:cSld>
+  <p:clrMapOvr>
+    <a:masterClrMapping/>
+  </p:clrMapOvr>
+</p:sld>
+</file>
+
+<file path=ppt/slides/slide33.xml><?xml version="1.0" encoding="utf-8"?>
+<p:sld xmlns:a="http://schemas.openxmlformats.org/drawingml/2006/main" xmlns:r="http://schemas.openxmlformats.org/officeDocument/2006/relationships" xmlns:p="http://schemas.openxmlformats.org/presentationml/2006/main">
+  <p:cSld>
+    <p:bg>
+      <p:bgPr>
+        <a:blipFill dpi="0" rotWithShape="1">
+          <a:blip r:embed="rId2">
+            <a:lum/>
+          </a:blip>
+          <a:srcRect/>
+          <a:stretch>
+            <a:fillRect/>
+          </a:stretch>
+        </a:blipFill>
+        <a:effectLst/>
+      </p:bgPr>
+    </p:bg>
+    <p:spTree>
+      <p:nvGrpSpPr>
+        <p:cNvPr id="1" name=""/>
+        <p:cNvGrpSpPr/>
+        <p:nvPr/>
+      </p:nvGrpSpPr>
+      <p:grpSpPr>
+        <a:xfrm>
+          <a:off x="0" y="0"/>
+          <a:ext cx="0" cy="0"/>
+          <a:chOff x="0" y="0"/>
+          <a:chExt cx="0" cy="0"/>
+        </a:xfrm>
+      </p:grpSpPr>
+      <p:sp>
+        <p:nvSpPr>
+          <p:cNvPr id="2" name="Title 1">
+            <a:extLst>
+              <a:ext uri="{FF2B5EF4-FFF2-40B4-BE49-F238E27FC236}">
+                <a16:creationId xmlns:a16="http://schemas.microsoft.com/office/drawing/2014/main" id="{55E11F08-6CA0-48F1-AD67-97430DDA07F0}"/>
+              </a:ext>
+            </a:extLst>
+          </p:cNvPr>
+          <p:cNvSpPr>
+            <a:spLocks noGrp="1"/>
+          </p:cNvSpPr>
+          <p:nvPr>
+            <p:ph type="title"/>
+          </p:nvPr>
+        </p:nvSpPr>
+        <p:spPr/>
+        <p:txBody>
+          <a:bodyPr/>
+          <a:lstStyle/>
+          <a:p>
+            <a:r>
+              <a:rPr lang="en-US" b="1" dirty="0">
+                <a:solidFill>
+                  <a:srgbClr val="292D33"/>
+                </a:solidFill>
+                <a:latin typeface="Euclid Circular B" panose="020B0504000000000000" pitchFamily="34" charset="0"/>
+                <a:ea typeface="Euclid Circular B" panose="020B0504000000000000" pitchFamily="34" charset="0"/>
+              </a:rPr>
+              <a:t>Topic title</a:t>
+            </a:r>
+          </a:p>
+        </p:txBody>
+      </p:sp>
+      <p:sp>
+        <p:nvSpPr>
+          <p:cNvPr id="3" name="Content Placeholder 2">
+            <a:extLst>
+              <a:ext uri="{FF2B5EF4-FFF2-40B4-BE49-F238E27FC236}">
+                <a16:creationId xmlns:a16="http://schemas.microsoft.com/office/drawing/2014/main" id="{891C7693-D3DF-4635-96F4-97F3B4136FDF}"/>
+              </a:ext>
+            </a:extLst>
+          </p:cNvPr>
+          <p:cNvSpPr>
+            <a:spLocks noGrp="1"/>
+          </p:cNvSpPr>
+          <p:nvPr>
+            <p:ph idx="1"/>
+          </p:nvPr>
+        </p:nvSpPr>
+        <p:spPr/>
+        <p:txBody>
+          <a:bodyPr/>
+          <a:lstStyle/>
+          <a:p>
+            <a:r>
+              <a:rPr lang="en-US" dirty="0">
+                <a:latin typeface="Euclid Circular B" panose="020B0504000000000000" pitchFamily="34" charset="0"/>
+                <a:ea typeface="Euclid Circular B" panose="020B0504000000000000" pitchFamily="34" charset="0"/>
+              </a:rPr>
+              <a:t>Content</a:t>
+            </a:r>
+          </a:p>
+        </p:txBody>
+      </p:sp>
+    </p:spTree>
+    <p:extLst>
+      <p:ext uri="{BB962C8B-B14F-4D97-AF65-F5344CB8AC3E}">
+        <p14:creationId xmlns:p14="http://schemas.microsoft.com/office/powerpoint/2010/main" val="1625585404"/>
+      </p:ext>
+    </p:extLst>
+  </p:cSld>
+  <p:clrMapOvr>
+    <a:masterClrMapping/>
+  </p:clrMapOvr>
+</p:sld>
+</file>
+
 <file path=ppt/slides/slide4.xml><?xml version="1.0" encoding="utf-8"?>
 <p:sld xmlns:a="http://schemas.openxmlformats.org/drawingml/2006/main" xmlns:r="http://schemas.openxmlformats.org/officeDocument/2006/relationships" xmlns:p="http://schemas.openxmlformats.org/presentationml/2006/main">
   <p:cSld>
@@ -15624,20 +17135,34 @@
           <a:lstStyle/>
           <a:p>
             <a:r>
+              <a:rPr lang="en-US" b="1" dirty="0">
+                <a:latin typeface="Euclid Circular B" panose="020B0504000000000000" pitchFamily="34" charset="0"/>
+                <a:ea typeface="Euclid Circular B" panose="020B0504000000000000" pitchFamily="34" charset="0"/>
+              </a:rPr>
+              <a:t>Claims</a:t>
+            </a:r>
+            <a:r>
               <a:rPr lang="en-US" dirty="0">
                 <a:latin typeface="Euclid Circular B" panose="020B0504000000000000" pitchFamily="34" charset="0"/>
                 <a:ea typeface="Euclid Circular B" panose="020B0504000000000000" pitchFamily="34" charset="0"/>
               </a:rPr>
-              <a:t>Claims based</a:t>
-            </a:r>
-          </a:p>
-          <a:p>
+              <a:t> based</a:t>
+            </a:r>
+          </a:p>
+          <a:p>
+            <a:r>
+              <a:rPr lang="en-US" b="1" dirty="0">
+                <a:latin typeface="Euclid Circular B" panose="020B0504000000000000" pitchFamily="34" charset="0"/>
+                <a:ea typeface="Euclid Circular B" panose="020B0504000000000000" pitchFamily="34" charset="0"/>
+              </a:rPr>
+              <a:t>On/off </a:t>
+            </a:r>
             <a:r>
               <a:rPr lang="en-US" dirty="0">
                 <a:latin typeface="Euclid Circular B" panose="020B0504000000000000" pitchFamily="34" charset="0"/>
                 <a:ea typeface="Euclid Circular B" panose="020B0504000000000000" pitchFamily="34" charset="0"/>
               </a:rPr>
-              <a:t>On/off style permissions (typically user and role based)</a:t>
+              <a:t>style permissions (typically user and role based)</a:t>
             </a:r>
           </a:p>
           <a:p>
@@ -15652,11 +17177,18 @@
           </a:p>
           <a:p>
             <a:r>
+              <a:rPr lang="en-US" b="1" dirty="0">
+                <a:latin typeface="Euclid Circular B" panose="020B0504000000000000" pitchFamily="34" charset="0"/>
+                <a:ea typeface="Euclid Circular B" panose="020B0504000000000000" pitchFamily="34" charset="0"/>
+              </a:rPr>
+              <a:t>Custom </a:t>
+            </a:r>
+            <a:r>
               <a:rPr lang="en-US" dirty="0">
                 <a:latin typeface="Euclid Circular B" panose="020B0504000000000000" pitchFamily="34" charset="0"/>
                 <a:ea typeface="Euclid Circular B" panose="020B0504000000000000" pitchFamily="34" charset="0"/>
               </a:rPr>
-              <a:t>Custom policies</a:t>
+              <a:t>policies</a:t>
             </a:r>
           </a:p>
           <a:p>
@@ -15671,11 +17203,18 @@
           </a:p>
           <a:p>
             <a:r>
+              <a:rPr lang="en-US" b="1" dirty="0">
+                <a:latin typeface="Euclid Circular B" panose="020B0504000000000000" pitchFamily="34" charset="0"/>
+                <a:ea typeface="Euclid Circular B" panose="020B0504000000000000" pitchFamily="34" charset="0"/>
+              </a:rPr>
+              <a:t>Resource </a:t>
+            </a:r>
+            <a:r>
               <a:rPr lang="en-US" dirty="0">
                 <a:latin typeface="Euclid Circular B" panose="020B0504000000000000" pitchFamily="34" charset="0"/>
                 <a:ea typeface="Euclid Circular B" panose="020B0504000000000000" pitchFamily="34" charset="0"/>
               </a:rPr>
-              <a:t>Resource based</a:t>
+              <a:t>based</a:t>
             </a:r>
           </a:p>
           <a:p>

--- a/2022-10-15 Authorization-In-Distributed-Systems/Authorization-In-Distributed-Systems.pptx
+++ b/2022-10-15 Authorization-In-Distributed-Systems/Authorization-In-Distributed-Systems.pptx
@@ -6,27 +6,27 @@
   </p:sldMasterIdLst>
   <p:sldIdLst>
     <p:sldId id="256" r:id="rId2"/>
-    <p:sldId id="266" r:id="rId3"/>
-    <p:sldId id="265" r:id="rId4"/>
-    <p:sldId id="267" r:id="rId5"/>
-    <p:sldId id="268" r:id="rId6"/>
-    <p:sldId id="273" r:id="rId7"/>
-    <p:sldId id="271" r:id="rId8"/>
-    <p:sldId id="274" r:id="rId9"/>
-    <p:sldId id="270" r:id="rId10"/>
-    <p:sldId id="269" r:id="rId11"/>
-    <p:sldId id="277" r:id="rId12"/>
-    <p:sldId id="293" r:id="rId13"/>
-    <p:sldId id="294" r:id="rId14"/>
-    <p:sldId id="291" r:id="rId15"/>
-    <p:sldId id="295" r:id="rId16"/>
-    <p:sldId id="278" r:id="rId17"/>
-    <p:sldId id="292" r:id="rId18"/>
-    <p:sldId id="279" r:id="rId19"/>
-    <p:sldId id="281" r:id="rId20"/>
-    <p:sldId id="296" r:id="rId21"/>
-    <p:sldId id="275" r:id="rId22"/>
-    <p:sldId id="297" r:id="rId23"/>
+    <p:sldId id="297" r:id="rId3"/>
+    <p:sldId id="266" r:id="rId4"/>
+    <p:sldId id="265" r:id="rId5"/>
+    <p:sldId id="267" r:id="rId6"/>
+    <p:sldId id="268" r:id="rId7"/>
+    <p:sldId id="273" r:id="rId8"/>
+    <p:sldId id="271" r:id="rId9"/>
+    <p:sldId id="274" r:id="rId10"/>
+    <p:sldId id="270" r:id="rId11"/>
+    <p:sldId id="269" r:id="rId12"/>
+    <p:sldId id="277" r:id="rId13"/>
+    <p:sldId id="293" r:id="rId14"/>
+    <p:sldId id="294" r:id="rId15"/>
+    <p:sldId id="291" r:id="rId16"/>
+    <p:sldId id="295" r:id="rId17"/>
+    <p:sldId id="278" r:id="rId18"/>
+    <p:sldId id="292" r:id="rId19"/>
+    <p:sldId id="279" r:id="rId20"/>
+    <p:sldId id="281" r:id="rId21"/>
+    <p:sldId id="296" r:id="rId22"/>
+    <p:sldId id="275" r:id="rId23"/>
     <p:sldId id="298" r:id="rId24"/>
     <p:sldId id="299" r:id="rId25"/>
     <p:sldId id="300" r:id="rId26"/>
@@ -3286,7 +3286,7 @@
           <a:p>
             <a:fld id="{2A14C9FE-EBC3-45D3-899C-58AAF4F8AF71}" type="datetimeFigureOut">
               <a:rPr lang="en-US" smtClean="0"/>
-              <a:t>28-Sep-22</a:t>
+              <a:t>29-Sep-22</a:t>
             </a:fld>
             <a:endParaRPr lang="en-US"/>
           </a:p>
@@ -3484,7 +3484,7 @@
           <a:p>
             <a:fld id="{2A14C9FE-EBC3-45D3-899C-58AAF4F8AF71}" type="datetimeFigureOut">
               <a:rPr lang="en-US" smtClean="0"/>
-              <a:t>28-Sep-22</a:t>
+              <a:t>29-Sep-22</a:t>
             </a:fld>
             <a:endParaRPr lang="en-US"/>
           </a:p>
@@ -3692,7 +3692,7 @@
           <a:p>
             <a:fld id="{2A14C9FE-EBC3-45D3-899C-58AAF4F8AF71}" type="datetimeFigureOut">
               <a:rPr lang="en-US" smtClean="0"/>
-              <a:t>28-Sep-22</a:t>
+              <a:t>29-Sep-22</a:t>
             </a:fld>
             <a:endParaRPr lang="en-US"/>
           </a:p>
@@ -3890,7 +3890,7 @@
           <a:p>
             <a:fld id="{2A14C9FE-EBC3-45D3-899C-58AAF4F8AF71}" type="datetimeFigureOut">
               <a:rPr lang="en-US" smtClean="0"/>
-              <a:t>28-Sep-22</a:t>
+              <a:t>29-Sep-22</a:t>
             </a:fld>
             <a:endParaRPr lang="en-US"/>
           </a:p>
@@ -4165,7 +4165,7 @@
           <a:p>
             <a:fld id="{2A14C9FE-EBC3-45D3-899C-58AAF4F8AF71}" type="datetimeFigureOut">
               <a:rPr lang="en-US" smtClean="0"/>
-              <a:t>28-Sep-22</a:t>
+              <a:t>29-Sep-22</a:t>
             </a:fld>
             <a:endParaRPr lang="en-US"/>
           </a:p>
@@ -4430,7 +4430,7 @@
           <a:p>
             <a:fld id="{2A14C9FE-EBC3-45D3-899C-58AAF4F8AF71}" type="datetimeFigureOut">
               <a:rPr lang="en-US" smtClean="0"/>
-              <a:t>28-Sep-22</a:t>
+              <a:t>29-Sep-22</a:t>
             </a:fld>
             <a:endParaRPr lang="en-US"/>
           </a:p>
@@ -4842,7 +4842,7 @@
           <a:p>
             <a:fld id="{2A14C9FE-EBC3-45D3-899C-58AAF4F8AF71}" type="datetimeFigureOut">
               <a:rPr lang="en-US" smtClean="0"/>
-              <a:t>28-Sep-22</a:t>
+              <a:t>29-Sep-22</a:t>
             </a:fld>
             <a:endParaRPr lang="en-US"/>
           </a:p>
@@ -4983,7 +4983,7 @@
           <a:p>
             <a:fld id="{2A14C9FE-EBC3-45D3-899C-58AAF4F8AF71}" type="datetimeFigureOut">
               <a:rPr lang="en-US" smtClean="0"/>
-              <a:t>28-Sep-22</a:t>
+              <a:t>29-Sep-22</a:t>
             </a:fld>
             <a:endParaRPr lang="en-US"/>
           </a:p>
@@ -5096,7 +5096,7 @@
           <a:p>
             <a:fld id="{2A14C9FE-EBC3-45D3-899C-58AAF4F8AF71}" type="datetimeFigureOut">
               <a:rPr lang="en-US" smtClean="0"/>
-              <a:t>28-Sep-22</a:t>
+              <a:t>29-Sep-22</a:t>
             </a:fld>
             <a:endParaRPr lang="en-US"/>
           </a:p>
@@ -5407,7 +5407,7 @@
           <a:p>
             <a:fld id="{2A14C9FE-EBC3-45D3-899C-58AAF4F8AF71}" type="datetimeFigureOut">
               <a:rPr lang="en-US" smtClean="0"/>
-              <a:t>28-Sep-22</a:t>
+              <a:t>29-Sep-22</a:t>
             </a:fld>
             <a:endParaRPr lang="en-US"/>
           </a:p>
@@ -5695,7 +5695,7 @@
           <a:p>
             <a:fld id="{2A14C9FE-EBC3-45D3-899C-58AAF4F8AF71}" type="datetimeFigureOut">
               <a:rPr lang="en-US" smtClean="0"/>
-              <a:t>28-Sep-22</a:t>
+              <a:t>29-Sep-22</a:t>
             </a:fld>
             <a:endParaRPr lang="en-US"/>
           </a:p>
@@ -5936,7 +5936,7 @@
           <a:p>
             <a:fld id="{2A14C9FE-EBC3-45D3-899C-58AAF4F8AF71}" type="datetimeFigureOut">
               <a:rPr lang="en-US" smtClean="0"/>
-              <a:t>28-Sep-22</a:t>
+              <a:t>29-Sep-22</a:t>
             </a:fld>
             <a:endParaRPr lang="en-US"/>
           </a:p>
@@ -6482,6 +6482,142 @@
       </p:grpSpPr>
       <p:sp>
         <p:nvSpPr>
+          <p:cNvPr id="7" name="TextBox 6">
+            <a:extLst>
+              <a:ext uri="{FF2B5EF4-FFF2-40B4-BE49-F238E27FC236}">
+                <a16:creationId xmlns:a16="http://schemas.microsoft.com/office/drawing/2014/main" id="{5677B458-ABFA-5D96-E109-6A527F54D9A2}"/>
+              </a:ext>
+            </a:extLst>
+          </p:cNvPr>
+          <p:cNvSpPr txBox="1"/>
+          <p:nvPr/>
+        </p:nvSpPr>
+        <p:spPr>
+          <a:xfrm>
+            <a:off x="1291472" y="6481738"/>
+            <a:ext cx="10369484" cy="338554"/>
+          </a:xfrm>
+          <a:prstGeom prst="rect">
+            <a:avLst/>
+          </a:prstGeom>
+          <a:noFill/>
+        </p:spPr>
+        <p:txBody>
+          <a:bodyPr wrap="square">
+            <a:spAutoFit/>
+          </a:bodyPr>
+          <a:lstStyle/>
+          <a:p>
+            <a:r>
+              <a:rPr lang="en-US" sz="1600" dirty="0"/>
+              <a:t>Image source: </a:t>
+            </a:r>
+            <a:r>
+              <a:rPr lang="en-US" sz="1600" dirty="0">
+                <a:hlinkClick r:id="rId3"/>
+              </a:rPr>
+              <a:t>https://www.alexanderlolis.com/authorization-in-a-microservices-world#authorization-flow-overview</a:t>
+            </a:r>
+            <a:r>
+              <a:rPr lang="en-US" sz="1600" dirty="0"/>
+              <a:t> </a:t>
+            </a:r>
+          </a:p>
+        </p:txBody>
+      </p:sp>
+      <p:pic>
+        <p:nvPicPr>
+          <p:cNvPr id="1028" name="Picture 4" descr="Authorization Overview">
+            <a:extLst>
+              <a:ext uri="{FF2B5EF4-FFF2-40B4-BE49-F238E27FC236}">
+                <a16:creationId xmlns:a16="http://schemas.microsoft.com/office/drawing/2014/main" id="{EBFA4825-32EE-C395-62FF-88BD295FE867}"/>
+              </a:ext>
+            </a:extLst>
+          </p:cNvPr>
+          <p:cNvPicPr>
+            <a:picLocks noChangeAspect="1" noChangeArrowheads="1"/>
+          </p:cNvPicPr>
+          <p:nvPr/>
+        </p:nvPicPr>
+        <p:blipFill>
+          <a:blip r:embed="rId4">
+            <a:extLst>
+              <a:ext uri="{28A0092B-C50C-407E-A947-70E740481C1C}">
+                <a14:useLocalDpi xmlns:a14="http://schemas.microsoft.com/office/drawing/2010/main" val="0"/>
+              </a:ext>
+            </a:extLst>
+          </a:blip>
+          <a:srcRect/>
+          <a:stretch>
+            <a:fillRect/>
+          </a:stretch>
+        </p:blipFill>
+        <p:spPr bwMode="auto">
+          <a:xfrm>
+            <a:off x="1943100" y="47135"/>
+            <a:ext cx="8305800" cy="6400800"/>
+          </a:xfrm>
+          <a:prstGeom prst="rect">
+            <a:avLst/>
+          </a:prstGeom>
+          <a:noFill/>
+          <a:extLst>
+            <a:ext uri="{909E8E84-426E-40DD-AFC4-6F175D3DCCD1}">
+              <a14:hiddenFill xmlns:a14="http://schemas.microsoft.com/office/drawing/2010/main">
+                <a:solidFill>
+                  <a:srgbClr val="FFFFFF"/>
+                </a:solidFill>
+              </a14:hiddenFill>
+            </a:ext>
+          </a:extLst>
+        </p:spPr>
+      </p:pic>
+    </p:spTree>
+    <p:extLst>
+      <p:ext uri="{BB962C8B-B14F-4D97-AF65-F5344CB8AC3E}">
+        <p14:creationId xmlns:p14="http://schemas.microsoft.com/office/powerpoint/2010/main" val="3843666090"/>
+      </p:ext>
+    </p:extLst>
+  </p:cSld>
+  <p:clrMapOvr>
+    <a:masterClrMapping/>
+  </p:clrMapOvr>
+</p:sld>
+</file>
+
+<file path=ppt/slides/slide11.xml><?xml version="1.0" encoding="utf-8"?>
+<p:sld xmlns:a="http://schemas.openxmlformats.org/drawingml/2006/main" xmlns:r="http://schemas.openxmlformats.org/officeDocument/2006/relationships" xmlns:p="http://schemas.openxmlformats.org/presentationml/2006/main">
+  <p:cSld>
+    <p:bg>
+      <p:bgPr>
+        <a:blipFill dpi="0" rotWithShape="1">
+          <a:blip r:embed="rId2">
+            <a:lum/>
+          </a:blip>
+          <a:srcRect/>
+          <a:stretch>
+            <a:fillRect/>
+          </a:stretch>
+        </a:blipFill>
+        <a:effectLst/>
+      </p:bgPr>
+    </p:bg>
+    <p:spTree>
+      <p:nvGrpSpPr>
+        <p:cNvPr id="1" name=""/>
+        <p:cNvGrpSpPr/>
+        <p:nvPr/>
+      </p:nvGrpSpPr>
+      <p:grpSpPr>
+        <a:xfrm>
+          <a:off x="0" y="0"/>
+          <a:ext cx="0" cy="0"/>
+          <a:chOff x="0" y="0"/>
+          <a:chExt cx="0" cy="0"/>
+        </a:xfrm>
+      </p:grpSpPr>
+      <p:sp>
+        <p:nvSpPr>
           <p:cNvPr id="2" name="Title 1">
             <a:extLst>
               <a:ext uri="{FF2B5EF4-FFF2-40B4-BE49-F238E27FC236}">
@@ -7156,7 +7292,7 @@
 </p:sld>
 </file>
 
-<file path=ppt/slides/slide11.xml><?xml version="1.0" encoding="utf-8"?>
+<file path=ppt/slides/slide12.xml><?xml version="1.0" encoding="utf-8"?>
 <p:sld xmlns:a="http://schemas.openxmlformats.org/drawingml/2006/main" xmlns:r="http://schemas.openxmlformats.org/officeDocument/2006/relationships" xmlns:p="http://schemas.openxmlformats.org/presentationml/2006/main">
   <p:cSld>
     <p:bg>
@@ -8087,10 +8223,467 @@
   <p:clrMapOvr>
     <a:masterClrMapping/>
   </p:clrMapOvr>
+  <p:timing>
+    <p:tnLst>
+      <p:par>
+        <p:cTn id="1" dur="indefinite" restart="never" nodeType="tmRoot">
+          <p:childTnLst>
+            <p:seq concurrent="1" nextAc="seek">
+              <p:cTn id="2" dur="indefinite" nodeType="mainSeq">
+                <p:childTnLst>
+                  <p:par>
+                    <p:cTn id="3" fill="hold">
+                      <p:stCondLst>
+                        <p:cond delay="indefinite"/>
+                      </p:stCondLst>
+                      <p:childTnLst>
+                        <p:par>
+                          <p:cTn id="4" fill="hold">
+                            <p:stCondLst>
+                              <p:cond delay="0"/>
+                            </p:stCondLst>
+                            <p:childTnLst>
+                              <p:par>
+                                <p:cTn id="5" presetID="10" presetClass="entr" presetSubtype="0" fill="hold" nodeType="clickEffect">
+                                  <p:stCondLst>
+                                    <p:cond delay="0"/>
+                                  </p:stCondLst>
+                                  <p:childTnLst>
+                                    <p:set>
+                                      <p:cBhvr>
+                                        <p:cTn id="6" dur="1" fill="hold">
+                                          <p:stCondLst>
+                                            <p:cond delay="0"/>
+                                          </p:stCondLst>
+                                        </p:cTn>
+                                        <p:tgtEl>
+                                          <p:spTgt spid="34">
+                                            <p:txEl>
+                                              <p:pRg st="0" end="0"/>
+                                            </p:txEl>
+                                          </p:spTgt>
+                                        </p:tgtEl>
+                                        <p:attrNameLst>
+                                          <p:attrName>style.visibility</p:attrName>
+                                        </p:attrNameLst>
+                                      </p:cBhvr>
+                                      <p:to>
+                                        <p:strVal val="visible"/>
+                                      </p:to>
+                                    </p:set>
+                                    <p:animEffect transition="in" filter="fade">
+                                      <p:cBhvr>
+                                        <p:cTn id="7" dur="500"/>
+                                        <p:tgtEl>
+                                          <p:spTgt spid="34">
+                                            <p:txEl>
+                                              <p:pRg st="0" end="0"/>
+                                            </p:txEl>
+                                          </p:spTgt>
+                                        </p:tgtEl>
+                                      </p:cBhvr>
+                                    </p:animEffect>
+                                  </p:childTnLst>
+                                </p:cTn>
+                              </p:par>
+                            </p:childTnLst>
+                          </p:cTn>
+                        </p:par>
+                      </p:childTnLst>
+                    </p:cTn>
+                  </p:par>
+                  <p:par>
+                    <p:cTn id="8" fill="hold">
+                      <p:stCondLst>
+                        <p:cond delay="indefinite"/>
+                      </p:stCondLst>
+                      <p:childTnLst>
+                        <p:par>
+                          <p:cTn id="9" fill="hold">
+                            <p:stCondLst>
+                              <p:cond delay="0"/>
+                            </p:stCondLst>
+                            <p:childTnLst>
+                              <p:par>
+                                <p:cTn id="10" presetID="10" presetClass="entr" presetSubtype="0" fill="hold" nodeType="clickEffect">
+                                  <p:stCondLst>
+                                    <p:cond delay="0"/>
+                                  </p:stCondLst>
+                                  <p:childTnLst>
+                                    <p:set>
+                                      <p:cBhvr>
+                                        <p:cTn id="11" dur="1" fill="hold">
+                                          <p:stCondLst>
+                                            <p:cond delay="0"/>
+                                          </p:stCondLst>
+                                        </p:cTn>
+                                        <p:tgtEl>
+                                          <p:spTgt spid="34">
+                                            <p:txEl>
+                                              <p:pRg st="1" end="1"/>
+                                            </p:txEl>
+                                          </p:spTgt>
+                                        </p:tgtEl>
+                                        <p:attrNameLst>
+                                          <p:attrName>style.visibility</p:attrName>
+                                        </p:attrNameLst>
+                                      </p:cBhvr>
+                                      <p:to>
+                                        <p:strVal val="visible"/>
+                                      </p:to>
+                                    </p:set>
+                                    <p:animEffect transition="in" filter="fade">
+                                      <p:cBhvr>
+                                        <p:cTn id="12" dur="500"/>
+                                        <p:tgtEl>
+                                          <p:spTgt spid="34">
+                                            <p:txEl>
+                                              <p:pRg st="1" end="1"/>
+                                            </p:txEl>
+                                          </p:spTgt>
+                                        </p:tgtEl>
+                                      </p:cBhvr>
+                                    </p:animEffect>
+                                  </p:childTnLst>
+                                </p:cTn>
+                              </p:par>
+                            </p:childTnLst>
+                          </p:cTn>
+                        </p:par>
+                      </p:childTnLst>
+                    </p:cTn>
+                  </p:par>
+                  <p:par>
+                    <p:cTn id="13" fill="hold">
+                      <p:stCondLst>
+                        <p:cond delay="indefinite"/>
+                      </p:stCondLst>
+                      <p:childTnLst>
+                        <p:par>
+                          <p:cTn id="14" fill="hold">
+                            <p:stCondLst>
+                              <p:cond delay="0"/>
+                            </p:stCondLst>
+                            <p:childTnLst>
+                              <p:par>
+                                <p:cTn id="15" presetID="10" presetClass="entr" presetSubtype="0" fill="hold" nodeType="clickEffect">
+                                  <p:stCondLst>
+                                    <p:cond delay="0"/>
+                                  </p:stCondLst>
+                                  <p:childTnLst>
+                                    <p:set>
+                                      <p:cBhvr>
+                                        <p:cTn id="16" dur="1" fill="hold">
+                                          <p:stCondLst>
+                                            <p:cond delay="0"/>
+                                          </p:stCondLst>
+                                        </p:cTn>
+                                        <p:tgtEl>
+                                          <p:spTgt spid="34">
+                                            <p:txEl>
+                                              <p:pRg st="2" end="2"/>
+                                            </p:txEl>
+                                          </p:spTgt>
+                                        </p:tgtEl>
+                                        <p:attrNameLst>
+                                          <p:attrName>style.visibility</p:attrName>
+                                        </p:attrNameLst>
+                                      </p:cBhvr>
+                                      <p:to>
+                                        <p:strVal val="visible"/>
+                                      </p:to>
+                                    </p:set>
+                                    <p:animEffect transition="in" filter="fade">
+                                      <p:cBhvr>
+                                        <p:cTn id="17" dur="500"/>
+                                        <p:tgtEl>
+                                          <p:spTgt spid="34">
+                                            <p:txEl>
+                                              <p:pRg st="2" end="2"/>
+                                            </p:txEl>
+                                          </p:spTgt>
+                                        </p:tgtEl>
+                                      </p:cBhvr>
+                                    </p:animEffect>
+                                  </p:childTnLst>
+                                </p:cTn>
+                              </p:par>
+                            </p:childTnLst>
+                          </p:cTn>
+                        </p:par>
+                      </p:childTnLst>
+                    </p:cTn>
+                  </p:par>
+                  <p:par>
+                    <p:cTn id="18" fill="hold">
+                      <p:stCondLst>
+                        <p:cond delay="indefinite"/>
+                      </p:stCondLst>
+                      <p:childTnLst>
+                        <p:par>
+                          <p:cTn id="19" fill="hold">
+                            <p:stCondLst>
+                              <p:cond delay="0"/>
+                            </p:stCondLst>
+                            <p:childTnLst>
+                              <p:par>
+                                <p:cTn id="20" presetID="10" presetClass="entr" presetSubtype="0" fill="hold" nodeType="clickEffect">
+                                  <p:stCondLst>
+                                    <p:cond delay="0"/>
+                                  </p:stCondLst>
+                                  <p:childTnLst>
+                                    <p:set>
+                                      <p:cBhvr>
+                                        <p:cTn id="21" dur="1" fill="hold">
+                                          <p:stCondLst>
+                                            <p:cond delay="0"/>
+                                          </p:stCondLst>
+                                        </p:cTn>
+                                        <p:tgtEl>
+                                          <p:spTgt spid="34">
+                                            <p:txEl>
+                                              <p:pRg st="3" end="3"/>
+                                            </p:txEl>
+                                          </p:spTgt>
+                                        </p:tgtEl>
+                                        <p:attrNameLst>
+                                          <p:attrName>style.visibility</p:attrName>
+                                        </p:attrNameLst>
+                                      </p:cBhvr>
+                                      <p:to>
+                                        <p:strVal val="visible"/>
+                                      </p:to>
+                                    </p:set>
+                                    <p:animEffect transition="in" filter="fade">
+                                      <p:cBhvr>
+                                        <p:cTn id="22" dur="500"/>
+                                        <p:tgtEl>
+                                          <p:spTgt spid="34">
+                                            <p:txEl>
+                                              <p:pRg st="3" end="3"/>
+                                            </p:txEl>
+                                          </p:spTgt>
+                                        </p:tgtEl>
+                                      </p:cBhvr>
+                                    </p:animEffect>
+                                  </p:childTnLst>
+                                </p:cTn>
+                              </p:par>
+                            </p:childTnLst>
+                          </p:cTn>
+                        </p:par>
+                      </p:childTnLst>
+                    </p:cTn>
+                  </p:par>
+                  <p:par>
+                    <p:cTn id="23" fill="hold">
+                      <p:stCondLst>
+                        <p:cond delay="indefinite"/>
+                      </p:stCondLst>
+                      <p:childTnLst>
+                        <p:par>
+                          <p:cTn id="24" fill="hold">
+                            <p:stCondLst>
+                              <p:cond delay="0"/>
+                            </p:stCondLst>
+                            <p:childTnLst>
+                              <p:par>
+                                <p:cTn id="25" presetID="10" presetClass="entr" presetSubtype="0" fill="hold" nodeType="clickEffect">
+                                  <p:stCondLst>
+                                    <p:cond delay="0"/>
+                                  </p:stCondLst>
+                                  <p:childTnLst>
+                                    <p:set>
+                                      <p:cBhvr>
+                                        <p:cTn id="26" dur="1" fill="hold">
+                                          <p:stCondLst>
+                                            <p:cond delay="0"/>
+                                          </p:stCondLst>
+                                        </p:cTn>
+                                        <p:tgtEl>
+                                          <p:spTgt spid="34">
+                                            <p:txEl>
+                                              <p:pRg st="4" end="4"/>
+                                            </p:txEl>
+                                          </p:spTgt>
+                                        </p:tgtEl>
+                                        <p:attrNameLst>
+                                          <p:attrName>style.visibility</p:attrName>
+                                        </p:attrNameLst>
+                                      </p:cBhvr>
+                                      <p:to>
+                                        <p:strVal val="visible"/>
+                                      </p:to>
+                                    </p:set>
+                                    <p:animEffect transition="in" filter="fade">
+                                      <p:cBhvr>
+                                        <p:cTn id="27" dur="500"/>
+                                        <p:tgtEl>
+                                          <p:spTgt spid="34">
+                                            <p:txEl>
+                                              <p:pRg st="4" end="4"/>
+                                            </p:txEl>
+                                          </p:spTgt>
+                                        </p:tgtEl>
+                                      </p:cBhvr>
+                                    </p:animEffect>
+                                  </p:childTnLst>
+                                </p:cTn>
+                              </p:par>
+                            </p:childTnLst>
+                          </p:cTn>
+                        </p:par>
+                      </p:childTnLst>
+                    </p:cTn>
+                  </p:par>
+                  <p:par>
+                    <p:cTn id="28" fill="hold">
+                      <p:stCondLst>
+                        <p:cond delay="indefinite"/>
+                      </p:stCondLst>
+                      <p:childTnLst>
+                        <p:par>
+                          <p:cTn id="29" fill="hold">
+                            <p:stCondLst>
+                              <p:cond delay="0"/>
+                            </p:stCondLst>
+                            <p:childTnLst>
+                              <p:par>
+                                <p:cTn id="30" presetID="10" presetClass="entr" presetSubtype="0" fill="hold" nodeType="clickEffect">
+                                  <p:stCondLst>
+                                    <p:cond delay="0"/>
+                                  </p:stCondLst>
+                                  <p:childTnLst>
+                                    <p:set>
+                                      <p:cBhvr>
+                                        <p:cTn id="31" dur="1" fill="hold">
+                                          <p:stCondLst>
+                                            <p:cond delay="0"/>
+                                          </p:stCondLst>
+                                        </p:cTn>
+                                        <p:tgtEl>
+                                          <p:spTgt spid="34">
+                                            <p:txEl>
+                                              <p:pRg st="5" end="5"/>
+                                            </p:txEl>
+                                          </p:spTgt>
+                                        </p:tgtEl>
+                                        <p:attrNameLst>
+                                          <p:attrName>style.visibility</p:attrName>
+                                        </p:attrNameLst>
+                                      </p:cBhvr>
+                                      <p:to>
+                                        <p:strVal val="visible"/>
+                                      </p:to>
+                                    </p:set>
+                                    <p:animEffect transition="in" filter="fade">
+                                      <p:cBhvr>
+                                        <p:cTn id="32" dur="500"/>
+                                        <p:tgtEl>
+                                          <p:spTgt spid="34">
+                                            <p:txEl>
+                                              <p:pRg st="5" end="5"/>
+                                            </p:txEl>
+                                          </p:spTgt>
+                                        </p:tgtEl>
+                                      </p:cBhvr>
+                                    </p:animEffect>
+                                  </p:childTnLst>
+                                </p:cTn>
+                              </p:par>
+                            </p:childTnLst>
+                          </p:cTn>
+                        </p:par>
+                      </p:childTnLst>
+                    </p:cTn>
+                  </p:par>
+                  <p:par>
+                    <p:cTn id="33" fill="hold">
+                      <p:stCondLst>
+                        <p:cond delay="indefinite"/>
+                      </p:stCondLst>
+                      <p:childTnLst>
+                        <p:par>
+                          <p:cTn id="34" fill="hold">
+                            <p:stCondLst>
+                              <p:cond delay="0"/>
+                            </p:stCondLst>
+                            <p:childTnLst>
+                              <p:par>
+                                <p:cTn id="35" presetID="10" presetClass="entr" presetSubtype="0" fill="hold" nodeType="clickEffect">
+                                  <p:stCondLst>
+                                    <p:cond delay="0"/>
+                                  </p:stCondLst>
+                                  <p:childTnLst>
+                                    <p:set>
+                                      <p:cBhvr>
+                                        <p:cTn id="36" dur="1" fill="hold">
+                                          <p:stCondLst>
+                                            <p:cond delay="0"/>
+                                          </p:stCondLst>
+                                        </p:cTn>
+                                        <p:tgtEl>
+                                          <p:spTgt spid="34">
+                                            <p:txEl>
+                                              <p:pRg st="6" end="6"/>
+                                            </p:txEl>
+                                          </p:spTgt>
+                                        </p:tgtEl>
+                                        <p:attrNameLst>
+                                          <p:attrName>style.visibility</p:attrName>
+                                        </p:attrNameLst>
+                                      </p:cBhvr>
+                                      <p:to>
+                                        <p:strVal val="visible"/>
+                                      </p:to>
+                                    </p:set>
+                                    <p:animEffect transition="in" filter="fade">
+                                      <p:cBhvr>
+                                        <p:cTn id="37" dur="500"/>
+                                        <p:tgtEl>
+                                          <p:spTgt spid="34">
+                                            <p:txEl>
+                                              <p:pRg st="6" end="6"/>
+                                            </p:txEl>
+                                          </p:spTgt>
+                                        </p:tgtEl>
+                                      </p:cBhvr>
+                                    </p:animEffect>
+                                  </p:childTnLst>
+                                </p:cTn>
+                              </p:par>
+                            </p:childTnLst>
+                          </p:cTn>
+                        </p:par>
+                      </p:childTnLst>
+                    </p:cTn>
+                  </p:par>
+                </p:childTnLst>
+              </p:cTn>
+              <p:prevCondLst>
+                <p:cond evt="onPrev" delay="0">
+                  <p:tgtEl>
+                    <p:sldTgt/>
+                  </p:tgtEl>
+                </p:cond>
+              </p:prevCondLst>
+              <p:nextCondLst>
+                <p:cond evt="onNext" delay="0">
+                  <p:tgtEl>
+                    <p:sldTgt/>
+                  </p:tgtEl>
+                </p:cond>
+              </p:nextCondLst>
+            </p:seq>
+          </p:childTnLst>
+        </p:cTn>
+      </p:par>
+    </p:tnLst>
+  </p:timing>
 </p:sld>
 </file>
 
-<file path=ppt/slides/slide12.xml><?xml version="1.0" encoding="utf-8"?>
+<file path=ppt/slides/slide13.xml><?xml version="1.0" encoding="utf-8"?>
 <p:sld xmlns:a="http://schemas.openxmlformats.org/drawingml/2006/main" xmlns:r="http://schemas.openxmlformats.org/officeDocument/2006/relationships" xmlns:p="http://schemas.openxmlformats.org/presentationml/2006/main">
   <p:cSld>
     <p:bg>
@@ -9012,10 +9605,467 @@
   <p:clrMapOvr>
     <a:masterClrMapping/>
   </p:clrMapOvr>
+  <p:timing>
+    <p:tnLst>
+      <p:par>
+        <p:cTn id="1" dur="indefinite" restart="never" nodeType="tmRoot">
+          <p:childTnLst>
+            <p:seq concurrent="1" nextAc="seek">
+              <p:cTn id="2" dur="indefinite" nodeType="mainSeq">
+                <p:childTnLst>
+                  <p:par>
+                    <p:cTn id="3" fill="hold">
+                      <p:stCondLst>
+                        <p:cond delay="indefinite"/>
+                      </p:stCondLst>
+                      <p:childTnLst>
+                        <p:par>
+                          <p:cTn id="4" fill="hold">
+                            <p:stCondLst>
+                              <p:cond delay="0"/>
+                            </p:stCondLst>
+                            <p:childTnLst>
+                              <p:par>
+                                <p:cTn id="5" presetID="10" presetClass="entr" presetSubtype="0" fill="hold" nodeType="clickEffect">
+                                  <p:stCondLst>
+                                    <p:cond delay="0"/>
+                                  </p:stCondLst>
+                                  <p:childTnLst>
+                                    <p:set>
+                                      <p:cBhvr>
+                                        <p:cTn id="6" dur="1" fill="hold">
+                                          <p:stCondLst>
+                                            <p:cond delay="0"/>
+                                          </p:stCondLst>
+                                        </p:cTn>
+                                        <p:tgtEl>
+                                          <p:spTgt spid="34">
+                                            <p:txEl>
+                                              <p:pRg st="0" end="0"/>
+                                            </p:txEl>
+                                          </p:spTgt>
+                                        </p:tgtEl>
+                                        <p:attrNameLst>
+                                          <p:attrName>style.visibility</p:attrName>
+                                        </p:attrNameLst>
+                                      </p:cBhvr>
+                                      <p:to>
+                                        <p:strVal val="visible"/>
+                                      </p:to>
+                                    </p:set>
+                                    <p:animEffect transition="in" filter="fade">
+                                      <p:cBhvr>
+                                        <p:cTn id="7" dur="500"/>
+                                        <p:tgtEl>
+                                          <p:spTgt spid="34">
+                                            <p:txEl>
+                                              <p:pRg st="0" end="0"/>
+                                            </p:txEl>
+                                          </p:spTgt>
+                                        </p:tgtEl>
+                                      </p:cBhvr>
+                                    </p:animEffect>
+                                  </p:childTnLst>
+                                </p:cTn>
+                              </p:par>
+                            </p:childTnLst>
+                          </p:cTn>
+                        </p:par>
+                      </p:childTnLst>
+                    </p:cTn>
+                  </p:par>
+                  <p:par>
+                    <p:cTn id="8" fill="hold">
+                      <p:stCondLst>
+                        <p:cond delay="indefinite"/>
+                      </p:stCondLst>
+                      <p:childTnLst>
+                        <p:par>
+                          <p:cTn id="9" fill="hold">
+                            <p:stCondLst>
+                              <p:cond delay="0"/>
+                            </p:stCondLst>
+                            <p:childTnLst>
+                              <p:par>
+                                <p:cTn id="10" presetID="10" presetClass="entr" presetSubtype="0" fill="hold" nodeType="clickEffect">
+                                  <p:stCondLst>
+                                    <p:cond delay="0"/>
+                                  </p:stCondLst>
+                                  <p:childTnLst>
+                                    <p:set>
+                                      <p:cBhvr>
+                                        <p:cTn id="11" dur="1" fill="hold">
+                                          <p:stCondLst>
+                                            <p:cond delay="0"/>
+                                          </p:stCondLst>
+                                        </p:cTn>
+                                        <p:tgtEl>
+                                          <p:spTgt spid="34">
+                                            <p:txEl>
+                                              <p:pRg st="1" end="1"/>
+                                            </p:txEl>
+                                          </p:spTgt>
+                                        </p:tgtEl>
+                                        <p:attrNameLst>
+                                          <p:attrName>style.visibility</p:attrName>
+                                        </p:attrNameLst>
+                                      </p:cBhvr>
+                                      <p:to>
+                                        <p:strVal val="visible"/>
+                                      </p:to>
+                                    </p:set>
+                                    <p:animEffect transition="in" filter="fade">
+                                      <p:cBhvr>
+                                        <p:cTn id="12" dur="500"/>
+                                        <p:tgtEl>
+                                          <p:spTgt spid="34">
+                                            <p:txEl>
+                                              <p:pRg st="1" end="1"/>
+                                            </p:txEl>
+                                          </p:spTgt>
+                                        </p:tgtEl>
+                                      </p:cBhvr>
+                                    </p:animEffect>
+                                  </p:childTnLst>
+                                </p:cTn>
+                              </p:par>
+                            </p:childTnLst>
+                          </p:cTn>
+                        </p:par>
+                      </p:childTnLst>
+                    </p:cTn>
+                  </p:par>
+                  <p:par>
+                    <p:cTn id="13" fill="hold">
+                      <p:stCondLst>
+                        <p:cond delay="indefinite"/>
+                      </p:stCondLst>
+                      <p:childTnLst>
+                        <p:par>
+                          <p:cTn id="14" fill="hold">
+                            <p:stCondLst>
+                              <p:cond delay="0"/>
+                            </p:stCondLst>
+                            <p:childTnLst>
+                              <p:par>
+                                <p:cTn id="15" presetID="10" presetClass="entr" presetSubtype="0" fill="hold" nodeType="clickEffect">
+                                  <p:stCondLst>
+                                    <p:cond delay="0"/>
+                                  </p:stCondLst>
+                                  <p:childTnLst>
+                                    <p:set>
+                                      <p:cBhvr>
+                                        <p:cTn id="16" dur="1" fill="hold">
+                                          <p:stCondLst>
+                                            <p:cond delay="0"/>
+                                          </p:stCondLst>
+                                        </p:cTn>
+                                        <p:tgtEl>
+                                          <p:spTgt spid="34">
+                                            <p:txEl>
+                                              <p:pRg st="2" end="2"/>
+                                            </p:txEl>
+                                          </p:spTgt>
+                                        </p:tgtEl>
+                                        <p:attrNameLst>
+                                          <p:attrName>style.visibility</p:attrName>
+                                        </p:attrNameLst>
+                                      </p:cBhvr>
+                                      <p:to>
+                                        <p:strVal val="visible"/>
+                                      </p:to>
+                                    </p:set>
+                                    <p:animEffect transition="in" filter="fade">
+                                      <p:cBhvr>
+                                        <p:cTn id="17" dur="500"/>
+                                        <p:tgtEl>
+                                          <p:spTgt spid="34">
+                                            <p:txEl>
+                                              <p:pRg st="2" end="2"/>
+                                            </p:txEl>
+                                          </p:spTgt>
+                                        </p:tgtEl>
+                                      </p:cBhvr>
+                                    </p:animEffect>
+                                  </p:childTnLst>
+                                </p:cTn>
+                              </p:par>
+                            </p:childTnLst>
+                          </p:cTn>
+                        </p:par>
+                      </p:childTnLst>
+                    </p:cTn>
+                  </p:par>
+                  <p:par>
+                    <p:cTn id="18" fill="hold">
+                      <p:stCondLst>
+                        <p:cond delay="indefinite"/>
+                      </p:stCondLst>
+                      <p:childTnLst>
+                        <p:par>
+                          <p:cTn id="19" fill="hold">
+                            <p:stCondLst>
+                              <p:cond delay="0"/>
+                            </p:stCondLst>
+                            <p:childTnLst>
+                              <p:par>
+                                <p:cTn id="20" presetID="10" presetClass="entr" presetSubtype="0" fill="hold" nodeType="clickEffect">
+                                  <p:stCondLst>
+                                    <p:cond delay="0"/>
+                                  </p:stCondLst>
+                                  <p:childTnLst>
+                                    <p:set>
+                                      <p:cBhvr>
+                                        <p:cTn id="21" dur="1" fill="hold">
+                                          <p:stCondLst>
+                                            <p:cond delay="0"/>
+                                          </p:stCondLst>
+                                        </p:cTn>
+                                        <p:tgtEl>
+                                          <p:spTgt spid="34">
+                                            <p:txEl>
+                                              <p:pRg st="3" end="3"/>
+                                            </p:txEl>
+                                          </p:spTgt>
+                                        </p:tgtEl>
+                                        <p:attrNameLst>
+                                          <p:attrName>style.visibility</p:attrName>
+                                        </p:attrNameLst>
+                                      </p:cBhvr>
+                                      <p:to>
+                                        <p:strVal val="visible"/>
+                                      </p:to>
+                                    </p:set>
+                                    <p:animEffect transition="in" filter="fade">
+                                      <p:cBhvr>
+                                        <p:cTn id="22" dur="500"/>
+                                        <p:tgtEl>
+                                          <p:spTgt spid="34">
+                                            <p:txEl>
+                                              <p:pRg st="3" end="3"/>
+                                            </p:txEl>
+                                          </p:spTgt>
+                                        </p:tgtEl>
+                                      </p:cBhvr>
+                                    </p:animEffect>
+                                  </p:childTnLst>
+                                </p:cTn>
+                              </p:par>
+                            </p:childTnLst>
+                          </p:cTn>
+                        </p:par>
+                      </p:childTnLst>
+                    </p:cTn>
+                  </p:par>
+                  <p:par>
+                    <p:cTn id="23" fill="hold">
+                      <p:stCondLst>
+                        <p:cond delay="indefinite"/>
+                      </p:stCondLst>
+                      <p:childTnLst>
+                        <p:par>
+                          <p:cTn id="24" fill="hold">
+                            <p:stCondLst>
+                              <p:cond delay="0"/>
+                            </p:stCondLst>
+                            <p:childTnLst>
+                              <p:par>
+                                <p:cTn id="25" presetID="10" presetClass="entr" presetSubtype="0" fill="hold" nodeType="clickEffect">
+                                  <p:stCondLst>
+                                    <p:cond delay="0"/>
+                                  </p:stCondLst>
+                                  <p:childTnLst>
+                                    <p:set>
+                                      <p:cBhvr>
+                                        <p:cTn id="26" dur="1" fill="hold">
+                                          <p:stCondLst>
+                                            <p:cond delay="0"/>
+                                          </p:stCondLst>
+                                        </p:cTn>
+                                        <p:tgtEl>
+                                          <p:spTgt spid="34">
+                                            <p:txEl>
+                                              <p:pRg st="4" end="4"/>
+                                            </p:txEl>
+                                          </p:spTgt>
+                                        </p:tgtEl>
+                                        <p:attrNameLst>
+                                          <p:attrName>style.visibility</p:attrName>
+                                        </p:attrNameLst>
+                                      </p:cBhvr>
+                                      <p:to>
+                                        <p:strVal val="visible"/>
+                                      </p:to>
+                                    </p:set>
+                                    <p:animEffect transition="in" filter="fade">
+                                      <p:cBhvr>
+                                        <p:cTn id="27" dur="500"/>
+                                        <p:tgtEl>
+                                          <p:spTgt spid="34">
+                                            <p:txEl>
+                                              <p:pRg st="4" end="4"/>
+                                            </p:txEl>
+                                          </p:spTgt>
+                                        </p:tgtEl>
+                                      </p:cBhvr>
+                                    </p:animEffect>
+                                  </p:childTnLst>
+                                </p:cTn>
+                              </p:par>
+                            </p:childTnLst>
+                          </p:cTn>
+                        </p:par>
+                      </p:childTnLst>
+                    </p:cTn>
+                  </p:par>
+                  <p:par>
+                    <p:cTn id="28" fill="hold">
+                      <p:stCondLst>
+                        <p:cond delay="indefinite"/>
+                      </p:stCondLst>
+                      <p:childTnLst>
+                        <p:par>
+                          <p:cTn id="29" fill="hold">
+                            <p:stCondLst>
+                              <p:cond delay="0"/>
+                            </p:stCondLst>
+                            <p:childTnLst>
+                              <p:par>
+                                <p:cTn id="30" presetID="10" presetClass="entr" presetSubtype="0" fill="hold" nodeType="clickEffect">
+                                  <p:stCondLst>
+                                    <p:cond delay="0"/>
+                                  </p:stCondLst>
+                                  <p:childTnLst>
+                                    <p:set>
+                                      <p:cBhvr>
+                                        <p:cTn id="31" dur="1" fill="hold">
+                                          <p:stCondLst>
+                                            <p:cond delay="0"/>
+                                          </p:stCondLst>
+                                        </p:cTn>
+                                        <p:tgtEl>
+                                          <p:spTgt spid="34">
+                                            <p:txEl>
+                                              <p:pRg st="5" end="5"/>
+                                            </p:txEl>
+                                          </p:spTgt>
+                                        </p:tgtEl>
+                                        <p:attrNameLst>
+                                          <p:attrName>style.visibility</p:attrName>
+                                        </p:attrNameLst>
+                                      </p:cBhvr>
+                                      <p:to>
+                                        <p:strVal val="visible"/>
+                                      </p:to>
+                                    </p:set>
+                                    <p:animEffect transition="in" filter="fade">
+                                      <p:cBhvr>
+                                        <p:cTn id="32" dur="500"/>
+                                        <p:tgtEl>
+                                          <p:spTgt spid="34">
+                                            <p:txEl>
+                                              <p:pRg st="5" end="5"/>
+                                            </p:txEl>
+                                          </p:spTgt>
+                                        </p:tgtEl>
+                                      </p:cBhvr>
+                                    </p:animEffect>
+                                  </p:childTnLst>
+                                </p:cTn>
+                              </p:par>
+                            </p:childTnLst>
+                          </p:cTn>
+                        </p:par>
+                      </p:childTnLst>
+                    </p:cTn>
+                  </p:par>
+                  <p:par>
+                    <p:cTn id="33" fill="hold">
+                      <p:stCondLst>
+                        <p:cond delay="indefinite"/>
+                      </p:stCondLst>
+                      <p:childTnLst>
+                        <p:par>
+                          <p:cTn id="34" fill="hold">
+                            <p:stCondLst>
+                              <p:cond delay="0"/>
+                            </p:stCondLst>
+                            <p:childTnLst>
+                              <p:par>
+                                <p:cTn id="35" presetID="10" presetClass="entr" presetSubtype="0" fill="hold" nodeType="clickEffect">
+                                  <p:stCondLst>
+                                    <p:cond delay="0"/>
+                                  </p:stCondLst>
+                                  <p:childTnLst>
+                                    <p:set>
+                                      <p:cBhvr>
+                                        <p:cTn id="36" dur="1" fill="hold">
+                                          <p:stCondLst>
+                                            <p:cond delay="0"/>
+                                          </p:stCondLst>
+                                        </p:cTn>
+                                        <p:tgtEl>
+                                          <p:spTgt spid="34">
+                                            <p:txEl>
+                                              <p:pRg st="6" end="6"/>
+                                            </p:txEl>
+                                          </p:spTgt>
+                                        </p:tgtEl>
+                                        <p:attrNameLst>
+                                          <p:attrName>style.visibility</p:attrName>
+                                        </p:attrNameLst>
+                                      </p:cBhvr>
+                                      <p:to>
+                                        <p:strVal val="visible"/>
+                                      </p:to>
+                                    </p:set>
+                                    <p:animEffect transition="in" filter="fade">
+                                      <p:cBhvr>
+                                        <p:cTn id="37" dur="500"/>
+                                        <p:tgtEl>
+                                          <p:spTgt spid="34">
+                                            <p:txEl>
+                                              <p:pRg st="6" end="6"/>
+                                            </p:txEl>
+                                          </p:spTgt>
+                                        </p:tgtEl>
+                                      </p:cBhvr>
+                                    </p:animEffect>
+                                  </p:childTnLst>
+                                </p:cTn>
+                              </p:par>
+                            </p:childTnLst>
+                          </p:cTn>
+                        </p:par>
+                      </p:childTnLst>
+                    </p:cTn>
+                  </p:par>
+                </p:childTnLst>
+              </p:cTn>
+              <p:prevCondLst>
+                <p:cond evt="onPrev" delay="0">
+                  <p:tgtEl>
+                    <p:sldTgt/>
+                  </p:tgtEl>
+                </p:cond>
+              </p:prevCondLst>
+              <p:nextCondLst>
+                <p:cond evt="onNext" delay="0">
+                  <p:tgtEl>
+                    <p:sldTgt/>
+                  </p:tgtEl>
+                </p:cond>
+              </p:nextCondLst>
+            </p:seq>
+          </p:childTnLst>
+        </p:cTn>
+      </p:par>
+    </p:tnLst>
+  </p:timing>
 </p:sld>
 </file>
 
-<file path=ppt/slides/slide13.xml><?xml version="1.0" encoding="utf-8"?>
+<file path=ppt/slides/slide14.xml><?xml version="1.0" encoding="utf-8"?>
 <p:sld xmlns:a="http://schemas.openxmlformats.org/drawingml/2006/main" xmlns:r="http://schemas.openxmlformats.org/officeDocument/2006/relationships" xmlns:p="http://schemas.openxmlformats.org/presentationml/2006/main">
   <p:cSld>
     <p:bg>
@@ -9738,10 +10788,406 @@
   <p:clrMapOvr>
     <a:masterClrMapping/>
   </p:clrMapOvr>
+  <p:timing>
+    <p:tnLst>
+      <p:par>
+        <p:cTn id="1" dur="indefinite" restart="never" nodeType="tmRoot">
+          <p:childTnLst>
+            <p:seq concurrent="1" nextAc="seek">
+              <p:cTn id="2" dur="indefinite" nodeType="mainSeq">
+                <p:childTnLst>
+                  <p:par>
+                    <p:cTn id="3" fill="hold">
+                      <p:stCondLst>
+                        <p:cond delay="indefinite"/>
+                      </p:stCondLst>
+                      <p:childTnLst>
+                        <p:par>
+                          <p:cTn id="4" fill="hold">
+                            <p:stCondLst>
+                              <p:cond delay="0"/>
+                            </p:stCondLst>
+                            <p:childTnLst>
+                              <p:par>
+                                <p:cTn id="5" presetID="10" presetClass="entr" presetSubtype="0" fill="hold" nodeType="clickEffect">
+                                  <p:stCondLst>
+                                    <p:cond delay="0"/>
+                                  </p:stCondLst>
+                                  <p:childTnLst>
+                                    <p:set>
+                                      <p:cBhvr>
+                                        <p:cTn id="6" dur="1" fill="hold">
+                                          <p:stCondLst>
+                                            <p:cond delay="0"/>
+                                          </p:stCondLst>
+                                        </p:cTn>
+                                        <p:tgtEl>
+                                          <p:spTgt spid="34">
+                                            <p:txEl>
+                                              <p:pRg st="0" end="0"/>
+                                            </p:txEl>
+                                          </p:spTgt>
+                                        </p:tgtEl>
+                                        <p:attrNameLst>
+                                          <p:attrName>style.visibility</p:attrName>
+                                        </p:attrNameLst>
+                                      </p:cBhvr>
+                                      <p:to>
+                                        <p:strVal val="visible"/>
+                                      </p:to>
+                                    </p:set>
+                                    <p:animEffect transition="in" filter="fade">
+                                      <p:cBhvr>
+                                        <p:cTn id="7" dur="500"/>
+                                        <p:tgtEl>
+                                          <p:spTgt spid="34">
+                                            <p:txEl>
+                                              <p:pRg st="0" end="0"/>
+                                            </p:txEl>
+                                          </p:spTgt>
+                                        </p:tgtEl>
+                                      </p:cBhvr>
+                                    </p:animEffect>
+                                  </p:childTnLst>
+                                </p:cTn>
+                              </p:par>
+                            </p:childTnLst>
+                          </p:cTn>
+                        </p:par>
+                      </p:childTnLst>
+                    </p:cTn>
+                  </p:par>
+                  <p:par>
+                    <p:cTn id="8" fill="hold">
+                      <p:stCondLst>
+                        <p:cond delay="indefinite"/>
+                      </p:stCondLst>
+                      <p:childTnLst>
+                        <p:par>
+                          <p:cTn id="9" fill="hold">
+                            <p:stCondLst>
+                              <p:cond delay="0"/>
+                            </p:stCondLst>
+                            <p:childTnLst>
+                              <p:par>
+                                <p:cTn id="10" presetID="10" presetClass="entr" presetSubtype="0" fill="hold" nodeType="clickEffect">
+                                  <p:stCondLst>
+                                    <p:cond delay="0"/>
+                                  </p:stCondLst>
+                                  <p:childTnLst>
+                                    <p:set>
+                                      <p:cBhvr>
+                                        <p:cTn id="11" dur="1" fill="hold">
+                                          <p:stCondLst>
+                                            <p:cond delay="0"/>
+                                          </p:stCondLst>
+                                        </p:cTn>
+                                        <p:tgtEl>
+                                          <p:spTgt spid="34">
+                                            <p:txEl>
+                                              <p:pRg st="1" end="1"/>
+                                            </p:txEl>
+                                          </p:spTgt>
+                                        </p:tgtEl>
+                                        <p:attrNameLst>
+                                          <p:attrName>style.visibility</p:attrName>
+                                        </p:attrNameLst>
+                                      </p:cBhvr>
+                                      <p:to>
+                                        <p:strVal val="visible"/>
+                                      </p:to>
+                                    </p:set>
+                                    <p:animEffect transition="in" filter="fade">
+                                      <p:cBhvr>
+                                        <p:cTn id="12" dur="500"/>
+                                        <p:tgtEl>
+                                          <p:spTgt spid="34">
+                                            <p:txEl>
+                                              <p:pRg st="1" end="1"/>
+                                            </p:txEl>
+                                          </p:spTgt>
+                                        </p:tgtEl>
+                                      </p:cBhvr>
+                                    </p:animEffect>
+                                  </p:childTnLst>
+                                </p:cTn>
+                              </p:par>
+                            </p:childTnLst>
+                          </p:cTn>
+                        </p:par>
+                      </p:childTnLst>
+                    </p:cTn>
+                  </p:par>
+                  <p:par>
+                    <p:cTn id="13" fill="hold">
+                      <p:stCondLst>
+                        <p:cond delay="indefinite"/>
+                      </p:stCondLst>
+                      <p:childTnLst>
+                        <p:par>
+                          <p:cTn id="14" fill="hold">
+                            <p:stCondLst>
+                              <p:cond delay="0"/>
+                            </p:stCondLst>
+                            <p:childTnLst>
+                              <p:par>
+                                <p:cTn id="15" presetID="10" presetClass="entr" presetSubtype="0" fill="hold" nodeType="clickEffect">
+                                  <p:stCondLst>
+                                    <p:cond delay="0"/>
+                                  </p:stCondLst>
+                                  <p:childTnLst>
+                                    <p:set>
+                                      <p:cBhvr>
+                                        <p:cTn id="16" dur="1" fill="hold">
+                                          <p:stCondLst>
+                                            <p:cond delay="0"/>
+                                          </p:stCondLst>
+                                        </p:cTn>
+                                        <p:tgtEl>
+                                          <p:spTgt spid="34">
+                                            <p:txEl>
+                                              <p:pRg st="2" end="2"/>
+                                            </p:txEl>
+                                          </p:spTgt>
+                                        </p:tgtEl>
+                                        <p:attrNameLst>
+                                          <p:attrName>style.visibility</p:attrName>
+                                        </p:attrNameLst>
+                                      </p:cBhvr>
+                                      <p:to>
+                                        <p:strVal val="visible"/>
+                                      </p:to>
+                                    </p:set>
+                                    <p:animEffect transition="in" filter="fade">
+                                      <p:cBhvr>
+                                        <p:cTn id="17" dur="500"/>
+                                        <p:tgtEl>
+                                          <p:spTgt spid="34">
+                                            <p:txEl>
+                                              <p:pRg st="2" end="2"/>
+                                            </p:txEl>
+                                          </p:spTgt>
+                                        </p:tgtEl>
+                                      </p:cBhvr>
+                                    </p:animEffect>
+                                  </p:childTnLst>
+                                </p:cTn>
+                              </p:par>
+                            </p:childTnLst>
+                          </p:cTn>
+                        </p:par>
+                      </p:childTnLst>
+                    </p:cTn>
+                  </p:par>
+                  <p:par>
+                    <p:cTn id="18" fill="hold">
+                      <p:stCondLst>
+                        <p:cond delay="indefinite"/>
+                      </p:stCondLst>
+                      <p:childTnLst>
+                        <p:par>
+                          <p:cTn id="19" fill="hold">
+                            <p:stCondLst>
+                              <p:cond delay="0"/>
+                            </p:stCondLst>
+                            <p:childTnLst>
+                              <p:par>
+                                <p:cTn id="20" presetID="10" presetClass="entr" presetSubtype="0" fill="hold" nodeType="clickEffect">
+                                  <p:stCondLst>
+                                    <p:cond delay="0"/>
+                                  </p:stCondLst>
+                                  <p:childTnLst>
+                                    <p:set>
+                                      <p:cBhvr>
+                                        <p:cTn id="21" dur="1" fill="hold">
+                                          <p:stCondLst>
+                                            <p:cond delay="0"/>
+                                          </p:stCondLst>
+                                        </p:cTn>
+                                        <p:tgtEl>
+                                          <p:spTgt spid="34">
+                                            <p:txEl>
+                                              <p:pRg st="3" end="3"/>
+                                            </p:txEl>
+                                          </p:spTgt>
+                                        </p:tgtEl>
+                                        <p:attrNameLst>
+                                          <p:attrName>style.visibility</p:attrName>
+                                        </p:attrNameLst>
+                                      </p:cBhvr>
+                                      <p:to>
+                                        <p:strVal val="visible"/>
+                                      </p:to>
+                                    </p:set>
+                                    <p:animEffect transition="in" filter="fade">
+                                      <p:cBhvr>
+                                        <p:cTn id="22" dur="500"/>
+                                        <p:tgtEl>
+                                          <p:spTgt spid="34">
+                                            <p:txEl>
+                                              <p:pRg st="3" end="3"/>
+                                            </p:txEl>
+                                          </p:spTgt>
+                                        </p:tgtEl>
+                                      </p:cBhvr>
+                                    </p:animEffect>
+                                  </p:childTnLst>
+                                </p:cTn>
+                              </p:par>
+                            </p:childTnLst>
+                          </p:cTn>
+                        </p:par>
+                      </p:childTnLst>
+                    </p:cTn>
+                  </p:par>
+                  <p:par>
+                    <p:cTn id="23" fill="hold">
+                      <p:stCondLst>
+                        <p:cond delay="indefinite"/>
+                      </p:stCondLst>
+                      <p:childTnLst>
+                        <p:par>
+                          <p:cTn id="24" fill="hold">
+                            <p:stCondLst>
+                              <p:cond delay="0"/>
+                            </p:stCondLst>
+                            <p:childTnLst>
+                              <p:par>
+                                <p:cTn id="25" presetID="10" presetClass="entr" presetSubtype="0" fill="hold" nodeType="clickEffect">
+                                  <p:stCondLst>
+                                    <p:cond delay="0"/>
+                                  </p:stCondLst>
+                                  <p:childTnLst>
+                                    <p:set>
+                                      <p:cBhvr>
+                                        <p:cTn id="26" dur="1" fill="hold">
+                                          <p:stCondLst>
+                                            <p:cond delay="0"/>
+                                          </p:stCondLst>
+                                        </p:cTn>
+                                        <p:tgtEl>
+                                          <p:spTgt spid="34">
+                                            <p:txEl>
+                                              <p:pRg st="4" end="4"/>
+                                            </p:txEl>
+                                          </p:spTgt>
+                                        </p:tgtEl>
+                                        <p:attrNameLst>
+                                          <p:attrName>style.visibility</p:attrName>
+                                        </p:attrNameLst>
+                                      </p:cBhvr>
+                                      <p:to>
+                                        <p:strVal val="visible"/>
+                                      </p:to>
+                                    </p:set>
+                                    <p:animEffect transition="in" filter="fade">
+                                      <p:cBhvr>
+                                        <p:cTn id="27" dur="500"/>
+                                        <p:tgtEl>
+                                          <p:spTgt spid="34">
+                                            <p:txEl>
+                                              <p:pRg st="4" end="4"/>
+                                            </p:txEl>
+                                          </p:spTgt>
+                                        </p:tgtEl>
+                                      </p:cBhvr>
+                                    </p:animEffect>
+                                  </p:childTnLst>
+                                </p:cTn>
+                              </p:par>
+                            </p:childTnLst>
+                          </p:cTn>
+                        </p:par>
+                      </p:childTnLst>
+                    </p:cTn>
+                  </p:par>
+                  <p:par>
+                    <p:cTn id="28" fill="hold">
+                      <p:stCondLst>
+                        <p:cond delay="indefinite"/>
+                      </p:stCondLst>
+                      <p:childTnLst>
+                        <p:par>
+                          <p:cTn id="29" fill="hold">
+                            <p:stCondLst>
+                              <p:cond delay="0"/>
+                            </p:stCondLst>
+                            <p:childTnLst>
+                              <p:par>
+                                <p:cTn id="30" presetID="10" presetClass="entr" presetSubtype="0" fill="hold" nodeType="clickEffect">
+                                  <p:stCondLst>
+                                    <p:cond delay="0"/>
+                                  </p:stCondLst>
+                                  <p:childTnLst>
+                                    <p:set>
+                                      <p:cBhvr>
+                                        <p:cTn id="31" dur="1" fill="hold">
+                                          <p:stCondLst>
+                                            <p:cond delay="0"/>
+                                          </p:stCondLst>
+                                        </p:cTn>
+                                        <p:tgtEl>
+                                          <p:spTgt spid="34">
+                                            <p:txEl>
+                                              <p:pRg st="5" end="5"/>
+                                            </p:txEl>
+                                          </p:spTgt>
+                                        </p:tgtEl>
+                                        <p:attrNameLst>
+                                          <p:attrName>style.visibility</p:attrName>
+                                        </p:attrNameLst>
+                                      </p:cBhvr>
+                                      <p:to>
+                                        <p:strVal val="visible"/>
+                                      </p:to>
+                                    </p:set>
+                                    <p:animEffect transition="in" filter="fade">
+                                      <p:cBhvr>
+                                        <p:cTn id="32" dur="500"/>
+                                        <p:tgtEl>
+                                          <p:spTgt spid="34">
+                                            <p:txEl>
+                                              <p:pRg st="5" end="5"/>
+                                            </p:txEl>
+                                          </p:spTgt>
+                                        </p:tgtEl>
+                                      </p:cBhvr>
+                                    </p:animEffect>
+                                  </p:childTnLst>
+                                </p:cTn>
+                              </p:par>
+                            </p:childTnLst>
+                          </p:cTn>
+                        </p:par>
+                      </p:childTnLst>
+                    </p:cTn>
+                  </p:par>
+                </p:childTnLst>
+              </p:cTn>
+              <p:prevCondLst>
+                <p:cond evt="onPrev" delay="0">
+                  <p:tgtEl>
+                    <p:sldTgt/>
+                  </p:tgtEl>
+                </p:cond>
+              </p:prevCondLst>
+              <p:nextCondLst>
+                <p:cond evt="onNext" delay="0">
+                  <p:tgtEl>
+                    <p:sldTgt/>
+                  </p:tgtEl>
+                </p:cond>
+              </p:nextCondLst>
+            </p:seq>
+          </p:childTnLst>
+        </p:cTn>
+      </p:par>
+    </p:tnLst>
+  </p:timing>
 </p:sld>
 </file>
 
-<file path=ppt/slides/slide14.xml><?xml version="1.0" encoding="utf-8"?>
+<file path=ppt/slides/slide15.xml><?xml version="1.0" encoding="utf-8"?>
 <p:sld xmlns:a="http://schemas.openxmlformats.org/drawingml/2006/main" xmlns:r="http://schemas.openxmlformats.org/officeDocument/2006/relationships" xmlns:p="http://schemas.openxmlformats.org/presentationml/2006/main">
   <p:cSld>
     <p:bg>
@@ -10031,10 +11477,345 @@
   <p:clrMapOvr>
     <a:masterClrMapping/>
   </p:clrMapOvr>
+  <p:timing>
+    <p:tnLst>
+      <p:par>
+        <p:cTn id="1" dur="indefinite" restart="never" nodeType="tmRoot">
+          <p:childTnLst>
+            <p:seq concurrent="1" nextAc="seek">
+              <p:cTn id="2" dur="indefinite" nodeType="mainSeq">
+                <p:childTnLst>
+                  <p:par>
+                    <p:cTn id="3" fill="hold">
+                      <p:stCondLst>
+                        <p:cond delay="indefinite"/>
+                      </p:stCondLst>
+                      <p:childTnLst>
+                        <p:par>
+                          <p:cTn id="4" fill="hold">
+                            <p:stCondLst>
+                              <p:cond delay="0"/>
+                            </p:stCondLst>
+                            <p:childTnLst>
+                              <p:par>
+                                <p:cTn id="5" presetID="10" presetClass="entr" presetSubtype="0" fill="hold" nodeType="clickEffect">
+                                  <p:stCondLst>
+                                    <p:cond delay="0"/>
+                                  </p:stCondLst>
+                                  <p:childTnLst>
+                                    <p:set>
+                                      <p:cBhvr>
+                                        <p:cTn id="6" dur="1" fill="hold">
+                                          <p:stCondLst>
+                                            <p:cond delay="0"/>
+                                          </p:stCondLst>
+                                        </p:cTn>
+                                        <p:tgtEl>
+                                          <p:spTgt spid="3">
+                                            <p:txEl>
+                                              <p:pRg st="0" end="0"/>
+                                            </p:txEl>
+                                          </p:spTgt>
+                                        </p:tgtEl>
+                                        <p:attrNameLst>
+                                          <p:attrName>style.visibility</p:attrName>
+                                        </p:attrNameLst>
+                                      </p:cBhvr>
+                                      <p:to>
+                                        <p:strVal val="visible"/>
+                                      </p:to>
+                                    </p:set>
+                                    <p:animEffect transition="in" filter="fade">
+                                      <p:cBhvr>
+                                        <p:cTn id="7" dur="500"/>
+                                        <p:tgtEl>
+                                          <p:spTgt spid="3">
+                                            <p:txEl>
+                                              <p:pRg st="0" end="0"/>
+                                            </p:txEl>
+                                          </p:spTgt>
+                                        </p:tgtEl>
+                                      </p:cBhvr>
+                                    </p:animEffect>
+                                  </p:childTnLst>
+                                </p:cTn>
+                              </p:par>
+                            </p:childTnLst>
+                          </p:cTn>
+                        </p:par>
+                      </p:childTnLst>
+                    </p:cTn>
+                  </p:par>
+                  <p:par>
+                    <p:cTn id="8" fill="hold">
+                      <p:stCondLst>
+                        <p:cond delay="indefinite"/>
+                      </p:stCondLst>
+                      <p:childTnLst>
+                        <p:par>
+                          <p:cTn id="9" fill="hold">
+                            <p:stCondLst>
+                              <p:cond delay="0"/>
+                            </p:stCondLst>
+                            <p:childTnLst>
+                              <p:par>
+                                <p:cTn id="10" presetID="10" presetClass="entr" presetSubtype="0" fill="hold" nodeType="clickEffect">
+                                  <p:stCondLst>
+                                    <p:cond delay="0"/>
+                                  </p:stCondLst>
+                                  <p:childTnLst>
+                                    <p:set>
+                                      <p:cBhvr>
+                                        <p:cTn id="11" dur="1" fill="hold">
+                                          <p:stCondLst>
+                                            <p:cond delay="0"/>
+                                          </p:stCondLst>
+                                        </p:cTn>
+                                        <p:tgtEl>
+                                          <p:spTgt spid="3">
+                                            <p:txEl>
+                                              <p:pRg st="1" end="1"/>
+                                            </p:txEl>
+                                          </p:spTgt>
+                                        </p:tgtEl>
+                                        <p:attrNameLst>
+                                          <p:attrName>style.visibility</p:attrName>
+                                        </p:attrNameLst>
+                                      </p:cBhvr>
+                                      <p:to>
+                                        <p:strVal val="visible"/>
+                                      </p:to>
+                                    </p:set>
+                                    <p:animEffect transition="in" filter="fade">
+                                      <p:cBhvr>
+                                        <p:cTn id="12" dur="500"/>
+                                        <p:tgtEl>
+                                          <p:spTgt spid="3">
+                                            <p:txEl>
+                                              <p:pRg st="1" end="1"/>
+                                            </p:txEl>
+                                          </p:spTgt>
+                                        </p:tgtEl>
+                                      </p:cBhvr>
+                                    </p:animEffect>
+                                  </p:childTnLst>
+                                </p:cTn>
+                              </p:par>
+                            </p:childTnLst>
+                          </p:cTn>
+                        </p:par>
+                      </p:childTnLst>
+                    </p:cTn>
+                  </p:par>
+                  <p:par>
+                    <p:cTn id="13" fill="hold">
+                      <p:stCondLst>
+                        <p:cond delay="indefinite"/>
+                      </p:stCondLst>
+                      <p:childTnLst>
+                        <p:par>
+                          <p:cTn id="14" fill="hold">
+                            <p:stCondLst>
+                              <p:cond delay="0"/>
+                            </p:stCondLst>
+                            <p:childTnLst>
+                              <p:par>
+                                <p:cTn id="15" presetID="10" presetClass="entr" presetSubtype="0" fill="hold" nodeType="clickEffect">
+                                  <p:stCondLst>
+                                    <p:cond delay="0"/>
+                                  </p:stCondLst>
+                                  <p:childTnLst>
+                                    <p:set>
+                                      <p:cBhvr>
+                                        <p:cTn id="16" dur="1" fill="hold">
+                                          <p:stCondLst>
+                                            <p:cond delay="0"/>
+                                          </p:stCondLst>
+                                        </p:cTn>
+                                        <p:tgtEl>
+                                          <p:spTgt spid="3">
+                                            <p:txEl>
+                                              <p:pRg st="2" end="2"/>
+                                            </p:txEl>
+                                          </p:spTgt>
+                                        </p:tgtEl>
+                                        <p:attrNameLst>
+                                          <p:attrName>style.visibility</p:attrName>
+                                        </p:attrNameLst>
+                                      </p:cBhvr>
+                                      <p:to>
+                                        <p:strVal val="visible"/>
+                                      </p:to>
+                                    </p:set>
+                                    <p:animEffect transition="in" filter="fade">
+                                      <p:cBhvr>
+                                        <p:cTn id="17" dur="500"/>
+                                        <p:tgtEl>
+                                          <p:spTgt spid="3">
+                                            <p:txEl>
+                                              <p:pRg st="2" end="2"/>
+                                            </p:txEl>
+                                          </p:spTgt>
+                                        </p:tgtEl>
+                                      </p:cBhvr>
+                                    </p:animEffect>
+                                  </p:childTnLst>
+                                </p:cTn>
+                              </p:par>
+                            </p:childTnLst>
+                          </p:cTn>
+                        </p:par>
+                      </p:childTnLst>
+                    </p:cTn>
+                  </p:par>
+                  <p:par>
+                    <p:cTn id="18" fill="hold">
+                      <p:stCondLst>
+                        <p:cond delay="indefinite"/>
+                      </p:stCondLst>
+                      <p:childTnLst>
+                        <p:par>
+                          <p:cTn id="19" fill="hold">
+                            <p:stCondLst>
+                              <p:cond delay="0"/>
+                            </p:stCondLst>
+                            <p:childTnLst>
+                              <p:par>
+                                <p:cTn id="20" presetID="10" presetClass="entr" presetSubtype="0" fill="hold" nodeType="clickEffect">
+                                  <p:stCondLst>
+                                    <p:cond delay="0"/>
+                                  </p:stCondLst>
+                                  <p:childTnLst>
+                                    <p:set>
+                                      <p:cBhvr>
+                                        <p:cTn id="21" dur="1" fill="hold">
+                                          <p:stCondLst>
+                                            <p:cond delay="0"/>
+                                          </p:stCondLst>
+                                        </p:cTn>
+                                        <p:tgtEl>
+                                          <p:spTgt spid="3">
+                                            <p:txEl>
+                                              <p:pRg st="3" end="3"/>
+                                            </p:txEl>
+                                          </p:spTgt>
+                                        </p:tgtEl>
+                                        <p:attrNameLst>
+                                          <p:attrName>style.visibility</p:attrName>
+                                        </p:attrNameLst>
+                                      </p:cBhvr>
+                                      <p:to>
+                                        <p:strVal val="visible"/>
+                                      </p:to>
+                                    </p:set>
+                                    <p:animEffect transition="in" filter="fade">
+                                      <p:cBhvr>
+                                        <p:cTn id="22" dur="500"/>
+                                        <p:tgtEl>
+                                          <p:spTgt spid="3">
+                                            <p:txEl>
+                                              <p:pRg st="3" end="3"/>
+                                            </p:txEl>
+                                          </p:spTgt>
+                                        </p:tgtEl>
+                                      </p:cBhvr>
+                                    </p:animEffect>
+                                  </p:childTnLst>
+                                </p:cTn>
+                              </p:par>
+                            </p:childTnLst>
+                          </p:cTn>
+                        </p:par>
+                      </p:childTnLst>
+                    </p:cTn>
+                  </p:par>
+                  <p:par>
+                    <p:cTn id="23" fill="hold">
+                      <p:stCondLst>
+                        <p:cond delay="indefinite"/>
+                      </p:stCondLst>
+                      <p:childTnLst>
+                        <p:par>
+                          <p:cTn id="24" fill="hold">
+                            <p:stCondLst>
+                              <p:cond delay="0"/>
+                            </p:stCondLst>
+                            <p:childTnLst>
+                              <p:par>
+                                <p:cTn id="25" presetID="10" presetClass="entr" presetSubtype="0" fill="hold" nodeType="clickEffect">
+                                  <p:stCondLst>
+                                    <p:cond delay="0"/>
+                                  </p:stCondLst>
+                                  <p:childTnLst>
+                                    <p:set>
+                                      <p:cBhvr>
+                                        <p:cTn id="26" dur="1" fill="hold">
+                                          <p:stCondLst>
+                                            <p:cond delay="0"/>
+                                          </p:stCondLst>
+                                        </p:cTn>
+                                        <p:tgtEl>
+                                          <p:spTgt spid="3">
+                                            <p:txEl>
+                                              <p:pRg st="4" end="4"/>
+                                            </p:txEl>
+                                          </p:spTgt>
+                                        </p:tgtEl>
+                                        <p:attrNameLst>
+                                          <p:attrName>style.visibility</p:attrName>
+                                        </p:attrNameLst>
+                                      </p:cBhvr>
+                                      <p:to>
+                                        <p:strVal val="visible"/>
+                                      </p:to>
+                                    </p:set>
+                                    <p:animEffect transition="in" filter="fade">
+                                      <p:cBhvr>
+                                        <p:cTn id="27" dur="500"/>
+                                        <p:tgtEl>
+                                          <p:spTgt spid="3">
+                                            <p:txEl>
+                                              <p:pRg st="4" end="4"/>
+                                            </p:txEl>
+                                          </p:spTgt>
+                                        </p:tgtEl>
+                                      </p:cBhvr>
+                                    </p:animEffect>
+                                  </p:childTnLst>
+                                </p:cTn>
+                              </p:par>
+                            </p:childTnLst>
+                          </p:cTn>
+                        </p:par>
+                      </p:childTnLst>
+                    </p:cTn>
+                  </p:par>
+                </p:childTnLst>
+              </p:cTn>
+              <p:prevCondLst>
+                <p:cond evt="onPrev" delay="0">
+                  <p:tgtEl>
+                    <p:sldTgt/>
+                  </p:tgtEl>
+                </p:cond>
+              </p:prevCondLst>
+              <p:nextCondLst>
+                <p:cond evt="onNext" delay="0">
+                  <p:tgtEl>
+                    <p:sldTgt/>
+                  </p:tgtEl>
+                </p:cond>
+              </p:nextCondLst>
+            </p:seq>
+          </p:childTnLst>
+        </p:cTn>
+      </p:par>
+    </p:tnLst>
+  </p:timing>
 </p:sld>
 </file>
 
-<file path=ppt/slides/slide15.xml><?xml version="1.0" encoding="utf-8"?>
+<file path=ppt/slides/slide16.xml><?xml version="1.0" encoding="utf-8"?>
 <p:sld xmlns:a="http://schemas.openxmlformats.org/drawingml/2006/main" xmlns:r="http://schemas.openxmlformats.org/officeDocument/2006/relationships" xmlns:p="http://schemas.openxmlformats.org/presentationml/2006/main">
   <p:cSld>
     <p:bg>
@@ -10262,199 +12043,219 @@
   <p:clrMapOvr>
     <a:masterClrMapping/>
   </p:clrMapOvr>
-</p:sld>
-</file>
-
-<file path=ppt/slides/slide16.xml><?xml version="1.0" encoding="utf-8"?>
-<p:sld xmlns:a="http://schemas.openxmlformats.org/drawingml/2006/main" xmlns:r="http://schemas.openxmlformats.org/officeDocument/2006/relationships" xmlns:p="http://schemas.openxmlformats.org/presentationml/2006/main">
-  <p:cSld>
-    <p:bg>
-      <p:bgPr>
-        <a:blipFill dpi="0" rotWithShape="1">
-          <a:blip r:embed="rId2">
-            <a:lum/>
-          </a:blip>
-          <a:srcRect/>
-          <a:stretch>
-            <a:fillRect/>
-          </a:stretch>
-        </a:blipFill>
-        <a:effectLst/>
-      </p:bgPr>
-    </p:bg>
-    <p:spTree>
-      <p:nvGrpSpPr>
-        <p:cNvPr id="1" name=""/>
-        <p:cNvGrpSpPr/>
-        <p:nvPr/>
-      </p:nvGrpSpPr>
-      <p:grpSpPr>
-        <a:xfrm>
-          <a:off x="0" y="0"/>
-          <a:ext cx="0" cy="0"/>
-          <a:chOff x="0" y="0"/>
-          <a:chExt cx="0" cy="0"/>
-        </a:xfrm>
-      </p:grpSpPr>
-      <p:sp>
-        <p:nvSpPr>
-          <p:cNvPr id="2" name="Title 1">
-            <a:extLst>
-              <a:ext uri="{FF2B5EF4-FFF2-40B4-BE49-F238E27FC236}">
-                <a16:creationId xmlns:a16="http://schemas.microsoft.com/office/drawing/2014/main" id="{55E11F08-6CA0-48F1-AD67-97430DDA07F0}"/>
-              </a:ext>
-            </a:extLst>
-          </p:cNvPr>
-          <p:cNvSpPr>
-            <a:spLocks noGrp="1"/>
-          </p:cNvSpPr>
-          <p:nvPr>
-            <p:ph type="title"/>
-          </p:nvPr>
-        </p:nvSpPr>
-        <p:spPr/>
-        <p:txBody>
-          <a:bodyPr/>
-          <a:lstStyle/>
-          <a:p>
-            <a:r>
-              <a:rPr lang="en-US" b="1" dirty="0">
-                <a:solidFill>
-                  <a:srgbClr val="292D33"/>
-                </a:solidFill>
-                <a:latin typeface="Euclid Circular B" panose="020B0504000000000000" pitchFamily="34" charset="0"/>
-                <a:ea typeface="Euclid Circular B" panose="020B0504000000000000" pitchFamily="34" charset="0"/>
-              </a:rPr>
-              <a:t>Storing Permission Data</a:t>
-            </a:r>
-          </a:p>
-        </p:txBody>
-      </p:sp>
-      <p:sp>
-        <p:nvSpPr>
-          <p:cNvPr id="3" name="Content Placeholder 2">
-            <a:extLst>
-              <a:ext uri="{FF2B5EF4-FFF2-40B4-BE49-F238E27FC236}">
-                <a16:creationId xmlns:a16="http://schemas.microsoft.com/office/drawing/2014/main" id="{891C7693-D3DF-4635-96F4-97F3B4136FDF}"/>
-              </a:ext>
-            </a:extLst>
-          </p:cNvPr>
-          <p:cNvSpPr>
-            <a:spLocks noGrp="1"/>
-          </p:cNvSpPr>
-          <p:nvPr>
-            <p:ph idx="1"/>
-          </p:nvPr>
-        </p:nvSpPr>
-        <p:spPr/>
-        <p:txBody>
-          <a:bodyPr/>
-          <a:lstStyle/>
-          <a:p>
-            <a:r>
-              <a:rPr lang="en-US" dirty="0">
-                <a:latin typeface="Euclid Circular B" panose="020B0504000000000000" pitchFamily="34" charset="0"/>
-                <a:ea typeface="Euclid Circular B" panose="020B0504000000000000" pitchFamily="34" charset="0"/>
-              </a:rPr>
-              <a:t>Every microservice have their </a:t>
-            </a:r>
-            <a:r>
-              <a:rPr lang="en-US" b="1" dirty="0">
-                <a:latin typeface="Euclid Circular B" panose="020B0504000000000000" pitchFamily="34" charset="0"/>
-                <a:ea typeface="Euclid Circular B" panose="020B0504000000000000" pitchFamily="34" charset="0"/>
-              </a:rPr>
-              <a:t>own permission tables </a:t>
-            </a:r>
-            <a:r>
-              <a:rPr lang="en-US" dirty="0">
-                <a:latin typeface="Euclid Circular B" panose="020B0504000000000000" pitchFamily="34" charset="0"/>
-                <a:ea typeface="Euclid Circular B" panose="020B0504000000000000" pitchFamily="34" charset="0"/>
-              </a:rPr>
-              <a:t>in their own databases?</a:t>
-            </a:r>
-          </a:p>
-          <a:p>
-            <a:pPr lvl="1"/>
-            <a:r>
-              <a:rPr lang="en-US" dirty="0">
-                <a:latin typeface="Euclid Circular B" panose="020B0504000000000000" pitchFamily="34" charset="0"/>
-                <a:ea typeface="Euclid Circular B" panose="020B0504000000000000" pitchFamily="34" charset="0"/>
-              </a:rPr>
-              <a:t>Hard to manage (load and save) permissions.</a:t>
-            </a:r>
-          </a:p>
-          <a:p>
-            <a:pPr lvl="1"/>
-            <a:r>
-              <a:rPr lang="en-US" dirty="0">
-                <a:latin typeface="Euclid Circular B" panose="020B0504000000000000" pitchFamily="34" charset="0"/>
-                <a:ea typeface="Euclid Circular B" panose="020B0504000000000000" pitchFamily="34" charset="0"/>
-              </a:rPr>
-              <a:t>Hard to get all permissions</a:t>
-            </a:r>
-          </a:p>
-          <a:p>
-            <a:pPr lvl="1"/>
-            <a:r>
-              <a:rPr lang="en-US" dirty="0">
-                <a:latin typeface="Euclid Circular B" panose="020B0504000000000000" pitchFamily="34" charset="0"/>
-                <a:ea typeface="Euclid Circular B" panose="020B0504000000000000" pitchFamily="34" charset="0"/>
-              </a:rPr>
-              <a:t>Too much responsibility to the service.</a:t>
-            </a:r>
-          </a:p>
-          <a:p>
-            <a:pPr lvl="1"/>
-            <a:endParaRPr lang="en-US" dirty="0">
-              <a:latin typeface="Euclid Circular B" panose="020B0504000000000000" pitchFamily="34" charset="0"/>
-              <a:ea typeface="Euclid Circular B" panose="020B0504000000000000" pitchFamily="34" charset="0"/>
-            </a:endParaRPr>
-          </a:p>
-          <a:p>
-            <a:r>
-              <a:rPr lang="en-US" dirty="0">
-                <a:latin typeface="Euclid Circular B" panose="020B0504000000000000" pitchFamily="34" charset="0"/>
-                <a:ea typeface="Euclid Circular B" panose="020B0504000000000000" pitchFamily="34" charset="0"/>
-              </a:rPr>
-              <a:t>A </a:t>
-            </a:r>
-            <a:r>
-              <a:rPr lang="en-US" b="1" dirty="0">
-                <a:latin typeface="Euclid Circular B" panose="020B0504000000000000" pitchFamily="34" charset="0"/>
-                <a:ea typeface="Euclid Circular B" panose="020B0504000000000000" pitchFamily="34" charset="0"/>
-              </a:rPr>
-              <a:t>central permission database</a:t>
-            </a:r>
-            <a:r>
-              <a:rPr lang="en-US" dirty="0">
-                <a:latin typeface="Euclid Circular B" panose="020B0504000000000000" pitchFamily="34" charset="0"/>
-                <a:ea typeface="Euclid Circular B" panose="020B0504000000000000" pitchFamily="34" charset="0"/>
-              </a:rPr>
-              <a:t>?</a:t>
-            </a:r>
-          </a:p>
-          <a:p>
-            <a:pPr lvl="1"/>
-            <a:r>
-              <a:rPr lang="en-US" dirty="0">
-                <a:latin typeface="Euclid Circular B" panose="020B0504000000000000" pitchFamily="34" charset="0"/>
-                <a:ea typeface="Euclid Circular B" panose="020B0504000000000000" pitchFamily="34" charset="0"/>
-              </a:rPr>
-              <a:t>All services directly connects to that database over an authorization library.</a:t>
-            </a:r>
-          </a:p>
-        </p:txBody>
-      </p:sp>
-    </p:spTree>
-    <p:extLst>
-      <p:ext uri="{BB962C8B-B14F-4D97-AF65-F5344CB8AC3E}">
-        <p14:creationId xmlns:p14="http://schemas.microsoft.com/office/powerpoint/2010/main" val="142816348"/>
-      </p:ext>
-    </p:extLst>
-  </p:cSld>
-  <p:clrMapOvr>
-    <a:masterClrMapping/>
-  </p:clrMapOvr>
+  <p:timing>
+    <p:tnLst>
+      <p:par>
+        <p:cTn id="1" dur="indefinite" restart="never" nodeType="tmRoot">
+          <p:childTnLst>
+            <p:seq concurrent="1" nextAc="seek">
+              <p:cTn id="2" dur="indefinite" nodeType="mainSeq">
+                <p:childTnLst>
+                  <p:par>
+                    <p:cTn id="3" fill="hold">
+                      <p:stCondLst>
+                        <p:cond delay="indefinite"/>
+                      </p:stCondLst>
+                      <p:childTnLst>
+                        <p:par>
+                          <p:cTn id="4" fill="hold">
+                            <p:stCondLst>
+                              <p:cond delay="0"/>
+                            </p:stCondLst>
+                            <p:childTnLst>
+                              <p:par>
+                                <p:cTn id="5" presetID="10" presetClass="entr" presetSubtype="0" fill="hold" nodeType="clickEffect">
+                                  <p:stCondLst>
+                                    <p:cond delay="0"/>
+                                  </p:stCondLst>
+                                  <p:childTnLst>
+                                    <p:set>
+                                      <p:cBhvr>
+                                        <p:cTn id="6" dur="1" fill="hold">
+                                          <p:stCondLst>
+                                            <p:cond delay="0"/>
+                                          </p:stCondLst>
+                                        </p:cTn>
+                                        <p:tgtEl>
+                                          <p:spTgt spid="3">
+                                            <p:txEl>
+                                              <p:pRg st="0" end="0"/>
+                                            </p:txEl>
+                                          </p:spTgt>
+                                        </p:tgtEl>
+                                        <p:attrNameLst>
+                                          <p:attrName>style.visibility</p:attrName>
+                                        </p:attrNameLst>
+                                      </p:cBhvr>
+                                      <p:to>
+                                        <p:strVal val="visible"/>
+                                      </p:to>
+                                    </p:set>
+                                    <p:animEffect transition="in" filter="fade">
+                                      <p:cBhvr>
+                                        <p:cTn id="7" dur="500"/>
+                                        <p:tgtEl>
+                                          <p:spTgt spid="3">
+                                            <p:txEl>
+                                              <p:pRg st="0" end="0"/>
+                                            </p:txEl>
+                                          </p:spTgt>
+                                        </p:tgtEl>
+                                      </p:cBhvr>
+                                    </p:animEffect>
+                                  </p:childTnLst>
+                                </p:cTn>
+                              </p:par>
+                            </p:childTnLst>
+                          </p:cTn>
+                        </p:par>
+                      </p:childTnLst>
+                    </p:cTn>
+                  </p:par>
+                  <p:par>
+                    <p:cTn id="8" fill="hold">
+                      <p:stCondLst>
+                        <p:cond delay="indefinite"/>
+                      </p:stCondLst>
+                      <p:childTnLst>
+                        <p:par>
+                          <p:cTn id="9" fill="hold">
+                            <p:stCondLst>
+                              <p:cond delay="0"/>
+                            </p:stCondLst>
+                            <p:childTnLst>
+                              <p:par>
+                                <p:cTn id="10" presetID="10" presetClass="entr" presetSubtype="0" fill="hold" nodeType="clickEffect">
+                                  <p:stCondLst>
+                                    <p:cond delay="0"/>
+                                  </p:stCondLst>
+                                  <p:childTnLst>
+                                    <p:set>
+                                      <p:cBhvr>
+                                        <p:cTn id="11" dur="1" fill="hold">
+                                          <p:stCondLst>
+                                            <p:cond delay="0"/>
+                                          </p:stCondLst>
+                                        </p:cTn>
+                                        <p:tgtEl>
+                                          <p:spTgt spid="3">
+                                            <p:txEl>
+                                              <p:pRg st="1" end="1"/>
+                                            </p:txEl>
+                                          </p:spTgt>
+                                        </p:tgtEl>
+                                        <p:attrNameLst>
+                                          <p:attrName>style.visibility</p:attrName>
+                                        </p:attrNameLst>
+                                      </p:cBhvr>
+                                      <p:to>
+                                        <p:strVal val="visible"/>
+                                      </p:to>
+                                    </p:set>
+                                    <p:animEffect transition="in" filter="fade">
+                                      <p:cBhvr>
+                                        <p:cTn id="12" dur="500"/>
+                                        <p:tgtEl>
+                                          <p:spTgt spid="3">
+                                            <p:txEl>
+                                              <p:pRg st="1" end="1"/>
+                                            </p:txEl>
+                                          </p:spTgt>
+                                        </p:tgtEl>
+                                      </p:cBhvr>
+                                    </p:animEffect>
+                                  </p:childTnLst>
+                                </p:cTn>
+                              </p:par>
+                            </p:childTnLst>
+                          </p:cTn>
+                        </p:par>
+                      </p:childTnLst>
+                    </p:cTn>
+                  </p:par>
+                  <p:par>
+                    <p:cTn id="13" fill="hold">
+                      <p:stCondLst>
+                        <p:cond delay="indefinite"/>
+                      </p:stCondLst>
+                      <p:childTnLst>
+                        <p:par>
+                          <p:cTn id="14" fill="hold">
+                            <p:stCondLst>
+                              <p:cond delay="0"/>
+                            </p:stCondLst>
+                            <p:childTnLst>
+                              <p:par>
+                                <p:cTn id="15" presetID="10" presetClass="entr" presetSubtype="0" fill="hold" nodeType="clickEffect">
+                                  <p:stCondLst>
+                                    <p:cond delay="0"/>
+                                  </p:stCondLst>
+                                  <p:childTnLst>
+                                    <p:set>
+                                      <p:cBhvr>
+                                        <p:cTn id="16" dur="1" fill="hold">
+                                          <p:stCondLst>
+                                            <p:cond delay="0"/>
+                                          </p:stCondLst>
+                                        </p:cTn>
+                                        <p:tgtEl>
+                                          <p:spTgt spid="3">
+                                            <p:txEl>
+                                              <p:pRg st="2" end="2"/>
+                                            </p:txEl>
+                                          </p:spTgt>
+                                        </p:tgtEl>
+                                        <p:attrNameLst>
+                                          <p:attrName>style.visibility</p:attrName>
+                                        </p:attrNameLst>
+                                      </p:cBhvr>
+                                      <p:to>
+                                        <p:strVal val="visible"/>
+                                      </p:to>
+                                    </p:set>
+                                    <p:animEffect transition="in" filter="fade">
+                                      <p:cBhvr>
+                                        <p:cTn id="17" dur="500"/>
+                                        <p:tgtEl>
+                                          <p:spTgt spid="3">
+                                            <p:txEl>
+                                              <p:pRg st="2" end="2"/>
+                                            </p:txEl>
+                                          </p:spTgt>
+                                        </p:tgtEl>
+                                      </p:cBhvr>
+                                    </p:animEffect>
+                                  </p:childTnLst>
+                                </p:cTn>
+                              </p:par>
+                            </p:childTnLst>
+                          </p:cTn>
+                        </p:par>
+                      </p:childTnLst>
+                    </p:cTn>
+                  </p:par>
+                </p:childTnLst>
+              </p:cTn>
+              <p:prevCondLst>
+                <p:cond evt="onPrev" delay="0">
+                  <p:tgtEl>
+                    <p:sldTgt/>
+                  </p:tgtEl>
+                </p:cond>
+              </p:prevCondLst>
+              <p:nextCondLst>
+                <p:cond evt="onNext" delay="0">
+                  <p:tgtEl>
+                    <p:sldTgt/>
+                  </p:tgtEl>
+                </p:cond>
+              </p:nextCondLst>
+            </p:seq>
+          </p:childTnLst>
+        </p:cTn>
+      </p:par>
+    </p:tnLst>
+  </p:timing>
 </p:sld>
 </file>
 
@@ -10518,6 +12319,595 @@
                 <a:latin typeface="Euclid Circular B" panose="020B0504000000000000" pitchFamily="34" charset="0"/>
                 <a:ea typeface="Euclid Circular B" panose="020B0504000000000000" pitchFamily="34" charset="0"/>
               </a:rPr>
+              <a:t>Storing Permission Data</a:t>
+            </a:r>
+          </a:p>
+        </p:txBody>
+      </p:sp>
+      <p:sp>
+        <p:nvSpPr>
+          <p:cNvPr id="3" name="Content Placeholder 2">
+            <a:extLst>
+              <a:ext uri="{FF2B5EF4-FFF2-40B4-BE49-F238E27FC236}">
+                <a16:creationId xmlns:a16="http://schemas.microsoft.com/office/drawing/2014/main" id="{891C7693-D3DF-4635-96F4-97F3B4136FDF}"/>
+              </a:ext>
+            </a:extLst>
+          </p:cNvPr>
+          <p:cNvSpPr>
+            <a:spLocks noGrp="1"/>
+          </p:cNvSpPr>
+          <p:nvPr>
+            <p:ph idx="1"/>
+          </p:nvPr>
+        </p:nvSpPr>
+        <p:spPr/>
+        <p:txBody>
+          <a:bodyPr/>
+          <a:lstStyle/>
+          <a:p>
+            <a:r>
+              <a:rPr lang="en-US" dirty="0">
+                <a:latin typeface="Euclid Circular B" panose="020B0504000000000000" pitchFamily="34" charset="0"/>
+                <a:ea typeface="Euclid Circular B" panose="020B0504000000000000" pitchFamily="34" charset="0"/>
+              </a:rPr>
+              <a:t>Every microservice have their </a:t>
+            </a:r>
+            <a:r>
+              <a:rPr lang="en-US" b="1" dirty="0">
+                <a:latin typeface="Euclid Circular B" panose="020B0504000000000000" pitchFamily="34" charset="0"/>
+                <a:ea typeface="Euclid Circular B" panose="020B0504000000000000" pitchFamily="34" charset="0"/>
+              </a:rPr>
+              <a:t>own permission tables </a:t>
+            </a:r>
+            <a:r>
+              <a:rPr lang="en-US" dirty="0">
+                <a:latin typeface="Euclid Circular B" panose="020B0504000000000000" pitchFamily="34" charset="0"/>
+                <a:ea typeface="Euclid Circular B" panose="020B0504000000000000" pitchFamily="34" charset="0"/>
+              </a:rPr>
+              <a:t>in their own databases?</a:t>
+            </a:r>
+          </a:p>
+          <a:p>
+            <a:pPr lvl="1"/>
+            <a:r>
+              <a:rPr lang="en-US" dirty="0">
+                <a:latin typeface="Euclid Circular B" panose="020B0504000000000000" pitchFamily="34" charset="0"/>
+                <a:ea typeface="Euclid Circular B" panose="020B0504000000000000" pitchFamily="34" charset="0"/>
+              </a:rPr>
+              <a:t>Hard to manage (load and save) permissions</a:t>
+            </a:r>
+          </a:p>
+          <a:p>
+            <a:pPr lvl="1"/>
+            <a:r>
+              <a:rPr lang="en-US" dirty="0">
+                <a:latin typeface="Euclid Circular B" panose="020B0504000000000000" pitchFamily="34" charset="0"/>
+                <a:ea typeface="Euclid Circular B" panose="020B0504000000000000" pitchFamily="34" charset="0"/>
+              </a:rPr>
+              <a:t>Hard to get all permissions</a:t>
+            </a:r>
+          </a:p>
+          <a:p>
+            <a:pPr lvl="1"/>
+            <a:r>
+              <a:rPr lang="en-US" dirty="0">
+                <a:latin typeface="Euclid Circular B" panose="020B0504000000000000" pitchFamily="34" charset="0"/>
+                <a:ea typeface="Euclid Circular B" panose="020B0504000000000000" pitchFamily="34" charset="0"/>
+              </a:rPr>
+              <a:t>Too much responsibility to the service</a:t>
+            </a:r>
+          </a:p>
+          <a:p>
+            <a:pPr lvl="1"/>
+            <a:endParaRPr lang="en-US" dirty="0">
+              <a:latin typeface="Euclid Circular B" panose="020B0504000000000000" pitchFamily="34" charset="0"/>
+              <a:ea typeface="Euclid Circular B" panose="020B0504000000000000" pitchFamily="34" charset="0"/>
+            </a:endParaRPr>
+          </a:p>
+          <a:p>
+            <a:r>
+              <a:rPr lang="en-US" dirty="0">
+                <a:latin typeface="Euclid Circular B" panose="020B0504000000000000" pitchFamily="34" charset="0"/>
+                <a:ea typeface="Euclid Circular B" panose="020B0504000000000000" pitchFamily="34" charset="0"/>
+              </a:rPr>
+              <a:t>A </a:t>
+            </a:r>
+            <a:r>
+              <a:rPr lang="en-US" b="1" dirty="0">
+                <a:latin typeface="Euclid Circular B" panose="020B0504000000000000" pitchFamily="34" charset="0"/>
+                <a:ea typeface="Euclid Circular B" panose="020B0504000000000000" pitchFamily="34" charset="0"/>
+              </a:rPr>
+              <a:t>central permission database</a:t>
+            </a:r>
+            <a:r>
+              <a:rPr lang="en-US" dirty="0">
+                <a:latin typeface="Euclid Circular B" panose="020B0504000000000000" pitchFamily="34" charset="0"/>
+                <a:ea typeface="Euclid Circular B" panose="020B0504000000000000" pitchFamily="34" charset="0"/>
+              </a:rPr>
+              <a:t>?</a:t>
+            </a:r>
+          </a:p>
+          <a:p>
+            <a:pPr lvl="1"/>
+            <a:r>
+              <a:rPr lang="en-US" dirty="0">
+                <a:latin typeface="Euclid Circular B" panose="020B0504000000000000" pitchFamily="34" charset="0"/>
+                <a:ea typeface="Euclid Circular B" panose="020B0504000000000000" pitchFamily="34" charset="0"/>
+              </a:rPr>
+              <a:t>All services directly connects to that database over an authorization library.</a:t>
+            </a:r>
+          </a:p>
+        </p:txBody>
+      </p:sp>
+    </p:spTree>
+    <p:extLst>
+      <p:ext uri="{BB962C8B-B14F-4D97-AF65-F5344CB8AC3E}">
+        <p14:creationId xmlns:p14="http://schemas.microsoft.com/office/powerpoint/2010/main" val="142816348"/>
+      </p:ext>
+    </p:extLst>
+  </p:cSld>
+  <p:clrMapOvr>
+    <a:masterClrMapping/>
+  </p:clrMapOvr>
+  <p:timing>
+    <p:tnLst>
+      <p:par>
+        <p:cTn id="1" dur="indefinite" restart="never" nodeType="tmRoot">
+          <p:childTnLst>
+            <p:seq concurrent="1" nextAc="seek">
+              <p:cTn id="2" dur="indefinite" nodeType="mainSeq">
+                <p:childTnLst>
+                  <p:par>
+                    <p:cTn id="3" fill="hold">
+                      <p:stCondLst>
+                        <p:cond delay="indefinite"/>
+                      </p:stCondLst>
+                      <p:childTnLst>
+                        <p:par>
+                          <p:cTn id="4" fill="hold">
+                            <p:stCondLst>
+                              <p:cond delay="0"/>
+                            </p:stCondLst>
+                            <p:childTnLst>
+                              <p:par>
+                                <p:cTn id="5" presetID="10" presetClass="entr" presetSubtype="0" fill="hold" nodeType="clickEffect">
+                                  <p:stCondLst>
+                                    <p:cond delay="0"/>
+                                  </p:stCondLst>
+                                  <p:childTnLst>
+                                    <p:set>
+                                      <p:cBhvr>
+                                        <p:cTn id="6" dur="1" fill="hold">
+                                          <p:stCondLst>
+                                            <p:cond delay="0"/>
+                                          </p:stCondLst>
+                                        </p:cTn>
+                                        <p:tgtEl>
+                                          <p:spTgt spid="3">
+                                            <p:txEl>
+                                              <p:pRg st="0" end="0"/>
+                                            </p:txEl>
+                                          </p:spTgt>
+                                        </p:tgtEl>
+                                        <p:attrNameLst>
+                                          <p:attrName>style.visibility</p:attrName>
+                                        </p:attrNameLst>
+                                      </p:cBhvr>
+                                      <p:to>
+                                        <p:strVal val="visible"/>
+                                      </p:to>
+                                    </p:set>
+                                    <p:animEffect transition="in" filter="fade">
+                                      <p:cBhvr>
+                                        <p:cTn id="7" dur="500"/>
+                                        <p:tgtEl>
+                                          <p:spTgt spid="3">
+                                            <p:txEl>
+                                              <p:pRg st="0" end="0"/>
+                                            </p:txEl>
+                                          </p:spTgt>
+                                        </p:tgtEl>
+                                      </p:cBhvr>
+                                    </p:animEffect>
+                                  </p:childTnLst>
+                                </p:cTn>
+                              </p:par>
+                            </p:childTnLst>
+                          </p:cTn>
+                        </p:par>
+                      </p:childTnLst>
+                    </p:cTn>
+                  </p:par>
+                  <p:par>
+                    <p:cTn id="8" fill="hold">
+                      <p:stCondLst>
+                        <p:cond delay="indefinite"/>
+                      </p:stCondLst>
+                      <p:childTnLst>
+                        <p:par>
+                          <p:cTn id="9" fill="hold">
+                            <p:stCondLst>
+                              <p:cond delay="0"/>
+                            </p:stCondLst>
+                            <p:childTnLst>
+                              <p:par>
+                                <p:cTn id="10" presetID="10" presetClass="entr" presetSubtype="0" fill="hold" nodeType="clickEffect">
+                                  <p:stCondLst>
+                                    <p:cond delay="0"/>
+                                  </p:stCondLst>
+                                  <p:childTnLst>
+                                    <p:set>
+                                      <p:cBhvr>
+                                        <p:cTn id="11" dur="1" fill="hold">
+                                          <p:stCondLst>
+                                            <p:cond delay="0"/>
+                                          </p:stCondLst>
+                                        </p:cTn>
+                                        <p:tgtEl>
+                                          <p:spTgt spid="3">
+                                            <p:txEl>
+                                              <p:pRg st="1" end="1"/>
+                                            </p:txEl>
+                                          </p:spTgt>
+                                        </p:tgtEl>
+                                        <p:attrNameLst>
+                                          <p:attrName>style.visibility</p:attrName>
+                                        </p:attrNameLst>
+                                      </p:cBhvr>
+                                      <p:to>
+                                        <p:strVal val="visible"/>
+                                      </p:to>
+                                    </p:set>
+                                    <p:animEffect transition="in" filter="fade">
+                                      <p:cBhvr>
+                                        <p:cTn id="12" dur="500"/>
+                                        <p:tgtEl>
+                                          <p:spTgt spid="3">
+                                            <p:txEl>
+                                              <p:pRg st="1" end="1"/>
+                                            </p:txEl>
+                                          </p:spTgt>
+                                        </p:tgtEl>
+                                      </p:cBhvr>
+                                    </p:animEffect>
+                                  </p:childTnLst>
+                                </p:cTn>
+                              </p:par>
+                            </p:childTnLst>
+                          </p:cTn>
+                        </p:par>
+                      </p:childTnLst>
+                    </p:cTn>
+                  </p:par>
+                  <p:par>
+                    <p:cTn id="13" fill="hold">
+                      <p:stCondLst>
+                        <p:cond delay="indefinite"/>
+                      </p:stCondLst>
+                      <p:childTnLst>
+                        <p:par>
+                          <p:cTn id="14" fill="hold">
+                            <p:stCondLst>
+                              <p:cond delay="0"/>
+                            </p:stCondLst>
+                            <p:childTnLst>
+                              <p:par>
+                                <p:cTn id="15" presetID="10" presetClass="entr" presetSubtype="0" fill="hold" nodeType="clickEffect">
+                                  <p:stCondLst>
+                                    <p:cond delay="0"/>
+                                  </p:stCondLst>
+                                  <p:childTnLst>
+                                    <p:set>
+                                      <p:cBhvr>
+                                        <p:cTn id="16" dur="1" fill="hold">
+                                          <p:stCondLst>
+                                            <p:cond delay="0"/>
+                                          </p:stCondLst>
+                                        </p:cTn>
+                                        <p:tgtEl>
+                                          <p:spTgt spid="3">
+                                            <p:txEl>
+                                              <p:pRg st="2" end="2"/>
+                                            </p:txEl>
+                                          </p:spTgt>
+                                        </p:tgtEl>
+                                        <p:attrNameLst>
+                                          <p:attrName>style.visibility</p:attrName>
+                                        </p:attrNameLst>
+                                      </p:cBhvr>
+                                      <p:to>
+                                        <p:strVal val="visible"/>
+                                      </p:to>
+                                    </p:set>
+                                    <p:animEffect transition="in" filter="fade">
+                                      <p:cBhvr>
+                                        <p:cTn id="17" dur="500"/>
+                                        <p:tgtEl>
+                                          <p:spTgt spid="3">
+                                            <p:txEl>
+                                              <p:pRg st="2" end="2"/>
+                                            </p:txEl>
+                                          </p:spTgt>
+                                        </p:tgtEl>
+                                      </p:cBhvr>
+                                    </p:animEffect>
+                                  </p:childTnLst>
+                                </p:cTn>
+                              </p:par>
+                            </p:childTnLst>
+                          </p:cTn>
+                        </p:par>
+                      </p:childTnLst>
+                    </p:cTn>
+                  </p:par>
+                  <p:par>
+                    <p:cTn id="18" fill="hold">
+                      <p:stCondLst>
+                        <p:cond delay="indefinite"/>
+                      </p:stCondLst>
+                      <p:childTnLst>
+                        <p:par>
+                          <p:cTn id="19" fill="hold">
+                            <p:stCondLst>
+                              <p:cond delay="0"/>
+                            </p:stCondLst>
+                            <p:childTnLst>
+                              <p:par>
+                                <p:cTn id="20" presetID="10" presetClass="entr" presetSubtype="0" fill="hold" nodeType="clickEffect">
+                                  <p:stCondLst>
+                                    <p:cond delay="0"/>
+                                  </p:stCondLst>
+                                  <p:childTnLst>
+                                    <p:set>
+                                      <p:cBhvr>
+                                        <p:cTn id="21" dur="1" fill="hold">
+                                          <p:stCondLst>
+                                            <p:cond delay="0"/>
+                                          </p:stCondLst>
+                                        </p:cTn>
+                                        <p:tgtEl>
+                                          <p:spTgt spid="3">
+                                            <p:txEl>
+                                              <p:pRg st="3" end="3"/>
+                                            </p:txEl>
+                                          </p:spTgt>
+                                        </p:tgtEl>
+                                        <p:attrNameLst>
+                                          <p:attrName>style.visibility</p:attrName>
+                                        </p:attrNameLst>
+                                      </p:cBhvr>
+                                      <p:to>
+                                        <p:strVal val="visible"/>
+                                      </p:to>
+                                    </p:set>
+                                    <p:animEffect transition="in" filter="fade">
+                                      <p:cBhvr>
+                                        <p:cTn id="22" dur="500"/>
+                                        <p:tgtEl>
+                                          <p:spTgt spid="3">
+                                            <p:txEl>
+                                              <p:pRg st="3" end="3"/>
+                                            </p:txEl>
+                                          </p:spTgt>
+                                        </p:tgtEl>
+                                      </p:cBhvr>
+                                    </p:animEffect>
+                                  </p:childTnLst>
+                                </p:cTn>
+                              </p:par>
+                            </p:childTnLst>
+                          </p:cTn>
+                        </p:par>
+                      </p:childTnLst>
+                    </p:cTn>
+                  </p:par>
+                  <p:par>
+                    <p:cTn id="23" fill="hold">
+                      <p:stCondLst>
+                        <p:cond delay="indefinite"/>
+                      </p:stCondLst>
+                      <p:childTnLst>
+                        <p:par>
+                          <p:cTn id="24" fill="hold">
+                            <p:stCondLst>
+                              <p:cond delay="0"/>
+                            </p:stCondLst>
+                            <p:childTnLst>
+                              <p:par>
+                                <p:cTn id="25" presetID="10" presetClass="entr" presetSubtype="0" fill="hold" nodeType="clickEffect">
+                                  <p:stCondLst>
+                                    <p:cond delay="0"/>
+                                  </p:stCondLst>
+                                  <p:childTnLst>
+                                    <p:set>
+                                      <p:cBhvr>
+                                        <p:cTn id="26" dur="1" fill="hold">
+                                          <p:stCondLst>
+                                            <p:cond delay="0"/>
+                                          </p:stCondLst>
+                                        </p:cTn>
+                                        <p:tgtEl>
+                                          <p:spTgt spid="3">
+                                            <p:txEl>
+                                              <p:pRg st="5" end="5"/>
+                                            </p:txEl>
+                                          </p:spTgt>
+                                        </p:tgtEl>
+                                        <p:attrNameLst>
+                                          <p:attrName>style.visibility</p:attrName>
+                                        </p:attrNameLst>
+                                      </p:cBhvr>
+                                      <p:to>
+                                        <p:strVal val="visible"/>
+                                      </p:to>
+                                    </p:set>
+                                    <p:animEffect transition="in" filter="fade">
+                                      <p:cBhvr>
+                                        <p:cTn id="27" dur="500"/>
+                                        <p:tgtEl>
+                                          <p:spTgt spid="3">
+                                            <p:txEl>
+                                              <p:pRg st="5" end="5"/>
+                                            </p:txEl>
+                                          </p:spTgt>
+                                        </p:tgtEl>
+                                      </p:cBhvr>
+                                    </p:animEffect>
+                                  </p:childTnLst>
+                                </p:cTn>
+                              </p:par>
+                            </p:childTnLst>
+                          </p:cTn>
+                        </p:par>
+                      </p:childTnLst>
+                    </p:cTn>
+                  </p:par>
+                  <p:par>
+                    <p:cTn id="28" fill="hold">
+                      <p:stCondLst>
+                        <p:cond delay="indefinite"/>
+                      </p:stCondLst>
+                      <p:childTnLst>
+                        <p:par>
+                          <p:cTn id="29" fill="hold">
+                            <p:stCondLst>
+                              <p:cond delay="0"/>
+                            </p:stCondLst>
+                            <p:childTnLst>
+                              <p:par>
+                                <p:cTn id="30" presetID="10" presetClass="entr" presetSubtype="0" fill="hold" nodeType="clickEffect">
+                                  <p:stCondLst>
+                                    <p:cond delay="0"/>
+                                  </p:stCondLst>
+                                  <p:childTnLst>
+                                    <p:set>
+                                      <p:cBhvr>
+                                        <p:cTn id="31" dur="1" fill="hold">
+                                          <p:stCondLst>
+                                            <p:cond delay="0"/>
+                                          </p:stCondLst>
+                                        </p:cTn>
+                                        <p:tgtEl>
+                                          <p:spTgt spid="3">
+                                            <p:txEl>
+                                              <p:pRg st="6" end="6"/>
+                                            </p:txEl>
+                                          </p:spTgt>
+                                        </p:tgtEl>
+                                        <p:attrNameLst>
+                                          <p:attrName>style.visibility</p:attrName>
+                                        </p:attrNameLst>
+                                      </p:cBhvr>
+                                      <p:to>
+                                        <p:strVal val="visible"/>
+                                      </p:to>
+                                    </p:set>
+                                    <p:animEffect transition="in" filter="fade">
+                                      <p:cBhvr>
+                                        <p:cTn id="32" dur="500"/>
+                                        <p:tgtEl>
+                                          <p:spTgt spid="3">
+                                            <p:txEl>
+                                              <p:pRg st="6" end="6"/>
+                                            </p:txEl>
+                                          </p:spTgt>
+                                        </p:tgtEl>
+                                      </p:cBhvr>
+                                    </p:animEffect>
+                                  </p:childTnLst>
+                                </p:cTn>
+                              </p:par>
+                            </p:childTnLst>
+                          </p:cTn>
+                        </p:par>
+                      </p:childTnLst>
+                    </p:cTn>
+                  </p:par>
+                </p:childTnLst>
+              </p:cTn>
+              <p:prevCondLst>
+                <p:cond evt="onPrev" delay="0">
+                  <p:tgtEl>
+                    <p:sldTgt/>
+                  </p:tgtEl>
+                </p:cond>
+              </p:prevCondLst>
+              <p:nextCondLst>
+                <p:cond evt="onNext" delay="0">
+                  <p:tgtEl>
+                    <p:sldTgt/>
+                  </p:tgtEl>
+                </p:cond>
+              </p:nextCondLst>
+            </p:seq>
+          </p:childTnLst>
+        </p:cTn>
+      </p:par>
+    </p:tnLst>
+  </p:timing>
+</p:sld>
+</file>
+
+<file path=ppt/slides/slide18.xml><?xml version="1.0" encoding="utf-8"?>
+<p:sld xmlns:a="http://schemas.openxmlformats.org/drawingml/2006/main" xmlns:r="http://schemas.openxmlformats.org/officeDocument/2006/relationships" xmlns:p="http://schemas.openxmlformats.org/presentationml/2006/main">
+  <p:cSld>
+    <p:bg>
+      <p:bgPr>
+        <a:blipFill dpi="0" rotWithShape="1">
+          <a:blip r:embed="rId2">
+            <a:lum/>
+          </a:blip>
+          <a:srcRect/>
+          <a:stretch>
+            <a:fillRect/>
+          </a:stretch>
+        </a:blipFill>
+        <a:effectLst/>
+      </p:bgPr>
+    </p:bg>
+    <p:spTree>
+      <p:nvGrpSpPr>
+        <p:cNvPr id="1" name=""/>
+        <p:cNvGrpSpPr/>
+        <p:nvPr/>
+      </p:nvGrpSpPr>
+      <p:grpSpPr>
+        <a:xfrm>
+          <a:off x="0" y="0"/>
+          <a:ext cx="0" cy="0"/>
+          <a:chOff x="0" y="0"/>
+          <a:chExt cx="0" cy="0"/>
+        </a:xfrm>
+      </p:grpSpPr>
+      <p:sp>
+        <p:nvSpPr>
+          <p:cNvPr id="2" name="Title 1">
+            <a:extLst>
+              <a:ext uri="{FF2B5EF4-FFF2-40B4-BE49-F238E27FC236}">
+                <a16:creationId xmlns:a16="http://schemas.microsoft.com/office/drawing/2014/main" id="{55E11F08-6CA0-48F1-AD67-97430DDA07F0}"/>
+              </a:ext>
+            </a:extLst>
+          </p:cNvPr>
+          <p:cNvSpPr>
+            <a:spLocks noGrp="1"/>
+          </p:cNvSpPr>
+          <p:nvPr>
+            <p:ph type="title"/>
+          </p:nvPr>
+        </p:nvSpPr>
+        <p:spPr/>
+        <p:txBody>
+          <a:bodyPr/>
+          <a:lstStyle/>
+          <a:p>
+            <a:r>
+              <a:rPr lang="en-US" b="1" dirty="0">
+                <a:solidFill>
+                  <a:srgbClr val="292D33"/>
+                </a:solidFill>
+                <a:latin typeface="Euclid Circular B" panose="020B0504000000000000" pitchFamily="34" charset="0"/>
+                <a:ea typeface="Euclid Circular B" panose="020B0504000000000000" pitchFamily="34" charset="0"/>
+              </a:rPr>
               <a:t>Check/Manage All Permissions: How?</a:t>
             </a:r>
           </a:p>
@@ -10636,7 +13026,7 @@
                 <a:latin typeface="Euclid Circular B" panose="020B0504000000000000" pitchFamily="34" charset="0"/>
                 <a:ea typeface="Euclid Circular B" panose="020B0504000000000000" pitchFamily="34" charset="0"/>
               </a:rPr>
-              <a:t>and refresh such a cache (an arbitrary data change may affect many users’ permissions), the cache would be too big.</a:t>
+              <a:t>and refresh such a cache (an arbitrary data change may affect many users’ permissions), the cache would be too big</a:t>
             </a:r>
           </a:p>
           <a:p>
@@ -10690,7 +13080,7 @@
                 <a:latin typeface="Euclid Circular B" panose="020B0504000000000000" pitchFamily="34" charset="0"/>
                 <a:ea typeface="Euclid Circular B" panose="020B0504000000000000" pitchFamily="34" charset="0"/>
               </a:rPr>
-              <a:t>with minimal dependencies to microservice internals.</a:t>
+              <a:t>with minimal dependencies to microservice internals</a:t>
             </a:r>
           </a:p>
         </p:txBody>
@@ -10705,10 +13095,406 @@
   <p:clrMapOvr>
     <a:masterClrMapping/>
   </p:clrMapOvr>
+  <p:timing>
+    <p:tnLst>
+      <p:par>
+        <p:cTn id="1" dur="indefinite" restart="never" nodeType="tmRoot">
+          <p:childTnLst>
+            <p:seq concurrent="1" nextAc="seek">
+              <p:cTn id="2" dur="indefinite" nodeType="mainSeq">
+                <p:childTnLst>
+                  <p:par>
+                    <p:cTn id="3" fill="hold">
+                      <p:stCondLst>
+                        <p:cond delay="indefinite"/>
+                      </p:stCondLst>
+                      <p:childTnLst>
+                        <p:par>
+                          <p:cTn id="4" fill="hold">
+                            <p:stCondLst>
+                              <p:cond delay="0"/>
+                            </p:stCondLst>
+                            <p:childTnLst>
+                              <p:par>
+                                <p:cTn id="5" presetID="10" presetClass="entr" presetSubtype="0" fill="hold" nodeType="clickEffect">
+                                  <p:stCondLst>
+                                    <p:cond delay="0"/>
+                                  </p:stCondLst>
+                                  <p:childTnLst>
+                                    <p:set>
+                                      <p:cBhvr>
+                                        <p:cTn id="6" dur="1" fill="hold">
+                                          <p:stCondLst>
+                                            <p:cond delay="0"/>
+                                          </p:stCondLst>
+                                        </p:cTn>
+                                        <p:tgtEl>
+                                          <p:spTgt spid="3">
+                                            <p:txEl>
+                                              <p:pRg st="0" end="0"/>
+                                            </p:txEl>
+                                          </p:spTgt>
+                                        </p:tgtEl>
+                                        <p:attrNameLst>
+                                          <p:attrName>style.visibility</p:attrName>
+                                        </p:attrNameLst>
+                                      </p:cBhvr>
+                                      <p:to>
+                                        <p:strVal val="visible"/>
+                                      </p:to>
+                                    </p:set>
+                                    <p:animEffect transition="in" filter="fade">
+                                      <p:cBhvr>
+                                        <p:cTn id="7" dur="500"/>
+                                        <p:tgtEl>
+                                          <p:spTgt spid="3">
+                                            <p:txEl>
+                                              <p:pRg st="0" end="0"/>
+                                            </p:txEl>
+                                          </p:spTgt>
+                                        </p:tgtEl>
+                                      </p:cBhvr>
+                                    </p:animEffect>
+                                  </p:childTnLst>
+                                </p:cTn>
+                              </p:par>
+                            </p:childTnLst>
+                          </p:cTn>
+                        </p:par>
+                      </p:childTnLst>
+                    </p:cTn>
+                  </p:par>
+                  <p:par>
+                    <p:cTn id="8" fill="hold">
+                      <p:stCondLst>
+                        <p:cond delay="indefinite"/>
+                      </p:stCondLst>
+                      <p:childTnLst>
+                        <p:par>
+                          <p:cTn id="9" fill="hold">
+                            <p:stCondLst>
+                              <p:cond delay="0"/>
+                            </p:stCondLst>
+                            <p:childTnLst>
+                              <p:par>
+                                <p:cTn id="10" presetID="10" presetClass="entr" presetSubtype="0" fill="hold" nodeType="clickEffect">
+                                  <p:stCondLst>
+                                    <p:cond delay="0"/>
+                                  </p:stCondLst>
+                                  <p:childTnLst>
+                                    <p:set>
+                                      <p:cBhvr>
+                                        <p:cTn id="11" dur="1" fill="hold">
+                                          <p:stCondLst>
+                                            <p:cond delay="0"/>
+                                          </p:stCondLst>
+                                        </p:cTn>
+                                        <p:tgtEl>
+                                          <p:spTgt spid="3">
+                                            <p:txEl>
+                                              <p:pRg st="1" end="1"/>
+                                            </p:txEl>
+                                          </p:spTgt>
+                                        </p:tgtEl>
+                                        <p:attrNameLst>
+                                          <p:attrName>style.visibility</p:attrName>
+                                        </p:attrNameLst>
+                                      </p:cBhvr>
+                                      <p:to>
+                                        <p:strVal val="visible"/>
+                                      </p:to>
+                                    </p:set>
+                                    <p:animEffect transition="in" filter="fade">
+                                      <p:cBhvr>
+                                        <p:cTn id="12" dur="500"/>
+                                        <p:tgtEl>
+                                          <p:spTgt spid="3">
+                                            <p:txEl>
+                                              <p:pRg st="1" end="1"/>
+                                            </p:txEl>
+                                          </p:spTgt>
+                                        </p:tgtEl>
+                                      </p:cBhvr>
+                                    </p:animEffect>
+                                  </p:childTnLst>
+                                </p:cTn>
+                              </p:par>
+                            </p:childTnLst>
+                          </p:cTn>
+                        </p:par>
+                      </p:childTnLst>
+                    </p:cTn>
+                  </p:par>
+                  <p:par>
+                    <p:cTn id="13" fill="hold">
+                      <p:stCondLst>
+                        <p:cond delay="indefinite"/>
+                      </p:stCondLst>
+                      <p:childTnLst>
+                        <p:par>
+                          <p:cTn id="14" fill="hold">
+                            <p:stCondLst>
+                              <p:cond delay="0"/>
+                            </p:stCondLst>
+                            <p:childTnLst>
+                              <p:par>
+                                <p:cTn id="15" presetID="10" presetClass="entr" presetSubtype="0" fill="hold" nodeType="clickEffect">
+                                  <p:stCondLst>
+                                    <p:cond delay="0"/>
+                                  </p:stCondLst>
+                                  <p:childTnLst>
+                                    <p:set>
+                                      <p:cBhvr>
+                                        <p:cTn id="16" dur="1" fill="hold">
+                                          <p:stCondLst>
+                                            <p:cond delay="0"/>
+                                          </p:stCondLst>
+                                        </p:cTn>
+                                        <p:tgtEl>
+                                          <p:spTgt spid="3">
+                                            <p:txEl>
+                                              <p:pRg st="3" end="3"/>
+                                            </p:txEl>
+                                          </p:spTgt>
+                                        </p:tgtEl>
+                                        <p:attrNameLst>
+                                          <p:attrName>style.visibility</p:attrName>
+                                        </p:attrNameLst>
+                                      </p:cBhvr>
+                                      <p:to>
+                                        <p:strVal val="visible"/>
+                                      </p:to>
+                                    </p:set>
+                                    <p:animEffect transition="in" filter="fade">
+                                      <p:cBhvr>
+                                        <p:cTn id="17" dur="500"/>
+                                        <p:tgtEl>
+                                          <p:spTgt spid="3">
+                                            <p:txEl>
+                                              <p:pRg st="3" end="3"/>
+                                            </p:txEl>
+                                          </p:spTgt>
+                                        </p:tgtEl>
+                                      </p:cBhvr>
+                                    </p:animEffect>
+                                  </p:childTnLst>
+                                </p:cTn>
+                              </p:par>
+                            </p:childTnLst>
+                          </p:cTn>
+                        </p:par>
+                      </p:childTnLst>
+                    </p:cTn>
+                  </p:par>
+                  <p:par>
+                    <p:cTn id="18" fill="hold">
+                      <p:stCondLst>
+                        <p:cond delay="indefinite"/>
+                      </p:stCondLst>
+                      <p:childTnLst>
+                        <p:par>
+                          <p:cTn id="19" fill="hold">
+                            <p:stCondLst>
+                              <p:cond delay="0"/>
+                            </p:stCondLst>
+                            <p:childTnLst>
+                              <p:par>
+                                <p:cTn id="20" presetID="10" presetClass="entr" presetSubtype="0" fill="hold" nodeType="clickEffect">
+                                  <p:stCondLst>
+                                    <p:cond delay="0"/>
+                                  </p:stCondLst>
+                                  <p:childTnLst>
+                                    <p:set>
+                                      <p:cBhvr>
+                                        <p:cTn id="21" dur="1" fill="hold">
+                                          <p:stCondLst>
+                                            <p:cond delay="0"/>
+                                          </p:stCondLst>
+                                        </p:cTn>
+                                        <p:tgtEl>
+                                          <p:spTgt spid="3">
+                                            <p:txEl>
+                                              <p:pRg st="4" end="4"/>
+                                            </p:txEl>
+                                          </p:spTgt>
+                                        </p:tgtEl>
+                                        <p:attrNameLst>
+                                          <p:attrName>style.visibility</p:attrName>
+                                        </p:attrNameLst>
+                                      </p:cBhvr>
+                                      <p:to>
+                                        <p:strVal val="visible"/>
+                                      </p:to>
+                                    </p:set>
+                                    <p:animEffect transition="in" filter="fade">
+                                      <p:cBhvr>
+                                        <p:cTn id="22" dur="500"/>
+                                        <p:tgtEl>
+                                          <p:spTgt spid="3">
+                                            <p:txEl>
+                                              <p:pRg st="4" end="4"/>
+                                            </p:txEl>
+                                          </p:spTgt>
+                                        </p:tgtEl>
+                                      </p:cBhvr>
+                                    </p:animEffect>
+                                  </p:childTnLst>
+                                </p:cTn>
+                              </p:par>
+                            </p:childTnLst>
+                          </p:cTn>
+                        </p:par>
+                      </p:childTnLst>
+                    </p:cTn>
+                  </p:par>
+                  <p:par>
+                    <p:cTn id="23" fill="hold">
+                      <p:stCondLst>
+                        <p:cond delay="indefinite"/>
+                      </p:stCondLst>
+                      <p:childTnLst>
+                        <p:par>
+                          <p:cTn id="24" fill="hold">
+                            <p:stCondLst>
+                              <p:cond delay="0"/>
+                            </p:stCondLst>
+                            <p:childTnLst>
+                              <p:par>
+                                <p:cTn id="25" presetID="10" presetClass="entr" presetSubtype="0" fill="hold" nodeType="clickEffect">
+                                  <p:stCondLst>
+                                    <p:cond delay="0"/>
+                                  </p:stCondLst>
+                                  <p:childTnLst>
+                                    <p:set>
+                                      <p:cBhvr>
+                                        <p:cTn id="26" dur="1" fill="hold">
+                                          <p:stCondLst>
+                                            <p:cond delay="0"/>
+                                          </p:stCondLst>
+                                        </p:cTn>
+                                        <p:tgtEl>
+                                          <p:spTgt spid="3">
+                                            <p:txEl>
+                                              <p:pRg st="6" end="6"/>
+                                            </p:txEl>
+                                          </p:spTgt>
+                                        </p:tgtEl>
+                                        <p:attrNameLst>
+                                          <p:attrName>style.visibility</p:attrName>
+                                        </p:attrNameLst>
+                                      </p:cBhvr>
+                                      <p:to>
+                                        <p:strVal val="visible"/>
+                                      </p:to>
+                                    </p:set>
+                                    <p:animEffect transition="in" filter="fade">
+                                      <p:cBhvr>
+                                        <p:cTn id="27" dur="500"/>
+                                        <p:tgtEl>
+                                          <p:spTgt spid="3">
+                                            <p:txEl>
+                                              <p:pRg st="6" end="6"/>
+                                            </p:txEl>
+                                          </p:spTgt>
+                                        </p:tgtEl>
+                                      </p:cBhvr>
+                                    </p:animEffect>
+                                  </p:childTnLst>
+                                </p:cTn>
+                              </p:par>
+                            </p:childTnLst>
+                          </p:cTn>
+                        </p:par>
+                      </p:childTnLst>
+                    </p:cTn>
+                  </p:par>
+                  <p:par>
+                    <p:cTn id="28" fill="hold">
+                      <p:stCondLst>
+                        <p:cond delay="indefinite"/>
+                      </p:stCondLst>
+                      <p:childTnLst>
+                        <p:par>
+                          <p:cTn id="29" fill="hold">
+                            <p:stCondLst>
+                              <p:cond delay="0"/>
+                            </p:stCondLst>
+                            <p:childTnLst>
+                              <p:par>
+                                <p:cTn id="30" presetID="10" presetClass="entr" presetSubtype="0" fill="hold" nodeType="clickEffect">
+                                  <p:stCondLst>
+                                    <p:cond delay="0"/>
+                                  </p:stCondLst>
+                                  <p:childTnLst>
+                                    <p:set>
+                                      <p:cBhvr>
+                                        <p:cTn id="31" dur="1" fill="hold">
+                                          <p:stCondLst>
+                                            <p:cond delay="0"/>
+                                          </p:stCondLst>
+                                        </p:cTn>
+                                        <p:tgtEl>
+                                          <p:spTgt spid="3">
+                                            <p:txEl>
+                                              <p:pRg st="7" end="7"/>
+                                            </p:txEl>
+                                          </p:spTgt>
+                                        </p:tgtEl>
+                                        <p:attrNameLst>
+                                          <p:attrName>style.visibility</p:attrName>
+                                        </p:attrNameLst>
+                                      </p:cBhvr>
+                                      <p:to>
+                                        <p:strVal val="visible"/>
+                                      </p:to>
+                                    </p:set>
+                                    <p:animEffect transition="in" filter="fade">
+                                      <p:cBhvr>
+                                        <p:cTn id="32" dur="500"/>
+                                        <p:tgtEl>
+                                          <p:spTgt spid="3">
+                                            <p:txEl>
+                                              <p:pRg st="7" end="7"/>
+                                            </p:txEl>
+                                          </p:spTgt>
+                                        </p:tgtEl>
+                                      </p:cBhvr>
+                                    </p:animEffect>
+                                  </p:childTnLst>
+                                </p:cTn>
+                              </p:par>
+                            </p:childTnLst>
+                          </p:cTn>
+                        </p:par>
+                      </p:childTnLst>
+                    </p:cTn>
+                  </p:par>
+                </p:childTnLst>
+              </p:cTn>
+              <p:prevCondLst>
+                <p:cond evt="onPrev" delay="0">
+                  <p:tgtEl>
+                    <p:sldTgt/>
+                  </p:tgtEl>
+                </p:cond>
+              </p:prevCondLst>
+              <p:nextCondLst>
+                <p:cond evt="onNext" delay="0">
+                  <p:tgtEl>
+                    <p:sldTgt/>
+                  </p:tgtEl>
+                </p:cond>
+              </p:nextCondLst>
+            </p:seq>
+          </p:childTnLst>
+        </p:cTn>
+      </p:par>
+    </p:tnLst>
+  </p:timing>
 </p:sld>
 </file>
 
-<file path=ppt/slides/slide18.xml><?xml version="1.0" encoding="utf-8"?>
+<file path=ppt/slides/slide19.xml><?xml version="1.0" encoding="utf-8"?>
 <p:sld xmlns:a="http://schemas.openxmlformats.org/drawingml/2006/main" xmlns:r="http://schemas.openxmlformats.org/officeDocument/2006/relationships" xmlns:p="http://schemas.openxmlformats.org/presentationml/2006/main">
   <p:cSld>
     <p:bg>
@@ -11329,10 +14115,7 @@
           </a:prstGeom>
           <a:ln w="25400">
             <a:solidFill>
-              <a:schemeClr val="tx1">
-                <a:lumMod val="85000"/>
-                <a:lumOff val="15000"/>
-              </a:schemeClr>
+              <a:srgbClr val="FF0000"/>
             </a:solidFill>
             <a:headEnd type="triangle"/>
             <a:tailEnd type="triangle"/>
@@ -11402,10 +14185,877 @@
   <p:clrMapOvr>
     <a:masterClrMapping/>
   </p:clrMapOvr>
+  <p:timing>
+    <p:tnLst>
+      <p:par>
+        <p:cTn id="1" dur="indefinite" restart="never" nodeType="tmRoot">
+          <p:childTnLst>
+            <p:seq concurrent="1" nextAc="seek">
+              <p:cTn id="2" dur="indefinite" nodeType="mainSeq">
+                <p:childTnLst>
+                  <p:par>
+                    <p:cTn id="3" fill="hold">
+                      <p:stCondLst>
+                        <p:cond delay="indefinite"/>
+                      </p:stCondLst>
+                      <p:childTnLst>
+                        <p:par>
+                          <p:cTn id="4" fill="hold">
+                            <p:stCondLst>
+                              <p:cond delay="0"/>
+                            </p:stCondLst>
+                            <p:childTnLst>
+                              <p:par>
+                                <p:cTn id="5" presetID="10" presetClass="entr" presetSubtype="0" fill="hold" nodeType="clickEffect">
+                                  <p:stCondLst>
+                                    <p:cond delay="0"/>
+                                  </p:stCondLst>
+                                  <p:childTnLst>
+                                    <p:set>
+                                      <p:cBhvr>
+                                        <p:cTn id="6" dur="1" fill="hold">
+                                          <p:stCondLst>
+                                            <p:cond delay="0"/>
+                                          </p:stCondLst>
+                                        </p:cTn>
+                                        <p:tgtEl>
+                                          <p:spTgt spid="3">
+                                            <p:txEl>
+                                              <p:pRg st="0" end="0"/>
+                                            </p:txEl>
+                                          </p:spTgt>
+                                        </p:tgtEl>
+                                        <p:attrNameLst>
+                                          <p:attrName>style.visibility</p:attrName>
+                                        </p:attrNameLst>
+                                      </p:cBhvr>
+                                      <p:to>
+                                        <p:strVal val="visible"/>
+                                      </p:to>
+                                    </p:set>
+                                    <p:animEffect transition="in" filter="fade">
+                                      <p:cBhvr>
+                                        <p:cTn id="7" dur="500"/>
+                                        <p:tgtEl>
+                                          <p:spTgt spid="3">
+                                            <p:txEl>
+                                              <p:pRg st="0" end="0"/>
+                                            </p:txEl>
+                                          </p:spTgt>
+                                        </p:tgtEl>
+                                      </p:cBhvr>
+                                    </p:animEffect>
+                                  </p:childTnLst>
+                                </p:cTn>
+                              </p:par>
+                            </p:childTnLst>
+                          </p:cTn>
+                        </p:par>
+                      </p:childTnLst>
+                    </p:cTn>
+                  </p:par>
+                  <p:par>
+                    <p:cTn id="8" fill="hold">
+                      <p:stCondLst>
+                        <p:cond delay="indefinite"/>
+                      </p:stCondLst>
+                      <p:childTnLst>
+                        <p:par>
+                          <p:cTn id="9" fill="hold">
+                            <p:stCondLst>
+                              <p:cond delay="0"/>
+                            </p:stCondLst>
+                            <p:childTnLst>
+                              <p:par>
+                                <p:cTn id="10" presetID="10" presetClass="entr" presetSubtype="0" fill="hold" nodeType="clickEffect">
+                                  <p:stCondLst>
+                                    <p:cond delay="0"/>
+                                  </p:stCondLst>
+                                  <p:childTnLst>
+                                    <p:set>
+                                      <p:cBhvr>
+                                        <p:cTn id="11" dur="1" fill="hold">
+                                          <p:stCondLst>
+                                            <p:cond delay="0"/>
+                                          </p:stCondLst>
+                                        </p:cTn>
+                                        <p:tgtEl>
+                                          <p:spTgt spid="3">
+                                            <p:txEl>
+                                              <p:pRg st="1" end="1"/>
+                                            </p:txEl>
+                                          </p:spTgt>
+                                        </p:tgtEl>
+                                        <p:attrNameLst>
+                                          <p:attrName>style.visibility</p:attrName>
+                                        </p:attrNameLst>
+                                      </p:cBhvr>
+                                      <p:to>
+                                        <p:strVal val="visible"/>
+                                      </p:to>
+                                    </p:set>
+                                    <p:animEffect transition="in" filter="fade">
+                                      <p:cBhvr>
+                                        <p:cTn id="12" dur="500"/>
+                                        <p:tgtEl>
+                                          <p:spTgt spid="3">
+                                            <p:txEl>
+                                              <p:pRg st="1" end="1"/>
+                                            </p:txEl>
+                                          </p:spTgt>
+                                        </p:tgtEl>
+                                      </p:cBhvr>
+                                    </p:animEffect>
+                                  </p:childTnLst>
+                                </p:cTn>
+                              </p:par>
+                            </p:childTnLst>
+                          </p:cTn>
+                        </p:par>
+                      </p:childTnLst>
+                    </p:cTn>
+                  </p:par>
+                  <p:par>
+                    <p:cTn id="13" fill="hold">
+                      <p:stCondLst>
+                        <p:cond delay="indefinite"/>
+                      </p:stCondLst>
+                      <p:childTnLst>
+                        <p:par>
+                          <p:cTn id="14" fill="hold">
+                            <p:stCondLst>
+                              <p:cond delay="0"/>
+                            </p:stCondLst>
+                            <p:childTnLst>
+                              <p:par>
+                                <p:cTn id="15" presetID="10" presetClass="entr" presetSubtype="0" fill="hold" nodeType="clickEffect">
+                                  <p:stCondLst>
+                                    <p:cond delay="0"/>
+                                  </p:stCondLst>
+                                  <p:childTnLst>
+                                    <p:set>
+                                      <p:cBhvr>
+                                        <p:cTn id="16" dur="1" fill="hold">
+                                          <p:stCondLst>
+                                            <p:cond delay="0"/>
+                                          </p:stCondLst>
+                                        </p:cTn>
+                                        <p:tgtEl>
+                                          <p:spTgt spid="3">
+                                            <p:txEl>
+                                              <p:pRg st="2" end="2"/>
+                                            </p:txEl>
+                                          </p:spTgt>
+                                        </p:tgtEl>
+                                        <p:attrNameLst>
+                                          <p:attrName>style.visibility</p:attrName>
+                                        </p:attrNameLst>
+                                      </p:cBhvr>
+                                      <p:to>
+                                        <p:strVal val="visible"/>
+                                      </p:to>
+                                    </p:set>
+                                    <p:animEffect transition="in" filter="fade">
+                                      <p:cBhvr>
+                                        <p:cTn id="17" dur="500"/>
+                                        <p:tgtEl>
+                                          <p:spTgt spid="3">
+                                            <p:txEl>
+                                              <p:pRg st="2" end="2"/>
+                                            </p:txEl>
+                                          </p:spTgt>
+                                        </p:tgtEl>
+                                      </p:cBhvr>
+                                    </p:animEffect>
+                                  </p:childTnLst>
+                                </p:cTn>
+                              </p:par>
+                            </p:childTnLst>
+                          </p:cTn>
+                        </p:par>
+                      </p:childTnLst>
+                    </p:cTn>
+                  </p:par>
+                  <p:par>
+                    <p:cTn id="18" fill="hold">
+                      <p:stCondLst>
+                        <p:cond delay="indefinite"/>
+                      </p:stCondLst>
+                      <p:childTnLst>
+                        <p:par>
+                          <p:cTn id="19" fill="hold">
+                            <p:stCondLst>
+                              <p:cond delay="0"/>
+                            </p:stCondLst>
+                            <p:childTnLst>
+                              <p:par>
+                                <p:cTn id="20" presetID="10" presetClass="entr" presetSubtype="0" fill="hold" nodeType="clickEffect">
+                                  <p:stCondLst>
+                                    <p:cond delay="0"/>
+                                  </p:stCondLst>
+                                  <p:childTnLst>
+                                    <p:set>
+                                      <p:cBhvr>
+                                        <p:cTn id="21" dur="1" fill="hold">
+                                          <p:stCondLst>
+                                            <p:cond delay="0"/>
+                                          </p:stCondLst>
+                                        </p:cTn>
+                                        <p:tgtEl>
+                                          <p:spTgt spid="3">
+                                            <p:txEl>
+                                              <p:pRg st="4" end="4"/>
+                                            </p:txEl>
+                                          </p:spTgt>
+                                        </p:tgtEl>
+                                        <p:attrNameLst>
+                                          <p:attrName>style.visibility</p:attrName>
+                                        </p:attrNameLst>
+                                      </p:cBhvr>
+                                      <p:to>
+                                        <p:strVal val="visible"/>
+                                      </p:to>
+                                    </p:set>
+                                    <p:animEffect transition="in" filter="fade">
+                                      <p:cBhvr>
+                                        <p:cTn id="22" dur="500"/>
+                                        <p:tgtEl>
+                                          <p:spTgt spid="3">
+                                            <p:txEl>
+                                              <p:pRg st="4" end="4"/>
+                                            </p:txEl>
+                                          </p:spTgt>
+                                        </p:tgtEl>
+                                      </p:cBhvr>
+                                    </p:animEffect>
+                                  </p:childTnLst>
+                                </p:cTn>
+                              </p:par>
+                            </p:childTnLst>
+                          </p:cTn>
+                        </p:par>
+                      </p:childTnLst>
+                    </p:cTn>
+                  </p:par>
+                  <p:par>
+                    <p:cTn id="23" fill="hold">
+                      <p:stCondLst>
+                        <p:cond delay="indefinite"/>
+                      </p:stCondLst>
+                      <p:childTnLst>
+                        <p:par>
+                          <p:cTn id="24" fill="hold">
+                            <p:stCondLst>
+                              <p:cond delay="0"/>
+                            </p:stCondLst>
+                            <p:childTnLst>
+                              <p:par>
+                                <p:cTn id="25" presetID="10" presetClass="entr" presetSubtype="0" fill="hold" nodeType="clickEffect">
+                                  <p:stCondLst>
+                                    <p:cond delay="0"/>
+                                  </p:stCondLst>
+                                  <p:childTnLst>
+                                    <p:set>
+                                      <p:cBhvr>
+                                        <p:cTn id="26" dur="1" fill="hold">
+                                          <p:stCondLst>
+                                            <p:cond delay="0"/>
+                                          </p:stCondLst>
+                                        </p:cTn>
+                                        <p:tgtEl>
+                                          <p:spTgt spid="3">
+                                            <p:txEl>
+                                              <p:pRg st="5" end="5"/>
+                                            </p:txEl>
+                                          </p:spTgt>
+                                        </p:tgtEl>
+                                        <p:attrNameLst>
+                                          <p:attrName>style.visibility</p:attrName>
+                                        </p:attrNameLst>
+                                      </p:cBhvr>
+                                      <p:to>
+                                        <p:strVal val="visible"/>
+                                      </p:to>
+                                    </p:set>
+                                    <p:animEffect transition="in" filter="fade">
+                                      <p:cBhvr>
+                                        <p:cTn id="27" dur="500"/>
+                                        <p:tgtEl>
+                                          <p:spTgt spid="3">
+                                            <p:txEl>
+                                              <p:pRg st="5" end="5"/>
+                                            </p:txEl>
+                                          </p:spTgt>
+                                        </p:tgtEl>
+                                      </p:cBhvr>
+                                    </p:animEffect>
+                                  </p:childTnLst>
+                                </p:cTn>
+                              </p:par>
+                            </p:childTnLst>
+                          </p:cTn>
+                        </p:par>
+                      </p:childTnLst>
+                    </p:cTn>
+                  </p:par>
+                  <p:par>
+                    <p:cTn id="28" fill="hold">
+                      <p:stCondLst>
+                        <p:cond delay="indefinite"/>
+                      </p:stCondLst>
+                      <p:childTnLst>
+                        <p:par>
+                          <p:cTn id="29" fill="hold">
+                            <p:stCondLst>
+                              <p:cond delay="0"/>
+                            </p:stCondLst>
+                            <p:childTnLst>
+                              <p:par>
+                                <p:cTn id="30" presetID="10" presetClass="entr" presetSubtype="0" fill="hold" nodeType="clickEffect">
+                                  <p:stCondLst>
+                                    <p:cond delay="0"/>
+                                  </p:stCondLst>
+                                  <p:childTnLst>
+                                    <p:set>
+                                      <p:cBhvr>
+                                        <p:cTn id="31" dur="1" fill="hold">
+                                          <p:stCondLst>
+                                            <p:cond delay="0"/>
+                                          </p:stCondLst>
+                                        </p:cTn>
+                                        <p:tgtEl>
+                                          <p:spTgt spid="3">
+                                            <p:txEl>
+                                              <p:pRg st="6" end="6"/>
+                                            </p:txEl>
+                                          </p:spTgt>
+                                        </p:tgtEl>
+                                        <p:attrNameLst>
+                                          <p:attrName>style.visibility</p:attrName>
+                                        </p:attrNameLst>
+                                      </p:cBhvr>
+                                      <p:to>
+                                        <p:strVal val="visible"/>
+                                      </p:to>
+                                    </p:set>
+                                    <p:animEffect transition="in" filter="fade">
+                                      <p:cBhvr>
+                                        <p:cTn id="32" dur="500"/>
+                                        <p:tgtEl>
+                                          <p:spTgt spid="3">
+                                            <p:txEl>
+                                              <p:pRg st="6" end="6"/>
+                                            </p:txEl>
+                                          </p:spTgt>
+                                        </p:tgtEl>
+                                      </p:cBhvr>
+                                    </p:animEffect>
+                                  </p:childTnLst>
+                                </p:cTn>
+                              </p:par>
+                            </p:childTnLst>
+                          </p:cTn>
+                        </p:par>
+                      </p:childTnLst>
+                    </p:cTn>
+                  </p:par>
+                  <p:par>
+                    <p:cTn id="33" fill="hold">
+                      <p:stCondLst>
+                        <p:cond delay="indefinite"/>
+                      </p:stCondLst>
+                      <p:childTnLst>
+                        <p:par>
+                          <p:cTn id="34" fill="hold">
+                            <p:stCondLst>
+                              <p:cond delay="0"/>
+                            </p:stCondLst>
+                            <p:childTnLst>
+                              <p:par>
+                                <p:cTn id="35" presetID="10" presetClass="entr" presetSubtype="0" fill="hold" nodeType="clickEffect">
+                                  <p:stCondLst>
+                                    <p:cond delay="0"/>
+                                  </p:stCondLst>
+                                  <p:childTnLst>
+                                    <p:set>
+                                      <p:cBhvr>
+                                        <p:cTn id="36" dur="1" fill="hold">
+                                          <p:stCondLst>
+                                            <p:cond delay="0"/>
+                                          </p:stCondLst>
+                                        </p:cTn>
+                                        <p:tgtEl>
+                                          <p:spTgt spid="3">
+                                            <p:txEl>
+                                              <p:pRg st="7" end="7"/>
+                                            </p:txEl>
+                                          </p:spTgt>
+                                        </p:tgtEl>
+                                        <p:attrNameLst>
+                                          <p:attrName>style.visibility</p:attrName>
+                                        </p:attrNameLst>
+                                      </p:cBhvr>
+                                      <p:to>
+                                        <p:strVal val="visible"/>
+                                      </p:to>
+                                    </p:set>
+                                    <p:animEffect transition="in" filter="fade">
+                                      <p:cBhvr>
+                                        <p:cTn id="37" dur="500"/>
+                                        <p:tgtEl>
+                                          <p:spTgt spid="3">
+                                            <p:txEl>
+                                              <p:pRg st="7" end="7"/>
+                                            </p:txEl>
+                                          </p:spTgt>
+                                        </p:tgtEl>
+                                      </p:cBhvr>
+                                    </p:animEffect>
+                                  </p:childTnLst>
+                                </p:cTn>
+                              </p:par>
+                            </p:childTnLst>
+                          </p:cTn>
+                        </p:par>
+                      </p:childTnLst>
+                    </p:cTn>
+                  </p:par>
+                </p:childTnLst>
+              </p:cTn>
+              <p:prevCondLst>
+                <p:cond evt="onPrev" delay="0">
+                  <p:tgtEl>
+                    <p:sldTgt/>
+                  </p:tgtEl>
+                </p:cond>
+              </p:prevCondLst>
+              <p:nextCondLst>
+                <p:cond evt="onNext" delay="0">
+                  <p:tgtEl>
+                    <p:sldTgt/>
+                  </p:tgtEl>
+                </p:cond>
+              </p:nextCondLst>
+            </p:seq>
+          </p:childTnLst>
+        </p:cTn>
+      </p:par>
+    </p:tnLst>
+  </p:timing>
 </p:sld>
 </file>
 
-<file path=ppt/slides/slide19.xml><?xml version="1.0" encoding="utf-8"?>
+<file path=ppt/slides/slide2.xml><?xml version="1.0" encoding="utf-8"?>
+<p:sld xmlns:a="http://schemas.openxmlformats.org/drawingml/2006/main" xmlns:r="http://schemas.openxmlformats.org/officeDocument/2006/relationships" xmlns:p="http://schemas.openxmlformats.org/presentationml/2006/main">
+  <p:cSld>
+    <p:bg>
+      <p:bgPr>
+        <a:blipFill dpi="0" rotWithShape="1">
+          <a:blip r:embed="rId2">
+            <a:lum/>
+          </a:blip>
+          <a:srcRect/>
+          <a:stretch>
+            <a:fillRect/>
+          </a:stretch>
+        </a:blipFill>
+        <a:effectLst/>
+      </p:bgPr>
+    </p:bg>
+    <p:spTree>
+      <p:nvGrpSpPr>
+        <p:cNvPr id="1" name=""/>
+        <p:cNvGrpSpPr/>
+        <p:nvPr/>
+      </p:nvGrpSpPr>
+      <p:grpSpPr>
+        <a:xfrm>
+          <a:off x="0" y="0"/>
+          <a:ext cx="0" cy="0"/>
+          <a:chOff x="0" y="0"/>
+          <a:chExt cx="0" cy="0"/>
+        </a:xfrm>
+      </p:grpSpPr>
+      <p:sp>
+        <p:nvSpPr>
+          <p:cNvPr id="2" name="Title 1">
+            <a:extLst>
+              <a:ext uri="{FF2B5EF4-FFF2-40B4-BE49-F238E27FC236}">
+                <a16:creationId xmlns:a16="http://schemas.microsoft.com/office/drawing/2014/main" id="{55E11F08-6CA0-48F1-AD67-97430DDA07F0}"/>
+              </a:ext>
+            </a:extLst>
+          </p:cNvPr>
+          <p:cNvSpPr>
+            <a:spLocks noGrp="1"/>
+          </p:cNvSpPr>
+          <p:nvPr>
+            <p:ph type="title"/>
+          </p:nvPr>
+        </p:nvSpPr>
+        <p:spPr/>
+        <p:txBody>
+          <a:bodyPr/>
+          <a:lstStyle/>
+          <a:p>
+            <a:r>
+              <a:rPr lang="en-US" b="1" dirty="0">
+                <a:solidFill>
+                  <a:srgbClr val="292D33"/>
+                </a:solidFill>
+                <a:latin typeface="Euclid Circular B" panose="020B0504000000000000" pitchFamily="34" charset="0"/>
+                <a:ea typeface="Euclid Circular B" panose="020B0504000000000000" pitchFamily="34" charset="0"/>
+              </a:rPr>
+              <a:t>Agenda</a:t>
+            </a:r>
+          </a:p>
+        </p:txBody>
+      </p:sp>
+      <p:sp>
+        <p:nvSpPr>
+          <p:cNvPr id="3" name="Content Placeholder 2">
+            <a:extLst>
+              <a:ext uri="{FF2B5EF4-FFF2-40B4-BE49-F238E27FC236}">
+                <a16:creationId xmlns:a16="http://schemas.microsoft.com/office/drawing/2014/main" id="{891C7693-D3DF-4635-96F4-97F3B4136FDF}"/>
+              </a:ext>
+            </a:extLst>
+          </p:cNvPr>
+          <p:cNvSpPr>
+            <a:spLocks noGrp="1"/>
+          </p:cNvSpPr>
+          <p:nvPr>
+            <p:ph idx="1"/>
+          </p:nvPr>
+        </p:nvSpPr>
+        <p:spPr/>
+        <p:txBody>
+          <a:bodyPr/>
+          <a:lstStyle/>
+          <a:p>
+            <a:r>
+              <a:rPr lang="en-US" dirty="0">
+                <a:latin typeface="Euclid Circular B" panose="020B0504000000000000" pitchFamily="34" charset="0"/>
+                <a:ea typeface="Euclid Circular B" panose="020B0504000000000000" pitchFamily="34" charset="0"/>
+              </a:rPr>
+              <a:t>Authentication &amp; Authorization</a:t>
+            </a:r>
+          </a:p>
+          <a:p>
+            <a:r>
+              <a:rPr lang="en-US" dirty="0">
+                <a:latin typeface="Euclid Circular B" panose="020B0504000000000000" pitchFamily="34" charset="0"/>
+                <a:ea typeface="Euclid Circular B" panose="020B0504000000000000" pitchFamily="34" charset="0"/>
+              </a:rPr>
+              <a:t>Authorization Types &amp; Requirements</a:t>
+            </a:r>
+          </a:p>
+          <a:p>
+            <a:r>
+              <a:rPr lang="en-US" dirty="0">
+                <a:latin typeface="Euclid Circular B" panose="020B0504000000000000" pitchFamily="34" charset="0"/>
+                <a:ea typeface="Euclid Circular B" panose="020B0504000000000000" pitchFamily="34" charset="0"/>
+              </a:rPr>
+              <a:t>Architectural Discussions</a:t>
+            </a:r>
+          </a:p>
+          <a:p>
+            <a:r>
+              <a:rPr lang="en-US" dirty="0">
+                <a:latin typeface="Euclid Circular B" panose="020B0504000000000000" pitchFamily="34" charset="0"/>
+                <a:ea typeface="Euclid Circular B" panose="020B0504000000000000" pitchFamily="34" charset="0"/>
+              </a:rPr>
+              <a:t>Solutions and Tradeoffs</a:t>
+            </a:r>
+          </a:p>
+        </p:txBody>
+      </p:sp>
+    </p:spTree>
+    <p:extLst>
+      <p:ext uri="{BB962C8B-B14F-4D97-AF65-F5344CB8AC3E}">
+        <p14:creationId xmlns:p14="http://schemas.microsoft.com/office/powerpoint/2010/main" val="2127823828"/>
+      </p:ext>
+    </p:extLst>
+  </p:cSld>
+  <p:clrMapOvr>
+    <a:masterClrMapping/>
+  </p:clrMapOvr>
+  <p:timing>
+    <p:tnLst>
+      <p:par>
+        <p:cTn id="1" dur="indefinite" restart="never" nodeType="tmRoot">
+          <p:childTnLst>
+            <p:seq concurrent="1" nextAc="seek">
+              <p:cTn id="2" dur="indefinite" nodeType="mainSeq">
+                <p:childTnLst>
+                  <p:par>
+                    <p:cTn id="3" fill="hold">
+                      <p:stCondLst>
+                        <p:cond delay="indefinite"/>
+                      </p:stCondLst>
+                      <p:childTnLst>
+                        <p:par>
+                          <p:cTn id="4" fill="hold">
+                            <p:stCondLst>
+                              <p:cond delay="0"/>
+                            </p:stCondLst>
+                            <p:childTnLst>
+                              <p:par>
+                                <p:cTn id="5" presetID="10" presetClass="entr" presetSubtype="0" fill="hold" nodeType="clickEffect">
+                                  <p:stCondLst>
+                                    <p:cond delay="0"/>
+                                  </p:stCondLst>
+                                  <p:childTnLst>
+                                    <p:set>
+                                      <p:cBhvr>
+                                        <p:cTn id="6" dur="1" fill="hold">
+                                          <p:stCondLst>
+                                            <p:cond delay="0"/>
+                                          </p:stCondLst>
+                                        </p:cTn>
+                                        <p:tgtEl>
+                                          <p:spTgt spid="3">
+                                            <p:txEl>
+                                              <p:pRg st="0" end="0"/>
+                                            </p:txEl>
+                                          </p:spTgt>
+                                        </p:tgtEl>
+                                        <p:attrNameLst>
+                                          <p:attrName>style.visibility</p:attrName>
+                                        </p:attrNameLst>
+                                      </p:cBhvr>
+                                      <p:to>
+                                        <p:strVal val="visible"/>
+                                      </p:to>
+                                    </p:set>
+                                    <p:animEffect transition="in" filter="fade">
+                                      <p:cBhvr>
+                                        <p:cTn id="7" dur="500"/>
+                                        <p:tgtEl>
+                                          <p:spTgt spid="3">
+                                            <p:txEl>
+                                              <p:pRg st="0" end="0"/>
+                                            </p:txEl>
+                                          </p:spTgt>
+                                        </p:tgtEl>
+                                      </p:cBhvr>
+                                    </p:animEffect>
+                                  </p:childTnLst>
+                                </p:cTn>
+                              </p:par>
+                            </p:childTnLst>
+                          </p:cTn>
+                        </p:par>
+                      </p:childTnLst>
+                    </p:cTn>
+                  </p:par>
+                  <p:par>
+                    <p:cTn id="8" fill="hold">
+                      <p:stCondLst>
+                        <p:cond delay="indefinite"/>
+                      </p:stCondLst>
+                      <p:childTnLst>
+                        <p:par>
+                          <p:cTn id="9" fill="hold">
+                            <p:stCondLst>
+                              <p:cond delay="0"/>
+                            </p:stCondLst>
+                            <p:childTnLst>
+                              <p:par>
+                                <p:cTn id="10" presetID="10" presetClass="entr" presetSubtype="0" fill="hold" nodeType="clickEffect">
+                                  <p:stCondLst>
+                                    <p:cond delay="0"/>
+                                  </p:stCondLst>
+                                  <p:childTnLst>
+                                    <p:set>
+                                      <p:cBhvr>
+                                        <p:cTn id="11" dur="1" fill="hold">
+                                          <p:stCondLst>
+                                            <p:cond delay="0"/>
+                                          </p:stCondLst>
+                                        </p:cTn>
+                                        <p:tgtEl>
+                                          <p:spTgt spid="3">
+                                            <p:txEl>
+                                              <p:pRg st="1" end="1"/>
+                                            </p:txEl>
+                                          </p:spTgt>
+                                        </p:tgtEl>
+                                        <p:attrNameLst>
+                                          <p:attrName>style.visibility</p:attrName>
+                                        </p:attrNameLst>
+                                      </p:cBhvr>
+                                      <p:to>
+                                        <p:strVal val="visible"/>
+                                      </p:to>
+                                    </p:set>
+                                    <p:animEffect transition="in" filter="fade">
+                                      <p:cBhvr>
+                                        <p:cTn id="12" dur="500"/>
+                                        <p:tgtEl>
+                                          <p:spTgt spid="3">
+                                            <p:txEl>
+                                              <p:pRg st="1" end="1"/>
+                                            </p:txEl>
+                                          </p:spTgt>
+                                        </p:tgtEl>
+                                      </p:cBhvr>
+                                    </p:animEffect>
+                                  </p:childTnLst>
+                                </p:cTn>
+                              </p:par>
+                            </p:childTnLst>
+                          </p:cTn>
+                        </p:par>
+                      </p:childTnLst>
+                    </p:cTn>
+                  </p:par>
+                  <p:par>
+                    <p:cTn id="13" fill="hold">
+                      <p:stCondLst>
+                        <p:cond delay="indefinite"/>
+                      </p:stCondLst>
+                      <p:childTnLst>
+                        <p:par>
+                          <p:cTn id="14" fill="hold">
+                            <p:stCondLst>
+                              <p:cond delay="0"/>
+                            </p:stCondLst>
+                            <p:childTnLst>
+                              <p:par>
+                                <p:cTn id="15" presetID="10" presetClass="entr" presetSubtype="0" fill="hold" nodeType="clickEffect">
+                                  <p:stCondLst>
+                                    <p:cond delay="0"/>
+                                  </p:stCondLst>
+                                  <p:childTnLst>
+                                    <p:set>
+                                      <p:cBhvr>
+                                        <p:cTn id="16" dur="1" fill="hold">
+                                          <p:stCondLst>
+                                            <p:cond delay="0"/>
+                                          </p:stCondLst>
+                                        </p:cTn>
+                                        <p:tgtEl>
+                                          <p:spTgt spid="3">
+                                            <p:txEl>
+                                              <p:pRg st="2" end="2"/>
+                                            </p:txEl>
+                                          </p:spTgt>
+                                        </p:tgtEl>
+                                        <p:attrNameLst>
+                                          <p:attrName>style.visibility</p:attrName>
+                                        </p:attrNameLst>
+                                      </p:cBhvr>
+                                      <p:to>
+                                        <p:strVal val="visible"/>
+                                      </p:to>
+                                    </p:set>
+                                    <p:animEffect transition="in" filter="fade">
+                                      <p:cBhvr>
+                                        <p:cTn id="17" dur="500"/>
+                                        <p:tgtEl>
+                                          <p:spTgt spid="3">
+                                            <p:txEl>
+                                              <p:pRg st="2" end="2"/>
+                                            </p:txEl>
+                                          </p:spTgt>
+                                        </p:tgtEl>
+                                      </p:cBhvr>
+                                    </p:animEffect>
+                                  </p:childTnLst>
+                                </p:cTn>
+                              </p:par>
+                            </p:childTnLst>
+                          </p:cTn>
+                        </p:par>
+                      </p:childTnLst>
+                    </p:cTn>
+                  </p:par>
+                  <p:par>
+                    <p:cTn id="18" fill="hold">
+                      <p:stCondLst>
+                        <p:cond delay="indefinite"/>
+                      </p:stCondLst>
+                      <p:childTnLst>
+                        <p:par>
+                          <p:cTn id="19" fill="hold">
+                            <p:stCondLst>
+                              <p:cond delay="0"/>
+                            </p:stCondLst>
+                            <p:childTnLst>
+                              <p:par>
+                                <p:cTn id="20" presetID="10" presetClass="entr" presetSubtype="0" fill="hold" nodeType="clickEffect">
+                                  <p:stCondLst>
+                                    <p:cond delay="0"/>
+                                  </p:stCondLst>
+                                  <p:childTnLst>
+                                    <p:set>
+                                      <p:cBhvr>
+                                        <p:cTn id="21" dur="1" fill="hold">
+                                          <p:stCondLst>
+                                            <p:cond delay="0"/>
+                                          </p:stCondLst>
+                                        </p:cTn>
+                                        <p:tgtEl>
+                                          <p:spTgt spid="3">
+                                            <p:txEl>
+                                              <p:pRg st="3" end="3"/>
+                                            </p:txEl>
+                                          </p:spTgt>
+                                        </p:tgtEl>
+                                        <p:attrNameLst>
+                                          <p:attrName>style.visibility</p:attrName>
+                                        </p:attrNameLst>
+                                      </p:cBhvr>
+                                      <p:to>
+                                        <p:strVal val="visible"/>
+                                      </p:to>
+                                    </p:set>
+                                    <p:animEffect transition="in" filter="fade">
+                                      <p:cBhvr>
+                                        <p:cTn id="22" dur="500"/>
+                                        <p:tgtEl>
+                                          <p:spTgt spid="3">
+                                            <p:txEl>
+                                              <p:pRg st="3" end="3"/>
+                                            </p:txEl>
+                                          </p:spTgt>
+                                        </p:tgtEl>
+                                      </p:cBhvr>
+                                    </p:animEffect>
+                                  </p:childTnLst>
+                                </p:cTn>
+                              </p:par>
+                            </p:childTnLst>
+                          </p:cTn>
+                        </p:par>
+                      </p:childTnLst>
+                    </p:cTn>
+                  </p:par>
+                </p:childTnLst>
+              </p:cTn>
+              <p:prevCondLst>
+                <p:cond evt="onPrev" delay="0">
+                  <p:tgtEl>
+                    <p:sldTgt/>
+                  </p:tgtEl>
+                </p:cond>
+              </p:prevCondLst>
+              <p:nextCondLst>
+                <p:cond evt="onNext" delay="0">
+                  <p:tgtEl>
+                    <p:sldTgt/>
+                  </p:tgtEl>
+                </p:cond>
+              </p:nextCondLst>
+            </p:seq>
+          </p:childTnLst>
+        </p:cTn>
+      </p:par>
+    </p:tnLst>
+  </p:timing>
+</p:sld>
+</file>
+
+<file path=ppt/slides/slide20.xml><?xml version="1.0" encoding="utf-8"?>
 <p:sld xmlns:a="http://schemas.openxmlformats.org/drawingml/2006/main" xmlns:r="http://schemas.openxmlformats.org/officeDocument/2006/relationships" xmlns:p="http://schemas.openxmlformats.org/presentationml/2006/main">
   <p:cSld>
     <p:bg>
@@ -11999,340 +15649,6 @@
 </p:sld>
 </file>
 
-<file path=ppt/slides/slide2.xml><?xml version="1.0" encoding="utf-8"?>
-<p:sld xmlns:a="http://schemas.openxmlformats.org/drawingml/2006/main" xmlns:r="http://schemas.openxmlformats.org/officeDocument/2006/relationships" xmlns:p="http://schemas.openxmlformats.org/presentationml/2006/main">
-  <p:cSld>
-    <p:bg>
-      <p:bgPr>
-        <a:blipFill dpi="0" rotWithShape="1">
-          <a:blip r:embed="rId2">
-            <a:lum/>
-          </a:blip>
-          <a:srcRect/>
-          <a:stretch>
-            <a:fillRect/>
-          </a:stretch>
-        </a:blipFill>
-        <a:effectLst/>
-      </p:bgPr>
-    </p:bg>
-    <p:spTree>
-      <p:nvGrpSpPr>
-        <p:cNvPr id="1" name=""/>
-        <p:cNvGrpSpPr/>
-        <p:nvPr/>
-      </p:nvGrpSpPr>
-      <p:grpSpPr>
-        <a:xfrm>
-          <a:off x="0" y="0"/>
-          <a:ext cx="0" cy="0"/>
-          <a:chOff x="0" y="0"/>
-          <a:chExt cx="0" cy="0"/>
-        </a:xfrm>
-      </p:grpSpPr>
-      <p:sp>
-        <p:nvSpPr>
-          <p:cNvPr id="2" name="Title 1">
-            <a:extLst>
-              <a:ext uri="{FF2B5EF4-FFF2-40B4-BE49-F238E27FC236}">
-                <a16:creationId xmlns:a16="http://schemas.microsoft.com/office/drawing/2014/main" id="{55E11F08-6CA0-48F1-AD67-97430DDA07F0}"/>
-              </a:ext>
-            </a:extLst>
-          </p:cNvPr>
-          <p:cNvSpPr>
-            <a:spLocks noGrp="1"/>
-          </p:cNvSpPr>
-          <p:nvPr>
-            <p:ph type="title"/>
-          </p:nvPr>
-        </p:nvSpPr>
-        <p:spPr/>
-        <p:txBody>
-          <a:bodyPr/>
-          <a:lstStyle/>
-          <a:p>
-            <a:r>
-              <a:rPr lang="en-US" b="1" dirty="0">
-                <a:solidFill>
-                  <a:srgbClr val="292D33"/>
-                </a:solidFill>
-                <a:latin typeface="Euclid Circular B" panose="020B0504000000000000" pitchFamily="34" charset="0"/>
-                <a:ea typeface="Euclid Circular B" panose="020B0504000000000000" pitchFamily="34" charset="0"/>
-              </a:rPr>
-              <a:t>Authentication vs Authorization</a:t>
-            </a:r>
-          </a:p>
-        </p:txBody>
-      </p:sp>
-      <p:pic>
-        <p:nvPicPr>
-          <p:cNvPr id="1026" name="Picture 2" descr="Authentication vs. Authorization | Okta">
-            <a:extLst>
-              <a:ext uri="{FF2B5EF4-FFF2-40B4-BE49-F238E27FC236}">
-                <a16:creationId xmlns:a16="http://schemas.microsoft.com/office/drawing/2014/main" id="{69B4318D-83DB-79A0-144A-12A3B6C15E55}"/>
-              </a:ext>
-            </a:extLst>
-          </p:cNvPr>
-          <p:cNvPicPr>
-            <a:picLocks noChangeAspect="1" noChangeArrowheads="1"/>
-          </p:cNvPicPr>
-          <p:nvPr/>
-        </p:nvPicPr>
-        <p:blipFill>
-          <a:blip r:embed="rId3">
-            <a:extLst>
-              <a:ext uri="{28A0092B-C50C-407E-A947-70E740481C1C}">
-                <a14:useLocalDpi xmlns:a14="http://schemas.microsoft.com/office/drawing/2010/main" val="0"/>
-              </a:ext>
-            </a:extLst>
-          </a:blip>
-          <a:srcRect/>
-          <a:stretch>
-            <a:fillRect/>
-          </a:stretch>
-        </p:blipFill>
-        <p:spPr bwMode="auto">
-          <a:xfrm>
-            <a:off x="2152153" y="1404441"/>
-            <a:ext cx="7150873" cy="4469296"/>
-          </a:xfrm>
-          <a:prstGeom prst="rect">
-            <a:avLst/>
-          </a:prstGeom>
-          <a:noFill/>
-          <a:extLst>
-            <a:ext uri="{909E8E84-426E-40DD-AFC4-6F175D3DCCD1}">
-              <a14:hiddenFill xmlns:a14="http://schemas.microsoft.com/office/drawing/2010/main">
-                <a:solidFill>
-                  <a:srgbClr val="FFFFFF"/>
-                </a:solidFill>
-              </a14:hiddenFill>
-            </a:ext>
-          </a:extLst>
-        </p:spPr>
-      </p:pic>
-      <p:sp>
-        <p:nvSpPr>
-          <p:cNvPr id="7" name="TextBox 6">
-            <a:extLst>
-              <a:ext uri="{FF2B5EF4-FFF2-40B4-BE49-F238E27FC236}">
-                <a16:creationId xmlns:a16="http://schemas.microsoft.com/office/drawing/2014/main" id="{95CC8211-E4F0-1ADE-0A30-05AA3D0608CC}"/>
-              </a:ext>
-            </a:extLst>
-          </p:cNvPr>
-          <p:cNvSpPr txBox="1"/>
-          <p:nvPr/>
-        </p:nvSpPr>
-        <p:spPr>
-          <a:xfrm>
-            <a:off x="2454301" y="5873737"/>
-            <a:ext cx="7150874" cy="307777"/>
-          </a:xfrm>
-          <a:prstGeom prst="rect">
-            <a:avLst/>
-          </a:prstGeom>
-          <a:noFill/>
-        </p:spPr>
-        <p:txBody>
-          <a:bodyPr wrap="square">
-            <a:spAutoFit/>
-          </a:bodyPr>
-          <a:lstStyle/>
-          <a:p>
-            <a:pPr algn="ctr"/>
-            <a:r>
-              <a:rPr lang="en-US" sz="1400" dirty="0"/>
-              <a:t>Image source: https://www.okta.com/identity-101/authentication-vs-authorization/</a:t>
-            </a:r>
-          </a:p>
-        </p:txBody>
-      </p:sp>
-    </p:spTree>
-    <p:extLst>
-      <p:ext uri="{BB962C8B-B14F-4D97-AF65-F5344CB8AC3E}">
-        <p14:creationId xmlns:p14="http://schemas.microsoft.com/office/powerpoint/2010/main" val="777033671"/>
-      </p:ext>
-    </p:extLst>
-  </p:cSld>
-  <p:clrMapOvr>
-    <a:masterClrMapping/>
-  </p:clrMapOvr>
-</p:sld>
-</file>
-
-<file path=ppt/slides/slide20.xml><?xml version="1.0" encoding="utf-8"?>
-<p:sld xmlns:a="http://schemas.openxmlformats.org/drawingml/2006/main" xmlns:r="http://schemas.openxmlformats.org/officeDocument/2006/relationships" xmlns:p="http://schemas.openxmlformats.org/presentationml/2006/main">
-  <p:cSld>
-    <p:bg>
-      <p:bgPr>
-        <a:blipFill dpi="0" rotWithShape="1">
-          <a:blip r:embed="rId2">
-            <a:lum/>
-          </a:blip>
-          <a:srcRect/>
-          <a:stretch>
-            <a:fillRect/>
-          </a:stretch>
-        </a:blipFill>
-        <a:effectLst/>
-      </p:bgPr>
-    </p:bg>
-    <p:spTree>
-      <p:nvGrpSpPr>
-        <p:cNvPr id="1" name=""/>
-        <p:cNvGrpSpPr/>
-        <p:nvPr/>
-      </p:nvGrpSpPr>
-      <p:grpSpPr>
-        <a:xfrm>
-          <a:off x="0" y="0"/>
-          <a:ext cx="0" cy="0"/>
-          <a:chOff x="0" y="0"/>
-          <a:chExt cx="0" cy="0"/>
-        </a:xfrm>
-      </p:grpSpPr>
-      <p:sp>
-        <p:nvSpPr>
-          <p:cNvPr id="2" name="Title 1">
-            <a:extLst>
-              <a:ext uri="{FF2B5EF4-FFF2-40B4-BE49-F238E27FC236}">
-                <a16:creationId xmlns:a16="http://schemas.microsoft.com/office/drawing/2014/main" id="{55E11F08-6CA0-48F1-AD67-97430DDA07F0}"/>
-              </a:ext>
-            </a:extLst>
-          </p:cNvPr>
-          <p:cNvSpPr>
-            <a:spLocks noGrp="1"/>
-          </p:cNvSpPr>
-          <p:nvPr>
-            <p:ph type="title"/>
-          </p:nvPr>
-        </p:nvSpPr>
-        <p:spPr/>
-        <p:txBody>
-          <a:bodyPr/>
-          <a:lstStyle/>
-          <a:p>
-            <a:r>
-              <a:rPr lang="en-US" b="1" dirty="0">
-                <a:solidFill>
-                  <a:srgbClr val="292D33"/>
-                </a:solidFill>
-                <a:latin typeface="Euclid Circular B" panose="020B0504000000000000" pitchFamily="34" charset="0"/>
-                <a:ea typeface="Euclid Circular B" panose="020B0504000000000000" pitchFamily="34" charset="0"/>
-              </a:rPr>
-              <a:t>ABP: Permission Definition</a:t>
-            </a:r>
-          </a:p>
-        </p:txBody>
-      </p:sp>
-      <p:sp>
-        <p:nvSpPr>
-          <p:cNvPr id="8" name="Content Placeholder 2">
-            <a:extLst>
-              <a:ext uri="{FF2B5EF4-FFF2-40B4-BE49-F238E27FC236}">
-                <a16:creationId xmlns:a16="http://schemas.microsoft.com/office/drawing/2014/main" id="{C27F48BF-761A-64B5-7170-61D8ECFDC9EE}"/>
-              </a:ext>
-            </a:extLst>
-          </p:cNvPr>
-          <p:cNvSpPr>
-            <a:spLocks noGrp="1"/>
-          </p:cNvSpPr>
-          <p:nvPr>
-            <p:ph idx="1"/>
-          </p:nvPr>
-        </p:nvSpPr>
-        <p:spPr>
-          <a:xfrm>
-            <a:off x="838199" y="4235449"/>
-            <a:ext cx="10515599" cy="2257425"/>
-          </a:xfrm>
-        </p:spPr>
-        <p:txBody>
-          <a:bodyPr>
-            <a:normAutofit/>
-          </a:bodyPr>
-          <a:lstStyle/>
-          <a:p>
-            <a:r>
-              <a:rPr lang="en-US" sz="2400" dirty="0">
-                <a:latin typeface="Euclid Circular B" panose="020B0504000000000000" pitchFamily="34" charset="0"/>
-                <a:ea typeface="Euclid Circular B" panose="020B0504000000000000" pitchFamily="34" charset="0"/>
-              </a:rPr>
-              <a:t>Permission name</a:t>
-            </a:r>
-          </a:p>
-          <a:p>
-            <a:r>
-              <a:rPr lang="en-US" sz="2400" dirty="0">
-                <a:latin typeface="Euclid Circular B" panose="020B0504000000000000" pitchFamily="34" charset="0"/>
-                <a:ea typeface="Euclid Circular B" panose="020B0504000000000000" pitchFamily="34" charset="0"/>
-              </a:rPr>
-              <a:t>Localized permission display name</a:t>
-            </a:r>
-          </a:p>
-          <a:p>
-            <a:r>
-              <a:rPr lang="en-US" sz="2400" dirty="0">
-                <a:latin typeface="Euclid Circular B" panose="020B0504000000000000" pitchFamily="34" charset="0"/>
-                <a:ea typeface="Euclid Circular B" panose="020B0504000000000000" pitchFamily="34" charset="0"/>
-              </a:rPr>
-              <a:t>Other dependencies: features, global features</a:t>
-            </a:r>
-          </a:p>
-          <a:p>
-            <a:r>
-              <a:rPr lang="en-US" sz="2400" dirty="0">
-                <a:latin typeface="Euclid Circular B" panose="020B0504000000000000" pitchFamily="34" charset="0"/>
-                <a:ea typeface="Euclid Circular B" panose="020B0504000000000000" pitchFamily="34" charset="0"/>
-              </a:rPr>
-              <a:t>Custom data</a:t>
-            </a:r>
-          </a:p>
-        </p:txBody>
-      </p:sp>
-      <p:pic>
-        <p:nvPicPr>
-          <p:cNvPr id="10" name="Picture 9">
-            <a:extLst>
-              <a:ext uri="{FF2B5EF4-FFF2-40B4-BE49-F238E27FC236}">
-                <a16:creationId xmlns:a16="http://schemas.microsoft.com/office/drawing/2014/main" id="{06E5081E-4DA6-90A0-30D9-33A516BE68C5}"/>
-              </a:ext>
-            </a:extLst>
-          </p:cNvPr>
-          <p:cNvPicPr>
-            <a:picLocks noChangeAspect="1"/>
-          </p:cNvPicPr>
-          <p:nvPr/>
-        </p:nvPicPr>
-        <p:blipFill>
-          <a:blip r:embed="rId3"/>
-          <a:stretch>
-            <a:fillRect/>
-          </a:stretch>
-        </p:blipFill>
-        <p:spPr>
-          <a:xfrm>
-            <a:off x="838199" y="1690688"/>
-            <a:ext cx="8477250" cy="2257425"/>
-          </a:xfrm>
-          <a:prstGeom prst="rect">
-            <a:avLst/>
-          </a:prstGeom>
-        </p:spPr>
-      </p:pic>
-    </p:spTree>
-    <p:extLst>
-      <p:ext uri="{BB962C8B-B14F-4D97-AF65-F5344CB8AC3E}">
-        <p14:creationId xmlns:p14="http://schemas.microsoft.com/office/powerpoint/2010/main" val="4098382347"/>
-      </p:ext>
-    </p:extLst>
-  </p:cSld>
-  <p:clrMapOvr>
-    <a:masterClrMapping/>
-  </p:clrMapOvr>
-</p:sld>
-</file>
-
 <file path=ppt/slides/slide21.xml><?xml version="1.0" encoding="utf-8"?>
 <p:sld xmlns:a="http://schemas.openxmlformats.org/drawingml/2006/main" xmlns:r="http://schemas.openxmlformats.org/officeDocument/2006/relationships" xmlns:p="http://schemas.openxmlformats.org/presentationml/2006/main">
   <p:cSld>
@@ -12393,7 +15709,454 @@
                 <a:latin typeface="Euclid Circular B" panose="020B0504000000000000" pitchFamily="34" charset="0"/>
                 <a:ea typeface="Euclid Circular B" panose="020B0504000000000000" pitchFamily="34" charset="0"/>
               </a:rPr>
-              <a:t>Topic title</a:t>
+              <a:t>ABP: Permission Definition</a:t>
+            </a:r>
+          </a:p>
+        </p:txBody>
+      </p:sp>
+      <p:sp>
+        <p:nvSpPr>
+          <p:cNvPr id="8" name="Content Placeholder 2">
+            <a:extLst>
+              <a:ext uri="{FF2B5EF4-FFF2-40B4-BE49-F238E27FC236}">
+                <a16:creationId xmlns:a16="http://schemas.microsoft.com/office/drawing/2014/main" id="{C27F48BF-761A-64B5-7170-61D8ECFDC9EE}"/>
+              </a:ext>
+            </a:extLst>
+          </p:cNvPr>
+          <p:cNvSpPr>
+            <a:spLocks noGrp="1"/>
+          </p:cNvSpPr>
+          <p:nvPr>
+            <p:ph idx="1"/>
+          </p:nvPr>
+        </p:nvSpPr>
+        <p:spPr>
+          <a:xfrm>
+            <a:off x="838199" y="4235449"/>
+            <a:ext cx="10515599" cy="2257425"/>
+          </a:xfrm>
+        </p:spPr>
+        <p:txBody>
+          <a:bodyPr>
+            <a:normAutofit/>
+          </a:bodyPr>
+          <a:lstStyle/>
+          <a:p>
+            <a:r>
+              <a:rPr lang="en-US" sz="2400" dirty="0">
+                <a:latin typeface="Euclid Circular B" panose="020B0504000000000000" pitchFamily="34" charset="0"/>
+                <a:ea typeface="Euclid Circular B" panose="020B0504000000000000" pitchFamily="34" charset="0"/>
+              </a:rPr>
+              <a:t>Permission name</a:t>
+            </a:r>
+          </a:p>
+          <a:p>
+            <a:r>
+              <a:rPr lang="en-US" sz="2400" dirty="0">
+                <a:latin typeface="Euclid Circular B" panose="020B0504000000000000" pitchFamily="34" charset="0"/>
+                <a:ea typeface="Euclid Circular B" panose="020B0504000000000000" pitchFamily="34" charset="0"/>
+              </a:rPr>
+              <a:t>Localized permission display name</a:t>
+            </a:r>
+          </a:p>
+          <a:p>
+            <a:r>
+              <a:rPr lang="en-US" sz="2400" dirty="0">
+                <a:latin typeface="Euclid Circular B" panose="020B0504000000000000" pitchFamily="34" charset="0"/>
+                <a:ea typeface="Euclid Circular B" panose="020B0504000000000000" pitchFamily="34" charset="0"/>
+              </a:rPr>
+              <a:t>Other dependencies: features, global features</a:t>
+            </a:r>
+          </a:p>
+          <a:p>
+            <a:r>
+              <a:rPr lang="en-US" sz="2400" dirty="0">
+                <a:latin typeface="Euclid Circular B" panose="020B0504000000000000" pitchFamily="34" charset="0"/>
+                <a:ea typeface="Euclid Circular B" panose="020B0504000000000000" pitchFamily="34" charset="0"/>
+              </a:rPr>
+              <a:t>Custom data</a:t>
+            </a:r>
+          </a:p>
+        </p:txBody>
+      </p:sp>
+      <p:pic>
+        <p:nvPicPr>
+          <p:cNvPr id="10" name="Picture 9">
+            <a:extLst>
+              <a:ext uri="{FF2B5EF4-FFF2-40B4-BE49-F238E27FC236}">
+                <a16:creationId xmlns:a16="http://schemas.microsoft.com/office/drawing/2014/main" id="{06E5081E-4DA6-90A0-30D9-33A516BE68C5}"/>
+              </a:ext>
+            </a:extLst>
+          </p:cNvPr>
+          <p:cNvPicPr>
+            <a:picLocks noChangeAspect="1"/>
+          </p:cNvPicPr>
+          <p:nvPr/>
+        </p:nvPicPr>
+        <p:blipFill>
+          <a:blip r:embed="rId3"/>
+          <a:stretch>
+            <a:fillRect/>
+          </a:stretch>
+        </p:blipFill>
+        <p:spPr>
+          <a:xfrm>
+            <a:off x="838199" y="1690688"/>
+            <a:ext cx="8477250" cy="2257425"/>
+          </a:xfrm>
+          <a:prstGeom prst="rect">
+            <a:avLst/>
+          </a:prstGeom>
+        </p:spPr>
+      </p:pic>
+    </p:spTree>
+    <p:extLst>
+      <p:ext uri="{BB962C8B-B14F-4D97-AF65-F5344CB8AC3E}">
+        <p14:creationId xmlns:p14="http://schemas.microsoft.com/office/powerpoint/2010/main" val="4098382347"/>
+      </p:ext>
+    </p:extLst>
+  </p:cSld>
+  <p:clrMapOvr>
+    <a:masterClrMapping/>
+  </p:clrMapOvr>
+  <p:timing>
+    <p:tnLst>
+      <p:par>
+        <p:cTn id="1" dur="indefinite" restart="never" nodeType="tmRoot">
+          <p:childTnLst>
+            <p:seq concurrent="1" nextAc="seek">
+              <p:cTn id="2" dur="indefinite" nodeType="mainSeq">
+                <p:childTnLst>
+                  <p:par>
+                    <p:cTn id="3" fill="hold">
+                      <p:stCondLst>
+                        <p:cond delay="indefinite"/>
+                      </p:stCondLst>
+                      <p:childTnLst>
+                        <p:par>
+                          <p:cTn id="4" fill="hold">
+                            <p:stCondLst>
+                              <p:cond delay="0"/>
+                            </p:stCondLst>
+                            <p:childTnLst>
+                              <p:par>
+                                <p:cTn id="5" presetID="10" presetClass="entr" presetSubtype="0" fill="hold" nodeType="clickEffect">
+                                  <p:stCondLst>
+                                    <p:cond delay="0"/>
+                                  </p:stCondLst>
+                                  <p:childTnLst>
+                                    <p:set>
+                                      <p:cBhvr>
+                                        <p:cTn id="6" dur="1" fill="hold">
+                                          <p:stCondLst>
+                                            <p:cond delay="0"/>
+                                          </p:stCondLst>
+                                        </p:cTn>
+                                        <p:tgtEl>
+                                          <p:spTgt spid="8">
+                                            <p:txEl>
+                                              <p:pRg st="0" end="0"/>
+                                            </p:txEl>
+                                          </p:spTgt>
+                                        </p:tgtEl>
+                                        <p:attrNameLst>
+                                          <p:attrName>style.visibility</p:attrName>
+                                        </p:attrNameLst>
+                                      </p:cBhvr>
+                                      <p:to>
+                                        <p:strVal val="visible"/>
+                                      </p:to>
+                                    </p:set>
+                                    <p:animEffect transition="in" filter="fade">
+                                      <p:cBhvr>
+                                        <p:cTn id="7" dur="500"/>
+                                        <p:tgtEl>
+                                          <p:spTgt spid="8">
+                                            <p:txEl>
+                                              <p:pRg st="0" end="0"/>
+                                            </p:txEl>
+                                          </p:spTgt>
+                                        </p:tgtEl>
+                                      </p:cBhvr>
+                                    </p:animEffect>
+                                  </p:childTnLst>
+                                </p:cTn>
+                              </p:par>
+                            </p:childTnLst>
+                          </p:cTn>
+                        </p:par>
+                      </p:childTnLst>
+                    </p:cTn>
+                  </p:par>
+                  <p:par>
+                    <p:cTn id="8" fill="hold">
+                      <p:stCondLst>
+                        <p:cond delay="indefinite"/>
+                      </p:stCondLst>
+                      <p:childTnLst>
+                        <p:par>
+                          <p:cTn id="9" fill="hold">
+                            <p:stCondLst>
+                              <p:cond delay="0"/>
+                            </p:stCondLst>
+                            <p:childTnLst>
+                              <p:par>
+                                <p:cTn id="10" presetID="10" presetClass="entr" presetSubtype="0" fill="hold" nodeType="clickEffect">
+                                  <p:stCondLst>
+                                    <p:cond delay="0"/>
+                                  </p:stCondLst>
+                                  <p:childTnLst>
+                                    <p:set>
+                                      <p:cBhvr>
+                                        <p:cTn id="11" dur="1" fill="hold">
+                                          <p:stCondLst>
+                                            <p:cond delay="0"/>
+                                          </p:stCondLst>
+                                        </p:cTn>
+                                        <p:tgtEl>
+                                          <p:spTgt spid="8">
+                                            <p:txEl>
+                                              <p:pRg st="1" end="1"/>
+                                            </p:txEl>
+                                          </p:spTgt>
+                                        </p:tgtEl>
+                                        <p:attrNameLst>
+                                          <p:attrName>style.visibility</p:attrName>
+                                        </p:attrNameLst>
+                                      </p:cBhvr>
+                                      <p:to>
+                                        <p:strVal val="visible"/>
+                                      </p:to>
+                                    </p:set>
+                                    <p:animEffect transition="in" filter="fade">
+                                      <p:cBhvr>
+                                        <p:cTn id="12" dur="500"/>
+                                        <p:tgtEl>
+                                          <p:spTgt spid="8">
+                                            <p:txEl>
+                                              <p:pRg st="1" end="1"/>
+                                            </p:txEl>
+                                          </p:spTgt>
+                                        </p:tgtEl>
+                                      </p:cBhvr>
+                                    </p:animEffect>
+                                  </p:childTnLst>
+                                </p:cTn>
+                              </p:par>
+                            </p:childTnLst>
+                          </p:cTn>
+                        </p:par>
+                      </p:childTnLst>
+                    </p:cTn>
+                  </p:par>
+                  <p:par>
+                    <p:cTn id="13" fill="hold">
+                      <p:stCondLst>
+                        <p:cond delay="indefinite"/>
+                      </p:stCondLst>
+                      <p:childTnLst>
+                        <p:par>
+                          <p:cTn id="14" fill="hold">
+                            <p:stCondLst>
+                              <p:cond delay="0"/>
+                            </p:stCondLst>
+                            <p:childTnLst>
+                              <p:par>
+                                <p:cTn id="15" presetID="10" presetClass="entr" presetSubtype="0" fill="hold" nodeType="clickEffect">
+                                  <p:stCondLst>
+                                    <p:cond delay="0"/>
+                                  </p:stCondLst>
+                                  <p:childTnLst>
+                                    <p:set>
+                                      <p:cBhvr>
+                                        <p:cTn id="16" dur="1" fill="hold">
+                                          <p:stCondLst>
+                                            <p:cond delay="0"/>
+                                          </p:stCondLst>
+                                        </p:cTn>
+                                        <p:tgtEl>
+                                          <p:spTgt spid="8">
+                                            <p:txEl>
+                                              <p:pRg st="2" end="2"/>
+                                            </p:txEl>
+                                          </p:spTgt>
+                                        </p:tgtEl>
+                                        <p:attrNameLst>
+                                          <p:attrName>style.visibility</p:attrName>
+                                        </p:attrNameLst>
+                                      </p:cBhvr>
+                                      <p:to>
+                                        <p:strVal val="visible"/>
+                                      </p:to>
+                                    </p:set>
+                                    <p:animEffect transition="in" filter="fade">
+                                      <p:cBhvr>
+                                        <p:cTn id="17" dur="500"/>
+                                        <p:tgtEl>
+                                          <p:spTgt spid="8">
+                                            <p:txEl>
+                                              <p:pRg st="2" end="2"/>
+                                            </p:txEl>
+                                          </p:spTgt>
+                                        </p:tgtEl>
+                                      </p:cBhvr>
+                                    </p:animEffect>
+                                  </p:childTnLst>
+                                </p:cTn>
+                              </p:par>
+                            </p:childTnLst>
+                          </p:cTn>
+                        </p:par>
+                      </p:childTnLst>
+                    </p:cTn>
+                  </p:par>
+                  <p:par>
+                    <p:cTn id="18" fill="hold">
+                      <p:stCondLst>
+                        <p:cond delay="indefinite"/>
+                      </p:stCondLst>
+                      <p:childTnLst>
+                        <p:par>
+                          <p:cTn id="19" fill="hold">
+                            <p:stCondLst>
+                              <p:cond delay="0"/>
+                            </p:stCondLst>
+                            <p:childTnLst>
+                              <p:par>
+                                <p:cTn id="20" presetID="10" presetClass="entr" presetSubtype="0" fill="hold" nodeType="clickEffect">
+                                  <p:stCondLst>
+                                    <p:cond delay="0"/>
+                                  </p:stCondLst>
+                                  <p:childTnLst>
+                                    <p:set>
+                                      <p:cBhvr>
+                                        <p:cTn id="21" dur="1" fill="hold">
+                                          <p:stCondLst>
+                                            <p:cond delay="0"/>
+                                          </p:stCondLst>
+                                        </p:cTn>
+                                        <p:tgtEl>
+                                          <p:spTgt spid="8">
+                                            <p:txEl>
+                                              <p:pRg st="3" end="3"/>
+                                            </p:txEl>
+                                          </p:spTgt>
+                                        </p:tgtEl>
+                                        <p:attrNameLst>
+                                          <p:attrName>style.visibility</p:attrName>
+                                        </p:attrNameLst>
+                                      </p:cBhvr>
+                                      <p:to>
+                                        <p:strVal val="visible"/>
+                                      </p:to>
+                                    </p:set>
+                                    <p:animEffect transition="in" filter="fade">
+                                      <p:cBhvr>
+                                        <p:cTn id="22" dur="500"/>
+                                        <p:tgtEl>
+                                          <p:spTgt spid="8">
+                                            <p:txEl>
+                                              <p:pRg st="3" end="3"/>
+                                            </p:txEl>
+                                          </p:spTgt>
+                                        </p:tgtEl>
+                                      </p:cBhvr>
+                                    </p:animEffect>
+                                  </p:childTnLst>
+                                </p:cTn>
+                              </p:par>
+                            </p:childTnLst>
+                          </p:cTn>
+                        </p:par>
+                      </p:childTnLst>
+                    </p:cTn>
+                  </p:par>
+                </p:childTnLst>
+              </p:cTn>
+              <p:prevCondLst>
+                <p:cond evt="onPrev" delay="0">
+                  <p:tgtEl>
+                    <p:sldTgt/>
+                  </p:tgtEl>
+                </p:cond>
+              </p:prevCondLst>
+              <p:nextCondLst>
+                <p:cond evt="onNext" delay="0">
+                  <p:tgtEl>
+                    <p:sldTgt/>
+                  </p:tgtEl>
+                </p:cond>
+              </p:nextCondLst>
+            </p:seq>
+          </p:childTnLst>
+        </p:cTn>
+      </p:par>
+    </p:tnLst>
+  </p:timing>
+</p:sld>
+</file>
+
+<file path=ppt/slides/slide22.xml><?xml version="1.0" encoding="utf-8"?>
+<p:sld xmlns:a="http://schemas.openxmlformats.org/drawingml/2006/main" xmlns:r="http://schemas.openxmlformats.org/officeDocument/2006/relationships" xmlns:p="http://schemas.openxmlformats.org/presentationml/2006/main">
+  <p:cSld>
+    <p:bg>
+      <p:bgPr>
+        <a:blipFill dpi="0" rotWithShape="1">
+          <a:blip r:embed="rId2">
+            <a:lum/>
+          </a:blip>
+          <a:srcRect/>
+          <a:stretch>
+            <a:fillRect/>
+          </a:stretch>
+        </a:blipFill>
+        <a:effectLst/>
+      </p:bgPr>
+    </p:bg>
+    <p:spTree>
+      <p:nvGrpSpPr>
+        <p:cNvPr id="1" name=""/>
+        <p:cNvGrpSpPr/>
+        <p:nvPr/>
+      </p:nvGrpSpPr>
+      <p:grpSpPr>
+        <a:xfrm>
+          <a:off x="0" y="0"/>
+          <a:ext cx="0" cy="0"/>
+          <a:chOff x="0" y="0"/>
+          <a:chExt cx="0" cy="0"/>
+        </a:xfrm>
+      </p:grpSpPr>
+      <p:sp>
+        <p:nvSpPr>
+          <p:cNvPr id="2" name="Title 1">
+            <a:extLst>
+              <a:ext uri="{FF2B5EF4-FFF2-40B4-BE49-F238E27FC236}">
+                <a16:creationId xmlns:a16="http://schemas.microsoft.com/office/drawing/2014/main" id="{55E11F08-6CA0-48F1-AD67-97430DDA07F0}"/>
+              </a:ext>
+            </a:extLst>
+          </p:cNvPr>
+          <p:cNvSpPr>
+            <a:spLocks noGrp="1"/>
+          </p:cNvSpPr>
+          <p:nvPr>
+            <p:ph type="title"/>
+          </p:nvPr>
+        </p:nvSpPr>
+        <p:spPr/>
+        <p:txBody>
+          <a:bodyPr/>
+          <a:lstStyle/>
+          <a:p>
+            <a:r>
+              <a:rPr lang="en-US" b="1" dirty="0">
+                <a:solidFill>
+                  <a:srgbClr val="292D33"/>
+                </a:solidFill>
+                <a:latin typeface="Euclid Circular B" panose="020B0504000000000000" pitchFamily="34" charset="0"/>
+                <a:ea typeface="Euclid Circular B" panose="020B0504000000000000" pitchFamily="34" charset="0"/>
+              </a:rPr>
+              <a:t>ABP: Permissions in Microservices</a:t>
             </a:r>
           </a:p>
         </p:txBody>
@@ -13145,115 +16908,591 @@
   <p:clrMapOvr>
     <a:masterClrMapping/>
   </p:clrMapOvr>
-</p:sld>
-</file>
-
-<file path=ppt/slides/slide22.xml><?xml version="1.0" encoding="utf-8"?>
-<p:sld xmlns:a="http://schemas.openxmlformats.org/drawingml/2006/main" xmlns:r="http://schemas.openxmlformats.org/officeDocument/2006/relationships" xmlns:p="http://schemas.openxmlformats.org/presentationml/2006/main">
-  <p:cSld>
-    <p:bg>
-      <p:bgPr>
-        <a:blipFill dpi="0" rotWithShape="1">
-          <a:blip r:embed="rId2">
-            <a:lum/>
-          </a:blip>
-          <a:srcRect/>
-          <a:stretch>
-            <a:fillRect/>
-          </a:stretch>
-        </a:blipFill>
-        <a:effectLst/>
-      </p:bgPr>
-    </p:bg>
-    <p:spTree>
-      <p:nvGrpSpPr>
-        <p:cNvPr id="1" name=""/>
-        <p:cNvGrpSpPr/>
-        <p:nvPr/>
-      </p:nvGrpSpPr>
-      <p:grpSpPr>
-        <a:xfrm>
-          <a:off x="0" y="0"/>
-          <a:ext cx="0" cy="0"/>
-          <a:chOff x="0" y="0"/>
-          <a:chExt cx="0" cy="0"/>
-        </a:xfrm>
-      </p:grpSpPr>
-      <p:sp>
-        <p:nvSpPr>
-          <p:cNvPr id="2" name="Title 1">
-            <a:extLst>
-              <a:ext uri="{FF2B5EF4-FFF2-40B4-BE49-F238E27FC236}">
-                <a16:creationId xmlns:a16="http://schemas.microsoft.com/office/drawing/2014/main" id="{55E11F08-6CA0-48F1-AD67-97430DDA07F0}"/>
-              </a:ext>
-            </a:extLst>
-          </p:cNvPr>
-          <p:cNvSpPr>
-            <a:spLocks noGrp="1"/>
-          </p:cNvSpPr>
-          <p:nvPr>
-            <p:ph type="title"/>
-          </p:nvPr>
-        </p:nvSpPr>
-        <p:spPr/>
-        <p:txBody>
-          <a:bodyPr/>
-          <a:lstStyle/>
-          <a:p>
-            <a:r>
-              <a:rPr lang="en-US" b="1" dirty="0">
-                <a:solidFill>
-                  <a:srgbClr val="292D33"/>
-                </a:solidFill>
-                <a:latin typeface="Euclid Circular B" panose="020B0504000000000000" pitchFamily="34" charset="0"/>
-                <a:ea typeface="Euclid Circular B" panose="020B0504000000000000" pitchFamily="34" charset="0"/>
-              </a:rPr>
-              <a:t>Topic title</a:t>
-            </a:r>
-          </a:p>
-        </p:txBody>
-      </p:sp>
-      <p:sp>
-        <p:nvSpPr>
-          <p:cNvPr id="3" name="Content Placeholder 2">
-            <a:extLst>
-              <a:ext uri="{FF2B5EF4-FFF2-40B4-BE49-F238E27FC236}">
-                <a16:creationId xmlns:a16="http://schemas.microsoft.com/office/drawing/2014/main" id="{891C7693-D3DF-4635-96F4-97F3B4136FDF}"/>
-              </a:ext>
-            </a:extLst>
-          </p:cNvPr>
-          <p:cNvSpPr>
-            <a:spLocks noGrp="1"/>
-          </p:cNvSpPr>
-          <p:nvPr>
-            <p:ph idx="1"/>
-          </p:nvPr>
-        </p:nvSpPr>
-        <p:spPr/>
-        <p:txBody>
-          <a:bodyPr/>
-          <a:lstStyle/>
-          <a:p>
-            <a:r>
-              <a:rPr lang="en-US" dirty="0">
-                <a:latin typeface="Euclid Circular B" panose="020B0504000000000000" pitchFamily="34" charset="0"/>
-                <a:ea typeface="Euclid Circular B" panose="020B0504000000000000" pitchFamily="34" charset="0"/>
-              </a:rPr>
-              <a:t>Content</a:t>
-            </a:r>
-          </a:p>
-        </p:txBody>
-      </p:sp>
-    </p:spTree>
-    <p:extLst>
-      <p:ext uri="{BB962C8B-B14F-4D97-AF65-F5344CB8AC3E}">
-        <p14:creationId xmlns:p14="http://schemas.microsoft.com/office/powerpoint/2010/main" val="2127823828"/>
-      </p:ext>
-    </p:extLst>
-  </p:cSld>
-  <p:clrMapOvr>
-    <a:masterClrMapping/>
-  </p:clrMapOvr>
+  <p:timing>
+    <p:tnLst>
+      <p:par>
+        <p:cTn id="1" dur="indefinite" restart="never" nodeType="tmRoot">
+          <p:childTnLst>
+            <p:seq concurrent="1" nextAc="seek">
+              <p:cTn id="2" dur="indefinite" nodeType="mainSeq">
+                <p:childTnLst>
+                  <p:par>
+                    <p:cTn id="3" fill="hold">
+                      <p:stCondLst>
+                        <p:cond delay="indefinite"/>
+                      </p:stCondLst>
+                      <p:childTnLst>
+                        <p:par>
+                          <p:cTn id="4" fill="hold">
+                            <p:stCondLst>
+                              <p:cond delay="0"/>
+                            </p:stCondLst>
+                            <p:childTnLst>
+                              <p:par>
+                                <p:cTn id="5" presetID="10" presetClass="entr" presetSubtype="0" fill="hold" grpId="0" nodeType="clickEffect">
+                                  <p:stCondLst>
+                                    <p:cond delay="0"/>
+                                  </p:stCondLst>
+                                  <p:childTnLst>
+                                    <p:set>
+                                      <p:cBhvr>
+                                        <p:cTn id="6" dur="1" fill="hold">
+                                          <p:stCondLst>
+                                            <p:cond delay="0"/>
+                                          </p:stCondLst>
+                                        </p:cTn>
+                                        <p:tgtEl>
+                                          <p:spTgt spid="6"/>
+                                        </p:tgtEl>
+                                        <p:attrNameLst>
+                                          <p:attrName>style.visibility</p:attrName>
+                                        </p:attrNameLst>
+                                      </p:cBhvr>
+                                      <p:to>
+                                        <p:strVal val="visible"/>
+                                      </p:to>
+                                    </p:set>
+                                    <p:animEffect transition="in" filter="fade">
+                                      <p:cBhvr>
+                                        <p:cTn id="7" dur="500"/>
+                                        <p:tgtEl>
+                                          <p:spTgt spid="6"/>
+                                        </p:tgtEl>
+                                      </p:cBhvr>
+                                    </p:animEffect>
+                                  </p:childTnLst>
+                                </p:cTn>
+                              </p:par>
+                              <p:par>
+                                <p:cTn id="8" presetID="10" presetClass="entr" presetSubtype="0" fill="hold" grpId="0" nodeType="withEffect">
+                                  <p:stCondLst>
+                                    <p:cond delay="0"/>
+                                  </p:stCondLst>
+                                  <p:childTnLst>
+                                    <p:set>
+                                      <p:cBhvr>
+                                        <p:cTn id="9" dur="1" fill="hold">
+                                          <p:stCondLst>
+                                            <p:cond delay="0"/>
+                                          </p:stCondLst>
+                                        </p:cTn>
+                                        <p:tgtEl>
+                                          <p:spTgt spid="27"/>
+                                        </p:tgtEl>
+                                        <p:attrNameLst>
+                                          <p:attrName>style.visibility</p:attrName>
+                                        </p:attrNameLst>
+                                      </p:cBhvr>
+                                      <p:to>
+                                        <p:strVal val="visible"/>
+                                      </p:to>
+                                    </p:set>
+                                    <p:animEffect transition="in" filter="fade">
+                                      <p:cBhvr>
+                                        <p:cTn id="10" dur="500"/>
+                                        <p:tgtEl>
+                                          <p:spTgt spid="27"/>
+                                        </p:tgtEl>
+                                      </p:cBhvr>
+                                    </p:animEffect>
+                                  </p:childTnLst>
+                                </p:cTn>
+                              </p:par>
+                              <p:par>
+                                <p:cTn id="11" presetID="10" presetClass="entr" presetSubtype="0" fill="hold" nodeType="withEffect">
+                                  <p:stCondLst>
+                                    <p:cond delay="0"/>
+                                  </p:stCondLst>
+                                  <p:childTnLst>
+                                    <p:set>
+                                      <p:cBhvr>
+                                        <p:cTn id="12" dur="1" fill="hold">
+                                          <p:stCondLst>
+                                            <p:cond delay="0"/>
+                                          </p:stCondLst>
+                                        </p:cTn>
+                                        <p:tgtEl>
+                                          <p:spTgt spid="11"/>
+                                        </p:tgtEl>
+                                        <p:attrNameLst>
+                                          <p:attrName>style.visibility</p:attrName>
+                                        </p:attrNameLst>
+                                      </p:cBhvr>
+                                      <p:to>
+                                        <p:strVal val="visible"/>
+                                      </p:to>
+                                    </p:set>
+                                    <p:animEffect transition="in" filter="fade">
+                                      <p:cBhvr>
+                                        <p:cTn id="13" dur="500"/>
+                                        <p:tgtEl>
+                                          <p:spTgt spid="11"/>
+                                        </p:tgtEl>
+                                      </p:cBhvr>
+                                    </p:animEffect>
+                                  </p:childTnLst>
+                                </p:cTn>
+                              </p:par>
+                            </p:childTnLst>
+                          </p:cTn>
+                        </p:par>
+                      </p:childTnLst>
+                    </p:cTn>
+                  </p:par>
+                  <p:par>
+                    <p:cTn id="14" fill="hold">
+                      <p:stCondLst>
+                        <p:cond delay="indefinite"/>
+                      </p:stCondLst>
+                      <p:childTnLst>
+                        <p:par>
+                          <p:cTn id="15" fill="hold">
+                            <p:stCondLst>
+                              <p:cond delay="0"/>
+                            </p:stCondLst>
+                            <p:childTnLst>
+                              <p:par>
+                                <p:cTn id="16" presetID="10" presetClass="entr" presetSubtype="0" fill="hold" grpId="0" nodeType="clickEffect">
+                                  <p:stCondLst>
+                                    <p:cond delay="0"/>
+                                  </p:stCondLst>
+                                  <p:childTnLst>
+                                    <p:set>
+                                      <p:cBhvr>
+                                        <p:cTn id="17" dur="1" fill="hold">
+                                          <p:stCondLst>
+                                            <p:cond delay="0"/>
+                                          </p:stCondLst>
+                                        </p:cTn>
+                                        <p:tgtEl>
+                                          <p:spTgt spid="7"/>
+                                        </p:tgtEl>
+                                        <p:attrNameLst>
+                                          <p:attrName>style.visibility</p:attrName>
+                                        </p:attrNameLst>
+                                      </p:cBhvr>
+                                      <p:to>
+                                        <p:strVal val="visible"/>
+                                      </p:to>
+                                    </p:set>
+                                    <p:animEffect transition="in" filter="fade">
+                                      <p:cBhvr>
+                                        <p:cTn id="18" dur="500"/>
+                                        <p:tgtEl>
+                                          <p:spTgt spid="7"/>
+                                        </p:tgtEl>
+                                      </p:cBhvr>
+                                    </p:animEffect>
+                                  </p:childTnLst>
+                                </p:cTn>
+                              </p:par>
+                              <p:par>
+                                <p:cTn id="19" presetID="10" presetClass="entr" presetSubtype="0" fill="hold" nodeType="withEffect">
+                                  <p:stCondLst>
+                                    <p:cond delay="0"/>
+                                  </p:stCondLst>
+                                  <p:childTnLst>
+                                    <p:set>
+                                      <p:cBhvr>
+                                        <p:cTn id="20" dur="1" fill="hold">
+                                          <p:stCondLst>
+                                            <p:cond delay="0"/>
+                                          </p:stCondLst>
+                                        </p:cTn>
+                                        <p:tgtEl>
+                                          <p:spTgt spid="12"/>
+                                        </p:tgtEl>
+                                        <p:attrNameLst>
+                                          <p:attrName>style.visibility</p:attrName>
+                                        </p:attrNameLst>
+                                      </p:cBhvr>
+                                      <p:to>
+                                        <p:strVal val="visible"/>
+                                      </p:to>
+                                    </p:set>
+                                    <p:animEffect transition="in" filter="fade">
+                                      <p:cBhvr>
+                                        <p:cTn id="21" dur="500"/>
+                                        <p:tgtEl>
+                                          <p:spTgt spid="12"/>
+                                        </p:tgtEl>
+                                      </p:cBhvr>
+                                    </p:animEffect>
+                                  </p:childTnLst>
+                                </p:cTn>
+                              </p:par>
+                              <p:par>
+                                <p:cTn id="22" presetID="10" presetClass="entr" presetSubtype="0" fill="hold" grpId="0" nodeType="withEffect">
+                                  <p:stCondLst>
+                                    <p:cond delay="0"/>
+                                  </p:stCondLst>
+                                  <p:childTnLst>
+                                    <p:set>
+                                      <p:cBhvr>
+                                        <p:cTn id="23" dur="1" fill="hold">
+                                          <p:stCondLst>
+                                            <p:cond delay="0"/>
+                                          </p:stCondLst>
+                                        </p:cTn>
+                                        <p:tgtEl>
+                                          <p:spTgt spid="28"/>
+                                        </p:tgtEl>
+                                        <p:attrNameLst>
+                                          <p:attrName>style.visibility</p:attrName>
+                                        </p:attrNameLst>
+                                      </p:cBhvr>
+                                      <p:to>
+                                        <p:strVal val="visible"/>
+                                      </p:to>
+                                    </p:set>
+                                    <p:animEffect transition="in" filter="fade">
+                                      <p:cBhvr>
+                                        <p:cTn id="24" dur="500"/>
+                                        <p:tgtEl>
+                                          <p:spTgt spid="28"/>
+                                        </p:tgtEl>
+                                      </p:cBhvr>
+                                    </p:animEffect>
+                                  </p:childTnLst>
+                                </p:cTn>
+                              </p:par>
+                            </p:childTnLst>
+                          </p:cTn>
+                        </p:par>
+                      </p:childTnLst>
+                    </p:cTn>
+                  </p:par>
+                  <p:par>
+                    <p:cTn id="25" fill="hold">
+                      <p:stCondLst>
+                        <p:cond delay="indefinite"/>
+                      </p:stCondLst>
+                      <p:childTnLst>
+                        <p:par>
+                          <p:cTn id="26" fill="hold">
+                            <p:stCondLst>
+                              <p:cond delay="0"/>
+                            </p:stCondLst>
+                            <p:childTnLst>
+                              <p:par>
+                                <p:cTn id="27" presetID="10" presetClass="entr" presetSubtype="0" fill="hold" grpId="0" nodeType="clickEffect">
+                                  <p:stCondLst>
+                                    <p:cond delay="0"/>
+                                  </p:stCondLst>
+                                  <p:childTnLst>
+                                    <p:set>
+                                      <p:cBhvr>
+                                        <p:cTn id="28" dur="1" fill="hold">
+                                          <p:stCondLst>
+                                            <p:cond delay="0"/>
+                                          </p:stCondLst>
+                                        </p:cTn>
+                                        <p:tgtEl>
+                                          <p:spTgt spid="9"/>
+                                        </p:tgtEl>
+                                        <p:attrNameLst>
+                                          <p:attrName>style.visibility</p:attrName>
+                                        </p:attrNameLst>
+                                      </p:cBhvr>
+                                      <p:to>
+                                        <p:strVal val="visible"/>
+                                      </p:to>
+                                    </p:set>
+                                    <p:animEffect transition="in" filter="fade">
+                                      <p:cBhvr>
+                                        <p:cTn id="29" dur="500"/>
+                                        <p:tgtEl>
+                                          <p:spTgt spid="9"/>
+                                        </p:tgtEl>
+                                      </p:cBhvr>
+                                    </p:animEffect>
+                                  </p:childTnLst>
+                                </p:cTn>
+                              </p:par>
+                              <p:par>
+                                <p:cTn id="30" presetID="10" presetClass="entr" presetSubtype="0" fill="hold" nodeType="withEffect">
+                                  <p:stCondLst>
+                                    <p:cond delay="0"/>
+                                  </p:stCondLst>
+                                  <p:childTnLst>
+                                    <p:set>
+                                      <p:cBhvr>
+                                        <p:cTn id="31" dur="1" fill="hold">
+                                          <p:stCondLst>
+                                            <p:cond delay="0"/>
+                                          </p:stCondLst>
+                                        </p:cTn>
+                                        <p:tgtEl>
+                                          <p:spTgt spid="13"/>
+                                        </p:tgtEl>
+                                        <p:attrNameLst>
+                                          <p:attrName>style.visibility</p:attrName>
+                                        </p:attrNameLst>
+                                      </p:cBhvr>
+                                      <p:to>
+                                        <p:strVal val="visible"/>
+                                      </p:to>
+                                    </p:set>
+                                    <p:animEffect transition="in" filter="fade">
+                                      <p:cBhvr>
+                                        <p:cTn id="32" dur="500"/>
+                                        <p:tgtEl>
+                                          <p:spTgt spid="13"/>
+                                        </p:tgtEl>
+                                      </p:cBhvr>
+                                    </p:animEffect>
+                                  </p:childTnLst>
+                                </p:cTn>
+                              </p:par>
+                              <p:par>
+                                <p:cTn id="33" presetID="10" presetClass="entr" presetSubtype="0" fill="hold" grpId="0" nodeType="withEffect">
+                                  <p:stCondLst>
+                                    <p:cond delay="0"/>
+                                  </p:stCondLst>
+                                  <p:childTnLst>
+                                    <p:set>
+                                      <p:cBhvr>
+                                        <p:cTn id="34" dur="1" fill="hold">
+                                          <p:stCondLst>
+                                            <p:cond delay="0"/>
+                                          </p:stCondLst>
+                                        </p:cTn>
+                                        <p:tgtEl>
+                                          <p:spTgt spid="29"/>
+                                        </p:tgtEl>
+                                        <p:attrNameLst>
+                                          <p:attrName>style.visibility</p:attrName>
+                                        </p:attrNameLst>
+                                      </p:cBhvr>
+                                      <p:to>
+                                        <p:strVal val="visible"/>
+                                      </p:to>
+                                    </p:set>
+                                    <p:animEffect transition="in" filter="fade">
+                                      <p:cBhvr>
+                                        <p:cTn id="35" dur="500"/>
+                                        <p:tgtEl>
+                                          <p:spTgt spid="29"/>
+                                        </p:tgtEl>
+                                      </p:cBhvr>
+                                    </p:animEffect>
+                                  </p:childTnLst>
+                                </p:cTn>
+                              </p:par>
+                            </p:childTnLst>
+                          </p:cTn>
+                        </p:par>
+                      </p:childTnLst>
+                    </p:cTn>
+                  </p:par>
+                  <p:par>
+                    <p:cTn id="36" fill="hold">
+                      <p:stCondLst>
+                        <p:cond delay="indefinite"/>
+                      </p:stCondLst>
+                      <p:childTnLst>
+                        <p:par>
+                          <p:cTn id="37" fill="hold">
+                            <p:stCondLst>
+                              <p:cond delay="0"/>
+                            </p:stCondLst>
+                            <p:childTnLst>
+                              <p:par>
+                                <p:cTn id="38" presetID="10" presetClass="entr" presetSubtype="0" fill="hold" nodeType="clickEffect">
+                                  <p:stCondLst>
+                                    <p:cond delay="0"/>
+                                  </p:stCondLst>
+                                  <p:childTnLst>
+                                    <p:set>
+                                      <p:cBhvr>
+                                        <p:cTn id="39" dur="1" fill="hold">
+                                          <p:stCondLst>
+                                            <p:cond delay="0"/>
+                                          </p:stCondLst>
+                                        </p:cTn>
+                                        <p:tgtEl>
+                                          <p:spTgt spid="14"/>
+                                        </p:tgtEl>
+                                        <p:attrNameLst>
+                                          <p:attrName>style.visibility</p:attrName>
+                                        </p:attrNameLst>
+                                      </p:cBhvr>
+                                      <p:to>
+                                        <p:strVal val="visible"/>
+                                      </p:to>
+                                    </p:set>
+                                    <p:animEffect transition="in" filter="fade">
+                                      <p:cBhvr>
+                                        <p:cTn id="40" dur="500"/>
+                                        <p:tgtEl>
+                                          <p:spTgt spid="14"/>
+                                        </p:tgtEl>
+                                      </p:cBhvr>
+                                    </p:animEffect>
+                                  </p:childTnLst>
+                                </p:cTn>
+                              </p:par>
+                              <p:par>
+                                <p:cTn id="41" presetID="10" presetClass="entr" presetSubtype="0" fill="hold" grpId="0" nodeType="withEffect">
+                                  <p:stCondLst>
+                                    <p:cond delay="0"/>
+                                  </p:stCondLst>
+                                  <p:childTnLst>
+                                    <p:set>
+                                      <p:cBhvr>
+                                        <p:cTn id="42" dur="1" fill="hold">
+                                          <p:stCondLst>
+                                            <p:cond delay="0"/>
+                                          </p:stCondLst>
+                                        </p:cTn>
+                                        <p:tgtEl>
+                                          <p:spTgt spid="15"/>
+                                        </p:tgtEl>
+                                        <p:attrNameLst>
+                                          <p:attrName>style.visibility</p:attrName>
+                                        </p:attrNameLst>
+                                      </p:cBhvr>
+                                      <p:to>
+                                        <p:strVal val="visible"/>
+                                      </p:to>
+                                    </p:set>
+                                    <p:animEffect transition="in" filter="fade">
+                                      <p:cBhvr>
+                                        <p:cTn id="43" dur="500"/>
+                                        <p:tgtEl>
+                                          <p:spTgt spid="15"/>
+                                        </p:tgtEl>
+                                      </p:cBhvr>
+                                    </p:animEffect>
+                                  </p:childTnLst>
+                                </p:cTn>
+                              </p:par>
+                              <p:par>
+                                <p:cTn id="44" presetID="10" presetClass="entr" presetSubtype="0" fill="hold" nodeType="withEffect">
+                                  <p:stCondLst>
+                                    <p:cond delay="0"/>
+                                  </p:stCondLst>
+                                  <p:childTnLst>
+                                    <p:set>
+                                      <p:cBhvr>
+                                        <p:cTn id="45" dur="1" fill="hold">
+                                          <p:stCondLst>
+                                            <p:cond delay="0"/>
+                                          </p:stCondLst>
+                                        </p:cTn>
+                                        <p:tgtEl>
+                                          <p:spTgt spid="31"/>
+                                        </p:tgtEl>
+                                        <p:attrNameLst>
+                                          <p:attrName>style.visibility</p:attrName>
+                                        </p:attrNameLst>
+                                      </p:cBhvr>
+                                      <p:to>
+                                        <p:strVal val="visible"/>
+                                      </p:to>
+                                    </p:set>
+                                    <p:animEffect transition="in" filter="fade">
+                                      <p:cBhvr>
+                                        <p:cTn id="46" dur="500"/>
+                                        <p:tgtEl>
+                                          <p:spTgt spid="31"/>
+                                        </p:tgtEl>
+                                      </p:cBhvr>
+                                    </p:animEffect>
+                                  </p:childTnLst>
+                                </p:cTn>
+                              </p:par>
+                            </p:childTnLst>
+                          </p:cTn>
+                        </p:par>
+                      </p:childTnLst>
+                    </p:cTn>
+                  </p:par>
+                  <p:par>
+                    <p:cTn id="47" fill="hold">
+                      <p:stCondLst>
+                        <p:cond delay="indefinite"/>
+                      </p:stCondLst>
+                      <p:childTnLst>
+                        <p:par>
+                          <p:cTn id="48" fill="hold">
+                            <p:stCondLst>
+                              <p:cond delay="0"/>
+                            </p:stCondLst>
+                            <p:childTnLst>
+                              <p:par>
+                                <p:cTn id="49" presetID="10" presetClass="entr" presetSubtype="0" fill="hold" grpId="0" nodeType="clickEffect">
+                                  <p:stCondLst>
+                                    <p:cond delay="0"/>
+                                  </p:stCondLst>
+                                  <p:childTnLst>
+                                    <p:set>
+                                      <p:cBhvr>
+                                        <p:cTn id="50" dur="1" fill="hold">
+                                          <p:stCondLst>
+                                            <p:cond delay="0"/>
+                                          </p:stCondLst>
+                                        </p:cTn>
+                                        <p:tgtEl>
+                                          <p:spTgt spid="17"/>
+                                        </p:tgtEl>
+                                        <p:attrNameLst>
+                                          <p:attrName>style.visibility</p:attrName>
+                                        </p:attrNameLst>
+                                      </p:cBhvr>
+                                      <p:to>
+                                        <p:strVal val="visible"/>
+                                      </p:to>
+                                    </p:set>
+                                    <p:animEffect transition="in" filter="fade">
+                                      <p:cBhvr>
+                                        <p:cTn id="51" dur="500"/>
+                                        <p:tgtEl>
+                                          <p:spTgt spid="17"/>
+                                        </p:tgtEl>
+                                      </p:cBhvr>
+                                    </p:animEffect>
+                                  </p:childTnLst>
+                                </p:cTn>
+                              </p:par>
+                            </p:childTnLst>
+                          </p:cTn>
+                        </p:par>
+                      </p:childTnLst>
+                    </p:cTn>
+                  </p:par>
+                </p:childTnLst>
+              </p:cTn>
+              <p:prevCondLst>
+                <p:cond evt="onPrev" delay="0">
+                  <p:tgtEl>
+                    <p:sldTgt/>
+                  </p:tgtEl>
+                </p:cond>
+              </p:prevCondLst>
+              <p:nextCondLst>
+                <p:cond evt="onNext" delay="0">
+                  <p:tgtEl>
+                    <p:sldTgt/>
+                  </p:tgtEl>
+                </p:cond>
+              </p:nextCondLst>
+            </p:seq>
+          </p:childTnLst>
+        </p:cTn>
+      </p:par>
+    </p:tnLst>
+    <p:bldLst>
+      <p:bldP spid="6" grpId="0" animBg="1"/>
+      <p:bldP spid="7" grpId="0" animBg="1"/>
+      <p:bldP spid="9" grpId="0" animBg="1"/>
+      <p:bldP spid="15" grpId="0"/>
+      <p:bldP spid="17" grpId="0"/>
+      <p:bldP spid="27" grpId="0" animBg="1"/>
+      <p:bldP spid="28" grpId="0" animBg="1"/>
+      <p:bldP spid="29" grpId="0" animBg="1"/>
+    </p:bldLst>
+  </p:timing>
 </p:sld>
 </file>
 
@@ -14021,6 +18260,683 @@
 </file>
 
 <file path=ppt/slides/slide3.xml><?xml version="1.0" encoding="utf-8"?>
+<p:sld xmlns:a="http://schemas.openxmlformats.org/drawingml/2006/main" xmlns:r="http://schemas.openxmlformats.org/officeDocument/2006/relationships" xmlns:p="http://schemas.openxmlformats.org/presentationml/2006/main">
+  <p:cSld>
+    <p:bg>
+      <p:bgPr>
+        <a:blipFill dpi="0" rotWithShape="1">
+          <a:blip r:embed="rId2">
+            <a:lum/>
+          </a:blip>
+          <a:srcRect/>
+          <a:stretch>
+            <a:fillRect/>
+          </a:stretch>
+        </a:blipFill>
+        <a:effectLst/>
+      </p:bgPr>
+    </p:bg>
+    <p:spTree>
+      <p:nvGrpSpPr>
+        <p:cNvPr id="1" name=""/>
+        <p:cNvGrpSpPr/>
+        <p:nvPr/>
+      </p:nvGrpSpPr>
+      <p:grpSpPr>
+        <a:xfrm>
+          <a:off x="0" y="0"/>
+          <a:ext cx="0" cy="0"/>
+          <a:chOff x="0" y="0"/>
+          <a:chExt cx="0" cy="0"/>
+        </a:xfrm>
+      </p:grpSpPr>
+      <p:sp>
+        <p:nvSpPr>
+          <p:cNvPr id="2" name="Title 1">
+            <a:extLst>
+              <a:ext uri="{FF2B5EF4-FFF2-40B4-BE49-F238E27FC236}">
+                <a16:creationId xmlns:a16="http://schemas.microsoft.com/office/drawing/2014/main" id="{55E11F08-6CA0-48F1-AD67-97430DDA07F0}"/>
+              </a:ext>
+            </a:extLst>
+          </p:cNvPr>
+          <p:cNvSpPr>
+            <a:spLocks noGrp="1"/>
+          </p:cNvSpPr>
+          <p:nvPr>
+            <p:ph type="title"/>
+          </p:nvPr>
+        </p:nvSpPr>
+        <p:spPr/>
+        <p:txBody>
+          <a:bodyPr/>
+          <a:lstStyle/>
+          <a:p>
+            <a:r>
+              <a:rPr lang="en-US" b="1" dirty="0">
+                <a:solidFill>
+                  <a:srgbClr val="292D33"/>
+                </a:solidFill>
+                <a:latin typeface="Euclid Circular B" panose="020B0504000000000000" pitchFamily="34" charset="0"/>
+                <a:ea typeface="Euclid Circular B" panose="020B0504000000000000" pitchFamily="34" charset="0"/>
+              </a:rPr>
+              <a:t>Authentication vs Authorization</a:t>
+            </a:r>
+          </a:p>
+        </p:txBody>
+      </p:sp>
+      <p:pic>
+        <p:nvPicPr>
+          <p:cNvPr id="1026" name="Picture 2" descr="Authentication vs. Authorization | Okta">
+            <a:extLst>
+              <a:ext uri="{FF2B5EF4-FFF2-40B4-BE49-F238E27FC236}">
+                <a16:creationId xmlns:a16="http://schemas.microsoft.com/office/drawing/2014/main" id="{69B4318D-83DB-79A0-144A-12A3B6C15E55}"/>
+              </a:ext>
+            </a:extLst>
+          </p:cNvPr>
+          <p:cNvPicPr>
+            <a:picLocks noChangeAspect="1" noChangeArrowheads="1"/>
+          </p:cNvPicPr>
+          <p:nvPr/>
+        </p:nvPicPr>
+        <p:blipFill>
+          <a:blip r:embed="rId3">
+            <a:extLst>
+              <a:ext uri="{28A0092B-C50C-407E-A947-70E740481C1C}">
+                <a14:useLocalDpi xmlns:a14="http://schemas.microsoft.com/office/drawing/2010/main" val="0"/>
+              </a:ext>
+            </a:extLst>
+          </a:blip>
+          <a:srcRect/>
+          <a:stretch>
+            <a:fillRect/>
+          </a:stretch>
+        </p:blipFill>
+        <p:spPr bwMode="auto">
+          <a:xfrm>
+            <a:off x="2152153" y="1404441"/>
+            <a:ext cx="7150873" cy="4469296"/>
+          </a:xfrm>
+          <a:prstGeom prst="rect">
+            <a:avLst/>
+          </a:prstGeom>
+          <a:noFill/>
+          <a:extLst>
+            <a:ext uri="{909E8E84-426E-40DD-AFC4-6F175D3DCCD1}">
+              <a14:hiddenFill xmlns:a14="http://schemas.microsoft.com/office/drawing/2010/main">
+                <a:solidFill>
+                  <a:srgbClr val="FFFFFF"/>
+                </a:solidFill>
+              </a14:hiddenFill>
+            </a:ext>
+          </a:extLst>
+        </p:spPr>
+      </p:pic>
+      <p:sp>
+        <p:nvSpPr>
+          <p:cNvPr id="7" name="TextBox 6">
+            <a:extLst>
+              <a:ext uri="{FF2B5EF4-FFF2-40B4-BE49-F238E27FC236}">
+                <a16:creationId xmlns:a16="http://schemas.microsoft.com/office/drawing/2014/main" id="{95CC8211-E4F0-1ADE-0A30-05AA3D0608CC}"/>
+              </a:ext>
+            </a:extLst>
+          </p:cNvPr>
+          <p:cNvSpPr txBox="1"/>
+          <p:nvPr/>
+        </p:nvSpPr>
+        <p:spPr>
+          <a:xfrm>
+            <a:off x="2454301" y="5873737"/>
+            <a:ext cx="7150874" cy="307777"/>
+          </a:xfrm>
+          <a:prstGeom prst="rect">
+            <a:avLst/>
+          </a:prstGeom>
+          <a:noFill/>
+        </p:spPr>
+        <p:txBody>
+          <a:bodyPr wrap="square">
+            <a:spAutoFit/>
+          </a:bodyPr>
+          <a:lstStyle/>
+          <a:p>
+            <a:pPr algn="ctr"/>
+            <a:r>
+              <a:rPr lang="en-US" sz="1400" dirty="0"/>
+              <a:t>Image source: https://www.okta.com/identity-101/authentication-vs-authorization/</a:t>
+            </a:r>
+          </a:p>
+        </p:txBody>
+      </p:sp>
+    </p:spTree>
+    <p:extLst>
+      <p:ext uri="{BB962C8B-B14F-4D97-AF65-F5344CB8AC3E}">
+        <p14:creationId xmlns:p14="http://schemas.microsoft.com/office/powerpoint/2010/main" val="777033671"/>
+      </p:ext>
+    </p:extLst>
+  </p:cSld>
+  <p:clrMapOvr>
+    <a:masterClrMapping/>
+  </p:clrMapOvr>
+</p:sld>
+</file>
+
+<file path=ppt/slides/slide30.xml><?xml version="1.0" encoding="utf-8"?>
+<p:sld xmlns:a="http://schemas.openxmlformats.org/drawingml/2006/main" xmlns:r="http://schemas.openxmlformats.org/officeDocument/2006/relationships" xmlns:p="http://schemas.openxmlformats.org/presentationml/2006/main">
+  <p:cSld>
+    <p:bg>
+      <p:bgPr>
+        <a:blipFill dpi="0" rotWithShape="1">
+          <a:blip r:embed="rId2">
+            <a:lum/>
+          </a:blip>
+          <a:srcRect/>
+          <a:stretch>
+            <a:fillRect/>
+          </a:stretch>
+        </a:blipFill>
+        <a:effectLst/>
+      </p:bgPr>
+    </p:bg>
+    <p:spTree>
+      <p:nvGrpSpPr>
+        <p:cNvPr id="1" name=""/>
+        <p:cNvGrpSpPr/>
+        <p:nvPr/>
+      </p:nvGrpSpPr>
+      <p:grpSpPr>
+        <a:xfrm>
+          <a:off x="0" y="0"/>
+          <a:ext cx="0" cy="0"/>
+          <a:chOff x="0" y="0"/>
+          <a:chExt cx="0" cy="0"/>
+        </a:xfrm>
+      </p:grpSpPr>
+      <p:sp>
+        <p:nvSpPr>
+          <p:cNvPr id="2" name="Title 1">
+            <a:extLst>
+              <a:ext uri="{FF2B5EF4-FFF2-40B4-BE49-F238E27FC236}">
+                <a16:creationId xmlns:a16="http://schemas.microsoft.com/office/drawing/2014/main" id="{55E11F08-6CA0-48F1-AD67-97430DDA07F0}"/>
+              </a:ext>
+            </a:extLst>
+          </p:cNvPr>
+          <p:cNvSpPr>
+            <a:spLocks noGrp="1"/>
+          </p:cNvSpPr>
+          <p:nvPr>
+            <p:ph type="title"/>
+          </p:nvPr>
+        </p:nvSpPr>
+        <p:spPr/>
+        <p:txBody>
+          <a:bodyPr/>
+          <a:lstStyle/>
+          <a:p>
+            <a:r>
+              <a:rPr lang="en-US" b="1" dirty="0">
+                <a:solidFill>
+                  <a:srgbClr val="292D33"/>
+                </a:solidFill>
+                <a:latin typeface="Euclid Circular B" panose="020B0504000000000000" pitchFamily="34" charset="0"/>
+                <a:ea typeface="Euclid Circular B" panose="020B0504000000000000" pitchFamily="34" charset="0"/>
+              </a:rPr>
+              <a:t>Topic title</a:t>
+            </a:r>
+          </a:p>
+        </p:txBody>
+      </p:sp>
+      <p:sp>
+        <p:nvSpPr>
+          <p:cNvPr id="3" name="Content Placeholder 2">
+            <a:extLst>
+              <a:ext uri="{FF2B5EF4-FFF2-40B4-BE49-F238E27FC236}">
+                <a16:creationId xmlns:a16="http://schemas.microsoft.com/office/drawing/2014/main" id="{891C7693-D3DF-4635-96F4-97F3B4136FDF}"/>
+              </a:ext>
+            </a:extLst>
+          </p:cNvPr>
+          <p:cNvSpPr>
+            <a:spLocks noGrp="1"/>
+          </p:cNvSpPr>
+          <p:nvPr>
+            <p:ph idx="1"/>
+          </p:nvPr>
+        </p:nvSpPr>
+        <p:spPr/>
+        <p:txBody>
+          <a:bodyPr/>
+          <a:lstStyle/>
+          <a:p>
+            <a:r>
+              <a:rPr lang="en-US" dirty="0">
+                <a:latin typeface="Euclid Circular B" panose="020B0504000000000000" pitchFamily="34" charset="0"/>
+                <a:ea typeface="Euclid Circular B" panose="020B0504000000000000" pitchFamily="34" charset="0"/>
+              </a:rPr>
+              <a:t>Content</a:t>
+            </a:r>
+          </a:p>
+        </p:txBody>
+      </p:sp>
+    </p:spTree>
+    <p:extLst>
+      <p:ext uri="{BB962C8B-B14F-4D97-AF65-F5344CB8AC3E}">
+        <p14:creationId xmlns:p14="http://schemas.microsoft.com/office/powerpoint/2010/main" val="759667148"/>
+      </p:ext>
+    </p:extLst>
+  </p:cSld>
+  <p:clrMapOvr>
+    <a:masterClrMapping/>
+  </p:clrMapOvr>
+</p:sld>
+</file>
+
+<file path=ppt/slides/slide31.xml><?xml version="1.0" encoding="utf-8"?>
+<p:sld xmlns:a="http://schemas.openxmlformats.org/drawingml/2006/main" xmlns:r="http://schemas.openxmlformats.org/officeDocument/2006/relationships" xmlns:p="http://schemas.openxmlformats.org/presentationml/2006/main">
+  <p:cSld>
+    <p:bg>
+      <p:bgPr>
+        <a:blipFill dpi="0" rotWithShape="1">
+          <a:blip r:embed="rId2">
+            <a:lum/>
+          </a:blip>
+          <a:srcRect/>
+          <a:stretch>
+            <a:fillRect/>
+          </a:stretch>
+        </a:blipFill>
+        <a:effectLst/>
+      </p:bgPr>
+    </p:bg>
+    <p:spTree>
+      <p:nvGrpSpPr>
+        <p:cNvPr id="1" name=""/>
+        <p:cNvGrpSpPr/>
+        <p:nvPr/>
+      </p:nvGrpSpPr>
+      <p:grpSpPr>
+        <a:xfrm>
+          <a:off x="0" y="0"/>
+          <a:ext cx="0" cy="0"/>
+          <a:chOff x="0" y="0"/>
+          <a:chExt cx="0" cy="0"/>
+        </a:xfrm>
+      </p:grpSpPr>
+      <p:sp>
+        <p:nvSpPr>
+          <p:cNvPr id="2" name="Title 1">
+            <a:extLst>
+              <a:ext uri="{FF2B5EF4-FFF2-40B4-BE49-F238E27FC236}">
+                <a16:creationId xmlns:a16="http://schemas.microsoft.com/office/drawing/2014/main" id="{55E11F08-6CA0-48F1-AD67-97430DDA07F0}"/>
+              </a:ext>
+            </a:extLst>
+          </p:cNvPr>
+          <p:cNvSpPr>
+            <a:spLocks noGrp="1"/>
+          </p:cNvSpPr>
+          <p:nvPr>
+            <p:ph type="title"/>
+          </p:nvPr>
+        </p:nvSpPr>
+        <p:spPr/>
+        <p:txBody>
+          <a:bodyPr/>
+          <a:lstStyle/>
+          <a:p>
+            <a:r>
+              <a:rPr lang="en-US" b="1" dirty="0">
+                <a:solidFill>
+                  <a:srgbClr val="292D33"/>
+                </a:solidFill>
+                <a:latin typeface="Euclid Circular B" panose="020B0504000000000000" pitchFamily="34" charset="0"/>
+                <a:ea typeface="Euclid Circular B" panose="020B0504000000000000" pitchFamily="34" charset="0"/>
+              </a:rPr>
+              <a:t>Topic title</a:t>
+            </a:r>
+          </a:p>
+        </p:txBody>
+      </p:sp>
+      <p:sp>
+        <p:nvSpPr>
+          <p:cNvPr id="3" name="Content Placeholder 2">
+            <a:extLst>
+              <a:ext uri="{FF2B5EF4-FFF2-40B4-BE49-F238E27FC236}">
+                <a16:creationId xmlns:a16="http://schemas.microsoft.com/office/drawing/2014/main" id="{891C7693-D3DF-4635-96F4-97F3B4136FDF}"/>
+              </a:ext>
+            </a:extLst>
+          </p:cNvPr>
+          <p:cNvSpPr>
+            <a:spLocks noGrp="1"/>
+          </p:cNvSpPr>
+          <p:nvPr>
+            <p:ph idx="1"/>
+          </p:nvPr>
+        </p:nvSpPr>
+        <p:spPr/>
+        <p:txBody>
+          <a:bodyPr/>
+          <a:lstStyle/>
+          <a:p>
+            <a:r>
+              <a:rPr lang="en-US" dirty="0">
+                <a:latin typeface="Euclid Circular B" panose="020B0504000000000000" pitchFamily="34" charset="0"/>
+                <a:ea typeface="Euclid Circular B" panose="020B0504000000000000" pitchFamily="34" charset="0"/>
+              </a:rPr>
+              <a:t>Content</a:t>
+            </a:r>
+          </a:p>
+        </p:txBody>
+      </p:sp>
+    </p:spTree>
+    <p:extLst>
+      <p:ext uri="{BB962C8B-B14F-4D97-AF65-F5344CB8AC3E}">
+        <p14:creationId xmlns:p14="http://schemas.microsoft.com/office/powerpoint/2010/main" val="3118168783"/>
+      </p:ext>
+    </p:extLst>
+  </p:cSld>
+  <p:clrMapOvr>
+    <a:masterClrMapping/>
+  </p:clrMapOvr>
+</p:sld>
+</file>
+
+<file path=ppt/slides/slide32.xml><?xml version="1.0" encoding="utf-8"?>
+<p:sld xmlns:a="http://schemas.openxmlformats.org/drawingml/2006/main" xmlns:r="http://schemas.openxmlformats.org/officeDocument/2006/relationships" xmlns:p="http://schemas.openxmlformats.org/presentationml/2006/main">
+  <p:cSld>
+    <p:bg>
+      <p:bgPr>
+        <a:blipFill dpi="0" rotWithShape="1">
+          <a:blip r:embed="rId2">
+            <a:lum/>
+          </a:blip>
+          <a:srcRect/>
+          <a:stretch>
+            <a:fillRect/>
+          </a:stretch>
+        </a:blipFill>
+        <a:effectLst/>
+      </p:bgPr>
+    </p:bg>
+    <p:spTree>
+      <p:nvGrpSpPr>
+        <p:cNvPr id="1" name=""/>
+        <p:cNvGrpSpPr/>
+        <p:nvPr/>
+      </p:nvGrpSpPr>
+      <p:grpSpPr>
+        <a:xfrm>
+          <a:off x="0" y="0"/>
+          <a:ext cx="0" cy="0"/>
+          <a:chOff x="0" y="0"/>
+          <a:chExt cx="0" cy="0"/>
+        </a:xfrm>
+      </p:grpSpPr>
+      <p:sp>
+        <p:nvSpPr>
+          <p:cNvPr id="2" name="Title 1">
+            <a:extLst>
+              <a:ext uri="{FF2B5EF4-FFF2-40B4-BE49-F238E27FC236}">
+                <a16:creationId xmlns:a16="http://schemas.microsoft.com/office/drawing/2014/main" id="{55E11F08-6CA0-48F1-AD67-97430DDA07F0}"/>
+              </a:ext>
+            </a:extLst>
+          </p:cNvPr>
+          <p:cNvSpPr>
+            <a:spLocks noGrp="1"/>
+          </p:cNvSpPr>
+          <p:nvPr>
+            <p:ph type="title"/>
+          </p:nvPr>
+        </p:nvSpPr>
+        <p:spPr/>
+        <p:txBody>
+          <a:bodyPr/>
+          <a:lstStyle/>
+          <a:p>
+            <a:r>
+              <a:rPr lang="en-US" b="1" dirty="0">
+                <a:solidFill>
+                  <a:srgbClr val="292D33"/>
+                </a:solidFill>
+                <a:latin typeface="Euclid Circular B" panose="020B0504000000000000" pitchFamily="34" charset="0"/>
+                <a:ea typeface="Euclid Circular B" panose="020B0504000000000000" pitchFamily="34" charset="0"/>
+              </a:rPr>
+              <a:t>Topic title</a:t>
+            </a:r>
+          </a:p>
+        </p:txBody>
+      </p:sp>
+      <p:sp>
+        <p:nvSpPr>
+          <p:cNvPr id="3" name="Content Placeholder 2">
+            <a:extLst>
+              <a:ext uri="{FF2B5EF4-FFF2-40B4-BE49-F238E27FC236}">
+                <a16:creationId xmlns:a16="http://schemas.microsoft.com/office/drawing/2014/main" id="{891C7693-D3DF-4635-96F4-97F3B4136FDF}"/>
+              </a:ext>
+            </a:extLst>
+          </p:cNvPr>
+          <p:cNvSpPr>
+            <a:spLocks noGrp="1"/>
+          </p:cNvSpPr>
+          <p:nvPr>
+            <p:ph idx="1"/>
+          </p:nvPr>
+        </p:nvSpPr>
+        <p:spPr/>
+        <p:txBody>
+          <a:bodyPr/>
+          <a:lstStyle/>
+          <a:p>
+            <a:r>
+              <a:rPr lang="en-US" dirty="0">
+                <a:latin typeface="Euclid Circular B" panose="020B0504000000000000" pitchFamily="34" charset="0"/>
+                <a:ea typeface="Euclid Circular B" panose="020B0504000000000000" pitchFamily="34" charset="0"/>
+              </a:rPr>
+              <a:t>Content</a:t>
+            </a:r>
+          </a:p>
+        </p:txBody>
+      </p:sp>
+    </p:spTree>
+    <p:extLst>
+      <p:ext uri="{BB962C8B-B14F-4D97-AF65-F5344CB8AC3E}">
+        <p14:creationId xmlns:p14="http://schemas.microsoft.com/office/powerpoint/2010/main" val="1785876477"/>
+      </p:ext>
+    </p:extLst>
+  </p:cSld>
+  <p:clrMapOvr>
+    <a:masterClrMapping/>
+  </p:clrMapOvr>
+</p:sld>
+</file>
+
+<file path=ppt/slides/slide33.xml><?xml version="1.0" encoding="utf-8"?>
+<p:sld xmlns:a="http://schemas.openxmlformats.org/drawingml/2006/main" xmlns:r="http://schemas.openxmlformats.org/officeDocument/2006/relationships" xmlns:p="http://schemas.openxmlformats.org/presentationml/2006/main">
+  <p:cSld>
+    <p:bg>
+      <p:bgPr>
+        <a:blipFill dpi="0" rotWithShape="1">
+          <a:blip r:embed="rId2">
+            <a:lum/>
+          </a:blip>
+          <a:srcRect/>
+          <a:stretch>
+            <a:fillRect/>
+          </a:stretch>
+        </a:blipFill>
+        <a:effectLst/>
+      </p:bgPr>
+    </p:bg>
+    <p:spTree>
+      <p:nvGrpSpPr>
+        <p:cNvPr id="1" name=""/>
+        <p:cNvGrpSpPr/>
+        <p:nvPr/>
+      </p:nvGrpSpPr>
+      <p:grpSpPr>
+        <a:xfrm>
+          <a:off x="0" y="0"/>
+          <a:ext cx="0" cy="0"/>
+          <a:chOff x="0" y="0"/>
+          <a:chExt cx="0" cy="0"/>
+        </a:xfrm>
+      </p:grpSpPr>
+      <p:sp>
+        <p:nvSpPr>
+          <p:cNvPr id="2" name="Title 1">
+            <a:extLst>
+              <a:ext uri="{FF2B5EF4-FFF2-40B4-BE49-F238E27FC236}">
+                <a16:creationId xmlns:a16="http://schemas.microsoft.com/office/drawing/2014/main" id="{55E11F08-6CA0-48F1-AD67-97430DDA07F0}"/>
+              </a:ext>
+            </a:extLst>
+          </p:cNvPr>
+          <p:cNvSpPr>
+            <a:spLocks noGrp="1"/>
+          </p:cNvSpPr>
+          <p:nvPr>
+            <p:ph type="title"/>
+          </p:nvPr>
+        </p:nvSpPr>
+        <p:spPr/>
+        <p:txBody>
+          <a:bodyPr/>
+          <a:lstStyle/>
+          <a:p>
+            <a:r>
+              <a:rPr lang="en-US" b="1" dirty="0">
+                <a:solidFill>
+                  <a:srgbClr val="292D33"/>
+                </a:solidFill>
+                <a:latin typeface="Euclid Circular B" panose="020B0504000000000000" pitchFamily="34" charset="0"/>
+                <a:ea typeface="Euclid Circular B" panose="020B0504000000000000" pitchFamily="34" charset="0"/>
+              </a:rPr>
+              <a:t>References</a:t>
+            </a:r>
+          </a:p>
+        </p:txBody>
+      </p:sp>
+      <p:sp>
+        <p:nvSpPr>
+          <p:cNvPr id="3" name="Content Placeholder 2">
+            <a:extLst>
+              <a:ext uri="{FF2B5EF4-FFF2-40B4-BE49-F238E27FC236}">
+                <a16:creationId xmlns:a16="http://schemas.microsoft.com/office/drawing/2014/main" id="{891C7693-D3DF-4635-96F4-97F3B4136FDF}"/>
+              </a:ext>
+            </a:extLst>
+          </p:cNvPr>
+          <p:cNvSpPr>
+            <a:spLocks noGrp="1"/>
+          </p:cNvSpPr>
+          <p:nvPr>
+            <p:ph idx="1"/>
+          </p:nvPr>
+        </p:nvSpPr>
+        <p:spPr/>
+        <p:txBody>
+          <a:bodyPr>
+            <a:normAutofit/>
+          </a:bodyPr>
+          <a:lstStyle/>
+          <a:p>
+            <a:r>
+              <a:rPr lang="en-US" sz="1600" dirty="0">
+                <a:latin typeface="Euclid Circular B" panose="020B0504000000000000" pitchFamily="34" charset="0"/>
+                <a:ea typeface="Euclid Circular B" panose="020B0504000000000000" pitchFamily="34" charset="0"/>
+              </a:rPr>
+              <a:t>Authorization in a Microservices World</a:t>
+            </a:r>
+            <a:br>
+              <a:rPr lang="en-US" sz="1600" dirty="0">
+                <a:latin typeface="Euclid Circular B" panose="020B0504000000000000" pitchFamily="34" charset="0"/>
+                <a:ea typeface="Euclid Circular B" panose="020B0504000000000000" pitchFamily="34" charset="0"/>
+              </a:rPr>
+            </a:br>
+            <a:r>
+              <a:rPr lang="en-US" sz="1400" dirty="0">
+                <a:latin typeface="Euclid Circular B" panose="020B0504000000000000" pitchFamily="34" charset="0"/>
+                <a:ea typeface="Euclid Circular B" panose="020B0504000000000000" pitchFamily="34" charset="0"/>
+                <a:hlinkClick r:id="rId3"/>
+              </a:rPr>
+              <a:t>https://www.alexanderlolis.com/authorization-in-a-microservices-world</a:t>
+            </a:r>
+            <a:r>
+              <a:rPr lang="en-US" sz="1400" dirty="0">
+                <a:latin typeface="Euclid Circular B" panose="020B0504000000000000" pitchFamily="34" charset="0"/>
+                <a:ea typeface="Euclid Circular B" panose="020B0504000000000000" pitchFamily="34" charset="0"/>
+              </a:rPr>
+              <a:t> </a:t>
+            </a:r>
+          </a:p>
+          <a:p>
+            <a:r>
+              <a:rPr lang="en-US" sz="1600" dirty="0">
+                <a:latin typeface="Euclid Circular B" panose="020B0504000000000000" pitchFamily="34" charset="0"/>
+                <a:ea typeface="Euclid Circular B" panose="020B0504000000000000" pitchFamily="34" charset="0"/>
+              </a:rPr>
+              <a:t>ABP Authorization</a:t>
+            </a:r>
+            <a:br>
+              <a:rPr lang="en-US" sz="1400" dirty="0">
+                <a:latin typeface="Euclid Circular B" panose="020B0504000000000000" pitchFamily="34" charset="0"/>
+                <a:ea typeface="Euclid Circular B" panose="020B0504000000000000" pitchFamily="34" charset="0"/>
+              </a:rPr>
+            </a:br>
+            <a:r>
+              <a:rPr lang="en-US" sz="1400" dirty="0">
+                <a:latin typeface="Euclid Circular B" panose="020B0504000000000000" pitchFamily="34" charset="0"/>
+                <a:ea typeface="Euclid Circular B" panose="020B0504000000000000" pitchFamily="34" charset="0"/>
+                <a:hlinkClick r:id="rId4"/>
+              </a:rPr>
+              <a:t>https://docs.abp.io/en/abp/latest/Authorization</a:t>
+            </a:r>
+            <a:endParaRPr lang="en-US" sz="1400" dirty="0">
+              <a:latin typeface="Euclid Circular B" panose="020B0504000000000000" pitchFamily="34" charset="0"/>
+              <a:ea typeface="Euclid Circular B" panose="020B0504000000000000" pitchFamily="34" charset="0"/>
+            </a:endParaRPr>
+          </a:p>
+          <a:p>
+            <a:r>
+              <a:rPr lang="en-US" sz="1600" dirty="0">
+                <a:latin typeface="Euclid Circular B" panose="020B0504000000000000" pitchFamily="34" charset="0"/>
+                <a:ea typeface="Euclid Circular B" panose="020B0504000000000000" pitchFamily="34" charset="0"/>
+              </a:rPr>
+              <a:t>ASP.NET Core Authorization</a:t>
+            </a:r>
+            <a:br>
+              <a:rPr lang="en-US" sz="1400" dirty="0">
+                <a:latin typeface="Euclid Circular B" panose="020B0504000000000000" pitchFamily="34" charset="0"/>
+                <a:ea typeface="Euclid Circular B" panose="020B0504000000000000" pitchFamily="34" charset="0"/>
+              </a:rPr>
+            </a:br>
+            <a:r>
+              <a:rPr lang="en-US" sz="1400" dirty="0">
+                <a:latin typeface="Euclid Circular B" panose="020B0504000000000000" pitchFamily="34" charset="0"/>
+                <a:ea typeface="Euclid Circular B" panose="020B0504000000000000" pitchFamily="34" charset="0"/>
+                <a:hlinkClick r:id="rId5"/>
+              </a:rPr>
+              <a:t>https://learn.microsoft.com/en-us/aspnet/core/security/authorization/introduction</a:t>
+            </a:r>
+            <a:r>
+              <a:rPr lang="en-US" sz="1400" dirty="0">
+                <a:latin typeface="Euclid Circular B" panose="020B0504000000000000" pitchFamily="34" charset="0"/>
+                <a:ea typeface="Euclid Circular B" panose="020B0504000000000000" pitchFamily="34" charset="0"/>
+              </a:rPr>
+              <a:t> </a:t>
+            </a:r>
+          </a:p>
+        </p:txBody>
+      </p:sp>
+    </p:spTree>
+    <p:extLst>
+      <p:ext uri="{BB962C8B-B14F-4D97-AF65-F5344CB8AC3E}">
+        <p14:creationId xmlns:p14="http://schemas.microsoft.com/office/powerpoint/2010/main" val="1625585404"/>
+      </p:ext>
+    </p:extLst>
+  </p:cSld>
+  <p:clrMapOvr>
+    <a:masterClrMapping/>
+  </p:clrMapOvr>
+</p:sld>
+</file>
+
+<file path=ppt/slides/slide4.xml><?xml version="1.0" encoding="utf-8"?>
 <p:sld xmlns:a="http://schemas.openxmlformats.org/drawingml/2006/main" xmlns:r="http://schemas.openxmlformats.org/officeDocument/2006/relationships" xmlns:p="http://schemas.openxmlformats.org/presentationml/2006/main">
   <p:cSld>
     <p:bg>
@@ -16262,569 +21178,6 @@
 </p:sld>
 </file>
 
-<file path=ppt/slides/slide30.xml><?xml version="1.0" encoding="utf-8"?>
-<p:sld xmlns:a="http://schemas.openxmlformats.org/drawingml/2006/main" xmlns:r="http://schemas.openxmlformats.org/officeDocument/2006/relationships" xmlns:p="http://schemas.openxmlformats.org/presentationml/2006/main">
-  <p:cSld>
-    <p:bg>
-      <p:bgPr>
-        <a:blipFill dpi="0" rotWithShape="1">
-          <a:blip r:embed="rId2">
-            <a:lum/>
-          </a:blip>
-          <a:srcRect/>
-          <a:stretch>
-            <a:fillRect/>
-          </a:stretch>
-        </a:blipFill>
-        <a:effectLst/>
-      </p:bgPr>
-    </p:bg>
-    <p:spTree>
-      <p:nvGrpSpPr>
-        <p:cNvPr id="1" name=""/>
-        <p:cNvGrpSpPr/>
-        <p:nvPr/>
-      </p:nvGrpSpPr>
-      <p:grpSpPr>
-        <a:xfrm>
-          <a:off x="0" y="0"/>
-          <a:ext cx="0" cy="0"/>
-          <a:chOff x="0" y="0"/>
-          <a:chExt cx="0" cy="0"/>
-        </a:xfrm>
-      </p:grpSpPr>
-      <p:sp>
-        <p:nvSpPr>
-          <p:cNvPr id="2" name="Title 1">
-            <a:extLst>
-              <a:ext uri="{FF2B5EF4-FFF2-40B4-BE49-F238E27FC236}">
-                <a16:creationId xmlns:a16="http://schemas.microsoft.com/office/drawing/2014/main" id="{55E11F08-6CA0-48F1-AD67-97430DDA07F0}"/>
-              </a:ext>
-            </a:extLst>
-          </p:cNvPr>
-          <p:cNvSpPr>
-            <a:spLocks noGrp="1"/>
-          </p:cNvSpPr>
-          <p:nvPr>
-            <p:ph type="title"/>
-          </p:nvPr>
-        </p:nvSpPr>
-        <p:spPr/>
-        <p:txBody>
-          <a:bodyPr/>
-          <a:lstStyle/>
-          <a:p>
-            <a:r>
-              <a:rPr lang="en-US" b="1" dirty="0">
-                <a:solidFill>
-                  <a:srgbClr val="292D33"/>
-                </a:solidFill>
-                <a:latin typeface="Euclid Circular B" panose="020B0504000000000000" pitchFamily="34" charset="0"/>
-                <a:ea typeface="Euclid Circular B" panose="020B0504000000000000" pitchFamily="34" charset="0"/>
-              </a:rPr>
-              <a:t>Topic title</a:t>
-            </a:r>
-          </a:p>
-        </p:txBody>
-      </p:sp>
-      <p:sp>
-        <p:nvSpPr>
-          <p:cNvPr id="3" name="Content Placeholder 2">
-            <a:extLst>
-              <a:ext uri="{FF2B5EF4-FFF2-40B4-BE49-F238E27FC236}">
-                <a16:creationId xmlns:a16="http://schemas.microsoft.com/office/drawing/2014/main" id="{891C7693-D3DF-4635-96F4-97F3B4136FDF}"/>
-              </a:ext>
-            </a:extLst>
-          </p:cNvPr>
-          <p:cNvSpPr>
-            <a:spLocks noGrp="1"/>
-          </p:cNvSpPr>
-          <p:nvPr>
-            <p:ph idx="1"/>
-          </p:nvPr>
-        </p:nvSpPr>
-        <p:spPr/>
-        <p:txBody>
-          <a:bodyPr/>
-          <a:lstStyle/>
-          <a:p>
-            <a:r>
-              <a:rPr lang="en-US" dirty="0">
-                <a:latin typeface="Euclid Circular B" panose="020B0504000000000000" pitchFamily="34" charset="0"/>
-                <a:ea typeface="Euclid Circular B" panose="020B0504000000000000" pitchFamily="34" charset="0"/>
-              </a:rPr>
-              <a:t>Content</a:t>
-            </a:r>
-          </a:p>
-        </p:txBody>
-      </p:sp>
-    </p:spTree>
-    <p:extLst>
-      <p:ext uri="{BB962C8B-B14F-4D97-AF65-F5344CB8AC3E}">
-        <p14:creationId xmlns:p14="http://schemas.microsoft.com/office/powerpoint/2010/main" val="759667148"/>
-      </p:ext>
-    </p:extLst>
-  </p:cSld>
-  <p:clrMapOvr>
-    <a:masterClrMapping/>
-  </p:clrMapOvr>
-</p:sld>
-</file>
-
-<file path=ppt/slides/slide31.xml><?xml version="1.0" encoding="utf-8"?>
-<p:sld xmlns:a="http://schemas.openxmlformats.org/drawingml/2006/main" xmlns:r="http://schemas.openxmlformats.org/officeDocument/2006/relationships" xmlns:p="http://schemas.openxmlformats.org/presentationml/2006/main">
-  <p:cSld>
-    <p:bg>
-      <p:bgPr>
-        <a:blipFill dpi="0" rotWithShape="1">
-          <a:blip r:embed="rId2">
-            <a:lum/>
-          </a:blip>
-          <a:srcRect/>
-          <a:stretch>
-            <a:fillRect/>
-          </a:stretch>
-        </a:blipFill>
-        <a:effectLst/>
-      </p:bgPr>
-    </p:bg>
-    <p:spTree>
-      <p:nvGrpSpPr>
-        <p:cNvPr id="1" name=""/>
-        <p:cNvGrpSpPr/>
-        <p:nvPr/>
-      </p:nvGrpSpPr>
-      <p:grpSpPr>
-        <a:xfrm>
-          <a:off x="0" y="0"/>
-          <a:ext cx="0" cy="0"/>
-          <a:chOff x="0" y="0"/>
-          <a:chExt cx="0" cy="0"/>
-        </a:xfrm>
-      </p:grpSpPr>
-      <p:sp>
-        <p:nvSpPr>
-          <p:cNvPr id="2" name="Title 1">
-            <a:extLst>
-              <a:ext uri="{FF2B5EF4-FFF2-40B4-BE49-F238E27FC236}">
-                <a16:creationId xmlns:a16="http://schemas.microsoft.com/office/drawing/2014/main" id="{55E11F08-6CA0-48F1-AD67-97430DDA07F0}"/>
-              </a:ext>
-            </a:extLst>
-          </p:cNvPr>
-          <p:cNvSpPr>
-            <a:spLocks noGrp="1"/>
-          </p:cNvSpPr>
-          <p:nvPr>
-            <p:ph type="title"/>
-          </p:nvPr>
-        </p:nvSpPr>
-        <p:spPr/>
-        <p:txBody>
-          <a:bodyPr/>
-          <a:lstStyle/>
-          <a:p>
-            <a:r>
-              <a:rPr lang="en-US" b="1" dirty="0">
-                <a:solidFill>
-                  <a:srgbClr val="292D33"/>
-                </a:solidFill>
-                <a:latin typeface="Euclid Circular B" panose="020B0504000000000000" pitchFamily="34" charset="0"/>
-                <a:ea typeface="Euclid Circular B" panose="020B0504000000000000" pitchFamily="34" charset="0"/>
-              </a:rPr>
-              <a:t>Topic title</a:t>
-            </a:r>
-          </a:p>
-        </p:txBody>
-      </p:sp>
-      <p:sp>
-        <p:nvSpPr>
-          <p:cNvPr id="3" name="Content Placeholder 2">
-            <a:extLst>
-              <a:ext uri="{FF2B5EF4-FFF2-40B4-BE49-F238E27FC236}">
-                <a16:creationId xmlns:a16="http://schemas.microsoft.com/office/drawing/2014/main" id="{891C7693-D3DF-4635-96F4-97F3B4136FDF}"/>
-              </a:ext>
-            </a:extLst>
-          </p:cNvPr>
-          <p:cNvSpPr>
-            <a:spLocks noGrp="1"/>
-          </p:cNvSpPr>
-          <p:nvPr>
-            <p:ph idx="1"/>
-          </p:nvPr>
-        </p:nvSpPr>
-        <p:spPr/>
-        <p:txBody>
-          <a:bodyPr/>
-          <a:lstStyle/>
-          <a:p>
-            <a:r>
-              <a:rPr lang="en-US" dirty="0">
-                <a:latin typeface="Euclid Circular B" panose="020B0504000000000000" pitchFamily="34" charset="0"/>
-                <a:ea typeface="Euclid Circular B" panose="020B0504000000000000" pitchFamily="34" charset="0"/>
-              </a:rPr>
-              <a:t>Content</a:t>
-            </a:r>
-          </a:p>
-        </p:txBody>
-      </p:sp>
-    </p:spTree>
-    <p:extLst>
-      <p:ext uri="{BB962C8B-B14F-4D97-AF65-F5344CB8AC3E}">
-        <p14:creationId xmlns:p14="http://schemas.microsoft.com/office/powerpoint/2010/main" val="3118168783"/>
-      </p:ext>
-    </p:extLst>
-  </p:cSld>
-  <p:clrMapOvr>
-    <a:masterClrMapping/>
-  </p:clrMapOvr>
-</p:sld>
-</file>
-
-<file path=ppt/slides/slide32.xml><?xml version="1.0" encoding="utf-8"?>
-<p:sld xmlns:a="http://schemas.openxmlformats.org/drawingml/2006/main" xmlns:r="http://schemas.openxmlformats.org/officeDocument/2006/relationships" xmlns:p="http://schemas.openxmlformats.org/presentationml/2006/main">
-  <p:cSld>
-    <p:bg>
-      <p:bgPr>
-        <a:blipFill dpi="0" rotWithShape="1">
-          <a:blip r:embed="rId2">
-            <a:lum/>
-          </a:blip>
-          <a:srcRect/>
-          <a:stretch>
-            <a:fillRect/>
-          </a:stretch>
-        </a:blipFill>
-        <a:effectLst/>
-      </p:bgPr>
-    </p:bg>
-    <p:spTree>
-      <p:nvGrpSpPr>
-        <p:cNvPr id="1" name=""/>
-        <p:cNvGrpSpPr/>
-        <p:nvPr/>
-      </p:nvGrpSpPr>
-      <p:grpSpPr>
-        <a:xfrm>
-          <a:off x="0" y="0"/>
-          <a:ext cx="0" cy="0"/>
-          <a:chOff x="0" y="0"/>
-          <a:chExt cx="0" cy="0"/>
-        </a:xfrm>
-      </p:grpSpPr>
-      <p:sp>
-        <p:nvSpPr>
-          <p:cNvPr id="2" name="Title 1">
-            <a:extLst>
-              <a:ext uri="{FF2B5EF4-FFF2-40B4-BE49-F238E27FC236}">
-                <a16:creationId xmlns:a16="http://schemas.microsoft.com/office/drawing/2014/main" id="{55E11F08-6CA0-48F1-AD67-97430DDA07F0}"/>
-              </a:ext>
-            </a:extLst>
-          </p:cNvPr>
-          <p:cNvSpPr>
-            <a:spLocks noGrp="1"/>
-          </p:cNvSpPr>
-          <p:nvPr>
-            <p:ph type="title"/>
-          </p:nvPr>
-        </p:nvSpPr>
-        <p:spPr/>
-        <p:txBody>
-          <a:bodyPr/>
-          <a:lstStyle/>
-          <a:p>
-            <a:r>
-              <a:rPr lang="en-US" b="1" dirty="0">
-                <a:solidFill>
-                  <a:srgbClr val="292D33"/>
-                </a:solidFill>
-                <a:latin typeface="Euclid Circular B" panose="020B0504000000000000" pitchFamily="34" charset="0"/>
-                <a:ea typeface="Euclid Circular B" panose="020B0504000000000000" pitchFamily="34" charset="0"/>
-              </a:rPr>
-              <a:t>Topic title</a:t>
-            </a:r>
-          </a:p>
-        </p:txBody>
-      </p:sp>
-      <p:sp>
-        <p:nvSpPr>
-          <p:cNvPr id="3" name="Content Placeholder 2">
-            <a:extLst>
-              <a:ext uri="{FF2B5EF4-FFF2-40B4-BE49-F238E27FC236}">
-                <a16:creationId xmlns:a16="http://schemas.microsoft.com/office/drawing/2014/main" id="{891C7693-D3DF-4635-96F4-97F3B4136FDF}"/>
-              </a:ext>
-            </a:extLst>
-          </p:cNvPr>
-          <p:cNvSpPr>
-            <a:spLocks noGrp="1"/>
-          </p:cNvSpPr>
-          <p:nvPr>
-            <p:ph idx="1"/>
-          </p:nvPr>
-        </p:nvSpPr>
-        <p:spPr/>
-        <p:txBody>
-          <a:bodyPr/>
-          <a:lstStyle/>
-          <a:p>
-            <a:r>
-              <a:rPr lang="en-US" dirty="0">
-                <a:latin typeface="Euclid Circular B" panose="020B0504000000000000" pitchFamily="34" charset="0"/>
-                <a:ea typeface="Euclid Circular B" panose="020B0504000000000000" pitchFamily="34" charset="0"/>
-              </a:rPr>
-              <a:t>Content</a:t>
-            </a:r>
-          </a:p>
-        </p:txBody>
-      </p:sp>
-    </p:spTree>
-    <p:extLst>
-      <p:ext uri="{BB962C8B-B14F-4D97-AF65-F5344CB8AC3E}">
-        <p14:creationId xmlns:p14="http://schemas.microsoft.com/office/powerpoint/2010/main" val="1785876477"/>
-      </p:ext>
-    </p:extLst>
-  </p:cSld>
-  <p:clrMapOvr>
-    <a:masterClrMapping/>
-  </p:clrMapOvr>
-</p:sld>
-</file>
-
-<file path=ppt/slides/slide33.xml><?xml version="1.0" encoding="utf-8"?>
-<p:sld xmlns:a="http://schemas.openxmlformats.org/drawingml/2006/main" xmlns:r="http://schemas.openxmlformats.org/officeDocument/2006/relationships" xmlns:p="http://schemas.openxmlformats.org/presentationml/2006/main">
-  <p:cSld>
-    <p:bg>
-      <p:bgPr>
-        <a:blipFill dpi="0" rotWithShape="1">
-          <a:blip r:embed="rId2">
-            <a:lum/>
-          </a:blip>
-          <a:srcRect/>
-          <a:stretch>
-            <a:fillRect/>
-          </a:stretch>
-        </a:blipFill>
-        <a:effectLst/>
-      </p:bgPr>
-    </p:bg>
-    <p:spTree>
-      <p:nvGrpSpPr>
-        <p:cNvPr id="1" name=""/>
-        <p:cNvGrpSpPr/>
-        <p:nvPr/>
-      </p:nvGrpSpPr>
-      <p:grpSpPr>
-        <a:xfrm>
-          <a:off x="0" y="0"/>
-          <a:ext cx="0" cy="0"/>
-          <a:chOff x="0" y="0"/>
-          <a:chExt cx="0" cy="0"/>
-        </a:xfrm>
-      </p:grpSpPr>
-      <p:sp>
-        <p:nvSpPr>
-          <p:cNvPr id="2" name="Title 1">
-            <a:extLst>
-              <a:ext uri="{FF2B5EF4-FFF2-40B4-BE49-F238E27FC236}">
-                <a16:creationId xmlns:a16="http://schemas.microsoft.com/office/drawing/2014/main" id="{55E11F08-6CA0-48F1-AD67-97430DDA07F0}"/>
-              </a:ext>
-            </a:extLst>
-          </p:cNvPr>
-          <p:cNvSpPr>
-            <a:spLocks noGrp="1"/>
-          </p:cNvSpPr>
-          <p:nvPr>
-            <p:ph type="title"/>
-          </p:nvPr>
-        </p:nvSpPr>
-        <p:spPr/>
-        <p:txBody>
-          <a:bodyPr/>
-          <a:lstStyle/>
-          <a:p>
-            <a:r>
-              <a:rPr lang="en-US" b="1" dirty="0">
-                <a:solidFill>
-                  <a:srgbClr val="292D33"/>
-                </a:solidFill>
-                <a:latin typeface="Euclid Circular B" panose="020B0504000000000000" pitchFamily="34" charset="0"/>
-                <a:ea typeface="Euclid Circular B" panose="020B0504000000000000" pitchFamily="34" charset="0"/>
-              </a:rPr>
-              <a:t>Topic title</a:t>
-            </a:r>
-          </a:p>
-        </p:txBody>
-      </p:sp>
-      <p:sp>
-        <p:nvSpPr>
-          <p:cNvPr id="3" name="Content Placeholder 2">
-            <a:extLst>
-              <a:ext uri="{FF2B5EF4-FFF2-40B4-BE49-F238E27FC236}">
-                <a16:creationId xmlns:a16="http://schemas.microsoft.com/office/drawing/2014/main" id="{891C7693-D3DF-4635-96F4-97F3B4136FDF}"/>
-              </a:ext>
-            </a:extLst>
-          </p:cNvPr>
-          <p:cNvSpPr>
-            <a:spLocks noGrp="1"/>
-          </p:cNvSpPr>
-          <p:nvPr>
-            <p:ph idx="1"/>
-          </p:nvPr>
-        </p:nvSpPr>
-        <p:spPr/>
-        <p:txBody>
-          <a:bodyPr/>
-          <a:lstStyle/>
-          <a:p>
-            <a:r>
-              <a:rPr lang="en-US" dirty="0">
-                <a:latin typeface="Euclid Circular B" panose="020B0504000000000000" pitchFamily="34" charset="0"/>
-                <a:ea typeface="Euclid Circular B" panose="020B0504000000000000" pitchFamily="34" charset="0"/>
-              </a:rPr>
-              <a:t>Content</a:t>
-            </a:r>
-          </a:p>
-        </p:txBody>
-      </p:sp>
-    </p:spTree>
-    <p:extLst>
-      <p:ext uri="{BB962C8B-B14F-4D97-AF65-F5344CB8AC3E}">
-        <p14:creationId xmlns:p14="http://schemas.microsoft.com/office/powerpoint/2010/main" val="1625585404"/>
-      </p:ext>
-    </p:extLst>
-  </p:cSld>
-  <p:clrMapOvr>
-    <a:masterClrMapping/>
-  </p:clrMapOvr>
-</p:sld>
-</file>
-
-<file path=ppt/slides/slide4.xml><?xml version="1.0" encoding="utf-8"?>
-<p:sld xmlns:a="http://schemas.openxmlformats.org/drawingml/2006/main" xmlns:r="http://schemas.openxmlformats.org/officeDocument/2006/relationships" xmlns:p="http://schemas.openxmlformats.org/presentationml/2006/main">
-  <p:cSld>
-    <p:bg>
-      <p:bgPr>
-        <a:blipFill dpi="0" rotWithShape="1">
-          <a:blip r:embed="rId2">
-            <a:lum/>
-          </a:blip>
-          <a:srcRect/>
-          <a:stretch>
-            <a:fillRect/>
-          </a:stretch>
-        </a:blipFill>
-        <a:effectLst/>
-      </p:bgPr>
-    </p:bg>
-    <p:spTree>
-      <p:nvGrpSpPr>
-        <p:cNvPr id="1" name=""/>
-        <p:cNvGrpSpPr/>
-        <p:nvPr/>
-      </p:nvGrpSpPr>
-      <p:grpSpPr>
-        <a:xfrm>
-          <a:off x="0" y="0"/>
-          <a:ext cx="0" cy="0"/>
-          <a:chOff x="0" y="0"/>
-          <a:chExt cx="0" cy="0"/>
-        </a:xfrm>
-      </p:grpSpPr>
-      <p:sp>
-        <p:nvSpPr>
-          <p:cNvPr id="2" name="Title 1">
-            <a:extLst>
-              <a:ext uri="{FF2B5EF4-FFF2-40B4-BE49-F238E27FC236}">
-                <a16:creationId xmlns:a16="http://schemas.microsoft.com/office/drawing/2014/main" id="{55E11F08-6CA0-48F1-AD67-97430DDA07F0}"/>
-              </a:ext>
-            </a:extLst>
-          </p:cNvPr>
-          <p:cNvSpPr>
-            <a:spLocks noGrp="1"/>
-          </p:cNvSpPr>
-          <p:nvPr>
-            <p:ph type="title"/>
-          </p:nvPr>
-        </p:nvSpPr>
-        <p:spPr/>
-        <p:txBody>
-          <a:bodyPr/>
-          <a:lstStyle/>
-          <a:p>
-            <a:r>
-              <a:rPr lang="en-US" b="1" dirty="0">
-                <a:solidFill>
-                  <a:srgbClr val="292D33"/>
-                </a:solidFill>
-                <a:latin typeface="Euclid Circular B" panose="020B0504000000000000" pitchFamily="34" charset="0"/>
-                <a:ea typeface="Euclid Circular B" panose="020B0504000000000000" pitchFamily="34" charset="0"/>
-              </a:rPr>
-              <a:t>Authentication</a:t>
-            </a:r>
-            <a:br>
-              <a:rPr lang="en-US" b="1" dirty="0">
-                <a:solidFill>
-                  <a:srgbClr val="292D33"/>
-                </a:solidFill>
-                <a:latin typeface="Euclid Circular B" panose="020B0504000000000000" pitchFamily="34" charset="0"/>
-                <a:ea typeface="Euclid Circular B" panose="020B0504000000000000" pitchFamily="34" charset="0"/>
-              </a:rPr>
-            </a:br>
-            <a:r>
-              <a:rPr lang="en-US" sz="2800" b="1" dirty="0">
-                <a:solidFill>
-                  <a:srgbClr val="292D33"/>
-                </a:solidFill>
-                <a:latin typeface="Euclid Circular B" panose="020B0504000000000000" pitchFamily="34" charset="0"/>
-                <a:ea typeface="Euclid Circular B" panose="020B0504000000000000" pitchFamily="34" charset="0"/>
-              </a:rPr>
-              <a:t>Storing the Access Token</a:t>
-            </a:r>
-          </a:p>
-        </p:txBody>
-      </p:sp>
-      <p:pic>
-        <p:nvPicPr>
-          <p:cNvPr id="11" name="Picture 10">
-            <a:extLst>
-              <a:ext uri="{FF2B5EF4-FFF2-40B4-BE49-F238E27FC236}">
-                <a16:creationId xmlns:a16="http://schemas.microsoft.com/office/drawing/2014/main" id="{FFDD0938-ABF7-24B2-5AC1-909F4281BE60}"/>
-              </a:ext>
-            </a:extLst>
-          </p:cNvPr>
-          <p:cNvPicPr>
-            <a:picLocks noChangeAspect="1"/>
-          </p:cNvPicPr>
-          <p:nvPr/>
-        </p:nvPicPr>
-        <p:blipFill>
-          <a:blip r:embed="rId3"/>
-          <a:stretch>
-            <a:fillRect/>
-          </a:stretch>
-        </p:blipFill>
-        <p:spPr>
-          <a:xfrm>
-            <a:off x="838200" y="1684891"/>
-            <a:ext cx="8786567" cy="5071154"/>
-          </a:xfrm>
-          <a:prstGeom prst="rect">
-            <a:avLst/>
-          </a:prstGeom>
-        </p:spPr>
-      </p:pic>
-    </p:spTree>
-    <p:extLst>
-      <p:ext uri="{BB962C8B-B14F-4D97-AF65-F5344CB8AC3E}">
-        <p14:creationId xmlns:p14="http://schemas.microsoft.com/office/powerpoint/2010/main" val="1434243454"/>
-      </p:ext>
-    </p:extLst>
-  </p:cSld>
-  <p:clrMapOvr>
-    <a:masterClrMapping/>
-  </p:clrMapOvr>
-</p:sld>
-</file>
-
 <file path=ppt/slides/slide5.xml><?xml version="1.0" encoding="utf-8"?>
 <p:sld xmlns:a="http://schemas.openxmlformats.org/drawingml/2006/main" xmlns:r="http://schemas.openxmlformats.org/officeDocument/2006/relationships" xmlns:p="http://schemas.openxmlformats.org/presentationml/2006/main">
   <p:cSld>
@@ -16904,17 +21257,17 @@
                 <a:latin typeface="Euclid Circular B" panose="020B0504000000000000" pitchFamily="34" charset="0"/>
                 <a:ea typeface="Euclid Circular B" panose="020B0504000000000000" pitchFamily="34" charset="0"/>
               </a:rPr>
-              <a:t>The Access Token</a:t>
+              <a:t>Storing the Access Token</a:t>
             </a:r>
           </a:p>
         </p:txBody>
       </p:sp>
       <p:pic>
         <p:nvPicPr>
-          <p:cNvPr id="7" name="Picture 6">
+          <p:cNvPr id="11" name="Picture 10">
             <a:extLst>
               <a:ext uri="{FF2B5EF4-FFF2-40B4-BE49-F238E27FC236}">
-                <a16:creationId xmlns:a16="http://schemas.microsoft.com/office/drawing/2014/main" id="{C6CC06A5-F310-22BA-3908-2EC5F485C091}"/>
+                <a16:creationId xmlns:a16="http://schemas.microsoft.com/office/drawing/2014/main" id="{FFDD0938-ABF7-24B2-5AC1-909F4281BE60}"/>
               </a:ext>
             </a:extLst>
           </p:cNvPr>
@@ -16931,114 +21284,18 @@
         </p:blipFill>
         <p:spPr>
           <a:xfrm>
-            <a:off x="838201" y="1660640"/>
-            <a:ext cx="5697772" cy="5053090"/>
+            <a:off x="838200" y="1684891"/>
+            <a:ext cx="8786567" cy="5071154"/>
           </a:xfrm>
           <a:prstGeom prst="rect">
             <a:avLst/>
           </a:prstGeom>
         </p:spPr>
       </p:pic>
-      <p:sp>
-        <p:nvSpPr>
-          <p:cNvPr id="8" name="Content Placeholder 2">
-            <a:extLst>
-              <a:ext uri="{FF2B5EF4-FFF2-40B4-BE49-F238E27FC236}">
-                <a16:creationId xmlns:a16="http://schemas.microsoft.com/office/drawing/2014/main" id="{EEFE9612-7D2A-5AA3-8199-1B365016F923}"/>
-              </a:ext>
-            </a:extLst>
-          </p:cNvPr>
-          <p:cNvSpPr>
-            <a:spLocks noGrp="1"/>
-          </p:cNvSpPr>
-          <p:nvPr>
-            <p:ph idx="1"/>
-          </p:nvPr>
-        </p:nvSpPr>
-        <p:spPr>
-          <a:xfrm>
-            <a:off x="6854024" y="1825625"/>
-            <a:ext cx="4499776" cy="4351338"/>
-          </a:xfrm>
-        </p:spPr>
-        <p:txBody>
-          <a:bodyPr/>
-          <a:lstStyle/>
-          <a:p>
-            <a:r>
-              <a:rPr lang="en-US" dirty="0">
-                <a:latin typeface="Euclid Circular B" panose="020B0504000000000000" pitchFamily="34" charset="0"/>
-                <a:ea typeface="Euclid Circular B" panose="020B0504000000000000" pitchFamily="34" charset="0"/>
-              </a:rPr>
-              <a:t>Standard claims</a:t>
-            </a:r>
-          </a:p>
-          <a:p>
-            <a:pPr lvl="1"/>
-            <a:r>
-              <a:rPr lang="en-US" b="1" dirty="0">
-                <a:latin typeface="Euclid Circular B" panose="020B0504000000000000" pitchFamily="34" charset="0"/>
-                <a:ea typeface="Euclid Circular B" panose="020B0504000000000000" pitchFamily="34" charset="0"/>
-              </a:rPr>
-              <a:t>Sub</a:t>
-            </a:r>
-            <a:r>
-              <a:rPr lang="en-US" dirty="0">
-                <a:latin typeface="Euclid Circular B" panose="020B0504000000000000" pitchFamily="34" charset="0"/>
-                <a:ea typeface="Euclid Circular B" panose="020B0504000000000000" pitchFamily="34" charset="0"/>
-              </a:rPr>
-              <a:t>: User Id</a:t>
-            </a:r>
-          </a:p>
-          <a:p>
-            <a:pPr lvl="1"/>
-            <a:r>
-              <a:rPr lang="en-US" b="1" dirty="0">
-                <a:latin typeface="Euclid Circular B" panose="020B0504000000000000" pitchFamily="34" charset="0"/>
-                <a:ea typeface="Euclid Circular B" panose="020B0504000000000000" pitchFamily="34" charset="0"/>
-              </a:rPr>
-              <a:t>Role</a:t>
-            </a:r>
-            <a:r>
-              <a:rPr lang="en-US" dirty="0">
-                <a:latin typeface="Euclid Circular B" panose="020B0504000000000000" pitchFamily="34" charset="0"/>
-                <a:ea typeface="Euclid Circular B" panose="020B0504000000000000" pitchFamily="34" charset="0"/>
-              </a:rPr>
-              <a:t>: Roles of the user</a:t>
-            </a:r>
-          </a:p>
-          <a:p>
-            <a:pPr lvl="1"/>
-            <a:r>
-              <a:rPr lang="en-US" b="1" dirty="0">
-                <a:latin typeface="Euclid Circular B" panose="020B0504000000000000" pitchFamily="34" charset="0"/>
-                <a:ea typeface="Euclid Circular B" panose="020B0504000000000000" pitchFamily="34" charset="0"/>
-              </a:rPr>
-              <a:t>Scope</a:t>
-            </a:r>
-            <a:r>
-              <a:rPr lang="en-US" dirty="0">
-                <a:latin typeface="Euclid Circular B" panose="020B0504000000000000" pitchFamily="34" charset="0"/>
-                <a:ea typeface="Euclid Circular B" panose="020B0504000000000000" pitchFamily="34" charset="0"/>
-              </a:rPr>
-              <a:t>: Allowed scopes</a:t>
-            </a:r>
-          </a:p>
-          <a:p>
-            <a:r>
-              <a:rPr lang="en-US" dirty="0">
-                <a:latin typeface="Euclid Circular B" panose="020B0504000000000000" pitchFamily="34" charset="0"/>
-                <a:ea typeface="Euclid Circular B" panose="020B0504000000000000" pitchFamily="34" charset="0"/>
-              </a:rPr>
-              <a:t>And your custom claims</a:t>
-            </a:r>
-          </a:p>
-        </p:txBody>
-      </p:sp>
     </p:spTree>
     <p:extLst>
       <p:ext uri="{BB962C8B-B14F-4D97-AF65-F5344CB8AC3E}">
-        <p14:creationId xmlns:p14="http://schemas.microsoft.com/office/powerpoint/2010/main" val="988821688"/>
+        <p14:creationId xmlns:p14="http://schemas.microsoft.com/office/powerpoint/2010/main" val="1434243454"/>
       </p:ext>
     </p:extLst>
   </p:cSld>
@@ -17108,6 +21365,229 @@
                 <a:latin typeface="Euclid Circular B" panose="020B0504000000000000" pitchFamily="34" charset="0"/>
                 <a:ea typeface="Euclid Circular B" panose="020B0504000000000000" pitchFamily="34" charset="0"/>
               </a:rPr>
+              <a:t>Authentication</a:t>
+            </a:r>
+            <a:br>
+              <a:rPr lang="en-US" b="1" dirty="0">
+                <a:solidFill>
+                  <a:srgbClr val="292D33"/>
+                </a:solidFill>
+                <a:latin typeface="Euclid Circular B" panose="020B0504000000000000" pitchFamily="34" charset="0"/>
+                <a:ea typeface="Euclid Circular B" panose="020B0504000000000000" pitchFamily="34" charset="0"/>
+              </a:rPr>
+            </a:br>
+            <a:r>
+              <a:rPr lang="en-US" sz="2800" b="1" dirty="0">
+                <a:solidFill>
+                  <a:srgbClr val="292D33"/>
+                </a:solidFill>
+                <a:latin typeface="Euclid Circular B" panose="020B0504000000000000" pitchFamily="34" charset="0"/>
+                <a:ea typeface="Euclid Circular B" panose="020B0504000000000000" pitchFamily="34" charset="0"/>
+              </a:rPr>
+              <a:t>The Access Token</a:t>
+            </a:r>
+          </a:p>
+        </p:txBody>
+      </p:sp>
+      <p:pic>
+        <p:nvPicPr>
+          <p:cNvPr id="7" name="Picture 6">
+            <a:extLst>
+              <a:ext uri="{FF2B5EF4-FFF2-40B4-BE49-F238E27FC236}">
+                <a16:creationId xmlns:a16="http://schemas.microsoft.com/office/drawing/2014/main" id="{C6CC06A5-F310-22BA-3908-2EC5F485C091}"/>
+              </a:ext>
+            </a:extLst>
+          </p:cNvPr>
+          <p:cNvPicPr>
+            <a:picLocks noChangeAspect="1"/>
+          </p:cNvPicPr>
+          <p:nvPr/>
+        </p:nvPicPr>
+        <p:blipFill>
+          <a:blip r:embed="rId3"/>
+          <a:stretch>
+            <a:fillRect/>
+          </a:stretch>
+        </p:blipFill>
+        <p:spPr>
+          <a:xfrm>
+            <a:off x="838201" y="1660640"/>
+            <a:ext cx="5697772" cy="5053090"/>
+          </a:xfrm>
+          <a:prstGeom prst="rect">
+            <a:avLst/>
+          </a:prstGeom>
+        </p:spPr>
+      </p:pic>
+      <p:sp>
+        <p:nvSpPr>
+          <p:cNvPr id="8" name="Content Placeholder 2">
+            <a:extLst>
+              <a:ext uri="{FF2B5EF4-FFF2-40B4-BE49-F238E27FC236}">
+                <a16:creationId xmlns:a16="http://schemas.microsoft.com/office/drawing/2014/main" id="{EEFE9612-7D2A-5AA3-8199-1B365016F923}"/>
+              </a:ext>
+            </a:extLst>
+          </p:cNvPr>
+          <p:cNvSpPr>
+            <a:spLocks noGrp="1"/>
+          </p:cNvSpPr>
+          <p:nvPr>
+            <p:ph idx="1"/>
+          </p:nvPr>
+        </p:nvSpPr>
+        <p:spPr>
+          <a:xfrm>
+            <a:off x="6854024" y="1825625"/>
+            <a:ext cx="4499776" cy="4351338"/>
+          </a:xfrm>
+        </p:spPr>
+        <p:txBody>
+          <a:bodyPr/>
+          <a:lstStyle/>
+          <a:p>
+            <a:r>
+              <a:rPr lang="en-US" dirty="0">
+                <a:latin typeface="Euclid Circular B" panose="020B0504000000000000" pitchFamily="34" charset="0"/>
+                <a:ea typeface="Euclid Circular B" panose="020B0504000000000000" pitchFamily="34" charset="0"/>
+              </a:rPr>
+              <a:t>Standard claims</a:t>
+            </a:r>
+          </a:p>
+          <a:p>
+            <a:pPr lvl="1"/>
+            <a:r>
+              <a:rPr lang="en-US" b="1" dirty="0">
+                <a:latin typeface="Euclid Circular B" panose="020B0504000000000000" pitchFamily="34" charset="0"/>
+                <a:ea typeface="Euclid Circular B" panose="020B0504000000000000" pitchFamily="34" charset="0"/>
+              </a:rPr>
+              <a:t>Sub</a:t>
+            </a:r>
+            <a:r>
+              <a:rPr lang="en-US" dirty="0">
+                <a:latin typeface="Euclid Circular B" panose="020B0504000000000000" pitchFamily="34" charset="0"/>
+                <a:ea typeface="Euclid Circular B" panose="020B0504000000000000" pitchFamily="34" charset="0"/>
+              </a:rPr>
+              <a:t>: User Id</a:t>
+            </a:r>
+          </a:p>
+          <a:p>
+            <a:pPr lvl="1"/>
+            <a:r>
+              <a:rPr lang="en-US" b="1" dirty="0">
+                <a:latin typeface="Euclid Circular B" panose="020B0504000000000000" pitchFamily="34" charset="0"/>
+                <a:ea typeface="Euclid Circular B" panose="020B0504000000000000" pitchFamily="34" charset="0"/>
+              </a:rPr>
+              <a:t>Role</a:t>
+            </a:r>
+            <a:r>
+              <a:rPr lang="en-US" dirty="0">
+                <a:latin typeface="Euclid Circular B" panose="020B0504000000000000" pitchFamily="34" charset="0"/>
+                <a:ea typeface="Euclid Circular B" panose="020B0504000000000000" pitchFamily="34" charset="0"/>
+              </a:rPr>
+              <a:t>: Roles of the user</a:t>
+            </a:r>
+          </a:p>
+          <a:p>
+            <a:pPr lvl="1"/>
+            <a:r>
+              <a:rPr lang="en-US" b="1" dirty="0">
+                <a:latin typeface="Euclid Circular B" panose="020B0504000000000000" pitchFamily="34" charset="0"/>
+                <a:ea typeface="Euclid Circular B" panose="020B0504000000000000" pitchFamily="34" charset="0"/>
+              </a:rPr>
+              <a:t>Scope</a:t>
+            </a:r>
+            <a:r>
+              <a:rPr lang="en-US" dirty="0">
+                <a:latin typeface="Euclid Circular B" panose="020B0504000000000000" pitchFamily="34" charset="0"/>
+                <a:ea typeface="Euclid Circular B" panose="020B0504000000000000" pitchFamily="34" charset="0"/>
+              </a:rPr>
+              <a:t>: Allowed scopes</a:t>
+            </a:r>
+          </a:p>
+          <a:p>
+            <a:r>
+              <a:rPr lang="en-US" dirty="0">
+                <a:latin typeface="Euclid Circular B" panose="020B0504000000000000" pitchFamily="34" charset="0"/>
+                <a:ea typeface="Euclid Circular B" panose="020B0504000000000000" pitchFamily="34" charset="0"/>
+              </a:rPr>
+              <a:t>And your custom claims</a:t>
+            </a:r>
+          </a:p>
+        </p:txBody>
+      </p:sp>
+    </p:spTree>
+    <p:extLst>
+      <p:ext uri="{BB962C8B-B14F-4D97-AF65-F5344CB8AC3E}">
+        <p14:creationId xmlns:p14="http://schemas.microsoft.com/office/powerpoint/2010/main" val="988821688"/>
+      </p:ext>
+    </p:extLst>
+  </p:cSld>
+  <p:clrMapOvr>
+    <a:masterClrMapping/>
+  </p:clrMapOvr>
+</p:sld>
+</file>
+
+<file path=ppt/slides/slide7.xml><?xml version="1.0" encoding="utf-8"?>
+<p:sld xmlns:a="http://schemas.openxmlformats.org/drawingml/2006/main" xmlns:r="http://schemas.openxmlformats.org/officeDocument/2006/relationships" xmlns:p="http://schemas.openxmlformats.org/presentationml/2006/main">
+  <p:cSld>
+    <p:bg>
+      <p:bgPr>
+        <a:blipFill dpi="0" rotWithShape="1">
+          <a:blip r:embed="rId2">
+            <a:lum/>
+          </a:blip>
+          <a:srcRect/>
+          <a:stretch>
+            <a:fillRect/>
+          </a:stretch>
+        </a:blipFill>
+        <a:effectLst/>
+      </p:bgPr>
+    </p:bg>
+    <p:spTree>
+      <p:nvGrpSpPr>
+        <p:cNvPr id="1" name=""/>
+        <p:cNvGrpSpPr/>
+        <p:nvPr/>
+      </p:nvGrpSpPr>
+      <p:grpSpPr>
+        <a:xfrm>
+          <a:off x="0" y="0"/>
+          <a:ext cx="0" cy="0"/>
+          <a:chOff x="0" y="0"/>
+          <a:chExt cx="0" cy="0"/>
+        </a:xfrm>
+      </p:grpSpPr>
+      <p:sp>
+        <p:nvSpPr>
+          <p:cNvPr id="2" name="Title 1">
+            <a:extLst>
+              <a:ext uri="{FF2B5EF4-FFF2-40B4-BE49-F238E27FC236}">
+                <a16:creationId xmlns:a16="http://schemas.microsoft.com/office/drawing/2014/main" id="{55E11F08-6CA0-48F1-AD67-97430DDA07F0}"/>
+              </a:ext>
+            </a:extLst>
+          </p:cNvPr>
+          <p:cNvSpPr>
+            <a:spLocks noGrp="1"/>
+          </p:cNvSpPr>
+          <p:nvPr>
+            <p:ph type="title"/>
+          </p:nvPr>
+        </p:nvSpPr>
+        <p:spPr/>
+        <p:txBody>
+          <a:bodyPr/>
+          <a:lstStyle/>
+          <a:p>
+            <a:r>
+              <a:rPr lang="en-US" b="1" dirty="0">
+                <a:solidFill>
+                  <a:srgbClr val="292D33"/>
+                </a:solidFill>
+                <a:latin typeface="Euclid Circular B" panose="020B0504000000000000" pitchFamily="34" charset="0"/>
+                <a:ea typeface="Euclid Circular B" panose="020B0504000000000000" pitchFamily="34" charset="0"/>
+              </a:rPr>
               <a:t>Authorization Types</a:t>
             </a:r>
           </a:p>
@@ -17602,825 +22082,6 @@
                                     <p:animEffect transition="in" filter="fade">
                                       <p:cBhvr>
                                         <p:cTn id="31" dur="500"/>
-                                        <p:tgtEl>
-                                          <p:spTgt spid="3">
-                                            <p:txEl>
-                                              <p:pRg st="6" end="6"/>
-                                            </p:txEl>
-                                          </p:spTgt>
-                                        </p:tgtEl>
-                                      </p:cBhvr>
-                                    </p:animEffect>
-                                  </p:childTnLst>
-                                </p:cTn>
-                              </p:par>
-                            </p:childTnLst>
-                          </p:cTn>
-                        </p:par>
-                      </p:childTnLst>
-                    </p:cTn>
-                  </p:par>
-                </p:childTnLst>
-              </p:cTn>
-              <p:prevCondLst>
-                <p:cond evt="onPrev" delay="0">
-                  <p:tgtEl>
-                    <p:sldTgt/>
-                  </p:tgtEl>
-                </p:cond>
-              </p:prevCondLst>
-              <p:nextCondLst>
-                <p:cond evt="onNext" delay="0">
-                  <p:tgtEl>
-                    <p:sldTgt/>
-                  </p:tgtEl>
-                </p:cond>
-              </p:nextCondLst>
-            </p:seq>
-          </p:childTnLst>
-        </p:cTn>
-      </p:par>
-    </p:tnLst>
-  </p:timing>
-</p:sld>
-</file>
-
-<file path=ppt/slides/slide7.xml><?xml version="1.0" encoding="utf-8"?>
-<p:sld xmlns:a="http://schemas.openxmlformats.org/drawingml/2006/main" xmlns:r="http://schemas.openxmlformats.org/officeDocument/2006/relationships" xmlns:p="http://schemas.openxmlformats.org/presentationml/2006/main">
-  <p:cSld>
-    <p:bg>
-      <p:bgPr>
-        <a:blipFill dpi="0" rotWithShape="1">
-          <a:blip r:embed="rId2">
-            <a:lum/>
-          </a:blip>
-          <a:srcRect/>
-          <a:stretch>
-            <a:fillRect/>
-          </a:stretch>
-        </a:blipFill>
-        <a:effectLst/>
-      </p:bgPr>
-    </p:bg>
-    <p:spTree>
-      <p:nvGrpSpPr>
-        <p:cNvPr id="1" name=""/>
-        <p:cNvGrpSpPr/>
-        <p:nvPr/>
-      </p:nvGrpSpPr>
-      <p:grpSpPr>
-        <a:xfrm>
-          <a:off x="0" y="0"/>
-          <a:ext cx="0" cy="0"/>
-          <a:chOff x="0" y="0"/>
-          <a:chExt cx="0" cy="0"/>
-        </a:xfrm>
-      </p:grpSpPr>
-      <p:sp>
-        <p:nvSpPr>
-          <p:cNvPr id="2" name="Title 1">
-            <a:extLst>
-              <a:ext uri="{FF2B5EF4-FFF2-40B4-BE49-F238E27FC236}">
-                <a16:creationId xmlns:a16="http://schemas.microsoft.com/office/drawing/2014/main" id="{55E11F08-6CA0-48F1-AD67-97430DDA07F0}"/>
-              </a:ext>
-            </a:extLst>
-          </p:cNvPr>
-          <p:cNvSpPr>
-            <a:spLocks noGrp="1"/>
-          </p:cNvSpPr>
-          <p:nvPr>
-            <p:ph type="title"/>
-          </p:nvPr>
-        </p:nvSpPr>
-        <p:spPr/>
-        <p:txBody>
-          <a:bodyPr/>
-          <a:lstStyle/>
-          <a:p>
-            <a:r>
-              <a:rPr lang="en-US" b="1" dirty="0">
-                <a:solidFill>
-                  <a:srgbClr val="292D33"/>
-                </a:solidFill>
-                <a:latin typeface="Euclid Circular B" panose="020B0504000000000000" pitchFamily="34" charset="0"/>
-                <a:ea typeface="Euclid Circular B" panose="020B0504000000000000" pitchFamily="34" charset="0"/>
-              </a:rPr>
-              <a:t>Authorization</a:t>
-            </a:r>
-            <a:br>
-              <a:rPr lang="en-US" b="1" dirty="0">
-                <a:solidFill>
-                  <a:srgbClr val="292D33"/>
-                </a:solidFill>
-                <a:latin typeface="Euclid Circular B" panose="020B0504000000000000" pitchFamily="34" charset="0"/>
-                <a:ea typeface="Euclid Circular B" panose="020B0504000000000000" pitchFamily="34" charset="0"/>
-              </a:rPr>
-            </a:br>
-            <a:r>
-              <a:rPr lang="en-US" sz="2800" b="1" dirty="0">
-                <a:solidFill>
-                  <a:srgbClr val="292D33"/>
-                </a:solidFill>
-                <a:latin typeface="Euclid Circular B" panose="020B0504000000000000" pitchFamily="34" charset="0"/>
-                <a:ea typeface="Euclid Circular B" panose="020B0504000000000000" pitchFamily="34" charset="0"/>
-              </a:rPr>
-              <a:t>Resource based policy</a:t>
-            </a:r>
-          </a:p>
-        </p:txBody>
-      </p:sp>
-      <p:sp>
-        <p:nvSpPr>
-          <p:cNvPr id="3" name="Content Placeholder 2">
-            <a:extLst>
-              <a:ext uri="{FF2B5EF4-FFF2-40B4-BE49-F238E27FC236}">
-                <a16:creationId xmlns:a16="http://schemas.microsoft.com/office/drawing/2014/main" id="{891C7693-D3DF-4635-96F4-97F3B4136FDF}"/>
-              </a:ext>
-            </a:extLst>
-          </p:cNvPr>
-          <p:cNvSpPr>
-            <a:spLocks noGrp="1"/>
-          </p:cNvSpPr>
-          <p:nvPr>
-            <p:ph idx="1"/>
-          </p:nvPr>
-        </p:nvSpPr>
-        <p:spPr/>
-        <p:txBody>
-          <a:bodyPr/>
-          <a:lstStyle/>
-          <a:p>
-            <a:r>
-              <a:rPr lang="en-US" dirty="0">
-                <a:latin typeface="Euclid Circular B" panose="020B0504000000000000" pitchFamily="34" charset="0"/>
-                <a:ea typeface="Euclid Circular B" panose="020B0504000000000000" pitchFamily="34" charset="0"/>
-              </a:rPr>
-              <a:t>Can a </a:t>
-            </a:r>
-            <a:r>
-              <a:rPr lang="en-US" b="1" dirty="0">
-                <a:latin typeface="Euclid Circular B" panose="020B0504000000000000" pitchFamily="34" charset="0"/>
-                <a:ea typeface="Euclid Circular B" panose="020B0504000000000000" pitchFamily="34" charset="0"/>
-              </a:rPr>
-              <a:t>user or client </a:t>
-            </a:r>
-            <a:r>
-              <a:rPr lang="en-US" dirty="0">
-                <a:latin typeface="Euclid Circular B" panose="020B0504000000000000" pitchFamily="34" charset="0"/>
-                <a:ea typeface="Euclid Circular B" panose="020B0504000000000000" pitchFamily="34" charset="0"/>
-              </a:rPr>
-              <a:t>X do an </a:t>
-            </a:r>
-            <a:r>
-              <a:rPr lang="en-US" b="1" dirty="0">
-                <a:latin typeface="Euclid Circular B" panose="020B0504000000000000" pitchFamily="34" charset="0"/>
-                <a:ea typeface="Euclid Circular B" panose="020B0504000000000000" pitchFamily="34" charset="0"/>
-              </a:rPr>
-              <a:t>operation </a:t>
-            </a:r>
-            <a:r>
-              <a:rPr lang="en-US" dirty="0">
-                <a:latin typeface="Euclid Circular B" panose="020B0504000000000000" pitchFamily="34" charset="0"/>
-                <a:ea typeface="Euclid Circular B" panose="020B0504000000000000" pitchFamily="34" charset="0"/>
-              </a:rPr>
-              <a:t>Y on a </a:t>
-            </a:r>
-            <a:r>
-              <a:rPr lang="en-US" b="1" dirty="0">
-                <a:latin typeface="Euclid Circular B" panose="020B0504000000000000" pitchFamily="34" charset="0"/>
-                <a:ea typeface="Euclid Circular B" panose="020B0504000000000000" pitchFamily="34" charset="0"/>
-              </a:rPr>
-              <a:t>resource</a:t>
-            </a:r>
-            <a:r>
-              <a:rPr lang="en-US" dirty="0">
-                <a:latin typeface="Euclid Circular B" panose="020B0504000000000000" pitchFamily="34" charset="0"/>
-                <a:ea typeface="Euclid Circular B" panose="020B0504000000000000" pitchFamily="34" charset="0"/>
-              </a:rPr>
-              <a:t> Z?</a:t>
-            </a:r>
-          </a:p>
-          <a:p>
-            <a:r>
-              <a:rPr lang="en-US" dirty="0">
-                <a:latin typeface="Euclid Circular B" panose="020B0504000000000000" pitchFamily="34" charset="0"/>
-                <a:ea typeface="Euclid Circular B" panose="020B0504000000000000" pitchFamily="34" charset="0"/>
-              </a:rPr>
-              <a:t>Can </a:t>
-            </a:r>
-            <a:r>
-              <a:rPr lang="en-US" b="1" dirty="0">
-                <a:latin typeface="Euclid Circular B" panose="020B0504000000000000" pitchFamily="34" charset="0"/>
-                <a:ea typeface="Euclid Circular B" panose="020B0504000000000000" pitchFamily="34" charset="0"/>
-              </a:rPr>
-              <a:t>current user</a:t>
-            </a:r>
-            <a:r>
-              <a:rPr lang="en-US" dirty="0">
-                <a:latin typeface="Euclid Circular B" panose="020B0504000000000000" pitchFamily="34" charset="0"/>
-                <a:ea typeface="Euclid Circular B" panose="020B0504000000000000" pitchFamily="34" charset="0"/>
-              </a:rPr>
-              <a:t> (X) </a:t>
-            </a:r>
-            <a:r>
-              <a:rPr lang="en-US" b="1" dirty="0">
-                <a:latin typeface="Euclid Circular B" panose="020B0504000000000000" pitchFamily="34" charset="0"/>
-                <a:ea typeface="Euclid Circular B" panose="020B0504000000000000" pitchFamily="34" charset="0"/>
-              </a:rPr>
-              <a:t>edit</a:t>
-            </a:r>
-            <a:r>
-              <a:rPr lang="en-US" dirty="0">
-                <a:latin typeface="Euclid Circular B" panose="020B0504000000000000" pitchFamily="34" charset="0"/>
-                <a:ea typeface="Euclid Circular B" panose="020B0504000000000000" pitchFamily="34" charset="0"/>
-              </a:rPr>
-              <a:t> (Y)</a:t>
-            </a:r>
-            <a:r>
-              <a:rPr lang="en-US" b="1" dirty="0">
-                <a:latin typeface="Euclid Circular B" panose="020B0504000000000000" pitchFamily="34" charset="0"/>
-                <a:ea typeface="Euclid Circular B" panose="020B0504000000000000" pitchFamily="34" charset="0"/>
-              </a:rPr>
-              <a:t> </a:t>
-            </a:r>
-            <a:r>
-              <a:rPr lang="en-US" dirty="0">
-                <a:latin typeface="Euclid Circular B" panose="020B0504000000000000" pitchFamily="34" charset="0"/>
-                <a:ea typeface="Euclid Circular B" panose="020B0504000000000000" pitchFamily="34" charset="0"/>
-              </a:rPr>
-              <a:t>a </a:t>
-            </a:r>
-            <a:r>
-              <a:rPr lang="en-US" b="1" dirty="0">
-                <a:latin typeface="Euclid Circular B" panose="020B0504000000000000" pitchFamily="34" charset="0"/>
-                <a:ea typeface="Euclid Circular B" panose="020B0504000000000000" pitchFamily="34" charset="0"/>
-              </a:rPr>
-              <a:t>product</a:t>
-            </a:r>
-            <a:r>
-              <a:rPr lang="en-US" dirty="0">
-                <a:latin typeface="Euclid Circular B" panose="020B0504000000000000" pitchFamily="34" charset="0"/>
-                <a:ea typeface="Euclid Circular B" panose="020B0504000000000000" pitchFamily="34" charset="0"/>
-              </a:rPr>
-              <a:t> (Z)</a:t>
-            </a:r>
-            <a:r>
-              <a:rPr lang="en-US" b="1" dirty="0">
-                <a:latin typeface="Euclid Circular B" panose="020B0504000000000000" pitchFamily="34" charset="0"/>
-                <a:ea typeface="Euclid Circular B" panose="020B0504000000000000" pitchFamily="34" charset="0"/>
-              </a:rPr>
-              <a:t> </a:t>
-            </a:r>
-            <a:r>
-              <a:rPr lang="en-US" dirty="0">
-                <a:latin typeface="Euclid Circular B" panose="020B0504000000000000" pitchFamily="34" charset="0"/>
-                <a:ea typeface="Euclid Circular B" panose="020B0504000000000000" pitchFamily="34" charset="0"/>
-              </a:rPr>
-              <a:t>information?</a:t>
-            </a:r>
-          </a:p>
-          <a:p>
-            <a:pPr lvl="1"/>
-            <a:r>
-              <a:rPr lang="en-US" dirty="0">
-                <a:latin typeface="Euclid Circular B" panose="020B0504000000000000" pitchFamily="34" charset="0"/>
-                <a:ea typeface="Euclid Circular B" panose="020B0504000000000000" pitchFamily="34" charset="0"/>
-              </a:rPr>
-              <a:t>Do not allow if </a:t>
-            </a:r>
-            <a:r>
-              <a:rPr lang="en-US" b="1" dirty="0">
-                <a:latin typeface="Euclid Circular B" panose="020B0504000000000000" pitchFamily="34" charset="0"/>
-                <a:ea typeface="Euclid Circular B" panose="020B0504000000000000" pitchFamily="34" charset="0"/>
-              </a:rPr>
-              <a:t>product is locked</a:t>
-            </a:r>
-          </a:p>
-          <a:p>
-            <a:pPr lvl="1"/>
-            <a:r>
-              <a:rPr lang="en-US" dirty="0">
-                <a:latin typeface="Euclid Circular B" panose="020B0504000000000000" pitchFamily="34" charset="0"/>
-                <a:ea typeface="Euclid Circular B" panose="020B0504000000000000" pitchFamily="34" charset="0"/>
-              </a:rPr>
-              <a:t>Allow if the product was </a:t>
-            </a:r>
-            <a:r>
-              <a:rPr lang="en-US" b="1" dirty="0">
-                <a:latin typeface="Euclid Circular B" panose="020B0504000000000000" pitchFamily="34" charset="0"/>
-                <a:ea typeface="Euclid Circular B" panose="020B0504000000000000" pitchFamily="34" charset="0"/>
-              </a:rPr>
-              <a:t>created by the user</a:t>
-            </a:r>
-          </a:p>
-          <a:p>
-            <a:pPr lvl="1"/>
-            <a:r>
-              <a:rPr lang="en-US" dirty="0">
-                <a:latin typeface="Euclid Circular B" panose="020B0504000000000000" pitchFamily="34" charset="0"/>
-                <a:ea typeface="Euclid Circular B" panose="020B0504000000000000" pitchFamily="34" charset="0"/>
-              </a:rPr>
-              <a:t>Allow if the </a:t>
-            </a:r>
-            <a:r>
-              <a:rPr lang="en-US" b="1" dirty="0">
-                <a:latin typeface="Euclid Circular B" panose="020B0504000000000000" pitchFamily="34" charset="0"/>
-                <a:ea typeface="Euclid Circular B" panose="020B0504000000000000" pitchFamily="34" charset="0"/>
-              </a:rPr>
-              <a:t>user has permission </a:t>
-            </a:r>
-            <a:r>
-              <a:rPr lang="en-US" dirty="0">
-                <a:latin typeface="Euclid Circular B" panose="020B0504000000000000" pitchFamily="34" charset="0"/>
-                <a:ea typeface="Euclid Circular B" panose="020B0504000000000000" pitchFamily="34" charset="0"/>
-              </a:rPr>
-              <a:t>to edit products (permissions are managed by admin users)</a:t>
-            </a:r>
-          </a:p>
-          <a:p>
-            <a:pPr lvl="1"/>
-            <a:r>
-              <a:rPr lang="en-US" dirty="0">
-                <a:latin typeface="Euclid Circular B" panose="020B0504000000000000" pitchFamily="34" charset="0"/>
-                <a:ea typeface="Euclid Circular B" panose="020B0504000000000000" pitchFamily="34" charset="0"/>
-              </a:rPr>
-              <a:t>Allow if any of user’s </a:t>
-            </a:r>
-            <a:r>
-              <a:rPr lang="en-US" b="1" dirty="0">
-                <a:latin typeface="Euclid Circular B" panose="020B0504000000000000" pitchFamily="34" charset="0"/>
-                <a:ea typeface="Euclid Circular B" panose="020B0504000000000000" pitchFamily="34" charset="0"/>
-              </a:rPr>
-              <a:t>roles </a:t>
-            </a:r>
-            <a:r>
-              <a:rPr lang="en-US" dirty="0">
-                <a:latin typeface="Euclid Circular B" panose="020B0504000000000000" pitchFamily="34" charset="0"/>
-                <a:ea typeface="Euclid Circular B" panose="020B0504000000000000" pitchFamily="34" charset="0"/>
-              </a:rPr>
-              <a:t>has permission to edit products</a:t>
-            </a:r>
-          </a:p>
-          <a:p>
-            <a:pPr lvl="1"/>
-            <a:r>
-              <a:rPr lang="en-US" b="1" dirty="0">
-                <a:latin typeface="Euclid Circular B" panose="020B0504000000000000" pitchFamily="34" charset="0"/>
-                <a:ea typeface="Euclid Circular B" panose="020B0504000000000000" pitchFamily="34" charset="0"/>
-              </a:rPr>
-              <a:t>Only </a:t>
-            </a:r>
-            <a:r>
-              <a:rPr lang="en-US" dirty="0">
-                <a:latin typeface="Euclid Circular B" panose="020B0504000000000000" pitchFamily="34" charset="0"/>
-                <a:ea typeface="Euclid Circular B" panose="020B0504000000000000" pitchFamily="34" charset="0"/>
-              </a:rPr>
-              <a:t>allow if the user is working in the </a:t>
-            </a:r>
-            <a:r>
-              <a:rPr lang="en-US" b="1" dirty="0">
-                <a:latin typeface="Euclid Circular B" panose="020B0504000000000000" pitchFamily="34" charset="0"/>
-                <a:ea typeface="Euclid Circular B" panose="020B0504000000000000" pitchFamily="34" charset="0"/>
-              </a:rPr>
-              <a:t>department </a:t>
-            </a:r>
-            <a:r>
-              <a:rPr lang="en-US" dirty="0">
-                <a:latin typeface="Euclid Circular B" panose="020B0504000000000000" pitchFamily="34" charset="0"/>
-                <a:ea typeface="Euclid Circular B" panose="020B0504000000000000" pitchFamily="34" charset="0"/>
-              </a:rPr>
-              <a:t>the product belongs to</a:t>
-            </a:r>
-          </a:p>
-        </p:txBody>
-      </p:sp>
-    </p:spTree>
-    <p:extLst>
-      <p:ext uri="{BB962C8B-B14F-4D97-AF65-F5344CB8AC3E}">
-        <p14:creationId xmlns:p14="http://schemas.microsoft.com/office/powerpoint/2010/main" val="1762000987"/>
-      </p:ext>
-    </p:extLst>
-  </p:cSld>
-  <p:clrMapOvr>
-    <a:masterClrMapping/>
-  </p:clrMapOvr>
-  <p:timing>
-    <p:tnLst>
-      <p:par>
-        <p:cTn id="1" dur="indefinite" restart="never" nodeType="tmRoot">
-          <p:childTnLst>
-            <p:seq concurrent="1" nextAc="seek">
-              <p:cTn id="2" dur="indefinite" nodeType="mainSeq">
-                <p:childTnLst>
-                  <p:par>
-                    <p:cTn id="3" fill="hold">
-                      <p:stCondLst>
-                        <p:cond delay="indefinite"/>
-                      </p:stCondLst>
-                      <p:childTnLst>
-                        <p:par>
-                          <p:cTn id="4" fill="hold">
-                            <p:stCondLst>
-                              <p:cond delay="0"/>
-                            </p:stCondLst>
-                            <p:childTnLst>
-                              <p:par>
-                                <p:cTn id="5" presetID="10" presetClass="entr" presetSubtype="0" fill="hold" nodeType="clickEffect">
-                                  <p:stCondLst>
-                                    <p:cond delay="0"/>
-                                  </p:stCondLst>
-                                  <p:childTnLst>
-                                    <p:set>
-                                      <p:cBhvr>
-                                        <p:cTn id="6" dur="1" fill="hold">
-                                          <p:stCondLst>
-                                            <p:cond delay="0"/>
-                                          </p:stCondLst>
-                                        </p:cTn>
-                                        <p:tgtEl>
-                                          <p:spTgt spid="3">
-                                            <p:txEl>
-                                              <p:pRg st="0" end="0"/>
-                                            </p:txEl>
-                                          </p:spTgt>
-                                        </p:tgtEl>
-                                        <p:attrNameLst>
-                                          <p:attrName>style.visibility</p:attrName>
-                                        </p:attrNameLst>
-                                      </p:cBhvr>
-                                      <p:to>
-                                        <p:strVal val="visible"/>
-                                      </p:to>
-                                    </p:set>
-                                    <p:animEffect transition="in" filter="fade">
-                                      <p:cBhvr>
-                                        <p:cTn id="7" dur="500"/>
-                                        <p:tgtEl>
-                                          <p:spTgt spid="3">
-                                            <p:txEl>
-                                              <p:pRg st="0" end="0"/>
-                                            </p:txEl>
-                                          </p:spTgt>
-                                        </p:tgtEl>
-                                      </p:cBhvr>
-                                    </p:animEffect>
-                                  </p:childTnLst>
-                                </p:cTn>
-                              </p:par>
-                            </p:childTnLst>
-                          </p:cTn>
-                        </p:par>
-                      </p:childTnLst>
-                    </p:cTn>
-                  </p:par>
-                  <p:par>
-                    <p:cTn id="8" fill="hold">
-                      <p:stCondLst>
-                        <p:cond delay="indefinite"/>
-                      </p:stCondLst>
-                      <p:childTnLst>
-                        <p:par>
-                          <p:cTn id="9" fill="hold">
-                            <p:stCondLst>
-                              <p:cond delay="0"/>
-                            </p:stCondLst>
-                            <p:childTnLst>
-                              <p:par>
-                                <p:cTn id="10" presetID="10" presetClass="entr" presetSubtype="0" fill="hold" nodeType="clickEffect">
-                                  <p:stCondLst>
-                                    <p:cond delay="0"/>
-                                  </p:stCondLst>
-                                  <p:childTnLst>
-                                    <p:set>
-                                      <p:cBhvr>
-                                        <p:cTn id="11" dur="1" fill="hold">
-                                          <p:stCondLst>
-                                            <p:cond delay="0"/>
-                                          </p:stCondLst>
-                                        </p:cTn>
-                                        <p:tgtEl>
-                                          <p:spTgt spid="3">
-                                            <p:txEl>
-                                              <p:pRg st="1" end="1"/>
-                                            </p:txEl>
-                                          </p:spTgt>
-                                        </p:tgtEl>
-                                        <p:attrNameLst>
-                                          <p:attrName>style.visibility</p:attrName>
-                                        </p:attrNameLst>
-                                      </p:cBhvr>
-                                      <p:to>
-                                        <p:strVal val="visible"/>
-                                      </p:to>
-                                    </p:set>
-                                    <p:animEffect transition="in" filter="fade">
-                                      <p:cBhvr>
-                                        <p:cTn id="12" dur="500"/>
-                                        <p:tgtEl>
-                                          <p:spTgt spid="3">
-                                            <p:txEl>
-                                              <p:pRg st="1" end="1"/>
-                                            </p:txEl>
-                                          </p:spTgt>
-                                        </p:tgtEl>
-                                      </p:cBhvr>
-                                    </p:animEffect>
-                                  </p:childTnLst>
-                                </p:cTn>
-                              </p:par>
-                            </p:childTnLst>
-                          </p:cTn>
-                        </p:par>
-                      </p:childTnLst>
-                    </p:cTn>
-                  </p:par>
-                  <p:par>
-                    <p:cTn id="13" fill="hold">
-                      <p:stCondLst>
-                        <p:cond delay="indefinite"/>
-                      </p:stCondLst>
-                      <p:childTnLst>
-                        <p:par>
-                          <p:cTn id="14" fill="hold">
-                            <p:stCondLst>
-                              <p:cond delay="0"/>
-                            </p:stCondLst>
-                            <p:childTnLst>
-                              <p:par>
-                                <p:cTn id="15" presetID="10" presetClass="entr" presetSubtype="0" fill="hold" nodeType="clickEffect">
-                                  <p:stCondLst>
-                                    <p:cond delay="0"/>
-                                  </p:stCondLst>
-                                  <p:childTnLst>
-                                    <p:set>
-                                      <p:cBhvr>
-                                        <p:cTn id="16" dur="1" fill="hold">
-                                          <p:stCondLst>
-                                            <p:cond delay="0"/>
-                                          </p:stCondLst>
-                                        </p:cTn>
-                                        <p:tgtEl>
-                                          <p:spTgt spid="3">
-                                            <p:txEl>
-                                              <p:pRg st="2" end="2"/>
-                                            </p:txEl>
-                                          </p:spTgt>
-                                        </p:tgtEl>
-                                        <p:attrNameLst>
-                                          <p:attrName>style.visibility</p:attrName>
-                                        </p:attrNameLst>
-                                      </p:cBhvr>
-                                      <p:to>
-                                        <p:strVal val="visible"/>
-                                      </p:to>
-                                    </p:set>
-                                    <p:animEffect transition="in" filter="fade">
-                                      <p:cBhvr>
-                                        <p:cTn id="17" dur="500"/>
-                                        <p:tgtEl>
-                                          <p:spTgt spid="3">
-                                            <p:txEl>
-                                              <p:pRg st="2" end="2"/>
-                                            </p:txEl>
-                                          </p:spTgt>
-                                        </p:tgtEl>
-                                      </p:cBhvr>
-                                    </p:animEffect>
-                                  </p:childTnLst>
-                                </p:cTn>
-                              </p:par>
-                            </p:childTnLst>
-                          </p:cTn>
-                        </p:par>
-                      </p:childTnLst>
-                    </p:cTn>
-                  </p:par>
-                  <p:par>
-                    <p:cTn id="18" fill="hold">
-                      <p:stCondLst>
-                        <p:cond delay="indefinite"/>
-                      </p:stCondLst>
-                      <p:childTnLst>
-                        <p:par>
-                          <p:cTn id="19" fill="hold">
-                            <p:stCondLst>
-                              <p:cond delay="0"/>
-                            </p:stCondLst>
-                            <p:childTnLst>
-                              <p:par>
-                                <p:cTn id="20" presetID="10" presetClass="entr" presetSubtype="0" fill="hold" nodeType="clickEffect">
-                                  <p:stCondLst>
-                                    <p:cond delay="0"/>
-                                  </p:stCondLst>
-                                  <p:childTnLst>
-                                    <p:set>
-                                      <p:cBhvr>
-                                        <p:cTn id="21" dur="1" fill="hold">
-                                          <p:stCondLst>
-                                            <p:cond delay="0"/>
-                                          </p:stCondLst>
-                                        </p:cTn>
-                                        <p:tgtEl>
-                                          <p:spTgt spid="3">
-                                            <p:txEl>
-                                              <p:pRg st="3" end="3"/>
-                                            </p:txEl>
-                                          </p:spTgt>
-                                        </p:tgtEl>
-                                        <p:attrNameLst>
-                                          <p:attrName>style.visibility</p:attrName>
-                                        </p:attrNameLst>
-                                      </p:cBhvr>
-                                      <p:to>
-                                        <p:strVal val="visible"/>
-                                      </p:to>
-                                    </p:set>
-                                    <p:animEffect transition="in" filter="fade">
-                                      <p:cBhvr>
-                                        <p:cTn id="22" dur="500"/>
-                                        <p:tgtEl>
-                                          <p:spTgt spid="3">
-                                            <p:txEl>
-                                              <p:pRg st="3" end="3"/>
-                                            </p:txEl>
-                                          </p:spTgt>
-                                        </p:tgtEl>
-                                      </p:cBhvr>
-                                    </p:animEffect>
-                                  </p:childTnLst>
-                                </p:cTn>
-                              </p:par>
-                            </p:childTnLst>
-                          </p:cTn>
-                        </p:par>
-                      </p:childTnLst>
-                    </p:cTn>
-                  </p:par>
-                  <p:par>
-                    <p:cTn id="23" fill="hold">
-                      <p:stCondLst>
-                        <p:cond delay="indefinite"/>
-                      </p:stCondLst>
-                      <p:childTnLst>
-                        <p:par>
-                          <p:cTn id="24" fill="hold">
-                            <p:stCondLst>
-                              <p:cond delay="0"/>
-                            </p:stCondLst>
-                            <p:childTnLst>
-                              <p:par>
-                                <p:cTn id="25" presetID="10" presetClass="entr" presetSubtype="0" fill="hold" nodeType="clickEffect">
-                                  <p:stCondLst>
-                                    <p:cond delay="0"/>
-                                  </p:stCondLst>
-                                  <p:childTnLst>
-                                    <p:set>
-                                      <p:cBhvr>
-                                        <p:cTn id="26" dur="1" fill="hold">
-                                          <p:stCondLst>
-                                            <p:cond delay="0"/>
-                                          </p:stCondLst>
-                                        </p:cTn>
-                                        <p:tgtEl>
-                                          <p:spTgt spid="3">
-                                            <p:txEl>
-                                              <p:pRg st="4" end="4"/>
-                                            </p:txEl>
-                                          </p:spTgt>
-                                        </p:tgtEl>
-                                        <p:attrNameLst>
-                                          <p:attrName>style.visibility</p:attrName>
-                                        </p:attrNameLst>
-                                      </p:cBhvr>
-                                      <p:to>
-                                        <p:strVal val="visible"/>
-                                      </p:to>
-                                    </p:set>
-                                    <p:animEffect transition="in" filter="fade">
-                                      <p:cBhvr>
-                                        <p:cTn id="27" dur="500"/>
-                                        <p:tgtEl>
-                                          <p:spTgt spid="3">
-                                            <p:txEl>
-                                              <p:pRg st="4" end="4"/>
-                                            </p:txEl>
-                                          </p:spTgt>
-                                        </p:tgtEl>
-                                      </p:cBhvr>
-                                    </p:animEffect>
-                                  </p:childTnLst>
-                                </p:cTn>
-                              </p:par>
-                            </p:childTnLst>
-                          </p:cTn>
-                        </p:par>
-                      </p:childTnLst>
-                    </p:cTn>
-                  </p:par>
-                  <p:par>
-                    <p:cTn id="28" fill="hold">
-                      <p:stCondLst>
-                        <p:cond delay="indefinite"/>
-                      </p:stCondLst>
-                      <p:childTnLst>
-                        <p:par>
-                          <p:cTn id="29" fill="hold">
-                            <p:stCondLst>
-                              <p:cond delay="0"/>
-                            </p:stCondLst>
-                            <p:childTnLst>
-                              <p:par>
-                                <p:cTn id="30" presetID="10" presetClass="entr" presetSubtype="0" fill="hold" nodeType="clickEffect">
-                                  <p:stCondLst>
-                                    <p:cond delay="0"/>
-                                  </p:stCondLst>
-                                  <p:childTnLst>
-                                    <p:set>
-                                      <p:cBhvr>
-                                        <p:cTn id="31" dur="1" fill="hold">
-                                          <p:stCondLst>
-                                            <p:cond delay="0"/>
-                                          </p:stCondLst>
-                                        </p:cTn>
-                                        <p:tgtEl>
-                                          <p:spTgt spid="3">
-                                            <p:txEl>
-                                              <p:pRg st="5" end="5"/>
-                                            </p:txEl>
-                                          </p:spTgt>
-                                        </p:tgtEl>
-                                        <p:attrNameLst>
-                                          <p:attrName>style.visibility</p:attrName>
-                                        </p:attrNameLst>
-                                      </p:cBhvr>
-                                      <p:to>
-                                        <p:strVal val="visible"/>
-                                      </p:to>
-                                    </p:set>
-                                    <p:animEffect transition="in" filter="fade">
-                                      <p:cBhvr>
-                                        <p:cTn id="32" dur="500"/>
-                                        <p:tgtEl>
-                                          <p:spTgt spid="3">
-                                            <p:txEl>
-                                              <p:pRg st="5" end="5"/>
-                                            </p:txEl>
-                                          </p:spTgt>
-                                        </p:tgtEl>
-                                      </p:cBhvr>
-                                    </p:animEffect>
-                                  </p:childTnLst>
-                                </p:cTn>
-                              </p:par>
-                            </p:childTnLst>
-                          </p:cTn>
-                        </p:par>
-                      </p:childTnLst>
-                    </p:cTn>
-                  </p:par>
-                  <p:par>
-                    <p:cTn id="33" fill="hold">
-                      <p:stCondLst>
-                        <p:cond delay="indefinite"/>
-                      </p:stCondLst>
-                      <p:childTnLst>
-                        <p:par>
-                          <p:cTn id="34" fill="hold">
-                            <p:stCondLst>
-                              <p:cond delay="0"/>
-                            </p:stCondLst>
-                            <p:childTnLst>
-                              <p:par>
-                                <p:cTn id="35" presetID="10" presetClass="entr" presetSubtype="0" fill="hold" nodeType="clickEffect">
-                                  <p:stCondLst>
-                                    <p:cond delay="0"/>
-                                  </p:stCondLst>
-                                  <p:childTnLst>
-                                    <p:set>
-                                      <p:cBhvr>
-                                        <p:cTn id="36" dur="1" fill="hold">
-                                          <p:stCondLst>
-                                            <p:cond delay="0"/>
-                                          </p:stCondLst>
-                                        </p:cTn>
-                                        <p:tgtEl>
-                                          <p:spTgt spid="3">
-                                            <p:txEl>
-                                              <p:pRg st="6" end="6"/>
-                                            </p:txEl>
-                                          </p:spTgt>
-                                        </p:tgtEl>
-                                        <p:attrNameLst>
-                                          <p:attrName>style.visibility</p:attrName>
-                                        </p:attrNameLst>
-                                      </p:cBhvr>
-                                      <p:to>
-                                        <p:strVal val="visible"/>
-                                      </p:to>
-                                    </p:set>
-                                    <p:animEffect transition="in" filter="fade">
-                                      <p:cBhvr>
-                                        <p:cTn id="37" dur="500"/>
                                         <p:tgtEl>
                                           <p:spTgt spid="3">
                                             <p:txEl>
@@ -18543,7 +22204,7 @@
                 <a:latin typeface="Euclid Circular B" panose="020B0504000000000000" pitchFamily="34" charset="0"/>
                 <a:ea typeface="Euclid Circular B" panose="020B0504000000000000" pitchFamily="34" charset="0"/>
               </a:rPr>
-              <a:t>Components</a:t>
+              <a:t>Resource based policy</a:t>
             </a:r>
           </a:p>
         </p:txBody>
@@ -18566,47 +22227,136 @@
         </p:nvSpPr>
         <p:spPr/>
         <p:txBody>
-          <a:bodyPr>
-            <a:normAutofit fontScale="85000" lnSpcReduction="20000"/>
-          </a:bodyPr>
+          <a:bodyPr/>
           <a:lstStyle/>
           <a:p>
             <a:r>
+              <a:rPr lang="en-US" dirty="0">
+                <a:latin typeface="Euclid Circular B" panose="020B0504000000000000" pitchFamily="34" charset="0"/>
+                <a:ea typeface="Euclid Circular B" panose="020B0504000000000000" pitchFamily="34" charset="0"/>
+              </a:rPr>
+              <a:t>Can a </a:t>
+            </a:r>
+            <a:r>
               <a:rPr lang="en-US" b="1" dirty="0">
                 <a:latin typeface="Euclid Circular B" panose="020B0504000000000000" pitchFamily="34" charset="0"/>
                 <a:ea typeface="Euclid Circular B" panose="020B0504000000000000" pitchFamily="34" charset="0"/>
               </a:rPr>
-              <a:t>Where </a:t>
+              <a:t>user or client </a:t>
             </a:r>
             <a:r>
               <a:rPr lang="en-US" dirty="0">
                 <a:latin typeface="Euclid Circular B" panose="020B0504000000000000" pitchFamily="34" charset="0"/>
                 <a:ea typeface="Euclid Circular B" panose="020B0504000000000000" pitchFamily="34" charset="0"/>
               </a:rPr>
-              <a:t>to force authorization?</a:t>
-            </a:r>
-            <a:br>
+              <a:t>X do an </a:t>
+            </a:r>
+            <a:r>
+              <a:rPr lang="en-US" b="1" dirty="0">
+                <a:latin typeface="Euclid Circular B" panose="020B0504000000000000" pitchFamily="34" charset="0"/>
+                <a:ea typeface="Euclid Circular B" panose="020B0504000000000000" pitchFamily="34" charset="0"/>
+              </a:rPr>
+              <a:t>operation </a:t>
+            </a:r>
+            <a:r>
               <a:rPr lang="en-US" dirty="0">
                 <a:latin typeface="Euclid Circular B" panose="020B0504000000000000" pitchFamily="34" charset="0"/>
                 <a:ea typeface="Euclid Circular B" panose="020B0504000000000000" pitchFamily="34" charset="0"/>
               </a:rPr>
-            </a:br>
-            <a:r>
-              <a:rPr lang="en-US" b="1" i="1" dirty="0">
-                <a:solidFill>
-                  <a:srgbClr val="0070C0"/>
-                </a:solidFill>
-                <a:latin typeface="Euclid Circular B" panose="020B0504000000000000" pitchFamily="34" charset="0"/>
-                <a:ea typeface="Euclid Circular B" panose="020B0504000000000000" pitchFamily="34" charset="0"/>
-              </a:rPr>
-              <a:t>PEP</a:t>
-            </a:r>
-            <a:r>
-              <a:rPr lang="en-US" i="1" dirty="0">
-                <a:latin typeface="Euclid Circular B" panose="020B0504000000000000" pitchFamily="34" charset="0"/>
-                <a:ea typeface="Euclid Circular B" panose="020B0504000000000000" pitchFamily="34" charset="0"/>
-              </a:rPr>
-              <a:t>: Policy Enforcement Point</a:t>
+              <a:t>Y on a </a:t>
+            </a:r>
+            <a:r>
+              <a:rPr lang="en-US" b="1" dirty="0">
+                <a:latin typeface="Euclid Circular B" panose="020B0504000000000000" pitchFamily="34" charset="0"/>
+                <a:ea typeface="Euclid Circular B" panose="020B0504000000000000" pitchFamily="34" charset="0"/>
+              </a:rPr>
+              <a:t>resource</a:t>
+            </a:r>
+            <a:r>
+              <a:rPr lang="en-US" dirty="0">
+                <a:latin typeface="Euclid Circular B" panose="020B0504000000000000" pitchFamily="34" charset="0"/>
+                <a:ea typeface="Euclid Circular B" panose="020B0504000000000000" pitchFamily="34" charset="0"/>
+              </a:rPr>
+              <a:t> Z?</a:t>
+            </a:r>
+          </a:p>
+          <a:p>
+            <a:r>
+              <a:rPr lang="en-US" dirty="0">
+                <a:latin typeface="Euclid Circular B" panose="020B0504000000000000" pitchFamily="34" charset="0"/>
+                <a:ea typeface="Euclid Circular B" panose="020B0504000000000000" pitchFamily="34" charset="0"/>
+              </a:rPr>
+              <a:t>Can </a:t>
+            </a:r>
+            <a:r>
+              <a:rPr lang="en-US" b="1" dirty="0">
+                <a:latin typeface="Euclid Circular B" panose="020B0504000000000000" pitchFamily="34" charset="0"/>
+                <a:ea typeface="Euclid Circular B" panose="020B0504000000000000" pitchFamily="34" charset="0"/>
+              </a:rPr>
+              <a:t>current user</a:t>
+            </a:r>
+            <a:r>
+              <a:rPr lang="en-US" dirty="0">
+                <a:latin typeface="Euclid Circular B" panose="020B0504000000000000" pitchFamily="34" charset="0"/>
+                <a:ea typeface="Euclid Circular B" panose="020B0504000000000000" pitchFamily="34" charset="0"/>
+              </a:rPr>
+              <a:t> (X) </a:t>
+            </a:r>
+            <a:r>
+              <a:rPr lang="en-US" b="1" dirty="0">
+                <a:latin typeface="Euclid Circular B" panose="020B0504000000000000" pitchFamily="34" charset="0"/>
+                <a:ea typeface="Euclid Circular B" panose="020B0504000000000000" pitchFamily="34" charset="0"/>
+              </a:rPr>
+              <a:t>edit</a:t>
+            </a:r>
+            <a:r>
+              <a:rPr lang="en-US" dirty="0">
+                <a:latin typeface="Euclid Circular B" panose="020B0504000000000000" pitchFamily="34" charset="0"/>
+                <a:ea typeface="Euclid Circular B" panose="020B0504000000000000" pitchFamily="34" charset="0"/>
+              </a:rPr>
+              <a:t> (Y)</a:t>
+            </a:r>
+            <a:r>
+              <a:rPr lang="en-US" b="1" dirty="0">
+                <a:latin typeface="Euclid Circular B" panose="020B0504000000000000" pitchFamily="34" charset="0"/>
+                <a:ea typeface="Euclid Circular B" panose="020B0504000000000000" pitchFamily="34" charset="0"/>
+              </a:rPr>
+              <a:t> </a:t>
+            </a:r>
+            <a:r>
+              <a:rPr lang="en-US" dirty="0">
+                <a:latin typeface="Euclid Circular B" panose="020B0504000000000000" pitchFamily="34" charset="0"/>
+                <a:ea typeface="Euclid Circular B" panose="020B0504000000000000" pitchFamily="34" charset="0"/>
+              </a:rPr>
+              <a:t>a </a:t>
+            </a:r>
+            <a:r>
+              <a:rPr lang="en-US" b="1" dirty="0">
+                <a:latin typeface="Euclid Circular B" panose="020B0504000000000000" pitchFamily="34" charset="0"/>
+                <a:ea typeface="Euclid Circular B" panose="020B0504000000000000" pitchFamily="34" charset="0"/>
+              </a:rPr>
+              <a:t>product</a:t>
+            </a:r>
+            <a:r>
+              <a:rPr lang="en-US" dirty="0">
+                <a:latin typeface="Euclid Circular B" panose="020B0504000000000000" pitchFamily="34" charset="0"/>
+                <a:ea typeface="Euclid Circular B" panose="020B0504000000000000" pitchFamily="34" charset="0"/>
+              </a:rPr>
+              <a:t> (Z)</a:t>
+            </a:r>
+            <a:r>
+              <a:rPr lang="en-US" b="1" dirty="0">
+                <a:latin typeface="Euclid Circular B" panose="020B0504000000000000" pitchFamily="34" charset="0"/>
+                <a:ea typeface="Euclid Circular B" panose="020B0504000000000000" pitchFamily="34" charset="0"/>
+              </a:rPr>
+              <a:t> </a:t>
+            </a:r>
+            <a:r>
+              <a:rPr lang="en-US" dirty="0">
+                <a:latin typeface="Euclid Circular B" panose="020B0504000000000000" pitchFamily="34" charset="0"/>
+                <a:ea typeface="Euclid Circular B" panose="020B0504000000000000" pitchFamily="34" charset="0"/>
+              </a:rPr>
+              <a:t>information?</a:t>
             </a:r>
           </a:p>
           <a:p>
@@ -18616,56 +22366,55 @@
                 <a:latin typeface="Euclid Circular B" panose="020B0504000000000000" pitchFamily="34" charset="0"/>
                 <a:ea typeface="Euclid Circular B" panose="020B0504000000000000" pitchFamily="34" charset="0"/>
               </a:rPr>
-              <a:t>In the API Gateway? In the current service?</a:t>
-            </a:r>
-            <a:br>
-              <a:rPr lang="en-US" i="1" dirty="0">
-                <a:latin typeface="Euclid Circular B" panose="020B0504000000000000" pitchFamily="34" charset="0"/>
-                <a:ea typeface="Euclid Circular B" panose="020B0504000000000000" pitchFamily="34" charset="0"/>
-              </a:rPr>
-            </a:br>
-            <a:endParaRPr lang="en-US" i="1" dirty="0">
-              <a:latin typeface="Euclid Circular B" panose="020B0504000000000000" pitchFamily="34" charset="0"/>
-              <a:ea typeface="Euclid Circular B" panose="020B0504000000000000" pitchFamily="34" charset="0"/>
-            </a:endParaRPr>
-          </a:p>
-          <a:p>
+              <a:t>Do not allow if </a:t>
+            </a:r>
             <a:r>
               <a:rPr lang="en-US" b="1" dirty="0">
                 <a:latin typeface="Euclid Circular B" panose="020B0504000000000000" pitchFamily="34" charset="0"/>
                 <a:ea typeface="Euclid Circular B" panose="020B0504000000000000" pitchFamily="34" charset="0"/>
               </a:rPr>
-              <a:t>Where </a:t>
-            </a:r>
+              <a:t>product is locked</a:t>
+            </a:r>
+          </a:p>
+          <a:p>
+            <a:pPr lvl="1"/>
             <a:r>
               <a:rPr lang="en-US" dirty="0">
                 <a:latin typeface="Euclid Circular B" panose="020B0504000000000000" pitchFamily="34" charset="0"/>
                 <a:ea typeface="Euclid Circular B" panose="020B0504000000000000" pitchFamily="34" charset="0"/>
               </a:rPr>
-              <a:t>to perform the authorization logic?</a:t>
-            </a:r>
-            <a:br>
+              <a:t>Allow if the product was </a:t>
+            </a:r>
+            <a:r>
+              <a:rPr lang="en-US" b="1" dirty="0">
+                <a:latin typeface="Euclid Circular B" panose="020B0504000000000000" pitchFamily="34" charset="0"/>
+                <a:ea typeface="Euclid Circular B" panose="020B0504000000000000" pitchFamily="34" charset="0"/>
+              </a:rPr>
+              <a:t>created by the user</a:t>
+            </a:r>
+          </a:p>
+          <a:p>
+            <a:pPr lvl="1"/>
+            <a:r>
               <a:rPr lang="en-US" dirty="0">
                 <a:latin typeface="Euclid Circular B" panose="020B0504000000000000" pitchFamily="34" charset="0"/>
                 <a:ea typeface="Euclid Circular B" panose="020B0504000000000000" pitchFamily="34" charset="0"/>
               </a:rPr>
-            </a:br>
-            <a:r>
-              <a:rPr lang="en-US" b="1" i="1" dirty="0">
-                <a:solidFill>
-                  <a:srgbClr val="0070C0"/>
-                </a:solidFill>
-                <a:latin typeface="Euclid Circular B" panose="020B0504000000000000" pitchFamily="34" charset="0"/>
-                <a:ea typeface="Euclid Circular B" panose="020B0504000000000000" pitchFamily="34" charset="0"/>
-              </a:rPr>
-              <a:t>PDP</a:t>
-            </a:r>
-            <a:r>
-              <a:rPr lang="en-US" i="1" dirty="0">
-                <a:latin typeface="Euclid Circular B" panose="020B0504000000000000" pitchFamily="34" charset="0"/>
-                <a:ea typeface="Euclid Circular B" panose="020B0504000000000000" pitchFamily="34" charset="0"/>
-              </a:rPr>
-              <a:t>: Policy Decision Point</a:t>
+              <a:t>Allow if the </a:t>
+            </a:r>
+            <a:r>
+              <a:rPr lang="en-US" b="1" dirty="0">
+                <a:latin typeface="Euclid Circular B" panose="020B0504000000000000" pitchFamily="34" charset="0"/>
+                <a:ea typeface="Euclid Circular B" panose="020B0504000000000000" pitchFamily="34" charset="0"/>
+              </a:rPr>
+              <a:t>user has permission </a:t>
+            </a:r>
+            <a:r>
+              <a:rPr lang="en-US" dirty="0">
+                <a:latin typeface="Euclid Circular B" panose="020B0504000000000000" pitchFamily="34" charset="0"/>
+                <a:ea typeface="Euclid Circular B" panose="020B0504000000000000" pitchFamily="34" charset="0"/>
+              </a:rPr>
+              <a:t>to edit products (permissions are managed by admin users)</a:t>
             </a:r>
           </a:p>
           <a:p>
@@ -18675,167 +22424,52 @@
                 <a:latin typeface="Euclid Circular B" panose="020B0504000000000000" pitchFamily="34" charset="0"/>
                 <a:ea typeface="Euclid Circular B" panose="020B0504000000000000" pitchFamily="34" charset="0"/>
               </a:rPr>
-              <a:t>In the current process? In a dedicated service?</a:t>
-            </a:r>
-            <a:br>
+              <a:t>Allow if any of user’s </a:t>
+            </a:r>
+            <a:r>
+              <a:rPr lang="en-US" b="1" dirty="0">
+                <a:latin typeface="Euclid Circular B" panose="020B0504000000000000" pitchFamily="34" charset="0"/>
+                <a:ea typeface="Euclid Circular B" panose="020B0504000000000000" pitchFamily="34" charset="0"/>
+              </a:rPr>
+              <a:t>roles </a:t>
+            </a:r>
+            <a:r>
               <a:rPr lang="en-US" dirty="0">
                 <a:latin typeface="Euclid Circular B" panose="020B0504000000000000" pitchFamily="34" charset="0"/>
                 <a:ea typeface="Euclid Circular B" panose="020B0504000000000000" pitchFamily="34" charset="0"/>
               </a:rPr>
-            </a:br>
-            <a:endParaRPr lang="en-US" dirty="0">
-              <a:latin typeface="Euclid Circular B" panose="020B0504000000000000" pitchFamily="34" charset="0"/>
-              <a:ea typeface="Euclid Circular B" panose="020B0504000000000000" pitchFamily="34" charset="0"/>
-            </a:endParaRPr>
-          </a:p>
-          <a:p>
+              <a:t>has permission to edit products</a:t>
+            </a:r>
+          </a:p>
+          <a:p>
+            <a:pPr lvl="1"/>
             <a:r>
               <a:rPr lang="en-US" b="1" dirty="0">
                 <a:latin typeface="Euclid Circular B" panose="020B0504000000000000" pitchFamily="34" charset="0"/>
                 <a:ea typeface="Euclid Circular B" panose="020B0504000000000000" pitchFamily="34" charset="0"/>
               </a:rPr>
-              <a:t>Where </a:t>
+              <a:t>Only </a:t>
             </a:r>
             <a:r>
               <a:rPr lang="en-US" dirty="0">
                 <a:latin typeface="Euclid Circular B" panose="020B0504000000000000" pitchFamily="34" charset="0"/>
                 <a:ea typeface="Euclid Circular B" panose="020B0504000000000000" pitchFamily="34" charset="0"/>
               </a:rPr>
-              <a:t>and </a:t>
+              <a:t>allow if the user is working in the </a:t>
             </a:r>
             <a:r>
               <a:rPr lang="en-US" b="1" dirty="0">
                 <a:latin typeface="Euclid Circular B" panose="020B0504000000000000" pitchFamily="34" charset="0"/>
                 <a:ea typeface="Euclid Circular B" panose="020B0504000000000000" pitchFamily="34" charset="0"/>
               </a:rPr>
-              <a:t>how </a:t>
+              <a:t>department </a:t>
             </a:r>
             <a:r>
               <a:rPr lang="en-US" dirty="0">
                 <a:latin typeface="Euclid Circular B" panose="020B0504000000000000" pitchFamily="34" charset="0"/>
                 <a:ea typeface="Euclid Circular B" panose="020B0504000000000000" pitchFamily="34" charset="0"/>
               </a:rPr>
-              <a:t>to </a:t>
-            </a:r>
-            <a:r>
-              <a:rPr lang="en-US" b="1" dirty="0">
-                <a:latin typeface="Euclid Circular B" panose="020B0504000000000000" pitchFamily="34" charset="0"/>
-                <a:ea typeface="Euclid Circular B" panose="020B0504000000000000" pitchFamily="34" charset="0"/>
-              </a:rPr>
-              <a:t>obtain the data </a:t>
-            </a:r>
-            <a:r>
-              <a:rPr lang="en-US" dirty="0">
-                <a:latin typeface="Euclid Circular B" panose="020B0504000000000000" pitchFamily="34" charset="0"/>
-                <a:ea typeface="Euclid Circular B" panose="020B0504000000000000" pitchFamily="34" charset="0"/>
-              </a:rPr>
-              <a:t>to perform the authorization logic?</a:t>
-            </a:r>
-            <a:br>
-              <a:rPr lang="en-US" dirty="0">
-                <a:latin typeface="Euclid Circular B" panose="020B0504000000000000" pitchFamily="34" charset="0"/>
-                <a:ea typeface="Euclid Circular B" panose="020B0504000000000000" pitchFamily="34" charset="0"/>
-              </a:rPr>
-            </a:br>
-            <a:r>
-              <a:rPr lang="en-US" b="1" i="1" dirty="0">
-                <a:solidFill>
-                  <a:srgbClr val="0070C0"/>
-                </a:solidFill>
-                <a:latin typeface="Euclid Circular B" panose="020B0504000000000000" pitchFamily="34" charset="0"/>
-                <a:ea typeface="Euclid Circular B" panose="020B0504000000000000" pitchFamily="34" charset="0"/>
-              </a:rPr>
-              <a:t>PIP</a:t>
-            </a:r>
-            <a:r>
-              <a:rPr lang="en-US" i="1" dirty="0">
-                <a:latin typeface="Euclid Circular B" panose="020B0504000000000000" pitchFamily="34" charset="0"/>
-                <a:ea typeface="Euclid Circular B" panose="020B0504000000000000" pitchFamily="34" charset="0"/>
-              </a:rPr>
-              <a:t>: Policy Information Point</a:t>
-            </a:r>
-          </a:p>
-          <a:p>
-            <a:pPr lvl="1"/>
-            <a:r>
-              <a:rPr lang="en-US" dirty="0">
-                <a:latin typeface="Euclid Circular B" panose="020B0504000000000000" pitchFamily="34" charset="0"/>
-                <a:ea typeface="Euclid Circular B" panose="020B0504000000000000" pitchFamily="34" charset="0"/>
-              </a:rPr>
-              <a:t>Direct database access? Collect on-demand? Pre-duplicate?</a:t>
-            </a:r>
-            <a:br>
-              <a:rPr lang="en-US" dirty="0">
-                <a:latin typeface="Euclid Circular B" panose="020B0504000000000000" pitchFamily="34" charset="0"/>
-                <a:ea typeface="Euclid Circular B" panose="020B0504000000000000" pitchFamily="34" charset="0"/>
-              </a:rPr>
-            </a:br>
-            <a:endParaRPr lang="en-US" dirty="0">
-              <a:latin typeface="Euclid Circular B" panose="020B0504000000000000" pitchFamily="34" charset="0"/>
-              <a:ea typeface="Euclid Circular B" panose="020B0504000000000000" pitchFamily="34" charset="0"/>
-            </a:endParaRPr>
-          </a:p>
-          <a:p>
-            <a:r>
-              <a:rPr lang="en-US" b="1" dirty="0">
-                <a:latin typeface="Euclid Circular B" panose="020B0504000000000000" pitchFamily="34" charset="0"/>
-                <a:ea typeface="Euclid Circular B" panose="020B0504000000000000" pitchFamily="34" charset="0"/>
-              </a:rPr>
-              <a:t>Where </a:t>
-            </a:r>
-            <a:r>
-              <a:rPr lang="en-US" dirty="0">
-                <a:latin typeface="Euclid Circular B" panose="020B0504000000000000" pitchFamily="34" charset="0"/>
-                <a:ea typeface="Euclid Circular B" panose="020B0504000000000000" pitchFamily="34" charset="0"/>
-              </a:rPr>
-              <a:t>and </a:t>
-            </a:r>
-            <a:r>
-              <a:rPr lang="en-US" b="1" dirty="0">
-                <a:latin typeface="Euclid Circular B" panose="020B0504000000000000" pitchFamily="34" charset="0"/>
-                <a:ea typeface="Euclid Circular B" panose="020B0504000000000000" pitchFamily="34" charset="0"/>
-              </a:rPr>
-              <a:t>how </a:t>
-            </a:r>
-            <a:r>
-              <a:rPr lang="en-US" dirty="0">
-                <a:latin typeface="Euclid Circular B" panose="020B0504000000000000" pitchFamily="34" charset="0"/>
-                <a:ea typeface="Euclid Circular B" panose="020B0504000000000000" pitchFamily="34" charset="0"/>
-              </a:rPr>
-              <a:t>to manage policies and permissions?</a:t>
-            </a:r>
-            <a:br>
-              <a:rPr lang="en-US" dirty="0">
-                <a:latin typeface="Euclid Circular B" panose="020B0504000000000000" pitchFamily="34" charset="0"/>
-                <a:ea typeface="Euclid Circular B" panose="020B0504000000000000" pitchFamily="34" charset="0"/>
-              </a:rPr>
-            </a:br>
-            <a:r>
-              <a:rPr lang="en-US" b="1" i="1" dirty="0">
-                <a:solidFill>
-                  <a:srgbClr val="0070C0"/>
-                </a:solidFill>
-                <a:latin typeface="Euclid Circular B" panose="020B0504000000000000" pitchFamily="34" charset="0"/>
-                <a:ea typeface="Euclid Circular B" panose="020B0504000000000000" pitchFamily="34" charset="0"/>
-              </a:rPr>
-              <a:t>PAP</a:t>
-            </a:r>
-            <a:r>
-              <a:rPr lang="en-US" i="1" dirty="0">
-                <a:latin typeface="Euclid Circular B" panose="020B0504000000000000" pitchFamily="34" charset="0"/>
-                <a:ea typeface="Euclid Circular B" panose="020B0504000000000000" pitchFamily="34" charset="0"/>
-              </a:rPr>
-              <a:t>: Policy Administration Point</a:t>
-            </a:r>
-          </a:p>
-          <a:p>
-            <a:pPr lvl="1"/>
-            <a:r>
-              <a:rPr lang="en-US" dirty="0">
-                <a:latin typeface="Euclid Circular B" panose="020B0504000000000000" pitchFamily="34" charset="0"/>
-                <a:ea typeface="Euclid Circular B" panose="020B0504000000000000" pitchFamily="34" charset="0"/>
-              </a:rPr>
-              <a:t>Typically, on a user interface</a:t>
+              <a:t>the product belongs to</a:t>
             </a:r>
           </a:p>
         </p:txBody>
@@ -18843,7 +22477,7 @@
     </p:spTree>
     <p:extLst>
       <p:ext uri="{BB962C8B-B14F-4D97-AF65-F5344CB8AC3E}">
-        <p14:creationId xmlns:p14="http://schemas.microsoft.com/office/powerpoint/2010/main" val="1041851902"/>
+        <p14:creationId xmlns:p14="http://schemas.microsoft.com/office/powerpoint/2010/main" val="1762000987"/>
       </p:ext>
     </p:extLst>
   </p:cSld>
@@ -19271,67 +22905,6 @@
                                           <p:spTgt spid="3">
                                             <p:txEl>
                                               <p:pRg st="6" end="6"/>
-                                            </p:txEl>
-                                          </p:spTgt>
-                                        </p:tgtEl>
-                                      </p:cBhvr>
-                                    </p:animEffect>
-                                  </p:childTnLst>
-                                </p:cTn>
-                              </p:par>
-                            </p:childTnLst>
-                          </p:cTn>
-                        </p:par>
-                      </p:childTnLst>
-                    </p:cTn>
-                  </p:par>
-                  <p:par>
-                    <p:cTn id="38" fill="hold">
-                      <p:stCondLst>
-                        <p:cond delay="indefinite"/>
-                      </p:stCondLst>
-                      <p:childTnLst>
-                        <p:par>
-                          <p:cTn id="39" fill="hold">
-                            <p:stCondLst>
-                              <p:cond delay="0"/>
-                            </p:stCondLst>
-                            <p:childTnLst>
-                              <p:par>
-                                <p:cTn id="40" presetID="10" presetClass="entr" presetSubtype="0" fill="hold" nodeType="clickEffect">
-                                  <p:stCondLst>
-                                    <p:cond delay="0"/>
-                                  </p:stCondLst>
-                                  <p:childTnLst>
-                                    <p:set>
-                                      <p:cBhvr>
-                                        <p:cTn id="41" dur="1" fill="hold">
-                                          <p:stCondLst>
-                                            <p:cond delay="0"/>
-                                          </p:stCondLst>
-                                        </p:cTn>
-                                        <p:tgtEl>
-                                          <p:spTgt spid="3">
-                                            <p:txEl>
-                                              <p:pRg st="7" end="7"/>
-                                            </p:txEl>
-                                          </p:spTgt>
-                                        </p:tgtEl>
-                                        <p:attrNameLst>
-                                          <p:attrName>style.visibility</p:attrName>
-                                        </p:attrNameLst>
-                                      </p:cBhvr>
-                                      <p:to>
-                                        <p:strVal val="visible"/>
-                                      </p:to>
-                                    </p:set>
-                                    <p:animEffect transition="in" filter="fade">
-                                      <p:cBhvr>
-                                        <p:cTn id="42" dur="500"/>
-                                        <p:tgtEl>
-                                          <p:spTgt spid="3">
-                                            <p:txEl>
-                                              <p:pRg st="7" end="7"/>
                                             </p:txEl>
                                           </p:spTgt>
                                         </p:tgtEl>
@@ -19404,106 +22977,877 @@
       </p:grpSpPr>
       <p:sp>
         <p:nvSpPr>
-          <p:cNvPr id="7" name="TextBox 6">
+          <p:cNvPr id="2" name="Title 1">
             <a:extLst>
               <a:ext uri="{FF2B5EF4-FFF2-40B4-BE49-F238E27FC236}">
-                <a16:creationId xmlns:a16="http://schemas.microsoft.com/office/drawing/2014/main" id="{5677B458-ABFA-5D96-E109-6A527F54D9A2}"/>
+                <a16:creationId xmlns:a16="http://schemas.microsoft.com/office/drawing/2014/main" id="{55E11F08-6CA0-48F1-AD67-97430DDA07F0}"/>
               </a:ext>
             </a:extLst>
           </p:cNvPr>
-          <p:cNvSpPr txBox="1"/>
-          <p:nvPr/>
+          <p:cNvSpPr>
+            <a:spLocks noGrp="1"/>
+          </p:cNvSpPr>
+          <p:nvPr>
+            <p:ph type="title"/>
+          </p:nvPr>
         </p:nvSpPr>
-        <p:spPr>
-          <a:xfrm>
-            <a:off x="1291472" y="6481738"/>
-            <a:ext cx="10369484" cy="338554"/>
-          </a:xfrm>
-          <a:prstGeom prst="rect">
-            <a:avLst/>
-          </a:prstGeom>
-          <a:noFill/>
-        </p:spPr>
+        <p:spPr/>
         <p:txBody>
-          <a:bodyPr wrap="square">
-            <a:spAutoFit/>
+          <a:bodyPr/>
+          <a:lstStyle/>
+          <a:p>
+            <a:r>
+              <a:rPr lang="en-US" b="1" dirty="0">
+                <a:solidFill>
+                  <a:srgbClr val="292D33"/>
+                </a:solidFill>
+                <a:latin typeface="Euclid Circular B" panose="020B0504000000000000" pitchFamily="34" charset="0"/>
+                <a:ea typeface="Euclid Circular B" panose="020B0504000000000000" pitchFamily="34" charset="0"/>
+              </a:rPr>
+              <a:t>Authorization</a:t>
+            </a:r>
+            <a:br>
+              <a:rPr lang="en-US" b="1" dirty="0">
+                <a:solidFill>
+                  <a:srgbClr val="292D33"/>
+                </a:solidFill>
+                <a:latin typeface="Euclid Circular B" panose="020B0504000000000000" pitchFamily="34" charset="0"/>
+                <a:ea typeface="Euclid Circular B" panose="020B0504000000000000" pitchFamily="34" charset="0"/>
+              </a:rPr>
+            </a:br>
+            <a:r>
+              <a:rPr lang="en-US" sz="2800" b="1" dirty="0">
+                <a:solidFill>
+                  <a:srgbClr val="292D33"/>
+                </a:solidFill>
+                <a:latin typeface="Euclid Circular B" panose="020B0504000000000000" pitchFamily="34" charset="0"/>
+                <a:ea typeface="Euclid Circular B" panose="020B0504000000000000" pitchFamily="34" charset="0"/>
+              </a:rPr>
+              <a:t>Components</a:t>
+            </a:r>
+          </a:p>
+        </p:txBody>
+      </p:sp>
+      <p:sp>
+        <p:nvSpPr>
+          <p:cNvPr id="3" name="Content Placeholder 2">
+            <a:extLst>
+              <a:ext uri="{FF2B5EF4-FFF2-40B4-BE49-F238E27FC236}">
+                <a16:creationId xmlns:a16="http://schemas.microsoft.com/office/drawing/2014/main" id="{891C7693-D3DF-4635-96F4-97F3B4136FDF}"/>
+              </a:ext>
+            </a:extLst>
+          </p:cNvPr>
+          <p:cNvSpPr>
+            <a:spLocks noGrp="1"/>
+          </p:cNvSpPr>
+          <p:nvPr>
+            <p:ph idx="1"/>
+          </p:nvPr>
+        </p:nvSpPr>
+        <p:spPr/>
+        <p:txBody>
+          <a:bodyPr>
+            <a:normAutofit fontScale="85000" lnSpcReduction="20000"/>
           </a:bodyPr>
           <a:lstStyle/>
           <a:p>
             <a:r>
-              <a:rPr lang="en-US" sz="1600" dirty="0"/>
-              <a:t>Image source: </a:t>
-            </a:r>
-            <a:r>
-              <a:rPr lang="en-US" sz="1600" dirty="0">
-                <a:hlinkClick r:id="rId3"/>
-              </a:rPr>
-              <a:t>https://www.alexanderlolis.com/authorization-in-a-microservices-world#authorization-flow-overview</a:t>
-            </a:r>
-            <a:r>
-              <a:rPr lang="en-US" sz="1600" dirty="0"/>
-              <a:t> </a:t>
+              <a:rPr lang="en-US" b="1" dirty="0">
+                <a:latin typeface="Euclid Circular B" panose="020B0504000000000000" pitchFamily="34" charset="0"/>
+                <a:ea typeface="Euclid Circular B" panose="020B0504000000000000" pitchFamily="34" charset="0"/>
+              </a:rPr>
+              <a:t>Where </a:t>
+            </a:r>
+            <a:r>
+              <a:rPr lang="en-US" dirty="0">
+                <a:latin typeface="Euclid Circular B" panose="020B0504000000000000" pitchFamily="34" charset="0"/>
+                <a:ea typeface="Euclid Circular B" panose="020B0504000000000000" pitchFamily="34" charset="0"/>
+              </a:rPr>
+              <a:t>to force authorization?</a:t>
+            </a:r>
+            <a:br>
+              <a:rPr lang="en-US" dirty="0">
+                <a:latin typeface="Euclid Circular B" panose="020B0504000000000000" pitchFamily="34" charset="0"/>
+                <a:ea typeface="Euclid Circular B" panose="020B0504000000000000" pitchFamily="34" charset="0"/>
+              </a:rPr>
+            </a:br>
+            <a:r>
+              <a:rPr lang="en-US" b="1" i="1" dirty="0">
+                <a:solidFill>
+                  <a:srgbClr val="0070C0"/>
+                </a:solidFill>
+                <a:latin typeface="Euclid Circular B" panose="020B0504000000000000" pitchFamily="34" charset="0"/>
+                <a:ea typeface="Euclid Circular B" panose="020B0504000000000000" pitchFamily="34" charset="0"/>
+              </a:rPr>
+              <a:t>PEP</a:t>
+            </a:r>
+            <a:r>
+              <a:rPr lang="en-US" i="1" dirty="0">
+                <a:latin typeface="Euclid Circular B" panose="020B0504000000000000" pitchFamily="34" charset="0"/>
+                <a:ea typeface="Euclid Circular B" panose="020B0504000000000000" pitchFamily="34" charset="0"/>
+              </a:rPr>
+              <a:t>: Policy Enforcement Point</a:t>
+            </a:r>
+          </a:p>
+          <a:p>
+            <a:pPr lvl="1"/>
+            <a:r>
+              <a:rPr lang="en-US" dirty="0">
+                <a:latin typeface="Euclid Circular B" panose="020B0504000000000000" pitchFamily="34" charset="0"/>
+                <a:ea typeface="Euclid Circular B" panose="020B0504000000000000" pitchFamily="34" charset="0"/>
+              </a:rPr>
+              <a:t>In the API Gateway? In the current service?</a:t>
+            </a:r>
+            <a:br>
+              <a:rPr lang="en-US" i="1" dirty="0">
+                <a:latin typeface="Euclid Circular B" panose="020B0504000000000000" pitchFamily="34" charset="0"/>
+                <a:ea typeface="Euclid Circular B" panose="020B0504000000000000" pitchFamily="34" charset="0"/>
+              </a:rPr>
+            </a:br>
+            <a:endParaRPr lang="en-US" i="1" dirty="0">
+              <a:latin typeface="Euclid Circular B" panose="020B0504000000000000" pitchFamily="34" charset="0"/>
+              <a:ea typeface="Euclid Circular B" panose="020B0504000000000000" pitchFamily="34" charset="0"/>
+            </a:endParaRPr>
+          </a:p>
+          <a:p>
+            <a:r>
+              <a:rPr lang="en-US" b="1" dirty="0">
+                <a:latin typeface="Euclid Circular B" panose="020B0504000000000000" pitchFamily="34" charset="0"/>
+                <a:ea typeface="Euclid Circular B" panose="020B0504000000000000" pitchFamily="34" charset="0"/>
+              </a:rPr>
+              <a:t>Where </a:t>
+            </a:r>
+            <a:r>
+              <a:rPr lang="en-US" dirty="0">
+                <a:latin typeface="Euclid Circular B" panose="020B0504000000000000" pitchFamily="34" charset="0"/>
+                <a:ea typeface="Euclid Circular B" panose="020B0504000000000000" pitchFamily="34" charset="0"/>
+              </a:rPr>
+              <a:t>to perform the authorization logic?</a:t>
+            </a:r>
+            <a:br>
+              <a:rPr lang="en-US" dirty="0">
+                <a:latin typeface="Euclid Circular B" panose="020B0504000000000000" pitchFamily="34" charset="0"/>
+                <a:ea typeface="Euclid Circular B" panose="020B0504000000000000" pitchFamily="34" charset="0"/>
+              </a:rPr>
+            </a:br>
+            <a:r>
+              <a:rPr lang="en-US" b="1" i="1" dirty="0">
+                <a:solidFill>
+                  <a:srgbClr val="0070C0"/>
+                </a:solidFill>
+                <a:latin typeface="Euclid Circular B" panose="020B0504000000000000" pitchFamily="34" charset="0"/>
+                <a:ea typeface="Euclid Circular B" panose="020B0504000000000000" pitchFamily="34" charset="0"/>
+              </a:rPr>
+              <a:t>PDP</a:t>
+            </a:r>
+            <a:r>
+              <a:rPr lang="en-US" i="1" dirty="0">
+                <a:latin typeface="Euclid Circular B" panose="020B0504000000000000" pitchFamily="34" charset="0"/>
+                <a:ea typeface="Euclid Circular B" panose="020B0504000000000000" pitchFamily="34" charset="0"/>
+              </a:rPr>
+              <a:t>: Policy Decision Point</a:t>
+            </a:r>
+          </a:p>
+          <a:p>
+            <a:pPr lvl="1"/>
+            <a:r>
+              <a:rPr lang="en-US" dirty="0">
+                <a:latin typeface="Euclid Circular B" panose="020B0504000000000000" pitchFamily="34" charset="0"/>
+                <a:ea typeface="Euclid Circular B" panose="020B0504000000000000" pitchFamily="34" charset="0"/>
+              </a:rPr>
+              <a:t>In the current process? In a dedicated service?</a:t>
+            </a:r>
+            <a:br>
+              <a:rPr lang="en-US" dirty="0">
+                <a:latin typeface="Euclid Circular B" panose="020B0504000000000000" pitchFamily="34" charset="0"/>
+                <a:ea typeface="Euclid Circular B" panose="020B0504000000000000" pitchFamily="34" charset="0"/>
+              </a:rPr>
+            </a:br>
+            <a:endParaRPr lang="en-US" dirty="0">
+              <a:latin typeface="Euclid Circular B" panose="020B0504000000000000" pitchFamily="34" charset="0"/>
+              <a:ea typeface="Euclid Circular B" panose="020B0504000000000000" pitchFamily="34" charset="0"/>
+            </a:endParaRPr>
+          </a:p>
+          <a:p>
+            <a:r>
+              <a:rPr lang="en-US" b="1" dirty="0">
+                <a:latin typeface="Euclid Circular B" panose="020B0504000000000000" pitchFamily="34" charset="0"/>
+                <a:ea typeface="Euclid Circular B" panose="020B0504000000000000" pitchFamily="34" charset="0"/>
+              </a:rPr>
+              <a:t>Where </a:t>
+            </a:r>
+            <a:r>
+              <a:rPr lang="en-US" dirty="0">
+                <a:latin typeface="Euclid Circular B" panose="020B0504000000000000" pitchFamily="34" charset="0"/>
+                <a:ea typeface="Euclid Circular B" panose="020B0504000000000000" pitchFamily="34" charset="0"/>
+              </a:rPr>
+              <a:t>and </a:t>
+            </a:r>
+            <a:r>
+              <a:rPr lang="en-US" b="1" dirty="0">
+                <a:latin typeface="Euclid Circular B" panose="020B0504000000000000" pitchFamily="34" charset="0"/>
+                <a:ea typeface="Euclid Circular B" panose="020B0504000000000000" pitchFamily="34" charset="0"/>
+              </a:rPr>
+              <a:t>how </a:t>
+            </a:r>
+            <a:r>
+              <a:rPr lang="en-US" dirty="0">
+                <a:latin typeface="Euclid Circular B" panose="020B0504000000000000" pitchFamily="34" charset="0"/>
+                <a:ea typeface="Euclid Circular B" panose="020B0504000000000000" pitchFamily="34" charset="0"/>
+              </a:rPr>
+              <a:t>to </a:t>
+            </a:r>
+            <a:r>
+              <a:rPr lang="en-US" b="1" dirty="0">
+                <a:latin typeface="Euclid Circular B" panose="020B0504000000000000" pitchFamily="34" charset="0"/>
+                <a:ea typeface="Euclid Circular B" panose="020B0504000000000000" pitchFamily="34" charset="0"/>
+              </a:rPr>
+              <a:t>obtain the data </a:t>
+            </a:r>
+            <a:r>
+              <a:rPr lang="en-US" dirty="0">
+                <a:latin typeface="Euclid Circular B" panose="020B0504000000000000" pitchFamily="34" charset="0"/>
+                <a:ea typeface="Euclid Circular B" panose="020B0504000000000000" pitchFamily="34" charset="0"/>
+              </a:rPr>
+              <a:t>to perform the authorization logic?</a:t>
+            </a:r>
+            <a:br>
+              <a:rPr lang="en-US" dirty="0">
+                <a:latin typeface="Euclid Circular B" panose="020B0504000000000000" pitchFamily="34" charset="0"/>
+                <a:ea typeface="Euclid Circular B" panose="020B0504000000000000" pitchFamily="34" charset="0"/>
+              </a:rPr>
+            </a:br>
+            <a:r>
+              <a:rPr lang="en-US" b="1" i="1" dirty="0">
+                <a:solidFill>
+                  <a:srgbClr val="0070C0"/>
+                </a:solidFill>
+                <a:latin typeface="Euclid Circular B" panose="020B0504000000000000" pitchFamily="34" charset="0"/>
+                <a:ea typeface="Euclid Circular B" panose="020B0504000000000000" pitchFamily="34" charset="0"/>
+              </a:rPr>
+              <a:t>PIP</a:t>
+            </a:r>
+            <a:r>
+              <a:rPr lang="en-US" i="1" dirty="0">
+                <a:latin typeface="Euclid Circular B" panose="020B0504000000000000" pitchFamily="34" charset="0"/>
+                <a:ea typeface="Euclid Circular B" panose="020B0504000000000000" pitchFamily="34" charset="0"/>
+              </a:rPr>
+              <a:t>: Policy Information Point</a:t>
+            </a:r>
+          </a:p>
+          <a:p>
+            <a:pPr lvl="1"/>
+            <a:r>
+              <a:rPr lang="en-US" dirty="0">
+                <a:latin typeface="Euclid Circular B" panose="020B0504000000000000" pitchFamily="34" charset="0"/>
+                <a:ea typeface="Euclid Circular B" panose="020B0504000000000000" pitchFamily="34" charset="0"/>
+              </a:rPr>
+              <a:t>Direct database access? Collect on-demand? Pre-duplicate?</a:t>
+            </a:r>
+            <a:br>
+              <a:rPr lang="en-US" dirty="0">
+                <a:latin typeface="Euclid Circular B" panose="020B0504000000000000" pitchFamily="34" charset="0"/>
+                <a:ea typeface="Euclid Circular B" panose="020B0504000000000000" pitchFamily="34" charset="0"/>
+              </a:rPr>
+            </a:br>
+            <a:endParaRPr lang="en-US" dirty="0">
+              <a:latin typeface="Euclid Circular B" panose="020B0504000000000000" pitchFamily="34" charset="0"/>
+              <a:ea typeface="Euclid Circular B" panose="020B0504000000000000" pitchFamily="34" charset="0"/>
+            </a:endParaRPr>
+          </a:p>
+          <a:p>
+            <a:r>
+              <a:rPr lang="en-US" b="1" dirty="0">
+                <a:latin typeface="Euclid Circular B" panose="020B0504000000000000" pitchFamily="34" charset="0"/>
+                <a:ea typeface="Euclid Circular B" panose="020B0504000000000000" pitchFamily="34" charset="0"/>
+              </a:rPr>
+              <a:t>Where </a:t>
+            </a:r>
+            <a:r>
+              <a:rPr lang="en-US" dirty="0">
+                <a:latin typeface="Euclid Circular B" panose="020B0504000000000000" pitchFamily="34" charset="0"/>
+                <a:ea typeface="Euclid Circular B" panose="020B0504000000000000" pitchFamily="34" charset="0"/>
+              </a:rPr>
+              <a:t>and </a:t>
+            </a:r>
+            <a:r>
+              <a:rPr lang="en-US" b="1" dirty="0">
+                <a:latin typeface="Euclid Circular B" panose="020B0504000000000000" pitchFamily="34" charset="0"/>
+                <a:ea typeface="Euclid Circular B" panose="020B0504000000000000" pitchFamily="34" charset="0"/>
+              </a:rPr>
+              <a:t>how </a:t>
+            </a:r>
+            <a:r>
+              <a:rPr lang="en-US" dirty="0">
+                <a:latin typeface="Euclid Circular B" panose="020B0504000000000000" pitchFamily="34" charset="0"/>
+                <a:ea typeface="Euclid Circular B" panose="020B0504000000000000" pitchFamily="34" charset="0"/>
+              </a:rPr>
+              <a:t>to manage policies and permissions?</a:t>
+            </a:r>
+            <a:br>
+              <a:rPr lang="en-US" dirty="0">
+                <a:latin typeface="Euclid Circular B" panose="020B0504000000000000" pitchFamily="34" charset="0"/>
+                <a:ea typeface="Euclid Circular B" panose="020B0504000000000000" pitchFamily="34" charset="0"/>
+              </a:rPr>
+            </a:br>
+            <a:r>
+              <a:rPr lang="en-US" b="1" i="1" dirty="0">
+                <a:solidFill>
+                  <a:srgbClr val="0070C0"/>
+                </a:solidFill>
+                <a:latin typeface="Euclid Circular B" panose="020B0504000000000000" pitchFamily="34" charset="0"/>
+                <a:ea typeface="Euclid Circular B" panose="020B0504000000000000" pitchFamily="34" charset="0"/>
+              </a:rPr>
+              <a:t>PAP</a:t>
+            </a:r>
+            <a:r>
+              <a:rPr lang="en-US" i="1" dirty="0">
+                <a:latin typeface="Euclid Circular B" panose="020B0504000000000000" pitchFamily="34" charset="0"/>
+                <a:ea typeface="Euclid Circular B" panose="020B0504000000000000" pitchFamily="34" charset="0"/>
+              </a:rPr>
+              <a:t>: Policy Administration Point</a:t>
+            </a:r>
+          </a:p>
+          <a:p>
+            <a:pPr lvl="1"/>
+            <a:r>
+              <a:rPr lang="en-US" dirty="0">
+                <a:latin typeface="Euclid Circular B" panose="020B0504000000000000" pitchFamily="34" charset="0"/>
+                <a:ea typeface="Euclid Circular B" panose="020B0504000000000000" pitchFamily="34" charset="0"/>
+              </a:rPr>
+              <a:t>Typically, on a user interface</a:t>
             </a:r>
           </a:p>
         </p:txBody>
       </p:sp>
-      <p:pic>
-        <p:nvPicPr>
-          <p:cNvPr id="1028" name="Picture 4" descr="Authorization Overview">
-            <a:extLst>
-              <a:ext uri="{FF2B5EF4-FFF2-40B4-BE49-F238E27FC236}">
-                <a16:creationId xmlns:a16="http://schemas.microsoft.com/office/drawing/2014/main" id="{EBFA4825-32EE-C395-62FF-88BD295FE867}"/>
-              </a:ext>
-            </a:extLst>
-          </p:cNvPr>
-          <p:cNvPicPr>
-            <a:picLocks noChangeAspect="1" noChangeArrowheads="1"/>
-          </p:cNvPicPr>
-          <p:nvPr/>
-        </p:nvPicPr>
-        <p:blipFill>
-          <a:blip r:embed="rId4">
-            <a:extLst>
-              <a:ext uri="{28A0092B-C50C-407E-A947-70E740481C1C}">
-                <a14:useLocalDpi xmlns:a14="http://schemas.microsoft.com/office/drawing/2010/main" val="0"/>
-              </a:ext>
-            </a:extLst>
-          </a:blip>
-          <a:srcRect/>
-          <a:stretch>
-            <a:fillRect/>
-          </a:stretch>
-        </p:blipFill>
-        <p:spPr bwMode="auto">
-          <a:xfrm>
-            <a:off x="1943100" y="47135"/>
-            <a:ext cx="8305800" cy="6400800"/>
-          </a:xfrm>
-          <a:prstGeom prst="rect">
-            <a:avLst/>
-          </a:prstGeom>
-          <a:noFill/>
-          <a:extLst>
-            <a:ext uri="{909E8E84-426E-40DD-AFC4-6F175D3DCCD1}">
-              <a14:hiddenFill xmlns:a14="http://schemas.microsoft.com/office/drawing/2010/main">
-                <a:solidFill>
-                  <a:srgbClr val="FFFFFF"/>
-                </a:solidFill>
-              </a14:hiddenFill>
-            </a:ext>
-          </a:extLst>
-        </p:spPr>
-      </p:pic>
     </p:spTree>
     <p:extLst>
       <p:ext uri="{BB962C8B-B14F-4D97-AF65-F5344CB8AC3E}">
-        <p14:creationId xmlns:p14="http://schemas.microsoft.com/office/powerpoint/2010/main" val="3843666090"/>
+        <p14:creationId xmlns:p14="http://schemas.microsoft.com/office/powerpoint/2010/main" val="1041851902"/>
       </p:ext>
     </p:extLst>
   </p:cSld>
   <p:clrMapOvr>
     <a:masterClrMapping/>
   </p:clrMapOvr>
+  <p:timing>
+    <p:tnLst>
+      <p:par>
+        <p:cTn id="1" dur="indefinite" restart="never" nodeType="tmRoot">
+          <p:childTnLst>
+            <p:seq concurrent="1" nextAc="seek">
+              <p:cTn id="2" dur="indefinite" nodeType="mainSeq">
+                <p:childTnLst>
+                  <p:par>
+                    <p:cTn id="3" fill="hold">
+                      <p:stCondLst>
+                        <p:cond delay="indefinite"/>
+                      </p:stCondLst>
+                      <p:childTnLst>
+                        <p:par>
+                          <p:cTn id="4" fill="hold">
+                            <p:stCondLst>
+                              <p:cond delay="0"/>
+                            </p:stCondLst>
+                            <p:childTnLst>
+                              <p:par>
+                                <p:cTn id="5" presetID="10" presetClass="entr" presetSubtype="0" fill="hold" nodeType="clickEffect">
+                                  <p:stCondLst>
+                                    <p:cond delay="0"/>
+                                  </p:stCondLst>
+                                  <p:childTnLst>
+                                    <p:set>
+                                      <p:cBhvr>
+                                        <p:cTn id="6" dur="1" fill="hold">
+                                          <p:stCondLst>
+                                            <p:cond delay="0"/>
+                                          </p:stCondLst>
+                                        </p:cTn>
+                                        <p:tgtEl>
+                                          <p:spTgt spid="3">
+                                            <p:txEl>
+                                              <p:pRg st="0" end="0"/>
+                                            </p:txEl>
+                                          </p:spTgt>
+                                        </p:tgtEl>
+                                        <p:attrNameLst>
+                                          <p:attrName>style.visibility</p:attrName>
+                                        </p:attrNameLst>
+                                      </p:cBhvr>
+                                      <p:to>
+                                        <p:strVal val="visible"/>
+                                      </p:to>
+                                    </p:set>
+                                    <p:animEffect transition="in" filter="fade">
+                                      <p:cBhvr>
+                                        <p:cTn id="7" dur="500"/>
+                                        <p:tgtEl>
+                                          <p:spTgt spid="3">
+                                            <p:txEl>
+                                              <p:pRg st="0" end="0"/>
+                                            </p:txEl>
+                                          </p:spTgt>
+                                        </p:tgtEl>
+                                      </p:cBhvr>
+                                    </p:animEffect>
+                                  </p:childTnLst>
+                                </p:cTn>
+                              </p:par>
+                            </p:childTnLst>
+                          </p:cTn>
+                        </p:par>
+                      </p:childTnLst>
+                    </p:cTn>
+                  </p:par>
+                  <p:par>
+                    <p:cTn id="8" fill="hold">
+                      <p:stCondLst>
+                        <p:cond delay="indefinite"/>
+                      </p:stCondLst>
+                      <p:childTnLst>
+                        <p:par>
+                          <p:cTn id="9" fill="hold">
+                            <p:stCondLst>
+                              <p:cond delay="0"/>
+                            </p:stCondLst>
+                            <p:childTnLst>
+                              <p:par>
+                                <p:cTn id="10" presetID="10" presetClass="entr" presetSubtype="0" fill="hold" nodeType="clickEffect">
+                                  <p:stCondLst>
+                                    <p:cond delay="0"/>
+                                  </p:stCondLst>
+                                  <p:childTnLst>
+                                    <p:set>
+                                      <p:cBhvr>
+                                        <p:cTn id="11" dur="1" fill="hold">
+                                          <p:stCondLst>
+                                            <p:cond delay="0"/>
+                                          </p:stCondLst>
+                                        </p:cTn>
+                                        <p:tgtEl>
+                                          <p:spTgt spid="3">
+                                            <p:txEl>
+                                              <p:pRg st="1" end="1"/>
+                                            </p:txEl>
+                                          </p:spTgt>
+                                        </p:tgtEl>
+                                        <p:attrNameLst>
+                                          <p:attrName>style.visibility</p:attrName>
+                                        </p:attrNameLst>
+                                      </p:cBhvr>
+                                      <p:to>
+                                        <p:strVal val="visible"/>
+                                      </p:to>
+                                    </p:set>
+                                    <p:animEffect transition="in" filter="fade">
+                                      <p:cBhvr>
+                                        <p:cTn id="12" dur="500"/>
+                                        <p:tgtEl>
+                                          <p:spTgt spid="3">
+                                            <p:txEl>
+                                              <p:pRg st="1" end="1"/>
+                                            </p:txEl>
+                                          </p:spTgt>
+                                        </p:tgtEl>
+                                      </p:cBhvr>
+                                    </p:animEffect>
+                                  </p:childTnLst>
+                                </p:cTn>
+                              </p:par>
+                            </p:childTnLst>
+                          </p:cTn>
+                        </p:par>
+                      </p:childTnLst>
+                    </p:cTn>
+                  </p:par>
+                  <p:par>
+                    <p:cTn id="13" fill="hold">
+                      <p:stCondLst>
+                        <p:cond delay="indefinite"/>
+                      </p:stCondLst>
+                      <p:childTnLst>
+                        <p:par>
+                          <p:cTn id="14" fill="hold">
+                            <p:stCondLst>
+                              <p:cond delay="0"/>
+                            </p:stCondLst>
+                            <p:childTnLst>
+                              <p:par>
+                                <p:cTn id="15" presetID="10" presetClass="entr" presetSubtype="0" fill="hold" nodeType="clickEffect">
+                                  <p:stCondLst>
+                                    <p:cond delay="0"/>
+                                  </p:stCondLst>
+                                  <p:childTnLst>
+                                    <p:set>
+                                      <p:cBhvr>
+                                        <p:cTn id="16" dur="1" fill="hold">
+                                          <p:stCondLst>
+                                            <p:cond delay="0"/>
+                                          </p:stCondLst>
+                                        </p:cTn>
+                                        <p:tgtEl>
+                                          <p:spTgt spid="3">
+                                            <p:txEl>
+                                              <p:pRg st="2" end="2"/>
+                                            </p:txEl>
+                                          </p:spTgt>
+                                        </p:tgtEl>
+                                        <p:attrNameLst>
+                                          <p:attrName>style.visibility</p:attrName>
+                                        </p:attrNameLst>
+                                      </p:cBhvr>
+                                      <p:to>
+                                        <p:strVal val="visible"/>
+                                      </p:to>
+                                    </p:set>
+                                    <p:animEffect transition="in" filter="fade">
+                                      <p:cBhvr>
+                                        <p:cTn id="17" dur="500"/>
+                                        <p:tgtEl>
+                                          <p:spTgt spid="3">
+                                            <p:txEl>
+                                              <p:pRg st="2" end="2"/>
+                                            </p:txEl>
+                                          </p:spTgt>
+                                        </p:tgtEl>
+                                      </p:cBhvr>
+                                    </p:animEffect>
+                                  </p:childTnLst>
+                                </p:cTn>
+                              </p:par>
+                            </p:childTnLst>
+                          </p:cTn>
+                        </p:par>
+                      </p:childTnLst>
+                    </p:cTn>
+                  </p:par>
+                  <p:par>
+                    <p:cTn id="18" fill="hold">
+                      <p:stCondLst>
+                        <p:cond delay="indefinite"/>
+                      </p:stCondLst>
+                      <p:childTnLst>
+                        <p:par>
+                          <p:cTn id="19" fill="hold">
+                            <p:stCondLst>
+                              <p:cond delay="0"/>
+                            </p:stCondLst>
+                            <p:childTnLst>
+                              <p:par>
+                                <p:cTn id="20" presetID="10" presetClass="entr" presetSubtype="0" fill="hold" nodeType="clickEffect">
+                                  <p:stCondLst>
+                                    <p:cond delay="0"/>
+                                  </p:stCondLst>
+                                  <p:childTnLst>
+                                    <p:set>
+                                      <p:cBhvr>
+                                        <p:cTn id="21" dur="1" fill="hold">
+                                          <p:stCondLst>
+                                            <p:cond delay="0"/>
+                                          </p:stCondLst>
+                                        </p:cTn>
+                                        <p:tgtEl>
+                                          <p:spTgt spid="3">
+                                            <p:txEl>
+                                              <p:pRg st="3" end="3"/>
+                                            </p:txEl>
+                                          </p:spTgt>
+                                        </p:tgtEl>
+                                        <p:attrNameLst>
+                                          <p:attrName>style.visibility</p:attrName>
+                                        </p:attrNameLst>
+                                      </p:cBhvr>
+                                      <p:to>
+                                        <p:strVal val="visible"/>
+                                      </p:to>
+                                    </p:set>
+                                    <p:animEffect transition="in" filter="fade">
+                                      <p:cBhvr>
+                                        <p:cTn id="22" dur="500"/>
+                                        <p:tgtEl>
+                                          <p:spTgt spid="3">
+                                            <p:txEl>
+                                              <p:pRg st="3" end="3"/>
+                                            </p:txEl>
+                                          </p:spTgt>
+                                        </p:tgtEl>
+                                      </p:cBhvr>
+                                    </p:animEffect>
+                                  </p:childTnLst>
+                                </p:cTn>
+                              </p:par>
+                            </p:childTnLst>
+                          </p:cTn>
+                        </p:par>
+                      </p:childTnLst>
+                    </p:cTn>
+                  </p:par>
+                  <p:par>
+                    <p:cTn id="23" fill="hold">
+                      <p:stCondLst>
+                        <p:cond delay="indefinite"/>
+                      </p:stCondLst>
+                      <p:childTnLst>
+                        <p:par>
+                          <p:cTn id="24" fill="hold">
+                            <p:stCondLst>
+                              <p:cond delay="0"/>
+                            </p:stCondLst>
+                            <p:childTnLst>
+                              <p:par>
+                                <p:cTn id="25" presetID="10" presetClass="entr" presetSubtype="0" fill="hold" nodeType="clickEffect">
+                                  <p:stCondLst>
+                                    <p:cond delay="0"/>
+                                  </p:stCondLst>
+                                  <p:childTnLst>
+                                    <p:set>
+                                      <p:cBhvr>
+                                        <p:cTn id="26" dur="1" fill="hold">
+                                          <p:stCondLst>
+                                            <p:cond delay="0"/>
+                                          </p:stCondLst>
+                                        </p:cTn>
+                                        <p:tgtEl>
+                                          <p:spTgt spid="3">
+                                            <p:txEl>
+                                              <p:pRg st="4" end="4"/>
+                                            </p:txEl>
+                                          </p:spTgt>
+                                        </p:tgtEl>
+                                        <p:attrNameLst>
+                                          <p:attrName>style.visibility</p:attrName>
+                                        </p:attrNameLst>
+                                      </p:cBhvr>
+                                      <p:to>
+                                        <p:strVal val="visible"/>
+                                      </p:to>
+                                    </p:set>
+                                    <p:animEffect transition="in" filter="fade">
+                                      <p:cBhvr>
+                                        <p:cTn id="27" dur="500"/>
+                                        <p:tgtEl>
+                                          <p:spTgt spid="3">
+                                            <p:txEl>
+                                              <p:pRg st="4" end="4"/>
+                                            </p:txEl>
+                                          </p:spTgt>
+                                        </p:tgtEl>
+                                      </p:cBhvr>
+                                    </p:animEffect>
+                                  </p:childTnLst>
+                                </p:cTn>
+                              </p:par>
+                            </p:childTnLst>
+                          </p:cTn>
+                        </p:par>
+                      </p:childTnLst>
+                    </p:cTn>
+                  </p:par>
+                  <p:par>
+                    <p:cTn id="28" fill="hold">
+                      <p:stCondLst>
+                        <p:cond delay="indefinite"/>
+                      </p:stCondLst>
+                      <p:childTnLst>
+                        <p:par>
+                          <p:cTn id="29" fill="hold">
+                            <p:stCondLst>
+                              <p:cond delay="0"/>
+                            </p:stCondLst>
+                            <p:childTnLst>
+                              <p:par>
+                                <p:cTn id="30" presetID="10" presetClass="entr" presetSubtype="0" fill="hold" nodeType="clickEffect">
+                                  <p:stCondLst>
+                                    <p:cond delay="0"/>
+                                  </p:stCondLst>
+                                  <p:childTnLst>
+                                    <p:set>
+                                      <p:cBhvr>
+                                        <p:cTn id="31" dur="1" fill="hold">
+                                          <p:stCondLst>
+                                            <p:cond delay="0"/>
+                                          </p:stCondLst>
+                                        </p:cTn>
+                                        <p:tgtEl>
+                                          <p:spTgt spid="3">
+                                            <p:txEl>
+                                              <p:pRg st="5" end="5"/>
+                                            </p:txEl>
+                                          </p:spTgt>
+                                        </p:tgtEl>
+                                        <p:attrNameLst>
+                                          <p:attrName>style.visibility</p:attrName>
+                                        </p:attrNameLst>
+                                      </p:cBhvr>
+                                      <p:to>
+                                        <p:strVal val="visible"/>
+                                      </p:to>
+                                    </p:set>
+                                    <p:animEffect transition="in" filter="fade">
+                                      <p:cBhvr>
+                                        <p:cTn id="32" dur="500"/>
+                                        <p:tgtEl>
+                                          <p:spTgt spid="3">
+                                            <p:txEl>
+                                              <p:pRg st="5" end="5"/>
+                                            </p:txEl>
+                                          </p:spTgt>
+                                        </p:tgtEl>
+                                      </p:cBhvr>
+                                    </p:animEffect>
+                                  </p:childTnLst>
+                                </p:cTn>
+                              </p:par>
+                            </p:childTnLst>
+                          </p:cTn>
+                        </p:par>
+                      </p:childTnLst>
+                    </p:cTn>
+                  </p:par>
+                  <p:par>
+                    <p:cTn id="33" fill="hold">
+                      <p:stCondLst>
+                        <p:cond delay="indefinite"/>
+                      </p:stCondLst>
+                      <p:childTnLst>
+                        <p:par>
+                          <p:cTn id="34" fill="hold">
+                            <p:stCondLst>
+                              <p:cond delay="0"/>
+                            </p:stCondLst>
+                            <p:childTnLst>
+                              <p:par>
+                                <p:cTn id="35" presetID="10" presetClass="entr" presetSubtype="0" fill="hold" nodeType="clickEffect">
+                                  <p:stCondLst>
+                                    <p:cond delay="0"/>
+                                  </p:stCondLst>
+                                  <p:childTnLst>
+                                    <p:set>
+                                      <p:cBhvr>
+                                        <p:cTn id="36" dur="1" fill="hold">
+                                          <p:stCondLst>
+                                            <p:cond delay="0"/>
+                                          </p:stCondLst>
+                                        </p:cTn>
+                                        <p:tgtEl>
+                                          <p:spTgt spid="3">
+                                            <p:txEl>
+                                              <p:pRg st="6" end="6"/>
+                                            </p:txEl>
+                                          </p:spTgt>
+                                        </p:tgtEl>
+                                        <p:attrNameLst>
+                                          <p:attrName>style.visibility</p:attrName>
+                                        </p:attrNameLst>
+                                      </p:cBhvr>
+                                      <p:to>
+                                        <p:strVal val="visible"/>
+                                      </p:to>
+                                    </p:set>
+                                    <p:animEffect transition="in" filter="fade">
+                                      <p:cBhvr>
+                                        <p:cTn id="37" dur="500"/>
+                                        <p:tgtEl>
+                                          <p:spTgt spid="3">
+                                            <p:txEl>
+                                              <p:pRg st="6" end="6"/>
+                                            </p:txEl>
+                                          </p:spTgt>
+                                        </p:tgtEl>
+                                      </p:cBhvr>
+                                    </p:animEffect>
+                                  </p:childTnLst>
+                                </p:cTn>
+                              </p:par>
+                            </p:childTnLst>
+                          </p:cTn>
+                        </p:par>
+                      </p:childTnLst>
+                    </p:cTn>
+                  </p:par>
+                  <p:par>
+                    <p:cTn id="38" fill="hold">
+                      <p:stCondLst>
+                        <p:cond delay="indefinite"/>
+                      </p:stCondLst>
+                      <p:childTnLst>
+                        <p:par>
+                          <p:cTn id="39" fill="hold">
+                            <p:stCondLst>
+                              <p:cond delay="0"/>
+                            </p:stCondLst>
+                            <p:childTnLst>
+                              <p:par>
+                                <p:cTn id="40" presetID="10" presetClass="entr" presetSubtype="0" fill="hold" nodeType="clickEffect">
+                                  <p:stCondLst>
+                                    <p:cond delay="0"/>
+                                  </p:stCondLst>
+                                  <p:childTnLst>
+                                    <p:set>
+                                      <p:cBhvr>
+                                        <p:cTn id="41" dur="1" fill="hold">
+                                          <p:stCondLst>
+                                            <p:cond delay="0"/>
+                                          </p:stCondLst>
+                                        </p:cTn>
+                                        <p:tgtEl>
+                                          <p:spTgt spid="3">
+                                            <p:txEl>
+                                              <p:pRg st="7" end="7"/>
+                                            </p:txEl>
+                                          </p:spTgt>
+                                        </p:tgtEl>
+                                        <p:attrNameLst>
+                                          <p:attrName>style.visibility</p:attrName>
+                                        </p:attrNameLst>
+                                      </p:cBhvr>
+                                      <p:to>
+                                        <p:strVal val="visible"/>
+                                      </p:to>
+                                    </p:set>
+                                    <p:animEffect transition="in" filter="fade">
+                                      <p:cBhvr>
+                                        <p:cTn id="42" dur="500"/>
+                                        <p:tgtEl>
+                                          <p:spTgt spid="3">
+                                            <p:txEl>
+                                              <p:pRg st="7" end="7"/>
+                                            </p:txEl>
+                                          </p:spTgt>
+                                        </p:tgtEl>
+                                      </p:cBhvr>
+                                    </p:animEffect>
+                                  </p:childTnLst>
+                                </p:cTn>
+                              </p:par>
+                            </p:childTnLst>
+                          </p:cTn>
+                        </p:par>
+                      </p:childTnLst>
+                    </p:cTn>
+                  </p:par>
+                </p:childTnLst>
+              </p:cTn>
+              <p:prevCondLst>
+                <p:cond evt="onPrev" delay="0">
+                  <p:tgtEl>
+                    <p:sldTgt/>
+                  </p:tgtEl>
+                </p:cond>
+              </p:prevCondLst>
+              <p:nextCondLst>
+                <p:cond evt="onNext" delay="0">
+                  <p:tgtEl>
+                    <p:sldTgt/>
+                  </p:tgtEl>
+                </p:cond>
+              </p:nextCondLst>
+            </p:seq>
+          </p:childTnLst>
+        </p:cTn>
+      </p:par>
+    </p:tnLst>
+  </p:timing>
 </p:sld>
 </file>
 

--- a/2022-10-15 Authorization-In-Distributed-Systems/Authorization-In-Distributed-Systems.pptx
+++ b/2022-10-15 Authorization-In-Distributed-Systems/Authorization-In-Distributed-Systems.pptx
@@ -17556,7 +17556,7 @@
                 <a:latin typeface="Euclid Circular B" panose="020B0504000000000000" pitchFamily="34" charset="0"/>
                 <a:ea typeface="Euclid Circular B" panose="020B0504000000000000" pitchFamily="34" charset="0"/>
               </a:rPr>
-              <a:t>Topic title</a:t>
+              <a:t>ABP: Updating Permission Definitions</a:t>
             </a:r>
           </a:p>
         </p:txBody>
@@ -17577,17 +17577,823 @@
             <p:ph idx="1"/>
           </p:nvPr>
         </p:nvSpPr>
-        <p:spPr/>
+        <p:spPr>
+          <a:xfrm>
+            <a:off x="838200" y="1825625"/>
+            <a:ext cx="5104944" cy="4351338"/>
+          </a:xfrm>
+        </p:spPr>
         <p:txBody>
-          <a:bodyPr/>
+          <a:bodyPr>
+            <a:normAutofit/>
+          </a:bodyPr>
           <a:lstStyle/>
           <a:p>
-            <a:r>
-              <a:rPr lang="en-US" dirty="0">
-                <a:latin typeface="Euclid Circular B" panose="020B0504000000000000" pitchFamily="34" charset="0"/>
-                <a:ea typeface="Euclid Circular B" panose="020B0504000000000000" pitchFamily="34" charset="0"/>
-              </a:rPr>
-              <a:t>Content</a:t>
+            <a:pPr marL="0" indent="0">
+              <a:buNone/>
+            </a:pPr>
+            <a:r>
+              <a:rPr lang="en-US" sz="2000" dirty="0">
+                <a:latin typeface="Euclid Circular B" panose="020B0504000000000000" pitchFamily="34" charset="0"/>
+                <a:ea typeface="Euclid Circular B" panose="020B0504000000000000" pitchFamily="34" charset="0"/>
+              </a:rPr>
+              <a:t>On the </a:t>
+            </a:r>
+            <a:r>
+              <a:rPr lang="en-US" sz="2000" b="1" dirty="0">
+                <a:latin typeface="Euclid Circular B" panose="020B0504000000000000" pitchFamily="34" charset="0"/>
+                <a:ea typeface="Euclid Circular B" panose="020B0504000000000000" pitchFamily="34" charset="0"/>
+              </a:rPr>
+              <a:t>service startup</a:t>
+            </a:r>
+            <a:r>
+              <a:rPr lang="en-US" sz="2000" dirty="0">
+                <a:latin typeface="Euclid Circular B" panose="020B0504000000000000" pitchFamily="34" charset="0"/>
+                <a:ea typeface="Euclid Circular B" panose="020B0504000000000000" pitchFamily="34" charset="0"/>
+              </a:rPr>
+              <a:t>;</a:t>
+            </a:r>
+          </a:p>
+          <a:p>
+            <a:r>
+              <a:rPr lang="en-US" sz="1800" b="1" dirty="0">
+                <a:latin typeface="Euclid Circular B" panose="020B0504000000000000" pitchFamily="34" charset="0"/>
+                <a:ea typeface="Euclid Circular B" panose="020B0504000000000000" pitchFamily="34" charset="0"/>
+              </a:rPr>
+              <a:t>Calculate </a:t>
+            </a:r>
+            <a:r>
+              <a:rPr lang="en-US" sz="1800" dirty="0">
+                <a:latin typeface="Euclid Circular B" panose="020B0504000000000000" pitchFamily="34" charset="0"/>
+                <a:ea typeface="Euclid Circular B" panose="020B0504000000000000" pitchFamily="34" charset="0"/>
+              </a:rPr>
+              <a:t>a single </a:t>
+            </a:r>
+            <a:r>
+              <a:rPr lang="en-US" sz="1800" b="1" dirty="0">
+                <a:latin typeface="Euclid Circular B" panose="020B0504000000000000" pitchFamily="34" charset="0"/>
+                <a:ea typeface="Euclid Circular B" panose="020B0504000000000000" pitchFamily="34" charset="0"/>
+              </a:rPr>
+              <a:t>hash </a:t>
+            </a:r>
+            <a:r>
+              <a:rPr lang="en-US" sz="1800" dirty="0">
+                <a:latin typeface="Euclid Circular B" panose="020B0504000000000000" pitchFamily="34" charset="0"/>
+                <a:ea typeface="Euclid Circular B" panose="020B0504000000000000" pitchFamily="34" charset="0"/>
+              </a:rPr>
+              <a:t>of all permission definitions</a:t>
+            </a:r>
+          </a:p>
+          <a:p>
+            <a:r>
+              <a:rPr lang="en-US" sz="1800" b="1" dirty="0">
+                <a:latin typeface="Euclid Circular B" panose="020B0504000000000000" pitchFamily="34" charset="0"/>
+                <a:ea typeface="Euclid Circular B" panose="020B0504000000000000" pitchFamily="34" charset="0"/>
+              </a:rPr>
+              <a:t>Compare </a:t>
+            </a:r>
+            <a:r>
+              <a:rPr lang="en-US" sz="1800" dirty="0">
+                <a:latin typeface="Euclid Circular B" panose="020B0504000000000000" pitchFamily="34" charset="0"/>
+                <a:ea typeface="Euclid Circular B" panose="020B0504000000000000" pitchFamily="34" charset="0"/>
+              </a:rPr>
+              <a:t>with the hash in the distributed cache</a:t>
+            </a:r>
+          </a:p>
+          <a:p>
+            <a:r>
+              <a:rPr lang="en-US" sz="1800" b="1" dirty="0">
+                <a:latin typeface="Euclid Circular B" panose="020B0504000000000000" pitchFamily="34" charset="0"/>
+                <a:ea typeface="Euclid Circular B" panose="020B0504000000000000" pitchFamily="34" charset="0"/>
+              </a:rPr>
+              <a:t>Serialize </a:t>
+            </a:r>
+            <a:r>
+              <a:rPr lang="en-US" sz="1800" dirty="0">
+                <a:latin typeface="Euclid Circular B" panose="020B0504000000000000" pitchFamily="34" charset="0"/>
+                <a:ea typeface="Euclid Circular B" panose="020B0504000000000000" pitchFamily="34" charset="0"/>
+              </a:rPr>
+              <a:t>and save permission definitions (only changed / new ones)</a:t>
+            </a:r>
+          </a:p>
+          <a:p>
+            <a:r>
+              <a:rPr lang="en-US" sz="1800" dirty="0">
+                <a:latin typeface="Euclid Circular B" panose="020B0504000000000000" pitchFamily="34" charset="0"/>
+                <a:ea typeface="Euclid Circular B" panose="020B0504000000000000" pitchFamily="34" charset="0"/>
+              </a:rPr>
+              <a:t>Update the </a:t>
+            </a:r>
+            <a:r>
+              <a:rPr lang="en-US" sz="1800" b="1" dirty="0">
+                <a:latin typeface="Euclid Circular B" panose="020B0504000000000000" pitchFamily="34" charset="0"/>
+                <a:ea typeface="Euclid Circular B" panose="020B0504000000000000" pitchFamily="34" charset="0"/>
+              </a:rPr>
+              <a:t>permission stamp </a:t>
+            </a:r>
+            <a:r>
+              <a:rPr lang="en-US" sz="1800" dirty="0">
+                <a:latin typeface="Euclid Circular B" panose="020B0504000000000000" pitchFamily="34" charset="0"/>
+                <a:ea typeface="Euclid Circular B" panose="020B0504000000000000" pitchFamily="34" charset="0"/>
+              </a:rPr>
+              <a:t>to inform other services</a:t>
+            </a:r>
+          </a:p>
+        </p:txBody>
+      </p:sp>
+      <p:sp>
+        <p:nvSpPr>
+          <p:cNvPr id="4" name="Rectangle 3">
+            <a:extLst>
+              <a:ext uri="{FF2B5EF4-FFF2-40B4-BE49-F238E27FC236}">
+                <a16:creationId xmlns:a16="http://schemas.microsoft.com/office/drawing/2014/main" id="{DF725507-237A-1E00-130B-F242B99394E4}"/>
+              </a:ext>
+            </a:extLst>
+          </p:cNvPr>
+          <p:cNvSpPr/>
+          <p:nvPr/>
+        </p:nvSpPr>
+        <p:spPr>
+          <a:xfrm>
+            <a:off x="6060341" y="1839977"/>
+            <a:ext cx="1623777" cy="1204796"/>
+          </a:xfrm>
+          <a:prstGeom prst="rect">
+            <a:avLst/>
+          </a:prstGeom>
+        </p:spPr>
+        <p:style>
+          <a:lnRef idx="2">
+            <a:schemeClr val="accent1">
+              <a:shade val="50000"/>
+            </a:schemeClr>
+          </a:lnRef>
+          <a:fillRef idx="1">
+            <a:schemeClr val="accent1"/>
+          </a:fillRef>
+          <a:effectRef idx="0">
+            <a:schemeClr val="accent1"/>
+          </a:effectRef>
+          <a:fontRef idx="minor">
+            <a:schemeClr val="lt1"/>
+          </a:fontRef>
+        </p:style>
+        <p:txBody>
+          <a:bodyPr rtlCol="0" anchor="t"/>
+          <a:lstStyle/>
+          <a:p>
+            <a:pPr algn="ctr"/>
+            <a:r>
+              <a:rPr lang="en-US" dirty="0"/>
+              <a:t>Microservice A</a:t>
+            </a:r>
+          </a:p>
+        </p:txBody>
+      </p:sp>
+      <p:sp>
+        <p:nvSpPr>
+          <p:cNvPr id="5" name="Rectangle: Rounded Corners 4">
+            <a:extLst>
+              <a:ext uri="{FF2B5EF4-FFF2-40B4-BE49-F238E27FC236}">
+                <a16:creationId xmlns:a16="http://schemas.microsoft.com/office/drawing/2014/main" id="{79C73981-81C2-EDDD-289C-6378889C620B}"/>
+              </a:ext>
+            </a:extLst>
+          </p:cNvPr>
+          <p:cNvSpPr/>
+          <p:nvPr/>
+        </p:nvSpPr>
+        <p:spPr>
+          <a:xfrm>
+            <a:off x="6150552" y="2270524"/>
+            <a:ext cx="1447457" cy="646478"/>
+          </a:xfrm>
+          <a:prstGeom prst="roundRect">
+            <a:avLst/>
+          </a:prstGeom>
+        </p:spPr>
+        <p:style>
+          <a:lnRef idx="2">
+            <a:schemeClr val="accent4">
+              <a:shade val="50000"/>
+            </a:schemeClr>
+          </a:lnRef>
+          <a:fillRef idx="1">
+            <a:schemeClr val="accent4"/>
+          </a:fillRef>
+          <a:effectRef idx="0">
+            <a:schemeClr val="accent4"/>
+          </a:effectRef>
+          <a:fontRef idx="minor">
+            <a:schemeClr val="lt1"/>
+          </a:fontRef>
+        </p:style>
+        <p:txBody>
+          <a:bodyPr rtlCol="0" anchor="ctr"/>
+          <a:lstStyle/>
+          <a:p>
+            <a:pPr algn="ctr"/>
+            <a:r>
+              <a:rPr lang="en-US" sz="1000" dirty="0">
+                <a:solidFill>
+                  <a:schemeClr val="tx1"/>
+                </a:solidFill>
+              </a:rPr>
+              <a:t>Static Permissions Definitions</a:t>
+            </a:r>
+          </a:p>
+        </p:txBody>
+      </p:sp>
+      <p:sp>
+        <p:nvSpPr>
+          <p:cNvPr id="6" name="Rectangle 5">
+            <a:extLst>
+              <a:ext uri="{FF2B5EF4-FFF2-40B4-BE49-F238E27FC236}">
+                <a16:creationId xmlns:a16="http://schemas.microsoft.com/office/drawing/2014/main" id="{038C0967-05A1-A19D-277B-A9D785F16C90}"/>
+              </a:ext>
+            </a:extLst>
+          </p:cNvPr>
+          <p:cNvSpPr/>
+          <p:nvPr/>
+        </p:nvSpPr>
+        <p:spPr>
+          <a:xfrm>
+            <a:off x="10190176" y="1825625"/>
+            <a:ext cx="1623777" cy="1219148"/>
+          </a:xfrm>
+          <a:prstGeom prst="rect">
+            <a:avLst/>
+          </a:prstGeom>
+        </p:spPr>
+        <p:style>
+          <a:lnRef idx="2">
+            <a:schemeClr val="dk1">
+              <a:shade val="50000"/>
+            </a:schemeClr>
+          </a:lnRef>
+          <a:fillRef idx="1">
+            <a:schemeClr val="dk1"/>
+          </a:fillRef>
+          <a:effectRef idx="0">
+            <a:schemeClr val="dk1"/>
+          </a:effectRef>
+          <a:fontRef idx="minor">
+            <a:schemeClr val="lt1"/>
+          </a:fontRef>
+        </p:style>
+        <p:txBody>
+          <a:bodyPr rtlCol="0" anchor="t"/>
+          <a:lstStyle/>
+          <a:p>
+            <a:pPr algn="ctr"/>
+            <a:r>
+              <a:rPr lang="en-US" sz="1400" dirty="0"/>
+              <a:t>Distributed Cache</a:t>
+            </a:r>
+          </a:p>
+        </p:txBody>
+      </p:sp>
+      <p:sp>
+        <p:nvSpPr>
+          <p:cNvPr id="7" name="Hexagon 6">
+            <a:extLst>
+              <a:ext uri="{FF2B5EF4-FFF2-40B4-BE49-F238E27FC236}">
+                <a16:creationId xmlns:a16="http://schemas.microsoft.com/office/drawing/2014/main" id="{5CAD24FD-7A76-DBD9-BDD6-5303A63AA728}"/>
+              </a:ext>
+            </a:extLst>
+          </p:cNvPr>
+          <p:cNvSpPr/>
+          <p:nvPr/>
+        </p:nvSpPr>
+        <p:spPr>
+          <a:xfrm>
+            <a:off x="8528811" y="2310887"/>
+            <a:ext cx="676574" cy="225525"/>
+          </a:xfrm>
+          <a:prstGeom prst="hexagon">
+            <a:avLst/>
+          </a:prstGeom>
+        </p:spPr>
+        <p:style>
+          <a:lnRef idx="2">
+            <a:schemeClr val="accent2">
+              <a:shade val="50000"/>
+            </a:schemeClr>
+          </a:lnRef>
+          <a:fillRef idx="1">
+            <a:schemeClr val="accent2"/>
+          </a:fillRef>
+          <a:effectRef idx="0">
+            <a:schemeClr val="accent2"/>
+          </a:effectRef>
+          <a:fontRef idx="minor">
+            <a:schemeClr val="lt1"/>
+          </a:fontRef>
+        </p:style>
+        <p:txBody>
+          <a:bodyPr rtlCol="0" anchor="ctr"/>
+          <a:lstStyle/>
+          <a:p>
+            <a:pPr algn="ctr"/>
+            <a:r>
+              <a:rPr lang="en-US" sz="1400" dirty="0"/>
+              <a:t>hash</a:t>
+            </a:r>
+          </a:p>
+        </p:txBody>
+      </p:sp>
+      <p:cxnSp>
+        <p:nvCxnSpPr>
+          <p:cNvPr id="11" name="Straight Arrow Connector 10">
+            <a:extLst>
+              <a:ext uri="{FF2B5EF4-FFF2-40B4-BE49-F238E27FC236}">
+                <a16:creationId xmlns:a16="http://schemas.microsoft.com/office/drawing/2014/main" id="{3885B673-DE66-5574-16CE-11D042F5EEC8}"/>
+              </a:ext>
+            </a:extLst>
+          </p:cNvPr>
+          <p:cNvCxnSpPr>
+            <a:cxnSpLocks/>
+            <a:endCxn id="7" idx="3"/>
+          </p:cNvCxnSpPr>
+          <p:nvPr/>
+        </p:nvCxnSpPr>
+        <p:spPr>
+          <a:xfrm>
+            <a:off x="7598009" y="2423650"/>
+            <a:ext cx="930802" cy="0"/>
+          </a:xfrm>
+          <a:prstGeom prst="straightConnector1">
+            <a:avLst/>
+          </a:prstGeom>
+          <a:ln w="25400">
+            <a:solidFill>
+              <a:schemeClr val="tx1">
+                <a:lumMod val="85000"/>
+                <a:lumOff val="15000"/>
+              </a:schemeClr>
+            </a:solidFill>
+            <a:tailEnd type="triangle"/>
+          </a:ln>
+        </p:spPr>
+        <p:style>
+          <a:lnRef idx="1">
+            <a:schemeClr val="accent1"/>
+          </a:lnRef>
+          <a:fillRef idx="0">
+            <a:schemeClr val="accent1"/>
+          </a:fillRef>
+          <a:effectRef idx="0">
+            <a:schemeClr val="accent1"/>
+          </a:effectRef>
+          <a:fontRef idx="minor">
+            <a:schemeClr val="tx1"/>
+          </a:fontRef>
+        </p:style>
+      </p:cxnSp>
+      <p:sp>
+        <p:nvSpPr>
+          <p:cNvPr id="14" name="Hexagon 13">
+            <a:extLst>
+              <a:ext uri="{FF2B5EF4-FFF2-40B4-BE49-F238E27FC236}">
+                <a16:creationId xmlns:a16="http://schemas.microsoft.com/office/drawing/2014/main" id="{AD632704-7466-931E-6D59-B8CD4F10DF0F}"/>
+              </a:ext>
+            </a:extLst>
+          </p:cNvPr>
+          <p:cNvSpPr/>
+          <p:nvPr/>
+        </p:nvSpPr>
+        <p:spPr>
+          <a:xfrm>
+            <a:off x="10272526" y="2310887"/>
+            <a:ext cx="1459076" cy="225525"/>
+          </a:xfrm>
+          <a:prstGeom prst="hexagon">
+            <a:avLst/>
+          </a:prstGeom>
+        </p:spPr>
+        <p:style>
+          <a:lnRef idx="2">
+            <a:schemeClr val="accent2">
+              <a:shade val="50000"/>
+            </a:schemeClr>
+          </a:lnRef>
+          <a:fillRef idx="1">
+            <a:schemeClr val="accent2"/>
+          </a:fillRef>
+          <a:effectRef idx="0">
+            <a:schemeClr val="accent2"/>
+          </a:effectRef>
+          <a:fontRef idx="minor">
+            <a:schemeClr val="lt1"/>
+          </a:fontRef>
+        </p:style>
+        <p:txBody>
+          <a:bodyPr rtlCol="0" anchor="ctr"/>
+          <a:lstStyle/>
+          <a:p>
+            <a:pPr algn="ctr"/>
+            <a:r>
+              <a:rPr lang="en-US" sz="1400" dirty="0" err="1"/>
+              <a:t>ms_A_hash</a:t>
+            </a:r>
+            <a:endParaRPr lang="en-US" sz="1400" dirty="0"/>
+          </a:p>
+        </p:txBody>
+      </p:sp>
+      <p:cxnSp>
+        <p:nvCxnSpPr>
+          <p:cNvPr id="18" name="Straight Arrow Connector 17">
+            <a:extLst>
+              <a:ext uri="{FF2B5EF4-FFF2-40B4-BE49-F238E27FC236}">
+                <a16:creationId xmlns:a16="http://schemas.microsoft.com/office/drawing/2014/main" id="{67C2D2B6-4B62-9E20-16B4-1405FA4A2CA1}"/>
+              </a:ext>
+            </a:extLst>
+          </p:cNvPr>
+          <p:cNvCxnSpPr>
+            <a:stCxn id="7" idx="0"/>
+            <a:endCxn id="14" idx="3"/>
+          </p:cNvCxnSpPr>
+          <p:nvPr/>
+        </p:nvCxnSpPr>
+        <p:spPr>
+          <a:xfrm flipV="1">
+            <a:off x="9205385" y="2423649"/>
+            <a:ext cx="1067141" cy="1"/>
+          </a:xfrm>
+          <a:prstGeom prst="straightConnector1">
+            <a:avLst/>
+          </a:prstGeom>
+          <a:ln w="25400">
+            <a:solidFill>
+              <a:schemeClr val="tx1">
+                <a:lumMod val="85000"/>
+                <a:lumOff val="15000"/>
+              </a:schemeClr>
+            </a:solidFill>
+            <a:headEnd type="triangle"/>
+            <a:tailEnd type="triangle"/>
+          </a:ln>
+        </p:spPr>
+        <p:style>
+          <a:lnRef idx="1">
+            <a:schemeClr val="accent1"/>
+          </a:lnRef>
+          <a:fillRef idx="0">
+            <a:schemeClr val="accent1"/>
+          </a:fillRef>
+          <a:effectRef idx="0">
+            <a:schemeClr val="accent1"/>
+          </a:effectRef>
+          <a:fontRef idx="minor">
+            <a:schemeClr val="tx1"/>
+          </a:fontRef>
+        </p:style>
+      </p:cxnSp>
+      <p:sp>
+        <p:nvSpPr>
+          <p:cNvPr id="19" name="TextBox 18">
+            <a:extLst>
+              <a:ext uri="{FF2B5EF4-FFF2-40B4-BE49-F238E27FC236}">
+                <a16:creationId xmlns:a16="http://schemas.microsoft.com/office/drawing/2014/main" id="{F3F45DBC-65E0-C5E0-BF9D-D77F73FF9152}"/>
+              </a:ext>
+            </a:extLst>
+          </p:cNvPr>
+          <p:cNvSpPr txBox="1"/>
+          <p:nvPr/>
+        </p:nvSpPr>
+        <p:spPr>
+          <a:xfrm>
+            <a:off x="7655613" y="2138802"/>
+            <a:ext cx="832023" cy="307777"/>
+          </a:xfrm>
+          <a:prstGeom prst="rect">
+            <a:avLst/>
+          </a:prstGeom>
+          <a:noFill/>
+        </p:spPr>
+        <p:txBody>
+          <a:bodyPr wrap="none" rtlCol="0">
+            <a:spAutoFit/>
+          </a:bodyPr>
+          <a:lstStyle/>
+          <a:p>
+            <a:r>
+              <a:rPr lang="en-US" sz="1400" dirty="0"/>
+              <a:t>calculate</a:t>
+            </a:r>
+          </a:p>
+        </p:txBody>
+      </p:sp>
+      <p:sp>
+        <p:nvSpPr>
+          <p:cNvPr id="20" name="TextBox 19">
+            <a:extLst>
+              <a:ext uri="{FF2B5EF4-FFF2-40B4-BE49-F238E27FC236}">
+                <a16:creationId xmlns:a16="http://schemas.microsoft.com/office/drawing/2014/main" id="{010666EF-16F7-9536-0C86-BFAC613004F8}"/>
+              </a:ext>
+            </a:extLst>
+          </p:cNvPr>
+          <p:cNvSpPr txBox="1"/>
+          <p:nvPr/>
+        </p:nvSpPr>
+        <p:spPr>
+          <a:xfrm>
+            <a:off x="9322582" y="2143351"/>
+            <a:ext cx="826829" cy="307777"/>
+          </a:xfrm>
+          <a:prstGeom prst="rect">
+            <a:avLst/>
+          </a:prstGeom>
+          <a:noFill/>
+        </p:spPr>
+        <p:txBody>
+          <a:bodyPr wrap="none" rtlCol="0">
+            <a:spAutoFit/>
+          </a:bodyPr>
+          <a:lstStyle/>
+          <a:p>
+            <a:r>
+              <a:rPr lang="en-US" sz="1400" dirty="0"/>
+              <a:t>compare</a:t>
+            </a:r>
+          </a:p>
+        </p:txBody>
+      </p:sp>
+      <p:sp>
+        <p:nvSpPr>
+          <p:cNvPr id="21" name="Oval 20">
+            <a:extLst>
+              <a:ext uri="{FF2B5EF4-FFF2-40B4-BE49-F238E27FC236}">
+                <a16:creationId xmlns:a16="http://schemas.microsoft.com/office/drawing/2014/main" id="{82EB209D-0088-DBF9-8DE7-ABEDFEFDD0A3}"/>
+              </a:ext>
+            </a:extLst>
+          </p:cNvPr>
+          <p:cNvSpPr/>
+          <p:nvPr/>
+        </p:nvSpPr>
+        <p:spPr>
+          <a:xfrm>
+            <a:off x="10190175" y="3499345"/>
+            <a:ext cx="1623777" cy="775400"/>
+          </a:xfrm>
+          <a:prstGeom prst="ellipse">
+            <a:avLst/>
+          </a:prstGeom>
+        </p:spPr>
+        <p:style>
+          <a:lnRef idx="2">
+            <a:schemeClr val="accent6">
+              <a:shade val="50000"/>
+            </a:schemeClr>
+          </a:lnRef>
+          <a:fillRef idx="1">
+            <a:schemeClr val="accent6"/>
+          </a:fillRef>
+          <a:effectRef idx="0">
+            <a:schemeClr val="accent6"/>
+          </a:effectRef>
+          <a:fontRef idx="minor">
+            <a:schemeClr val="lt1"/>
+          </a:fontRef>
+        </p:style>
+        <p:txBody>
+          <a:bodyPr rtlCol="0" anchor="ctr"/>
+          <a:lstStyle/>
+          <a:p>
+            <a:pPr algn="ctr"/>
+            <a:r>
+              <a:rPr lang="en-US" sz="1200" dirty="0"/>
+              <a:t>Permission</a:t>
+            </a:r>
+            <a:br>
+              <a:rPr lang="en-US" sz="1200" dirty="0"/>
+            </a:br>
+            <a:r>
+              <a:rPr lang="en-US" sz="1200" dirty="0"/>
+              <a:t>Management</a:t>
+            </a:r>
+            <a:br>
+              <a:rPr lang="en-US" sz="1200" dirty="0"/>
+            </a:br>
+            <a:r>
+              <a:rPr lang="en-US" sz="1200" dirty="0"/>
+              <a:t>Database</a:t>
+            </a:r>
+          </a:p>
+        </p:txBody>
+      </p:sp>
+      <p:cxnSp>
+        <p:nvCxnSpPr>
+          <p:cNvPr id="23" name="Connector: Elbow 22">
+            <a:extLst>
+              <a:ext uri="{FF2B5EF4-FFF2-40B4-BE49-F238E27FC236}">
+                <a16:creationId xmlns:a16="http://schemas.microsoft.com/office/drawing/2014/main" id="{1C37B7AC-47F9-E0F7-16E6-99C83B1B33EF}"/>
+              </a:ext>
+            </a:extLst>
+          </p:cNvPr>
+          <p:cNvCxnSpPr>
+            <a:cxnSpLocks/>
+            <a:stCxn id="5" idx="2"/>
+            <a:endCxn id="21" idx="2"/>
+          </p:cNvCxnSpPr>
+          <p:nvPr/>
+        </p:nvCxnSpPr>
+        <p:spPr>
+          <a:xfrm rot="16200000" flipH="1">
+            <a:off x="8047207" y="1744076"/>
+            <a:ext cx="970043" cy="3315894"/>
+          </a:xfrm>
+          <a:prstGeom prst="bentConnector2">
+            <a:avLst/>
+          </a:prstGeom>
+          <a:ln w="25400">
+            <a:solidFill>
+              <a:schemeClr val="tx1">
+                <a:lumMod val="85000"/>
+                <a:lumOff val="15000"/>
+              </a:schemeClr>
+            </a:solidFill>
+            <a:tailEnd type="triangle"/>
+          </a:ln>
+        </p:spPr>
+        <p:style>
+          <a:lnRef idx="1">
+            <a:schemeClr val="accent1"/>
+          </a:lnRef>
+          <a:fillRef idx="0">
+            <a:schemeClr val="accent1"/>
+          </a:fillRef>
+          <a:effectRef idx="0">
+            <a:schemeClr val="accent1"/>
+          </a:effectRef>
+          <a:fontRef idx="minor">
+            <a:schemeClr val="tx1"/>
+          </a:fontRef>
+        </p:style>
+      </p:cxnSp>
+      <p:sp>
+        <p:nvSpPr>
+          <p:cNvPr id="24" name="Hexagon 23">
+            <a:extLst>
+              <a:ext uri="{FF2B5EF4-FFF2-40B4-BE49-F238E27FC236}">
+                <a16:creationId xmlns:a16="http://schemas.microsoft.com/office/drawing/2014/main" id="{9E1CE1DB-278D-637A-FDA5-7F930CD397FE}"/>
+              </a:ext>
+            </a:extLst>
+          </p:cNvPr>
+          <p:cNvSpPr/>
+          <p:nvPr/>
+        </p:nvSpPr>
+        <p:spPr>
+          <a:xfrm>
+            <a:off x="10270475" y="2664183"/>
+            <a:ext cx="1459076" cy="225525"/>
+          </a:xfrm>
+          <a:prstGeom prst="hexagon">
+            <a:avLst/>
+          </a:prstGeom>
+        </p:spPr>
+        <p:style>
+          <a:lnRef idx="2">
+            <a:schemeClr val="accent2">
+              <a:shade val="50000"/>
+            </a:schemeClr>
+          </a:lnRef>
+          <a:fillRef idx="1">
+            <a:schemeClr val="accent2"/>
+          </a:fillRef>
+          <a:effectRef idx="0">
+            <a:schemeClr val="accent2"/>
+          </a:effectRef>
+          <a:fontRef idx="minor">
+            <a:schemeClr val="lt1"/>
+          </a:fontRef>
+        </p:style>
+        <p:txBody>
+          <a:bodyPr rtlCol="0" anchor="ctr"/>
+          <a:lstStyle/>
+          <a:p>
+            <a:pPr algn="ctr"/>
+            <a:r>
+              <a:rPr lang="en-US" sz="1400" dirty="0" err="1"/>
+              <a:t>perm_stamp</a:t>
+            </a:r>
+            <a:endParaRPr lang="en-US" sz="1400" dirty="0"/>
+          </a:p>
+        </p:txBody>
+      </p:sp>
+      <p:cxnSp>
+        <p:nvCxnSpPr>
+          <p:cNvPr id="33" name="Straight Arrow Connector 32">
+            <a:extLst>
+              <a:ext uri="{FF2B5EF4-FFF2-40B4-BE49-F238E27FC236}">
+                <a16:creationId xmlns:a16="http://schemas.microsoft.com/office/drawing/2014/main" id="{66F4BCE8-DC13-8D69-9A00-4BBE711D4842}"/>
+              </a:ext>
+            </a:extLst>
+          </p:cNvPr>
+          <p:cNvCxnSpPr>
+            <a:cxnSpLocks/>
+            <a:endCxn id="24" idx="3"/>
+          </p:cNvCxnSpPr>
+          <p:nvPr/>
+        </p:nvCxnSpPr>
+        <p:spPr>
+          <a:xfrm>
+            <a:off x="7598009" y="2776946"/>
+            <a:ext cx="2672466" cy="0"/>
+          </a:xfrm>
+          <a:prstGeom prst="straightConnector1">
+            <a:avLst/>
+          </a:prstGeom>
+          <a:ln w="25400">
+            <a:solidFill>
+              <a:schemeClr val="tx1">
+                <a:lumMod val="85000"/>
+                <a:lumOff val="15000"/>
+              </a:schemeClr>
+            </a:solidFill>
+            <a:tailEnd type="triangle"/>
+          </a:ln>
+        </p:spPr>
+        <p:style>
+          <a:lnRef idx="1">
+            <a:schemeClr val="accent1"/>
+          </a:lnRef>
+          <a:fillRef idx="0">
+            <a:schemeClr val="accent1"/>
+          </a:fillRef>
+          <a:effectRef idx="0">
+            <a:schemeClr val="accent1"/>
+          </a:effectRef>
+          <a:fontRef idx="minor">
+            <a:schemeClr val="tx1"/>
+          </a:fontRef>
+        </p:style>
+      </p:cxnSp>
+      <p:sp>
+        <p:nvSpPr>
+          <p:cNvPr id="34" name="TextBox 33">
+            <a:extLst>
+              <a:ext uri="{FF2B5EF4-FFF2-40B4-BE49-F238E27FC236}">
+                <a16:creationId xmlns:a16="http://schemas.microsoft.com/office/drawing/2014/main" id="{A6A0F81C-00C0-6258-C62D-629EBA34341F}"/>
+              </a:ext>
+            </a:extLst>
+          </p:cNvPr>
+          <p:cNvSpPr txBox="1"/>
+          <p:nvPr/>
+        </p:nvSpPr>
+        <p:spPr>
+          <a:xfrm>
+            <a:off x="8523116" y="2748415"/>
+            <a:ext cx="832023" cy="307777"/>
+          </a:xfrm>
+          <a:prstGeom prst="rect">
+            <a:avLst/>
+          </a:prstGeom>
+          <a:noFill/>
+        </p:spPr>
+        <p:txBody>
+          <a:bodyPr wrap="square" rtlCol="0">
+            <a:spAutoFit/>
+          </a:bodyPr>
+          <a:lstStyle/>
+          <a:p>
+            <a:r>
+              <a:rPr lang="en-US" sz="1400" dirty="0"/>
+              <a:t>update</a:t>
+            </a:r>
+          </a:p>
+        </p:txBody>
+      </p:sp>
+      <p:sp>
+        <p:nvSpPr>
+          <p:cNvPr id="39" name="TextBox 38">
+            <a:extLst>
+              <a:ext uri="{FF2B5EF4-FFF2-40B4-BE49-F238E27FC236}">
+                <a16:creationId xmlns:a16="http://schemas.microsoft.com/office/drawing/2014/main" id="{76B06D21-2490-E6C8-0B07-3AE1C59E1FCA}"/>
+              </a:ext>
+            </a:extLst>
+          </p:cNvPr>
+          <p:cNvSpPr txBox="1"/>
+          <p:nvPr/>
+        </p:nvSpPr>
+        <p:spPr>
+          <a:xfrm>
+            <a:off x="6992203" y="3575283"/>
+            <a:ext cx="3020705" cy="307777"/>
+          </a:xfrm>
+          <a:prstGeom prst="rect">
+            <a:avLst/>
+          </a:prstGeom>
+          <a:noFill/>
+        </p:spPr>
+        <p:txBody>
+          <a:bodyPr wrap="square" rtlCol="0">
+            <a:spAutoFit/>
+          </a:bodyPr>
+          <a:lstStyle/>
+          <a:p>
+            <a:r>
+              <a:rPr lang="en-US" sz="1400" dirty="0"/>
+              <a:t>Serialize &amp; save permission definitions</a:t>
             </a:r>
           </a:p>
         </p:txBody>

--- a/2022-10-15 Authorization-In-Distributed-Systems/Authorization-In-Distributed-Systems.pptx
+++ b/2022-10-15 Authorization-In-Distributed-Systems/Authorization-In-Distributed-Systems.pptx
@@ -28,16 +28,17 @@
     <p:sldId id="296" r:id="rId22"/>
     <p:sldId id="275" r:id="rId23"/>
     <p:sldId id="298" r:id="rId24"/>
-    <p:sldId id="299" r:id="rId25"/>
-    <p:sldId id="300" r:id="rId26"/>
-    <p:sldId id="282" r:id="rId27"/>
-    <p:sldId id="283" r:id="rId28"/>
-    <p:sldId id="284" r:id="rId29"/>
-    <p:sldId id="285" r:id="rId30"/>
-    <p:sldId id="286" r:id="rId31"/>
-    <p:sldId id="287" r:id="rId32"/>
-    <p:sldId id="288" r:id="rId33"/>
-    <p:sldId id="289" r:id="rId34"/>
+    <p:sldId id="301" r:id="rId25"/>
+    <p:sldId id="299" r:id="rId26"/>
+    <p:sldId id="300" r:id="rId27"/>
+    <p:sldId id="282" r:id="rId28"/>
+    <p:sldId id="283" r:id="rId29"/>
+    <p:sldId id="284" r:id="rId30"/>
+    <p:sldId id="285" r:id="rId31"/>
+    <p:sldId id="286" r:id="rId32"/>
+    <p:sldId id="287" r:id="rId33"/>
+    <p:sldId id="288" r:id="rId34"/>
+    <p:sldId id="289" r:id="rId35"/>
   </p:sldIdLst>
   <p:sldSz cx="12192000" cy="6858000"/>
   <p:notesSz cx="6858000" cy="9144000"/>
@@ -17699,6 +17700,36 @@
               <a:t>to inform other services</a:t>
             </a:r>
           </a:p>
+          <a:p>
+            <a:r>
+              <a:rPr lang="en-US" sz="1800" dirty="0">
+                <a:latin typeface="Euclid Circular B" panose="020B0504000000000000" pitchFamily="34" charset="0"/>
+                <a:ea typeface="Euclid Circular B" panose="020B0504000000000000" pitchFamily="34" charset="0"/>
+              </a:rPr>
+              <a:t>Use </a:t>
+            </a:r>
+            <a:r>
+              <a:rPr lang="en-US" sz="1800" b="1" i="1" dirty="0">
+                <a:latin typeface="Euclid Circular B" panose="020B0504000000000000" pitchFamily="34" charset="0"/>
+                <a:ea typeface="Euclid Circular B" panose="020B0504000000000000" pitchFamily="34" charset="0"/>
+              </a:rPr>
+              <a:t>microservice name</a:t>
+            </a:r>
+            <a:r>
+              <a:rPr lang="en-US" sz="1800" i="1" dirty="0">
+                <a:latin typeface="Euclid Circular B" panose="020B0504000000000000" pitchFamily="34" charset="0"/>
+                <a:ea typeface="Euclid Circular B" panose="020B0504000000000000" pitchFamily="34" charset="0"/>
+              </a:rPr>
+              <a:t> </a:t>
+            </a:r>
+            <a:r>
+              <a:rPr lang="en-US" sz="1800" dirty="0">
+                <a:latin typeface="Euclid Circular B" panose="020B0504000000000000" pitchFamily="34" charset="0"/>
+                <a:ea typeface="Euclid Circular B" panose="020B0504000000000000" pitchFamily="34" charset="0"/>
+              </a:rPr>
+              <a:t>as a cache key prefix</a:t>
+            </a:r>
+          </a:p>
         </p:txBody>
       </p:sp>
       <p:sp>
@@ -17793,12 +17824,12 @@
           <a:p>
             <a:pPr algn="ctr"/>
             <a:r>
-              <a:rPr lang="en-US" sz="1000" dirty="0">
+              <a:rPr lang="en-US" sz="1200" dirty="0">
                 <a:solidFill>
                   <a:schemeClr val="tx1"/>
                 </a:solidFill>
               </a:rPr>
-              <a:t>Static Permissions Definitions</a:t>
+              <a:t>Static Permission Definitions</a:t>
             </a:r>
           </a:p>
         </p:txBody>
@@ -18408,6 +18439,778 @@
   <p:clrMapOvr>
     <a:masterClrMapping/>
   </p:clrMapOvr>
+  <p:timing>
+    <p:tnLst>
+      <p:par>
+        <p:cTn id="1" dur="indefinite" restart="never" nodeType="tmRoot">
+          <p:childTnLst>
+            <p:seq concurrent="1" nextAc="seek">
+              <p:cTn id="2" dur="indefinite" nodeType="mainSeq">
+                <p:childTnLst>
+                  <p:par>
+                    <p:cTn id="3" fill="hold">
+                      <p:stCondLst>
+                        <p:cond delay="indefinite"/>
+                      </p:stCondLst>
+                      <p:childTnLst>
+                        <p:par>
+                          <p:cTn id="4" fill="hold">
+                            <p:stCondLst>
+                              <p:cond delay="0"/>
+                            </p:stCondLst>
+                            <p:childTnLst>
+                              <p:par>
+                                <p:cTn id="5" presetID="10" presetClass="entr" presetSubtype="0" fill="hold" nodeType="clickEffect">
+                                  <p:stCondLst>
+                                    <p:cond delay="0"/>
+                                  </p:stCondLst>
+                                  <p:childTnLst>
+                                    <p:set>
+                                      <p:cBhvr>
+                                        <p:cTn id="6" dur="1" fill="hold">
+                                          <p:stCondLst>
+                                            <p:cond delay="0"/>
+                                          </p:stCondLst>
+                                        </p:cTn>
+                                        <p:tgtEl>
+                                          <p:spTgt spid="11"/>
+                                        </p:tgtEl>
+                                        <p:attrNameLst>
+                                          <p:attrName>style.visibility</p:attrName>
+                                        </p:attrNameLst>
+                                      </p:cBhvr>
+                                      <p:to>
+                                        <p:strVal val="visible"/>
+                                      </p:to>
+                                    </p:set>
+                                    <p:animEffect transition="in" filter="fade">
+                                      <p:cBhvr>
+                                        <p:cTn id="7" dur="500"/>
+                                        <p:tgtEl>
+                                          <p:spTgt spid="11"/>
+                                        </p:tgtEl>
+                                      </p:cBhvr>
+                                    </p:animEffect>
+                                  </p:childTnLst>
+                                </p:cTn>
+                              </p:par>
+                              <p:par>
+                                <p:cTn id="8" presetID="10" presetClass="entr" presetSubtype="0" fill="hold" grpId="0" nodeType="withEffect">
+                                  <p:stCondLst>
+                                    <p:cond delay="0"/>
+                                  </p:stCondLst>
+                                  <p:childTnLst>
+                                    <p:set>
+                                      <p:cBhvr>
+                                        <p:cTn id="9" dur="1" fill="hold">
+                                          <p:stCondLst>
+                                            <p:cond delay="0"/>
+                                          </p:stCondLst>
+                                        </p:cTn>
+                                        <p:tgtEl>
+                                          <p:spTgt spid="19"/>
+                                        </p:tgtEl>
+                                        <p:attrNameLst>
+                                          <p:attrName>style.visibility</p:attrName>
+                                        </p:attrNameLst>
+                                      </p:cBhvr>
+                                      <p:to>
+                                        <p:strVal val="visible"/>
+                                      </p:to>
+                                    </p:set>
+                                    <p:animEffect transition="in" filter="fade">
+                                      <p:cBhvr>
+                                        <p:cTn id="10" dur="500"/>
+                                        <p:tgtEl>
+                                          <p:spTgt spid="19"/>
+                                        </p:tgtEl>
+                                      </p:cBhvr>
+                                    </p:animEffect>
+                                  </p:childTnLst>
+                                </p:cTn>
+                              </p:par>
+                              <p:par>
+                                <p:cTn id="11" presetID="10" presetClass="entr" presetSubtype="0" fill="hold" grpId="0" nodeType="withEffect">
+                                  <p:stCondLst>
+                                    <p:cond delay="0"/>
+                                  </p:stCondLst>
+                                  <p:childTnLst>
+                                    <p:set>
+                                      <p:cBhvr>
+                                        <p:cTn id="12" dur="1" fill="hold">
+                                          <p:stCondLst>
+                                            <p:cond delay="0"/>
+                                          </p:stCondLst>
+                                        </p:cTn>
+                                        <p:tgtEl>
+                                          <p:spTgt spid="7"/>
+                                        </p:tgtEl>
+                                        <p:attrNameLst>
+                                          <p:attrName>style.visibility</p:attrName>
+                                        </p:attrNameLst>
+                                      </p:cBhvr>
+                                      <p:to>
+                                        <p:strVal val="visible"/>
+                                      </p:to>
+                                    </p:set>
+                                    <p:animEffect transition="in" filter="fade">
+                                      <p:cBhvr>
+                                        <p:cTn id="13" dur="500"/>
+                                        <p:tgtEl>
+                                          <p:spTgt spid="7"/>
+                                        </p:tgtEl>
+                                      </p:cBhvr>
+                                    </p:animEffect>
+                                  </p:childTnLst>
+                                </p:cTn>
+                              </p:par>
+                              <p:par>
+                                <p:cTn id="14" presetID="10" presetClass="entr" presetSubtype="0" fill="hold" nodeType="withEffect">
+                                  <p:stCondLst>
+                                    <p:cond delay="0"/>
+                                  </p:stCondLst>
+                                  <p:childTnLst>
+                                    <p:set>
+                                      <p:cBhvr>
+                                        <p:cTn id="15" dur="1" fill="hold">
+                                          <p:stCondLst>
+                                            <p:cond delay="0"/>
+                                          </p:stCondLst>
+                                        </p:cTn>
+                                        <p:tgtEl>
+                                          <p:spTgt spid="3">
+                                            <p:txEl>
+                                              <p:pRg st="0" end="0"/>
+                                            </p:txEl>
+                                          </p:spTgt>
+                                        </p:tgtEl>
+                                        <p:attrNameLst>
+                                          <p:attrName>style.visibility</p:attrName>
+                                        </p:attrNameLst>
+                                      </p:cBhvr>
+                                      <p:to>
+                                        <p:strVal val="visible"/>
+                                      </p:to>
+                                    </p:set>
+                                    <p:animEffect transition="in" filter="fade">
+                                      <p:cBhvr>
+                                        <p:cTn id="16" dur="500"/>
+                                        <p:tgtEl>
+                                          <p:spTgt spid="3">
+                                            <p:txEl>
+                                              <p:pRg st="0" end="0"/>
+                                            </p:txEl>
+                                          </p:spTgt>
+                                        </p:tgtEl>
+                                      </p:cBhvr>
+                                    </p:animEffect>
+                                  </p:childTnLst>
+                                </p:cTn>
+                              </p:par>
+                              <p:par>
+                                <p:cTn id="17" presetID="10" presetClass="entr" presetSubtype="0" fill="hold" nodeType="withEffect">
+                                  <p:stCondLst>
+                                    <p:cond delay="0"/>
+                                  </p:stCondLst>
+                                  <p:childTnLst>
+                                    <p:set>
+                                      <p:cBhvr>
+                                        <p:cTn id="18" dur="1" fill="hold">
+                                          <p:stCondLst>
+                                            <p:cond delay="0"/>
+                                          </p:stCondLst>
+                                        </p:cTn>
+                                        <p:tgtEl>
+                                          <p:spTgt spid="3">
+                                            <p:txEl>
+                                              <p:pRg st="1" end="1"/>
+                                            </p:txEl>
+                                          </p:spTgt>
+                                        </p:tgtEl>
+                                        <p:attrNameLst>
+                                          <p:attrName>style.visibility</p:attrName>
+                                        </p:attrNameLst>
+                                      </p:cBhvr>
+                                      <p:to>
+                                        <p:strVal val="visible"/>
+                                      </p:to>
+                                    </p:set>
+                                    <p:animEffect transition="in" filter="fade">
+                                      <p:cBhvr>
+                                        <p:cTn id="19" dur="500"/>
+                                        <p:tgtEl>
+                                          <p:spTgt spid="3">
+                                            <p:txEl>
+                                              <p:pRg st="1" end="1"/>
+                                            </p:txEl>
+                                          </p:spTgt>
+                                        </p:tgtEl>
+                                      </p:cBhvr>
+                                    </p:animEffect>
+                                  </p:childTnLst>
+                                </p:cTn>
+                              </p:par>
+                            </p:childTnLst>
+                          </p:cTn>
+                        </p:par>
+                      </p:childTnLst>
+                    </p:cTn>
+                  </p:par>
+                  <p:par>
+                    <p:cTn id="20" fill="hold">
+                      <p:stCondLst>
+                        <p:cond delay="indefinite"/>
+                      </p:stCondLst>
+                      <p:childTnLst>
+                        <p:par>
+                          <p:cTn id="21" fill="hold">
+                            <p:stCondLst>
+                              <p:cond delay="0"/>
+                            </p:stCondLst>
+                            <p:childTnLst>
+                              <p:par>
+                                <p:cTn id="22" presetID="10" presetClass="entr" presetSubtype="0" fill="hold" grpId="0" nodeType="clickEffect">
+                                  <p:stCondLst>
+                                    <p:cond delay="0"/>
+                                  </p:stCondLst>
+                                  <p:childTnLst>
+                                    <p:set>
+                                      <p:cBhvr>
+                                        <p:cTn id="23" dur="1" fill="hold">
+                                          <p:stCondLst>
+                                            <p:cond delay="0"/>
+                                          </p:stCondLst>
+                                        </p:cTn>
+                                        <p:tgtEl>
+                                          <p:spTgt spid="14"/>
+                                        </p:tgtEl>
+                                        <p:attrNameLst>
+                                          <p:attrName>style.visibility</p:attrName>
+                                        </p:attrNameLst>
+                                      </p:cBhvr>
+                                      <p:to>
+                                        <p:strVal val="visible"/>
+                                      </p:to>
+                                    </p:set>
+                                    <p:animEffect transition="in" filter="fade">
+                                      <p:cBhvr>
+                                        <p:cTn id="24" dur="500"/>
+                                        <p:tgtEl>
+                                          <p:spTgt spid="14"/>
+                                        </p:tgtEl>
+                                      </p:cBhvr>
+                                    </p:animEffect>
+                                  </p:childTnLst>
+                                </p:cTn>
+                              </p:par>
+                              <p:par>
+                                <p:cTn id="25" presetID="10" presetClass="entr" presetSubtype="0" fill="hold" nodeType="withEffect">
+                                  <p:stCondLst>
+                                    <p:cond delay="0"/>
+                                  </p:stCondLst>
+                                  <p:childTnLst>
+                                    <p:set>
+                                      <p:cBhvr>
+                                        <p:cTn id="26" dur="1" fill="hold">
+                                          <p:stCondLst>
+                                            <p:cond delay="0"/>
+                                          </p:stCondLst>
+                                        </p:cTn>
+                                        <p:tgtEl>
+                                          <p:spTgt spid="18"/>
+                                        </p:tgtEl>
+                                        <p:attrNameLst>
+                                          <p:attrName>style.visibility</p:attrName>
+                                        </p:attrNameLst>
+                                      </p:cBhvr>
+                                      <p:to>
+                                        <p:strVal val="visible"/>
+                                      </p:to>
+                                    </p:set>
+                                    <p:animEffect transition="in" filter="fade">
+                                      <p:cBhvr>
+                                        <p:cTn id="27" dur="500"/>
+                                        <p:tgtEl>
+                                          <p:spTgt spid="18"/>
+                                        </p:tgtEl>
+                                      </p:cBhvr>
+                                    </p:animEffect>
+                                  </p:childTnLst>
+                                </p:cTn>
+                              </p:par>
+                              <p:par>
+                                <p:cTn id="28" presetID="10" presetClass="entr" presetSubtype="0" fill="hold" grpId="0" nodeType="withEffect">
+                                  <p:stCondLst>
+                                    <p:cond delay="0"/>
+                                  </p:stCondLst>
+                                  <p:childTnLst>
+                                    <p:set>
+                                      <p:cBhvr>
+                                        <p:cTn id="29" dur="1" fill="hold">
+                                          <p:stCondLst>
+                                            <p:cond delay="0"/>
+                                          </p:stCondLst>
+                                        </p:cTn>
+                                        <p:tgtEl>
+                                          <p:spTgt spid="20"/>
+                                        </p:tgtEl>
+                                        <p:attrNameLst>
+                                          <p:attrName>style.visibility</p:attrName>
+                                        </p:attrNameLst>
+                                      </p:cBhvr>
+                                      <p:to>
+                                        <p:strVal val="visible"/>
+                                      </p:to>
+                                    </p:set>
+                                    <p:animEffect transition="in" filter="fade">
+                                      <p:cBhvr>
+                                        <p:cTn id="30" dur="500"/>
+                                        <p:tgtEl>
+                                          <p:spTgt spid="20"/>
+                                        </p:tgtEl>
+                                      </p:cBhvr>
+                                    </p:animEffect>
+                                  </p:childTnLst>
+                                </p:cTn>
+                              </p:par>
+                              <p:par>
+                                <p:cTn id="31" presetID="10" presetClass="entr" presetSubtype="0" fill="hold" nodeType="withEffect">
+                                  <p:stCondLst>
+                                    <p:cond delay="0"/>
+                                  </p:stCondLst>
+                                  <p:childTnLst>
+                                    <p:set>
+                                      <p:cBhvr>
+                                        <p:cTn id="32" dur="1" fill="hold">
+                                          <p:stCondLst>
+                                            <p:cond delay="0"/>
+                                          </p:stCondLst>
+                                        </p:cTn>
+                                        <p:tgtEl>
+                                          <p:spTgt spid="3">
+                                            <p:txEl>
+                                              <p:pRg st="2" end="2"/>
+                                            </p:txEl>
+                                          </p:spTgt>
+                                        </p:tgtEl>
+                                        <p:attrNameLst>
+                                          <p:attrName>style.visibility</p:attrName>
+                                        </p:attrNameLst>
+                                      </p:cBhvr>
+                                      <p:to>
+                                        <p:strVal val="visible"/>
+                                      </p:to>
+                                    </p:set>
+                                    <p:animEffect transition="in" filter="fade">
+                                      <p:cBhvr>
+                                        <p:cTn id="33" dur="500"/>
+                                        <p:tgtEl>
+                                          <p:spTgt spid="3">
+                                            <p:txEl>
+                                              <p:pRg st="2" end="2"/>
+                                            </p:txEl>
+                                          </p:spTgt>
+                                        </p:tgtEl>
+                                      </p:cBhvr>
+                                    </p:animEffect>
+                                  </p:childTnLst>
+                                </p:cTn>
+                              </p:par>
+                            </p:childTnLst>
+                          </p:cTn>
+                        </p:par>
+                      </p:childTnLst>
+                    </p:cTn>
+                  </p:par>
+                  <p:par>
+                    <p:cTn id="34" fill="hold">
+                      <p:stCondLst>
+                        <p:cond delay="indefinite"/>
+                      </p:stCondLst>
+                      <p:childTnLst>
+                        <p:par>
+                          <p:cTn id="35" fill="hold">
+                            <p:stCondLst>
+                              <p:cond delay="0"/>
+                            </p:stCondLst>
+                            <p:childTnLst>
+                              <p:par>
+                                <p:cTn id="36" presetID="10" presetClass="entr" presetSubtype="0" fill="hold" grpId="0" nodeType="clickEffect">
+                                  <p:stCondLst>
+                                    <p:cond delay="0"/>
+                                  </p:stCondLst>
+                                  <p:childTnLst>
+                                    <p:set>
+                                      <p:cBhvr>
+                                        <p:cTn id="37" dur="1" fill="hold">
+                                          <p:stCondLst>
+                                            <p:cond delay="0"/>
+                                          </p:stCondLst>
+                                        </p:cTn>
+                                        <p:tgtEl>
+                                          <p:spTgt spid="39"/>
+                                        </p:tgtEl>
+                                        <p:attrNameLst>
+                                          <p:attrName>style.visibility</p:attrName>
+                                        </p:attrNameLst>
+                                      </p:cBhvr>
+                                      <p:to>
+                                        <p:strVal val="visible"/>
+                                      </p:to>
+                                    </p:set>
+                                    <p:animEffect transition="in" filter="fade">
+                                      <p:cBhvr>
+                                        <p:cTn id="38" dur="500"/>
+                                        <p:tgtEl>
+                                          <p:spTgt spid="39"/>
+                                        </p:tgtEl>
+                                      </p:cBhvr>
+                                    </p:animEffect>
+                                  </p:childTnLst>
+                                </p:cTn>
+                              </p:par>
+                              <p:par>
+                                <p:cTn id="39" presetID="10" presetClass="entr" presetSubtype="0" fill="hold" nodeType="withEffect">
+                                  <p:stCondLst>
+                                    <p:cond delay="0"/>
+                                  </p:stCondLst>
+                                  <p:childTnLst>
+                                    <p:set>
+                                      <p:cBhvr>
+                                        <p:cTn id="40" dur="1" fill="hold">
+                                          <p:stCondLst>
+                                            <p:cond delay="0"/>
+                                          </p:stCondLst>
+                                        </p:cTn>
+                                        <p:tgtEl>
+                                          <p:spTgt spid="23"/>
+                                        </p:tgtEl>
+                                        <p:attrNameLst>
+                                          <p:attrName>style.visibility</p:attrName>
+                                        </p:attrNameLst>
+                                      </p:cBhvr>
+                                      <p:to>
+                                        <p:strVal val="visible"/>
+                                      </p:to>
+                                    </p:set>
+                                    <p:animEffect transition="in" filter="fade">
+                                      <p:cBhvr>
+                                        <p:cTn id="41" dur="500"/>
+                                        <p:tgtEl>
+                                          <p:spTgt spid="23"/>
+                                        </p:tgtEl>
+                                      </p:cBhvr>
+                                    </p:animEffect>
+                                  </p:childTnLst>
+                                </p:cTn>
+                              </p:par>
+                              <p:par>
+                                <p:cTn id="42" presetID="10" presetClass="entr" presetSubtype="0" fill="hold" nodeType="withEffect">
+                                  <p:stCondLst>
+                                    <p:cond delay="0"/>
+                                  </p:stCondLst>
+                                  <p:childTnLst>
+                                    <p:set>
+                                      <p:cBhvr>
+                                        <p:cTn id="43" dur="1" fill="hold">
+                                          <p:stCondLst>
+                                            <p:cond delay="0"/>
+                                          </p:stCondLst>
+                                        </p:cTn>
+                                        <p:tgtEl>
+                                          <p:spTgt spid="3">
+                                            <p:txEl>
+                                              <p:pRg st="3" end="3"/>
+                                            </p:txEl>
+                                          </p:spTgt>
+                                        </p:tgtEl>
+                                        <p:attrNameLst>
+                                          <p:attrName>style.visibility</p:attrName>
+                                        </p:attrNameLst>
+                                      </p:cBhvr>
+                                      <p:to>
+                                        <p:strVal val="visible"/>
+                                      </p:to>
+                                    </p:set>
+                                    <p:animEffect transition="in" filter="fade">
+                                      <p:cBhvr>
+                                        <p:cTn id="44" dur="500"/>
+                                        <p:tgtEl>
+                                          <p:spTgt spid="3">
+                                            <p:txEl>
+                                              <p:pRg st="3" end="3"/>
+                                            </p:txEl>
+                                          </p:spTgt>
+                                        </p:tgtEl>
+                                      </p:cBhvr>
+                                    </p:animEffect>
+                                  </p:childTnLst>
+                                </p:cTn>
+                              </p:par>
+                            </p:childTnLst>
+                          </p:cTn>
+                        </p:par>
+                      </p:childTnLst>
+                    </p:cTn>
+                  </p:par>
+                  <p:par>
+                    <p:cTn id="45" fill="hold">
+                      <p:stCondLst>
+                        <p:cond delay="indefinite"/>
+                      </p:stCondLst>
+                      <p:childTnLst>
+                        <p:par>
+                          <p:cTn id="46" fill="hold">
+                            <p:stCondLst>
+                              <p:cond delay="0"/>
+                            </p:stCondLst>
+                            <p:childTnLst>
+                              <p:par>
+                                <p:cTn id="47" presetID="10" presetClass="entr" presetSubtype="0" fill="hold" grpId="0" nodeType="clickEffect">
+                                  <p:stCondLst>
+                                    <p:cond delay="0"/>
+                                  </p:stCondLst>
+                                  <p:childTnLst>
+                                    <p:set>
+                                      <p:cBhvr>
+                                        <p:cTn id="48" dur="1" fill="hold">
+                                          <p:stCondLst>
+                                            <p:cond delay="0"/>
+                                          </p:stCondLst>
+                                        </p:cTn>
+                                        <p:tgtEl>
+                                          <p:spTgt spid="24"/>
+                                        </p:tgtEl>
+                                        <p:attrNameLst>
+                                          <p:attrName>style.visibility</p:attrName>
+                                        </p:attrNameLst>
+                                      </p:cBhvr>
+                                      <p:to>
+                                        <p:strVal val="visible"/>
+                                      </p:to>
+                                    </p:set>
+                                    <p:animEffect transition="in" filter="fade">
+                                      <p:cBhvr>
+                                        <p:cTn id="49" dur="500"/>
+                                        <p:tgtEl>
+                                          <p:spTgt spid="24"/>
+                                        </p:tgtEl>
+                                      </p:cBhvr>
+                                    </p:animEffect>
+                                  </p:childTnLst>
+                                </p:cTn>
+                              </p:par>
+                              <p:par>
+                                <p:cTn id="50" presetID="10" presetClass="entr" presetSubtype="0" fill="hold" nodeType="withEffect">
+                                  <p:stCondLst>
+                                    <p:cond delay="0"/>
+                                  </p:stCondLst>
+                                  <p:childTnLst>
+                                    <p:set>
+                                      <p:cBhvr>
+                                        <p:cTn id="51" dur="1" fill="hold">
+                                          <p:stCondLst>
+                                            <p:cond delay="0"/>
+                                          </p:stCondLst>
+                                        </p:cTn>
+                                        <p:tgtEl>
+                                          <p:spTgt spid="33"/>
+                                        </p:tgtEl>
+                                        <p:attrNameLst>
+                                          <p:attrName>style.visibility</p:attrName>
+                                        </p:attrNameLst>
+                                      </p:cBhvr>
+                                      <p:to>
+                                        <p:strVal val="visible"/>
+                                      </p:to>
+                                    </p:set>
+                                    <p:animEffect transition="in" filter="fade">
+                                      <p:cBhvr>
+                                        <p:cTn id="52" dur="500"/>
+                                        <p:tgtEl>
+                                          <p:spTgt spid="33"/>
+                                        </p:tgtEl>
+                                      </p:cBhvr>
+                                    </p:animEffect>
+                                  </p:childTnLst>
+                                </p:cTn>
+                              </p:par>
+                              <p:par>
+                                <p:cTn id="53" presetID="10" presetClass="entr" presetSubtype="0" fill="hold" grpId="0" nodeType="withEffect">
+                                  <p:stCondLst>
+                                    <p:cond delay="0"/>
+                                  </p:stCondLst>
+                                  <p:childTnLst>
+                                    <p:set>
+                                      <p:cBhvr>
+                                        <p:cTn id="54" dur="1" fill="hold">
+                                          <p:stCondLst>
+                                            <p:cond delay="0"/>
+                                          </p:stCondLst>
+                                        </p:cTn>
+                                        <p:tgtEl>
+                                          <p:spTgt spid="34"/>
+                                        </p:tgtEl>
+                                        <p:attrNameLst>
+                                          <p:attrName>style.visibility</p:attrName>
+                                        </p:attrNameLst>
+                                      </p:cBhvr>
+                                      <p:to>
+                                        <p:strVal val="visible"/>
+                                      </p:to>
+                                    </p:set>
+                                    <p:animEffect transition="in" filter="fade">
+                                      <p:cBhvr>
+                                        <p:cTn id="55" dur="500"/>
+                                        <p:tgtEl>
+                                          <p:spTgt spid="34"/>
+                                        </p:tgtEl>
+                                      </p:cBhvr>
+                                    </p:animEffect>
+                                  </p:childTnLst>
+                                </p:cTn>
+                              </p:par>
+                              <p:par>
+                                <p:cTn id="56" presetID="10" presetClass="entr" presetSubtype="0" fill="hold" nodeType="withEffect">
+                                  <p:stCondLst>
+                                    <p:cond delay="0"/>
+                                  </p:stCondLst>
+                                  <p:childTnLst>
+                                    <p:set>
+                                      <p:cBhvr>
+                                        <p:cTn id="57" dur="1" fill="hold">
+                                          <p:stCondLst>
+                                            <p:cond delay="0"/>
+                                          </p:stCondLst>
+                                        </p:cTn>
+                                        <p:tgtEl>
+                                          <p:spTgt spid="3">
+                                            <p:txEl>
+                                              <p:pRg st="4" end="4"/>
+                                            </p:txEl>
+                                          </p:spTgt>
+                                        </p:tgtEl>
+                                        <p:attrNameLst>
+                                          <p:attrName>style.visibility</p:attrName>
+                                        </p:attrNameLst>
+                                      </p:cBhvr>
+                                      <p:to>
+                                        <p:strVal val="visible"/>
+                                      </p:to>
+                                    </p:set>
+                                    <p:animEffect transition="in" filter="fade">
+                                      <p:cBhvr>
+                                        <p:cTn id="58" dur="500"/>
+                                        <p:tgtEl>
+                                          <p:spTgt spid="3">
+                                            <p:txEl>
+                                              <p:pRg st="4" end="4"/>
+                                            </p:txEl>
+                                          </p:spTgt>
+                                        </p:tgtEl>
+                                      </p:cBhvr>
+                                    </p:animEffect>
+                                  </p:childTnLst>
+                                </p:cTn>
+                              </p:par>
+                            </p:childTnLst>
+                          </p:cTn>
+                        </p:par>
+                      </p:childTnLst>
+                    </p:cTn>
+                  </p:par>
+                  <p:par>
+                    <p:cTn id="59" fill="hold">
+                      <p:stCondLst>
+                        <p:cond delay="indefinite"/>
+                      </p:stCondLst>
+                      <p:childTnLst>
+                        <p:par>
+                          <p:cTn id="60" fill="hold">
+                            <p:stCondLst>
+                              <p:cond delay="0"/>
+                            </p:stCondLst>
+                            <p:childTnLst>
+                              <p:par>
+                                <p:cTn id="61" presetID="10" presetClass="entr" presetSubtype="0" fill="hold" nodeType="clickEffect">
+                                  <p:stCondLst>
+                                    <p:cond delay="0"/>
+                                  </p:stCondLst>
+                                  <p:childTnLst>
+                                    <p:set>
+                                      <p:cBhvr>
+                                        <p:cTn id="62" dur="1" fill="hold">
+                                          <p:stCondLst>
+                                            <p:cond delay="0"/>
+                                          </p:stCondLst>
+                                        </p:cTn>
+                                        <p:tgtEl>
+                                          <p:spTgt spid="3">
+                                            <p:txEl>
+                                              <p:pRg st="5" end="5"/>
+                                            </p:txEl>
+                                          </p:spTgt>
+                                        </p:tgtEl>
+                                        <p:attrNameLst>
+                                          <p:attrName>style.visibility</p:attrName>
+                                        </p:attrNameLst>
+                                      </p:cBhvr>
+                                      <p:to>
+                                        <p:strVal val="visible"/>
+                                      </p:to>
+                                    </p:set>
+                                    <p:animEffect transition="in" filter="fade">
+                                      <p:cBhvr>
+                                        <p:cTn id="63" dur="500"/>
+                                        <p:tgtEl>
+                                          <p:spTgt spid="3">
+                                            <p:txEl>
+                                              <p:pRg st="5" end="5"/>
+                                            </p:txEl>
+                                          </p:spTgt>
+                                        </p:tgtEl>
+                                      </p:cBhvr>
+                                    </p:animEffect>
+                                  </p:childTnLst>
+                                </p:cTn>
+                              </p:par>
+                            </p:childTnLst>
+                          </p:cTn>
+                        </p:par>
+                      </p:childTnLst>
+                    </p:cTn>
+                  </p:par>
+                </p:childTnLst>
+              </p:cTn>
+              <p:prevCondLst>
+                <p:cond evt="onPrev" delay="0">
+                  <p:tgtEl>
+                    <p:sldTgt/>
+                  </p:tgtEl>
+                </p:cond>
+              </p:prevCondLst>
+              <p:nextCondLst>
+                <p:cond evt="onNext" delay="0">
+                  <p:tgtEl>
+                    <p:sldTgt/>
+                  </p:tgtEl>
+                </p:cond>
+              </p:nextCondLst>
+            </p:seq>
+          </p:childTnLst>
+        </p:cTn>
+      </p:par>
+    </p:tnLst>
+    <p:bldLst>
+      <p:bldP spid="7" grpId="0" animBg="1"/>
+      <p:bldP spid="14" grpId="0" animBg="1"/>
+      <p:bldP spid="19" grpId="0"/>
+      <p:bldP spid="20" grpId="0"/>
+      <p:bldP spid="24" grpId="0" animBg="1"/>
+      <p:bldP spid="34" grpId="0"/>
+      <p:bldP spid="39" grpId="0"/>
+    </p:bldLst>
+  </p:timing>
 </p:sld>
 </file>
 
@@ -18471,7 +19274,7 @@
                 <a:latin typeface="Euclid Circular B" panose="020B0504000000000000" pitchFamily="34" charset="0"/>
                 <a:ea typeface="Euclid Circular B" panose="020B0504000000000000" pitchFamily="34" charset="0"/>
               </a:rPr>
-              <a:t>Topic title</a:t>
+              <a:t>ABP: Getting Permission Definitions</a:t>
             </a:r>
           </a:p>
         </p:txBody>
@@ -18492,31 +19295,1285 @@
             <p:ph idx="1"/>
           </p:nvPr>
         </p:nvSpPr>
-        <p:spPr/>
+        <p:spPr>
+          <a:xfrm>
+            <a:off x="838199" y="1825625"/>
+            <a:ext cx="4607859" cy="4351338"/>
+          </a:xfrm>
+        </p:spPr>
         <p:txBody>
-          <a:bodyPr/>
+          <a:bodyPr>
+            <a:normAutofit/>
+          </a:bodyPr>
           <a:lstStyle/>
           <a:p>
-            <a:r>
-              <a:rPr lang="en-US" dirty="0">
-                <a:latin typeface="Euclid Circular B" panose="020B0504000000000000" pitchFamily="34" charset="0"/>
-                <a:ea typeface="Euclid Circular B" panose="020B0504000000000000" pitchFamily="34" charset="0"/>
-              </a:rPr>
-              <a:t>Content</a:t>
+            <a:pPr marL="0" indent="0">
+              <a:buNone/>
+            </a:pPr>
+            <a:r>
+              <a:rPr lang="en-US" sz="2000" dirty="0">
+                <a:latin typeface="Euclid Circular B" panose="020B0504000000000000" pitchFamily="34" charset="0"/>
+                <a:ea typeface="Euclid Circular B" panose="020B0504000000000000" pitchFamily="34" charset="0"/>
+              </a:rPr>
+              <a:t>On </a:t>
+            </a:r>
+            <a:r>
+              <a:rPr lang="en-US" sz="2000" b="1" dirty="0">
+                <a:latin typeface="Euclid Circular B" panose="020B0504000000000000" pitchFamily="34" charset="0"/>
+                <a:ea typeface="Euclid Circular B" panose="020B0504000000000000" pitchFamily="34" charset="0"/>
+              </a:rPr>
+              <a:t>demand</a:t>
+            </a:r>
+            <a:r>
+              <a:rPr lang="en-US" sz="2000" dirty="0">
+                <a:latin typeface="Euclid Circular B" panose="020B0504000000000000" pitchFamily="34" charset="0"/>
+                <a:ea typeface="Euclid Circular B" panose="020B0504000000000000" pitchFamily="34" charset="0"/>
+              </a:rPr>
+              <a:t>;</a:t>
+            </a:r>
+          </a:p>
+          <a:p>
+            <a:r>
+              <a:rPr lang="en-US" sz="2000" dirty="0">
+                <a:latin typeface="Euclid Circular B" panose="020B0504000000000000" pitchFamily="34" charset="0"/>
+                <a:ea typeface="Euclid Circular B" panose="020B0504000000000000" pitchFamily="34" charset="0"/>
+              </a:rPr>
+              <a:t>Check </a:t>
+            </a:r>
+            <a:r>
+              <a:rPr lang="en-US" sz="2000" b="1" dirty="0">
+                <a:latin typeface="Euclid Circular B" panose="020B0504000000000000" pitchFamily="34" charset="0"/>
+                <a:ea typeface="Euclid Circular B" panose="020B0504000000000000" pitchFamily="34" charset="0"/>
+              </a:rPr>
+              <a:t>permission cache stamp </a:t>
+            </a:r>
+            <a:r>
+              <a:rPr lang="en-US" sz="2000" dirty="0">
+                <a:latin typeface="Euclid Circular B" panose="020B0504000000000000" pitchFamily="34" charset="0"/>
+                <a:ea typeface="Euclid Circular B" panose="020B0504000000000000" pitchFamily="34" charset="0"/>
+              </a:rPr>
+              <a:t>&amp; use </a:t>
+            </a:r>
+            <a:r>
+              <a:rPr lang="en-US" sz="2000" b="1" dirty="0">
+                <a:latin typeface="Euclid Circular B" panose="020B0504000000000000" pitchFamily="34" charset="0"/>
+                <a:ea typeface="Euclid Circular B" panose="020B0504000000000000" pitchFamily="34" charset="0"/>
+              </a:rPr>
+              <a:t>in-memory cache </a:t>
+            </a:r>
+            <a:r>
+              <a:rPr lang="en-US" sz="2000" dirty="0">
+                <a:latin typeface="Euclid Circular B" panose="020B0504000000000000" pitchFamily="34" charset="0"/>
+                <a:ea typeface="Euclid Circular B" panose="020B0504000000000000" pitchFamily="34" charset="0"/>
+              </a:rPr>
+              <a:t>if up to date</a:t>
+            </a:r>
+          </a:p>
+          <a:p>
+            <a:pPr lvl="1"/>
+            <a:r>
+              <a:rPr lang="en-US" sz="1600" dirty="0">
+                <a:latin typeface="Euclid Circular B" panose="020B0504000000000000" pitchFamily="34" charset="0"/>
+                <a:ea typeface="Euclid Circular B" panose="020B0504000000000000" pitchFamily="34" charset="0"/>
+              </a:rPr>
+              <a:t>With frequency control (30 seconds)</a:t>
+            </a:r>
+          </a:p>
+          <a:p>
+            <a:r>
+              <a:rPr lang="en-US" sz="2000" dirty="0">
+                <a:latin typeface="Euclid Circular B" panose="020B0504000000000000" pitchFamily="34" charset="0"/>
+                <a:ea typeface="Euclid Circular B" panose="020B0504000000000000" pitchFamily="34" charset="0"/>
+              </a:rPr>
+              <a:t>Get &amp; </a:t>
+            </a:r>
+            <a:r>
+              <a:rPr lang="en-US" sz="2000" b="1" dirty="0">
+                <a:latin typeface="Euclid Circular B" panose="020B0504000000000000" pitchFamily="34" charset="0"/>
+                <a:ea typeface="Euclid Circular B" panose="020B0504000000000000" pitchFamily="34" charset="0"/>
+              </a:rPr>
+              <a:t>deserialize </a:t>
+            </a:r>
+            <a:r>
+              <a:rPr lang="en-US" sz="2000" dirty="0">
+                <a:latin typeface="Euclid Circular B" panose="020B0504000000000000" pitchFamily="34" charset="0"/>
+                <a:ea typeface="Euclid Circular B" panose="020B0504000000000000" pitchFamily="34" charset="0"/>
+              </a:rPr>
+              <a:t>permission definitions if different</a:t>
+            </a:r>
+          </a:p>
+          <a:p>
+            <a:pPr marL="0" indent="0">
+              <a:buNone/>
+            </a:pPr>
+            <a:r>
+              <a:rPr lang="en-US" sz="2000" dirty="0">
+                <a:latin typeface="Euclid Circular B" panose="020B0504000000000000" pitchFamily="34" charset="0"/>
+                <a:ea typeface="Euclid Circular B" panose="020B0504000000000000" pitchFamily="34" charset="0"/>
+              </a:rPr>
+              <a:t>On the </a:t>
+            </a:r>
+            <a:r>
+              <a:rPr lang="en-US" sz="2000" b="1" dirty="0">
+                <a:latin typeface="Euclid Circular B" panose="020B0504000000000000" pitchFamily="34" charset="0"/>
+                <a:ea typeface="Euclid Circular B" panose="020B0504000000000000" pitchFamily="34" charset="0"/>
+              </a:rPr>
+              <a:t>service startup</a:t>
+            </a:r>
+            <a:r>
+              <a:rPr lang="en-US" sz="2000" dirty="0">
+                <a:latin typeface="Euclid Circular B" panose="020B0504000000000000" pitchFamily="34" charset="0"/>
+                <a:ea typeface="Euclid Circular B" panose="020B0504000000000000" pitchFamily="34" charset="0"/>
+              </a:rPr>
+              <a:t>;</a:t>
+            </a:r>
+          </a:p>
+          <a:p>
+            <a:r>
+              <a:rPr lang="en-US" sz="1800" b="1" dirty="0">
+                <a:latin typeface="Euclid Circular B" panose="020B0504000000000000" pitchFamily="34" charset="0"/>
+                <a:ea typeface="Euclid Circular B" panose="020B0504000000000000" pitchFamily="34" charset="0"/>
+              </a:rPr>
+              <a:t>Pre-cache </a:t>
+            </a:r>
+            <a:r>
+              <a:rPr lang="en-US" sz="1800" dirty="0">
+                <a:latin typeface="Euclid Circular B" panose="020B0504000000000000" pitchFamily="34" charset="0"/>
+                <a:ea typeface="Euclid Circular B" panose="020B0504000000000000" pitchFamily="34" charset="0"/>
+              </a:rPr>
+              <a:t>permission definitions</a:t>
             </a:r>
           </a:p>
         </p:txBody>
       </p:sp>
+      <p:sp>
+        <p:nvSpPr>
+          <p:cNvPr id="4" name="Rectangle 3">
+            <a:extLst>
+              <a:ext uri="{FF2B5EF4-FFF2-40B4-BE49-F238E27FC236}">
+                <a16:creationId xmlns:a16="http://schemas.microsoft.com/office/drawing/2014/main" id="{DF725507-237A-1E00-130B-F242B99394E4}"/>
+              </a:ext>
+            </a:extLst>
+          </p:cNvPr>
+          <p:cNvSpPr/>
+          <p:nvPr/>
+        </p:nvSpPr>
+        <p:spPr>
+          <a:xfrm>
+            <a:off x="5686433" y="1839977"/>
+            <a:ext cx="2939246" cy="1659368"/>
+          </a:xfrm>
+          <a:prstGeom prst="rect">
+            <a:avLst/>
+          </a:prstGeom>
+        </p:spPr>
+        <p:style>
+          <a:lnRef idx="2">
+            <a:schemeClr val="accent1">
+              <a:shade val="50000"/>
+            </a:schemeClr>
+          </a:lnRef>
+          <a:fillRef idx="1">
+            <a:schemeClr val="accent1"/>
+          </a:fillRef>
+          <a:effectRef idx="0">
+            <a:schemeClr val="accent1"/>
+          </a:effectRef>
+          <a:fontRef idx="minor">
+            <a:schemeClr val="lt1"/>
+          </a:fontRef>
+        </p:style>
+        <p:txBody>
+          <a:bodyPr rtlCol="0" anchor="t"/>
+          <a:lstStyle/>
+          <a:p>
+            <a:pPr algn="ctr"/>
+            <a:r>
+              <a:rPr lang="en-US" dirty="0"/>
+              <a:t>Permission Microservice</a:t>
+            </a:r>
+          </a:p>
+        </p:txBody>
+      </p:sp>
+      <p:sp>
+        <p:nvSpPr>
+          <p:cNvPr id="5" name="Rectangle: Rounded Corners 4">
+            <a:extLst>
+              <a:ext uri="{FF2B5EF4-FFF2-40B4-BE49-F238E27FC236}">
+                <a16:creationId xmlns:a16="http://schemas.microsoft.com/office/drawing/2014/main" id="{79C73981-81C2-EDDD-289C-6378889C620B}"/>
+              </a:ext>
+            </a:extLst>
+          </p:cNvPr>
+          <p:cNvSpPr/>
+          <p:nvPr/>
+        </p:nvSpPr>
+        <p:spPr>
+          <a:xfrm>
+            <a:off x="5775356" y="2257365"/>
+            <a:ext cx="996392" cy="1162093"/>
+          </a:xfrm>
+          <a:prstGeom prst="roundRect">
+            <a:avLst/>
+          </a:prstGeom>
+        </p:spPr>
+        <p:style>
+          <a:lnRef idx="2">
+            <a:schemeClr val="accent4">
+              <a:shade val="50000"/>
+            </a:schemeClr>
+          </a:lnRef>
+          <a:fillRef idx="1">
+            <a:schemeClr val="accent4"/>
+          </a:fillRef>
+          <a:effectRef idx="0">
+            <a:schemeClr val="accent4"/>
+          </a:effectRef>
+          <a:fontRef idx="minor">
+            <a:schemeClr val="lt1"/>
+          </a:fontRef>
+        </p:style>
+        <p:txBody>
+          <a:bodyPr rtlCol="0" anchor="ctr"/>
+          <a:lstStyle/>
+          <a:p>
+            <a:pPr algn="ctr"/>
+            <a:r>
+              <a:rPr lang="en-US" sz="1200" dirty="0">
+                <a:solidFill>
+                  <a:schemeClr val="tx1"/>
+                </a:solidFill>
+              </a:rPr>
+              <a:t>Static Permission Definitions</a:t>
+            </a:r>
+          </a:p>
+        </p:txBody>
+      </p:sp>
+      <p:sp>
+        <p:nvSpPr>
+          <p:cNvPr id="6" name="Rectangle 5">
+            <a:extLst>
+              <a:ext uri="{FF2B5EF4-FFF2-40B4-BE49-F238E27FC236}">
+                <a16:creationId xmlns:a16="http://schemas.microsoft.com/office/drawing/2014/main" id="{038C0967-05A1-A19D-277B-A9D785F16C90}"/>
+              </a:ext>
+            </a:extLst>
+          </p:cNvPr>
+          <p:cNvSpPr/>
+          <p:nvPr/>
+        </p:nvSpPr>
+        <p:spPr>
+          <a:xfrm>
+            <a:off x="10262962" y="1893863"/>
+            <a:ext cx="1623777" cy="1605481"/>
+          </a:xfrm>
+          <a:prstGeom prst="rect">
+            <a:avLst/>
+          </a:prstGeom>
+        </p:spPr>
+        <p:style>
+          <a:lnRef idx="2">
+            <a:schemeClr val="dk1">
+              <a:shade val="50000"/>
+            </a:schemeClr>
+          </a:lnRef>
+          <a:fillRef idx="1">
+            <a:schemeClr val="dk1"/>
+          </a:fillRef>
+          <a:effectRef idx="0">
+            <a:schemeClr val="dk1"/>
+          </a:effectRef>
+          <a:fontRef idx="minor">
+            <a:schemeClr val="lt1"/>
+          </a:fontRef>
+        </p:style>
+        <p:txBody>
+          <a:bodyPr rtlCol="0" anchor="t"/>
+          <a:lstStyle/>
+          <a:p>
+            <a:pPr algn="ctr"/>
+            <a:r>
+              <a:rPr lang="en-US" sz="1400" dirty="0"/>
+              <a:t>Distributed Cache</a:t>
+            </a:r>
+          </a:p>
+        </p:txBody>
+      </p:sp>
+      <p:sp>
+        <p:nvSpPr>
+          <p:cNvPr id="21" name="Oval 20">
+            <a:extLst>
+              <a:ext uri="{FF2B5EF4-FFF2-40B4-BE49-F238E27FC236}">
+                <a16:creationId xmlns:a16="http://schemas.microsoft.com/office/drawing/2014/main" id="{82EB209D-0088-DBF9-8DE7-ABEDFEFDD0A3}"/>
+              </a:ext>
+            </a:extLst>
+          </p:cNvPr>
+          <p:cNvSpPr/>
+          <p:nvPr/>
+        </p:nvSpPr>
+        <p:spPr>
+          <a:xfrm>
+            <a:off x="10262961" y="4149282"/>
+            <a:ext cx="1623777" cy="775400"/>
+          </a:xfrm>
+          <a:prstGeom prst="ellipse">
+            <a:avLst/>
+          </a:prstGeom>
+        </p:spPr>
+        <p:style>
+          <a:lnRef idx="2">
+            <a:schemeClr val="accent6">
+              <a:shade val="50000"/>
+            </a:schemeClr>
+          </a:lnRef>
+          <a:fillRef idx="1">
+            <a:schemeClr val="accent6"/>
+          </a:fillRef>
+          <a:effectRef idx="0">
+            <a:schemeClr val="accent6"/>
+          </a:effectRef>
+          <a:fontRef idx="minor">
+            <a:schemeClr val="lt1"/>
+          </a:fontRef>
+        </p:style>
+        <p:txBody>
+          <a:bodyPr rtlCol="0" anchor="ctr"/>
+          <a:lstStyle/>
+          <a:p>
+            <a:pPr algn="ctr"/>
+            <a:r>
+              <a:rPr lang="en-US" sz="1200" dirty="0"/>
+              <a:t>Permission</a:t>
+            </a:r>
+            <a:br>
+              <a:rPr lang="en-US" sz="1200" dirty="0"/>
+            </a:br>
+            <a:r>
+              <a:rPr lang="en-US" sz="1200" dirty="0"/>
+              <a:t>Management</a:t>
+            </a:r>
+            <a:br>
+              <a:rPr lang="en-US" sz="1200" dirty="0"/>
+            </a:br>
+            <a:r>
+              <a:rPr lang="en-US" sz="1200" dirty="0"/>
+              <a:t>Database</a:t>
+            </a:r>
+          </a:p>
+        </p:txBody>
+      </p:sp>
+      <p:cxnSp>
+        <p:nvCxnSpPr>
+          <p:cNvPr id="23" name="Connector: Elbow 22">
+            <a:extLst>
+              <a:ext uri="{FF2B5EF4-FFF2-40B4-BE49-F238E27FC236}">
+                <a16:creationId xmlns:a16="http://schemas.microsoft.com/office/drawing/2014/main" id="{1C37B7AC-47F9-E0F7-16E6-99C83B1B33EF}"/>
+              </a:ext>
+            </a:extLst>
+          </p:cNvPr>
+          <p:cNvCxnSpPr>
+            <a:cxnSpLocks/>
+            <a:stCxn id="10" idx="2"/>
+            <a:endCxn id="21" idx="2"/>
+          </p:cNvCxnSpPr>
+          <p:nvPr/>
+        </p:nvCxnSpPr>
+        <p:spPr>
+          <a:xfrm rot="16200000" flipH="1">
+            <a:off x="8414435" y="2688456"/>
+            <a:ext cx="1117526" cy="2579526"/>
+          </a:xfrm>
+          <a:prstGeom prst="bentConnector2">
+            <a:avLst/>
+          </a:prstGeom>
+          <a:ln w="25400">
+            <a:solidFill>
+              <a:schemeClr val="tx1">
+                <a:lumMod val="85000"/>
+                <a:lumOff val="15000"/>
+              </a:schemeClr>
+            </a:solidFill>
+            <a:tailEnd type="triangle"/>
+          </a:ln>
+        </p:spPr>
+        <p:style>
+          <a:lnRef idx="1">
+            <a:schemeClr val="accent1"/>
+          </a:lnRef>
+          <a:fillRef idx="0">
+            <a:schemeClr val="accent1"/>
+          </a:fillRef>
+          <a:effectRef idx="0">
+            <a:schemeClr val="accent1"/>
+          </a:effectRef>
+          <a:fontRef idx="minor">
+            <a:schemeClr val="tx1"/>
+          </a:fontRef>
+        </p:style>
+      </p:cxnSp>
+      <p:sp>
+        <p:nvSpPr>
+          <p:cNvPr id="24" name="Hexagon 23">
+            <a:extLst>
+              <a:ext uri="{FF2B5EF4-FFF2-40B4-BE49-F238E27FC236}">
+                <a16:creationId xmlns:a16="http://schemas.microsoft.com/office/drawing/2014/main" id="{9E1CE1DB-278D-637A-FDA5-7F930CD397FE}"/>
+              </a:ext>
+            </a:extLst>
+          </p:cNvPr>
+          <p:cNvSpPr/>
+          <p:nvPr/>
+        </p:nvSpPr>
+        <p:spPr>
+          <a:xfrm>
+            <a:off x="10345311" y="3147526"/>
+            <a:ext cx="1459076" cy="225525"/>
+          </a:xfrm>
+          <a:prstGeom prst="hexagon">
+            <a:avLst/>
+          </a:prstGeom>
+        </p:spPr>
+        <p:style>
+          <a:lnRef idx="2">
+            <a:schemeClr val="accent2">
+              <a:shade val="50000"/>
+            </a:schemeClr>
+          </a:lnRef>
+          <a:fillRef idx="1">
+            <a:schemeClr val="accent2"/>
+          </a:fillRef>
+          <a:effectRef idx="0">
+            <a:schemeClr val="accent2"/>
+          </a:effectRef>
+          <a:fontRef idx="minor">
+            <a:schemeClr val="lt1"/>
+          </a:fontRef>
+        </p:style>
+        <p:txBody>
+          <a:bodyPr rtlCol="0" anchor="ctr"/>
+          <a:lstStyle/>
+          <a:p>
+            <a:pPr algn="ctr"/>
+            <a:r>
+              <a:rPr lang="en-US" sz="1400" dirty="0" err="1"/>
+              <a:t>perm_stamp</a:t>
+            </a:r>
+            <a:endParaRPr lang="en-US" sz="1400" dirty="0"/>
+          </a:p>
+        </p:txBody>
+      </p:sp>
+      <p:sp>
+        <p:nvSpPr>
+          <p:cNvPr id="34" name="TextBox 33">
+            <a:extLst>
+              <a:ext uri="{FF2B5EF4-FFF2-40B4-BE49-F238E27FC236}">
+                <a16:creationId xmlns:a16="http://schemas.microsoft.com/office/drawing/2014/main" id="{A6A0F81C-00C0-6258-C62D-629EBA34341F}"/>
+              </a:ext>
+            </a:extLst>
+          </p:cNvPr>
+          <p:cNvSpPr txBox="1"/>
+          <p:nvPr/>
+        </p:nvSpPr>
+        <p:spPr>
+          <a:xfrm>
+            <a:off x="8597666" y="2980770"/>
+            <a:ext cx="1696670" cy="307777"/>
+          </a:xfrm>
+          <a:prstGeom prst="rect">
+            <a:avLst/>
+          </a:prstGeom>
+          <a:noFill/>
+        </p:spPr>
+        <p:txBody>
+          <a:bodyPr wrap="square" rtlCol="0">
+            <a:spAutoFit/>
+          </a:bodyPr>
+          <a:lstStyle/>
+          <a:p>
+            <a:pPr algn="ctr"/>
+            <a:r>
+              <a:rPr lang="en-US" sz="1400" dirty="0"/>
+              <a:t>Check cache stamp</a:t>
+            </a:r>
+          </a:p>
+        </p:txBody>
+      </p:sp>
+      <p:sp>
+        <p:nvSpPr>
+          <p:cNvPr id="39" name="TextBox 38">
+            <a:extLst>
+              <a:ext uri="{FF2B5EF4-FFF2-40B4-BE49-F238E27FC236}">
+                <a16:creationId xmlns:a16="http://schemas.microsoft.com/office/drawing/2014/main" id="{76B06D21-2490-E6C8-0B07-3AE1C59E1FCA}"/>
+              </a:ext>
+            </a:extLst>
+          </p:cNvPr>
+          <p:cNvSpPr txBox="1"/>
+          <p:nvPr/>
+        </p:nvSpPr>
+        <p:spPr>
+          <a:xfrm>
+            <a:off x="7158045" y="4542103"/>
+            <a:ext cx="3630305" cy="307777"/>
+          </a:xfrm>
+          <a:prstGeom prst="rect">
+            <a:avLst/>
+          </a:prstGeom>
+          <a:noFill/>
+        </p:spPr>
+        <p:txBody>
+          <a:bodyPr wrap="square" rtlCol="0">
+            <a:spAutoFit/>
+          </a:bodyPr>
+          <a:lstStyle/>
+          <a:p>
+            <a:r>
+              <a:rPr lang="en-US" sz="1400" dirty="0"/>
+              <a:t>Get &amp; deserialize permission definitions</a:t>
+            </a:r>
+          </a:p>
+        </p:txBody>
+      </p:sp>
+      <p:sp>
+        <p:nvSpPr>
+          <p:cNvPr id="10" name="Rectangle: Rounded Corners 9">
+            <a:extLst>
+              <a:ext uri="{FF2B5EF4-FFF2-40B4-BE49-F238E27FC236}">
+                <a16:creationId xmlns:a16="http://schemas.microsoft.com/office/drawing/2014/main" id="{57557B69-1235-B0FF-B3AC-57AC790F6822}"/>
+              </a:ext>
+            </a:extLst>
+          </p:cNvPr>
+          <p:cNvSpPr/>
+          <p:nvPr/>
+        </p:nvSpPr>
+        <p:spPr>
+          <a:xfrm>
+            <a:off x="6852047" y="2273762"/>
+            <a:ext cx="1662775" cy="1145694"/>
+          </a:xfrm>
+          <a:prstGeom prst="roundRect">
+            <a:avLst/>
+          </a:prstGeom>
+        </p:spPr>
+        <p:style>
+          <a:lnRef idx="2">
+            <a:schemeClr val="accent4">
+              <a:shade val="50000"/>
+            </a:schemeClr>
+          </a:lnRef>
+          <a:fillRef idx="1">
+            <a:schemeClr val="accent4"/>
+          </a:fillRef>
+          <a:effectRef idx="0">
+            <a:schemeClr val="accent4"/>
+          </a:effectRef>
+          <a:fontRef idx="minor">
+            <a:schemeClr val="lt1"/>
+          </a:fontRef>
+        </p:style>
+        <p:txBody>
+          <a:bodyPr rtlCol="0" anchor="t"/>
+          <a:lstStyle/>
+          <a:p>
+            <a:pPr algn="ctr"/>
+            <a:r>
+              <a:rPr lang="en-US" sz="1200" dirty="0">
+                <a:solidFill>
+                  <a:schemeClr val="tx1"/>
+                </a:solidFill>
+              </a:rPr>
+              <a:t>Dynamic</a:t>
+            </a:r>
+          </a:p>
+          <a:p>
+            <a:pPr algn="ctr"/>
+            <a:r>
+              <a:rPr lang="en-US" sz="1200" dirty="0">
+                <a:solidFill>
+                  <a:schemeClr val="tx1"/>
+                </a:solidFill>
+              </a:rPr>
+              <a:t>Permission Store</a:t>
+            </a:r>
+          </a:p>
+        </p:txBody>
+      </p:sp>
+      <p:sp>
+        <p:nvSpPr>
+          <p:cNvPr id="22" name="Hexagon 21">
+            <a:extLst>
+              <a:ext uri="{FF2B5EF4-FFF2-40B4-BE49-F238E27FC236}">
+                <a16:creationId xmlns:a16="http://schemas.microsoft.com/office/drawing/2014/main" id="{5E3BA03A-42B9-52F6-09BD-F93915698844}"/>
+              </a:ext>
+            </a:extLst>
+          </p:cNvPr>
+          <p:cNvSpPr/>
+          <p:nvPr/>
+        </p:nvSpPr>
+        <p:spPr>
+          <a:xfrm>
+            <a:off x="6973870" y="3134659"/>
+            <a:ext cx="1451211" cy="225525"/>
+          </a:xfrm>
+          <a:prstGeom prst="hexagon">
+            <a:avLst/>
+          </a:prstGeom>
+        </p:spPr>
+        <p:style>
+          <a:lnRef idx="2">
+            <a:schemeClr val="accent2">
+              <a:shade val="50000"/>
+            </a:schemeClr>
+          </a:lnRef>
+          <a:fillRef idx="1">
+            <a:schemeClr val="accent2"/>
+          </a:fillRef>
+          <a:effectRef idx="0">
+            <a:schemeClr val="accent2"/>
+          </a:effectRef>
+          <a:fontRef idx="minor">
+            <a:schemeClr val="lt1"/>
+          </a:fontRef>
+        </p:style>
+        <p:txBody>
+          <a:bodyPr rtlCol="0" anchor="ctr"/>
+          <a:lstStyle/>
+          <a:p>
+            <a:pPr algn="ctr"/>
+            <a:r>
+              <a:rPr lang="en-US" sz="1400" dirty="0" err="1"/>
+              <a:t>perm_stamp</a:t>
+            </a:r>
+            <a:endParaRPr lang="en-US" sz="1400" dirty="0"/>
+          </a:p>
+        </p:txBody>
+      </p:sp>
+      <p:sp>
+        <p:nvSpPr>
+          <p:cNvPr id="26" name="Rectangle: Rounded Corners 25">
+            <a:extLst>
+              <a:ext uri="{FF2B5EF4-FFF2-40B4-BE49-F238E27FC236}">
+                <a16:creationId xmlns:a16="http://schemas.microsoft.com/office/drawing/2014/main" id="{61EFCD1E-7B44-5FD6-65EF-D570F3F36949}"/>
+              </a:ext>
+            </a:extLst>
+          </p:cNvPr>
+          <p:cNvSpPr/>
+          <p:nvPr/>
+        </p:nvSpPr>
+        <p:spPr>
+          <a:xfrm>
+            <a:off x="6960222" y="2776946"/>
+            <a:ext cx="1464859" cy="311608"/>
+          </a:xfrm>
+          <a:prstGeom prst="roundRect">
+            <a:avLst/>
+          </a:prstGeom>
+        </p:spPr>
+        <p:style>
+          <a:lnRef idx="2">
+            <a:schemeClr val="accent6">
+              <a:shade val="50000"/>
+            </a:schemeClr>
+          </a:lnRef>
+          <a:fillRef idx="1">
+            <a:schemeClr val="accent6"/>
+          </a:fillRef>
+          <a:effectRef idx="0">
+            <a:schemeClr val="accent6"/>
+          </a:effectRef>
+          <a:fontRef idx="minor">
+            <a:schemeClr val="lt1"/>
+          </a:fontRef>
+        </p:style>
+        <p:txBody>
+          <a:bodyPr rtlCol="0" anchor="ctr"/>
+          <a:lstStyle/>
+          <a:p>
+            <a:pPr algn="ctr"/>
+            <a:r>
+              <a:rPr lang="en-US" sz="1200" dirty="0"/>
+              <a:t>In-Memory Cache</a:t>
+            </a:r>
+          </a:p>
+        </p:txBody>
+      </p:sp>
+      <p:cxnSp>
+        <p:nvCxnSpPr>
+          <p:cNvPr id="33" name="Straight Arrow Connector 32">
+            <a:extLst>
+              <a:ext uri="{FF2B5EF4-FFF2-40B4-BE49-F238E27FC236}">
+                <a16:creationId xmlns:a16="http://schemas.microsoft.com/office/drawing/2014/main" id="{66F4BCE8-DC13-8D69-9A00-4BBE711D4842}"/>
+              </a:ext>
+            </a:extLst>
+          </p:cNvPr>
+          <p:cNvCxnSpPr>
+            <a:cxnSpLocks/>
+            <a:stCxn id="22" idx="0"/>
+            <a:endCxn id="24" idx="3"/>
+          </p:cNvCxnSpPr>
+          <p:nvPr/>
+        </p:nvCxnSpPr>
+        <p:spPr>
+          <a:xfrm>
+            <a:off x="8425081" y="3247422"/>
+            <a:ext cx="1920230" cy="12867"/>
+          </a:xfrm>
+          <a:prstGeom prst="straightConnector1">
+            <a:avLst/>
+          </a:prstGeom>
+          <a:ln w="25400">
+            <a:solidFill>
+              <a:schemeClr val="tx1">
+                <a:lumMod val="85000"/>
+                <a:lumOff val="15000"/>
+              </a:schemeClr>
+            </a:solidFill>
+            <a:tailEnd type="triangle"/>
+          </a:ln>
+        </p:spPr>
+        <p:style>
+          <a:lnRef idx="1">
+            <a:schemeClr val="accent1"/>
+          </a:lnRef>
+          <a:fillRef idx="0">
+            <a:schemeClr val="accent1"/>
+          </a:fillRef>
+          <a:effectRef idx="0">
+            <a:schemeClr val="accent1"/>
+          </a:effectRef>
+          <a:fontRef idx="minor">
+            <a:schemeClr val="tx1"/>
+          </a:fontRef>
+        </p:style>
+      </p:cxnSp>
     </p:spTree>
     <p:extLst>
       <p:ext uri="{BB962C8B-B14F-4D97-AF65-F5344CB8AC3E}">
-        <p14:creationId xmlns:p14="http://schemas.microsoft.com/office/powerpoint/2010/main" val="1614557755"/>
+        <p14:creationId xmlns:p14="http://schemas.microsoft.com/office/powerpoint/2010/main" val="694203006"/>
       </p:ext>
     </p:extLst>
   </p:cSld>
   <p:clrMapOvr>
     <a:masterClrMapping/>
   </p:clrMapOvr>
+  <p:timing>
+    <p:tnLst>
+      <p:par>
+        <p:cTn id="1" dur="indefinite" restart="never" nodeType="tmRoot">
+          <p:childTnLst>
+            <p:seq concurrent="1" nextAc="seek">
+              <p:cTn id="2" dur="indefinite" nodeType="mainSeq">
+                <p:childTnLst>
+                  <p:par>
+                    <p:cTn id="3" fill="hold">
+                      <p:stCondLst>
+                        <p:cond delay="indefinite"/>
+                      </p:stCondLst>
+                      <p:childTnLst>
+                        <p:par>
+                          <p:cTn id="4" fill="hold">
+                            <p:stCondLst>
+                              <p:cond delay="0"/>
+                            </p:stCondLst>
+                            <p:childTnLst>
+                              <p:par>
+                                <p:cTn id="5" presetID="10" presetClass="entr" presetSubtype="0" fill="hold" grpId="0" nodeType="clickEffect">
+                                  <p:stCondLst>
+                                    <p:cond delay="0"/>
+                                  </p:stCondLst>
+                                  <p:childTnLst>
+                                    <p:set>
+                                      <p:cBhvr>
+                                        <p:cTn id="6" dur="1" fill="hold">
+                                          <p:stCondLst>
+                                            <p:cond delay="0"/>
+                                          </p:stCondLst>
+                                        </p:cTn>
+                                        <p:tgtEl>
+                                          <p:spTgt spid="24"/>
+                                        </p:tgtEl>
+                                        <p:attrNameLst>
+                                          <p:attrName>style.visibility</p:attrName>
+                                        </p:attrNameLst>
+                                      </p:cBhvr>
+                                      <p:to>
+                                        <p:strVal val="visible"/>
+                                      </p:to>
+                                    </p:set>
+                                    <p:animEffect transition="in" filter="fade">
+                                      <p:cBhvr>
+                                        <p:cTn id="7" dur="500"/>
+                                        <p:tgtEl>
+                                          <p:spTgt spid="24"/>
+                                        </p:tgtEl>
+                                      </p:cBhvr>
+                                    </p:animEffect>
+                                  </p:childTnLst>
+                                </p:cTn>
+                              </p:par>
+                              <p:par>
+                                <p:cTn id="8" presetID="10" presetClass="entr" presetSubtype="0" fill="hold" grpId="0" nodeType="withEffect">
+                                  <p:stCondLst>
+                                    <p:cond delay="0"/>
+                                  </p:stCondLst>
+                                  <p:childTnLst>
+                                    <p:set>
+                                      <p:cBhvr>
+                                        <p:cTn id="9" dur="1" fill="hold">
+                                          <p:stCondLst>
+                                            <p:cond delay="0"/>
+                                          </p:stCondLst>
+                                        </p:cTn>
+                                        <p:tgtEl>
+                                          <p:spTgt spid="34"/>
+                                        </p:tgtEl>
+                                        <p:attrNameLst>
+                                          <p:attrName>style.visibility</p:attrName>
+                                        </p:attrNameLst>
+                                      </p:cBhvr>
+                                      <p:to>
+                                        <p:strVal val="visible"/>
+                                      </p:to>
+                                    </p:set>
+                                    <p:animEffect transition="in" filter="fade">
+                                      <p:cBhvr>
+                                        <p:cTn id="10" dur="500"/>
+                                        <p:tgtEl>
+                                          <p:spTgt spid="34"/>
+                                        </p:tgtEl>
+                                      </p:cBhvr>
+                                    </p:animEffect>
+                                  </p:childTnLst>
+                                </p:cTn>
+                              </p:par>
+                              <p:par>
+                                <p:cTn id="11" presetID="10" presetClass="entr" presetSubtype="0" fill="hold" nodeType="withEffect">
+                                  <p:stCondLst>
+                                    <p:cond delay="0"/>
+                                  </p:stCondLst>
+                                  <p:childTnLst>
+                                    <p:set>
+                                      <p:cBhvr>
+                                        <p:cTn id="12" dur="1" fill="hold">
+                                          <p:stCondLst>
+                                            <p:cond delay="0"/>
+                                          </p:stCondLst>
+                                        </p:cTn>
+                                        <p:tgtEl>
+                                          <p:spTgt spid="33"/>
+                                        </p:tgtEl>
+                                        <p:attrNameLst>
+                                          <p:attrName>style.visibility</p:attrName>
+                                        </p:attrNameLst>
+                                      </p:cBhvr>
+                                      <p:to>
+                                        <p:strVal val="visible"/>
+                                      </p:to>
+                                    </p:set>
+                                    <p:animEffect transition="in" filter="fade">
+                                      <p:cBhvr>
+                                        <p:cTn id="13" dur="500"/>
+                                        <p:tgtEl>
+                                          <p:spTgt spid="33"/>
+                                        </p:tgtEl>
+                                      </p:cBhvr>
+                                    </p:animEffect>
+                                  </p:childTnLst>
+                                </p:cTn>
+                              </p:par>
+                              <p:par>
+                                <p:cTn id="14" presetID="10" presetClass="entr" presetSubtype="0" fill="hold" nodeType="withEffect">
+                                  <p:stCondLst>
+                                    <p:cond delay="0"/>
+                                  </p:stCondLst>
+                                  <p:childTnLst>
+                                    <p:set>
+                                      <p:cBhvr>
+                                        <p:cTn id="15" dur="1" fill="hold">
+                                          <p:stCondLst>
+                                            <p:cond delay="0"/>
+                                          </p:stCondLst>
+                                        </p:cTn>
+                                        <p:tgtEl>
+                                          <p:spTgt spid="3">
+                                            <p:txEl>
+                                              <p:pRg st="0" end="0"/>
+                                            </p:txEl>
+                                          </p:spTgt>
+                                        </p:tgtEl>
+                                        <p:attrNameLst>
+                                          <p:attrName>style.visibility</p:attrName>
+                                        </p:attrNameLst>
+                                      </p:cBhvr>
+                                      <p:to>
+                                        <p:strVal val="visible"/>
+                                      </p:to>
+                                    </p:set>
+                                    <p:animEffect transition="in" filter="fade">
+                                      <p:cBhvr>
+                                        <p:cTn id="16" dur="500"/>
+                                        <p:tgtEl>
+                                          <p:spTgt spid="3">
+                                            <p:txEl>
+                                              <p:pRg st="0" end="0"/>
+                                            </p:txEl>
+                                          </p:spTgt>
+                                        </p:tgtEl>
+                                      </p:cBhvr>
+                                    </p:animEffect>
+                                  </p:childTnLst>
+                                </p:cTn>
+                              </p:par>
+                              <p:par>
+                                <p:cTn id="17" presetID="10" presetClass="entr" presetSubtype="0" fill="hold" nodeType="withEffect">
+                                  <p:stCondLst>
+                                    <p:cond delay="0"/>
+                                  </p:stCondLst>
+                                  <p:childTnLst>
+                                    <p:set>
+                                      <p:cBhvr>
+                                        <p:cTn id="18" dur="1" fill="hold">
+                                          <p:stCondLst>
+                                            <p:cond delay="0"/>
+                                          </p:stCondLst>
+                                        </p:cTn>
+                                        <p:tgtEl>
+                                          <p:spTgt spid="3">
+                                            <p:txEl>
+                                              <p:pRg st="1" end="1"/>
+                                            </p:txEl>
+                                          </p:spTgt>
+                                        </p:tgtEl>
+                                        <p:attrNameLst>
+                                          <p:attrName>style.visibility</p:attrName>
+                                        </p:attrNameLst>
+                                      </p:cBhvr>
+                                      <p:to>
+                                        <p:strVal val="visible"/>
+                                      </p:to>
+                                    </p:set>
+                                    <p:animEffect transition="in" filter="fade">
+                                      <p:cBhvr>
+                                        <p:cTn id="19" dur="500"/>
+                                        <p:tgtEl>
+                                          <p:spTgt spid="3">
+                                            <p:txEl>
+                                              <p:pRg st="1" end="1"/>
+                                            </p:txEl>
+                                          </p:spTgt>
+                                        </p:tgtEl>
+                                      </p:cBhvr>
+                                    </p:animEffect>
+                                  </p:childTnLst>
+                                </p:cTn>
+                              </p:par>
+                              <p:par>
+                                <p:cTn id="20" presetID="10" presetClass="entr" presetSubtype="0" fill="hold" nodeType="withEffect">
+                                  <p:stCondLst>
+                                    <p:cond delay="0"/>
+                                  </p:stCondLst>
+                                  <p:childTnLst>
+                                    <p:set>
+                                      <p:cBhvr>
+                                        <p:cTn id="21" dur="1" fill="hold">
+                                          <p:stCondLst>
+                                            <p:cond delay="0"/>
+                                          </p:stCondLst>
+                                        </p:cTn>
+                                        <p:tgtEl>
+                                          <p:spTgt spid="3">
+                                            <p:txEl>
+                                              <p:pRg st="2" end="2"/>
+                                            </p:txEl>
+                                          </p:spTgt>
+                                        </p:tgtEl>
+                                        <p:attrNameLst>
+                                          <p:attrName>style.visibility</p:attrName>
+                                        </p:attrNameLst>
+                                      </p:cBhvr>
+                                      <p:to>
+                                        <p:strVal val="visible"/>
+                                      </p:to>
+                                    </p:set>
+                                    <p:animEffect transition="in" filter="fade">
+                                      <p:cBhvr>
+                                        <p:cTn id="22" dur="500"/>
+                                        <p:tgtEl>
+                                          <p:spTgt spid="3">
+                                            <p:txEl>
+                                              <p:pRg st="2" end="2"/>
+                                            </p:txEl>
+                                          </p:spTgt>
+                                        </p:tgtEl>
+                                      </p:cBhvr>
+                                    </p:animEffect>
+                                  </p:childTnLst>
+                                </p:cTn>
+                              </p:par>
+                            </p:childTnLst>
+                          </p:cTn>
+                        </p:par>
+                      </p:childTnLst>
+                    </p:cTn>
+                  </p:par>
+                  <p:par>
+                    <p:cTn id="23" fill="hold">
+                      <p:stCondLst>
+                        <p:cond delay="indefinite"/>
+                      </p:stCondLst>
+                      <p:childTnLst>
+                        <p:par>
+                          <p:cTn id="24" fill="hold">
+                            <p:stCondLst>
+                              <p:cond delay="0"/>
+                            </p:stCondLst>
+                            <p:childTnLst>
+                              <p:par>
+                                <p:cTn id="25" presetID="10" presetClass="entr" presetSubtype="0" fill="hold" nodeType="clickEffect">
+                                  <p:stCondLst>
+                                    <p:cond delay="0"/>
+                                  </p:stCondLst>
+                                  <p:childTnLst>
+                                    <p:set>
+                                      <p:cBhvr>
+                                        <p:cTn id="26" dur="1" fill="hold">
+                                          <p:stCondLst>
+                                            <p:cond delay="0"/>
+                                          </p:stCondLst>
+                                        </p:cTn>
+                                        <p:tgtEl>
+                                          <p:spTgt spid="3">
+                                            <p:txEl>
+                                              <p:pRg st="3" end="3"/>
+                                            </p:txEl>
+                                          </p:spTgt>
+                                        </p:tgtEl>
+                                        <p:attrNameLst>
+                                          <p:attrName>style.visibility</p:attrName>
+                                        </p:attrNameLst>
+                                      </p:cBhvr>
+                                      <p:to>
+                                        <p:strVal val="visible"/>
+                                      </p:to>
+                                    </p:set>
+                                    <p:animEffect transition="in" filter="fade">
+                                      <p:cBhvr>
+                                        <p:cTn id="27" dur="500"/>
+                                        <p:tgtEl>
+                                          <p:spTgt spid="3">
+                                            <p:txEl>
+                                              <p:pRg st="3" end="3"/>
+                                            </p:txEl>
+                                          </p:spTgt>
+                                        </p:tgtEl>
+                                      </p:cBhvr>
+                                    </p:animEffect>
+                                  </p:childTnLst>
+                                </p:cTn>
+                              </p:par>
+                              <p:par>
+                                <p:cTn id="28" presetID="10" presetClass="entr" presetSubtype="0" fill="hold" grpId="0" nodeType="withEffect">
+                                  <p:stCondLst>
+                                    <p:cond delay="0"/>
+                                  </p:stCondLst>
+                                  <p:childTnLst>
+                                    <p:set>
+                                      <p:cBhvr>
+                                        <p:cTn id="29" dur="1" fill="hold">
+                                          <p:stCondLst>
+                                            <p:cond delay="0"/>
+                                          </p:stCondLst>
+                                        </p:cTn>
+                                        <p:tgtEl>
+                                          <p:spTgt spid="39"/>
+                                        </p:tgtEl>
+                                        <p:attrNameLst>
+                                          <p:attrName>style.visibility</p:attrName>
+                                        </p:attrNameLst>
+                                      </p:cBhvr>
+                                      <p:to>
+                                        <p:strVal val="visible"/>
+                                      </p:to>
+                                    </p:set>
+                                    <p:animEffect transition="in" filter="fade">
+                                      <p:cBhvr>
+                                        <p:cTn id="30" dur="500"/>
+                                        <p:tgtEl>
+                                          <p:spTgt spid="39"/>
+                                        </p:tgtEl>
+                                      </p:cBhvr>
+                                    </p:animEffect>
+                                  </p:childTnLst>
+                                </p:cTn>
+                              </p:par>
+                              <p:par>
+                                <p:cTn id="31" presetID="10" presetClass="entr" presetSubtype="0" fill="hold" nodeType="withEffect">
+                                  <p:stCondLst>
+                                    <p:cond delay="0"/>
+                                  </p:stCondLst>
+                                  <p:childTnLst>
+                                    <p:set>
+                                      <p:cBhvr>
+                                        <p:cTn id="32" dur="1" fill="hold">
+                                          <p:stCondLst>
+                                            <p:cond delay="0"/>
+                                          </p:stCondLst>
+                                        </p:cTn>
+                                        <p:tgtEl>
+                                          <p:spTgt spid="23"/>
+                                        </p:tgtEl>
+                                        <p:attrNameLst>
+                                          <p:attrName>style.visibility</p:attrName>
+                                        </p:attrNameLst>
+                                      </p:cBhvr>
+                                      <p:to>
+                                        <p:strVal val="visible"/>
+                                      </p:to>
+                                    </p:set>
+                                    <p:animEffect transition="in" filter="fade">
+                                      <p:cBhvr>
+                                        <p:cTn id="33" dur="500"/>
+                                        <p:tgtEl>
+                                          <p:spTgt spid="23"/>
+                                        </p:tgtEl>
+                                      </p:cBhvr>
+                                    </p:animEffect>
+                                  </p:childTnLst>
+                                </p:cTn>
+                              </p:par>
+                            </p:childTnLst>
+                          </p:cTn>
+                        </p:par>
+                      </p:childTnLst>
+                    </p:cTn>
+                  </p:par>
+                  <p:par>
+                    <p:cTn id="34" fill="hold">
+                      <p:stCondLst>
+                        <p:cond delay="indefinite"/>
+                      </p:stCondLst>
+                      <p:childTnLst>
+                        <p:par>
+                          <p:cTn id="35" fill="hold">
+                            <p:stCondLst>
+                              <p:cond delay="0"/>
+                            </p:stCondLst>
+                            <p:childTnLst>
+                              <p:par>
+                                <p:cTn id="36" presetID="10" presetClass="entr" presetSubtype="0" fill="hold" nodeType="clickEffect">
+                                  <p:stCondLst>
+                                    <p:cond delay="0"/>
+                                  </p:stCondLst>
+                                  <p:childTnLst>
+                                    <p:set>
+                                      <p:cBhvr>
+                                        <p:cTn id="37" dur="1" fill="hold">
+                                          <p:stCondLst>
+                                            <p:cond delay="0"/>
+                                          </p:stCondLst>
+                                        </p:cTn>
+                                        <p:tgtEl>
+                                          <p:spTgt spid="3">
+                                            <p:txEl>
+                                              <p:pRg st="4" end="4"/>
+                                            </p:txEl>
+                                          </p:spTgt>
+                                        </p:tgtEl>
+                                        <p:attrNameLst>
+                                          <p:attrName>style.visibility</p:attrName>
+                                        </p:attrNameLst>
+                                      </p:cBhvr>
+                                      <p:to>
+                                        <p:strVal val="visible"/>
+                                      </p:to>
+                                    </p:set>
+                                    <p:animEffect transition="in" filter="fade">
+                                      <p:cBhvr>
+                                        <p:cTn id="38" dur="500"/>
+                                        <p:tgtEl>
+                                          <p:spTgt spid="3">
+                                            <p:txEl>
+                                              <p:pRg st="4" end="4"/>
+                                            </p:txEl>
+                                          </p:spTgt>
+                                        </p:tgtEl>
+                                      </p:cBhvr>
+                                    </p:animEffect>
+                                  </p:childTnLst>
+                                </p:cTn>
+                              </p:par>
+                              <p:par>
+                                <p:cTn id="39" presetID="10" presetClass="entr" presetSubtype="0" fill="hold" nodeType="withEffect">
+                                  <p:stCondLst>
+                                    <p:cond delay="0"/>
+                                  </p:stCondLst>
+                                  <p:childTnLst>
+                                    <p:set>
+                                      <p:cBhvr>
+                                        <p:cTn id="40" dur="1" fill="hold">
+                                          <p:stCondLst>
+                                            <p:cond delay="0"/>
+                                          </p:stCondLst>
+                                        </p:cTn>
+                                        <p:tgtEl>
+                                          <p:spTgt spid="3">
+                                            <p:txEl>
+                                              <p:pRg st="5" end="5"/>
+                                            </p:txEl>
+                                          </p:spTgt>
+                                        </p:tgtEl>
+                                        <p:attrNameLst>
+                                          <p:attrName>style.visibility</p:attrName>
+                                        </p:attrNameLst>
+                                      </p:cBhvr>
+                                      <p:to>
+                                        <p:strVal val="visible"/>
+                                      </p:to>
+                                    </p:set>
+                                    <p:animEffect transition="in" filter="fade">
+                                      <p:cBhvr>
+                                        <p:cTn id="41" dur="500"/>
+                                        <p:tgtEl>
+                                          <p:spTgt spid="3">
+                                            <p:txEl>
+                                              <p:pRg st="5" end="5"/>
+                                            </p:txEl>
+                                          </p:spTgt>
+                                        </p:tgtEl>
+                                      </p:cBhvr>
+                                    </p:animEffect>
+                                  </p:childTnLst>
+                                </p:cTn>
+                              </p:par>
+                            </p:childTnLst>
+                          </p:cTn>
+                        </p:par>
+                      </p:childTnLst>
+                    </p:cTn>
+                  </p:par>
+                </p:childTnLst>
+              </p:cTn>
+              <p:prevCondLst>
+                <p:cond evt="onPrev" delay="0">
+                  <p:tgtEl>
+                    <p:sldTgt/>
+                  </p:tgtEl>
+                </p:cond>
+              </p:prevCondLst>
+              <p:nextCondLst>
+                <p:cond evt="onNext" delay="0">
+                  <p:tgtEl>
+                    <p:sldTgt/>
+                  </p:tgtEl>
+                </p:cond>
+              </p:nextCondLst>
+            </p:seq>
+          </p:childTnLst>
+        </p:cTn>
+      </p:par>
+    </p:tnLst>
+    <p:bldLst>
+      <p:bldP spid="24" grpId="0" animBg="1"/>
+      <p:bldP spid="34" grpId="0"/>
+      <p:bldP spid="39" grpId="0"/>
+    </p:bldLst>
+  </p:timing>
 </p:sld>
 </file>
 
@@ -18619,7 +20676,7 @@
     </p:spTree>
     <p:extLst>
       <p:ext uri="{BB962C8B-B14F-4D97-AF65-F5344CB8AC3E}">
-        <p14:creationId xmlns:p14="http://schemas.microsoft.com/office/powerpoint/2010/main" val="772471534"/>
+        <p14:creationId xmlns:p14="http://schemas.microsoft.com/office/powerpoint/2010/main" val="1614557755"/>
       </p:ext>
     </p:extLst>
   </p:cSld>
@@ -18728,7 +20785,7 @@
     </p:spTree>
     <p:extLst>
       <p:ext uri="{BB962C8B-B14F-4D97-AF65-F5344CB8AC3E}">
-        <p14:creationId xmlns:p14="http://schemas.microsoft.com/office/powerpoint/2010/main" val="3722975297"/>
+        <p14:creationId xmlns:p14="http://schemas.microsoft.com/office/powerpoint/2010/main" val="772471534"/>
       </p:ext>
     </p:extLst>
   </p:cSld>
@@ -18837,7 +20894,7 @@
     </p:spTree>
     <p:extLst>
       <p:ext uri="{BB962C8B-B14F-4D97-AF65-F5344CB8AC3E}">
-        <p14:creationId xmlns:p14="http://schemas.microsoft.com/office/powerpoint/2010/main" val="2361699085"/>
+        <p14:creationId xmlns:p14="http://schemas.microsoft.com/office/powerpoint/2010/main" val="3722975297"/>
       </p:ext>
     </p:extLst>
   </p:cSld>
@@ -18946,7 +21003,7 @@
     </p:spTree>
     <p:extLst>
       <p:ext uri="{BB962C8B-B14F-4D97-AF65-F5344CB8AC3E}">
-        <p14:creationId xmlns:p14="http://schemas.microsoft.com/office/powerpoint/2010/main" val="3701367057"/>
+        <p14:creationId xmlns:p14="http://schemas.microsoft.com/office/powerpoint/2010/main" val="2361699085"/>
       </p:ext>
     </p:extLst>
   </p:cSld>
@@ -19055,7 +21112,7 @@
     </p:spTree>
     <p:extLst>
       <p:ext uri="{BB962C8B-B14F-4D97-AF65-F5344CB8AC3E}">
-        <p14:creationId xmlns:p14="http://schemas.microsoft.com/office/powerpoint/2010/main" val="2483217375"/>
+        <p14:creationId xmlns:p14="http://schemas.microsoft.com/office/powerpoint/2010/main" val="3701367057"/>
       </p:ext>
     </p:extLst>
   </p:cSld>
@@ -19325,7 +21382,7 @@
     </p:spTree>
     <p:extLst>
       <p:ext uri="{BB962C8B-B14F-4D97-AF65-F5344CB8AC3E}">
-        <p14:creationId xmlns:p14="http://schemas.microsoft.com/office/powerpoint/2010/main" val="759667148"/>
+        <p14:creationId xmlns:p14="http://schemas.microsoft.com/office/powerpoint/2010/main" val="2483217375"/>
       </p:ext>
     </p:extLst>
   </p:cSld>
@@ -19434,7 +21491,7 @@
     </p:spTree>
     <p:extLst>
       <p:ext uri="{BB962C8B-B14F-4D97-AF65-F5344CB8AC3E}">
-        <p14:creationId xmlns:p14="http://schemas.microsoft.com/office/powerpoint/2010/main" val="3118168783"/>
+        <p14:creationId xmlns:p14="http://schemas.microsoft.com/office/powerpoint/2010/main" val="759667148"/>
       </p:ext>
     </p:extLst>
   </p:cSld>
@@ -19543,6 +21600,115 @@
     </p:spTree>
     <p:extLst>
       <p:ext uri="{BB962C8B-B14F-4D97-AF65-F5344CB8AC3E}">
+        <p14:creationId xmlns:p14="http://schemas.microsoft.com/office/powerpoint/2010/main" val="3118168783"/>
+      </p:ext>
+    </p:extLst>
+  </p:cSld>
+  <p:clrMapOvr>
+    <a:masterClrMapping/>
+  </p:clrMapOvr>
+</p:sld>
+</file>
+
+<file path=ppt/slides/slide33.xml><?xml version="1.0" encoding="utf-8"?>
+<p:sld xmlns:a="http://schemas.openxmlformats.org/drawingml/2006/main" xmlns:r="http://schemas.openxmlformats.org/officeDocument/2006/relationships" xmlns:p="http://schemas.openxmlformats.org/presentationml/2006/main">
+  <p:cSld>
+    <p:bg>
+      <p:bgPr>
+        <a:blipFill dpi="0" rotWithShape="1">
+          <a:blip r:embed="rId2">
+            <a:lum/>
+          </a:blip>
+          <a:srcRect/>
+          <a:stretch>
+            <a:fillRect/>
+          </a:stretch>
+        </a:blipFill>
+        <a:effectLst/>
+      </p:bgPr>
+    </p:bg>
+    <p:spTree>
+      <p:nvGrpSpPr>
+        <p:cNvPr id="1" name=""/>
+        <p:cNvGrpSpPr/>
+        <p:nvPr/>
+      </p:nvGrpSpPr>
+      <p:grpSpPr>
+        <a:xfrm>
+          <a:off x="0" y="0"/>
+          <a:ext cx="0" cy="0"/>
+          <a:chOff x="0" y="0"/>
+          <a:chExt cx="0" cy="0"/>
+        </a:xfrm>
+      </p:grpSpPr>
+      <p:sp>
+        <p:nvSpPr>
+          <p:cNvPr id="2" name="Title 1">
+            <a:extLst>
+              <a:ext uri="{FF2B5EF4-FFF2-40B4-BE49-F238E27FC236}">
+                <a16:creationId xmlns:a16="http://schemas.microsoft.com/office/drawing/2014/main" id="{55E11F08-6CA0-48F1-AD67-97430DDA07F0}"/>
+              </a:ext>
+            </a:extLst>
+          </p:cNvPr>
+          <p:cNvSpPr>
+            <a:spLocks noGrp="1"/>
+          </p:cNvSpPr>
+          <p:nvPr>
+            <p:ph type="title"/>
+          </p:nvPr>
+        </p:nvSpPr>
+        <p:spPr/>
+        <p:txBody>
+          <a:bodyPr/>
+          <a:lstStyle/>
+          <a:p>
+            <a:r>
+              <a:rPr lang="en-US" b="1" dirty="0">
+                <a:solidFill>
+                  <a:srgbClr val="292D33"/>
+                </a:solidFill>
+                <a:latin typeface="Euclid Circular B" panose="020B0504000000000000" pitchFamily="34" charset="0"/>
+                <a:ea typeface="Euclid Circular B" panose="020B0504000000000000" pitchFamily="34" charset="0"/>
+              </a:rPr>
+              <a:t>Topic title</a:t>
+            </a:r>
+          </a:p>
+        </p:txBody>
+      </p:sp>
+      <p:sp>
+        <p:nvSpPr>
+          <p:cNvPr id="3" name="Content Placeholder 2">
+            <a:extLst>
+              <a:ext uri="{FF2B5EF4-FFF2-40B4-BE49-F238E27FC236}">
+                <a16:creationId xmlns:a16="http://schemas.microsoft.com/office/drawing/2014/main" id="{891C7693-D3DF-4635-96F4-97F3B4136FDF}"/>
+              </a:ext>
+            </a:extLst>
+          </p:cNvPr>
+          <p:cNvSpPr>
+            <a:spLocks noGrp="1"/>
+          </p:cNvSpPr>
+          <p:nvPr>
+            <p:ph idx="1"/>
+          </p:nvPr>
+        </p:nvSpPr>
+        <p:spPr/>
+        <p:txBody>
+          <a:bodyPr/>
+          <a:lstStyle/>
+          <a:p>
+            <a:r>
+              <a:rPr lang="en-US" dirty="0">
+                <a:latin typeface="Euclid Circular B" panose="020B0504000000000000" pitchFamily="34" charset="0"/>
+                <a:ea typeface="Euclid Circular B" panose="020B0504000000000000" pitchFamily="34" charset="0"/>
+              </a:rPr>
+              <a:t>Content</a:t>
+            </a:r>
+          </a:p>
+        </p:txBody>
+      </p:sp>
+    </p:spTree>
+    <p:extLst>
+      <p:ext uri="{BB962C8B-B14F-4D97-AF65-F5344CB8AC3E}">
         <p14:creationId xmlns:p14="http://schemas.microsoft.com/office/powerpoint/2010/main" val="1785876477"/>
       </p:ext>
     </p:extLst>
@@ -19553,7 +21719,7 @@
 </p:sld>
 </file>
 
-<file path=ppt/slides/slide33.xml><?xml version="1.0" encoding="utf-8"?>
+<file path=ppt/slides/slide34.xml><?xml version="1.0" encoding="utf-8"?>
 <p:sld xmlns:a="http://schemas.openxmlformats.org/drawingml/2006/main" xmlns:r="http://schemas.openxmlformats.org/officeDocument/2006/relationships" xmlns:p="http://schemas.openxmlformats.org/presentationml/2006/main">
   <p:cSld>
     <p:bg>

--- a/2022-10-15 Authorization-In-Distributed-Systems/Authorization-In-Distributed-Systems.pptx
+++ b/2022-10-15 Authorization-In-Distributed-Systems/Authorization-In-Distributed-Systems.pptx
@@ -7,38 +7,35 @@
   <p:sldIdLst>
     <p:sldId id="256" r:id="rId2"/>
     <p:sldId id="297" r:id="rId3"/>
-    <p:sldId id="266" r:id="rId4"/>
-    <p:sldId id="265" r:id="rId5"/>
-    <p:sldId id="267" r:id="rId6"/>
-    <p:sldId id="268" r:id="rId7"/>
-    <p:sldId id="273" r:id="rId8"/>
-    <p:sldId id="271" r:id="rId9"/>
-    <p:sldId id="274" r:id="rId10"/>
-    <p:sldId id="270" r:id="rId11"/>
-    <p:sldId id="269" r:id="rId12"/>
-    <p:sldId id="277" r:id="rId13"/>
-    <p:sldId id="293" r:id="rId14"/>
-    <p:sldId id="294" r:id="rId15"/>
-    <p:sldId id="291" r:id="rId16"/>
-    <p:sldId id="295" r:id="rId17"/>
-    <p:sldId id="278" r:id="rId18"/>
-    <p:sldId id="292" r:id="rId19"/>
-    <p:sldId id="279" r:id="rId20"/>
-    <p:sldId id="281" r:id="rId21"/>
-    <p:sldId id="296" r:id="rId22"/>
-    <p:sldId id="275" r:id="rId23"/>
-    <p:sldId id="298" r:id="rId24"/>
-    <p:sldId id="301" r:id="rId25"/>
-    <p:sldId id="299" r:id="rId26"/>
-    <p:sldId id="300" r:id="rId27"/>
-    <p:sldId id="282" r:id="rId28"/>
-    <p:sldId id="283" r:id="rId29"/>
-    <p:sldId id="284" r:id="rId30"/>
-    <p:sldId id="285" r:id="rId31"/>
-    <p:sldId id="286" r:id="rId32"/>
-    <p:sldId id="287" r:id="rId33"/>
-    <p:sldId id="288" r:id="rId34"/>
-    <p:sldId id="289" r:id="rId35"/>
+    <p:sldId id="286" r:id="rId4"/>
+    <p:sldId id="266" r:id="rId5"/>
+    <p:sldId id="265" r:id="rId6"/>
+    <p:sldId id="267" r:id="rId7"/>
+    <p:sldId id="268" r:id="rId8"/>
+    <p:sldId id="273" r:id="rId9"/>
+    <p:sldId id="271" r:id="rId10"/>
+    <p:sldId id="274" r:id="rId11"/>
+    <p:sldId id="270" r:id="rId12"/>
+    <p:sldId id="269" r:id="rId13"/>
+    <p:sldId id="277" r:id="rId14"/>
+    <p:sldId id="293" r:id="rId15"/>
+    <p:sldId id="294" r:id="rId16"/>
+    <p:sldId id="291" r:id="rId17"/>
+    <p:sldId id="295" r:id="rId18"/>
+    <p:sldId id="278" r:id="rId19"/>
+    <p:sldId id="292" r:id="rId20"/>
+    <p:sldId id="279" r:id="rId21"/>
+    <p:sldId id="281" r:id="rId22"/>
+    <p:sldId id="296" r:id="rId23"/>
+    <p:sldId id="275" r:id="rId24"/>
+    <p:sldId id="298" r:id="rId25"/>
+    <p:sldId id="301" r:id="rId26"/>
+    <p:sldId id="299" r:id="rId27"/>
+    <p:sldId id="300" r:id="rId28"/>
+    <p:sldId id="282" r:id="rId29"/>
+    <p:sldId id="283" r:id="rId30"/>
+    <p:sldId id="289" r:id="rId31"/>
+    <p:sldId id="287" r:id="rId32"/>
   </p:sldIdLst>
   <p:sldSz cx="12192000" cy="6858000"/>
   <p:notesSz cx="6858000" cy="9144000"/>
@@ -3287,7 +3284,7 @@
           <a:p>
             <a:fld id="{2A14C9FE-EBC3-45D3-899C-58AAF4F8AF71}" type="datetimeFigureOut">
               <a:rPr lang="en-US" smtClean="0"/>
-              <a:t>29-Sep-22</a:t>
+              <a:t>09-Oct-22</a:t>
             </a:fld>
             <a:endParaRPr lang="en-US"/>
           </a:p>
@@ -3485,7 +3482,7 @@
           <a:p>
             <a:fld id="{2A14C9FE-EBC3-45D3-899C-58AAF4F8AF71}" type="datetimeFigureOut">
               <a:rPr lang="en-US" smtClean="0"/>
-              <a:t>29-Sep-22</a:t>
+              <a:t>09-Oct-22</a:t>
             </a:fld>
             <a:endParaRPr lang="en-US"/>
           </a:p>
@@ -3693,7 +3690,7 @@
           <a:p>
             <a:fld id="{2A14C9FE-EBC3-45D3-899C-58AAF4F8AF71}" type="datetimeFigureOut">
               <a:rPr lang="en-US" smtClean="0"/>
-              <a:t>29-Sep-22</a:t>
+              <a:t>09-Oct-22</a:t>
             </a:fld>
             <a:endParaRPr lang="en-US"/>
           </a:p>
@@ -3891,7 +3888,7 @@
           <a:p>
             <a:fld id="{2A14C9FE-EBC3-45D3-899C-58AAF4F8AF71}" type="datetimeFigureOut">
               <a:rPr lang="en-US" smtClean="0"/>
-              <a:t>29-Sep-22</a:t>
+              <a:t>09-Oct-22</a:t>
             </a:fld>
             <a:endParaRPr lang="en-US"/>
           </a:p>
@@ -4166,7 +4163,7 @@
           <a:p>
             <a:fld id="{2A14C9FE-EBC3-45D3-899C-58AAF4F8AF71}" type="datetimeFigureOut">
               <a:rPr lang="en-US" smtClean="0"/>
-              <a:t>29-Sep-22</a:t>
+              <a:t>09-Oct-22</a:t>
             </a:fld>
             <a:endParaRPr lang="en-US"/>
           </a:p>
@@ -4431,7 +4428,7 @@
           <a:p>
             <a:fld id="{2A14C9FE-EBC3-45D3-899C-58AAF4F8AF71}" type="datetimeFigureOut">
               <a:rPr lang="en-US" smtClean="0"/>
-              <a:t>29-Sep-22</a:t>
+              <a:t>09-Oct-22</a:t>
             </a:fld>
             <a:endParaRPr lang="en-US"/>
           </a:p>
@@ -4843,7 +4840,7 @@
           <a:p>
             <a:fld id="{2A14C9FE-EBC3-45D3-899C-58AAF4F8AF71}" type="datetimeFigureOut">
               <a:rPr lang="en-US" smtClean="0"/>
-              <a:t>29-Sep-22</a:t>
+              <a:t>09-Oct-22</a:t>
             </a:fld>
             <a:endParaRPr lang="en-US"/>
           </a:p>
@@ -4984,7 +4981,7 @@
           <a:p>
             <a:fld id="{2A14C9FE-EBC3-45D3-899C-58AAF4F8AF71}" type="datetimeFigureOut">
               <a:rPr lang="en-US" smtClean="0"/>
-              <a:t>29-Sep-22</a:t>
+              <a:t>09-Oct-22</a:t>
             </a:fld>
             <a:endParaRPr lang="en-US"/>
           </a:p>
@@ -5097,7 +5094,7 @@
           <a:p>
             <a:fld id="{2A14C9FE-EBC3-45D3-899C-58AAF4F8AF71}" type="datetimeFigureOut">
               <a:rPr lang="en-US" smtClean="0"/>
-              <a:t>29-Sep-22</a:t>
+              <a:t>09-Oct-22</a:t>
             </a:fld>
             <a:endParaRPr lang="en-US"/>
           </a:p>
@@ -5408,7 +5405,7 @@
           <a:p>
             <a:fld id="{2A14C9FE-EBC3-45D3-899C-58AAF4F8AF71}" type="datetimeFigureOut">
               <a:rPr lang="en-US" smtClean="0"/>
-              <a:t>29-Sep-22</a:t>
+              <a:t>09-Oct-22</a:t>
             </a:fld>
             <a:endParaRPr lang="en-US"/>
           </a:p>
@@ -5696,7 +5693,7 @@
           <a:p>
             <a:fld id="{2A14C9FE-EBC3-45D3-899C-58AAF4F8AF71}" type="datetimeFigureOut">
               <a:rPr lang="en-US" smtClean="0"/>
-              <a:t>29-Sep-22</a:t>
+              <a:t>09-Oct-22</a:t>
             </a:fld>
             <a:endParaRPr lang="en-US"/>
           </a:p>
@@ -5937,7 +5934,7 @@
           <a:p>
             <a:fld id="{2A14C9FE-EBC3-45D3-899C-58AAF4F8AF71}" type="datetimeFigureOut">
               <a:rPr lang="en-US" smtClean="0"/>
-              <a:t>29-Sep-22</a:t>
+              <a:t>09-Oct-22</a:t>
             </a:fld>
             <a:endParaRPr lang="en-US"/>
           </a:p>
@@ -6435,6 +6432,29 @@
               <a:t>Halil İbrahim Kalkan</a:t>
             </a:r>
           </a:p>
+          <a:p>
+            <a:endParaRPr lang="en-US" sz="2800" dirty="0">
+              <a:latin typeface="Euclid Circular B" panose="020B0504000000000000" pitchFamily="34" charset="0"/>
+              <a:ea typeface="Euclid Circular B" panose="020B0504000000000000" pitchFamily="34" charset="0"/>
+            </a:endParaRPr>
+          </a:p>
+          <a:p>
+            <a:r>
+              <a:rPr lang="en-US" dirty="0">
+                <a:latin typeface="Euclid Circular B" panose="020B0504000000000000" pitchFamily="34" charset="0"/>
+                <a:ea typeface="Euclid Circular B" panose="020B0504000000000000" pitchFamily="34" charset="0"/>
+                <a:hlinkClick r:id="rId3"/>
+              </a:rPr>
+              <a:t>https://github.com/hikalkan/presentations</a:t>
+            </a:r>
+            <a:r>
+              <a:rPr lang="en-US" dirty="0">
+                <a:latin typeface="Euclid Circular B" panose="020B0504000000000000" pitchFamily="34" charset="0"/>
+                <a:ea typeface="Euclid Circular B" panose="020B0504000000000000" pitchFamily="34" charset="0"/>
+              </a:rPr>
+              <a:t> </a:t>
+            </a:r>
+          </a:p>
         </p:txBody>
       </p:sp>
     </p:spTree>
@@ -6451,6 +6471,913 @@
 </file>
 
 <file path=ppt/slides/slide10.xml><?xml version="1.0" encoding="utf-8"?>
+<p:sld xmlns:a="http://schemas.openxmlformats.org/drawingml/2006/main" xmlns:r="http://schemas.openxmlformats.org/officeDocument/2006/relationships" xmlns:p="http://schemas.openxmlformats.org/presentationml/2006/main">
+  <p:cSld>
+    <p:bg>
+      <p:bgPr>
+        <a:blipFill dpi="0" rotWithShape="1">
+          <a:blip r:embed="rId2">
+            <a:lum/>
+          </a:blip>
+          <a:srcRect/>
+          <a:stretch>
+            <a:fillRect/>
+          </a:stretch>
+        </a:blipFill>
+        <a:effectLst/>
+      </p:bgPr>
+    </p:bg>
+    <p:spTree>
+      <p:nvGrpSpPr>
+        <p:cNvPr id="1" name=""/>
+        <p:cNvGrpSpPr/>
+        <p:nvPr/>
+      </p:nvGrpSpPr>
+      <p:grpSpPr>
+        <a:xfrm>
+          <a:off x="0" y="0"/>
+          <a:ext cx="0" cy="0"/>
+          <a:chOff x="0" y="0"/>
+          <a:chExt cx="0" cy="0"/>
+        </a:xfrm>
+      </p:grpSpPr>
+      <p:sp>
+        <p:nvSpPr>
+          <p:cNvPr id="2" name="Title 1">
+            <a:extLst>
+              <a:ext uri="{FF2B5EF4-FFF2-40B4-BE49-F238E27FC236}">
+                <a16:creationId xmlns:a16="http://schemas.microsoft.com/office/drawing/2014/main" id="{55E11F08-6CA0-48F1-AD67-97430DDA07F0}"/>
+              </a:ext>
+            </a:extLst>
+          </p:cNvPr>
+          <p:cNvSpPr>
+            <a:spLocks noGrp="1"/>
+          </p:cNvSpPr>
+          <p:nvPr>
+            <p:ph type="title"/>
+          </p:nvPr>
+        </p:nvSpPr>
+        <p:spPr/>
+        <p:txBody>
+          <a:bodyPr/>
+          <a:lstStyle/>
+          <a:p>
+            <a:r>
+              <a:rPr lang="en-US" b="1" dirty="0">
+                <a:solidFill>
+                  <a:srgbClr val="292D33"/>
+                </a:solidFill>
+                <a:latin typeface="Euclid Circular B" panose="020B0504000000000000" pitchFamily="34" charset="0"/>
+                <a:ea typeface="Euclid Circular B" panose="020B0504000000000000" pitchFamily="34" charset="0"/>
+              </a:rPr>
+              <a:t>Authorization</a:t>
+            </a:r>
+            <a:br>
+              <a:rPr lang="en-US" b="1" dirty="0">
+                <a:solidFill>
+                  <a:srgbClr val="292D33"/>
+                </a:solidFill>
+                <a:latin typeface="Euclid Circular B" panose="020B0504000000000000" pitchFamily="34" charset="0"/>
+                <a:ea typeface="Euclid Circular B" panose="020B0504000000000000" pitchFamily="34" charset="0"/>
+              </a:rPr>
+            </a:br>
+            <a:r>
+              <a:rPr lang="en-US" sz="2800" b="1" dirty="0">
+                <a:solidFill>
+                  <a:srgbClr val="292D33"/>
+                </a:solidFill>
+                <a:latin typeface="Euclid Circular B" panose="020B0504000000000000" pitchFamily="34" charset="0"/>
+                <a:ea typeface="Euclid Circular B" panose="020B0504000000000000" pitchFamily="34" charset="0"/>
+              </a:rPr>
+              <a:t>Components</a:t>
+            </a:r>
+          </a:p>
+        </p:txBody>
+      </p:sp>
+      <p:sp>
+        <p:nvSpPr>
+          <p:cNvPr id="3" name="Content Placeholder 2">
+            <a:extLst>
+              <a:ext uri="{FF2B5EF4-FFF2-40B4-BE49-F238E27FC236}">
+                <a16:creationId xmlns:a16="http://schemas.microsoft.com/office/drawing/2014/main" id="{891C7693-D3DF-4635-96F4-97F3B4136FDF}"/>
+              </a:ext>
+            </a:extLst>
+          </p:cNvPr>
+          <p:cNvSpPr>
+            <a:spLocks noGrp="1"/>
+          </p:cNvSpPr>
+          <p:nvPr>
+            <p:ph idx="1"/>
+          </p:nvPr>
+        </p:nvSpPr>
+        <p:spPr/>
+        <p:txBody>
+          <a:bodyPr>
+            <a:normAutofit fontScale="85000" lnSpcReduction="20000"/>
+          </a:bodyPr>
+          <a:lstStyle/>
+          <a:p>
+            <a:r>
+              <a:rPr lang="en-US" b="1" dirty="0">
+                <a:latin typeface="Euclid Circular B" panose="020B0504000000000000" pitchFamily="34" charset="0"/>
+                <a:ea typeface="Euclid Circular B" panose="020B0504000000000000" pitchFamily="34" charset="0"/>
+              </a:rPr>
+              <a:t>Where </a:t>
+            </a:r>
+            <a:r>
+              <a:rPr lang="en-US" dirty="0">
+                <a:latin typeface="Euclid Circular B" panose="020B0504000000000000" pitchFamily="34" charset="0"/>
+                <a:ea typeface="Euclid Circular B" panose="020B0504000000000000" pitchFamily="34" charset="0"/>
+              </a:rPr>
+              <a:t>to force authorization?</a:t>
+            </a:r>
+            <a:br>
+              <a:rPr lang="en-US" dirty="0">
+                <a:latin typeface="Euclid Circular B" panose="020B0504000000000000" pitchFamily="34" charset="0"/>
+                <a:ea typeface="Euclid Circular B" panose="020B0504000000000000" pitchFamily="34" charset="0"/>
+              </a:rPr>
+            </a:br>
+            <a:r>
+              <a:rPr lang="en-US" b="1" i="1" dirty="0">
+                <a:solidFill>
+                  <a:srgbClr val="0070C0"/>
+                </a:solidFill>
+                <a:latin typeface="Euclid Circular B" panose="020B0504000000000000" pitchFamily="34" charset="0"/>
+                <a:ea typeface="Euclid Circular B" panose="020B0504000000000000" pitchFamily="34" charset="0"/>
+              </a:rPr>
+              <a:t>PEP</a:t>
+            </a:r>
+            <a:r>
+              <a:rPr lang="en-US" i="1" dirty="0">
+                <a:latin typeface="Euclid Circular B" panose="020B0504000000000000" pitchFamily="34" charset="0"/>
+                <a:ea typeface="Euclid Circular B" panose="020B0504000000000000" pitchFamily="34" charset="0"/>
+              </a:rPr>
+              <a:t>: Policy Enforcement Point</a:t>
+            </a:r>
+          </a:p>
+          <a:p>
+            <a:pPr lvl="1"/>
+            <a:r>
+              <a:rPr lang="en-US" dirty="0">
+                <a:latin typeface="Euclid Circular B" panose="020B0504000000000000" pitchFamily="34" charset="0"/>
+                <a:ea typeface="Euclid Circular B" panose="020B0504000000000000" pitchFamily="34" charset="0"/>
+              </a:rPr>
+              <a:t>In the API Gateway? In the current service?</a:t>
+            </a:r>
+            <a:br>
+              <a:rPr lang="en-US" i="1" dirty="0">
+                <a:latin typeface="Euclid Circular B" panose="020B0504000000000000" pitchFamily="34" charset="0"/>
+                <a:ea typeface="Euclid Circular B" panose="020B0504000000000000" pitchFamily="34" charset="0"/>
+              </a:rPr>
+            </a:br>
+            <a:endParaRPr lang="en-US" i="1" dirty="0">
+              <a:latin typeface="Euclid Circular B" panose="020B0504000000000000" pitchFamily="34" charset="0"/>
+              <a:ea typeface="Euclid Circular B" panose="020B0504000000000000" pitchFamily="34" charset="0"/>
+            </a:endParaRPr>
+          </a:p>
+          <a:p>
+            <a:r>
+              <a:rPr lang="en-US" b="1" dirty="0">
+                <a:latin typeface="Euclid Circular B" panose="020B0504000000000000" pitchFamily="34" charset="0"/>
+                <a:ea typeface="Euclid Circular B" panose="020B0504000000000000" pitchFamily="34" charset="0"/>
+              </a:rPr>
+              <a:t>Where </a:t>
+            </a:r>
+            <a:r>
+              <a:rPr lang="en-US" dirty="0">
+                <a:latin typeface="Euclid Circular B" panose="020B0504000000000000" pitchFamily="34" charset="0"/>
+                <a:ea typeface="Euclid Circular B" panose="020B0504000000000000" pitchFamily="34" charset="0"/>
+              </a:rPr>
+              <a:t>to perform the authorization logic?</a:t>
+            </a:r>
+            <a:br>
+              <a:rPr lang="en-US" dirty="0">
+                <a:latin typeface="Euclid Circular B" panose="020B0504000000000000" pitchFamily="34" charset="0"/>
+                <a:ea typeface="Euclid Circular B" panose="020B0504000000000000" pitchFamily="34" charset="0"/>
+              </a:rPr>
+            </a:br>
+            <a:r>
+              <a:rPr lang="en-US" b="1" i="1" dirty="0">
+                <a:solidFill>
+                  <a:srgbClr val="0070C0"/>
+                </a:solidFill>
+                <a:latin typeface="Euclid Circular B" panose="020B0504000000000000" pitchFamily="34" charset="0"/>
+                <a:ea typeface="Euclid Circular B" panose="020B0504000000000000" pitchFamily="34" charset="0"/>
+              </a:rPr>
+              <a:t>PDP</a:t>
+            </a:r>
+            <a:r>
+              <a:rPr lang="en-US" i="1" dirty="0">
+                <a:latin typeface="Euclid Circular B" panose="020B0504000000000000" pitchFamily="34" charset="0"/>
+                <a:ea typeface="Euclid Circular B" panose="020B0504000000000000" pitchFamily="34" charset="0"/>
+              </a:rPr>
+              <a:t>: Policy Decision Point</a:t>
+            </a:r>
+          </a:p>
+          <a:p>
+            <a:pPr lvl="1"/>
+            <a:r>
+              <a:rPr lang="en-US" dirty="0">
+                <a:latin typeface="Euclid Circular B" panose="020B0504000000000000" pitchFamily="34" charset="0"/>
+                <a:ea typeface="Euclid Circular B" panose="020B0504000000000000" pitchFamily="34" charset="0"/>
+              </a:rPr>
+              <a:t>In the current process? In a dedicated service?</a:t>
+            </a:r>
+            <a:br>
+              <a:rPr lang="en-US" dirty="0">
+                <a:latin typeface="Euclid Circular B" panose="020B0504000000000000" pitchFamily="34" charset="0"/>
+                <a:ea typeface="Euclid Circular B" panose="020B0504000000000000" pitchFamily="34" charset="0"/>
+              </a:rPr>
+            </a:br>
+            <a:endParaRPr lang="en-US" dirty="0">
+              <a:latin typeface="Euclid Circular B" panose="020B0504000000000000" pitchFamily="34" charset="0"/>
+              <a:ea typeface="Euclid Circular B" panose="020B0504000000000000" pitchFamily="34" charset="0"/>
+            </a:endParaRPr>
+          </a:p>
+          <a:p>
+            <a:r>
+              <a:rPr lang="en-US" b="1" dirty="0">
+                <a:latin typeface="Euclid Circular B" panose="020B0504000000000000" pitchFamily="34" charset="0"/>
+                <a:ea typeface="Euclid Circular B" panose="020B0504000000000000" pitchFamily="34" charset="0"/>
+              </a:rPr>
+              <a:t>Where </a:t>
+            </a:r>
+            <a:r>
+              <a:rPr lang="en-US" dirty="0">
+                <a:latin typeface="Euclid Circular B" panose="020B0504000000000000" pitchFamily="34" charset="0"/>
+                <a:ea typeface="Euclid Circular B" panose="020B0504000000000000" pitchFamily="34" charset="0"/>
+              </a:rPr>
+              <a:t>and </a:t>
+            </a:r>
+            <a:r>
+              <a:rPr lang="en-US" b="1" dirty="0">
+                <a:latin typeface="Euclid Circular B" panose="020B0504000000000000" pitchFamily="34" charset="0"/>
+                <a:ea typeface="Euclid Circular B" panose="020B0504000000000000" pitchFamily="34" charset="0"/>
+              </a:rPr>
+              <a:t>how </a:t>
+            </a:r>
+            <a:r>
+              <a:rPr lang="en-US" dirty="0">
+                <a:latin typeface="Euclid Circular B" panose="020B0504000000000000" pitchFamily="34" charset="0"/>
+                <a:ea typeface="Euclid Circular B" panose="020B0504000000000000" pitchFamily="34" charset="0"/>
+              </a:rPr>
+              <a:t>to </a:t>
+            </a:r>
+            <a:r>
+              <a:rPr lang="en-US" b="1" dirty="0">
+                <a:latin typeface="Euclid Circular B" panose="020B0504000000000000" pitchFamily="34" charset="0"/>
+                <a:ea typeface="Euclid Circular B" panose="020B0504000000000000" pitchFamily="34" charset="0"/>
+              </a:rPr>
+              <a:t>obtain the data </a:t>
+            </a:r>
+            <a:r>
+              <a:rPr lang="en-US" dirty="0">
+                <a:latin typeface="Euclid Circular B" panose="020B0504000000000000" pitchFamily="34" charset="0"/>
+                <a:ea typeface="Euclid Circular B" panose="020B0504000000000000" pitchFamily="34" charset="0"/>
+              </a:rPr>
+              <a:t>to perform the authorization logic?</a:t>
+            </a:r>
+            <a:br>
+              <a:rPr lang="en-US" dirty="0">
+                <a:latin typeface="Euclid Circular B" panose="020B0504000000000000" pitchFamily="34" charset="0"/>
+                <a:ea typeface="Euclid Circular B" panose="020B0504000000000000" pitchFamily="34" charset="0"/>
+              </a:rPr>
+            </a:br>
+            <a:r>
+              <a:rPr lang="en-US" b="1" i="1" dirty="0">
+                <a:solidFill>
+                  <a:srgbClr val="0070C0"/>
+                </a:solidFill>
+                <a:latin typeface="Euclid Circular B" panose="020B0504000000000000" pitchFamily="34" charset="0"/>
+                <a:ea typeface="Euclid Circular B" panose="020B0504000000000000" pitchFamily="34" charset="0"/>
+              </a:rPr>
+              <a:t>PIP</a:t>
+            </a:r>
+            <a:r>
+              <a:rPr lang="en-US" i="1" dirty="0">
+                <a:latin typeface="Euclid Circular B" panose="020B0504000000000000" pitchFamily="34" charset="0"/>
+                <a:ea typeface="Euclid Circular B" panose="020B0504000000000000" pitchFamily="34" charset="0"/>
+              </a:rPr>
+              <a:t>: Policy Information Point</a:t>
+            </a:r>
+          </a:p>
+          <a:p>
+            <a:pPr lvl="1"/>
+            <a:r>
+              <a:rPr lang="en-US" dirty="0">
+                <a:latin typeface="Euclid Circular B" panose="020B0504000000000000" pitchFamily="34" charset="0"/>
+                <a:ea typeface="Euclid Circular B" panose="020B0504000000000000" pitchFamily="34" charset="0"/>
+              </a:rPr>
+              <a:t>Direct database access? Collect on-demand? Pre-duplicate?</a:t>
+            </a:r>
+            <a:br>
+              <a:rPr lang="en-US" dirty="0">
+                <a:latin typeface="Euclid Circular B" panose="020B0504000000000000" pitchFamily="34" charset="0"/>
+                <a:ea typeface="Euclid Circular B" panose="020B0504000000000000" pitchFamily="34" charset="0"/>
+              </a:rPr>
+            </a:br>
+            <a:endParaRPr lang="en-US" dirty="0">
+              <a:latin typeface="Euclid Circular B" panose="020B0504000000000000" pitchFamily="34" charset="0"/>
+              <a:ea typeface="Euclid Circular B" panose="020B0504000000000000" pitchFamily="34" charset="0"/>
+            </a:endParaRPr>
+          </a:p>
+          <a:p>
+            <a:r>
+              <a:rPr lang="en-US" b="1" dirty="0">
+                <a:latin typeface="Euclid Circular B" panose="020B0504000000000000" pitchFamily="34" charset="0"/>
+                <a:ea typeface="Euclid Circular B" panose="020B0504000000000000" pitchFamily="34" charset="0"/>
+              </a:rPr>
+              <a:t>Where </a:t>
+            </a:r>
+            <a:r>
+              <a:rPr lang="en-US" dirty="0">
+                <a:latin typeface="Euclid Circular B" panose="020B0504000000000000" pitchFamily="34" charset="0"/>
+                <a:ea typeface="Euclid Circular B" panose="020B0504000000000000" pitchFamily="34" charset="0"/>
+              </a:rPr>
+              <a:t>and </a:t>
+            </a:r>
+            <a:r>
+              <a:rPr lang="en-US" b="1" dirty="0">
+                <a:latin typeface="Euclid Circular B" panose="020B0504000000000000" pitchFamily="34" charset="0"/>
+                <a:ea typeface="Euclid Circular B" panose="020B0504000000000000" pitchFamily="34" charset="0"/>
+              </a:rPr>
+              <a:t>how </a:t>
+            </a:r>
+            <a:r>
+              <a:rPr lang="en-US" dirty="0">
+                <a:latin typeface="Euclid Circular B" panose="020B0504000000000000" pitchFamily="34" charset="0"/>
+                <a:ea typeface="Euclid Circular B" panose="020B0504000000000000" pitchFamily="34" charset="0"/>
+              </a:rPr>
+              <a:t>to manage policies and permissions?</a:t>
+            </a:r>
+            <a:br>
+              <a:rPr lang="en-US" dirty="0">
+                <a:latin typeface="Euclid Circular B" panose="020B0504000000000000" pitchFamily="34" charset="0"/>
+                <a:ea typeface="Euclid Circular B" panose="020B0504000000000000" pitchFamily="34" charset="0"/>
+              </a:rPr>
+            </a:br>
+            <a:r>
+              <a:rPr lang="en-US" b="1" i="1" dirty="0">
+                <a:solidFill>
+                  <a:srgbClr val="0070C0"/>
+                </a:solidFill>
+                <a:latin typeface="Euclid Circular B" panose="020B0504000000000000" pitchFamily="34" charset="0"/>
+                <a:ea typeface="Euclid Circular B" panose="020B0504000000000000" pitchFamily="34" charset="0"/>
+              </a:rPr>
+              <a:t>PAP</a:t>
+            </a:r>
+            <a:r>
+              <a:rPr lang="en-US" i="1" dirty="0">
+                <a:latin typeface="Euclid Circular B" panose="020B0504000000000000" pitchFamily="34" charset="0"/>
+                <a:ea typeface="Euclid Circular B" panose="020B0504000000000000" pitchFamily="34" charset="0"/>
+              </a:rPr>
+              <a:t>: Policy Administration Point</a:t>
+            </a:r>
+          </a:p>
+          <a:p>
+            <a:pPr lvl="1"/>
+            <a:r>
+              <a:rPr lang="en-US" dirty="0">
+                <a:latin typeface="Euclid Circular B" panose="020B0504000000000000" pitchFamily="34" charset="0"/>
+                <a:ea typeface="Euclid Circular B" panose="020B0504000000000000" pitchFamily="34" charset="0"/>
+              </a:rPr>
+              <a:t>Typically, on a user interface</a:t>
+            </a:r>
+          </a:p>
+        </p:txBody>
+      </p:sp>
+    </p:spTree>
+    <p:extLst>
+      <p:ext uri="{BB962C8B-B14F-4D97-AF65-F5344CB8AC3E}">
+        <p14:creationId xmlns:p14="http://schemas.microsoft.com/office/powerpoint/2010/main" val="1041851902"/>
+      </p:ext>
+    </p:extLst>
+  </p:cSld>
+  <p:clrMapOvr>
+    <a:masterClrMapping/>
+  </p:clrMapOvr>
+  <p:timing>
+    <p:tnLst>
+      <p:par>
+        <p:cTn id="1" dur="indefinite" restart="never" nodeType="tmRoot">
+          <p:childTnLst>
+            <p:seq concurrent="1" nextAc="seek">
+              <p:cTn id="2" dur="indefinite" nodeType="mainSeq">
+                <p:childTnLst>
+                  <p:par>
+                    <p:cTn id="3" fill="hold">
+                      <p:stCondLst>
+                        <p:cond delay="indefinite"/>
+                      </p:stCondLst>
+                      <p:childTnLst>
+                        <p:par>
+                          <p:cTn id="4" fill="hold">
+                            <p:stCondLst>
+                              <p:cond delay="0"/>
+                            </p:stCondLst>
+                            <p:childTnLst>
+                              <p:par>
+                                <p:cTn id="5" presetID="10" presetClass="entr" presetSubtype="0" fill="hold" nodeType="clickEffect">
+                                  <p:stCondLst>
+                                    <p:cond delay="0"/>
+                                  </p:stCondLst>
+                                  <p:childTnLst>
+                                    <p:set>
+                                      <p:cBhvr>
+                                        <p:cTn id="6" dur="1" fill="hold">
+                                          <p:stCondLst>
+                                            <p:cond delay="0"/>
+                                          </p:stCondLst>
+                                        </p:cTn>
+                                        <p:tgtEl>
+                                          <p:spTgt spid="3">
+                                            <p:txEl>
+                                              <p:pRg st="0" end="0"/>
+                                            </p:txEl>
+                                          </p:spTgt>
+                                        </p:tgtEl>
+                                        <p:attrNameLst>
+                                          <p:attrName>style.visibility</p:attrName>
+                                        </p:attrNameLst>
+                                      </p:cBhvr>
+                                      <p:to>
+                                        <p:strVal val="visible"/>
+                                      </p:to>
+                                    </p:set>
+                                    <p:animEffect transition="in" filter="fade">
+                                      <p:cBhvr>
+                                        <p:cTn id="7" dur="500"/>
+                                        <p:tgtEl>
+                                          <p:spTgt spid="3">
+                                            <p:txEl>
+                                              <p:pRg st="0" end="0"/>
+                                            </p:txEl>
+                                          </p:spTgt>
+                                        </p:tgtEl>
+                                      </p:cBhvr>
+                                    </p:animEffect>
+                                  </p:childTnLst>
+                                </p:cTn>
+                              </p:par>
+                            </p:childTnLst>
+                          </p:cTn>
+                        </p:par>
+                      </p:childTnLst>
+                    </p:cTn>
+                  </p:par>
+                  <p:par>
+                    <p:cTn id="8" fill="hold">
+                      <p:stCondLst>
+                        <p:cond delay="indefinite"/>
+                      </p:stCondLst>
+                      <p:childTnLst>
+                        <p:par>
+                          <p:cTn id="9" fill="hold">
+                            <p:stCondLst>
+                              <p:cond delay="0"/>
+                            </p:stCondLst>
+                            <p:childTnLst>
+                              <p:par>
+                                <p:cTn id="10" presetID="10" presetClass="entr" presetSubtype="0" fill="hold" nodeType="clickEffect">
+                                  <p:stCondLst>
+                                    <p:cond delay="0"/>
+                                  </p:stCondLst>
+                                  <p:childTnLst>
+                                    <p:set>
+                                      <p:cBhvr>
+                                        <p:cTn id="11" dur="1" fill="hold">
+                                          <p:stCondLst>
+                                            <p:cond delay="0"/>
+                                          </p:stCondLst>
+                                        </p:cTn>
+                                        <p:tgtEl>
+                                          <p:spTgt spid="3">
+                                            <p:txEl>
+                                              <p:pRg st="1" end="1"/>
+                                            </p:txEl>
+                                          </p:spTgt>
+                                        </p:tgtEl>
+                                        <p:attrNameLst>
+                                          <p:attrName>style.visibility</p:attrName>
+                                        </p:attrNameLst>
+                                      </p:cBhvr>
+                                      <p:to>
+                                        <p:strVal val="visible"/>
+                                      </p:to>
+                                    </p:set>
+                                    <p:animEffect transition="in" filter="fade">
+                                      <p:cBhvr>
+                                        <p:cTn id="12" dur="500"/>
+                                        <p:tgtEl>
+                                          <p:spTgt spid="3">
+                                            <p:txEl>
+                                              <p:pRg st="1" end="1"/>
+                                            </p:txEl>
+                                          </p:spTgt>
+                                        </p:tgtEl>
+                                      </p:cBhvr>
+                                    </p:animEffect>
+                                  </p:childTnLst>
+                                </p:cTn>
+                              </p:par>
+                            </p:childTnLst>
+                          </p:cTn>
+                        </p:par>
+                      </p:childTnLst>
+                    </p:cTn>
+                  </p:par>
+                  <p:par>
+                    <p:cTn id="13" fill="hold">
+                      <p:stCondLst>
+                        <p:cond delay="indefinite"/>
+                      </p:stCondLst>
+                      <p:childTnLst>
+                        <p:par>
+                          <p:cTn id="14" fill="hold">
+                            <p:stCondLst>
+                              <p:cond delay="0"/>
+                            </p:stCondLst>
+                            <p:childTnLst>
+                              <p:par>
+                                <p:cTn id="15" presetID="10" presetClass="entr" presetSubtype="0" fill="hold" nodeType="clickEffect">
+                                  <p:stCondLst>
+                                    <p:cond delay="0"/>
+                                  </p:stCondLst>
+                                  <p:childTnLst>
+                                    <p:set>
+                                      <p:cBhvr>
+                                        <p:cTn id="16" dur="1" fill="hold">
+                                          <p:stCondLst>
+                                            <p:cond delay="0"/>
+                                          </p:stCondLst>
+                                        </p:cTn>
+                                        <p:tgtEl>
+                                          <p:spTgt spid="3">
+                                            <p:txEl>
+                                              <p:pRg st="2" end="2"/>
+                                            </p:txEl>
+                                          </p:spTgt>
+                                        </p:tgtEl>
+                                        <p:attrNameLst>
+                                          <p:attrName>style.visibility</p:attrName>
+                                        </p:attrNameLst>
+                                      </p:cBhvr>
+                                      <p:to>
+                                        <p:strVal val="visible"/>
+                                      </p:to>
+                                    </p:set>
+                                    <p:animEffect transition="in" filter="fade">
+                                      <p:cBhvr>
+                                        <p:cTn id="17" dur="500"/>
+                                        <p:tgtEl>
+                                          <p:spTgt spid="3">
+                                            <p:txEl>
+                                              <p:pRg st="2" end="2"/>
+                                            </p:txEl>
+                                          </p:spTgt>
+                                        </p:tgtEl>
+                                      </p:cBhvr>
+                                    </p:animEffect>
+                                  </p:childTnLst>
+                                </p:cTn>
+                              </p:par>
+                            </p:childTnLst>
+                          </p:cTn>
+                        </p:par>
+                      </p:childTnLst>
+                    </p:cTn>
+                  </p:par>
+                  <p:par>
+                    <p:cTn id="18" fill="hold">
+                      <p:stCondLst>
+                        <p:cond delay="indefinite"/>
+                      </p:stCondLst>
+                      <p:childTnLst>
+                        <p:par>
+                          <p:cTn id="19" fill="hold">
+                            <p:stCondLst>
+                              <p:cond delay="0"/>
+                            </p:stCondLst>
+                            <p:childTnLst>
+                              <p:par>
+                                <p:cTn id="20" presetID="10" presetClass="entr" presetSubtype="0" fill="hold" nodeType="clickEffect">
+                                  <p:stCondLst>
+                                    <p:cond delay="0"/>
+                                  </p:stCondLst>
+                                  <p:childTnLst>
+                                    <p:set>
+                                      <p:cBhvr>
+                                        <p:cTn id="21" dur="1" fill="hold">
+                                          <p:stCondLst>
+                                            <p:cond delay="0"/>
+                                          </p:stCondLst>
+                                        </p:cTn>
+                                        <p:tgtEl>
+                                          <p:spTgt spid="3">
+                                            <p:txEl>
+                                              <p:pRg st="3" end="3"/>
+                                            </p:txEl>
+                                          </p:spTgt>
+                                        </p:tgtEl>
+                                        <p:attrNameLst>
+                                          <p:attrName>style.visibility</p:attrName>
+                                        </p:attrNameLst>
+                                      </p:cBhvr>
+                                      <p:to>
+                                        <p:strVal val="visible"/>
+                                      </p:to>
+                                    </p:set>
+                                    <p:animEffect transition="in" filter="fade">
+                                      <p:cBhvr>
+                                        <p:cTn id="22" dur="500"/>
+                                        <p:tgtEl>
+                                          <p:spTgt spid="3">
+                                            <p:txEl>
+                                              <p:pRg st="3" end="3"/>
+                                            </p:txEl>
+                                          </p:spTgt>
+                                        </p:tgtEl>
+                                      </p:cBhvr>
+                                    </p:animEffect>
+                                  </p:childTnLst>
+                                </p:cTn>
+                              </p:par>
+                            </p:childTnLst>
+                          </p:cTn>
+                        </p:par>
+                      </p:childTnLst>
+                    </p:cTn>
+                  </p:par>
+                  <p:par>
+                    <p:cTn id="23" fill="hold">
+                      <p:stCondLst>
+                        <p:cond delay="indefinite"/>
+                      </p:stCondLst>
+                      <p:childTnLst>
+                        <p:par>
+                          <p:cTn id="24" fill="hold">
+                            <p:stCondLst>
+                              <p:cond delay="0"/>
+                            </p:stCondLst>
+                            <p:childTnLst>
+                              <p:par>
+                                <p:cTn id="25" presetID="10" presetClass="entr" presetSubtype="0" fill="hold" nodeType="clickEffect">
+                                  <p:stCondLst>
+                                    <p:cond delay="0"/>
+                                  </p:stCondLst>
+                                  <p:childTnLst>
+                                    <p:set>
+                                      <p:cBhvr>
+                                        <p:cTn id="26" dur="1" fill="hold">
+                                          <p:stCondLst>
+                                            <p:cond delay="0"/>
+                                          </p:stCondLst>
+                                        </p:cTn>
+                                        <p:tgtEl>
+                                          <p:spTgt spid="3">
+                                            <p:txEl>
+                                              <p:pRg st="4" end="4"/>
+                                            </p:txEl>
+                                          </p:spTgt>
+                                        </p:tgtEl>
+                                        <p:attrNameLst>
+                                          <p:attrName>style.visibility</p:attrName>
+                                        </p:attrNameLst>
+                                      </p:cBhvr>
+                                      <p:to>
+                                        <p:strVal val="visible"/>
+                                      </p:to>
+                                    </p:set>
+                                    <p:animEffect transition="in" filter="fade">
+                                      <p:cBhvr>
+                                        <p:cTn id="27" dur="500"/>
+                                        <p:tgtEl>
+                                          <p:spTgt spid="3">
+                                            <p:txEl>
+                                              <p:pRg st="4" end="4"/>
+                                            </p:txEl>
+                                          </p:spTgt>
+                                        </p:tgtEl>
+                                      </p:cBhvr>
+                                    </p:animEffect>
+                                  </p:childTnLst>
+                                </p:cTn>
+                              </p:par>
+                            </p:childTnLst>
+                          </p:cTn>
+                        </p:par>
+                      </p:childTnLst>
+                    </p:cTn>
+                  </p:par>
+                  <p:par>
+                    <p:cTn id="28" fill="hold">
+                      <p:stCondLst>
+                        <p:cond delay="indefinite"/>
+                      </p:stCondLst>
+                      <p:childTnLst>
+                        <p:par>
+                          <p:cTn id="29" fill="hold">
+                            <p:stCondLst>
+                              <p:cond delay="0"/>
+                            </p:stCondLst>
+                            <p:childTnLst>
+                              <p:par>
+                                <p:cTn id="30" presetID="10" presetClass="entr" presetSubtype="0" fill="hold" nodeType="clickEffect">
+                                  <p:stCondLst>
+                                    <p:cond delay="0"/>
+                                  </p:stCondLst>
+                                  <p:childTnLst>
+                                    <p:set>
+                                      <p:cBhvr>
+                                        <p:cTn id="31" dur="1" fill="hold">
+                                          <p:stCondLst>
+                                            <p:cond delay="0"/>
+                                          </p:stCondLst>
+                                        </p:cTn>
+                                        <p:tgtEl>
+                                          <p:spTgt spid="3">
+                                            <p:txEl>
+                                              <p:pRg st="5" end="5"/>
+                                            </p:txEl>
+                                          </p:spTgt>
+                                        </p:tgtEl>
+                                        <p:attrNameLst>
+                                          <p:attrName>style.visibility</p:attrName>
+                                        </p:attrNameLst>
+                                      </p:cBhvr>
+                                      <p:to>
+                                        <p:strVal val="visible"/>
+                                      </p:to>
+                                    </p:set>
+                                    <p:animEffect transition="in" filter="fade">
+                                      <p:cBhvr>
+                                        <p:cTn id="32" dur="500"/>
+                                        <p:tgtEl>
+                                          <p:spTgt spid="3">
+                                            <p:txEl>
+                                              <p:pRg st="5" end="5"/>
+                                            </p:txEl>
+                                          </p:spTgt>
+                                        </p:tgtEl>
+                                      </p:cBhvr>
+                                    </p:animEffect>
+                                  </p:childTnLst>
+                                </p:cTn>
+                              </p:par>
+                            </p:childTnLst>
+                          </p:cTn>
+                        </p:par>
+                      </p:childTnLst>
+                    </p:cTn>
+                  </p:par>
+                  <p:par>
+                    <p:cTn id="33" fill="hold">
+                      <p:stCondLst>
+                        <p:cond delay="indefinite"/>
+                      </p:stCondLst>
+                      <p:childTnLst>
+                        <p:par>
+                          <p:cTn id="34" fill="hold">
+                            <p:stCondLst>
+                              <p:cond delay="0"/>
+                            </p:stCondLst>
+                            <p:childTnLst>
+                              <p:par>
+                                <p:cTn id="35" presetID="10" presetClass="entr" presetSubtype="0" fill="hold" nodeType="clickEffect">
+                                  <p:stCondLst>
+                                    <p:cond delay="0"/>
+                                  </p:stCondLst>
+                                  <p:childTnLst>
+                                    <p:set>
+                                      <p:cBhvr>
+                                        <p:cTn id="36" dur="1" fill="hold">
+                                          <p:stCondLst>
+                                            <p:cond delay="0"/>
+                                          </p:stCondLst>
+                                        </p:cTn>
+                                        <p:tgtEl>
+                                          <p:spTgt spid="3">
+                                            <p:txEl>
+                                              <p:pRg st="6" end="6"/>
+                                            </p:txEl>
+                                          </p:spTgt>
+                                        </p:tgtEl>
+                                        <p:attrNameLst>
+                                          <p:attrName>style.visibility</p:attrName>
+                                        </p:attrNameLst>
+                                      </p:cBhvr>
+                                      <p:to>
+                                        <p:strVal val="visible"/>
+                                      </p:to>
+                                    </p:set>
+                                    <p:animEffect transition="in" filter="fade">
+                                      <p:cBhvr>
+                                        <p:cTn id="37" dur="500"/>
+                                        <p:tgtEl>
+                                          <p:spTgt spid="3">
+                                            <p:txEl>
+                                              <p:pRg st="6" end="6"/>
+                                            </p:txEl>
+                                          </p:spTgt>
+                                        </p:tgtEl>
+                                      </p:cBhvr>
+                                    </p:animEffect>
+                                  </p:childTnLst>
+                                </p:cTn>
+                              </p:par>
+                            </p:childTnLst>
+                          </p:cTn>
+                        </p:par>
+                      </p:childTnLst>
+                    </p:cTn>
+                  </p:par>
+                  <p:par>
+                    <p:cTn id="38" fill="hold">
+                      <p:stCondLst>
+                        <p:cond delay="indefinite"/>
+                      </p:stCondLst>
+                      <p:childTnLst>
+                        <p:par>
+                          <p:cTn id="39" fill="hold">
+                            <p:stCondLst>
+                              <p:cond delay="0"/>
+                            </p:stCondLst>
+                            <p:childTnLst>
+                              <p:par>
+                                <p:cTn id="40" presetID="10" presetClass="entr" presetSubtype="0" fill="hold" nodeType="clickEffect">
+                                  <p:stCondLst>
+                                    <p:cond delay="0"/>
+                                  </p:stCondLst>
+                                  <p:childTnLst>
+                                    <p:set>
+                                      <p:cBhvr>
+                                        <p:cTn id="41" dur="1" fill="hold">
+                                          <p:stCondLst>
+                                            <p:cond delay="0"/>
+                                          </p:stCondLst>
+                                        </p:cTn>
+                                        <p:tgtEl>
+                                          <p:spTgt spid="3">
+                                            <p:txEl>
+                                              <p:pRg st="7" end="7"/>
+                                            </p:txEl>
+                                          </p:spTgt>
+                                        </p:tgtEl>
+                                        <p:attrNameLst>
+                                          <p:attrName>style.visibility</p:attrName>
+                                        </p:attrNameLst>
+                                      </p:cBhvr>
+                                      <p:to>
+                                        <p:strVal val="visible"/>
+                                      </p:to>
+                                    </p:set>
+                                    <p:animEffect transition="in" filter="fade">
+                                      <p:cBhvr>
+                                        <p:cTn id="42" dur="500"/>
+                                        <p:tgtEl>
+                                          <p:spTgt spid="3">
+                                            <p:txEl>
+                                              <p:pRg st="7" end="7"/>
+                                            </p:txEl>
+                                          </p:spTgt>
+                                        </p:tgtEl>
+                                      </p:cBhvr>
+                                    </p:animEffect>
+                                  </p:childTnLst>
+                                </p:cTn>
+                              </p:par>
+                            </p:childTnLst>
+                          </p:cTn>
+                        </p:par>
+                      </p:childTnLst>
+                    </p:cTn>
+                  </p:par>
+                </p:childTnLst>
+              </p:cTn>
+              <p:prevCondLst>
+                <p:cond evt="onPrev" delay="0">
+                  <p:tgtEl>
+                    <p:sldTgt/>
+                  </p:tgtEl>
+                </p:cond>
+              </p:prevCondLst>
+              <p:nextCondLst>
+                <p:cond evt="onNext" delay="0">
+                  <p:tgtEl>
+                    <p:sldTgt/>
+                  </p:tgtEl>
+                </p:cond>
+              </p:nextCondLst>
+            </p:seq>
+          </p:childTnLst>
+        </p:cTn>
+      </p:par>
+    </p:tnLst>
+  </p:timing>
+</p:sld>
+</file>
+
+<file path=ppt/slides/slide11.xml><?xml version="1.0" encoding="utf-8"?>
 <p:sld xmlns:a="http://schemas.openxmlformats.org/drawingml/2006/main" xmlns:r="http://schemas.openxmlformats.org/officeDocument/2006/relationships" xmlns:p="http://schemas.openxmlformats.org/presentationml/2006/main">
   <p:cSld>
     <p:bg>
@@ -6586,7 +7513,7 @@
 </p:sld>
 </file>
 
-<file path=ppt/slides/slide11.xml><?xml version="1.0" encoding="utf-8"?>
+<file path=ppt/slides/slide12.xml><?xml version="1.0" encoding="utf-8"?>
 <p:sld xmlns:a="http://schemas.openxmlformats.org/drawingml/2006/main" xmlns:r="http://schemas.openxmlformats.org/officeDocument/2006/relationships" xmlns:p="http://schemas.openxmlformats.org/presentationml/2006/main">
   <p:cSld>
     <p:bg>
@@ -7293,7 +8220,7 @@
 </p:sld>
 </file>
 
-<file path=ppt/slides/slide12.xml><?xml version="1.0" encoding="utf-8"?>
+<file path=ppt/slides/slide13.xml><?xml version="1.0" encoding="utf-8"?>
 <p:sld xmlns:a="http://schemas.openxmlformats.org/drawingml/2006/main" xmlns:r="http://schemas.openxmlformats.org/officeDocument/2006/relationships" xmlns:p="http://schemas.openxmlformats.org/presentationml/2006/main">
   <p:cSld>
     <p:bg>
@@ -8684,7 +9611,7 @@
 </p:sld>
 </file>
 
-<file path=ppt/slides/slide13.xml><?xml version="1.0" encoding="utf-8"?>
+<file path=ppt/slides/slide14.xml><?xml version="1.0" encoding="utf-8"?>
 <p:sld xmlns:a="http://schemas.openxmlformats.org/drawingml/2006/main" xmlns:r="http://schemas.openxmlformats.org/officeDocument/2006/relationships" xmlns:p="http://schemas.openxmlformats.org/presentationml/2006/main">
   <p:cSld>
     <p:bg>
@@ -10066,7 +10993,7 @@
 </p:sld>
 </file>
 
-<file path=ppt/slides/slide14.xml><?xml version="1.0" encoding="utf-8"?>
+<file path=ppt/slides/slide15.xml><?xml version="1.0" encoding="utf-8"?>
 <p:sld xmlns:a="http://schemas.openxmlformats.org/drawingml/2006/main" xmlns:r="http://schemas.openxmlformats.org/officeDocument/2006/relationships" xmlns:p="http://schemas.openxmlformats.org/presentationml/2006/main">
   <p:cSld>
     <p:bg>
@@ -11188,7 +12115,7 @@
 </p:sld>
 </file>
 
-<file path=ppt/slides/slide15.xml><?xml version="1.0" encoding="utf-8"?>
+<file path=ppt/slides/slide16.xml><?xml version="1.0" encoding="utf-8"?>
 <p:sld xmlns:a="http://schemas.openxmlformats.org/drawingml/2006/main" xmlns:r="http://schemas.openxmlformats.org/officeDocument/2006/relationships" xmlns:p="http://schemas.openxmlformats.org/presentationml/2006/main">
   <p:cSld>
     <p:bg>
@@ -11777,450 +12704,6 @@
                                           <p:spTgt spid="3">
                                             <p:txEl>
                                               <p:pRg st="4" end="4"/>
-                                            </p:txEl>
-                                          </p:spTgt>
-                                        </p:tgtEl>
-                                      </p:cBhvr>
-                                    </p:animEffect>
-                                  </p:childTnLst>
-                                </p:cTn>
-                              </p:par>
-                            </p:childTnLst>
-                          </p:cTn>
-                        </p:par>
-                      </p:childTnLst>
-                    </p:cTn>
-                  </p:par>
-                </p:childTnLst>
-              </p:cTn>
-              <p:prevCondLst>
-                <p:cond evt="onPrev" delay="0">
-                  <p:tgtEl>
-                    <p:sldTgt/>
-                  </p:tgtEl>
-                </p:cond>
-              </p:prevCondLst>
-              <p:nextCondLst>
-                <p:cond evt="onNext" delay="0">
-                  <p:tgtEl>
-                    <p:sldTgt/>
-                  </p:tgtEl>
-                </p:cond>
-              </p:nextCondLst>
-            </p:seq>
-          </p:childTnLst>
-        </p:cTn>
-      </p:par>
-    </p:tnLst>
-  </p:timing>
-</p:sld>
-</file>
-
-<file path=ppt/slides/slide16.xml><?xml version="1.0" encoding="utf-8"?>
-<p:sld xmlns:a="http://schemas.openxmlformats.org/drawingml/2006/main" xmlns:r="http://schemas.openxmlformats.org/officeDocument/2006/relationships" xmlns:p="http://schemas.openxmlformats.org/presentationml/2006/main">
-  <p:cSld>
-    <p:bg>
-      <p:bgPr>
-        <a:blipFill dpi="0" rotWithShape="1">
-          <a:blip r:embed="rId2">
-            <a:lum/>
-          </a:blip>
-          <a:srcRect/>
-          <a:stretch>
-            <a:fillRect/>
-          </a:stretch>
-        </a:blipFill>
-        <a:effectLst/>
-      </p:bgPr>
-    </p:bg>
-    <p:spTree>
-      <p:nvGrpSpPr>
-        <p:cNvPr id="1" name=""/>
-        <p:cNvGrpSpPr/>
-        <p:nvPr/>
-      </p:nvGrpSpPr>
-      <p:grpSpPr>
-        <a:xfrm>
-          <a:off x="0" y="0"/>
-          <a:ext cx="0" cy="0"/>
-          <a:chOff x="0" y="0"/>
-          <a:chExt cx="0" cy="0"/>
-        </a:xfrm>
-      </p:grpSpPr>
-      <p:sp>
-        <p:nvSpPr>
-          <p:cNvPr id="2" name="Title 1">
-            <a:extLst>
-              <a:ext uri="{FF2B5EF4-FFF2-40B4-BE49-F238E27FC236}">
-                <a16:creationId xmlns:a16="http://schemas.microsoft.com/office/drawing/2014/main" id="{55E11F08-6CA0-48F1-AD67-97430DDA07F0}"/>
-              </a:ext>
-            </a:extLst>
-          </p:cNvPr>
-          <p:cNvSpPr>
-            <a:spLocks noGrp="1"/>
-          </p:cNvSpPr>
-          <p:nvPr>
-            <p:ph type="title"/>
-          </p:nvPr>
-        </p:nvSpPr>
-        <p:spPr/>
-        <p:txBody>
-          <a:bodyPr/>
-          <a:lstStyle/>
-          <a:p>
-            <a:r>
-              <a:rPr lang="en-US" b="1" dirty="0">
-                <a:solidFill>
-                  <a:srgbClr val="292D33"/>
-                </a:solidFill>
-                <a:latin typeface="Euclid Circular B" panose="020B0504000000000000" pitchFamily="34" charset="0"/>
-                <a:ea typeface="Euclid Circular B" panose="020B0504000000000000" pitchFamily="34" charset="0"/>
-              </a:rPr>
-              <a:t>Administration</a:t>
-            </a:r>
-            <a:br>
-              <a:rPr lang="en-US" b="1" dirty="0">
-                <a:solidFill>
-                  <a:srgbClr val="292D33"/>
-                </a:solidFill>
-                <a:latin typeface="Euclid Circular B" panose="020B0504000000000000" pitchFamily="34" charset="0"/>
-                <a:ea typeface="Euclid Circular B" panose="020B0504000000000000" pitchFamily="34" charset="0"/>
-              </a:rPr>
-            </a:br>
-            <a:r>
-              <a:rPr lang="en-US" sz="3200" b="1" dirty="0">
-                <a:solidFill>
-                  <a:srgbClr val="292D33"/>
-                </a:solidFill>
-                <a:latin typeface="Euclid Circular B" panose="020B0504000000000000" pitchFamily="34" charset="0"/>
-                <a:ea typeface="Euclid Circular B" panose="020B0504000000000000" pitchFamily="34" charset="0"/>
-              </a:rPr>
-              <a:t>Manage All Permissions</a:t>
-            </a:r>
-          </a:p>
-        </p:txBody>
-      </p:sp>
-      <p:sp>
-        <p:nvSpPr>
-          <p:cNvPr id="3" name="Content Placeholder 2">
-            <a:extLst>
-              <a:ext uri="{FF2B5EF4-FFF2-40B4-BE49-F238E27FC236}">
-                <a16:creationId xmlns:a16="http://schemas.microsoft.com/office/drawing/2014/main" id="{891C7693-D3DF-4635-96F4-97F3B4136FDF}"/>
-              </a:ext>
-            </a:extLst>
-          </p:cNvPr>
-          <p:cNvSpPr>
-            <a:spLocks noGrp="1"/>
-          </p:cNvSpPr>
-          <p:nvPr>
-            <p:ph idx="1"/>
-          </p:nvPr>
-        </p:nvSpPr>
-        <p:spPr>
-          <a:xfrm>
-            <a:off x="838200" y="1825625"/>
-            <a:ext cx="5257800" cy="4351338"/>
-          </a:xfrm>
-        </p:spPr>
-        <p:txBody>
-          <a:bodyPr/>
-          <a:lstStyle/>
-          <a:p>
-            <a:r>
-              <a:rPr lang="en-US" dirty="0">
-                <a:latin typeface="Euclid Circular B" panose="020B0504000000000000" pitchFamily="34" charset="0"/>
-                <a:ea typeface="Euclid Circular B" panose="020B0504000000000000" pitchFamily="34" charset="0"/>
-              </a:rPr>
-              <a:t>Show and manage </a:t>
-            </a:r>
-            <a:r>
-              <a:rPr lang="en-US" b="1" dirty="0">
-                <a:latin typeface="Euclid Circular B" panose="020B0504000000000000" pitchFamily="34" charset="0"/>
-                <a:ea typeface="Euclid Circular B" panose="020B0504000000000000" pitchFamily="34" charset="0"/>
-              </a:rPr>
-              <a:t>all the permissions </a:t>
-            </a:r>
-            <a:r>
-              <a:rPr lang="en-US" dirty="0">
-                <a:latin typeface="Euclid Circular B" panose="020B0504000000000000" pitchFamily="34" charset="0"/>
-                <a:ea typeface="Euclid Circular B" panose="020B0504000000000000" pitchFamily="34" charset="0"/>
-              </a:rPr>
-              <a:t>for a role or user.</a:t>
-            </a:r>
-          </a:p>
-          <a:p>
-            <a:r>
-              <a:rPr lang="en-US" dirty="0">
-                <a:latin typeface="Euclid Circular B" panose="020B0504000000000000" pitchFamily="34" charset="0"/>
-                <a:ea typeface="Euclid Circular B" panose="020B0504000000000000" pitchFamily="34" charset="0"/>
-              </a:rPr>
-              <a:t>Why we need it?</a:t>
-            </a:r>
-          </a:p>
-          <a:p>
-            <a:pPr lvl="1"/>
-            <a:r>
-              <a:rPr lang="en-US" dirty="0">
-                <a:latin typeface="Euclid Circular B" panose="020B0504000000000000" pitchFamily="34" charset="0"/>
-                <a:ea typeface="Euclid Circular B" panose="020B0504000000000000" pitchFamily="34" charset="0"/>
-              </a:rPr>
-              <a:t>To </a:t>
-            </a:r>
-            <a:r>
-              <a:rPr lang="en-US" b="1" dirty="0">
-                <a:latin typeface="Euclid Circular B" panose="020B0504000000000000" pitchFamily="34" charset="0"/>
-                <a:ea typeface="Euclid Circular B" panose="020B0504000000000000" pitchFamily="34" charset="0"/>
-              </a:rPr>
-              <a:t>manage permissions </a:t>
-            </a:r>
-            <a:r>
-              <a:rPr lang="en-US" dirty="0">
-                <a:latin typeface="Euclid Circular B" panose="020B0504000000000000" pitchFamily="34" charset="0"/>
-                <a:ea typeface="Euclid Circular B" panose="020B0504000000000000" pitchFamily="34" charset="0"/>
-              </a:rPr>
-              <a:t>in a </a:t>
-            </a:r>
-            <a:r>
-              <a:rPr lang="en-US" b="1" dirty="0">
-                <a:latin typeface="Euclid Circular B" panose="020B0504000000000000" pitchFamily="34" charset="0"/>
-                <a:ea typeface="Euclid Circular B" panose="020B0504000000000000" pitchFamily="34" charset="0"/>
-              </a:rPr>
-              <a:t>single place</a:t>
-            </a:r>
-            <a:r>
-              <a:rPr lang="en-US" dirty="0">
-                <a:latin typeface="Euclid Circular B" panose="020B0504000000000000" pitchFamily="34" charset="0"/>
-                <a:ea typeface="Euclid Circular B" panose="020B0504000000000000" pitchFamily="34" charset="0"/>
-              </a:rPr>
-              <a:t> in the application.</a:t>
-            </a:r>
-          </a:p>
-        </p:txBody>
-      </p:sp>
-      <p:pic>
-        <p:nvPicPr>
-          <p:cNvPr id="5" name="Picture 4">
-            <a:extLst>
-              <a:ext uri="{FF2B5EF4-FFF2-40B4-BE49-F238E27FC236}">
-                <a16:creationId xmlns:a16="http://schemas.microsoft.com/office/drawing/2014/main" id="{BA799219-AA1D-20A0-0E72-9FF66E3FD611}"/>
-              </a:ext>
-            </a:extLst>
-          </p:cNvPr>
-          <p:cNvPicPr>
-            <a:picLocks noChangeAspect="1"/>
-          </p:cNvPicPr>
-          <p:nvPr/>
-        </p:nvPicPr>
-        <p:blipFill>
-          <a:blip r:embed="rId3"/>
-          <a:stretch>
-            <a:fillRect/>
-          </a:stretch>
-        </p:blipFill>
-        <p:spPr>
-          <a:xfrm>
-            <a:off x="6519818" y="1709542"/>
-            <a:ext cx="5459535" cy="4908895"/>
-          </a:xfrm>
-          <a:prstGeom prst="rect">
-            <a:avLst/>
-          </a:prstGeom>
-          <a:effectLst>
-            <a:outerShdw blurRad="50800" dist="38100" dir="2700000" algn="tl" rotWithShape="0">
-              <a:prstClr val="black">
-                <a:alpha val="40000"/>
-              </a:prstClr>
-            </a:outerShdw>
-          </a:effectLst>
-        </p:spPr>
-      </p:pic>
-    </p:spTree>
-    <p:extLst>
-      <p:ext uri="{BB962C8B-B14F-4D97-AF65-F5344CB8AC3E}">
-        <p14:creationId xmlns:p14="http://schemas.microsoft.com/office/powerpoint/2010/main" val="387418394"/>
-      </p:ext>
-    </p:extLst>
-  </p:cSld>
-  <p:clrMapOvr>
-    <a:masterClrMapping/>
-  </p:clrMapOvr>
-  <p:timing>
-    <p:tnLst>
-      <p:par>
-        <p:cTn id="1" dur="indefinite" restart="never" nodeType="tmRoot">
-          <p:childTnLst>
-            <p:seq concurrent="1" nextAc="seek">
-              <p:cTn id="2" dur="indefinite" nodeType="mainSeq">
-                <p:childTnLst>
-                  <p:par>
-                    <p:cTn id="3" fill="hold">
-                      <p:stCondLst>
-                        <p:cond delay="indefinite"/>
-                      </p:stCondLst>
-                      <p:childTnLst>
-                        <p:par>
-                          <p:cTn id="4" fill="hold">
-                            <p:stCondLst>
-                              <p:cond delay="0"/>
-                            </p:stCondLst>
-                            <p:childTnLst>
-                              <p:par>
-                                <p:cTn id="5" presetID="10" presetClass="entr" presetSubtype="0" fill="hold" nodeType="clickEffect">
-                                  <p:stCondLst>
-                                    <p:cond delay="0"/>
-                                  </p:stCondLst>
-                                  <p:childTnLst>
-                                    <p:set>
-                                      <p:cBhvr>
-                                        <p:cTn id="6" dur="1" fill="hold">
-                                          <p:stCondLst>
-                                            <p:cond delay="0"/>
-                                          </p:stCondLst>
-                                        </p:cTn>
-                                        <p:tgtEl>
-                                          <p:spTgt spid="3">
-                                            <p:txEl>
-                                              <p:pRg st="0" end="0"/>
-                                            </p:txEl>
-                                          </p:spTgt>
-                                        </p:tgtEl>
-                                        <p:attrNameLst>
-                                          <p:attrName>style.visibility</p:attrName>
-                                        </p:attrNameLst>
-                                      </p:cBhvr>
-                                      <p:to>
-                                        <p:strVal val="visible"/>
-                                      </p:to>
-                                    </p:set>
-                                    <p:animEffect transition="in" filter="fade">
-                                      <p:cBhvr>
-                                        <p:cTn id="7" dur="500"/>
-                                        <p:tgtEl>
-                                          <p:spTgt spid="3">
-                                            <p:txEl>
-                                              <p:pRg st="0" end="0"/>
-                                            </p:txEl>
-                                          </p:spTgt>
-                                        </p:tgtEl>
-                                      </p:cBhvr>
-                                    </p:animEffect>
-                                  </p:childTnLst>
-                                </p:cTn>
-                              </p:par>
-                            </p:childTnLst>
-                          </p:cTn>
-                        </p:par>
-                      </p:childTnLst>
-                    </p:cTn>
-                  </p:par>
-                  <p:par>
-                    <p:cTn id="8" fill="hold">
-                      <p:stCondLst>
-                        <p:cond delay="indefinite"/>
-                      </p:stCondLst>
-                      <p:childTnLst>
-                        <p:par>
-                          <p:cTn id="9" fill="hold">
-                            <p:stCondLst>
-                              <p:cond delay="0"/>
-                            </p:stCondLst>
-                            <p:childTnLst>
-                              <p:par>
-                                <p:cTn id="10" presetID="10" presetClass="entr" presetSubtype="0" fill="hold" nodeType="clickEffect">
-                                  <p:stCondLst>
-                                    <p:cond delay="0"/>
-                                  </p:stCondLst>
-                                  <p:childTnLst>
-                                    <p:set>
-                                      <p:cBhvr>
-                                        <p:cTn id="11" dur="1" fill="hold">
-                                          <p:stCondLst>
-                                            <p:cond delay="0"/>
-                                          </p:stCondLst>
-                                        </p:cTn>
-                                        <p:tgtEl>
-                                          <p:spTgt spid="3">
-                                            <p:txEl>
-                                              <p:pRg st="1" end="1"/>
-                                            </p:txEl>
-                                          </p:spTgt>
-                                        </p:tgtEl>
-                                        <p:attrNameLst>
-                                          <p:attrName>style.visibility</p:attrName>
-                                        </p:attrNameLst>
-                                      </p:cBhvr>
-                                      <p:to>
-                                        <p:strVal val="visible"/>
-                                      </p:to>
-                                    </p:set>
-                                    <p:animEffect transition="in" filter="fade">
-                                      <p:cBhvr>
-                                        <p:cTn id="12" dur="500"/>
-                                        <p:tgtEl>
-                                          <p:spTgt spid="3">
-                                            <p:txEl>
-                                              <p:pRg st="1" end="1"/>
-                                            </p:txEl>
-                                          </p:spTgt>
-                                        </p:tgtEl>
-                                      </p:cBhvr>
-                                    </p:animEffect>
-                                  </p:childTnLst>
-                                </p:cTn>
-                              </p:par>
-                            </p:childTnLst>
-                          </p:cTn>
-                        </p:par>
-                      </p:childTnLst>
-                    </p:cTn>
-                  </p:par>
-                  <p:par>
-                    <p:cTn id="13" fill="hold">
-                      <p:stCondLst>
-                        <p:cond delay="indefinite"/>
-                      </p:stCondLst>
-                      <p:childTnLst>
-                        <p:par>
-                          <p:cTn id="14" fill="hold">
-                            <p:stCondLst>
-                              <p:cond delay="0"/>
-                            </p:stCondLst>
-                            <p:childTnLst>
-                              <p:par>
-                                <p:cTn id="15" presetID="10" presetClass="entr" presetSubtype="0" fill="hold" nodeType="clickEffect">
-                                  <p:stCondLst>
-                                    <p:cond delay="0"/>
-                                  </p:stCondLst>
-                                  <p:childTnLst>
-                                    <p:set>
-                                      <p:cBhvr>
-                                        <p:cTn id="16" dur="1" fill="hold">
-                                          <p:stCondLst>
-                                            <p:cond delay="0"/>
-                                          </p:stCondLst>
-                                        </p:cTn>
-                                        <p:tgtEl>
-                                          <p:spTgt spid="3">
-                                            <p:txEl>
-                                              <p:pRg st="2" end="2"/>
-                                            </p:txEl>
-                                          </p:spTgt>
-                                        </p:tgtEl>
-                                        <p:attrNameLst>
-                                          <p:attrName>style.visibility</p:attrName>
-                                        </p:attrNameLst>
-                                      </p:cBhvr>
-                                      <p:to>
-                                        <p:strVal val="visible"/>
-                                      </p:to>
-                                    </p:set>
-                                    <p:animEffect transition="in" filter="fade">
-                                      <p:cBhvr>
-                                        <p:cTn id="17" dur="500"/>
-                                        <p:tgtEl>
-                                          <p:spTgt spid="3">
-                                            <p:txEl>
-                                              <p:pRg st="2" end="2"/>
                                             </p:txEl>
                                           </p:spTgt>
                                         </p:tgtEl>
@@ -12320,7 +12803,26 @@
                 <a:latin typeface="Euclid Circular B" panose="020B0504000000000000" pitchFamily="34" charset="0"/>
                 <a:ea typeface="Euclid Circular B" panose="020B0504000000000000" pitchFamily="34" charset="0"/>
               </a:rPr>
-              <a:t>Storing Permission Data</a:t>
+              <a:t>Administration</a:t>
+            </a:r>
+            <a:br>
+              <a:rPr lang="en-US" b="1" dirty="0">
+                <a:solidFill>
+                  <a:srgbClr val="292D33"/>
+                </a:solidFill>
+                <a:latin typeface="Euclid Circular B" panose="020B0504000000000000" pitchFamily="34" charset="0"/>
+                <a:ea typeface="Euclid Circular B" panose="020B0504000000000000" pitchFamily="34" charset="0"/>
+              </a:rPr>
+            </a:br>
+            <a:r>
+              <a:rPr lang="en-US" sz="3200" b="1" dirty="0">
+                <a:solidFill>
+                  <a:srgbClr val="292D33"/>
+                </a:solidFill>
+                <a:latin typeface="Euclid Circular B" panose="020B0504000000000000" pitchFamily="34" charset="0"/>
+                <a:ea typeface="Euclid Circular B" panose="020B0504000000000000" pitchFamily="34" charset="0"/>
+              </a:rPr>
+              <a:t>Manage All Permissions</a:t>
             </a:r>
           </a:p>
         </p:txBody>
@@ -12341,7 +12843,12 @@
             <p:ph idx="1"/>
           </p:nvPr>
         </p:nvSpPr>
-        <p:spPr/>
+        <p:spPr>
+          <a:xfrm>
+            <a:off x="838200" y="1825625"/>
+            <a:ext cx="5257800" cy="4351338"/>
+          </a:xfrm>
+        </p:spPr>
         <p:txBody>
           <a:bodyPr/>
           <a:lstStyle/>
@@ -12351,21 +12858,30 @@
                 <a:latin typeface="Euclid Circular B" panose="020B0504000000000000" pitchFamily="34" charset="0"/>
                 <a:ea typeface="Euclid Circular B" panose="020B0504000000000000" pitchFamily="34" charset="0"/>
               </a:rPr>
-              <a:t>Every microservice have their </a:t>
+              <a:t>Show and manage </a:t>
             </a:r>
             <a:r>
               <a:rPr lang="en-US" b="1" dirty="0">
                 <a:latin typeface="Euclid Circular B" panose="020B0504000000000000" pitchFamily="34" charset="0"/>
                 <a:ea typeface="Euclid Circular B" panose="020B0504000000000000" pitchFamily="34" charset="0"/>
               </a:rPr>
-              <a:t>own permission tables </a:t>
+              <a:t>all the permissions </a:t>
             </a:r>
             <a:r>
               <a:rPr lang="en-US" dirty="0">
                 <a:latin typeface="Euclid Circular B" panose="020B0504000000000000" pitchFamily="34" charset="0"/>
                 <a:ea typeface="Euclid Circular B" panose="020B0504000000000000" pitchFamily="34" charset="0"/>
               </a:rPr>
-              <a:t>in their own databases?</a:t>
+              <a:t>for a role or user.</a:t>
+            </a:r>
+          </a:p>
+          <a:p>
+            <a:r>
+              <a:rPr lang="en-US" dirty="0">
+                <a:latin typeface="Euclid Circular B" panose="020B0504000000000000" pitchFamily="34" charset="0"/>
+                <a:ea typeface="Euclid Circular B" panose="020B0504000000000000" pitchFamily="34" charset="0"/>
+              </a:rPr>
+              <a:t>Why we need it?</a:t>
             </a:r>
           </a:p>
           <a:p>
@@ -12375,75 +12891,80 @@
                 <a:latin typeface="Euclid Circular B" panose="020B0504000000000000" pitchFamily="34" charset="0"/>
                 <a:ea typeface="Euclid Circular B" panose="020B0504000000000000" pitchFamily="34" charset="0"/>
               </a:rPr>
-              <a:t>Hard to manage (load and save) permissions</a:t>
-            </a:r>
-          </a:p>
-          <a:p>
-            <a:pPr lvl="1"/>
+              <a:t>To </a:t>
+            </a:r>
+            <a:r>
+              <a:rPr lang="en-US" b="1" dirty="0">
+                <a:latin typeface="Euclid Circular B" panose="020B0504000000000000" pitchFamily="34" charset="0"/>
+                <a:ea typeface="Euclid Circular B" panose="020B0504000000000000" pitchFamily="34" charset="0"/>
+              </a:rPr>
+              <a:t>manage permissions </a:t>
+            </a:r>
             <a:r>
               <a:rPr lang="en-US" dirty="0">
                 <a:latin typeface="Euclid Circular B" panose="020B0504000000000000" pitchFamily="34" charset="0"/>
                 <a:ea typeface="Euclid Circular B" panose="020B0504000000000000" pitchFamily="34" charset="0"/>
               </a:rPr>
-              <a:t>Hard to get all permissions</a:t>
-            </a:r>
-          </a:p>
-          <a:p>
-            <a:pPr lvl="1"/>
+              <a:t>in a </a:t>
+            </a:r>
+            <a:r>
+              <a:rPr lang="en-US" b="1" dirty="0">
+                <a:latin typeface="Euclid Circular B" panose="020B0504000000000000" pitchFamily="34" charset="0"/>
+                <a:ea typeface="Euclid Circular B" panose="020B0504000000000000" pitchFamily="34" charset="0"/>
+              </a:rPr>
+              <a:t>single place</a:t>
+            </a:r>
             <a:r>
               <a:rPr lang="en-US" dirty="0">
                 <a:latin typeface="Euclid Circular B" panose="020B0504000000000000" pitchFamily="34" charset="0"/>
                 <a:ea typeface="Euclid Circular B" panose="020B0504000000000000" pitchFamily="34" charset="0"/>
               </a:rPr>
-              <a:t>Too much responsibility to the service</a:t>
-            </a:r>
-          </a:p>
-          <a:p>
-            <a:pPr lvl="1"/>
-            <a:endParaRPr lang="en-US" dirty="0">
-              <a:latin typeface="Euclid Circular B" panose="020B0504000000000000" pitchFamily="34" charset="0"/>
-              <a:ea typeface="Euclid Circular B" panose="020B0504000000000000" pitchFamily="34" charset="0"/>
-            </a:endParaRPr>
-          </a:p>
-          <a:p>
-            <a:r>
-              <a:rPr lang="en-US" dirty="0">
-                <a:latin typeface="Euclid Circular B" panose="020B0504000000000000" pitchFamily="34" charset="0"/>
-                <a:ea typeface="Euclid Circular B" panose="020B0504000000000000" pitchFamily="34" charset="0"/>
-              </a:rPr>
-              <a:t>A </a:t>
-            </a:r>
-            <a:r>
-              <a:rPr lang="en-US" b="1" dirty="0">
-                <a:latin typeface="Euclid Circular B" panose="020B0504000000000000" pitchFamily="34" charset="0"/>
-                <a:ea typeface="Euclid Circular B" panose="020B0504000000000000" pitchFamily="34" charset="0"/>
-              </a:rPr>
-              <a:t>central permission database</a:t>
-            </a:r>
-            <a:r>
-              <a:rPr lang="en-US" dirty="0">
-                <a:latin typeface="Euclid Circular B" panose="020B0504000000000000" pitchFamily="34" charset="0"/>
-                <a:ea typeface="Euclid Circular B" panose="020B0504000000000000" pitchFamily="34" charset="0"/>
-              </a:rPr>
-              <a:t>?</a:t>
-            </a:r>
-          </a:p>
-          <a:p>
-            <a:pPr lvl="1"/>
-            <a:r>
-              <a:rPr lang="en-US" dirty="0">
-                <a:latin typeface="Euclid Circular B" panose="020B0504000000000000" pitchFamily="34" charset="0"/>
-                <a:ea typeface="Euclid Circular B" panose="020B0504000000000000" pitchFamily="34" charset="0"/>
-              </a:rPr>
-              <a:t>All services directly connects to that database over an authorization library.</a:t>
+              <a:t> in the application.</a:t>
             </a:r>
           </a:p>
         </p:txBody>
       </p:sp>
+      <p:pic>
+        <p:nvPicPr>
+          <p:cNvPr id="5" name="Picture 4">
+            <a:extLst>
+              <a:ext uri="{FF2B5EF4-FFF2-40B4-BE49-F238E27FC236}">
+                <a16:creationId xmlns:a16="http://schemas.microsoft.com/office/drawing/2014/main" id="{BA799219-AA1D-20A0-0E72-9FF66E3FD611}"/>
+              </a:ext>
+            </a:extLst>
+          </p:cNvPr>
+          <p:cNvPicPr>
+            <a:picLocks noChangeAspect="1"/>
+          </p:cNvPicPr>
+          <p:nvPr/>
+        </p:nvPicPr>
+        <p:blipFill>
+          <a:blip r:embed="rId3"/>
+          <a:stretch>
+            <a:fillRect/>
+          </a:stretch>
+        </p:blipFill>
+        <p:spPr>
+          <a:xfrm>
+            <a:off x="6519818" y="1709542"/>
+            <a:ext cx="5459535" cy="4908895"/>
+          </a:xfrm>
+          <a:prstGeom prst="rect">
+            <a:avLst/>
+          </a:prstGeom>
+          <a:effectLst>
+            <a:outerShdw blurRad="50800" dist="38100" dir="2700000" algn="tl" rotWithShape="0">
+              <a:prstClr val="black">
+                <a:alpha val="40000"/>
+              </a:prstClr>
+            </a:outerShdw>
+          </a:effectLst>
+        </p:spPr>
+      </p:pic>
     </p:spTree>
     <p:extLst>
       <p:ext uri="{BB962C8B-B14F-4D97-AF65-F5344CB8AC3E}">
-        <p14:creationId xmlns:p14="http://schemas.microsoft.com/office/powerpoint/2010/main" val="142816348"/>
+        <p14:creationId xmlns:p14="http://schemas.microsoft.com/office/powerpoint/2010/main" val="387418394"/>
       </p:ext>
     </p:extLst>
   </p:cSld>
@@ -12627,189 +13148,6 @@
                                           <p:spTgt spid="3">
                                             <p:txEl>
                                               <p:pRg st="2" end="2"/>
-                                            </p:txEl>
-                                          </p:spTgt>
-                                        </p:tgtEl>
-                                      </p:cBhvr>
-                                    </p:animEffect>
-                                  </p:childTnLst>
-                                </p:cTn>
-                              </p:par>
-                            </p:childTnLst>
-                          </p:cTn>
-                        </p:par>
-                      </p:childTnLst>
-                    </p:cTn>
-                  </p:par>
-                  <p:par>
-                    <p:cTn id="18" fill="hold">
-                      <p:stCondLst>
-                        <p:cond delay="indefinite"/>
-                      </p:stCondLst>
-                      <p:childTnLst>
-                        <p:par>
-                          <p:cTn id="19" fill="hold">
-                            <p:stCondLst>
-                              <p:cond delay="0"/>
-                            </p:stCondLst>
-                            <p:childTnLst>
-                              <p:par>
-                                <p:cTn id="20" presetID="10" presetClass="entr" presetSubtype="0" fill="hold" nodeType="clickEffect">
-                                  <p:stCondLst>
-                                    <p:cond delay="0"/>
-                                  </p:stCondLst>
-                                  <p:childTnLst>
-                                    <p:set>
-                                      <p:cBhvr>
-                                        <p:cTn id="21" dur="1" fill="hold">
-                                          <p:stCondLst>
-                                            <p:cond delay="0"/>
-                                          </p:stCondLst>
-                                        </p:cTn>
-                                        <p:tgtEl>
-                                          <p:spTgt spid="3">
-                                            <p:txEl>
-                                              <p:pRg st="3" end="3"/>
-                                            </p:txEl>
-                                          </p:spTgt>
-                                        </p:tgtEl>
-                                        <p:attrNameLst>
-                                          <p:attrName>style.visibility</p:attrName>
-                                        </p:attrNameLst>
-                                      </p:cBhvr>
-                                      <p:to>
-                                        <p:strVal val="visible"/>
-                                      </p:to>
-                                    </p:set>
-                                    <p:animEffect transition="in" filter="fade">
-                                      <p:cBhvr>
-                                        <p:cTn id="22" dur="500"/>
-                                        <p:tgtEl>
-                                          <p:spTgt spid="3">
-                                            <p:txEl>
-                                              <p:pRg st="3" end="3"/>
-                                            </p:txEl>
-                                          </p:spTgt>
-                                        </p:tgtEl>
-                                      </p:cBhvr>
-                                    </p:animEffect>
-                                  </p:childTnLst>
-                                </p:cTn>
-                              </p:par>
-                            </p:childTnLst>
-                          </p:cTn>
-                        </p:par>
-                      </p:childTnLst>
-                    </p:cTn>
-                  </p:par>
-                  <p:par>
-                    <p:cTn id="23" fill="hold">
-                      <p:stCondLst>
-                        <p:cond delay="indefinite"/>
-                      </p:stCondLst>
-                      <p:childTnLst>
-                        <p:par>
-                          <p:cTn id="24" fill="hold">
-                            <p:stCondLst>
-                              <p:cond delay="0"/>
-                            </p:stCondLst>
-                            <p:childTnLst>
-                              <p:par>
-                                <p:cTn id="25" presetID="10" presetClass="entr" presetSubtype="0" fill="hold" nodeType="clickEffect">
-                                  <p:stCondLst>
-                                    <p:cond delay="0"/>
-                                  </p:stCondLst>
-                                  <p:childTnLst>
-                                    <p:set>
-                                      <p:cBhvr>
-                                        <p:cTn id="26" dur="1" fill="hold">
-                                          <p:stCondLst>
-                                            <p:cond delay="0"/>
-                                          </p:stCondLst>
-                                        </p:cTn>
-                                        <p:tgtEl>
-                                          <p:spTgt spid="3">
-                                            <p:txEl>
-                                              <p:pRg st="5" end="5"/>
-                                            </p:txEl>
-                                          </p:spTgt>
-                                        </p:tgtEl>
-                                        <p:attrNameLst>
-                                          <p:attrName>style.visibility</p:attrName>
-                                        </p:attrNameLst>
-                                      </p:cBhvr>
-                                      <p:to>
-                                        <p:strVal val="visible"/>
-                                      </p:to>
-                                    </p:set>
-                                    <p:animEffect transition="in" filter="fade">
-                                      <p:cBhvr>
-                                        <p:cTn id="27" dur="500"/>
-                                        <p:tgtEl>
-                                          <p:spTgt spid="3">
-                                            <p:txEl>
-                                              <p:pRg st="5" end="5"/>
-                                            </p:txEl>
-                                          </p:spTgt>
-                                        </p:tgtEl>
-                                      </p:cBhvr>
-                                    </p:animEffect>
-                                  </p:childTnLst>
-                                </p:cTn>
-                              </p:par>
-                            </p:childTnLst>
-                          </p:cTn>
-                        </p:par>
-                      </p:childTnLst>
-                    </p:cTn>
-                  </p:par>
-                  <p:par>
-                    <p:cTn id="28" fill="hold">
-                      <p:stCondLst>
-                        <p:cond delay="indefinite"/>
-                      </p:stCondLst>
-                      <p:childTnLst>
-                        <p:par>
-                          <p:cTn id="29" fill="hold">
-                            <p:stCondLst>
-                              <p:cond delay="0"/>
-                            </p:stCondLst>
-                            <p:childTnLst>
-                              <p:par>
-                                <p:cTn id="30" presetID="10" presetClass="entr" presetSubtype="0" fill="hold" nodeType="clickEffect">
-                                  <p:stCondLst>
-                                    <p:cond delay="0"/>
-                                  </p:stCondLst>
-                                  <p:childTnLst>
-                                    <p:set>
-                                      <p:cBhvr>
-                                        <p:cTn id="31" dur="1" fill="hold">
-                                          <p:stCondLst>
-                                            <p:cond delay="0"/>
-                                          </p:stCondLst>
-                                        </p:cTn>
-                                        <p:tgtEl>
-                                          <p:spTgt spid="3">
-                                            <p:txEl>
-                                              <p:pRg st="6" end="6"/>
-                                            </p:txEl>
-                                          </p:spTgt>
-                                        </p:tgtEl>
-                                        <p:attrNameLst>
-                                          <p:attrName>style.visibility</p:attrName>
-                                        </p:attrNameLst>
-                                      </p:cBhvr>
-                                      <p:to>
-                                        <p:strVal val="visible"/>
-                                      </p:to>
-                                    </p:set>
-                                    <p:animEffect transition="in" filter="fade">
-                                      <p:cBhvr>
-                                        <p:cTn id="32" dur="500"/>
-                                        <p:tgtEl>
-                                          <p:spTgt spid="3">
-                                            <p:txEl>
-                                              <p:pRg st="6" end="6"/>
                                             </p:txEl>
                                           </p:spTgt>
                                         </p:tgtEl>
@@ -12909,6 +13247,595 @@
                 <a:latin typeface="Euclid Circular B" panose="020B0504000000000000" pitchFamily="34" charset="0"/>
                 <a:ea typeface="Euclid Circular B" panose="020B0504000000000000" pitchFamily="34" charset="0"/>
               </a:rPr>
+              <a:t>Storing Permission Data</a:t>
+            </a:r>
+          </a:p>
+        </p:txBody>
+      </p:sp>
+      <p:sp>
+        <p:nvSpPr>
+          <p:cNvPr id="3" name="Content Placeholder 2">
+            <a:extLst>
+              <a:ext uri="{FF2B5EF4-FFF2-40B4-BE49-F238E27FC236}">
+                <a16:creationId xmlns:a16="http://schemas.microsoft.com/office/drawing/2014/main" id="{891C7693-D3DF-4635-96F4-97F3B4136FDF}"/>
+              </a:ext>
+            </a:extLst>
+          </p:cNvPr>
+          <p:cNvSpPr>
+            <a:spLocks noGrp="1"/>
+          </p:cNvSpPr>
+          <p:nvPr>
+            <p:ph idx="1"/>
+          </p:nvPr>
+        </p:nvSpPr>
+        <p:spPr/>
+        <p:txBody>
+          <a:bodyPr/>
+          <a:lstStyle/>
+          <a:p>
+            <a:r>
+              <a:rPr lang="en-US" dirty="0">
+                <a:latin typeface="Euclid Circular B" panose="020B0504000000000000" pitchFamily="34" charset="0"/>
+                <a:ea typeface="Euclid Circular B" panose="020B0504000000000000" pitchFamily="34" charset="0"/>
+              </a:rPr>
+              <a:t>Every microservice have their </a:t>
+            </a:r>
+            <a:r>
+              <a:rPr lang="en-US" b="1" dirty="0">
+                <a:latin typeface="Euclid Circular B" panose="020B0504000000000000" pitchFamily="34" charset="0"/>
+                <a:ea typeface="Euclid Circular B" panose="020B0504000000000000" pitchFamily="34" charset="0"/>
+              </a:rPr>
+              <a:t>own permission tables </a:t>
+            </a:r>
+            <a:r>
+              <a:rPr lang="en-US" dirty="0">
+                <a:latin typeface="Euclid Circular B" panose="020B0504000000000000" pitchFamily="34" charset="0"/>
+                <a:ea typeface="Euclid Circular B" panose="020B0504000000000000" pitchFamily="34" charset="0"/>
+              </a:rPr>
+              <a:t>in their own databases?</a:t>
+            </a:r>
+          </a:p>
+          <a:p>
+            <a:pPr lvl="1"/>
+            <a:r>
+              <a:rPr lang="en-US" dirty="0">
+                <a:latin typeface="Euclid Circular B" panose="020B0504000000000000" pitchFamily="34" charset="0"/>
+                <a:ea typeface="Euclid Circular B" panose="020B0504000000000000" pitchFamily="34" charset="0"/>
+              </a:rPr>
+              <a:t>Hard to manage (load and save) permissions</a:t>
+            </a:r>
+          </a:p>
+          <a:p>
+            <a:pPr lvl="1"/>
+            <a:r>
+              <a:rPr lang="en-US" dirty="0">
+                <a:latin typeface="Euclid Circular B" panose="020B0504000000000000" pitchFamily="34" charset="0"/>
+                <a:ea typeface="Euclid Circular B" panose="020B0504000000000000" pitchFamily="34" charset="0"/>
+              </a:rPr>
+              <a:t>Hard to get all permissions</a:t>
+            </a:r>
+          </a:p>
+          <a:p>
+            <a:pPr lvl="1"/>
+            <a:r>
+              <a:rPr lang="en-US" dirty="0">
+                <a:latin typeface="Euclid Circular B" panose="020B0504000000000000" pitchFamily="34" charset="0"/>
+                <a:ea typeface="Euclid Circular B" panose="020B0504000000000000" pitchFamily="34" charset="0"/>
+              </a:rPr>
+              <a:t>Too much responsibility to the service</a:t>
+            </a:r>
+          </a:p>
+          <a:p>
+            <a:pPr lvl="1"/>
+            <a:endParaRPr lang="en-US" dirty="0">
+              <a:latin typeface="Euclid Circular B" panose="020B0504000000000000" pitchFamily="34" charset="0"/>
+              <a:ea typeface="Euclid Circular B" panose="020B0504000000000000" pitchFamily="34" charset="0"/>
+            </a:endParaRPr>
+          </a:p>
+          <a:p>
+            <a:r>
+              <a:rPr lang="en-US" dirty="0">
+                <a:latin typeface="Euclid Circular B" panose="020B0504000000000000" pitchFamily="34" charset="0"/>
+                <a:ea typeface="Euclid Circular B" panose="020B0504000000000000" pitchFamily="34" charset="0"/>
+              </a:rPr>
+              <a:t>A </a:t>
+            </a:r>
+            <a:r>
+              <a:rPr lang="en-US" b="1" dirty="0">
+                <a:latin typeface="Euclid Circular B" panose="020B0504000000000000" pitchFamily="34" charset="0"/>
+                <a:ea typeface="Euclid Circular B" panose="020B0504000000000000" pitchFamily="34" charset="0"/>
+              </a:rPr>
+              <a:t>central permission database</a:t>
+            </a:r>
+            <a:r>
+              <a:rPr lang="en-US" dirty="0">
+                <a:latin typeface="Euclid Circular B" panose="020B0504000000000000" pitchFamily="34" charset="0"/>
+                <a:ea typeface="Euclid Circular B" panose="020B0504000000000000" pitchFamily="34" charset="0"/>
+              </a:rPr>
+              <a:t>?</a:t>
+            </a:r>
+          </a:p>
+          <a:p>
+            <a:pPr lvl="1"/>
+            <a:r>
+              <a:rPr lang="en-US" dirty="0">
+                <a:latin typeface="Euclid Circular B" panose="020B0504000000000000" pitchFamily="34" charset="0"/>
+                <a:ea typeface="Euclid Circular B" panose="020B0504000000000000" pitchFamily="34" charset="0"/>
+              </a:rPr>
+              <a:t>All services directly connects to that database over an authorization library.</a:t>
+            </a:r>
+          </a:p>
+        </p:txBody>
+      </p:sp>
+    </p:spTree>
+    <p:extLst>
+      <p:ext uri="{BB962C8B-B14F-4D97-AF65-F5344CB8AC3E}">
+        <p14:creationId xmlns:p14="http://schemas.microsoft.com/office/powerpoint/2010/main" val="142816348"/>
+      </p:ext>
+    </p:extLst>
+  </p:cSld>
+  <p:clrMapOvr>
+    <a:masterClrMapping/>
+  </p:clrMapOvr>
+  <p:timing>
+    <p:tnLst>
+      <p:par>
+        <p:cTn id="1" dur="indefinite" restart="never" nodeType="tmRoot">
+          <p:childTnLst>
+            <p:seq concurrent="1" nextAc="seek">
+              <p:cTn id="2" dur="indefinite" nodeType="mainSeq">
+                <p:childTnLst>
+                  <p:par>
+                    <p:cTn id="3" fill="hold">
+                      <p:stCondLst>
+                        <p:cond delay="indefinite"/>
+                      </p:stCondLst>
+                      <p:childTnLst>
+                        <p:par>
+                          <p:cTn id="4" fill="hold">
+                            <p:stCondLst>
+                              <p:cond delay="0"/>
+                            </p:stCondLst>
+                            <p:childTnLst>
+                              <p:par>
+                                <p:cTn id="5" presetID="10" presetClass="entr" presetSubtype="0" fill="hold" nodeType="clickEffect">
+                                  <p:stCondLst>
+                                    <p:cond delay="0"/>
+                                  </p:stCondLst>
+                                  <p:childTnLst>
+                                    <p:set>
+                                      <p:cBhvr>
+                                        <p:cTn id="6" dur="1" fill="hold">
+                                          <p:stCondLst>
+                                            <p:cond delay="0"/>
+                                          </p:stCondLst>
+                                        </p:cTn>
+                                        <p:tgtEl>
+                                          <p:spTgt spid="3">
+                                            <p:txEl>
+                                              <p:pRg st="0" end="0"/>
+                                            </p:txEl>
+                                          </p:spTgt>
+                                        </p:tgtEl>
+                                        <p:attrNameLst>
+                                          <p:attrName>style.visibility</p:attrName>
+                                        </p:attrNameLst>
+                                      </p:cBhvr>
+                                      <p:to>
+                                        <p:strVal val="visible"/>
+                                      </p:to>
+                                    </p:set>
+                                    <p:animEffect transition="in" filter="fade">
+                                      <p:cBhvr>
+                                        <p:cTn id="7" dur="500"/>
+                                        <p:tgtEl>
+                                          <p:spTgt spid="3">
+                                            <p:txEl>
+                                              <p:pRg st="0" end="0"/>
+                                            </p:txEl>
+                                          </p:spTgt>
+                                        </p:tgtEl>
+                                      </p:cBhvr>
+                                    </p:animEffect>
+                                  </p:childTnLst>
+                                </p:cTn>
+                              </p:par>
+                            </p:childTnLst>
+                          </p:cTn>
+                        </p:par>
+                      </p:childTnLst>
+                    </p:cTn>
+                  </p:par>
+                  <p:par>
+                    <p:cTn id="8" fill="hold">
+                      <p:stCondLst>
+                        <p:cond delay="indefinite"/>
+                      </p:stCondLst>
+                      <p:childTnLst>
+                        <p:par>
+                          <p:cTn id="9" fill="hold">
+                            <p:stCondLst>
+                              <p:cond delay="0"/>
+                            </p:stCondLst>
+                            <p:childTnLst>
+                              <p:par>
+                                <p:cTn id="10" presetID="10" presetClass="entr" presetSubtype="0" fill="hold" nodeType="clickEffect">
+                                  <p:stCondLst>
+                                    <p:cond delay="0"/>
+                                  </p:stCondLst>
+                                  <p:childTnLst>
+                                    <p:set>
+                                      <p:cBhvr>
+                                        <p:cTn id="11" dur="1" fill="hold">
+                                          <p:stCondLst>
+                                            <p:cond delay="0"/>
+                                          </p:stCondLst>
+                                        </p:cTn>
+                                        <p:tgtEl>
+                                          <p:spTgt spid="3">
+                                            <p:txEl>
+                                              <p:pRg st="1" end="1"/>
+                                            </p:txEl>
+                                          </p:spTgt>
+                                        </p:tgtEl>
+                                        <p:attrNameLst>
+                                          <p:attrName>style.visibility</p:attrName>
+                                        </p:attrNameLst>
+                                      </p:cBhvr>
+                                      <p:to>
+                                        <p:strVal val="visible"/>
+                                      </p:to>
+                                    </p:set>
+                                    <p:animEffect transition="in" filter="fade">
+                                      <p:cBhvr>
+                                        <p:cTn id="12" dur="500"/>
+                                        <p:tgtEl>
+                                          <p:spTgt spid="3">
+                                            <p:txEl>
+                                              <p:pRg st="1" end="1"/>
+                                            </p:txEl>
+                                          </p:spTgt>
+                                        </p:tgtEl>
+                                      </p:cBhvr>
+                                    </p:animEffect>
+                                  </p:childTnLst>
+                                </p:cTn>
+                              </p:par>
+                            </p:childTnLst>
+                          </p:cTn>
+                        </p:par>
+                      </p:childTnLst>
+                    </p:cTn>
+                  </p:par>
+                  <p:par>
+                    <p:cTn id="13" fill="hold">
+                      <p:stCondLst>
+                        <p:cond delay="indefinite"/>
+                      </p:stCondLst>
+                      <p:childTnLst>
+                        <p:par>
+                          <p:cTn id="14" fill="hold">
+                            <p:stCondLst>
+                              <p:cond delay="0"/>
+                            </p:stCondLst>
+                            <p:childTnLst>
+                              <p:par>
+                                <p:cTn id="15" presetID="10" presetClass="entr" presetSubtype="0" fill="hold" nodeType="clickEffect">
+                                  <p:stCondLst>
+                                    <p:cond delay="0"/>
+                                  </p:stCondLst>
+                                  <p:childTnLst>
+                                    <p:set>
+                                      <p:cBhvr>
+                                        <p:cTn id="16" dur="1" fill="hold">
+                                          <p:stCondLst>
+                                            <p:cond delay="0"/>
+                                          </p:stCondLst>
+                                        </p:cTn>
+                                        <p:tgtEl>
+                                          <p:spTgt spid="3">
+                                            <p:txEl>
+                                              <p:pRg st="2" end="2"/>
+                                            </p:txEl>
+                                          </p:spTgt>
+                                        </p:tgtEl>
+                                        <p:attrNameLst>
+                                          <p:attrName>style.visibility</p:attrName>
+                                        </p:attrNameLst>
+                                      </p:cBhvr>
+                                      <p:to>
+                                        <p:strVal val="visible"/>
+                                      </p:to>
+                                    </p:set>
+                                    <p:animEffect transition="in" filter="fade">
+                                      <p:cBhvr>
+                                        <p:cTn id="17" dur="500"/>
+                                        <p:tgtEl>
+                                          <p:spTgt spid="3">
+                                            <p:txEl>
+                                              <p:pRg st="2" end="2"/>
+                                            </p:txEl>
+                                          </p:spTgt>
+                                        </p:tgtEl>
+                                      </p:cBhvr>
+                                    </p:animEffect>
+                                  </p:childTnLst>
+                                </p:cTn>
+                              </p:par>
+                            </p:childTnLst>
+                          </p:cTn>
+                        </p:par>
+                      </p:childTnLst>
+                    </p:cTn>
+                  </p:par>
+                  <p:par>
+                    <p:cTn id="18" fill="hold">
+                      <p:stCondLst>
+                        <p:cond delay="indefinite"/>
+                      </p:stCondLst>
+                      <p:childTnLst>
+                        <p:par>
+                          <p:cTn id="19" fill="hold">
+                            <p:stCondLst>
+                              <p:cond delay="0"/>
+                            </p:stCondLst>
+                            <p:childTnLst>
+                              <p:par>
+                                <p:cTn id="20" presetID="10" presetClass="entr" presetSubtype="0" fill="hold" nodeType="clickEffect">
+                                  <p:stCondLst>
+                                    <p:cond delay="0"/>
+                                  </p:stCondLst>
+                                  <p:childTnLst>
+                                    <p:set>
+                                      <p:cBhvr>
+                                        <p:cTn id="21" dur="1" fill="hold">
+                                          <p:stCondLst>
+                                            <p:cond delay="0"/>
+                                          </p:stCondLst>
+                                        </p:cTn>
+                                        <p:tgtEl>
+                                          <p:spTgt spid="3">
+                                            <p:txEl>
+                                              <p:pRg st="3" end="3"/>
+                                            </p:txEl>
+                                          </p:spTgt>
+                                        </p:tgtEl>
+                                        <p:attrNameLst>
+                                          <p:attrName>style.visibility</p:attrName>
+                                        </p:attrNameLst>
+                                      </p:cBhvr>
+                                      <p:to>
+                                        <p:strVal val="visible"/>
+                                      </p:to>
+                                    </p:set>
+                                    <p:animEffect transition="in" filter="fade">
+                                      <p:cBhvr>
+                                        <p:cTn id="22" dur="500"/>
+                                        <p:tgtEl>
+                                          <p:spTgt spid="3">
+                                            <p:txEl>
+                                              <p:pRg st="3" end="3"/>
+                                            </p:txEl>
+                                          </p:spTgt>
+                                        </p:tgtEl>
+                                      </p:cBhvr>
+                                    </p:animEffect>
+                                  </p:childTnLst>
+                                </p:cTn>
+                              </p:par>
+                            </p:childTnLst>
+                          </p:cTn>
+                        </p:par>
+                      </p:childTnLst>
+                    </p:cTn>
+                  </p:par>
+                  <p:par>
+                    <p:cTn id="23" fill="hold">
+                      <p:stCondLst>
+                        <p:cond delay="indefinite"/>
+                      </p:stCondLst>
+                      <p:childTnLst>
+                        <p:par>
+                          <p:cTn id="24" fill="hold">
+                            <p:stCondLst>
+                              <p:cond delay="0"/>
+                            </p:stCondLst>
+                            <p:childTnLst>
+                              <p:par>
+                                <p:cTn id="25" presetID="10" presetClass="entr" presetSubtype="0" fill="hold" nodeType="clickEffect">
+                                  <p:stCondLst>
+                                    <p:cond delay="0"/>
+                                  </p:stCondLst>
+                                  <p:childTnLst>
+                                    <p:set>
+                                      <p:cBhvr>
+                                        <p:cTn id="26" dur="1" fill="hold">
+                                          <p:stCondLst>
+                                            <p:cond delay="0"/>
+                                          </p:stCondLst>
+                                        </p:cTn>
+                                        <p:tgtEl>
+                                          <p:spTgt spid="3">
+                                            <p:txEl>
+                                              <p:pRg st="5" end="5"/>
+                                            </p:txEl>
+                                          </p:spTgt>
+                                        </p:tgtEl>
+                                        <p:attrNameLst>
+                                          <p:attrName>style.visibility</p:attrName>
+                                        </p:attrNameLst>
+                                      </p:cBhvr>
+                                      <p:to>
+                                        <p:strVal val="visible"/>
+                                      </p:to>
+                                    </p:set>
+                                    <p:animEffect transition="in" filter="fade">
+                                      <p:cBhvr>
+                                        <p:cTn id="27" dur="500"/>
+                                        <p:tgtEl>
+                                          <p:spTgt spid="3">
+                                            <p:txEl>
+                                              <p:pRg st="5" end="5"/>
+                                            </p:txEl>
+                                          </p:spTgt>
+                                        </p:tgtEl>
+                                      </p:cBhvr>
+                                    </p:animEffect>
+                                  </p:childTnLst>
+                                </p:cTn>
+                              </p:par>
+                            </p:childTnLst>
+                          </p:cTn>
+                        </p:par>
+                      </p:childTnLst>
+                    </p:cTn>
+                  </p:par>
+                  <p:par>
+                    <p:cTn id="28" fill="hold">
+                      <p:stCondLst>
+                        <p:cond delay="indefinite"/>
+                      </p:stCondLst>
+                      <p:childTnLst>
+                        <p:par>
+                          <p:cTn id="29" fill="hold">
+                            <p:stCondLst>
+                              <p:cond delay="0"/>
+                            </p:stCondLst>
+                            <p:childTnLst>
+                              <p:par>
+                                <p:cTn id="30" presetID="10" presetClass="entr" presetSubtype="0" fill="hold" nodeType="clickEffect">
+                                  <p:stCondLst>
+                                    <p:cond delay="0"/>
+                                  </p:stCondLst>
+                                  <p:childTnLst>
+                                    <p:set>
+                                      <p:cBhvr>
+                                        <p:cTn id="31" dur="1" fill="hold">
+                                          <p:stCondLst>
+                                            <p:cond delay="0"/>
+                                          </p:stCondLst>
+                                        </p:cTn>
+                                        <p:tgtEl>
+                                          <p:spTgt spid="3">
+                                            <p:txEl>
+                                              <p:pRg st="6" end="6"/>
+                                            </p:txEl>
+                                          </p:spTgt>
+                                        </p:tgtEl>
+                                        <p:attrNameLst>
+                                          <p:attrName>style.visibility</p:attrName>
+                                        </p:attrNameLst>
+                                      </p:cBhvr>
+                                      <p:to>
+                                        <p:strVal val="visible"/>
+                                      </p:to>
+                                    </p:set>
+                                    <p:animEffect transition="in" filter="fade">
+                                      <p:cBhvr>
+                                        <p:cTn id="32" dur="500"/>
+                                        <p:tgtEl>
+                                          <p:spTgt spid="3">
+                                            <p:txEl>
+                                              <p:pRg st="6" end="6"/>
+                                            </p:txEl>
+                                          </p:spTgt>
+                                        </p:tgtEl>
+                                      </p:cBhvr>
+                                    </p:animEffect>
+                                  </p:childTnLst>
+                                </p:cTn>
+                              </p:par>
+                            </p:childTnLst>
+                          </p:cTn>
+                        </p:par>
+                      </p:childTnLst>
+                    </p:cTn>
+                  </p:par>
+                </p:childTnLst>
+              </p:cTn>
+              <p:prevCondLst>
+                <p:cond evt="onPrev" delay="0">
+                  <p:tgtEl>
+                    <p:sldTgt/>
+                  </p:tgtEl>
+                </p:cond>
+              </p:prevCondLst>
+              <p:nextCondLst>
+                <p:cond evt="onNext" delay="0">
+                  <p:tgtEl>
+                    <p:sldTgt/>
+                  </p:tgtEl>
+                </p:cond>
+              </p:nextCondLst>
+            </p:seq>
+          </p:childTnLst>
+        </p:cTn>
+      </p:par>
+    </p:tnLst>
+  </p:timing>
+</p:sld>
+</file>
+
+<file path=ppt/slides/slide19.xml><?xml version="1.0" encoding="utf-8"?>
+<p:sld xmlns:a="http://schemas.openxmlformats.org/drawingml/2006/main" xmlns:r="http://schemas.openxmlformats.org/officeDocument/2006/relationships" xmlns:p="http://schemas.openxmlformats.org/presentationml/2006/main">
+  <p:cSld>
+    <p:bg>
+      <p:bgPr>
+        <a:blipFill dpi="0" rotWithShape="1">
+          <a:blip r:embed="rId2">
+            <a:lum/>
+          </a:blip>
+          <a:srcRect/>
+          <a:stretch>
+            <a:fillRect/>
+          </a:stretch>
+        </a:blipFill>
+        <a:effectLst/>
+      </p:bgPr>
+    </p:bg>
+    <p:spTree>
+      <p:nvGrpSpPr>
+        <p:cNvPr id="1" name=""/>
+        <p:cNvGrpSpPr/>
+        <p:nvPr/>
+      </p:nvGrpSpPr>
+      <p:grpSpPr>
+        <a:xfrm>
+          <a:off x="0" y="0"/>
+          <a:ext cx="0" cy="0"/>
+          <a:chOff x="0" y="0"/>
+          <a:chExt cx="0" cy="0"/>
+        </a:xfrm>
+      </p:grpSpPr>
+      <p:sp>
+        <p:nvSpPr>
+          <p:cNvPr id="2" name="Title 1">
+            <a:extLst>
+              <a:ext uri="{FF2B5EF4-FFF2-40B4-BE49-F238E27FC236}">
+                <a16:creationId xmlns:a16="http://schemas.microsoft.com/office/drawing/2014/main" id="{55E11F08-6CA0-48F1-AD67-97430DDA07F0}"/>
+              </a:ext>
+            </a:extLst>
+          </p:cNvPr>
+          <p:cNvSpPr>
+            <a:spLocks noGrp="1"/>
+          </p:cNvSpPr>
+          <p:nvPr>
+            <p:ph type="title"/>
+          </p:nvPr>
+        </p:nvSpPr>
+        <p:spPr/>
+        <p:txBody>
+          <a:bodyPr/>
+          <a:lstStyle/>
+          <a:p>
+            <a:r>
+              <a:rPr lang="en-US" b="1" dirty="0">
+                <a:solidFill>
+                  <a:srgbClr val="292D33"/>
+                </a:solidFill>
+                <a:latin typeface="Euclid Circular B" panose="020B0504000000000000" pitchFamily="34" charset="0"/>
+                <a:ea typeface="Euclid Circular B" panose="020B0504000000000000" pitchFamily="34" charset="0"/>
+              </a:rPr>
               <a:t>Check/Manage All Permissions: How?</a:t>
             </a:r>
           </a:p>
@@ -13495,7 +14422,417 @@
 </p:sld>
 </file>
 
-<file path=ppt/slides/slide19.xml><?xml version="1.0" encoding="utf-8"?>
+<file path=ppt/slides/slide2.xml><?xml version="1.0" encoding="utf-8"?>
+<p:sld xmlns:a="http://schemas.openxmlformats.org/drawingml/2006/main" xmlns:r="http://schemas.openxmlformats.org/officeDocument/2006/relationships" xmlns:p="http://schemas.openxmlformats.org/presentationml/2006/main">
+  <p:cSld>
+    <p:bg>
+      <p:bgPr>
+        <a:blipFill dpi="0" rotWithShape="1">
+          <a:blip r:embed="rId2">
+            <a:lum/>
+          </a:blip>
+          <a:srcRect/>
+          <a:stretch>
+            <a:fillRect/>
+          </a:stretch>
+        </a:blipFill>
+        <a:effectLst/>
+      </p:bgPr>
+    </p:bg>
+    <p:spTree>
+      <p:nvGrpSpPr>
+        <p:cNvPr id="1" name=""/>
+        <p:cNvGrpSpPr/>
+        <p:nvPr/>
+      </p:nvGrpSpPr>
+      <p:grpSpPr>
+        <a:xfrm>
+          <a:off x="0" y="0"/>
+          <a:ext cx="0" cy="0"/>
+          <a:chOff x="0" y="0"/>
+          <a:chExt cx="0" cy="0"/>
+        </a:xfrm>
+      </p:grpSpPr>
+      <p:sp>
+        <p:nvSpPr>
+          <p:cNvPr id="2" name="Title 1">
+            <a:extLst>
+              <a:ext uri="{FF2B5EF4-FFF2-40B4-BE49-F238E27FC236}">
+                <a16:creationId xmlns:a16="http://schemas.microsoft.com/office/drawing/2014/main" id="{55E11F08-6CA0-48F1-AD67-97430DDA07F0}"/>
+              </a:ext>
+            </a:extLst>
+          </p:cNvPr>
+          <p:cNvSpPr>
+            <a:spLocks noGrp="1"/>
+          </p:cNvSpPr>
+          <p:nvPr>
+            <p:ph type="title"/>
+          </p:nvPr>
+        </p:nvSpPr>
+        <p:spPr/>
+        <p:txBody>
+          <a:bodyPr/>
+          <a:lstStyle/>
+          <a:p>
+            <a:r>
+              <a:rPr lang="en-US" b="1" dirty="0">
+                <a:solidFill>
+                  <a:srgbClr val="292D33"/>
+                </a:solidFill>
+                <a:latin typeface="Euclid Circular B" panose="020B0504000000000000" pitchFamily="34" charset="0"/>
+                <a:ea typeface="Euclid Circular B" panose="020B0504000000000000" pitchFamily="34" charset="0"/>
+              </a:rPr>
+              <a:t>Agenda</a:t>
+            </a:r>
+          </a:p>
+        </p:txBody>
+      </p:sp>
+      <p:sp>
+        <p:nvSpPr>
+          <p:cNvPr id="3" name="Content Placeholder 2">
+            <a:extLst>
+              <a:ext uri="{FF2B5EF4-FFF2-40B4-BE49-F238E27FC236}">
+                <a16:creationId xmlns:a16="http://schemas.microsoft.com/office/drawing/2014/main" id="{891C7693-D3DF-4635-96F4-97F3B4136FDF}"/>
+              </a:ext>
+            </a:extLst>
+          </p:cNvPr>
+          <p:cNvSpPr>
+            <a:spLocks noGrp="1"/>
+          </p:cNvSpPr>
+          <p:nvPr>
+            <p:ph idx="1"/>
+          </p:nvPr>
+        </p:nvSpPr>
+        <p:spPr/>
+        <p:txBody>
+          <a:bodyPr/>
+          <a:lstStyle/>
+          <a:p>
+            <a:r>
+              <a:rPr lang="en-US" dirty="0">
+                <a:latin typeface="Euclid Circular B" panose="020B0504000000000000" pitchFamily="34" charset="0"/>
+                <a:ea typeface="Euclid Circular B" panose="020B0504000000000000" pitchFamily="34" charset="0"/>
+              </a:rPr>
+              <a:t>Authentication &amp; Authorization</a:t>
+            </a:r>
+          </a:p>
+          <a:p>
+            <a:r>
+              <a:rPr lang="en-US" dirty="0">
+                <a:latin typeface="Euclid Circular B" panose="020B0504000000000000" pitchFamily="34" charset="0"/>
+                <a:ea typeface="Euclid Circular B" panose="020B0504000000000000" pitchFamily="34" charset="0"/>
+              </a:rPr>
+              <a:t>Authorization Types &amp; Requirements</a:t>
+            </a:r>
+          </a:p>
+          <a:p>
+            <a:r>
+              <a:rPr lang="en-US" dirty="0">
+                <a:latin typeface="Euclid Circular B" panose="020B0504000000000000" pitchFamily="34" charset="0"/>
+                <a:ea typeface="Euclid Circular B" panose="020B0504000000000000" pitchFamily="34" charset="0"/>
+              </a:rPr>
+              <a:t>Architectural Discussions</a:t>
+            </a:r>
+          </a:p>
+          <a:p>
+            <a:r>
+              <a:rPr lang="en-US" dirty="0">
+                <a:latin typeface="Euclid Circular B" panose="020B0504000000000000" pitchFamily="34" charset="0"/>
+                <a:ea typeface="Euclid Circular B" panose="020B0504000000000000" pitchFamily="34" charset="0"/>
+              </a:rPr>
+              <a:t>Solutions and Tradeoffs</a:t>
+            </a:r>
+          </a:p>
+        </p:txBody>
+      </p:sp>
+    </p:spTree>
+    <p:extLst>
+      <p:ext uri="{BB962C8B-B14F-4D97-AF65-F5344CB8AC3E}">
+        <p14:creationId xmlns:p14="http://schemas.microsoft.com/office/powerpoint/2010/main" val="2127823828"/>
+      </p:ext>
+    </p:extLst>
+  </p:cSld>
+  <p:clrMapOvr>
+    <a:masterClrMapping/>
+  </p:clrMapOvr>
+  <p:timing>
+    <p:tnLst>
+      <p:par>
+        <p:cTn id="1" dur="indefinite" restart="never" nodeType="tmRoot">
+          <p:childTnLst>
+            <p:seq concurrent="1" nextAc="seek">
+              <p:cTn id="2" dur="indefinite" nodeType="mainSeq">
+                <p:childTnLst>
+                  <p:par>
+                    <p:cTn id="3" fill="hold">
+                      <p:stCondLst>
+                        <p:cond delay="indefinite"/>
+                      </p:stCondLst>
+                      <p:childTnLst>
+                        <p:par>
+                          <p:cTn id="4" fill="hold">
+                            <p:stCondLst>
+                              <p:cond delay="0"/>
+                            </p:stCondLst>
+                            <p:childTnLst>
+                              <p:par>
+                                <p:cTn id="5" presetID="10" presetClass="entr" presetSubtype="0" fill="hold" nodeType="clickEffect">
+                                  <p:stCondLst>
+                                    <p:cond delay="0"/>
+                                  </p:stCondLst>
+                                  <p:childTnLst>
+                                    <p:set>
+                                      <p:cBhvr>
+                                        <p:cTn id="6" dur="1" fill="hold">
+                                          <p:stCondLst>
+                                            <p:cond delay="0"/>
+                                          </p:stCondLst>
+                                        </p:cTn>
+                                        <p:tgtEl>
+                                          <p:spTgt spid="3">
+                                            <p:txEl>
+                                              <p:pRg st="0" end="0"/>
+                                            </p:txEl>
+                                          </p:spTgt>
+                                        </p:tgtEl>
+                                        <p:attrNameLst>
+                                          <p:attrName>style.visibility</p:attrName>
+                                        </p:attrNameLst>
+                                      </p:cBhvr>
+                                      <p:to>
+                                        <p:strVal val="visible"/>
+                                      </p:to>
+                                    </p:set>
+                                    <p:animEffect transition="in" filter="fade">
+                                      <p:cBhvr>
+                                        <p:cTn id="7" dur="500"/>
+                                        <p:tgtEl>
+                                          <p:spTgt spid="3">
+                                            <p:txEl>
+                                              <p:pRg st="0" end="0"/>
+                                            </p:txEl>
+                                          </p:spTgt>
+                                        </p:tgtEl>
+                                      </p:cBhvr>
+                                    </p:animEffect>
+                                  </p:childTnLst>
+                                </p:cTn>
+                              </p:par>
+                            </p:childTnLst>
+                          </p:cTn>
+                        </p:par>
+                      </p:childTnLst>
+                    </p:cTn>
+                  </p:par>
+                  <p:par>
+                    <p:cTn id="8" fill="hold">
+                      <p:stCondLst>
+                        <p:cond delay="indefinite"/>
+                      </p:stCondLst>
+                      <p:childTnLst>
+                        <p:par>
+                          <p:cTn id="9" fill="hold">
+                            <p:stCondLst>
+                              <p:cond delay="0"/>
+                            </p:stCondLst>
+                            <p:childTnLst>
+                              <p:par>
+                                <p:cTn id="10" presetID="10" presetClass="entr" presetSubtype="0" fill="hold" nodeType="clickEffect">
+                                  <p:stCondLst>
+                                    <p:cond delay="0"/>
+                                  </p:stCondLst>
+                                  <p:childTnLst>
+                                    <p:set>
+                                      <p:cBhvr>
+                                        <p:cTn id="11" dur="1" fill="hold">
+                                          <p:stCondLst>
+                                            <p:cond delay="0"/>
+                                          </p:stCondLst>
+                                        </p:cTn>
+                                        <p:tgtEl>
+                                          <p:spTgt spid="3">
+                                            <p:txEl>
+                                              <p:pRg st="1" end="1"/>
+                                            </p:txEl>
+                                          </p:spTgt>
+                                        </p:tgtEl>
+                                        <p:attrNameLst>
+                                          <p:attrName>style.visibility</p:attrName>
+                                        </p:attrNameLst>
+                                      </p:cBhvr>
+                                      <p:to>
+                                        <p:strVal val="visible"/>
+                                      </p:to>
+                                    </p:set>
+                                    <p:animEffect transition="in" filter="fade">
+                                      <p:cBhvr>
+                                        <p:cTn id="12" dur="500"/>
+                                        <p:tgtEl>
+                                          <p:spTgt spid="3">
+                                            <p:txEl>
+                                              <p:pRg st="1" end="1"/>
+                                            </p:txEl>
+                                          </p:spTgt>
+                                        </p:tgtEl>
+                                      </p:cBhvr>
+                                    </p:animEffect>
+                                  </p:childTnLst>
+                                </p:cTn>
+                              </p:par>
+                            </p:childTnLst>
+                          </p:cTn>
+                        </p:par>
+                      </p:childTnLst>
+                    </p:cTn>
+                  </p:par>
+                  <p:par>
+                    <p:cTn id="13" fill="hold">
+                      <p:stCondLst>
+                        <p:cond delay="indefinite"/>
+                      </p:stCondLst>
+                      <p:childTnLst>
+                        <p:par>
+                          <p:cTn id="14" fill="hold">
+                            <p:stCondLst>
+                              <p:cond delay="0"/>
+                            </p:stCondLst>
+                            <p:childTnLst>
+                              <p:par>
+                                <p:cTn id="15" presetID="10" presetClass="entr" presetSubtype="0" fill="hold" nodeType="clickEffect">
+                                  <p:stCondLst>
+                                    <p:cond delay="0"/>
+                                  </p:stCondLst>
+                                  <p:childTnLst>
+                                    <p:set>
+                                      <p:cBhvr>
+                                        <p:cTn id="16" dur="1" fill="hold">
+                                          <p:stCondLst>
+                                            <p:cond delay="0"/>
+                                          </p:stCondLst>
+                                        </p:cTn>
+                                        <p:tgtEl>
+                                          <p:spTgt spid="3">
+                                            <p:txEl>
+                                              <p:pRg st="2" end="2"/>
+                                            </p:txEl>
+                                          </p:spTgt>
+                                        </p:tgtEl>
+                                        <p:attrNameLst>
+                                          <p:attrName>style.visibility</p:attrName>
+                                        </p:attrNameLst>
+                                      </p:cBhvr>
+                                      <p:to>
+                                        <p:strVal val="visible"/>
+                                      </p:to>
+                                    </p:set>
+                                    <p:animEffect transition="in" filter="fade">
+                                      <p:cBhvr>
+                                        <p:cTn id="17" dur="500"/>
+                                        <p:tgtEl>
+                                          <p:spTgt spid="3">
+                                            <p:txEl>
+                                              <p:pRg st="2" end="2"/>
+                                            </p:txEl>
+                                          </p:spTgt>
+                                        </p:tgtEl>
+                                      </p:cBhvr>
+                                    </p:animEffect>
+                                  </p:childTnLst>
+                                </p:cTn>
+                              </p:par>
+                            </p:childTnLst>
+                          </p:cTn>
+                        </p:par>
+                      </p:childTnLst>
+                    </p:cTn>
+                  </p:par>
+                  <p:par>
+                    <p:cTn id="18" fill="hold">
+                      <p:stCondLst>
+                        <p:cond delay="indefinite"/>
+                      </p:stCondLst>
+                      <p:childTnLst>
+                        <p:par>
+                          <p:cTn id="19" fill="hold">
+                            <p:stCondLst>
+                              <p:cond delay="0"/>
+                            </p:stCondLst>
+                            <p:childTnLst>
+                              <p:par>
+                                <p:cTn id="20" presetID="10" presetClass="entr" presetSubtype="0" fill="hold" nodeType="clickEffect">
+                                  <p:stCondLst>
+                                    <p:cond delay="0"/>
+                                  </p:stCondLst>
+                                  <p:childTnLst>
+                                    <p:set>
+                                      <p:cBhvr>
+                                        <p:cTn id="21" dur="1" fill="hold">
+                                          <p:stCondLst>
+                                            <p:cond delay="0"/>
+                                          </p:stCondLst>
+                                        </p:cTn>
+                                        <p:tgtEl>
+                                          <p:spTgt spid="3">
+                                            <p:txEl>
+                                              <p:pRg st="3" end="3"/>
+                                            </p:txEl>
+                                          </p:spTgt>
+                                        </p:tgtEl>
+                                        <p:attrNameLst>
+                                          <p:attrName>style.visibility</p:attrName>
+                                        </p:attrNameLst>
+                                      </p:cBhvr>
+                                      <p:to>
+                                        <p:strVal val="visible"/>
+                                      </p:to>
+                                    </p:set>
+                                    <p:animEffect transition="in" filter="fade">
+                                      <p:cBhvr>
+                                        <p:cTn id="22" dur="500"/>
+                                        <p:tgtEl>
+                                          <p:spTgt spid="3">
+                                            <p:txEl>
+                                              <p:pRg st="3" end="3"/>
+                                            </p:txEl>
+                                          </p:spTgt>
+                                        </p:tgtEl>
+                                      </p:cBhvr>
+                                    </p:animEffect>
+                                  </p:childTnLst>
+                                </p:cTn>
+                              </p:par>
+                            </p:childTnLst>
+                          </p:cTn>
+                        </p:par>
+                      </p:childTnLst>
+                    </p:cTn>
+                  </p:par>
+                </p:childTnLst>
+              </p:cTn>
+              <p:prevCondLst>
+                <p:cond evt="onPrev" delay="0">
+                  <p:tgtEl>
+                    <p:sldTgt/>
+                  </p:tgtEl>
+                </p:cond>
+              </p:prevCondLst>
+              <p:nextCondLst>
+                <p:cond evt="onNext" delay="0">
+                  <p:tgtEl>
+                    <p:sldTgt/>
+                  </p:tgtEl>
+                </p:cond>
+              </p:nextCondLst>
+            </p:seq>
+          </p:childTnLst>
+        </p:cTn>
+      </p:par>
+    </p:tnLst>
+  </p:timing>
+</p:sld>
+</file>
+
+<file path=ppt/slides/slide20.xml><?xml version="1.0" encoding="utf-8"?>
 <p:sld xmlns:a="http://schemas.openxmlformats.org/drawingml/2006/main" xmlns:r="http://schemas.openxmlformats.org/officeDocument/2006/relationships" xmlns:p="http://schemas.openxmlformats.org/presentationml/2006/main">
   <p:cSld>
     <p:bg>
@@ -14646,417 +15983,7 @@
 </p:sld>
 </file>
 
-<file path=ppt/slides/slide2.xml><?xml version="1.0" encoding="utf-8"?>
-<p:sld xmlns:a="http://schemas.openxmlformats.org/drawingml/2006/main" xmlns:r="http://schemas.openxmlformats.org/officeDocument/2006/relationships" xmlns:p="http://schemas.openxmlformats.org/presentationml/2006/main">
-  <p:cSld>
-    <p:bg>
-      <p:bgPr>
-        <a:blipFill dpi="0" rotWithShape="1">
-          <a:blip r:embed="rId2">
-            <a:lum/>
-          </a:blip>
-          <a:srcRect/>
-          <a:stretch>
-            <a:fillRect/>
-          </a:stretch>
-        </a:blipFill>
-        <a:effectLst/>
-      </p:bgPr>
-    </p:bg>
-    <p:spTree>
-      <p:nvGrpSpPr>
-        <p:cNvPr id="1" name=""/>
-        <p:cNvGrpSpPr/>
-        <p:nvPr/>
-      </p:nvGrpSpPr>
-      <p:grpSpPr>
-        <a:xfrm>
-          <a:off x="0" y="0"/>
-          <a:ext cx="0" cy="0"/>
-          <a:chOff x="0" y="0"/>
-          <a:chExt cx="0" cy="0"/>
-        </a:xfrm>
-      </p:grpSpPr>
-      <p:sp>
-        <p:nvSpPr>
-          <p:cNvPr id="2" name="Title 1">
-            <a:extLst>
-              <a:ext uri="{FF2B5EF4-FFF2-40B4-BE49-F238E27FC236}">
-                <a16:creationId xmlns:a16="http://schemas.microsoft.com/office/drawing/2014/main" id="{55E11F08-6CA0-48F1-AD67-97430DDA07F0}"/>
-              </a:ext>
-            </a:extLst>
-          </p:cNvPr>
-          <p:cNvSpPr>
-            <a:spLocks noGrp="1"/>
-          </p:cNvSpPr>
-          <p:nvPr>
-            <p:ph type="title"/>
-          </p:nvPr>
-        </p:nvSpPr>
-        <p:spPr/>
-        <p:txBody>
-          <a:bodyPr/>
-          <a:lstStyle/>
-          <a:p>
-            <a:r>
-              <a:rPr lang="en-US" b="1" dirty="0">
-                <a:solidFill>
-                  <a:srgbClr val="292D33"/>
-                </a:solidFill>
-                <a:latin typeface="Euclid Circular B" panose="020B0504000000000000" pitchFamily="34" charset="0"/>
-                <a:ea typeface="Euclid Circular B" panose="020B0504000000000000" pitchFamily="34" charset="0"/>
-              </a:rPr>
-              <a:t>Agenda</a:t>
-            </a:r>
-          </a:p>
-        </p:txBody>
-      </p:sp>
-      <p:sp>
-        <p:nvSpPr>
-          <p:cNvPr id="3" name="Content Placeholder 2">
-            <a:extLst>
-              <a:ext uri="{FF2B5EF4-FFF2-40B4-BE49-F238E27FC236}">
-                <a16:creationId xmlns:a16="http://schemas.microsoft.com/office/drawing/2014/main" id="{891C7693-D3DF-4635-96F4-97F3B4136FDF}"/>
-              </a:ext>
-            </a:extLst>
-          </p:cNvPr>
-          <p:cNvSpPr>
-            <a:spLocks noGrp="1"/>
-          </p:cNvSpPr>
-          <p:nvPr>
-            <p:ph idx="1"/>
-          </p:nvPr>
-        </p:nvSpPr>
-        <p:spPr/>
-        <p:txBody>
-          <a:bodyPr/>
-          <a:lstStyle/>
-          <a:p>
-            <a:r>
-              <a:rPr lang="en-US" dirty="0">
-                <a:latin typeface="Euclid Circular B" panose="020B0504000000000000" pitchFamily="34" charset="0"/>
-                <a:ea typeface="Euclid Circular B" panose="020B0504000000000000" pitchFamily="34" charset="0"/>
-              </a:rPr>
-              <a:t>Authentication &amp; Authorization</a:t>
-            </a:r>
-          </a:p>
-          <a:p>
-            <a:r>
-              <a:rPr lang="en-US" dirty="0">
-                <a:latin typeface="Euclid Circular B" panose="020B0504000000000000" pitchFamily="34" charset="0"/>
-                <a:ea typeface="Euclid Circular B" panose="020B0504000000000000" pitchFamily="34" charset="0"/>
-              </a:rPr>
-              <a:t>Authorization Types &amp; Requirements</a:t>
-            </a:r>
-          </a:p>
-          <a:p>
-            <a:r>
-              <a:rPr lang="en-US" dirty="0">
-                <a:latin typeface="Euclid Circular B" panose="020B0504000000000000" pitchFamily="34" charset="0"/>
-                <a:ea typeface="Euclid Circular B" panose="020B0504000000000000" pitchFamily="34" charset="0"/>
-              </a:rPr>
-              <a:t>Architectural Discussions</a:t>
-            </a:r>
-          </a:p>
-          <a:p>
-            <a:r>
-              <a:rPr lang="en-US" dirty="0">
-                <a:latin typeface="Euclid Circular B" panose="020B0504000000000000" pitchFamily="34" charset="0"/>
-                <a:ea typeface="Euclid Circular B" panose="020B0504000000000000" pitchFamily="34" charset="0"/>
-              </a:rPr>
-              <a:t>Solutions and Tradeoffs</a:t>
-            </a:r>
-          </a:p>
-        </p:txBody>
-      </p:sp>
-    </p:spTree>
-    <p:extLst>
-      <p:ext uri="{BB962C8B-B14F-4D97-AF65-F5344CB8AC3E}">
-        <p14:creationId xmlns:p14="http://schemas.microsoft.com/office/powerpoint/2010/main" val="2127823828"/>
-      </p:ext>
-    </p:extLst>
-  </p:cSld>
-  <p:clrMapOvr>
-    <a:masterClrMapping/>
-  </p:clrMapOvr>
-  <p:timing>
-    <p:tnLst>
-      <p:par>
-        <p:cTn id="1" dur="indefinite" restart="never" nodeType="tmRoot">
-          <p:childTnLst>
-            <p:seq concurrent="1" nextAc="seek">
-              <p:cTn id="2" dur="indefinite" nodeType="mainSeq">
-                <p:childTnLst>
-                  <p:par>
-                    <p:cTn id="3" fill="hold">
-                      <p:stCondLst>
-                        <p:cond delay="indefinite"/>
-                      </p:stCondLst>
-                      <p:childTnLst>
-                        <p:par>
-                          <p:cTn id="4" fill="hold">
-                            <p:stCondLst>
-                              <p:cond delay="0"/>
-                            </p:stCondLst>
-                            <p:childTnLst>
-                              <p:par>
-                                <p:cTn id="5" presetID="10" presetClass="entr" presetSubtype="0" fill="hold" nodeType="clickEffect">
-                                  <p:stCondLst>
-                                    <p:cond delay="0"/>
-                                  </p:stCondLst>
-                                  <p:childTnLst>
-                                    <p:set>
-                                      <p:cBhvr>
-                                        <p:cTn id="6" dur="1" fill="hold">
-                                          <p:stCondLst>
-                                            <p:cond delay="0"/>
-                                          </p:stCondLst>
-                                        </p:cTn>
-                                        <p:tgtEl>
-                                          <p:spTgt spid="3">
-                                            <p:txEl>
-                                              <p:pRg st="0" end="0"/>
-                                            </p:txEl>
-                                          </p:spTgt>
-                                        </p:tgtEl>
-                                        <p:attrNameLst>
-                                          <p:attrName>style.visibility</p:attrName>
-                                        </p:attrNameLst>
-                                      </p:cBhvr>
-                                      <p:to>
-                                        <p:strVal val="visible"/>
-                                      </p:to>
-                                    </p:set>
-                                    <p:animEffect transition="in" filter="fade">
-                                      <p:cBhvr>
-                                        <p:cTn id="7" dur="500"/>
-                                        <p:tgtEl>
-                                          <p:spTgt spid="3">
-                                            <p:txEl>
-                                              <p:pRg st="0" end="0"/>
-                                            </p:txEl>
-                                          </p:spTgt>
-                                        </p:tgtEl>
-                                      </p:cBhvr>
-                                    </p:animEffect>
-                                  </p:childTnLst>
-                                </p:cTn>
-                              </p:par>
-                            </p:childTnLst>
-                          </p:cTn>
-                        </p:par>
-                      </p:childTnLst>
-                    </p:cTn>
-                  </p:par>
-                  <p:par>
-                    <p:cTn id="8" fill="hold">
-                      <p:stCondLst>
-                        <p:cond delay="indefinite"/>
-                      </p:stCondLst>
-                      <p:childTnLst>
-                        <p:par>
-                          <p:cTn id="9" fill="hold">
-                            <p:stCondLst>
-                              <p:cond delay="0"/>
-                            </p:stCondLst>
-                            <p:childTnLst>
-                              <p:par>
-                                <p:cTn id="10" presetID="10" presetClass="entr" presetSubtype="0" fill="hold" nodeType="clickEffect">
-                                  <p:stCondLst>
-                                    <p:cond delay="0"/>
-                                  </p:stCondLst>
-                                  <p:childTnLst>
-                                    <p:set>
-                                      <p:cBhvr>
-                                        <p:cTn id="11" dur="1" fill="hold">
-                                          <p:stCondLst>
-                                            <p:cond delay="0"/>
-                                          </p:stCondLst>
-                                        </p:cTn>
-                                        <p:tgtEl>
-                                          <p:spTgt spid="3">
-                                            <p:txEl>
-                                              <p:pRg st="1" end="1"/>
-                                            </p:txEl>
-                                          </p:spTgt>
-                                        </p:tgtEl>
-                                        <p:attrNameLst>
-                                          <p:attrName>style.visibility</p:attrName>
-                                        </p:attrNameLst>
-                                      </p:cBhvr>
-                                      <p:to>
-                                        <p:strVal val="visible"/>
-                                      </p:to>
-                                    </p:set>
-                                    <p:animEffect transition="in" filter="fade">
-                                      <p:cBhvr>
-                                        <p:cTn id="12" dur="500"/>
-                                        <p:tgtEl>
-                                          <p:spTgt spid="3">
-                                            <p:txEl>
-                                              <p:pRg st="1" end="1"/>
-                                            </p:txEl>
-                                          </p:spTgt>
-                                        </p:tgtEl>
-                                      </p:cBhvr>
-                                    </p:animEffect>
-                                  </p:childTnLst>
-                                </p:cTn>
-                              </p:par>
-                            </p:childTnLst>
-                          </p:cTn>
-                        </p:par>
-                      </p:childTnLst>
-                    </p:cTn>
-                  </p:par>
-                  <p:par>
-                    <p:cTn id="13" fill="hold">
-                      <p:stCondLst>
-                        <p:cond delay="indefinite"/>
-                      </p:stCondLst>
-                      <p:childTnLst>
-                        <p:par>
-                          <p:cTn id="14" fill="hold">
-                            <p:stCondLst>
-                              <p:cond delay="0"/>
-                            </p:stCondLst>
-                            <p:childTnLst>
-                              <p:par>
-                                <p:cTn id="15" presetID="10" presetClass="entr" presetSubtype="0" fill="hold" nodeType="clickEffect">
-                                  <p:stCondLst>
-                                    <p:cond delay="0"/>
-                                  </p:stCondLst>
-                                  <p:childTnLst>
-                                    <p:set>
-                                      <p:cBhvr>
-                                        <p:cTn id="16" dur="1" fill="hold">
-                                          <p:stCondLst>
-                                            <p:cond delay="0"/>
-                                          </p:stCondLst>
-                                        </p:cTn>
-                                        <p:tgtEl>
-                                          <p:spTgt spid="3">
-                                            <p:txEl>
-                                              <p:pRg st="2" end="2"/>
-                                            </p:txEl>
-                                          </p:spTgt>
-                                        </p:tgtEl>
-                                        <p:attrNameLst>
-                                          <p:attrName>style.visibility</p:attrName>
-                                        </p:attrNameLst>
-                                      </p:cBhvr>
-                                      <p:to>
-                                        <p:strVal val="visible"/>
-                                      </p:to>
-                                    </p:set>
-                                    <p:animEffect transition="in" filter="fade">
-                                      <p:cBhvr>
-                                        <p:cTn id="17" dur="500"/>
-                                        <p:tgtEl>
-                                          <p:spTgt spid="3">
-                                            <p:txEl>
-                                              <p:pRg st="2" end="2"/>
-                                            </p:txEl>
-                                          </p:spTgt>
-                                        </p:tgtEl>
-                                      </p:cBhvr>
-                                    </p:animEffect>
-                                  </p:childTnLst>
-                                </p:cTn>
-                              </p:par>
-                            </p:childTnLst>
-                          </p:cTn>
-                        </p:par>
-                      </p:childTnLst>
-                    </p:cTn>
-                  </p:par>
-                  <p:par>
-                    <p:cTn id="18" fill="hold">
-                      <p:stCondLst>
-                        <p:cond delay="indefinite"/>
-                      </p:stCondLst>
-                      <p:childTnLst>
-                        <p:par>
-                          <p:cTn id="19" fill="hold">
-                            <p:stCondLst>
-                              <p:cond delay="0"/>
-                            </p:stCondLst>
-                            <p:childTnLst>
-                              <p:par>
-                                <p:cTn id="20" presetID="10" presetClass="entr" presetSubtype="0" fill="hold" nodeType="clickEffect">
-                                  <p:stCondLst>
-                                    <p:cond delay="0"/>
-                                  </p:stCondLst>
-                                  <p:childTnLst>
-                                    <p:set>
-                                      <p:cBhvr>
-                                        <p:cTn id="21" dur="1" fill="hold">
-                                          <p:stCondLst>
-                                            <p:cond delay="0"/>
-                                          </p:stCondLst>
-                                        </p:cTn>
-                                        <p:tgtEl>
-                                          <p:spTgt spid="3">
-                                            <p:txEl>
-                                              <p:pRg st="3" end="3"/>
-                                            </p:txEl>
-                                          </p:spTgt>
-                                        </p:tgtEl>
-                                        <p:attrNameLst>
-                                          <p:attrName>style.visibility</p:attrName>
-                                        </p:attrNameLst>
-                                      </p:cBhvr>
-                                      <p:to>
-                                        <p:strVal val="visible"/>
-                                      </p:to>
-                                    </p:set>
-                                    <p:animEffect transition="in" filter="fade">
-                                      <p:cBhvr>
-                                        <p:cTn id="22" dur="500"/>
-                                        <p:tgtEl>
-                                          <p:spTgt spid="3">
-                                            <p:txEl>
-                                              <p:pRg st="3" end="3"/>
-                                            </p:txEl>
-                                          </p:spTgt>
-                                        </p:tgtEl>
-                                      </p:cBhvr>
-                                    </p:animEffect>
-                                  </p:childTnLst>
-                                </p:cTn>
-                              </p:par>
-                            </p:childTnLst>
-                          </p:cTn>
-                        </p:par>
-                      </p:childTnLst>
-                    </p:cTn>
-                  </p:par>
-                </p:childTnLst>
-              </p:cTn>
-              <p:prevCondLst>
-                <p:cond evt="onPrev" delay="0">
-                  <p:tgtEl>
-                    <p:sldTgt/>
-                  </p:tgtEl>
-                </p:cond>
-              </p:prevCondLst>
-              <p:nextCondLst>
-                <p:cond evt="onNext" delay="0">
-                  <p:tgtEl>
-                    <p:sldTgt/>
-                  </p:tgtEl>
-                </p:cond>
-              </p:nextCondLst>
-            </p:seq>
-          </p:childTnLst>
-        </p:cTn>
-      </p:par>
-    </p:tnLst>
-  </p:timing>
-</p:sld>
-</file>
-
-<file path=ppt/slides/slide20.xml><?xml version="1.0" encoding="utf-8"?>
+<file path=ppt/slides/slide21.xml><?xml version="1.0" encoding="utf-8"?>
 <p:sld xmlns:a="http://schemas.openxmlformats.org/drawingml/2006/main" xmlns:r="http://schemas.openxmlformats.org/officeDocument/2006/relationships" xmlns:p="http://schemas.openxmlformats.org/presentationml/2006/main">
   <p:cSld>
     <p:bg>
@@ -15650,7 +16577,7 @@
 </p:sld>
 </file>
 
-<file path=ppt/slides/slide21.xml><?xml version="1.0" encoding="utf-8"?>
+<file path=ppt/slides/slide22.xml><?xml version="1.0" encoding="utf-8"?>
 <p:sld xmlns:a="http://schemas.openxmlformats.org/drawingml/2006/main" xmlns:r="http://schemas.openxmlformats.org/officeDocument/2006/relationships" xmlns:p="http://schemas.openxmlformats.org/presentationml/2006/main">
   <p:cSld>
     <p:bg>
@@ -16097,7 +17024,7 @@
 </p:sld>
 </file>
 
-<file path=ppt/slides/slide22.xml><?xml version="1.0" encoding="utf-8"?>
+<file path=ppt/slides/slide23.xml><?xml version="1.0" encoding="utf-8"?>
 <p:sld xmlns:a="http://schemas.openxmlformats.org/drawingml/2006/main" xmlns:r="http://schemas.openxmlformats.org/officeDocument/2006/relationships" xmlns:p="http://schemas.openxmlformats.org/presentationml/2006/main">
   <p:cSld>
     <p:bg>
@@ -17497,7 +18424,7 @@
 </p:sld>
 </file>
 
-<file path=ppt/slides/slide23.xml><?xml version="1.0" encoding="utf-8"?>
+<file path=ppt/slides/slide24.xml><?xml version="1.0" encoding="utf-8"?>
 <p:sld xmlns:a="http://schemas.openxmlformats.org/drawingml/2006/main" xmlns:r="http://schemas.openxmlformats.org/officeDocument/2006/relationships" xmlns:p="http://schemas.openxmlformats.org/presentationml/2006/main">
   <p:cSld>
     <p:bg>
@@ -19214,7 +20141,7 @@
 </p:sld>
 </file>
 
-<file path=ppt/slides/slide24.xml><?xml version="1.0" encoding="utf-8"?>
+<file path=ppt/slides/slide25.xml><?xml version="1.0" encoding="utf-8"?>
 <p:sld xmlns:a="http://schemas.openxmlformats.org/drawingml/2006/main" xmlns:r="http://schemas.openxmlformats.org/officeDocument/2006/relationships" xmlns:p="http://schemas.openxmlformats.org/presentationml/2006/main">
   <p:cSld>
     <p:bg>
@@ -20577,115 +21504,6 @@
 </p:sld>
 </file>
 
-<file path=ppt/slides/slide25.xml><?xml version="1.0" encoding="utf-8"?>
-<p:sld xmlns:a="http://schemas.openxmlformats.org/drawingml/2006/main" xmlns:r="http://schemas.openxmlformats.org/officeDocument/2006/relationships" xmlns:p="http://schemas.openxmlformats.org/presentationml/2006/main">
-  <p:cSld>
-    <p:bg>
-      <p:bgPr>
-        <a:blipFill dpi="0" rotWithShape="1">
-          <a:blip r:embed="rId2">
-            <a:lum/>
-          </a:blip>
-          <a:srcRect/>
-          <a:stretch>
-            <a:fillRect/>
-          </a:stretch>
-        </a:blipFill>
-        <a:effectLst/>
-      </p:bgPr>
-    </p:bg>
-    <p:spTree>
-      <p:nvGrpSpPr>
-        <p:cNvPr id="1" name=""/>
-        <p:cNvGrpSpPr/>
-        <p:nvPr/>
-      </p:nvGrpSpPr>
-      <p:grpSpPr>
-        <a:xfrm>
-          <a:off x="0" y="0"/>
-          <a:ext cx="0" cy="0"/>
-          <a:chOff x="0" y="0"/>
-          <a:chExt cx="0" cy="0"/>
-        </a:xfrm>
-      </p:grpSpPr>
-      <p:sp>
-        <p:nvSpPr>
-          <p:cNvPr id="2" name="Title 1">
-            <a:extLst>
-              <a:ext uri="{FF2B5EF4-FFF2-40B4-BE49-F238E27FC236}">
-                <a16:creationId xmlns:a16="http://schemas.microsoft.com/office/drawing/2014/main" id="{55E11F08-6CA0-48F1-AD67-97430DDA07F0}"/>
-              </a:ext>
-            </a:extLst>
-          </p:cNvPr>
-          <p:cNvSpPr>
-            <a:spLocks noGrp="1"/>
-          </p:cNvSpPr>
-          <p:nvPr>
-            <p:ph type="title"/>
-          </p:nvPr>
-        </p:nvSpPr>
-        <p:spPr/>
-        <p:txBody>
-          <a:bodyPr/>
-          <a:lstStyle/>
-          <a:p>
-            <a:r>
-              <a:rPr lang="en-US" b="1" dirty="0">
-                <a:solidFill>
-                  <a:srgbClr val="292D33"/>
-                </a:solidFill>
-                <a:latin typeface="Euclid Circular B" panose="020B0504000000000000" pitchFamily="34" charset="0"/>
-                <a:ea typeface="Euclid Circular B" panose="020B0504000000000000" pitchFamily="34" charset="0"/>
-              </a:rPr>
-              <a:t>Topic title</a:t>
-            </a:r>
-          </a:p>
-        </p:txBody>
-      </p:sp>
-      <p:sp>
-        <p:nvSpPr>
-          <p:cNvPr id="3" name="Content Placeholder 2">
-            <a:extLst>
-              <a:ext uri="{FF2B5EF4-FFF2-40B4-BE49-F238E27FC236}">
-                <a16:creationId xmlns:a16="http://schemas.microsoft.com/office/drawing/2014/main" id="{891C7693-D3DF-4635-96F4-97F3B4136FDF}"/>
-              </a:ext>
-            </a:extLst>
-          </p:cNvPr>
-          <p:cNvSpPr>
-            <a:spLocks noGrp="1"/>
-          </p:cNvSpPr>
-          <p:nvPr>
-            <p:ph idx="1"/>
-          </p:nvPr>
-        </p:nvSpPr>
-        <p:spPr/>
-        <p:txBody>
-          <a:bodyPr/>
-          <a:lstStyle/>
-          <a:p>
-            <a:r>
-              <a:rPr lang="en-US" dirty="0">
-                <a:latin typeface="Euclid Circular B" panose="020B0504000000000000" pitchFamily="34" charset="0"/>
-                <a:ea typeface="Euclid Circular B" panose="020B0504000000000000" pitchFamily="34" charset="0"/>
-              </a:rPr>
-              <a:t>Content</a:t>
-            </a:r>
-          </a:p>
-        </p:txBody>
-      </p:sp>
-    </p:spTree>
-    <p:extLst>
-      <p:ext uri="{BB962C8B-B14F-4D97-AF65-F5344CB8AC3E}">
-        <p14:creationId xmlns:p14="http://schemas.microsoft.com/office/powerpoint/2010/main" val="1614557755"/>
-      </p:ext>
-    </p:extLst>
-  </p:cSld>
-  <p:clrMapOvr>
-    <a:masterClrMapping/>
-  </p:clrMapOvr>
-</p:sld>
-</file>
-
 <file path=ppt/slides/slide26.xml><?xml version="1.0" encoding="utf-8"?>
 <p:sld xmlns:a="http://schemas.openxmlformats.org/drawingml/2006/main" xmlns:r="http://schemas.openxmlformats.org/officeDocument/2006/relationships" xmlns:p="http://schemas.openxmlformats.org/presentationml/2006/main">
   <p:cSld>
@@ -20746,7 +21564,7 @@
                 <a:latin typeface="Euclid Circular B" panose="020B0504000000000000" pitchFamily="34" charset="0"/>
                 <a:ea typeface="Euclid Circular B" panose="020B0504000000000000" pitchFamily="34" charset="0"/>
               </a:rPr>
-              <a:t>Topic title</a:t>
+              <a:t>ABP: Integration Services</a:t>
             </a:r>
           </a:p>
         </p:txBody>
@@ -20777,21 +21595,499 @@
                 <a:latin typeface="Euclid Circular B" panose="020B0504000000000000" pitchFamily="34" charset="0"/>
                 <a:ea typeface="Euclid Circular B" panose="020B0504000000000000" pitchFamily="34" charset="0"/>
               </a:rPr>
-              <a:t>Content</a:t>
+              <a:t>Introduced the </a:t>
+            </a:r>
+            <a:r>
+              <a:rPr lang="en-US" dirty="0">
+                <a:highlight>
+                  <a:srgbClr val="C0C0C0"/>
+                </a:highlight>
+                <a:latin typeface="Courier New" panose="02070309020205020404" pitchFamily="49" charset="0"/>
+                <a:ea typeface="Euclid Circular B" panose="020B0504000000000000" pitchFamily="34" charset="0"/>
+                <a:cs typeface="Courier New" panose="02070309020205020404" pitchFamily="49" charset="0"/>
+              </a:rPr>
+              <a:t>[</a:t>
+            </a:r>
+            <a:r>
+              <a:rPr lang="en-US" dirty="0" err="1">
+                <a:highlight>
+                  <a:srgbClr val="C0C0C0"/>
+                </a:highlight>
+                <a:latin typeface="Courier New" panose="02070309020205020404" pitchFamily="49" charset="0"/>
+                <a:ea typeface="Euclid Circular B" panose="020B0504000000000000" pitchFamily="34" charset="0"/>
+                <a:cs typeface="Courier New" panose="02070309020205020404" pitchFamily="49" charset="0"/>
+              </a:rPr>
+              <a:t>IntegrationService</a:t>
+            </a:r>
+            <a:r>
+              <a:rPr lang="en-US" dirty="0">
+                <a:highlight>
+                  <a:srgbClr val="C0C0C0"/>
+                </a:highlight>
+                <a:latin typeface="Courier New" panose="02070309020205020404" pitchFamily="49" charset="0"/>
+                <a:ea typeface="Euclid Circular B" panose="020B0504000000000000" pitchFamily="34" charset="0"/>
+                <a:cs typeface="Courier New" panose="02070309020205020404" pitchFamily="49" charset="0"/>
+              </a:rPr>
+              <a:t>]</a:t>
+            </a:r>
+            <a:r>
+              <a:rPr lang="en-US" dirty="0">
+                <a:latin typeface="Euclid Circular B" panose="020B0504000000000000" pitchFamily="34" charset="0"/>
+                <a:ea typeface="Euclid Circular B" panose="020B0504000000000000" pitchFamily="34" charset="0"/>
+              </a:rPr>
+              <a:t> attribute</a:t>
+            </a:r>
+          </a:p>
+          <a:p>
+            <a:endParaRPr lang="en-US" dirty="0">
+              <a:latin typeface="Euclid Circular B" panose="020B0504000000000000" pitchFamily="34" charset="0"/>
+              <a:ea typeface="Euclid Circular B" panose="020B0504000000000000" pitchFamily="34" charset="0"/>
+            </a:endParaRPr>
+          </a:p>
+          <a:p>
+            <a:endParaRPr lang="en-US" dirty="0">
+              <a:latin typeface="Euclid Circular B" panose="020B0504000000000000" pitchFamily="34" charset="0"/>
+              <a:ea typeface="Euclid Circular B" panose="020B0504000000000000" pitchFamily="34" charset="0"/>
+            </a:endParaRPr>
+          </a:p>
+          <a:p>
+            <a:endParaRPr lang="en-US" dirty="0">
+              <a:latin typeface="Euclid Circular B" panose="020B0504000000000000" pitchFamily="34" charset="0"/>
+              <a:ea typeface="Euclid Circular B" panose="020B0504000000000000" pitchFamily="34" charset="0"/>
+            </a:endParaRPr>
+          </a:p>
+          <a:p>
+            <a:endParaRPr lang="en-US" dirty="0">
+              <a:latin typeface="Euclid Circular B" panose="020B0504000000000000" pitchFamily="34" charset="0"/>
+              <a:ea typeface="Euclid Circular B" panose="020B0504000000000000" pitchFamily="34" charset="0"/>
+            </a:endParaRPr>
+          </a:p>
+          <a:p>
+            <a:r>
+              <a:rPr lang="en-US" dirty="0">
+                <a:latin typeface="Euclid Circular B" panose="020B0504000000000000" pitchFamily="34" charset="0"/>
+                <a:ea typeface="Euclid Circular B" panose="020B0504000000000000" pitchFamily="34" charset="0"/>
+              </a:rPr>
+              <a:t>Default HTTP API </a:t>
+            </a:r>
+            <a:r>
+              <a:rPr lang="en-US" b="1" dirty="0">
+                <a:latin typeface="Euclid Circular B" panose="020B0504000000000000" pitchFamily="34" charset="0"/>
+                <a:ea typeface="Euclid Circular B" panose="020B0504000000000000" pitchFamily="34" charset="0"/>
+              </a:rPr>
+              <a:t>URL prefix</a:t>
+            </a:r>
+            <a:r>
+              <a:rPr lang="en-US" dirty="0">
+                <a:latin typeface="Euclid Circular B" panose="020B0504000000000000" pitchFamily="34" charset="0"/>
+                <a:ea typeface="Euclid Circular B" panose="020B0504000000000000" pitchFamily="34" charset="0"/>
+              </a:rPr>
+              <a:t>:</a:t>
+            </a:r>
+            <a:br>
+              <a:rPr lang="en-US" dirty="0">
+                <a:latin typeface="Euclid Circular B" panose="020B0504000000000000" pitchFamily="34" charset="0"/>
+                <a:ea typeface="Euclid Circular B" panose="020B0504000000000000" pitchFamily="34" charset="0"/>
+              </a:rPr>
+            </a:br>
+            <a:r>
+              <a:rPr lang="en-US" dirty="0">
+                <a:highlight>
+                  <a:srgbClr val="C0C0C0"/>
+                </a:highlight>
+                <a:latin typeface="Courier New" panose="02070309020205020404" pitchFamily="49" charset="0"/>
+                <a:ea typeface="Euclid Circular B" panose="020B0504000000000000" pitchFamily="34" charset="0"/>
+                <a:cs typeface="Courier New" panose="02070309020205020404" pitchFamily="49" charset="0"/>
+              </a:rPr>
+              <a:t>/integration-</a:t>
+            </a:r>
+            <a:r>
+              <a:rPr lang="en-US" dirty="0" err="1">
+                <a:highlight>
+                  <a:srgbClr val="C0C0C0"/>
+                </a:highlight>
+                <a:latin typeface="Courier New" panose="02070309020205020404" pitchFamily="49" charset="0"/>
+                <a:ea typeface="Euclid Circular B" panose="020B0504000000000000" pitchFamily="34" charset="0"/>
+                <a:cs typeface="Courier New" panose="02070309020205020404" pitchFamily="49" charset="0"/>
+              </a:rPr>
+              <a:t>api</a:t>
+            </a:r>
+            <a:r>
+              <a:rPr lang="en-US" dirty="0">
+                <a:highlight>
+                  <a:srgbClr val="C0C0C0"/>
+                </a:highlight>
+                <a:latin typeface="Courier New" panose="02070309020205020404" pitchFamily="49" charset="0"/>
+                <a:ea typeface="Euclid Circular B" panose="020B0504000000000000" pitchFamily="34" charset="0"/>
+                <a:cs typeface="Courier New" panose="02070309020205020404" pitchFamily="49" charset="0"/>
+              </a:rPr>
+              <a:t>/…</a:t>
+            </a:r>
+            <a:r>
+              <a:rPr lang="en-US" dirty="0">
+                <a:latin typeface="Euclid Circular B" panose="020B0504000000000000" pitchFamily="34" charset="0"/>
+                <a:ea typeface="Euclid Circular B" panose="020B0504000000000000" pitchFamily="34" charset="0"/>
+              </a:rPr>
+              <a:t> instead of </a:t>
+            </a:r>
+            <a:r>
+              <a:rPr lang="en-US" dirty="0">
+                <a:highlight>
+                  <a:srgbClr val="C0C0C0"/>
+                </a:highlight>
+                <a:latin typeface="Courier New" panose="02070309020205020404" pitchFamily="49" charset="0"/>
+                <a:ea typeface="Euclid Circular B" panose="020B0504000000000000" pitchFamily="34" charset="0"/>
+                <a:cs typeface="Courier New" panose="02070309020205020404" pitchFamily="49" charset="0"/>
+              </a:rPr>
+              <a:t>/</a:t>
+            </a:r>
+            <a:r>
+              <a:rPr lang="en-US" dirty="0" err="1">
+                <a:highlight>
+                  <a:srgbClr val="C0C0C0"/>
+                </a:highlight>
+                <a:latin typeface="Courier New" panose="02070309020205020404" pitchFamily="49" charset="0"/>
+                <a:ea typeface="Euclid Circular B" panose="020B0504000000000000" pitchFamily="34" charset="0"/>
+                <a:cs typeface="Courier New" panose="02070309020205020404" pitchFamily="49" charset="0"/>
+              </a:rPr>
+              <a:t>api</a:t>
+            </a:r>
+            <a:r>
+              <a:rPr lang="en-US" dirty="0">
+                <a:highlight>
+                  <a:srgbClr val="C0C0C0"/>
+                </a:highlight>
+                <a:latin typeface="Courier New" panose="02070309020205020404" pitchFamily="49" charset="0"/>
+                <a:ea typeface="Euclid Circular B" panose="020B0504000000000000" pitchFamily="34" charset="0"/>
+                <a:cs typeface="Courier New" panose="02070309020205020404" pitchFamily="49" charset="0"/>
+              </a:rPr>
+              <a:t>/…</a:t>
+            </a:r>
+          </a:p>
+          <a:p>
+            <a:r>
+              <a:rPr lang="en-US" b="1" dirty="0">
+                <a:latin typeface="Euclid Circular B" panose="020B0504000000000000" pitchFamily="34" charset="0"/>
+                <a:ea typeface="Euclid Circular B" panose="020B0504000000000000" pitchFamily="34" charset="0"/>
+              </a:rPr>
+              <a:t>Audit logging </a:t>
+            </a:r>
+            <a:r>
+              <a:rPr lang="en-US" dirty="0">
+                <a:latin typeface="Euclid Circular B" panose="020B0504000000000000" pitchFamily="34" charset="0"/>
+                <a:ea typeface="Euclid Circular B" panose="020B0504000000000000" pitchFamily="34" charset="0"/>
+              </a:rPr>
+              <a:t>is disabled by default, but can be enabled</a:t>
             </a:r>
           </a:p>
         </p:txBody>
       </p:sp>
+      <p:pic>
+        <p:nvPicPr>
+          <p:cNvPr id="4" name="Picture 3">
+            <a:extLst>
+              <a:ext uri="{FF2B5EF4-FFF2-40B4-BE49-F238E27FC236}">
+                <a16:creationId xmlns:a16="http://schemas.microsoft.com/office/drawing/2014/main" id="{315C3EB3-C3F2-A1C2-838E-23FF3E090AE8}"/>
+              </a:ext>
+            </a:extLst>
+          </p:cNvPr>
+          <p:cNvPicPr>
+            <a:picLocks noChangeAspect="1"/>
+          </p:cNvPicPr>
+          <p:nvPr/>
+        </p:nvPicPr>
+        <p:blipFill>
+          <a:blip r:embed="rId3"/>
+          <a:stretch>
+            <a:fillRect/>
+          </a:stretch>
+        </p:blipFill>
+        <p:spPr>
+          <a:xfrm>
+            <a:off x="1171989" y="2423457"/>
+            <a:ext cx="6667500" cy="1657350"/>
+          </a:xfrm>
+          <a:prstGeom prst="rect">
+            <a:avLst/>
+          </a:prstGeom>
+        </p:spPr>
+      </p:pic>
     </p:spTree>
     <p:extLst>
       <p:ext uri="{BB962C8B-B14F-4D97-AF65-F5344CB8AC3E}">
-        <p14:creationId xmlns:p14="http://schemas.microsoft.com/office/powerpoint/2010/main" val="772471534"/>
+        <p14:creationId xmlns:p14="http://schemas.microsoft.com/office/powerpoint/2010/main" val="1614557755"/>
       </p:ext>
     </p:extLst>
   </p:cSld>
   <p:clrMapOvr>
     <a:masterClrMapping/>
   </p:clrMapOvr>
+  <p:timing>
+    <p:tnLst>
+      <p:par>
+        <p:cTn id="1" dur="indefinite" restart="never" nodeType="tmRoot">
+          <p:childTnLst>
+            <p:seq concurrent="1" nextAc="seek">
+              <p:cTn id="2" dur="indefinite" nodeType="mainSeq">
+                <p:childTnLst>
+                  <p:par>
+                    <p:cTn id="3" fill="hold">
+                      <p:stCondLst>
+                        <p:cond delay="indefinite"/>
+                      </p:stCondLst>
+                      <p:childTnLst>
+                        <p:par>
+                          <p:cTn id="4" fill="hold">
+                            <p:stCondLst>
+                              <p:cond delay="0"/>
+                            </p:stCondLst>
+                            <p:childTnLst>
+                              <p:par>
+                                <p:cTn id="5" presetID="10" presetClass="entr" presetSubtype="0" fill="hold" nodeType="clickEffect">
+                                  <p:stCondLst>
+                                    <p:cond delay="0"/>
+                                  </p:stCondLst>
+                                  <p:childTnLst>
+                                    <p:set>
+                                      <p:cBhvr>
+                                        <p:cTn id="6" dur="1" fill="hold">
+                                          <p:stCondLst>
+                                            <p:cond delay="0"/>
+                                          </p:stCondLst>
+                                        </p:cTn>
+                                        <p:tgtEl>
+                                          <p:spTgt spid="3">
+                                            <p:txEl>
+                                              <p:pRg st="0" end="0"/>
+                                            </p:txEl>
+                                          </p:spTgt>
+                                        </p:tgtEl>
+                                        <p:attrNameLst>
+                                          <p:attrName>style.visibility</p:attrName>
+                                        </p:attrNameLst>
+                                      </p:cBhvr>
+                                      <p:to>
+                                        <p:strVal val="visible"/>
+                                      </p:to>
+                                    </p:set>
+                                    <p:animEffect transition="in" filter="fade">
+                                      <p:cBhvr>
+                                        <p:cTn id="7" dur="500"/>
+                                        <p:tgtEl>
+                                          <p:spTgt spid="3">
+                                            <p:txEl>
+                                              <p:pRg st="0" end="0"/>
+                                            </p:txEl>
+                                          </p:spTgt>
+                                        </p:tgtEl>
+                                      </p:cBhvr>
+                                    </p:animEffect>
+                                  </p:childTnLst>
+                                </p:cTn>
+                              </p:par>
+                            </p:childTnLst>
+                          </p:cTn>
+                        </p:par>
+                      </p:childTnLst>
+                    </p:cTn>
+                  </p:par>
+                  <p:par>
+                    <p:cTn id="8" fill="hold">
+                      <p:stCondLst>
+                        <p:cond delay="indefinite"/>
+                      </p:stCondLst>
+                      <p:childTnLst>
+                        <p:par>
+                          <p:cTn id="9" fill="hold">
+                            <p:stCondLst>
+                              <p:cond delay="0"/>
+                            </p:stCondLst>
+                            <p:childTnLst>
+                              <p:par>
+                                <p:cTn id="10" presetID="10" presetClass="entr" presetSubtype="0" fill="hold" nodeType="clickEffect">
+                                  <p:stCondLst>
+                                    <p:cond delay="0"/>
+                                  </p:stCondLst>
+                                  <p:childTnLst>
+                                    <p:set>
+                                      <p:cBhvr>
+                                        <p:cTn id="11" dur="1" fill="hold">
+                                          <p:stCondLst>
+                                            <p:cond delay="0"/>
+                                          </p:stCondLst>
+                                        </p:cTn>
+                                        <p:tgtEl>
+                                          <p:spTgt spid="4"/>
+                                        </p:tgtEl>
+                                        <p:attrNameLst>
+                                          <p:attrName>style.visibility</p:attrName>
+                                        </p:attrNameLst>
+                                      </p:cBhvr>
+                                      <p:to>
+                                        <p:strVal val="visible"/>
+                                      </p:to>
+                                    </p:set>
+                                    <p:animEffect transition="in" filter="fade">
+                                      <p:cBhvr>
+                                        <p:cTn id="12" dur="500"/>
+                                        <p:tgtEl>
+                                          <p:spTgt spid="4"/>
+                                        </p:tgtEl>
+                                      </p:cBhvr>
+                                    </p:animEffect>
+                                  </p:childTnLst>
+                                </p:cTn>
+                              </p:par>
+                            </p:childTnLst>
+                          </p:cTn>
+                        </p:par>
+                      </p:childTnLst>
+                    </p:cTn>
+                  </p:par>
+                  <p:par>
+                    <p:cTn id="13" fill="hold">
+                      <p:stCondLst>
+                        <p:cond delay="indefinite"/>
+                      </p:stCondLst>
+                      <p:childTnLst>
+                        <p:par>
+                          <p:cTn id="14" fill="hold">
+                            <p:stCondLst>
+                              <p:cond delay="0"/>
+                            </p:stCondLst>
+                            <p:childTnLst>
+                              <p:par>
+                                <p:cTn id="15" presetID="10" presetClass="entr" presetSubtype="0" fill="hold" nodeType="clickEffect">
+                                  <p:stCondLst>
+                                    <p:cond delay="0"/>
+                                  </p:stCondLst>
+                                  <p:childTnLst>
+                                    <p:set>
+                                      <p:cBhvr>
+                                        <p:cTn id="16" dur="1" fill="hold">
+                                          <p:stCondLst>
+                                            <p:cond delay="0"/>
+                                          </p:stCondLst>
+                                        </p:cTn>
+                                        <p:tgtEl>
+                                          <p:spTgt spid="3">
+                                            <p:txEl>
+                                              <p:pRg st="5" end="5"/>
+                                            </p:txEl>
+                                          </p:spTgt>
+                                        </p:tgtEl>
+                                        <p:attrNameLst>
+                                          <p:attrName>style.visibility</p:attrName>
+                                        </p:attrNameLst>
+                                      </p:cBhvr>
+                                      <p:to>
+                                        <p:strVal val="visible"/>
+                                      </p:to>
+                                    </p:set>
+                                    <p:animEffect transition="in" filter="fade">
+                                      <p:cBhvr>
+                                        <p:cTn id="17" dur="500"/>
+                                        <p:tgtEl>
+                                          <p:spTgt spid="3">
+                                            <p:txEl>
+                                              <p:pRg st="5" end="5"/>
+                                            </p:txEl>
+                                          </p:spTgt>
+                                        </p:tgtEl>
+                                      </p:cBhvr>
+                                    </p:animEffect>
+                                  </p:childTnLst>
+                                </p:cTn>
+                              </p:par>
+                            </p:childTnLst>
+                          </p:cTn>
+                        </p:par>
+                      </p:childTnLst>
+                    </p:cTn>
+                  </p:par>
+                  <p:par>
+                    <p:cTn id="18" fill="hold">
+                      <p:stCondLst>
+                        <p:cond delay="indefinite"/>
+                      </p:stCondLst>
+                      <p:childTnLst>
+                        <p:par>
+                          <p:cTn id="19" fill="hold">
+                            <p:stCondLst>
+                              <p:cond delay="0"/>
+                            </p:stCondLst>
+                            <p:childTnLst>
+                              <p:par>
+                                <p:cTn id="20" presetID="10" presetClass="entr" presetSubtype="0" fill="hold" nodeType="clickEffect">
+                                  <p:stCondLst>
+                                    <p:cond delay="0"/>
+                                  </p:stCondLst>
+                                  <p:childTnLst>
+                                    <p:set>
+                                      <p:cBhvr>
+                                        <p:cTn id="21" dur="1" fill="hold">
+                                          <p:stCondLst>
+                                            <p:cond delay="0"/>
+                                          </p:stCondLst>
+                                        </p:cTn>
+                                        <p:tgtEl>
+                                          <p:spTgt spid="3">
+                                            <p:txEl>
+                                              <p:pRg st="6" end="6"/>
+                                            </p:txEl>
+                                          </p:spTgt>
+                                        </p:tgtEl>
+                                        <p:attrNameLst>
+                                          <p:attrName>style.visibility</p:attrName>
+                                        </p:attrNameLst>
+                                      </p:cBhvr>
+                                      <p:to>
+                                        <p:strVal val="visible"/>
+                                      </p:to>
+                                    </p:set>
+                                    <p:animEffect transition="in" filter="fade">
+                                      <p:cBhvr>
+                                        <p:cTn id="22" dur="500"/>
+                                        <p:tgtEl>
+                                          <p:spTgt spid="3">
+                                            <p:txEl>
+                                              <p:pRg st="6" end="6"/>
+                                            </p:txEl>
+                                          </p:spTgt>
+                                        </p:tgtEl>
+                                      </p:cBhvr>
+                                    </p:animEffect>
+                                  </p:childTnLst>
+                                </p:cTn>
+                              </p:par>
+                            </p:childTnLst>
+                          </p:cTn>
+                        </p:par>
+                      </p:childTnLst>
+                    </p:cTn>
+                  </p:par>
+                </p:childTnLst>
+              </p:cTn>
+              <p:prevCondLst>
+                <p:cond evt="onPrev" delay="0">
+                  <p:tgtEl>
+                    <p:sldTgt/>
+                  </p:tgtEl>
+                </p:cond>
+              </p:prevCondLst>
+              <p:nextCondLst>
+                <p:cond evt="onNext" delay="0">
+                  <p:tgtEl>
+                    <p:sldTgt/>
+                  </p:tgtEl>
+                </p:cond>
+              </p:nextCondLst>
+            </p:seq>
+          </p:childTnLst>
+        </p:cTn>
+      </p:par>
+    </p:tnLst>
+  </p:timing>
 </p:sld>
 </file>
 
@@ -20855,52 +22151,310 @@
                 <a:latin typeface="Euclid Circular B" panose="020B0504000000000000" pitchFamily="34" charset="0"/>
                 <a:ea typeface="Euclid Circular B" panose="020B0504000000000000" pitchFamily="34" charset="0"/>
               </a:rPr>
-              <a:t>Topic title</a:t>
+              <a:t>Resource Based Permissions</a:t>
             </a:r>
           </a:p>
         </p:txBody>
       </p:sp>
-      <p:sp>
-        <p:nvSpPr>
-          <p:cNvPr id="3" name="Content Placeholder 2">
+      <p:pic>
+        <p:nvPicPr>
+          <p:cNvPr id="7" name="Picture 6">
             <a:extLst>
               <a:ext uri="{FF2B5EF4-FFF2-40B4-BE49-F238E27FC236}">
-                <a16:creationId xmlns:a16="http://schemas.microsoft.com/office/drawing/2014/main" id="{891C7693-D3DF-4635-96F4-97F3B4136FDF}"/>
+                <a16:creationId xmlns:a16="http://schemas.microsoft.com/office/drawing/2014/main" id="{ACECDD40-4F46-5289-8CD1-6521C325CB08}"/>
               </a:ext>
             </a:extLst>
           </p:cNvPr>
-          <p:cNvSpPr>
-            <a:spLocks noGrp="1"/>
-          </p:cNvSpPr>
-          <p:nvPr>
-            <p:ph idx="1"/>
-          </p:nvPr>
-        </p:nvSpPr>
-        <p:spPr/>
-        <p:txBody>
-          <a:bodyPr/>
-          <a:lstStyle/>
-          <a:p>
-            <a:r>
-              <a:rPr lang="en-US" dirty="0">
-                <a:latin typeface="Euclid Circular B" panose="020B0504000000000000" pitchFamily="34" charset="0"/>
-                <a:ea typeface="Euclid Circular B" panose="020B0504000000000000" pitchFamily="34" charset="0"/>
-              </a:rPr>
-              <a:t>Content</a:t>
-            </a:r>
-          </a:p>
-        </p:txBody>
-      </p:sp>
+          <p:cNvPicPr>
+            <a:picLocks noChangeAspect="1"/>
+          </p:cNvPicPr>
+          <p:nvPr/>
+        </p:nvPicPr>
+        <p:blipFill>
+          <a:blip r:embed="rId3"/>
+          <a:stretch>
+            <a:fillRect/>
+          </a:stretch>
+        </p:blipFill>
+        <p:spPr>
+          <a:xfrm>
+            <a:off x="838200" y="1594234"/>
+            <a:ext cx="6538010" cy="2680777"/>
+          </a:xfrm>
+          <a:prstGeom prst="rect">
+            <a:avLst/>
+          </a:prstGeom>
+        </p:spPr>
+      </p:pic>
+      <p:pic>
+        <p:nvPicPr>
+          <p:cNvPr id="11" name="Picture 10">
+            <a:extLst>
+              <a:ext uri="{FF2B5EF4-FFF2-40B4-BE49-F238E27FC236}">
+                <a16:creationId xmlns:a16="http://schemas.microsoft.com/office/drawing/2014/main" id="{D2B56567-E8B7-4C9E-D735-B5CE74F6629A}"/>
+              </a:ext>
+            </a:extLst>
+          </p:cNvPr>
+          <p:cNvPicPr>
+            <a:picLocks noChangeAspect="1"/>
+          </p:cNvPicPr>
+          <p:nvPr/>
+        </p:nvPicPr>
+        <p:blipFill>
+          <a:blip r:embed="rId4"/>
+          <a:stretch>
+            <a:fillRect/>
+          </a:stretch>
+        </p:blipFill>
+        <p:spPr>
+          <a:xfrm>
+            <a:off x="4810953" y="3134222"/>
+            <a:ext cx="7181850" cy="3448050"/>
+          </a:xfrm>
+          <a:prstGeom prst="rect">
+            <a:avLst/>
+          </a:prstGeom>
+          <a:ln w="12700">
+            <a:solidFill>
+              <a:schemeClr val="tx1">
+                <a:lumMod val="50000"/>
+                <a:lumOff val="50000"/>
+              </a:schemeClr>
+            </a:solidFill>
+          </a:ln>
+          <a:effectLst>
+            <a:outerShdw blurRad="50800" dist="38100" dir="2700000" algn="tl" rotWithShape="0">
+              <a:prstClr val="black">
+                <a:alpha val="40000"/>
+              </a:prstClr>
+            </a:outerShdw>
+          </a:effectLst>
+        </p:spPr>
+      </p:pic>
+      <p:cxnSp>
+        <p:nvCxnSpPr>
+          <p:cNvPr id="13" name="Connector: Elbow 12">
+            <a:extLst>
+              <a:ext uri="{FF2B5EF4-FFF2-40B4-BE49-F238E27FC236}">
+                <a16:creationId xmlns:a16="http://schemas.microsoft.com/office/drawing/2014/main" id="{BED60B91-6759-DCF2-5AFC-057F883EE7E1}"/>
+              </a:ext>
+            </a:extLst>
+          </p:cNvPr>
+          <p:cNvCxnSpPr>
+            <a:cxnSpLocks/>
+            <a:endCxn id="11" idx="1"/>
+          </p:cNvCxnSpPr>
+          <p:nvPr/>
+        </p:nvCxnSpPr>
+        <p:spPr>
+          <a:xfrm>
+            <a:off x="1875934" y="4275011"/>
+            <a:ext cx="2935019" cy="583236"/>
+          </a:xfrm>
+          <a:prstGeom prst="bentConnector3">
+            <a:avLst>
+              <a:gd name="adj1" fmla="val -105"/>
+            </a:avLst>
+          </a:prstGeom>
+          <a:ln w="25400">
+            <a:solidFill>
+              <a:schemeClr val="tx1">
+                <a:lumMod val="85000"/>
+                <a:lumOff val="15000"/>
+              </a:schemeClr>
+            </a:solidFill>
+            <a:headEnd type="triangle"/>
+            <a:tailEnd type="triangle"/>
+          </a:ln>
+        </p:spPr>
+        <p:style>
+          <a:lnRef idx="1">
+            <a:schemeClr val="accent1"/>
+          </a:lnRef>
+          <a:fillRef idx="0">
+            <a:schemeClr val="accent1"/>
+          </a:fillRef>
+          <a:effectRef idx="0">
+            <a:schemeClr val="accent1"/>
+          </a:effectRef>
+          <a:fontRef idx="minor">
+            <a:schemeClr val="tx1"/>
+          </a:fontRef>
+        </p:style>
+      </p:cxnSp>
     </p:spTree>
     <p:extLst>
       <p:ext uri="{BB962C8B-B14F-4D97-AF65-F5344CB8AC3E}">
-        <p14:creationId xmlns:p14="http://schemas.microsoft.com/office/powerpoint/2010/main" val="3722975297"/>
+        <p14:creationId xmlns:p14="http://schemas.microsoft.com/office/powerpoint/2010/main" val="772471534"/>
       </p:ext>
     </p:extLst>
   </p:cSld>
   <p:clrMapOvr>
     <a:masterClrMapping/>
   </p:clrMapOvr>
+  <p:timing>
+    <p:tnLst>
+      <p:par>
+        <p:cTn id="1" dur="indefinite" restart="never" nodeType="tmRoot">
+          <p:childTnLst>
+            <p:seq concurrent="1" nextAc="seek">
+              <p:cTn id="2" dur="indefinite" nodeType="mainSeq">
+                <p:childTnLst>
+                  <p:par>
+                    <p:cTn id="3" fill="hold">
+                      <p:stCondLst>
+                        <p:cond delay="indefinite"/>
+                      </p:stCondLst>
+                      <p:childTnLst>
+                        <p:par>
+                          <p:cTn id="4" fill="hold">
+                            <p:stCondLst>
+                              <p:cond delay="0"/>
+                            </p:stCondLst>
+                            <p:childTnLst>
+                              <p:par>
+                                <p:cTn id="5" presetID="1" presetClass="entr" presetSubtype="0" fill="hold" nodeType="clickEffect">
+                                  <p:stCondLst>
+                                    <p:cond delay="0"/>
+                                  </p:stCondLst>
+                                  <p:childTnLst>
+                                    <p:set>
+                                      <p:cBhvr>
+                                        <p:cTn id="6" dur="1" fill="hold">
+                                          <p:stCondLst>
+                                            <p:cond delay="0"/>
+                                          </p:stCondLst>
+                                        </p:cTn>
+                                        <p:tgtEl>
+                                          <p:spTgt spid="7"/>
+                                        </p:tgtEl>
+                                        <p:attrNameLst>
+                                          <p:attrName>style.visibility</p:attrName>
+                                        </p:attrNameLst>
+                                      </p:cBhvr>
+                                      <p:to>
+                                        <p:strVal val="visible"/>
+                                      </p:to>
+                                    </p:set>
+                                  </p:childTnLst>
+                                </p:cTn>
+                              </p:par>
+                            </p:childTnLst>
+                          </p:cTn>
+                        </p:par>
+                      </p:childTnLst>
+                    </p:cTn>
+                  </p:par>
+                  <p:par>
+                    <p:cTn id="7" fill="hold">
+                      <p:stCondLst>
+                        <p:cond delay="indefinite"/>
+                      </p:stCondLst>
+                      <p:childTnLst>
+                        <p:par>
+                          <p:cTn id="8" fill="hold">
+                            <p:stCondLst>
+                              <p:cond delay="0"/>
+                            </p:stCondLst>
+                            <p:childTnLst>
+                              <p:par>
+                                <p:cTn id="9" presetID="10" presetClass="entr" presetSubtype="0" fill="hold" nodeType="clickEffect">
+                                  <p:stCondLst>
+                                    <p:cond delay="0"/>
+                                  </p:stCondLst>
+                                  <p:childTnLst>
+                                    <p:set>
+                                      <p:cBhvr>
+                                        <p:cTn id="10" dur="1" fill="hold">
+                                          <p:stCondLst>
+                                            <p:cond delay="0"/>
+                                          </p:stCondLst>
+                                        </p:cTn>
+                                        <p:tgtEl>
+                                          <p:spTgt spid="11"/>
+                                        </p:tgtEl>
+                                        <p:attrNameLst>
+                                          <p:attrName>style.visibility</p:attrName>
+                                        </p:attrNameLst>
+                                      </p:cBhvr>
+                                      <p:to>
+                                        <p:strVal val="visible"/>
+                                      </p:to>
+                                    </p:set>
+                                    <p:animEffect transition="in" filter="fade">
+                                      <p:cBhvr>
+                                        <p:cTn id="11" dur="500"/>
+                                        <p:tgtEl>
+                                          <p:spTgt spid="11"/>
+                                        </p:tgtEl>
+                                      </p:cBhvr>
+                                    </p:animEffect>
+                                  </p:childTnLst>
+                                </p:cTn>
+                              </p:par>
+                              <p:par>
+                                <p:cTn id="12" presetID="10" presetClass="entr" presetSubtype="0" fill="hold" nodeType="withEffect">
+                                  <p:stCondLst>
+                                    <p:cond delay="0"/>
+                                  </p:stCondLst>
+                                  <p:childTnLst>
+                                    <p:set>
+                                      <p:cBhvr>
+                                        <p:cTn id="13" dur="1" fill="hold">
+                                          <p:stCondLst>
+                                            <p:cond delay="0"/>
+                                          </p:stCondLst>
+                                        </p:cTn>
+                                        <p:tgtEl>
+                                          <p:spTgt spid="13"/>
+                                        </p:tgtEl>
+                                        <p:attrNameLst>
+                                          <p:attrName>style.visibility</p:attrName>
+                                        </p:attrNameLst>
+                                      </p:cBhvr>
+                                      <p:to>
+                                        <p:strVal val="visible"/>
+                                      </p:to>
+                                    </p:set>
+                                    <p:animEffect transition="in" filter="fade">
+                                      <p:cBhvr>
+                                        <p:cTn id="14" dur="500"/>
+                                        <p:tgtEl>
+                                          <p:spTgt spid="13"/>
+                                        </p:tgtEl>
+                                      </p:cBhvr>
+                                    </p:animEffect>
+                                  </p:childTnLst>
+                                </p:cTn>
+                              </p:par>
+                            </p:childTnLst>
+                          </p:cTn>
+                        </p:par>
+                      </p:childTnLst>
+                    </p:cTn>
+                  </p:par>
+                </p:childTnLst>
+              </p:cTn>
+              <p:prevCondLst>
+                <p:cond evt="onPrev" delay="0">
+                  <p:tgtEl>
+                    <p:sldTgt/>
+                  </p:tgtEl>
+                </p:cond>
+              </p:prevCondLst>
+              <p:nextCondLst>
+                <p:cond evt="onNext" delay="0">
+                  <p:tgtEl>
+                    <p:sldTgt/>
+                  </p:tgtEl>
+                </p:cond>
+              </p:nextCondLst>
+            </p:seq>
+          </p:childTnLst>
+        </p:cTn>
+      </p:par>
+    </p:tnLst>
+  </p:timing>
 </p:sld>
 </file>
 
@@ -20964,17 +22518,47 @@
                 <a:latin typeface="Euclid Circular B" panose="020B0504000000000000" pitchFamily="34" charset="0"/>
                 <a:ea typeface="Euclid Circular B" panose="020B0504000000000000" pitchFamily="34" charset="0"/>
               </a:rPr>
-              <a:t>Topic title</a:t>
+              <a:t>Querying with Permissions</a:t>
             </a:r>
           </a:p>
         </p:txBody>
       </p:sp>
+      <p:pic>
+        <p:nvPicPr>
+          <p:cNvPr id="7" name="Picture 6">
+            <a:extLst>
+              <a:ext uri="{FF2B5EF4-FFF2-40B4-BE49-F238E27FC236}">
+                <a16:creationId xmlns:a16="http://schemas.microsoft.com/office/drawing/2014/main" id="{302C384B-D4A1-AB64-8D36-E99816645A9D}"/>
+              </a:ext>
+            </a:extLst>
+          </p:cNvPr>
+          <p:cNvPicPr>
+            <a:picLocks noChangeAspect="1"/>
+          </p:cNvPicPr>
+          <p:nvPr/>
+        </p:nvPicPr>
+        <p:blipFill>
+          <a:blip r:embed="rId3"/>
+          <a:stretch>
+            <a:fillRect/>
+          </a:stretch>
+        </p:blipFill>
+        <p:spPr>
+          <a:xfrm>
+            <a:off x="838200" y="2740261"/>
+            <a:ext cx="10809607" cy="2805898"/>
+          </a:xfrm>
+          <a:prstGeom prst="rect">
+            <a:avLst/>
+          </a:prstGeom>
+        </p:spPr>
+      </p:pic>
       <p:sp>
         <p:nvSpPr>
-          <p:cNvPr id="3" name="Content Placeholder 2">
+          <p:cNvPr id="8" name="Content Placeholder 2">
             <a:extLst>
               <a:ext uri="{FF2B5EF4-FFF2-40B4-BE49-F238E27FC236}">
-                <a16:creationId xmlns:a16="http://schemas.microsoft.com/office/drawing/2014/main" id="{891C7693-D3DF-4635-96F4-97F3B4136FDF}"/>
+                <a16:creationId xmlns:a16="http://schemas.microsoft.com/office/drawing/2014/main" id="{76EB7E51-2E11-07B1-4EC3-C2F36565B748}"/>
               </a:ext>
             </a:extLst>
           </p:cNvPr>
@@ -20985,17 +22569,83 @@
             <p:ph idx="1"/>
           </p:nvPr>
         </p:nvSpPr>
-        <p:spPr/>
+        <p:spPr>
+          <a:xfrm>
+            <a:off x="838200" y="1690689"/>
+            <a:ext cx="10809606" cy="933241"/>
+          </a:xfrm>
+        </p:spPr>
         <p:txBody>
-          <a:bodyPr/>
+          <a:bodyPr>
+            <a:normAutofit/>
+          </a:bodyPr>
           <a:lstStyle/>
           <a:p>
-            <a:r>
-              <a:rPr lang="en-US" dirty="0">
-                <a:latin typeface="Euclid Circular B" panose="020B0504000000000000" pitchFamily="34" charset="0"/>
-                <a:ea typeface="Euclid Circular B" panose="020B0504000000000000" pitchFamily="34" charset="0"/>
-              </a:rPr>
-              <a:t>Content</a:t>
+            <a:pPr marL="0" indent="0">
+              <a:buNone/>
+            </a:pPr>
+            <a:r>
+              <a:rPr lang="en-US" sz="2400" dirty="0">
+                <a:latin typeface="Euclid Circular B" panose="020B0504000000000000" pitchFamily="34" charset="0"/>
+                <a:ea typeface="Euclid Circular B" panose="020B0504000000000000" pitchFamily="34" charset="0"/>
+              </a:rPr>
+              <a:t>Need to get a </a:t>
+            </a:r>
+            <a:r>
+              <a:rPr lang="en-US" sz="2400" b="1" dirty="0">
+                <a:latin typeface="Euclid Circular B" panose="020B0504000000000000" pitchFamily="34" charset="0"/>
+                <a:ea typeface="Euclid Circular B" panose="020B0504000000000000" pitchFamily="34" charset="0"/>
+              </a:rPr>
+              <a:t>list of resources </a:t>
+            </a:r>
+            <a:r>
+              <a:rPr lang="en-US" sz="2400" dirty="0">
+                <a:latin typeface="Euclid Circular B" panose="020B0504000000000000" pitchFamily="34" charset="0"/>
+                <a:ea typeface="Euclid Circular B" panose="020B0504000000000000" pitchFamily="34" charset="0"/>
+              </a:rPr>
+              <a:t>(entities), filtered based on </a:t>
+            </a:r>
+            <a:r>
+              <a:rPr lang="en-US" sz="2400" b="1" dirty="0">
+                <a:latin typeface="Euclid Circular B" panose="020B0504000000000000" pitchFamily="34" charset="0"/>
+                <a:ea typeface="Euclid Circular B" panose="020B0504000000000000" pitchFamily="34" charset="0"/>
+              </a:rPr>
+              <a:t>business rules</a:t>
+            </a:r>
+            <a:r>
+              <a:rPr lang="en-US" sz="2400" dirty="0">
+                <a:latin typeface="Euclid Circular B" panose="020B0504000000000000" pitchFamily="34" charset="0"/>
+                <a:ea typeface="Euclid Circular B" panose="020B0504000000000000" pitchFamily="34" charset="0"/>
+              </a:rPr>
+              <a:t>, user </a:t>
+            </a:r>
+            <a:r>
+              <a:rPr lang="en-US" sz="2400" b="1" dirty="0">
+                <a:latin typeface="Euclid Circular B" panose="020B0504000000000000" pitchFamily="34" charset="0"/>
+                <a:ea typeface="Euclid Circular B" panose="020B0504000000000000" pitchFamily="34" charset="0"/>
+              </a:rPr>
+              <a:t>preferences </a:t>
+            </a:r>
+            <a:r>
+              <a:rPr lang="en-US" sz="2400" dirty="0">
+                <a:latin typeface="Euclid Circular B" panose="020B0504000000000000" pitchFamily="34" charset="0"/>
+                <a:ea typeface="Euclid Circular B" panose="020B0504000000000000" pitchFamily="34" charset="0"/>
+              </a:rPr>
+              <a:t>and </a:t>
+            </a:r>
+            <a:r>
+              <a:rPr lang="en-US" sz="2400" b="1" dirty="0">
+                <a:latin typeface="Euclid Circular B" panose="020B0504000000000000" pitchFamily="34" charset="0"/>
+                <a:ea typeface="Euclid Circular B" panose="020B0504000000000000" pitchFamily="34" charset="0"/>
+              </a:rPr>
+              <a:t>permissions</a:t>
+            </a:r>
+            <a:r>
+              <a:rPr lang="en-US" sz="2400" dirty="0">
+                <a:latin typeface="Euclid Circular B" panose="020B0504000000000000" pitchFamily="34" charset="0"/>
+                <a:ea typeface="Euclid Circular B" panose="020B0504000000000000" pitchFamily="34" charset="0"/>
+              </a:rPr>
+              <a:t>.</a:t>
             </a:r>
           </a:p>
         </p:txBody>
@@ -21003,13 +22653,107 @@
     </p:spTree>
     <p:extLst>
       <p:ext uri="{BB962C8B-B14F-4D97-AF65-F5344CB8AC3E}">
-        <p14:creationId xmlns:p14="http://schemas.microsoft.com/office/powerpoint/2010/main" val="2361699085"/>
+        <p14:creationId xmlns:p14="http://schemas.microsoft.com/office/powerpoint/2010/main" val="3722975297"/>
       </p:ext>
     </p:extLst>
   </p:cSld>
   <p:clrMapOvr>
     <a:masterClrMapping/>
   </p:clrMapOvr>
+  <p:timing>
+    <p:tnLst>
+      <p:par>
+        <p:cTn id="1" dur="indefinite" restart="never" nodeType="tmRoot">
+          <p:childTnLst>
+            <p:seq concurrent="1" nextAc="seek">
+              <p:cTn id="2" dur="indefinite" nodeType="mainSeq">
+                <p:childTnLst>
+                  <p:par>
+                    <p:cTn id="3" fill="hold">
+                      <p:stCondLst>
+                        <p:cond delay="indefinite"/>
+                        <p:cond evt="onBegin" delay="0">
+                          <p:tn val="2"/>
+                        </p:cond>
+                      </p:stCondLst>
+                      <p:childTnLst>
+                        <p:par>
+                          <p:cTn id="4" fill="hold">
+                            <p:stCondLst>
+                              <p:cond delay="0"/>
+                            </p:stCondLst>
+                            <p:childTnLst>
+                              <p:par>
+                                <p:cTn id="5" presetID="10" presetClass="entr" presetSubtype="0" fill="hold" nodeType="withEffect">
+                                  <p:stCondLst>
+                                    <p:cond delay="0"/>
+                                  </p:stCondLst>
+                                  <p:childTnLst>
+                                    <p:set>
+                                      <p:cBhvr>
+                                        <p:cTn id="6" dur="1" fill="hold">
+                                          <p:stCondLst>
+                                            <p:cond delay="0"/>
+                                          </p:stCondLst>
+                                        </p:cTn>
+                                        <p:tgtEl>
+                                          <p:spTgt spid="8">
+                                            <p:txEl>
+                                              <p:pRg st="0" end="0"/>
+                                            </p:txEl>
+                                          </p:spTgt>
+                                        </p:tgtEl>
+                                        <p:attrNameLst>
+                                          <p:attrName>style.visibility</p:attrName>
+                                        </p:attrNameLst>
+                                      </p:cBhvr>
+                                      <p:to>
+                                        <p:strVal val="visible"/>
+                                      </p:to>
+                                    </p:set>
+                                    <p:animEffect transition="in" filter="fade">
+                                      <p:cBhvr>
+                                        <p:cTn id="7" dur="500"/>
+                                        <p:tgtEl>
+                                          <p:spTgt spid="8">
+                                            <p:txEl>
+                                              <p:pRg st="0" end="0"/>
+                                            </p:txEl>
+                                          </p:spTgt>
+                                        </p:tgtEl>
+                                      </p:cBhvr>
+                                    </p:animEffect>
+                                  </p:childTnLst>
+                                </p:cTn>
+                              </p:par>
+                            </p:childTnLst>
+                          </p:cTn>
+                        </p:par>
+                      </p:childTnLst>
+                    </p:cTn>
+                  </p:par>
+                </p:childTnLst>
+              </p:cTn>
+              <p:prevCondLst>
+                <p:cond evt="onPrev" delay="0">
+                  <p:tgtEl>
+                    <p:sldTgt/>
+                  </p:tgtEl>
+                </p:cond>
+              </p:prevCondLst>
+              <p:nextCondLst>
+                <p:cond evt="onNext" delay="0">
+                  <p:tgtEl>
+                    <p:sldTgt/>
+                  </p:tgtEl>
+                </p:cond>
+              </p:nextCondLst>
+            </p:seq>
+          </p:childTnLst>
+        </p:cTn>
+      </p:par>
+    </p:tnLst>
+  </p:timing>
 </p:sld>
 </file>
 
@@ -21073,7 +22817,7 @@
                 <a:latin typeface="Euclid Circular B" panose="020B0504000000000000" pitchFamily="34" charset="0"/>
                 <a:ea typeface="Euclid Circular B" panose="020B0504000000000000" pitchFamily="34" charset="0"/>
               </a:rPr>
-              <a:t>Topic title</a:t>
+              <a:t>Pre-built authorization systems</a:t>
             </a:r>
           </a:p>
         </p:txBody>
@@ -21099,12 +22843,89 @@
           <a:bodyPr/>
           <a:lstStyle/>
           <a:p>
+            <a:pPr marL="0" indent="0">
+              <a:buNone/>
+            </a:pPr>
             <a:r>
               <a:rPr lang="en-US" dirty="0">
                 <a:latin typeface="Euclid Circular B" panose="020B0504000000000000" pitchFamily="34" charset="0"/>
                 <a:ea typeface="Euclid Circular B" panose="020B0504000000000000" pitchFamily="34" charset="0"/>
               </a:rPr>
-              <a:t>Content</a:t>
+              <a:t>Examples:</a:t>
+            </a:r>
+          </a:p>
+          <a:p>
+            <a:r>
+              <a:rPr lang="en-US" b="1" dirty="0" err="1">
+                <a:latin typeface="Euclid Circular B" panose="020B0504000000000000" pitchFamily="34" charset="0"/>
+                <a:ea typeface="Euclid Circular B" panose="020B0504000000000000" pitchFamily="34" charset="0"/>
+              </a:rPr>
+              <a:t>Casbin</a:t>
+            </a:r>
+            <a:br>
+              <a:rPr lang="en-US" b="1" dirty="0">
+                <a:latin typeface="Euclid Circular B" panose="020B0504000000000000" pitchFamily="34" charset="0"/>
+                <a:ea typeface="Euclid Circular B" panose="020B0504000000000000" pitchFamily="34" charset="0"/>
+              </a:rPr>
+            </a:br>
+            <a:r>
+              <a:rPr lang="en-US" sz="2000" i="1" dirty="0">
+                <a:latin typeface="Euclid Circular B" panose="020B0504000000000000" pitchFamily="34" charset="0"/>
+                <a:ea typeface="Euclid Circular B" panose="020B0504000000000000" pitchFamily="34" charset="0"/>
+              </a:rPr>
+              <a:t>An authorization library that supports access control models like ACL, RBAC, ABAC</a:t>
+            </a:r>
+            <a:endParaRPr lang="en-US" i="1" dirty="0">
+              <a:latin typeface="Euclid Circular B" panose="020B0504000000000000" pitchFamily="34" charset="0"/>
+              <a:ea typeface="Euclid Circular B" panose="020B0504000000000000" pitchFamily="34" charset="0"/>
+            </a:endParaRPr>
+          </a:p>
+          <a:p>
+            <a:r>
+              <a:rPr lang="en-US" b="1" dirty="0" err="1">
+                <a:latin typeface="Euclid Circular B" panose="020B0504000000000000" pitchFamily="34" charset="0"/>
+                <a:ea typeface="Euclid Circular B" panose="020B0504000000000000" pitchFamily="34" charset="0"/>
+              </a:rPr>
+              <a:t>Cerbos</a:t>
+            </a:r>
+            <a:br>
+              <a:rPr lang="en-US" dirty="0">
+                <a:latin typeface="Euclid Circular B" panose="020B0504000000000000" pitchFamily="34" charset="0"/>
+                <a:ea typeface="Euclid Circular B" panose="020B0504000000000000" pitchFamily="34" charset="0"/>
+              </a:rPr>
+            </a:br>
+            <a:r>
+              <a:rPr lang="en-US" sz="2000" i="1" dirty="0">
+                <a:latin typeface="Euclid Circular B" panose="020B0504000000000000" pitchFamily="34" charset="0"/>
+                <a:ea typeface="Euclid Circular B" panose="020B0504000000000000" pitchFamily="34" charset="0"/>
+              </a:rPr>
+              <a:t>Open source, decoupled access control for your software</a:t>
+            </a:r>
+            <a:endParaRPr lang="en-US" sz="3200" i="1" dirty="0">
+              <a:latin typeface="Euclid Circular B" panose="020B0504000000000000" pitchFamily="34" charset="0"/>
+              <a:ea typeface="Euclid Circular B" panose="020B0504000000000000" pitchFamily="34" charset="0"/>
+            </a:endParaRPr>
+          </a:p>
+          <a:p>
+            <a:r>
+              <a:rPr lang="en-US" b="1" dirty="0" err="1">
+                <a:latin typeface="Euclid Circular B" panose="020B0504000000000000" pitchFamily="34" charset="0"/>
+                <a:ea typeface="Euclid Circular B" panose="020B0504000000000000" pitchFamily="34" charset="0"/>
+              </a:rPr>
+              <a:t>Keycloak</a:t>
+            </a:r>
+            <a:br>
+              <a:rPr lang="en-US" dirty="0">
+                <a:latin typeface="Euclid Circular B" panose="020B0504000000000000" pitchFamily="34" charset="0"/>
+                <a:ea typeface="Euclid Circular B" panose="020B0504000000000000" pitchFamily="34" charset="0"/>
+              </a:rPr>
+            </a:br>
+            <a:r>
+              <a:rPr lang="en-US" sz="2000" i="1" dirty="0">
+                <a:latin typeface="Euclid Circular B" panose="020B0504000000000000" pitchFamily="34" charset="0"/>
+                <a:ea typeface="Euclid Circular B" panose="020B0504000000000000" pitchFamily="34" charset="0"/>
+              </a:rPr>
+              <a:t>Identity and Access Management</a:t>
             </a:r>
           </a:p>
         </p:txBody>
@@ -21112,7 +22933,7 @@
     </p:spTree>
     <p:extLst>
       <p:ext uri="{BB962C8B-B14F-4D97-AF65-F5344CB8AC3E}">
-        <p14:creationId xmlns:p14="http://schemas.microsoft.com/office/powerpoint/2010/main" val="3701367057"/>
+        <p14:creationId xmlns:p14="http://schemas.microsoft.com/office/powerpoint/2010/main" val="2361699085"/>
       </p:ext>
     </p:extLst>
   </p:cSld>
@@ -21123,6 +22944,1564 @@
 </file>
 
 <file path=ppt/slides/slide3.xml><?xml version="1.0" encoding="utf-8"?>
+<p:sld xmlns:a="http://schemas.openxmlformats.org/drawingml/2006/main" xmlns:r="http://schemas.openxmlformats.org/officeDocument/2006/relationships" xmlns:p="http://schemas.openxmlformats.org/presentationml/2006/main">
+  <p:cSld>
+    <p:bg>
+      <p:bgPr>
+        <a:blipFill dpi="0" rotWithShape="1">
+          <a:blip r:embed="rId2">
+            <a:lum/>
+          </a:blip>
+          <a:srcRect/>
+          <a:stretch>
+            <a:fillRect/>
+          </a:stretch>
+        </a:blipFill>
+        <a:effectLst/>
+      </p:bgPr>
+    </p:bg>
+    <p:spTree>
+      <p:nvGrpSpPr>
+        <p:cNvPr id="1" name=""/>
+        <p:cNvGrpSpPr/>
+        <p:nvPr/>
+      </p:nvGrpSpPr>
+      <p:grpSpPr>
+        <a:xfrm>
+          <a:off x="0" y="0"/>
+          <a:ext cx="0" cy="0"/>
+          <a:chOff x="0" y="0"/>
+          <a:chExt cx="0" cy="0"/>
+        </a:xfrm>
+      </p:grpSpPr>
+      <p:sp>
+        <p:nvSpPr>
+          <p:cNvPr id="2" name="Title 1">
+            <a:extLst>
+              <a:ext uri="{FF2B5EF4-FFF2-40B4-BE49-F238E27FC236}">
+                <a16:creationId xmlns:a16="http://schemas.microsoft.com/office/drawing/2014/main" id="{55E11F08-6CA0-48F1-AD67-97430DDA07F0}"/>
+              </a:ext>
+            </a:extLst>
+          </p:cNvPr>
+          <p:cNvSpPr>
+            <a:spLocks noGrp="1"/>
+          </p:cNvSpPr>
+          <p:nvPr>
+            <p:ph type="title"/>
+          </p:nvPr>
+        </p:nvSpPr>
+        <p:spPr/>
+        <p:txBody>
+          <a:bodyPr>
+            <a:normAutofit/>
+          </a:bodyPr>
+          <a:lstStyle/>
+          <a:p>
+            <a:r>
+              <a:rPr lang="en-US" sz="4000" b="1" dirty="0">
+                <a:solidFill>
+                  <a:srgbClr val="292D33"/>
+                </a:solidFill>
+                <a:latin typeface="Euclid Circular B" panose="020B0504000000000000" pitchFamily="34" charset="0"/>
+                <a:ea typeface="Euclid Circular B" panose="020B0504000000000000" pitchFamily="34" charset="0"/>
+              </a:rPr>
+              <a:t>About Me: Halil İbrahim Kalkan</a:t>
+            </a:r>
+          </a:p>
+        </p:txBody>
+      </p:sp>
+      <p:pic>
+        <p:nvPicPr>
+          <p:cNvPr id="9" name="Picture 8" descr="Logo&#10;&#10;Description automatically generated">
+            <a:extLst>
+              <a:ext uri="{FF2B5EF4-FFF2-40B4-BE49-F238E27FC236}">
+                <a16:creationId xmlns:a16="http://schemas.microsoft.com/office/drawing/2014/main" id="{BC5C6BCD-C50A-8C90-FB14-EFE4E01A92AB}"/>
+              </a:ext>
+            </a:extLst>
+          </p:cNvPr>
+          <p:cNvPicPr>
+            <a:picLocks noChangeAspect="1"/>
+          </p:cNvPicPr>
+          <p:nvPr/>
+        </p:nvPicPr>
+        <p:blipFill>
+          <a:blip r:embed="rId3">
+            <a:extLst>
+              <a:ext uri="{28A0092B-C50C-407E-A947-70E740481C1C}">
+                <a14:useLocalDpi xmlns:a14="http://schemas.microsoft.com/office/drawing/2010/main" val="0"/>
+              </a:ext>
+            </a:extLst>
+          </a:blip>
+          <a:stretch>
+            <a:fillRect/>
+          </a:stretch>
+        </p:blipFill>
+        <p:spPr>
+          <a:xfrm>
+            <a:off x="838200" y="3299202"/>
+            <a:ext cx="2349905" cy="574845"/>
+          </a:xfrm>
+          <a:prstGeom prst="rect">
+            <a:avLst/>
+          </a:prstGeom>
+        </p:spPr>
+      </p:pic>
+      <p:pic>
+        <p:nvPicPr>
+          <p:cNvPr id="11" name="Picture 10" descr="Logo&#10;&#10;Description automatically generated with low confidence">
+            <a:extLst>
+              <a:ext uri="{FF2B5EF4-FFF2-40B4-BE49-F238E27FC236}">
+                <a16:creationId xmlns:a16="http://schemas.microsoft.com/office/drawing/2014/main" id="{24CAD372-B142-4EB8-EC23-BF7ACEF3233D}"/>
+              </a:ext>
+            </a:extLst>
+          </p:cNvPr>
+          <p:cNvPicPr>
+            <a:picLocks noChangeAspect="1"/>
+          </p:cNvPicPr>
+          <p:nvPr/>
+        </p:nvPicPr>
+        <p:blipFill>
+          <a:blip r:embed="rId4">
+            <a:extLst>
+              <a:ext uri="{28A0092B-C50C-407E-A947-70E740481C1C}">
+                <a14:useLocalDpi xmlns:a14="http://schemas.microsoft.com/office/drawing/2010/main" val="0"/>
+              </a:ext>
+            </a:extLst>
+          </a:blip>
+          <a:stretch>
+            <a:fillRect/>
+          </a:stretch>
+        </p:blipFill>
+        <p:spPr>
+          <a:xfrm>
+            <a:off x="838200" y="4152677"/>
+            <a:ext cx="1669819" cy="574844"/>
+          </a:xfrm>
+          <a:prstGeom prst="rect">
+            <a:avLst/>
+          </a:prstGeom>
+        </p:spPr>
+      </p:pic>
+      <p:pic>
+        <p:nvPicPr>
+          <p:cNvPr id="15" name="Picture 14" descr="Shape&#10;&#10;Description automatically generated with low confidence">
+            <a:extLst>
+              <a:ext uri="{FF2B5EF4-FFF2-40B4-BE49-F238E27FC236}">
+                <a16:creationId xmlns:a16="http://schemas.microsoft.com/office/drawing/2014/main" id="{B7BD4D82-3C27-5D80-7E8A-A7C68B2A71B0}"/>
+              </a:ext>
+            </a:extLst>
+          </p:cNvPr>
+          <p:cNvPicPr>
+            <a:picLocks noChangeAspect="1"/>
+          </p:cNvPicPr>
+          <p:nvPr/>
+        </p:nvPicPr>
+        <p:blipFill>
+          <a:blip r:embed="rId5">
+            <a:extLst>
+              <a:ext uri="{28A0092B-C50C-407E-A947-70E740481C1C}">
+                <a14:useLocalDpi xmlns:a14="http://schemas.microsoft.com/office/drawing/2010/main" val="0"/>
+              </a:ext>
+            </a:extLst>
+          </a:blip>
+          <a:stretch>
+            <a:fillRect/>
+          </a:stretch>
+        </p:blipFill>
+        <p:spPr>
+          <a:xfrm>
+            <a:off x="838200" y="1690688"/>
+            <a:ext cx="574845" cy="574845"/>
+          </a:xfrm>
+          <a:prstGeom prst="rect">
+            <a:avLst/>
+          </a:prstGeom>
+        </p:spPr>
+      </p:pic>
+      <p:pic>
+        <p:nvPicPr>
+          <p:cNvPr id="17" name="Picture 16" descr="Graphical user interface&#10;&#10;Description automatically generated">
+            <a:extLst>
+              <a:ext uri="{FF2B5EF4-FFF2-40B4-BE49-F238E27FC236}">
+                <a16:creationId xmlns:a16="http://schemas.microsoft.com/office/drawing/2014/main" id="{FB89352D-BFA5-997E-F2D4-59FF9598F283}"/>
+              </a:ext>
+            </a:extLst>
+          </p:cNvPr>
+          <p:cNvPicPr>
+            <a:picLocks noChangeAspect="1"/>
+          </p:cNvPicPr>
+          <p:nvPr/>
+        </p:nvPicPr>
+        <p:blipFill>
+          <a:blip r:embed="rId6">
+            <a:extLst>
+              <a:ext uri="{28A0092B-C50C-407E-A947-70E740481C1C}">
+                <a14:useLocalDpi xmlns:a14="http://schemas.microsoft.com/office/drawing/2010/main" val="0"/>
+              </a:ext>
+            </a:extLst>
+          </a:blip>
+          <a:stretch>
+            <a:fillRect/>
+          </a:stretch>
+        </p:blipFill>
+        <p:spPr>
+          <a:xfrm>
+            <a:off x="842521" y="2445727"/>
+            <a:ext cx="570524" cy="570524"/>
+          </a:xfrm>
+          <a:prstGeom prst="rect">
+            <a:avLst/>
+          </a:prstGeom>
+        </p:spPr>
+      </p:pic>
+      <p:sp>
+        <p:nvSpPr>
+          <p:cNvPr id="18" name="TextBox 17">
+            <a:extLst>
+              <a:ext uri="{FF2B5EF4-FFF2-40B4-BE49-F238E27FC236}">
+                <a16:creationId xmlns:a16="http://schemas.microsoft.com/office/drawing/2014/main" id="{ABF7FED6-A3A2-912F-A643-6446D108DC37}"/>
+              </a:ext>
+            </a:extLst>
+          </p:cNvPr>
+          <p:cNvSpPr txBox="1"/>
+          <p:nvPr/>
+        </p:nvSpPr>
+        <p:spPr>
+          <a:xfrm>
+            <a:off x="1593619" y="1793444"/>
+            <a:ext cx="6294076" cy="369332"/>
+          </a:xfrm>
+          <a:prstGeom prst="rect">
+            <a:avLst/>
+          </a:prstGeom>
+          <a:noFill/>
+        </p:spPr>
+        <p:txBody>
+          <a:bodyPr wrap="square" rtlCol="0">
+            <a:spAutoFit/>
+          </a:bodyPr>
+          <a:lstStyle/>
+          <a:p>
+            <a:r>
+              <a:rPr lang="en-US" dirty="0"/>
+              <a:t>2007, Computer Engineering, </a:t>
+            </a:r>
+            <a:r>
+              <a:rPr lang="en-US" dirty="0" err="1"/>
+              <a:t>Sakarya</a:t>
+            </a:r>
+            <a:r>
+              <a:rPr lang="en-US" dirty="0"/>
+              <a:t> University</a:t>
+            </a:r>
+          </a:p>
+        </p:txBody>
+      </p:sp>
+      <p:sp>
+        <p:nvSpPr>
+          <p:cNvPr id="19" name="TextBox 18">
+            <a:extLst>
+              <a:ext uri="{FF2B5EF4-FFF2-40B4-BE49-F238E27FC236}">
+                <a16:creationId xmlns:a16="http://schemas.microsoft.com/office/drawing/2014/main" id="{96E30803-2304-9731-D2EB-5D546AEED5BE}"/>
+              </a:ext>
+            </a:extLst>
+          </p:cNvPr>
+          <p:cNvSpPr txBox="1"/>
+          <p:nvPr/>
+        </p:nvSpPr>
+        <p:spPr>
+          <a:xfrm>
+            <a:off x="1593618" y="2546323"/>
+            <a:ext cx="7264135" cy="369332"/>
+          </a:xfrm>
+          <a:prstGeom prst="rect">
+            <a:avLst/>
+          </a:prstGeom>
+          <a:noFill/>
+        </p:spPr>
+        <p:txBody>
+          <a:bodyPr wrap="square" rtlCol="0">
+            <a:spAutoFit/>
+          </a:bodyPr>
+          <a:lstStyle/>
+          <a:p>
+            <a:r>
+              <a:rPr lang="en-US" dirty="0"/>
+              <a:t>2007 - 2015: Software developer, software architect, team leader</a:t>
+            </a:r>
+          </a:p>
+        </p:txBody>
+      </p:sp>
+      <p:sp>
+        <p:nvSpPr>
+          <p:cNvPr id="20" name="TextBox 19">
+            <a:extLst>
+              <a:ext uri="{FF2B5EF4-FFF2-40B4-BE49-F238E27FC236}">
+                <a16:creationId xmlns:a16="http://schemas.microsoft.com/office/drawing/2014/main" id="{8ECC5B27-88E5-0AFE-50E3-E8E181CCE32D}"/>
+              </a:ext>
+            </a:extLst>
+          </p:cNvPr>
+          <p:cNvSpPr txBox="1"/>
+          <p:nvPr/>
+        </p:nvSpPr>
+        <p:spPr>
+          <a:xfrm>
+            <a:off x="3399890" y="3401958"/>
+            <a:ext cx="5569182" cy="369332"/>
+          </a:xfrm>
+          <a:prstGeom prst="rect">
+            <a:avLst/>
+          </a:prstGeom>
+          <a:noFill/>
+        </p:spPr>
+        <p:txBody>
+          <a:bodyPr wrap="square" rtlCol="0">
+            <a:spAutoFit/>
+          </a:bodyPr>
+          <a:lstStyle/>
+          <a:p>
+            <a:r>
+              <a:rPr lang="en-US" dirty="0"/>
+              <a:t>2016 - ∞: Co-founder, software architect</a:t>
+            </a:r>
+          </a:p>
+        </p:txBody>
+      </p:sp>
+      <p:sp>
+        <p:nvSpPr>
+          <p:cNvPr id="21" name="TextBox 20">
+            <a:extLst>
+              <a:ext uri="{FF2B5EF4-FFF2-40B4-BE49-F238E27FC236}">
+                <a16:creationId xmlns:a16="http://schemas.microsoft.com/office/drawing/2014/main" id="{2DEB5F01-E10C-2B2C-9A70-8D981E493A3D}"/>
+              </a:ext>
+            </a:extLst>
+          </p:cNvPr>
+          <p:cNvSpPr txBox="1"/>
+          <p:nvPr/>
+        </p:nvSpPr>
+        <p:spPr>
+          <a:xfrm>
+            <a:off x="2693548" y="4255433"/>
+            <a:ext cx="6164205" cy="369332"/>
+          </a:xfrm>
+          <a:prstGeom prst="rect">
+            <a:avLst/>
+          </a:prstGeom>
+          <a:noFill/>
+        </p:spPr>
+        <p:txBody>
+          <a:bodyPr wrap="square" rtlCol="0">
+            <a:spAutoFit/>
+          </a:bodyPr>
+          <a:lstStyle/>
+          <a:p>
+            <a:r>
+              <a:rPr lang="en-US" dirty="0"/>
+              <a:t>2013 - ∞: Lead developer of the open source ABP Framework</a:t>
+            </a:r>
+          </a:p>
+        </p:txBody>
+      </p:sp>
+      <p:pic>
+        <p:nvPicPr>
+          <p:cNvPr id="27" name="Picture 26">
+            <a:extLst>
+              <a:ext uri="{FF2B5EF4-FFF2-40B4-BE49-F238E27FC236}">
+                <a16:creationId xmlns:a16="http://schemas.microsoft.com/office/drawing/2014/main" id="{5CB99BCC-210F-CBDF-B4EF-31DD71338D96}"/>
+              </a:ext>
+            </a:extLst>
+          </p:cNvPr>
+          <p:cNvPicPr>
+            <a:picLocks noChangeAspect="1"/>
+          </p:cNvPicPr>
+          <p:nvPr/>
+        </p:nvPicPr>
+        <p:blipFill>
+          <a:blip r:embed="rId7">
+            <a:extLst>
+              <a:ext uri="{28A0092B-C50C-407E-A947-70E740481C1C}">
+                <a14:useLocalDpi xmlns:a14="http://schemas.microsoft.com/office/drawing/2010/main" val="0"/>
+              </a:ext>
+            </a:extLst>
+          </a:blip>
+          <a:stretch>
+            <a:fillRect/>
+          </a:stretch>
+        </p:blipFill>
+        <p:spPr>
+          <a:xfrm>
+            <a:off x="838200" y="4907716"/>
+            <a:ext cx="570524" cy="570524"/>
+          </a:xfrm>
+          <a:prstGeom prst="rect">
+            <a:avLst/>
+          </a:prstGeom>
+        </p:spPr>
+      </p:pic>
+      <p:sp>
+        <p:nvSpPr>
+          <p:cNvPr id="28" name="TextBox 27">
+            <a:extLst>
+              <a:ext uri="{FF2B5EF4-FFF2-40B4-BE49-F238E27FC236}">
+                <a16:creationId xmlns:a16="http://schemas.microsoft.com/office/drawing/2014/main" id="{5CBC9451-9C27-831B-914E-11C7A47DA08F}"/>
+              </a:ext>
+            </a:extLst>
+          </p:cNvPr>
+          <p:cNvSpPr txBox="1"/>
+          <p:nvPr/>
+        </p:nvSpPr>
+        <p:spPr>
+          <a:xfrm>
+            <a:off x="1523382" y="5006151"/>
+            <a:ext cx="7445689" cy="369332"/>
+          </a:xfrm>
+          <a:prstGeom prst="rect">
+            <a:avLst/>
+          </a:prstGeom>
+          <a:noFill/>
+        </p:spPr>
+        <p:txBody>
+          <a:bodyPr wrap="square" rtlCol="0">
+            <a:spAutoFit/>
+          </a:bodyPr>
+          <a:lstStyle/>
+          <a:p>
+            <a:r>
+              <a:rPr lang="en-US" dirty="0"/>
+              <a:t>Multi-threading, distributed systems, OOP, DDD, software architectures.. etc.</a:t>
+            </a:r>
+          </a:p>
+        </p:txBody>
+      </p:sp>
+      <p:pic>
+        <p:nvPicPr>
+          <p:cNvPr id="30" name="Picture 29">
+            <a:extLst>
+              <a:ext uri="{FF2B5EF4-FFF2-40B4-BE49-F238E27FC236}">
+                <a16:creationId xmlns:a16="http://schemas.microsoft.com/office/drawing/2014/main" id="{27CD280A-7CB2-02B4-5153-3806AE320127}"/>
+              </a:ext>
+            </a:extLst>
+          </p:cNvPr>
+          <p:cNvPicPr>
+            <a:picLocks noChangeAspect="1"/>
+          </p:cNvPicPr>
+          <p:nvPr/>
+        </p:nvPicPr>
+        <p:blipFill>
+          <a:blip r:embed="rId8"/>
+          <a:stretch>
+            <a:fillRect/>
+          </a:stretch>
+        </p:blipFill>
+        <p:spPr>
+          <a:xfrm>
+            <a:off x="8857753" y="390996"/>
+            <a:ext cx="3027844" cy="6177614"/>
+          </a:xfrm>
+          <a:prstGeom prst="rect">
+            <a:avLst/>
+          </a:prstGeom>
+        </p:spPr>
+      </p:pic>
+      <p:pic>
+        <p:nvPicPr>
+          <p:cNvPr id="34" name="Picture 33" descr="Shape&#10;&#10;Description automatically generated with low confidence">
+            <a:extLst>
+              <a:ext uri="{FF2B5EF4-FFF2-40B4-BE49-F238E27FC236}">
+                <a16:creationId xmlns:a16="http://schemas.microsoft.com/office/drawing/2014/main" id="{B9FF7D09-B135-8B4C-D55E-374A94A95630}"/>
+              </a:ext>
+            </a:extLst>
+          </p:cNvPr>
+          <p:cNvPicPr>
+            <a:picLocks noChangeAspect="1"/>
+          </p:cNvPicPr>
+          <p:nvPr/>
+        </p:nvPicPr>
+        <p:blipFill>
+          <a:blip r:embed="rId9">
+            <a:extLst>
+              <a:ext uri="{28A0092B-C50C-407E-A947-70E740481C1C}">
+                <a14:useLocalDpi xmlns:a14="http://schemas.microsoft.com/office/drawing/2010/main" val="0"/>
+              </a:ext>
+            </a:extLst>
+          </a:blip>
+          <a:stretch>
+            <a:fillRect/>
+          </a:stretch>
+        </p:blipFill>
+        <p:spPr>
+          <a:xfrm>
+            <a:off x="838200" y="5662755"/>
+            <a:ext cx="570524" cy="570524"/>
+          </a:xfrm>
+          <a:prstGeom prst="rect">
+            <a:avLst/>
+          </a:prstGeom>
+        </p:spPr>
+      </p:pic>
+      <p:sp>
+        <p:nvSpPr>
+          <p:cNvPr id="35" name="TextBox 34">
+            <a:extLst>
+              <a:ext uri="{FF2B5EF4-FFF2-40B4-BE49-F238E27FC236}">
+                <a16:creationId xmlns:a16="http://schemas.microsoft.com/office/drawing/2014/main" id="{822178D7-97A8-AF48-763E-FDEDC7F66668}"/>
+              </a:ext>
+            </a:extLst>
+          </p:cNvPr>
+          <p:cNvSpPr txBox="1"/>
+          <p:nvPr/>
+        </p:nvSpPr>
+        <p:spPr>
+          <a:xfrm>
+            <a:off x="1523382" y="5763351"/>
+            <a:ext cx="6873196" cy="369332"/>
+          </a:xfrm>
+          <a:prstGeom prst="rect">
+            <a:avLst/>
+          </a:prstGeom>
+          <a:noFill/>
+        </p:spPr>
+        <p:txBody>
+          <a:bodyPr wrap="square" rtlCol="0">
+            <a:spAutoFit/>
+          </a:bodyPr>
+          <a:lstStyle/>
+          <a:p>
+            <a:r>
+              <a:rPr lang="en-US" dirty="0"/>
+              <a:t>Highly active coder, mostly open source.</a:t>
+            </a:r>
+          </a:p>
+        </p:txBody>
+      </p:sp>
+    </p:spTree>
+    <p:extLst>
+      <p:ext uri="{BB962C8B-B14F-4D97-AF65-F5344CB8AC3E}">
+        <p14:creationId xmlns:p14="http://schemas.microsoft.com/office/powerpoint/2010/main" val="759667148"/>
+      </p:ext>
+    </p:extLst>
+  </p:cSld>
+  <p:clrMapOvr>
+    <a:masterClrMapping/>
+  </p:clrMapOvr>
+  <p:timing>
+    <p:tnLst>
+      <p:par>
+        <p:cTn id="1" dur="indefinite" restart="never" nodeType="tmRoot">
+          <p:childTnLst>
+            <p:seq concurrent="1" nextAc="seek">
+              <p:cTn id="2" dur="indefinite" nodeType="mainSeq">
+                <p:childTnLst>
+                  <p:par>
+                    <p:cTn id="3" fill="hold">
+                      <p:stCondLst>
+                        <p:cond delay="indefinite"/>
+                      </p:stCondLst>
+                      <p:childTnLst>
+                        <p:par>
+                          <p:cTn id="4" fill="hold">
+                            <p:stCondLst>
+                              <p:cond delay="0"/>
+                            </p:stCondLst>
+                            <p:childTnLst>
+                              <p:par>
+                                <p:cTn id="5" presetID="10" presetClass="entr" presetSubtype="0" fill="hold" nodeType="clickEffect">
+                                  <p:stCondLst>
+                                    <p:cond delay="0"/>
+                                  </p:stCondLst>
+                                  <p:childTnLst>
+                                    <p:set>
+                                      <p:cBhvr>
+                                        <p:cTn id="6" dur="1" fill="hold">
+                                          <p:stCondLst>
+                                            <p:cond delay="0"/>
+                                          </p:stCondLst>
+                                        </p:cTn>
+                                        <p:tgtEl>
+                                          <p:spTgt spid="15"/>
+                                        </p:tgtEl>
+                                        <p:attrNameLst>
+                                          <p:attrName>style.visibility</p:attrName>
+                                        </p:attrNameLst>
+                                      </p:cBhvr>
+                                      <p:to>
+                                        <p:strVal val="visible"/>
+                                      </p:to>
+                                    </p:set>
+                                    <p:animEffect transition="in" filter="fade">
+                                      <p:cBhvr>
+                                        <p:cTn id="7" dur="500"/>
+                                        <p:tgtEl>
+                                          <p:spTgt spid="15"/>
+                                        </p:tgtEl>
+                                      </p:cBhvr>
+                                    </p:animEffect>
+                                  </p:childTnLst>
+                                </p:cTn>
+                              </p:par>
+                              <p:par>
+                                <p:cTn id="8" presetID="10" presetClass="entr" presetSubtype="0" fill="hold" grpId="0" nodeType="withEffect">
+                                  <p:stCondLst>
+                                    <p:cond delay="0"/>
+                                  </p:stCondLst>
+                                  <p:childTnLst>
+                                    <p:set>
+                                      <p:cBhvr>
+                                        <p:cTn id="9" dur="1" fill="hold">
+                                          <p:stCondLst>
+                                            <p:cond delay="0"/>
+                                          </p:stCondLst>
+                                        </p:cTn>
+                                        <p:tgtEl>
+                                          <p:spTgt spid="18"/>
+                                        </p:tgtEl>
+                                        <p:attrNameLst>
+                                          <p:attrName>style.visibility</p:attrName>
+                                        </p:attrNameLst>
+                                      </p:cBhvr>
+                                      <p:to>
+                                        <p:strVal val="visible"/>
+                                      </p:to>
+                                    </p:set>
+                                    <p:animEffect transition="in" filter="fade">
+                                      <p:cBhvr>
+                                        <p:cTn id="10" dur="500"/>
+                                        <p:tgtEl>
+                                          <p:spTgt spid="18"/>
+                                        </p:tgtEl>
+                                      </p:cBhvr>
+                                    </p:animEffect>
+                                  </p:childTnLst>
+                                </p:cTn>
+                              </p:par>
+                            </p:childTnLst>
+                          </p:cTn>
+                        </p:par>
+                      </p:childTnLst>
+                    </p:cTn>
+                  </p:par>
+                  <p:par>
+                    <p:cTn id="11" fill="hold">
+                      <p:stCondLst>
+                        <p:cond delay="indefinite"/>
+                      </p:stCondLst>
+                      <p:childTnLst>
+                        <p:par>
+                          <p:cTn id="12" fill="hold">
+                            <p:stCondLst>
+                              <p:cond delay="0"/>
+                            </p:stCondLst>
+                            <p:childTnLst>
+                              <p:par>
+                                <p:cTn id="13" presetID="10" presetClass="entr" presetSubtype="0" fill="hold" nodeType="clickEffect">
+                                  <p:stCondLst>
+                                    <p:cond delay="0"/>
+                                  </p:stCondLst>
+                                  <p:childTnLst>
+                                    <p:set>
+                                      <p:cBhvr>
+                                        <p:cTn id="14" dur="1" fill="hold">
+                                          <p:stCondLst>
+                                            <p:cond delay="0"/>
+                                          </p:stCondLst>
+                                        </p:cTn>
+                                        <p:tgtEl>
+                                          <p:spTgt spid="17"/>
+                                        </p:tgtEl>
+                                        <p:attrNameLst>
+                                          <p:attrName>style.visibility</p:attrName>
+                                        </p:attrNameLst>
+                                      </p:cBhvr>
+                                      <p:to>
+                                        <p:strVal val="visible"/>
+                                      </p:to>
+                                    </p:set>
+                                    <p:animEffect transition="in" filter="fade">
+                                      <p:cBhvr>
+                                        <p:cTn id="15" dur="500"/>
+                                        <p:tgtEl>
+                                          <p:spTgt spid="17"/>
+                                        </p:tgtEl>
+                                      </p:cBhvr>
+                                    </p:animEffect>
+                                  </p:childTnLst>
+                                </p:cTn>
+                              </p:par>
+                              <p:par>
+                                <p:cTn id="16" presetID="10" presetClass="entr" presetSubtype="0" fill="hold" grpId="0" nodeType="withEffect">
+                                  <p:stCondLst>
+                                    <p:cond delay="0"/>
+                                  </p:stCondLst>
+                                  <p:childTnLst>
+                                    <p:set>
+                                      <p:cBhvr>
+                                        <p:cTn id="17" dur="1" fill="hold">
+                                          <p:stCondLst>
+                                            <p:cond delay="0"/>
+                                          </p:stCondLst>
+                                        </p:cTn>
+                                        <p:tgtEl>
+                                          <p:spTgt spid="19"/>
+                                        </p:tgtEl>
+                                        <p:attrNameLst>
+                                          <p:attrName>style.visibility</p:attrName>
+                                        </p:attrNameLst>
+                                      </p:cBhvr>
+                                      <p:to>
+                                        <p:strVal val="visible"/>
+                                      </p:to>
+                                    </p:set>
+                                    <p:animEffect transition="in" filter="fade">
+                                      <p:cBhvr>
+                                        <p:cTn id="18" dur="500"/>
+                                        <p:tgtEl>
+                                          <p:spTgt spid="19"/>
+                                        </p:tgtEl>
+                                      </p:cBhvr>
+                                    </p:animEffect>
+                                  </p:childTnLst>
+                                </p:cTn>
+                              </p:par>
+                            </p:childTnLst>
+                          </p:cTn>
+                        </p:par>
+                      </p:childTnLst>
+                    </p:cTn>
+                  </p:par>
+                  <p:par>
+                    <p:cTn id="19" fill="hold">
+                      <p:stCondLst>
+                        <p:cond delay="indefinite"/>
+                      </p:stCondLst>
+                      <p:childTnLst>
+                        <p:par>
+                          <p:cTn id="20" fill="hold">
+                            <p:stCondLst>
+                              <p:cond delay="0"/>
+                            </p:stCondLst>
+                            <p:childTnLst>
+                              <p:par>
+                                <p:cTn id="21" presetID="10" presetClass="entr" presetSubtype="0" fill="hold" grpId="0" nodeType="clickEffect">
+                                  <p:stCondLst>
+                                    <p:cond delay="0"/>
+                                  </p:stCondLst>
+                                  <p:childTnLst>
+                                    <p:set>
+                                      <p:cBhvr>
+                                        <p:cTn id="22" dur="1" fill="hold">
+                                          <p:stCondLst>
+                                            <p:cond delay="0"/>
+                                          </p:stCondLst>
+                                        </p:cTn>
+                                        <p:tgtEl>
+                                          <p:spTgt spid="20"/>
+                                        </p:tgtEl>
+                                        <p:attrNameLst>
+                                          <p:attrName>style.visibility</p:attrName>
+                                        </p:attrNameLst>
+                                      </p:cBhvr>
+                                      <p:to>
+                                        <p:strVal val="visible"/>
+                                      </p:to>
+                                    </p:set>
+                                    <p:animEffect transition="in" filter="fade">
+                                      <p:cBhvr>
+                                        <p:cTn id="23" dur="500"/>
+                                        <p:tgtEl>
+                                          <p:spTgt spid="20"/>
+                                        </p:tgtEl>
+                                      </p:cBhvr>
+                                    </p:animEffect>
+                                  </p:childTnLst>
+                                </p:cTn>
+                              </p:par>
+                              <p:par>
+                                <p:cTn id="24" presetID="10" presetClass="entr" presetSubtype="0" fill="hold" nodeType="withEffect">
+                                  <p:stCondLst>
+                                    <p:cond delay="0"/>
+                                  </p:stCondLst>
+                                  <p:childTnLst>
+                                    <p:set>
+                                      <p:cBhvr>
+                                        <p:cTn id="25" dur="1" fill="hold">
+                                          <p:stCondLst>
+                                            <p:cond delay="0"/>
+                                          </p:stCondLst>
+                                        </p:cTn>
+                                        <p:tgtEl>
+                                          <p:spTgt spid="9"/>
+                                        </p:tgtEl>
+                                        <p:attrNameLst>
+                                          <p:attrName>style.visibility</p:attrName>
+                                        </p:attrNameLst>
+                                      </p:cBhvr>
+                                      <p:to>
+                                        <p:strVal val="visible"/>
+                                      </p:to>
+                                    </p:set>
+                                    <p:animEffect transition="in" filter="fade">
+                                      <p:cBhvr>
+                                        <p:cTn id="26" dur="500"/>
+                                        <p:tgtEl>
+                                          <p:spTgt spid="9"/>
+                                        </p:tgtEl>
+                                      </p:cBhvr>
+                                    </p:animEffect>
+                                  </p:childTnLst>
+                                </p:cTn>
+                              </p:par>
+                            </p:childTnLst>
+                          </p:cTn>
+                        </p:par>
+                      </p:childTnLst>
+                    </p:cTn>
+                  </p:par>
+                  <p:par>
+                    <p:cTn id="27" fill="hold">
+                      <p:stCondLst>
+                        <p:cond delay="indefinite"/>
+                      </p:stCondLst>
+                      <p:childTnLst>
+                        <p:par>
+                          <p:cTn id="28" fill="hold">
+                            <p:stCondLst>
+                              <p:cond delay="0"/>
+                            </p:stCondLst>
+                            <p:childTnLst>
+                              <p:par>
+                                <p:cTn id="29" presetID="10" presetClass="entr" presetSubtype="0" fill="hold" grpId="0" nodeType="clickEffect">
+                                  <p:stCondLst>
+                                    <p:cond delay="0"/>
+                                  </p:stCondLst>
+                                  <p:childTnLst>
+                                    <p:set>
+                                      <p:cBhvr>
+                                        <p:cTn id="30" dur="1" fill="hold">
+                                          <p:stCondLst>
+                                            <p:cond delay="0"/>
+                                          </p:stCondLst>
+                                        </p:cTn>
+                                        <p:tgtEl>
+                                          <p:spTgt spid="21"/>
+                                        </p:tgtEl>
+                                        <p:attrNameLst>
+                                          <p:attrName>style.visibility</p:attrName>
+                                        </p:attrNameLst>
+                                      </p:cBhvr>
+                                      <p:to>
+                                        <p:strVal val="visible"/>
+                                      </p:to>
+                                    </p:set>
+                                    <p:animEffect transition="in" filter="fade">
+                                      <p:cBhvr>
+                                        <p:cTn id="31" dur="500"/>
+                                        <p:tgtEl>
+                                          <p:spTgt spid="21"/>
+                                        </p:tgtEl>
+                                      </p:cBhvr>
+                                    </p:animEffect>
+                                  </p:childTnLst>
+                                </p:cTn>
+                              </p:par>
+                              <p:par>
+                                <p:cTn id="32" presetID="10" presetClass="entr" presetSubtype="0" fill="hold" nodeType="withEffect">
+                                  <p:stCondLst>
+                                    <p:cond delay="0"/>
+                                  </p:stCondLst>
+                                  <p:childTnLst>
+                                    <p:set>
+                                      <p:cBhvr>
+                                        <p:cTn id="33" dur="1" fill="hold">
+                                          <p:stCondLst>
+                                            <p:cond delay="0"/>
+                                          </p:stCondLst>
+                                        </p:cTn>
+                                        <p:tgtEl>
+                                          <p:spTgt spid="11"/>
+                                        </p:tgtEl>
+                                        <p:attrNameLst>
+                                          <p:attrName>style.visibility</p:attrName>
+                                        </p:attrNameLst>
+                                      </p:cBhvr>
+                                      <p:to>
+                                        <p:strVal val="visible"/>
+                                      </p:to>
+                                    </p:set>
+                                    <p:animEffect transition="in" filter="fade">
+                                      <p:cBhvr>
+                                        <p:cTn id="34" dur="500"/>
+                                        <p:tgtEl>
+                                          <p:spTgt spid="11"/>
+                                        </p:tgtEl>
+                                      </p:cBhvr>
+                                    </p:animEffect>
+                                  </p:childTnLst>
+                                </p:cTn>
+                              </p:par>
+                            </p:childTnLst>
+                          </p:cTn>
+                        </p:par>
+                      </p:childTnLst>
+                    </p:cTn>
+                  </p:par>
+                  <p:par>
+                    <p:cTn id="35" fill="hold">
+                      <p:stCondLst>
+                        <p:cond delay="indefinite"/>
+                      </p:stCondLst>
+                      <p:childTnLst>
+                        <p:par>
+                          <p:cTn id="36" fill="hold">
+                            <p:stCondLst>
+                              <p:cond delay="0"/>
+                            </p:stCondLst>
+                            <p:childTnLst>
+                              <p:par>
+                                <p:cTn id="37" presetID="10" presetClass="entr" presetSubtype="0" fill="hold" grpId="0" nodeType="clickEffect">
+                                  <p:stCondLst>
+                                    <p:cond delay="0"/>
+                                  </p:stCondLst>
+                                  <p:childTnLst>
+                                    <p:set>
+                                      <p:cBhvr>
+                                        <p:cTn id="38" dur="1" fill="hold">
+                                          <p:stCondLst>
+                                            <p:cond delay="0"/>
+                                          </p:stCondLst>
+                                        </p:cTn>
+                                        <p:tgtEl>
+                                          <p:spTgt spid="28"/>
+                                        </p:tgtEl>
+                                        <p:attrNameLst>
+                                          <p:attrName>style.visibility</p:attrName>
+                                        </p:attrNameLst>
+                                      </p:cBhvr>
+                                      <p:to>
+                                        <p:strVal val="visible"/>
+                                      </p:to>
+                                    </p:set>
+                                    <p:animEffect transition="in" filter="fade">
+                                      <p:cBhvr>
+                                        <p:cTn id="39" dur="500"/>
+                                        <p:tgtEl>
+                                          <p:spTgt spid="28"/>
+                                        </p:tgtEl>
+                                      </p:cBhvr>
+                                    </p:animEffect>
+                                  </p:childTnLst>
+                                </p:cTn>
+                              </p:par>
+                              <p:par>
+                                <p:cTn id="40" presetID="10" presetClass="entr" presetSubtype="0" fill="hold" nodeType="withEffect">
+                                  <p:stCondLst>
+                                    <p:cond delay="0"/>
+                                  </p:stCondLst>
+                                  <p:childTnLst>
+                                    <p:set>
+                                      <p:cBhvr>
+                                        <p:cTn id="41" dur="1" fill="hold">
+                                          <p:stCondLst>
+                                            <p:cond delay="0"/>
+                                          </p:stCondLst>
+                                        </p:cTn>
+                                        <p:tgtEl>
+                                          <p:spTgt spid="27"/>
+                                        </p:tgtEl>
+                                        <p:attrNameLst>
+                                          <p:attrName>style.visibility</p:attrName>
+                                        </p:attrNameLst>
+                                      </p:cBhvr>
+                                      <p:to>
+                                        <p:strVal val="visible"/>
+                                      </p:to>
+                                    </p:set>
+                                    <p:animEffect transition="in" filter="fade">
+                                      <p:cBhvr>
+                                        <p:cTn id="42" dur="500"/>
+                                        <p:tgtEl>
+                                          <p:spTgt spid="27"/>
+                                        </p:tgtEl>
+                                      </p:cBhvr>
+                                    </p:animEffect>
+                                  </p:childTnLst>
+                                </p:cTn>
+                              </p:par>
+                            </p:childTnLst>
+                          </p:cTn>
+                        </p:par>
+                      </p:childTnLst>
+                    </p:cTn>
+                  </p:par>
+                  <p:par>
+                    <p:cTn id="43" fill="hold">
+                      <p:stCondLst>
+                        <p:cond delay="indefinite"/>
+                      </p:stCondLst>
+                      <p:childTnLst>
+                        <p:par>
+                          <p:cTn id="44" fill="hold">
+                            <p:stCondLst>
+                              <p:cond delay="0"/>
+                            </p:stCondLst>
+                            <p:childTnLst>
+                              <p:par>
+                                <p:cTn id="45" presetID="10" presetClass="entr" presetSubtype="0" fill="hold" grpId="0" nodeType="clickEffect">
+                                  <p:stCondLst>
+                                    <p:cond delay="0"/>
+                                  </p:stCondLst>
+                                  <p:childTnLst>
+                                    <p:set>
+                                      <p:cBhvr>
+                                        <p:cTn id="46" dur="1" fill="hold">
+                                          <p:stCondLst>
+                                            <p:cond delay="0"/>
+                                          </p:stCondLst>
+                                        </p:cTn>
+                                        <p:tgtEl>
+                                          <p:spTgt spid="35"/>
+                                        </p:tgtEl>
+                                        <p:attrNameLst>
+                                          <p:attrName>style.visibility</p:attrName>
+                                        </p:attrNameLst>
+                                      </p:cBhvr>
+                                      <p:to>
+                                        <p:strVal val="visible"/>
+                                      </p:to>
+                                    </p:set>
+                                    <p:animEffect transition="in" filter="fade">
+                                      <p:cBhvr>
+                                        <p:cTn id="47" dur="500"/>
+                                        <p:tgtEl>
+                                          <p:spTgt spid="35"/>
+                                        </p:tgtEl>
+                                      </p:cBhvr>
+                                    </p:animEffect>
+                                  </p:childTnLst>
+                                </p:cTn>
+                              </p:par>
+                              <p:par>
+                                <p:cTn id="48" presetID="10" presetClass="entr" presetSubtype="0" fill="hold" nodeType="withEffect">
+                                  <p:stCondLst>
+                                    <p:cond delay="0"/>
+                                  </p:stCondLst>
+                                  <p:childTnLst>
+                                    <p:set>
+                                      <p:cBhvr>
+                                        <p:cTn id="49" dur="1" fill="hold">
+                                          <p:stCondLst>
+                                            <p:cond delay="0"/>
+                                          </p:stCondLst>
+                                        </p:cTn>
+                                        <p:tgtEl>
+                                          <p:spTgt spid="34"/>
+                                        </p:tgtEl>
+                                        <p:attrNameLst>
+                                          <p:attrName>style.visibility</p:attrName>
+                                        </p:attrNameLst>
+                                      </p:cBhvr>
+                                      <p:to>
+                                        <p:strVal val="visible"/>
+                                      </p:to>
+                                    </p:set>
+                                    <p:animEffect transition="in" filter="fade">
+                                      <p:cBhvr>
+                                        <p:cTn id="50" dur="500"/>
+                                        <p:tgtEl>
+                                          <p:spTgt spid="34"/>
+                                        </p:tgtEl>
+                                      </p:cBhvr>
+                                    </p:animEffect>
+                                  </p:childTnLst>
+                                </p:cTn>
+                              </p:par>
+                              <p:par>
+                                <p:cTn id="51" presetID="10" presetClass="entr" presetSubtype="0" fill="hold" nodeType="withEffect">
+                                  <p:stCondLst>
+                                    <p:cond delay="0"/>
+                                  </p:stCondLst>
+                                  <p:childTnLst>
+                                    <p:set>
+                                      <p:cBhvr>
+                                        <p:cTn id="52" dur="1" fill="hold">
+                                          <p:stCondLst>
+                                            <p:cond delay="0"/>
+                                          </p:stCondLst>
+                                        </p:cTn>
+                                        <p:tgtEl>
+                                          <p:spTgt spid="30"/>
+                                        </p:tgtEl>
+                                        <p:attrNameLst>
+                                          <p:attrName>style.visibility</p:attrName>
+                                        </p:attrNameLst>
+                                      </p:cBhvr>
+                                      <p:to>
+                                        <p:strVal val="visible"/>
+                                      </p:to>
+                                    </p:set>
+                                    <p:animEffect transition="in" filter="fade">
+                                      <p:cBhvr>
+                                        <p:cTn id="53" dur="500"/>
+                                        <p:tgtEl>
+                                          <p:spTgt spid="30"/>
+                                        </p:tgtEl>
+                                      </p:cBhvr>
+                                    </p:animEffect>
+                                  </p:childTnLst>
+                                </p:cTn>
+                              </p:par>
+                            </p:childTnLst>
+                          </p:cTn>
+                        </p:par>
+                      </p:childTnLst>
+                    </p:cTn>
+                  </p:par>
+                </p:childTnLst>
+              </p:cTn>
+              <p:prevCondLst>
+                <p:cond evt="onPrev" delay="0">
+                  <p:tgtEl>
+                    <p:sldTgt/>
+                  </p:tgtEl>
+                </p:cond>
+              </p:prevCondLst>
+              <p:nextCondLst>
+                <p:cond evt="onNext" delay="0">
+                  <p:tgtEl>
+                    <p:sldTgt/>
+                  </p:tgtEl>
+                </p:cond>
+              </p:nextCondLst>
+            </p:seq>
+          </p:childTnLst>
+        </p:cTn>
+      </p:par>
+    </p:tnLst>
+    <p:bldLst>
+      <p:bldP spid="18" grpId="0"/>
+      <p:bldP spid="19" grpId="0"/>
+      <p:bldP spid="20" grpId="0"/>
+      <p:bldP spid="21" grpId="0"/>
+      <p:bldP spid="28" grpId="0"/>
+      <p:bldP spid="35" grpId="0"/>
+    </p:bldLst>
+  </p:timing>
+</p:sld>
+</file>
+
+<file path=ppt/slides/slide30.xml><?xml version="1.0" encoding="utf-8"?>
+<p:sld xmlns:a="http://schemas.openxmlformats.org/drawingml/2006/main" xmlns:r="http://schemas.openxmlformats.org/officeDocument/2006/relationships" xmlns:p="http://schemas.openxmlformats.org/presentationml/2006/main">
+  <p:cSld>
+    <p:bg>
+      <p:bgPr>
+        <a:blipFill dpi="0" rotWithShape="1">
+          <a:blip r:embed="rId2">
+            <a:lum/>
+          </a:blip>
+          <a:srcRect/>
+          <a:stretch>
+            <a:fillRect/>
+          </a:stretch>
+        </a:blipFill>
+        <a:effectLst/>
+      </p:bgPr>
+    </p:bg>
+    <p:spTree>
+      <p:nvGrpSpPr>
+        <p:cNvPr id="1" name=""/>
+        <p:cNvGrpSpPr/>
+        <p:nvPr/>
+      </p:nvGrpSpPr>
+      <p:grpSpPr>
+        <a:xfrm>
+          <a:off x="0" y="0"/>
+          <a:ext cx="0" cy="0"/>
+          <a:chOff x="0" y="0"/>
+          <a:chExt cx="0" cy="0"/>
+        </a:xfrm>
+      </p:grpSpPr>
+      <p:sp>
+        <p:nvSpPr>
+          <p:cNvPr id="2" name="Title 1">
+            <a:extLst>
+              <a:ext uri="{FF2B5EF4-FFF2-40B4-BE49-F238E27FC236}">
+                <a16:creationId xmlns:a16="http://schemas.microsoft.com/office/drawing/2014/main" id="{55E11F08-6CA0-48F1-AD67-97430DDA07F0}"/>
+              </a:ext>
+            </a:extLst>
+          </p:cNvPr>
+          <p:cNvSpPr>
+            <a:spLocks noGrp="1"/>
+          </p:cNvSpPr>
+          <p:nvPr>
+            <p:ph type="title"/>
+          </p:nvPr>
+        </p:nvSpPr>
+        <p:spPr/>
+        <p:txBody>
+          <a:bodyPr/>
+          <a:lstStyle/>
+          <a:p>
+            <a:r>
+              <a:rPr lang="en-US" b="1" dirty="0">
+                <a:solidFill>
+                  <a:srgbClr val="292D33"/>
+                </a:solidFill>
+                <a:latin typeface="Euclid Circular B" panose="020B0504000000000000" pitchFamily="34" charset="0"/>
+                <a:ea typeface="Euclid Circular B" panose="020B0504000000000000" pitchFamily="34" charset="0"/>
+              </a:rPr>
+              <a:t>Thanks!</a:t>
+            </a:r>
+          </a:p>
+        </p:txBody>
+      </p:sp>
+      <p:sp>
+        <p:nvSpPr>
+          <p:cNvPr id="3" name="Content Placeholder 2">
+            <a:extLst>
+              <a:ext uri="{FF2B5EF4-FFF2-40B4-BE49-F238E27FC236}">
+                <a16:creationId xmlns:a16="http://schemas.microsoft.com/office/drawing/2014/main" id="{891C7693-D3DF-4635-96F4-97F3B4136FDF}"/>
+              </a:ext>
+            </a:extLst>
+          </p:cNvPr>
+          <p:cNvSpPr>
+            <a:spLocks noGrp="1"/>
+          </p:cNvSpPr>
+          <p:nvPr>
+            <p:ph idx="1"/>
+          </p:nvPr>
+        </p:nvSpPr>
+        <p:spPr>
+          <a:xfrm>
+            <a:off x="838200" y="1825625"/>
+            <a:ext cx="10515600" cy="4667250"/>
+          </a:xfrm>
+        </p:spPr>
+        <p:txBody>
+          <a:bodyPr>
+            <a:normAutofit/>
+          </a:bodyPr>
+          <a:lstStyle/>
+          <a:p>
+            <a:pPr marL="0" indent="0">
+              <a:buNone/>
+            </a:pPr>
+            <a:r>
+              <a:rPr lang="en-US" sz="2600" b="1" dirty="0">
+                <a:latin typeface="Euclid Circular B" panose="020B0504000000000000" pitchFamily="34" charset="0"/>
+                <a:ea typeface="Euclid Circular B" panose="020B0504000000000000" pitchFamily="34" charset="0"/>
+              </a:rPr>
+              <a:t>Get This Presentation</a:t>
+            </a:r>
+          </a:p>
+          <a:p>
+            <a:pPr marL="0" indent="0">
+              <a:buNone/>
+            </a:pPr>
+            <a:r>
+              <a:rPr lang="en-US" sz="1400" dirty="0">
+                <a:latin typeface="Euclid Circular B" panose="020B0504000000000000" pitchFamily="34" charset="0"/>
+                <a:ea typeface="Euclid Circular B" panose="020B0504000000000000" pitchFamily="34" charset="0"/>
+                <a:hlinkClick r:id="rId3"/>
+              </a:rPr>
+              <a:t>https://github.com/hikalkan/presentations</a:t>
+            </a:r>
+            <a:endParaRPr lang="en-US" sz="1400" dirty="0">
+              <a:latin typeface="Euclid Circular B" panose="020B0504000000000000" pitchFamily="34" charset="0"/>
+              <a:ea typeface="Euclid Circular B" panose="020B0504000000000000" pitchFamily="34" charset="0"/>
+            </a:endParaRPr>
+          </a:p>
+          <a:p>
+            <a:pPr marL="0" indent="0">
+              <a:buNone/>
+            </a:pPr>
+            <a:endParaRPr lang="en-US" sz="1000" dirty="0">
+              <a:latin typeface="Euclid Circular B" panose="020B0504000000000000" pitchFamily="34" charset="0"/>
+              <a:ea typeface="Euclid Circular B" panose="020B0504000000000000" pitchFamily="34" charset="0"/>
+            </a:endParaRPr>
+          </a:p>
+          <a:p>
+            <a:pPr marL="0" indent="0">
+              <a:buNone/>
+            </a:pPr>
+            <a:r>
+              <a:rPr lang="en-US" sz="2600" b="1" dirty="0">
+                <a:latin typeface="Euclid Circular B" panose="020B0504000000000000" pitchFamily="34" charset="0"/>
+                <a:ea typeface="Euclid Circular B" panose="020B0504000000000000" pitchFamily="34" charset="0"/>
+              </a:rPr>
+              <a:t>Contact Me</a:t>
+            </a:r>
+          </a:p>
+          <a:p>
+            <a:pPr marL="0" indent="0">
+              <a:buNone/>
+            </a:pPr>
+            <a:r>
+              <a:rPr lang="en-US" sz="1600" dirty="0">
+                <a:latin typeface="Euclid Circular B" panose="020B0504000000000000" pitchFamily="34" charset="0"/>
+                <a:ea typeface="Euclid Circular B" panose="020B0504000000000000" pitchFamily="34" charset="0"/>
+              </a:rPr>
+              <a:t>Home: </a:t>
+            </a:r>
+            <a:r>
+              <a:rPr lang="en-US" sz="1600" dirty="0">
+                <a:latin typeface="Euclid Circular B" panose="020B0504000000000000" pitchFamily="34" charset="0"/>
+                <a:ea typeface="Euclid Circular B" panose="020B0504000000000000" pitchFamily="34" charset="0"/>
+                <a:hlinkClick r:id="rId4"/>
+              </a:rPr>
+              <a:t>https://halilibrahimkalkan.com</a:t>
+            </a:r>
+            <a:r>
+              <a:rPr lang="en-US" sz="1600" dirty="0">
+                <a:latin typeface="Euclid Circular B" panose="020B0504000000000000" pitchFamily="34" charset="0"/>
+                <a:ea typeface="Euclid Circular B" panose="020B0504000000000000" pitchFamily="34" charset="0"/>
+              </a:rPr>
+              <a:t> </a:t>
+            </a:r>
+          </a:p>
+          <a:p>
+            <a:pPr marL="0" indent="0">
+              <a:buNone/>
+            </a:pPr>
+            <a:r>
+              <a:rPr lang="en-US" sz="1600" dirty="0">
+                <a:latin typeface="Euclid Circular B" panose="020B0504000000000000" pitchFamily="34" charset="0"/>
+                <a:ea typeface="Euclid Circular B" panose="020B0504000000000000" pitchFamily="34" charset="0"/>
+              </a:rPr>
+              <a:t>GitHub: @hikalkan | Twitter: @hibrahimkalkan</a:t>
+            </a:r>
+          </a:p>
+          <a:p>
+            <a:pPr marL="0" indent="0">
+              <a:buNone/>
+            </a:pPr>
+            <a:endParaRPr lang="en-US" sz="1000" dirty="0">
+              <a:latin typeface="Euclid Circular B" panose="020B0504000000000000" pitchFamily="34" charset="0"/>
+              <a:ea typeface="Euclid Circular B" panose="020B0504000000000000" pitchFamily="34" charset="0"/>
+            </a:endParaRPr>
+          </a:p>
+          <a:p>
+            <a:pPr marL="0" indent="0">
+              <a:buNone/>
+            </a:pPr>
+            <a:r>
+              <a:rPr lang="en-US" sz="2600" b="1" dirty="0">
+                <a:latin typeface="Euclid Circular B" panose="020B0504000000000000" pitchFamily="34" charset="0"/>
+                <a:ea typeface="Euclid Circular B" panose="020B0504000000000000" pitchFamily="34" charset="0"/>
+              </a:rPr>
+              <a:t>References</a:t>
+            </a:r>
+          </a:p>
+          <a:p>
+            <a:r>
+              <a:rPr lang="en-US" sz="1600" dirty="0">
+                <a:latin typeface="Euclid Circular B" panose="020B0504000000000000" pitchFamily="34" charset="0"/>
+                <a:ea typeface="Euclid Circular B" panose="020B0504000000000000" pitchFamily="34" charset="0"/>
+              </a:rPr>
+              <a:t>Authorization in a Microservices World</a:t>
+            </a:r>
+            <a:br>
+              <a:rPr lang="en-US" sz="1600" dirty="0">
+                <a:latin typeface="Euclid Circular B" panose="020B0504000000000000" pitchFamily="34" charset="0"/>
+                <a:ea typeface="Euclid Circular B" panose="020B0504000000000000" pitchFamily="34" charset="0"/>
+              </a:rPr>
+            </a:br>
+            <a:r>
+              <a:rPr lang="en-US" sz="1400" dirty="0">
+                <a:latin typeface="Euclid Circular B" panose="020B0504000000000000" pitchFamily="34" charset="0"/>
+                <a:ea typeface="Euclid Circular B" panose="020B0504000000000000" pitchFamily="34" charset="0"/>
+                <a:hlinkClick r:id="rId5"/>
+              </a:rPr>
+              <a:t>https://www.alexanderlolis.com/authorization-in-a-microservices-world</a:t>
+            </a:r>
+            <a:r>
+              <a:rPr lang="en-US" sz="1400" dirty="0">
+                <a:latin typeface="Euclid Circular B" panose="020B0504000000000000" pitchFamily="34" charset="0"/>
+                <a:ea typeface="Euclid Circular B" panose="020B0504000000000000" pitchFamily="34" charset="0"/>
+              </a:rPr>
+              <a:t> </a:t>
+            </a:r>
+          </a:p>
+          <a:p>
+            <a:r>
+              <a:rPr lang="en-US" sz="1600" dirty="0">
+                <a:latin typeface="Euclid Circular B" panose="020B0504000000000000" pitchFamily="34" charset="0"/>
+                <a:ea typeface="Euclid Circular B" panose="020B0504000000000000" pitchFamily="34" charset="0"/>
+              </a:rPr>
+              <a:t>ABP Authorization</a:t>
+            </a:r>
+            <a:br>
+              <a:rPr lang="en-US" sz="1400" dirty="0">
+                <a:latin typeface="Euclid Circular B" panose="020B0504000000000000" pitchFamily="34" charset="0"/>
+                <a:ea typeface="Euclid Circular B" panose="020B0504000000000000" pitchFamily="34" charset="0"/>
+              </a:rPr>
+            </a:br>
+            <a:r>
+              <a:rPr lang="en-US" sz="1400" dirty="0">
+                <a:latin typeface="Euclid Circular B" panose="020B0504000000000000" pitchFamily="34" charset="0"/>
+                <a:ea typeface="Euclid Circular B" panose="020B0504000000000000" pitchFamily="34" charset="0"/>
+                <a:hlinkClick r:id="rId6"/>
+              </a:rPr>
+              <a:t>https://docs.abp.io/en/abp/latest/Authorization</a:t>
+            </a:r>
+            <a:endParaRPr lang="en-US" sz="1400" dirty="0">
+              <a:latin typeface="Euclid Circular B" panose="020B0504000000000000" pitchFamily="34" charset="0"/>
+              <a:ea typeface="Euclid Circular B" panose="020B0504000000000000" pitchFamily="34" charset="0"/>
+            </a:endParaRPr>
+          </a:p>
+          <a:p>
+            <a:r>
+              <a:rPr lang="en-US" sz="1600" dirty="0">
+                <a:latin typeface="Euclid Circular B" panose="020B0504000000000000" pitchFamily="34" charset="0"/>
+                <a:ea typeface="Euclid Circular B" panose="020B0504000000000000" pitchFamily="34" charset="0"/>
+              </a:rPr>
+              <a:t>ASP.NET Core Authorization</a:t>
+            </a:r>
+            <a:br>
+              <a:rPr lang="en-US" sz="1400" dirty="0">
+                <a:latin typeface="Euclid Circular B" panose="020B0504000000000000" pitchFamily="34" charset="0"/>
+                <a:ea typeface="Euclid Circular B" panose="020B0504000000000000" pitchFamily="34" charset="0"/>
+              </a:rPr>
+            </a:br>
+            <a:r>
+              <a:rPr lang="en-US" sz="1400" dirty="0">
+                <a:latin typeface="Euclid Circular B" panose="020B0504000000000000" pitchFamily="34" charset="0"/>
+                <a:ea typeface="Euclid Circular B" panose="020B0504000000000000" pitchFamily="34" charset="0"/>
+                <a:hlinkClick r:id="rId7"/>
+              </a:rPr>
+              <a:t>https://learn.microsoft.com/en-us/aspnet/core/security/authorization/introduction</a:t>
+            </a:r>
+            <a:r>
+              <a:rPr lang="en-US" sz="1400" dirty="0">
+                <a:latin typeface="Euclid Circular B" panose="020B0504000000000000" pitchFamily="34" charset="0"/>
+                <a:ea typeface="Euclid Circular B" panose="020B0504000000000000" pitchFamily="34" charset="0"/>
+              </a:rPr>
+              <a:t> </a:t>
+            </a:r>
+          </a:p>
+        </p:txBody>
+      </p:sp>
+    </p:spTree>
+    <p:extLst>
+      <p:ext uri="{BB962C8B-B14F-4D97-AF65-F5344CB8AC3E}">
+        <p14:creationId xmlns:p14="http://schemas.microsoft.com/office/powerpoint/2010/main" val="1625585404"/>
+      </p:ext>
+    </p:extLst>
+  </p:cSld>
+  <p:clrMapOvr>
+    <a:masterClrMapping/>
+  </p:clrMapOvr>
+</p:sld>
+</file>
+
+<file path=ppt/slides/slide31.xml><?xml version="1.0" encoding="utf-8"?>
+<p:sld xmlns:a="http://schemas.openxmlformats.org/drawingml/2006/main" xmlns:r="http://schemas.openxmlformats.org/officeDocument/2006/relationships" xmlns:p="http://schemas.openxmlformats.org/presentationml/2006/main">
+  <p:cSld>
+    <p:bg>
+      <p:bgPr>
+        <a:blipFill dpi="0" rotWithShape="1">
+          <a:blip r:embed="rId2">
+            <a:lum/>
+          </a:blip>
+          <a:srcRect/>
+          <a:stretch>
+            <a:fillRect/>
+          </a:stretch>
+        </a:blipFill>
+        <a:effectLst/>
+      </p:bgPr>
+    </p:bg>
+    <p:spTree>
+      <p:nvGrpSpPr>
+        <p:cNvPr id="1" name=""/>
+        <p:cNvGrpSpPr/>
+        <p:nvPr/>
+      </p:nvGrpSpPr>
+      <p:grpSpPr>
+        <a:xfrm>
+          <a:off x="0" y="0"/>
+          <a:ext cx="0" cy="0"/>
+          <a:chOff x="0" y="0"/>
+          <a:chExt cx="0" cy="0"/>
+        </a:xfrm>
+      </p:grpSpPr>
+      <p:sp>
+        <p:nvSpPr>
+          <p:cNvPr id="2" name="Title 1">
+            <a:extLst>
+              <a:ext uri="{FF2B5EF4-FFF2-40B4-BE49-F238E27FC236}">
+                <a16:creationId xmlns:a16="http://schemas.microsoft.com/office/drawing/2014/main" id="{55E11F08-6CA0-48F1-AD67-97430DDA07F0}"/>
+              </a:ext>
+            </a:extLst>
+          </p:cNvPr>
+          <p:cNvSpPr>
+            <a:spLocks noGrp="1"/>
+          </p:cNvSpPr>
+          <p:nvPr>
+            <p:ph type="title"/>
+          </p:nvPr>
+        </p:nvSpPr>
+        <p:spPr/>
+        <p:txBody>
+          <a:bodyPr/>
+          <a:lstStyle/>
+          <a:p>
+            <a:r>
+              <a:rPr lang="en-US" b="1" dirty="0">
+                <a:solidFill>
+                  <a:srgbClr val="292D33"/>
+                </a:solidFill>
+                <a:latin typeface="Euclid Circular B" panose="020B0504000000000000" pitchFamily="34" charset="0"/>
+                <a:ea typeface="Euclid Circular B" panose="020B0504000000000000" pitchFamily="34" charset="0"/>
+              </a:rPr>
+              <a:t>Topic title</a:t>
+            </a:r>
+          </a:p>
+        </p:txBody>
+      </p:sp>
+      <p:sp>
+        <p:nvSpPr>
+          <p:cNvPr id="3" name="Content Placeholder 2">
+            <a:extLst>
+              <a:ext uri="{FF2B5EF4-FFF2-40B4-BE49-F238E27FC236}">
+                <a16:creationId xmlns:a16="http://schemas.microsoft.com/office/drawing/2014/main" id="{891C7693-D3DF-4635-96F4-97F3B4136FDF}"/>
+              </a:ext>
+            </a:extLst>
+          </p:cNvPr>
+          <p:cNvSpPr>
+            <a:spLocks noGrp="1"/>
+          </p:cNvSpPr>
+          <p:nvPr>
+            <p:ph idx="1"/>
+          </p:nvPr>
+        </p:nvSpPr>
+        <p:spPr/>
+        <p:txBody>
+          <a:bodyPr/>
+          <a:lstStyle/>
+          <a:p>
+            <a:r>
+              <a:rPr lang="en-US" dirty="0">
+                <a:latin typeface="Euclid Circular B" panose="020B0504000000000000" pitchFamily="34" charset="0"/>
+                <a:ea typeface="Euclid Circular B" panose="020B0504000000000000" pitchFamily="34" charset="0"/>
+              </a:rPr>
+              <a:t>Content</a:t>
+            </a:r>
+          </a:p>
+        </p:txBody>
+      </p:sp>
+    </p:spTree>
+    <p:extLst>
+      <p:ext uri="{BB962C8B-B14F-4D97-AF65-F5344CB8AC3E}">
+        <p14:creationId xmlns:p14="http://schemas.microsoft.com/office/powerpoint/2010/main" val="3118168783"/>
+      </p:ext>
+    </p:extLst>
+  </p:cSld>
+  <p:clrMapOvr>
+    <a:masterClrMapping/>
+  </p:clrMapOvr>
+</p:sld>
+</file>
+
+<file path=ppt/slides/slide4.xml><?xml version="1.0" encoding="utf-8"?>
 <p:sld xmlns:a="http://schemas.openxmlformats.org/drawingml/2006/main" xmlns:r="http://schemas.openxmlformats.org/officeDocument/2006/relationships" xmlns:p="http://schemas.openxmlformats.org/presentationml/2006/main">
   <p:cSld>
     <p:bg>
@@ -21283,632 +24662,7 @@
 </p:sld>
 </file>
 
-<file path=ppt/slides/slide30.xml><?xml version="1.0" encoding="utf-8"?>
-<p:sld xmlns:a="http://schemas.openxmlformats.org/drawingml/2006/main" xmlns:r="http://schemas.openxmlformats.org/officeDocument/2006/relationships" xmlns:p="http://schemas.openxmlformats.org/presentationml/2006/main">
-  <p:cSld>
-    <p:bg>
-      <p:bgPr>
-        <a:blipFill dpi="0" rotWithShape="1">
-          <a:blip r:embed="rId2">
-            <a:lum/>
-          </a:blip>
-          <a:srcRect/>
-          <a:stretch>
-            <a:fillRect/>
-          </a:stretch>
-        </a:blipFill>
-        <a:effectLst/>
-      </p:bgPr>
-    </p:bg>
-    <p:spTree>
-      <p:nvGrpSpPr>
-        <p:cNvPr id="1" name=""/>
-        <p:cNvGrpSpPr/>
-        <p:nvPr/>
-      </p:nvGrpSpPr>
-      <p:grpSpPr>
-        <a:xfrm>
-          <a:off x="0" y="0"/>
-          <a:ext cx="0" cy="0"/>
-          <a:chOff x="0" y="0"/>
-          <a:chExt cx="0" cy="0"/>
-        </a:xfrm>
-      </p:grpSpPr>
-      <p:sp>
-        <p:nvSpPr>
-          <p:cNvPr id="2" name="Title 1">
-            <a:extLst>
-              <a:ext uri="{FF2B5EF4-FFF2-40B4-BE49-F238E27FC236}">
-                <a16:creationId xmlns:a16="http://schemas.microsoft.com/office/drawing/2014/main" id="{55E11F08-6CA0-48F1-AD67-97430DDA07F0}"/>
-              </a:ext>
-            </a:extLst>
-          </p:cNvPr>
-          <p:cNvSpPr>
-            <a:spLocks noGrp="1"/>
-          </p:cNvSpPr>
-          <p:nvPr>
-            <p:ph type="title"/>
-          </p:nvPr>
-        </p:nvSpPr>
-        <p:spPr/>
-        <p:txBody>
-          <a:bodyPr/>
-          <a:lstStyle/>
-          <a:p>
-            <a:r>
-              <a:rPr lang="en-US" b="1" dirty="0">
-                <a:solidFill>
-                  <a:srgbClr val="292D33"/>
-                </a:solidFill>
-                <a:latin typeface="Euclid Circular B" panose="020B0504000000000000" pitchFamily="34" charset="0"/>
-                <a:ea typeface="Euclid Circular B" panose="020B0504000000000000" pitchFamily="34" charset="0"/>
-              </a:rPr>
-              <a:t>Topic title</a:t>
-            </a:r>
-          </a:p>
-        </p:txBody>
-      </p:sp>
-      <p:sp>
-        <p:nvSpPr>
-          <p:cNvPr id="3" name="Content Placeholder 2">
-            <a:extLst>
-              <a:ext uri="{FF2B5EF4-FFF2-40B4-BE49-F238E27FC236}">
-                <a16:creationId xmlns:a16="http://schemas.microsoft.com/office/drawing/2014/main" id="{891C7693-D3DF-4635-96F4-97F3B4136FDF}"/>
-              </a:ext>
-            </a:extLst>
-          </p:cNvPr>
-          <p:cNvSpPr>
-            <a:spLocks noGrp="1"/>
-          </p:cNvSpPr>
-          <p:nvPr>
-            <p:ph idx="1"/>
-          </p:nvPr>
-        </p:nvSpPr>
-        <p:spPr/>
-        <p:txBody>
-          <a:bodyPr/>
-          <a:lstStyle/>
-          <a:p>
-            <a:r>
-              <a:rPr lang="en-US" dirty="0">
-                <a:latin typeface="Euclid Circular B" panose="020B0504000000000000" pitchFamily="34" charset="0"/>
-                <a:ea typeface="Euclid Circular B" panose="020B0504000000000000" pitchFamily="34" charset="0"/>
-              </a:rPr>
-              <a:t>Content</a:t>
-            </a:r>
-          </a:p>
-        </p:txBody>
-      </p:sp>
-    </p:spTree>
-    <p:extLst>
-      <p:ext uri="{BB962C8B-B14F-4D97-AF65-F5344CB8AC3E}">
-        <p14:creationId xmlns:p14="http://schemas.microsoft.com/office/powerpoint/2010/main" val="2483217375"/>
-      </p:ext>
-    </p:extLst>
-  </p:cSld>
-  <p:clrMapOvr>
-    <a:masterClrMapping/>
-  </p:clrMapOvr>
-</p:sld>
-</file>
-
-<file path=ppt/slides/slide31.xml><?xml version="1.0" encoding="utf-8"?>
-<p:sld xmlns:a="http://schemas.openxmlformats.org/drawingml/2006/main" xmlns:r="http://schemas.openxmlformats.org/officeDocument/2006/relationships" xmlns:p="http://schemas.openxmlformats.org/presentationml/2006/main">
-  <p:cSld>
-    <p:bg>
-      <p:bgPr>
-        <a:blipFill dpi="0" rotWithShape="1">
-          <a:blip r:embed="rId2">
-            <a:lum/>
-          </a:blip>
-          <a:srcRect/>
-          <a:stretch>
-            <a:fillRect/>
-          </a:stretch>
-        </a:blipFill>
-        <a:effectLst/>
-      </p:bgPr>
-    </p:bg>
-    <p:spTree>
-      <p:nvGrpSpPr>
-        <p:cNvPr id="1" name=""/>
-        <p:cNvGrpSpPr/>
-        <p:nvPr/>
-      </p:nvGrpSpPr>
-      <p:grpSpPr>
-        <a:xfrm>
-          <a:off x="0" y="0"/>
-          <a:ext cx="0" cy="0"/>
-          <a:chOff x="0" y="0"/>
-          <a:chExt cx="0" cy="0"/>
-        </a:xfrm>
-      </p:grpSpPr>
-      <p:sp>
-        <p:nvSpPr>
-          <p:cNvPr id="2" name="Title 1">
-            <a:extLst>
-              <a:ext uri="{FF2B5EF4-FFF2-40B4-BE49-F238E27FC236}">
-                <a16:creationId xmlns:a16="http://schemas.microsoft.com/office/drawing/2014/main" id="{55E11F08-6CA0-48F1-AD67-97430DDA07F0}"/>
-              </a:ext>
-            </a:extLst>
-          </p:cNvPr>
-          <p:cNvSpPr>
-            <a:spLocks noGrp="1"/>
-          </p:cNvSpPr>
-          <p:nvPr>
-            <p:ph type="title"/>
-          </p:nvPr>
-        </p:nvSpPr>
-        <p:spPr/>
-        <p:txBody>
-          <a:bodyPr/>
-          <a:lstStyle/>
-          <a:p>
-            <a:r>
-              <a:rPr lang="en-US" b="1" dirty="0">
-                <a:solidFill>
-                  <a:srgbClr val="292D33"/>
-                </a:solidFill>
-                <a:latin typeface="Euclid Circular B" panose="020B0504000000000000" pitchFamily="34" charset="0"/>
-                <a:ea typeface="Euclid Circular B" panose="020B0504000000000000" pitchFamily="34" charset="0"/>
-              </a:rPr>
-              <a:t>Topic title</a:t>
-            </a:r>
-          </a:p>
-        </p:txBody>
-      </p:sp>
-      <p:sp>
-        <p:nvSpPr>
-          <p:cNvPr id="3" name="Content Placeholder 2">
-            <a:extLst>
-              <a:ext uri="{FF2B5EF4-FFF2-40B4-BE49-F238E27FC236}">
-                <a16:creationId xmlns:a16="http://schemas.microsoft.com/office/drawing/2014/main" id="{891C7693-D3DF-4635-96F4-97F3B4136FDF}"/>
-              </a:ext>
-            </a:extLst>
-          </p:cNvPr>
-          <p:cNvSpPr>
-            <a:spLocks noGrp="1"/>
-          </p:cNvSpPr>
-          <p:nvPr>
-            <p:ph idx="1"/>
-          </p:nvPr>
-        </p:nvSpPr>
-        <p:spPr/>
-        <p:txBody>
-          <a:bodyPr/>
-          <a:lstStyle/>
-          <a:p>
-            <a:r>
-              <a:rPr lang="en-US" dirty="0">
-                <a:latin typeface="Euclid Circular B" panose="020B0504000000000000" pitchFamily="34" charset="0"/>
-                <a:ea typeface="Euclid Circular B" panose="020B0504000000000000" pitchFamily="34" charset="0"/>
-              </a:rPr>
-              <a:t>Content</a:t>
-            </a:r>
-          </a:p>
-        </p:txBody>
-      </p:sp>
-    </p:spTree>
-    <p:extLst>
-      <p:ext uri="{BB962C8B-B14F-4D97-AF65-F5344CB8AC3E}">
-        <p14:creationId xmlns:p14="http://schemas.microsoft.com/office/powerpoint/2010/main" val="759667148"/>
-      </p:ext>
-    </p:extLst>
-  </p:cSld>
-  <p:clrMapOvr>
-    <a:masterClrMapping/>
-  </p:clrMapOvr>
-</p:sld>
-</file>
-
-<file path=ppt/slides/slide32.xml><?xml version="1.0" encoding="utf-8"?>
-<p:sld xmlns:a="http://schemas.openxmlformats.org/drawingml/2006/main" xmlns:r="http://schemas.openxmlformats.org/officeDocument/2006/relationships" xmlns:p="http://schemas.openxmlformats.org/presentationml/2006/main">
-  <p:cSld>
-    <p:bg>
-      <p:bgPr>
-        <a:blipFill dpi="0" rotWithShape="1">
-          <a:blip r:embed="rId2">
-            <a:lum/>
-          </a:blip>
-          <a:srcRect/>
-          <a:stretch>
-            <a:fillRect/>
-          </a:stretch>
-        </a:blipFill>
-        <a:effectLst/>
-      </p:bgPr>
-    </p:bg>
-    <p:spTree>
-      <p:nvGrpSpPr>
-        <p:cNvPr id="1" name=""/>
-        <p:cNvGrpSpPr/>
-        <p:nvPr/>
-      </p:nvGrpSpPr>
-      <p:grpSpPr>
-        <a:xfrm>
-          <a:off x="0" y="0"/>
-          <a:ext cx="0" cy="0"/>
-          <a:chOff x="0" y="0"/>
-          <a:chExt cx="0" cy="0"/>
-        </a:xfrm>
-      </p:grpSpPr>
-      <p:sp>
-        <p:nvSpPr>
-          <p:cNvPr id="2" name="Title 1">
-            <a:extLst>
-              <a:ext uri="{FF2B5EF4-FFF2-40B4-BE49-F238E27FC236}">
-                <a16:creationId xmlns:a16="http://schemas.microsoft.com/office/drawing/2014/main" id="{55E11F08-6CA0-48F1-AD67-97430DDA07F0}"/>
-              </a:ext>
-            </a:extLst>
-          </p:cNvPr>
-          <p:cNvSpPr>
-            <a:spLocks noGrp="1"/>
-          </p:cNvSpPr>
-          <p:nvPr>
-            <p:ph type="title"/>
-          </p:nvPr>
-        </p:nvSpPr>
-        <p:spPr/>
-        <p:txBody>
-          <a:bodyPr/>
-          <a:lstStyle/>
-          <a:p>
-            <a:r>
-              <a:rPr lang="en-US" b="1" dirty="0">
-                <a:solidFill>
-                  <a:srgbClr val="292D33"/>
-                </a:solidFill>
-                <a:latin typeface="Euclid Circular B" panose="020B0504000000000000" pitchFamily="34" charset="0"/>
-                <a:ea typeface="Euclid Circular B" panose="020B0504000000000000" pitchFamily="34" charset="0"/>
-              </a:rPr>
-              <a:t>Topic title</a:t>
-            </a:r>
-          </a:p>
-        </p:txBody>
-      </p:sp>
-      <p:sp>
-        <p:nvSpPr>
-          <p:cNvPr id="3" name="Content Placeholder 2">
-            <a:extLst>
-              <a:ext uri="{FF2B5EF4-FFF2-40B4-BE49-F238E27FC236}">
-                <a16:creationId xmlns:a16="http://schemas.microsoft.com/office/drawing/2014/main" id="{891C7693-D3DF-4635-96F4-97F3B4136FDF}"/>
-              </a:ext>
-            </a:extLst>
-          </p:cNvPr>
-          <p:cNvSpPr>
-            <a:spLocks noGrp="1"/>
-          </p:cNvSpPr>
-          <p:nvPr>
-            <p:ph idx="1"/>
-          </p:nvPr>
-        </p:nvSpPr>
-        <p:spPr/>
-        <p:txBody>
-          <a:bodyPr/>
-          <a:lstStyle/>
-          <a:p>
-            <a:r>
-              <a:rPr lang="en-US" dirty="0">
-                <a:latin typeface="Euclid Circular B" panose="020B0504000000000000" pitchFamily="34" charset="0"/>
-                <a:ea typeface="Euclid Circular B" panose="020B0504000000000000" pitchFamily="34" charset="0"/>
-              </a:rPr>
-              <a:t>Content</a:t>
-            </a:r>
-          </a:p>
-        </p:txBody>
-      </p:sp>
-    </p:spTree>
-    <p:extLst>
-      <p:ext uri="{BB962C8B-B14F-4D97-AF65-F5344CB8AC3E}">
-        <p14:creationId xmlns:p14="http://schemas.microsoft.com/office/powerpoint/2010/main" val="3118168783"/>
-      </p:ext>
-    </p:extLst>
-  </p:cSld>
-  <p:clrMapOvr>
-    <a:masterClrMapping/>
-  </p:clrMapOvr>
-</p:sld>
-</file>
-
-<file path=ppt/slides/slide33.xml><?xml version="1.0" encoding="utf-8"?>
-<p:sld xmlns:a="http://schemas.openxmlformats.org/drawingml/2006/main" xmlns:r="http://schemas.openxmlformats.org/officeDocument/2006/relationships" xmlns:p="http://schemas.openxmlformats.org/presentationml/2006/main">
-  <p:cSld>
-    <p:bg>
-      <p:bgPr>
-        <a:blipFill dpi="0" rotWithShape="1">
-          <a:blip r:embed="rId2">
-            <a:lum/>
-          </a:blip>
-          <a:srcRect/>
-          <a:stretch>
-            <a:fillRect/>
-          </a:stretch>
-        </a:blipFill>
-        <a:effectLst/>
-      </p:bgPr>
-    </p:bg>
-    <p:spTree>
-      <p:nvGrpSpPr>
-        <p:cNvPr id="1" name=""/>
-        <p:cNvGrpSpPr/>
-        <p:nvPr/>
-      </p:nvGrpSpPr>
-      <p:grpSpPr>
-        <a:xfrm>
-          <a:off x="0" y="0"/>
-          <a:ext cx="0" cy="0"/>
-          <a:chOff x="0" y="0"/>
-          <a:chExt cx="0" cy="0"/>
-        </a:xfrm>
-      </p:grpSpPr>
-      <p:sp>
-        <p:nvSpPr>
-          <p:cNvPr id="2" name="Title 1">
-            <a:extLst>
-              <a:ext uri="{FF2B5EF4-FFF2-40B4-BE49-F238E27FC236}">
-                <a16:creationId xmlns:a16="http://schemas.microsoft.com/office/drawing/2014/main" id="{55E11F08-6CA0-48F1-AD67-97430DDA07F0}"/>
-              </a:ext>
-            </a:extLst>
-          </p:cNvPr>
-          <p:cNvSpPr>
-            <a:spLocks noGrp="1"/>
-          </p:cNvSpPr>
-          <p:nvPr>
-            <p:ph type="title"/>
-          </p:nvPr>
-        </p:nvSpPr>
-        <p:spPr/>
-        <p:txBody>
-          <a:bodyPr/>
-          <a:lstStyle/>
-          <a:p>
-            <a:r>
-              <a:rPr lang="en-US" b="1" dirty="0">
-                <a:solidFill>
-                  <a:srgbClr val="292D33"/>
-                </a:solidFill>
-                <a:latin typeface="Euclid Circular B" panose="020B0504000000000000" pitchFamily="34" charset="0"/>
-                <a:ea typeface="Euclid Circular B" panose="020B0504000000000000" pitchFamily="34" charset="0"/>
-              </a:rPr>
-              <a:t>Topic title</a:t>
-            </a:r>
-          </a:p>
-        </p:txBody>
-      </p:sp>
-      <p:sp>
-        <p:nvSpPr>
-          <p:cNvPr id="3" name="Content Placeholder 2">
-            <a:extLst>
-              <a:ext uri="{FF2B5EF4-FFF2-40B4-BE49-F238E27FC236}">
-                <a16:creationId xmlns:a16="http://schemas.microsoft.com/office/drawing/2014/main" id="{891C7693-D3DF-4635-96F4-97F3B4136FDF}"/>
-              </a:ext>
-            </a:extLst>
-          </p:cNvPr>
-          <p:cNvSpPr>
-            <a:spLocks noGrp="1"/>
-          </p:cNvSpPr>
-          <p:nvPr>
-            <p:ph idx="1"/>
-          </p:nvPr>
-        </p:nvSpPr>
-        <p:spPr/>
-        <p:txBody>
-          <a:bodyPr/>
-          <a:lstStyle/>
-          <a:p>
-            <a:r>
-              <a:rPr lang="en-US" dirty="0">
-                <a:latin typeface="Euclid Circular B" panose="020B0504000000000000" pitchFamily="34" charset="0"/>
-                <a:ea typeface="Euclid Circular B" panose="020B0504000000000000" pitchFamily="34" charset="0"/>
-              </a:rPr>
-              <a:t>Content</a:t>
-            </a:r>
-          </a:p>
-        </p:txBody>
-      </p:sp>
-    </p:spTree>
-    <p:extLst>
-      <p:ext uri="{BB962C8B-B14F-4D97-AF65-F5344CB8AC3E}">
-        <p14:creationId xmlns:p14="http://schemas.microsoft.com/office/powerpoint/2010/main" val="1785876477"/>
-      </p:ext>
-    </p:extLst>
-  </p:cSld>
-  <p:clrMapOvr>
-    <a:masterClrMapping/>
-  </p:clrMapOvr>
-</p:sld>
-</file>
-
-<file path=ppt/slides/slide34.xml><?xml version="1.0" encoding="utf-8"?>
-<p:sld xmlns:a="http://schemas.openxmlformats.org/drawingml/2006/main" xmlns:r="http://schemas.openxmlformats.org/officeDocument/2006/relationships" xmlns:p="http://schemas.openxmlformats.org/presentationml/2006/main">
-  <p:cSld>
-    <p:bg>
-      <p:bgPr>
-        <a:blipFill dpi="0" rotWithShape="1">
-          <a:blip r:embed="rId2">
-            <a:lum/>
-          </a:blip>
-          <a:srcRect/>
-          <a:stretch>
-            <a:fillRect/>
-          </a:stretch>
-        </a:blipFill>
-        <a:effectLst/>
-      </p:bgPr>
-    </p:bg>
-    <p:spTree>
-      <p:nvGrpSpPr>
-        <p:cNvPr id="1" name=""/>
-        <p:cNvGrpSpPr/>
-        <p:nvPr/>
-      </p:nvGrpSpPr>
-      <p:grpSpPr>
-        <a:xfrm>
-          <a:off x="0" y="0"/>
-          <a:ext cx="0" cy="0"/>
-          <a:chOff x="0" y="0"/>
-          <a:chExt cx="0" cy="0"/>
-        </a:xfrm>
-      </p:grpSpPr>
-      <p:sp>
-        <p:nvSpPr>
-          <p:cNvPr id="2" name="Title 1">
-            <a:extLst>
-              <a:ext uri="{FF2B5EF4-FFF2-40B4-BE49-F238E27FC236}">
-                <a16:creationId xmlns:a16="http://schemas.microsoft.com/office/drawing/2014/main" id="{55E11F08-6CA0-48F1-AD67-97430DDA07F0}"/>
-              </a:ext>
-            </a:extLst>
-          </p:cNvPr>
-          <p:cNvSpPr>
-            <a:spLocks noGrp="1"/>
-          </p:cNvSpPr>
-          <p:nvPr>
-            <p:ph type="title"/>
-          </p:nvPr>
-        </p:nvSpPr>
-        <p:spPr/>
-        <p:txBody>
-          <a:bodyPr/>
-          <a:lstStyle/>
-          <a:p>
-            <a:r>
-              <a:rPr lang="en-US" b="1" dirty="0">
-                <a:solidFill>
-                  <a:srgbClr val="292D33"/>
-                </a:solidFill>
-                <a:latin typeface="Euclid Circular B" panose="020B0504000000000000" pitchFamily="34" charset="0"/>
-                <a:ea typeface="Euclid Circular B" panose="020B0504000000000000" pitchFamily="34" charset="0"/>
-              </a:rPr>
-              <a:t>References</a:t>
-            </a:r>
-          </a:p>
-        </p:txBody>
-      </p:sp>
-      <p:sp>
-        <p:nvSpPr>
-          <p:cNvPr id="3" name="Content Placeholder 2">
-            <a:extLst>
-              <a:ext uri="{FF2B5EF4-FFF2-40B4-BE49-F238E27FC236}">
-                <a16:creationId xmlns:a16="http://schemas.microsoft.com/office/drawing/2014/main" id="{891C7693-D3DF-4635-96F4-97F3B4136FDF}"/>
-              </a:ext>
-            </a:extLst>
-          </p:cNvPr>
-          <p:cNvSpPr>
-            <a:spLocks noGrp="1"/>
-          </p:cNvSpPr>
-          <p:nvPr>
-            <p:ph idx="1"/>
-          </p:nvPr>
-        </p:nvSpPr>
-        <p:spPr/>
-        <p:txBody>
-          <a:bodyPr>
-            <a:normAutofit/>
-          </a:bodyPr>
-          <a:lstStyle/>
-          <a:p>
-            <a:r>
-              <a:rPr lang="en-US" sz="1600" dirty="0">
-                <a:latin typeface="Euclid Circular B" panose="020B0504000000000000" pitchFamily="34" charset="0"/>
-                <a:ea typeface="Euclid Circular B" panose="020B0504000000000000" pitchFamily="34" charset="0"/>
-              </a:rPr>
-              <a:t>Authorization in a Microservices World</a:t>
-            </a:r>
-            <a:br>
-              <a:rPr lang="en-US" sz="1600" dirty="0">
-                <a:latin typeface="Euclid Circular B" panose="020B0504000000000000" pitchFamily="34" charset="0"/>
-                <a:ea typeface="Euclid Circular B" panose="020B0504000000000000" pitchFamily="34" charset="0"/>
-              </a:rPr>
-            </a:br>
-            <a:r>
-              <a:rPr lang="en-US" sz="1400" dirty="0">
-                <a:latin typeface="Euclid Circular B" panose="020B0504000000000000" pitchFamily="34" charset="0"/>
-                <a:ea typeface="Euclid Circular B" panose="020B0504000000000000" pitchFamily="34" charset="0"/>
-                <a:hlinkClick r:id="rId3"/>
-              </a:rPr>
-              <a:t>https://www.alexanderlolis.com/authorization-in-a-microservices-world</a:t>
-            </a:r>
-            <a:r>
-              <a:rPr lang="en-US" sz="1400" dirty="0">
-                <a:latin typeface="Euclid Circular B" panose="020B0504000000000000" pitchFamily="34" charset="0"/>
-                <a:ea typeface="Euclid Circular B" panose="020B0504000000000000" pitchFamily="34" charset="0"/>
-              </a:rPr>
-              <a:t> </a:t>
-            </a:r>
-          </a:p>
-          <a:p>
-            <a:r>
-              <a:rPr lang="en-US" sz="1600" dirty="0">
-                <a:latin typeface="Euclid Circular B" panose="020B0504000000000000" pitchFamily="34" charset="0"/>
-                <a:ea typeface="Euclid Circular B" panose="020B0504000000000000" pitchFamily="34" charset="0"/>
-              </a:rPr>
-              <a:t>ABP Authorization</a:t>
-            </a:r>
-            <a:br>
-              <a:rPr lang="en-US" sz="1400" dirty="0">
-                <a:latin typeface="Euclid Circular B" panose="020B0504000000000000" pitchFamily="34" charset="0"/>
-                <a:ea typeface="Euclid Circular B" panose="020B0504000000000000" pitchFamily="34" charset="0"/>
-              </a:rPr>
-            </a:br>
-            <a:r>
-              <a:rPr lang="en-US" sz="1400" dirty="0">
-                <a:latin typeface="Euclid Circular B" panose="020B0504000000000000" pitchFamily="34" charset="0"/>
-                <a:ea typeface="Euclid Circular B" panose="020B0504000000000000" pitchFamily="34" charset="0"/>
-                <a:hlinkClick r:id="rId4"/>
-              </a:rPr>
-              <a:t>https://docs.abp.io/en/abp/latest/Authorization</a:t>
-            </a:r>
-            <a:endParaRPr lang="en-US" sz="1400" dirty="0">
-              <a:latin typeface="Euclid Circular B" panose="020B0504000000000000" pitchFamily="34" charset="0"/>
-              <a:ea typeface="Euclid Circular B" panose="020B0504000000000000" pitchFamily="34" charset="0"/>
-            </a:endParaRPr>
-          </a:p>
-          <a:p>
-            <a:r>
-              <a:rPr lang="en-US" sz="1600" dirty="0">
-                <a:latin typeface="Euclid Circular B" panose="020B0504000000000000" pitchFamily="34" charset="0"/>
-                <a:ea typeface="Euclid Circular B" panose="020B0504000000000000" pitchFamily="34" charset="0"/>
-              </a:rPr>
-              <a:t>ASP.NET Core Authorization</a:t>
-            </a:r>
-            <a:br>
-              <a:rPr lang="en-US" sz="1400" dirty="0">
-                <a:latin typeface="Euclid Circular B" panose="020B0504000000000000" pitchFamily="34" charset="0"/>
-                <a:ea typeface="Euclid Circular B" panose="020B0504000000000000" pitchFamily="34" charset="0"/>
-              </a:rPr>
-            </a:br>
-            <a:r>
-              <a:rPr lang="en-US" sz="1400" dirty="0">
-                <a:latin typeface="Euclid Circular B" panose="020B0504000000000000" pitchFamily="34" charset="0"/>
-                <a:ea typeface="Euclid Circular B" panose="020B0504000000000000" pitchFamily="34" charset="0"/>
-                <a:hlinkClick r:id="rId5"/>
-              </a:rPr>
-              <a:t>https://learn.microsoft.com/en-us/aspnet/core/security/authorization/introduction</a:t>
-            </a:r>
-            <a:r>
-              <a:rPr lang="en-US" sz="1400" dirty="0">
-                <a:latin typeface="Euclid Circular B" panose="020B0504000000000000" pitchFamily="34" charset="0"/>
-                <a:ea typeface="Euclid Circular B" panose="020B0504000000000000" pitchFamily="34" charset="0"/>
-              </a:rPr>
-              <a:t> </a:t>
-            </a:r>
-          </a:p>
-        </p:txBody>
-      </p:sp>
-    </p:spTree>
-    <p:extLst>
-      <p:ext uri="{BB962C8B-B14F-4D97-AF65-F5344CB8AC3E}">
-        <p14:creationId xmlns:p14="http://schemas.microsoft.com/office/powerpoint/2010/main" val="1625585404"/>
-      </p:ext>
-    </p:extLst>
-  </p:cSld>
-  <p:clrMapOvr>
-    <a:masterClrMapping/>
-  </p:clrMapOvr>
-</p:sld>
-</file>
-
-<file path=ppt/slides/slide4.xml><?xml version="1.0" encoding="utf-8"?>
+<file path=ppt/slides/slide5.xml><?xml version="1.0" encoding="utf-8"?>
 <p:sld xmlns:a="http://schemas.openxmlformats.org/drawingml/2006/main" xmlns:r="http://schemas.openxmlformats.org/officeDocument/2006/relationships" xmlns:p="http://schemas.openxmlformats.org/presentationml/2006/main">
   <p:cSld>
     <p:bg>
@@ -24150,133 +26904,6 @@
 </p:sld>
 </file>
 
-<file path=ppt/slides/slide5.xml><?xml version="1.0" encoding="utf-8"?>
-<p:sld xmlns:a="http://schemas.openxmlformats.org/drawingml/2006/main" xmlns:r="http://schemas.openxmlformats.org/officeDocument/2006/relationships" xmlns:p="http://schemas.openxmlformats.org/presentationml/2006/main">
-  <p:cSld>
-    <p:bg>
-      <p:bgPr>
-        <a:blipFill dpi="0" rotWithShape="1">
-          <a:blip r:embed="rId2">
-            <a:lum/>
-          </a:blip>
-          <a:srcRect/>
-          <a:stretch>
-            <a:fillRect/>
-          </a:stretch>
-        </a:blipFill>
-        <a:effectLst/>
-      </p:bgPr>
-    </p:bg>
-    <p:spTree>
-      <p:nvGrpSpPr>
-        <p:cNvPr id="1" name=""/>
-        <p:cNvGrpSpPr/>
-        <p:nvPr/>
-      </p:nvGrpSpPr>
-      <p:grpSpPr>
-        <a:xfrm>
-          <a:off x="0" y="0"/>
-          <a:ext cx="0" cy="0"/>
-          <a:chOff x="0" y="0"/>
-          <a:chExt cx="0" cy="0"/>
-        </a:xfrm>
-      </p:grpSpPr>
-      <p:sp>
-        <p:nvSpPr>
-          <p:cNvPr id="2" name="Title 1">
-            <a:extLst>
-              <a:ext uri="{FF2B5EF4-FFF2-40B4-BE49-F238E27FC236}">
-                <a16:creationId xmlns:a16="http://schemas.microsoft.com/office/drawing/2014/main" id="{55E11F08-6CA0-48F1-AD67-97430DDA07F0}"/>
-              </a:ext>
-            </a:extLst>
-          </p:cNvPr>
-          <p:cNvSpPr>
-            <a:spLocks noGrp="1"/>
-          </p:cNvSpPr>
-          <p:nvPr>
-            <p:ph type="title"/>
-          </p:nvPr>
-        </p:nvSpPr>
-        <p:spPr/>
-        <p:txBody>
-          <a:bodyPr/>
-          <a:lstStyle/>
-          <a:p>
-            <a:r>
-              <a:rPr lang="en-US" b="1" dirty="0">
-                <a:solidFill>
-                  <a:srgbClr val="292D33"/>
-                </a:solidFill>
-                <a:latin typeface="Euclid Circular B" panose="020B0504000000000000" pitchFamily="34" charset="0"/>
-                <a:ea typeface="Euclid Circular B" panose="020B0504000000000000" pitchFamily="34" charset="0"/>
-              </a:rPr>
-              <a:t>Authentication</a:t>
-            </a:r>
-            <a:br>
-              <a:rPr lang="en-US" b="1" dirty="0">
-                <a:solidFill>
-                  <a:srgbClr val="292D33"/>
-                </a:solidFill>
-                <a:latin typeface="Euclid Circular B" panose="020B0504000000000000" pitchFamily="34" charset="0"/>
-                <a:ea typeface="Euclid Circular B" panose="020B0504000000000000" pitchFamily="34" charset="0"/>
-              </a:rPr>
-            </a:br>
-            <a:r>
-              <a:rPr lang="en-US" sz="2800" b="1" dirty="0">
-                <a:solidFill>
-                  <a:srgbClr val="292D33"/>
-                </a:solidFill>
-                <a:latin typeface="Euclid Circular B" panose="020B0504000000000000" pitchFamily="34" charset="0"/>
-                <a:ea typeface="Euclid Circular B" panose="020B0504000000000000" pitchFamily="34" charset="0"/>
-              </a:rPr>
-              <a:t>Storing the Access Token</a:t>
-            </a:r>
-          </a:p>
-        </p:txBody>
-      </p:sp>
-      <p:pic>
-        <p:nvPicPr>
-          <p:cNvPr id="11" name="Picture 10">
-            <a:extLst>
-              <a:ext uri="{FF2B5EF4-FFF2-40B4-BE49-F238E27FC236}">
-                <a16:creationId xmlns:a16="http://schemas.microsoft.com/office/drawing/2014/main" id="{FFDD0938-ABF7-24B2-5AC1-909F4281BE60}"/>
-              </a:ext>
-            </a:extLst>
-          </p:cNvPr>
-          <p:cNvPicPr>
-            <a:picLocks noChangeAspect="1"/>
-          </p:cNvPicPr>
-          <p:nvPr/>
-        </p:nvPicPr>
-        <p:blipFill>
-          <a:blip r:embed="rId3"/>
-          <a:stretch>
-            <a:fillRect/>
-          </a:stretch>
-        </p:blipFill>
-        <p:spPr>
-          <a:xfrm>
-            <a:off x="838200" y="1684891"/>
-            <a:ext cx="8786567" cy="5071154"/>
-          </a:xfrm>
-          <a:prstGeom prst="rect">
-            <a:avLst/>
-          </a:prstGeom>
-        </p:spPr>
-      </p:pic>
-    </p:spTree>
-    <p:extLst>
-      <p:ext uri="{BB962C8B-B14F-4D97-AF65-F5344CB8AC3E}">
-        <p14:creationId xmlns:p14="http://schemas.microsoft.com/office/powerpoint/2010/main" val="1434243454"/>
-      </p:ext>
-    </p:extLst>
-  </p:cSld>
-  <p:clrMapOvr>
-    <a:masterClrMapping/>
-  </p:clrMapOvr>
-</p:sld>
-</file>
-
 <file path=ppt/slides/slide6.xml><?xml version="1.0" encoding="utf-8"?>
 <p:sld xmlns:a="http://schemas.openxmlformats.org/drawingml/2006/main" xmlns:r="http://schemas.openxmlformats.org/officeDocument/2006/relationships" xmlns:p="http://schemas.openxmlformats.org/presentationml/2006/main">
   <p:cSld>
@@ -24356,17 +26983,17 @@
                 <a:latin typeface="Euclid Circular B" panose="020B0504000000000000" pitchFamily="34" charset="0"/>
                 <a:ea typeface="Euclid Circular B" panose="020B0504000000000000" pitchFamily="34" charset="0"/>
               </a:rPr>
-              <a:t>The Access Token</a:t>
+              <a:t>Storing the Access Token</a:t>
             </a:r>
           </a:p>
         </p:txBody>
       </p:sp>
       <p:pic>
         <p:nvPicPr>
-          <p:cNvPr id="7" name="Picture 6">
+          <p:cNvPr id="11" name="Picture 10">
             <a:extLst>
               <a:ext uri="{FF2B5EF4-FFF2-40B4-BE49-F238E27FC236}">
-                <a16:creationId xmlns:a16="http://schemas.microsoft.com/office/drawing/2014/main" id="{C6CC06A5-F310-22BA-3908-2EC5F485C091}"/>
+                <a16:creationId xmlns:a16="http://schemas.microsoft.com/office/drawing/2014/main" id="{FFDD0938-ABF7-24B2-5AC1-909F4281BE60}"/>
               </a:ext>
             </a:extLst>
           </p:cNvPr>
@@ -24383,114 +27010,18 @@
         </p:blipFill>
         <p:spPr>
           <a:xfrm>
-            <a:off x="838201" y="1660640"/>
-            <a:ext cx="5697772" cy="5053090"/>
+            <a:off x="838200" y="1684891"/>
+            <a:ext cx="8786567" cy="5071154"/>
           </a:xfrm>
           <a:prstGeom prst="rect">
             <a:avLst/>
           </a:prstGeom>
         </p:spPr>
       </p:pic>
-      <p:sp>
-        <p:nvSpPr>
-          <p:cNvPr id="8" name="Content Placeholder 2">
-            <a:extLst>
-              <a:ext uri="{FF2B5EF4-FFF2-40B4-BE49-F238E27FC236}">
-                <a16:creationId xmlns:a16="http://schemas.microsoft.com/office/drawing/2014/main" id="{EEFE9612-7D2A-5AA3-8199-1B365016F923}"/>
-              </a:ext>
-            </a:extLst>
-          </p:cNvPr>
-          <p:cNvSpPr>
-            <a:spLocks noGrp="1"/>
-          </p:cNvSpPr>
-          <p:nvPr>
-            <p:ph idx="1"/>
-          </p:nvPr>
-        </p:nvSpPr>
-        <p:spPr>
-          <a:xfrm>
-            <a:off x="6854024" y="1825625"/>
-            <a:ext cx="4499776" cy="4351338"/>
-          </a:xfrm>
-        </p:spPr>
-        <p:txBody>
-          <a:bodyPr/>
-          <a:lstStyle/>
-          <a:p>
-            <a:r>
-              <a:rPr lang="en-US" dirty="0">
-                <a:latin typeface="Euclid Circular B" panose="020B0504000000000000" pitchFamily="34" charset="0"/>
-                <a:ea typeface="Euclid Circular B" panose="020B0504000000000000" pitchFamily="34" charset="0"/>
-              </a:rPr>
-              <a:t>Standard claims</a:t>
-            </a:r>
-          </a:p>
-          <a:p>
-            <a:pPr lvl="1"/>
-            <a:r>
-              <a:rPr lang="en-US" b="1" dirty="0">
-                <a:latin typeface="Euclid Circular B" panose="020B0504000000000000" pitchFamily="34" charset="0"/>
-                <a:ea typeface="Euclid Circular B" panose="020B0504000000000000" pitchFamily="34" charset="0"/>
-              </a:rPr>
-              <a:t>Sub</a:t>
-            </a:r>
-            <a:r>
-              <a:rPr lang="en-US" dirty="0">
-                <a:latin typeface="Euclid Circular B" panose="020B0504000000000000" pitchFamily="34" charset="0"/>
-                <a:ea typeface="Euclid Circular B" panose="020B0504000000000000" pitchFamily="34" charset="0"/>
-              </a:rPr>
-              <a:t>: User Id</a:t>
-            </a:r>
-          </a:p>
-          <a:p>
-            <a:pPr lvl="1"/>
-            <a:r>
-              <a:rPr lang="en-US" b="1" dirty="0">
-                <a:latin typeface="Euclid Circular B" panose="020B0504000000000000" pitchFamily="34" charset="0"/>
-                <a:ea typeface="Euclid Circular B" panose="020B0504000000000000" pitchFamily="34" charset="0"/>
-              </a:rPr>
-              <a:t>Role</a:t>
-            </a:r>
-            <a:r>
-              <a:rPr lang="en-US" dirty="0">
-                <a:latin typeface="Euclid Circular B" panose="020B0504000000000000" pitchFamily="34" charset="0"/>
-                <a:ea typeface="Euclid Circular B" panose="020B0504000000000000" pitchFamily="34" charset="0"/>
-              </a:rPr>
-              <a:t>: Roles of the user</a:t>
-            </a:r>
-          </a:p>
-          <a:p>
-            <a:pPr lvl="1"/>
-            <a:r>
-              <a:rPr lang="en-US" b="1" dirty="0">
-                <a:latin typeface="Euclid Circular B" panose="020B0504000000000000" pitchFamily="34" charset="0"/>
-                <a:ea typeface="Euclid Circular B" panose="020B0504000000000000" pitchFamily="34" charset="0"/>
-              </a:rPr>
-              <a:t>Scope</a:t>
-            </a:r>
-            <a:r>
-              <a:rPr lang="en-US" dirty="0">
-                <a:latin typeface="Euclid Circular B" panose="020B0504000000000000" pitchFamily="34" charset="0"/>
-                <a:ea typeface="Euclid Circular B" panose="020B0504000000000000" pitchFamily="34" charset="0"/>
-              </a:rPr>
-              <a:t>: Allowed scopes</a:t>
-            </a:r>
-          </a:p>
-          <a:p>
-            <a:r>
-              <a:rPr lang="en-US" dirty="0">
-                <a:latin typeface="Euclid Circular B" panose="020B0504000000000000" pitchFamily="34" charset="0"/>
-                <a:ea typeface="Euclid Circular B" panose="020B0504000000000000" pitchFamily="34" charset="0"/>
-              </a:rPr>
-              <a:t>And your custom claims</a:t>
-            </a:r>
-          </a:p>
-        </p:txBody>
-      </p:sp>
     </p:spTree>
     <p:extLst>
       <p:ext uri="{BB962C8B-B14F-4D97-AF65-F5344CB8AC3E}">
-        <p14:creationId xmlns:p14="http://schemas.microsoft.com/office/powerpoint/2010/main" val="988821688"/>
+        <p14:creationId xmlns:p14="http://schemas.microsoft.com/office/powerpoint/2010/main" val="1434243454"/>
       </p:ext>
     </p:extLst>
   </p:cSld>
@@ -24560,17 +27091,66 @@
                 <a:latin typeface="Euclid Circular B" panose="020B0504000000000000" pitchFamily="34" charset="0"/>
                 <a:ea typeface="Euclid Circular B" panose="020B0504000000000000" pitchFamily="34" charset="0"/>
               </a:rPr>
-              <a:t>Authorization Types</a:t>
+              <a:t>Authentication</a:t>
+            </a:r>
+            <a:br>
+              <a:rPr lang="en-US" b="1" dirty="0">
+                <a:solidFill>
+                  <a:srgbClr val="292D33"/>
+                </a:solidFill>
+                <a:latin typeface="Euclid Circular B" panose="020B0504000000000000" pitchFamily="34" charset="0"/>
+                <a:ea typeface="Euclid Circular B" panose="020B0504000000000000" pitchFamily="34" charset="0"/>
+              </a:rPr>
+            </a:br>
+            <a:r>
+              <a:rPr lang="en-US" sz="2800" b="1" dirty="0">
+                <a:solidFill>
+                  <a:srgbClr val="292D33"/>
+                </a:solidFill>
+                <a:latin typeface="Euclid Circular B" panose="020B0504000000000000" pitchFamily="34" charset="0"/>
+                <a:ea typeface="Euclid Circular B" panose="020B0504000000000000" pitchFamily="34" charset="0"/>
+              </a:rPr>
+              <a:t>The Access Token</a:t>
             </a:r>
           </a:p>
         </p:txBody>
       </p:sp>
+      <p:pic>
+        <p:nvPicPr>
+          <p:cNvPr id="7" name="Picture 6">
+            <a:extLst>
+              <a:ext uri="{FF2B5EF4-FFF2-40B4-BE49-F238E27FC236}">
+                <a16:creationId xmlns:a16="http://schemas.microsoft.com/office/drawing/2014/main" id="{C6CC06A5-F310-22BA-3908-2EC5F485C091}"/>
+              </a:ext>
+            </a:extLst>
+          </p:cNvPr>
+          <p:cNvPicPr>
+            <a:picLocks noChangeAspect="1"/>
+          </p:cNvPicPr>
+          <p:nvPr/>
+        </p:nvPicPr>
+        <p:blipFill>
+          <a:blip r:embed="rId3"/>
+          <a:stretch>
+            <a:fillRect/>
+          </a:stretch>
+        </p:blipFill>
+        <p:spPr>
+          <a:xfrm>
+            <a:off x="838201" y="1660640"/>
+            <a:ext cx="5697772" cy="5053090"/>
+          </a:xfrm>
+          <a:prstGeom prst="rect">
+            <a:avLst/>
+          </a:prstGeom>
+        </p:spPr>
+      </p:pic>
       <p:sp>
         <p:nvSpPr>
-          <p:cNvPr id="3" name="Content Placeholder 2">
+          <p:cNvPr id="8" name="Content Placeholder 2">
             <a:extLst>
               <a:ext uri="{FF2B5EF4-FFF2-40B4-BE49-F238E27FC236}">
-                <a16:creationId xmlns:a16="http://schemas.microsoft.com/office/drawing/2014/main" id="{891C7693-D3DF-4635-96F4-97F3B4136FDF}"/>
+                <a16:creationId xmlns:a16="http://schemas.microsoft.com/office/drawing/2014/main" id="{EEFE9612-7D2A-5AA3-8199-1B365016F923}"/>
               </a:ext>
             </a:extLst>
           </p:cNvPr>
@@ -24581,102 +27161,82 @@
             <p:ph idx="1"/>
           </p:nvPr>
         </p:nvSpPr>
-        <p:spPr/>
+        <p:spPr>
+          <a:xfrm>
+            <a:off x="6854024" y="1825625"/>
+            <a:ext cx="4499776" cy="4351338"/>
+          </a:xfrm>
+        </p:spPr>
         <p:txBody>
           <a:bodyPr/>
           <a:lstStyle/>
           <a:p>
             <a:r>
+              <a:rPr lang="en-US" dirty="0">
+                <a:latin typeface="Euclid Circular B" panose="020B0504000000000000" pitchFamily="34" charset="0"/>
+                <a:ea typeface="Euclid Circular B" panose="020B0504000000000000" pitchFamily="34" charset="0"/>
+              </a:rPr>
+              <a:t>Standard claims</a:t>
+            </a:r>
+          </a:p>
+          <a:p>
+            <a:pPr lvl="1"/>
+            <a:r>
               <a:rPr lang="en-US" b="1" dirty="0">
                 <a:latin typeface="Euclid Circular B" panose="020B0504000000000000" pitchFamily="34" charset="0"/>
                 <a:ea typeface="Euclid Circular B" panose="020B0504000000000000" pitchFamily="34" charset="0"/>
               </a:rPr>
-              <a:t>Claims</a:t>
+              <a:t>Sub</a:t>
             </a:r>
             <a:r>
               <a:rPr lang="en-US" dirty="0">
                 <a:latin typeface="Euclid Circular B" panose="020B0504000000000000" pitchFamily="34" charset="0"/>
                 <a:ea typeface="Euclid Circular B" panose="020B0504000000000000" pitchFamily="34" charset="0"/>
               </a:rPr>
-              <a:t> based</a:t>
-            </a:r>
-          </a:p>
-          <a:p>
+              <a:t>: User Id</a:t>
+            </a:r>
+          </a:p>
+          <a:p>
+            <a:pPr lvl="1"/>
             <a:r>
               <a:rPr lang="en-US" b="1" dirty="0">
                 <a:latin typeface="Euclid Circular B" panose="020B0504000000000000" pitchFamily="34" charset="0"/>
                 <a:ea typeface="Euclid Circular B" panose="020B0504000000000000" pitchFamily="34" charset="0"/>
               </a:rPr>
-              <a:t>On/off </a:t>
+              <a:t>Role</a:t>
             </a:r>
             <a:r>
               <a:rPr lang="en-US" dirty="0">
                 <a:latin typeface="Euclid Circular B" panose="020B0504000000000000" pitchFamily="34" charset="0"/>
                 <a:ea typeface="Euclid Circular B" panose="020B0504000000000000" pitchFamily="34" charset="0"/>
               </a:rPr>
-              <a:t>style permissions (typically user and role based)</a:t>
+              <a:t>: Roles of the user</a:t>
             </a:r>
           </a:p>
           <a:p>
             <a:pPr lvl="1"/>
             <a:r>
+              <a:rPr lang="en-US" b="1" dirty="0">
+                <a:latin typeface="Euclid Circular B" panose="020B0504000000000000" pitchFamily="34" charset="0"/>
+                <a:ea typeface="Euclid Circular B" panose="020B0504000000000000" pitchFamily="34" charset="0"/>
+              </a:rPr>
+              <a:t>Scope</a:t>
+            </a:r>
+            <a:r>
               <a:rPr lang="en-US" dirty="0">
                 <a:latin typeface="Euclid Circular B" panose="020B0504000000000000" pitchFamily="34" charset="0"/>
                 <a:ea typeface="Euclid Circular B" panose="020B0504000000000000" pitchFamily="34" charset="0"/>
               </a:rPr>
-              <a:t>Check a permission database</a:t>
-            </a:r>
-          </a:p>
-          <a:p>
-            <a:r>
-              <a:rPr lang="en-US" b="1" dirty="0">
-                <a:latin typeface="Euclid Circular B" panose="020B0504000000000000" pitchFamily="34" charset="0"/>
-                <a:ea typeface="Euclid Circular B" panose="020B0504000000000000" pitchFamily="34" charset="0"/>
-              </a:rPr>
-              <a:t>Custom </a:t>
-            </a:r>
+              <a:t>: Allowed scopes</a:t>
+            </a:r>
+          </a:p>
+          <a:p>
             <a:r>
               <a:rPr lang="en-US" dirty="0">
                 <a:latin typeface="Euclid Circular B" panose="020B0504000000000000" pitchFamily="34" charset="0"/>
                 <a:ea typeface="Euclid Circular B" panose="020B0504000000000000" pitchFamily="34" charset="0"/>
               </a:rPr>
-              <a:t>policies</a:t>
-            </a:r>
-          </a:p>
-          <a:p>
-            <a:pPr lvl="1"/>
-            <a:r>
-              <a:rPr lang="en-US" dirty="0">
-                <a:latin typeface="Euclid Circular B" panose="020B0504000000000000" pitchFamily="34" charset="0"/>
-                <a:ea typeface="Euclid Circular B" panose="020B0504000000000000" pitchFamily="34" charset="0"/>
-              </a:rPr>
-              <a:t>Check permission database &amp; apply custom logic</a:t>
-            </a:r>
-          </a:p>
-          <a:p>
-            <a:r>
-              <a:rPr lang="en-US" b="1" dirty="0">
-                <a:latin typeface="Euclid Circular B" panose="020B0504000000000000" pitchFamily="34" charset="0"/>
-                <a:ea typeface="Euclid Circular B" panose="020B0504000000000000" pitchFamily="34" charset="0"/>
-              </a:rPr>
-              <a:t>Resource </a:t>
-            </a:r>
-            <a:r>
-              <a:rPr lang="en-US" dirty="0">
-                <a:latin typeface="Euclid Circular B" panose="020B0504000000000000" pitchFamily="34" charset="0"/>
-                <a:ea typeface="Euclid Circular B" panose="020B0504000000000000" pitchFamily="34" charset="0"/>
-              </a:rPr>
-              <a:t>based</a:t>
-            </a:r>
-          </a:p>
-          <a:p>
-            <a:pPr lvl="1"/>
-            <a:r>
-              <a:rPr lang="en-US" dirty="0">
-                <a:latin typeface="Euclid Circular B" panose="020B0504000000000000" pitchFamily="34" charset="0"/>
-                <a:ea typeface="Euclid Circular B" panose="020B0504000000000000" pitchFamily="34" charset="0"/>
-              </a:rPr>
-              <a:t>Check permission database &amp; apply custom logic based on the requested resource</a:t>
+              <a:t>And your custom claims</a:t>
             </a:r>
           </a:p>
         </p:txBody>
@@ -24684,416 +27244,13 @@
     </p:spTree>
     <p:extLst>
       <p:ext uri="{BB962C8B-B14F-4D97-AF65-F5344CB8AC3E}">
-        <p14:creationId xmlns:p14="http://schemas.microsoft.com/office/powerpoint/2010/main" val="2135019387"/>
+        <p14:creationId xmlns:p14="http://schemas.microsoft.com/office/powerpoint/2010/main" val="988821688"/>
       </p:ext>
     </p:extLst>
   </p:cSld>
   <p:clrMapOvr>
     <a:masterClrMapping/>
   </p:clrMapOvr>
-  <p:timing>
-    <p:tnLst>
-      <p:par>
-        <p:cTn id="1" dur="indefinite" restart="never" nodeType="tmRoot">
-          <p:childTnLst>
-            <p:seq concurrent="1" nextAc="seek">
-              <p:cTn id="2" dur="indefinite" nodeType="mainSeq">
-                <p:childTnLst>
-                  <p:par>
-                    <p:cTn id="3" fill="hold">
-                      <p:stCondLst>
-                        <p:cond delay="indefinite"/>
-                      </p:stCondLst>
-                      <p:childTnLst>
-                        <p:par>
-                          <p:cTn id="4" fill="hold">
-                            <p:stCondLst>
-                              <p:cond delay="0"/>
-                            </p:stCondLst>
-                            <p:childTnLst>
-                              <p:par>
-                                <p:cTn id="5" presetID="10" presetClass="entr" presetSubtype="0" fill="hold" nodeType="clickEffect">
-                                  <p:stCondLst>
-                                    <p:cond delay="0"/>
-                                  </p:stCondLst>
-                                  <p:childTnLst>
-                                    <p:set>
-                                      <p:cBhvr>
-                                        <p:cTn id="6" dur="1" fill="hold">
-                                          <p:stCondLst>
-                                            <p:cond delay="0"/>
-                                          </p:stCondLst>
-                                        </p:cTn>
-                                        <p:tgtEl>
-                                          <p:spTgt spid="3">
-                                            <p:txEl>
-                                              <p:pRg st="0" end="0"/>
-                                            </p:txEl>
-                                          </p:spTgt>
-                                        </p:tgtEl>
-                                        <p:attrNameLst>
-                                          <p:attrName>style.visibility</p:attrName>
-                                        </p:attrNameLst>
-                                      </p:cBhvr>
-                                      <p:to>
-                                        <p:strVal val="visible"/>
-                                      </p:to>
-                                    </p:set>
-                                    <p:animEffect transition="in" filter="fade">
-                                      <p:cBhvr>
-                                        <p:cTn id="7" dur="500"/>
-                                        <p:tgtEl>
-                                          <p:spTgt spid="3">
-                                            <p:txEl>
-                                              <p:pRg st="0" end="0"/>
-                                            </p:txEl>
-                                          </p:spTgt>
-                                        </p:tgtEl>
-                                      </p:cBhvr>
-                                    </p:animEffect>
-                                  </p:childTnLst>
-                                </p:cTn>
-                              </p:par>
-                            </p:childTnLst>
-                          </p:cTn>
-                        </p:par>
-                      </p:childTnLst>
-                    </p:cTn>
-                  </p:par>
-                  <p:par>
-                    <p:cTn id="8" fill="hold">
-                      <p:stCondLst>
-                        <p:cond delay="indefinite"/>
-                      </p:stCondLst>
-                      <p:childTnLst>
-                        <p:par>
-                          <p:cTn id="9" fill="hold">
-                            <p:stCondLst>
-                              <p:cond delay="0"/>
-                            </p:stCondLst>
-                            <p:childTnLst>
-                              <p:par>
-                                <p:cTn id="10" presetID="10" presetClass="entr" presetSubtype="0" fill="hold" nodeType="clickEffect">
-                                  <p:stCondLst>
-                                    <p:cond delay="0"/>
-                                  </p:stCondLst>
-                                  <p:childTnLst>
-                                    <p:set>
-                                      <p:cBhvr>
-                                        <p:cTn id="11" dur="1" fill="hold">
-                                          <p:stCondLst>
-                                            <p:cond delay="0"/>
-                                          </p:stCondLst>
-                                        </p:cTn>
-                                        <p:tgtEl>
-                                          <p:spTgt spid="3">
-                                            <p:txEl>
-                                              <p:pRg st="1" end="1"/>
-                                            </p:txEl>
-                                          </p:spTgt>
-                                        </p:tgtEl>
-                                        <p:attrNameLst>
-                                          <p:attrName>style.visibility</p:attrName>
-                                        </p:attrNameLst>
-                                      </p:cBhvr>
-                                      <p:to>
-                                        <p:strVal val="visible"/>
-                                      </p:to>
-                                    </p:set>
-                                    <p:animEffect transition="in" filter="fade">
-                                      <p:cBhvr>
-                                        <p:cTn id="12" dur="500"/>
-                                        <p:tgtEl>
-                                          <p:spTgt spid="3">
-                                            <p:txEl>
-                                              <p:pRg st="1" end="1"/>
-                                            </p:txEl>
-                                          </p:spTgt>
-                                        </p:tgtEl>
-                                      </p:cBhvr>
-                                    </p:animEffect>
-                                  </p:childTnLst>
-                                </p:cTn>
-                              </p:par>
-                              <p:par>
-                                <p:cTn id="13" presetID="10" presetClass="entr" presetSubtype="0" fill="hold" nodeType="withEffect">
-                                  <p:stCondLst>
-                                    <p:cond delay="0"/>
-                                  </p:stCondLst>
-                                  <p:childTnLst>
-                                    <p:set>
-                                      <p:cBhvr>
-                                        <p:cTn id="14" dur="1" fill="hold">
-                                          <p:stCondLst>
-                                            <p:cond delay="0"/>
-                                          </p:stCondLst>
-                                        </p:cTn>
-                                        <p:tgtEl>
-                                          <p:spTgt spid="3">
-                                            <p:txEl>
-                                              <p:pRg st="2" end="2"/>
-                                            </p:txEl>
-                                          </p:spTgt>
-                                        </p:tgtEl>
-                                        <p:attrNameLst>
-                                          <p:attrName>style.visibility</p:attrName>
-                                        </p:attrNameLst>
-                                      </p:cBhvr>
-                                      <p:to>
-                                        <p:strVal val="visible"/>
-                                      </p:to>
-                                    </p:set>
-                                    <p:animEffect transition="in" filter="fade">
-                                      <p:cBhvr>
-                                        <p:cTn id="15" dur="500"/>
-                                        <p:tgtEl>
-                                          <p:spTgt spid="3">
-                                            <p:txEl>
-                                              <p:pRg st="2" end="2"/>
-                                            </p:txEl>
-                                          </p:spTgt>
-                                        </p:tgtEl>
-                                      </p:cBhvr>
-                                    </p:animEffect>
-                                  </p:childTnLst>
-                                </p:cTn>
-                              </p:par>
-                            </p:childTnLst>
-                          </p:cTn>
-                        </p:par>
-                      </p:childTnLst>
-                    </p:cTn>
-                  </p:par>
-                  <p:par>
-                    <p:cTn id="16" fill="hold">
-                      <p:stCondLst>
-                        <p:cond delay="indefinite"/>
-                      </p:stCondLst>
-                      <p:childTnLst>
-                        <p:par>
-                          <p:cTn id="17" fill="hold">
-                            <p:stCondLst>
-                              <p:cond delay="0"/>
-                            </p:stCondLst>
-                            <p:childTnLst>
-                              <p:par>
-                                <p:cTn id="18" presetID="10" presetClass="entr" presetSubtype="0" fill="hold" nodeType="clickEffect">
-                                  <p:stCondLst>
-                                    <p:cond delay="0"/>
-                                  </p:stCondLst>
-                                  <p:childTnLst>
-                                    <p:set>
-                                      <p:cBhvr>
-                                        <p:cTn id="19" dur="1" fill="hold">
-                                          <p:stCondLst>
-                                            <p:cond delay="0"/>
-                                          </p:stCondLst>
-                                        </p:cTn>
-                                        <p:tgtEl>
-                                          <p:spTgt spid="3">
-                                            <p:txEl>
-                                              <p:pRg st="3" end="3"/>
-                                            </p:txEl>
-                                          </p:spTgt>
-                                        </p:tgtEl>
-                                        <p:attrNameLst>
-                                          <p:attrName>style.visibility</p:attrName>
-                                        </p:attrNameLst>
-                                      </p:cBhvr>
-                                      <p:to>
-                                        <p:strVal val="visible"/>
-                                      </p:to>
-                                    </p:set>
-                                    <p:animEffect transition="in" filter="fade">
-                                      <p:cBhvr>
-                                        <p:cTn id="20" dur="500"/>
-                                        <p:tgtEl>
-                                          <p:spTgt spid="3">
-                                            <p:txEl>
-                                              <p:pRg st="3" end="3"/>
-                                            </p:txEl>
-                                          </p:spTgt>
-                                        </p:tgtEl>
-                                      </p:cBhvr>
-                                    </p:animEffect>
-                                  </p:childTnLst>
-                                </p:cTn>
-                              </p:par>
-                              <p:par>
-                                <p:cTn id="21" presetID="10" presetClass="entr" presetSubtype="0" fill="hold" nodeType="withEffect">
-                                  <p:stCondLst>
-                                    <p:cond delay="0"/>
-                                  </p:stCondLst>
-                                  <p:childTnLst>
-                                    <p:set>
-                                      <p:cBhvr>
-                                        <p:cTn id="22" dur="1" fill="hold">
-                                          <p:stCondLst>
-                                            <p:cond delay="0"/>
-                                          </p:stCondLst>
-                                        </p:cTn>
-                                        <p:tgtEl>
-                                          <p:spTgt spid="3">
-                                            <p:txEl>
-                                              <p:pRg st="4" end="4"/>
-                                            </p:txEl>
-                                          </p:spTgt>
-                                        </p:tgtEl>
-                                        <p:attrNameLst>
-                                          <p:attrName>style.visibility</p:attrName>
-                                        </p:attrNameLst>
-                                      </p:cBhvr>
-                                      <p:to>
-                                        <p:strVal val="visible"/>
-                                      </p:to>
-                                    </p:set>
-                                    <p:animEffect transition="in" filter="fade">
-                                      <p:cBhvr>
-                                        <p:cTn id="23" dur="500"/>
-                                        <p:tgtEl>
-                                          <p:spTgt spid="3">
-                                            <p:txEl>
-                                              <p:pRg st="4" end="4"/>
-                                            </p:txEl>
-                                          </p:spTgt>
-                                        </p:tgtEl>
-                                      </p:cBhvr>
-                                    </p:animEffect>
-                                  </p:childTnLst>
-                                </p:cTn>
-                              </p:par>
-                            </p:childTnLst>
-                          </p:cTn>
-                        </p:par>
-                      </p:childTnLst>
-                    </p:cTn>
-                  </p:par>
-                  <p:par>
-                    <p:cTn id="24" fill="hold">
-                      <p:stCondLst>
-                        <p:cond delay="indefinite"/>
-                      </p:stCondLst>
-                      <p:childTnLst>
-                        <p:par>
-                          <p:cTn id="25" fill="hold">
-                            <p:stCondLst>
-                              <p:cond delay="0"/>
-                            </p:stCondLst>
-                            <p:childTnLst>
-                              <p:par>
-                                <p:cTn id="26" presetID="10" presetClass="entr" presetSubtype="0" fill="hold" nodeType="clickEffect">
-                                  <p:stCondLst>
-                                    <p:cond delay="0"/>
-                                  </p:stCondLst>
-                                  <p:childTnLst>
-                                    <p:set>
-                                      <p:cBhvr>
-                                        <p:cTn id="27" dur="1" fill="hold">
-                                          <p:stCondLst>
-                                            <p:cond delay="0"/>
-                                          </p:stCondLst>
-                                        </p:cTn>
-                                        <p:tgtEl>
-                                          <p:spTgt spid="3">
-                                            <p:txEl>
-                                              <p:pRg st="5" end="5"/>
-                                            </p:txEl>
-                                          </p:spTgt>
-                                        </p:tgtEl>
-                                        <p:attrNameLst>
-                                          <p:attrName>style.visibility</p:attrName>
-                                        </p:attrNameLst>
-                                      </p:cBhvr>
-                                      <p:to>
-                                        <p:strVal val="visible"/>
-                                      </p:to>
-                                    </p:set>
-                                    <p:animEffect transition="in" filter="fade">
-                                      <p:cBhvr>
-                                        <p:cTn id="28" dur="500"/>
-                                        <p:tgtEl>
-                                          <p:spTgt spid="3">
-                                            <p:txEl>
-                                              <p:pRg st="5" end="5"/>
-                                            </p:txEl>
-                                          </p:spTgt>
-                                        </p:tgtEl>
-                                      </p:cBhvr>
-                                    </p:animEffect>
-                                  </p:childTnLst>
-                                </p:cTn>
-                              </p:par>
-                              <p:par>
-                                <p:cTn id="29" presetID="10" presetClass="entr" presetSubtype="0" fill="hold" nodeType="withEffect">
-                                  <p:stCondLst>
-                                    <p:cond delay="0"/>
-                                  </p:stCondLst>
-                                  <p:childTnLst>
-                                    <p:set>
-                                      <p:cBhvr>
-                                        <p:cTn id="30" dur="1" fill="hold">
-                                          <p:stCondLst>
-                                            <p:cond delay="0"/>
-                                          </p:stCondLst>
-                                        </p:cTn>
-                                        <p:tgtEl>
-                                          <p:spTgt spid="3">
-                                            <p:txEl>
-                                              <p:pRg st="6" end="6"/>
-                                            </p:txEl>
-                                          </p:spTgt>
-                                        </p:tgtEl>
-                                        <p:attrNameLst>
-                                          <p:attrName>style.visibility</p:attrName>
-                                        </p:attrNameLst>
-                                      </p:cBhvr>
-                                      <p:to>
-                                        <p:strVal val="visible"/>
-                                      </p:to>
-                                    </p:set>
-                                    <p:animEffect transition="in" filter="fade">
-                                      <p:cBhvr>
-                                        <p:cTn id="31" dur="500"/>
-                                        <p:tgtEl>
-                                          <p:spTgt spid="3">
-                                            <p:txEl>
-                                              <p:pRg st="6" end="6"/>
-                                            </p:txEl>
-                                          </p:spTgt>
-                                        </p:tgtEl>
-                                      </p:cBhvr>
-                                    </p:animEffect>
-                                  </p:childTnLst>
-                                </p:cTn>
-                              </p:par>
-                            </p:childTnLst>
-                          </p:cTn>
-                        </p:par>
-                      </p:childTnLst>
-                    </p:cTn>
-                  </p:par>
-                </p:childTnLst>
-              </p:cTn>
-              <p:prevCondLst>
-                <p:cond evt="onPrev" delay="0">
-                  <p:tgtEl>
-                    <p:sldTgt/>
-                  </p:tgtEl>
-                </p:cond>
-              </p:prevCondLst>
-              <p:nextCondLst>
-                <p:cond evt="onNext" delay="0">
-                  <p:tgtEl>
-                    <p:sldTgt/>
-                  </p:tgtEl>
-                </p:cond>
-              </p:nextCondLst>
-            </p:seq>
-          </p:childTnLst>
-        </p:cTn>
-      </p:par>
-    </p:tnLst>
-  </p:timing>
 </p:sld>
 </file>
 
@@ -25157,26 +27314,7 @@
                 <a:latin typeface="Euclid Circular B" panose="020B0504000000000000" pitchFamily="34" charset="0"/>
                 <a:ea typeface="Euclid Circular B" panose="020B0504000000000000" pitchFamily="34" charset="0"/>
               </a:rPr>
-              <a:t>Authorization</a:t>
-            </a:r>
-            <a:br>
-              <a:rPr lang="en-US" b="1" dirty="0">
-                <a:solidFill>
-                  <a:srgbClr val="292D33"/>
-                </a:solidFill>
-                <a:latin typeface="Euclid Circular B" panose="020B0504000000000000" pitchFamily="34" charset="0"/>
-                <a:ea typeface="Euclid Circular B" panose="020B0504000000000000" pitchFamily="34" charset="0"/>
-              </a:rPr>
-            </a:br>
-            <a:r>
-              <a:rPr lang="en-US" sz="2800" b="1" dirty="0">
-                <a:solidFill>
-                  <a:srgbClr val="292D33"/>
-                </a:solidFill>
-                <a:latin typeface="Euclid Circular B" panose="020B0504000000000000" pitchFamily="34" charset="0"/>
-                <a:ea typeface="Euclid Circular B" panose="020B0504000000000000" pitchFamily="34" charset="0"/>
-              </a:rPr>
-              <a:t>Resource based policy</a:t>
+              <a:t>Authorization Types</a:t>
             </a:r>
           </a:p>
         </p:txBody>
@@ -25203,245 +27341,96 @@
           <a:lstStyle/>
           <a:p>
             <a:r>
+              <a:rPr lang="en-US" b="1" dirty="0">
+                <a:latin typeface="Euclid Circular B" panose="020B0504000000000000" pitchFamily="34" charset="0"/>
+                <a:ea typeface="Euclid Circular B" panose="020B0504000000000000" pitchFamily="34" charset="0"/>
+              </a:rPr>
+              <a:t>Claims</a:t>
+            </a:r>
+            <a:r>
               <a:rPr lang="en-US" dirty="0">
                 <a:latin typeface="Euclid Circular B" panose="020B0504000000000000" pitchFamily="34" charset="0"/>
                 <a:ea typeface="Euclid Circular B" panose="020B0504000000000000" pitchFamily="34" charset="0"/>
               </a:rPr>
-              <a:t>Can a </a:t>
-            </a:r>
+              <a:t> based</a:t>
+            </a:r>
+          </a:p>
+          <a:p>
             <a:r>
               <a:rPr lang="en-US" b="1" dirty="0">
                 <a:latin typeface="Euclid Circular B" panose="020B0504000000000000" pitchFamily="34" charset="0"/>
                 <a:ea typeface="Euclid Circular B" panose="020B0504000000000000" pitchFamily="34" charset="0"/>
               </a:rPr>
-              <a:t>user or client </a:t>
+              <a:t>On/off </a:t>
             </a:r>
             <a:r>
               <a:rPr lang="en-US" dirty="0">
                 <a:latin typeface="Euclid Circular B" panose="020B0504000000000000" pitchFamily="34" charset="0"/>
                 <a:ea typeface="Euclid Circular B" panose="020B0504000000000000" pitchFamily="34" charset="0"/>
               </a:rPr>
-              <a:t>X do an </a:t>
-            </a:r>
+              <a:t>style permissions (typically user and role based)</a:t>
+            </a:r>
+          </a:p>
+          <a:p>
+            <a:pPr lvl="1"/>
+            <a:r>
+              <a:rPr lang="en-US" dirty="0">
+                <a:latin typeface="Euclid Circular B" panose="020B0504000000000000" pitchFamily="34" charset="0"/>
+                <a:ea typeface="Euclid Circular B" panose="020B0504000000000000" pitchFamily="34" charset="0"/>
+              </a:rPr>
+              <a:t>Check a permission database</a:t>
+            </a:r>
+          </a:p>
+          <a:p>
             <a:r>
               <a:rPr lang="en-US" b="1" dirty="0">
                 <a:latin typeface="Euclid Circular B" panose="020B0504000000000000" pitchFamily="34" charset="0"/>
                 <a:ea typeface="Euclid Circular B" panose="020B0504000000000000" pitchFamily="34" charset="0"/>
               </a:rPr>
-              <a:t>operation </a:t>
+              <a:t>Custom </a:t>
             </a:r>
             <a:r>
               <a:rPr lang="en-US" dirty="0">
                 <a:latin typeface="Euclid Circular B" panose="020B0504000000000000" pitchFamily="34" charset="0"/>
                 <a:ea typeface="Euclid Circular B" panose="020B0504000000000000" pitchFamily="34" charset="0"/>
               </a:rPr>
-              <a:t>Y on a </a:t>
-            </a:r>
+              <a:t>policies</a:t>
+            </a:r>
+          </a:p>
+          <a:p>
+            <a:pPr lvl="1"/>
+            <a:r>
+              <a:rPr lang="en-US" dirty="0">
+                <a:latin typeface="Euclid Circular B" panose="020B0504000000000000" pitchFamily="34" charset="0"/>
+                <a:ea typeface="Euclid Circular B" panose="020B0504000000000000" pitchFamily="34" charset="0"/>
+              </a:rPr>
+              <a:t>Check permission database &amp; apply custom logic</a:t>
+            </a:r>
+          </a:p>
+          <a:p>
             <a:r>
               <a:rPr lang="en-US" b="1" dirty="0">
                 <a:latin typeface="Euclid Circular B" panose="020B0504000000000000" pitchFamily="34" charset="0"/>
                 <a:ea typeface="Euclid Circular B" panose="020B0504000000000000" pitchFamily="34" charset="0"/>
               </a:rPr>
-              <a:t>resource</a:t>
+              <a:t>Resource </a:t>
             </a:r>
             <a:r>
               <a:rPr lang="en-US" dirty="0">
                 <a:latin typeface="Euclid Circular B" panose="020B0504000000000000" pitchFamily="34" charset="0"/>
                 <a:ea typeface="Euclid Circular B" panose="020B0504000000000000" pitchFamily="34" charset="0"/>
               </a:rPr>
-              <a:t> Z?</a:t>
-            </a:r>
-          </a:p>
-          <a:p>
+              <a:t>based</a:t>
+            </a:r>
+          </a:p>
+          <a:p>
+            <a:pPr lvl="1"/>
             <a:r>
               <a:rPr lang="en-US" dirty="0">
                 <a:latin typeface="Euclid Circular B" panose="020B0504000000000000" pitchFamily="34" charset="0"/>
                 <a:ea typeface="Euclid Circular B" panose="020B0504000000000000" pitchFamily="34" charset="0"/>
               </a:rPr>
-              <a:t>Can </a:t>
-            </a:r>
-            <a:r>
-              <a:rPr lang="en-US" b="1" dirty="0">
-                <a:latin typeface="Euclid Circular B" panose="020B0504000000000000" pitchFamily="34" charset="0"/>
-                <a:ea typeface="Euclid Circular B" panose="020B0504000000000000" pitchFamily="34" charset="0"/>
-              </a:rPr>
-              <a:t>current user</a:t>
-            </a:r>
-            <a:r>
-              <a:rPr lang="en-US" dirty="0">
-                <a:latin typeface="Euclid Circular B" panose="020B0504000000000000" pitchFamily="34" charset="0"/>
-                <a:ea typeface="Euclid Circular B" panose="020B0504000000000000" pitchFamily="34" charset="0"/>
-              </a:rPr>
-              <a:t> (X) </a:t>
-            </a:r>
-            <a:r>
-              <a:rPr lang="en-US" b="1" dirty="0">
-                <a:latin typeface="Euclid Circular B" panose="020B0504000000000000" pitchFamily="34" charset="0"/>
-                <a:ea typeface="Euclid Circular B" panose="020B0504000000000000" pitchFamily="34" charset="0"/>
-              </a:rPr>
-              <a:t>edit</a:t>
-            </a:r>
-            <a:r>
-              <a:rPr lang="en-US" dirty="0">
-                <a:latin typeface="Euclid Circular B" panose="020B0504000000000000" pitchFamily="34" charset="0"/>
-                <a:ea typeface="Euclid Circular B" panose="020B0504000000000000" pitchFamily="34" charset="0"/>
-              </a:rPr>
-              <a:t> (Y)</a:t>
-            </a:r>
-            <a:r>
-              <a:rPr lang="en-US" b="1" dirty="0">
-                <a:latin typeface="Euclid Circular B" panose="020B0504000000000000" pitchFamily="34" charset="0"/>
-                <a:ea typeface="Euclid Circular B" panose="020B0504000000000000" pitchFamily="34" charset="0"/>
-              </a:rPr>
-              <a:t> </a:t>
-            </a:r>
-            <a:r>
-              <a:rPr lang="en-US" dirty="0">
-                <a:latin typeface="Euclid Circular B" panose="020B0504000000000000" pitchFamily="34" charset="0"/>
-                <a:ea typeface="Euclid Circular B" panose="020B0504000000000000" pitchFamily="34" charset="0"/>
-              </a:rPr>
-              <a:t>a </a:t>
-            </a:r>
-            <a:r>
-              <a:rPr lang="en-US" b="1" dirty="0">
-                <a:latin typeface="Euclid Circular B" panose="020B0504000000000000" pitchFamily="34" charset="0"/>
-                <a:ea typeface="Euclid Circular B" panose="020B0504000000000000" pitchFamily="34" charset="0"/>
-              </a:rPr>
-              <a:t>product</a:t>
-            </a:r>
-            <a:r>
-              <a:rPr lang="en-US" dirty="0">
-                <a:latin typeface="Euclid Circular B" panose="020B0504000000000000" pitchFamily="34" charset="0"/>
-                <a:ea typeface="Euclid Circular B" panose="020B0504000000000000" pitchFamily="34" charset="0"/>
-              </a:rPr>
-              <a:t> (Z)</a:t>
-            </a:r>
-            <a:r>
-              <a:rPr lang="en-US" b="1" dirty="0">
-                <a:latin typeface="Euclid Circular B" panose="020B0504000000000000" pitchFamily="34" charset="0"/>
-                <a:ea typeface="Euclid Circular B" panose="020B0504000000000000" pitchFamily="34" charset="0"/>
-              </a:rPr>
-              <a:t> </a:t>
-            </a:r>
-            <a:r>
-              <a:rPr lang="en-US" dirty="0">
-                <a:latin typeface="Euclid Circular B" panose="020B0504000000000000" pitchFamily="34" charset="0"/>
-                <a:ea typeface="Euclid Circular B" panose="020B0504000000000000" pitchFamily="34" charset="0"/>
-              </a:rPr>
-              <a:t>information?</a:t>
-            </a:r>
-          </a:p>
-          <a:p>
-            <a:pPr lvl="1"/>
-            <a:r>
-              <a:rPr lang="en-US" dirty="0">
-                <a:latin typeface="Euclid Circular B" panose="020B0504000000000000" pitchFamily="34" charset="0"/>
-                <a:ea typeface="Euclid Circular B" panose="020B0504000000000000" pitchFamily="34" charset="0"/>
-              </a:rPr>
-              <a:t>Do not allow if </a:t>
-            </a:r>
-            <a:r>
-              <a:rPr lang="en-US" b="1" dirty="0">
-                <a:latin typeface="Euclid Circular B" panose="020B0504000000000000" pitchFamily="34" charset="0"/>
-                <a:ea typeface="Euclid Circular B" panose="020B0504000000000000" pitchFamily="34" charset="0"/>
-              </a:rPr>
-              <a:t>product is locked</a:t>
-            </a:r>
-          </a:p>
-          <a:p>
-            <a:pPr lvl="1"/>
-            <a:r>
-              <a:rPr lang="en-US" dirty="0">
-                <a:latin typeface="Euclid Circular B" panose="020B0504000000000000" pitchFamily="34" charset="0"/>
-                <a:ea typeface="Euclid Circular B" panose="020B0504000000000000" pitchFamily="34" charset="0"/>
-              </a:rPr>
-              <a:t>Allow if the product was </a:t>
-            </a:r>
-            <a:r>
-              <a:rPr lang="en-US" b="1" dirty="0">
-                <a:latin typeface="Euclid Circular B" panose="020B0504000000000000" pitchFamily="34" charset="0"/>
-                <a:ea typeface="Euclid Circular B" panose="020B0504000000000000" pitchFamily="34" charset="0"/>
-              </a:rPr>
-              <a:t>created by the user</a:t>
-            </a:r>
-          </a:p>
-          <a:p>
-            <a:pPr lvl="1"/>
-            <a:r>
-              <a:rPr lang="en-US" dirty="0">
-                <a:latin typeface="Euclid Circular B" panose="020B0504000000000000" pitchFamily="34" charset="0"/>
-                <a:ea typeface="Euclid Circular B" panose="020B0504000000000000" pitchFamily="34" charset="0"/>
-              </a:rPr>
-              <a:t>Allow if the </a:t>
-            </a:r>
-            <a:r>
-              <a:rPr lang="en-US" b="1" dirty="0">
-                <a:latin typeface="Euclid Circular B" panose="020B0504000000000000" pitchFamily="34" charset="0"/>
-                <a:ea typeface="Euclid Circular B" panose="020B0504000000000000" pitchFamily="34" charset="0"/>
-              </a:rPr>
-              <a:t>user has permission </a:t>
-            </a:r>
-            <a:r>
-              <a:rPr lang="en-US" dirty="0">
-                <a:latin typeface="Euclid Circular B" panose="020B0504000000000000" pitchFamily="34" charset="0"/>
-                <a:ea typeface="Euclid Circular B" panose="020B0504000000000000" pitchFamily="34" charset="0"/>
-              </a:rPr>
-              <a:t>to edit products (permissions are managed by admin users)</a:t>
-            </a:r>
-          </a:p>
-          <a:p>
-            <a:pPr lvl="1"/>
-            <a:r>
-              <a:rPr lang="en-US" dirty="0">
-                <a:latin typeface="Euclid Circular B" panose="020B0504000000000000" pitchFamily="34" charset="0"/>
-                <a:ea typeface="Euclid Circular B" panose="020B0504000000000000" pitchFamily="34" charset="0"/>
-              </a:rPr>
-              <a:t>Allow if any of user’s </a:t>
-            </a:r>
-            <a:r>
-              <a:rPr lang="en-US" b="1" dirty="0">
-                <a:latin typeface="Euclid Circular B" panose="020B0504000000000000" pitchFamily="34" charset="0"/>
-                <a:ea typeface="Euclid Circular B" panose="020B0504000000000000" pitchFamily="34" charset="0"/>
-              </a:rPr>
-              <a:t>roles </a:t>
-            </a:r>
-            <a:r>
-              <a:rPr lang="en-US" dirty="0">
-                <a:latin typeface="Euclid Circular B" panose="020B0504000000000000" pitchFamily="34" charset="0"/>
-                <a:ea typeface="Euclid Circular B" panose="020B0504000000000000" pitchFamily="34" charset="0"/>
-              </a:rPr>
-              <a:t>has permission to edit products</a:t>
-            </a:r>
-          </a:p>
-          <a:p>
-            <a:pPr lvl="1"/>
-            <a:r>
-              <a:rPr lang="en-US" b="1" dirty="0">
-                <a:latin typeface="Euclid Circular B" panose="020B0504000000000000" pitchFamily="34" charset="0"/>
-                <a:ea typeface="Euclid Circular B" panose="020B0504000000000000" pitchFamily="34" charset="0"/>
-              </a:rPr>
-              <a:t>Only </a:t>
-            </a:r>
-            <a:r>
-              <a:rPr lang="en-US" dirty="0">
-                <a:latin typeface="Euclid Circular B" panose="020B0504000000000000" pitchFamily="34" charset="0"/>
-                <a:ea typeface="Euclid Circular B" panose="020B0504000000000000" pitchFamily="34" charset="0"/>
-              </a:rPr>
-              <a:t>allow if the user is working in the </a:t>
-            </a:r>
-            <a:r>
-              <a:rPr lang="en-US" b="1" dirty="0">
-                <a:latin typeface="Euclid Circular B" panose="020B0504000000000000" pitchFamily="34" charset="0"/>
-                <a:ea typeface="Euclid Circular B" panose="020B0504000000000000" pitchFamily="34" charset="0"/>
-              </a:rPr>
-              <a:t>department </a:t>
-            </a:r>
-            <a:r>
-              <a:rPr lang="en-US" dirty="0">
-                <a:latin typeface="Euclid Circular B" panose="020B0504000000000000" pitchFamily="34" charset="0"/>
-                <a:ea typeface="Euclid Circular B" panose="020B0504000000000000" pitchFamily="34" charset="0"/>
-              </a:rPr>
-              <a:t>the product belongs to</a:t>
+              <a:t>Check permission database &amp; apply custom logic based on the requested resource</a:t>
             </a:r>
           </a:p>
         </p:txBody>
@@ -25449,7 +27438,7 @@
     </p:spTree>
     <p:extLst>
       <p:ext uri="{BB962C8B-B14F-4D97-AF65-F5344CB8AC3E}">
-        <p14:creationId xmlns:p14="http://schemas.microsoft.com/office/powerpoint/2010/main" val="1762000987"/>
+        <p14:creationId xmlns:p14="http://schemas.microsoft.com/office/powerpoint/2010/main" val="2135019387"/>
       </p:ext>
     </p:extLst>
   </p:cSld>
@@ -25580,33 +27569,15 @@
                                   </p:childTnLst>
                                 </p:cTn>
                               </p:par>
-                            </p:childTnLst>
-                          </p:cTn>
-                        </p:par>
-                      </p:childTnLst>
-                    </p:cTn>
-                  </p:par>
-                  <p:par>
-                    <p:cTn id="13" fill="hold">
-                      <p:stCondLst>
-                        <p:cond delay="indefinite"/>
-                      </p:stCondLst>
-                      <p:childTnLst>
-                        <p:par>
-                          <p:cTn id="14" fill="hold">
-                            <p:stCondLst>
-                              <p:cond delay="0"/>
-                            </p:stCondLst>
-                            <p:childTnLst>
                               <p:par>
-                                <p:cTn id="15" presetID="10" presetClass="entr" presetSubtype="0" fill="hold" nodeType="clickEffect">
+                                <p:cTn id="13" presetID="10" presetClass="entr" presetSubtype="0" fill="hold" nodeType="withEffect">
                                   <p:stCondLst>
                                     <p:cond delay="0"/>
                                   </p:stCondLst>
                                   <p:childTnLst>
                                     <p:set>
                                       <p:cBhvr>
-                                        <p:cTn id="16" dur="1" fill="hold">
+                                        <p:cTn id="14" dur="1" fill="hold">
                                           <p:stCondLst>
                                             <p:cond delay="0"/>
                                           </p:stCondLst>
@@ -25628,7 +27599,7 @@
                                     </p:set>
                                     <p:animEffect transition="in" filter="fade">
                                       <p:cBhvr>
-                                        <p:cTn id="17" dur="500"/>
+                                        <p:cTn id="15" dur="500"/>
                                         <p:tgtEl>
                                           <p:spTgt spid="3">
                                             <p:txEl>
@@ -25648,26 +27619,26 @@
                     </p:cTn>
                   </p:par>
                   <p:par>
-                    <p:cTn id="18" fill="hold">
+                    <p:cTn id="16" fill="hold">
                       <p:stCondLst>
                         <p:cond delay="indefinite"/>
                       </p:stCondLst>
                       <p:childTnLst>
                         <p:par>
-                          <p:cTn id="19" fill="hold">
+                          <p:cTn id="17" fill="hold">
                             <p:stCondLst>
                               <p:cond delay="0"/>
                             </p:stCondLst>
                             <p:childTnLst>
                               <p:par>
-                                <p:cTn id="20" presetID="10" presetClass="entr" presetSubtype="0" fill="hold" nodeType="clickEffect">
+                                <p:cTn id="18" presetID="10" presetClass="entr" presetSubtype="0" fill="hold" nodeType="clickEffect">
                                   <p:stCondLst>
                                     <p:cond delay="0"/>
                                   </p:stCondLst>
                                   <p:childTnLst>
                                     <p:set>
                                       <p:cBhvr>
-                                        <p:cTn id="21" dur="1" fill="hold">
+                                        <p:cTn id="19" dur="1" fill="hold">
                                           <p:stCondLst>
                                             <p:cond delay="0"/>
                                           </p:stCondLst>
@@ -25689,11 +27660,54 @@
                                     </p:set>
                                     <p:animEffect transition="in" filter="fade">
                                       <p:cBhvr>
-                                        <p:cTn id="22" dur="500"/>
+                                        <p:cTn id="20" dur="500"/>
                                         <p:tgtEl>
                                           <p:spTgt spid="3">
                                             <p:txEl>
                                               <p:pRg st="3" end="3"/>
+                                            </p:txEl>
+                                          </p:spTgt>
+                                        </p:tgtEl>
+                                      </p:cBhvr>
+                                    </p:animEffect>
+                                  </p:childTnLst>
+                                </p:cTn>
+                              </p:par>
+                              <p:par>
+                                <p:cTn id="21" presetID="10" presetClass="entr" presetSubtype="0" fill="hold" nodeType="withEffect">
+                                  <p:stCondLst>
+                                    <p:cond delay="0"/>
+                                  </p:stCondLst>
+                                  <p:childTnLst>
+                                    <p:set>
+                                      <p:cBhvr>
+                                        <p:cTn id="22" dur="1" fill="hold">
+                                          <p:stCondLst>
+                                            <p:cond delay="0"/>
+                                          </p:stCondLst>
+                                        </p:cTn>
+                                        <p:tgtEl>
+                                          <p:spTgt spid="3">
+                                            <p:txEl>
+                                              <p:pRg st="4" end="4"/>
+                                            </p:txEl>
+                                          </p:spTgt>
+                                        </p:tgtEl>
+                                        <p:attrNameLst>
+                                          <p:attrName>style.visibility</p:attrName>
+                                        </p:attrNameLst>
+                                      </p:cBhvr>
+                                      <p:to>
+                                        <p:strVal val="visible"/>
+                                      </p:to>
+                                    </p:set>
+                                    <p:animEffect transition="in" filter="fade">
+                                      <p:cBhvr>
+                                        <p:cTn id="23" dur="500"/>
+                                        <p:tgtEl>
+                                          <p:spTgt spid="3">
+                                            <p:txEl>
+                                              <p:pRg st="4" end="4"/>
                                             </p:txEl>
                                           </p:spTgt>
                                         </p:tgtEl>
@@ -25709,26 +27723,26 @@
                     </p:cTn>
                   </p:par>
                   <p:par>
-                    <p:cTn id="23" fill="hold">
+                    <p:cTn id="24" fill="hold">
                       <p:stCondLst>
                         <p:cond delay="indefinite"/>
                       </p:stCondLst>
                       <p:childTnLst>
                         <p:par>
-                          <p:cTn id="24" fill="hold">
+                          <p:cTn id="25" fill="hold">
                             <p:stCondLst>
                               <p:cond delay="0"/>
                             </p:stCondLst>
                             <p:childTnLst>
                               <p:par>
-                                <p:cTn id="25" presetID="10" presetClass="entr" presetSubtype="0" fill="hold" nodeType="clickEffect">
+                                <p:cTn id="26" presetID="10" presetClass="entr" presetSubtype="0" fill="hold" nodeType="clickEffect">
                                   <p:stCondLst>
                                     <p:cond delay="0"/>
                                   </p:stCondLst>
                                   <p:childTnLst>
                                     <p:set>
                                       <p:cBhvr>
-                                        <p:cTn id="26" dur="1" fill="hold">
+                                        <p:cTn id="27" dur="1" fill="hold">
                                           <p:stCondLst>
                                             <p:cond delay="0"/>
                                           </p:stCondLst>
@@ -25736,7 +27750,7 @@
                                         <p:tgtEl>
                                           <p:spTgt spid="3">
                                             <p:txEl>
-                                              <p:pRg st="4" end="4"/>
+                                              <p:pRg st="5" end="5"/>
                                             </p:txEl>
                                           </p:spTgt>
                                         </p:tgtEl>
@@ -25750,11 +27764,11 @@
                                     </p:set>
                                     <p:animEffect transition="in" filter="fade">
                                       <p:cBhvr>
-                                        <p:cTn id="27" dur="500"/>
+                                        <p:cTn id="28" dur="500"/>
                                         <p:tgtEl>
                                           <p:spTgt spid="3">
                                             <p:txEl>
-                                              <p:pRg st="4" end="4"/>
+                                              <p:pRg st="5" end="5"/>
                                             </p:txEl>
                                           </p:spTgt>
                                         </p:tgtEl>
@@ -25763,33 +27777,15 @@
                                   </p:childTnLst>
                                 </p:cTn>
                               </p:par>
-                            </p:childTnLst>
-                          </p:cTn>
-                        </p:par>
-                      </p:childTnLst>
-                    </p:cTn>
-                  </p:par>
-                  <p:par>
-                    <p:cTn id="28" fill="hold">
-                      <p:stCondLst>
-                        <p:cond delay="indefinite"/>
-                      </p:stCondLst>
-                      <p:childTnLst>
-                        <p:par>
-                          <p:cTn id="29" fill="hold">
-                            <p:stCondLst>
-                              <p:cond delay="0"/>
-                            </p:stCondLst>
-                            <p:childTnLst>
                               <p:par>
-                                <p:cTn id="30" presetID="10" presetClass="entr" presetSubtype="0" fill="hold" nodeType="clickEffect">
+                                <p:cTn id="29" presetID="10" presetClass="entr" presetSubtype="0" fill="hold" nodeType="withEffect">
                                   <p:stCondLst>
                                     <p:cond delay="0"/>
                                   </p:stCondLst>
                                   <p:childTnLst>
                                     <p:set>
                                       <p:cBhvr>
-                                        <p:cTn id="31" dur="1" fill="hold">
+                                        <p:cTn id="30" dur="1" fill="hold">
                                           <p:stCondLst>
                                             <p:cond delay="0"/>
                                           </p:stCondLst>
@@ -25797,7 +27793,7 @@
                                         <p:tgtEl>
                                           <p:spTgt spid="3">
                                             <p:txEl>
-                                              <p:pRg st="5" end="5"/>
+                                              <p:pRg st="6" end="6"/>
                                             </p:txEl>
                                           </p:spTgt>
                                         </p:tgtEl>
@@ -25811,68 +27807,7 @@
                                     </p:set>
                                     <p:animEffect transition="in" filter="fade">
                                       <p:cBhvr>
-                                        <p:cTn id="32" dur="500"/>
-                                        <p:tgtEl>
-                                          <p:spTgt spid="3">
-                                            <p:txEl>
-                                              <p:pRg st="5" end="5"/>
-                                            </p:txEl>
-                                          </p:spTgt>
-                                        </p:tgtEl>
-                                      </p:cBhvr>
-                                    </p:animEffect>
-                                  </p:childTnLst>
-                                </p:cTn>
-                              </p:par>
-                            </p:childTnLst>
-                          </p:cTn>
-                        </p:par>
-                      </p:childTnLst>
-                    </p:cTn>
-                  </p:par>
-                  <p:par>
-                    <p:cTn id="33" fill="hold">
-                      <p:stCondLst>
-                        <p:cond delay="indefinite"/>
-                      </p:stCondLst>
-                      <p:childTnLst>
-                        <p:par>
-                          <p:cTn id="34" fill="hold">
-                            <p:stCondLst>
-                              <p:cond delay="0"/>
-                            </p:stCondLst>
-                            <p:childTnLst>
-                              <p:par>
-                                <p:cTn id="35" presetID="10" presetClass="entr" presetSubtype="0" fill="hold" nodeType="clickEffect">
-                                  <p:stCondLst>
-                                    <p:cond delay="0"/>
-                                  </p:stCondLst>
-                                  <p:childTnLst>
-                                    <p:set>
-                                      <p:cBhvr>
-                                        <p:cTn id="36" dur="1" fill="hold">
-                                          <p:stCondLst>
-                                            <p:cond delay="0"/>
-                                          </p:stCondLst>
-                                        </p:cTn>
-                                        <p:tgtEl>
-                                          <p:spTgt spid="3">
-                                            <p:txEl>
-                                              <p:pRg st="6" end="6"/>
-                                            </p:txEl>
-                                          </p:spTgt>
-                                        </p:tgtEl>
-                                        <p:attrNameLst>
-                                          <p:attrName>style.visibility</p:attrName>
-                                        </p:attrNameLst>
-                                      </p:cBhvr>
-                                      <p:to>
-                                        <p:strVal val="visible"/>
-                                      </p:to>
-                                    </p:set>
-                                    <p:animEffect transition="in" filter="fade">
-                                      <p:cBhvr>
-                                        <p:cTn id="37" dur="500"/>
+                                        <p:cTn id="31" dur="500"/>
                                         <p:tgtEl>
                                           <p:spTgt spid="3">
                                             <p:txEl>
@@ -25995,7 +27930,7 @@
                 <a:latin typeface="Euclid Circular B" panose="020B0504000000000000" pitchFamily="34" charset="0"/>
                 <a:ea typeface="Euclid Circular B" panose="020B0504000000000000" pitchFamily="34" charset="0"/>
               </a:rPr>
-              <a:t>Components</a:t>
+              <a:t>Resource based policy</a:t>
             </a:r>
           </a:p>
         </p:txBody>
@@ -26018,47 +27953,136 @@
         </p:nvSpPr>
         <p:spPr/>
         <p:txBody>
-          <a:bodyPr>
-            <a:normAutofit fontScale="85000" lnSpcReduction="20000"/>
-          </a:bodyPr>
+          <a:bodyPr/>
           <a:lstStyle/>
           <a:p>
             <a:r>
+              <a:rPr lang="en-US" dirty="0">
+                <a:latin typeface="Euclid Circular B" panose="020B0504000000000000" pitchFamily="34" charset="0"/>
+                <a:ea typeface="Euclid Circular B" panose="020B0504000000000000" pitchFamily="34" charset="0"/>
+              </a:rPr>
+              <a:t>Can a </a:t>
+            </a:r>
+            <a:r>
               <a:rPr lang="en-US" b="1" dirty="0">
                 <a:latin typeface="Euclid Circular B" panose="020B0504000000000000" pitchFamily="34" charset="0"/>
                 <a:ea typeface="Euclid Circular B" panose="020B0504000000000000" pitchFamily="34" charset="0"/>
               </a:rPr>
-              <a:t>Where </a:t>
+              <a:t>user or client </a:t>
             </a:r>
             <a:r>
               <a:rPr lang="en-US" dirty="0">
                 <a:latin typeface="Euclid Circular B" panose="020B0504000000000000" pitchFamily="34" charset="0"/>
                 <a:ea typeface="Euclid Circular B" panose="020B0504000000000000" pitchFamily="34" charset="0"/>
               </a:rPr>
-              <a:t>to force authorization?</a:t>
-            </a:r>
-            <a:br>
+              <a:t>X do an </a:t>
+            </a:r>
+            <a:r>
+              <a:rPr lang="en-US" b="1" dirty="0">
+                <a:latin typeface="Euclid Circular B" panose="020B0504000000000000" pitchFamily="34" charset="0"/>
+                <a:ea typeface="Euclid Circular B" panose="020B0504000000000000" pitchFamily="34" charset="0"/>
+              </a:rPr>
+              <a:t>operation </a:t>
+            </a:r>
+            <a:r>
               <a:rPr lang="en-US" dirty="0">
                 <a:latin typeface="Euclid Circular B" panose="020B0504000000000000" pitchFamily="34" charset="0"/>
                 <a:ea typeface="Euclid Circular B" panose="020B0504000000000000" pitchFamily="34" charset="0"/>
               </a:rPr>
-            </a:br>
-            <a:r>
-              <a:rPr lang="en-US" b="1" i="1" dirty="0">
-                <a:solidFill>
-                  <a:srgbClr val="0070C0"/>
-                </a:solidFill>
-                <a:latin typeface="Euclid Circular B" panose="020B0504000000000000" pitchFamily="34" charset="0"/>
-                <a:ea typeface="Euclid Circular B" panose="020B0504000000000000" pitchFamily="34" charset="0"/>
-              </a:rPr>
-              <a:t>PEP</a:t>
-            </a:r>
-            <a:r>
-              <a:rPr lang="en-US" i="1" dirty="0">
-                <a:latin typeface="Euclid Circular B" panose="020B0504000000000000" pitchFamily="34" charset="0"/>
-                <a:ea typeface="Euclid Circular B" panose="020B0504000000000000" pitchFamily="34" charset="0"/>
-              </a:rPr>
-              <a:t>: Policy Enforcement Point</a:t>
+              <a:t>Y on a </a:t>
+            </a:r>
+            <a:r>
+              <a:rPr lang="en-US" b="1" dirty="0">
+                <a:latin typeface="Euclid Circular B" panose="020B0504000000000000" pitchFamily="34" charset="0"/>
+                <a:ea typeface="Euclid Circular B" panose="020B0504000000000000" pitchFamily="34" charset="0"/>
+              </a:rPr>
+              <a:t>resource</a:t>
+            </a:r>
+            <a:r>
+              <a:rPr lang="en-US" dirty="0">
+                <a:latin typeface="Euclid Circular B" panose="020B0504000000000000" pitchFamily="34" charset="0"/>
+                <a:ea typeface="Euclid Circular B" panose="020B0504000000000000" pitchFamily="34" charset="0"/>
+              </a:rPr>
+              <a:t> Z?</a:t>
+            </a:r>
+          </a:p>
+          <a:p>
+            <a:r>
+              <a:rPr lang="en-US" dirty="0">
+                <a:latin typeface="Euclid Circular B" panose="020B0504000000000000" pitchFamily="34" charset="0"/>
+                <a:ea typeface="Euclid Circular B" panose="020B0504000000000000" pitchFamily="34" charset="0"/>
+              </a:rPr>
+              <a:t>Can </a:t>
+            </a:r>
+            <a:r>
+              <a:rPr lang="en-US" b="1" dirty="0">
+                <a:latin typeface="Euclid Circular B" panose="020B0504000000000000" pitchFamily="34" charset="0"/>
+                <a:ea typeface="Euclid Circular B" panose="020B0504000000000000" pitchFamily="34" charset="0"/>
+              </a:rPr>
+              <a:t>current user</a:t>
+            </a:r>
+            <a:r>
+              <a:rPr lang="en-US" dirty="0">
+                <a:latin typeface="Euclid Circular B" panose="020B0504000000000000" pitchFamily="34" charset="0"/>
+                <a:ea typeface="Euclid Circular B" panose="020B0504000000000000" pitchFamily="34" charset="0"/>
+              </a:rPr>
+              <a:t> (X) </a:t>
+            </a:r>
+            <a:r>
+              <a:rPr lang="en-US" b="1" dirty="0">
+                <a:latin typeface="Euclid Circular B" panose="020B0504000000000000" pitchFamily="34" charset="0"/>
+                <a:ea typeface="Euclid Circular B" panose="020B0504000000000000" pitchFamily="34" charset="0"/>
+              </a:rPr>
+              <a:t>edit</a:t>
+            </a:r>
+            <a:r>
+              <a:rPr lang="en-US" dirty="0">
+                <a:latin typeface="Euclid Circular B" panose="020B0504000000000000" pitchFamily="34" charset="0"/>
+                <a:ea typeface="Euclid Circular B" panose="020B0504000000000000" pitchFamily="34" charset="0"/>
+              </a:rPr>
+              <a:t> (Y)</a:t>
+            </a:r>
+            <a:r>
+              <a:rPr lang="en-US" b="1" dirty="0">
+                <a:latin typeface="Euclid Circular B" panose="020B0504000000000000" pitchFamily="34" charset="0"/>
+                <a:ea typeface="Euclid Circular B" panose="020B0504000000000000" pitchFamily="34" charset="0"/>
+              </a:rPr>
+              <a:t> </a:t>
+            </a:r>
+            <a:r>
+              <a:rPr lang="en-US" dirty="0">
+                <a:latin typeface="Euclid Circular B" panose="020B0504000000000000" pitchFamily="34" charset="0"/>
+                <a:ea typeface="Euclid Circular B" panose="020B0504000000000000" pitchFamily="34" charset="0"/>
+              </a:rPr>
+              <a:t>a </a:t>
+            </a:r>
+            <a:r>
+              <a:rPr lang="en-US" b="1" dirty="0">
+                <a:latin typeface="Euclid Circular B" panose="020B0504000000000000" pitchFamily="34" charset="0"/>
+                <a:ea typeface="Euclid Circular B" panose="020B0504000000000000" pitchFamily="34" charset="0"/>
+              </a:rPr>
+              <a:t>product</a:t>
+            </a:r>
+            <a:r>
+              <a:rPr lang="en-US" dirty="0">
+                <a:latin typeface="Euclid Circular B" panose="020B0504000000000000" pitchFamily="34" charset="0"/>
+                <a:ea typeface="Euclid Circular B" panose="020B0504000000000000" pitchFamily="34" charset="0"/>
+              </a:rPr>
+              <a:t> (Z)</a:t>
+            </a:r>
+            <a:r>
+              <a:rPr lang="en-US" b="1" dirty="0">
+                <a:latin typeface="Euclid Circular B" panose="020B0504000000000000" pitchFamily="34" charset="0"/>
+                <a:ea typeface="Euclid Circular B" panose="020B0504000000000000" pitchFamily="34" charset="0"/>
+              </a:rPr>
+              <a:t> </a:t>
+            </a:r>
+            <a:r>
+              <a:rPr lang="en-US" dirty="0">
+                <a:latin typeface="Euclid Circular B" panose="020B0504000000000000" pitchFamily="34" charset="0"/>
+                <a:ea typeface="Euclid Circular B" panose="020B0504000000000000" pitchFamily="34" charset="0"/>
+              </a:rPr>
+              <a:t>information?</a:t>
             </a:r>
           </a:p>
           <a:p>
@@ -26068,56 +28092,55 @@
                 <a:latin typeface="Euclid Circular B" panose="020B0504000000000000" pitchFamily="34" charset="0"/>
                 <a:ea typeface="Euclid Circular B" panose="020B0504000000000000" pitchFamily="34" charset="0"/>
               </a:rPr>
-              <a:t>In the API Gateway? In the current service?</a:t>
-            </a:r>
-            <a:br>
-              <a:rPr lang="en-US" i="1" dirty="0">
-                <a:latin typeface="Euclid Circular B" panose="020B0504000000000000" pitchFamily="34" charset="0"/>
-                <a:ea typeface="Euclid Circular B" panose="020B0504000000000000" pitchFamily="34" charset="0"/>
-              </a:rPr>
-            </a:br>
-            <a:endParaRPr lang="en-US" i="1" dirty="0">
-              <a:latin typeface="Euclid Circular B" panose="020B0504000000000000" pitchFamily="34" charset="0"/>
-              <a:ea typeface="Euclid Circular B" panose="020B0504000000000000" pitchFamily="34" charset="0"/>
-            </a:endParaRPr>
-          </a:p>
-          <a:p>
+              <a:t>Do not allow if </a:t>
+            </a:r>
             <a:r>
               <a:rPr lang="en-US" b="1" dirty="0">
                 <a:latin typeface="Euclid Circular B" panose="020B0504000000000000" pitchFamily="34" charset="0"/>
                 <a:ea typeface="Euclid Circular B" panose="020B0504000000000000" pitchFamily="34" charset="0"/>
               </a:rPr>
-              <a:t>Where </a:t>
-            </a:r>
+              <a:t>product is locked</a:t>
+            </a:r>
+          </a:p>
+          <a:p>
+            <a:pPr lvl="1"/>
             <a:r>
               <a:rPr lang="en-US" dirty="0">
                 <a:latin typeface="Euclid Circular B" panose="020B0504000000000000" pitchFamily="34" charset="0"/>
                 <a:ea typeface="Euclid Circular B" panose="020B0504000000000000" pitchFamily="34" charset="0"/>
               </a:rPr>
-              <a:t>to perform the authorization logic?</a:t>
-            </a:r>
-            <a:br>
+              <a:t>Allow if the product was </a:t>
+            </a:r>
+            <a:r>
+              <a:rPr lang="en-US" b="1" dirty="0">
+                <a:latin typeface="Euclid Circular B" panose="020B0504000000000000" pitchFamily="34" charset="0"/>
+                <a:ea typeface="Euclid Circular B" panose="020B0504000000000000" pitchFamily="34" charset="0"/>
+              </a:rPr>
+              <a:t>created by the user</a:t>
+            </a:r>
+          </a:p>
+          <a:p>
+            <a:pPr lvl="1"/>
+            <a:r>
               <a:rPr lang="en-US" dirty="0">
                 <a:latin typeface="Euclid Circular B" panose="020B0504000000000000" pitchFamily="34" charset="0"/>
                 <a:ea typeface="Euclid Circular B" panose="020B0504000000000000" pitchFamily="34" charset="0"/>
               </a:rPr>
-            </a:br>
-            <a:r>
-              <a:rPr lang="en-US" b="1" i="1" dirty="0">
-                <a:solidFill>
-                  <a:srgbClr val="0070C0"/>
-                </a:solidFill>
-                <a:latin typeface="Euclid Circular B" panose="020B0504000000000000" pitchFamily="34" charset="0"/>
-                <a:ea typeface="Euclid Circular B" panose="020B0504000000000000" pitchFamily="34" charset="0"/>
-              </a:rPr>
-              <a:t>PDP</a:t>
-            </a:r>
-            <a:r>
-              <a:rPr lang="en-US" i="1" dirty="0">
-                <a:latin typeface="Euclid Circular B" panose="020B0504000000000000" pitchFamily="34" charset="0"/>
-                <a:ea typeface="Euclid Circular B" panose="020B0504000000000000" pitchFamily="34" charset="0"/>
-              </a:rPr>
-              <a:t>: Policy Decision Point</a:t>
+              <a:t>Allow if the </a:t>
+            </a:r>
+            <a:r>
+              <a:rPr lang="en-US" b="1" dirty="0">
+                <a:latin typeface="Euclid Circular B" panose="020B0504000000000000" pitchFamily="34" charset="0"/>
+                <a:ea typeface="Euclid Circular B" panose="020B0504000000000000" pitchFamily="34" charset="0"/>
+              </a:rPr>
+              <a:t>user has permission </a:t>
+            </a:r>
+            <a:r>
+              <a:rPr lang="en-US" dirty="0">
+                <a:latin typeface="Euclid Circular B" panose="020B0504000000000000" pitchFamily="34" charset="0"/>
+                <a:ea typeface="Euclid Circular B" panose="020B0504000000000000" pitchFamily="34" charset="0"/>
+              </a:rPr>
+              <a:t>to edit products (permissions are managed by admin users)</a:t>
             </a:r>
           </a:p>
           <a:p>
@@ -26127,167 +28150,52 @@
                 <a:latin typeface="Euclid Circular B" panose="020B0504000000000000" pitchFamily="34" charset="0"/>
                 <a:ea typeface="Euclid Circular B" panose="020B0504000000000000" pitchFamily="34" charset="0"/>
               </a:rPr>
-              <a:t>In the current process? In a dedicated service?</a:t>
-            </a:r>
-            <a:br>
+              <a:t>Allow if any of user’s </a:t>
+            </a:r>
+            <a:r>
+              <a:rPr lang="en-US" b="1" dirty="0">
+                <a:latin typeface="Euclid Circular B" panose="020B0504000000000000" pitchFamily="34" charset="0"/>
+                <a:ea typeface="Euclid Circular B" panose="020B0504000000000000" pitchFamily="34" charset="0"/>
+              </a:rPr>
+              <a:t>roles </a:t>
+            </a:r>
+            <a:r>
               <a:rPr lang="en-US" dirty="0">
                 <a:latin typeface="Euclid Circular B" panose="020B0504000000000000" pitchFamily="34" charset="0"/>
                 <a:ea typeface="Euclid Circular B" panose="020B0504000000000000" pitchFamily="34" charset="0"/>
               </a:rPr>
-            </a:br>
-            <a:endParaRPr lang="en-US" dirty="0">
-              <a:latin typeface="Euclid Circular B" panose="020B0504000000000000" pitchFamily="34" charset="0"/>
-              <a:ea typeface="Euclid Circular B" panose="020B0504000000000000" pitchFamily="34" charset="0"/>
-            </a:endParaRPr>
-          </a:p>
-          <a:p>
+              <a:t>has permission to edit products</a:t>
+            </a:r>
+          </a:p>
+          <a:p>
+            <a:pPr lvl="1"/>
             <a:r>
               <a:rPr lang="en-US" b="1" dirty="0">
                 <a:latin typeface="Euclid Circular B" panose="020B0504000000000000" pitchFamily="34" charset="0"/>
                 <a:ea typeface="Euclid Circular B" panose="020B0504000000000000" pitchFamily="34" charset="0"/>
               </a:rPr>
-              <a:t>Where </a:t>
+              <a:t>Only </a:t>
             </a:r>
             <a:r>
               <a:rPr lang="en-US" dirty="0">
                 <a:latin typeface="Euclid Circular B" panose="020B0504000000000000" pitchFamily="34" charset="0"/>
                 <a:ea typeface="Euclid Circular B" panose="020B0504000000000000" pitchFamily="34" charset="0"/>
               </a:rPr>
-              <a:t>and </a:t>
+              <a:t>allow if the user is working in the </a:t>
             </a:r>
             <a:r>
               <a:rPr lang="en-US" b="1" dirty="0">
                 <a:latin typeface="Euclid Circular B" panose="020B0504000000000000" pitchFamily="34" charset="0"/>
                 <a:ea typeface="Euclid Circular B" panose="020B0504000000000000" pitchFamily="34" charset="0"/>
               </a:rPr>
-              <a:t>how </a:t>
+              <a:t>department </a:t>
             </a:r>
             <a:r>
               <a:rPr lang="en-US" dirty="0">
                 <a:latin typeface="Euclid Circular B" panose="020B0504000000000000" pitchFamily="34" charset="0"/>
                 <a:ea typeface="Euclid Circular B" panose="020B0504000000000000" pitchFamily="34" charset="0"/>
               </a:rPr>
-              <a:t>to </a:t>
-            </a:r>
-            <a:r>
-              <a:rPr lang="en-US" b="1" dirty="0">
-                <a:latin typeface="Euclid Circular B" panose="020B0504000000000000" pitchFamily="34" charset="0"/>
-                <a:ea typeface="Euclid Circular B" panose="020B0504000000000000" pitchFamily="34" charset="0"/>
-              </a:rPr>
-              <a:t>obtain the data </a:t>
-            </a:r>
-            <a:r>
-              <a:rPr lang="en-US" dirty="0">
-                <a:latin typeface="Euclid Circular B" panose="020B0504000000000000" pitchFamily="34" charset="0"/>
-                <a:ea typeface="Euclid Circular B" panose="020B0504000000000000" pitchFamily="34" charset="0"/>
-              </a:rPr>
-              <a:t>to perform the authorization logic?</a:t>
-            </a:r>
-            <a:br>
-              <a:rPr lang="en-US" dirty="0">
-                <a:latin typeface="Euclid Circular B" panose="020B0504000000000000" pitchFamily="34" charset="0"/>
-                <a:ea typeface="Euclid Circular B" panose="020B0504000000000000" pitchFamily="34" charset="0"/>
-              </a:rPr>
-            </a:br>
-            <a:r>
-              <a:rPr lang="en-US" b="1" i="1" dirty="0">
-                <a:solidFill>
-                  <a:srgbClr val="0070C0"/>
-                </a:solidFill>
-                <a:latin typeface="Euclid Circular B" panose="020B0504000000000000" pitchFamily="34" charset="0"/>
-                <a:ea typeface="Euclid Circular B" panose="020B0504000000000000" pitchFamily="34" charset="0"/>
-              </a:rPr>
-              <a:t>PIP</a:t>
-            </a:r>
-            <a:r>
-              <a:rPr lang="en-US" i="1" dirty="0">
-                <a:latin typeface="Euclid Circular B" panose="020B0504000000000000" pitchFamily="34" charset="0"/>
-                <a:ea typeface="Euclid Circular B" panose="020B0504000000000000" pitchFamily="34" charset="0"/>
-              </a:rPr>
-              <a:t>: Policy Information Point</a:t>
-            </a:r>
-          </a:p>
-          <a:p>
-            <a:pPr lvl="1"/>
-            <a:r>
-              <a:rPr lang="en-US" dirty="0">
-                <a:latin typeface="Euclid Circular B" panose="020B0504000000000000" pitchFamily="34" charset="0"/>
-                <a:ea typeface="Euclid Circular B" panose="020B0504000000000000" pitchFamily="34" charset="0"/>
-              </a:rPr>
-              <a:t>Direct database access? Collect on-demand? Pre-duplicate?</a:t>
-            </a:r>
-            <a:br>
-              <a:rPr lang="en-US" dirty="0">
-                <a:latin typeface="Euclid Circular B" panose="020B0504000000000000" pitchFamily="34" charset="0"/>
-                <a:ea typeface="Euclid Circular B" panose="020B0504000000000000" pitchFamily="34" charset="0"/>
-              </a:rPr>
-            </a:br>
-            <a:endParaRPr lang="en-US" dirty="0">
-              <a:latin typeface="Euclid Circular B" panose="020B0504000000000000" pitchFamily="34" charset="0"/>
-              <a:ea typeface="Euclid Circular B" panose="020B0504000000000000" pitchFamily="34" charset="0"/>
-            </a:endParaRPr>
-          </a:p>
-          <a:p>
-            <a:r>
-              <a:rPr lang="en-US" b="1" dirty="0">
-                <a:latin typeface="Euclid Circular B" panose="020B0504000000000000" pitchFamily="34" charset="0"/>
-                <a:ea typeface="Euclid Circular B" panose="020B0504000000000000" pitchFamily="34" charset="0"/>
-              </a:rPr>
-              <a:t>Where </a:t>
-            </a:r>
-            <a:r>
-              <a:rPr lang="en-US" dirty="0">
-                <a:latin typeface="Euclid Circular B" panose="020B0504000000000000" pitchFamily="34" charset="0"/>
-                <a:ea typeface="Euclid Circular B" panose="020B0504000000000000" pitchFamily="34" charset="0"/>
-              </a:rPr>
-              <a:t>and </a:t>
-            </a:r>
-            <a:r>
-              <a:rPr lang="en-US" b="1" dirty="0">
-                <a:latin typeface="Euclid Circular B" panose="020B0504000000000000" pitchFamily="34" charset="0"/>
-                <a:ea typeface="Euclid Circular B" panose="020B0504000000000000" pitchFamily="34" charset="0"/>
-              </a:rPr>
-              <a:t>how </a:t>
-            </a:r>
-            <a:r>
-              <a:rPr lang="en-US" dirty="0">
-                <a:latin typeface="Euclid Circular B" panose="020B0504000000000000" pitchFamily="34" charset="0"/>
-                <a:ea typeface="Euclid Circular B" panose="020B0504000000000000" pitchFamily="34" charset="0"/>
-              </a:rPr>
-              <a:t>to manage policies and permissions?</a:t>
-            </a:r>
-            <a:br>
-              <a:rPr lang="en-US" dirty="0">
-                <a:latin typeface="Euclid Circular B" panose="020B0504000000000000" pitchFamily="34" charset="0"/>
-                <a:ea typeface="Euclid Circular B" panose="020B0504000000000000" pitchFamily="34" charset="0"/>
-              </a:rPr>
-            </a:br>
-            <a:r>
-              <a:rPr lang="en-US" b="1" i="1" dirty="0">
-                <a:solidFill>
-                  <a:srgbClr val="0070C0"/>
-                </a:solidFill>
-                <a:latin typeface="Euclid Circular B" panose="020B0504000000000000" pitchFamily="34" charset="0"/>
-                <a:ea typeface="Euclid Circular B" panose="020B0504000000000000" pitchFamily="34" charset="0"/>
-              </a:rPr>
-              <a:t>PAP</a:t>
-            </a:r>
-            <a:r>
-              <a:rPr lang="en-US" i="1" dirty="0">
-                <a:latin typeface="Euclid Circular B" panose="020B0504000000000000" pitchFamily="34" charset="0"/>
-                <a:ea typeface="Euclid Circular B" panose="020B0504000000000000" pitchFamily="34" charset="0"/>
-              </a:rPr>
-              <a:t>: Policy Administration Point</a:t>
-            </a:r>
-          </a:p>
-          <a:p>
-            <a:pPr lvl="1"/>
-            <a:r>
-              <a:rPr lang="en-US" dirty="0">
-                <a:latin typeface="Euclid Circular B" panose="020B0504000000000000" pitchFamily="34" charset="0"/>
-                <a:ea typeface="Euclid Circular B" panose="020B0504000000000000" pitchFamily="34" charset="0"/>
-              </a:rPr>
-              <a:t>Typically, on a user interface</a:t>
+              <a:t>the product belongs to</a:t>
             </a:r>
           </a:p>
         </p:txBody>
@@ -26295,7 +28203,7 @@
     </p:spTree>
     <p:extLst>
       <p:ext uri="{BB962C8B-B14F-4D97-AF65-F5344CB8AC3E}">
-        <p14:creationId xmlns:p14="http://schemas.microsoft.com/office/powerpoint/2010/main" val="1041851902"/>
+        <p14:creationId xmlns:p14="http://schemas.microsoft.com/office/powerpoint/2010/main" val="1762000987"/>
       </p:ext>
     </p:extLst>
   </p:cSld>
@@ -26723,67 +28631,6 @@
                                           <p:spTgt spid="3">
                                             <p:txEl>
                                               <p:pRg st="6" end="6"/>
-                                            </p:txEl>
-                                          </p:spTgt>
-                                        </p:tgtEl>
-                                      </p:cBhvr>
-                                    </p:animEffect>
-                                  </p:childTnLst>
-                                </p:cTn>
-                              </p:par>
-                            </p:childTnLst>
-                          </p:cTn>
-                        </p:par>
-                      </p:childTnLst>
-                    </p:cTn>
-                  </p:par>
-                  <p:par>
-                    <p:cTn id="38" fill="hold">
-                      <p:stCondLst>
-                        <p:cond delay="indefinite"/>
-                      </p:stCondLst>
-                      <p:childTnLst>
-                        <p:par>
-                          <p:cTn id="39" fill="hold">
-                            <p:stCondLst>
-                              <p:cond delay="0"/>
-                            </p:stCondLst>
-                            <p:childTnLst>
-                              <p:par>
-                                <p:cTn id="40" presetID="10" presetClass="entr" presetSubtype="0" fill="hold" nodeType="clickEffect">
-                                  <p:stCondLst>
-                                    <p:cond delay="0"/>
-                                  </p:stCondLst>
-                                  <p:childTnLst>
-                                    <p:set>
-                                      <p:cBhvr>
-                                        <p:cTn id="41" dur="1" fill="hold">
-                                          <p:stCondLst>
-                                            <p:cond delay="0"/>
-                                          </p:stCondLst>
-                                        </p:cTn>
-                                        <p:tgtEl>
-                                          <p:spTgt spid="3">
-                                            <p:txEl>
-                                              <p:pRg st="7" end="7"/>
-                                            </p:txEl>
-                                          </p:spTgt>
-                                        </p:tgtEl>
-                                        <p:attrNameLst>
-                                          <p:attrName>style.visibility</p:attrName>
-                                        </p:attrNameLst>
-                                      </p:cBhvr>
-                                      <p:to>
-                                        <p:strVal val="visible"/>
-                                      </p:to>
-                                    </p:set>
-                                    <p:animEffect transition="in" filter="fade">
-                                      <p:cBhvr>
-                                        <p:cTn id="42" dur="500"/>
-                                        <p:tgtEl>
-                                          <p:spTgt spid="3">
-                                            <p:txEl>
-                                              <p:pRg st="7" end="7"/>
                                             </p:txEl>
                                           </p:spTgt>
                                         </p:tgtEl>

--- a/2022-10-15 Authorization-In-Distributed-Systems/Authorization-In-Distributed-Systems.pptx
+++ b/2022-10-15 Authorization-In-Distributed-Systems/Authorization-In-Distributed-Systems.pptx
@@ -22518,7 +22518,7 @@
                 <a:latin typeface="Euclid Circular B" panose="020B0504000000000000" pitchFamily="34" charset="0"/>
                 <a:ea typeface="Euclid Circular B" panose="020B0504000000000000" pitchFamily="34" charset="0"/>
               </a:rPr>
-              <a:t>Querying with Permissions</a:t>
+              <a:t>Filtering with Permissions</a:t>
             </a:r>
           </a:p>
         </p:txBody>
@@ -22603,7 +22603,21 @@
                 <a:latin typeface="Euclid Circular B" panose="020B0504000000000000" pitchFamily="34" charset="0"/>
                 <a:ea typeface="Euclid Circular B" panose="020B0504000000000000" pitchFamily="34" charset="0"/>
               </a:rPr>
-              <a:t>(entities), filtered based on </a:t>
+              <a:t>(entities), </a:t>
+            </a:r>
+            <a:r>
+              <a:rPr lang="en-US" sz="2400" b="1" dirty="0">
+                <a:latin typeface="Euclid Circular B" panose="020B0504000000000000" pitchFamily="34" charset="0"/>
+                <a:ea typeface="Euclid Circular B" panose="020B0504000000000000" pitchFamily="34" charset="0"/>
+              </a:rPr>
+              <a:t>filtered</a:t>
+            </a:r>
+            <a:r>
+              <a:rPr lang="en-US" sz="2400" dirty="0">
+                <a:latin typeface="Euclid Circular B" panose="020B0504000000000000" pitchFamily="34" charset="0"/>
+                <a:ea typeface="Euclid Circular B" panose="020B0504000000000000" pitchFamily="34" charset="0"/>
+              </a:rPr>
+              <a:t> based on </a:t>
             </a:r>
             <a:r>
               <a:rPr lang="en-US" sz="2400" b="1" dirty="0">
@@ -22672,9 +22686,6 @@
                     <p:cTn id="3" fill="hold">
                       <p:stCondLst>
                         <p:cond delay="indefinite"/>
-                        <p:cond evt="onBegin" delay="0">
-                          <p:tn val="2"/>
-                        </p:cond>
                       </p:stCondLst>
                       <p:childTnLst>
                         <p:par>
@@ -22684,7 +22695,7 @@
                             </p:stCondLst>
                             <p:childTnLst>
                               <p:par>
-                                <p:cTn id="5" presetID="10" presetClass="entr" presetSubtype="0" fill="hold" nodeType="withEffect">
+                                <p:cTn id="5" presetID="10" presetClass="entr" presetSubtype="0" fill="hold" nodeType="clickEffect">
                                   <p:stCondLst>
                                     <p:cond delay="0"/>
                                   </p:stCondLst>
@@ -22720,6 +22731,59 @@
                                               <p:pRg st="0" end="0"/>
                                             </p:txEl>
                                           </p:spTgt>
+                                        </p:tgtEl>
+                                      </p:cBhvr>
+                                    </p:animEffect>
+                                  </p:childTnLst>
+                                </p:cTn>
+                              </p:par>
+                            </p:childTnLst>
+                          </p:cTn>
+                        </p:par>
+                      </p:childTnLst>
+                    </p:cTn>
+                  </p:par>
+                  <p:par>
+                    <p:cTn id="8" fill="hold">
+                      <p:stCondLst>
+                        <p:cond delay="indefinite"/>
+                      </p:stCondLst>
+                      <p:childTnLst>
+                        <p:par>
+                          <p:cTn id="9" fill="hold">
+                            <p:stCondLst>
+                              <p:cond delay="0"/>
+                            </p:stCondLst>
+                            <p:childTnLst>
+                              <p:par>
+                                <p:cTn id="10" presetID="10" presetClass="entr" presetSubtype="0" fill="hold" nodeType="clickEffect">
+                                  <p:stCondLst>
+                                    <p:cond delay="0"/>
+                                  </p:stCondLst>
+                                  <p:childTnLst>
+                                    <p:set>
+                                      <p:cBhvr>
+                                        <p:cTn id="11" dur="1" fill="hold">
+                                          <p:stCondLst>
+                                            <p:cond delay="0"/>
+                                          </p:stCondLst>
+                                        </p:cTn>
+                                        <p:tgtEl>
+                                          <p:spTgt spid="7"/>
+                                        </p:tgtEl>
+                                        <p:attrNameLst>
+                                          <p:attrName>style.visibility</p:attrName>
+                                        </p:attrNameLst>
+                                      </p:cBhvr>
+                                      <p:to>
+                                        <p:strVal val="visible"/>
+                                      </p:to>
+                                    </p:set>
+                                    <p:animEffect transition="in" filter="fade">
+                                      <p:cBhvr>
+                                        <p:cTn id="12" dur="500"/>
+                                        <p:tgtEl>
+                                          <p:spTgt spid="7"/>
                                         </p:tgtEl>
                                       </p:cBhvr>
                                     </p:animEffect>

--- a/2022-10-15 Authorization-In-Distributed-Systems/Authorization-In-Distributed-Systems.pptx
+++ b/2022-10-15 Authorization-In-Distributed-Systems/Authorization-In-Distributed-Systems.pptx
@@ -25771,13 +25771,15 @@
               </a:ext>
             </a:extLst>
           </p:cNvPr>
-          <p:cNvCxnSpPr/>
+          <p:cNvCxnSpPr>
+            <a:cxnSpLocks/>
+          </p:cNvCxnSpPr>
           <p:nvPr/>
         </p:nvCxnSpPr>
         <p:spPr>
           <a:xfrm flipH="1">
-            <a:off x="6230473" y="4163499"/>
-            <a:ext cx="1044392" cy="1147351"/>
+            <a:off x="6230473" y="4350275"/>
+            <a:ext cx="3578996" cy="960575"/>
           </a:xfrm>
           <a:prstGeom prst="straightConnector1">
             <a:avLst/>
@@ -25901,8 +25903,8 @@
           <p:nvPr/>
         </p:nvSpPr>
         <p:spPr>
-          <a:xfrm rot="18713382">
-            <a:off x="6142184" y="4485488"/>
+          <a:xfrm rot="20728788">
+            <a:off x="7423286" y="4830505"/>
             <a:ext cx="1000467" cy="338554"/>
           </a:xfrm>
           <a:prstGeom prst="rect">
@@ -25911,7 +25913,7 @@
           <a:noFill/>
         </p:spPr>
         <p:txBody>
-          <a:bodyPr wrap="none" rtlCol="0">
+          <a:bodyPr wrap="square" rtlCol="0">
             <a:spAutoFit/>
           </a:bodyPr>
           <a:lstStyle/>
@@ -26686,7 +26688,7 @@
                                           </p:stCondLst>
                                         </p:cTn>
                                         <p:tgtEl>
-                                          <p:spTgt spid="59"/>
+                                          <p:spTgt spid="51"/>
                                         </p:tgtEl>
                                         <p:attrNameLst>
                                           <p:attrName>style.visibility</p:attrName>
@@ -26700,7 +26702,7 @@
                                       <p:cBhvr>
                                         <p:cTn id="70" dur="500"/>
                                         <p:tgtEl>
-                                          <p:spTgt spid="59"/>
+                                          <p:spTgt spid="51"/>
                                         </p:tgtEl>
                                       </p:cBhvr>
                                     </p:animEffect>
@@ -26708,7 +26710,7 @@
                                 </p:cTn>
                               </p:par>
                               <p:par>
-                                <p:cTn id="71" presetID="10" presetClass="entr" presetSubtype="0" fill="hold" nodeType="withEffect">
+                                <p:cTn id="71" presetID="10" presetClass="entr" presetSubtype="0" fill="hold" grpId="0" nodeType="withEffect">
                                   <p:stCondLst>
                                     <p:cond delay="0"/>
                                   </p:stCondLst>
@@ -26721,7 +26723,7 @@
                                           </p:stCondLst>
                                         </p:cTn>
                                         <p:tgtEl>
-                                          <p:spTgt spid="56"/>
+                                          <p:spTgt spid="53"/>
                                         </p:tgtEl>
                                         <p:attrNameLst>
                                           <p:attrName>style.visibility</p:attrName>
@@ -26735,7 +26737,7 @@
                                       <p:cBhvr>
                                         <p:cTn id="73" dur="500"/>
                                         <p:tgtEl>
-                                          <p:spTgt spid="56"/>
+                                          <p:spTgt spid="53"/>
                                         </p:tgtEl>
                                       </p:cBhvr>
                                     </p:animEffect>
@@ -26756,7 +26758,7 @@
                                           </p:stCondLst>
                                         </p:cTn>
                                         <p:tgtEl>
-                                          <p:spTgt spid="51"/>
+                                          <p:spTgt spid="54"/>
                                         </p:tgtEl>
                                         <p:attrNameLst>
                                           <p:attrName>style.visibility</p:attrName>
@@ -26770,7 +26772,7 @@
                                       <p:cBhvr>
                                         <p:cTn id="76" dur="500"/>
                                         <p:tgtEl>
-                                          <p:spTgt spid="51"/>
+                                          <p:spTgt spid="54"/>
                                         </p:tgtEl>
                                       </p:cBhvr>
                                     </p:animEffect>
@@ -26778,7 +26780,7 @@
                                 </p:cTn>
                               </p:par>
                               <p:par>
-                                <p:cTn id="77" presetID="10" presetClass="entr" presetSubtype="0" fill="hold" grpId="0" nodeType="withEffect">
+                                <p:cTn id="77" presetID="10" presetClass="entr" presetSubtype="0" fill="hold" nodeType="withEffect">
                                   <p:stCondLst>
                                     <p:cond delay="0"/>
                                   </p:stCondLst>
@@ -26791,7 +26793,7 @@
                                           </p:stCondLst>
                                         </p:cTn>
                                         <p:tgtEl>
-                                          <p:spTgt spid="53"/>
+                                          <p:spTgt spid="57"/>
                                         </p:tgtEl>
                                         <p:attrNameLst>
                                           <p:attrName>style.visibility</p:attrName>
@@ -26805,7 +26807,7 @@
                                       <p:cBhvr>
                                         <p:cTn id="79" dur="500"/>
                                         <p:tgtEl>
-                                          <p:spTgt spid="53"/>
+                                          <p:spTgt spid="57"/>
                                         </p:tgtEl>
                                       </p:cBhvr>
                                     </p:animEffect>
@@ -26826,7 +26828,7 @@
                                           </p:stCondLst>
                                         </p:cTn>
                                         <p:tgtEl>
-                                          <p:spTgt spid="54"/>
+                                          <p:spTgt spid="32"/>
                                         </p:tgtEl>
                                         <p:attrNameLst>
                                           <p:attrName>style.visibility</p:attrName>
@@ -26840,7 +26842,60 @@
                                       <p:cBhvr>
                                         <p:cTn id="82" dur="500"/>
                                         <p:tgtEl>
-                                          <p:spTgt spid="54"/>
+                                          <p:spTgt spid="32"/>
+                                        </p:tgtEl>
+                                      </p:cBhvr>
+                                    </p:animEffect>
+                                  </p:childTnLst>
+                                </p:cTn>
+                              </p:par>
+                            </p:childTnLst>
+                          </p:cTn>
+                        </p:par>
+                      </p:childTnLst>
+                    </p:cTn>
+                  </p:par>
+                  <p:par>
+                    <p:cTn id="83" fill="hold">
+                      <p:stCondLst>
+                        <p:cond delay="indefinite"/>
+                      </p:stCondLst>
+                      <p:childTnLst>
+                        <p:par>
+                          <p:cTn id="84" fill="hold">
+                            <p:stCondLst>
+                              <p:cond delay="0"/>
+                            </p:stCondLst>
+                            <p:childTnLst>
+                              <p:par>
+                                <p:cTn id="85" presetID="10" presetClass="entr" presetSubtype="0" fill="hold" grpId="0" nodeType="clickEffect">
+                                  <p:stCondLst>
+                                    <p:cond delay="0"/>
+                                  </p:stCondLst>
+                                  <p:childTnLst>
+                                    <p:set>
+                                      <p:cBhvr>
+                                        <p:cTn id="86" dur="1" fill="hold">
+                                          <p:stCondLst>
+                                            <p:cond delay="0"/>
+                                          </p:stCondLst>
+                                        </p:cTn>
+                                        <p:tgtEl>
+                                          <p:spTgt spid="59"/>
+                                        </p:tgtEl>
+                                        <p:attrNameLst>
+                                          <p:attrName>style.visibility</p:attrName>
+                                        </p:attrNameLst>
+                                      </p:cBhvr>
+                                      <p:to>
+                                        <p:strVal val="visible"/>
+                                      </p:to>
+                                    </p:set>
+                                    <p:animEffect transition="in" filter="fade">
+                                      <p:cBhvr>
+                                        <p:cTn id="87" dur="500"/>
+                                        <p:tgtEl>
+                                          <p:spTgt spid="59"/>
                                         </p:tgtEl>
                                       </p:cBhvr>
                                     </p:animEffect>
@@ -26848,20 +26903,20 @@
                                 </p:cTn>
                               </p:par>
                               <p:par>
-                                <p:cTn id="83" presetID="10" presetClass="entr" presetSubtype="0" fill="hold" nodeType="withEffect">
+                                <p:cTn id="88" presetID="10" presetClass="entr" presetSubtype="0" fill="hold" nodeType="withEffect">
                                   <p:stCondLst>
                                     <p:cond delay="0"/>
                                   </p:stCondLst>
                                   <p:childTnLst>
                                     <p:set>
                                       <p:cBhvr>
-                                        <p:cTn id="84" dur="1" fill="hold">
+                                        <p:cTn id="89" dur="1" fill="hold">
                                           <p:stCondLst>
                                             <p:cond delay="0"/>
                                           </p:stCondLst>
                                         </p:cTn>
                                         <p:tgtEl>
-                                          <p:spTgt spid="57"/>
+                                          <p:spTgt spid="56"/>
                                         </p:tgtEl>
                                         <p:attrNameLst>
                                           <p:attrName>style.visibility</p:attrName>
@@ -26873,44 +26928,9 @@
                                     </p:set>
                                     <p:animEffect transition="in" filter="fade">
                                       <p:cBhvr>
-                                        <p:cTn id="85" dur="500"/>
-                                        <p:tgtEl>
-                                          <p:spTgt spid="57"/>
-                                        </p:tgtEl>
-                                      </p:cBhvr>
-                                    </p:animEffect>
-                                  </p:childTnLst>
-                                </p:cTn>
-                              </p:par>
-                              <p:par>
-                                <p:cTn id="86" presetID="10" presetClass="entr" presetSubtype="0" fill="hold" grpId="0" nodeType="withEffect">
-                                  <p:stCondLst>
-                                    <p:cond delay="0"/>
-                                  </p:stCondLst>
-                                  <p:childTnLst>
-                                    <p:set>
-                                      <p:cBhvr>
-                                        <p:cTn id="87" dur="1" fill="hold">
-                                          <p:stCondLst>
-                                            <p:cond delay="0"/>
-                                          </p:stCondLst>
-                                        </p:cTn>
-                                        <p:tgtEl>
-                                          <p:spTgt spid="32"/>
-                                        </p:tgtEl>
-                                        <p:attrNameLst>
-                                          <p:attrName>style.visibility</p:attrName>
-                                        </p:attrNameLst>
-                                      </p:cBhvr>
-                                      <p:to>
-                                        <p:strVal val="visible"/>
-                                      </p:to>
-                                    </p:set>
-                                    <p:animEffect transition="in" filter="fade">
-                                      <p:cBhvr>
-                                        <p:cTn id="88" dur="500"/>
-                                        <p:tgtEl>
-                                          <p:spTgt spid="32"/>
+                                        <p:cTn id="90" dur="500"/>
+                                        <p:tgtEl>
+                                          <p:spTgt spid="56"/>
                                         </p:tgtEl>
                                       </p:cBhvr>
                                     </p:animEffect>

--- a/2022-10-15 Authorization-In-Distributed-Systems/Authorization-In-Distributed-Systems.pptx
+++ b/2022-10-15 Authorization-In-Distributed-Systems/Authorization-In-Distributed-Systems.pptx
@@ -3284,7 +3284,7 @@
           <a:p>
             <a:fld id="{2A14C9FE-EBC3-45D3-899C-58AAF4F8AF71}" type="datetimeFigureOut">
               <a:rPr lang="en-US" smtClean="0"/>
-              <a:t>09-Oct-22</a:t>
+              <a:t>12-Oct-22</a:t>
             </a:fld>
             <a:endParaRPr lang="en-US"/>
           </a:p>
@@ -3482,7 +3482,7 @@
           <a:p>
             <a:fld id="{2A14C9FE-EBC3-45D3-899C-58AAF4F8AF71}" type="datetimeFigureOut">
               <a:rPr lang="en-US" smtClean="0"/>
-              <a:t>09-Oct-22</a:t>
+              <a:t>12-Oct-22</a:t>
             </a:fld>
             <a:endParaRPr lang="en-US"/>
           </a:p>
@@ -3690,7 +3690,7 @@
           <a:p>
             <a:fld id="{2A14C9FE-EBC3-45D3-899C-58AAF4F8AF71}" type="datetimeFigureOut">
               <a:rPr lang="en-US" smtClean="0"/>
-              <a:t>09-Oct-22</a:t>
+              <a:t>12-Oct-22</a:t>
             </a:fld>
             <a:endParaRPr lang="en-US"/>
           </a:p>
@@ -3888,7 +3888,7 @@
           <a:p>
             <a:fld id="{2A14C9FE-EBC3-45D3-899C-58AAF4F8AF71}" type="datetimeFigureOut">
               <a:rPr lang="en-US" smtClean="0"/>
-              <a:t>09-Oct-22</a:t>
+              <a:t>12-Oct-22</a:t>
             </a:fld>
             <a:endParaRPr lang="en-US"/>
           </a:p>
@@ -4163,7 +4163,7 @@
           <a:p>
             <a:fld id="{2A14C9FE-EBC3-45D3-899C-58AAF4F8AF71}" type="datetimeFigureOut">
               <a:rPr lang="en-US" smtClean="0"/>
-              <a:t>09-Oct-22</a:t>
+              <a:t>12-Oct-22</a:t>
             </a:fld>
             <a:endParaRPr lang="en-US"/>
           </a:p>
@@ -4428,7 +4428,7 @@
           <a:p>
             <a:fld id="{2A14C9FE-EBC3-45D3-899C-58AAF4F8AF71}" type="datetimeFigureOut">
               <a:rPr lang="en-US" smtClean="0"/>
-              <a:t>09-Oct-22</a:t>
+              <a:t>12-Oct-22</a:t>
             </a:fld>
             <a:endParaRPr lang="en-US"/>
           </a:p>
@@ -4840,7 +4840,7 @@
           <a:p>
             <a:fld id="{2A14C9FE-EBC3-45D3-899C-58AAF4F8AF71}" type="datetimeFigureOut">
               <a:rPr lang="en-US" smtClean="0"/>
-              <a:t>09-Oct-22</a:t>
+              <a:t>12-Oct-22</a:t>
             </a:fld>
             <a:endParaRPr lang="en-US"/>
           </a:p>
@@ -4981,7 +4981,7 @@
           <a:p>
             <a:fld id="{2A14C9FE-EBC3-45D3-899C-58AAF4F8AF71}" type="datetimeFigureOut">
               <a:rPr lang="en-US" smtClean="0"/>
-              <a:t>09-Oct-22</a:t>
+              <a:t>12-Oct-22</a:t>
             </a:fld>
             <a:endParaRPr lang="en-US"/>
           </a:p>
@@ -5094,7 +5094,7 @@
           <a:p>
             <a:fld id="{2A14C9FE-EBC3-45D3-899C-58AAF4F8AF71}" type="datetimeFigureOut">
               <a:rPr lang="en-US" smtClean="0"/>
-              <a:t>09-Oct-22</a:t>
+              <a:t>12-Oct-22</a:t>
             </a:fld>
             <a:endParaRPr lang="en-US"/>
           </a:p>
@@ -5405,7 +5405,7 @@
           <a:p>
             <a:fld id="{2A14C9FE-EBC3-45D3-899C-58AAF4F8AF71}" type="datetimeFigureOut">
               <a:rPr lang="en-US" smtClean="0"/>
-              <a:t>09-Oct-22</a:t>
+              <a:t>12-Oct-22</a:t>
             </a:fld>
             <a:endParaRPr lang="en-US"/>
           </a:p>
@@ -5693,7 +5693,7 @@
           <a:p>
             <a:fld id="{2A14C9FE-EBC3-45D3-899C-58AAF4F8AF71}" type="datetimeFigureOut">
               <a:rPr lang="en-US" smtClean="0"/>
-              <a:t>09-Oct-22</a:t>
+              <a:t>12-Oct-22</a:t>
             </a:fld>
             <a:endParaRPr lang="en-US"/>
           </a:p>
@@ -5934,7 +5934,7 @@
           <a:p>
             <a:fld id="{2A14C9FE-EBC3-45D3-899C-58AAF4F8AF71}" type="datetimeFigureOut">
               <a:rPr lang="en-US" smtClean="0"/>
-              <a:t>09-Oct-22</a:t>
+              <a:t>12-Oct-22</a:t>
             </a:fld>
             <a:endParaRPr lang="en-US"/>
           </a:p>
@@ -15290,7 +15290,7 @@
             <a:pPr algn="ctr"/>
             <a:r>
               <a:rPr lang="en-US" dirty="0"/>
-              <a:t>Microservice A</a:t>
+              <a:t>Microservice B</a:t>
             </a:r>
           </a:p>
         </p:txBody>
